--- a/Optimization/hpc_efficiency.pptx
+++ b/Optimization/hpc_efficiency.pptx
@@ -5,17 +5,18 @@
     <p:sldMasterId id="2147483648" r:id="rId1"/>
   </p:sldMasterIdLst>
   <p:sldIdLst>
-    <p:sldId id="256" r:id="rId2"/>
-    <p:sldId id="257" r:id="rId3"/>
-    <p:sldId id="258" r:id="rId4"/>
-    <p:sldId id="259" r:id="rId5"/>
-    <p:sldId id="260" r:id="rId6"/>
-    <p:sldId id="261" r:id="rId7"/>
-    <p:sldId id="262" r:id="rId8"/>
-    <p:sldId id="263" r:id="rId9"/>
-    <p:sldId id="264" r:id="rId10"/>
-    <p:sldId id="265" r:id="rId11"/>
-    <p:sldId id="266" r:id="rId12"/>
+    <p:sldId id="267" r:id="rId2"/>
+    <p:sldId id="268" r:id="rId3"/>
+    <p:sldId id="257" r:id="rId4"/>
+    <p:sldId id="258" r:id="rId5"/>
+    <p:sldId id="259" r:id="rId6"/>
+    <p:sldId id="260" r:id="rId7"/>
+    <p:sldId id="261" r:id="rId8"/>
+    <p:sldId id="262" r:id="rId9"/>
+    <p:sldId id="263" r:id="rId10"/>
+    <p:sldId id="264" r:id="rId11"/>
+    <p:sldId id="265" r:id="rId12"/>
+    <p:sldId id="266" r:id="rId13"/>
   </p:sldIdLst>
   <p:sldSz cx="9144000" cy="6858000" type="screen4x3"/>
   <p:notesSz cx="6858000" cy="9144000"/>
@@ -4291,7 +4292,7 @@
           <a:p>
             <a:r>
               <a:rPr lang="en-US" dirty="0" smtClean="0"/>
-              <a:t>Scaling</a:t>
+              <a:t>HPC efficiency considerations</a:t>
             </a:r>
             <a:endParaRPr lang="nl-BE" dirty="0"/>
           </a:p>
@@ -4307,14 +4308,113 @@
             <p:ph type="subTitle" idx="1"/>
           </p:nvPr>
         </p:nvSpPr>
+        <p:spPr>
+          <a:xfrm>
+            <a:off x="1371600" y="3886200"/>
+            <a:ext cx="6400800" cy="1415008"/>
+          </a:xfrm>
+        </p:spPr>
+        <p:txBody>
+          <a:bodyPr>
+            <a:normAutofit/>
+          </a:bodyPr>
+          <a:lstStyle/>
+          <a:p>
+            <a:r>
+              <a:rPr lang="en-US" dirty="0" smtClean="0"/>
+              <a:t>Geert Jan Bex</a:t>
+            </a:r>
+            <a:br>
+              <a:rPr lang="en-US" dirty="0" smtClean="0"/>
+            </a:br>
+            <a:r>
+              <a:rPr lang="en-US" dirty="0" smtClean="0"/>
+              <a:t> (</a:t>
+            </a:r>
+            <a:r>
+              <a:rPr lang="en-US" dirty="0" smtClean="0">
+                <a:hlinkClick r:id="rId2"/>
+              </a:rPr>
+              <a:t>geertjan.bex@uhasselt.be</a:t>
+            </a:r>
+            <a:r>
+              <a:rPr lang="en-US" dirty="0" smtClean="0"/>
+              <a:t>)</a:t>
+            </a:r>
+          </a:p>
+        </p:txBody>
+      </p:sp>
+      <p:sp>
+        <p:nvSpPr>
+          <p:cNvPr id="4" name="Slide Number Placeholder 3"/>
+          <p:cNvSpPr>
+            <a:spLocks noGrp="1"/>
+          </p:cNvSpPr>
+          <p:nvPr>
+            <p:ph type="sldNum" sz="quarter" idx="12"/>
+          </p:nvPr>
+        </p:nvSpPr>
         <p:spPr/>
         <p:txBody>
           <a:bodyPr/>
           <a:lstStyle/>
           <a:p>
+            <a:fld id="{5A209D72-2E9D-49B0-8977-41DCCC66C0BB}" type="slidenum">
+              <a:rPr lang="nl-BE" smtClean="0"/>
+              <a:t>1</a:t>
+            </a:fld>
+            <a:endParaRPr lang="nl-BE"/>
+          </a:p>
+        </p:txBody>
+      </p:sp>
+      <p:sp>
+        <p:nvSpPr>
+          <p:cNvPr id="5" name="TextBox 4"/>
+          <p:cNvSpPr txBox="1"/>
+          <p:nvPr/>
+        </p:nvSpPr>
+        <p:spPr>
+          <a:xfrm>
+            <a:off x="1775204" y="5445224"/>
+            <a:ext cx="6869573" cy="646331"/>
+          </a:xfrm>
+          <a:prstGeom prst="rect">
+            <a:avLst/>
+          </a:prstGeom>
+          <a:noFill/>
+        </p:spPr>
+        <p:txBody>
+          <a:bodyPr wrap="none" rtlCol="0">
+            <a:spAutoFit/>
+          </a:bodyPr>
+          <a:lstStyle/>
+          <a:p>
+            <a:r>
+              <a:rPr lang="en-US" b="1" dirty="0" smtClean="0"/>
+              <a:t>License</a:t>
+            </a:r>
             <a:r>
               <a:rPr lang="en-US" dirty="0" smtClean="0"/>
-              <a:t>Geert Jan Bex</a:t>
+              <a:t>: this presentation is released under the Creative Commons, see</a:t>
+            </a:r>
+            <a:br>
+              <a:rPr lang="en-US" dirty="0" smtClean="0"/>
+            </a:br>
+            <a:r>
+              <a:rPr lang="nl-BE" dirty="0">
+                <a:hlinkClick r:id="rId3"/>
+              </a:rPr>
+              <a:t>http://creativecommons.org/publicdomain/zero/1.0</a:t>
+            </a:r>
+            <a:r>
+              <a:rPr lang="nl-BE" dirty="0" smtClean="0">
+                <a:hlinkClick r:id="rId3"/>
+              </a:rPr>
+              <a:t>/</a:t>
+            </a:r>
+            <a:r>
+              <a:rPr lang="nl-BE" dirty="0" smtClean="0"/>
+              <a:t> </a:t>
             </a:r>
             <a:endParaRPr lang="nl-BE" dirty="0"/>
           </a:p>
@@ -4323,7 +4423,7 @@
     </p:spTree>
     <p:extLst>
       <p:ext uri="{BB962C8B-B14F-4D97-AF65-F5344CB8AC3E}">
-        <p14:creationId xmlns:p14="http://schemas.microsoft.com/office/powerpoint/2010/main" val="2879720112"/>
+        <p14:creationId xmlns:p14="http://schemas.microsoft.com/office/powerpoint/2010/main" val="2849504813"/>
       </p:ext>
     </p:extLst>
   </p:cSld>
@@ -4374,60 +4474,890 @@
           <a:p>
             <a:r>
               <a:rPr lang="en-US" dirty="0" smtClean="0"/>
-              <a:t>We love Gustafson</a:t>
+              <a:t>Weak scaling</a:t>
             </a:r>
             <a:endParaRPr lang="nl-BE" dirty="0"/>
           </a:p>
         </p:txBody>
       </p:sp>
+      <mc:AlternateContent xmlns:mc="http://schemas.openxmlformats.org/markup-compatibility/2006" xmlns:a14="http://schemas.microsoft.com/office/drawing/2010/main">
+        <mc:Choice Requires="a14">
+          <p:sp>
+            <p:nvSpPr>
+              <p:cNvPr id="3" name="Content Placeholder 2"/>
+              <p:cNvSpPr>
+                <a:spLocks noGrp="1"/>
+              </p:cNvSpPr>
+              <p:nvPr>
+                <p:ph idx="1"/>
+              </p:nvPr>
+            </p:nvSpPr>
+            <p:spPr/>
+            <p:txBody>
+              <a:bodyPr/>
+              <a:lstStyle/>
+              <a:p>
+                <a:r>
+                  <a:rPr lang="en-US" dirty="0" smtClean="0"/>
+                  <a:t>Consider a system of "size" </a:t>
+                </a:r>
+                <a14:m>
+                  <m:oMath xmlns:m="http://schemas.openxmlformats.org/officeDocument/2006/math">
+                    <m:r>
+                      <a:rPr lang="en-US" i="1" dirty="0" smtClean="0">
+                        <a:latin typeface="Cambria Math"/>
+                      </a:rPr>
+                      <m:t>𝑁</m:t>
+                    </m:r>
+                  </m:oMath>
+                </a14:m>
+                <a:endParaRPr lang="en-US" dirty="0" smtClean="0"/>
+              </a:p>
+              <a:p>
+                <a:pPr lvl="1"/>
+                <a:r>
+                  <a:rPr lang="en-US" dirty="0" smtClean="0"/>
+                  <a:t>as before </a:t>
+                </a:r>
+                <a14:m>
+                  <m:oMath xmlns:m="http://schemas.openxmlformats.org/officeDocument/2006/math">
+                    <m:sSub>
+                      <m:sSubPr>
+                        <m:ctrlPr>
+                          <a:rPr lang="en-US" i="1" smtClean="0">
+                            <a:latin typeface="Cambria Math" panose="02040503050406030204" pitchFamily="18" charset="0"/>
+                          </a:rPr>
+                        </m:ctrlPr>
+                      </m:sSubPr>
+                      <m:e>
+                        <m:r>
+                          <a:rPr lang="en-US" b="0" i="1" smtClean="0">
+                            <a:latin typeface="Cambria Math"/>
+                          </a:rPr>
+                          <m:t>𝑇</m:t>
+                        </m:r>
+                      </m:e>
+                      <m:sub>
+                        <m:r>
+                          <a:rPr lang="en-US" b="0" i="1" smtClean="0">
+                            <a:latin typeface="Cambria Math"/>
+                          </a:rPr>
+                          <m:t>1</m:t>
+                        </m:r>
+                      </m:sub>
+                    </m:sSub>
+                    <m:r>
+                      <a:rPr lang="en-US" b="0" i="1" smtClean="0">
+                        <a:latin typeface="Cambria Math"/>
+                      </a:rPr>
+                      <m:t>=</m:t>
+                    </m:r>
+                    <m:sSub>
+                      <m:sSubPr>
+                        <m:ctrlPr>
+                          <a:rPr lang="en-US" b="0" i="1" smtClean="0">
+                            <a:latin typeface="Cambria Math" panose="02040503050406030204" pitchFamily="18" charset="0"/>
+                          </a:rPr>
+                        </m:ctrlPr>
+                      </m:sSubPr>
+                      <m:e>
+                        <m:r>
+                          <a:rPr lang="en-US" b="0" i="1" smtClean="0">
+                            <a:latin typeface="Cambria Math"/>
+                          </a:rPr>
+                          <m:t>𝑇</m:t>
+                        </m:r>
+                      </m:e>
+                      <m:sub>
+                        <m:r>
+                          <a:rPr lang="en-US" b="0" i="1" smtClean="0">
+                            <a:latin typeface="Cambria Math"/>
+                          </a:rPr>
+                          <m:t>𝑠</m:t>
+                        </m:r>
+                      </m:sub>
+                    </m:sSub>
+                    <m:r>
+                      <a:rPr lang="en-US" b="0" i="1" smtClean="0">
+                        <a:latin typeface="Cambria Math"/>
+                      </a:rPr>
+                      <m:t>+</m:t>
+                    </m:r>
+                    <m:sSub>
+                      <m:sSubPr>
+                        <m:ctrlPr>
+                          <a:rPr lang="en-US" b="0" i="1" smtClean="0">
+                            <a:latin typeface="Cambria Math" panose="02040503050406030204" pitchFamily="18" charset="0"/>
+                          </a:rPr>
+                        </m:ctrlPr>
+                      </m:sSubPr>
+                      <m:e>
+                        <m:r>
+                          <a:rPr lang="en-US" b="0" i="1" smtClean="0">
+                            <a:latin typeface="Cambria Math"/>
+                          </a:rPr>
+                          <m:t>𝑇</m:t>
+                        </m:r>
+                      </m:e>
+                      <m:sub>
+                        <m:r>
+                          <a:rPr lang="en-US" b="0" i="1" smtClean="0">
+                            <a:latin typeface="Cambria Math"/>
+                          </a:rPr>
+                          <m:t>𝑝</m:t>
+                        </m:r>
+                      </m:sub>
+                    </m:sSub>
+                  </m:oMath>
+                </a14:m>
+                <a:endParaRPr lang="en-US" b="0" dirty="0" smtClean="0"/>
+              </a:p>
+              <a:p>
+                <a:pPr lvl="1"/>
+                <a:r>
+                  <a:rPr lang="en-US" dirty="0" smtClean="0"/>
+                  <a:t>but now assume </a:t>
+                </a:r>
+                <a14:m>
+                  <m:oMath xmlns:m="http://schemas.openxmlformats.org/officeDocument/2006/math">
+                    <m:sSub>
+                      <m:sSubPr>
+                        <m:ctrlPr>
+                          <a:rPr lang="en-US" b="0" i="1" smtClean="0">
+                            <a:latin typeface="Cambria Math" panose="02040503050406030204" pitchFamily="18" charset="0"/>
+                          </a:rPr>
+                        </m:ctrlPr>
+                      </m:sSubPr>
+                      <m:e>
+                        <m:r>
+                          <a:rPr lang="en-US" b="0" i="1" smtClean="0">
+                            <a:latin typeface="Cambria Math"/>
+                          </a:rPr>
+                          <m:t>𝑇</m:t>
+                        </m:r>
+                      </m:e>
+                      <m:sub>
+                        <m:r>
+                          <a:rPr lang="en-US" b="0" i="1" smtClean="0">
+                            <a:latin typeface="Cambria Math"/>
+                          </a:rPr>
+                          <m:t>𝑠</m:t>
+                        </m:r>
+                      </m:sub>
+                    </m:sSub>
+                  </m:oMath>
+                </a14:m>
+                <a:r>
+                  <a:rPr lang="en-US" dirty="0" smtClean="0"/>
+                  <a:t> is independent of </a:t>
+                </a:r>
+                <a14:m>
+                  <m:oMath xmlns:m="http://schemas.openxmlformats.org/officeDocument/2006/math">
+                    <m:r>
+                      <a:rPr lang="en-US" i="1" dirty="0" smtClean="0">
+                        <a:latin typeface="Cambria Math"/>
+                      </a:rPr>
+                      <m:t>𝑁</m:t>
+                    </m:r>
+                  </m:oMath>
+                </a14:m>
+                <a:r>
+                  <a:rPr lang="en-US" dirty="0" smtClean="0"/>
+                  <a:t>, but</a:t>
+                </a:r>
+                <a14:m>
+                  <m:oMath xmlns:m="http://schemas.openxmlformats.org/officeDocument/2006/math">
+                    <m:r>
+                      <a:rPr lang="en-US" b="0" i="0" smtClean="0">
+                        <a:latin typeface="Cambria Math"/>
+                      </a:rPr>
+                      <m:t> </m:t>
+                    </m:r>
+                    <m:sSub>
+                      <m:sSubPr>
+                        <m:ctrlPr>
+                          <a:rPr lang="en-US" i="1" smtClean="0">
+                            <a:latin typeface="Cambria Math" panose="02040503050406030204" pitchFamily="18" charset="0"/>
+                          </a:rPr>
+                        </m:ctrlPr>
+                      </m:sSubPr>
+                      <m:e>
+                        <m:r>
+                          <a:rPr lang="en-US" b="0" i="1" smtClean="0">
+                            <a:latin typeface="Cambria Math"/>
+                          </a:rPr>
+                          <m:t>𝑇</m:t>
+                        </m:r>
+                      </m:e>
+                      <m:sub>
+                        <m:r>
+                          <a:rPr lang="en-US" b="0" i="1" smtClean="0">
+                            <a:latin typeface="Cambria Math"/>
+                          </a:rPr>
+                          <m:t>𝑝</m:t>
+                        </m:r>
+                      </m:sub>
+                    </m:sSub>
+                    <m:r>
+                      <a:rPr lang="en-US" b="0" i="1" smtClean="0">
+                        <a:latin typeface="Cambria Math"/>
+                      </a:rPr>
+                      <m:t>=</m:t>
+                    </m:r>
+                    <m:r>
+                      <a:rPr lang="en-US" b="0" i="1" smtClean="0">
+                        <a:latin typeface="Cambria Math"/>
+                      </a:rPr>
+                      <m:t>𝑁</m:t>
+                    </m:r>
+                    <m:r>
+                      <a:rPr lang="en-US" b="0" i="1" smtClean="0">
+                        <a:latin typeface="Cambria Math"/>
+                        <a:ea typeface="Cambria Math"/>
+                      </a:rPr>
+                      <m:t>𝜏</m:t>
+                    </m:r>
+                  </m:oMath>
+                </a14:m>
+                <a:endParaRPr lang="en-US" b="0" dirty="0" smtClean="0"/>
+              </a:p>
+              <a:p>
+                <a:pPr lvl="1"/>
+                <a:r>
+                  <a:rPr lang="en-US" dirty="0" smtClean="0"/>
+                  <a:t>now choose the number of processes </a:t>
+                </a:r>
+                <a14:m>
+                  <m:oMath xmlns:m="http://schemas.openxmlformats.org/officeDocument/2006/math">
+                    <m:r>
+                      <a:rPr lang="en-US" b="0" i="1" smtClean="0">
+                        <a:latin typeface="Cambria Math"/>
+                        <a:ea typeface="Cambria Math"/>
+                      </a:rPr>
+                      <m:t>𝑛</m:t>
+                    </m:r>
+                    <m:r>
+                      <a:rPr lang="en-US" b="0" i="1" smtClean="0">
+                        <a:latin typeface="Cambria Math"/>
+                        <a:ea typeface="Cambria Math"/>
+                      </a:rPr>
+                      <m:t>=</m:t>
+                    </m:r>
+                    <m:r>
+                      <a:rPr lang="en-US" b="0" i="1" smtClean="0">
+                        <a:latin typeface="Cambria Math"/>
+                        <a:ea typeface="Cambria Math"/>
+                      </a:rPr>
+                      <m:t>𝑐𝑁</m:t>
+                    </m:r>
+                  </m:oMath>
+                </a14:m>
+                <a:endParaRPr lang="en-US" dirty="0" smtClean="0"/>
+              </a:p>
+              <a:p>
+                <a:pPr lvl="1"/>
+                <a:r>
+                  <a:rPr lang="en-US" dirty="0" smtClean="0"/>
+                  <a:t>and hence </a:t>
+                </a:r>
+                <a14:m>
+                  <m:oMath xmlns:m="http://schemas.openxmlformats.org/officeDocument/2006/math">
+                    <m:r>
+                      <a:rPr lang="en-US" b="0" i="1" smtClean="0">
+                        <a:latin typeface="Cambria Math"/>
+                      </a:rPr>
+                      <m:t>𝑆</m:t>
+                    </m:r>
+                    <m:d>
+                      <m:dPr>
+                        <m:ctrlPr>
+                          <a:rPr lang="en-US" b="0" i="1" smtClean="0">
+                            <a:latin typeface="Cambria Math" panose="02040503050406030204" pitchFamily="18" charset="0"/>
+                          </a:rPr>
+                        </m:ctrlPr>
+                      </m:dPr>
+                      <m:e>
+                        <m:r>
+                          <a:rPr lang="en-US" b="0" i="1" smtClean="0">
+                            <a:latin typeface="Cambria Math"/>
+                          </a:rPr>
+                          <m:t>𝑛</m:t>
+                        </m:r>
+                      </m:e>
+                    </m:d>
+                    <m:r>
+                      <a:rPr lang="en-US" b="0" i="1" smtClean="0">
+                        <a:latin typeface="Cambria Math"/>
+                      </a:rPr>
+                      <m:t>=</m:t>
+                    </m:r>
+                    <m:f>
+                      <m:fPr>
+                        <m:ctrlPr>
+                          <a:rPr lang="en-US" b="0" i="1" smtClean="0">
+                            <a:latin typeface="Cambria Math" panose="02040503050406030204" pitchFamily="18" charset="0"/>
+                          </a:rPr>
+                        </m:ctrlPr>
+                      </m:fPr>
+                      <m:num>
+                        <m:sSub>
+                          <m:sSubPr>
+                            <m:ctrlPr>
+                              <a:rPr lang="en-US" b="0" i="1" smtClean="0">
+                                <a:latin typeface="Cambria Math" panose="02040503050406030204" pitchFamily="18" charset="0"/>
+                              </a:rPr>
+                            </m:ctrlPr>
+                          </m:sSubPr>
+                          <m:e>
+                            <m:r>
+                              <a:rPr lang="en-US" b="0" i="1" smtClean="0">
+                                <a:latin typeface="Cambria Math"/>
+                              </a:rPr>
+                              <m:t>𝑇</m:t>
+                            </m:r>
+                          </m:e>
+                          <m:sub>
+                            <m:r>
+                              <a:rPr lang="en-US" b="0" i="1" smtClean="0">
+                                <a:latin typeface="Cambria Math"/>
+                              </a:rPr>
+                              <m:t>𝑠</m:t>
+                            </m:r>
+                          </m:sub>
+                        </m:sSub>
+                        <m:r>
+                          <a:rPr lang="en-US" b="0" i="1" smtClean="0">
+                            <a:latin typeface="Cambria Math"/>
+                          </a:rPr>
+                          <m:t>+</m:t>
+                        </m:r>
+                        <m:sSub>
+                          <m:sSubPr>
+                            <m:ctrlPr>
+                              <a:rPr lang="en-US" b="0" i="1" smtClean="0">
+                                <a:latin typeface="Cambria Math" panose="02040503050406030204" pitchFamily="18" charset="0"/>
+                              </a:rPr>
+                            </m:ctrlPr>
+                          </m:sSubPr>
+                          <m:e>
+                            <m:r>
+                              <a:rPr lang="en-US" b="0" i="1" smtClean="0">
+                                <a:latin typeface="Cambria Math"/>
+                              </a:rPr>
+                              <m:t>𝑇</m:t>
+                            </m:r>
+                          </m:e>
+                          <m:sub>
+                            <m:r>
+                              <a:rPr lang="en-US" b="0" i="1" smtClean="0">
+                                <a:latin typeface="Cambria Math"/>
+                              </a:rPr>
+                              <m:t>𝑝</m:t>
+                            </m:r>
+                          </m:sub>
+                        </m:sSub>
+                      </m:num>
+                      <m:den>
+                        <m:sSub>
+                          <m:sSubPr>
+                            <m:ctrlPr>
+                              <a:rPr lang="en-US" b="0" i="1" smtClean="0">
+                                <a:latin typeface="Cambria Math" panose="02040503050406030204" pitchFamily="18" charset="0"/>
+                              </a:rPr>
+                            </m:ctrlPr>
+                          </m:sSubPr>
+                          <m:e>
+                            <m:r>
+                              <a:rPr lang="en-US" b="0" i="1" smtClean="0">
+                                <a:latin typeface="Cambria Math"/>
+                              </a:rPr>
+                              <m:t>𝑇</m:t>
+                            </m:r>
+                          </m:e>
+                          <m:sub>
+                            <m:r>
+                              <a:rPr lang="en-US" b="0" i="1" smtClean="0">
+                                <a:latin typeface="Cambria Math"/>
+                              </a:rPr>
+                              <m:t>𝑠</m:t>
+                            </m:r>
+                          </m:sub>
+                        </m:sSub>
+                        <m:r>
+                          <a:rPr lang="en-US" b="0" i="1" smtClean="0">
+                            <a:latin typeface="Cambria Math"/>
+                          </a:rPr>
+                          <m:t>+</m:t>
+                        </m:r>
+                        <m:f>
+                          <m:fPr>
+                            <m:ctrlPr>
+                              <a:rPr lang="en-US" b="0" i="1" smtClean="0">
+                                <a:latin typeface="Cambria Math" panose="02040503050406030204" pitchFamily="18" charset="0"/>
+                              </a:rPr>
+                            </m:ctrlPr>
+                          </m:fPr>
+                          <m:num>
+                            <m:sSub>
+                              <m:sSubPr>
+                                <m:ctrlPr>
+                                  <a:rPr lang="en-US" b="0" i="1" smtClean="0">
+                                    <a:latin typeface="Cambria Math" panose="02040503050406030204" pitchFamily="18" charset="0"/>
+                                  </a:rPr>
+                                </m:ctrlPr>
+                              </m:sSubPr>
+                              <m:e>
+                                <m:r>
+                                  <a:rPr lang="en-US" b="0" i="1" smtClean="0">
+                                    <a:latin typeface="Cambria Math"/>
+                                  </a:rPr>
+                                  <m:t>𝑇</m:t>
+                                </m:r>
+                              </m:e>
+                              <m:sub>
+                                <m:r>
+                                  <a:rPr lang="en-US" b="0" i="1" smtClean="0">
+                                    <a:latin typeface="Cambria Math"/>
+                                  </a:rPr>
+                                  <m:t>𝑝</m:t>
+                                </m:r>
+                              </m:sub>
+                            </m:sSub>
+                          </m:num>
+                          <m:den>
+                            <m:r>
+                              <a:rPr lang="en-US" b="0" i="1" smtClean="0">
+                                <a:latin typeface="Cambria Math"/>
+                              </a:rPr>
+                              <m:t>𝑛</m:t>
+                            </m:r>
+                          </m:den>
+                        </m:f>
+                      </m:den>
+                    </m:f>
+                    <m:r>
+                      <a:rPr lang="en-US" b="0" i="1" smtClean="0">
+                        <a:latin typeface="Cambria Math"/>
+                      </a:rPr>
+                      <m:t>=</m:t>
+                    </m:r>
+                    <m:f>
+                      <m:fPr>
+                        <m:ctrlPr>
+                          <a:rPr lang="en-US" b="0" i="1" smtClean="0">
+                            <a:latin typeface="Cambria Math" panose="02040503050406030204" pitchFamily="18" charset="0"/>
+                          </a:rPr>
+                        </m:ctrlPr>
+                      </m:fPr>
+                      <m:num>
+                        <m:sSub>
+                          <m:sSubPr>
+                            <m:ctrlPr>
+                              <a:rPr lang="en-US" b="0" i="1" smtClean="0">
+                                <a:latin typeface="Cambria Math" panose="02040503050406030204" pitchFamily="18" charset="0"/>
+                              </a:rPr>
+                            </m:ctrlPr>
+                          </m:sSubPr>
+                          <m:e>
+                            <m:r>
+                              <a:rPr lang="en-US" b="0" i="1" smtClean="0">
+                                <a:latin typeface="Cambria Math"/>
+                              </a:rPr>
+                              <m:t>𝑇</m:t>
+                            </m:r>
+                          </m:e>
+                          <m:sub>
+                            <m:r>
+                              <a:rPr lang="en-US" b="0" i="1" smtClean="0">
+                                <a:latin typeface="Cambria Math"/>
+                              </a:rPr>
+                              <m:t>𝑠</m:t>
+                            </m:r>
+                          </m:sub>
+                        </m:sSub>
+                        <m:r>
+                          <a:rPr lang="en-US" b="0" i="1" smtClean="0">
+                            <a:latin typeface="Cambria Math"/>
+                          </a:rPr>
+                          <m:t>+</m:t>
+                        </m:r>
+                        <m:f>
+                          <m:fPr>
+                            <m:ctrlPr>
+                              <a:rPr lang="en-US" b="0" i="1" smtClean="0">
+                                <a:latin typeface="Cambria Math" panose="02040503050406030204" pitchFamily="18" charset="0"/>
+                              </a:rPr>
+                            </m:ctrlPr>
+                          </m:fPr>
+                          <m:num>
+                            <m:r>
+                              <a:rPr lang="en-US" b="0" i="1" smtClean="0">
+                                <a:latin typeface="Cambria Math"/>
+                              </a:rPr>
+                              <m:t>𝑛</m:t>
+                            </m:r>
+                            <m:r>
+                              <a:rPr lang="en-US" b="0" i="1" smtClean="0">
+                                <a:latin typeface="Cambria Math"/>
+                                <a:ea typeface="Cambria Math"/>
+                              </a:rPr>
+                              <m:t>𝜏</m:t>
+                            </m:r>
+                          </m:num>
+                          <m:den>
+                            <m:r>
+                              <a:rPr lang="en-US" b="0" i="1" smtClean="0">
+                                <a:latin typeface="Cambria Math"/>
+                              </a:rPr>
+                              <m:t>𝑐</m:t>
+                            </m:r>
+                          </m:den>
+                        </m:f>
+                      </m:num>
+                      <m:den>
+                        <m:sSub>
+                          <m:sSubPr>
+                            <m:ctrlPr>
+                              <a:rPr lang="en-US" b="0" i="1" smtClean="0">
+                                <a:latin typeface="Cambria Math" panose="02040503050406030204" pitchFamily="18" charset="0"/>
+                              </a:rPr>
+                            </m:ctrlPr>
+                          </m:sSubPr>
+                          <m:e>
+                            <m:r>
+                              <a:rPr lang="en-US" b="0" i="1" smtClean="0">
+                                <a:latin typeface="Cambria Math"/>
+                              </a:rPr>
+                              <m:t>𝑇</m:t>
+                            </m:r>
+                          </m:e>
+                          <m:sub>
+                            <m:r>
+                              <a:rPr lang="en-US" b="0" i="1" smtClean="0">
+                                <a:latin typeface="Cambria Math"/>
+                              </a:rPr>
+                              <m:t>𝑠</m:t>
+                            </m:r>
+                          </m:sub>
+                        </m:sSub>
+                        <m:r>
+                          <a:rPr lang="en-US" b="0" i="1" smtClean="0">
+                            <a:latin typeface="Cambria Math"/>
+                          </a:rPr>
+                          <m:t>+</m:t>
+                        </m:r>
+                        <m:f>
+                          <m:fPr>
+                            <m:ctrlPr>
+                              <a:rPr lang="en-US" b="0" i="1" smtClean="0">
+                                <a:latin typeface="Cambria Math" panose="02040503050406030204" pitchFamily="18" charset="0"/>
+                              </a:rPr>
+                            </m:ctrlPr>
+                          </m:fPr>
+                          <m:num>
+                            <m:r>
+                              <a:rPr lang="en-US" b="0" i="1" smtClean="0">
+                                <a:latin typeface="Cambria Math"/>
+                                <a:ea typeface="Cambria Math"/>
+                              </a:rPr>
+                              <m:t>𝜏</m:t>
+                            </m:r>
+                          </m:num>
+                          <m:den>
+                            <m:r>
+                              <a:rPr lang="en-US" b="0" i="1" smtClean="0">
+                                <a:latin typeface="Cambria Math"/>
+                              </a:rPr>
+                              <m:t>𝑐</m:t>
+                            </m:r>
+                          </m:den>
+                        </m:f>
+                      </m:den>
+                    </m:f>
+                    <m:r>
+                      <a:rPr lang="en-US" b="0" i="1" smtClean="0">
+                        <a:latin typeface="Cambria Math"/>
+                        <a:ea typeface="Cambria Math"/>
+                      </a:rPr>
+                      <m:t>~</m:t>
+                    </m:r>
+                    <m:r>
+                      <a:rPr lang="en-US" b="0" i="1" smtClean="0">
+                        <a:latin typeface="Cambria Math"/>
+                        <a:ea typeface="Cambria Math"/>
+                      </a:rPr>
+                      <m:t>𝑛</m:t>
+                    </m:r>
+                  </m:oMath>
+                </a14:m>
+                <a:endParaRPr lang="nl-BE" dirty="0"/>
+              </a:p>
+            </p:txBody>
+          </p:sp>
+        </mc:Choice>
+        <mc:Fallback xmlns="">
+          <p:sp>
+            <p:nvSpPr>
+              <p:cNvPr id="3" name="Content Placeholder 2"/>
+              <p:cNvSpPr>
+                <a:spLocks noGrp="1" noRot="1" noChangeAspect="1" noMove="1" noResize="1" noEditPoints="1" noAdjustHandles="1" noChangeArrowheads="1" noChangeShapeType="1" noTextEdit="1"/>
+              </p:cNvSpPr>
+              <p:nvPr>
+                <p:ph idx="1"/>
+              </p:nvPr>
+            </p:nvSpPr>
+            <p:spPr>
+              <a:blipFill rotWithShape="1">
+                <a:blip r:embed="rId2"/>
+                <a:stretch>
+                  <a:fillRect l="-1630" t="-1617"/>
+                </a:stretch>
+              </a:blipFill>
+            </p:spPr>
+            <p:txBody>
+              <a:bodyPr/>
+              <a:lstStyle/>
+              <a:p>
+                <a:r>
+                  <a:rPr lang="nl-BE">
+                    <a:noFill/>
+                  </a:rPr>
+                  <a:t> </a:t>
+                </a:r>
+              </a:p>
+            </p:txBody>
+          </p:sp>
+        </mc:Fallback>
+      </mc:AlternateContent>
+      <mc:AlternateContent xmlns:mc="http://schemas.openxmlformats.org/markup-compatibility/2006" xmlns:a14="http://schemas.microsoft.com/office/drawing/2010/main">
+        <mc:Choice Requires="a14">
+          <p:sp>
+            <p:nvSpPr>
+              <p:cNvPr id="4" name="TextBox 3"/>
+              <p:cNvSpPr txBox="1"/>
+              <p:nvPr/>
+            </p:nvSpPr>
+            <p:spPr>
+              <a:xfrm>
+                <a:off x="539552" y="5733256"/>
+                <a:ext cx="5307479" cy="523220"/>
+              </a:xfrm>
+              <a:prstGeom prst="rect">
+                <a:avLst/>
+              </a:prstGeom>
+              <a:noFill/>
+              <a:ln>
+                <a:solidFill>
+                  <a:schemeClr val="tx1"/>
+                </a:solidFill>
+              </a:ln>
+            </p:spPr>
+            <p:txBody>
+              <a:bodyPr wrap="none" rtlCol="0">
+                <a:spAutoFit/>
+              </a:bodyPr>
+              <a:lstStyle/>
+              <a:p>
+                <a:r>
+                  <a:rPr lang="en-US" sz="2800" dirty="0" smtClean="0"/>
+                  <a:t>Gustafson's law: </a:t>
+                </a:r>
+                <a14:m>
+                  <m:oMath xmlns:m="http://schemas.openxmlformats.org/officeDocument/2006/math">
+                    <m:sSub>
+                      <m:sSubPr>
+                        <m:ctrlPr>
+                          <a:rPr lang="en-US" sz="2800" i="1" smtClean="0">
+                            <a:latin typeface="Cambria Math" panose="02040503050406030204" pitchFamily="18" charset="0"/>
+                          </a:rPr>
+                        </m:ctrlPr>
+                      </m:sSubPr>
+                      <m:e>
+                        <m:r>
+                          <a:rPr lang="en-US" sz="2800" b="0" i="1" smtClean="0">
+                            <a:latin typeface="Cambria Math"/>
+                          </a:rPr>
+                          <m:t>𝑇</m:t>
+                        </m:r>
+                      </m:e>
+                      <m:sub>
+                        <m:r>
+                          <a:rPr lang="en-US" sz="2800" b="0" i="1" smtClean="0">
+                            <a:latin typeface="Cambria Math"/>
+                          </a:rPr>
+                          <m:t>𝑛</m:t>
+                        </m:r>
+                      </m:sub>
+                    </m:sSub>
+                    <m:d>
+                      <m:dPr>
+                        <m:ctrlPr>
+                          <a:rPr lang="en-US" sz="2800" b="0" i="1" smtClean="0">
+                            <a:latin typeface="Cambria Math" panose="02040503050406030204" pitchFamily="18" charset="0"/>
+                          </a:rPr>
+                        </m:ctrlPr>
+                      </m:dPr>
+                      <m:e>
+                        <m:r>
+                          <a:rPr lang="en-US" sz="2800" b="0" i="1" smtClean="0">
+                            <a:latin typeface="Cambria Math"/>
+                          </a:rPr>
+                          <m:t>𝑁</m:t>
+                        </m:r>
+                      </m:e>
+                    </m:d>
+                    <m:r>
+                      <a:rPr lang="en-US" sz="2800" b="0" i="1" smtClean="0">
+                        <a:latin typeface="Cambria Math"/>
+                      </a:rPr>
+                      <m:t>=</m:t>
+                    </m:r>
+                    <m:sSub>
+                      <m:sSubPr>
+                        <m:ctrlPr>
+                          <a:rPr lang="en-US" sz="2800" b="0" i="1" smtClean="0">
+                            <a:latin typeface="Cambria Math" panose="02040503050406030204" pitchFamily="18" charset="0"/>
+                          </a:rPr>
+                        </m:ctrlPr>
+                      </m:sSubPr>
+                      <m:e>
+                        <m:r>
+                          <a:rPr lang="en-US" sz="2800" b="0" i="1" smtClean="0">
+                            <a:latin typeface="Cambria Math"/>
+                          </a:rPr>
+                          <m:t>𝑇</m:t>
+                        </m:r>
+                      </m:e>
+                      <m:sub>
+                        <m:r>
+                          <a:rPr lang="en-US" sz="2800" b="0" i="1" smtClean="0">
+                            <a:latin typeface="Cambria Math"/>
+                          </a:rPr>
+                          <m:t>2</m:t>
+                        </m:r>
+                        <m:r>
+                          <a:rPr lang="en-US" sz="2800" b="0" i="1" smtClean="0">
+                            <a:latin typeface="Cambria Math"/>
+                          </a:rPr>
+                          <m:t>𝑛</m:t>
+                        </m:r>
+                      </m:sub>
+                    </m:sSub>
+                    <m:r>
+                      <a:rPr lang="en-US" sz="2800" b="0" i="1" smtClean="0">
+                        <a:latin typeface="Cambria Math"/>
+                      </a:rPr>
+                      <m:t>(2</m:t>
+                    </m:r>
+                    <m:r>
+                      <a:rPr lang="en-US" sz="2800" b="0" i="1" smtClean="0">
+                        <a:latin typeface="Cambria Math"/>
+                      </a:rPr>
+                      <m:t>𝑁</m:t>
+                    </m:r>
+                    <m:r>
+                      <a:rPr lang="en-US" sz="2800" b="0" i="1" smtClean="0">
+                        <a:latin typeface="Cambria Math"/>
+                      </a:rPr>
+                      <m:t>)</m:t>
+                    </m:r>
+                  </m:oMath>
+                </a14:m>
+                <a:endParaRPr lang="nl-BE" dirty="0"/>
+              </a:p>
+            </p:txBody>
+          </p:sp>
+        </mc:Choice>
+        <mc:Fallback xmlns="">
+          <p:sp>
+            <p:nvSpPr>
+              <p:cNvPr id="4" name="TextBox 3"/>
+              <p:cNvSpPr txBox="1">
+                <a:spLocks noRot="1" noChangeAspect="1" noMove="1" noResize="1" noEditPoints="1" noAdjustHandles="1" noChangeArrowheads="1" noChangeShapeType="1" noTextEdit="1"/>
+              </p:cNvSpPr>
+              <p:nvPr/>
+            </p:nvSpPr>
+            <p:spPr>
+              <a:xfrm>
+                <a:off x="539552" y="5733256"/>
+                <a:ext cx="5307479" cy="523220"/>
+              </a:xfrm>
+              <a:prstGeom prst="rect">
+                <a:avLst/>
+              </a:prstGeom>
+              <a:blipFill rotWithShape="1">
+                <a:blip r:embed="rId3"/>
+                <a:stretch>
+                  <a:fillRect l="-2294" t="-9091" b="-30682"/>
+                </a:stretch>
+              </a:blipFill>
+              <a:ln>
+                <a:solidFill>
+                  <a:schemeClr val="tx1"/>
+                </a:solidFill>
+              </a:ln>
+            </p:spPr>
+            <p:txBody>
+              <a:bodyPr/>
+              <a:lstStyle/>
+              <a:p>
+                <a:r>
+                  <a:rPr lang="nl-BE">
+                    <a:noFill/>
+                  </a:rPr>
+                  <a:t> </a:t>
+                </a:r>
+              </a:p>
+            </p:txBody>
+          </p:sp>
+        </mc:Fallback>
+      </mc:AlternateContent>
       <p:sp>
         <p:nvSpPr>
-          <p:cNvPr id="3" name="Content Placeholder 2"/>
-          <p:cNvSpPr>
-            <a:spLocks noGrp="1"/>
-          </p:cNvSpPr>
-          <p:nvPr>
-            <p:ph idx="1"/>
-          </p:nvPr>
+          <p:cNvPr id="5" name="TextBox 4"/>
+          <p:cNvSpPr txBox="1"/>
+          <p:nvPr/>
         </p:nvSpPr>
-        <p:spPr/>
+        <p:spPr>
+          <a:xfrm>
+            <a:off x="6444208" y="5661248"/>
+            <a:ext cx="1848198" cy="1077218"/>
+          </a:xfrm>
+          <a:prstGeom prst="rect">
+            <a:avLst/>
+          </a:prstGeom>
+          <a:noFill/>
+          <a:ln>
+            <a:solidFill>
+              <a:schemeClr val="tx1"/>
+            </a:solidFill>
+          </a:ln>
+        </p:spPr>
         <p:txBody>
-          <a:bodyPr/>
+          <a:bodyPr wrap="none" rtlCol="0">
+            <a:spAutoFit/>
+          </a:bodyPr>
           <a:lstStyle/>
           <a:p>
             <a:r>
-              <a:rPr lang="en-US" dirty="0" smtClean="0"/>
-              <a:t>Scientist are interested in</a:t>
-            </a:r>
-          </a:p>
-          <a:p>
-            <a:pPr lvl="1"/>
-            <a:r>
-              <a:rPr lang="en-US" dirty="0" smtClean="0"/>
-              <a:t>studying larger systems/bigger data sets</a:t>
-            </a:r>
-          </a:p>
-          <a:p>
-            <a:pPr lvl="1"/>
-            <a:r>
-              <a:rPr lang="en-US" dirty="0" smtClean="0"/>
-              <a:t>increasing precision/resolution</a:t>
-            </a:r>
-          </a:p>
-          <a:p>
-            <a:pPr lvl="1"/>
-            <a:r>
-              <a:rPr lang="en-US" dirty="0" smtClean="0"/>
-              <a:t>…</a:t>
-            </a:r>
-            <a:endParaRPr lang="nl-BE" dirty="0"/>
+              <a:rPr lang="en-US" sz="3200" dirty="0" smtClean="0"/>
+              <a:t>Nice for</a:t>
+            </a:r>
+            <a:br>
+              <a:rPr lang="en-US" sz="3200" dirty="0" smtClean="0"/>
+            </a:br>
+            <a:r>
+              <a:rPr lang="en-US" sz="3200" dirty="0" smtClean="0"/>
+              <a:t>scientists!</a:t>
+            </a:r>
+            <a:endParaRPr lang="nl-BE" sz="3200" dirty="0"/>
           </a:p>
         </p:txBody>
       </p:sp>
     </p:spTree>
     <p:extLst>
       <p:ext uri="{BB962C8B-B14F-4D97-AF65-F5344CB8AC3E}">
-        <p14:creationId xmlns:p14="http://schemas.microsoft.com/office/powerpoint/2010/main" val="3599898149"/>
+        <p14:creationId xmlns:p14="http://schemas.microsoft.com/office/powerpoint/2010/main" val="3119421013"/>
       </p:ext>
     </p:extLst>
   </p:cSld>
@@ -4437,9 +5367,375 @@
   <p:timing>
     <p:tnLst>
       <p:par>
-        <p:cTn id="1" dur="indefinite" restart="never" nodeType="tmRoot"/>
+        <p:cTn id="1" dur="indefinite" restart="never" nodeType="tmRoot">
+          <p:childTnLst>
+            <p:seq concurrent="1" nextAc="seek">
+              <p:cTn id="2" dur="indefinite" nodeType="mainSeq">
+                <p:childTnLst>
+                  <p:par>
+                    <p:cTn id="3" fill="hold">
+                      <p:stCondLst>
+                        <p:cond delay="indefinite"/>
+                        <p:cond evt="onBegin" delay="0">
+                          <p:tn val="2"/>
+                        </p:cond>
+                      </p:stCondLst>
+                      <p:childTnLst>
+                        <p:par>
+                          <p:cTn id="4" fill="hold">
+                            <p:stCondLst>
+                              <p:cond delay="0"/>
+                            </p:stCondLst>
+                            <p:childTnLst>
+                              <p:par>
+                                <p:cTn id="5" presetID="1" presetClass="entr" presetSubtype="0" fill="hold" grpId="0" nodeType="withEffect">
+                                  <p:stCondLst>
+                                    <p:cond delay="0"/>
+                                  </p:stCondLst>
+                                  <p:childTnLst>
+                                    <p:set>
+                                      <p:cBhvr>
+                                        <p:cTn id="6" dur="1" fill="hold">
+                                          <p:stCondLst>
+                                            <p:cond delay="0"/>
+                                          </p:stCondLst>
+                                        </p:cTn>
+                                        <p:tgtEl>
+                                          <p:spTgt spid="3">
+                                            <p:txEl>
+                                              <p:pRg st="0" end="0"/>
+                                            </p:txEl>
+                                          </p:spTgt>
+                                        </p:tgtEl>
+                                        <p:attrNameLst>
+                                          <p:attrName>style.visibility</p:attrName>
+                                        </p:attrNameLst>
+                                      </p:cBhvr>
+                                      <p:to>
+                                        <p:strVal val="visible"/>
+                                      </p:to>
+                                    </p:set>
+                                  </p:childTnLst>
+                                </p:cTn>
+                              </p:par>
+                            </p:childTnLst>
+                          </p:cTn>
+                        </p:par>
+                      </p:childTnLst>
+                    </p:cTn>
+                  </p:par>
+                  <p:par>
+                    <p:cTn id="7" fill="hold">
+                      <p:stCondLst>
+                        <p:cond delay="indefinite"/>
+                      </p:stCondLst>
+                      <p:childTnLst>
+                        <p:par>
+                          <p:cTn id="8" fill="hold">
+                            <p:stCondLst>
+                              <p:cond delay="0"/>
+                            </p:stCondLst>
+                            <p:childTnLst>
+                              <p:par>
+                                <p:cTn id="9" presetID="1" presetClass="entr" presetSubtype="0" fill="hold" grpId="0" nodeType="clickEffect">
+                                  <p:stCondLst>
+                                    <p:cond delay="0"/>
+                                  </p:stCondLst>
+                                  <p:childTnLst>
+                                    <p:set>
+                                      <p:cBhvr>
+                                        <p:cTn id="10" dur="1" fill="hold">
+                                          <p:stCondLst>
+                                            <p:cond delay="0"/>
+                                          </p:stCondLst>
+                                        </p:cTn>
+                                        <p:tgtEl>
+                                          <p:spTgt spid="3">
+                                            <p:txEl>
+                                              <p:pRg st="1" end="1"/>
+                                            </p:txEl>
+                                          </p:spTgt>
+                                        </p:tgtEl>
+                                        <p:attrNameLst>
+                                          <p:attrName>style.visibility</p:attrName>
+                                        </p:attrNameLst>
+                                      </p:cBhvr>
+                                      <p:to>
+                                        <p:strVal val="visible"/>
+                                      </p:to>
+                                    </p:set>
+                                  </p:childTnLst>
+                                </p:cTn>
+                              </p:par>
+                            </p:childTnLst>
+                          </p:cTn>
+                        </p:par>
+                      </p:childTnLst>
+                    </p:cTn>
+                  </p:par>
+                  <p:par>
+                    <p:cTn id="11" fill="hold">
+                      <p:stCondLst>
+                        <p:cond delay="indefinite"/>
+                      </p:stCondLst>
+                      <p:childTnLst>
+                        <p:par>
+                          <p:cTn id="12" fill="hold">
+                            <p:stCondLst>
+                              <p:cond delay="0"/>
+                            </p:stCondLst>
+                            <p:childTnLst>
+                              <p:par>
+                                <p:cTn id="13" presetID="1" presetClass="entr" presetSubtype="0" fill="hold" grpId="0" nodeType="clickEffect">
+                                  <p:stCondLst>
+                                    <p:cond delay="0"/>
+                                  </p:stCondLst>
+                                  <p:childTnLst>
+                                    <p:set>
+                                      <p:cBhvr>
+                                        <p:cTn id="14" dur="1" fill="hold">
+                                          <p:stCondLst>
+                                            <p:cond delay="0"/>
+                                          </p:stCondLst>
+                                        </p:cTn>
+                                        <p:tgtEl>
+                                          <p:spTgt spid="3">
+                                            <p:txEl>
+                                              <p:pRg st="2" end="2"/>
+                                            </p:txEl>
+                                          </p:spTgt>
+                                        </p:tgtEl>
+                                        <p:attrNameLst>
+                                          <p:attrName>style.visibility</p:attrName>
+                                        </p:attrNameLst>
+                                      </p:cBhvr>
+                                      <p:to>
+                                        <p:strVal val="visible"/>
+                                      </p:to>
+                                    </p:set>
+                                  </p:childTnLst>
+                                </p:cTn>
+                              </p:par>
+                            </p:childTnLst>
+                          </p:cTn>
+                        </p:par>
+                      </p:childTnLst>
+                    </p:cTn>
+                  </p:par>
+                  <p:par>
+                    <p:cTn id="15" fill="hold">
+                      <p:stCondLst>
+                        <p:cond delay="indefinite"/>
+                      </p:stCondLst>
+                      <p:childTnLst>
+                        <p:par>
+                          <p:cTn id="16" fill="hold">
+                            <p:stCondLst>
+                              <p:cond delay="0"/>
+                            </p:stCondLst>
+                            <p:childTnLst>
+                              <p:par>
+                                <p:cTn id="17" presetID="1" presetClass="entr" presetSubtype="0" fill="hold" grpId="0" nodeType="clickEffect">
+                                  <p:stCondLst>
+                                    <p:cond delay="0"/>
+                                  </p:stCondLst>
+                                  <p:childTnLst>
+                                    <p:set>
+                                      <p:cBhvr>
+                                        <p:cTn id="18" dur="1" fill="hold">
+                                          <p:stCondLst>
+                                            <p:cond delay="0"/>
+                                          </p:stCondLst>
+                                        </p:cTn>
+                                        <p:tgtEl>
+                                          <p:spTgt spid="3">
+                                            <p:txEl>
+                                              <p:pRg st="3" end="3"/>
+                                            </p:txEl>
+                                          </p:spTgt>
+                                        </p:tgtEl>
+                                        <p:attrNameLst>
+                                          <p:attrName>style.visibility</p:attrName>
+                                        </p:attrNameLst>
+                                      </p:cBhvr>
+                                      <p:to>
+                                        <p:strVal val="visible"/>
+                                      </p:to>
+                                    </p:set>
+                                  </p:childTnLst>
+                                </p:cTn>
+                              </p:par>
+                            </p:childTnLst>
+                          </p:cTn>
+                        </p:par>
+                      </p:childTnLst>
+                    </p:cTn>
+                  </p:par>
+                  <p:par>
+                    <p:cTn id="19" fill="hold">
+                      <p:stCondLst>
+                        <p:cond delay="indefinite"/>
+                      </p:stCondLst>
+                      <p:childTnLst>
+                        <p:par>
+                          <p:cTn id="20" fill="hold">
+                            <p:stCondLst>
+                              <p:cond delay="0"/>
+                            </p:stCondLst>
+                            <p:childTnLst>
+                              <p:par>
+                                <p:cTn id="21" presetID="1" presetClass="entr" presetSubtype="0" fill="hold" grpId="0" nodeType="clickEffect">
+                                  <p:stCondLst>
+                                    <p:cond delay="0"/>
+                                  </p:stCondLst>
+                                  <p:childTnLst>
+                                    <p:set>
+                                      <p:cBhvr>
+                                        <p:cTn id="22" dur="1" fill="hold">
+                                          <p:stCondLst>
+                                            <p:cond delay="0"/>
+                                          </p:stCondLst>
+                                        </p:cTn>
+                                        <p:tgtEl>
+                                          <p:spTgt spid="3">
+                                            <p:txEl>
+                                              <p:pRg st="4" end="4"/>
+                                            </p:txEl>
+                                          </p:spTgt>
+                                        </p:tgtEl>
+                                        <p:attrNameLst>
+                                          <p:attrName>style.visibility</p:attrName>
+                                        </p:attrNameLst>
+                                      </p:cBhvr>
+                                      <p:to>
+                                        <p:strVal val="visible"/>
+                                      </p:to>
+                                    </p:set>
+                                  </p:childTnLst>
+                                </p:cTn>
+                              </p:par>
+                            </p:childTnLst>
+                          </p:cTn>
+                        </p:par>
+                      </p:childTnLst>
+                    </p:cTn>
+                  </p:par>
+                  <p:par>
+                    <p:cTn id="23" fill="hold">
+                      <p:stCondLst>
+                        <p:cond delay="indefinite"/>
+                      </p:stCondLst>
+                      <p:childTnLst>
+                        <p:par>
+                          <p:cTn id="24" fill="hold">
+                            <p:stCondLst>
+                              <p:cond delay="0"/>
+                            </p:stCondLst>
+                            <p:childTnLst>
+                              <p:par>
+                                <p:cTn id="25" presetID="1" presetClass="entr" presetSubtype="0" fill="hold" grpId="0" nodeType="clickEffect">
+                                  <p:stCondLst>
+                                    <p:cond delay="0"/>
+                                  </p:stCondLst>
+                                  <p:childTnLst>
+                                    <p:set>
+                                      <p:cBhvr>
+                                        <p:cTn id="26" dur="1" fill="hold">
+                                          <p:stCondLst>
+                                            <p:cond delay="0"/>
+                                          </p:stCondLst>
+                                        </p:cTn>
+                                        <p:tgtEl>
+                                          <p:spTgt spid="4"/>
+                                        </p:tgtEl>
+                                        <p:attrNameLst>
+                                          <p:attrName>style.visibility</p:attrName>
+                                        </p:attrNameLst>
+                                      </p:cBhvr>
+                                      <p:to>
+                                        <p:strVal val="visible"/>
+                                      </p:to>
+                                    </p:set>
+                                  </p:childTnLst>
+                                </p:cTn>
+                              </p:par>
+                            </p:childTnLst>
+                          </p:cTn>
+                        </p:par>
+                      </p:childTnLst>
+                    </p:cTn>
+                  </p:par>
+                  <p:par>
+                    <p:cTn id="27" fill="hold">
+                      <p:stCondLst>
+                        <p:cond delay="indefinite"/>
+                      </p:stCondLst>
+                      <p:childTnLst>
+                        <p:par>
+                          <p:cTn id="28" fill="hold">
+                            <p:stCondLst>
+                              <p:cond delay="0"/>
+                            </p:stCondLst>
+                            <p:childTnLst>
+                              <p:par>
+                                <p:cTn id="29" presetID="1" presetClass="entr" presetSubtype="0" fill="hold" grpId="0" nodeType="clickEffect">
+                                  <p:stCondLst>
+                                    <p:cond delay="0"/>
+                                  </p:stCondLst>
+                                  <p:childTnLst>
+                                    <p:set>
+                                      <p:cBhvr>
+                                        <p:cTn id="30" dur="1" fill="hold">
+                                          <p:stCondLst>
+                                            <p:cond delay="0"/>
+                                          </p:stCondLst>
+                                        </p:cTn>
+                                        <p:tgtEl>
+                                          <p:spTgt spid="5"/>
+                                        </p:tgtEl>
+                                        <p:attrNameLst>
+                                          <p:attrName>style.visibility</p:attrName>
+                                        </p:attrNameLst>
+                                      </p:cBhvr>
+                                      <p:to>
+                                        <p:strVal val="visible"/>
+                                      </p:to>
+                                    </p:set>
+                                  </p:childTnLst>
+                                </p:cTn>
+                              </p:par>
+                            </p:childTnLst>
+                          </p:cTn>
+                        </p:par>
+                      </p:childTnLst>
+                    </p:cTn>
+                  </p:par>
+                </p:childTnLst>
+              </p:cTn>
+              <p:prevCondLst>
+                <p:cond evt="onPrev" delay="0">
+                  <p:tgtEl>
+                    <p:sldTgt/>
+                  </p:tgtEl>
+                </p:cond>
+              </p:prevCondLst>
+              <p:nextCondLst>
+                <p:cond evt="onNext" delay="0">
+                  <p:tgtEl>
+                    <p:sldTgt/>
+                  </p:tgtEl>
+                </p:cond>
+              </p:nextCondLst>
+            </p:seq>
+          </p:childTnLst>
+        </p:cTn>
       </p:par>
     </p:tnLst>
+    <p:bldLst>
+      <p:bldP spid="3" grpId="0" uiExpand="1" build="p"/>
+      <p:bldP spid="4" grpId="0" animBg="1"/>
+      <p:bldP spid="5" grpId="0" animBg="1"/>
+    </p:bldLst>
   </p:timing>
 </p:sld>
 </file>
@@ -4478,6 +5774,110 @@
           <a:p>
             <a:r>
               <a:rPr lang="en-US" dirty="0" smtClean="0"/>
+              <a:t>We love Gustafson</a:t>
+            </a:r>
+            <a:endParaRPr lang="nl-BE" dirty="0"/>
+          </a:p>
+        </p:txBody>
+      </p:sp>
+      <p:sp>
+        <p:nvSpPr>
+          <p:cNvPr id="3" name="Content Placeholder 2"/>
+          <p:cNvSpPr>
+            <a:spLocks noGrp="1"/>
+          </p:cNvSpPr>
+          <p:nvPr>
+            <p:ph idx="1"/>
+          </p:nvPr>
+        </p:nvSpPr>
+        <p:spPr/>
+        <p:txBody>
+          <a:bodyPr/>
+          <a:lstStyle/>
+          <a:p>
+            <a:r>
+              <a:rPr lang="en-US" dirty="0" smtClean="0"/>
+              <a:t>Scientist are interested in</a:t>
+            </a:r>
+          </a:p>
+          <a:p>
+            <a:pPr lvl="1"/>
+            <a:r>
+              <a:rPr lang="en-US" dirty="0" smtClean="0"/>
+              <a:t>studying larger systems/bigger data sets</a:t>
+            </a:r>
+          </a:p>
+          <a:p>
+            <a:pPr lvl="1"/>
+            <a:r>
+              <a:rPr lang="en-US" dirty="0" smtClean="0"/>
+              <a:t>increasing precision/resolution</a:t>
+            </a:r>
+          </a:p>
+          <a:p>
+            <a:pPr lvl="1"/>
+            <a:r>
+              <a:rPr lang="en-US" dirty="0" smtClean="0"/>
+              <a:t>…</a:t>
+            </a:r>
+            <a:endParaRPr lang="nl-BE" dirty="0"/>
+          </a:p>
+        </p:txBody>
+      </p:sp>
+    </p:spTree>
+    <p:extLst>
+      <p:ext uri="{BB962C8B-B14F-4D97-AF65-F5344CB8AC3E}">
+        <p14:creationId xmlns:p14="http://schemas.microsoft.com/office/powerpoint/2010/main" val="3599898149"/>
+      </p:ext>
+    </p:extLst>
+  </p:cSld>
+  <p:clrMapOvr>
+    <a:masterClrMapping/>
+  </p:clrMapOvr>
+  <p:timing>
+    <p:tnLst>
+      <p:par>
+        <p:cTn id="1" dur="indefinite" restart="never" nodeType="tmRoot"/>
+      </p:par>
+    </p:tnLst>
+  </p:timing>
+</p:sld>
+</file>
+
+<file path=ppt/slides/slide12.xml><?xml version="1.0" encoding="utf-8"?>
+<p:sld xmlns:a="http://schemas.openxmlformats.org/drawingml/2006/main" xmlns:r="http://schemas.openxmlformats.org/officeDocument/2006/relationships" xmlns:p="http://schemas.openxmlformats.org/presentationml/2006/main">
+  <p:cSld>
+    <p:spTree>
+      <p:nvGrpSpPr>
+        <p:cNvPr id="1" name=""/>
+        <p:cNvGrpSpPr/>
+        <p:nvPr/>
+      </p:nvGrpSpPr>
+      <p:grpSpPr>
+        <a:xfrm>
+          <a:off x="0" y="0"/>
+          <a:ext cx="0" cy="0"/>
+          <a:chOff x="0" y="0"/>
+          <a:chExt cx="0" cy="0"/>
+        </a:xfrm>
+      </p:grpSpPr>
+      <p:sp>
+        <p:nvSpPr>
+          <p:cNvPr id="2" name="Title 1"/>
+          <p:cNvSpPr>
+            <a:spLocks noGrp="1"/>
+          </p:cNvSpPr>
+          <p:nvPr>
+            <p:ph type="title"/>
+          </p:nvPr>
+        </p:nvSpPr>
+        <p:spPr/>
+        <p:txBody>
+          <a:bodyPr/>
+          <a:lstStyle/>
+          <a:p>
+            <a:r>
+              <a:rPr lang="en-US" dirty="0" smtClean="0"/>
               <a:t>Throughput computing</a:t>
             </a:r>
             <a:endParaRPr lang="en-US" dirty="0"/>
@@ -4593,7 +5993,7 @@
           <a:graphicData uri="http://schemas.openxmlformats.org/presentationml/2006/ole">
             <mc:AlternateContent xmlns:mc="http://schemas.openxmlformats.org/markup-compatibility/2006">
               <mc:Choice xmlns:v="urn:schemas-microsoft-com:vml" Requires="v">
-                <p:oleObj spid="_x0000_s1030" name="Equation" r:id="rId3" imgW="812520" imgH="393480" progId="Equation.3">
+                <p:oleObj spid="_x0000_s1032" name="Equation" r:id="rId3" imgW="812520" imgH="393480" progId="Equation.3">
                   <p:embed/>
                 </p:oleObj>
               </mc:Choice>
@@ -4650,7 +6050,7 @@
           <a:graphicData uri="http://schemas.openxmlformats.org/presentationml/2006/ole">
             <mc:AlternateContent xmlns:mc="http://schemas.openxmlformats.org/markup-compatibility/2006">
               <mc:Choice xmlns:v="urn:schemas-microsoft-com:vml" Requires="v">
-                <p:oleObj spid="_x0000_s1031" name="Equation" r:id="rId5" imgW="2489040" imgH="431640" progId="Equation.3">
+                <p:oleObj spid="_x0000_s1033" name="Equation" r:id="rId5" imgW="2489040" imgH="431640" progId="Equation.3">
                   <p:embed/>
                 </p:oleObj>
               </mc:Choice>
@@ -5184,6 +6584,85 @@
           <a:p>
             <a:r>
               <a:rPr lang="en-US" dirty="0" smtClean="0"/>
+              <a:t>Parallel scaling</a:t>
+            </a:r>
+            <a:endParaRPr lang="en-US" dirty="0"/>
+          </a:p>
+        </p:txBody>
+      </p:sp>
+      <p:sp>
+        <p:nvSpPr>
+          <p:cNvPr id="3" name="Text Placeholder 2"/>
+          <p:cNvSpPr>
+            <a:spLocks noGrp="1"/>
+          </p:cNvSpPr>
+          <p:nvPr>
+            <p:ph type="body" idx="1"/>
+          </p:nvPr>
+        </p:nvSpPr>
+        <p:spPr/>
+        <p:txBody>
+          <a:bodyPr/>
+          <a:lstStyle/>
+          <a:p>
+            <a:endParaRPr lang="en-US"/>
+          </a:p>
+        </p:txBody>
+      </p:sp>
+    </p:spTree>
+    <p:extLst>
+      <p:ext uri="{BB962C8B-B14F-4D97-AF65-F5344CB8AC3E}">
+        <p14:creationId xmlns:p14="http://schemas.microsoft.com/office/powerpoint/2010/main" val="703705777"/>
+      </p:ext>
+    </p:extLst>
+  </p:cSld>
+  <p:clrMapOvr>
+    <a:masterClrMapping/>
+  </p:clrMapOvr>
+  <p:timing>
+    <p:tnLst>
+      <p:par>
+        <p:cTn id="1" dur="indefinite" restart="never" nodeType="tmRoot"/>
+      </p:par>
+    </p:tnLst>
+  </p:timing>
+</p:sld>
+</file>
+
+<file path=ppt/slides/slide3.xml><?xml version="1.0" encoding="utf-8"?>
+<p:sld xmlns:a="http://schemas.openxmlformats.org/drawingml/2006/main" xmlns:r="http://schemas.openxmlformats.org/officeDocument/2006/relationships" xmlns:p="http://schemas.openxmlformats.org/presentationml/2006/main">
+  <p:cSld>
+    <p:spTree>
+      <p:nvGrpSpPr>
+        <p:cNvPr id="1" name=""/>
+        <p:cNvGrpSpPr/>
+        <p:nvPr/>
+      </p:nvGrpSpPr>
+      <p:grpSpPr>
+        <a:xfrm>
+          <a:off x="0" y="0"/>
+          <a:ext cx="0" cy="0"/>
+          <a:chOff x="0" y="0"/>
+          <a:chExt cx="0" cy="0"/>
+        </a:xfrm>
+      </p:grpSpPr>
+      <p:sp>
+        <p:nvSpPr>
+          <p:cNvPr id="2" name="Title 1"/>
+          <p:cNvSpPr>
+            <a:spLocks noGrp="1"/>
+          </p:cNvSpPr>
+          <p:nvPr>
+            <p:ph type="title"/>
+          </p:nvPr>
+        </p:nvSpPr>
+        <p:spPr/>
+        <p:txBody>
+          <a:bodyPr/>
+          <a:lstStyle/>
+          <a:p>
+            <a:r>
+              <a:rPr lang="en-US" dirty="0" smtClean="0"/>
               <a:t>Dimensions for scaling</a:t>
             </a:r>
             <a:endParaRPr lang="nl-BE" dirty="0"/>
@@ -5511,7 +6990,7 @@
 </p:sld>
 </file>
 
-<file path=ppt/slides/slide3.xml><?xml version="1.0" encoding="utf-8"?>
+<file path=ppt/slides/slide4.xml><?xml version="1.0" encoding="utf-8"?>
 <p:sld xmlns:a="http://schemas.openxmlformats.org/drawingml/2006/main" xmlns:r="http://schemas.openxmlformats.org/officeDocument/2006/relationships" xmlns:p="http://schemas.openxmlformats.org/presentationml/2006/main">
   <p:cSld>
     <p:spTree>
@@ -6052,7 +7531,7 @@
 </p:sld>
 </file>
 
-<file path=ppt/slides/slide4.xml><?xml version="1.0" encoding="utf-8"?>
+<file path=ppt/slides/slide5.xml><?xml version="1.0" encoding="utf-8"?>
 <p:sld xmlns:a="http://schemas.openxmlformats.org/drawingml/2006/main" xmlns:r="http://schemas.openxmlformats.org/officeDocument/2006/relationships" xmlns:p="http://schemas.openxmlformats.org/presentationml/2006/main">
   <p:cSld>
     <p:spTree>
@@ -7088,7 +8567,7 @@
 </p:sld>
 </file>
 
-<file path=ppt/slides/slide5.xml><?xml version="1.0" encoding="utf-8"?>
+<file path=ppt/slides/slide6.xml><?xml version="1.0" encoding="utf-8"?>
 <p:sld xmlns:a="http://schemas.openxmlformats.org/drawingml/2006/main" xmlns:r="http://schemas.openxmlformats.org/officeDocument/2006/relationships" xmlns:p="http://schemas.openxmlformats.org/presentationml/2006/main">
   <p:cSld>
     <p:spTree>
@@ -8251,7 +9730,7 @@
 </p:sld>
 </file>
 
-<file path=ppt/slides/slide6.xml><?xml version="1.0" encoding="utf-8"?>
+<file path=ppt/slides/slide7.xml><?xml version="1.0" encoding="utf-8"?>
 <p:sld xmlns:a="http://schemas.openxmlformats.org/drawingml/2006/main" xmlns:r="http://schemas.openxmlformats.org/officeDocument/2006/relationships" xmlns:p="http://schemas.openxmlformats.org/presentationml/2006/main">
   <p:cSld>
     <p:spTree>
@@ -8874,7 +10353,7 @@
 </p:sld>
 </file>
 
-<file path=ppt/slides/slide7.xml><?xml version="1.0" encoding="utf-8"?>
+<file path=ppt/slides/slide8.xml><?xml version="1.0" encoding="utf-8"?>
 <p:sld xmlns:a="http://schemas.openxmlformats.org/drawingml/2006/main" xmlns:r="http://schemas.openxmlformats.org/officeDocument/2006/relationships" xmlns:p="http://schemas.openxmlformats.org/presentationml/2006/main">
   <p:cSld>
     <p:spTree>
@@ -9403,7 +10882,7 @@
 </p:sld>
 </file>
 
-<file path=ppt/slides/slide8.xml><?xml version="1.0" encoding="utf-8"?>
+<file path=ppt/slides/slide9.xml><?xml version="1.0" encoding="utf-8"?>
 <p:sld xmlns:a="http://schemas.openxmlformats.org/drawingml/2006/main" xmlns:r="http://schemas.openxmlformats.org/officeDocument/2006/relationships" xmlns:p="http://schemas.openxmlformats.org/presentationml/2006/main">
   <p:cSld>
     <p:spTree>
@@ -10230,1306 +11709,6 @@
 </p:sld>
 </file>
 
-<file path=ppt/slides/slide9.xml><?xml version="1.0" encoding="utf-8"?>
-<p:sld xmlns:a="http://schemas.openxmlformats.org/drawingml/2006/main" xmlns:r="http://schemas.openxmlformats.org/officeDocument/2006/relationships" xmlns:p="http://schemas.openxmlformats.org/presentationml/2006/main">
-  <p:cSld>
-    <p:spTree>
-      <p:nvGrpSpPr>
-        <p:cNvPr id="1" name=""/>
-        <p:cNvGrpSpPr/>
-        <p:nvPr/>
-      </p:nvGrpSpPr>
-      <p:grpSpPr>
-        <a:xfrm>
-          <a:off x="0" y="0"/>
-          <a:ext cx="0" cy="0"/>
-          <a:chOff x="0" y="0"/>
-          <a:chExt cx="0" cy="0"/>
-        </a:xfrm>
-      </p:grpSpPr>
-      <p:sp>
-        <p:nvSpPr>
-          <p:cNvPr id="2" name="Title 1"/>
-          <p:cNvSpPr>
-            <a:spLocks noGrp="1"/>
-          </p:cNvSpPr>
-          <p:nvPr>
-            <p:ph type="title"/>
-          </p:nvPr>
-        </p:nvSpPr>
-        <p:spPr/>
-        <p:txBody>
-          <a:bodyPr/>
-          <a:lstStyle/>
-          <a:p>
-            <a:r>
-              <a:rPr lang="en-US" dirty="0" smtClean="0"/>
-              <a:t>Weak scaling</a:t>
-            </a:r>
-            <a:endParaRPr lang="nl-BE" dirty="0"/>
-          </a:p>
-        </p:txBody>
-      </p:sp>
-      <mc:AlternateContent xmlns:mc="http://schemas.openxmlformats.org/markup-compatibility/2006" xmlns:a14="http://schemas.microsoft.com/office/drawing/2010/main">
-        <mc:Choice Requires="a14">
-          <p:sp>
-            <p:nvSpPr>
-              <p:cNvPr id="3" name="Content Placeholder 2"/>
-              <p:cNvSpPr>
-                <a:spLocks noGrp="1"/>
-              </p:cNvSpPr>
-              <p:nvPr>
-                <p:ph idx="1"/>
-              </p:nvPr>
-            </p:nvSpPr>
-            <p:spPr/>
-            <p:txBody>
-              <a:bodyPr/>
-              <a:lstStyle/>
-              <a:p>
-                <a:r>
-                  <a:rPr lang="en-US" dirty="0" smtClean="0"/>
-                  <a:t>Consider a system of "size" </a:t>
-                </a:r>
-                <a14:m>
-                  <m:oMath xmlns:m="http://schemas.openxmlformats.org/officeDocument/2006/math">
-                    <m:r>
-                      <a:rPr lang="en-US" i="1" dirty="0" smtClean="0">
-                        <a:latin typeface="Cambria Math"/>
-                      </a:rPr>
-                      <m:t>𝑁</m:t>
-                    </m:r>
-                  </m:oMath>
-                </a14:m>
-                <a:endParaRPr lang="en-US" dirty="0" smtClean="0"/>
-              </a:p>
-              <a:p>
-                <a:pPr lvl="1"/>
-                <a:r>
-                  <a:rPr lang="en-US" dirty="0" smtClean="0"/>
-                  <a:t>as before </a:t>
-                </a:r>
-                <a14:m>
-                  <m:oMath xmlns:m="http://schemas.openxmlformats.org/officeDocument/2006/math">
-                    <m:sSub>
-                      <m:sSubPr>
-                        <m:ctrlPr>
-                          <a:rPr lang="en-US" i="1" smtClean="0">
-                            <a:latin typeface="Cambria Math" panose="02040503050406030204" pitchFamily="18" charset="0"/>
-                          </a:rPr>
-                        </m:ctrlPr>
-                      </m:sSubPr>
-                      <m:e>
-                        <m:r>
-                          <a:rPr lang="en-US" b="0" i="1" smtClean="0">
-                            <a:latin typeface="Cambria Math"/>
-                          </a:rPr>
-                          <m:t>𝑇</m:t>
-                        </m:r>
-                      </m:e>
-                      <m:sub>
-                        <m:r>
-                          <a:rPr lang="en-US" b="0" i="1" smtClean="0">
-                            <a:latin typeface="Cambria Math"/>
-                          </a:rPr>
-                          <m:t>1</m:t>
-                        </m:r>
-                      </m:sub>
-                    </m:sSub>
-                    <m:r>
-                      <a:rPr lang="en-US" b="0" i="1" smtClean="0">
-                        <a:latin typeface="Cambria Math"/>
-                      </a:rPr>
-                      <m:t>=</m:t>
-                    </m:r>
-                    <m:sSub>
-                      <m:sSubPr>
-                        <m:ctrlPr>
-                          <a:rPr lang="en-US" b="0" i="1" smtClean="0">
-                            <a:latin typeface="Cambria Math" panose="02040503050406030204" pitchFamily="18" charset="0"/>
-                          </a:rPr>
-                        </m:ctrlPr>
-                      </m:sSubPr>
-                      <m:e>
-                        <m:r>
-                          <a:rPr lang="en-US" b="0" i="1" smtClean="0">
-                            <a:latin typeface="Cambria Math"/>
-                          </a:rPr>
-                          <m:t>𝑇</m:t>
-                        </m:r>
-                      </m:e>
-                      <m:sub>
-                        <m:r>
-                          <a:rPr lang="en-US" b="0" i="1" smtClean="0">
-                            <a:latin typeface="Cambria Math"/>
-                          </a:rPr>
-                          <m:t>𝑠</m:t>
-                        </m:r>
-                      </m:sub>
-                    </m:sSub>
-                    <m:r>
-                      <a:rPr lang="en-US" b="0" i="1" smtClean="0">
-                        <a:latin typeface="Cambria Math"/>
-                      </a:rPr>
-                      <m:t>+</m:t>
-                    </m:r>
-                    <m:sSub>
-                      <m:sSubPr>
-                        <m:ctrlPr>
-                          <a:rPr lang="en-US" b="0" i="1" smtClean="0">
-                            <a:latin typeface="Cambria Math" panose="02040503050406030204" pitchFamily="18" charset="0"/>
-                          </a:rPr>
-                        </m:ctrlPr>
-                      </m:sSubPr>
-                      <m:e>
-                        <m:r>
-                          <a:rPr lang="en-US" b="0" i="1" smtClean="0">
-                            <a:latin typeface="Cambria Math"/>
-                          </a:rPr>
-                          <m:t>𝑇</m:t>
-                        </m:r>
-                      </m:e>
-                      <m:sub>
-                        <m:r>
-                          <a:rPr lang="en-US" b="0" i="1" smtClean="0">
-                            <a:latin typeface="Cambria Math"/>
-                          </a:rPr>
-                          <m:t>𝑝</m:t>
-                        </m:r>
-                      </m:sub>
-                    </m:sSub>
-                  </m:oMath>
-                </a14:m>
-                <a:endParaRPr lang="en-US" b="0" dirty="0" smtClean="0"/>
-              </a:p>
-              <a:p>
-                <a:pPr lvl="1"/>
-                <a:r>
-                  <a:rPr lang="en-US" dirty="0" smtClean="0"/>
-                  <a:t>but now assume </a:t>
-                </a:r>
-                <a14:m>
-                  <m:oMath xmlns:m="http://schemas.openxmlformats.org/officeDocument/2006/math">
-                    <m:sSub>
-                      <m:sSubPr>
-                        <m:ctrlPr>
-                          <a:rPr lang="en-US" b="0" i="1" smtClean="0">
-                            <a:latin typeface="Cambria Math" panose="02040503050406030204" pitchFamily="18" charset="0"/>
-                          </a:rPr>
-                        </m:ctrlPr>
-                      </m:sSubPr>
-                      <m:e>
-                        <m:r>
-                          <a:rPr lang="en-US" b="0" i="1" smtClean="0">
-                            <a:latin typeface="Cambria Math"/>
-                          </a:rPr>
-                          <m:t>𝑇</m:t>
-                        </m:r>
-                      </m:e>
-                      <m:sub>
-                        <m:r>
-                          <a:rPr lang="en-US" b="0" i="1" smtClean="0">
-                            <a:latin typeface="Cambria Math"/>
-                          </a:rPr>
-                          <m:t>𝑠</m:t>
-                        </m:r>
-                      </m:sub>
-                    </m:sSub>
-                  </m:oMath>
-                </a14:m>
-                <a:r>
-                  <a:rPr lang="en-US" dirty="0" smtClean="0"/>
-                  <a:t> is independent of </a:t>
-                </a:r>
-                <a14:m>
-                  <m:oMath xmlns:m="http://schemas.openxmlformats.org/officeDocument/2006/math">
-                    <m:r>
-                      <a:rPr lang="en-US" i="1" dirty="0" smtClean="0">
-                        <a:latin typeface="Cambria Math"/>
-                      </a:rPr>
-                      <m:t>𝑁</m:t>
-                    </m:r>
-                  </m:oMath>
-                </a14:m>
-                <a:r>
-                  <a:rPr lang="en-US" dirty="0" smtClean="0"/>
-                  <a:t>, but</a:t>
-                </a:r>
-                <a14:m>
-                  <m:oMath xmlns:m="http://schemas.openxmlformats.org/officeDocument/2006/math">
-                    <m:r>
-                      <a:rPr lang="en-US" b="0" i="0" smtClean="0">
-                        <a:latin typeface="Cambria Math"/>
-                      </a:rPr>
-                      <m:t> </m:t>
-                    </m:r>
-                    <m:sSub>
-                      <m:sSubPr>
-                        <m:ctrlPr>
-                          <a:rPr lang="en-US" i="1" smtClean="0">
-                            <a:latin typeface="Cambria Math" panose="02040503050406030204" pitchFamily="18" charset="0"/>
-                          </a:rPr>
-                        </m:ctrlPr>
-                      </m:sSubPr>
-                      <m:e>
-                        <m:r>
-                          <a:rPr lang="en-US" b="0" i="1" smtClean="0">
-                            <a:latin typeface="Cambria Math"/>
-                          </a:rPr>
-                          <m:t>𝑇</m:t>
-                        </m:r>
-                      </m:e>
-                      <m:sub>
-                        <m:r>
-                          <a:rPr lang="en-US" b="0" i="1" smtClean="0">
-                            <a:latin typeface="Cambria Math"/>
-                          </a:rPr>
-                          <m:t>𝑝</m:t>
-                        </m:r>
-                      </m:sub>
-                    </m:sSub>
-                    <m:r>
-                      <a:rPr lang="en-US" b="0" i="1" smtClean="0">
-                        <a:latin typeface="Cambria Math"/>
-                      </a:rPr>
-                      <m:t>=</m:t>
-                    </m:r>
-                    <m:r>
-                      <a:rPr lang="en-US" b="0" i="1" smtClean="0">
-                        <a:latin typeface="Cambria Math"/>
-                      </a:rPr>
-                      <m:t>𝑁</m:t>
-                    </m:r>
-                    <m:r>
-                      <a:rPr lang="en-US" b="0" i="1" smtClean="0">
-                        <a:latin typeface="Cambria Math"/>
-                        <a:ea typeface="Cambria Math"/>
-                      </a:rPr>
-                      <m:t>𝜏</m:t>
-                    </m:r>
-                  </m:oMath>
-                </a14:m>
-                <a:endParaRPr lang="en-US" b="0" dirty="0" smtClean="0"/>
-              </a:p>
-              <a:p>
-                <a:pPr lvl="1"/>
-                <a:r>
-                  <a:rPr lang="en-US" dirty="0" smtClean="0"/>
-                  <a:t>now choose the number of processes </a:t>
-                </a:r>
-                <a14:m>
-                  <m:oMath xmlns:m="http://schemas.openxmlformats.org/officeDocument/2006/math">
-                    <m:r>
-                      <a:rPr lang="en-US" b="0" i="1" smtClean="0">
-                        <a:latin typeface="Cambria Math"/>
-                        <a:ea typeface="Cambria Math"/>
-                      </a:rPr>
-                      <m:t>𝑛</m:t>
-                    </m:r>
-                    <m:r>
-                      <a:rPr lang="en-US" b="0" i="1" smtClean="0">
-                        <a:latin typeface="Cambria Math"/>
-                        <a:ea typeface="Cambria Math"/>
-                      </a:rPr>
-                      <m:t>=</m:t>
-                    </m:r>
-                    <m:r>
-                      <a:rPr lang="en-US" b="0" i="1" smtClean="0">
-                        <a:latin typeface="Cambria Math"/>
-                        <a:ea typeface="Cambria Math"/>
-                      </a:rPr>
-                      <m:t>𝑐𝑁</m:t>
-                    </m:r>
-                  </m:oMath>
-                </a14:m>
-                <a:endParaRPr lang="en-US" dirty="0" smtClean="0"/>
-              </a:p>
-              <a:p>
-                <a:pPr lvl="1"/>
-                <a:r>
-                  <a:rPr lang="en-US" dirty="0" smtClean="0"/>
-                  <a:t>and hence </a:t>
-                </a:r>
-                <a14:m>
-                  <m:oMath xmlns:m="http://schemas.openxmlformats.org/officeDocument/2006/math">
-                    <m:r>
-                      <a:rPr lang="en-US" b="0" i="1" smtClean="0">
-                        <a:latin typeface="Cambria Math"/>
-                      </a:rPr>
-                      <m:t>𝑆</m:t>
-                    </m:r>
-                    <m:d>
-                      <m:dPr>
-                        <m:ctrlPr>
-                          <a:rPr lang="en-US" b="0" i="1" smtClean="0">
-                            <a:latin typeface="Cambria Math" panose="02040503050406030204" pitchFamily="18" charset="0"/>
-                          </a:rPr>
-                        </m:ctrlPr>
-                      </m:dPr>
-                      <m:e>
-                        <m:r>
-                          <a:rPr lang="en-US" b="0" i="1" smtClean="0">
-                            <a:latin typeface="Cambria Math"/>
-                          </a:rPr>
-                          <m:t>𝑛</m:t>
-                        </m:r>
-                      </m:e>
-                    </m:d>
-                    <m:r>
-                      <a:rPr lang="en-US" b="0" i="1" smtClean="0">
-                        <a:latin typeface="Cambria Math"/>
-                      </a:rPr>
-                      <m:t>=</m:t>
-                    </m:r>
-                    <m:f>
-                      <m:fPr>
-                        <m:ctrlPr>
-                          <a:rPr lang="en-US" b="0" i="1" smtClean="0">
-                            <a:latin typeface="Cambria Math" panose="02040503050406030204" pitchFamily="18" charset="0"/>
-                          </a:rPr>
-                        </m:ctrlPr>
-                      </m:fPr>
-                      <m:num>
-                        <m:sSub>
-                          <m:sSubPr>
-                            <m:ctrlPr>
-                              <a:rPr lang="en-US" b="0" i="1" smtClean="0">
-                                <a:latin typeface="Cambria Math" panose="02040503050406030204" pitchFamily="18" charset="0"/>
-                              </a:rPr>
-                            </m:ctrlPr>
-                          </m:sSubPr>
-                          <m:e>
-                            <m:r>
-                              <a:rPr lang="en-US" b="0" i="1" smtClean="0">
-                                <a:latin typeface="Cambria Math"/>
-                              </a:rPr>
-                              <m:t>𝑇</m:t>
-                            </m:r>
-                          </m:e>
-                          <m:sub>
-                            <m:r>
-                              <a:rPr lang="en-US" b="0" i="1" smtClean="0">
-                                <a:latin typeface="Cambria Math"/>
-                              </a:rPr>
-                              <m:t>𝑠</m:t>
-                            </m:r>
-                          </m:sub>
-                        </m:sSub>
-                        <m:r>
-                          <a:rPr lang="en-US" b="0" i="1" smtClean="0">
-                            <a:latin typeface="Cambria Math"/>
-                          </a:rPr>
-                          <m:t>+</m:t>
-                        </m:r>
-                        <m:sSub>
-                          <m:sSubPr>
-                            <m:ctrlPr>
-                              <a:rPr lang="en-US" b="0" i="1" smtClean="0">
-                                <a:latin typeface="Cambria Math" panose="02040503050406030204" pitchFamily="18" charset="0"/>
-                              </a:rPr>
-                            </m:ctrlPr>
-                          </m:sSubPr>
-                          <m:e>
-                            <m:r>
-                              <a:rPr lang="en-US" b="0" i="1" smtClean="0">
-                                <a:latin typeface="Cambria Math"/>
-                              </a:rPr>
-                              <m:t>𝑇</m:t>
-                            </m:r>
-                          </m:e>
-                          <m:sub>
-                            <m:r>
-                              <a:rPr lang="en-US" b="0" i="1" smtClean="0">
-                                <a:latin typeface="Cambria Math"/>
-                              </a:rPr>
-                              <m:t>𝑝</m:t>
-                            </m:r>
-                          </m:sub>
-                        </m:sSub>
-                      </m:num>
-                      <m:den>
-                        <m:sSub>
-                          <m:sSubPr>
-                            <m:ctrlPr>
-                              <a:rPr lang="en-US" b="0" i="1" smtClean="0">
-                                <a:latin typeface="Cambria Math" panose="02040503050406030204" pitchFamily="18" charset="0"/>
-                              </a:rPr>
-                            </m:ctrlPr>
-                          </m:sSubPr>
-                          <m:e>
-                            <m:r>
-                              <a:rPr lang="en-US" b="0" i="1" smtClean="0">
-                                <a:latin typeface="Cambria Math"/>
-                              </a:rPr>
-                              <m:t>𝑇</m:t>
-                            </m:r>
-                          </m:e>
-                          <m:sub>
-                            <m:r>
-                              <a:rPr lang="en-US" b="0" i="1" smtClean="0">
-                                <a:latin typeface="Cambria Math"/>
-                              </a:rPr>
-                              <m:t>𝑠</m:t>
-                            </m:r>
-                          </m:sub>
-                        </m:sSub>
-                        <m:r>
-                          <a:rPr lang="en-US" b="0" i="1" smtClean="0">
-                            <a:latin typeface="Cambria Math"/>
-                          </a:rPr>
-                          <m:t>+</m:t>
-                        </m:r>
-                        <m:f>
-                          <m:fPr>
-                            <m:ctrlPr>
-                              <a:rPr lang="en-US" b="0" i="1" smtClean="0">
-                                <a:latin typeface="Cambria Math" panose="02040503050406030204" pitchFamily="18" charset="0"/>
-                              </a:rPr>
-                            </m:ctrlPr>
-                          </m:fPr>
-                          <m:num>
-                            <m:sSub>
-                              <m:sSubPr>
-                                <m:ctrlPr>
-                                  <a:rPr lang="en-US" b="0" i="1" smtClean="0">
-                                    <a:latin typeface="Cambria Math" panose="02040503050406030204" pitchFamily="18" charset="0"/>
-                                  </a:rPr>
-                                </m:ctrlPr>
-                              </m:sSubPr>
-                              <m:e>
-                                <m:r>
-                                  <a:rPr lang="en-US" b="0" i="1" smtClean="0">
-                                    <a:latin typeface="Cambria Math"/>
-                                  </a:rPr>
-                                  <m:t>𝑇</m:t>
-                                </m:r>
-                              </m:e>
-                              <m:sub>
-                                <m:r>
-                                  <a:rPr lang="en-US" b="0" i="1" smtClean="0">
-                                    <a:latin typeface="Cambria Math"/>
-                                  </a:rPr>
-                                  <m:t>𝑝</m:t>
-                                </m:r>
-                              </m:sub>
-                            </m:sSub>
-                          </m:num>
-                          <m:den>
-                            <m:r>
-                              <a:rPr lang="en-US" b="0" i="1" smtClean="0">
-                                <a:latin typeface="Cambria Math"/>
-                              </a:rPr>
-                              <m:t>𝑛</m:t>
-                            </m:r>
-                          </m:den>
-                        </m:f>
-                      </m:den>
-                    </m:f>
-                    <m:r>
-                      <a:rPr lang="en-US" b="0" i="1" smtClean="0">
-                        <a:latin typeface="Cambria Math"/>
-                      </a:rPr>
-                      <m:t>=</m:t>
-                    </m:r>
-                    <m:f>
-                      <m:fPr>
-                        <m:ctrlPr>
-                          <a:rPr lang="en-US" b="0" i="1" smtClean="0">
-                            <a:latin typeface="Cambria Math" panose="02040503050406030204" pitchFamily="18" charset="0"/>
-                          </a:rPr>
-                        </m:ctrlPr>
-                      </m:fPr>
-                      <m:num>
-                        <m:sSub>
-                          <m:sSubPr>
-                            <m:ctrlPr>
-                              <a:rPr lang="en-US" b="0" i="1" smtClean="0">
-                                <a:latin typeface="Cambria Math" panose="02040503050406030204" pitchFamily="18" charset="0"/>
-                              </a:rPr>
-                            </m:ctrlPr>
-                          </m:sSubPr>
-                          <m:e>
-                            <m:r>
-                              <a:rPr lang="en-US" b="0" i="1" smtClean="0">
-                                <a:latin typeface="Cambria Math"/>
-                              </a:rPr>
-                              <m:t>𝑇</m:t>
-                            </m:r>
-                          </m:e>
-                          <m:sub>
-                            <m:r>
-                              <a:rPr lang="en-US" b="0" i="1" smtClean="0">
-                                <a:latin typeface="Cambria Math"/>
-                              </a:rPr>
-                              <m:t>𝑠</m:t>
-                            </m:r>
-                          </m:sub>
-                        </m:sSub>
-                        <m:r>
-                          <a:rPr lang="en-US" b="0" i="1" smtClean="0">
-                            <a:latin typeface="Cambria Math"/>
-                          </a:rPr>
-                          <m:t>+</m:t>
-                        </m:r>
-                        <m:f>
-                          <m:fPr>
-                            <m:ctrlPr>
-                              <a:rPr lang="en-US" b="0" i="1" smtClean="0">
-                                <a:latin typeface="Cambria Math" panose="02040503050406030204" pitchFamily="18" charset="0"/>
-                              </a:rPr>
-                            </m:ctrlPr>
-                          </m:fPr>
-                          <m:num>
-                            <m:r>
-                              <a:rPr lang="en-US" b="0" i="1" smtClean="0">
-                                <a:latin typeface="Cambria Math"/>
-                              </a:rPr>
-                              <m:t>𝑛</m:t>
-                            </m:r>
-                            <m:r>
-                              <a:rPr lang="en-US" b="0" i="1" smtClean="0">
-                                <a:latin typeface="Cambria Math"/>
-                                <a:ea typeface="Cambria Math"/>
-                              </a:rPr>
-                              <m:t>𝜏</m:t>
-                            </m:r>
-                          </m:num>
-                          <m:den>
-                            <m:r>
-                              <a:rPr lang="en-US" b="0" i="1" smtClean="0">
-                                <a:latin typeface="Cambria Math"/>
-                              </a:rPr>
-                              <m:t>𝑐</m:t>
-                            </m:r>
-                          </m:den>
-                        </m:f>
-                      </m:num>
-                      <m:den>
-                        <m:sSub>
-                          <m:sSubPr>
-                            <m:ctrlPr>
-                              <a:rPr lang="en-US" b="0" i="1" smtClean="0">
-                                <a:latin typeface="Cambria Math" panose="02040503050406030204" pitchFamily="18" charset="0"/>
-                              </a:rPr>
-                            </m:ctrlPr>
-                          </m:sSubPr>
-                          <m:e>
-                            <m:r>
-                              <a:rPr lang="en-US" b="0" i="1" smtClean="0">
-                                <a:latin typeface="Cambria Math"/>
-                              </a:rPr>
-                              <m:t>𝑇</m:t>
-                            </m:r>
-                          </m:e>
-                          <m:sub>
-                            <m:r>
-                              <a:rPr lang="en-US" b="0" i="1" smtClean="0">
-                                <a:latin typeface="Cambria Math"/>
-                              </a:rPr>
-                              <m:t>𝑠</m:t>
-                            </m:r>
-                          </m:sub>
-                        </m:sSub>
-                        <m:r>
-                          <a:rPr lang="en-US" b="0" i="1" smtClean="0">
-                            <a:latin typeface="Cambria Math"/>
-                          </a:rPr>
-                          <m:t>+</m:t>
-                        </m:r>
-                        <m:f>
-                          <m:fPr>
-                            <m:ctrlPr>
-                              <a:rPr lang="en-US" b="0" i="1" smtClean="0">
-                                <a:latin typeface="Cambria Math" panose="02040503050406030204" pitchFamily="18" charset="0"/>
-                              </a:rPr>
-                            </m:ctrlPr>
-                          </m:fPr>
-                          <m:num>
-                            <m:r>
-                              <a:rPr lang="en-US" b="0" i="1" smtClean="0">
-                                <a:latin typeface="Cambria Math"/>
-                                <a:ea typeface="Cambria Math"/>
-                              </a:rPr>
-                              <m:t>𝜏</m:t>
-                            </m:r>
-                          </m:num>
-                          <m:den>
-                            <m:r>
-                              <a:rPr lang="en-US" b="0" i="1" smtClean="0">
-                                <a:latin typeface="Cambria Math"/>
-                              </a:rPr>
-                              <m:t>𝑐</m:t>
-                            </m:r>
-                          </m:den>
-                        </m:f>
-                      </m:den>
-                    </m:f>
-                    <m:r>
-                      <a:rPr lang="en-US" b="0" i="1" smtClean="0">
-                        <a:latin typeface="Cambria Math"/>
-                        <a:ea typeface="Cambria Math"/>
-                      </a:rPr>
-                      <m:t>~</m:t>
-                    </m:r>
-                    <m:r>
-                      <a:rPr lang="en-US" b="0" i="1" smtClean="0">
-                        <a:latin typeface="Cambria Math"/>
-                        <a:ea typeface="Cambria Math"/>
-                      </a:rPr>
-                      <m:t>𝑛</m:t>
-                    </m:r>
-                  </m:oMath>
-                </a14:m>
-                <a:endParaRPr lang="nl-BE" dirty="0"/>
-              </a:p>
-            </p:txBody>
-          </p:sp>
-        </mc:Choice>
-        <mc:Fallback xmlns="">
-          <p:sp>
-            <p:nvSpPr>
-              <p:cNvPr id="3" name="Content Placeholder 2"/>
-              <p:cNvSpPr>
-                <a:spLocks noGrp="1" noRot="1" noChangeAspect="1" noMove="1" noResize="1" noEditPoints="1" noAdjustHandles="1" noChangeArrowheads="1" noChangeShapeType="1" noTextEdit="1"/>
-              </p:cNvSpPr>
-              <p:nvPr>
-                <p:ph idx="1"/>
-              </p:nvPr>
-            </p:nvSpPr>
-            <p:spPr>
-              <a:blipFill rotWithShape="1">
-                <a:blip r:embed="rId2"/>
-                <a:stretch>
-                  <a:fillRect l="-1630" t="-1617"/>
-                </a:stretch>
-              </a:blipFill>
-            </p:spPr>
-            <p:txBody>
-              <a:bodyPr/>
-              <a:lstStyle/>
-              <a:p>
-                <a:r>
-                  <a:rPr lang="nl-BE">
-                    <a:noFill/>
-                  </a:rPr>
-                  <a:t> </a:t>
-                </a:r>
-              </a:p>
-            </p:txBody>
-          </p:sp>
-        </mc:Fallback>
-      </mc:AlternateContent>
-      <mc:AlternateContent xmlns:mc="http://schemas.openxmlformats.org/markup-compatibility/2006" xmlns:a14="http://schemas.microsoft.com/office/drawing/2010/main">
-        <mc:Choice Requires="a14">
-          <p:sp>
-            <p:nvSpPr>
-              <p:cNvPr id="4" name="TextBox 3"/>
-              <p:cNvSpPr txBox="1"/>
-              <p:nvPr/>
-            </p:nvSpPr>
-            <p:spPr>
-              <a:xfrm>
-                <a:off x="539552" y="5733256"/>
-                <a:ext cx="5307479" cy="523220"/>
-              </a:xfrm>
-              <a:prstGeom prst="rect">
-                <a:avLst/>
-              </a:prstGeom>
-              <a:noFill/>
-              <a:ln>
-                <a:solidFill>
-                  <a:schemeClr val="tx1"/>
-                </a:solidFill>
-              </a:ln>
-            </p:spPr>
-            <p:txBody>
-              <a:bodyPr wrap="none" rtlCol="0">
-                <a:spAutoFit/>
-              </a:bodyPr>
-              <a:lstStyle/>
-              <a:p>
-                <a:r>
-                  <a:rPr lang="en-US" sz="2800" dirty="0" smtClean="0"/>
-                  <a:t>Gustafson's law: </a:t>
-                </a:r>
-                <a14:m>
-                  <m:oMath xmlns:m="http://schemas.openxmlformats.org/officeDocument/2006/math">
-                    <m:sSub>
-                      <m:sSubPr>
-                        <m:ctrlPr>
-                          <a:rPr lang="en-US" sz="2800" i="1" smtClean="0">
-                            <a:latin typeface="Cambria Math" panose="02040503050406030204" pitchFamily="18" charset="0"/>
-                          </a:rPr>
-                        </m:ctrlPr>
-                      </m:sSubPr>
-                      <m:e>
-                        <m:r>
-                          <a:rPr lang="en-US" sz="2800" b="0" i="1" smtClean="0">
-                            <a:latin typeface="Cambria Math"/>
-                          </a:rPr>
-                          <m:t>𝑇</m:t>
-                        </m:r>
-                      </m:e>
-                      <m:sub>
-                        <m:r>
-                          <a:rPr lang="en-US" sz="2800" b="0" i="1" smtClean="0">
-                            <a:latin typeface="Cambria Math"/>
-                          </a:rPr>
-                          <m:t>𝑛</m:t>
-                        </m:r>
-                      </m:sub>
-                    </m:sSub>
-                    <m:d>
-                      <m:dPr>
-                        <m:ctrlPr>
-                          <a:rPr lang="en-US" sz="2800" b="0" i="1" smtClean="0">
-                            <a:latin typeface="Cambria Math" panose="02040503050406030204" pitchFamily="18" charset="0"/>
-                          </a:rPr>
-                        </m:ctrlPr>
-                      </m:dPr>
-                      <m:e>
-                        <m:r>
-                          <a:rPr lang="en-US" sz="2800" b="0" i="1" smtClean="0">
-                            <a:latin typeface="Cambria Math"/>
-                          </a:rPr>
-                          <m:t>𝑁</m:t>
-                        </m:r>
-                      </m:e>
-                    </m:d>
-                    <m:r>
-                      <a:rPr lang="en-US" sz="2800" b="0" i="1" smtClean="0">
-                        <a:latin typeface="Cambria Math"/>
-                      </a:rPr>
-                      <m:t>=</m:t>
-                    </m:r>
-                    <m:sSub>
-                      <m:sSubPr>
-                        <m:ctrlPr>
-                          <a:rPr lang="en-US" sz="2800" b="0" i="1" smtClean="0">
-                            <a:latin typeface="Cambria Math" panose="02040503050406030204" pitchFamily="18" charset="0"/>
-                          </a:rPr>
-                        </m:ctrlPr>
-                      </m:sSubPr>
-                      <m:e>
-                        <m:r>
-                          <a:rPr lang="en-US" sz="2800" b="0" i="1" smtClean="0">
-                            <a:latin typeface="Cambria Math"/>
-                          </a:rPr>
-                          <m:t>𝑇</m:t>
-                        </m:r>
-                      </m:e>
-                      <m:sub>
-                        <m:r>
-                          <a:rPr lang="en-US" sz="2800" b="0" i="1" smtClean="0">
-                            <a:latin typeface="Cambria Math"/>
-                          </a:rPr>
-                          <m:t>2</m:t>
-                        </m:r>
-                        <m:r>
-                          <a:rPr lang="en-US" sz="2800" b="0" i="1" smtClean="0">
-                            <a:latin typeface="Cambria Math"/>
-                          </a:rPr>
-                          <m:t>𝑛</m:t>
-                        </m:r>
-                      </m:sub>
-                    </m:sSub>
-                    <m:r>
-                      <a:rPr lang="en-US" sz="2800" b="0" i="1" smtClean="0">
-                        <a:latin typeface="Cambria Math"/>
-                      </a:rPr>
-                      <m:t>(2</m:t>
-                    </m:r>
-                    <m:r>
-                      <a:rPr lang="en-US" sz="2800" b="0" i="1" smtClean="0">
-                        <a:latin typeface="Cambria Math"/>
-                      </a:rPr>
-                      <m:t>𝑁</m:t>
-                    </m:r>
-                    <m:r>
-                      <a:rPr lang="en-US" sz="2800" b="0" i="1" smtClean="0">
-                        <a:latin typeface="Cambria Math"/>
-                      </a:rPr>
-                      <m:t>)</m:t>
-                    </m:r>
-                  </m:oMath>
-                </a14:m>
-                <a:endParaRPr lang="nl-BE" dirty="0"/>
-              </a:p>
-            </p:txBody>
-          </p:sp>
-        </mc:Choice>
-        <mc:Fallback xmlns="">
-          <p:sp>
-            <p:nvSpPr>
-              <p:cNvPr id="4" name="TextBox 3"/>
-              <p:cNvSpPr txBox="1">
-                <a:spLocks noRot="1" noChangeAspect="1" noMove="1" noResize="1" noEditPoints="1" noAdjustHandles="1" noChangeArrowheads="1" noChangeShapeType="1" noTextEdit="1"/>
-              </p:cNvSpPr>
-              <p:nvPr/>
-            </p:nvSpPr>
-            <p:spPr>
-              <a:xfrm>
-                <a:off x="539552" y="5733256"/>
-                <a:ext cx="5307479" cy="523220"/>
-              </a:xfrm>
-              <a:prstGeom prst="rect">
-                <a:avLst/>
-              </a:prstGeom>
-              <a:blipFill rotWithShape="1">
-                <a:blip r:embed="rId3"/>
-                <a:stretch>
-                  <a:fillRect l="-2294" t="-9091" b="-30682"/>
-                </a:stretch>
-              </a:blipFill>
-              <a:ln>
-                <a:solidFill>
-                  <a:schemeClr val="tx1"/>
-                </a:solidFill>
-              </a:ln>
-            </p:spPr>
-            <p:txBody>
-              <a:bodyPr/>
-              <a:lstStyle/>
-              <a:p>
-                <a:r>
-                  <a:rPr lang="nl-BE">
-                    <a:noFill/>
-                  </a:rPr>
-                  <a:t> </a:t>
-                </a:r>
-              </a:p>
-            </p:txBody>
-          </p:sp>
-        </mc:Fallback>
-      </mc:AlternateContent>
-      <p:sp>
-        <p:nvSpPr>
-          <p:cNvPr id="5" name="TextBox 4"/>
-          <p:cNvSpPr txBox="1"/>
-          <p:nvPr/>
-        </p:nvSpPr>
-        <p:spPr>
-          <a:xfrm>
-            <a:off x="6444208" y="5661248"/>
-            <a:ext cx="1848198" cy="1077218"/>
-          </a:xfrm>
-          <a:prstGeom prst="rect">
-            <a:avLst/>
-          </a:prstGeom>
-          <a:noFill/>
-          <a:ln>
-            <a:solidFill>
-              <a:schemeClr val="tx1"/>
-            </a:solidFill>
-          </a:ln>
-        </p:spPr>
-        <p:txBody>
-          <a:bodyPr wrap="none" rtlCol="0">
-            <a:spAutoFit/>
-          </a:bodyPr>
-          <a:lstStyle/>
-          <a:p>
-            <a:r>
-              <a:rPr lang="en-US" sz="3200" dirty="0" smtClean="0"/>
-              <a:t>Nice for</a:t>
-            </a:r>
-            <a:br>
-              <a:rPr lang="en-US" sz="3200" dirty="0" smtClean="0"/>
-            </a:br>
-            <a:r>
-              <a:rPr lang="en-US" sz="3200" dirty="0" smtClean="0"/>
-              <a:t>scientists!</a:t>
-            </a:r>
-            <a:endParaRPr lang="nl-BE" sz="3200" dirty="0"/>
-          </a:p>
-        </p:txBody>
-      </p:sp>
-    </p:spTree>
-    <p:extLst>
-      <p:ext uri="{BB962C8B-B14F-4D97-AF65-F5344CB8AC3E}">
-        <p14:creationId xmlns:p14="http://schemas.microsoft.com/office/powerpoint/2010/main" val="3119421013"/>
-      </p:ext>
-    </p:extLst>
-  </p:cSld>
-  <p:clrMapOvr>
-    <a:masterClrMapping/>
-  </p:clrMapOvr>
-  <p:timing>
-    <p:tnLst>
-      <p:par>
-        <p:cTn id="1" dur="indefinite" restart="never" nodeType="tmRoot">
-          <p:childTnLst>
-            <p:seq concurrent="1" nextAc="seek">
-              <p:cTn id="2" dur="indefinite" nodeType="mainSeq">
-                <p:childTnLst>
-                  <p:par>
-                    <p:cTn id="3" fill="hold">
-                      <p:stCondLst>
-                        <p:cond delay="indefinite"/>
-                        <p:cond evt="onBegin" delay="0">
-                          <p:tn val="2"/>
-                        </p:cond>
-                      </p:stCondLst>
-                      <p:childTnLst>
-                        <p:par>
-                          <p:cTn id="4" fill="hold">
-                            <p:stCondLst>
-                              <p:cond delay="0"/>
-                            </p:stCondLst>
-                            <p:childTnLst>
-                              <p:par>
-                                <p:cTn id="5" presetID="1" presetClass="entr" presetSubtype="0" fill="hold" grpId="0" nodeType="withEffect">
-                                  <p:stCondLst>
-                                    <p:cond delay="0"/>
-                                  </p:stCondLst>
-                                  <p:childTnLst>
-                                    <p:set>
-                                      <p:cBhvr>
-                                        <p:cTn id="6" dur="1" fill="hold">
-                                          <p:stCondLst>
-                                            <p:cond delay="0"/>
-                                          </p:stCondLst>
-                                        </p:cTn>
-                                        <p:tgtEl>
-                                          <p:spTgt spid="3">
-                                            <p:txEl>
-                                              <p:pRg st="0" end="0"/>
-                                            </p:txEl>
-                                          </p:spTgt>
-                                        </p:tgtEl>
-                                        <p:attrNameLst>
-                                          <p:attrName>style.visibility</p:attrName>
-                                        </p:attrNameLst>
-                                      </p:cBhvr>
-                                      <p:to>
-                                        <p:strVal val="visible"/>
-                                      </p:to>
-                                    </p:set>
-                                  </p:childTnLst>
-                                </p:cTn>
-                              </p:par>
-                            </p:childTnLst>
-                          </p:cTn>
-                        </p:par>
-                      </p:childTnLst>
-                    </p:cTn>
-                  </p:par>
-                  <p:par>
-                    <p:cTn id="7" fill="hold">
-                      <p:stCondLst>
-                        <p:cond delay="indefinite"/>
-                      </p:stCondLst>
-                      <p:childTnLst>
-                        <p:par>
-                          <p:cTn id="8" fill="hold">
-                            <p:stCondLst>
-                              <p:cond delay="0"/>
-                            </p:stCondLst>
-                            <p:childTnLst>
-                              <p:par>
-                                <p:cTn id="9" presetID="1" presetClass="entr" presetSubtype="0" fill="hold" grpId="0" nodeType="clickEffect">
-                                  <p:stCondLst>
-                                    <p:cond delay="0"/>
-                                  </p:stCondLst>
-                                  <p:childTnLst>
-                                    <p:set>
-                                      <p:cBhvr>
-                                        <p:cTn id="10" dur="1" fill="hold">
-                                          <p:stCondLst>
-                                            <p:cond delay="0"/>
-                                          </p:stCondLst>
-                                        </p:cTn>
-                                        <p:tgtEl>
-                                          <p:spTgt spid="3">
-                                            <p:txEl>
-                                              <p:pRg st="1" end="1"/>
-                                            </p:txEl>
-                                          </p:spTgt>
-                                        </p:tgtEl>
-                                        <p:attrNameLst>
-                                          <p:attrName>style.visibility</p:attrName>
-                                        </p:attrNameLst>
-                                      </p:cBhvr>
-                                      <p:to>
-                                        <p:strVal val="visible"/>
-                                      </p:to>
-                                    </p:set>
-                                  </p:childTnLst>
-                                </p:cTn>
-                              </p:par>
-                            </p:childTnLst>
-                          </p:cTn>
-                        </p:par>
-                      </p:childTnLst>
-                    </p:cTn>
-                  </p:par>
-                  <p:par>
-                    <p:cTn id="11" fill="hold">
-                      <p:stCondLst>
-                        <p:cond delay="indefinite"/>
-                      </p:stCondLst>
-                      <p:childTnLst>
-                        <p:par>
-                          <p:cTn id="12" fill="hold">
-                            <p:stCondLst>
-                              <p:cond delay="0"/>
-                            </p:stCondLst>
-                            <p:childTnLst>
-                              <p:par>
-                                <p:cTn id="13" presetID="1" presetClass="entr" presetSubtype="0" fill="hold" grpId="0" nodeType="clickEffect">
-                                  <p:stCondLst>
-                                    <p:cond delay="0"/>
-                                  </p:stCondLst>
-                                  <p:childTnLst>
-                                    <p:set>
-                                      <p:cBhvr>
-                                        <p:cTn id="14" dur="1" fill="hold">
-                                          <p:stCondLst>
-                                            <p:cond delay="0"/>
-                                          </p:stCondLst>
-                                        </p:cTn>
-                                        <p:tgtEl>
-                                          <p:spTgt spid="3">
-                                            <p:txEl>
-                                              <p:pRg st="2" end="2"/>
-                                            </p:txEl>
-                                          </p:spTgt>
-                                        </p:tgtEl>
-                                        <p:attrNameLst>
-                                          <p:attrName>style.visibility</p:attrName>
-                                        </p:attrNameLst>
-                                      </p:cBhvr>
-                                      <p:to>
-                                        <p:strVal val="visible"/>
-                                      </p:to>
-                                    </p:set>
-                                  </p:childTnLst>
-                                </p:cTn>
-                              </p:par>
-                            </p:childTnLst>
-                          </p:cTn>
-                        </p:par>
-                      </p:childTnLst>
-                    </p:cTn>
-                  </p:par>
-                  <p:par>
-                    <p:cTn id="15" fill="hold">
-                      <p:stCondLst>
-                        <p:cond delay="indefinite"/>
-                      </p:stCondLst>
-                      <p:childTnLst>
-                        <p:par>
-                          <p:cTn id="16" fill="hold">
-                            <p:stCondLst>
-                              <p:cond delay="0"/>
-                            </p:stCondLst>
-                            <p:childTnLst>
-                              <p:par>
-                                <p:cTn id="17" presetID="1" presetClass="entr" presetSubtype="0" fill="hold" grpId="0" nodeType="clickEffect">
-                                  <p:stCondLst>
-                                    <p:cond delay="0"/>
-                                  </p:stCondLst>
-                                  <p:childTnLst>
-                                    <p:set>
-                                      <p:cBhvr>
-                                        <p:cTn id="18" dur="1" fill="hold">
-                                          <p:stCondLst>
-                                            <p:cond delay="0"/>
-                                          </p:stCondLst>
-                                        </p:cTn>
-                                        <p:tgtEl>
-                                          <p:spTgt spid="3">
-                                            <p:txEl>
-                                              <p:pRg st="3" end="3"/>
-                                            </p:txEl>
-                                          </p:spTgt>
-                                        </p:tgtEl>
-                                        <p:attrNameLst>
-                                          <p:attrName>style.visibility</p:attrName>
-                                        </p:attrNameLst>
-                                      </p:cBhvr>
-                                      <p:to>
-                                        <p:strVal val="visible"/>
-                                      </p:to>
-                                    </p:set>
-                                  </p:childTnLst>
-                                </p:cTn>
-                              </p:par>
-                            </p:childTnLst>
-                          </p:cTn>
-                        </p:par>
-                      </p:childTnLst>
-                    </p:cTn>
-                  </p:par>
-                  <p:par>
-                    <p:cTn id="19" fill="hold">
-                      <p:stCondLst>
-                        <p:cond delay="indefinite"/>
-                      </p:stCondLst>
-                      <p:childTnLst>
-                        <p:par>
-                          <p:cTn id="20" fill="hold">
-                            <p:stCondLst>
-                              <p:cond delay="0"/>
-                            </p:stCondLst>
-                            <p:childTnLst>
-                              <p:par>
-                                <p:cTn id="21" presetID="1" presetClass="entr" presetSubtype="0" fill="hold" grpId="0" nodeType="clickEffect">
-                                  <p:stCondLst>
-                                    <p:cond delay="0"/>
-                                  </p:stCondLst>
-                                  <p:childTnLst>
-                                    <p:set>
-                                      <p:cBhvr>
-                                        <p:cTn id="22" dur="1" fill="hold">
-                                          <p:stCondLst>
-                                            <p:cond delay="0"/>
-                                          </p:stCondLst>
-                                        </p:cTn>
-                                        <p:tgtEl>
-                                          <p:spTgt spid="3">
-                                            <p:txEl>
-                                              <p:pRg st="4" end="4"/>
-                                            </p:txEl>
-                                          </p:spTgt>
-                                        </p:tgtEl>
-                                        <p:attrNameLst>
-                                          <p:attrName>style.visibility</p:attrName>
-                                        </p:attrNameLst>
-                                      </p:cBhvr>
-                                      <p:to>
-                                        <p:strVal val="visible"/>
-                                      </p:to>
-                                    </p:set>
-                                  </p:childTnLst>
-                                </p:cTn>
-                              </p:par>
-                            </p:childTnLst>
-                          </p:cTn>
-                        </p:par>
-                      </p:childTnLst>
-                    </p:cTn>
-                  </p:par>
-                  <p:par>
-                    <p:cTn id="23" fill="hold">
-                      <p:stCondLst>
-                        <p:cond delay="indefinite"/>
-                      </p:stCondLst>
-                      <p:childTnLst>
-                        <p:par>
-                          <p:cTn id="24" fill="hold">
-                            <p:stCondLst>
-                              <p:cond delay="0"/>
-                            </p:stCondLst>
-                            <p:childTnLst>
-                              <p:par>
-                                <p:cTn id="25" presetID="1" presetClass="entr" presetSubtype="0" fill="hold" grpId="0" nodeType="clickEffect">
-                                  <p:stCondLst>
-                                    <p:cond delay="0"/>
-                                  </p:stCondLst>
-                                  <p:childTnLst>
-                                    <p:set>
-                                      <p:cBhvr>
-                                        <p:cTn id="26" dur="1" fill="hold">
-                                          <p:stCondLst>
-                                            <p:cond delay="0"/>
-                                          </p:stCondLst>
-                                        </p:cTn>
-                                        <p:tgtEl>
-                                          <p:spTgt spid="4"/>
-                                        </p:tgtEl>
-                                        <p:attrNameLst>
-                                          <p:attrName>style.visibility</p:attrName>
-                                        </p:attrNameLst>
-                                      </p:cBhvr>
-                                      <p:to>
-                                        <p:strVal val="visible"/>
-                                      </p:to>
-                                    </p:set>
-                                  </p:childTnLst>
-                                </p:cTn>
-                              </p:par>
-                            </p:childTnLst>
-                          </p:cTn>
-                        </p:par>
-                      </p:childTnLst>
-                    </p:cTn>
-                  </p:par>
-                  <p:par>
-                    <p:cTn id="27" fill="hold">
-                      <p:stCondLst>
-                        <p:cond delay="indefinite"/>
-                      </p:stCondLst>
-                      <p:childTnLst>
-                        <p:par>
-                          <p:cTn id="28" fill="hold">
-                            <p:stCondLst>
-                              <p:cond delay="0"/>
-                            </p:stCondLst>
-                            <p:childTnLst>
-                              <p:par>
-                                <p:cTn id="29" presetID="1" presetClass="entr" presetSubtype="0" fill="hold" grpId="0" nodeType="clickEffect">
-                                  <p:stCondLst>
-                                    <p:cond delay="0"/>
-                                  </p:stCondLst>
-                                  <p:childTnLst>
-                                    <p:set>
-                                      <p:cBhvr>
-                                        <p:cTn id="30" dur="1" fill="hold">
-                                          <p:stCondLst>
-                                            <p:cond delay="0"/>
-                                          </p:stCondLst>
-                                        </p:cTn>
-                                        <p:tgtEl>
-                                          <p:spTgt spid="5"/>
-                                        </p:tgtEl>
-                                        <p:attrNameLst>
-                                          <p:attrName>style.visibility</p:attrName>
-                                        </p:attrNameLst>
-                                      </p:cBhvr>
-                                      <p:to>
-                                        <p:strVal val="visible"/>
-                                      </p:to>
-                                    </p:set>
-                                  </p:childTnLst>
-                                </p:cTn>
-                              </p:par>
-                            </p:childTnLst>
-                          </p:cTn>
-                        </p:par>
-                      </p:childTnLst>
-                    </p:cTn>
-                  </p:par>
-                </p:childTnLst>
-              </p:cTn>
-              <p:prevCondLst>
-                <p:cond evt="onPrev" delay="0">
-                  <p:tgtEl>
-                    <p:sldTgt/>
-                  </p:tgtEl>
-                </p:cond>
-              </p:prevCondLst>
-              <p:nextCondLst>
-                <p:cond evt="onNext" delay="0">
-                  <p:tgtEl>
-                    <p:sldTgt/>
-                  </p:tgtEl>
-                </p:cond>
-              </p:nextCondLst>
-            </p:seq>
-          </p:childTnLst>
-        </p:cTn>
-      </p:par>
-    </p:tnLst>
-    <p:bldLst>
-      <p:bldP spid="3" grpId="0" uiExpand="1" build="p"/>
-      <p:bldP spid="4" grpId="0" animBg="1"/>
-      <p:bldP spid="5" grpId="0" animBg="1"/>
-    </p:bldLst>
-  </p:timing>
-</p:sld>
-</file>
-
 <file path=ppt/theme/theme1.xml><?xml version="1.0" encoding="utf-8"?>
 <a:theme xmlns:a="http://schemas.openxmlformats.org/drawingml/2006/main" name="Office Theme">
   <a:themeElements>

--- a/Optimization/hpc_efficiency.pptx
+++ b/Optimization/hpc_efficiency.pptx
@@ -17,6 +17,12 @@
     <p:sldId id="264" r:id="rId11"/>
     <p:sldId id="265" r:id="rId12"/>
     <p:sldId id="266" r:id="rId13"/>
+    <p:sldId id="269" r:id="rId14"/>
+    <p:sldId id="270" r:id="rId15"/>
+    <p:sldId id="272" r:id="rId16"/>
+    <p:sldId id="274" r:id="rId17"/>
+    <p:sldId id="273" r:id="rId18"/>
+    <p:sldId id="271" r:id="rId19"/>
   </p:sldIdLst>
   <p:sldSz cx="9144000" cy="6858000" type="screen4x3"/>
   <p:notesSz cx="6858000" cy="9144000"/>
@@ -1876,6 +1882,207 @@
   <p:clrMapOvr>
     <a:masterClrMapping/>
   </p:clrMapOvr>
+</p:sldLayout>
+</file>
+
+<file path=ppt/slideLayouts/slideLayout12.xml><?xml version="1.0" encoding="utf-8"?>
+<p:sldLayout xmlns:a="http://schemas.openxmlformats.org/drawingml/2006/main" xmlns:r="http://schemas.openxmlformats.org/officeDocument/2006/relationships" xmlns:p="http://schemas.openxmlformats.org/presentationml/2006/main" userDrawn="1">
+  <p:cSld name="Titel en object">
+    <p:spTree>
+      <p:nvGrpSpPr>
+        <p:cNvPr id="1" name=""/>
+        <p:cNvGrpSpPr/>
+        <p:nvPr/>
+      </p:nvGrpSpPr>
+      <p:grpSpPr>
+        <a:xfrm>
+          <a:off x="0" y="0"/>
+          <a:ext cx="0" cy="0"/>
+          <a:chOff x="0" y="0"/>
+          <a:chExt cx="0" cy="0"/>
+        </a:xfrm>
+      </p:grpSpPr>
+      <p:sp>
+        <p:nvSpPr>
+          <p:cNvPr id="2" name="Titel 1"/>
+          <p:cNvSpPr>
+            <a:spLocks noGrp="1"/>
+          </p:cNvSpPr>
+          <p:nvPr>
+            <p:ph type="title" hasCustomPrompt="1"/>
+          </p:nvPr>
+        </p:nvSpPr>
+        <p:spPr/>
+        <p:txBody>
+          <a:bodyPr/>
+          <a:lstStyle>
+            <a:lvl1pPr>
+              <a:defRPr baseline="0">
+                <a:solidFill>
+                  <a:srgbClr val="52BDEC"/>
+                </a:solidFill>
+              </a:defRPr>
+            </a:lvl1pPr>
+          </a:lstStyle>
+          <a:p>
+            <a:r>
+              <a:rPr lang="nl-NL" dirty="0" smtClean="0"/>
+              <a:t>Klik en typ de titel</a:t>
+            </a:r>
+            <a:endParaRPr lang="nl-BE" dirty="0"/>
+          </a:p>
+        </p:txBody>
+      </p:sp>
+      <p:sp>
+        <p:nvSpPr>
+          <p:cNvPr id="3" name="Tijdelijke aanduiding voor datum 2"/>
+          <p:cNvSpPr>
+            <a:spLocks noGrp="1"/>
+          </p:cNvSpPr>
+          <p:nvPr>
+            <p:ph type="dt" sz="half" idx="10"/>
+          </p:nvPr>
+        </p:nvSpPr>
+        <p:spPr/>
+        <p:txBody>
+          <a:bodyPr/>
+          <a:lstStyle/>
+          <a:p>
+            <a:fld id="{C4DDCD72-59EE-436D-B435-201699A5BB49}" type="datetimeFigureOut">
+              <a:rPr lang="nl-BE" smtClean="0"/>
+              <a:pPr/>
+              <a:t>14/06/2016</a:t>
+            </a:fld>
+            <a:endParaRPr lang="nl-BE" dirty="0"/>
+          </a:p>
+        </p:txBody>
+      </p:sp>
+      <p:sp>
+        <p:nvSpPr>
+          <p:cNvPr id="4" name="Tijdelijke aanduiding voor voettekst 3"/>
+          <p:cNvSpPr>
+            <a:spLocks noGrp="1"/>
+          </p:cNvSpPr>
+          <p:nvPr>
+            <p:ph type="ftr" sz="quarter" idx="11"/>
+          </p:nvPr>
+        </p:nvSpPr>
+        <p:spPr/>
+        <p:txBody>
+          <a:bodyPr/>
+          <a:lstStyle/>
+          <a:p>
+            <a:endParaRPr lang="nl-BE" dirty="0"/>
+          </a:p>
+        </p:txBody>
+      </p:sp>
+      <p:sp>
+        <p:nvSpPr>
+          <p:cNvPr id="5" name="Tijdelijke aanduiding voor dianummer 4"/>
+          <p:cNvSpPr>
+            <a:spLocks noGrp="1"/>
+          </p:cNvSpPr>
+          <p:nvPr>
+            <p:ph type="sldNum" sz="quarter" idx="12"/>
+          </p:nvPr>
+        </p:nvSpPr>
+        <p:spPr/>
+        <p:txBody>
+          <a:bodyPr/>
+          <a:lstStyle/>
+          <a:p>
+            <a:fld id="{F35D8031-C8E5-48F8-A3B6-81643B27A3AF}" type="slidenum">
+              <a:rPr lang="nl-BE" smtClean="0"/>
+              <a:pPr/>
+              <a:t>‹#›</a:t>
+            </a:fld>
+            <a:endParaRPr lang="nl-BE" dirty="0"/>
+          </a:p>
+        </p:txBody>
+      </p:sp>
+      <p:sp>
+        <p:nvSpPr>
+          <p:cNvPr id="6" name="Tijdelijke aanduiding voor tekst 2"/>
+          <p:cNvSpPr>
+            <a:spLocks noGrp="1"/>
+          </p:cNvSpPr>
+          <p:nvPr>
+            <p:ph idx="1" hasCustomPrompt="1"/>
+          </p:nvPr>
+        </p:nvSpPr>
+        <p:spPr>
+          <a:xfrm>
+            <a:off x="540000" y="1349999"/>
+            <a:ext cx="8334000" cy="4428000"/>
+          </a:xfrm>
+          <a:prstGeom prst="rect">
+            <a:avLst/>
+          </a:prstGeom>
+        </p:spPr>
+        <p:txBody>
+          <a:bodyPr vert="horz" lIns="0" tIns="0" rIns="0" bIns="0" rtlCol="0">
+            <a:noAutofit/>
+          </a:bodyPr>
+          <a:lstStyle>
+            <a:lvl1pPr>
+              <a:defRPr/>
+            </a:lvl1pPr>
+          </a:lstStyle>
+          <a:p>
+            <a:pPr lvl="0"/>
+            <a:r>
+              <a:rPr lang="nl-NL" dirty="0" smtClean="0"/>
+              <a:t>Klik en typ de tekst</a:t>
+            </a:r>
+          </a:p>
+          <a:p>
+            <a:pPr lvl="1"/>
+            <a:r>
+              <a:rPr lang="nl-NL" dirty="0" smtClean="0"/>
+              <a:t>Tweede niveau</a:t>
+            </a:r>
+          </a:p>
+          <a:p>
+            <a:pPr lvl="2"/>
+            <a:r>
+              <a:rPr lang="nl-NL" dirty="0" smtClean="0"/>
+              <a:t>Derde niveau</a:t>
+            </a:r>
+          </a:p>
+          <a:p>
+            <a:pPr lvl="3"/>
+            <a:r>
+              <a:rPr lang="nl-NL" dirty="0" smtClean="0"/>
+              <a:t>Vierde niveau</a:t>
+            </a:r>
+          </a:p>
+          <a:p>
+            <a:pPr lvl="4"/>
+            <a:r>
+              <a:rPr lang="nl-NL" dirty="0" smtClean="0"/>
+              <a:t>Vijfde niveau</a:t>
+            </a:r>
+            <a:endParaRPr lang="nl-BE" dirty="0"/>
+          </a:p>
+        </p:txBody>
+      </p:sp>
+    </p:spTree>
+    <p:extLst>
+      <p:ext uri="{BB962C8B-B14F-4D97-AF65-F5344CB8AC3E}">
+        <p14:creationId xmlns:p14="http://schemas.microsoft.com/office/powerpoint/2010/main" val="80112931"/>
+      </p:ext>
+    </p:extLst>
+  </p:cSld>
+  <p:clrMapOvr>
+    <a:masterClrMapping/>
+  </p:clrMapOvr>
+  <p:timing>
+    <p:tnLst>
+      <p:par>
+        <p:cTn id="1" dur="indefinite" restart="never" nodeType="tmRoot"/>
+      </p:par>
+    </p:tnLst>
+  </p:timing>
 </p:sldLayout>
 </file>
 
@@ -4004,6 +4211,7 @@
     <p:sldLayoutId id="2147483657" r:id="rId9"/>
     <p:sldLayoutId id="2147483658" r:id="rId10"/>
     <p:sldLayoutId id="2147483659" r:id="rId11"/>
+    <p:sldLayoutId id="2147483660" r:id="rId12"/>
   </p:sldLayoutIdLst>
   <p:txStyles>
     <p:titleStyle>
@@ -5993,7 +6201,7 @@
           <a:graphicData uri="http://schemas.openxmlformats.org/presentationml/2006/ole">
             <mc:AlternateContent xmlns:mc="http://schemas.openxmlformats.org/markup-compatibility/2006">
               <mc:Choice xmlns:v="urn:schemas-microsoft-com:vml" Requires="v">
-                <p:oleObj spid="_x0000_s1032" name="Equation" r:id="rId3" imgW="812520" imgH="393480" progId="Equation.3">
+                <p:oleObj spid="_x0000_s1040" name="Equation" r:id="rId3" imgW="812520" imgH="393480" progId="Equation.3">
                   <p:embed/>
                 </p:oleObj>
               </mc:Choice>
@@ -6050,7 +6258,7 @@
           <a:graphicData uri="http://schemas.openxmlformats.org/presentationml/2006/ole">
             <mc:AlternateContent xmlns:mc="http://schemas.openxmlformats.org/markup-compatibility/2006">
               <mc:Choice xmlns:v="urn:schemas-microsoft-com:vml" Requires="v">
-                <p:oleObj spid="_x0000_s1033" name="Equation" r:id="rId5" imgW="2489040" imgH="431640" progId="Equation.3">
+                <p:oleObj spid="_x0000_s1041" name="Equation" r:id="rId5" imgW="2489040" imgH="431640" progId="Equation.3">
                   <p:embed/>
                 </p:oleObj>
               </mc:Choice>
@@ -6546,6 +6754,7353 @@
       <p:bldP spid="3" grpId="0" uiExpand="1" build="p"/>
       <p:bldP spid="20" grpId="0" animBg="1"/>
     </p:bldLst>
+  </p:timing>
+</p:sld>
+</file>
+
+<file path=ppt/slides/slide13.xml><?xml version="1.0" encoding="utf-8"?>
+<p:sld xmlns:a="http://schemas.openxmlformats.org/drawingml/2006/main" xmlns:r="http://schemas.openxmlformats.org/officeDocument/2006/relationships" xmlns:p="http://schemas.openxmlformats.org/presentationml/2006/main">
+  <p:cSld>
+    <p:spTree>
+      <p:nvGrpSpPr>
+        <p:cNvPr id="1" name=""/>
+        <p:cNvGrpSpPr/>
+        <p:nvPr/>
+      </p:nvGrpSpPr>
+      <p:grpSpPr>
+        <a:xfrm>
+          <a:off x="0" y="0"/>
+          <a:ext cx="0" cy="0"/>
+          <a:chOff x="0" y="0"/>
+          <a:chExt cx="0" cy="0"/>
+        </a:xfrm>
+      </p:grpSpPr>
+      <p:sp>
+        <p:nvSpPr>
+          <p:cNvPr id="2" name="Title 1"/>
+          <p:cNvSpPr>
+            <a:spLocks noGrp="1"/>
+          </p:cNvSpPr>
+          <p:nvPr>
+            <p:ph type="title"/>
+          </p:nvPr>
+        </p:nvSpPr>
+        <p:spPr/>
+        <p:txBody>
+          <a:bodyPr/>
+          <a:lstStyle/>
+          <a:p>
+            <a:r>
+              <a:rPr lang="en-US" dirty="0" smtClean="0"/>
+              <a:t>Computer architecture</a:t>
+            </a:r>
+            <a:endParaRPr lang="en-US" dirty="0"/>
+          </a:p>
+        </p:txBody>
+      </p:sp>
+      <p:sp>
+        <p:nvSpPr>
+          <p:cNvPr id="3" name="Text Placeholder 2"/>
+          <p:cNvSpPr>
+            <a:spLocks noGrp="1"/>
+          </p:cNvSpPr>
+          <p:nvPr>
+            <p:ph type="body" idx="1"/>
+          </p:nvPr>
+        </p:nvSpPr>
+        <p:spPr/>
+        <p:txBody>
+          <a:bodyPr/>
+          <a:lstStyle/>
+          <a:p>
+            <a:endParaRPr lang="en-US"/>
+          </a:p>
+        </p:txBody>
+      </p:sp>
+    </p:spTree>
+    <p:extLst>
+      <p:ext uri="{BB962C8B-B14F-4D97-AF65-F5344CB8AC3E}">
+        <p14:creationId xmlns:p14="http://schemas.microsoft.com/office/powerpoint/2010/main" val="1719342774"/>
+      </p:ext>
+    </p:extLst>
+  </p:cSld>
+  <p:clrMapOvr>
+    <a:masterClrMapping/>
+  </p:clrMapOvr>
+  <p:timing>
+    <p:tnLst>
+      <p:par>
+        <p:cTn id="1" dur="indefinite" restart="never" nodeType="tmRoot"/>
+      </p:par>
+    </p:tnLst>
+  </p:timing>
+</p:sld>
+</file>
+
+<file path=ppt/slides/slide14.xml><?xml version="1.0" encoding="utf-8"?>
+<p:sld xmlns:a="http://schemas.openxmlformats.org/drawingml/2006/main" xmlns:r="http://schemas.openxmlformats.org/officeDocument/2006/relationships" xmlns:p="http://schemas.openxmlformats.org/presentationml/2006/main">
+  <p:cSld>
+    <p:spTree>
+      <p:nvGrpSpPr>
+        <p:cNvPr id="1" name=""/>
+        <p:cNvGrpSpPr/>
+        <p:nvPr/>
+      </p:nvGrpSpPr>
+      <p:grpSpPr>
+        <a:xfrm>
+          <a:off x="0" y="0"/>
+          <a:ext cx="0" cy="0"/>
+          <a:chOff x="0" y="0"/>
+          <a:chExt cx="0" cy="0"/>
+        </a:xfrm>
+      </p:grpSpPr>
+      <p:sp>
+        <p:nvSpPr>
+          <p:cNvPr id="2" name="Title 1"/>
+          <p:cNvSpPr>
+            <a:spLocks noGrp="1"/>
+          </p:cNvSpPr>
+          <p:nvPr>
+            <p:ph type="title"/>
+          </p:nvPr>
+        </p:nvSpPr>
+        <p:spPr>
+          <a:xfrm>
+            <a:off x="540000" y="180000"/>
+            <a:ext cx="8334000" cy="584704"/>
+          </a:xfrm>
+        </p:spPr>
+        <p:txBody>
+          <a:bodyPr>
+            <a:normAutofit fontScale="90000"/>
+          </a:bodyPr>
+          <a:lstStyle/>
+          <a:p>
+            <a:r>
+              <a:rPr lang="en-US" dirty="0" smtClean="0">
+                <a:solidFill>
+                  <a:schemeClr val="tx1"/>
+                </a:solidFill>
+              </a:rPr>
+              <a:t>Compute </a:t>
+            </a:r>
+            <a:r>
+              <a:rPr lang="en-US" dirty="0" smtClean="0">
+                <a:solidFill>
+                  <a:schemeClr val="tx1"/>
+                </a:solidFill>
+              </a:rPr>
+              <a:t>node architecture</a:t>
+            </a:r>
+            <a:endParaRPr lang="en-US" dirty="0">
+              <a:solidFill>
+                <a:schemeClr val="tx1"/>
+              </a:solidFill>
+            </a:endParaRPr>
+          </a:p>
+        </p:txBody>
+      </p:sp>
+      <p:sp>
+        <p:nvSpPr>
+          <p:cNvPr id="4" name="Rectangle 3"/>
+          <p:cNvSpPr/>
+          <p:nvPr/>
+        </p:nvSpPr>
+        <p:spPr>
+          <a:xfrm>
+            <a:off x="971600" y="1183631"/>
+            <a:ext cx="7200800" cy="4608859"/>
+          </a:xfrm>
+          <a:prstGeom prst="rect">
+            <a:avLst/>
+          </a:prstGeom>
+          <a:solidFill>
+            <a:srgbClr val="116E8A">
+              <a:alpha val="38000"/>
+            </a:srgbClr>
+          </a:solidFill>
+          <a:ln>
+            <a:noFill/>
+          </a:ln>
+        </p:spPr>
+        <p:style>
+          <a:lnRef idx="2">
+            <a:schemeClr val="accent1">
+              <a:shade val="50000"/>
+            </a:schemeClr>
+          </a:lnRef>
+          <a:fillRef idx="1">
+            <a:schemeClr val="accent1"/>
+          </a:fillRef>
+          <a:effectRef idx="0">
+            <a:schemeClr val="accent1"/>
+          </a:effectRef>
+          <a:fontRef idx="minor">
+            <a:schemeClr val="lt1"/>
+          </a:fontRef>
+        </p:style>
+        <p:txBody>
+          <a:bodyPr rtlCol="0" anchor="ctr"/>
+          <a:lstStyle/>
+          <a:p>
+            <a:pPr algn="ctr"/>
+            <a:endParaRPr lang="en-US"/>
+          </a:p>
+        </p:txBody>
+      </p:sp>
+      <p:grpSp>
+        <p:nvGrpSpPr>
+          <p:cNvPr id="11" name="Group 10"/>
+          <p:cNvGrpSpPr/>
+          <p:nvPr/>
+        </p:nvGrpSpPr>
+        <p:grpSpPr>
+          <a:xfrm>
+            <a:off x="208112" y="1976066"/>
+            <a:ext cx="1008112" cy="3312368"/>
+            <a:chOff x="208112" y="1916832"/>
+            <a:chExt cx="1008112" cy="3312368"/>
+          </a:xfrm>
+        </p:grpSpPr>
+        <p:sp>
+          <p:nvSpPr>
+            <p:cNvPr id="7" name="Rectangle 6"/>
+            <p:cNvSpPr/>
+            <p:nvPr/>
+          </p:nvSpPr>
+          <p:spPr>
+            <a:xfrm>
+              <a:off x="208112" y="1916832"/>
+              <a:ext cx="1008112" cy="504056"/>
+            </a:xfrm>
+            <a:prstGeom prst="rect">
+              <a:avLst/>
+            </a:prstGeom>
+            <a:solidFill>
+              <a:schemeClr val="bg1">
+                <a:lumMod val="50000"/>
+              </a:schemeClr>
+            </a:solidFill>
+            <a:ln>
+              <a:noFill/>
+            </a:ln>
+          </p:spPr>
+          <p:style>
+            <a:lnRef idx="2">
+              <a:schemeClr val="accent1">
+                <a:shade val="50000"/>
+              </a:schemeClr>
+            </a:lnRef>
+            <a:fillRef idx="1">
+              <a:schemeClr val="accent1"/>
+            </a:fillRef>
+            <a:effectRef idx="0">
+              <a:schemeClr val="accent1"/>
+            </a:effectRef>
+            <a:fontRef idx="minor">
+              <a:schemeClr val="lt1"/>
+            </a:fontRef>
+          </p:style>
+          <p:txBody>
+            <a:bodyPr rtlCol="0" anchor="ctr"/>
+            <a:lstStyle/>
+            <a:p>
+              <a:pPr algn="ctr"/>
+              <a:r>
+                <a:rPr lang="en-US" dirty="0" smtClean="0"/>
+                <a:t>DDR3</a:t>
+              </a:r>
+              <a:endParaRPr lang="en-US" dirty="0"/>
+            </a:p>
+          </p:txBody>
+        </p:sp>
+        <p:sp>
+          <p:nvSpPr>
+            <p:cNvPr id="8" name="Rectangle 7"/>
+            <p:cNvSpPr/>
+            <p:nvPr/>
+          </p:nvSpPr>
+          <p:spPr>
+            <a:xfrm>
+              <a:off x="208112" y="2852936"/>
+              <a:ext cx="1008112" cy="504056"/>
+            </a:xfrm>
+            <a:prstGeom prst="rect">
+              <a:avLst/>
+            </a:prstGeom>
+            <a:solidFill>
+              <a:schemeClr val="bg1">
+                <a:lumMod val="50000"/>
+              </a:schemeClr>
+            </a:solidFill>
+            <a:ln>
+              <a:noFill/>
+            </a:ln>
+          </p:spPr>
+          <p:style>
+            <a:lnRef idx="2">
+              <a:schemeClr val="accent1">
+                <a:shade val="50000"/>
+              </a:schemeClr>
+            </a:lnRef>
+            <a:fillRef idx="1">
+              <a:schemeClr val="accent1"/>
+            </a:fillRef>
+            <a:effectRef idx="0">
+              <a:schemeClr val="accent1"/>
+            </a:effectRef>
+            <a:fontRef idx="minor">
+              <a:schemeClr val="lt1"/>
+            </a:fontRef>
+          </p:style>
+          <p:txBody>
+            <a:bodyPr rtlCol="0" anchor="ctr"/>
+            <a:lstStyle/>
+            <a:p>
+              <a:pPr algn="ctr"/>
+              <a:r>
+                <a:rPr lang="en-US" dirty="0" smtClean="0"/>
+                <a:t>DDR3</a:t>
+              </a:r>
+              <a:endParaRPr lang="en-US" dirty="0"/>
+            </a:p>
+          </p:txBody>
+        </p:sp>
+        <p:sp>
+          <p:nvSpPr>
+            <p:cNvPr id="9" name="Rectangle 8"/>
+            <p:cNvSpPr/>
+            <p:nvPr/>
+          </p:nvSpPr>
+          <p:spPr>
+            <a:xfrm>
+              <a:off x="208112" y="3789040"/>
+              <a:ext cx="1008112" cy="504056"/>
+            </a:xfrm>
+            <a:prstGeom prst="rect">
+              <a:avLst/>
+            </a:prstGeom>
+            <a:solidFill>
+              <a:schemeClr val="bg1">
+                <a:lumMod val="50000"/>
+              </a:schemeClr>
+            </a:solidFill>
+            <a:ln>
+              <a:noFill/>
+            </a:ln>
+          </p:spPr>
+          <p:style>
+            <a:lnRef idx="2">
+              <a:schemeClr val="accent1">
+                <a:shade val="50000"/>
+              </a:schemeClr>
+            </a:lnRef>
+            <a:fillRef idx="1">
+              <a:schemeClr val="accent1"/>
+            </a:fillRef>
+            <a:effectRef idx="0">
+              <a:schemeClr val="accent1"/>
+            </a:effectRef>
+            <a:fontRef idx="minor">
+              <a:schemeClr val="lt1"/>
+            </a:fontRef>
+          </p:style>
+          <p:txBody>
+            <a:bodyPr rtlCol="0" anchor="ctr"/>
+            <a:lstStyle/>
+            <a:p>
+              <a:pPr algn="ctr"/>
+              <a:r>
+                <a:rPr lang="en-US" dirty="0" smtClean="0"/>
+                <a:t>DDR3</a:t>
+              </a:r>
+              <a:endParaRPr lang="en-US" dirty="0"/>
+            </a:p>
+          </p:txBody>
+        </p:sp>
+        <p:sp>
+          <p:nvSpPr>
+            <p:cNvPr id="10" name="Rectangle 9"/>
+            <p:cNvSpPr/>
+            <p:nvPr/>
+          </p:nvSpPr>
+          <p:spPr>
+            <a:xfrm>
+              <a:off x="208112" y="4725144"/>
+              <a:ext cx="1008112" cy="504056"/>
+            </a:xfrm>
+            <a:prstGeom prst="rect">
+              <a:avLst/>
+            </a:prstGeom>
+            <a:solidFill>
+              <a:schemeClr val="bg1">
+                <a:lumMod val="50000"/>
+              </a:schemeClr>
+            </a:solidFill>
+            <a:ln>
+              <a:noFill/>
+            </a:ln>
+          </p:spPr>
+          <p:style>
+            <a:lnRef idx="2">
+              <a:schemeClr val="accent1">
+                <a:shade val="50000"/>
+              </a:schemeClr>
+            </a:lnRef>
+            <a:fillRef idx="1">
+              <a:schemeClr val="accent1"/>
+            </a:fillRef>
+            <a:effectRef idx="0">
+              <a:schemeClr val="accent1"/>
+            </a:effectRef>
+            <a:fontRef idx="minor">
+              <a:schemeClr val="lt1"/>
+            </a:fontRef>
+          </p:style>
+          <p:txBody>
+            <a:bodyPr rtlCol="0" anchor="ctr"/>
+            <a:lstStyle/>
+            <a:p>
+              <a:pPr algn="ctr"/>
+              <a:r>
+                <a:rPr lang="en-US" dirty="0" smtClean="0"/>
+                <a:t>DDR3</a:t>
+              </a:r>
+              <a:endParaRPr lang="en-US" dirty="0"/>
+            </a:p>
+          </p:txBody>
+        </p:sp>
+      </p:grpSp>
+      <p:grpSp>
+        <p:nvGrpSpPr>
+          <p:cNvPr id="12" name="Group 11"/>
+          <p:cNvGrpSpPr/>
+          <p:nvPr/>
+        </p:nvGrpSpPr>
+        <p:grpSpPr>
+          <a:xfrm>
+            <a:off x="7956376" y="1976066"/>
+            <a:ext cx="1008112" cy="3312368"/>
+            <a:chOff x="208112" y="1916832"/>
+            <a:chExt cx="1008112" cy="3312368"/>
+          </a:xfrm>
+        </p:grpSpPr>
+        <p:sp>
+          <p:nvSpPr>
+            <p:cNvPr id="13" name="Rectangle 12"/>
+            <p:cNvSpPr/>
+            <p:nvPr/>
+          </p:nvSpPr>
+          <p:spPr>
+            <a:xfrm>
+              <a:off x="208112" y="1916832"/>
+              <a:ext cx="1008112" cy="504056"/>
+            </a:xfrm>
+            <a:prstGeom prst="rect">
+              <a:avLst/>
+            </a:prstGeom>
+            <a:solidFill>
+              <a:schemeClr val="bg1">
+                <a:lumMod val="50000"/>
+              </a:schemeClr>
+            </a:solidFill>
+            <a:ln>
+              <a:noFill/>
+            </a:ln>
+          </p:spPr>
+          <p:style>
+            <a:lnRef idx="2">
+              <a:schemeClr val="accent1">
+                <a:shade val="50000"/>
+              </a:schemeClr>
+            </a:lnRef>
+            <a:fillRef idx="1">
+              <a:schemeClr val="accent1"/>
+            </a:fillRef>
+            <a:effectRef idx="0">
+              <a:schemeClr val="accent1"/>
+            </a:effectRef>
+            <a:fontRef idx="minor">
+              <a:schemeClr val="lt1"/>
+            </a:fontRef>
+          </p:style>
+          <p:txBody>
+            <a:bodyPr rtlCol="0" anchor="ctr"/>
+            <a:lstStyle/>
+            <a:p>
+              <a:pPr algn="ctr"/>
+              <a:r>
+                <a:rPr lang="en-US" dirty="0" smtClean="0"/>
+                <a:t>DDR3</a:t>
+              </a:r>
+              <a:endParaRPr lang="en-US" dirty="0"/>
+            </a:p>
+          </p:txBody>
+        </p:sp>
+        <p:sp>
+          <p:nvSpPr>
+            <p:cNvPr id="14" name="Rectangle 13"/>
+            <p:cNvSpPr/>
+            <p:nvPr/>
+          </p:nvSpPr>
+          <p:spPr>
+            <a:xfrm>
+              <a:off x="208112" y="2852936"/>
+              <a:ext cx="1008112" cy="504056"/>
+            </a:xfrm>
+            <a:prstGeom prst="rect">
+              <a:avLst/>
+            </a:prstGeom>
+            <a:solidFill>
+              <a:schemeClr val="bg1">
+                <a:lumMod val="50000"/>
+              </a:schemeClr>
+            </a:solidFill>
+            <a:ln>
+              <a:noFill/>
+            </a:ln>
+          </p:spPr>
+          <p:style>
+            <a:lnRef idx="2">
+              <a:schemeClr val="accent1">
+                <a:shade val="50000"/>
+              </a:schemeClr>
+            </a:lnRef>
+            <a:fillRef idx="1">
+              <a:schemeClr val="accent1"/>
+            </a:fillRef>
+            <a:effectRef idx="0">
+              <a:schemeClr val="accent1"/>
+            </a:effectRef>
+            <a:fontRef idx="minor">
+              <a:schemeClr val="lt1"/>
+            </a:fontRef>
+          </p:style>
+          <p:txBody>
+            <a:bodyPr rtlCol="0" anchor="ctr"/>
+            <a:lstStyle/>
+            <a:p>
+              <a:pPr algn="ctr"/>
+              <a:r>
+                <a:rPr lang="en-US" dirty="0" smtClean="0"/>
+                <a:t>DDR3</a:t>
+              </a:r>
+              <a:endParaRPr lang="en-US" dirty="0"/>
+            </a:p>
+          </p:txBody>
+        </p:sp>
+        <p:sp>
+          <p:nvSpPr>
+            <p:cNvPr id="15" name="Rectangle 14"/>
+            <p:cNvSpPr/>
+            <p:nvPr/>
+          </p:nvSpPr>
+          <p:spPr>
+            <a:xfrm>
+              <a:off x="208112" y="3789040"/>
+              <a:ext cx="1008112" cy="504056"/>
+            </a:xfrm>
+            <a:prstGeom prst="rect">
+              <a:avLst/>
+            </a:prstGeom>
+            <a:solidFill>
+              <a:schemeClr val="bg1">
+                <a:lumMod val="50000"/>
+              </a:schemeClr>
+            </a:solidFill>
+            <a:ln>
+              <a:noFill/>
+            </a:ln>
+          </p:spPr>
+          <p:style>
+            <a:lnRef idx="2">
+              <a:schemeClr val="accent1">
+                <a:shade val="50000"/>
+              </a:schemeClr>
+            </a:lnRef>
+            <a:fillRef idx="1">
+              <a:schemeClr val="accent1"/>
+            </a:fillRef>
+            <a:effectRef idx="0">
+              <a:schemeClr val="accent1"/>
+            </a:effectRef>
+            <a:fontRef idx="minor">
+              <a:schemeClr val="lt1"/>
+            </a:fontRef>
+          </p:style>
+          <p:txBody>
+            <a:bodyPr rtlCol="0" anchor="ctr"/>
+            <a:lstStyle/>
+            <a:p>
+              <a:pPr algn="ctr"/>
+              <a:r>
+                <a:rPr lang="en-US" dirty="0" smtClean="0"/>
+                <a:t>DDR3</a:t>
+              </a:r>
+              <a:endParaRPr lang="en-US" dirty="0"/>
+            </a:p>
+          </p:txBody>
+        </p:sp>
+        <p:sp>
+          <p:nvSpPr>
+            <p:cNvPr id="16" name="Rectangle 15"/>
+            <p:cNvSpPr/>
+            <p:nvPr/>
+          </p:nvSpPr>
+          <p:spPr>
+            <a:xfrm>
+              <a:off x="208112" y="4725144"/>
+              <a:ext cx="1008112" cy="504056"/>
+            </a:xfrm>
+            <a:prstGeom prst="rect">
+              <a:avLst/>
+            </a:prstGeom>
+            <a:solidFill>
+              <a:schemeClr val="bg1">
+                <a:lumMod val="50000"/>
+              </a:schemeClr>
+            </a:solidFill>
+            <a:ln>
+              <a:noFill/>
+            </a:ln>
+          </p:spPr>
+          <p:style>
+            <a:lnRef idx="2">
+              <a:schemeClr val="accent1">
+                <a:shade val="50000"/>
+              </a:schemeClr>
+            </a:lnRef>
+            <a:fillRef idx="1">
+              <a:schemeClr val="accent1"/>
+            </a:fillRef>
+            <a:effectRef idx="0">
+              <a:schemeClr val="accent1"/>
+            </a:effectRef>
+            <a:fontRef idx="minor">
+              <a:schemeClr val="lt1"/>
+            </a:fontRef>
+          </p:style>
+          <p:txBody>
+            <a:bodyPr rtlCol="0" anchor="ctr"/>
+            <a:lstStyle/>
+            <a:p>
+              <a:pPr algn="ctr"/>
+              <a:r>
+                <a:rPr lang="en-US" dirty="0" smtClean="0"/>
+                <a:t>DDR3</a:t>
+              </a:r>
+              <a:endParaRPr lang="en-US" dirty="0"/>
+            </a:p>
+          </p:txBody>
+        </p:sp>
+      </p:grpSp>
+      <p:sp>
+        <p:nvSpPr>
+          <p:cNvPr id="17" name="Rectangle 16"/>
+          <p:cNvSpPr/>
+          <p:nvPr/>
+        </p:nvSpPr>
+        <p:spPr>
+          <a:xfrm>
+            <a:off x="4067624" y="2696146"/>
+            <a:ext cx="1008432" cy="504056"/>
+          </a:xfrm>
+          <a:prstGeom prst="rect">
+            <a:avLst/>
+          </a:prstGeom>
+          <a:solidFill>
+            <a:schemeClr val="tx2"/>
+          </a:solidFill>
+          <a:ln>
+            <a:noFill/>
+          </a:ln>
+        </p:spPr>
+        <p:style>
+          <a:lnRef idx="2">
+            <a:schemeClr val="accent1">
+              <a:shade val="50000"/>
+            </a:schemeClr>
+          </a:lnRef>
+          <a:fillRef idx="1">
+            <a:schemeClr val="accent1"/>
+          </a:fillRef>
+          <a:effectRef idx="0">
+            <a:schemeClr val="accent1"/>
+          </a:effectRef>
+          <a:fontRef idx="minor">
+            <a:schemeClr val="lt1"/>
+          </a:fontRef>
+        </p:style>
+        <p:txBody>
+          <a:bodyPr rtlCol="0" anchor="ctr"/>
+          <a:lstStyle/>
+          <a:p>
+            <a:pPr algn="ctr"/>
+            <a:r>
+              <a:rPr lang="en-US" dirty="0" smtClean="0"/>
+              <a:t>QPI</a:t>
+            </a:r>
+            <a:endParaRPr lang="en-US" dirty="0"/>
+          </a:p>
+        </p:txBody>
+      </p:sp>
+      <p:sp>
+        <p:nvSpPr>
+          <p:cNvPr id="23" name="Rectangle 22"/>
+          <p:cNvSpPr/>
+          <p:nvPr/>
+        </p:nvSpPr>
+        <p:spPr>
+          <a:xfrm>
+            <a:off x="4067624" y="3488234"/>
+            <a:ext cx="1008432" cy="504056"/>
+          </a:xfrm>
+          <a:prstGeom prst="rect">
+            <a:avLst/>
+          </a:prstGeom>
+          <a:solidFill>
+            <a:schemeClr val="tx2"/>
+          </a:solidFill>
+          <a:ln>
+            <a:noFill/>
+          </a:ln>
+        </p:spPr>
+        <p:style>
+          <a:lnRef idx="2">
+            <a:schemeClr val="accent1">
+              <a:shade val="50000"/>
+            </a:schemeClr>
+          </a:lnRef>
+          <a:fillRef idx="1">
+            <a:schemeClr val="accent1"/>
+          </a:fillRef>
+          <a:effectRef idx="0">
+            <a:schemeClr val="accent1"/>
+          </a:effectRef>
+          <a:fontRef idx="minor">
+            <a:schemeClr val="lt1"/>
+          </a:fontRef>
+        </p:style>
+        <p:txBody>
+          <a:bodyPr rtlCol="0" anchor="ctr"/>
+          <a:lstStyle/>
+          <a:p>
+            <a:pPr algn="ctr"/>
+            <a:r>
+              <a:rPr lang="en-US" dirty="0" smtClean="0"/>
+              <a:t>QPI</a:t>
+            </a:r>
+            <a:endParaRPr lang="en-US" dirty="0"/>
+          </a:p>
+        </p:txBody>
+      </p:sp>
+      <p:grpSp>
+        <p:nvGrpSpPr>
+          <p:cNvPr id="65" name="Group 64"/>
+          <p:cNvGrpSpPr/>
+          <p:nvPr/>
+        </p:nvGrpSpPr>
+        <p:grpSpPr>
+          <a:xfrm>
+            <a:off x="3203848" y="3207404"/>
+            <a:ext cx="720080" cy="633670"/>
+            <a:chOff x="1331640" y="1772816"/>
+            <a:chExt cx="720080" cy="792088"/>
+          </a:xfrm>
+        </p:grpSpPr>
+        <p:sp>
+          <p:nvSpPr>
+            <p:cNvPr id="66" name="Rectangle 65"/>
+            <p:cNvSpPr>
+              <a:spLocks noChangeAspect="1"/>
+            </p:cNvSpPr>
+            <p:nvPr/>
+          </p:nvSpPr>
+          <p:spPr>
+            <a:xfrm>
+              <a:off x="1331640" y="2132856"/>
+              <a:ext cx="720000" cy="432048"/>
+            </a:xfrm>
+            <a:prstGeom prst="rect">
+              <a:avLst/>
+            </a:prstGeom>
+            <a:solidFill>
+              <a:srgbClr val="E8B652"/>
+            </a:solidFill>
+            <a:ln>
+              <a:noFill/>
+            </a:ln>
+          </p:spPr>
+          <p:style>
+            <a:lnRef idx="2">
+              <a:schemeClr val="accent1">
+                <a:shade val="50000"/>
+              </a:schemeClr>
+            </a:lnRef>
+            <a:fillRef idx="1">
+              <a:schemeClr val="accent1"/>
+            </a:fillRef>
+            <a:effectRef idx="0">
+              <a:schemeClr val="accent1"/>
+            </a:effectRef>
+            <a:fontRef idx="minor">
+              <a:schemeClr val="lt1"/>
+            </a:fontRef>
+          </p:style>
+          <p:txBody>
+            <a:bodyPr rtlCol="0" anchor="ctr"/>
+            <a:lstStyle/>
+            <a:p>
+              <a:pPr algn="ctr"/>
+              <a:r>
+                <a:rPr lang="en-US" sz="1200" b="1" dirty="0" smtClean="0"/>
+                <a:t>core0</a:t>
+              </a:r>
+              <a:endParaRPr lang="en-US" sz="1200" b="1" dirty="0"/>
+            </a:p>
+          </p:txBody>
+        </p:sp>
+        <p:sp>
+          <p:nvSpPr>
+            <p:cNvPr id="67" name="Rectangle 66"/>
+            <p:cNvSpPr>
+              <a:spLocks noChangeAspect="1"/>
+            </p:cNvSpPr>
+            <p:nvPr/>
+          </p:nvSpPr>
+          <p:spPr>
+            <a:xfrm>
+              <a:off x="1331640" y="1772816"/>
+              <a:ext cx="360000" cy="360000"/>
+            </a:xfrm>
+            <a:prstGeom prst="rect">
+              <a:avLst/>
+            </a:prstGeom>
+            <a:solidFill>
+              <a:schemeClr val="bg1">
+                <a:lumMod val="75000"/>
+              </a:schemeClr>
+            </a:solidFill>
+            <a:ln>
+              <a:noFill/>
+            </a:ln>
+          </p:spPr>
+          <p:style>
+            <a:lnRef idx="2">
+              <a:schemeClr val="accent1">
+                <a:shade val="50000"/>
+              </a:schemeClr>
+            </a:lnRef>
+            <a:fillRef idx="1">
+              <a:schemeClr val="accent1"/>
+            </a:fillRef>
+            <a:effectRef idx="0">
+              <a:schemeClr val="accent1"/>
+            </a:effectRef>
+            <a:fontRef idx="minor">
+              <a:schemeClr val="lt1"/>
+            </a:fontRef>
+          </p:style>
+          <p:txBody>
+            <a:bodyPr rtlCol="0" anchor="ctr"/>
+            <a:lstStyle/>
+            <a:p>
+              <a:pPr algn="ctr"/>
+              <a:r>
+                <a:rPr lang="en-US" sz="1000" dirty="0" smtClean="0">
+                  <a:solidFill>
+                    <a:schemeClr val="tx1"/>
+                  </a:solidFill>
+                </a:rPr>
+                <a:t>L1</a:t>
+              </a:r>
+              <a:endParaRPr lang="en-US" sz="1000" dirty="0">
+                <a:solidFill>
+                  <a:schemeClr val="tx1"/>
+                </a:solidFill>
+              </a:endParaRPr>
+            </a:p>
+          </p:txBody>
+        </p:sp>
+        <p:sp>
+          <p:nvSpPr>
+            <p:cNvPr id="68" name="Rectangle 67"/>
+            <p:cNvSpPr>
+              <a:spLocks noChangeAspect="1"/>
+            </p:cNvSpPr>
+            <p:nvPr/>
+          </p:nvSpPr>
+          <p:spPr>
+            <a:xfrm>
+              <a:off x="1691720" y="1772816"/>
+              <a:ext cx="360000" cy="360000"/>
+            </a:xfrm>
+            <a:prstGeom prst="rect">
+              <a:avLst/>
+            </a:prstGeom>
+            <a:solidFill>
+              <a:schemeClr val="bg1">
+                <a:lumMod val="95000"/>
+              </a:schemeClr>
+            </a:solidFill>
+            <a:ln>
+              <a:noFill/>
+            </a:ln>
+          </p:spPr>
+          <p:style>
+            <a:lnRef idx="2">
+              <a:schemeClr val="accent1">
+                <a:shade val="50000"/>
+              </a:schemeClr>
+            </a:lnRef>
+            <a:fillRef idx="1">
+              <a:schemeClr val="accent1"/>
+            </a:fillRef>
+            <a:effectRef idx="0">
+              <a:schemeClr val="accent1"/>
+            </a:effectRef>
+            <a:fontRef idx="minor">
+              <a:schemeClr val="lt1"/>
+            </a:fontRef>
+          </p:style>
+          <p:txBody>
+            <a:bodyPr rtlCol="0" anchor="ctr"/>
+            <a:lstStyle/>
+            <a:p>
+              <a:pPr algn="ctr"/>
+              <a:r>
+                <a:rPr lang="en-US" sz="1000" dirty="0" smtClean="0">
+                  <a:solidFill>
+                    <a:schemeClr val="tx1"/>
+                  </a:solidFill>
+                </a:rPr>
+                <a:t>L2</a:t>
+              </a:r>
+              <a:endParaRPr lang="en-US" sz="1000" dirty="0">
+                <a:solidFill>
+                  <a:schemeClr val="tx1"/>
+                </a:solidFill>
+              </a:endParaRPr>
+            </a:p>
+          </p:txBody>
+        </p:sp>
+      </p:grpSp>
+      <p:sp>
+        <p:nvSpPr>
+          <p:cNvPr id="117" name="TextBox 116"/>
+          <p:cNvSpPr txBox="1"/>
+          <p:nvPr/>
+        </p:nvSpPr>
+        <p:spPr>
+          <a:xfrm>
+            <a:off x="1943768" y="836712"/>
+            <a:ext cx="1692128" cy="923330"/>
+          </a:xfrm>
+          <a:prstGeom prst="rect">
+            <a:avLst/>
+          </a:prstGeom>
+          <a:noFill/>
+        </p:spPr>
+        <p:txBody>
+          <a:bodyPr wrap="square" rtlCol="0">
+            <a:spAutoFit/>
+          </a:bodyPr>
+          <a:lstStyle/>
+          <a:p>
+            <a:pPr algn="ctr"/>
+            <a:r>
+              <a:rPr lang="en-US" dirty="0" smtClean="0"/>
+              <a:t>Socket 0</a:t>
+            </a:r>
+          </a:p>
+          <a:p>
+            <a:pPr algn="ctr"/>
+            <a:r>
+              <a:rPr lang="en-US" dirty="0" smtClean="0"/>
+              <a:t>NUMA node 0</a:t>
+            </a:r>
+          </a:p>
+          <a:p>
+            <a:endParaRPr lang="en-US" dirty="0"/>
+          </a:p>
+        </p:txBody>
+      </p:sp>
+      <p:sp>
+        <p:nvSpPr>
+          <p:cNvPr id="118" name="TextBox 117"/>
+          <p:cNvSpPr txBox="1"/>
+          <p:nvPr/>
+        </p:nvSpPr>
+        <p:spPr>
+          <a:xfrm>
+            <a:off x="5670312" y="836712"/>
+            <a:ext cx="1692128" cy="923330"/>
+          </a:xfrm>
+          <a:prstGeom prst="rect">
+            <a:avLst/>
+          </a:prstGeom>
+          <a:noFill/>
+        </p:spPr>
+        <p:txBody>
+          <a:bodyPr wrap="square" rtlCol="0">
+            <a:spAutoFit/>
+          </a:bodyPr>
+          <a:lstStyle/>
+          <a:p>
+            <a:pPr algn="ctr"/>
+            <a:r>
+              <a:rPr lang="en-US" dirty="0" smtClean="0"/>
+              <a:t>Socket 1</a:t>
+            </a:r>
+          </a:p>
+          <a:p>
+            <a:pPr algn="ctr"/>
+            <a:r>
+              <a:rPr lang="en-US" dirty="0" smtClean="0"/>
+              <a:t>NUMA node 1</a:t>
+            </a:r>
+          </a:p>
+          <a:p>
+            <a:endParaRPr lang="en-US" dirty="0"/>
+          </a:p>
+        </p:txBody>
+      </p:sp>
+      <p:grpSp>
+        <p:nvGrpSpPr>
+          <p:cNvPr id="127" name="Group 126"/>
+          <p:cNvGrpSpPr/>
+          <p:nvPr/>
+        </p:nvGrpSpPr>
+        <p:grpSpPr>
+          <a:xfrm>
+            <a:off x="1187624" y="1472010"/>
+            <a:ext cx="2880000" cy="4104456"/>
+            <a:chOff x="1187624" y="1556792"/>
+            <a:chExt cx="2880000" cy="4104456"/>
+          </a:xfrm>
+        </p:grpSpPr>
+        <p:sp>
+          <p:nvSpPr>
+            <p:cNvPr id="5" name="Rectangle 4"/>
+            <p:cNvSpPr/>
+            <p:nvPr/>
+          </p:nvSpPr>
+          <p:spPr>
+            <a:xfrm>
+              <a:off x="1187624" y="1556792"/>
+              <a:ext cx="2880000" cy="4104456"/>
+            </a:xfrm>
+            <a:prstGeom prst="rect">
+              <a:avLst/>
+            </a:prstGeom>
+            <a:solidFill>
+              <a:schemeClr val="accent3">
+                <a:lumMod val="20000"/>
+                <a:lumOff val="80000"/>
+              </a:schemeClr>
+            </a:solidFill>
+            <a:ln>
+              <a:noFill/>
+            </a:ln>
+          </p:spPr>
+          <p:style>
+            <a:lnRef idx="2">
+              <a:schemeClr val="accent1">
+                <a:shade val="50000"/>
+              </a:schemeClr>
+            </a:lnRef>
+            <a:fillRef idx="1">
+              <a:schemeClr val="accent1"/>
+            </a:fillRef>
+            <a:effectRef idx="0">
+              <a:schemeClr val="accent1"/>
+            </a:effectRef>
+            <a:fontRef idx="minor">
+              <a:schemeClr val="lt1"/>
+            </a:fontRef>
+          </p:style>
+          <p:txBody>
+            <a:bodyPr rtlCol="0" anchor="ctr"/>
+            <a:lstStyle/>
+            <a:p>
+              <a:pPr algn="ctr"/>
+              <a:endParaRPr lang="en-US"/>
+            </a:p>
+          </p:txBody>
+        </p:sp>
+        <p:sp>
+          <p:nvSpPr>
+            <p:cNvPr id="25" name="Rectangle 24"/>
+            <p:cNvSpPr/>
+            <p:nvPr/>
+          </p:nvSpPr>
+          <p:spPr>
+            <a:xfrm>
+              <a:off x="2339752" y="1772816"/>
+              <a:ext cx="720080" cy="3672408"/>
+            </a:xfrm>
+            <a:prstGeom prst="rect">
+              <a:avLst/>
+            </a:prstGeom>
+            <a:solidFill>
+              <a:schemeClr val="bg1">
+                <a:lumMod val="65000"/>
+              </a:schemeClr>
+            </a:solidFill>
+            <a:ln>
+              <a:noFill/>
+            </a:ln>
+          </p:spPr>
+          <p:style>
+            <a:lnRef idx="2">
+              <a:schemeClr val="accent1">
+                <a:shade val="50000"/>
+              </a:schemeClr>
+            </a:lnRef>
+            <a:fillRef idx="1">
+              <a:schemeClr val="accent1"/>
+            </a:fillRef>
+            <a:effectRef idx="0">
+              <a:schemeClr val="accent1"/>
+            </a:effectRef>
+            <a:fontRef idx="minor">
+              <a:schemeClr val="lt1"/>
+            </a:fontRef>
+          </p:style>
+          <p:txBody>
+            <a:bodyPr rtlCol="0" anchor="ctr"/>
+            <a:lstStyle/>
+            <a:p>
+              <a:pPr algn="ctr"/>
+              <a:r>
+                <a:rPr lang="en-US" dirty="0" smtClean="0">
+                  <a:solidFill>
+                    <a:schemeClr val="tx1"/>
+                  </a:solidFill>
+                </a:rPr>
+                <a:t>L3</a:t>
+              </a:r>
+              <a:endParaRPr lang="en-US" dirty="0">
+                <a:solidFill>
+                  <a:schemeClr val="tx1"/>
+                </a:solidFill>
+              </a:endParaRPr>
+            </a:p>
+          </p:txBody>
+        </p:sp>
+        <p:grpSp>
+          <p:nvGrpSpPr>
+            <p:cNvPr id="28" name="Group 27"/>
+            <p:cNvGrpSpPr/>
+            <p:nvPr/>
+          </p:nvGrpSpPr>
+          <p:grpSpPr>
+            <a:xfrm>
+              <a:off x="1331640" y="1772816"/>
+              <a:ext cx="720080" cy="633670"/>
+              <a:chOff x="1331640" y="1772816"/>
+              <a:chExt cx="720080" cy="792088"/>
+            </a:xfrm>
+          </p:grpSpPr>
+          <p:sp>
+            <p:nvSpPr>
+              <p:cNvPr id="24" name="Rectangle 23"/>
+              <p:cNvSpPr>
+                <a:spLocks noChangeAspect="1"/>
+              </p:cNvSpPr>
+              <p:nvPr/>
+            </p:nvSpPr>
+            <p:spPr>
+              <a:xfrm>
+                <a:off x="1331640" y="2132856"/>
+                <a:ext cx="720000" cy="432048"/>
+              </a:xfrm>
+              <a:prstGeom prst="rect">
+                <a:avLst/>
+              </a:prstGeom>
+              <a:solidFill>
+                <a:srgbClr val="E8B652"/>
+              </a:solidFill>
+              <a:ln>
+                <a:noFill/>
+              </a:ln>
+            </p:spPr>
+            <p:style>
+              <a:lnRef idx="2">
+                <a:schemeClr val="accent1">
+                  <a:shade val="50000"/>
+                </a:schemeClr>
+              </a:lnRef>
+              <a:fillRef idx="1">
+                <a:schemeClr val="accent1"/>
+              </a:fillRef>
+              <a:effectRef idx="0">
+                <a:schemeClr val="accent1"/>
+              </a:effectRef>
+              <a:fontRef idx="minor">
+                <a:schemeClr val="lt1"/>
+              </a:fontRef>
+            </p:style>
+            <p:txBody>
+              <a:bodyPr rtlCol="0" anchor="ctr"/>
+              <a:lstStyle/>
+              <a:p>
+                <a:pPr algn="ctr"/>
+                <a:r>
+                  <a:rPr lang="en-US" sz="1200" b="1" dirty="0" smtClean="0"/>
+                  <a:t>core0</a:t>
+                </a:r>
+                <a:endParaRPr lang="en-US" sz="1200" b="1" dirty="0"/>
+              </a:p>
+            </p:txBody>
+          </p:sp>
+          <p:sp>
+            <p:nvSpPr>
+              <p:cNvPr id="26" name="Rectangle 25"/>
+              <p:cNvSpPr>
+                <a:spLocks noChangeAspect="1"/>
+              </p:cNvSpPr>
+              <p:nvPr/>
+            </p:nvSpPr>
+            <p:spPr>
+              <a:xfrm>
+                <a:off x="1331640" y="1772816"/>
+                <a:ext cx="360000" cy="360000"/>
+              </a:xfrm>
+              <a:prstGeom prst="rect">
+                <a:avLst/>
+              </a:prstGeom>
+              <a:solidFill>
+                <a:schemeClr val="bg1">
+                  <a:lumMod val="75000"/>
+                </a:schemeClr>
+              </a:solidFill>
+              <a:ln>
+                <a:noFill/>
+              </a:ln>
+            </p:spPr>
+            <p:style>
+              <a:lnRef idx="2">
+                <a:schemeClr val="accent1">
+                  <a:shade val="50000"/>
+                </a:schemeClr>
+              </a:lnRef>
+              <a:fillRef idx="1">
+                <a:schemeClr val="accent1"/>
+              </a:fillRef>
+              <a:effectRef idx="0">
+                <a:schemeClr val="accent1"/>
+              </a:effectRef>
+              <a:fontRef idx="minor">
+                <a:schemeClr val="lt1"/>
+              </a:fontRef>
+            </p:style>
+            <p:txBody>
+              <a:bodyPr rtlCol="0" anchor="ctr"/>
+              <a:lstStyle/>
+              <a:p>
+                <a:pPr algn="ctr"/>
+                <a:r>
+                  <a:rPr lang="en-US" sz="1000" dirty="0" smtClean="0">
+                    <a:solidFill>
+                      <a:schemeClr val="tx1"/>
+                    </a:solidFill>
+                  </a:rPr>
+                  <a:t>L1</a:t>
+                </a:r>
+                <a:endParaRPr lang="en-US" sz="1000" dirty="0">
+                  <a:solidFill>
+                    <a:schemeClr val="tx1"/>
+                  </a:solidFill>
+                </a:endParaRPr>
+              </a:p>
+            </p:txBody>
+          </p:sp>
+          <p:sp>
+            <p:nvSpPr>
+              <p:cNvPr id="27" name="Rectangle 26"/>
+              <p:cNvSpPr>
+                <a:spLocks noChangeAspect="1"/>
+              </p:cNvSpPr>
+              <p:nvPr/>
+            </p:nvSpPr>
+            <p:spPr>
+              <a:xfrm>
+                <a:off x="1691720" y="1772816"/>
+                <a:ext cx="360000" cy="360000"/>
+              </a:xfrm>
+              <a:prstGeom prst="rect">
+                <a:avLst/>
+              </a:prstGeom>
+              <a:solidFill>
+                <a:schemeClr val="bg1">
+                  <a:lumMod val="95000"/>
+                </a:schemeClr>
+              </a:solidFill>
+              <a:ln>
+                <a:noFill/>
+              </a:ln>
+            </p:spPr>
+            <p:style>
+              <a:lnRef idx="2">
+                <a:schemeClr val="accent1">
+                  <a:shade val="50000"/>
+                </a:schemeClr>
+              </a:lnRef>
+              <a:fillRef idx="1">
+                <a:schemeClr val="accent1"/>
+              </a:fillRef>
+              <a:effectRef idx="0">
+                <a:schemeClr val="accent1"/>
+              </a:effectRef>
+              <a:fontRef idx="minor">
+                <a:schemeClr val="lt1"/>
+              </a:fontRef>
+            </p:style>
+            <p:txBody>
+              <a:bodyPr rtlCol="0" anchor="ctr"/>
+              <a:lstStyle/>
+              <a:p>
+                <a:pPr algn="ctr"/>
+                <a:r>
+                  <a:rPr lang="en-US" sz="1000" dirty="0" smtClean="0">
+                    <a:solidFill>
+                      <a:schemeClr val="tx1"/>
+                    </a:solidFill>
+                  </a:rPr>
+                  <a:t>L2</a:t>
+                </a:r>
+                <a:endParaRPr lang="en-US" sz="1000" dirty="0">
+                  <a:solidFill>
+                    <a:schemeClr val="tx1"/>
+                  </a:solidFill>
+                </a:endParaRPr>
+              </a:p>
+            </p:txBody>
+          </p:sp>
+        </p:grpSp>
+        <p:grpSp>
+          <p:nvGrpSpPr>
+            <p:cNvPr id="41" name="Group 40"/>
+            <p:cNvGrpSpPr/>
+            <p:nvPr/>
+          </p:nvGrpSpPr>
+          <p:grpSpPr>
+            <a:xfrm>
+              <a:off x="1331640" y="2532501"/>
+              <a:ext cx="720080" cy="633670"/>
+              <a:chOff x="1331640" y="1772816"/>
+              <a:chExt cx="720080" cy="792088"/>
+            </a:xfrm>
+          </p:grpSpPr>
+          <p:sp>
+            <p:nvSpPr>
+              <p:cNvPr id="42" name="Rectangle 41"/>
+              <p:cNvSpPr>
+                <a:spLocks noChangeAspect="1"/>
+              </p:cNvSpPr>
+              <p:nvPr/>
+            </p:nvSpPr>
+            <p:spPr>
+              <a:xfrm>
+                <a:off x="1331640" y="2132856"/>
+                <a:ext cx="720000" cy="432048"/>
+              </a:xfrm>
+              <a:prstGeom prst="rect">
+                <a:avLst/>
+              </a:prstGeom>
+              <a:solidFill>
+                <a:srgbClr val="E8B652"/>
+              </a:solidFill>
+              <a:ln>
+                <a:noFill/>
+              </a:ln>
+            </p:spPr>
+            <p:style>
+              <a:lnRef idx="2">
+                <a:schemeClr val="accent1">
+                  <a:shade val="50000"/>
+                </a:schemeClr>
+              </a:lnRef>
+              <a:fillRef idx="1">
+                <a:schemeClr val="accent1"/>
+              </a:fillRef>
+              <a:effectRef idx="0">
+                <a:schemeClr val="accent1"/>
+              </a:effectRef>
+              <a:fontRef idx="minor">
+                <a:schemeClr val="lt1"/>
+              </a:fontRef>
+            </p:style>
+            <p:txBody>
+              <a:bodyPr rtlCol="0" anchor="ctr"/>
+              <a:lstStyle/>
+              <a:p>
+                <a:pPr algn="ctr"/>
+                <a:r>
+                  <a:rPr lang="en-US" sz="1200" b="1" dirty="0" smtClean="0"/>
+                  <a:t>core1</a:t>
+                </a:r>
+                <a:endParaRPr lang="en-US" sz="1200" b="1" dirty="0"/>
+              </a:p>
+            </p:txBody>
+          </p:sp>
+          <p:sp>
+            <p:nvSpPr>
+              <p:cNvPr id="43" name="Rectangle 42"/>
+              <p:cNvSpPr>
+                <a:spLocks noChangeAspect="1"/>
+              </p:cNvSpPr>
+              <p:nvPr/>
+            </p:nvSpPr>
+            <p:spPr>
+              <a:xfrm>
+                <a:off x="1331640" y="1772816"/>
+                <a:ext cx="360000" cy="360000"/>
+              </a:xfrm>
+              <a:prstGeom prst="rect">
+                <a:avLst/>
+              </a:prstGeom>
+              <a:solidFill>
+                <a:schemeClr val="bg1">
+                  <a:lumMod val="75000"/>
+                </a:schemeClr>
+              </a:solidFill>
+              <a:ln>
+                <a:noFill/>
+              </a:ln>
+            </p:spPr>
+            <p:style>
+              <a:lnRef idx="2">
+                <a:schemeClr val="accent1">
+                  <a:shade val="50000"/>
+                </a:schemeClr>
+              </a:lnRef>
+              <a:fillRef idx="1">
+                <a:schemeClr val="accent1"/>
+              </a:fillRef>
+              <a:effectRef idx="0">
+                <a:schemeClr val="accent1"/>
+              </a:effectRef>
+              <a:fontRef idx="minor">
+                <a:schemeClr val="lt1"/>
+              </a:fontRef>
+            </p:style>
+            <p:txBody>
+              <a:bodyPr rtlCol="0" anchor="ctr"/>
+              <a:lstStyle/>
+              <a:p>
+                <a:pPr algn="ctr"/>
+                <a:r>
+                  <a:rPr lang="en-US" sz="1000" dirty="0" smtClean="0">
+                    <a:solidFill>
+                      <a:schemeClr val="tx1"/>
+                    </a:solidFill>
+                  </a:rPr>
+                  <a:t>L1</a:t>
+                </a:r>
+                <a:endParaRPr lang="en-US" sz="1000" dirty="0">
+                  <a:solidFill>
+                    <a:schemeClr val="tx1"/>
+                  </a:solidFill>
+                </a:endParaRPr>
+              </a:p>
+            </p:txBody>
+          </p:sp>
+          <p:sp>
+            <p:nvSpPr>
+              <p:cNvPr id="44" name="Rectangle 43"/>
+              <p:cNvSpPr>
+                <a:spLocks noChangeAspect="1"/>
+              </p:cNvSpPr>
+              <p:nvPr/>
+            </p:nvSpPr>
+            <p:spPr>
+              <a:xfrm>
+                <a:off x="1691720" y="1772816"/>
+                <a:ext cx="360000" cy="360000"/>
+              </a:xfrm>
+              <a:prstGeom prst="rect">
+                <a:avLst/>
+              </a:prstGeom>
+              <a:solidFill>
+                <a:schemeClr val="bg1">
+                  <a:lumMod val="95000"/>
+                </a:schemeClr>
+              </a:solidFill>
+              <a:ln>
+                <a:noFill/>
+              </a:ln>
+            </p:spPr>
+            <p:style>
+              <a:lnRef idx="2">
+                <a:schemeClr val="accent1">
+                  <a:shade val="50000"/>
+                </a:schemeClr>
+              </a:lnRef>
+              <a:fillRef idx="1">
+                <a:schemeClr val="accent1"/>
+              </a:fillRef>
+              <a:effectRef idx="0">
+                <a:schemeClr val="accent1"/>
+              </a:effectRef>
+              <a:fontRef idx="minor">
+                <a:schemeClr val="lt1"/>
+              </a:fontRef>
+            </p:style>
+            <p:txBody>
+              <a:bodyPr rtlCol="0" anchor="ctr"/>
+              <a:lstStyle/>
+              <a:p>
+                <a:pPr algn="ctr"/>
+                <a:r>
+                  <a:rPr lang="en-US" sz="1000" dirty="0" smtClean="0">
+                    <a:solidFill>
+                      <a:schemeClr val="tx1"/>
+                    </a:solidFill>
+                  </a:rPr>
+                  <a:t>L2</a:t>
+                </a:r>
+                <a:endParaRPr lang="en-US" sz="1000" dirty="0">
+                  <a:solidFill>
+                    <a:schemeClr val="tx1"/>
+                  </a:solidFill>
+                </a:endParaRPr>
+              </a:p>
+            </p:txBody>
+          </p:sp>
+        </p:grpSp>
+        <p:grpSp>
+          <p:nvGrpSpPr>
+            <p:cNvPr id="45" name="Group 44"/>
+            <p:cNvGrpSpPr/>
+            <p:nvPr/>
+          </p:nvGrpSpPr>
+          <p:grpSpPr>
+            <a:xfrm>
+              <a:off x="1331640" y="3292186"/>
+              <a:ext cx="720080" cy="633670"/>
+              <a:chOff x="1331640" y="1772816"/>
+              <a:chExt cx="720080" cy="792088"/>
+            </a:xfrm>
+          </p:grpSpPr>
+          <p:sp>
+            <p:nvSpPr>
+              <p:cNvPr id="46" name="Rectangle 45"/>
+              <p:cNvSpPr>
+                <a:spLocks noChangeAspect="1"/>
+              </p:cNvSpPr>
+              <p:nvPr/>
+            </p:nvSpPr>
+            <p:spPr>
+              <a:xfrm>
+                <a:off x="1331640" y="2132856"/>
+                <a:ext cx="720000" cy="432048"/>
+              </a:xfrm>
+              <a:prstGeom prst="rect">
+                <a:avLst/>
+              </a:prstGeom>
+              <a:solidFill>
+                <a:srgbClr val="E8B652"/>
+              </a:solidFill>
+              <a:ln>
+                <a:noFill/>
+              </a:ln>
+            </p:spPr>
+            <p:style>
+              <a:lnRef idx="2">
+                <a:schemeClr val="accent1">
+                  <a:shade val="50000"/>
+                </a:schemeClr>
+              </a:lnRef>
+              <a:fillRef idx="1">
+                <a:schemeClr val="accent1"/>
+              </a:fillRef>
+              <a:effectRef idx="0">
+                <a:schemeClr val="accent1"/>
+              </a:effectRef>
+              <a:fontRef idx="minor">
+                <a:schemeClr val="lt1"/>
+              </a:fontRef>
+            </p:style>
+            <p:txBody>
+              <a:bodyPr rtlCol="0" anchor="ctr"/>
+              <a:lstStyle/>
+              <a:p>
+                <a:pPr algn="ctr"/>
+                <a:r>
+                  <a:rPr lang="en-US" sz="1200" b="1" dirty="0" smtClean="0"/>
+                  <a:t>core2</a:t>
+                </a:r>
+                <a:endParaRPr lang="en-US" sz="1200" b="1" dirty="0"/>
+              </a:p>
+            </p:txBody>
+          </p:sp>
+          <p:sp>
+            <p:nvSpPr>
+              <p:cNvPr id="47" name="Rectangle 46"/>
+              <p:cNvSpPr>
+                <a:spLocks noChangeAspect="1"/>
+              </p:cNvSpPr>
+              <p:nvPr/>
+            </p:nvSpPr>
+            <p:spPr>
+              <a:xfrm>
+                <a:off x="1331640" y="1772816"/>
+                <a:ext cx="360000" cy="360000"/>
+              </a:xfrm>
+              <a:prstGeom prst="rect">
+                <a:avLst/>
+              </a:prstGeom>
+              <a:solidFill>
+                <a:schemeClr val="bg1">
+                  <a:lumMod val="75000"/>
+                </a:schemeClr>
+              </a:solidFill>
+              <a:ln>
+                <a:noFill/>
+              </a:ln>
+            </p:spPr>
+            <p:style>
+              <a:lnRef idx="2">
+                <a:schemeClr val="accent1">
+                  <a:shade val="50000"/>
+                </a:schemeClr>
+              </a:lnRef>
+              <a:fillRef idx="1">
+                <a:schemeClr val="accent1"/>
+              </a:fillRef>
+              <a:effectRef idx="0">
+                <a:schemeClr val="accent1"/>
+              </a:effectRef>
+              <a:fontRef idx="minor">
+                <a:schemeClr val="lt1"/>
+              </a:fontRef>
+            </p:style>
+            <p:txBody>
+              <a:bodyPr rtlCol="0" anchor="ctr"/>
+              <a:lstStyle/>
+              <a:p>
+                <a:pPr algn="ctr"/>
+                <a:r>
+                  <a:rPr lang="en-US" sz="1000" dirty="0" smtClean="0">
+                    <a:solidFill>
+                      <a:schemeClr val="tx1"/>
+                    </a:solidFill>
+                  </a:rPr>
+                  <a:t>L1</a:t>
+                </a:r>
+                <a:endParaRPr lang="en-US" sz="1000" dirty="0">
+                  <a:solidFill>
+                    <a:schemeClr val="tx1"/>
+                  </a:solidFill>
+                </a:endParaRPr>
+              </a:p>
+            </p:txBody>
+          </p:sp>
+          <p:sp>
+            <p:nvSpPr>
+              <p:cNvPr id="48" name="Rectangle 47"/>
+              <p:cNvSpPr>
+                <a:spLocks noChangeAspect="1"/>
+              </p:cNvSpPr>
+              <p:nvPr/>
+            </p:nvSpPr>
+            <p:spPr>
+              <a:xfrm>
+                <a:off x="1691720" y="1772816"/>
+                <a:ext cx="360000" cy="360000"/>
+              </a:xfrm>
+              <a:prstGeom prst="rect">
+                <a:avLst/>
+              </a:prstGeom>
+              <a:solidFill>
+                <a:schemeClr val="bg1">
+                  <a:lumMod val="95000"/>
+                </a:schemeClr>
+              </a:solidFill>
+              <a:ln>
+                <a:noFill/>
+              </a:ln>
+            </p:spPr>
+            <p:style>
+              <a:lnRef idx="2">
+                <a:schemeClr val="accent1">
+                  <a:shade val="50000"/>
+                </a:schemeClr>
+              </a:lnRef>
+              <a:fillRef idx="1">
+                <a:schemeClr val="accent1"/>
+              </a:fillRef>
+              <a:effectRef idx="0">
+                <a:schemeClr val="accent1"/>
+              </a:effectRef>
+              <a:fontRef idx="minor">
+                <a:schemeClr val="lt1"/>
+              </a:fontRef>
+            </p:style>
+            <p:txBody>
+              <a:bodyPr rtlCol="0" anchor="ctr"/>
+              <a:lstStyle/>
+              <a:p>
+                <a:pPr algn="ctr"/>
+                <a:r>
+                  <a:rPr lang="en-US" sz="1000" dirty="0" smtClean="0">
+                    <a:solidFill>
+                      <a:schemeClr val="tx1"/>
+                    </a:solidFill>
+                  </a:rPr>
+                  <a:t>L2</a:t>
+                </a:r>
+                <a:endParaRPr lang="en-US" sz="1000" dirty="0">
+                  <a:solidFill>
+                    <a:schemeClr val="tx1"/>
+                  </a:solidFill>
+                </a:endParaRPr>
+              </a:p>
+            </p:txBody>
+          </p:sp>
+        </p:grpSp>
+        <p:grpSp>
+          <p:nvGrpSpPr>
+            <p:cNvPr id="49" name="Group 48"/>
+            <p:cNvGrpSpPr/>
+            <p:nvPr/>
+          </p:nvGrpSpPr>
+          <p:grpSpPr>
+            <a:xfrm>
+              <a:off x="1331640" y="4051871"/>
+              <a:ext cx="720080" cy="633670"/>
+              <a:chOff x="1331640" y="1772816"/>
+              <a:chExt cx="720080" cy="792088"/>
+            </a:xfrm>
+          </p:grpSpPr>
+          <p:sp>
+            <p:nvSpPr>
+              <p:cNvPr id="50" name="Rectangle 49"/>
+              <p:cNvSpPr>
+                <a:spLocks noChangeAspect="1"/>
+              </p:cNvSpPr>
+              <p:nvPr/>
+            </p:nvSpPr>
+            <p:spPr>
+              <a:xfrm>
+                <a:off x="1331640" y="2132856"/>
+                <a:ext cx="720000" cy="432048"/>
+              </a:xfrm>
+              <a:prstGeom prst="rect">
+                <a:avLst/>
+              </a:prstGeom>
+              <a:solidFill>
+                <a:srgbClr val="E8B652"/>
+              </a:solidFill>
+              <a:ln>
+                <a:noFill/>
+              </a:ln>
+            </p:spPr>
+            <p:style>
+              <a:lnRef idx="2">
+                <a:schemeClr val="accent1">
+                  <a:shade val="50000"/>
+                </a:schemeClr>
+              </a:lnRef>
+              <a:fillRef idx="1">
+                <a:schemeClr val="accent1"/>
+              </a:fillRef>
+              <a:effectRef idx="0">
+                <a:schemeClr val="accent1"/>
+              </a:effectRef>
+              <a:fontRef idx="minor">
+                <a:schemeClr val="lt1"/>
+              </a:fontRef>
+            </p:style>
+            <p:txBody>
+              <a:bodyPr rtlCol="0" anchor="ctr"/>
+              <a:lstStyle/>
+              <a:p>
+                <a:pPr algn="ctr"/>
+                <a:r>
+                  <a:rPr lang="en-US" sz="1200" b="1" dirty="0" smtClean="0"/>
+                  <a:t>core3</a:t>
+                </a:r>
+                <a:endParaRPr lang="en-US" sz="1200" b="1" dirty="0"/>
+              </a:p>
+            </p:txBody>
+          </p:sp>
+          <p:sp>
+            <p:nvSpPr>
+              <p:cNvPr id="51" name="Rectangle 50"/>
+              <p:cNvSpPr>
+                <a:spLocks noChangeAspect="1"/>
+              </p:cNvSpPr>
+              <p:nvPr/>
+            </p:nvSpPr>
+            <p:spPr>
+              <a:xfrm>
+                <a:off x="1331640" y="1772816"/>
+                <a:ext cx="360000" cy="360000"/>
+              </a:xfrm>
+              <a:prstGeom prst="rect">
+                <a:avLst/>
+              </a:prstGeom>
+              <a:solidFill>
+                <a:schemeClr val="bg1">
+                  <a:lumMod val="75000"/>
+                </a:schemeClr>
+              </a:solidFill>
+              <a:ln>
+                <a:noFill/>
+              </a:ln>
+            </p:spPr>
+            <p:style>
+              <a:lnRef idx="2">
+                <a:schemeClr val="accent1">
+                  <a:shade val="50000"/>
+                </a:schemeClr>
+              </a:lnRef>
+              <a:fillRef idx="1">
+                <a:schemeClr val="accent1"/>
+              </a:fillRef>
+              <a:effectRef idx="0">
+                <a:schemeClr val="accent1"/>
+              </a:effectRef>
+              <a:fontRef idx="minor">
+                <a:schemeClr val="lt1"/>
+              </a:fontRef>
+            </p:style>
+            <p:txBody>
+              <a:bodyPr rtlCol="0" anchor="ctr"/>
+              <a:lstStyle/>
+              <a:p>
+                <a:pPr algn="ctr"/>
+                <a:r>
+                  <a:rPr lang="en-US" sz="1000" dirty="0" smtClean="0">
+                    <a:solidFill>
+                      <a:schemeClr val="tx1"/>
+                    </a:solidFill>
+                  </a:rPr>
+                  <a:t>L1</a:t>
+                </a:r>
+                <a:endParaRPr lang="en-US" sz="1000" dirty="0">
+                  <a:solidFill>
+                    <a:schemeClr val="tx1"/>
+                  </a:solidFill>
+                </a:endParaRPr>
+              </a:p>
+            </p:txBody>
+          </p:sp>
+          <p:sp>
+            <p:nvSpPr>
+              <p:cNvPr id="52" name="Rectangle 51"/>
+              <p:cNvSpPr>
+                <a:spLocks noChangeAspect="1"/>
+              </p:cNvSpPr>
+              <p:nvPr/>
+            </p:nvSpPr>
+            <p:spPr>
+              <a:xfrm>
+                <a:off x="1691720" y="1772816"/>
+                <a:ext cx="360000" cy="360000"/>
+              </a:xfrm>
+              <a:prstGeom prst="rect">
+                <a:avLst/>
+              </a:prstGeom>
+              <a:solidFill>
+                <a:schemeClr val="bg1">
+                  <a:lumMod val="95000"/>
+                </a:schemeClr>
+              </a:solidFill>
+              <a:ln>
+                <a:noFill/>
+              </a:ln>
+            </p:spPr>
+            <p:style>
+              <a:lnRef idx="2">
+                <a:schemeClr val="accent1">
+                  <a:shade val="50000"/>
+                </a:schemeClr>
+              </a:lnRef>
+              <a:fillRef idx="1">
+                <a:schemeClr val="accent1"/>
+              </a:fillRef>
+              <a:effectRef idx="0">
+                <a:schemeClr val="accent1"/>
+              </a:effectRef>
+              <a:fontRef idx="minor">
+                <a:schemeClr val="lt1"/>
+              </a:fontRef>
+            </p:style>
+            <p:txBody>
+              <a:bodyPr rtlCol="0" anchor="ctr"/>
+              <a:lstStyle/>
+              <a:p>
+                <a:pPr algn="ctr"/>
+                <a:r>
+                  <a:rPr lang="en-US" sz="1000" dirty="0" smtClean="0">
+                    <a:solidFill>
+                      <a:schemeClr val="tx1"/>
+                    </a:solidFill>
+                  </a:rPr>
+                  <a:t>L2</a:t>
+                </a:r>
+                <a:endParaRPr lang="en-US" sz="1000" dirty="0">
+                  <a:solidFill>
+                    <a:schemeClr val="tx1"/>
+                  </a:solidFill>
+                </a:endParaRPr>
+              </a:p>
+            </p:txBody>
+          </p:sp>
+        </p:grpSp>
+        <p:grpSp>
+          <p:nvGrpSpPr>
+            <p:cNvPr id="53" name="Group 52"/>
+            <p:cNvGrpSpPr/>
+            <p:nvPr/>
+          </p:nvGrpSpPr>
+          <p:grpSpPr>
+            <a:xfrm>
+              <a:off x="1331640" y="4811554"/>
+              <a:ext cx="720080" cy="633670"/>
+              <a:chOff x="1331640" y="1772816"/>
+              <a:chExt cx="720080" cy="792088"/>
+            </a:xfrm>
+          </p:grpSpPr>
+          <p:sp>
+            <p:nvSpPr>
+              <p:cNvPr id="54" name="Rectangle 53"/>
+              <p:cNvSpPr>
+                <a:spLocks noChangeAspect="1"/>
+              </p:cNvSpPr>
+              <p:nvPr/>
+            </p:nvSpPr>
+            <p:spPr>
+              <a:xfrm>
+                <a:off x="1331640" y="2132856"/>
+                <a:ext cx="720000" cy="432048"/>
+              </a:xfrm>
+              <a:prstGeom prst="rect">
+                <a:avLst/>
+              </a:prstGeom>
+              <a:solidFill>
+                <a:srgbClr val="E8B652"/>
+              </a:solidFill>
+              <a:ln>
+                <a:noFill/>
+              </a:ln>
+            </p:spPr>
+            <p:style>
+              <a:lnRef idx="2">
+                <a:schemeClr val="accent1">
+                  <a:shade val="50000"/>
+                </a:schemeClr>
+              </a:lnRef>
+              <a:fillRef idx="1">
+                <a:schemeClr val="accent1"/>
+              </a:fillRef>
+              <a:effectRef idx="0">
+                <a:schemeClr val="accent1"/>
+              </a:effectRef>
+              <a:fontRef idx="minor">
+                <a:schemeClr val="lt1"/>
+              </a:fontRef>
+            </p:style>
+            <p:txBody>
+              <a:bodyPr rtlCol="0" anchor="ctr"/>
+              <a:lstStyle/>
+              <a:p>
+                <a:pPr algn="ctr"/>
+                <a:r>
+                  <a:rPr lang="en-US" sz="1200" b="1" dirty="0" smtClean="0"/>
+                  <a:t>core4</a:t>
+                </a:r>
+                <a:endParaRPr lang="en-US" sz="1200" b="1" dirty="0"/>
+              </a:p>
+            </p:txBody>
+          </p:sp>
+          <p:sp>
+            <p:nvSpPr>
+              <p:cNvPr id="55" name="Rectangle 54"/>
+              <p:cNvSpPr>
+                <a:spLocks noChangeAspect="1"/>
+              </p:cNvSpPr>
+              <p:nvPr/>
+            </p:nvSpPr>
+            <p:spPr>
+              <a:xfrm>
+                <a:off x="1331640" y="1772816"/>
+                <a:ext cx="360000" cy="360000"/>
+              </a:xfrm>
+              <a:prstGeom prst="rect">
+                <a:avLst/>
+              </a:prstGeom>
+              <a:solidFill>
+                <a:schemeClr val="bg1">
+                  <a:lumMod val="75000"/>
+                </a:schemeClr>
+              </a:solidFill>
+              <a:ln>
+                <a:noFill/>
+              </a:ln>
+            </p:spPr>
+            <p:style>
+              <a:lnRef idx="2">
+                <a:schemeClr val="accent1">
+                  <a:shade val="50000"/>
+                </a:schemeClr>
+              </a:lnRef>
+              <a:fillRef idx="1">
+                <a:schemeClr val="accent1"/>
+              </a:fillRef>
+              <a:effectRef idx="0">
+                <a:schemeClr val="accent1"/>
+              </a:effectRef>
+              <a:fontRef idx="minor">
+                <a:schemeClr val="lt1"/>
+              </a:fontRef>
+            </p:style>
+            <p:txBody>
+              <a:bodyPr rtlCol="0" anchor="ctr"/>
+              <a:lstStyle/>
+              <a:p>
+                <a:pPr algn="ctr"/>
+                <a:r>
+                  <a:rPr lang="en-US" sz="1000" dirty="0" smtClean="0">
+                    <a:solidFill>
+                      <a:schemeClr val="tx1"/>
+                    </a:solidFill>
+                  </a:rPr>
+                  <a:t>L1</a:t>
+                </a:r>
+                <a:endParaRPr lang="en-US" sz="1000" dirty="0">
+                  <a:solidFill>
+                    <a:schemeClr val="tx1"/>
+                  </a:solidFill>
+                </a:endParaRPr>
+              </a:p>
+            </p:txBody>
+          </p:sp>
+          <p:sp>
+            <p:nvSpPr>
+              <p:cNvPr id="56" name="Rectangle 55"/>
+              <p:cNvSpPr>
+                <a:spLocks noChangeAspect="1"/>
+              </p:cNvSpPr>
+              <p:nvPr/>
+            </p:nvSpPr>
+            <p:spPr>
+              <a:xfrm>
+                <a:off x="1691720" y="1772816"/>
+                <a:ext cx="360000" cy="360000"/>
+              </a:xfrm>
+              <a:prstGeom prst="rect">
+                <a:avLst/>
+              </a:prstGeom>
+              <a:solidFill>
+                <a:schemeClr val="bg1">
+                  <a:lumMod val="95000"/>
+                </a:schemeClr>
+              </a:solidFill>
+              <a:ln>
+                <a:noFill/>
+              </a:ln>
+            </p:spPr>
+            <p:style>
+              <a:lnRef idx="2">
+                <a:schemeClr val="accent1">
+                  <a:shade val="50000"/>
+                </a:schemeClr>
+              </a:lnRef>
+              <a:fillRef idx="1">
+                <a:schemeClr val="accent1"/>
+              </a:fillRef>
+              <a:effectRef idx="0">
+                <a:schemeClr val="accent1"/>
+              </a:effectRef>
+              <a:fontRef idx="minor">
+                <a:schemeClr val="lt1"/>
+              </a:fontRef>
+            </p:style>
+            <p:txBody>
+              <a:bodyPr rtlCol="0" anchor="ctr"/>
+              <a:lstStyle/>
+              <a:p>
+                <a:pPr algn="ctr"/>
+                <a:r>
+                  <a:rPr lang="en-US" sz="1000" dirty="0" smtClean="0">
+                    <a:solidFill>
+                      <a:schemeClr val="tx1"/>
+                    </a:solidFill>
+                  </a:rPr>
+                  <a:t>L2</a:t>
+                </a:r>
+                <a:endParaRPr lang="en-US" sz="1000" dirty="0">
+                  <a:solidFill>
+                    <a:schemeClr val="tx1"/>
+                  </a:solidFill>
+                </a:endParaRPr>
+              </a:p>
+            </p:txBody>
+          </p:sp>
+        </p:grpSp>
+        <p:grpSp>
+          <p:nvGrpSpPr>
+            <p:cNvPr id="57" name="Group 56"/>
+            <p:cNvGrpSpPr/>
+            <p:nvPr/>
+          </p:nvGrpSpPr>
+          <p:grpSpPr>
+            <a:xfrm>
+              <a:off x="3203848" y="1772816"/>
+              <a:ext cx="720080" cy="633670"/>
+              <a:chOff x="1331640" y="1772816"/>
+              <a:chExt cx="720080" cy="792088"/>
+            </a:xfrm>
+          </p:grpSpPr>
+          <p:sp>
+            <p:nvSpPr>
+              <p:cNvPr id="58" name="Rectangle 57"/>
+              <p:cNvSpPr>
+                <a:spLocks noChangeAspect="1"/>
+              </p:cNvSpPr>
+              <p:nvPr/>
+            </p:nvSpPr>
+            <p:spPr>
+              <a:xfrm>
+                <a:off x="1331640" y="2132856"/>
+                <a:ext cx="720000" cy="432048"/>
+              </a:xfrm>
+              <a:prstGeom prst="rect">
+                <a:avLst/>
+              </a:prstGeom>
+              <a:solidFill>
+                <a:srgbClr val="E8B652"/>
+              </a:solidFill>
+              <a:ln>
+                <a:noFill/>
+              </a:ln>
+            </p:spPr>
+            <p:style>
+              <a:lnRef idx="2">
+                <a:schemeClr val="accent1">
+                  <a:shade val="50000"/>
+                </a:schemeClr>
+              </a:lnRef>
+              <a:fillRef idx="1">
+                <a:schemeClr val="accent1"/>
+              </a:fillRef>
+              <a:effectRef idx="0">
+                <a:schemeClr val="accent1"/>
+              </a:effectRef>
+              <a:fontRef idx="minor">
+                <a:schemeClr val="lt1"/>
+              </a:fontRef>
+            </p:style>
+            <p:txBody>
+              <a:bodyPr rtlCol="0" anchor="ctr"/>
+              <a:lstStyle/>
+              <a:p>
+                <a:pPr algn="ctr"/>
+                <a:r>
+                  <a:rPr lang="en-US" sz="1200" b="1" dirty="0" smtClean="0"/>
+                  <a:t>core5</a:t>
+                </a:r>
+                <a:endParaRPr lang="en-US" sz="1200" b="1" dirty="0"/>
+              </a:p>
+            </p:txBody>
+          </p:sp>
+          <p:sp>
+            <p:nvSpPr>
+              <p:cNvPr id="59" name="Rectangle 58"/>
+              <p:cNvSpPr>
+                <a:spLocks noChangeAspect="1"/>
+              </p:cNvSpPr>
+              <p:nvPr/>
+            </p:nvSpPr>
+            <p:spPr>
+              <a:xfrm>
+                <a:off x="1331640" y="1772816"/>
+                <a:ext cx="360000" cy="360000"/>
+              </a:xfrm>
+              <a:prstGeom prst="rect">
+                <a:avLst/>
+              </a:prstGeom>
+              <a:solidFill>
+                <a:schemeClr val="bg1">
+                  <a:lumMod val="75000"/>
+                </a:schemeClr>
+              </a:solidFill>
+              <a:ln>
+                <a:noFill/>
+              </a:ln>
+            </p:spPr>
+            <p:style>
+              <a:lnRef idx="2">
+                <a:schemeClr val="accent1">
+                  <a:shade val="50000"/>
+                </a:schemeClr>
+              </a:lnRef>
+              <a:fillRef idx="1">
+                <a:schemeClr val="accent1"/>
+              </a:fillRef>
+              <a:effectRef idx="0">
+                <a:schemeClr val="accent1"/>
+              </a:effectRef>
+              <a:fontRef idx="minor">
+                <a:schemeClr val="lt1"/>
+              </a:fontRef>
+            </p:style>
+            <p:txBody>
+              <a:bodyPr rtlCol="0" anchor="ctr"/>
+              <a:lstStyle/>
+              <a:p>
+                <a:pPr algn="ctr"/>
+                <a:r>
+                  <a:rPr lang="en-US" sz="1000" dirty="0" smtClean="0">
+                    <a:solidFill>
+                      <a:schemeClr val="tx1"/>
+                    </a:solidFill>
+                  </a:rPr>
+                  <a:t>L1</a:t>
+                </a:r>
+                <a:endParaRPr lang="en-US" sz="1000" dirty="0">
+                  <a:solidFill>
+                    <a:schemeClr val="tx1"/>
+                  </a:solidFill>
+                </a:endParaRPr>
+              </a:p>
+            </p:txBody>
+          </p:sp>
+          <p:sp>
+            <p:nvSpPr>
+              <p:cNvPr id="60" name="Rectangle 59"/>
+              <p:cNvSpPr>
+                <a:spLocks noChangeAspect="1"/>
+              </p:cNvSpPr>
+              <p:nvPr/>
+            </p:nvSpPr>
+            <p:spPr>
+              <a:xfrm>
+                <a:off x="1691720" y="1772816"/>
+                <a:ext cx="360000" cy="360000"/>
+              </a:xfrm>
+              <a:prstGeom prst="rect">
+                <a:avLst/>
+              </a:prstGeom>
+              <a:solidFill>
+                <a:schemeClr val="bg1">
+                  <a:lumMod val="95000"/>
+                </a:schemeClr>
+              </a:solidFill>
+              <a:ln>
+                <a:noFill/>
+              </a:ln>
+            </p:spPr>
+            <p:style>
+              <a:lnRef idx="2">
+                <a:schemeClr val="accent1">
+                  <a:shade val="50000"/>
+                </a:schemeClr>
+              </a:lnRef>
+              <a:fillRef idx="1">
+                <a:schemeClr val="accent1"/>
+              </a:fillRef>
+              <a:effectRef idx="0">
+                <a:schemeClr val="accent1"/>
+              </a:effectRef>
+              <a:fontRef idx="minor">
+                <a:schemeClr val="lt1"/>
+              </a:fontRef>
+            </p:style>
+            <p:txBody>
+              <a:bodyPr rtlCol="0" anchor="ctr"/>
+              <a:lstStyle/>
+              <a:p>
+                <a:pPr algn="ctr"/>
+                <a:r>
+                  <a:rPr lang="en-US" sz="1000" dirty="0" smtClean="0">
+                    <a:solidFill>
+                      <a:schemeClr val="tx1"/>
+                    </a:solidFill>
+                  </a:rPr>
+                  <a:t>L2</a:t>
+                </a:r>
+                <a:endParaRPr lang="en-US" sz="1000" dirty="0">
+                  <a:solidFill>
+                    <a:schemeClr val="tx1"/>
+                  </a:solidFill>
+                </a:endParaRPr>
+              </a:p>
+            </p:txBody>
+          </p:sp>
+        </p:grpSp>
+        <p:grpSp>
+          <p:nvGrpSpPr>
+            <p:cNvPr id="61" name="Group 60"/>
+            <p:cNvGrpSpPr/>
+            <p:nvPr/>
+          </p:nvGrpSpPr>
+          <p:grpSpPr>
+            <a:xfrm>
+              <a:off x="3203848" y="2532501"/>
+              <a:ext cx="720080" cy="633670"/>
+              <a:chOff x="1331640" y="1772816"/>
+              <a:chExt cx="720080" cy="792088"/>
+            </a:xfrm>
+          </p:grpSpPr>
+          <p:sp>
+            <p:nvSpPr>
+              <p:cNvPr id="62" name="Rectangle 61"/>
+              <p:cNvSpPr>
+                <a:spLocks noChangeAspect="1"/>
+              </p:cNvSpPr>
+              <p:nvPr/>
+            </p:nvSpPr>
+            <p:spPr>
+              <a:xfrm>
+                <a:off x="1331640" y="2132856"/>
+                <a:ext cx="720000" cy="432048"/>
+              </a:xfrm>
+              <a:prstGeom prst="rect">
+                <a:avLst/>
+              </a:prstGeom>
+              <a:solidFill>
+                <a:srgbClr val="E8B652"/>
+              </a:solidFill>
+              <a:ln>
+                <a:noFill/>
+              </a:ln>
+            </p:spPr>
+            <p:style>
+              <a:lnRef idx="2">
+                <a:schemeClr val="accent1">
+                  <a:shade val="50000"/>
+                </a:schemeClr>
+              </a:lnRef>
+              <a:fillRef idx="1">
+                <a:schemeClr val="accent1"/>
+              </a:fillRef>
+              <a:effectRef idx="0">
+                <a:schemeClr val="accent1"/>
+              </a:effectRef>
+              <a:fontRef idx="minor">
+                <a:schemeClr val="lt1"/>
+              </a:fontRef>
+            </p:style>
+            <p:txBody>
+              <a:bodyPr rtlCol="0" anchor="ctr"/>
+              <a:lstStyle/>
+              <a:p>
+                <a:pPr algn="ctr"/>
+                <a:r>
+                  <a:rPr lang="en-US" sz="1200" b="1" dirty="0" smtClean="0"/>
+                  <a:t>core6</a:t>
+                </a:r>
+                <a:endParaRPr lang="en-US" sz="1200" b="1" dirty="0"/>
+              </a:p>
+            </p:txBody>
+          </p:sp>
+          <p:sp>
+            <p:nvSpPr>
+              <p:cNvPr id="63" name="Rectangle 62"/>
+              <p:cNvSpPr>
+                <a:spLocks noChangeAspect="1"/>
+              </p:cNvSpPr>
+              <p:nvPr/>
+            </p:nvSpPr>
+            <p:spPr>
+              <a:xfrm>
+                <a:off x="1331640" y="1772816"/>
+                <a:ext cx="360000" cy="360000"/>
+              </a:xfrm>
+              <a:prstGeom prst="rect">
+                <a:avLst/>
+              </a:prstGeom>
+              <a:solidFill>
+                <a:schemeClr val="bg1">
+                  <a:lumMod val="75000"/>
+                </a:schemeClr>
+              </a:solidFill>
+              <a:ln>
+                <a:noFill/>
+              </a:ln>
+            </p:spPr>
+            <p:style>
+              <a:lnRef idx="2">
+                <a:schemeClr val="accent1">
+                  <a:shade val="50000"/>
+                </a:schemeClr>
+              </a:lnRef>
+              <a:fillRef idx="1">
+                <a:schemeClr val="accent1"/>
+              </a:fillRef>
+              <a:effectRef idx="0">
+                <a:schemeClr val="accent1"/>
+              </a:effectRef>
+              <a:fontRef idx="minor">
+                <a:schemeClr val="lt1"/>
+              </a:fontRef>
+            </p:style>
+            <p:txBody>
+              <a:bodyPr rtlCol="0" anchor="ctr"/>
+              <a:lstStyle/>
+              <a:p>
+                <a:pPr algn="ctr"/>
+                <a:r>
+                  <a:rPr lang="en-US" sz="1000" dirty="0" smtClean="0">
+                    <a:solidFill>
+                      <a:schemeClr val="tx1"/>
+                    </a:solidFill>
+                  </a:rPr>
+                  <a:t>L1</a:t>
+                </a:r>
+                <a:endParaRPr lang="en-US" sz="1000" dirty="0">
+                  <a:solidFill>
+                    <a:schemeClr val="tx1"/>
+                  </a:solidFill>
+                </a:endParaRPr>
+              </a:p>
+            </p:txBody>
+          </p:sp>
+          <p:sp>
+            <p:nvSpPr>
+              <p:cNvPr id="64" name="Rectangle 63"/>
+              <p:cNvSpPr>
+                <a:spLocks noChangeAspect="1"/>
+              </p:cNvSpPr>
+              <p:nvPr/>
+            </p:nvSpPr>
+            <p:spPr>
+              <a:xfrm>
+                <a:off x="1691720" y="1772816"/>
+                <a:ext cx="360000" cy="360000"/>
+              </a:xfrm>
+              <a:prstGeom prst="rect">
+                <a:avLst/>
+              </a:prstGeom>
+              <a:solidFill>
+                <a:schemeClr val="bg1">
+                  <a:lumMod val="95000"/>
+                </a:schemeClr>
+              </a:solidFill>
+              <a:ln>
+                <a:noFill/>
+              </a:ln>
+            </p:spPr>
+            <p:style>
+              <a:lnRef idx="2">
+                <a:schemeClr val="accent1">
+                  <a:shade val="50000"/>
+                </a:schemeClr>
+              </a:lnRef>
+              <a:fillRef idx="1">
+                <a:schemeClr val="accent1"/>
+              </a:fillRef>
+              <a:effectRef idx="0">
+                <a:schemeClr val="accent1"/>
+              </a:effectRef>
+              <a:fontRef idx="minor">
+                <a:schemeClr val="lt1"/>
+              </a:fontRef>
+            </p:style>
+            <p:txBody>
+              <a:bodyPr rtlCol="0" anchor="ctr"/>
+              <a:lstStyle/>
+              <a:p>
+                <a:pPr algn="ctr"/>
+                <a:r>
+                  <a:rPr lang="en-US" sz="1000" dirty="0" smtClean="0">
+                    <a:solidFill>
+                      <a:schemeClr val="tx1"/>
+                    </a:solidFill>
+                  </a:rPr>
+                  <a:t>L2</a:t>
+                </a:r>
+                <a:endParaRPr lang="en-US" sz="1000" dirty="0">
+                  <a:solidFill>
+                    <a:schemeClr val="tx1"/>
+                  </a:solidFill>
+                </a:endParaRPr>
+              </a:p>
+            </p:txBody>
+          </p:sp>
+        </p:grpSp>
+        <p:grpSp>
+          <p:nvGrpSpPr>
+            <p:cNvPr id="69" name="Group 68"/>
+            <p:cNvGrpSpPr/>
+            <p:nvPr/>
+          </p:nvGrpSpPr>
+          <p:grpSpPr>
+            <a:xfrm>
+              <a:off x="3203848" y="4051871"/>
+              <a:ext cx="720080" cy="633670"/>
+              <a:chOff x="1331640" y="1772816"/>
+              <a:chExt cx="720080" cy="792088"/>
+            </a:xfrm>
+          </p:grpSpPr>
+          <p:sp>
+            <p:nvSpPr>
+              <p:cNvPr id="70" name="Rectangle 69"/>
+              <p:cNvSpPr>
+                <a:spLocks noChangeAspect="1"/>
+              </p:cNvSpPr>
+              <p:nvPr/>
+            </p:nvSpPr>
+            <p:spPr>
+              <a:xfrm>
+                <a:off x="1331640" y="2132856"/>
+                <a:ext cx="720000" cy="432048"/>
+              </a:xfrm>
+              <a:prstGeom prst="rect">
+                <a:avLst/>
+              </a:prstGeom>
+              <a:solidFill>
+                <a:srgbClr val="E8B652"/>
+              </a:solidFill>
+              <a:ln>
+                <a:noFill/>
+              </a:ln>
+            </p:spPr>
+            <p:style>
+              <a:lnRef idx="2">
+                <a:schemeClr val="accent1">
+                  <a:shade val="50000"/>
+                </a:schemeClr>
+              </a:lnRef>
+              <a:fillRef idx="1">
+                <a:schemeClr val="accent1"/>
+              </a:fillRef>
+              <a:effectRef idx="0">
+                <a:schemeClr val="accent1"/>
+              </a:effectRef>
+              <a:fontRef idx="minor">
+                <a:schemeClr val="lt1"/>
+              </a:fontRef>
+            </p:style>
+            <p:txBody>
+              <a:bodyPr rtlCol="0" anchor="ctr"/>
+              <a:lstStyle/>
+              <a:p>
+                <a:pPr algn="ctr"/>
+                <a:r>
+                  <a:rPr lang="en-US" sz="1200" b="1" dirty="0" smtClean="0"/>
+                  <a:t>core8</a:t>
+                </a:r>
+                <a:endParaRPr lang="en-US" sz="1200" b="1" dirty="0"/>
+              </a:p>
+            </p:txBody>
+          </p:sp>
+          <p:sp>
+            <p:nvSpPr>
+              <p:cNvPr id="71" name="Rectangle 70"/>
+              <p:cNvSpPr>
+                <a:spLocks noChangeAspect="1"/>
+              </p:cNvSpPr>
+              <p:nvPr/>
+            </p:nvSpPr>
+            <p:spPr>
+              <a:xfrm>
+                <a:off x="1331640" y="1772816"/>
+                <a:ext cx="360000" cy="360000"/>
+              </a:xfrm>
+              <a:prstGeom prst="rect">
+                <a:avLst/>
+              </a:prstGeom>
+              <a:solidFill>
+                <a:schemeClr val="bg1">
+                  <a:lumMod val="75000"/>
+                </a:schemeClr>
+              </a:solidFill>
+              <a:ln>
+                <a:noFill/>
+              </a:ln>
+            </p:spPr>
+            <p:style>
+              <a:lnRef idx="2">
+                <a:schemeClr val="accent1">
+                  <a:shade val="50000"/>
+                </a:schemeClr>
+              </a:lnRef>
+              <a:fillRef idx="1">
+                <a:schemeClr val="accent1"/>
+              </a:fillRef>
+              <a:effectRef idx="0">
+                <a:schemeClr val="accent1"/>
+              </a:effectRef>
+              <a:fontRef idx="minor">
+                <a:schemeClr val="lt1"/>
+              </a:fontRef>
+            </p:style>
+            <p:txBody>
+              <a:bodyPr rtlCol="0" anchor="ctr"/>
+              <a:lstStyle/>
+              <a:p>
+                <a:pPr algn="ctr"/>
+                <a:r>
+                  <a:rPr lang="en-US" sz="1000" dirty="0" smtClean="0">
+                    <a:solidFill>
+                      <a:schemeClr val="tx1"/>
+                    </a:solidFill>
+                  </a:rPr>
+                  <a:t>L1</a:t>
+                </a:r>
+                <a:endParaRPr lang="en-US" sz="1000" dirty="0">
+                  <a:solidFill>
+                    <a:schemeClr val="tx1"/>
+                  </a:solidFill>
+                </a:endParaRPr>
+              </a:p>
+            </p:txBody>
+          </p:sp>
+          <p:sp>
+            <p:nvSpPr>
+              <p:cNvPr id="72" name="Rectangle 71"/>
+              <p:cNvSpPr>
+                <a:spLocks noChangeAspect="1"/>
+              </p:cNvSpPr>
+              <p:nvPr/>
+            </p:nvSpPr>
+            <p:spPr>
+              <a:xfrm>
+                <a:off x="1691720" y="1772816"/>
+                <a:ext cx="360000" cy="360000"/>
+              </a:xfrm>
+              <a:prstGeom prst="rect">
+                <a:avLst/>
+              </a:prstGeom>
+              <a:solidFill>
+                <a:schemeClr val="bg1">
+                  <a:lumMod val="95000"/>
+                </a:schemeClr>
+              </a:solidFill>
+              <a:ln>
+                <a:noFill/>
+              </a:ln>
+            </p:spPr>
+            <p:style>
+              <a:lnRef idx="2">
+                <a:schemeClr val="accent1">
+                  <a:shade val="50000"/>
+                </a:schemeClr>
+              </a:lnRef>
+              <a:fillRef idx="1">
+                <a:schemeClr val="accent1"/>
+              </a:fillRef>
+              <a:effectRef idx="0">
+                <a:schemeClr val="accent1"/>
+              </a:effectRef>
+              <a:fontRef idx="minor">
+                <a:schemeClr val="lt1"/>
+              </a:fontRef>
+            </p:style>
+            <p:txBody>
+              <a:bodyPr rtlCol="0" anchor="ctr"/>
+              <a:lstStyle/>
+              <a:p>
+                <a:pPr algn="ctr"/>
+                <a:r>
+                  <a:rPr lang="en-US" sz="1000" dirty="0" smtClean="0">
+                    <a:solidFill>
+                      <a:schemeClr val="tx1"/>
+                    </a:solidFill>
+                  </a:rPr>
+                  <a:t>L2</a:t>
+                </a:r>
+                <a:endParaRPr lang="en-US" sz="1000" dirty="0">
+                  <a:solidFill>
+                    <a:schemeClr val="tx1"/>
+                  </a:solidFill>
+                </a:endParaRPr>
+              </a:p>
+            </p:txBody>
+          </p:sp>
+        </p:grpSp>
+        <p:grpSp>
+          <p:nvGrpSpPr>
+            <p:cNvPr id="73" name="Group 72"/>
+            <p:cNvGrpSpPr/>
+            <p:nvPr/>
+          </p:nvGrpSpPr>
+          <p:grpSpPr>
+            <a:xfrm>
+              <a:off x="3203848" y="4811554"/>
+              <a:ext cx="720080" cy="633670"/>
+              <a:chOff x="1331640" y="1772816"/>
+              <a:chExt cx="720080" cy="792088"/>
+            </a:xfrm>
+          </p:grpSpPr>
+          <p:sp>
+            <p:nvSpPr>
+              <p:cNvPr id="74" name="Rectangle 73"/>
+              <p:cNvSpPr>
+                <a:spLocks noChangeAspect="1"/>
+              </p:cNvSpPr>
+              <p:nvPr/>
+            </p:nvSpPr>
+            <p:spPr>
+              <a:xfrm>
+                <a:off x="1331640" y="2132856"/>
+                <a:ext cx="720000" cy="432048"/>
+              </a:xfrm>
+              <a:prstGeom prst="rect">
+                <a:avLst/>
+              </a:prstGeom>
+              <a:solidFill>
+                <a:srgbClr val="E8B652"/>
+              </a:solidFill>
+              <a:ln>
+                <a:noFill/>
+              </a:ln>
+            </p:spPr>
+            <p:style>
+              <a:lnRef idx="2">
+                <a:schemeClr val="accent1">
+                  <a:shade val="50000"/>
+                </a:schemeClr>
+              </a:lnRef>
+              <a:fillRef idx="1">
+                <a:schemeClr val="accent1"/>
+              </a:fillRef>
+              <a:effectRef idx="0">
+                <a:schemeClr val="accent1"/>
+              </a:effectRef>
+              <a:fontRef idx="minor">
+                <a:schemeClr val="lt1"/>
+              </a:fontRef>
+            </p:style>
+            <p:txBody>
+              <a:bodyPr rtlCol="0" anchor="ctr"/>
+              <a:lstStyle/>
+              <a:p>
+                <a:pPr algn="ctr"/>
+                <a:r>
+                  <a:rPr lang="en-US" sz="1200" b="1" dirty="0" smtClean="0"/>
+                  <a:t>core9</a:t>
+                </a:r>
+                <a:endParaRPr lang="en-US" sz="1200" b="1" dirty="0"/>
+              </a:p>
+            </p:txBody>
+          </p:sp>
+          <p:sp>
+            <p:nvSpPr>
+              <p:cNvPr id="75" name="Rectangle 74"/>
+              <p:cNvSpPr>
+                <a:spLocks noChangeAspect="1"/>
+              </p:cNvSpPr>
+              <p:nvPr/>
+            </p:nvSpPr>
+            <p:spPr>
+              <a:xfrm>
+                <a:off x="1331640" y="1772816"/>
+                <a:ext cx="360000" cy="360000"/>
+              </a:xfrm>
+              <a:prstGeom prst="rect">
+                <a:avLst/>
+              </a:prstGeom>
+              <a:solidFill>
+                <a:schemeClr val="bg1">
+                  <a:lumMod val="75000"/>
+                </a:schemeClr>
+              </a:solidFill>
+              <a:ln>
+                <a:noFill/>
+              </a:ln>
+            </p:spPr>
+            <p:style>
+              <a:lnRef idx="2">
+                <a:schemeClr val="accent1">
+                  <a:shade val="50000"/>
+                </a:schemeClr>
+              </a:lnRef>
+              <a:fillRef idx="1">
+                <a:schemeClr val="accent1"/>
+              </a:fillRef>
+              <a:effectRef idx="0">
+                <a:schemeClr val="accent1"/>
+              </a:effectRef>
+              <a:fontRef idx="minor">
+                <a:schemeClr val="lt1"/>
+              </a:fontRef>
+            </p:style>
+            <p:txBody>
+              <a:bodyPr rtlCol="0" anchor="ctr"/>
+              <a:lstStyle/>
+              <a:p>
+                <a:pPr algn="ctr"/>
+                <a:r>
+                  <a:rPr lang="en-US" sz="1000" dirty="0" smtClean="0">
+                    <a:solidFill>
+                      <a:schemeClr val="tx1"/>
+                    </a:solidFill>
+                  </a:rPr>
+                  <a:t>L1</a:t>
+                </a:r>
+                <a:endParaRPr lang="en-US" sz="1000" dirty="0">
+                  <a:solidFill>
+                    <a:schemeClr val="tx1"/>
+                  </a:solidFill>
+                </a:endParaRPr>
+              </a:p>
+            </p:txBody>
+          </p:sp>
+          <p:sp>
+            <p:nvSpPr>
+              <p:cNvPr id="76" name="Rectangle 75"/>
+              <p:cNvSpPr>
+                <a:spLocks noChangeAspect="1"/>
+              </p:cNvSpPr>
+              <p:nvPr/>
+            </p:nvSpPr>
+            <p:spPr>
+              <a:xfrm>
+                <a:off x="1691720" y="1772816"/>
+                <a:ext cx="360000" cy="360000"/>
+              </a:xfrm>
+              <a:prstGeom prst="rect">
+                <a:avLst/>
+              </a:prstGeom>
+              <a:solidFill>
+                <a:schemeClr val="bg1">
+                  <a:lumMod val="95000"/>
+                </a:schemeClr>
+              </a:solidFill>
+              <a:ln>
+                <a:noFill/>
+              </a:ln>
+            </p:spPr>
+            <p:style>
+              <a:lnRef idx="2">
+                <a:schemeClr val="accent1">
+                  <a:shade val="50000"/>
+                </a:schemeClr>
+              </a:lnRef>
+              <a:fillRef idx="1">
+                <a:schemeClr val="accent1"/>
+              </a:fillRef>
+              <a:effectRef idx="0">
+                <a:schemeClr val="accent1"/>
+              </a:effectRef>
+              <a:fontRef idx="minor">
+                <a:schemeClr val="lt1"/>
+              </a:fontRef>
+            </p:style>
+            <p:txBody>
+              <a:bodyPr rtlCol="0" anchor="ctr"/>
+              <a:lstStyle/>
+              <a:p>
+                <a:pPr algn="ctr"/>
+                <a:r>
+                  <a:rPr lang="en-US" sz="1000" dirty="0" smtClean="0">
+                    <a:solidFill>
+                      <a:schemeClr val="tx1"/>
+                    </a:solidFill>
+                  </a:rPr>
+                  <a:t>L2</a:t>
+                </a:r>
+                <a:endParaRPr lang="en-US" sz="1000" dirty="0">
+                  <a:solidFill>
+                    <a:schemeClr val="tx1"/>
+                  </a:solidFill>
+                </a:endParaRPr>
+              </a:p>
+            </p:txBody>
+          </p:sp>
+        </p:grpSp>
+        <p:grpSp>
+          <p:nvGrpSpPr>
+            <p:cNvPr id="119" name="Group 118"/>
+            <p:cNvGrpSpPr/>
+            <p:nvPr/>
+          </p:nvGrpSpPr>
+          <p:grpSpPr>
+            <a:xfrm>
+              <a:off x="3203848" y="3292186"/>
+              <a:ext cx="720080" cy="633670"/>
+              <a:chOff x="1331640" y="1772816"/>
+              <a:chExt cx="720080" cy="792088"/>
+            </a:xfrm>
+          </p:grpSpPr>
+          <p:sp>
+            <p:nvSpPr>
+              <p:cNvPr id="120" name="Rectangle 119"/>
+              <p:cNvSpPr>
+                <a:spLocks noChangeAspect="1"/>
+              </p:cNvSpPr>
+              <p:nvPr/>
+            </p:nvSpPr>
+            <p:spPr>
+              <a:xfrm>
+                <a:off x="1331640" y="2132856"/>
+                <a:ext cx="720000" cy="432048"/>
+              </a:xfrm>
+              <a:prstGeom prst="rect">
+                <a:avLst/>
+              </a:prstGeom>
+              <a:solidFill>
+                <a:srgbClr val="E8B652"/>
+              </a:solidFill>
+              <a:ln>
+                <a:noFill/>
+              </a:ln>
+            </p:spPr>
+            <p:style>
+              <a:lnRef idx="2">
+                <a:schemeClr val="accent1">
+                  <a:shade val="50000"/>
+                </a:schemeClr>
+              </a:lnRef>
+              <a:fillRef idx="1">
+                <a:schemeClr val="accent1"/>
+              </a:fillRef>
+              <a:effectRef idx="0">
+                <a:schemeClr val="accent1"/>
+              </a:effectRef>
+              <a:fontRef idx="minor">
+                <a:schemeClr val="lt1"/>
+              </a:fontRef>
+            </p:style>
+            <p:txBody>
+              <a:bodyPr rtlCol="0" anchor="ctr"/>
+              <a:lstStyle/>
+              <a:p>
+                <a:pPr algn="ctr"/>
+                <a:r>
+                  <a:rPr lang="en-US" sz="1200" b="1" dirty="0" smtClean="0"/>
+                  <a:t>core7</a:t>
+                </a:r>
+                <a:endParaRPr lang="en-US" sz="1200" b="1" dirty="0"/>
+              </a:p>
+            </p:txBody>
+          </p:sp>
+          <p:sp>
+            <p:nvSpPr>
+              <p:cNvPr id="121" name="Rectangle 120"/>
+              <p:cNvSpPr>
+                <a:spLocks noChangeAspect="1"/>
+              </p:cNvSpPr>
+              <p:nvPr/>
+            </p:nvSpPr>
+            <p:spPr>
+              <a:xfrm>
+                <a:off x="1331640" y="1772816"/>
+                <a:ext cx="360000" cy="360000"/>
+              </a:xfrm>
+              <a:prstGeom prst="rect">
+                <a:avLst/>
+              </a:prstGeom>
+              <a:solidFill>
+                <a:schemeClr val="bg1">
+                  <a:lumMod val="75000"/>
+                </a:schemeClr>
+              </a:solidFill>
+              <a:ln>
+                <a:noFill/>
+              </a:ln>
+            </p:spPr>
+            <p:style>
+              <a:lnRef idx="2">
+                <a:schemeClr val="accent1">
+                  <a:shade val="50000"/>
+                </a:schemeClr>
+              </a:lnRef>
+              <a:fillRef idx="1">
+                <a:schemeClr val="accent1"/>
+              </a:fillRef>
+              <a:effectRef idx="0">
+                <a:schemeClr val="accent1"/>
+              </a:effectRef>
+              <a:fontRef idx="minor">
+                <a:schemeClr val="lt1"/>
+              </a:fontRef>
+            </p:style>
+            <p:txBody>
+              <a:bodyPr rtlCol="0" anchor="ctr"/>
+              <a:lstStyle/>
+              <a:p>
+                <a:pPr algn="ctr"/>
+                <a:r>
+                  <a:rPr lang="en-US" sz="1000" dirty="0" smtClean="0">
+                    <a:solidFill>
+                      <a:schemeClr val="tx1"/>
+                    </a:solidFill>
+                  </a:rPr>
+                  <a:t>L1</a:t>
+                </a:r>
+                <a:endParaRPr lang="en-US" sz="1000" dirty="0">
+                  <a:solidFill>
+                    <a:schemeClr val="tx1"/>
+                  </a:solidFill>
+                </a:endParaRPr>
+              </a:p>
+            </p:txBody>
+          </p:sp>
+          <p:sp>
+            <p:nvSpPr>
+              <p:cNvPr id="122" name="Rectangle 121"/>
+              <p:cNvSpPr>
+                <a:spLocks noChangeAspect="1"/>
+              </p:cNvSpPr>
+              <p:nvPr/>
+            </p:nvSpPr>
+            <p:spPr>
+              <a:xfrm>
+                <a:off x="1691720" y="1772816"/>
+                <a:ext cx="360000" cy="360000"/>
+              </a:xfrm>
+              <a:prstGeom prst="rect">
+                <a:avLst/>
+              </a:prstGeom>
+              <a:solidFill>
+                <a:schemeClr val="bg1">
+                  <a:lumMod val="95000"/>
+                </a:schemeClr>
+              </a:solidFill>
+              <a:ln>
+                <a:noFill/>
+              </a:ln>
+            </p:spPr>
+            <p:style>
+              <a:lnRef idx="2">
+                <a:schemeClr val="accent1">
+                  <a:shade val="50000"/>
+                </a:schemeClr>
+              </a:lnRef>
+              <a:fillRef idx="1">
+                <a:schemeClr val="accent1"/>
+              </a:fillRef>
+              <a:effectRef idx="0">
+                <a:schemeClr val="accent1"/>
+              </a:effectRef>
+              <a:fontRef idx="minor">
+                <a:schemeClr val="lt1"/>
+              </a:fontRef>
+            </p:style>
+            <p:txBody>
+              <a:bodyPr rtlCol="0" anchor="ctr"/>
+              <a:lstStyle/>
+              <a:p>
+                <a:pPr algn="ctr"/>
+                <a:r>
+                  <a:rPr lang="en-US" sz="1000" dirty="0" smtClean="0">
+                    <a:solidFill>
+                      <a:schemeClr val="tx1"/>
+                    </a:solidFill>
+                  </a:rPr>
+                  <a:t>L2</a:t>
+                </a:r>
+                <a:endParaRPr lang="en-US" sz="1000" dirty="0">
+                  <a:solidFill>
+                    <a:schemeClr val="tx1"/>
+                  </a:solidFill>
+                </a:endParaRPr>
+              </a:p>
+            </p:txBody>
+          </p:sp>
+        </p:grpSp>
+      </p:grpSp>
+      <p:grpSp>
+        <p:nvGrpSpPr>
+          <p:cNvPr id="129" name="Group 128"/>
+          <p:cNvGrpSpPr/>
+          <p:nvPr/>
+        </p:nvGrpSpPr>
+        <p:grpSpPr>
+          <a:xfrm>
+            <a:off x="5076376" y="1472010"/>
+            <a:ext cx="2880000" cy="4104456"/>
+            <a:chOff x="5076376" y="1556792"/>
+            <a:chExt cx="2880000" cy="4104456"/>
+          </a:xfrm>
+        </p:grpSpPr>
+        <p:grpSp>
+          <p:nvGrpSpPr>
+            <p:cNvPr id="78" name="Group 77"/>
+            <p:cNvGrpSpPr/>
+            <p:nvPr/>
+          </p:nvGrpSpPr>
+          <p:grpSpPr>
+            <a:xfrm>
+              <a:off x="5076376" y="1556792"/>
+              <a:ext cx="2880000" cy="4104456"/>
+              <a:chOff x="1187624" y="1556792"/>
+              <a:chExt cx="2880000" cy="4104456"/>
+            </a:xfrm>
+          </p:grpSpPr>
+          <p:sp>
+            <p:nvSpPr>
+              <p:cNvPr id="79" name="Rectangle 78"/>
+              <p:cNvSpPr/>
+              <p:nvPr/>
+            </p:nvSpPr>
+            <p:spPr>
+              <a:xfrm>
+                <a:off x="1187624" y="1556792"/>
+                <a:ext cx="2880000" cy="4104456"/>
+              </a:xfrm>
+              <a:prstGeom prst="rect">
+                <a:avLst/>
+              </a:prstGeom>
+              <a:solidFill>
+                <a:schemeClr val="accent3">
+                  <a:lumMod val="20000"/>
+                  <a:lumOff val="80000"/>
+                </a:schemeClr>
+              </a:solidFill>
+              <a:ln>
+                <a:noFill/>
+              </a:ln>
+            </p:spPr>
+            <p:style>
+              <a:lnRef idx="2">
+                <a:schemeClr val="accent1">
+                  <a:shade val="50000"/>
+                </a:schemeClr>
+              </a:lnRef>
+              <a:fillRef idx="1">
+                <a:schemeClr val="accent1"/>
+              </a:fillRef>
+              <a:effectRef idx="0">
+                <a:schemeClr val="accent1"/>
+              </a:effectRef>
+              <a:fontRef idx="minor">
+                <a:schemeClr val="lt1"/>
+              </a:fontRef>
+            </p:style>
+            <p:txBody>
+              <a:bodyPr rtlCol="0" anchor="ctr"/>
+              <a:lstStyle/>
+              <a:p>
+                <a:pPr algn="ctr"/>
+                <a:endParaRPr lang="en-US"/>
+              </a:p>
+            </p:txBody>
+          </p:sp>
+          <p:sp>
+            <p:nvSpPr>
+              <p:cNvPr id="80" name="Rectangle 79"/>
+              <p:cNvSpPr/>
+              <p:nvPr/>
+            </p:nvSpPr>
+            <p:spPr>
+              <a:xfrm>
+                <a:off x="2339752" y="1772816"/>
+                <a:ext cx="720080" cy="3672408"/>
+              </a:xfrm>
+              <a:prstGeom prst="rect">
+                <a:avLst/>
+              </a:prstGeom>
+              <a:solidFill>
+                <a:schemeClr val="bg1">
+                  <a:lumMod val="65000"/>
+                </a:schemeClr>
+              </a:solidFill>
+              <a:ln>
+                <a:noFill/>
+              </a:ln>
+            </p:spPr>
+            <p:style>
+              <a:lnRef idx="2">
+                <a:schemeClr val="accent1">
+                  <a:shade val="50000"/>
+                </a:schemeClr>
+              </a:lnRef>
+              <a:fillRef idx="1">
+                <a:schemeClr val="accent1"/>
+              </a:fillRef>
+              <a:effectRef idx="0">
+                <a:schemeClr val="accent1"/>
+              </a:effectRef>
+              <a:fontRef idx="minor">
+                <a:schemeClr val="lt1"/>
+              </a:fontRef>
+            </p:style>
+            <p:txBody>
+              <a:bodyPr rtlCol="0" anchor="ctr"/>
+              <a:lstStyle/>
+              <a:p>
+                <a:pPr algn="ctr"/>
+                <a:r>
+                  <a:rPr lang="en-US" dirty="0" smtClean="0">
+                    <a:solidFill>
+                      <a:schemeClr val="tx1"/>
+                    </a:solidFill>
+                  </a:rPr>
+                  <a:t>L3</a:t>
+                </a:r>
+                <a:endParaRPr lang="en-US" dirty="0">
+                  <a:solidFill>
+                    <a:schemeClr val="tx1"/>
+                  </a:solidFill>
+                </a:endParaRPr>
+              </a:p>
+            </p:txBody>
+          </p:sp>
+          <p:grpSp>
+            <p:nvGrpSpPr>
+              <p:cNvPr id="81" name="Group 80"/>
+              <p:cNvGrpSpPr/>
+              <p:nvPr/>
+            </p:nvGrpSpPr>
+            <p:grpSpPr>
+              <a:xfrm>
+                <a:off x="1331640" y="1772816"/>
+                <a:ext cx="720080" cy="633670"/>
+                <a:chOff x="1331640" y="1772816"/>
+                <a:chExt cx="720080" cy="792088"/>
+              </a:xfrm>
+            </p:grpSpPr>
+            <p:sp>
+              <p:nvSpPr>
+                <p:cNvPr id="114" name="Rectangle 113"/>
+                <p:cNvSpPr>
+                  <a:spLocks noChangeAspect="1"/>
+                </p:cNvSpPr>
+                <p:nvPr/>
+              </p:nvSpPr>
+              <p:spPr>
+                <a:xfrm>
+                  <a:off x="1331640" y="2132856"/>
+                  <a:ext cx="720000" cy="432048"/>
+                </a:xfrm>
+                <a:prstGeom prst="rect">
+                  <a:avLst/>
+                </a:prstGeom>
+                <a:solidFill>
+                  <a:srgbClr val="E8B652"/>
+                </a:solidFill>
+                <a:ln>
+                  <a:noFill/>
+                </a:ln>
+              </p:spPr>
+              <p:style>
+                <a:lnRef idx="2">
+                  <a:schemeClr val="accent1">
+                    <a:shade val="50000"/>
+                  </a:schemeClr>
+                </a:lnRef>
+                <a:fillRef idx="1">
+                  <a:schemeClr val="accent1"/>
+                </a:fillRef>
+                <a:effectRef idx="0">
+                  <a:schemeClr val="accent1"/>
+                </a:effectRef>
+                <a:fontRef idx="minor">
+                  <a:schemeClr val="lt1"/>
+                </a:fontRef>
+              </p:style>
+              <p:txBody>
+                <a:bodyPr rtlCol="0" anchor="ctr"/>
+                <a:lstStyle/>
+                <a:p>
+                  <a:pPr algn="ctr"/>
+                  <a:r>
+                    <a:rPr lang="en-US" sz="1200" b="1" dirty="0" smtClean="0"/>
+                    <a:t>core10</a:t>
+                  </a:r>
+                  <a:endParaRPr lang="en-US" sz="1200" b="1" dirty="0"/>
+                </a:p>
+              </p:txBody>
+            </p:sp>
+            <p:sp>
+              <p:nvSpPr>
+                <p:cNvPr id="115" name="Rectangle 114"/>
+                <p:cNvSpPr>
+                  <a:spLocks noChangeAspect="1"/>
+                </p:cNvSpPr>
+                <p:nvPr/>
+              </p:nvSpPr>
+              <p:spPr>
+                <a:xfrm>
+                  <a:off x="1331640" y="1772816"/>
+                  <a:ext cx="360000" cy="360000"/>
+                </a:xfrm>
+                <a:prstGeom prst="rect">
+                  <a:avLst/>
+                </a:prstGeom>
+                <a:solidFill>
+                  <a:schemeClr val="bg1">
+                    <a:lumMod val="75000"/>
+                  </a:schemeClr>
+                </a:solidFill>
+                <a:ln>
+                  <a:noFill/>
+                </a:ln>
+              </p:spPr>
+              <p:style>
+                <a:lnRef idx="2">
+                  <a:schemeClr val="accent1">
+                    <a:shade val="50000"/>
+                  </a:schemeClr>
+                </a:lnRef>
+                <a:fillRef idx="1">
+                  <a:schemeClr val="accent1"/>
+                </a:fillRef>
+                <a:effectRef idx="0">
+                  <a:schemeClr val="accent1"/>
+                </a:effectRef>
+                <a:fontRef idx="minor">
+                  <a:schemeClr val="lt1"/>
+                </a:fontRef>
+              </p:style>
+              <p:txBody>
+                <a:bodyPr rtlCol="0" anchor="ctr"/>
+                <a:lstStyle/>
+                <a:p>
+                  <a:pPr algn="ctr"/>
+                  <a:r>
+                    <a:rPr lang="en-US" sz="1000" dirty="0" smtClean="0">
+                      <a:solidFill>
+                        <a:schemeClr val="tx1"/>
+                      </a:solidFill>
+                    </a:rPr>
+                    <a:t>L1</a:t>
+                  </a:r>
+                  <a:endParaRPr lang="en-US" sz="1000" dirty="0">
+                    <a:solidFill>
+                      <a:schemeClr val="tx1"/>
+                    </a:solidFill>
+                  </a:endParaRPr>
+                </a:p>
+              </p:txBody>
+            </p:sp>
+            <p:sp>
+              <p:nvSpPr>
+                <p:cNvPr id="116" name="Rectangle 115"/>
+                <p:cNvSpPr>
+                  <a:spLocks noChangeAspect="1"/>
+                </p:cNvSpPr>
+                <p:nvPr/>
+              </p:nvSpPr>
+              <p:spPr>
+                <a:xfrm>
+                  <a:off x="1691720" y="1772816"/>
+                  <a:ext cx="360000" cy="360000"/>
+                </a:xfrm>
+                <a:prstGeom prst="rect">
+                  <a:avLst/>
+                </a:prstGeom>
+                <a:solidFill>
+                  <a:schemeClr val="bg1">
+                    <a:lumMod val="95000"/>
+                  </a:schemeClr>
+                </a:solidFill>
+                <a:ln>
+                  <a:noFill/>
+                </a:ln>
+              </p:spPr>
+              <p:style>
+                <a:lnRef idx="2">
+                  <a:schemeClr val="accent1">
+                    <a:shade val="50000"/>
+                  </a:schemeClr>
+                </a:lnRef>
+                <a:fillRef idx="1">
+                  <a:schemeClr val="accent1"/>
+                </a:fillRef>
+                <a:effectRef idx="0">
+                  <a:schemeClr val="accent1"/>
+                </a:effectRef>
+                <a:fontRef idx="minor">
+                  <a:schemeClr val="lt1"/>
+                </a:fontRef>
+              </p:style>
+              <p:txBody>
+                <a:bodyPr rtlCol="0" anchor="ctr"/>
+                <a:lstStyle/>
+                <a:p>
+                  <a:pPr algn="ctr"/>
+                  <a:r>
+                    <a:rPr lang="en-US" sz="1000" dirty="0" smtClean="0">
+                      <a:solidFill>
+                        <a:schemeClr val="tx1"/>
+                      </a:solidFill>
+                    </a:rPr>
+                    <a:t>L2</a:t>
+                  </a:r>
+                  <a:endParaRPr lang="en-US" sz="1000" dirty="0">
+                    <a:solidFill>
+                      <a:schemeClr val="tx1"/>
+                    </a:solidFill>
+                  </a:endParaRPr>
+                </a:p>
+              </p:txBody>
+            </p:sp>
+          </p:grpSp>
+          <p:grpSp>
+            <p:nvGrpSpPr>
+              <p:cNvPr id="82" name="Group 81"/>
+              <p:cNvGrpSpPr/>
+              <p:nvPr/>
+            </p:nvGrpSpPr>
+            <p:grpSpPr>
+              <a:xfrm>
+                <a:off x="1331640" y="2532501"/>
+                <a:ext cx="720080" cy="633670"/>
+                <a:chOff x="1331640" y="1772816"/>
+                <a:chExt cx="720080" cy="792088"/>
+              </a:xfrm>
+            </p:grpSpPr>
+            <p:sp>
+              <p:nvSpPr>
+                <p:cNvPr id="111" name="Rectangle 110"/>
+                <p:cNvSpPr>
+                  <a:spLocks noChangeAspect="1"/>
+                </p:cNvSpPr>
+                <p:nvPr/>
+              </p:nvSpPr>
+              <p:spPr>
+                <a:xfrm>
+                  <a:off x="1331640" y="2132856"/>
+                  <a:ext cx="720000" cy="432048"/>
+                </a:xfrm>
+                <a:prstGeom prst="rect">
+                  <a:avLst/>
+                </a:prstGeom>
+                <a:solidFill>
+                  <a:srgbClr val="E8B652"/>
+                </a:solidFill>
+                <a:ln>
+                  <a:noFill/>
+                </a:ln>
+              </p:spPr>
+              <p:style>
+                <a:lnRef idx="2">
+                  <a:schemeClr val="accent1">
+                    <a:shade val="50000"/>
+                  </a:schemeClr>
+                </a:lnRef>
+                <a:fillRef idx="1">
+                  <a:schemeClr val="accent1"/>
+                </a:fillRef>
+                <a:effectRef idx="0">
+                  <a:schemeClr val="accent1"/>
+                </a:effectRef>
+                <a:fontRef idx="minor">
+                  <a:schemeClr val="lt1"/>
+                </a:fontRef>
+              </p:style>
+              <p:txBody>
+                <a:bodyPr rtlCol="0" anchor="ctr"/>
+                <a:lstStyle/>
+                <a:p>
+                  <a:pPr algn="ctr"/>
+                  <a:r>
+                    <a:rPr lang="en-US" sz="1200" b="1" dirty="0" smtClean="0"/>
+                    <a:t>core11</a:t>
+                  </a:r>
+                  <a:endParaRPr lang="en-US" sz="1200" b="1" dirty="0"/>
+                </a:p>
+              </p:txBody>
+            </p:sp>
+            <p:sp>
+              <p:nvSpPr>
+                <p:cNvPr id="112" name="Rectangle 111"/>
+                <p:cNvSpPr>
+                  <a:spLocks noChangeAspect="1"/>
+                </p:cNvSpPr>
+                <p:nvPr/>
+              </p:nvSpPr>
+              <p:spPr>
+                <a:xfrm>
+                  <a:off x="1331640" y="1772816"/>
+                  <a:ext cx="360000" cy="360000"/>
+                </a:xfrm>
+                <a:prstGeom prst="rect">
+                  <a:avLst/>
+                </a:prstGeom>
+                <a:solidFill>
+                  <a:schemeClr val="bg1">
+                    <a:lumMod val="75000"/>
+                  </a:schemeClr>
+                </a:solidFill>
+                <a:ln>
+                  <a:noFill/>
+                </a:ln>
+              </p:spPr>
+              <p:style>
+                <a:lnRef idx="2">
+                  <a:schemeClr val="accent1">
+                    <a:shade val="50000"/>
+                  </a:schemeClr>
+                </a:lnRef>
+                <a:fillRef idx="1">
+                  <a:schemeClr val="accent1"/>
+                </a:fillRef>
+                <a:effectRef idx="0">
+                  <a:schemeClr val="accent1"/>
+                </a:effectRef>
+                <a:fontRef idx="minor">
+                  <a:schemeClr val="lt1"/>
+                </a:fontRef>
+              </p:style>
+              <p:txBody>
+                <a:bodyPr rtlCol="0" anchor="ctr"/>
+                <a:lstStyle/>
+                <a:p>
+                  <a:pPr algn="ctr"/>
+                  <a:r>
+                    <a:rPr lang="en-US" sz="1000" dirty="0" smtClean="0">
+                      <a:solidFill>
+                        <a:schemeClr val="tx1"/>
+                      </a:solidFill>
+                    </a:rPr>
+                    <a:t>L1</a:t>
+                  </a:r>
+                  <a:endParaRPr lang="en-US" sz="1000" dirty="0">
+                    <a:solidFill>
+                      <a:schemeClr val="tx1"/>
+                    </a:solidFill>
+                  </a:endParaRPr>
+                </a:p>
+              </p:txBody>
+            </p:sp>
+            <p:sp>
+              <p:nvSpPr>
+                <p:cNvPr id="113" name="Rectangle 112"/>
+                <p:cNvSpPr>
+                  <a:spLocks noChangeAspect="1"/>
+                </p:cNvSpPr>
+                <p:nvPr/>
+              </p:nvSpPr>
+              <p:spPr>
+                <a:xfrm>
+                  <a:off x="1691720" y="1772816"/>
+                  <a:ext cx="360000" cy="360000"/>
+                </a:xfrm>
+                <a:prstGeom prst="rect">
+                  <a:avLst/>
+                </a:prstGeom>
+                <a:solidFill>
+                  <a:schemeClr val="bg1">
+                    <a:lumMod val="95000"/>
+                  </a:schemeClr>
+                </a:solidFill>
+                <a:ln>
+                  <a:noFill/>
+                </a:ln>
+              </p:spPr>
+              <p:style>
+                <a:lnRef idx="2">
+                  <a:schemeClr val="accent1">
+                    <a:shade val="50000"/>
+                  </a:schemeClr>
+                </a:lnRef>
+                <a:fillRef idx="1">
+                  <a:schemeClr val="accent1"/>
+                </a:fillRef>
+                <a:effectRef idx="0">
+                  <a:schemeClr val="accent1"/>
+                </a:effectRef>
+                <a:fontRef idx="minor">
+                  <a:schemeClr val="lt1"/>
+                </a:fontRef>
+              </p:style>
+              <p:txBody>
+                <a:bodyPr rtlCol="0" anchor="ctr"/>
+                <a:lstStyle/>
+                <a:p>
+                  <a:pPr algn="ctr"/>
+                  <a:r>
+                    <a:rPr lang="en-US" sz="1000" dirty="0" smtClean="0">
+                      <a:solidFill>
+                        <a:schemeClr val="tx1"/>
+                      </a:solidFill>
+                    </a:rPr>
+                    <a:t>L2</a:t>
+                  </a:r>
+                  <a:endParaRPr lang="en-US" sz="1000" dirty="0">
+                    <a:solidFill>
+                      <a:schemeClr val="tx1"/>
+                    </a:solidFill>
+                  </a:endParaRPr>
+                </a:p>
+              </p:txBody>
+            </p:sp>
+          </p:grpSp>
+          <p:grpSp>
+            <p:nvGrpSpPr>
+              <p:cNvPr id="83" name="Group 82"/>
+              <p:cNvGrpSpPr/>
+              <p:nvPr/>
+            </p:nvGrpSpPr>
+            <p:grpSpPr>
+              <a:xfrm>
+                <a:off x="1331640" y="3292186"/>
+                <a:ext cx="720080" cy="633670"/>
+                <a:chOff x="1331640" y="1772816"/>
+                <a:chExt cx="720080" cy="792088"/>
+              </a:xfrm>
+            </p:grpSpPr>
+            <p:sp>
+              <p:nvSpPr>
+                <p:cNvPr id="108" name="Rectangle 107"/>
+                <p:cNvSpPr>
+                  <a:spLocks noChangeAspect="1"/>
+                </p:cNvSpPr>
+                <p:nvPr/>
+              </p:nvSpPr>
+              <p:spPr>
+                <a:xfrm>
+                  <a:off x="1331640" y="2132856"/>
+                  <a:ext cx="720000" cy="432048"/>
+                </a:xfrm>
+                <a:prstGeom prst="rect">
+                  <a:avLst/>
+                </a:prstGeom>
+                <a:solidFill>
+                  <a:srgbClr val="E8B652"/>
+                </a:solidFill>
+                <a:ln>
+                  <a:noFill/>
+                </a:ln>
+              </p:spPr>
+              <p:style>
+                <a:lnRef idx="2">
+                  <a:schemeClr val="accent1">
+                    <a:shade val="50000"/>
+                  </a:schemeClr>
+                </a:lnRef>
+                <a:fillRef idx="1">
+                  <a:schemeClr val="accent1"/>
+                </a:fillRef>
+                <a:effectRef idx="0">
+                  <a:schemeClr val="accent1"/>
+                </a:effectRef>
+                <a:fontRef idx="minor">
+                  <a:schemeClr val="lt1"/>
+                </a:fontRef>
+              </p:style>
+              <p:txBody>
+                <a:bodyPr rtlCol="0" anchor="ctr"/>
+                <a:lstStyle/>
+                <a:p>
+                  <a:pPr algn="ctr"/>
+                  <a:r>
+                    <a:rPr lang="en-US" sz="1200" b="1" dirty="0" smtClean="0"/>
+                    <a:t>core12</a:t>
+                  </a:r>
+                  <a:endParaRPr lang="en-US" sz="1200" b="1" dirty="0"/>
+                </a:p>
+              </p:txBody>
+            </p:sp>
+            <p:sp>
+              <p:nvSpPr>
+                <p:cNvPr id="109" name="Rectangle 108"/>
+                <p:cNvSpPr>
+                  <a:spLocks noChangeAspect="1"/>
+                </p:cNvSpPr>
+                <p:nvPr/>
+              </p:nvSpPr>
+              <p:spPr>
+                <a:xfrm>
+                  <a:off x="1331640" y="1772816"/>
+                  <a:ext cx="360000" cy="360000"/>
+                </a:xfrm>
+                <a:prstGeom prst="rect">
+                  <a:avLst/>
+                </a:prstGeom>
+                <a:solidFill>
+                  <a:schemeClr val="bg1">
+                    <a:lumMod val="75000"/>
+                  </a:schemeClr>
+                </a:solidFill>
+                <a:ln>
+                  <a:noFill/>
+                </a:ln>
+              </p:spPr>
+              <p:style>
+                <a:lnRef idx="2">
+                  <a:schemeClr val="accent1">
+                    <a:shade val="50000"/>
+                  </a:schemeClr>
+                </a:lnRef>
+                <a:fillRef idx="1">
+                  <a:schemeClr val="accent1"/>
+                </a:fillRef>
+                <a:effectRef idx="0">
+                  <a:schemeClr val="accent1"/>
+                </a:effectRef>
+                <a:fontRef idx="minor">
+                  <a:schemeClr val="lt1"/>
+                </a:fontRef>
+              </p:style>
+              <p:txBody>
+                <a:bodyPr rtlCol="0" anchor="ctr"/>
+                <a:lstStyle/>
+                <a:p>
+                  <a:pPr algn="ctr"/>
+                  <a:r>
+                    <a:rPr lang="en-US" sz="1000" dirty="0" smtClean="0">
+                      <a:solidFill>
+                        <a:schemeClr val="tx1"/>
+                      </a:solidFill>
+                    </a:rPr>
+                    <a:t>L1</a:t>
+                  </a:r>
+                  <a:endParaRPr lang="en-US" sz="1000" dirty="0">
+                    <a:solidFill>
+                      <a:schemeClr val="tx1"/>
+                    </a:solidFill>
+                  </a:endParaRPr>
+                </a:p>
+              </p:txBody>
+            </p:sp>
+            <p:sp>
+              <p:nvSpPr>
+                <p:cNvPr id="110" name="Rectangle 109"/>
+                <p:cNvSpPr>
+                  <a:spLocks noChangeAspect="1"/>
+                </p:cNvSpPr>
+                <p:nvPr/>
+              </p:nvSpPr>
+              <p:spPr>
+                <a:xfrm>
+                  <a:off x="1691720" y="1772816"/>
+                  <a:ext cx="360000" cy="360000"/>
+                </a:xfrm>
+                <a:prstGeom prst="rect">
+                  <a:avLst/>
+                </a:prstGeom>
+                <a:solidFill>
+                  <a:schemeClr val="bg1">
+                    <a:lumMod val="95000"/>
+                  </a:schemeClr>
+                </a:solidFill>
+                <a:ln>
+                  <a:noFill/>
+                </a:ln>
+              </p:spPr>
+              <p:style>
+                <a:lnRef idx="2">
+                  <a:schemeClr val="accent1">
+                    <a:shade val="50000"/>
+                  </a:schemeClr>
+                </a:lnRef>
+                <a:fillRef idx="1">
+                  <a:schemeClr val="accent1"/>
+                </a:fillRef>
+                <a:effectRef idx="0">
+                  <a:schemeClr val="accent1"/>
+                </a:effectRef>
+                <a:fontRef idx="minor">
+                  <a:schemeClr val="lt1"/>
+                </a:fontRef>
+              </p:style>
+              <p:txBody>
+                <a:bodyPr rtlCol="0" anchor="ctr"/>
+                <a:lstStyle/>
+                <a:p>
+                  <a:pPr algn="ctr"/>
+                  <a:r>
+                    <a:rPr lang="en-US" sz="1000" dirty="0" smtClean="0">
+                      <a:solidFill>
+                        <a:schemeClr val="tx1"/>
+                      </a:solidFill>
+                    </a:rPr>
+                    <a:t>L2</a:t>
+                  </a:r>
+                  <a:endParaRPr lang="en-US" sz="1000" dirty="0">
+                    <a:solidFill>
+                      <a:schemeClr val="tx1"/>
+                    </a:solidFill>
+                  </a:endParaRPr>
+                </a:p>
+              </p:txBody>
+            </p:sp>
+          </p:grpSp>
+          <p:grpSp>
+            <p:nvGrpSpPr>
+              <p:cNvPr id="84" name="Group 83"/>
+              <p:cNvGrpSpPr/>
+              <p:nvPr/>
+            </p:nvGrpSpPr>
+            <p:grpSpPr>
+              <a:xfrm>
+                <a:off x="1331640" y="4051871"/>
+                <a:ext cx="720080" cy="633670"/>
+                <a:chOff x="1331640" y="1772816"/>
+                <a:chExt cx="720080" cy="792088"/>
+              </a:xfrm>
+            </p:grpSpPr>
+            <p:sp>
+              <p:nvSpPr>
+                <p:cNvPr id="105" name="Rectangle 104"/>
+                <p:cNvSpPr>
+                  <a:spLocks noChangeAspect="1"/>
+                </p:cNvSpPr>
+                <p:nvPr/>
+              </p:nvSpPr>
+              <p:spPr>
+                <a:xfrm>
+                  <a:off x="1331640" y="2132856"/>
+                  <a:ext cx="720000" cy="432048"/>
+                </a:xfrm>
+                <a:prstGeom prst="rect">
+                  <a:avLst/>
+                </a:prstGeom>
+                <a:solidFill>
+                  <a:srgbClr val="E8B652"/>
+                </a:solidFill>
+                <a:ln>
+                  <a:noFill/>
+                </a:ln>
+              </p:spPr>
+              <p:style>
+                <a:lnRef idx="2">
+                  <a:schemeClr val="accent1">
+                    <a:shade val="50000"/>
+                  </a:schemeClr>
+                </a:lnRef>
+                <a:fillRef idx="1">
+                  <a:schemeClr val="accent1"/>
+                </a:fillRef>
+                <a:effectRef idx="0">
+                  <a:schemeClr val="accent1"/>
+                </a:effectRef>
+                <a:fontRef idx="minor">
+                  <a:schemeClr val="lt1"/>
+                </a:fontRef>
+              </p:style>
+              <p:txBody>
+                <a:bodyPr rtlCol="0" anchor="ctr"/>
+                <a:lstStyle/>
+                <a:p>
+                  <a:pPr algn="ctr"/>
+                  <a:r>
+                    <a:rPr lang="en-US" sz="1200" b="1" dirty="0" smtClean="0"/>
+                    <a:t>core13</a:t>
+                  </a:r>
+                  <a:endParaRPr lang="en-US" sz="1200" b="1" dirty="0"/>
+                </a:p>
+              </p:txBody>
+            </p:sp>
+            <p:sp>
+              <p:nvSpPr>
+                <p:cNvPr id="106" name="Rectangle 105"/>
+                <p:cNvSpPr>
+                  <a:spLocks noChangeAspect="1"/>
+                </p:cNvSpPr>
+                <p:nvPr/>
+              </p:nvSpPr>
+              <p:spPr>
+                <a:xfrm>
+                  <a:off x="1331640" y="1772816"/>
+                  <a:ext cx="360000" cy="360000"/>
+                </a:xfrm>
+                <a:prstGeom prst="rect">
+                  <a:avLst/>
+                </a:prstGeom>
+                <a:solidFill>
+                  <a:schemeClr val="bg1">
+                    <a:lumMod val="75000"/>
+                  </a:schemeClr>
+                </a:solidFill>
+                <a:ln>
+                  <a:noFill/>
+                </a:ln>
+              </p:spPr>
+              <p:style>
+                <a:lnRef idx="2">
+                  <a:schemeClr val="accent1">
+                    <a:shade val="50000"/>
+                  </a:schemeClr>
+                </a:lnRef>
+                <a:fillRef idx="1">
+                  <a:schemeClr val="accent1"/>
+                </a:fillRef>
+                <a:effectRef idx="0">
+                  <a:schemeClr val="accent1"/>
+                </a:effectRef>
+                <a:fontRef idx="minor">
+                  <a:schemeClr val="lt1"/>
+                </a:fontRef>
+              </p:style>
+              <p:txBody>
+                <a:bodyPr rtlCol="0" anchor="ctr"/>
+                <a:lstStyle/>
+                <a:p>
+                  <a:pPr algn="ctr"/>
+                  <a:r>
+                    <a:rPr lang="en-US" sz="1000" dirty="0" smtClean="0">
+                      <a:solidFill>
+                        <a:schemeClr val="tx1"/>
+                      </a:solidFill>
+                    </a:rPr>
+                    <a:t>L1</a:t>
+                  </a:r>
+                  <a:endParaRPr lang="en-US" sz="1000" dirty="0">
+                    <a:solidFill>
+                      <a:schemeClr val="tx1"/>
+                    </a:solidFill>
+                  </a:endParaRPr>
+                </a:p>
+              </p:txBody>
+            </p:sp>
+            <p:sp>
+              <p:nvSpPr>
+                <p:cNvPr id="107" name="Rectangle 106"/>
+                <p:cNvSpPr>
+                  <a:spLocks noChangeAspect="1"/>
+                </p:cNvSpPr>
+                <p:nvPr/>
+              </p:nvSpPr>
+              <p:spPr>
+                <a:xfrm>
+                  <a:off x="1691720" y="1772816"/>
+                  <a:ext cx="360000" cy="360000"/>
+                </a:xfrm>
+                <a:prstGeom prst="rect">
+                  <a:avLst/>
+                </a:prstGeom>
+                <a:solidFill>
+                  <a:schemeClr val="bg1">
+                    <a:lumMod val="95000"/>
+                  </a:schemeClr>
+                </a:solidFill>
+                <a:ln>
+                  <a:noFill/>
+                </a:ln>
+              </p:spPr>
+              <p:style>
+                <a:lnRef idx="2">
+                  <a:schemeClr val="accent1">
+                    <a:shade val="50000"/>
+                  </a:schemeClr>
+                </a:lnRef>
+                <a:fillRef idx="1">
+                  <a:schemeClr val="accent1"/>
+                </a:fillRef>
+                <a:effectRef idx="0">
+                  <a:schemeClr val="accent1"/>
+                </a:effectRef>
+                <a:fontRef idx="minor">
+                  <a:schemeClr val="lt1"/>
+                </a:fontRef>
+              </p:style>
+              <p:txBody>
+                <a:bodyPr rtlCol="0" anchor="ctr"/>
+                <a:lstStyle/>
+                <a:p>
+                  <a:pPr algn="ctr"/>
+                  <a:r>
+                    <a:rPr lang="en-US" sz="1000" dirty="0" smtClean="0">
+                      <a:solidFill>
+                        <a:schemeClr val="tx1"/>
+                      </a:solidFill>
+                    </a:rPr>
+                    <a:t>L2</a:t>
+                  </a:r>
+                  <a:endParaRPr lang="en-US" sz="1000" dirty="0">
+                    <a:solidFill>
+                      <a:schemeClr val="tx1"/>
+                    </a:solidFill>
+                  </a:endParaRPr>
+                </a:p>
+              </p:txBody>
+            </p:sp>
+          </p:grpSp>
+          <p:grpSp>
+            <p:nvGrpSpPr>
+              <p:cNvPr id="85" name="Group 84"/>
+              <p:cNvGrpSpPr/>
+              <p:nvPr/>
+            </p:nvGrpSpPr>
+            <p:grpSpPr>
+              <a:xfrm>
+                <a:off x="1331640" y="4811554"/>
+                <a:ext cx="720080" cy="633670"/>
+                <a:chOff x="1331640" y="1772816"/>
+                <a:chExt cx="720080" cy="792088"/>
+              </a:xfrm>
+            </p:grpSpPr>
+            <p:sp>
+              <p:nvSpPr>
+                <p:cNvPr id="102" name="Rectangle 101"/>
+                <p:cNvSpPr>
+                  <a:spLocks noChangeAspect="1"/>
+                </p:cNvSpPr>
+                <p:nvPr/>
+              </p:nvSpPr>
+              <p:spPr>
+                <a:xfrm>
+                  <a:off x="1331640" y="2132856"/>
+                  <a:ext cx="720000" cy="432048"/>
+                </a:xfrm>
+                <a:prstGeom prst="rect">
+                  <a:avLst/>
+                </a:prstGeom>
+                <a:solidFill>
+                  <a:srgbClr val="E8B652"/>
+                </a:solidFill>
+                <a:ln>
+                  <a:noFill/>
+                </a:ln>
+              </p:spPr>
+              <p:style>
+                <a:lnRef idx="2">
+                  <a:schemeClr val="accent1">
+                    <a:shade val="50000"/>
+                  </a:schemeClr>
+                </a:lnRef>
+                <a:fillRef idx="1">
+                  <a:schemeClr val="accent1"/>
+                </a:fillRef>
+                <a:effectRef idx="0">
+                  <a:schemeClr val="accent1"/>
+                </a:effectRef>
+                <a:fontRef idx="minor">
+                  <a:schemeClr val="lt1"/>
+                </a:fontRef>
+              </p:style>
+              <p:txBody>
+                <a:bodyPr rtlCol="0" anchor="ctr"/>
+                <a:lstStyle/>
+                <a:p>
+                  <a:pPr algn="ctr"/>
+                  <a:r>
+                    <a:rPr lang="en-US" sz="1200" b="1" dirty="0" smtClean="0"/>
+                    <a:t>core14</a:t>
+                  </a:r>
+                  <a:endParaRPr lang="en-US" sz="1200" b="1" dirty="0"/>
+                </a:p>
+              </p:txBody>
+            </p:sp>
+            <p:sp>
+              <p:nvSpPr>
+                <p:cNvPr id="103" name="Rectangle 102"/>
+                <p:cNvSpPr>
+                  <a:spLocks noChangeAspect="1"/>
+                </p:cNvSpPr>
+                <p:nvPr/>
+              </p:nvSpPr>
+              <p:spPr>
+                <a:xfrm>
+                  <a:off x="1331640" y="1772816"/>
+                  <a:ext cx="360000" cy="360000"/>
+                </a:xfrm>
+                <a:prstGeom prst="rect">
+                  <a:avLst/>
+                </a:prstGeom>
+                <a:solidFill>
+                  <a:schemeClr val="bg1">
+                    <a:lumMod val="75000"/>
+                  </a:schemeClr>
+                </a:solidFill>
+                <a:ln>
+                  <a:noFill/>
+                </a:ln>
+              </p:spPr>
+              <p:style>
+                <a:lnRef idx="2">
+                  <a:schemeClr val="accent1">
+                    <a:shade val="50000"/>
+                  </a:schemeClr>
+                </a:lnRef>
+                <a:fillRef idx="1">
+                  <a:schemeClr val="accent1"/>
+                </a:fillRef>
+                <a:effectRef idx="0">
+                  <a:schemeClr val="accent1"/>
+                </a:effectRef>
+                <a:fontRef idx="minor">
+                  <a:schemeClr val="lt1"/>
+                </a:fontRef>
+              </p:style>
+              <p:txBody>
+                <a:bodyPr rtlCol="0" anchor="ctr"/>
+                <a:lstStyle/>
+                <a:p>
+                  <a:pPr algn="ctr"/>
+                  <a:r>
+                    <a:rPr lang="en-US" sz="1000" dirty="0" smtClean="0">
+                      <a:solidFill>
+                        <a:schemeClr val="tx1"/>
+                      </a:solidFill>
+                    </a:rPr>
+                    <a:t>L1</a:t>
+                  </a:r>
+                  <a:endParaRPr lang="en-US" sz="1000" dirty="0">
+                    <a:solidFill>
+                      <a:schemeClr val="tx1"/>
+                    </a:solidFill>
+                  </a:endParaRPr>
+                </a:p>
+              </p:txBody>
+            </p:sp>
+            <p:sp>
+              <p:nvSpPr>
+                <p:cNvPr id="104" name="Rectangle 103"/>
+                <p:cNvSpPr>
+                  <a:spLocks noChangeAspect="1"/>
+                </p:cNvSpPr>
+                <p:nvPr/>
+              </p:nvSpPr>
+              <p:spPr>
+                <a:xfrm>
+                  <a:off x="1691720" y="1772816"/>
+                  <a:ext cx="360000" cy="360000"/>
+                </a:xfrm>
+                <a:prstGeom prst="rect">
+                  <a:avLst/>
+                </a:prstGeom>
+                <a:solidFill>
+                  <a:schemeClr val="bg1">
+                    <a:lumMod val="95000"/>
+                  </a:schemeClr>
+                </a:solidFill>
+                <a:ln>
+                  <a:noFill/>
+                </a:ln>
+              </p:spPr>
+              <p:style>
+                <a:lnRef idx="2">
+                  <a:schemeClr val="accent1">
+                    <a:shade val="50000"/>
+                  </a:schemeClr>
+                </a:lnRef>
+                <a:fillRef idx="1">
+                  <a:schemeClr val="accent1"/>
+                </a:fillRef>
+                <a:effectRef idx="0">
+                  <a:schemeClr val="accent1"/>
+                </a:effectRef>
+                <a:fontRef idx="minor">
+                  <a:schemeClr val="lt1"/>
+                </a:fontRef>
+              </p:style>
+              <p:txBody>
+                <a:bodyPr rtlCol="0" anchor="ctr"/>
+                <a:lstStyle/>
+                <a:p>
+                  <a:pPr algn="ctr"/>
+                  <a:r>
+                    <a:rPr lang="en-US" sz="1000" dirty="0" smtClean="0">
+                      <a:solidFill>
+                        <a:schemeClr val="tx1"/>
+                      </a:solidFill>
+                    </a:rPr>
+                    <a:t>L2</a:t>
+                  </a:r>
+                  <a:endParaRPr lang="en-US" sz="1000" dirty="0">
+                    <a:solidFill>
+                      <a:schemeClr val="tx1"/>
+                    </a:solidFill>
+                  </a:endParaRPr>
+                </a:p>
+              </p:txBody>
+            </p:sp>
+          </p:grpSp>
+          <p:grpSp>
+            <p:nvGrpSpPr>
+              <p:cNvPr id="86" name="Group 85"/>
+              <p:cNvGrpSpPr/>
+              <p:nvPr/>
+            </p:nvGrpSpPr>
+            <p:grpSpPr>
+              <a:xfrm>
+                <a:off x="3203848" y="1772816"/>
+                <a:ext cx="720080" cy="633670"/>
+                <a:chOff x="1331640" y="1772816"/>
+                <a:chExt cx="720080" cy="792088"/>
+              </a:xfrm>
+            </p:grpSpPr>
+            <p:sp>
+              <p:nvSpPr>
+                <p:cNvPr id="99" name="Rectangle 98"/>
+                <p:cNvSpPr>
+                  <a:spLocks noChangeAspect="1"/>
+                </p:cNvSpPr>
+                <p:nvPr/>
+              </p:nvSpPr>
+              <p:spPr>
+                <a:xfrm>
+                  <a:off x="1331640" y="2132856"/>
+                  <a:ext cx="720000" cy="432048"/>
+                </a:xfrm>
+                <a:prstGeom prst="rect">
+                  <a:avLst/>
+                </a:prstGeom>
+                <a:solidFill>
+                  <a:srgbClr val="E8B652"/>
+                </a:solidFill>
+                <a:ln>
+                  <a:noFill/>
+                </a:ln>
+              </p:spPr>
+              <p:style>
+                <a:lnRef idx="2">
+                  <a:schemeClr val="accent1">
+                    <a:shade val="50000"/>
+                  </a:schemeClr>
+                </a:lnRef>
+                <a:fillRef idx="1">
+                  <a:schemeClr val="accent1"/>
+                </a:fillRef>
+                <a:effectRef idx="0">
+                  <a:schemeClr val="accent1"/>
+                </a:effectRef>
+                <a:fontRef idx="minor">
+                  <a:schemeClr val="lt1"/>
+                </a:fontRef>
+              </p:style>
+              <p:txBody>
+                <a:bodyPr rtlCol="0" anchor="ctr"/>
+                <a:lstStyle/>
+                <a:p>
+                  <a:pPr algn="ctr"/>
+                  <a:r>
+                    <a:rPr lang="en-US" sz="1200" b="1" dirty="0" smtClean="0"/>
+                    <a:t>core15</a:t>
+                  </a:r>
+                  <a:endParaRPr lang="en-US" sz="1200" b="1" dirty="0"/>
+                </a:p>
+              </p:txBody>
+            </p:sp>
+            <p:sp>
+              <p:nvSpPr>
+                <p:cNvPr id="100" name="Rectangle 99"/>
+                <p:cNvSpPr>
+                  <a:spLocks noChangeAspect="1"/>
+                </p:cNvSpPr>
+                <p:nvPr/>
+              </p:nvSpPr>
+              <p:spPr>
+                <a:xfrm>
+                  <a:off x="1331640" y="1772816"/>
+                  <a:ext cx="360000" cy="360000"/>
+                </a:xfrm>
+                <a:prstGeom prst="rect">
+                  <a:avLst/>
+                </a:prstGeom>
+                <a:solidFill>
+                  <a:schemeClr val="bg1">
+                    <a:lumMod val="75000"/>
+                  </a:schemeClr>
+                </a:solidFill>
+                <a:ln>
+                  <a:noFill/>
+                </a:ln>
+              </p:spPr>
+              <p:style>
+                <a:lnRef idx="2">
+                  <a:schemeClr val="accent1">
+                    <a:shade val="50000"/>
+                  </a:schemeClr>
+                </a:lnRef>
+                <a:fillRef idx="1">
+                  <a:schemeClr val="accent1"/>
+                </a:fillRef>
+                <a:effectRef idx="0">
+                  <a:schemeClr val="accent1"/>
+                </a:effectRef>
+                <a:fontRef idx="minor">
+                  <a:schemeClr val="lt1"/>
+                </a:fontRef>
+              </p:style>
+              <p:txBody>
+                <a:bodyPr rtlCol="0" anchor="ctr"/>
+                <a:lstStyle/>
+                <a:p>
+                  <a:pPr algn="ctr"/>
+                  <a:r>
+                    <a:rPr lang="en-US" sz="1000" dirty="0" smtClean="0">
+                      <a:solidFill>
+                        <a:schemeClr val="tx1"/>
+                      </a:solidFill>
+                    </a:rPr>
+                    <a:t>L1</a:t>
+                  </a:r>
+                  <a:endParaRPr lang="en-US" sz="1000" dirty="0">
+                    <a:solidFill>
+                      <a:schemeClr val="tx1"/>
+                    </a:solidFill>
+                  </a:endParaRPr>
+                </a:p>
+              </p:txBody>
+            </p:sp>
+            <p:sp>
+              <p:nvSpPr>
+                <p:cNvPr id="101" name="Rectangle 100"/>
+                <p:cNvSpPr>
+                  <a:spLocks noChangeAspect="1"/>
+                </p:cNvSpPr>
+                <p:nvPr/>
+              </p:nvSpPr>
+              <p:spPr>
+                <a:xfrm>
+                  <a:off x="1691720" y="1772816"/>
+                  <a:ext cx="360000" cy="360000"/>
+                </a:xfrm>
+                <a:prstGeom prst="rect">
+                  <a:avLst/>
+                </a:prstGeom>
+                <a:solidFill>
+                  <a:schemeClr val="bg1">
+                    <a:lumMod val="95000"/>
+                  </a:schemeClr>
+                </a:solidFill>
+                <a:ln>
+                  <a:noFill/>
+                </a:ln>
+              </p:spPr>
+              <p:style>
+                <a:lnRef idx="2">
+                  <a:schemeClr val="accent1">
+                    <a:shade val="50000"/>
+                  </a:schemeClr>
+                </a:lnRef>
+                <a:fillRef idx="1">
+                  <a:schemeClr val="accent1"/>
+                </a:fillRef>
+                <a:effectRef idx="0">
+                  <a:schemeClr val="accent1"/>
+                </a:effectRef>
+                <a:fontRef idx="minor">
+                  <a:schemeClr val="lt1"/>
+                </a:fontRef>
+              </p:style>
+              <p:txBody>
+                <a:bodyPr rtlCol="0" anchor="ctr"/>
+                <a:lstStyle/>
+                <a:p>
+                  <a:pPr algn="ctr"/>
+                  <a:r>
+                    <a:rPr lang="en-US" sz="1000" dirty="0" smtClean="0">
+                      <a:solidFill>
+                        <a:schemeClr val="tx1"/>
+                      </a:solidFill>
+                    </a:rPr>
+                    <a:t>L2</a:t>
+                  </a:r>
+                  <a:endParaRPr lang="en-US" sz="1000" dirty="0">
+                    <a:solidFill>
+                      <a:schemeClr val="tx1"/>
+                    </a:solidFill>
+                  </a:endParaRPr>
+                </a:p>
+              </p:txBody>
+            </p:sp>
+          </p:grpSp>
+          <p:grpSp>
+            <p:nvGrpSpPr>
+              <p:cNvPr id="87" name="Group 86"/>
+              <p:cNvGrpSpPr/>
+              <p:nvPr/>
+            </p:nvGrpSpPr>
+            <p:grpSpPr>
+              <a:xfrm>
+                <a:off x="3203848" y="2532501"/>
+                <a:ext cx="720080" cy="633670"/>
+                <a:chOff x="1331640" y="1772816"/>
+                <a:chExt cx="720080" cy="792088"/>
+              </a:xfrm>
+            </p:grpSpPr>
+            <p:sp>
+              <p:nvSpPr>
+                <p:cNvPr id="96" name="Rectangle 95"/>
+                <p:cNvSpPr>
+                  <a:spLocks noChangeAspect="1"/>
+                </p:cNvSpPr>
+                <p:nvPr/>
+              </p:nvSpPr>
+              <p:spPr>
+                <a:xfrm>
+                  <a:off x="1331640" y="2132856"/>
+                  <a:ext cx="720000" cy="432048"/>
+                </a:xfrm>
+                <a:prstGeom prst="rect">
+                  <a:avLst/>
+                </a:prstGeom>
+                <a:solidFill>
+                  <a:srgbClr val="E8B652"/>
+                </a:solidFill>
+                <a:ln>
+                  <a:noFill/>
+                </a:ln>
+              </p:spPr>
+              <p:style>
+                <a:lnRef idx="2">
+                  <a:schemeClr val="accent1">
+                    <a:shade val="50000"/>
+                  </a:schemeClr>
+                </a:lnRef>
+                <a:fillRef idx="1">
+                  <a:schemeClr val="accent1"/>
+                </a:fillRef>
+                <a:effectRef idx="0">
+                  <a:schemeClr val="accent1"/>
+                </a:effectRef>
+                <a:fontRef idx="minor">
+                  <a:schemeClr val="lt1"/>
+                </a:fontRef>
+              </p:style>
+              <p:txBody>
+                <a:bodyPr rtlCol="0" anchor="ctr"/>
+                <a:lstStyle/>
+                <a:p>
+                  <a:pPr algn="ctr"/>
+                  <a:r>
+                    <a:rPr lang="en-US" sz="1200" b="1" dirty="0" smtClean="0"/>
+                    <a:t>core16</a:t>
+                  </a:r>
+                  <a:endParaRPr lang="en-US" sz="1200" b="1" dirty="0"/>
+                </a:p>
+              </p:txBody>
+            </p:sp>
+            <p:sp>
+              <p:nvSpPr>
+                <p:cNvPr id="97" name="Rectangle 96"/>
+                <p:cNvSpPr>
+                  <a:spLocks noChangeAspect="1"/>
+                </p:cNvSpPr>
+                <p:nvPr/>
+              </p:nvSpPr>
+              <p:spPr>
+                <a:xfrm>
+                  <a:off x="1331640" y="1772816"/>
+                  <a:ext cx="360000" cy="360000"/>
+                </a:xfrm>
+                <a:prstGeom prst="rect">
+                  <a:avLst/>
+                </a:prstGeom>
+                <a:solidFill>
+                  <a:schemeClr val="bg1">
+                    <a:lumMod val="75000"/>
+                  </a:schemeClr>
+                </a:solidFill>
+                <a:ln>
+                  <a:noFill/>
+                </a:ln>
+              </p:spPr>
+              <p:style>
+                <a:lnRef idx="2">
+                  <a:schemeClr val="accent1">
+                    <a:shade val="50000"/>
+                  </a:schemeClr>
+                </a:lnRef>
+                <a:fillRef idx="1">
+                  <a:schemeClr val="accent1"/>
+                </a:fillRef>
+                <a:effectRef idx="0">
+                  <a:schemeClr val="accent1"/>
+                </a:effectRef>
+                <a:fontRef idx="minor">
+                  <a:schemeClr val="lt1"/>
+                </a:fontRef>
+              </p:style>
+              <p:txBody>
+                <a:bodyPr rtlCol="0" anchor="ctr"/>
+                <a:lstStyle/>
+                <a:p>
+                  <a:pPr algn="ctr"/>
+                  <a:r>
+                    <a:rPr lang="en-US" sz="1000" dirty="0" smtClean="0">
+                      <a:solidFill>
+                        <a:schemeClr val="tx1"/>
+                      </a:solidFill>
+                    </a:rPr>
+                    <a:t>L1</a:t>
+                  </a:r>
+                  <a:endParaRPr lang="en-US" sz="1000" dirty="0">
+                    <a:solidFill>
+                      <a:schemeClr val="tx1"/>
+                    </a:solidFill>
+                  </a:endParaRPr>
+                </a:p>
+              </p:txBody>
+            </p:sp>
+            <p:sp>
+              <p:nvSpPr>
+                <p:cNvPr id="98" name="Rectangle 97"/>
+                <p:cNvSpPr>
+                  <a:spLocks noChangeAspect="1"/>
+                </p:cNvSpPr>
+                <p:nvPr/>
+              </p:nvSpPr>
+              <p:spPr>
+                <a:xfrm>
+                  <a:off x="1691720" y="1772816"/>
+                  <a:ext cx="360000" cy="360000"/>
+                </a:xfrm>
+                <a:prstGeom prst="rect">
+                  <a:avLst/>
+                </a:prstGeom>
+                <a:solidFill>
+                  <a:schemeClr val="bg1">
+                    <a:lumMod val="95000"/>
+                  </a:schemeClr>
+                </a:solidFill>
+                <a:ln>
+                  <a:noFill/>
+                </a:ln>
+              </p:spPr>
+              <p:style>
+                <a:lnRef idx="2">
+                  <a:schemeClr val="accent1">
+                    <a:shade val="50000"/>
+                  </a:schemeClr>
+                </a:lnRef>
+                <a:fillRef idx="1">
+                  <a:schemeClr val="accent1"/>
+                </a:fillRef>
+                <a:effectRef idx="0">
+                  <a:schemeClr val="accent1"/>
+                </a:effectRef>
+                <a:fontRef idx="minor">
+                  <a:schemeClr val="lt1"/>
+                </a:fontRef>
+              </p:style>
+              <p:txBody>
+                <a:bodyPr rtlCol="0" anchor="ctr"/>
+                <a:lstStyle/>
+                <a:p>
+                  <a:pPr algn="ctr"/>
+                  <a:r>
+                    <a:rPr lang="en-US" sz="1000" dirty="0" smtClean="0">
+                      <a:solidFill>
+                        <a:schemeClr val="tx1"/>
+                      </a:solidFill>
+                    </a:rPr>
+                    <a:t>L2</a:t>
+                  </a:r>
+                  <a:endParaRPr lang="en-US" sz="1000" dirty="0">
+                    <a:solidFill>
+                      <a:schemeClr val="tx1"/>
+                    </a:solidFill>
+                  </a:endParaRPr>
+                </a:p>
+              </p:txBody>
+            </p:sp>
+          </p:grpSp>
+          <p:grpSp>
+            <p:nvGrpSpPr>
+              <p:cNvPr id="88" name="Group 87"/>
+              <p:cNvGrpSpPr/>
+              <p:nvPr/>
+            </p:nvGrpSpPr>
+            <p:grpSpPr>
+              <a:xfrm>
+                <a:off x="3203848" y="4051871"/>
+                <a:ext cx="720080" cy="633670"/>
+                <a:chOff x="1331640" y="1772816"/>
+                <a:chExt cx="720080" cy="792088"/>
+              </a:xfrm>
+            </p:grpSpPr>
+            <p:sp>
+              <p:nvSpPr>
+                <p:cNvPr id="93" name="Rectangle 92"/>
+                <p:cNvSpPr>
+                  <a:spLocks noChangeAspect="1"/>
+                </p:cNvSpPr>
+                <p:nvPr/>
+              </p:nvSpPr>
+              <p:spPr>
+                <a:xfrm>
+                  <a:off x="1331640" y="2132856"/>
+                  <a:ext cx="720000" cy="432048"/>
+                </a:xfrm>
+                <a:prstGeom prst="rect">
+                  <a:avLst/>
+                </a:prstGeom>
+                <a:solidFill>
+                  <a:srgbClr val="E8B652"/>
+                </a:solidFill>
+                <a:ln>
+                  <a:noFill/>
+                </a:ln>
+              </p:spPr>
+              <p:style>
+                <a:lnRef idx="2">
+                  <a:schemeClr val="accent1">
+                    <a:shade val="50000"/>
+                  </a:schemeClr>
+                </a:lnRef>
+                <a:fillRef idx="1">
+                  <a:schemeClr val="accent1"/>
+                </a:fillRef>
+                <a:effectRef idx="0">
+                  <a:schemeClr val="accent1"/>
+                </a:effectRef>
+                <a:fontRef idx="minor">
+                  <a:schemeClr val="lt1"/>
+                </a:fontRef>
+              </p:style>
+              <p:txBody>
+                <a:bodyPr rtlCol="0" anchor="ctr"/>
+                <a:lstStyle/>
+                <a:p>
+                  <a:pPr algn="ctr"/>
+                  <a:r>
+                    <a:rPr lang="en-US" sz="1200" b="1" dirty="0" smtClean="0"/>
+                    <a:t>core18</a:t>
+                  </a:r>
+                  <a:endParaRPr lang="en-US" sz="1200" b="1" dirty="0"/>
+                </a:p>
+              </p:txBody>
+            </p:sp>
+            <p:sp>
+              <p:nvSpPr>
+                <p:cNvPr id="94" name="Rectangle 93"/>
+                <p:cNvSpPr>
+                  <a:spLocks noChangeAspect="1"/>
+                </p:cNvSpPr>
+                <p:nvPr/>
+              </p:nvSpPr>
+              <p:spPr>
+                <a:xfrm>
+                  <a:off x="1331640" y="1772816"/>
+                  <a:ext cx="360000" cy="360000"/>
+                </a:xfrm>
+                <a:prstGeom prst="rect">
+                  <a:avLst/>
+                </a:prstGeom>
+                <a:solidFill>
+                  <a:schemeClr val="bg1">
+                    <a:lumMod val="75000"/>
+                  </a:schemeClr>
+                </a:solidFill>
+                <a:ln>
+                  <a:noFill/>
+                </a:ln>
+              </p:spPr>
+              <p:style>
+                <a:lnRef idx="2">
+                  <a:schemeClr val="accent1">
+                    <a:shade val="50000"/>
+                  </a:schemeClr>
+                </a:lnRef>
+                <a:fillRef idx="1">
+                  <a:schemeClr val="accent1"/>
+                </a:fillRef>
+                <a:effectRef idx="0">
+                  <a:schemeClr val="accent1"/>
+                </a:effectRef>
+                <a:fontRef idx="minor">
+                  <a:schemeClr val="lt1"/>
+                </a:fontRef>
+              </p:style>
+              <p:txBody>
+                <a:bodyPr rtlCol="0" anchor="ctr"/>
+                <a:lstStyle/>
+                <a:p>
+                  <a:pPr algn="ctr"/>
+                  <a:r>
+                    <a:rPr lang="en-US" sz="1000" dirty="0" smtClean="0">
+                      <a:solidFill>
+                        <a:schemeClr val="tx1"/>
+                      </a:solidFill>
+                    </a:rPr>
+                    <a:t>L1</a:t>
+                  </a:r>
+                  <a:endParaRPr lang="en-US" sz="1000" dirty="0">
+                    <a:solidFill>
+                      <a:schemeClr val="tx1"/>
+                    </a:solidFill>
+                  </a:endParaRPr>
+                </a:p>
+              </p:txBody>
+            </p:sp>
+            <p:sp>
+              <p:nvSpPr>
+                <p:cNvPr id="95" name="Rectangle 94"/>
+                <p:cNvSpPr>
+                  <a:spLocks noChangeAspect="1"/>
+                </p:cNvSpPr>
+                <p:nvPr/>
+              </p:nvSpPr>
+              <p:spPr>
+                <a:xfrm>
+                  <a:off x="1691720" y="1772816"/>
+                  <a:ext cx="360000" cy="360000"/>
+                </a:xfrm>
+                <a:prstGeom prst="rect">
+                  <a:avLst/>
+                </a:prstGeom>
+                <a:solidFill>
+                  <a:schemeClr val="bg1">
+                    <a:lumMod val="95000"/>
+                  </a:schemeClr>
+                </a:solidFill>
+                <a:ln>
+                  <a:noFill/>
+                </a:ln>
+              </p:spPr>
+              <p:style>
+                <a:lnRef idx="2">
+                  <a:schemeClr val="accent1">
+                    <a:shade val="50000"/>
+                  </a:schemeClr>
+                </a:lnRef>
+                <a:fillRef idx="1">
+                  <a:schemeClr val="accent1"/>
+                </a:fillRef>
+                <a:effectRef idx="0">
+                  <a:schemeClr val="accent1"/>
+                </a:effectRef>
+                <a:fontRef idx="minor">
+                  <a:schemeClr val="lt1"/>
+                </a:fontRef>
+              </p:style>
+              <p:txBody>
+                <a:bodyPr rtlCol="0" anchor="ctr"/>
+                <a:lstStyle/>
+                <a:p>
+                  <a:pPr algn="ctr"/>
+                  <a:r>
+                    <a:rPr lang="en-US" sz="1000" dirty="0" smtClean="0">
+                      <a:solidFill>
+                        <a:schemeClr val="tx1"/>
+                      </a:solidFill>
+                    </a:rPr>
+                    <a:t>L2</a:t>
+                  </a:r>
+                  <a:endParaRPr lang="en-US" sz="1000" dirty="0">
+                    <a:solidFill>
+                      <a:schemeClr val="tx1"/>
+                    </a:solidFill>
+                  </a:endParaRPr>
+                </a:p>
+              </p:txBody>
+            </p:sp>
+          </p:grpSp>
+          <p:grpSp>
+            <p:nvGrpSpPr>
+              <p:cNvPr id="89" name="Group 88"/>
+              <p:cNvGrpSpPr/>
+              <p:nvPr/>
+            </p:nvGrpSpPr>
+            <p:grpSpPr>
+              <a:xfrm>
+                <a:off x="3203848" y="4811554"/>
+                <a:ext cx="720080" cy="633670"/>
+                <a:chOff x="1331640" y="1772816"/>
+                <a:chExt cx="720080" cy="792088"/>
+              </a:xfrm>
+            </p:grpSpPr>
+            <p:sp>
+              <p:nvSpPr>
+                <p:cNvPr id="90" name="Rectangle 89"/>
+                <p:cNvSpPr>
+                  <a:spLocks noChangeAspect="1"/>
+                </p:cNvSpPr>
+                <p:nvPr/>
+              </p:nvSpPr>
+              <p:spPr>
+                <a:xfrm>
+                  <a:off x="1331640" y="2132856"/>
+                  <a:ext cx="720000" cy="432048"/>
+                </a:xfrm>
+                <a:prstGeom prst="rect">
+                  <a:avLst/>
+                </a:prstGeom>
+                <a:solidFill>
+                  <a:srgbClr val="E8B652"/>
+                </a:solidFill>
+                <a:ln>
+                  <a:noFill/>
+                </a:ln>
+              </p:spPr>
+              <p:style>
+                <a:lnRef idx="2">
+                  <a:schemeClr val="accent1">
+                    <a:shade val="50000"/>
+                  </a:schemeClr>
+                </a:lnRef>
+                <a:fillRef idx="1">
+                  <a:schemeClr val="accent1"/>
+                </a:fillRef>
+                <a:effectRef idx="0">
+                  <a:schemeClr val="accent1"/>
+                </a:effectRef>
+                <a:fontRef idx="minor">
+                  <a:schemeClr val="lt1"/>
+                </a:fontRef>
+              </p:style>
+              <p:txBody>
+                <a:bodyPr rtlCol="0" anchor="ctr"/>
+                <a:lstStyle/>
+                <a:p>
+                  <a:pPr algn="ctr"/>
+                  <a:r>
+                    <a:rPr lang="en-US" sz="1200" b="1" dirty="0" smtClean="0"/>
+                    <a:t>core19</a:t>
+                  </a:r>
+                  <a:endParaRPr lang="en-US" sz="1200" b="1" dirty="0"/>
+                </a:p>
+              </p:txBody>
+            </p:sp>
+            <p:sp>
+              <p:nvSpPr>
+                <p:cNvPr id="91" name="Rectangle 90"/>
+                <p:cNvSpPr>
+                  <a:spLocks noChangeAspect="1"/>
+                </p:cNvSpPr>
+                <p:nvPr/>
+              </p:nvSpPr>
+              <p:spPr>
+                <a:xfrm>
+                  <a:off x="1331640" y="1772816"/>
+                  <a:ext cx="360000" cy="360000"/>
+                </a:xfrm>
+                <a:prstGeom prst="rect">
+                  <a:avLst/>
+                </a:prstGeom>
+                <a:solidFill>
+                  <a:schemeClr val="bg1">
+                    <a:lumMod val="75000"/>
+                  </a:schemeClr>
+                </a:solidFill>
+                <a:ln>
+                  <a:noFill/>
+                </a:ln>
+              </p:spPr>
+              <p:style>
+                <a:lnRef idx="2">
+                  <a:schemeClr val="accent1">
+                    <a:shade val="50000"/>
+                  </a:schemeClr>
+                </a:lnRef>
+                <a:fillRef idx="1">
+                  <a:schemeClr val="accent1"/>
+                </a:fillRef>
+                <a:effectRef idx="0">
+                  <a:schemeClr val="accent1"/>
+                </a:effectRef>
+                <a:fontRef idx="minor">
+                  <a:schemeClr val="lt1"/>
+                </a:fontRef>
+              </p:style>
+              <p:txBody>
+                <a:bodyPr rtlCol="0" anchor="ctr"/>
+                <a:lstStyle/>
+                <a:p>
+                  <a:pPr algn="ctr"/>
+                  <a:r>
+                    <a:rPr lang="en-US" sz="1000" dirty="0" smtClean="0">
+                      <a:solidFill>
+                        <a:schemeClr val="tx1"/>
+                      </a:solidFill>
+                    </a:rPr>
+                    <a:t>L1</a:t>
+                  </a:r>
+                  <a:endParaRPr lang="en-US" sz="1000" dirty="0">
+                    <a:solidFill>
+                      <a:schemeClr val="tx1"/>
+                    </a:solidFill>
+                  </a:endParaRPr>
+                </a:p>
+              </p:txBody>
+            </p:sp>
+            <p:sp>
+              <p:nvSpPr>
+                <p:cNvPr id="92" name="Rectangle 91"/>
+                <p:cNvSpPr>
+                  <a:spLocks noChangeAspect="1"/>
+                </p:cNvSpPr>
+                <p:nvPr/>
+              </p:nvSpPr>
+              <p:spPr>
+                <a:xfrm>
+                  <a:off x="1691720" y="1772816"/>
+                  <a:ext cx="360000" cy="360000"/>
+                </a:xfrm>
+                <a:prstGeom prst="rect">
+                  <a:avLst/>
+                </a:prstGeom>
+                <a:solidFill>
+                  <a:schemeClr val="bg1">
+                    <a:lumMod val="95000"/>
+                  </a:schemeClr>
+                </a:solidFill>
+                <a:ln>
+                  <a:noFill/>
+                </a:ln>
+              </p:spPr>
+              <p:style>
+                <a:lnRef idx="2">
+                  <a:schemeClr val="accent1">
+                    <a:shade val="50000"/>
+                  </a:schemeClr>
+                </a:lnRef>
+                <a:fillRef idx="1">
+                  <a:schemeClr val="accent1"/>
+                </a:fillRef>
+                <a:effectRef idx="0">
+                  <a:schemeClr val="accent1"/>
+                </a:effectRef>
+                <a:fontRef idx="minor">
+                  <a:schemeClr val="lt1"/>
+                </a:fontRef>
+              </p:style>
+              <p:txBody>
+                <a:bodyPr rtlCol="0" anchor="ctr"/>
+                <a:lstStyle/>
+                <a:p>
+                  <a:pPr algn="ctr"/>
+                  <a:r>
+                    <a:rPr lang="en-US" sz="1000" dirty="0" smtClean="0">
+                      <a:solidFill>
+                        <a:schemeClr val="tx1"/>
+                      </a:solidFill>
+                    </a:rPr>
+                    <a:t>L2</a:t>
+                  </a:r>
+                  <a:endParaRPr lang="en-US" sz="1000" dirty="0">
+                    <a:solidFill>
+                      <a:schemeClr val="tx1"/>
+                    </a:solidFill>
+                  </a:endParaRPr>
+                </a:p>
+              </p:txBody>
+            </p:sp>
+          </p:grpSp>
+        </p:grpSp>
+        <p:grpSp>
+          <p:nvGrpSpPr>
+            <p:cNvPr id="123" name="Group 122"/>
+            <p:cNvGrpSpPr/>
+            <p:nvPr/>
+          </p:nvGrpSpPr>
+          <p:grpSpPr>
+            <a:xfrm>
+              <a:off x="7079457" y="3286323"/>
+              <a:ext cx="720080" cy="633670"/>
+              <a:chOff x="1331640" y="1772816"/>
+              <a:chExt cx="720080" cy="792088"/>
+            </a:xfrm>
+          </p:grpSpPr>
+          <p:sp>
+            <p:nvSpPr>
+              <p:cNvPr id="124" name="Rectangle 123"/>
+              <p:cNvSpPr>
+                <a:spLocks noChangeAspect="1"/>
+              </p:cNvSpPr>
+              <p:nvPr/>
+            </p:nvSpPr>
+            <p:spPr>
+              <a:xfrm>
+                <a:off x="1331640" y="2132856"/>
+                <a:ext cx="720000" cy="432048"/>
+              </a:xfrm>
+              <a:prstGeom prst="rect">
+                <a:avLst/>
+              </a:prstGeom>
+              <a:solidFill>
+                <a:srgbClr val="E8B652"/>
+              </a:solidFill>
+              <a:ln>
+                <a:noFill/>
+              </a:ln>
+            </p:spPr>
+            <p:style>
+              <a:lnRef idx="2">
+                <a:schemeClr val="accent1">
+                  <a:shade val="50000"/>
+                </a:schemeClr>
+              </a:lnRef>
+              <a:fillRef idx="1">
+                <a:schemeClr val="accent1"/>
+              </a:fillRef>
+              <a:effectRef idx="0">
+                <a:schemeClr val="accent1"/>
+              </a:effectRef>
+              <a:fontRef idx="minor">
+                <a:schemeClr val="lt1"/>
+              </a:fontRef>
+            </p:style>
+            <p:txBody>
+              <a:bodyPr rtlCol="0" anchor="ctr"/>
+              <a:lstStyle/>
+              <a:p>
+                <a:pPr algn="ctr"/>
+                <a:r>
+                  <a:rPr lang="en-US" sz="1200" b="1" dirty="0" smtClean="0"/>
+                  <a:t>core17</a:t>
+                </a:r>
+                <a:endParaRPr lang="en-US" sz="1200" b="1" dirty="0"/>
+              </a:p>
+            </p:txBody>
+          </p:sp>
+          <p:sp>
+            <p:nvSpPr>
+              <p:cNvPr id="125" name="Rectangle 124"/>
+              <p:cNvSpPr>
+                <a:spLocks noChangeAspect="1"/>
+              </p:cNvSpPr>
+              <p:nvPr/>
+            </p:nvSpPr>
+            <p:spPr>
+              <a:xfrm>
+                <a:off x="1331640" y="1772816"/>
+                <a:ext cx="360000" cy="360000"/>
+              </a:xfrm>
+              <a:prstGeom prst="rect">
+                <a:avLst/>
+              </a:prstGeom>
+              <a:solidFill>
+                <a:schemeClr val="bg1">
+                  <a:lumMod val="75000"/>
+                </a:schemeClr>
+              </a:solidFill>
+              <a:ln>
+                <a:noFill/>
+              </a:ln>
+            </p:spPr>
+            <p:style>
+              <a:lnRef idx="2">
+                <a:schemeClr val="accent1">
+                  <a:shade val="50000"/>
+                </a:schemeClr>
+              </a:lnRef>
+              <a:fillRef idx="1">
+                <a:schemeClr val="accent1"/>
+              </a:fillRef>
+              <a:effectRef idx="0">
+                <a:schemeClr val="accent1"/>
+              </a:effectRef>
+              <a:fontRef idx="minor">
+                <a:schemeClr val="lt1"/>
+              </a:fontRef>
+            </p:style>
+            <p:txBody>
+              <a:bodyPr rtlCol="0" anchor="ctr"/>
+              <a:lstStyle/>
+              <a:p>
+                <a:pPr algn="ctr"/>
+                <a:r>
+                  <a:rPr lang="en-US" sz="1000" dirty="0" smtClean="0">
+                    <a:solidFill>
+                      <a:schemeClr val="tx1"/>
+                    </a:solidFill>
+                  </a:rPr>
+                  <a:t>L1</a:t>
+                </a:r>
+                <a:endParaRPr lang="en-US" sz="1000" dirty="0">
+                  <a:solidFill>
+                    <a:schemeClr val="tx1"/>
+                  </a:solidFill>
+                </a:endParaRPr>
+              </a:p>
+            </p:txBody>
+          </p:sp>
+          <p:sp>
+            <p:nvSpPr>
+              <p:cNvPr id="126" name="Rectangle 125"/>
+              <p:cNvSpPr>
+                <a:spLocks noChangeAspect="1"/>
+              </p:cNvSpPr>
+              <p:nvPr/>
+            </p:nvSpPr>
+            <p:spPr>
+              <a:xfrm>
+                <a:off x="1691720" y="1772816"/>
+                <a:ext cx="360000" cy="360000"/>
+              </a:xfrm>
+              <a:prstGeom prst="rect">
+                <a:avLst/>
+              </a:prstGeom>
+              <a:solidFill>
+                <a:schemeClr val="bg1">
+                  <a:lumMod val="95000"/>
+                </a:schemeClr>
+              </a:solidFill>
+              <a:ln>
+                <a:noFill/>
+              </a:ln>
+            </p:spPr>
+            <p:style>
+              <a:lnRef idx="2">
+                <a:schemeClr val="accent1">
+                  <a:shade val="50000"/>
+                </a:schemeClr>
+              </a:lnRef>
+              <a:fillRef idx="1">
+                <a:schemeClr val="accent1"/>
+              </a:fillRef>
+              <a:effectRef idx="0">
+                <a:schemeClr val="accent1"/>
+              </a:effectRef>
+              <a:fontRef idx="minor">
+                <a:schemeClr val="lt1"/>
+              </a:fontRef>
+            </p:style>
+            <p:txBody>
+              <a:bodyPr rtlCol="0" anchor="ctr"/>
+              <a:lstStyle/>
+              <a:p>
+                <a:pPr algn="ctr"/>
+                <a:r>
+                  <a:rPr lang="en-US" sz="1000" dirty="0" smtClean="0">
+                    <a:solidFill>
+                      <a:schemeClr val="tx1"/>
+                    </a:solidFill>
+                  </a:rPr>
+                  <a:t>L2</a:t>
+                </a:r>
+                <a:endParaRPr lang="en-US" sz="1000" dirty="0">
+                  <a:solidFill>
+                    <a:schemeClr val="tx1"/>
+                  </a:solidFill>
+                </a:endParaRPr>
+              </a:p>
+            </p:txBody>
+          </p:sp>
+        </p:grpSp>
+      </p:grpSp>
+      <p:sp>
+        <p:nvSpPr>
+          <p:cNvPr id="130" name="Rectangle 129"/>
+          <p:cNvSpPr/>
+          <p:nvPr/>
+        </p:nvSpPr>
+        <p:spPr>
+          <a:xfrm>
+            <a:off x="1547664" y="5646147"/>
+            <a:ext cx="396104" cy="732854"/>
+          </a:xfrm>
+          <a:prstGeom prst="rect">
+            <a:avLst/>
+          </a:prstGeom>
+          <a:solidFill>
+            <a:srgbClr val="C00000"/>
+          </a:solidFill>
+          <a:ln>
+            <a:noFill/>
+          </a:ln>
+        </p:spPr>
+        <p:style>
+          <a:lnRef idx="2">
+            <a:schemeClr val="accent1">
+              <a:shade val="50000"/>
+            </a:schemeClr>
+          </a:lnRef>
+          <a:fillRef idx="1">
+            <a:schemeClr val="accent1"/>
+          </a:fillRef>
+          <a:effectRef idx="0">
+            <a:schemeClr val="accent1"/>
+          </a:effectRef>
+          <a:fontRef idx="minor">
+            <a:schemeClr val="lt1"/>
+          </a:fontRef>
+        </p:style>
+        <p:txBody>
+          <a:bodyPr rtlCol="0" anchor="ctr"/>
+          <a:lstStyle/>
+          <a:p>
+            <a:pPr algn="ctr"/>
+            <a:r>
+              <a:rPr lang="en-US" sz="1200" b="1" dirty="0" smtClean="0"/>
+              <a:t>IB</a:t>
+            </a:r>
+            <a:endParaRPr lang="en-US" sz="1200" b="1" dirty="0"/>
+          </a:p>
+        </p:txBody>
+      </p:sp>
+      <p:sp>
+        <p:nvSpPr>
+          <p:cNvPr id="3" name="Rectangle 2"/>
+          <p:cNvSpPr/>
+          <p:nvPr/>
+        </p:nvSpPr>
+        <p:spPr>
+          <a:xfrm>
+            <a:off x="2195736" y="5648474"/>
+            <a:ext cx="431888" cy="732854"/>
+          </a:xfrm>
+          <a:prstGeom prst="rect">
+            <a:avLst/>
+          </a:prstGeom>
+          <a:solidFill>
+            <a:srgbClr val="00B050"/>
+          </a:solidFill>
+          <a:ln>
+            <a:noFill/>
+          </a:ln>
+        </p:spPr>
+        <p:style>
+          <a:lnRef idx="2">
+            <a:schemeClr val="accent1">
+              <a:shade val="50000"/>
+            </a:schemeClr>
+          </a:lnRef>
+          <a:fillRef idx="1">
+            <a:schemeClr val="accent1"/>
+          </a:fillRef>
+          <a:effectRef idx="0">
+            <a:schemeClr val="accent1"/>
+          </a:effectRef>
+          <a:fontRef idx="minor">
+            <a:schemeClr val="lt1"/>
+          </a:fontRef>
+        </p:style>
+        <p:txBody>
+          <a:bodyPr rtlCol="0" anchor="ctr"/>
+          <a:lstStyle/>
+          <a:p>
+            <a:pPr algn="ctr"/>
+            <a:r>
+              <a:rPr lang="en-US" sz="1200" dirty="0" smtClean="0"/>
+              <a:t>I/O</a:t>
+            </a:r>
+            <a:endParaRPr lang="en-US" sz="1200" dirty="0"/>
+          </a:p>
+        </p:txBody>
+      </p:sp>
+    </p:spTree>
+    <p:extLst>
+      <p:ext uri="{BB962C8B-B14F-4D97-AF65-F5344CB8AC3E}">
+        <p14:creationId xmlns:p14="http://schemas.microsoft.com/office/powerpoint/2010/main" val="1533095836"/>
+      </p:ext>
+    </p:extLst>
+  </p:cSld>
+  <p:clrMapOvr>
+    <a:masterClrMapping/>
+  </p:clrMapOvr>
+  <p:timing>
+    <p:tnLst>
+      <p:par>
+        <p:cTn id="1" dur="indefinite" restart="never" nodeType="tmRoot"/>
+      </p:par>
+    </p:tnLst>
+  </p:timing>
+</p:sld>
+</file>
+
+<file path=ppt/slides/slide15.xml><?xml version="1.0" encoding="utf-8"?>
+<p:sld xmlns:a="http://schemas.openxmlformats.org/drawingml/2006/main" xmlns:r="http://schemas.openxmlformats.org/officeDocument/2006/relationships" xmlns:p="http://schemas.openxmlformats.org/presentationml/2006/main">
+  <p:cSld>
+    <p:spTree>
+      <p:nvGrpSpPr>
+        <p:cNvPr id="1" name=""/>
+        <p:cNvGrpSpPr/>
+        <p:nvPr/>
+      </p:nvGrpSpPr>
+      <p:grpSpPr>
+        <a:xfrm>
+          <a:off x="0" y="0"/>
+          <a:ext cx="0" cy="0"/>
+          <a:chOff x="0" y="0"/>
+          <a:chExt cx="0" cy="0"/>
+        </a:xfrm>
+      </p:grpSpPr>
+      <p:sp>
+        <p:nvSpPr>
+          <p:cNvPr id="2" name="Title 1"/>
+          <p:cNvSpPr>
+            <a:spLocks noGrp="1"/>
+          </p:cNvSpPr>
+          <p:nvPr>
+            <p:ph type="title"/>
+          </p:nvPr>
+        </p:nvSpPr>
+        <p:spPr/>
+        <p:txBody>
+          <a:bodyPr/>
+          <a:lstStyle/>
+          <a:p>
+            <a:r>
+              <a:rPr lang="en-US" dirty="0" smtClean="0"/>
+              <a:t>Cache hierarchy</a:t>
+            </a:r>
+            <a:endParaRPr lang="en-US" dirty="0"/>
+          </a:p>
+        </p:txBody>
+      </p:sp>
+      <p:sp>
+        <p:nvSpPr>
+          <p:cNvPr id="3" name="Content Placeholder 2"/>
+          <p:cNvSpPr>
+            <a:spLocks noGrp="1"/>
+          </p:cNvSpPr>
+          <p:nvPr>
+            <p:ph idx="1"/>
+          </p:nvPr>
+        </p:nvSpPr>
+        <p:spPr>
+          <a:xfrm>
+            <a:off x="457200" y="1639341"/>
+            <a:ext cx="8229600" cy="4525963"/>
+          </a:xfrm>
+        </p:spPr>
+        <p:txBody>
+          <a:bodyPr>
+            <a:normAutofit fontScale="70000" lnSpcReduction="20000"/>
+          </a:bodyPr>
+          <a:lstStyle/>
+          <a:p>
+            <a:r>
+              <a:rPr lang="en-US" dirty="0" smtClean="0"/>
+              <a:t>Data transport takes time!</a:t>
+            </a:r>
+          </a:p>
+          <a:p>
+            <a:r>
+              <a:rPr lang="en-US" dirty="0" smtClean="0"/>
+              <a:t>RAM</a:t>
+            </a:r>
+          </a:p>
+          <a:p>
+            <a:pPr lvl="1"/>
+            <a:r>
+              <a:rPr lang="en-US" dirty="0" smtClean="0"/>
+              <a:t>size: 64 GB+</a:t>
+            </a:r>
+          </a:p>
+          <a:p>
+            <a:pPr lvl="1"/>
+            <a:r>
+              <a:rPr lang="en-US" dirty="0" smtClean="0"/>
+              <a:t>latency: 150 cycles</a:t>
+            </a:r>
+          </a:p>
+          <a:p>
+            <a:r>
+              <a:rPr lang="en-US" dirty="0" smtClean="0"/>
+              <a:t>L3 cache</a:t>
+            </a:r>
+          </a:p>
+          <a:p>
+            <a:pPr lvl="1"/>
+            <a:r>
+              <a:rPr lang="en-US" dirty="0" smtClean="0"/>
+              <a:t>size: 25 MB+</a:t>
+            </a:r>
+          </a:p>
+          <a:p>
+            <a:pPr lvl="1"/>
+            <a:r>
+              <a:rPr lang="en-US" dirty="0" smtClean="0"/>
+              <a:t>latency: 50 cycles</a:t>
+            </a:r>
+          </a:p>
+          <a:p>
+            <a:r>
+              <a:rPr lang="en-US" dirty="0" smtClean="0"/>
+              <a:t>L2 cache</a:t>
+            </a:r>
+          </a:p>
+          <a:p>
+            <a:pPr lvl="1"/>
+            <a:r>
+              <a:rPr lang="en-US" dirty="0" smtClean="0"/>
+              <a:t>size: 256 kb</a:t>
+            </a:r>
+          </a:p>
+          <a:p>
+            <a:pPr lvl="1"/>
+            <a:r>
+              <a:rPr lang="en-US" dirty="0" smtClean="0"/>
+              <a:t>latency: 20 cycles</a:t>
+            </a:r>
+          </a:p>
+          <a:p>
+            <a:r>
+              <a:rPr lang="en-US" dirty="0" smtClean="0"/>
+              <a:t>L1 cache</a:t>
+            </a:r>
+          </a:p>
+          <a:p>
+            <a:pPr lvl="1"/>
+            <a:r>
+              <a:rPr lang="en-US" dirty="0" smtClean="0"/>
+              <a:t>size: 32 kb data + 32 kb instruction</a:t>
+            </a:r>
+          </a:p>
+          <a:p>
+            <a:pPr lvl="1"/>
+            <a:r>
+              <a:rPr lang="en-US" dirty="0" smtClean="0"/>
+              <a:t>latency: 5 cycles</a:t>
+            </a:r>
+            <a:endParaRPr lang="en-US" dirty="0"/>
+          </a:p>
+        </p:txBody>
+      </p:sp>
+      <p:sp>
+        <p:nvSpPr>
+          <p:cNvPr id="4" name="TextBox 3"/>
+          <p:cNvSpPr txBox="1"/>
+          <p:nvPr/>
+        </p:nvSpPr>
+        <p:spPr>
+          <a:xfrm>
+            <a:off x="5220072" y="3284984"/>
+            <a:ext cx="1944763" cy="523220"/>
+          </a:xfrm>
+          <a:prstGeom prst="rect">
+            <a:avLst/>
+          </a:prstGeom>
+          <a:noFill/>
+        </p:spPr>
+        <p:txBody>
+          <a:bodyPr wrap="none" rtlCol="0">
+            <a:spAutoFit/>
+          </a:bodyPr>
+          <a:lstStyle/>
+          <a:p>
+            <a:r>
+              <a:rPr lang="en-US" sz="2800" dirty="0" smtClean="0"/>
+              <a:t>Bandwidth: </a:t>
+            </a:r>
+            <a:endParaRPr lang="en-US" sz="2800" dirty="0"/>
+          </a:p>
+        </p:txBody>
+      </p:sp>
+    </p:spTree>
+    <p:extLst>
+      <p:ext uri="{BB962C8B-B14F-4D97-AF65-F5344CB8AC3E}">
+        <p14:creationId xmlns:p14="http://schemas.microsoft.com/office/powerpoint/2010/main" val="729845711"/>
+      </p:ext>
+    </p:extLst>
+  </p:cSld>
+  <p:clrMapOvr>
+    <a:masterClrMapping/>
+  </p:clrMapOvr>
+  <p:timing>
+    <p:tnLst>
+      <p:par>
+        <p:cTn id="1" dur="indefinite" restart="never" nodeType="tmRoot"/>
+      </p:par>
+    </p:tnLst>
+  </p:timing>
+</p:sld>
+</file>
+
+<file path=ppt/slides/slide16.xml><?xml version="1.0" encoding="utf-8"?>
+<p:sld xmlns:a="http://schemas.openxmlformats.org/drawingml/2006/main" xmlns:r="http://schemas.openxmlformats.org/officeDocument/2006/relationships" xmlns:p="http://schemas.openxmlformats.org/presentationml/2006/main">
+  <p:cSld>
+    <p:spTree>
+      <p:nvGrpSpPr>
+        <p:cNvPr id="1" name=""/>
+        <p:cNvGrpSpPr/>
+        <p:nvPr/>
+      </p:nvGrpSpPr>
+      <p:grpSpPr>
+        <a:xfrm>
+          <a:off x="0" y="0"/>
+          <a:ext cx="0" cy="0"/>
+          <a:chOff x="0" y="0"/>
+          <a:chExt cx="0" cy="0"/>
+        </a:xfrm>
+      </p:grpSpPr>
+      <p:sp>
+        <p:nvSpPr>
+          <p:cNvPr id="2" name="Title 1"/>
+          <p:cNvSpPr>
+            <a:spLocks noGrp="1"/>
+          </p:cNvSpPr>
+          <p:nvPr>
+            <p:ph type="title"/>
+          </p:nvPr>
+        </p:nvSpPr>
+        <p:spPr/>
+        <p:txBody>
+          <a:bodyPr/>
+          <a:lstStyle/>
+          <a:p>
+            <a:r>
+              <a:rPr lang="en-US" dirty="0" smtClean="0"/>
+              <a:t>Cache eviction</a:t>
+            </a:r>
+            <a:endParaRPr lang="en-US" dirty="0"/>
+          </a:p>
+        </p:txBody>
+      </p:sp>
+      <p:sp>
+        <p:nvSpPr>
+          <p:cNvPr id="3" name="Content Placeholder 2"/>
+          <p:cNvSpPr>
+            <a:spLocks noGrp="1"/>
+          </p:cNvSpPr>
+          <p:nvPr>
+            <p:ph idx="1"/>
+          </p:nvPr>
+        </p:nvSpPr>
+        <p:spPr/>
+        <p:txBody>
+          <a:bodyPr/>
+          <a:lstStyle/>
+          <a:p>
+            <a:endParaRPr lang="en-US"/>
+          </a:p>
+        </p:txBody>
+      </p:sp>
+    </p:spTree>
+    <p:extLst>
+      <p:ext uri="{BB962C8B-B14F-4D97-AF65-F5344CB8AC3E}">
+        <p14:creationId xmlns:p14="http://schemas.microsoft.com/office/powerpoint/2010/main" val="1299100795"/>
+      </p:ext>
+    </p:extLst>
+  </p:cSld>
+  <p:clrMapOvr>
+    <a:masterClrMapping/>
+  </p:clrMapOvr>
+  <p:timing>
+    <p:tnLst>
+      <p:par>
+        <p:cTn id="1" dur="indefinite" restart="never" nodeType="tmRoot"/>
+      </p:par>
+    </p:tnLst>
+  </p:timing>
+</p:sld>
+</file>
+
+<file path=ppt/slides/slide17.xml><?xml version="1.0" encoding="utf-8"?>
+<p:sld xmlns:a="http://schemas.openxmlformats.org/drawingml/2006/main" xmlns:r="http://schemas.openxmlformats.org/officeDocument/2006/relationships" xmlns:p="http://schemas.openxmlformats.org/presentationml/2006/main">
+  <p:cSld>
+    <p:spTree>
+      <p:nvGrpSpPr>
+        <p:cNvPr id="1" name=""/>
+        <p:cNvGrpSpPr/>
+        <p:nvPr/>
+      </p:nvGrpSpPr>
+      <p:grpSpPr>
+        <a:xfrm>
+          <a:off x="0" y="0"/>
+          <a:ext cx="0" cy="0"/>
+          <a:chOff x="0" y="0"/>
+          <a:chExt cx="0" cy="0"/>
+        </a:xfrm>
+      </p:grpSpPr>
+      <p:sp>
+        <p:nvSpPr>
+          <p:cNvPr id="2" name="Title 1"/>
+          <p:cNvSpPr>
+            <a:spLocks noGrp="1"/>
+          </p:cNvSpPr>
+          <p:nvPr>
+            <p:ph type="title"/>
+          </p:nvPr>
+        </p:nvSpPr>
+        <p:spPr/>
+        <p:txBody>
+          <a:bodyPr/>
+          <a:lstStyle/>
+          <a:p>
+            <a:r>
+              <a:rPr lang="en-US" dirty="0" smtClean="0"/>
+              <a:t>Cache lines</a:t>
+            </a:r>
+            <a:endParaRPr lang="en-US" dirty="0"/>
+          </a:p>
+        </p:txBody>
+      </p:sp>
+      <p:sp>
+        <p:nvSpPr>
+          <p:cNvPr id="3" name="Content Placeholder 2"/>
+          <p:cNvSpPr>
+            <a:spLocks noGrp="1"/>
+          </p:cNvSpPr>
+          <p:nvPr>
+            <p:ph idx="1"/>
+          </p:nvPr>
+        </p:nvSpPr>
+        <p:spPr/>
+        <p:txBody>
+          <a:bodyPr/>
+          <a:lstStyle/>
+          <a:p>
+            <a:endParaRPr lang="en-US"/>
+          </a:p>
+        </p:txBody>
+      </p:sp>
+    </p:spTree>
+    <p:extLst>
+      <p:ext uri="{BB962C8B-B14F-4D97-AF65-F5344CB8AC3E}">
+        <p14:creationId xmlns:p14="http://schemas.microsoft.com/office/powerpoint/2010/main" val="2998710233"/>
+      </p:ext>
+    </p:extLst>
+  </p:cSld>
+  <p:clrMapOvr>
+    <a:masterClrMapping/>
+  </p:clrMapOvr>
+  <p:timing>
+    <p:tnLst>
+      <p:par>
+        <p:cTn id="1" dur="indefinite" restart="never" nodeType="tmRoot"/>
+      </p:par>
+    </p:tnLst>
+  </p:timing>
+</p:sld>
+</file>
+
+<file path=ppt/slides/slide18.xml><?xml version="1.0" encoding="utf-8"?>
+<p:sld xmlns:a="http://schemas.openxmlformats.org/drawingml/2006/main" xmlns:r="http://schemas.openxmlformats.org/officeDocument/2006/relationships" xmlns:p="http://schemas.openxmlformats.org/presentationml/2006/main">
+  <p:cSld>
+    <p:spTree>
+      <p:nvGrpSpPr>
+        <p:cNvPr id="1" name=""/>
+        <p:cNvGrpSpPr/>
+        <p:nvPr/>
+      </p:nvGrpSpPr>
+      <p:grpSpPr>
+        <a:xfrm>
+          <a:off x="0" y="0"/>
+          <a:ext cx="0" cy="0"/>
+          <a:chOff x="0" y="0"/>
+          <a:chExt cx="0" cy="0"/>
+        </a:xfrm>
+      </p:grpSpPr>
+      <p:sp>
+        <p:nvSpPr>
+          <p:cNvPr id="4" name="Title 3"/>
+          <p:cNvSpPr>
+            <a:spLocks noGrp="1"/>
+          </p:cNvSpPr>
+          <p:nvPr>
+            <p:ph type="title"/>
+          </p:nvPr>
+        </p:nvSpPr>
+        <p:spPr/>
+        <p:txBody>
+          <a:bodyPr/>
+          <a:lstStyle/>
+          <a:p>
+            <a:r>
+              <a:rPr lang="en-US" dirty="0" smtClean="0"/>
+              <a:t>Latency</a:t>
+            </a:r>
+            <a:endParaRPr lang="nl-BE" dirty="0"/>
+          </a:p>
+        </p:txBody>
+      </p:sp>
+      <p:sp>
+        <p:nvSpPr>
+          <p:cNvPr id="5" name="TextBox 4"/>
+          <p:cNvSpPr txBox="1"/>
+          <p:nvPr/>
+        </p:nvSpPr>
+        <p:spPr>
+          <a:xfrm>
+            <a:off x="5364088" y="6165304"/>
+            <a:ext cx="622478" cy="369332"/>
+          </a:xfrm>
+          <a:prstGeom prst="rect">
+            <a:avLst/>
+          </a:prstGeom>
+          <a:noFill/>
+          <a:ln>
+            <a:solidFill>
+              <a:schemeClr val="tx1">
+                <a:lumMod val="50000"/>
+                <a:lumOff val="50000"/>
+              </a:schemeClr>
+            </a:solidFill>
+          </a:ln>
+        </p:spPr>
+        <p:txBody>
+          <a:bodyPr wrap="none" rtlCol="0">
+            <a:spAutoFit/>
+          </a:bodyPr>
+          <a:lstStyle/>
+          <a:p>
+            <a:r>
+              <a:rPr lang="en-US" dirty="0" smtClean="0"/>
+              <a:t>Core</a:t>
+            </a:r>
+            <a:endParaRPr lang="nl-BE" dirty="0"/>
+          </a:p>
+        </p:txBody>
+      </p:sp>
+      <p:cxnSp>
+        <p:nvCxnSpPr>
+          <p:cNvPr id="13" name="Straight Arrow Connector 12"/>
+          <p:cNvCxnSpPr/>
+          <p:nvPr/>
+        </p:nvCxnSpPr>
+        <p:spPr>
+          <a:xfrm flipV="1">
+            <a:off x="6948264" y="476672"/>
+            <a:ext cx="0" cy="6057964"/>
+          </a:xfrm>
+          <a:prstGeom prst="straightConnector1">
+            <a:avLst/>
+          </a:prstGeom>
+          <a:ln w="34925">
+            <a:solidFill>
+              <a:schemeClr val="tx1"/>
+            </a:solidFill>
+            <a:tailEnd type="stealth" w="lg" len="lg"/>
+          </a:ln>
+        </p:spPr>
+        <p:style>
+          <a:lnRef idx="1">
+            <a:schemeClr val="accent1"/>
+          </a:lnRef>
+          <a:fillRef idx="0">
+            <a:schemeClr val="accent1"/>
+          </a:fillRef>
+          <a:effectRef idx="0">
+            <a:schemeClr val="accent1"/>
+          </a:effectRef>
+          <a:fontRef idx="minor">
+            <a:schemeClr val="tx1"/>
+          </a:fontRef>
+        </p:style>
+      </p:cxnSp>
+      <p:grpSp>
+        <p:nvGrpSpPr>
+          <p:cNvPr id="17" name="Group 16"/>
+          <p:cNvGrpSpPr/>
+          <p:nvPr/>
+        </p:nvGrpSpPr>
+        <p:grpSpPr>
+          <a:xfrm>
+            <a:off x="5148064" y="5656602"/>
+            <a:ext cx="3168352" cy="369332"/>
+            <a:chOff x="4427984" y="5656602"/>
+            <a:chExt cx="3168352" cy="369332"/>
+          </a:xfrm>
+        </p:grpSpPr>
+        <p:sp>
+          <p:nvSpPr>
+            <p:cNvPr id="6" name="TextBox 5"/>
+            <p:cNvSpPr txBox="1"/>
+            <p:nvPr/>
+          </p:nvSpPr>
+          <p:spPr>
+            <a:xfrm>
+              <a:off x="4427984" y="5656602"/>
+              <a:ext cx="993862" cy="369332"/>
+            </a:xfrm>
+            <a:prstGeom prst="rect">
+              <a:avLst/>
+            </a:prstGeom>
+            <a:noFill/>
+            <a:ln>
+              <a:solidFill>
+                <a:schemeClr val="tx1">
+                  <a:lumMod val="50000"/>
+                  <a:lumOff val="50000"/>
+                </a:schemeClr>
+              </a:solidFill>
+            </a:ln>
+          </p:spPr>
+          <p:txBody>
+            <a:bodyPr wrap="none" rtlCol="0">
+              <a:spAutoFit/>
+            </a:bodyPr>
+            <a:lstStyle/>
+            <a:p>
+              <a:r>
+                <a:rPr lang="en-US" dirty="0" smtClean="0"/>
+                <a:t>L1 cache</a:t>
+              </a:r>
+              <a:endParaRPr lang="nl-BE" dirty="0"/>
+            </a:p>
+          </p:txBody>
+        </p:sp>
+        <p:sp>
+          <p:nvSpPr>
+            <p:cNvPr id="14" name="TextBox 13"/>
+            <p:cNvSpPr txBox="1"/>
+            <p:nvPr/>
+          </p:nvSpPr>
+          <p:spPr>
+            <a:xfrm>
+              <a:off x="6686856" y="5656602"/>
+              <a:ext cx="909480" cy="369332"/>
+            </a:xfrm>
+            <a:prstGeom prst="rect">
+              <a:avLst/>
+            </a:prstGeom>
+            <a:noFill/>
+          </p:spPr>
+          <p:txBody>
+            <a:bodyPr wrap="none" rtlCol="0">
+              <a:spAutoFit/>
+            </a:bodyPr>
+            <a:lstStyle/>
+            <a:p>
+              <a:r>
+                <a:rPr lang="en-US" dirty="0" smtClean="0"/>
+                <a:t>5 cycles</a:t>
+              </a:r>
+              <a:endParaRPr lang="nl-BE" dirty="0"/>
+            </a:p>
+          </p:txBody>
+        </p:sp>
+        <p:cxnSp>
+          <p:nvCxnSpPr>
+            <p:cNvPr id="16" name="Straight Connector 15"/>
+            <p:cNvCxnSpPr/>
+            <p:nvPr/>
+          </p:nvCxnSpPr>
+          <p:spPr>
+            <a:xfrm>
+              <a:off x="6228184" y="5841268"/>
+              <a:ext cx="144016" cy="0"/>
+            </a:xfrm>
+            <a:prstGeom prst="line">
+              <a:avLst/>
+            </a:prstGeom>
+            <a:ln w="19050">
+              <a:solidFill>
+                <a:schemeClr val="tx1"/>
+              </a:solidFill>
+            </a:ln>
+          </p:spPr>
+          <p:style>
+            <a:lnRef idx="1">
+              <a:schemeClr val="accent1"/>
+            </a:lnRef>
+            <a:fillRef idx="0">
+              <a:schemeClr val="accent1"/>
+            </a:fillRef>
+            <a:effectRef idx="0">
+              <a:schemeClr val="accent1"/>
+            </a:effectRef>
+            <a:fontRef idx="minor">
+              <a:schemeClr val="tx1"/>
+            </a:fontRef>
+          </p:style>
+        </p:cxnSp>
+      </p:grpSp>
+      <p:grpSp>
+        <p:nvGrpSpPr>
+          <p:cNvPr id="18" name="Group 17"/>
+          <p:cNvGrpSpPr/>
+          <p:nvPr/>
+        </p:nvGrpSpPr>
+        <p:grpSpPr>
+          <a:xfrm>
+            <a:off x="5148064" y="5157192"/>
+            <a:ext cx="3285371" cy="369332"/>
+            <a:chOff x="4427984" y="5656602"/>
+            <a:chExt cx="3285371" cy="369332"/>
+          </a:xfrm>
+        </p:grpSpPr>
+        <p:sp>
+          <p:nvSpPr>
+            <p:cNvPr id="19" name="TextBox 18"/>
+            <p:cNvSpPr txBox="1"/>
+            <p:nvPr/>
+          </p:nvSpPr>
+          <p:spPr>
+            <a:xfrm>
+              <a:off x="4427984" y="5656602"/>
+              <a:ext cx="993862" cy="369332"/>
+            </a:xfrm>
+            <a:prstGeom prst="rect">
+              <a:avLst/>
+            </a:prstGeom>
+            <a:noFill/>
+            <a:ln>
+              <a:solidFill>
+                <a:schemeClr val="tx1">
+                  <a:lumMod val="50000"/>
+                  <a:lumOff val="50000"/>
+                </a:schemeClr>
+              </a:solidFill>
+            </a:ln>
+          </p:spPr>
+          <p:txBody>
+            <a:bodyPr wrap="none" rtlCol="0">
+              <a:spAutoFit/>
+            </a:bodyPr>
+            <a:lstStyle/>
+            <a:p>
+              <a:r>
+                <a:rPr lang="en-US" dirty="0" smtClean="0"/>
+                <a:t>L2 cache</a:t>
+              </a:r>
+              <a:endParaRPr lang="nl-BE" dirty="0"/>
+            </a:p>
+          </p:txBody>
+        </p:sp>
+        <p:sp>
+          <p:nvSpPr>
+            <p:cNvPr id="20" name="TextBox 19"/>
+            <p:cNvSpPr txBox="1"/>
+            <p:nvPr/>
+          </p:nvSpPr>
+          <p:spPr>
+            <a:xfrm>
+              <a:off x="6686856" y="5656602"/>
+              <a:ext cx="1026499" cy="369332"/>
+            </a:xfrm>
+            <a:prstGeom prst="rect">
+              <a:avLst/>
+            </a:prstGeom>
+            <a:noFill/>
+          </p:spPr>
+          <p:txBody>
+            <a:bodyPr wrap="none" rtlCol="0">
+              <a:spAutoFit/>
+            </a:bodyPr>
+            <a:lstStyle/>
+            <a:p>
+              <a:r>
+                <a:rPr lang="en-US" dirty="0" smtClean="0"/>
+                <a:t>20 cycles</a:t>
+              </a:r>
+              <a:endParaRPr lang="nl-BE" dirty="0"/>
+            </a:p>
+          </p:txBody>
+        </p:sp>
+        <p:cxnSp>
+          <p:nvCxnSpPr>
+            <p:cNvPr id="21" name="Straight Connector 20"/>
+            <p:cNvCxnSpPr/>
+            <p:nvPr/>
+          </p:nvCxnSpPr>
+          <p:spPr>
+            <a:xfrm>
+              <a:off x="6228184" y="5841268"/>
+              <a:ext cx="144016" cy="0"/>
+            </a:xfrm>
+            <a:prstGeom prst="line">
+              <a:avLst/>
+            </a:prstGeom>
+            <a:ln w="19050">
+              <a:solidFill>
+                <a:schemeClr val="tx1"/>
+              </a:solidFill>
+            </a:ln>
+          </p:spPr>
+          <p:style>
+            <a:lnRef idx="1">
+              <a:schemeClr val="accent1"/>
+            </a:lnRef>
+            <a:fillRef idx="0">
+              <a:schemeClr val="accent1"/>
+            </a:fillRef>
+            <a:effectRef idx="0">
+              <a:schemeClr val="accent1"/>
+            </a:effectRef>
+            <a:fontRef idx="minor">
+              <a:schemeClr val="tx1"/>
+            </a:fontRef>
+          </p:style>
+        </p:cxnSp>
+      </p:grpSp>
+      <p:grpSp>
+        <p:nvGrpSpPr>
+          <p:cNvPr id="22" name="Group 21"/>
+          <p:cNvGrpSpPr/>
+          <p:nvPr/>
+        </p:nvGrpSpPr>
+        <p:grpSpPr>
+          <a:xfrm>
+            <a:off x="5175061" y="4509120"/>
+            <a:ext cx="3285371" cy="369332"/>
+            <a:chOff x="4427984" y="5656602"/>
+            <a:chExt cx="3285371" cy="369332"/>
+          </a:xfrm>
+        </p:grpSpPr>
+        <p:sp>
+          <p:nvSpPr>
+            <p:cNvPr id="23" name="TextBox 22"/>
+            <p:cNvSpPr txBox="1"/>
+            <p:nvPr/>
+          </p:nvSpPr>
+          <p:spPr>
+            <a:xfrm>
+              <a:off x="4427984" y="5656602"/>
+              <a:ext cx="993862" cy="369332"/>
+            </a:xfrm>
+            <a:prstGeom prst="rect">
+              <a:avLst/>
+            </a:prstGeom>
+            <a:noFill/>
+            <a:ln>
+              <a:solidFill>
+                <a:schemeClr val="tx1">
+                  <a:lumMod val="50000"/>
+                  <a:lumOff val="50000"/>
+                </a:schemeClr>
+              </a:solidFill>
+            </a:ln>
+          </p:spPr>
+          <p:txBody>
+            <a:bodyPr wrap="none" rtlCol="0">
+              <a:spAutoFit/>
+            </a:bodyPr>
+            <a:lstStyle/>
+            <a:p>
+              <a:r>
+                <a:rPr lang="en-US" dirty="0" smtClean="0"/>
+                <a:t>L3 cache</a:t>
+              </a:r>
+              <a:endParaRPr lang="nl-BE" dirty="0"/>
+            </a:p>
+          </p:txBody>
+        </p:sp>
+        <p:sp>
+          <p:nvSpPr>
+            <p:cNvPr id="24" name="TextBox 23"/>
+            <p:cNvSpPr txBox="1"/>
+            <p:nvPr/>
+          </p:nvSpPr>
+          <p:spPr>
+            <a:xfrm>
+              <a:off x="6686856" y="5656602"/>
+              <a:ext cx="1026499" cy="369332"/>
+            </a:xfrm>
+            <a:prstGeom prst="rect">
+              <a:avLst/>
+            </a:prstGeom>
+            <a:noFill/>
+          </p:spPr>
+          <p:txBody>
+            <a:bodyPr wrap="none" rtlCol="0">
+              <a:spAutoFit/>
+            </a:bodyPr>
+            <a:lstStyle/>
+            <a:p>
+              <a:r>
+                <a:rPr lang="en-US" dirty="0"/>
+                <a:t>5</a:t>
+              </a:r>
+              <a:r>
+                <a:rPr lang="en-US" dirty="0" smtClean="0"/>
+                <a:t>0 cycles</a:t>
+              </a:r>
+              <a:endParaRPr lang="nl-BE" dirty="0"/>
+            </a:p>
+          </p:txBody>
+        </p:sp>
+        <p:cxnSp>
+          <p:nvCxnSpPr>
+            <p:cNvPr id="25" name="Straight Connector 24"/>
+            <p:cNvCxnSpPr/>
+            <p:nvPr/>
+          </p:nvCxnSpPr>
+          <p:spPr>
+            <a:xfrm>
+              <a:off x="6228184" y="5841268"/>
+              <a:ext cx="144016" cy="0"/>
+            </a:xfrm>
+            <a:prstGeom prst="line">
+              <a:avLst/>
+            </a:prstGeom>
+            <a:ln w="19050">
+              <a:solidFill>
+                <a:schemeClr val="tx1"/>
+              </a:solidFill>
+            </a:ln>
+          </p:spPr>
+          <p:style>
+            <a:lnRef idx="1">
+              <a:schemeClr val="accent1"/>
+            </a:lnRef>
+            <a:fillRef idx="0">
+              <a:schemeClr val="accent1"/>
+            </a:fillRef>
+            <a:effectRef idx="0">
+              <a:schemeClr val="accent1"/>
+            </a:effectRef>
+            <a:fontRef idx="minor">
+              <a:schemeClr val="tx1"/>
+            </a:fontRef>
+          </p:style>
+        </p:cxnSp>
+      </p:grpSp>
+      <p:grpSp>
+        <p:nvGrpSpPr>
+          <p:cNvPr id="26" name="Group 25"/>
+          <p:cNvGrpSpPr/>
+          <p:nvPr/>
+        </p:nvGrpSpPr>
+        <p:grpSpPr>
+          <a:xfrm>
+            <a:off x="5372241" y="3645024"/>
+            <a:ext cx="3178213" cy="369332"/>
+            <a:chOff x="4652161" y="5656602"/>
+            <a:chExt cx="3178213" cy="369332"/>
+          </a:xfrm>
+        </p:grpSpPr>
+        <p:sp>
+          <p:nvSpPr>
+            <p:cNvPr id="27" name="TextBox 26"/>
+            <p:cNvSpPr txBox="1"/>
+            <p:nvPr/>
+          </p:nvSpPr>
+          <p:spPr>
+            <a:xfrm>
+              <a:off x="4652161" y="5656602"/>
+              <a:ext cx="639919" cy="369332"/>
+            </a:xfrm>
+            <a:prstGeom prst="rect">
+              <a:avLst/>
+            </a:prstGeom>
+            <a:noFill/>
+            <a:ln>
+              <a:solidFill>
+                <a:schemeClr val="tx1">
+                  <a:lumMod val="50000"/>
+                  <a:lumOff val="50000"/>
+                </a:schemeClr>
+              </a:solidFill>
+            </a:ln>
+          </p:spPr>
+          <p:txBody>
+            <a:bodyPr wrap="none" rtlCol="0">
+              <a:spAutoFit/>
+            </a:bodyPr>
+            <a:lstStyle/>
+            <a:p>
+              <a:r>
+                <a:rPr lang="en-US" dirty="0" smtClean="0"/>
+                <a:t>RAM</a:t>
+              </a:r>
+              <a:endParaRPr lang="nl-BE" dirty="0"/>
+            </a:p>
+          </p:txBody>
+        </p:sp>
+        <p:sp>
+          <p:nvSpPr>
+            <p:cNvPr id="28" name="TextBox 27"/>
+            <p:cNvSpPr txBox="1"/>
+            <p:nvPr/>
+          </p:nvSpPr>
+          <p:spPr>
+            <a:xfrm>
+              <a:off x="6686856" y="5656602"/>
+              <a:ext cx="1143518" cy="369332"/>
+            </a:xfrm>
+            <a:prstGeom prst="rect">
+              <a:avLst/>
+            </a:prstGeom>
+            <a:noFill/>
+          </p:spPr>
+          <p:txBody>
+            <a:bodyPr wrap="none" rtlCol="0">
+              <a:spAutoFit/>
+            </a:bodyPr>
+            <a:lstStyle/>
+            <a:p>
+              <a:r>
+                <a:rPr lang="en-US" dirty="0" smtClean="0"/>
+                <a:t>150 cycles</a:t>
+              </a:r>
+              <a:endParaRPr lang="nl-BE" dirty="0"/>
+            </a:p>
+          </p:txBody>
+        </p:sp>
+        <p:cxnSp>
+          <p:nvCxnSpPr>
+            <p:cNvPr id="29" name="Straight Connector 28"/>
+            <p:cNvCxnSpPr/>
+            <p:nvPr/>
+          </p:nvCxnSpPr>
+          <p:spPr>
+            <a:xfrm>
+              <a:off x="6228184" y="5841268"/>
+              <a:ext cx="144016" cy="0"/>
+            </a:xfrm>
+            <a:prstGeom prst="line">
+              <a:avLst/>
+            </a:prstGeom>
+            <a:ln w="19050">
+              <a:solidFill>
+                <a:schemeClr val="tx1"/>
+              </a:solidFill>
+            </a:ln>
+          </p:spPr>
+          <p:style>
+            <a:lnRef idx="1">
+              <a:schemeClr val="accent1"/>
+            </a:lnRef>
+            <a:fillRef idx="0">
+              <a:schemeClr val="accent1"/>
+            </a:fillRef>
+            <a:effectRef idx="0">
+              <a:schemeClr val="accent1"/>
+            </a:effectRef>
+            <a:fontRef idx="minor">
+              <a:schemeClr val="tx1"/>
+            </a:fontRef>
+          </p:style>
+        </p:cxnSp>
+      </p:grpSp>
+      <p:grpSp>
+        <p:nvGrpSpPr>
+          <p:cNvPr id="30" name="Group 29"/>
+          <p:cNvGrpSpPr/>
+          <p:nvPr/>
+        </p:nvGrpSpPr>
+        <p:grpSpPr>
+          <a:xfrm>
+            <a:off x="5076056" y="2699628"/>
+            <a:ext cx="3519410" cy="369332"/>
+            <a:chOff x="4427984" y="5656602"/>
+            <a:chExt cx="3519410" cy="369332"/>
+          </a:xfrm>
+        </p:grpSpPr>
+        <p:sp>
+          <p:nvSpPr>
+            <p:cNvPr id="31" name="TextBox 30"/>
+            <p:cNvSpPr txBox="1"/>
+            <p:nvPr/>
+          </p:nvSpPr>
+          <p:spPr>
+            <a:xfrm>
+              <a:off x="4427984" y="5656602"/>
+              <a:ext cx="1137106" cy="369332"/>
+            </a:xfrm>
+            <a:prstGeom prst="rect">
+              <a:avLst/>
+            </a:prstGeom>
+            <a:noFill/>
+            <a:ln>
+              <a:solidFill>
+                <a:schemeClr val="tx1">
+                  <a:lumMod val="50000"/>
+                  <a:lumOff val="50000"/>
+                </a:schemeClr>
+              </a:solidFill>
+            </a:ln>
+          </p:spPr>
+          <p:txBody>
+            <a:bodyPr wrap="none" rtlCol="0">
+              <a:spAutoFit/>
+            </a:bodyPr>
+            <a:lstStyle/>
+            <a:p>
+              <a:r>
+                <a:rPr lang="en-US" dirty="0" err="1" smtClean="0"/>
+                <a:t>Infiniband</a:t>
+              </a:r>
+              <a:endParaRPr lang="nl-BE" dirty="0"/>
+            </a:p>
+          </p:txBody>
+        </p:sp>
+        <p:sp>
+          <p:nvSpPr>
+            <p:cNvPr id="32" name="TextBox 31"/>
+            <p:cNvSpPr txBox="1"/>
+            <p:nvPr/>
+          </p:nvSpPr>
+          <p:spPr>
+            <a:xfrm>
+              <a:off x="6686856" y="5656602"/>
+              <a:ext cx="1260538" cy="369332"/>
+            </a:xfrm>
+            <a:prstGeom prst="rect">
+              <a:avLst/>
+            </a:prstGeom>
+            <a:noFill/>
+          </p:spPr>
+          <p:txBody>
+            <a:bodyPr wrap="none" rtlCol="0">
+              <a:spAutoFit/>
+            </a:bodyPr>
+            <a:lstStyle/>
+            <a:p>
+              <a:r>
+                <a:rPr lang="en-US" dirty="0" smtClean="0"/>
+                <a:t>5000 cycles</a:t>
+              </a:r>
+              <a:endParaRPr lang="nl-BE" dirty="0"/>
+            </a:p>
+          </p:txBody>
+        </p:sp>
+        <p:cxnSp>
+          <p:nvCxnSpPr>
+            <p:cNvPr id="33" name="Straight Connector 32"/>
+            <p:cNvCxnSpPr/>
+            <p:nvPr/>
+          </p:nvCxnSpPr>
+          <p:spPr>
+            <a:xfrm>
+              <a:off x="6228184" y="5841268"/>
+              <a:ext cx="144016" cy="0"/>
+            </a:xfrm>
+            <a:prstGeom prst="line">
+              <a:avLst/>
+            </a:prstGeom>
+            <a:ln w="19050">
+              <a:solidFill>
+                <a:schemeClr val="tx1"/>
+              </a:solidFill>
+            </a:ln>
+          </p:spPr>
+          <p:style>
+            <a:lnRef idx="1">
+              <a:schemeClr val="accent1"/>
+            </a:lnRef>
+            <a:fillRef idx="0">
+              <a:schemeClr val="accent1"/>
+            </a:fillRef>
+            <a:effectRef idx="0">
+              <a:schemeClr val="accent1"/>
+            </a:effectRef>
+            <a:fontRef idx="minor">
+              <a:schemeClr val="tx1"/>
+            </a:fontRef>
+          </p:style>
+        </p:cxnSp>
+      </p:grpSp>
+      <p:grpSp>
+        <p:nvGrpSpPr>
+          <p:cNvPr id="34" name="Group 33"/>
+          <p:cNvGrpSpPr/>
+          <p:nvPr/>
+        </p:nvGrpSpPr>
+        <p:grpSpPr>
+          <a:xfrm>
+            <a:off x="5148064" y="1340768"/>
+            <a:ext cx="3870467" cy="369332"/>
+            <a:chOff x="4427984" y="5656602"/>
+            <a:chExt cx="3870467" cy="369332"/>
+          </a:xfrm>
+        </p:grpSpPr>
+        <p:sp>
+          <p:nvSpPr>
+            <p:cNvPr id="35" name="TextBox 34"/>
+            <p:cNvSpPr txBox="1"/>
+            <p:nvPr/>
+          </p:nvSpPr>
+          <p:spPr>
+            <a:xfrm>
+              <a:off x="4427984" y="5656602"/>
+              <a:ext cx="906017" cy="369332"/>
+            </a:xfrm>
+            <a:prstGeom prst="rect">
+              <a:avLst/>
+            </a:prstGeom>
+            <a:noFill/>
+            <a:ln>
+              <a:solidFill>
+                <a:schemeClr val="tx1">
+                  <a:lumMod val="50000"/>
+                  <a:lumOff val="50000"/>
+                </a:schemeClr>
+              </a:solidFill>
+            </a:ln>
+          </p:spPr>
+          <p:txBody>
+            <a:bodyPr wrap="none" rtlCol="0">
+              <a:spAutoFit/>
+            </a:bodyPr>
+            <a:lstStyle/>
+            <a:p>
+              <a:r>
+                <a:rPr lang="en-US" dirty="0" smtClean="0"/>
+                <a:t>disk I/O</a:t>
+              </a:r>
+              <a:endParaRPr lang="nl-BE" dirty="0"/>
+            </a:p>
+          </p:txBody>
+        </p:sp>
+        <p:sp>
+          <p:nvSpPr>
+            <p:cNvPr id="36" name="TextBox 35"/>
+            <p:cNvSpPr txBox="1"/>
+            <p:nvPr/>
+          </p:nvSpPr>
+          <p:spPr>
+            <a:xfrm>
+              <a:off x="6686856" y="5656602"/>
+              <a:ext cx="1611595" cy="369332"/>
+            </a:xfrm>
+            <a:prstGeom prst="rect">
+              <a:avLst/>
+            </a:prstGeom>
+            <a:noFill/>
+          </p:spPr>
+          <p:txBody>
+            <a:bodyPr wrap="none" rtlCol="0">
+              <a:spAutoFit/>
+            </a:bodyPr>
+            <a:lstStyle/>
+            <a:p>
+              <a:r>
+                <a:rPr lang="en-US" dirty="0" smtClean="0"/>
+                <a:t>1000000 cycles</a:t>
+              </a:r>
+              <a:endParaRPr lang="nl-BE" dirty="0"/>
+            </a:p>
+          </p:txBody>
+        </p:sp>
+        <p:cxnSp>
+          <p:nvCxnSpPr>
+            <p:cNvPr id="37" name="Straight Connector 36"/>
+            <p:cNvCxnSpPr/>
+            <p:nvPr/>
+          </p:nvCxnSpPr>
+          <p:spPr>
+            <a:xfrm>
+              <a:off x="6228184" y="5841268"/>
+              <a:ext cx="144016" cy="0"/>
+            </a:xfrm>
+            <a:prstGeom prst="line">
+              <a:avLst/>
+            </a:prstGeom>
+            <a:ln w="19050">
+              <a:solidFill>
+                <a:schemeClr val="tx1"/>
+              </a:solidFill>
+            </a:ln>
+          </p:spPr>
+          <p:style>
+            <a:lnRef idx="1">
+              <a:schemeClr val="accent1"/>
+            </a:lnRef>
+            <a:fillRef idx="0">
+              <a:schemeClr val="accent1"/>
+            </a:fillRef>
+            <a:effectRef idx="0">
+              <a:schemeClr val="accent1"/>
+            </a:effectRef>
+            <a:fontRef idx="minor">
+              <a:schemeClr val="tx1"/>
+            </a:fontRef>
+          </p:style>
+        </p:cxnSp>
+      </p:grpSp>
+      <p:cxnSp>
+        <p:nvCxnSpPr>
+          <p:cNvPr id="39" name="Straight Arrow Connector 38"/>
+          <p:cNvCxnSpPr/>
+          <p:nvPr/>
+        </p:nvCxnSpPr>
+        <p:spPr>
+          <a:xfrm flipV="1">
+            <a:off x="1691680" y="467380"/>
+            <a:ext cx="0" cy="6057964"/>
+          </a:xfrm>
+          <a:prstGeom prst="straightConnector1">
+            <a:avLst/>
+          </a:prstGeom>
+          <a:ln w="34925">
+            <a:solidFill>
+              <a:schemeClr val="tx1"/>
+            </a:solidFill>
+            <a:tailEnd type="stealth" w="lg" len="lg"/>
+          </a:ln>
+        </p:spPr>
+        <p:style>
+          <a:lnRef idx="1">
+            <a:schemeClr val="accent1"/>
+          </a:lnRef>
+          <a:fillRef idx="0">
+            <a:schemeClr val="accent1"/>
+          </a:fillRef>
+          <a:effectRef idx="0">
+            <a:schemeClr val="accent1"/>
+          </a:effectRef>
+          <a:fontRef idx="minor">
+            <a:schemeClr val="tx1"/>
+          </a:fontRef>
+        </p:style>
+      </p:cxnSp>
+      <p:grpSp>
+        <p:nvGrpSpPr>
+          <p:cNvPr id="40" name="Group 39"/>
+          <p:cNvGrpSpPr/>
+          <p:nvPr/>
+        </p:nvGrpSpPr>
+        <p:grpSpPr>
+          <a:xfrm>
+            <a:off x="323528" y="6093296"/>
+            <a:ext cx="3633198" cy="646331"/>
+            <a:chOff x="5018298" y="5508848"/>
+            <a:chExt cx="3633198" cy="646331"/>
+          </a:xfrm>
+        </p:grpSpPr>
+        <p:sp>
+          <p:nvSpPr>
+            <p:cNvPr id="41" name="TextBox 40"/>
+            <p:cNvSpPr txBox="1"/>
+            <p:nvPr/>
+          </p:nvSpPr>
+          <p:spPr>
+            <a:xfrm>
+              <a:off x="5018298" y="5656602"/>
+              <a:ext cx="819712" cy="369332"/>
+            </a:xfrm>
+            <a:prstGeom prst="rect">
+              <a:avLst/>
+            </a:prstGeom>
+            <a:noFill/>
+            <a:ln>
+              <a:noFill/>
+            </a:ln>
+          </p:spPr>
+          <p:txBody>
+            <a:bodyPr wrap="none" rtlCol="0">
+              <a:spAutoFit/>
+            </a:bodyPr>
+            <a:lstStyle/>
+            <a:p>
+              <a:r>
+                <a:rPr lang="en-US" dirty="0" smtClean="0"/>
+                <a:t>1 cycle</a:t>
+              </a:r>
+              <a:endParaRPr lang="nl-BE" dirty="0"/>
+            </a:p>
+          </p:txBody>
+        </p:sp>
+        <p:sp>
+          <p:nvSpPr>
+            <p:cNvPr id="42" name="TextBox 41"/>
+            <p:cNvSpPr txBox="1"/>
+            <p:nvPr/>
+          </p:nvSpPr>
+          <p:spPr>
+            <a:xfrm>
+              <a:off x="6686856" y="5508848"/>
+              <a:ext cx="1964640" cy="646331"/>
+            </a:xfrm>
+            <a:prstGeom prst="rect">
+              <a:avLst/>
+            </a:prstGeom>
+            <a:noFill/>
+            <a:ln>
+              <a:noFill/>
+            </a:ln>
+          </p:spPr>
+          <p:txBody>
+            <a:bodyPr wrap="none" rtlCol="0">
+              <a:spAutoFit/>
+            </a:bodyPr>
+            <a:lstStyle/>
+            <a:p>
+              <a:r>
+                <a:rPr lang="en-US" dirty="0" smtClean="0"/>
+                <a:t>streaming DP</a:t>
+              </a:r>
+              <a:br>
+                <a:rPr lang="en-US" dirty="0" smtClean="0"/>
+              </a:br>
+              <a:r>
+                <a:rPr lang="en-US" dirty="0" smtClean="0"/>
+                <a:t>fused multiply/add</a:t>
+              </a:r>
+              <a:endParaRPr lang="nl-BE" dirty="0"/>
+            </a:p>
+          </p:txBody>
+        </p:sp>
+        <p:cxnSp>
+          <p:nvCxnSpPr>
+            <p:cNvPr id="43" name="Straight Connector 42"/>
+            <p:cNvCxnSpPr/>
+            <p:nvPr/>
+          </p:nvCxnSpPr>
+          <p:spPr>
+            <a:xfrm>
+              <a:off x="6228184" y="5841268"/>
+              <a:ext cx="144016" cy="0"/>
+            </a:xfrm>
+            <a:prstGeom prst="line">
+              <a:avLst/>
+            </a:prstGeom>
+            <a:ln w="19050">
+              <a:solidFill>
+                <a:schemeClr val="tx1"/>
+              </a:solidFill>
+            </a:ln>
+          </p:spPr>
+          <p:style>
+            <a:lnRef idx="1">
+              <a:schemeClr val="accent1"/>
+            </a:lnRef>
+            <a:fillRef idx="0">
+              <a:schemeClr val="accent1"/>
+            </a:fillRef>
+            <a:effectRef idx="0">
+              <a:schemeClr val="accent1"/>
+            </a:effectRef>
+            <a:fontRef idx="minor">
+              <a:schemeClr val="tx1"/>
+            </a:fontRef>
+          </p:style>
+        </p:cxnSp>
+      </p:grpSp>
+      <p:grpSp>
+        <p:nvGrpSpPr>
+          <p:cNvPr id="44" name="Group 43"/>
+          <p:cNvGrpSpPr/>
+          <p:nvPr/>
+        </p:nvGrpSpPr>
+        <p:grpSpPr>
+          <a:xfrm>
+            <a:off x="323528" y="5579948"/>
+            <a:ext cx="2391833" cy="380365"/>
+            <a:chOff x="5018298" y="5645569"/>
+            <a:chExt cx="2391833" cy="380365"/>
+          </a:xfrm>
+        </p:grpSpPr>
+        <p:sp>
+          <p:nvSpPr>
+            <p:cNvPr id="45" name="TextBox 44"/>
+            <p:cNvSpPr txBox="1"/>
+            <p:nvPr/>
+          </p:nvSpPr>
+          <p:spPr>
+            <a:xfrm>
+              <a:off x="5018298" y="5656602"/>
+              <a:ext cx="909480" cy="369332"/>
+            </a:xfrm>
+            <a:prstGeom prst="rect">
+              <a:avLst/>
+            </a:prstGeom>
+            <a:noFill/>
+            <a:ln>
+              <a:noFill/>
+            </a:ln>
+          </p:spPr>
+          <p:txBody>
+            <a:bodyPr wrap="none" rtlCol="0">
+              <a:spAutoFit/>
+            </a:bodyPr>
+            <a:lstStyle/>
+            <a:p>
+              <a:r>
+                <a:rPr lang="en-US" dirty="0"/>
+                <a:t>5</a:t>
+              </a:r>
+              <a:r>
+                <a:rPr lang="en-US" dirty="0" smtClean="0"/>
+                <a:t> cycles</a:t>
+              </a:r>
+              <a:endParaRPr lang="nl-BE" dirty="0"/>
+            </a:p>
+          </p:txBody>
+        </p:sp>
+        <p:sp>
+          <p:nvSpPr>
+            <p:cNvPr id="46" name="TextBox 45"/>
+            <p:cNvSpPr txBox="1"/>
+            <p:nvPr/>
+          </p:nvSpPr>
+          <p:spPr>
+            <a:xfrm>
+              <a:off x="6686856" y="5645569"/>
+              <a:ext cx="723275" cy="369332"/>
+            </a:xfrm>
+            <a:prstGeom prst="rect">
+              <a:avLst/>
+            </a:prstGeom>
+            <a:noFill/>
+            <a:ln>
+              <a:noFill/>
+            </a:ln>
+          </p:spPr>
+          <p:txBody>
+            <a:bodyPr wrap="none" rtlCol="0">
+              <a:spAutoFit/>
+            </a:bodyPr>
+            <a:lstStyle/>
+            <a:p>
+              <a:r>
+                <a:rPr lang="en-US" dirty="0" smtClean="0"/>
+                <a:t>+ or *</a:t>
+              </a:r>
+              <a:endParaRPr lang="nl-BE" dirty="0"/>
+            </a:p>
+          </p:txBody>
+        </p:sp>
+        <p:cxnSp>
+          <p:nvCxnSpPr>
+            <p:cNvPr id="47" name="Straight Connector 46"/>
+            <p:cNvCxnSpPr/>
+            <p:nvPr/>
+          </p:nvCxnSpPr>
+          <p:spPr>
+            <a:xfrm>
+              <a:off x="6228184" y="5841268"/>
+              <a:ext cx="144016" cy="0"/>
+            </a:xfrm>
+            <a:prstGeom prst="line">
+              <a:avLst/>
+            </a:prstGeom>
+            <a:ln w="19050">
+              <a:solidFill>
+                <a:schemeClr val="tx1"/>
+              </a:solidFill>
+            </a:ln>
+          </p:spPr>
+          <p:style>
+            <a:lnRef idx="1">
+              <a:schemeClr val="accent1"/>
+            </a:lnRef>
+            <a:fillRef idx="0">
+              <a:schemeClr val="accent1"/>
+            </a:fillRef>
+            <a:effectRef idx="0">
+              <a:schemeClr val="accent1"/>
+            </a:effectRef>
+            <a:fontRef idx="minor">
+              <a:schemeClr val="tx1"/>
+            </a:fontRef>
+          </p:style>
+        </p:cxnSp>
+      </p:grpSp>
+      <p:grpSp>
+        <p:nvGrpSpPr>
+          <p:cNvPr id="48" name="Group 47"/>
+          <p:cNvGrpSpPr/>
+          <p:nvPr/>
+        </p:nvGrpSpPr>
+        <p:grpSpPr>
+          <a:xfrm>
+            <a:off x="323528" y="5352891"/>
+            <a:ext cx="2619459" cy="380365"/>
+            <a:chOff x="5018298" y="5645569"/>
+            <a:chExt cx="2619459" cy="380365"/>
+          </a:xfrm>
+        </p:grpSpPr>
+        <p:sp>
+          <p:nvSpPr>
+            <p:cNvPr id="49" name="TextBox 48"/>
+            <p:cNvSpPr txBox="1"/>
+            <p:nvPr/>
+          </p:nvSpPr>
+          <p:spPr>
+            <a:xfrm>
+              <a:off x="5018298" y="5656602"/>
+              <a:ext cx="1026499" cy="369332"/>
+            </a:xfrm>
+            <a:prstGeom prst="rect">
+              <a:avLst/>
+            </a:prstGeom>
+            <a:noFill/>
+            <a:ln>
+              <a:noFill/>
+            </a:ln>
+          </p:spPr>
+          <p:txBody>
+            <a:bodyPr wrap="none" rtlCol="0">
+              <a:spAutoFit/>
+            </a:bodyPr>
+            <a:lstStyle/>
+            <a:p>
+              <a:r>
+                <a:rPr lang="en-US" dirty="0" smtClean="0"/>
+                <a:t>10 cycles</a:t>
+              </a:r>
+              <a:endParaRPr lang="nl-BE" dirty="0"/>
+            </a:p>
+          </p:txBody>
+        </p:sp>
+        <p:sp>
+          <p:nvSpPr>
+            <p:cNvPr id="50" name="TextBox 49"/>
+            <p:cNvSpPr txBox="1"/>
+            <p:nvPr/>
+          </p:nvSpPr>
+          <p:spPr>
+            <a:xfrm>
+              <a:off x="6686856" y="5645569"/>
+              <a:ext cx="950901" cy="369332"/>
+            </a:xfrm>
+            <a:prstGeom prst="rect">
+              <a:avLst/>
+            </a:prstGeom>
+            <a:noFill/>
+            <a:ln>
+              <a:noFill/>
+            </a:ln>
+          </p:spPr>
+          <p:txBody>
+            <a:bodyPr wrap="none" rtlCol="0">
+              <a:spAutoFit/>
+            </a:bodyPr>
+            <a:lstStyle/>
+            <a:p>
+              <a:r>
+                <a:rPr lang="en-US" dirty="0" smtClean="0"/>
+                <a:t>/ or </a:t>
+              </a:r>
+              <a:r>
+                <a:rPr lang="en-US" dirty="0" err="1" smtClean="0"/>
+                <a:t>sqrt</a:t>
+              </a:r>
+              <a:endParaRPr lang="nl-BE" dirty="0"/>
+            </a:p>
+          </p:txBody>
+        </p:sp>
+        <p:cxnSp>
+          <p:nvCxnSpPr>
+            <p:cNvPr id="51" name="Straight Connector 50"/>
+            <p:cNvCxnSpPr/>
+            <p:nvPr/>
+          </p:nvCxnSpPr>
+          <p:spPr>
+            <a:xfrm>
+              <a:off x="6228184" y="5841268"/>
+              <a:ext cx="144016" cy="0"/>
+            </a:xfrm>
+            <a:prstGeom prst="line">
+              <a:avLst/>
+            </a:prstGeom>
+            <a:ln w="19050">
+              <a:solidFill>
+                <a:schemeClr val="tx1"/>
+              </a:solidFill>
+            </a:ln>
+          </p:spPr>
+          <p:style>
+            <a:lnRef idx="1">
+              <a:schemeClr val="accent1"/>
+            </a:lnRef>
+            <a:fillRef idx="0">
+              <a:schemeClr val="accent1"/>
+            </a:fillRef>
+            <a:effectRef idx="0">
+              <a:schemeClr val="accent1"/>
+            </a:effectRef>
+            <a:fontRef idx="minor">
+              <a:schemeClr val="tx1"/>
+            </a:fontRef>
+          </p:style>
+        </p:cxnSp>
+      </p:grpSp>
+      <p:grpSp>
+        <p:nvGrpSpPr>
+          <p:cNvPr id="52" name="Group 51"/>
+          <p:cNvGrpSpPr/>
+          <p:nvPr/>
+        </p:nvGrpSpPr>
+        <p:grpSpPr>
+          <a:xfrm>
+            <a:off x="323528" y="5136867"/>
+            <a:ext cx="2186392" cy="380365"/>
+            <a:chOff x="5018298" y="5645569"/>
+            <a:chExt cx="2186392" cy="380365"/>
+          </a:xfrm>
+        </p:grpSpPr>
+        <p:sp>
+          <p:nvSpPr>
+            <p:cNvPr id="53" name="TextBox 52"/>
+            <p:cNvSpPr txBox="1"/>
+            <p:nvPr/>
+          </p:nvSpPr>
+          <p:spPr>
+            <a:xfrm>
+              <a:off x="5018298" y="5656602"/>
+              <a:ext cx="1026499" cy="369332"/>
+            </a:xfrm>
+            <a:prstGeom prst="rect">
+              <a:avLst/>
+            </a:prstGeom>
+            <a:noFill/>
+            <a:ln>
+              <a:noFill/>
+            </a:ln>
+          </p:spPr>
+          <p:txBody>
+            <a:bodyPr wrap="none" rtlCol="0">
+              <a:spAutoFit/>
+            </a:bodyPr>
+            <a:lstStyle/>
+            <a:p>
+              <a:r>
+                <a:rPr lang="en-US" dirty="0"/>
+                <a:t>2</a:t>
+              </a:r>
+              <a:r>
+                <a:rPr lang="en-US" dirty="0" smtClean="0"/>
+                <a:t>0 cycles</a:t>
+              </a:r>
+              <a:endParaRPr lang="nl-BE" dirty="0"/>
+            </a:p>
+          </p:txBody>
+        </p:sp>
+        <p:sp>
+          <p:nvSpPr>
+            <p:cNvPr id="54" name="TextBox 53"/>
+            <p:cNvSpPr txBox="1"/>
+            <p:nvPr/>
+          </p:nvSpPr>
+          <p:spPr>
+            <a:xfrm>
+              <a:off x="6686856" y="5645569"/>
+              <a:ext cx="517834" cy="369332"/>
+            </a:xfrm>
+            <a:prstGeom prst="rect">
+              <a:avLst/>
+            </a:prstGeom>
+            <a:noFill/>
+            <a:ln>
+              <a:noFill/>
+            </a:ln>
+          </p:spPr>
+          <p:txBody>
+            <a:bodyPr wrap="none" rtlCol="0">
+              <a:spAutoFit/>
+            </a:bodyPr>
+            <a:lstStyle/>
+            <a:p>
+              <a:r>
+                <a:rPr lang="en-US" dirty="0" err="1" smtClean="0"/>
+                <a:t>exp</a:t>
+              </a:r>
+              <a:endParaRPr lang="nl-BE" dirty="0"/>
+            </a:p>
+          </p:txBody>
+        </p:sp>
+        <p:cxnSp>
+          <p:nvCxnSpPr>
+            <p:cNvPr id="55" name="Straight Connector 54"/>
+            <p:cNvCxnSpPr/>
+            <p:nvPr/>
+          </p:nvCxnSpPr>
+          <p:spPr>
+            <a:xfrm>
+              <a:off x="6228184" y="5841268"/>
+              <a:ext cx="144016" cy="0"/>
+            </a:xfrm>
+            <a:prstGeom prst="line">
+              <a:avLst/>
+            </a:prstGeom>
+            <a:ln w="19050">
+              <a:solidFill>
+                <a:schemeClr val="tx1"/>
+              </a:solidFill>
+            </a:ln>
+          </p:spPr>
+          <p:style>
+            <a:lnRef idx="1">
+              <a:schemeClr val="accent1"/>
+            </a:lnRef>
+            <a:fillRef idx="0">
+              <a:schemeClr val="accent1"/>
+            </a:fillRef>
+            <a:effectRef idx="0">
+              <a:schemeClr val="accent1"/>
+            </a:effectRef>
+            <a:fontRef idx="minor">
+              <a:schemeClr val="tx1"/>
+            </a:fontRef>
+          </p:style>
+        </p:cxnSp>
+      </p:grpSp>
+      <p:grpSp>
+        <p:nvGrpSpPr>
+          <p:cNvPr id="56" name="Group 55"/>
+          <p:cNvGrpSpPr/>
+          <p:nvPr/>
+        </p:nvGrpSpPr>
+        <p:grpSpPr>
+          <a:xfrm>
+            <a:off x="323528" y="4776827"/>
+            <a:ext cx="2084056" cy="380365"/>
+            <a:chOff x="5018298" y="5645569"/>
+            <a:chExt cx="2084056" cy="380365"/>
+          </a:xfrm>
+        </p:grpSpPr>
+        <p:sp>
+          <p:nvSpPr>
+            <p:cNvPr id="57" name="TextBox 56"/>
+            <p:cNvSpPr txBox="1"/>
+            <p:nvPr/>
+          </p:nvSpPr>
+          <p:spPr>
+            <a:xfrm>
+              <a:off x="5018298" y="5656602"/>
+              <a:ext cx="1026499" cy="369332"/>
+            </a:xfrm>
+            <a:prstGeom prst="rect">
+              <a:avLst/>
+            </a:prstGeom>
+            <a:noFill/>
+            <a:ln>
+              <a:noFill/>
+            </a:ln>
+          </p:spPr>
+          <p:txBody>
+            <a:bodyPr wrap="none" rtlCol="0">
+              <a:spAutoFit/>
+            </a:bodyPr>
+            <a:lstStyle/>
+            <a:p>
+              <a:r>
+                <a:rPr lang="en-US" dirty="0" smtClean="0"/>
+                <a:t>40 cycles</a:t>
+              </a:r>
+              <a:endParaRPr lang="nl-BE" dirty="0"/>
+            </a:p>
+          </p:txBody>
+        </p:sp>
+        <p:sp>
+          <p:nvSpPr>
+            <p:cNvPr id="58" name="TextBox 57"/>
+            <p:cNvSpPr txBox="1"/>
+            <p:nvPr/>
+          </p:nvSpPr>
+          <p:spPr>
+            <a:xfrm>
+              <a:off x="6686856" y="5645569"/>
+              <a:ext cx="415498" cy="369332"/>
+            </a:xfrm>
+            <a:prstGeom prst="rect">
+              <a:avLst/>
+            </a:prstGeom>
+            <a:noFill/>
+            <a:ln>
+              <a:noFill/>
+            </a:ln>
+          </p:spPr>
+          <p:txBody>
+            <a:bodyPr wrap="none" rtlCol="0">
+              <a:spAutoFit/>
+            </a:bodyPr>
+            <a:lstStyle/>
+            <a:p>
+              <a:r>
+                <a:rPr lang="en-US" dirty="0" smtClean="0"/>
+                <a:t>**</a:t>
+              </a:r>
+              <a:endParaRPr lang="nl-BE" dirty="0"/>
+            </a:p>
+          </p:txBody>
+        </p:sp>
+        <p:cxnSp>
+          <p:nvCxnSpPr>
+            <p:cNvPr id="59" name="Straight Connector 58"/>
+            <p:cNvCxnSpPr/>
+            <p:nvPr/>
+          </p:nvCxnSpPr>
+          <p:spPr>
+            <a:xfrm>
+              <a:off x="6228184" y="5841268"/>
+              <a:ext cx="144016" cy="0"/>
+            </a:xfrm>
+            <a:prstGeom prst="line">
+              <a:avLst/>
+            </a:prstGeom>
+            <a:ln w="19050">
+              <a:solidFill>
+                <a:schemeClr val="tx1"/>
+              </a:solidFill>
+            </a:ln>
+          </p:spPr>
+          <p:style>
+            <a:lnRef idx="1">
+              <a:schemeClr val="accent1"/>
+            </a:lnRef>
+            <a:fillRef idx="0">
+              <a:schemeClr val="accent1"/>
+            </a:fillRef>
+            <a:effectRef idx="0">
+              <a:schemeClr val="accent1"/>
+            </a:effectRef>
+            <a:fontRef idx="minor">
+              <a:schemeClr val="tx1"/>
+            </a:fontRef>
+          </p:style>
+        </p:cxnSp>
+      </p:grpSp>
+      <p:grpSp>
+        <p:nvGrpSpPr>
+          <p:cNvPr id="60" name="Group 59"/>
+          <p:cNvGrpSpPr/>
+          <p:nvPr/>
+        </p:nvGrpSpPr>
+        <p:grpSpPr>
+          <a:xfrm>
+            <a:off x="323528" y="4128755"/>
+            <a:ext cx="2119322" cy="380365"/>
+            <a:chOff x="5018298" y="5645569"/>
+            <a:chExt cx="2119322" cy="380365"/>
+          </a:xfrm>
+        </p:grpSpPr>
+        <p:sp>
+          <p:nvSpPr>
+            <p:cNvPr id="61" name="TextBox 60"/>
+            <p:cNvSpPr txBox="1"/>
+            <p:nvPr/>
+          </p:nvSpPr>
+          <p:spPr>
+            <a:xfrm>
+              <a:off x="5018298" y="5656602"/>
+              <a:ext cx="1026499" cy="369332"/>
+            </a:xfrm>
+            <a:prstGeom prst="rect">
+              <a:avLst/>
+            </a:prstGeom>
+            <a:noFill/>
+            <a:ln>
+              <a:noFill/>
+            </a:ln>
+          </p:spPr>
+          <p:txBody>
+            <a:bodyPr wrap="none" rtlCol="0">
+              <a:spAutoFit/>
+            </a:bodyPr>
+            <a:lstStyle/>
+            <a:p>
+              <a:r>
+                <a:rPr lang="en-US" dirty="0" smtClean="0"/>
+                <a:t>80 cycles</a:t>
+              </a:r>
+              <a:endParaRPr lang="nl-BE" dirty="0"/>
+            </a:p>
+          </p:txBody>
+        </p:sp>
+        <p:sp>
+          <p:nvSpPr>
+            <p:cNvPr id="62" name="TextBox 61"/>
+            <p:cNvSpPr txBox="1"/>
+            <p:nvPr/>
+          </p:nvSpPr>
+          <p:spPr>
+            <a:xfrm>
+              <a:off x="6686856" y="5645569"/>
+              <a:ext cx="450764" cy="369332"/>
+            </a:xfrm>
+            <a:prstGeom prst="rect">
+              <a:avLst/>
+            </a:prstGeom>
+            <a:noFill/>
+            <a:ln>
+              <a:noFill/>
+            </a:ln>
+          </p:spPr>
+          <p:txBody>
+            <a:bodyPr wrap="none" rtlCol="0">
+              <a:spAutoFit/>
+            </a:bodyPr>
+            <a:lstStyle/>
+            <a:p>
+              <a:r>
+                <a:rPr lang="en-US" dirty="0" err="1" smtClean="0"/>
+                <a:t>erf</a:t>
+              </a:r>
+              <a:endParaRPr lang="nl-BE" dirty="0"/>
+            </a:p>
+          </p:txBody>
+        </p:sp>
+        <p:cxnSp>
+          <p:nvCxnSpPr>
+            <p:cNvPr id="63" name="Straight Connector 62"/>
+            <p:cNvCxnSpPr/>
+            <p:nvPr/>
+          </p:nvCxnSpPr>
+          <p:spPr>
+            <a:xfrm>
+              <a:off x="6228184" y="5841268"/>
+              <a:ext cx="144016" cy="0"/>
+            </a:xfrm>
+            <a:prstGeom prst="line">
+              <a:avLst/>
+            </a:prstGeom>
+            <a:ln w="19050">
+              <a:solidFill>
+                <a:schemeClr val="tx1"/>
+              </a:solidFill>
+            </a:ln>
+          </p:spPr>
+          <p:style>
+            <a:lnRef idx="1">
+              <a:schemeClr val="accent1"/>
+            </a:lnRef>
+            <a:fillRef idx="0">
+              <a:schemeClr val="accent1"/>
+            </a:fillRef>
+            <a:effectRef idx="0">
+              <a:schemeClr val="accent1"/>
+            </a:effectRef>
+            <a:fontRef idx="minor">
+              <a:schemeClr val="tx1"/>
+            </a:fontRef>
+          </p:style>
+        </p:cxnSp>
+      </p:grpSp>
+      <p:sp>
+        <p:nvSpPr>
+          <p:cNvPr id="64" name="TextBox 63"/>
+          <p:cNvSpPr txBox="1"/>
+          <p:nvPr/>
+        </p:nvSpPr>
+        <p:spPr>
+          <a:xfrm rot="16200000">
+            <a:off x="6199013" y="692696"/>
+            <a:ext cx="859723" cy="369332"/>
+          </a:xfrm>
+          <a:prstGeom prst="rect">
+            <a:avLst/>
+          </a:prstGeom>
+          <a:noFill/>
+        </p:spPr>
+        <p:txBody>
+          <a:bodyPr wrap="none" rtlCol="0">
+            <a:spAutoFit/>
+          </a:bodyPr>
+          <a:lstStyle/>
+          <a:p>
+            <a:r>
+              <a:rPr lang="en-US" dirty="0" smtClean="0"/>
+              <a:t>latency</a:t>
+            </a:r>
+            <a:endParaRPr lang="nl-BE" dirty="0"/>
+          </a:p>
+        </p:txBody>
+      </p:sp>
+      <p:grpSp>
+        <p:nvGrpSpPr>
+          <p:cNvPr id="66" name="Group 65"/>
+          <p:cNvGrpSpPr/>
+          <p:nvPr/>
+        </p:nvGrpSpPr>
+        <p:grpSpPr>
+          <a:xfrm>
+            <a:off x="5076056" y="3245024"/>
+            <a:ext cx="3519410" cy="369332"/>
+            <a:chOff x="4427984" y="5656602"/>
+            <a:chExt cx="3519410" cy="446892"/>
+          </a:xfrm>
+        </p:grpSpPr>
+        <p:sp>
+          <p:nvSpPr>
+            <p:cNvPr id="67" name="TextBox 66"/>
+            <p:cNvSpPr txBox="1"/>
+            <p:nvPr/>
+          </p:nvSpPr>
+          <p:spPr>
+            <a:xfrm>
+              <a:off x="4427984" y="5656602"/>
+              <a:ext cx="1705916" cy="446892"/>
+            </a:xfrm>
+            <a:prstGeom prst="rect">
+              <a:avLst/>
+            </a:prstGeom>
+            <a:noFill/>
+            <a:ln>
+              <a:solidFill>
+                <a:schemeClr val="tx1">
+                  <a:lumMod val="50000"/>
+                  <a:lumOff val="50000"/>
+                </a:schemeClr>
+              </a:solidFill>
+            </a:ln>
+          </p:spPr>
+          <p:txBody>
+            <a:bodyPr wrap="none" rtlCol="0">
+              <a:spAutoFit/>
+            </a:bodyPr>
+            <a:lstStyle/>
+            <a:p>
+              <a:r>
+                <a:rPr lang="en-US" dirty="0" err="1" smtClean="0"/>
+                <a:t>OpenMP</a:t>
+              </a:r>
+              <a:r>
+                <a:rPr lang="en-US" dirty="0" smtClean="0"/>
+                <a:t> barrier</a:t>
+              </a:r>
+              <a:endParaRPr lang="nl-BE" dirty="0"/>
+            </a:p>
+          </p:txBody>
+        </p:sp>
+        <p:sp>
+          <p:nvSpPr>
+            <p:cNvPr id="68" name="TextBox 67"/>
+            <p:cNvSpPr txBox="1"/>
+            <p:nvPr/>
+          </p:nvSpPr>
+          <p:spPr>
+            <a:xfrm>
+              <a:off x="6686856" y="5656602"/>
+              <a:ext cx="1260538" cy="446892"/>
+            </a:xfrm>
+            <a:prstGeom prst="rect">
+              <a:avLst/>
+            </a:prstGeom>
+            <a:noFill/>
+          </p:spPr>
+          <p:txBody>
+            <a:bodyPr wrap="none" rtlCol="0">
+              <a:spAutoFit/>
+            </a:bodyPr>
+            <a:lstStyle/>
+            <a:p>
+              <a:r>
+                <a:rPr lang="en-US" dirty="0" smtClean="0"/>
+                <a:t>1500 cycles</a:t>
+              </a:r>
+              <a:endParaRPr lang="nl-BE" dirty="0"/>
+            </a:p>
+          </p:txBody>
+        </p:sp>
+        <p:cxnSp>
+          <p:nvCxnSpPr>
+            <p:cNvPr id="69" name="Straight Connector 68"/>
+            <p:cNvCxnSpPr/>
+            <p:nvPr/>
+          </p:nvCxnSpPr>
+          <p:spPr>
+            <a:xfrm>
+              <a:off x="6228184" y="5841268"/>
+              <a:ext cx="144016" cy="0"/>
+            </a:xfrm>
+            <a:prstGeom prst="line">
+              <a:avLst/>
+            </a:prstGeom>
+            <a:ln w="19050">
+              <a:solidFill>
+                <a:schemeClr val="tx1"/>
+              </a:solidFill>
+            </a:ln>
+          </p:spPr>
+          <p:style>
+            <a:lnRef idx="1">
+              <a:schemeClr val="accent1"/>
+            </a:lnRef>
+            <a:fillRef idx="0">
+              <a:schemeClr val="accent1"/>
+            </a:fillRef>
+            <a:effectRef idx="0">
+              <a:schemeClr val="accent1"/>
+            </a:effectRef>
+            <a:fontRef idx="minor">
+              <a:schemeClr val="tx1"/>
+            </a:fontRef>
+          </p:style>
+        </p:cxnSp>
+      </p:grpSp>
+      <p:sp>
+        <p:nvSpPr>
+          <p:cNvPr id="65" name="TextBox 64"/>
+          <p:cNvSpPr txBox="1"/>
+          <p:nvPr/>
+        </p:nvSpPr>
+        <p:spPr>
+          <a:xfrm rot="16200000">
+            <a:off x="590856" y="1052814"/>
+            <a:ext cx="1502719" cy="369332"/>
+          </a:xfrm>
+          <a:prstGeom prst="rect">
+            <a:avLst/>
+          </a:prstGeom>
+          <a:noFill/>
+        </p:spPr>
+        <p:txBody>
+          <a:bodyPr wrap="none" rtlCol="0">
+            <a:spAutoFit/>
+          </a:bodyPr>
+          <a:lstStyle/>
+          <a:p>
+            <a:r>
+              <a:rPr lang="en-US" dirty="0" smtClean="0"/>
+              <a:t>compute time</a:t>
+            </a:r>
+            <a:endParaRPr lang="nl-BE" dirty="0"/>
+          </a:p>
+        </p:txBody>
+      </p:sp>
+    </p:spTree>
+    <p:extLst>
+      <p:ext uri="{BB962C8B-B14F-4D97-AF65-F5344CB8AC3E}">
+        <p14:creationId xmlns:p14="http://schemas.microsoft.com/office/powerpoint/2010/main" val="1618542681"/>
+      </p:ext>
+    </p:extLst>
+  </p:cSld>
+  <p:clrMapOvr>
+    <a:masterClrMapping/>
+  </p:clrMapOvr>
+  <p:timing>
+    <p:tnLst>
+      <p:par>
+        <p:cTn id="1" dur="indefinite" restart="never" nodeType="tmRoot"/>
+      </p:par>
+    </p:tnLst>
   </p:timing>
 </p:sld>
 </file>

--- a/Optimization/hpc_efficiency.pptx
+++ b/Optimization/hpc_efficiency.pptx
@@ -20,9 +20,12 @@
     <p:sldId id="269" r:id="rId14"/>
     <p:sldId id="270" r:id="rId15"/>
     <p:sldId id="272" r:id="rId16"/>
-    <p:sldId id="274" r:id="rId17"/>
-    <p:sldId id="273" r:id="rId18"/>
-    <p:sldId id="271" r:id="rId19"/>
+    <p:sldId id="277" r:id="rId17"/>
+    <p:sldId id="274" r:id="rId18"/>
+    <p:sldId id="275" r:id="rId19"/>
+    <p:sldId id="273" r:id="rId20"/>
+    <p:sldId id="276" r:id="rId21"/>
+    <p:sldId id="271" r:id="rId22"/>
   </p:sldIdLst>
   <p:sldSz cx="9144000" cy="6858000" type="screen4x3"/>
   <p:notesSz cx="6858000" cy="9144000"/>
@@ -6201,7 +6204,7 @@
           <a:graphicData uri="http://schemas.openxmlformats.org/presentationml/2006/ole">
             <mc:AlternateContent xmlns:mc="http://schemas.openxmlformats.org/markup-compatibility/2006">
               <mc:Choice xmlns:v="urn:schemas-microsoft-com:vml" Requires="v">
-                <p:oleObj spid="_x0000_s1040" name="Equation" r:id="rId3" imgW="812520" imgH="393480" progId="Equation.3">
+                <p:oleObj spid="_x0000_s1056" name="Equation" r:id="rId3" imgW="812520" imgH="393480" progId="Equation.3">
                   <p:embed/>
                 </p:oleObj>
               </mc:Choice>
@@ -6258,7 +6261,7 @@
           <a:graphicData uri="http://schemas.openxmlformats.org/presentationml/2006/ole">
             <mc:AlternateContent xmlns:mc="http://schemas.openxmlformats.org/markup-compatibility/2006">
               <mc:Choice xmlns:v="urn:schemas-microsoft-com:vml" Requires="v">
-                <p:oleObj spid="_x0000_s1041" name="Equation" r:id="rId5" imgW="2489040" imgH="431640" progId="Equation.3">
+                <p:oleObj spid="_x0000_s1057" name="Equation" r:id="rId5" imgW="2489040" imgH="431640" progId="Equation.3">
                   <p:embed/>
                 </p:oleObj>
               </mc:Choice>
@@ -12002,7 +12005,7 @@
           <a:p>
             <a:r>
               <a:rPr lang="en-US" dirty="0" smtClean="0"/>
-              <a:t>Cache hierarchy</a:t>
+              <a:t>Memory hierarchy</a:t>
             </a:r>
             <a:endParaRPr lang="en-US" dirty="0"/>
           </a:p>
@@ -12126,13 +12129,18 @@
         </p:nvSpPr>
         <p:spPr>
           <a:xfrm>
-            <a:off x="5220072" y="3284984"/>
-            <a:ext cx="1944763" cy="523220"/>
+            <a:off x="4644008" y="1484784"/>
+            <a:ext cx="3269998" cy="523220"/>
           </a:xfrm>
           <a:prstGeom prst="rect">
             <a:avLst/>
           </a:prstGeom>
           <a:noFill/>
+          <a:ln>
+            <a:solidFill>
+              <a:schemeClr val="tx1"/>
+            </a:solidFill>
+          </a:ln>
         </p:spPr>
         <p:txBody>
           <a:bodyPr wrap="none" rtlCol="0">
@@ -12142,12 +12150,135 @@
           <a:p>
             <a:r>
               <a:rPr lang="en-US" sz="2800" dirty="0" smtClean="0"/>
-              <a:t>Bandwidth: </a:t>
+              <a:t>Bandwidth: 130 GB/s</a:t>
             </a:r>
             <a:endParaRPr lang="en-US" sz="2800" dirty="0"/>
           </a:p>
         </p:txBody>
       </p:sp>
+      <p:sp>
+        <p:nvSpPr>
+          <p:cNvPr id="5" name="TextBox 4"/>
+          <p:cNvSpPr txBox="1"/>
+          <p:nvPr/>
+        </p:nvSpPr>
+        <p:spPr>
+          <a:xfrm>
+            <a:off x="4644008" y="2251752"/>
+            <a:ext cx="3269998" cy="523220"/>
+          </a:xfrm>
+          <a:prstGeom prst="rect">
+            <a:avLst/>
+          </a:prstGeom>
+          <a:noFill/>
+          <a:ln>
+            <a:solidFill>
+              <a:schemeClr val="tx1"/>
+            </a:solidFill>
+          </a:ln>
+        </p:spPr>
+        <p:txBody>
+          <a:bodyPr wrap="square" rtlCol="0">
+            <a:spAutoFit/>
+          </a:bodyPr>
+          <a:lstStyle/>
+          <a:p>
+            <a:r>
+              <a:rPr lang="en-US" sz="2800" dirty="0" smtClean="0"/>
+              <a:t>QPI incurs 10 % loss</a:t>
+            </a:r>
+            <a:endParaRPr lang="en-US" sz="2800" dirty="0"/>
+          </a:p>
+        </p:txBody>
+      </p:sp>
+      <p:grpSp>
+        <p:nvGrpSpPr>
+          <p:cNvPr id="8" name="Group 7"/>
+          <p:cNvGrpSpPr/>
+          <p:nvPr/>
+        </p:nvGrpSpPr>
+        <p:grpSpPr>
+          <a:xfrm>
+            <a:off x="3203848" y="3284984"/>
+            <a:ext cx="2961261" cy="504056"/>
+            <a:chOff x="3203848" y="3284984"/>
+            <a:chExt cx="2961261" cy="504056"/>
+          </a:xfrm>
+        </p:grpSpPr>
+        <p:sp>
+          <p:nvSpPr>
+            <p:cNvPr id="6" name="TextBox 5"/>
+            <p:cNvSpPr txBox="1"/>
+            <p:nvPr/>
+          </p:nvSpPr>
+          <p:spPr>
+            <a:xfrm>
+              <a:off x="3428805" y="3326918"/>
+              <a:ext cx="2736304" cy="369332"/>
+            </a:xfrm>
+            <a:prstGeom prst="rect">
+              <a:avLst/>
+            </a:prstGeom>
+            <a:noFill/>
+          </p:spPr>
+          <p:txBody>
+            <a:bodyPr wrap="square" rtlCol="0">
+              <a:spAutoFit/>
+            </a:bodyPr>
+            <a:lstStyle/>
+            <a:p>
+              <a:r>
+                <a:rPr lang="en-US" dirty="0" smtClean="0"/>
+                <a:t>on average: 3 MB/core</a:t>
+              </a:r>
+              <a:endParaRPr lang="en-US" dirty="0"/>
+            </a:p>
+          </p:txBody>
+        </p:sp>
+        <p:sp>
+          <p:nvSpPr>
+            <p:cNvPr id="7" name="Right Brace 6"/>
+            <p:cNvSpPr/>
+            <p:nvPr/>
+          </p:nvSpPr>
+          <p:spPr>
+            <a:xfrm>
+              <a:off x="3203848" y="3284984"/>
+              <a:ext cx="144016" cy="504056"/>
+            </a:xfrm>
+            <a:prstGeom prst="rightBrace">
+              <a:avLst/>
+            </a:prstGeom>
+            <a:ln w="19050">
+              <a:solidFill>
+                <a:schemeClr val="tx1"/>
+              </a:solidFill>
+            </a:ln>
+          </p:spPr>
+          <p:style>
+            <a:lnRef idx="1">
+              <a:schemeClr val="accent1"/>
+            </a:lnRef>
+            <a:fillRef idx="0">
+              <a:schemeClr val="accent1"/>
+            </a:fillRef>
+            <a:effectRef idx="0">
+              <a:schemeClr val="accent1"/>
+            </a:effectRef>
+            <a:fontRef idx="minor">
+              <a:schemeClr val="tx1"/>
+            </a:fontRef>
+          </p:style>
+          <p:txBody>
+            <a:bodyPr rtlCol="0" anchor="ctr"/>
+            <a:lstStyle/>
+            <a:p>
+              <a:pPr algn="ctr"/>
+              <a:endParaRPr lang="en-US"/>
+            </a:p>
+          </p:txBody>
+        </p:sp>
+      </p:grpSp>
     </p:spTree>
     <p:extLst>
       <p:ext uri="{BB962C8B-B14F-4D97-AF65-F5344CB8AC3E}">
@@ -12169,6 +12300,353 @@
 </file>
 
 <file path=ppt/slides/slide16.xml><?xml version="1.0" encoding="utf-8"?>
+<p:sld xmlns:a="http://schemas.openxmlformats.org/drawingml/2006/main" xmlns:r="http://schemas.openxmlformats.org/officeDocument/2006/relationships" xmlns:p="http://schemas.openxmlformats.org/presentationml/2006/main">
+  <p:cSld>
+    <p:spTree>
+      <p:nvGrpSpPr>
+        <p:cNvPr id="1" name=""/>
+        <p:cNvGrpSpPr/>
+        <p:nvPr/>
+      </p:nvGrpSpPr>
+      <p:grpSpPr>
+        <a:xfrm>
+          <a:off x="0" y="0"/>
+          <a:ext cx="0" cy="0"/>
+          <a:chOff x="0" y="0"/>
+          <a:chExt cx="0" cy="0"/>
+        </a:xfrm>
+      </p:grpSpPr>
+      <p:sp>
+        <p:nvSpPr>
+          <p:cNvPr id="2" name="Title 1"/>
+          <p:cNvSpPr>
+            <a:spLocks noGrp="1"/>
+          </p:cNvSpPr>
+          <p:nvPr>
+            <p:ph type="title"/>
+          </p:nvPr>
+        </p:nvSpPr>
+        <p:spPr/>
+        <p:txBody>
+          <a:bodyPr/>
+          <a:lstStyle/>
+          <a:p>
+            <a:r>
+              <a:rPr lang="en-US" dirty="0" smtClean="0"/>
+              <a:t>Memory hierarchy illustrated</a:t>
+            </a:r>
+            <a:endParaRPr lang="en-US" dirty="0"/>
+          </a:p>
+        </p:txBody>
+      </p:sp>
+      <p:pic>
+        <p:nvPicPr>
+          <p:cNvPr id="3" name="Picture 2"/>
+          <p:cNvPicPr>
+            <a:picLocks noChangeAspect="1"/>
+          </p:cNvPicPr>
+          <p:nvPr/>
+        </p:nvPicPr>
+        <p:blipFill>
+          <a:blip r:embed="rId2">
+            <a:extLst>
+              <a:ext uri="{28A0092B-C50C-407E-A947-70E740481C1C}">
+                <a14:useLocalDpi xmlns:a14="http://schemas.microsoft.com/office/drawing/2010/main" val="0"/>
+              </a:ext>
+            </a:extLst>
+          </a:blip>
+          <a:stretch>
+            <a:fillRect/>
+          </a:stretch>
+        </p:blipFill>
+        <p:spPr>
+          <a:xfrm>
+            <a:off x="457200" y="1268760"/>
+            <a:ext cx="7884368" cy="5434115"/>
+          </a:xfrm>
+          <a:prstGeom prst="rect">
+            <a:avLst/>
+          </a:prstGeom>
+        </p:spPr>
+      </p:pic>
+      <p:grpSp>
+        <p:nvGrpSpPr>
+          <p:cNvPr id="8" name="Group 7"/>
+          <p:cNvGrpSpPr/>
+          <p:nvPr/>
+        </p:nvGrpSpPr>
+        <p:grpSpPr>
+          <a:xfrm>
+            <a:off x="2267744" y="4797152"/>
+            <a:ext cx="1152128" cy="1008112"/>
+            <a:chOff x="2267744" y="4797152"/>
+            <a:chExt cx="1152128" cy="1008112"/>
+          </a:xfrm>
+        </p:grpSpPr>
+        <p:cxnSp>
+          <p:nvCxnSpPr>
+            <p:cNvPr id="5" name="Straight Arrow Connector 4"/>
+            <p:cNvCxnSpPr>
+              <a:stCxn id="6" idx="3"/>
+            </p:cNvCxnSpPr>
+            <p:nvPr/>
+          </p:nvCxnSpPr>
+          <p:spPr>
+            <a:xfrm>
+              <a:off x="2965371" y="4981818"/>
+              <a:ext cx="454501" cy="823446"/>
+            </a:xfrm>
+            <a:prstGeom prst="straightConnector1">
+              <a:avLst/>
+            </a:prstGeom>
+            <a:ln w="38100">
+              <a:solidFill>
+                <a:schemeClr val="tx1"/>
+              </a:solidFill>
+              <a:tailEnd type="stealth"/>
+            </a:ln>
+          </p:spPr>
+          <p:style>
+            <a:lnRef idx="1">
+              <a:schemeClr val="accent1"/>
+            </a:lnRef>
+            <a:fillRef idx="0">
+              <a:schemeClr val="accent1"/>
+            </a:fillRef>
+            <a:effectRef idx="0">
+              <a:schemeClr val="accent1"/>
+            </a:effectRef>
+            <a:fontRef idx="minor">
+              <a:schemeClr val="tx1"/>
+            </a:fontRef>
+          </p:style>
+        </p:cxnSp>
+        <p:sp>
+          <p:nvSpPr>
+            <p:cNvPr id="6" name="TextBox 5"/>
+            <p:cNvSpPr txBox="1"/>
+            <p:nvPr/>
+          </p:nvSpPr>
+          <p:spPr>
+            <a:xfrm>
+              <a:off x="2267744" y="4797152"/>
+              <a:ext cx="697627" cy="369332"/>
+            </a:xfrm>
+            <a:prstGeom prst="rect">
+              <a:avLst/>
+            </a:prstGeom>
+            <a:noFill/>
+          </p:spPr>
+          <p:txBody>
+            <a:bodyPr wrap="none" rtlCol="0">
+              <a:spAutoFit/>
+            </a:bodyPr>
+            <a:lstStyle/>
+            <a:p>
+              <a:r>
+                <a:rPr lang="en-US" dirty="0" smtClean="0"/>
+                <a:t>32 kb</a:t>
+              </a:r>
+              <a:endParaRPr lang="en-US" dirty="0"/>
+            </a:p>
+          </p:txBody>
+        </p:sp>
+      </p:grpSp>
+      <p:grpSp>
+        <p:nvGrpSpPr>
+          <p:cNvPr id="9" name="Group 8"/>
+          <p:cNvGrpSpPr/>
+          <p:nvPr/>
+        </p:nvGrpSpPr>
+        <p:grpSpPr>
+          <a:xfrm>
+            <a:off x="3402443" y="3818880"/>
+            <a:ext cx="1241565" cy="978272"/>
+            <a:chOff x="2106299" y="4826992"/>
+            <a:chExt cx="1241565" cy="978272"/>
+          </a:xfrm>
+        </p:grpSpPr>
+        <p:cxnSp>
+          <p:nvCxnSpPr>
+            <p:cNvPr id="10" name="Straight Arrow Connector 9"/>
+            <p:cNvCxnSpPr>
+              <a:stCxn id="11" idx="3"/>
+            </p:cNvCxnSpPr>
+            <p:nvPr/>
+          </p:nvCxnSpPr>
+          <p:spPr>
+            <a:xfrm>
+              <a:off x="2920946" y="5011658"/>
+              <a:ext cx="426918" cy="793606"/>
+            </a:xfrm>
+            <a:prstGeom prst="straightConnector1">
+              <a:avLst/>
+            </a:prstGeom>
+            <a:ln w="38100">
+              <a:solidFill>
+                <a:schemeClr val="tx1"/>
+              </a:solidFill>
+              <a:tailEnd type="stealth"/>
+            </a:ln>
+          </p:spPr>
+          <p:style>
+            <a:lnRef idx="1">
+              <a:schemeClr val="accent1"/>
+            </a:lnRef>
+            <a:fillRef idx="0">
+              <a:schemeClr val="accent1"/>
+            </a:fillRef>
+            <a:effectRef idx="0">
+              <a:schemeClr val="accent1"/>
+            </a:effectRef>
+            <a:fontRef idx="minor">
+              <a:schemeClr val="tx1"/>
+            </a:fontRef>
+          </p:style>
+        </p:cxnSp>
+        <p:sp>
+          <p:nvSpPr>
+            <p:cNvPr id="11" name="TextBox 10"/>
+            <p:cNvSpPr txBox="1"/>
+            <p:nvPr/>
+          </p:nvSpPr>
+          <p:spPr>
+            <a:xfrm>
+              <a:off x="2106299" y="4826992"/>
+              <a:ext cx="814647" cy="369332"/>
+            </a:xfrm>
+            <a:prstGeom prst="rect">
+              <a:avLst/>
+            </a:prstGeom>
+            <a:noFill/>
+          </p:spPr>
+          <p:txBody>
+            <a:bodyPr wrap="none" rtlCol="0">
+              <a:spAutoFit/>
+            </a:bodyPr>
+            <a:lstStyle/>
+            <a:p>
+              <a:r>
+                <a:rPr lang="en-US" dirty="0" smtClean="0"/>
+                <a:t>256 kb</a:t>
+              </a:r>
+              <a:endParaRPr lang="en-US" dirty="0"/>
+            </a:p>
+          </p:txBody>
+        </p:sp>
+      </p:grpSp>
+      <p:grpSp>
+        <p:nvGrpSpPr>
+          <p:cNvPr id="14" name="Group 13"/>
+          <p:cNvGrpSpPr/>
+          <p:nvPr/>
+        </p:nvGrpSpPr>
+        <p:grpSpPr>
+          <a:xfrm>
+            <a:off x="6028598" y="3318851"/>
+            <a:ext cx="1241565" cy="978272"/>
+            <a:chOff x="2106299" y="4826992"/>
+            <a:chExt cx="1241565" cy="978272"/>
+          </a:xfrm>
+        </p:grpSpPr>
+        <p:cxnSp>
+          <p:nvCxnSpPr>
+            <p:cNvPr id="15" name="Straight Arrow Connector 14"/>
+            <p:cNvCxnSpPr>
+              <a:stCxn id="16" idx="3"/>
+            </p:cNvCxnSpPr>
+            <p:nvPr/>
+          </p:nvCxnSpPr>
+          <p:spPr>
+            <a:xfrm>
+              <a:off x="2896900" y="5011658"/>
+              <a:ext cx="450964" cy="793606"/>
+            </a:xfrm>
+            <a:prstGeom prst="straightConnector1">
+              <a:avLst/>
+            </a:prstGeom>
+            <a:ln w="38100">
+              <a:solidFill>
+                <a:schemeClr val="tx1"/>
+              </a:solidFill>
+              <a:tailEnd type="stealth"/>
+            </a:ln>
+          </p:spPr>
+          <p:style>
+            <a:lnRef idx="1">
+              <a:schemeClr val="accent1"/>
+            </a:lnRef>
+            <a:fillRef idx="0">
+              <a:schemeClr val="accent1"/>
+            </a:fillRef>
+            <a:effectRef idx="0">
+              <a:schemeClr val="accent1"/>
+            </a:effectRef>
+            <a:fontRef idx="minor">
+              <a:schemeClr val="tx1"/>
+            </a:fontRef>
+          </p:style>
+        </p:cxnSp>
+        <p:sp>
+          <p:nvSpPr>
+            <p:cNvPr id="16" name="TextBox 15"/>
+            <p:cNvSpPr txBox="1"/>
+            <p:nvPr/>
+          </p:nvSpPr>
+          <p:spPr>
+            <a:xfrm>
+              <a:off x="2106299" y="4826992"/>
+              <a:ext cx="790601" cy="369332"/>
+            </a:xfrm>
+            <a:prstGeom prst="rect">
+              <a:avLst/>
+            </a:prstGeom>
+            <a:noFill/>
+          </p:spPr>
+          <p:txBody>
+            <a:bodyPr wrap="none" rtlCol="0">
+              <a:spAutoFit/>
+            </a:bodyPr>
+            <a:lstStyle/>
+            <a:p>
+              <a:r>
+                <a:rPr lang="en-US" dirty="0" smtClean="0"/>
+                <a:t>16 </a:t>
+              </a:r>
+              <a:r>
+                <a:rPr lang="en-US" dirty="0"/>
+                <a:t>M</a:t>
+              </a:r>
+              <a:r>
+                <a:rPr lang="en-US" dirty="0" smtClean="0"/>
+                <a:t>b</a:t>
+              </a:r>
+              <a:endParaRPr lang="en-US" dirty="0"/>
+            </a:p>
+          </p:txBody>
+        </p:sp>
+      </p:grpSp>
+    </p:spTree>
+    <p:extLst>
+      <p:ext uri="{BB962C8B-B14F-4D97-AF65-F5344CB8AC3E}">
+        <p14:creationId xmlns:p14="http://schemas.microsoft.com/office/powerpoint/2010/main" val="679391558"/>
+      </p:ext>
+    </p:extLst>
+  </p:cSld>
+  <p:clrMapOvr>
+    <a:masterClrMapping/>
+  </p:clrMapOvr>
+  <p:timing>
+    <p:tnLst>
+      <p:par>
+        <p:cTn id="1" dur="indefinite" restart="never" nodeType="tmRoot"/>
+      </p:par>
+    </p:tnLst>
+  </p:timing>
+</p:sld>
+</file>
+
+<file path=ppt/slides/slide17.xml><?xml version="1.0" encoding="utf-8"?>
 <p:sld xmlns:a="http://schemas.openxmlformats.org/drawingml/2006/main" xmlns:r="http://schemas.openxmlformats.org/officeDocument/2006/relationships" xmlns:p="http://schemas.openxmlformats.org/presentationml/2006/main">
   <p:cSld>
     <p:spTree>
@@ -12247,7 +12725,86 @@
 </p:sld>
 </file>
 
-<file path=ppt/slides/slide17.xml><?xml version="1.0" encoding="utf-8"?>
+<file path=ppt/slides/slide18.xml><?xml version="1.0" encoding="utf-8"?>
+<p:sld xmlns:a="http://schemas.openxmlformats.org/drawingml/2006/main" xmlns:r="http://schemas.openxmlformats.org/officeDocument/2006/relationships" xmlns:p="http://schemas.openxmlformats.org/presentationml/2006/main">
+  <p:cSld>
+    <p:spTree>
+      <p:nvGrpSpPr>
+        <p:cNvPr id="1" name=""/>
+        <p:cNvGrpSpPr/>
+        <p:nvPr/>
+      </p:nvGrpSpPr>
+      <p:grpSpPr>
+        <a:xfrm>
+          <a:off x="0" y="0"/>
+          <a:ext cx="0" cy="0"/>
+          <a:chOff x="0" y="0"/>
+          <a:chExt cx="0" cy="0"/>
+        </a:xfrm>
+      </p:grpSpPr>
+      <p:sp>
+        <p:nvSpPr>
+          <p:cNvPr id="2" name="Title 1"/>
+          <p:cNvSpPr>
+            <a:spLocks noGrp="1"/>
+          </p:cNvSpPr>
+          <p:nvPr>
+            <p:ph type="title"/>
+          </p:nvPr>
+        </p:nvSpPr>
+        <p:spPr/>
+        <p:txBody>
+          <a:bodyPr/>
+          <a:lstStyle/>
+          <a:p>
+            <a:r>
+              <a:rPr lang="en-US" dirty="0" smtClean="0"/>
+              <a:t>Vectorization</a:t>
+            </a:r>
+            <a:endParaRPr lang="en-US" dirty="0"/>
+          </a:p>
+        </p:txBody>
+      </p:sp>
+      <p:sp>
+        <p:nvSpPr>
+          <p:cNvPr id="3" name="Content Placeholder 2"/>
+          <p:cNvSpPr>
+            <a:spLocks noGrp="1"/>
+          </p:cNvSpPr>
+          <p:nvPr>
+            <p:ph idx="1"/>
+          </p:nvPr>
+        </p:nvSpPr>
+        <p:spPr/>
+        <p:txBody>
+          <a:bodyPr/>
+          <a:lstStyle/>
+          <a:p>
+            <a:endParaRPr lang="en-US"/>
+          </a:p>
+        </p:txBody>
+      </p:sp>
+    </p:spTree>
+    <p:extLst>
+      <p:ext uri="{BB962C8B-B14F-4D97-AF65-F5344CB8AC3E}">
+        <p14:creationId xmlns:p14="http://schemas.microsoft.com/office/powerpoint/2010/main" val="78468918"/>
+      </p:ext>
+    </p:extLst>
+  </p:cSld>
+  <p:clrMapOvr>
+    <a:masterClrMapping/>
+  </p:clrMapOvr>
+  <p:timing>
+    <p:tnLst>
+      <p:par>
+        <p:cTn id="1" dur="indefinite" restart="never" nodeType="tmRoot"/>
+      </p:par>
+    </p:tnLst>
+  </p:timing>
+</p:sld>
+</file>
+
+<file path=ppt/slides/slide19.xml><?xml version="1.0" encoding="utf-8"?>
 <p:sld xmlns:a="http://schemas.openxmlformats.org/drawingml/2006/main" xmlns:r="http://schemas.openxmlformats.org/officeDocument/2006/relationships" xmlns:p="http://schemas.openxmlformats.org/presentationml/2006/main">
   <p:cSld>
     <p:spTree>
@@ -12302,7 +12859,958 @@
           <a:bodyPr/>
           <a:lstStyle/>
           <a:p>
-            <a:endParaRPr lang="en-US"/>
+            <a:r>
+              <a:rPr lang="en-US" dirty="0" smtClean="0"/>
+              <a:t>Transport 64 byte at once:</a:t>
+            </a:r>
+            <a:br>
+              <a:rPr lang="en-US" dirty="0" smtClean="0"/>
+            </a:br>
+            <a:r>
+              <a:rPr lang="en-US" dirty="0" smtClean="0"/>
+              <a:t>RAM </a:t>
+            </a:r>
+            <a:r>
+              <a:rPr lang="en-US" dirty="0" smtClean="0">
+                <a:sym typeface="Symbol" panose="05050102010706020507" pitchFamily="18" charset="2"/>
+              </a:rPr>
+              <a:t></a:t>
+            </a:r>
+            <a:r>
+              <a:rPr lang="en-US" dirty="0" smtClean="0"/>
+              <a:t> L3 </a:t>
+            </a:r>
+            <a:r>
+              <a:rPr lang="en-US" dirty="0">
+                <a:sym typeface="Symbol" panose="05050102010706020507" pitchFamily="18" charset="2"/>
+              </a:rPr>
+              <a:t></a:t>
+            </a:r>
+            <a:r>
+              <a:rPr lang="en-US" dirty="0" smtClean="0"/>
+              <a:t> L2 </a:t>
+            </a:r>
+            <a:r>
+              <a:rPr lang="en-US" dirty="0">
+                <a:sym typeface="Symbol" panose="05050102010706020507" pitchFamily="18" charset="2"/>
+              </a:rPr>
+              <a:t></a:t>
+            </a:r>
+            <a:r>
+              <a:rPr lang="en-US" dirty="0" smtClean="0"/>
+              <a:t> L1</a:t>
+            </a:r>
+          </a:p>
+          <a:p>
+            <a:pPr lvl="1"/>
+            <a:r>
+              <a:rPr lang="en-US" dirty="0" smtClean="0"/>
+              <a:t>cache line</a:t>
+            </a:r>
+          </a:p>
+          <a:p>
+            <a:pPr lvl="1"/>
+            <a:r>
+              <a:rPr lang="en-US" dirty="0" smtClean="0"/>
+              <a:t>8 double or 16 single precision</a:t>
+            </a:r>
+          </a:p>
+          <a:p>
+            <a:r>
+              <a:rPr lang="en-US" dirty="0" smtClean="0"/>
+              <a:t>Data structure layout is critical!</a:t>
+            </a:r>
+          </a:p>
+          <a:p>
+            <a:pPr lvl="1"/>
+            <a:r>
+              <a:rPr lang="en-US" dirty="0" smtClean="0"/>
+              <a:t>access to contiguous data, e.g., </a:t>
+            </a:r>
+            <a:r>
+              <a:rPr lang="en-US" dirty="0" err="1" smtClean="0"/>
+              <a:t>AoS</a:t>
+            </a:r>
+            <a:r>
+              <a:rPr lang="en-US" dirty="0" smtClean="0"/>
+              <a:t> vs. </a:t>
+            </a:r>
+            <a:r>
+              <a:rPr lang="en-US" dirty="0" err="1" smtClean="0"/>
+              <a:t>SoA</a:t>
+            </a:r>
+            <a:endParaRPr lang="en-US" dirty="0"/>
+          </a:p>
+        </p:txBody>
+      </p:sp>
+      <p:grpSp>
+        <p:nvGrpSpPr>
+          <p:cNvPr id="25" name="Group 24"/>
+          <p:cNvGrpSpPr/>
+          <p:nvPr/>
+        </p:nvGrpSpPr>
+        <p:grpSpPr>
+          <a:xfrm>
+            <a:off x="3491880" y="5085184"/>
+            <a:ext cx="4917326" cy="411266"/>
+            <a:chOff x="2483768" y="4745926"/>
+            <a:chExt cx="4917326" cy="411266"/>
+          </a:xfrm>
+        </p:grpSpPr>
+        <p:sp>
+          <p:nvSpPr>
+            <p:cNvPr id="4" name="Rectangle 3"/>
+            <p:cNvSpPr/>
+            <p:nvPr/>
+          </p:nvSpPr>
+          <p:spPr>
+            <a:xfrm>
+              <a:off x="2483768" y="4787860"/>
+              <a:ext cx="4896544" cy="369332"/>
+            </a:xfrm>
+            <a:prstGeom prst="rect">
+              <a:avLst/>
+            </a:prstGeom>
+            <a:solidFill>
+              <a:schemeClr val="bg1">
+                <a:lumMod val="85000"/>
+              </a:schemeClr>
+            </a:solidFill>
+            <a:ln>
+              <a:noFill/>
+            </a:ln>
+          </p:spPr>
+          <p:style>
+            <a:lnRef idx="2">
+              <a:schemeClr val="accent1">
+                <a:shade val="50000"/>
+              </a:schemeClr>
+            </a:lnRef>
+            <a:fillRef idx="1">
+              <a:schemeClr val="accent1"/>
+            </a:fillRef>
+            <a:effectRef idx="0">
+              <a:schemeClr val="accent1"/>
+            </a:effectRef>
+            <a:fontRef idx="minor">
+              <a:schemeClr val="lt1"/>
+            </a:fontRef>
+          </p:style>
+          <p:txBody>
+            <a:bodyPr rtlCol="0" anchor="ctr"/>
+            <a:lstStyle/>
+            <a:p>
+              <a:pPr algn="ctr"/>
+              <a:endParaRPr lang="en-US"/>
+            </a:p>
+          </p:txBody>
+        </p:sp>
+        <p:sp>
+          <p:nvSpPr>
+            <p:cNvPr id="5" name="TextBox 4"/>
+            <p:cNvSpPr txBox="1"/>
+            <p:nvPr/>
+          </p:nvSpPr>
+          <p:spPr>
+            <a:xfrm>
+              <a:off x="3082342" y="4787860"/>
+              <a:ext cx="676788" cy="369332"/>
+            </a:xfrm>
+            <a:prstGeom prst="rect">
+              <a:avLst/>
+            </a:prstGeom>
+            <a:noFill/>
+          </p:spPr>
+          <p:txBody>
+            <a:bodyPr wrap="none" rtlCol="0">
+              <a:spAutoFit/>
+            </a:bodyPr>
+            <a:lstStyle/>
+            <a:p>
+              <a:r>
+                <a:rPr lang="en-US" dirty="0" smtClean="0"/>
+                <a:t>a[i-1]</a:t>
+              </a:r>
+              <a:endParaRPr lang="en-US" dirty="0"/>
+            </a:p>
+          </p:txBody>
+        </p:sp>
+        <p:sp>
+          <p:nvSpPr>
+            <p:cNvPr id="6" name="TextBox 5"/>
+            <p:cNvSpPr txBox="1"/>
+            <p:nvPr/>
+          </p:nvSpPr>
+          <p:spPr>
+            <a:xfrm>
+              <a:off x="3722724" y="4787860"/>
+              <a:ext cx="489236" cy="369332"/>
+            </a:xfrm>
+            <a:prstGeom prst="rect">
+              <a:avLst/>
+            </a:prstGeom>
+            <a:noFill/>
+          </p:spPr>
+          <p:txBody>
+            <a:bodyPr wrap="none" rtlCol="0">
+              <a:spAutoFit/>
+            </a:bodyPr>
+            <a:lstStyle/>
+            <a:p>
+              <a:r>
+                <a:rPr lang="en-US" dirty="0" smtClean="0"/>
+                <a:t>a[</a:t>
+              </a:r>
+              <a:r>
+                <a:rPr lang="en-US" dirty="0" err="1" smtClean="0"/>
+                <a:t>i</a:t>
+              </a:r>
+              <a:r>
+                <a:rPr lang="en-US" dirty="0" smtClean="0"/>
+                <a:t>]</a:t>
+              </a:r>
+              <a:endParaRPr lang="en-US" dirty="0"/>
+            </a:p>
+          </p:txBody>
+        </p:sp>
+        <p:sp>
+          <p:nvSpPr>
+            <p:cNvPr id="7" name="TextBox 6"/>
+            <p:cNvSpPr txBox="1"/>
+            <p:nvPr/>
+          </p:nvSpPr>
+          <p:spPr>
+            <a:xfrm>
+              <a:off x="4211960" y="4787860"/>
+              <a:ext cx="721672" cy="369332"/>
+            </a:xfrm>
+            <a:prstGeom prst="rect">
+              <a:avLst/>
+            </a:prstGeom>
+            <a:noFill/>
+          </p:spPr>
+          <p:txBody>
+            <a:bodyPr wrap="none" rtlCol="0">
+              <a:spAutoFit/>
+            </a:bodyPr>
+            <a:lstStyle/>
+            <a:p>
+              <a:r>
+                <a:rPr lang="en-US" dirty="0" smtClean="0"/>
+                <a:t>a[i+1]</a:t>
+              </a:r>
+              <a:endParaRPr lang="en-US" dirty="0"/>
+            </a:p>
+          </p:txBody>
+        </p:sp>
+        <p:sp>
+          <p:nvSpPr>
+            <p:cNvPr id="8" name="TextBox 7"/>
+            <p:cNvSpPr txBox="1"/>
+            <p:nvPr/>
+          </p:nvSpPr>
+          <p:spPr>
+            <a:xfrm>
+              <a:off x="5434504" y="4787860"/>
+              <a:ext cx="721672" cy="369332"/>
+            </a:xfrm>
+            <a:prstGeom prst="rect">
+              <a:avLst/>
+            </a:prstGeom>
+            <a:noFill/>
+          </p:spPr>
+          <p:txBody>
+            <a:bodyPr wrap="none" rtlCol="0">
+              <a:spAutoFit/>
+            </a:bodyPr>
+            <a:lstStyle/>
+            <a:p>
+              <a:r>
+                <a:rPr lang="en-US" dirty="0" smtClean="0"/>
+                <a:t>a[i+7]</a:t>
+              </a:r>
+              <a:endParaRPr lang="en-US" dirty="0"/>
+            </a:p>
+          </p:txBody>
+        </p:sp>
+        <p:sp>
+          <p:nvSpPr>
+            <p:cNvPr id="9" name="TextBox 8"/>
+            <p:cNvSpPr txBox="1"/>
+            <p:nvPr/>
+          </p:nvSpPr>
+          <p:spPr>
+            <a:xfrm>
+              <a:off x="6030621" y="4787860"/>
+              <a:ext cx="721672" cy="369332"/>
+            </a:xfrm>
+            <a:prstGeom prst="rect">
+              <a:avLst/>
+            </a:prstGeom>
+            <a:noFill/>
+          </p:spPr>
+          <p:txBody>
+            <a:bodyPr wrap="none" rtlCol="0">
+              <a:spAutoFit/>
+            </a:bodyPr>
+            <a:lstStyle/>
+            <a:p>
+              <a:r>
+                <a:rPr lang="en-US" dirty="0" smtClean="0"/>
+                <a:t>a[i+8]</a:t>
+              </a:r>
+              <a:endParaRPr lang="en-US" dirty="0"/>
+            </a:p>
+          </p:txBody>
+        </p:sp>
+        <p:cxnSp>
+          <p:nvCxnSpPr>
+            <p:cNvPr id="11" name="Straight Connector 10"/>
+            <p:cNvCxnSpPr/>
+            <p:nvPr/>
+          </p:nvCxnSpPr>
+          <p:spPr>
+            <a:xfrm>
+              <a:off x="3687122" y="4777469"/>
+              <a:ext cx="0" cy="369332"/>
+            </a:xfrm>
+            <a:prstGeom prst="line">
+              <a:avLst/>
+            </a:prstGeom>
+            <a:ln w="19050">
+              <a:solidFill>
+                <a:schemeClr val="tx1"/>
+              </a:solidFill>
+            </a:ln>
+          </p:spPr>
+          <p:style>
+            <a:lnRef idx="1">
+              <a:schemeClr val="accent1"/>
+            </a:lnRef>
+            <a:fillRef idx="0">
+              <a:schemeClr val="accent1"/>
+            </a:fillRef>
+            <a:effectRef idx="0">
+              <a:schemeClr val="accent1"/>
+            </a:effectRef>
+            <a:fontRef idx="minor">
+              <a:schemeClr val="tx1"/>
+            </a:fontRef>
+          </p:style>
+        </p:cxnSp>
+        <p:cxnSp>
+          <p:nvCxnSpPr>
+            <p:cNvPr id="12" name="Straight Connector 11"/>
+            <p:cNvCxnSpPr/>
+            <p:nvPr/>
+          </p:nvCxnSpPr>
+          <p:spPr>
+            <a:xfrm>
+              <a:off x="4283968" y="4776370"/>
+              <a:ext cx="0" cy="369332"/>
+            </a:xfrm>
+            <a:prstGeom prst="line">
+              <a:avLst/>
+            </a:prstGeom>
+            <a:ln w="19050">
+              <a:solidFill>
+                <a:schemeClr val="tx1"/>
+              </a:solidFill>
+            </a:ln>
+          </p:spPr>
+          <p:style>
+            <a:lnRef idx="1">
+              <a:schemeClr val="accent1"/>
+            </a:lnRef>
+            <a:fillRef idx="0">
+              <a:schemeClr val="accent1"/>
+            </a:fillRef>
+            <a:effectRef idx="0">
+              <a:schemeClr val="accent1"/>
+            </a:effectRef>
+            <a:fontRef idx="minor">
+              <a:schemeClr val="tx1"/>
+            </a:fontRef>
+          </p:style>
+        </p:cxnSp>
+        <p:cxnSp>
+          <p:nvCxnSpPr>
+            <p:cNvPr id="13" name="Straight Connector 12"/>
+            <p:cNvCxnSpPr/>
+            <p:nvPr/>
+          </p:nvCxnSpPr>
+          <p:spPr>
+            <a:xfrm>
+              <a:off x="4860032" y="4776370"/>
+              <a:ext cx="0" cy="369332"/>
+            </a:xfrm>
+            <a:prstGeom prst="line">
+              <a:avLst/>
+            </a:prstGeom>
+            <a:ln w="19050">
+              <a:solidFill>
+                <a:schemeClr val="tx1"/>
+              </a:solidFill>
+            </a:ln>
+          </p:spPr>
+          <p:style>
+            <a:lnRef idx="1">
+              <a:schemeClr val="accent1"/>
+            </a:lnRef>
+            <a:fillRef idx="0">
+              <a:schemeClr val="accent1"/>
+            </a:fillRef>
+            <a:effectRef idx="0">
+              <a:schemeClr val="accent1"/>
+            </a:effectRef>
+            <a:fontRef idx="minor">
+              <a:schemeClr val="tx1"/>
+            </a:fontRef>
+          </p:style>
+        </p:cxnSp>
+        <p:cxnSp>
+          <p:nvCxnSpPr>
+            <p:cNvPr id="14" name="Straight Connector 13"/>
+            <p:cNvCxnSpPr/>
+            <p:nvPr/>
+          </p:nvCxnSpPr>
+          <p:spPr>
+            <a:xfrm>
+              <a:off x="3131840" y="4786761"/>
+              <a:ext cx="0" cy="369332"/>
+            </a:xfrm>
+            <a:prstGeom prst="line">
+              <a:avLst/>
+            </a:prstGeom>
+            <a:ln w="19050">
+              <a:solidFill>
+                <a:schemeClr val="tx1"/>
+              </a:solidFill>
+            </a:ln>
+          </p:spPr>
+          <p:style>
+            <a:lnRef idx="1">
+              <a:schemeClr val="accent1"/>
+            </a:lnRef>
+            <a:fillRef idx="0">
+              <a:schemeClr val="accent1"/>
+            </a:fillRef>
+            <a:effectRef idx="0">
+              <a:schemeClr val="accent1"/>
+            </a:effectRef>
+            <a:fontRef idx="minor">
+              <a:schemeClr val="tx1"/>
+            </a:fontRef>
+          </p:style>
+        </p:cxnSp>
+        <p:cxnSp>
+          <p:nvCxnSpPr>
+            <p:cNvPr id="15" name="Straight Connector 14"/>
+            <p:cNvCxnSpPr/>
+            <p:nvPr/>
+          </p:nvCxnSpPr>
+          <p:spPr>
+            <a:xfrm>
+              <a:off x="5497713" y="4776370"/>
+              <a:ext cx="0" cy="369332"/>
+            </a:xfrm>
+            <a:prstGeom prst="line">
+              <a:avLst/>
+            </a:prstGeom>
+            <a:ln w="19050">
+              <a:solidFill>
+                <a:schemeClr val="tx1"/>
+              </a:solidFill>
+            </a:ln>
+          </p:spPr>
+          <p:style>
+            <a:lnRef idx="1">
+              <a:schemeClr val="accent1"/>
+            </a:lnRef>
+            <a:fillRef idx="0">
+              <a:schemeClr val="accent1"/>
+            </a:fillRef>
+            <a:effectRef idx="0">
+              <a:schemeClr val="accent1"/>
+            </a:effectRef>
+            <a:fontRef idx="minor">
+              <a:schemeClr val="tx1"/>
+            </a:fontRef>
+          </p:style>
+        </p:cxnSp>
+        <p:cxnSp>
+          <p:nvCxnSpPr>
+            <p:cNvPr id="16" name="Straight Connector 15"/>
+            <p:cNvCxnSpPr/>
+            <p:nvPr/>
+          </p:nvCxnSpPr>
+          <p:spPr>
+            <a:xfrm>
+              <a:off x="6084168" y="4776370"/>
+              <a:ext cx="0" cy="369332"/>
+            </a:xfrm>
+            <a:prstGeom prst="line">
+              <a:avLst/>
+            </a:prstGeom>
+            <a:ln w="19050">
+              <a:solidFill>
+                <a:schemeClr val="tx1"/>
+              </a:solidFill>
+            </a:ln>
+          </p:spPr>
+          <p:style>
+            <a:lnRef idx="1">
+              <a:schemeClr val="accent1"/>
+            </a:lnRef>
+            <a:fillRef idx="0">
+              <a:schemeClr val="accent1"/>
+            </a:fillRef>
+            <a:effectRef idx="0">
+              <a:schemeClr val="accent1"/>
+            </a:effectRef>
+            <a:fontRef idx="minor">
+              <a:schemeClr val="tx1"/>
+            </a:fontRef>
+          </p:style>
+        </p:cxnSp>
+        <p:cxnSp>
+          <p:nvCxnSpPr>
+            <p:cNvPr id="17" name="Straight Connector 16"/>
+            <p:cNvCxnSpPr/>
+            <p:nvPr/>
+          </p:nvCxnSpPr>
+          <p:spPr>
+            <a:xfrm>
+              <a:off x="6690676" y="4787860"/>
+              <a:ext cx="0" cy="369332"/>
+            </a:xfrm>
+            <a:prstGeom prst="line">
+              <a:avLst/>
+            </a:prstGeom>
+            <a:ln w="19050">
+              <a:solidFill>
+                <a:schemeClr val="tx1"/>
+              </a:solidFill>
+            </a:ln>
+          </p:spPr>
+          <p:style>
+            <a:lnRef idx="1">
+              <a:schemeClr val="accent1"/>
+            </a:lnRef>
+            <a:fillRef idx="0">
+              <a:schemeClr val="accent1"/>
+            </a:fillRef>
+            <a:effectRef idx="0">
+              <a:schemeClr val="accent1"/>
+            </a:effectRef>
+            <a:fontRef idx="minor">
+              <a:schemeClr val="tx1"/>
+            </a:fontRef>
+          </p:style>
+        </p:cxnSp>
+        <p:sp>
+          <p:nvSpPr>
+            <p:cNvPr id="18" name="TextBox 17"/>
+            <p:cNvSpPr txBox="1"/>
+            <p:nvPr/>
+          </p:nvSpPr>
+          <p:spPr>
+            <a:xfrm>
+              <a:off x="5020724" y="4745926"/>
+              <a:ext cx="343364" cy="369332"/>
+            </a:xfrm>
+            <a:prstGeom prst="rect">
+              <a:avLst/>
+            </a:prstGeom>
+            <a:noFill/>
+          </p:spPr>
+          <p:txBody>
+            <a:bodyPr wrap="none" rtlCol="0">
+              <a:spAutoFit/>
+            </a:bodyPr>
+            <a:lstStyle/>
+            <a:p>
+              <a:r>
+                <a:rPr lang="en-US" dirty="0" smtClean="0"/>
+                <a:t>…</a:t>
+              </a:r>
+              <a:endParaRPr lang="en-US" dirty="0"/>
+            </a:p>
+          </p:txBody>
+        </p:sp>
+        <p:cxnSp>
+          <p:nvCxnSpPr>
+            <p:cNvPr id="20" name="Straight Connector 19"/>
+            <p:cNvCxnSpPr/>
+            <p:nvPr/>
+          </p:nvCxnSpPr>
+          <p:spPr>
+            <a:xfrm>
+              <a:off x="2483768" y="4786761"/>
+              <a:ext cx="4896544" cy="0"/>
+            </a:xfrm>
+            <a:prstGeom prst="line">
+              <a:avLst/>
+            </a:prstGeom>
+            <a:ln w="19050">
+              <a:solidFill>
+                <a:schemeClr val="tx1"/>
+              </a:solidFill>
+            </a:ln>
+          </p:spPr>
+          <p:style>
+            <a:lnRef idx="1">
+              <a:schemeClr val="accent1"/>
+            </a:lnRef>
+            <a:fillRef idx="0">
+              <a:schemeClr val="accent1"/>
+            </a:fillRef>
+            <a:effectRef idx="0">
+              <a:schemeClr val="accent1"/>
+            </a:effectRef>
+            <a:fontRef idx="minor">
+              <a:schemeClr val="tx1"/>
+            </a:fontRef>
+          </p:style>
+        </p:cxnSp>
+        <p:cxnSp>
+          <p:nvCxnSpPr>
+            <p:cNvPr id="22" name="Straight Connector 21"/>
+            <p:cNvCxnSpPr/>
+            <p:nvPr/>
+          </p:nvCxnSpPr>
+          <p:spPr>
+            <a:xfrm>
+              <a:off x="2504550" y="5157192"/>
+              <a:ext cx="4896544" cy="0"/>
+            </a:xfrm>
+            <a:prstGeom prst="line">
+              <a:avLst/>
+            </a:prstGeom>
+            <a:ln w="19050">
+              <a:solidFill>
+                <a:schemeClr val="tx1"/>
+              </a:solidFill>
+            </a:ln>
+          </p:spPr>
+          <p:style>
+            <a:lnRef idx="1">
+              <a:schemeClr val="accent1"/>
+            </a:lnRef>
+            <a:fillRef idx="0">
+              <a:schemeClr val="accent1"/>
+            </a:fillRef>
+            <a:effectRef idx="0">
+              <a:schemeClr val="accent1"/>
+            </a:effectRef>
+            <a:fontRef idx="minor">
+              <a:schemeClr val="tx1"/>
+            </a:fontRef>
+          </p:style>
+        </p:cxnSp>
+        <p:sp>
+          <p:nvSpPr>
+            <p:cNvPr id="23" name="TextBox 22"/>
+            <p:cNvSpPr txBox="1"/>
+            <p:nvPr/>
+          </p:nvSpPr>
+          <p:spPr>
+            <a:xfrm>
+              <a:off x="6892932" y="4745926"/>
+              <a:ext cx="343364" cy="369332"/>
+            </a:xfrm>
+            <a:prstGeom prst="rect">
+              <a:avLst/>
+            </a:prstGeom>
+            <a:noFill/>
+          </p:spPr>
+          <p:txBody>
+            <a:bodyPr wrap="none" rtlCol="0">
+              <a:spAutoFit/>
+            </a:bodyPr>
+            <a:lstStyle/>
+            <a:p>
+              <a:r>
+                <a:rPr lang="en-US" dirty="0" smtClean="0"/>
+                <a:t>…</a:t>
+              </a:r>
+              <a:endParaRPr lang="en-US" dirty="0"/>
+            </a:p>
+          </p:txBody>
+        </p:sp>
+        <p:sp>
+          <p:nvSpPr>
+            <p:cNvPr id="24" name="TextBox 23"/>
+            <p:cNvSpPr txBox="1"/>
+            <p:nvPr/>
+          </p:nvSpPr>
+          <p:spPr>
+            <a:xfrm>
+              <a:off x="2627784" y="4745926"/>
+              <a:ext cx="343364" cy="369332"/>
+            </a:xfrm>
+            <a:prstGeom prst="rect">
+              <a:avLst/>
+            </a:prstGeom>
+            <a:noFill/>
+          </p:spPr>
+          <p:txBody>
+            <a:bodyPr wrap="none" rtlCol="0">
+              <a:spAutoFit/>
+            </a:bodyPr>
+            <a:lstStyle/>
+            <a:p>
+              <a:r>
+                <a:rPr lang="en-US" dirty="0" smtClean="0"/>
+                <a:t>…</a:t>
+              </a:r>
+              <a:endParaRPr lang="en-US" dirty="0"/>
+            </a:p>
+          </p:txBody>
+        </p:sp>
+      </p:grpSp>
+      <p:sp>
+        <p:nvSpPr>
+          <p:cNvPr id="26" name="TextBox 25"/>
+          <p:cNvSpPr txBox="1"/>
+          <p:nvPr/>
+        </p:nvSpPr>
+        <p:spPr>
+          <a:xfrm>
+            <a:off x="705402" y="5013176"/>
+            <a:ext cx="2138406" cy="1323439"/>
+          </a:xfrm>
+          <a:prstGeom prst="rect">
+            <a:avLst/>
+          </a:prstGeom>
+          <a:noFill/>
+          <a:ln>
+            <a:solidFill>
+              <a:schemeClr val="tx1"/>
+            </a:solidFill>
+          </a:ln>
+        </p:spPr>
+        <p:txBody>
+          <a:bodyPr wrap="none" rtlCol="0">
+            <a:spAutoFit/>
+          </a:bodyPr>
+          <a:lstStyle/>
+          <a:p>
+            <a:r>
+              <a:rPr lang="en-US" sz="2000" dirty="0" smtClean="0"/>
+              <a:t>double a[n];</a:t>
+            </a:r>
+          </a:p>
+          <a:p>
+            <a:r>
+              <a:rPr lang="en-US" sz="2000" dirty="0" smtClean="0"/>
+              <a:t>…</a:t>
+            </a:r>
+          </a:p>
+          <a:p>
+            <a:r>
+              <a:rPr lang="en-US" sz="2000" dirty="0" smtClean="0"/>
+              <a:t>for (</a:t>
+            </a:r>
+            <a:r>
+              <a:rPr lang="en-US" sz="2000" dirty="0" err="1" smtClean="0"/>
+              <a:t>i</a:t>
+            </a:r>
+            <a:r>
+              <a:rPr lang="en-US" sz="2000" dirty="0" smtClean="0"/>
+              <a:t> = 0; </a:t>
+            </a:r>
+            <a:r>
+              <a:rPr lang="en-US" sz="2000" dirty="0" err="1" smtClean="0"/>
+              <a:t>i</a:t>
+            </a:r>
+            <a:r>
+              <a:rPr lang="en-US" sz="2000" dirty="0"/>
+              <a:t> </a:t>
+            </a:r>
+            <a:r>
+              <a:rPr lang="en-US" sz="2000" dirty="0" smtClean="0"/>
+              <a:t>&lt; n; </a:t>
+            </a:r>
+            <a:r>
+              <a:rPr lang="en-US" sz="2000" dirty="0" err="1" smtClean="0"/>
+              <a:t>i</a:t>
+            </a:r>
+            <a:r>
+              <a:rPr lang="en-US" sz="2000" dirty="0" smtClean="0"/>
+              <a:t>++)</a:t>
+            </a:r>
+          </a:p>
+          <a:p>
+            <a:r>
+              <a:rPr lang="en-US" sz="2000" dirty="0"/>
+              <a:t> </a:t>
+            </a:r>
+            <a:r>
+              <a:rPr lang="en-US" sz="2000" dirty="0" smtClean="0"/>
+              <a:t>   f(a[</a:t>
+            </a:r>
+            <a:r>
+              <a:rPr lang="en-US" sz="2000" dirty="0" err="1" smtClean="0"/>
+              <a:t>i</a:t>
+            </a:r>
+            <a:r>
+              <a:rPr lang="en-US" sz="2000" dirty="0" smtClean="0"/>
+              <a:t>])</a:t>
+            </a:r>
+            <a:endParaRPr lang="en-US" sz="1600" dirty="0" smtClean="0"/>
+          </a:p>
+        </p:txBody>
+      </p:sp>
+      <p:grpSp>
+        <p:nvGrpSpPr>
+          <p:cNvPr id="29" name="Group 28"/>
+          <p:cNvGrpSpPr/>
+          <p:nvPr/>
+        </p:nvGrpSpPr>
+        <p:grpSpPr>
+          <a:xfrm>
+            <a:off x="4705625" y="5568458"/>
+            <a:ext cx="2386655" cy="483274"/>
+            <a:chOff x="3748739" y="5373216"/>
+            <a:chExt cx="2386655" cy="483274"/>
+          </a:xfrm>
+        </p:grpSpPr>
+        <p:sp>
+          <p:nvSpPr>
+            <p:cNvPr id="27" name="Left Brace 26"/>
+            <p:cNvSpPr/>
+            <p:nvPr/>
+          </p:nvSpPr>
+          <p:spPr>
+            <a:xfrm rot="16200000">
+              <a:off x="4870059" y="4251896"/>
+              <a:ext cx="144016" cy="2386655"/>
+            </a:xfrm>
+            <a:prstGeom prst="leftBrace">
+              <a:avLst/>
+            </a:prstGeom>
+            <a:ln w="19050">
+              <a:solidFill>
+                <a:schemeClr val="tx1"/>
+              </a:solidFill>
+            </a:ln>
+          </p:spPr>
+          <p:style>
+            <a:lnRef idx="1">
+              <a:schemeClr val="accent1"/>
+            </a:lnRef>
+            <a:fillRef idx="0">
+              <a:schemeClr val="accent1"/>
+            </a:fillRef>
+            <a:effectRef idx="0">
+              <a:schemeClr val="accent1"/>
+            </a:effectRef>
+            <a:fontRef idx="minor">
+              <a:schemeClr val="tx1"/>
+            </a:fontRef>
+          </p:style>
+          <p:txBody>
+            <a:bodyPr rtlCol="0" anchor="ctr"/>
+            <a:lstStyle/>
+            <a:p>
+              <a:pPr algn="ctr"/>
+              <a:endParaRPr lang="en-US"/>
+            </a:p>
+          </p:txBody>
+        </p:sp>
+        <p:sp>
+          <p:nvSpPr>
+            <p:cNvPr id="28" name="TextBox 27"/>
+            <p:cNvSpPr txBox="1"/>
+            <p:nvPr/>
+          </p:nvSpPr>
+          <p:spPr>
+            <a:xfrm>
+              <a:off x="4386002" y="5487158"/>
+              <a:ext cx="1122102" cy="369332"/>
+            </a:xfrm>
+            <a:prstGeom prst="rect">
+              <a:avLst/>
+            </a:prstGeom>
+            <a:noFill/>
+          </p:spPr>
+          <p:txBody>
+            <a:bodyPr wrap="none" rtlCol="0">
+              <a:spAutoFit/>
+            </a:bodyPr>
+            <a:lstStyle/>
+            <a:p>
+              <a:r>
+                <a:rPr lang="en-US" dirty="0" smtClean="0"/>
+                <a:t>cache line</a:t>
+              </a:r>
+              <a:endParaRPr lang="en-US" dirty="0"/>
+            </a:p>
+          </p:txBody>
+        </p:sp>
+      </p:grpSp>
+      <p:sp>
+        <p:nvSpPr>
+          <p:cNvPr id="30" name="TextBox 29"/>
+          <p:cNvSpPr txBox="1"/>
+          <p:nvPr/>
+        </p:nvSpPr>
+        <p:spPr>
+          <a:xfrm>
+            <a:off x="5657875" y="2204864"/>
+            <a:ext cx="3162597" cy="923330"/>
+          </a:xfrm>
+          <a:prstGeom prst="rect">
+            <a:avLst/>
+          </a:prstGeom>
+          <a:noFill/>
+          <a:ln>
+            <a:solidFill>
+              <a:schemeClr val="tx1"/>
+            </a:solidFill>
+          </a:ln>
+        </p:spPr>
+        <p:txBody>
+          <a:bodyPr wrap="none" rtlCol="0">
+            <a:spAutoFit/>
+          </a:bodyPr>
+          <a:lstStyle/>
+          <a:p>
+            <a:r>
+              <a:rPr lang="en-US" dirty="0" smtClean="0"/>
+              <a:t>not exploited: effective</a:t>
+            </a:r>
+            <a:br>
+              <a:rPr lang="en-US" dirty="0" smtClean="0"/>
+            </a:br>
+            <a:r>
+              <a:rPr lang="en-US" dirty="0" smtClean="0"/>
+              <a:t>    </a:t>
+            </a:r>
+            <a:r>
+              <a:rPr lang="en-US" dirty="0" smtClean="0">
+                <a:sym typeface="Symbol" panose="05050102010706020507" pitchFamily="18" charset="2"/>
+              </a:rPr>
+              <a:t> </a:t>
+            </a:r>
+            <a:r>
+              <a:rPr lang="en-US" dirty="0" smtClean="0"/>
+              <a:t>memory bandwidth/8 or 16</a:t>
+            </a:r>
+          </a:p>
+          <a:p>
+            <a:r>
+              <a:rPr lang="en-US" dirty="0" smtClean="0">
+                <a:sym typeface="Symbol" panose="05050102010706020507" pitchFamily="18" charset="2"/>
+              </a:rPr>
+              <a:t>     </a:t>
+            </a:r>
+            <a:r>
+              <a:rPr lang="en-US" dirty="0" smtClean="0"/>
+              <a:t>cache size/8 or 16</a:t>
+            </a:r>
+            <a:endParaRPr lang="en-US" dirty="0"/>
           </a:p>
         </p:txBody>
       </p:sp>
@@ -12326,7 +13834,165 @@
 </p:sld>
 </file>
 
-<file path=ppt/slides/slide18.xml><?xml version="1.0" encoding="utf-8"?>
+<file path=ppt/slides/slide2.xml><?xml version="1.0" encoding="utf-8"?>
+<p:sld xmlns:a="http://schemas.openxmlformats.org/drawingml/2006/main" xmlns:r="http://schemas.openxmlformats.org/officeDocument/2006/relationships" xmlns:p="http://schemas.openxmlformats.org/presentationml/2006/main">
+  <p:cSld>
+    <p:spTree>
+      <p:nvGrpSpPr>
+        <p:cNvPr id="1" name=""/>
+        <p:cNvGrpSpPr/>
+        <p:nvPr/>
+      </p:nvGrpSpPr>
+      <p:grpSpPr>
+        <a:xfrm>
+          <a:off x="0" y="0"/>
+          <a:ext cx="0" cy="0"/>
+          <a:chOff x="0" y="0"/>
+          <a:chExt cx="0" cy="0"/>
+        </a:xfrm>
+      </p:grpSpPr>
+      <p:sp>
+        <p:nvSpPr>
+          <p:cNvPr id="2" name="Title 1"/>
+          <p:cNvSpPr>
+            <a:spLocks noGrp="1"/>
+          </p:cNvSpPr>
+          <p:nvPr>
+            <p:ph type="title"/>
+          </p:nvPr>
+        </p:nvSpPr>
+        <p:spPr/>
+        <p:txBody>
+          <a:bodyPr/>
+          <a:lstStyle/>
+          <a:p>
+            <a:r>
+              <a:rPr lang="en-US" dirty="0" smtClean="0"/>
+              <a:t>Parallel scaling</a:t>
+            </a:r>
+            <a:endParaRPr lang="en-US" dirty="0"/>
+          </a:p>
+        </p:txBody>
+      </p:sp>
+      <p:sp>
+        <p:nvSpPr>
+          <p:cNvPr id="3" name="Text Placeholder 2"/>
+          <p:cNvSpPr>
+            <a:spLocks noGrp="1"/>
+          </p:cNvSpPr>
+          <p:nvPr>
+            <p:ph type="body" idx="1"/>
+          </p:nvPr>
+        </p:nvSpPr>
+        <p:spPr/>
+        <p:txBody>
+          <a:bodyPr/>
+          <a:lstStyle/>
+          <a:p>
+            <a:endParaRPr lang="en-US"/>
+          </a:p>
+        </p:txBody>
+      </p:sp>
+    </p:spTree>
+    <p:extLst>
+      <p:ext uri="{BB962C8B-B14F-4D97-AF65-F5344CB8AC3E}">
+        <p14:creationId xmlns:p14="http://schemas.microsoft.com/office/powerpoint/2010/main" val="703705777"/>
+      </p:ext>
+    </p:extLst>
+  </p:cSld>
+  <p:clrMapOvr>
+    <a:masterClrMapping/>
+  </p:clrMapOvr>
+  <p:timing>
+    <p:tnLst>
+      <p:par>
+        <p:cTn id="1" dur="indefinite" restart="never" nodeType="tmRoot"/>
+      </p:par>
+    </p:tnLst>
+  </p:timing>
+</p:sld>
+</file>
+
+<file path=ppt/slides/slide20.xml><?xml version="1.0" encoding="utf-8"?>
+<p:sld xmlns:a="http://schemas.openxmlformats.org/drawingml/2006/main" xmlns:r="http://schemas.openxmlformats.org/officeDocument/2006/relationships" xmlns:p="http://schemas.openxmlformats.org/presentationml/2006/main">
+  <p:cSld>
+    <p:spTree>
+      <p:nvGrpSpPr>
+        <p:cNvPr id="1" name=""/>
+        <p:cNvGrpSpPr/>
+        <p:nvPr/>
+      </p:nvGrpSpPr>
+      <p:grpSpPr>
+        <a:xfrm>
+          <a:off x="0" y="0"/>
+          <a:ext cx="0" cy="0"/>
+          <a:chOff x="0" y="0"/>
+          <a:chExt cx="0" cy="0"/>
+        </a:xfrm>
+      </p:grpSpPr>
+      <p:sp>
+        <p:nvSpPr>
+          <p:cNvPr id="2" name="Title 1"/>
+          <p:cNvSpPr>
+            <a:spLocks noGrp="1"/>
+          </p:cNvSpPr>
+          <p:nvPr>
+            <p:ph type="title"/>
+          </p:nvPr>
+        </p:nvSpPr>
+        <p:spPr/>
+        <p:txBody>
+          <a:bodyPr/>
+          <a:lstStyle/>
+          <a:p>
+            <a:r>
+              <a:rPr lang="en-US" dirty="0" smtClean="0"/>
+              <a:t>False sharing</a:t>
+            </a:r>
+            <a:endParaRPr lang="en-US" dirty="0"/>
+          </a:p>
+        </p:txBody>
+      </p:sp>
+      <p:sp>
+        <p:nvSpPr>
+          <p:cNvPr id="3" name="Content Placeholder 2"/>
+          <p:cNvSpPr>
+            <a:spLocks noGrp="1"/>
+          </p:cNvSpPr>
+          <p:nvPr>
+            <p:ph idx="1"/>
+          </p:nvPr>
+        </p:nvSpPr>
+        <p:spPr/>
+        <p:txBody>
+          <a:bodyPr/>
+          <a:lstStyle/>
+          <a:p>
+            <a:endParaRPr lang="en-US"/>
+          </a:p>
+        </p:txBody>
+      </p:sp>
+    </p:spTree>
+    <p:extLst>
+      <p:ext uri="{BB962C8B-B14F-4D97-AF65-F5344CB8AC3E}">
+        <p14:creationId xmlns:p14="http://schemas.microsoft.com/office/powerpoint/2010/main" val="1302518243"/>
+      </p:ext>
+    </p:extLst>
+  </p:cSld>
+  <p:clrMapOvr>
+    <a:masterClrMapping/>
+  </p:clrMapOvr>
+  <p:timing>
+    <p:tnLst>
+      <p:par>
+        <p:cTn id="1" dur="indefinite" restart="never" nodeType="tmRoot"/>
+      </p:par>
+    </p:tnLst>
+  </p:timing>
+</p:sld>
+</file>
+
+<file path=ppt/slides/slide21.xml><?xml version="1.0" encoding="utf-8"?>
 <p:sld xmlns:a="http://schemas.openxmlformats.org/drawingml/2006/main" xmlns:r="http://schemas.openxmlformats.org/officeDocument/2006/relationships" xmlns:p="http://schemas.openxmlformats.org/presentationml/2006/main">
   <p:cSld>
     <p:spTree>
@@ -14089,85 +15755,6 @@
     <p:extLst>
       <p:ext uri="{BB962C8B-B14F-4D97-AF65-F5344CB8AC3E}">
         <p14:creationId xmlns:p14="http://schemas.microsoft.com/office/powerpoint/2010/main" val="1618542681"/>
-      </p:ext>
-    </p:extLst>
-  </p:cSld>
-  <p:clrMapOvr>
-    <a:masterClrMapping/>
-  </p:clrMapOvr>
-  <p:timing>
-    <p:tnLst>
-      <p:par>
-        <p:cTn id="1" dur="indefinite" restart="never" nodeType="tmRoot"/>
-      </p:par>
-    </p:tnLst>
-  </p:timing>
-</p:sld>
-</file>
-
-<file path=ppt/slides/slide2.xml><?xml version="1.0" encoding="utf-8"?>
-<p:sld xmlns:a="http://schemas.openxmlformats.org/drawingml/2006/main" xmlns:r="http://schemas.openxmlformats.org/officeDocument/2006/relationships" xmlns:p="http://schemas.openxmlformats.org/presentationml/2006/main">
-  <p:cSld>
-    <p:spTree>
-      <p:nvGrpSpPr>
-        <p:cNvPr id="1" name=""/>
-        <p:cNvGrpSpPr/>
-        <p:nvPr/>
-      </p:nvGrpSpPr>
-      <p:grpSpPr>
-        <a:xfrm>
-          <a:off x="0" y="0"/>
-          <a:ext cx="0" cy="0"/>
-          <a:chOff x="0" y="0"/>
-          <a:chExt cx="0" cy="0"/>
-        </a:xfrm>
-      </p:grpSpPr>
-      <p:sp>
-        <p:nvSpPr>
-          <p:cNvPr id="2" name="Title 1"/>
-          <p:cNvSpPr>
-            <a:spLocks noGrp="1"/>
-          </p:cNvSpPr>
-          <p:nvPr>
-            <p:ph type="title"/>
-          </p:nvPr>
-        </p:nvSpPr>
-        <p:spPr/>
-        <p:txBody>
-          <a:bodyPr/>
-          <a:lstStyle/>
-          <a:p>
-            <a:r>
-              <a:rPr lang="en-US" dirty="0" smtClean="0"/>
-              <a:t>Parallel scaling</a:t>
-            </a:r>
-            <a:endParaRPr lang="en-US" dirty="0"/>
-          </a:p>
-        </p:txBody>
-      </p:sp>
-      <p:sp>
-        <p:nvSpPr>
-          <p:cNvPr id="3" name="Text Placeholder 2"/>
-          <p:cNvSpPr>
-            <a:spLocks noGrp="1"/>
-          </p:cNvSpPr>
-          <p:nvPr>
-            <p:ph type="body" idx="1"/>
-          </p:nvPr>
-        </p:nvSpPr>
-        <p:spPr/>
-        <p:txBody>
-          <a:bodyPr/>
-          <a:lstStyle/>
-          <a:p>
-            <a:endParaRPr lang="en-US"/>
-          </a:p>
-        </p:txBody>
-      </p:sp>
-    </p:spTree>
-    <p:extLst>
-      <p:ext uri="{BB962C8B-B14F-4D97-AF65-F5344CB8AC3E}">
-        <p14:creationId xmlns:p14="http://schemas.microsoft.com/office/powerpoint/2010/main" val="703705777"/>
       </p:ext>
     </p:extLst>
   </p:cSld>

--- a/Optimization/hpc_efficiency.pptx
+++ b/Optimization/hpc_efficiency.pptx
@@ -4,6 +4,9 @@
   <p:sldMasterIdLst>
     <p:sldMasterId id="2147483648" r:id="rId1"/>
   </p:sldMasterIdLst>
+  <p:notesMasterIdLst>
+    <p:notesMasterId r:id="rId25"/>
+  </p:notesMasterIdLst>
   <p:sldIdLst>
     <p:sldId id="267" r:id="rId2"/>
     <p:sldId id="268" r:id="rId3"/>
@@ -21,11 +24,13 @@
     <p:sldId id="270" r:id="rId15"/>
     <p:sldId id="272" r:id="rId16"/>
     <p:sldId id="277" r:id="rId17"/>
-    <p:sldId id="274" r:id="rId18"/>
-    <p:sldId id="275" r:id="rId19"/>
-    <p:sldId id="273" r:id="rId20"/>
-    <p:sldId id="276" r:id="rId21"/>
-    <p:sldId id="271" r:id="rId22"/>
+    <p:sldId id="273" r:id="rId18"/>
+    <p:sldId id="279" r:id="rId19"/>
+    <p:sldId id="280" r:id="rId20"/>
+    <p:sldId id="278" r:id="rId21"/>
+    <p:sldId id="276" r:id="rId22"/>
+    <p:sldId id="275" r:id="rId23"/>
+    <p:sldId id="271" r:id="rId24"/>
   </p:sldIdLst>
   <p:sldSz cx="9144000" cy="6858000" type="screen4x3"/>
   <p:notesSz cx="6858000" cy="9144000"/>
@@ -253,11 +258,11 @@
           <c:showPercent val="0"/>
           <c:showBubbleSize val="0"/>
         </c:dLbls>
-        <c:axId val="279405544"/>
-        <c:axId val="279405936"/>
+        <c:axId val="286587728"/>
+        <c:axId val="286591648"/>
       </c:scatterChart>
       <c:valAx>
-        <c:axId val="279405544"/>
+        <c:axId val="286587728"/>
         <c:scaling>
           <c:logBase val="2"/>
           <c:orientation val="minMax"/>
@@ -269,14 +274,14 @@
         <c:majorTickMark val="out"/>
         <c:minorTickMark val="none"/>
         <c:tickLblPos val="nextTo"/>
-        <c:crossAx val="279405936"/>
+        <c:crossAx val="286591648"/>
         <c:crosses val="autoZero"/>
         <c:crossBetween val="midCat"/>
         <c:majorUnit val="4"/>
         <c:minorUnit val="4"/>
       </c:valAx>
       <c:valAx>
-        <c:axId val="279405936"/>
+        <c:axId val="286591648"/>
         <c:scaling>
           <c:logBase val="2"/>
           <c:orientation val="minMax"/>
@@ -289,7 +294,7 @@
         <c:majorTickMark val="out"/>
         <c:minorTickMark val="none"/>
         <c:tickLblPos val="nextTo"/>
-        <c:crossAx val="279405544"/>
+        <c:crossAx val="286587728"/>
         <c:crosses val="autoZero"/>
         <c:crossBetween val="midCat"/>
         <c:majorUnit val="4"/>
@@ -662,11 +667,11 @@
           <c:showPercent val="0"/>
           <c:showBubbleSize val="0"/>
         </c:dLbls>
-        <c:axId val="279407504"/>
-        <c:axId val="279407896"/>
+        <c:axId val="351864872"/>
+        <c:axId val="351865264"/>
       </c:scatterChart>
       <c:valAx>
-        <c:axId val="279407504"/>
+        <c:axId val="351864872"/>
         <c:scaling>
           <c:logBase val="2"/>
           <c:orientation val="minMax"/>
@@ -679,14 +684,14 @@
         <c:majorTickMark val="out"/>
         <c:minorTickMark val="none"/>
         <c:tickLblPos val="nextTo"/>
-        <c:crossAx val="279407896"/>
+        <c:crossAx val="351865264"/>
         <c:crosses val="autoZero"/>
         <c:crossBetween val="midCat"/>
         <c:majorUnit val="4"/>
         <c:minorUnit val="4"/>
       </c:valAx>
       <c:valAx>
-        <c:axId val="279407896"/>
+        <c:axId val="351865264"/>
         <c:scaling>
           <c:logBase val="2"/>
           <c:orientation val="minMax"/>
@@ -700,7 +705,7 @@
         <c:majorTickMark val="out"/>
         <c:minorTickMark val="none"/>
         <c:tickLblPos val="nextTo"/>
-        <c:crossAx val="279407504"/>
+        <c:crossAx val="351864872"/>
         <c:crosses val="autoZero"/>
         <c:crossBetween val="midCat"/>
         <c:majorUnit val="4"/>
@@ -709,7 +714,6 @@
     </c:plotArea>
     <c:legend>
       <c:legendPos val="r"/>
-      <c:layout/>
       <c:overlay val="0"/>
     </c:legend>
     <c:plotVisOnly val="1"/>
@@ -914,11 +918,11 @@
           <c:showPercent val="0"/>
           <c:showBubbleSize val="0"/>
         </c:dLbls>
-        <c:axId val="279408680"/>
-        <c:axId val="352043168"/>
+        <c:axId val="351867224"/>
+        <c:axId val="351863696"/>
       </c:scatterChart>
       <c:valAx>
-        <c:axId val="279408680"/>
+        <c:axId val="351867224"/>
         <c:scaling>
           <c:logBase val="2"/>
           <c:orientation val="minMax"/>
@@ -931,13 +935,13 @@
         <c:majorTickMark val="out"/>
         <c:minorTickMark val="none"/>
         <c:tickLblPos val="nextTo"/>
-        <c:crossAx val="352043168"/>
+        <c:crossAx val="351863696"/>
         <c:crosses val="autoZero"/>
         <c:crossBetween val="midCat"/>
         <c:minorUnit val="4"/>
       </c:valAx>
       <c:valAx>
-        <c:axId val="352043168"/>
+        <c:axId val="351863696"/>
         <c:scaling>
           <c:logBase val="2"/>
           <c:orientation val="minMax"/>
@@ -951,7 +955,7 @@
         <c:majorTickMark val="out"/>
         <c:minorTickMark val="none"/>
         <c:tickLblPos val="nextTo"/>
-        <c:crossAx val="279408680"/>
+        <c:crossAx val="351867224"/>
         <c:crosses val="autoZero"/>
         <c:crossBetween val="midCat"/>
         <c:majorUnit val="2"/>
@@ -960,7 +964,6 @@
     </c:plotArea>
     <c:legend>
       <c:legendPos val="r"/>
-      <c:layout/>
       <c:overlay val="0"/>
     </c:legend>
     <c:plotVisOnly val="1"/>
@@ -1083,11 +1086,11 @@
           <c:showPercent val="0"/>
           <c:showBubbleSize val="0"/>
         </c:dLbls>
-        <c:axId val="352046696"/>
-        <c:axId val="352044344"/>
+        <c:axId val="351865656"/>
+        <c:axId val="351866048"/>
       </c:scatterChart>
       <c:valAx>
-        <c:axId val="352046696"/>
+        <c:axId val="351865656"/>
         <c:scaling>
           <c:logBase val="2"/>
           <c:orientation val="minMax"/>
@@ -1100,13 +1103,13 @@
         <c:majorTickMark val="out"/>
         <c:minorTickMark val="none"/>
         <c:tickLblPos val="nextTo"/>
-        <c:crossAx val="352044344"/>
+        <c:crossAx val="351866048"/>
         <c:crosses val="autoZero"/>
         <c:crossBetween val="midCat"/>
         <c:majorUnit val="4"/>
       </c:valAx>
       <c:valAx>
-        <c:axId val="352044344"/>
+        <c:axId val="351866048"/>
         <c:scaling>
           <c:logBase val="2"/>
           <c:orientation val="minMax"/>
@@ -1119,7 +1122,7 @@
         <c:majorTickMark val="out"/>
         <c:minorTickMark val="none"/>
         <c:tickLblPos val="nextTo"/>
-        <c:crossAx val="352046696"/>
+        <c:crossAx val="351865656"/>
         <c:crosses val="autoZero"/>
         <c:crossBetween val="midCat"/>
         <c:majorUnit val="2"/>
@@ -1245,11 +1248,11 @@
           <c:showPercent val="0"/>
           <c:showBubbleSize val="0"/>
         </c:dLbls>
-        <c:axId val="352047480"/>
-        <c:axId val="352047872"/>
+        <c:axId val="351867616"/>
+        <c:axId val="351861736"/>
       </c:scatterChart>
       <c:valAx>
-        <c:axId val="352047480"/>
+        <c:axId val="351867616"/>
         <c:scaling>
           <c:logBase val="2"/>
           <c:orientation val="minMax"/>
@@ -1262,14 +1265,14 @@
         <c:majorTickMark val="out"/>
         <c:minorTickMark val="none"/>
         <c:tickLblPos val="nextTo"/>
-        <c:crossAx val="352047872"/>
+        <c:crossAx val="351861736"/>
         <c:crosses val="autoZero"/>
         <c:crossBetween val="midCat"/>
         <c:majorUnit val="4"/>
         <c:minorUnit val="4"/>
       </c:valAx>
       <c:valAx>
-        <c:axId val="352047872"/>
+        <c:axId val="351861736"/>
         <c:scaling>
           <c:orientation val="minMax"/>
           <c:max val="1"/>
@@ -1281,7 +1284,7 @@
         <c:majorTickMark val="out"/>
         <c:minorTickMark val="none"/>
         <c:tickLblPos val="nextTo"/>
-        <c:crossAx val="352047480"/>
+        <c:crossAx val="351867616"/>
         <c:crosses val="autoZero"/>
         <c:crossBetween val="midCat"/>
       </c:valAx>
@@ -1294,6 +1297,440 @@
     <c:autoUpdate val="0"/>
   </c:externalData>
 </c:chartSpace>
+</file>
+
+<file path=ppt/notesMasters/notesMaster1.xml><?xml version="1.0" encoding="utf-8"?>
+<p:notesMaster xmlns:a="http://schemas.openxmlformats.org/drawingml/2006/main" xmlns:r="http://schemas.openxmlformats.org/officeDocument/2006/relationships" xmlns:p="http://schemas.openxmlformats.org/presentationml/2006/main">
+  <p:cSld>
+    <p:bg>
+      <p:bgRef idx="1001">
+        <a:schemeClr val="bg1"/>
+      </p:bgRef>
+    </p:bg>
+    <p:spTree>
+      <p:nvGrpSpPr>
+        <p:cNvPr id="1" name=""/>
+        <p:cNvGrpSpPr/>
+        <p:nvPr/>
+      </p:nvGrpSpPr>
+      <p:grpSpPr>
+        <a:xfrm>
+          <a:off x="0" y="0"/>
+          <a:ext cx="0" cy="0"/>
+          <a:chOff x="0" y="0"/>
+          <a:chExt cx="0" cy="0"/>
+        </a:xfrm>
+      </p:grpSpPr>
+      <p:sp>
+        <p:nvSpPr>
+          <p:cNvPr id="2" name="Header Placeholder 1"/>
+          <p:cNvSpPr>
+            <a:spLocks noGrp="1"/>
+          </p:cNvSpPr>
+          <p:nvPr>
+            <p:ph type="hdr" sz="quarter"/>
+          </p:nvPr>
+        </p:nvSpPr>
+        <p:spPr>
+          <a:xfrm>
+            <a:off x="0" y="0"/>
+            <a:ext cx="2971800" cy="458788"/>
+          </a:xfrm>
+          <a:prstGeom prst="rect">
+            <a:avLst/>
+          </a:prstGeom>
+        </p:spPr>
+        <p:txBody>
+          <a:bodyPr vert="horz" lIns="91440" tIns="45720" rIns="91440" bIns="45720" rtlCol="0"/>
+          <a:lstStyle>
+            <a:lvl1pPr algn="l">
+              <a:defRPr sz="1200"/>
+            </a:lvl1pPr>
+          </a:lstStyle>
+          <a:p>
+            <a:endParaRPr lang="en-US"/>
+          </a:p>
+        </p:txBody>
+      </p:sp>
+      <p:sp>
+        <p:nvSpPr>
+          <p:cNvPr id="3" name="Date Placeholder 2"/>
+          <p:cNvSpPr>
+            <a:spLocks noGrp="1"/>
+          </p:cNvSpPr>
+          <p:nvPr>
+            <p:ph type="dt" idx="1"/>
+          </p:nvPr>
+        </p:nvSpPr>
+        <p:spPr>
+          <a:xfrm>
+            <a:off x="3884613" y="0"/>
+            <a:ext cx="2971800" cy="458788"/>
+          </a:xfrm>
+          <a:prstGeom prst="rect">
+            <a:avLst/>
+          </a:prstGeom>
+        </p:spPr>
+        <p:txBody>
+          <a:bodyPr vert="horz" lIns="91440" tIns="45720" rIns="91440" bIns="45720" rtlCol="0"/>
+          <a:lstStyle>
+            <a:lvl1pPr algn="r">
+              <a:defRPr sz="1200"/>
+            </a:lvl1pPr>
+          </a:lstStyle>
+          <a:p>
+            <a:fld id="{2E6AAE95-D4FC-4D00-935A-EAE928727A56}" type="datetimeFigureOut">
+              <a:rPr lang="en-US" smtClean="0"/>
+              <a:t>2016-06-15</a:t>
+            </a:fld>
+            <a:endParaRPr lang="en-US"/>
+          </a:p>
+        </p:txBody>
+      </p:sp>
+      <p:sp>
+        <p:nvSpPr>
+          <p:cNvPr id="4" name="Slide Image Placeholder 3"/>
+          <p:cNvSpPr>
+            <a:spLocks noGrp="1" noRot="1" noChangeAspect="1"/>
+          </p:cNvSpPr>
+          <p:nvPr>
+            <p:ph type="sldImg" idx="2"/>
+          </p:nvPr>
+        </p:nvSpPr>
+        <p:spPr>
+          <a:xfrm>
+            <a:off x="1371600" y="1143000"/>
+            <a:ext cx="4114800" cy="3086100"/>
+          </a:xfrm>
+          <a:prstGeom prst="rect">
+            <a:avLst/>
+          </a:prstGeom>
+          <a:noFill/>
+          <a:ln w="12700">
+            <a:solidFill>
+              <a:prstClr val="black"/>
+            </a:solidFill>
+          </a:ln>
+        </p:spPr>
+        <p:txBody>
+          <a:bodyPr vert="horz" lIns="91440" tIns="45720" rIns="91440" bIns="45720" rtlCol="0" anchor="ctr"/>
+          <a:lstStyle/>
+          <a:p>
+            <a:endParaRPr lang="en-US"/>
+          </a:p>
+        </p:txBody>
+      </p:sp>
+      <p:sp>
+        <p:nvSpPr>
+          <p:cNvPr id="5" name="Notes Placeholder 4"/>
+          <p:cNvSpPr>
+            <a:spLocks noGrp="1"/>
+          </p:cNvSpPr>
+          <p:nvPr>
+            <p:ph type="body" sz="quarter" idx="3"/>
+          </p:nvPr>
+        </p:nvSpPr>
+        <p:spPr>
+          <a:xfrm>
+            <a:off x="685800" y="4400550"/>
+            <a:ext cx="5486400" cy="3600450"/>
+          </a:xfrm>
+          <a:prstGeom prst="rect">
+            <a:avLst/>
+          </a:prstGeom>
+        </p:spPr>
+        <p:txBody>
+          <a:bodyPr vert="horz" lIns="91440" tIns="45720" rIns="91440" bIns="45720" rtlCol="0"/>
+          <a:lstStyle/>
+          <a:p>
+            <a:pPr lvl="0"/>
+            <a:r>
+              <a:rPr lang="en-US" smtClean="0"/>
+              <a:t>Click to edit Master text styles</a:t>
+            </a:r>
+          </a:p>
+          <a:p>
+            <a:pPr lvl="1"/>
+            <a:r>
+              <a:rPr lang="en-US" smtClean="0"/>
+              <a:t>Second level</a:t>
+            </a:r>
+          </a:p>
+          <a:p>
+            <a:pPr lvl="2"/>
+            <a:r>
+              <a:rPr lang="en-US" smtClean="0"/>
+              <a:t>Third level</a:t>
+            </a:r>
+          </a:p>
+          <a:p>
+            <a:pPr lvl="3"/>
+            <a:r>
+              <a:rPr lang="en-US" smtClean="0"/>
+              <a:t>Fourth level</a:t>
+            </a:r>
+          </a:p>
+          <a:p>
+            <a:pPr lvl="4"/>
+            <a:r>
+              <a:rPr lang="en-US" smtClean="0"/>
+              <a:t>Fifth level</a:t>
+            </a:r>
+            <a:endParaRPr lang="en-US"/>
+          </a:p>
+        </p:txBody>
+      </p:sp>
+      <p:sp>
+        <p:nvSpPr>
+          <p:cNvPr id="6" name="Footer Placeholder 5"/>
+          <p:cNvSpPr>
+            <a:spLocks noGrp="1"/>
+          </p:cNvSpPr>
+          <p:nvPr>
+            <p:ph type="ftr" sz="quarter" idx="4"/>
+          </p:nvPr>
+        </p:nvSpPr>
+        <p:spPr>
+          <a:xfrm>
+            <a:off x="0" y="8685213"/>
+            <a:ext cx="2971800" cy="458787"/>
+          </a:xfrm>
+          <a:prstGeom prst="rect">
+            <a:avLst/>
+          </a:prstGeom>
+        </p:spPr>
+        <p:txBody>
+          <a:bodyPr vert="horz" lIns="91440" tIns="45720" rIns="91440" bIns="45720" rtlCol="0" anchor="b"/>
+          <a:lstStyle>
+            <a:lvl1pPr algn="l">
+              <a:defRPr sz="1200"/>
+            </a:lvl1pPr>
+          </a:lstStyle>
+          <a:p>
+            <a:endParaRPr lang="en-US"/>
+          </a:p>
+        </p:txBody>
+      </p:sp>
+      <p:sp>
+        <p:nvSpPr>
+          <p:cNvPr id="7" name="Slide Number Placeholder 6"/>
+          <p:cNvSpPr>
+            <a:spLocks noGrp="1"/>
+          </p:cNvSpPr>
+          <p:nvPr>
+            <p:ph type="sldNum" sz="quarter" idx="5"/>
+          </p:nvPr>
+        </p:nvSpPr>
+        <p:spPr>
+          <a:xfrm>
+            <a:off x="3884613" y="8685213"/>
+            <a:ext cx="2971800" cy="458787"/>
+          </a:xfrm>
+          <a:prstGeom prst="rect">
+            <a:avLst/>
+          </a:prstGeom>
+        </p:spPr>
+        <p:txBody>
+          <a:bodyPr vert="horz" lIns="91440" tIns="45720" rIns="91440" bIns="45720" rtlCol="0" anchor="b"/>
+          <a:lstStyle>
+            <a:lvl1pPr algn="r">
+              <a:defRPr sz="1200"/>
+            </a:lvl1pPr>
+          </a:lstStyle>
+          <a:p>
+            <a:fld id="{8B979C76-3FF1-40F3-8C7E-1BB6B02B1C34}" type="slidenum">
+              <a:rPr lang="en-US" smtClean="0"/>
+              <a:t>‹#›</a:t>
+            </a:fld>
+            <a:endParaRPr lang="en-US"/>
+          </a:p>
+        </p:txBody>
+      </p:sp>
+    </p:spTree>
+    <p:extLst>
+      <p:ext uri="{BB962C8B-B14F-4D97-AF65-F5344CB8AC3E}">
+        <p14:creationId xmlns:p14="http://schemas.microsoft.com/office/powerpoint/2010/main" val="4074552560"/>
+      </p:ext>
+    </p:extLst>
+  </p:cSld>
+  <p:clrMap bg1="lt1" tx1="dk1" bg2="lt2" tx2="dk2" accent1="accent1" accent2="accent2" accent3="accent3" accent4="accent4" accent5="accent5" accent6="accent6" hlink="hlink" folHlink="folHlink"/>
+  <p:notesStyle>
+    <a:lvl1pPr marL="0" algn="l" defTabSz="914400" rtl="0" eaLnBrk="1" latinLnBrk="0" hangingPunct="1">
+      <a:defRPr sz="1200" kern="1200">
+        <a:solidFill>
+          <a:schemeClr val="tx1"/>
+        </a:solidFill>
+        <a:latin typeface="+mn-lt"/>
+        <a:ea typeface="+mn-ea"/>
+        <a:cs typeface="+mn-cs"/>
+      </a:defRPr>
+    </a:lvl1pPr>
+    <a:lvl2pPr marL="457200" algn="l" defTabSz="914400" rtl="0" eaLnBrk="1" latinLnBrk="0" hangingPunct="1">
+      <a:defRPr sz="1200" kern="1200">
+        <a:solidFill>
+          <a:schemeClr val="tx1"/>
+        </a:solidFill>
+        <a:latin typeface="+mn-lt"/>
+        <a:ea typeface="+mn-ea"/>
+        <a:cs typeface="+mn-cs"/>
+      </a:defRPr>
+    </a:lvl2pPr>
+    <a:lvl3pPr marL="914400" algn="l" defTabSz="914400" rtl="0" eaLnBrk="1" latinLnBrk="0" hangingPunct="1">
+      <a:defRPr sz="1200" kern="1200">
+        <a:solidFill>
+          <a:schemeClr val="tx1"/>
+        </a:solidFill>
+        <a:latin typeface="+mn-lt"/>
+        <a:ea typeface="+mn-ea"/>
+        <a:cs typeface="+mn-cs"/>
+      </a:defRPr>
+    </a:lvl3pPr>
+    <a:lvl4pPr marL="1371600" algn="l" defTabSz="914400" rtl="0" eaLnBrk="1" latinLnBrk="0" hangingPunct="1">
+      <a:defRPr sz="1200" kern="1200">
+        <a:solidFill>
+          <a:schemeClr val="tx1"/>
+        </a:solidFill>
+        <a:latin typeface="+mn-lt"/>
+        <a:ea typeface="+mn-ea"/>
+        <a:cs typeface="+mn-cs"/>
+      </a:defRPr>
+    </a:lvl4pPr>
+    <a:lvl5pPr marL="1828800" algn="l" defTabSz="914400" rtl="0" eaLnBrk="1" latinLnBrk="0" hangingPunct="1">
+      <a:defRPr sz="1200" kern="1200">
+        <a:solidFill>
+          <a:schemeClr val="tx1"/>
+        </a:solidFill>
+        <a:latin typeface="+mn-lt"/>
+        <a:ea typeface="+mn-ea"/>
+        <a:cs typeface="+mn-cs"/>
+      </a:defRPr>
+    </a:lvl5pPr>
+    <a:lvl6pPr marL="2286000" algn="l" defTabSz="914400" rtl="0" eaLnBrk="1" latinLnBrk="0" hangingPunct="1">
+      <a:defRPr sz="1200" kern="1200">
+        <a:solidFill>
+          <a:schemeClr val="tx1"/>
+        </a:solidFill>
+        <a:latin typeface="+mn-lt"/>
+        <a:ea typeface="+mn-ea"/>
+        <a:cs typeface="+mn-cs"/>
+      </a:defRPr>
+    </a:lvl6pPr>
+    <a:lvl7pPr marL="2743200" algn="l" defTabSz="914400" rtl="0" eaLnBrk="1" latinLnBrk="0" hangingPunct="1">
+      <a:defRPr sz="1200" kern="1200">
+        <a:solidFill>
+          <a:schemeClr val="tx1"/>
+        </a:solidFill>
+        <a:latin typeface="+mn-lt"/>
+        <a:ea typeface="+mn-ea"/>
+        <a:cs typeface="+mn-cs"/>
+      </a:defRPr>
+    </a:lvl7pPr>
+    <a:lvl8pPr marL="3200400" algn="l" defTabSz="914400" rtl="0" eaLnBrk="1" latinLnBrk="0" hangingPunct="1">
+      <a:defRPr sz="1200" kern="1200">
+        <a:solidFill>
+          <a:schemeClr val="tx1"/>
+        </a:solidFill>
+        <a:latin typeface="+mn-lt"/>
+        <a:ea typeface="+mn-ea"/>
+        <a:cs typeface="+mn-cs"/>
+      </a:defRPr>
+    </a:lvl8pPr>
+    <a:lvl9pPr marL="3657600" algn="l" defTabSz="914400" rtl="0" eaLnBrk="1" latinLnBrk="0" hangingPunct="1">
+      <a:defRPr sz="1200" kern="1200">
+        <a:solidFill>
+          <a:schemeClr val="tx1"/>
+        </a:solidFill>
+        <a:latin typeface="+mn-lt"/>
+        <a:ea typeface="+mn-ea"/>
+        <a:cs typeface="+mn-cs"/>
+      </a:defRPr>
+    </a:lvl9pPr>
+  </p:notesStyle>
+</p:notesMaster>
+</file>
+
+<file path=ppt/notesSlides/notesSlide1.xml><?xml version="1.0" encoding="utf-8"?>
+<p:notes xmlns:a="http://schemas.openxmlformats.org/drawingml/2006/main" xmlns:r="http://schemas.openxmlformats.org/officeDocument/2006/relationships" xmlns:p="http://schemas.openxmlformats.org/presentationml/2006/main">
+  <p:cSld>
+    <p:spTree>
+      <p:nvGrpSpPr>
+        <p:cNvPr id="1" name=""/>
+        <p:cNvGrpSpPr/>
+        <p:nvPr/>
+      </p:nvGrpSpPr>
+      <p:grpSpPr>
+        <a:xfrm>
+          <a:off x="0" y="0"/>
+          <a:ext cx="0" cy="0"/>
+          <a:chOff x="0" y="0"/>
+          <a:chExt cx="0" cy="0"/>
+        </a:xfrm>
+      </p:grpSpPr>
+      <p:sp>
+        <p:nvSpPr>
+          <p:cNvPr id="2" name="Slide Image Placeholder 1"/>
+          <p:cNvSpPr>
+            <a:spLocks noGrp="1" noRot="1" noChangeAspect="1"/>
+          </p:cNvSpPr>
+          <p:nvPr>
+            <p:ph type="sldImg"/>
+          </p:nvPr>
+        </p:nvSpPr>
+        <p:spPr/>
+      </p:sp>
+      <p:sp>
+        <p:nvSpPr>
+          <p:cNvPr id="3" name="Notes Placeholder 2"/>
+          <p:cNvSpPr>
+            <a:spLocks noGrp="1"/>
+          </p:cNvSpPr>
+          <p:nvPr>
+            <p:ph type="body" idx="1"/>
+          </p:nvPr>
+        </p:nvSpPr>
+        <p:spPr/>
+        <p:txBody>
+          <a:bodyPr/>
+          <a:lstStyle/>
+          <a:p>
+            <a:endParaRPr lang="en-US"/>
+          </a:p>
+        </p:txBody>
+      </p:sp>
+      <p:sp>
+        <p:nvSpPr>
+          <p:cNvPr id="4" name="Slide Number Placeholder 3"/>
+          <p:cNvSpPr>
+            <a:spLocks noGrp="1"/>
+          </p:cNvSpPr>
+          <p:nvPr>
+            <p:ph type="sldNum" sz="quarter" idx="10"/>
+          </p:nvPr>
+        </p:nvSpPr>
+        <p:spPr/>
+        <p:txBody>
+          <a:bodyPr/>
+          <a:lstStyle/>
+          <a:p>
+            <a:fld id="{8B979C76-3FF1-40F3-8C7E-1BB6B02B1C34}" type="slidenum">
+              <a:rPr lang="en-US" smtClean="0"/>
+              <a:t>16</a:t>
+            </a:fld>
+            <a:endParaRPr lang="en-US"/>
+          </a:p>
+        </p:txBody>
+      </p:sp>
+    </p:spTree>
+    <p:extLst>
+      <p:ext uri="{BB962C8B-B14F-4D97-AF65-F5344CB8AC3E}">
+        <p14:creationId xmlns:p14="http://schemas.microsoft.com/office/powerpoint/2010/main" val="75098480"/>
+      </p:ext>
+    </p:extLst>
+  </p:cSld>
+  <p:clrMapOvr>
+    <a:masterClrMapping/>
+  </p:clrMapOvr>
+</p:notes>
 </file>
 
 <file path=ppt/slideLayouts/slideLayout1.xml><?xml version="1.0" encoding="utf-8"?>
@@ -1475,9 +1912,9 @@
           <a:bodyPr/>
           <a:lstStyle/>
           <a:p>
-            <a:fld id="{6B844102-EF15-4EDE-B42B-231F69FC97A8}" type="datetimeFigureOut">
+            <a:fld id="{1CFF3F78-F57F-4409-A41B-5EC46D4F404B}" type="datetime1">
               <a:rPr lang="nl-BE" smtClean="0"/>
-              <a:t>14/06/2016</a:t>
+              <a:t>15/06/2016</a:t>
             </a:fld>
             <a:endParaRPr lang="nl-BE"/>
           </a:p>
@@ -1645,9 +2082,9 @@
           <a:bodyPr/>
           <a:lstStyle/>
           <a:p>
-            <a:fld id="{6B844102-EF15-4EDE-B42B-231F69FC97A8}" type="datetimeFigureOut">
+            <a:fld id="{7D029E61-52E3-412C-82EB-2F81B17C0AF1}" type="datetime1">
               <a:rPr lang="nl-BE" smtClean="0"/>
-              <a:t>14/06/2016</a:t>
+              <a:t>15/06/2016</a:t>
             </a:fld>
             <a:endParaRPr lang="nl-BE"/>
           </a:p>
@@ -1825,9 +2262,9 @@
           <a:bodyPr/>
           <a:lstStyle/>
           <a:p>
-            <a:fld id="{6B844102-EF15-4EDE-B42B-231F69FC97A8}" type="datetimeFigureOut">
+            <a:fld id="{A83F1CEF-A38E-4001-89C6-F3FC7784F299}" type="datetime1">
               <a:rPr lang="nl-BE" smtClean="0"/>
-              <a:t>14/06/2016</a:t>
+              <a:t>15/06/2016</a:t>
             </a:fld>
             <a:endParaRPr lang="nl-BE"/>
           </a:p>
@@ -1951,10 +2388,9 @@
           <a:bodyPr/>
           <a:lstStyle/>
           <a:p>
-            <a:fld id="{C4DDCD72-59EE-436D-B435-201699A5BB49}" type="datetimeFigureOut">
+            <a:fld id="{1FDE84DB-AADA-4C3F-BF46-CA664A504479}" type="datetime1">
               <a:rPr lang="nl-BE" smtClean="0"/>
-              <a:pPr/>
-              <a:t>14/06/2016</a:t>
+              <a:t>15/06/2016</a:t>
             </a:fld>
             <a:endParaRPr lang="nl-BE" dirty="0"/>
           </a:p>
@@ -2196,9 +2632,9 @@
           <a:bodyPr/>
           <a:lstStyle/>
           <a:p>
-            <a:fld id="{6B844102-EF15-4EDE-B42B-231F69FC97A8}" type="datetimeFigureOut">
+            <a:fld id="{8CD53A43-C15C-4F05-9AD7-DB9DE837084D}" type="datetime1">
               <a:rPr lang="nl-BE" smtClean="0"/>
-              <a:t>14/06/2016</a:t>
+              <a:t>15/06/2016</a:t>
             </a:fld>
             <a:endParaRPr lang="nl-BE"/>
           </a:p>
@@ -2442,9 +2878,9 @@
           <a:bodyPr/>
           <a:lstStyle/>
           <a:p>
-            <a:fld id="{6B844102-EF15-4EDE-B42B-231F69FC97A8}" type="datetimeFigureOut">
+            <a:fld id="{8994D238-D949-4AEF-9753-A8B6EFA964A0}" type="datetime1">
               <a:rPr lang="nl-BE" smtClean="0"/>
-              <a:t>14/06/2016</a:t>
+              <a:t>15/06/2016</a:t>
             </a:fld>
             <a:endParaRPr lang="nl-BE"/>
           </a:p>
@@ -2730,9 +3166,9 @@
           <a:bodyPr/>
           <a:lstStyle/>
           <a:p>
-            <a:fld id="{6B844102-EF15-4EDE-B42B-231F69FC97A8}" type="datetimeFigureOut">
+            <a:fld id="{4D234023-BF99-4AD0-835E-8125DA2B6664}" type="datetime1">
               <a:rPr lang="nl-BE" smtClean="0"/>
-              <a:t>14/06/2016</a:t>
+              <a:t>15/06/2016</a:t>
             </a:fld>
             <a:endParaRPr lang="nl-BE"/>
           </a:p>
@@ -3152,9 +3588,9 @@
           <a:bodyPr/>
           <a:lstStyle/>
           <a:p>
-            <a:fld id="{6B844102-EF15-4EDE-B42B-231F69FC97A8}" type="datetimeFigureOut">
+            <a:fld id="{DB075A73-5C1D-406E-9444-3C5C58580E8E}" type="datetime1">
               <a:rPr lang="nl-BE" smtClean="0"/>
-              <a:t>14/06/2016</a:t>
+              <a:t>15/06/2016</a:t>
             </a:fld>
             <a:endParaRPr lang="nl-BE"/>
           </a:p>
@@ -3270,9 +3706,9 @@
           <a:bodyPr/>
           <a:lstStyle/>
           <a:p>
-            <a:fld id="{6B844102-EF15-4EDE-B42B-231F69FC97A8}" type="datetimeFigureOut">
+            <a:fld id="{E111FB2D-2E17-4D8F-A64A-4EB0C3D12494}" type="datetime1">
               <a:rPr lang="nl-BE" smtClean="0"/>
-              <a:t>14/06/2016</a:t>
+              <a:t>15/06/2016</a:t>
             </a:fld>
             <a:endParaRPr lang="nl-BE"/>
           </a:p>
@@ -3365,9 +3801,9 @@
           <a:bodyPr/>
           <a:lstStyle/>
           <a:p>
-            <a:fld id="{6B844102-EF15-4EDE-B42B-231F69FC97A8}" type="datetimeFigureOut">
+            <a:fld id="{5BE27D71-2267-4E44-9F33-05B60E5C7D9D}" type="datetime1">
               <a:rPr lang="nl-BE" smtClean="0"/>
-              <a:t>14/06/2016</a:t>
+              <a:t>15/06/2016</a:t>
             </a:fld>
             <a:endParaRPr lang="nl-BE"/>
           </a:p>
@@ -3642,9 +4078,9 @@
           <a:bodyPr/>
           <a:lstStyle/>
           <a:p>
-            <a:fld id="{6B844102-EF15-4EDE-B42B-231F69FC97A8}" type="datetimeFigureOut">
+            <a:fld id="{182F587C-96C8-4813-A767-3084061A3229}" type="datetime1">
               <a:rPr lang="nl-BE" smtClean="0"/>
-              <a:t>14/06/2016</a:t>
+              <a:t>15/06/2016</a:t>
             </a:fld>
             <a:endParaRPr lang="nl-BE"/>
           </a:p>
@@ -3895,9 +4331,9 @@
           <a:bodyPr/>
           <a:lstStyle/>
           <a:p>
-            <a:fld id="{6B844102-EF15-4EDE-B42B-231F69FC97A8}" type="datetimeFigureOut">
+            <a:fld id="{8B021CF8-BBBB-4DFA-8713-49842AA07274}" type="datetime1">
               <a:rPr lang="nl-BE" smtClean="0"/>
-              <a:t>14/06/2016</a:t>
+              <a:t>15/06/2016</a:t>
             </a:fld>
             <a:endParaRPr lang="nl-BE"/>
           </a:p>
@@ -4108,9 +4544,9 @@
             </a:lvl1pPr>
           </a:lstStyle>
           <a:p>
-            <a:fld id="{6B844102-EF15-4EDE-B42B-231F69FC97A8}" type="datetimeFigureOut">
+            <a:fld id="{CDBFABB5-0AB3-4CB6-A705-6887DEB1F9F2}" type="datetime1">
               <a:rPr lang="nl-BE" smtClean="0"/>
-              <a:t>14/06/2016</a:t>
+              <a:t>15/06/2016</a:t>
             </a:fld>
             <a:endParaRPr lang="nl-BE"/>
           </a:p>
@@ -4216,6 +4652,7 @@
     <p:sldLayoutId id="2147483659" r:id="rId11"/>
     <p:sldLayoutId id="2147483660" r:id="rId12"/>
   </p:sldLayoutIdLst>
+  <p:hf hdr="0" ftr="0" dt="0"/>
   <p:txStyles>
     <p:titleStyle>
       <a:lvl1pPr algn="ctr" defTabSz="914400" rtl="0" eaLnBrk="1" latinLnBrk="0" hangingPunct="1">
@@ -5565,6 +6002,29 @@
           </a:p>
         </p:txBody>
       </p:sp>
+      <p:sp>
+        <p:nvSpPr>
+          <p:cNvPr id="6" name="Slide Number Placeholder 5"/>
+          <p:cNvSpPr>
+            <a:spLocks noGrp="1"/>
+          </p:cNvSpPr>
+          <p:nvPr>
+            <p:ph type="sldNum" sz="quarter" idx="12"/>
+          </p:nvPr>
+        </p:nvSpPr>
+        <p:spPr/>
+        <p:txBody>
+          <a:bodyPr/>
+          <a:lstStyle/>
+          <a:p>
+            <a:fld id="{6597116C-F94B-4B5B-973A-17F07FB5C418}" type="slidenum">
+              <a:rPr lang="nl-BE" smtClean="0"/>
+              <a:t>10</a:t>
+            </a:fld>
+            <a:endParaRPr lang="nl-BE"/>
+          </a:p>
+        </p:txBody>
+      </p:sp>
     </p:spTree>
     <p:extLst>
       <p:ext uri="{BB962C8B-B14F-4D97-AF65-F5344CB8AC3E}">
@@ -6035,6 +6495,29 @@
           </a:p>
         </p:txBody>
       </p:sp>
+      <p:sp>
+        <p:nvSpPr>
+          <p:cNvPr id="4" name="Slide Number Placeholder 3"/>
+          <p:cNvSpPr>
+            <a:spLocks noGrp="1"/>
+          </p:cNvSpPr>
+          <p:nvPr>
+            <p:ph type="sldNum" sz="quarter" idx="12"/>
+          </p:nvPr>
+        </p:nvSpPr>
+        <p:spPr/>
+        <p:txBody>
+          <a:bodyPr/>
+          <a:lstStyle/>
+          <a:p>
+            <a:fld id="{6597116C-F94B-4B5B-973A-17F07FB5C418}" type="slidenum">
+              <a:rPr lang="nl-BE" smtClean="0"/>
+              <a:t>11</a:t>
+            </a:fld>
+            <a:endParaRPr lang="nl-BE"/>
+          </a:p>
+        </p:txBody>
+      </p:sp>
     </p:spTree>
     <p:extLst>
       <p:ext uri="{BB962C8B-B14F-4D97-AF65-F5344CB8AC3E}">
@@ -6204,7 +6687,7 @@
           <a:graphicData uri="http://schemas.openxmlformats.org/presentationml/2006/ole">
             <mc:AlternateContent xmlns:mc="http://schemas.openxmlformats.org/markup-compatibility/2006">
               <mc:Choice xmlns:v="urn:schemas-microsoft-com:vml" Requires="v">
-                <p:oleObj spid="_x0000_s1056" name="Equation" r:id="rId3" imgW="812520" imgH="393480" progId="Equation.3">
+                <p:oleObj spid="_x0000_s1070" name="Equation" r:id="rId3" imgW="812520" imgH="393480" progId="Equation.3">
                   <p:embed/>
                 </p:oleObj>
               </mc:Choice>
@@ -6261,7 +6744,7 @@
           <a:graphicData uri="http://schemas.openxmlformats.org/presentationml/2006/ole">
             <mc:AlternateContent xmlns:mc="http://schemas.openxmlformats.org/markup-compatibility/2006">
               <mc:Choice xmlns:v="urn:schemas-microsoft-com:vml" Requires="v">
-                <p:oleObj spid="_x0000_s1057" name="Equation" r:id="rId5" imgW="2489040" imgH="431640" progId="Equation.3">
+                <p:oleObj spid="_x0000_s1071" name="Equation" r:id="rId5" imgW="2489040" imgH="431640" progId="Equation.3">
                   <p:embed/>
                 </p:oleObj>
               </mc:Choice>
@@ -6328,6 +6811,29 @@
               <a:t>However: memory?</a:t>
             </a:r>
             <a:endParaRPr lang="en-US" sz="2400" dirty="0"/>
+          </a:p>
+        </p:txBody>
+      </p:sp>
+      <p:sp>
+        <p:nvSpPr>
+          <p:cNvPr id="21" name="Slide Number Placeholder 20"/>
+          <p:cNvSpPr>
+            <a:spLocks noGrp="1"/>
+          </p:cNvSpPr>
+          <p:nvPr>
+            <p:ph type="sldNum" sz="quarter" idx="12"/>
+          </p:nvPr>
+        </p:nvSpPr>
+        <p:spPr/>
+        <p:txBody>
+          <a:bodyPr/>
+          <a:lstStyle/>
+          <a:p>
+            <a:fld id="{6597116C-F94B-4B5B-973A-17F07FB5C418}" type="slidenum">
+              <a:rPr lang="nl-BE" smtClean="0"/>
+              <a:t>12</a:t>
+            </a:fld>
+            <a:endParaRPr lang="nl-BE"/>
           </a:p>
         </p:txBody>
       </p:sp>
@@ -6820,6 +7326,29 @@
           </a:p>
         </p:txBody>
       </p:sp>
+      <p:sp>
+        <p:nvSpPr>
+          <p:cNvPr id="4" name="Slide Number Placeholder 3"/>
+          <p:cNvSpPr>
+            <a:spLocks noGrp="1"/>
+          </p:cNvSpPr>
+          <p:nvPr>
+            <p:ph type="sldNum" sz="quarter" idx="12"/>
+          </p:nvPr>
+        </p:nvSpPr>
+        <p:spPr/>
+        <p:txBody>
+          <a:bodyPr/>
+          <a:lstStyle/>
+          <a:p>
+            <a:fld id="{6597116C-F94B-4B5B-973A-17F07FB5C418}" type="slidenum">
+              <a:rPr lang="nl-BE" smtClean="0"/>
+              <a:t>13</a:t>
+            </a:fld>
+            <a:endParaRPr lang="nl-BE"/>
+          </a:p>
+        </p:txBody>
+      </p:sp>
     </p:spTree>
     <p:extLst>
       <p:ext uri="{BB962C8B-B14F-4D97-AF65-F5344CB8AC3E}">
@@ -6885,15 +7414,7 @@
                   <a:schemeClr val="tx1"/>
                 </a:solidFill>
               </a:rPr>
-              <a:t>Compute </a:t>
-            </a:r>
-            <a:r>
-              <a:rPr lang="en-US" dirty="0" smtClean="0">
-                <a:solidFill>
-                  <a:schemeClr val="tx1"/>
-                </a:solidFill>
-              </a:rPr>
-              <a:t>node architecture</a:t>
+              <a:t>Compute node architecture</a:t>
             </a:r>
             <a:endParaRPr lang="en-US" dirty="0">
               <a:solidFill>
@@ -11951,6 +12472,30 @@
           </a:p>
         </p:txBody>
       </p:sp>
+      <p:sp>
+        <p:nvSpPr>
+          <p:cNvPr id="6" name="Slide Number Placeholder 5"/>
+          <p:cNvSpPr>
+            <a:spLocks noGrp="1"/>
+          </p:cNvSpPr>
+          <p:nvPr>
+            <p:ph type="sldNum" sz="quarter" idx="12"/>
+          </p:nvPr>
+        </p:nvSpPr>
+        <p:spPr/>
+        <p:txBody>
+          <a:bodyPr/>
+          <a:lstStyle/>
+          <a:p>
+            <a:fld id="{F35D8031-C8E5-48F8-A3B6-81643B27A3AF}" type="slidenum">
+              <a:rPr lang="nl-BE" smtClean="0"/>
+              <a:pPr/>
+              <a:t>14</a:t>
+            </a:fld>
+            <a:endParaRPr lang="nl-BE" dirty="0"/>
+          </a:p>
+        </p:txBody>
+      </p:sp>
     </p:spTree>
     <p:extLst>
       <p:ext uri="{BB962C8B-B14F-4D97-AF65-F5344CB8AC3E}">
@@ -12279,6 +12824,29 @@
           </p:txBody>
         </p:sp>
       </p:grpSp>
+      <p:sp>
+        <p:nvSpPr>
+          <p:cNvPr id="9" name="Slide Number Placeholder 8"/>
+          <p:cNvSpPr>
+            <a:spLocks noGrp="1"/>
+          </p:cNvSpPr>
+          <p:nvPr>
+            <p:ph type="sldNum" sz="quarter" idx="12"/>
+          </p:nvPr>
+        </p:nvSpPr>
+        <p:spPr/>
+        <p:txBody>
+          <a:bodyPr/>
+          <a:lstStyle/>
+          <a:p>
+            <a:fld id="{6597116C-F94B-4B5B-973A-17F07FB5C418}" type="slidenum">
+              <a:rPr lang="nl-BE" smtClean="0"/>
+              <a:t>15</a:t>
+            </a:fld>
+            <a:endParaRPr lang="nl-BE"/>
+          </a:p>
+        </p:txBody>
+      </p:sp>
     </p:spTree>
     <p:extLst>
       <p:ext uri="{BB962C8B-B14F-4D97-AF65-F5344CB8AC3E}">
@@ -12292,9 +12860,623 @@
   <p:timing>
     <p:tnLst>
       <p:par>
-        <p:cTn id="1" dur="indefinite" restart="never" nodeType="tmRoot"/>
+        <p:cTn id="1" dur="indefinite" restart="never" nodeType="tmRoot">
+          <p:childTnLst>
+            <p:seq concurrent="1" nextAc="seek">
+              <p:cTn id="2" dur="indefinite" nodeType="mainSeq">
+                <p:childTnLst>
+                  <p:par>
+                    <p:cTn id="3" fill="hold">
+                      <p:stCondLst>
+                        <p:cond delay="indefinite"/>
+                        <p:cond evt="onBegin" delay="0">
+                          <p:tn val="2"/>
+                        </p:cond>
+                      </p:stCondLst>
+                      <p:childTnLst>
+                        <p:par>
+                          <p:cTn id="4" fill="hold">
+                            <p:stCondLst>
+                              <p:cond delay="0"/>
+                            </p:stCondLst>
+                            <p:childTnLst>
+                              <p:par>
+                                <p:cTn id="5" presetID="1" presetClass="entr" presetSubtype="0" fill="hold" grpId="0" nodeType="withEffect">
+                                  <p:stCondLst>
+                                    <p:cond delay="0"/>
+                                  </p:stCondLst>
+                                  <p:childTnLst>
+                                    <p:set>
+                                      <p:cBhvr>
+                                        <p:cTn id="6" dur="1" fill="hold">
+                                          <p:stCondLst>
+                                            <p:cond delay="0"/>
+                                          </p:stCondLst>
+                                        </p:cTn>
+                                        <p:tgtEl>
+                                          <p:spTgt spid="3">
+                                            <p:txEl>
+                                              <p:pRg st="0" end="0"/>
+                                            </p:txEl>
+                                          </p:spTgt>
+                                        </p:tgtEl>
+                                        <p:attrNameLst>
+                                          <p:attrName>style.visibility</p:attrName>
+                                        </p:attrNameLst>
+                                      </p:cBhvr>
+                                      <p:to>
+                                        <p:strVal val="visible"/>
+                                      </p:to>
+                                    </p:set>
+                                  </p:childTnLst>
+                                </p:cTn>
+                              </p:par>
+                            </p:childTnLst>
+                          </p:cTn>
+                        </p:par>
+                      </p:childTnLst>
+                    </p:cTn>
+                  </p:par>
+                  <p:par>
+                    <p:cTn id="7" fill="hold">
+                      <p:stCondLst>
+                        <p:cond delay="indefinite"/>
+                      </p:stCondLst>
+                      <p:childTnLst>
+                        <p:par>
+                          <p:cTn id="8" fill="hold">
+                            <p:stCondLst>
+                              <p:cond delay="0"/>
+                            </p:stCondLst>
+                            <p:childTnLst>
+                              <p:par>
+                                <p:cTn id="9" presetID="1" presetClass="entr" presetSubtype="0" fill="hold" grpId="0" nodeType="clickEffect">
+                                  <p:stCondLst>
+                                    <p:cond delay="0"/>
+                                  </p:stCondLst>
+                                  <p:childTnLst>
+                                    <p:set>
+                                      <p:cBhvr>
+                                        <p:cTn id="10" dur="1" fill="hold">
+                                          <p:stCondLst>
+                                            <p:cond delay="0"/>
+                                          </p:stCondLst>
+                                        </p:cTn>
+                                        <p:tgtEl>
+                                          <p:spTgt spid="4"/>
+                                        </p:tgtEl>
+                                        <p:attrNameLst>
+                                          <p:attrName>style.visibility</p:attrName>
+                                        </p:attrNameLst>
+                                      </p:cBhvr>
+                                      <p:to>
+                                        <p:strVal val="visible"/>
+                                      </p:to>
+                                    </p:set>
+                                  </p:childTnLst>
+                                </p:cTn>
+                              </p:par>
+                            </p:childTnLst>
+                          </p:cTn>
+                        </p:par>
+                      </p:childTnLst>
+                    </p:cTn>
+                  </p:par>
+                  <p:par>
+                    <p:cTn id="11" fill="hold">
+                      <p:stCondLst>
+                        <p:cond delay="indefinite"/>
+                      </p:stCondLst>
+                      <p:childTnLst>
+                        <p:par>
+                          <p:cTn id="12" fill="hold">
+                            <p:stCondLst>
+                              <p:cond delay="0"/>
+                            </p:stCondLst>
+                            <p:childTnLst>
+                              <p:par>
+                                <p:cTn id="13" presetID="1" presetClass="entr" presetSubtype="0" fill="hold" grpId="0" nodeType="clickEffect">
+                                  <p:stCondLst>
+                                    <p:cond delay="0"/>
+                                  </p:stCondLst>
+                                  <p:childTnLst>
+                                    <p:set>
+                                      <p:cBhvr>
+                                        <p:cTn id="14" dur="1" fill="hold">
+                                          <p:stCondLst>
+                                            <p:cond delay="0"/>
+                                          </p:stCondLst>
+                                        </p:cTn>
+                                        <p:tgtEl>
+                                          <p:spTgt spid="3">
+                                            <p:txEl>
+                                              <p:pRg st="1" end="1"/>
+                                            </p:txEl>
+                                          </p:spTgt>
+                                        </p:tgtEl>
+                                        <p:attrNameLst>
+                                          <p:attrName>style.visibility</p:attrName>
+                                        </p:attrNameLst>
+                                      </p:cBhvr>
+                                      <p:to>
+                                        <p:strVal val="visible"/>
+                                      </p:to>
+                                    </p:set>
+                                  </p:childTnLst>
+                                </p:cTn>
+                              </p:par>
+                              <p:par>
+                                <p:cTn id="15" presetID="1" presetClass="entr" presetSubtype="0" fill="hold" grpId="0" nodeType="withEffect">
+                                  <p:stCondLst>
+                                    <p:cond delay="0"/>
+                                  </p:stCondLst>
+                                  <p:childTnLst>
+                                    <p:set>
+                                      <p:cBhvr>
+                                        <p:cTn id="16" dur="1" fill="hold">
+                                          <p:stCondLst>
+                                            <p:cond delay="0"/>
+                                          </p:stCondLst>
+                                        </p:cTn>
+                                        <p:tgtEl>
+                                          <p:spTgt spid="3">
+                                            <p:txEl>
+                                              <p:pRg st="2" end="2"/>
+                                            </p:txEl>
+                                          </p:spTgt>
+                                        </p:tgtEl>
+                                        <p:attrNameLst>
+                                          <p:attrName>style.visibility</p:attrName>
+                                        </p:attrNameLst>
+                                      </p:cBhvr>
+                                      <p:to>
+                                        <p:strVal val="visible"/>
+                                      </p:to>
+                                    </p:set>
+                                  </p:childTnLst>
+                                </p:cTn>
+                              </p:par>
+                              <p:par>
+                                <p:cTn id="17" presetID="1" presetClass="entr" presetSubtype="0" fill="hold" grpId="0" nodeType="withEffect">
+                                  <p:stCondLst>
+                                    <p:cond delay="0"/>
+                                  </p:stCondLst>
+                                  <p:childTnLst>
+                                    <p:set>
+                                      <p:cBhvr>
+                                        <p:cTn id="18" dur="1" fill="hold">
+                                          <p:stCondLst>
+                                            <p:cond delay="0"/>
+                                          </p:stCondLst>
+                                        </p:cTn>
+                                        <p:tgtEl>
+                                          <p:spTgt spid="3">
+                                            <p:txEl>
+                                              <p:pRg st="3" end="3"/>
+                                            </p:txEl>
+                                          </p:spTgt>
+                                        </p:tgtEl>
+                                        <p:attrNameLst>
+                                          <p:attrName>style.visibility</p:attrName>
+                                        </p:attrNameLst>
+                                      </p:cBhvr>
+                                      <p:to>
+                                        <p:strVal val="visible"/>
+                                      </p:to>
+                                    </p:set>
+                                  </p:childTnLst>
+                                </p:cTn>
+                              </p:par>
+                            </p:childTnLst>
+                          </p:cTn>
+                        </p:par>
+                      </p:childTnLst>
+                    </p:cTn>
+                  </p:par>
+                  <p:par>
+                    <p:cTn id="19" fill="hold">
+                      <p:stCondLst>
+                        <p:cond delay="indefinite"/>
+                      </p:stCondLst>
+                      <p:childTnLst>
+                        <p:par>
+                          <p:cTn id="20" fill="hold">
+                            <p:stCondLst>
+                              <p:cond delay="0"/>
+                            </p:stCondLst>
+                            <p:childTnLst>
+                              <p:par>
+                                <p:cTn id="21" presetID="1" presetClass="entr" presetSubtype="0" fill="hold" grpId="0" nodeType="clickEffect">
+                                  <p:stCondLst>
+                                    <p:cond delay="0"/>
+                                  </p:stCondLst>
+                                  <p:childTnLst>
+                                    <p:set>
+                                      <p:cBhvr>
+                                        <p:cTn id="22" dur="1" fill="hold">
+                                          <p:stCondLst>
+                                            <p:cond delay="0"/>
+                                          </p:stCondLst>
+                                        </p:cTn>
+                                        <p:tgtEl>
+                                          <p:spTgt spid="3">
+                                            <p:txEl>
+                                              <p:pRg st="4" end="4"/>
+                                            </p:txEl>
+                                          </p:spTgt>
+                                        </p:tgtEl>
+                                        <p:attrNameLst>
+                                          <p:attrName>style.visibility</p:attrName>
+                                        </p:attrNameLst>
+                                      </p:cBhvr>
+                                      <p:to>
+                                        <p:strVal val="visible"/>
+                                      </p:to>
+                                    </p:set>
+                                  </p:childTnLst>
+                                </p:cTn>
+                              </p:par>
+                              <p:par>
+                                <p:cTn id="23" presetID="1" presetClass="entr" presetSubtype="0" fill="hold" grpId="0" nodeType="withEffect">
+                                  <p:stCondLst>
+                                    <p:cond delay="0"/>
+                                  </p:stCondLst>
+                                  <p:childTnLst>
+                                    <p:set>
+                                      <p:cBhvr>
+                                        <p:cTn id="24" dur="1" fill="hold">
+                                          <p:stCondLst>
+                                            <p:cond delay="0"/>
+                                          </p:stCondLst>
+                                        </p:cTn>
+                                        <p:tgtEl>
+                                          <p:spTgt spid="3">
+                                            <p:txEl>
+                                              <p:pRg st="5" end="5"/>
+                                            </p:txEl>
+                                          </p:spTgt>
+                                        </p:tgtEl>
+                                        <p:attrNameLst>
+                                          <p:attrName>style.visibility</p:attrName>
+                                        </p:attrNameLst>
+                                      </p:cBhvr>
+                                      <p:to>
+                                        <p:strVal val="visible"/>
+                                      </p:to>
+                                    </p:set>
+                                  </p:childTnLst>
+                                </p:cTn>
+                              </p:par>
+                              <p:par>
+                                <p:cTn id="25" presetID="1" presetClass="entr" presetSubtype="0" fill="hold" grpId="0" nodeType="withEffect">
+                                  <p:stCondLst>
+                                    <p:cond delay="0"/>
+                                  </p:stCondLst>
+                                  <p:childTnLst>
+                                    <p:set>
+                                      <p:cBhvr>
+                                        <p:cTn id="26" dur="1" fill="hold">
+                                          <p:stCondLst>
+                                            <p:cond delay="0"/>
+                                          </p:stCondLst>
+                                        </p:cTn>
+                                        <p:tgtEl>
+                                          <p:spTgt spid="3">
+                                            <p:txEl>
+                                              <p:pRg st="6" end="6"/>
+                                            </p:txEl>
+                                          </p:spTgt>
+                                        </p:tgtEl>
+                                        <p:attrNameLst>
+                                          <p:attrName>style.visibility</p:attrName>
+                                        </p:attrNameLst>
+                                      </p:cBhvr>
+                                      <p:to>
+                                        <p:strVal val="visible"/>
+                                      </p:to>
+                                    </p:set>
+                                  </p:childTnLst>
+                                </p:cTn>
+                              </p:par>
+                            </p:childTnLst>
+                          </p:cTn>
+                        </p:par>
+                      </p:childTnLst>
+                    </p:cTn>
+                  </p:par>
+                  <p:par>
+                    <p:cTn id="27" fill="hold">
+                      <p:stCondLst>
+                        <p:cond delay="indefinite"/>
+                      </p:stCondLst>
+                      <p:childTnLst>
+                        <p:par>
+                          <p:cTn id="28" fill="hold">
+                            <p:stCondLst>
+                              <p:cond delay="0"/>
+                            </p:stCondLst>
+                            <p:childTnLst>
+                              <p:par>
+                                <p:cTn id="29" presetID="1" presetClass="entr" presetSubtype="0" fill="hold" grpId="0" nodeType="clickEffect">
+                                  <p:stCondLst>
+                                    <p:cond delay="0"/>
+                                  </p:stCondLst>
+                                  <p:childTnLst>
+                                    <p:set>
+                                      <p:cBhvr>
+                                        <p:cTn id="30" dur="1" fill="hold">
+                                          <p:stCondLst>
+                                            <p:cond delay="0"/>
+                                          </p:stCondLst>
+                                        </p:cTn>
+                                        <p:tgtEl>
+                                          <p:spTgt spid="3">
+                                            <p:txEl>
+                                              <p:pRg st="7" end="7"/>
+                                            </p:txEl>
+                                          </p:spTgt>
+                                        </p:tgtEl>
+                                        <p:attrNameLst>
+                                          <p:attrName>style.visibility</p:attrName>
+                                        </p:attrNameLst>
+                                      </p:cBhvr>
+                                      <p:to>
+                                        <p:strVal val="visible"/>
+                                      </p:to>
+                                    </p:set>
+                                  </p:childTnLst>
+                                </p:cTn>
+                              </p:par>
+                              <p:par>
+                                <p:cTn id="31" presetID="1" presetClass="entr" presetSubtype="0" fill="hold" grpId="0" nodeType="withEffect">
+                                  <p:stCondLst>
+                                    <p:cond delay="0"/>
+                                  </p:stCondLst>
+                                  <p:childTnLst>
+                                    <p:set>
+                                      <p:cBhvr>
+                                        <p:cTn id="32" dur="1" fill="hold">
+                                          <p:stCondLst>
+                                            <p:cond delay="0"/>
+                                          </p:stCondLst>
+                                        </p:cTn>
+                                        <p:tgtEl>
+                                          <p:spTgt spid="3">
+                                            <p:txEl>
+                                              <p:pRg st="8" end="8"/>
+                                            </p:txEl>
+                                          </p:spTgt>
+                                        </p:tgtEl>
+                                        <p:attrNameLst>
+                                          <p:attrName>style.visibility</p:attrName>
+                                        </p:attrNameLst>
+                                      </p:cBhvr>
+                                      <p:to>
+                                        <p:strVal val="visible"/>
+                                      </p:to>
+                                    </p:set>
+                                  </p:childTnLst>
+                                </p:cTn>
+                              </p:par>
+                              <p:par>
+                                <p:cTn id="33" presetID="1" presetClass="entr" presetSubtype="0" fill="hold" grpId="0" nodeType="withEffect">
+                                  <p:stCondLst>
+                                    <p:cond delay="0"/>
+                                  </p:stCondLst>
+                                  <p:childTnLst>
+                                    <p:set>
+                                      <p:cBhvr>
+                                        <p:cTn id="34" dur="1" fill="hold">
+                                          <p:stCondLst>
+                                            <p:cond delay="0"/>
+                                          </p:stCondLst>
+                                        </p:cTn>
+                                        <p:tgtEl>
+                                          <p:spTgt spid="3">
+                                            <p:txEl>
+                                              <p:pRg st="9" end="9"/>
+                                            </p:txEl>
+                                          </p:spTgt>
+                                        </p:tgtEl>
+                                        <p:attrNameLst>
+                                          <p:attrName>style.visibility</p:attrName>
+                                        </p:attrNameLst>
+                                      </p:cBhvr>
+                                      <p:to>
+                                        <p:strVal val="visible"/>
+                                      </p:to>
+                                    </p:set>
+                                  </p:childTnLst>
+                                </p:cTn>
+                              </p:par>
+                            </p:childTnLst>
+                          </p:cTn>
+                        </p:par>
+                      </p:childTnLst>
+                    </p:cTn>
+                  </p:par>
+                  <p:par>
+                    <p:cTn id="35" fill="hold">
+                      <p:stCondLst>
+                        <p:cond delay="indefinite"/>
+                      </p:stCondLst>
+                      <p:childTnLst>
+                        <p:par>
+                          <p:cTn id="36" fill="hold">
+                            <p:stCondLst>
+                              <p:cond delay="0"/>
+                            </p:stCondLst>
+                            <p:childTnLst>
+                              <p:par>
+                                <p:cTn id="37" presetID="1" presetClass="entr" presetSubtype="0" fill="hold" grpId="0" nodeType="clickEffect">
+                                  <p:stCondLst>
+                                    <p:cond delay="0"/>
+                                  </p:stCondLst>
+                                  <p:childTnLst>
+                                    <p:set>
+                                      <p:cBhvr>
+                                        <p:cTn id="38" dur="1" fill="hold">
+                                          <p:stCondLst>
+                                            <p:cond delay="0"/>
+                                          </p:stCondLst>
+                                        </p:cTn>
+                                        <p:tgtEl>
+                                          <p:spTgt spid="3">
+                                            <p:txEl>
+                                              <p:pRg st="10" end="10"/>
+                                            </p:txEl>
+                                          </p:spTgt>
+                                        </p:tgtEl>
+                                        <p:attrNameLst>
+                                          <p:attrName>style.visibility</p:attrName>
+                                        </p:attrNameLst>
+                                      </p:cBhvr>
+                                      <p:to>
+                                        <p:strVal val="visible"/>
+                                      </p:to>
+                                    </p:set>
+                                  </p:childTnLst>
+                                </p:cTn>
+                              </p:par>
+                              <p:par>
+                                <p:cTn id="39" presetID="1" presetClass="entr" presetSubtype="0" fill="hold" grpId="0" nodeType="withEffect">
+                                  <p:stCondLst>
+                                    <p:cond delay="0"/>
+                                  </p:stCondLst>
+                                  <p:childTnLst>
+                                    <p:set>
+                                      <p:cBhvr>
+                                        <p:cTn id="40" dur="1" fill="hold">
+                                          <p:stCondLst>
+                                            <p:cond delay="0"/>
+                                          </p:stCondLst>
+                                        </p:cTn>
+                                        <p:tgtEl>
+                                          <p:spTgt spid="3">
+                                            <p:txEl>
+                                              <p:pRg st="11" end="11"/>
+                                            </p:txEl>
+                                          </p:spTgt>
+                                        </p:tgtEl>
+                                        <p:attrNameLst>
+                                          <p:attrName>style.visibility</p:attrName>
+                                        </p:attrNameLst>
+                                      </p:cBhvr>
+                                      <p:to>
+                                        <p:strVal val="visible"/>
+                                      </p:to>
+                                    </p:set>
+                                  </p:childTnLst>
+                                </p:cTn>
+                              </p:par>
+                              <p:par>
+                                <p:cTn id="41" presetID="1" presetClass="entr" presetSubtype="0" fill="hold" grpId="0" nodeType="withEffect">
+                                  <p:stCondLst>
+                                    <p:cond delay="0"/>
+                                  </p:stCondLst>
+                                  <p:childTnLst>
+                                    <p:set>
+                                      <p:cBhvr>
+                                        <p:cTn id="42" dur="1" fill="hold">
+                                          <p:stCondLst>
+                                            <p:cond delay="0"/>
+                                          </p:stCondLst>
+                                        </p:cTn>
+                                        <p:tgtEl>
+                                          <p:spTgt spid="3">
+                                            <p:txEl>
+                                              <p:pRg st="12" end="12"/>
+                                            </p:txEl>
+                                          </p:spTgt>
+                                        </p:tgtEl>
+                                        <p:attrNameLst>
+                                          <p:attrName>style.visibility</p:attrName>
+                                        </p:attrNameLst>
+                                      </p:cBhvr>
+                                      <p:to>
+                                        <p:strVal val="visible"/>
+                                      </p:to>
+                                    </p:set>
+                                  </p:childTnLst>
+                                </p:cTn>
+                              </p:par>
+                            </p:childTnLst>
+                          </p:cTn>
+                        </p:par>
+                      </p:childTnLst>
+                    </p:cTn>
+                  </p:par>
+                  <p:par>
+                    <p:cTn id="43" fill="hold">
+                      <p:stCondLst>
+                        <p:cond delay="indefinite"/>
+                      </p:stCondLst>
+                      <p:childTnLst>
+                        <p:par>
+                          <p:cTn id="44" fill="hold">
+                            <p:stCondLst>
+                              <p:cond delay="0"/>
+                            </p:stCondLst>
+                            <p:childTnLst>
+                              <p:par>
+                                <p:cTn id="45" presetID="1" presetClass="entr" presetSubtype="0" fill="hold" grpId="0" nodeType="clickEffect">
+                                  <p:stCondLst>
+                                    <p:cond delay="0"/>
+                                  </p:stCondLst>
+                                  <p:childTnLst>
+                                    <p:set>
+                                      <p:cBhvr>
+                                        <p:cTn id="46" dur="1" fill="hold">
+                                          <p:stCondLst>
+                                            <p:cond delay="0"/>
+                                          </p:stCondLst>
+                                        </p:cTn>
+                                        <p:tgtEl>
+                                          <p:spTgt spid="5"/>
+                                        </p:tgtEl>
+                                        <p:attrNameLst>
+                                          <p:attrName>style.visibility</p:attrName>
+                                        </p:attrNameLst>
+                                      </p:cBhvr>
+                                      <p:to>
+                                        <p:strVal val="visible"/>
+                                      </p:to>
+                                    </p:set>
+                                  </p:childTnLst>
+                                </p:cTn>
+                              </p:par>
+                            </p:childTnLst>
+                          </p:cTn>
+                        </p:par>
+                      </p:childTnLst>
+                    </p:cTn>
+                  </p:par>
+                </p:childTnLst>
+              </p:cTn>
+              <p:prevCondLst>
+                <p:cond evt="onPrev" delay="0">
+                  <p:tgtEl>
+                    <p:sldTgt/>
+                  </p:tgtEl>
+                </p:cond>
+              </p:prevCondLst>
+              <p:nextCondLst>
+                <p:cond evt="onNext" delay="0">
+                  <p:tgtEl>
+                    <p:sldTgt/>
+                  </p:tgtEl>
+                </p:cond>
+              </p:nextCondLst>
+            </p:seq>
+          </p:childTnLst>
+        </p:cTn>
       </p:par>
     </p:tnLst>
+    <p:bldLst>
+      <p:bldP spid="3" grpId="0" uiExpand="1" build="p"/>
+      <p:bldP spid="4" grpId="0" animBg="1"/>
+      <p:bldP spid="5" grpId="0" animBg="1"/>
+    </p:bldLst>
   </p:timing>
 </p:sld>
 </file>
@@ -12333,7 +13515,11 @@
           <a:p>
             <a:r>
               <a:rPr lang="en-US" dirty="0" smtClean="0"/>
-              <a:t>Memory hierarchy illustrated</a:t>
+              <a:t>Memory hierarchy </a:t>
+            </a:r>
+            <a:r>
+              <a:rPr lang="en-US" dirty="0" smtClean="0"/>
+              <a:t>timings</a:t>
             </a:r>
             <a:endParaRPr lang="en-US" dirty="0"/>
           </a:p>
@@ -12348,7 +13534,7 @@
           <p:nvPr/>
         </p:nvPicPr>
         <p:blipFill>
-          <a:blip r:embed="rId2">
+          <a:blip r:embed="rId3">
             <a:extLst>
               <a:ext uri="{28A0092B-C50C-407E-A947-70E740481C1C}">
                 <a14:useLocalDpi xmlns:a14="http://schemas.microsoft.com/office/drawing/2010/main" val="0"/>
@@ -12626,6 +13812,29 @@
           </p:txBody>
         </p:sp>
       </p:grpSp>
+      <p:sp>
+        <p:nvSpPr>
+          <p:cNvPr id="17" name="Slide Number Placeholder 16"/>
+          <p:cNvSpPr>
+            <a:spLocks noGrp="1"/>
+          </p:cNvSpPr>
+          <p:nvPr>
+            <p:ph type="sldNum" sz="quarter" idx="12"/>
+          </p:nvPr>
+        </p:nvSpPr>
+        <p:spPr/>
+        <p:txBody>
+          <a:bodyPr/>
+          <a:lstStyle/>
+          <a:p>
+            <a:fld id="{6597116C-F94B-4B5B-973A-17F07FB5C418}" type="slidenum">
+              <a:rPr lang="nl-BE" smtClean="0"/>
+              <a:t>16</a:t>
+            </a:fld>
+            <a:endParaRPr lang="nl-BE"/>
+          </a:p>
+        </p:txBody>
+      </p:sp>
     </p:spTree>
     <p:extLst>
       <p:ext uri="{BB962C8B-B14F-4D97-AF65-F5344CB8AC3E}">
@@ -12639,7 +13848,165 @@
   <p:timing>
     <p:tnLst>
       <p:par>
-        <p:cTn id="1" dur="indefinite" restart="never" nodeType="tmRoot"/>
+        <p:cTn id="1" dur="indefinite" restart="never" nodeType="tmRoot">
+          <p:childTnLst>
+            <p:seq concurrent="1" nextAc="seek">
+              <p:cTn id="2" dur="indefinite" nodeType="mainSeq">
+                <p:childTnLst>
+                  <p:par>
+                    <p:cTn id="3" fill="hold">
+                      <p:stCondLst>
+                        <p:cond delay="indefinite"/>
+                      </p:stCondLst>
+                      <p:childTnLst>
+                        <p:par>
+                          <p:cTn id="4" fill="hold">
+                            <p:stCondLst>
+                              <p:cond delay="0"/>
+                            </p:stCondLst>
+                            <p:childTnLst>
+                              <p:par>
+                                <p:cTn id="5" presetID="1" presetClass="entr" presetSubtype="0" fill="hold" nodeType="clickEffect">
+                                  <p:stCondLst>
+                                    <p:cond delay="0"/>
+                                  </p:stCondLst>
+                                  <p:childTnLst>
+                                    <p:set>
+                                      <p:cBhvr>
+                                        <p:cTn id="6" dur="1" fill="hold">
+                                          <p:stCondLst>
+                                            <p:cond delay="0"/>
+                                          </p:stCondLst>
+                                        </p:cTn>
+                                        <p:tgtEl>
+                                          <p:spTgt spid="8"/>
+                                        </p:tgtEl>
+                                        <p:attrNameLst>
+                                          <p:attrName>style.visibility</p:attrName>
+                                        </p:attrNameLst>
+                                      </p:cBhvr>
+                                      <p:to>
+                                        <p:strVal val="visible"/>
+                                      </p:to>
+                                    </p:set>
+                                  </p:childTnLst>
+                                </p:cTn>
+                              </p:par>
+                            </p:childTnLst>
+                          </p:cTn>
+                        </p:par>
+                      </p:childTnLst>
+                    </p:cTn>
+                  </p:par>
+                  <p:par>
+                    <p:cTn id="7" fill="hold">
+                      <p:stCondLst>
+                        <p:cond delay="indefinite"/>
+                      </p:stCondLst>
+                      <p:childTnLst>
+                        <p:par>
+                          <p:cTn id="8" fill="hold">
+                            <p:stCondLst>
+                              <p:cond delay="0"/>
+                            </p:stCondLst>
+                            <p:childTnLst>
+                              <p:par>
+                                <p:cTn id="9" presetID="1" presetClass="entr" presetSubtype="0" fill="hold" nodeType="clickEffect">
+                                  <p:stCondLst>
+                                    <p:cond delay="0"/>
+                                  </p:stCondLst>
+                                  <p:childTnLst>
+                                    <p:set>
+                                      <p:cBhvr>
+                                        <p:cTn id="10" dur="1" fill="hold">
+                                          <p:stCondLst>
+                                            <p:cond delay="0"/>
+                                          </p:stCondLst>
+                                        </p:cTn>
+                                        <p:tgtEl>
+                                          <p:spTgt spid="9"/>
+                                        </p:tgtEl>
+                                        <p:attrNameLst>
+                                          <p:attrName>style.visibility</p:attrName>
+                                        </p:attrNameLst>
+                                      </p:cBhvr>
+                                      <p:to>
+                                        <p:strVal val="visible"/>
+                                      </p:to>
+                                    </p:set>
+                                  </p:childTnLst>
+                                </p:cTn>
+                              </p:par>
+                            </p:childTnLst>
+                          </p:cTn>
+                        </p:par>
+                      </p:childTnLst>
+                    </p:cTn>
+                  </p:par>
+                  <p:par>
+                    <p:cTn id="11" fill="hold">
+                      <p:stCondLst>
+                        <p:cond delay="indefinite"/>
+                      </p:stCondLst>
+                      <p:childTnLst>
+                        <p:par>
+                          <p:cTn id="12" fill="hold">
+                            <p:stCondLst>
+                              <p:cond delay="0"/>
+                            </p:stCondLst>
+                            <p:childTnLst>
+                              <p:par>
+                                <p:cTn id="13" presetID="1" presetClass="entr" presetSubtype="0" fill="hold" nodeType="clickEffect">
+                                  <p:stCondLst>
+                                    <p:cond delay="0"/>
+                                  </p:stCondLst>
+                                  <p:childTnLst>
+                                    <p:set>
+                                      <p:cBhvr>
+                                        <p:cTn id="14" dur="1" fill="hold">
+                                          <p:stCondLst>
+                                            <p:cond delay="0"/>
+                                          </p:stCondLst>
+                                        </p:cTn>
+                                        <p:tgtEl>
+                                          <p:spTgt spid="14"/>
+                                        </p:tgtEl>
+                                        <p:attrNameLst>
+                                          <p:attrName>style.visibility</p:attrName>
+                                        </p:attrNameLst>
+                                      </p:cBhvr>
+                                      <p:to>
+                                        <p:strVal val="visible"/>
+                                      </p:to>
+                                    </p:set>
+                                  </p:childTnLst>
+                                </p:cTn>
+                              </p:par>
+                            </p:childTnLst>
+                          </p:cTn>
+                        </p:par>
+                      </p:childTnLst>
+                    </p:cTn>
+                  </p:par>
+                </p:childTnLst>
+              </p:cTn>
+              <p:prevCondLst>
+                <p:cond evt="onPrev" delay="0">
+                  <p:tgtEl>
+                    <p:sldTgt/>
+                  </p:tgtEl>
+                </p:cond>
+              </p:prevCondLst>
+              <p:nextCondLst>
+                <p:cond evt="onNext" delay="0">
+                  <p:tgtEl>
+                    <p:sldTgt/>
+                  </p:tgtEl>
+                </p:cond>
+              </p:nextCondLst>
+            </p:seq>
+          </p:childTnLst>
+        </p:cTn>
       </p:par>
     </p:tnLst>
   </p:timing>
@@ -12665,162 +14032,146 @@
       </p:grpSpPr>
       <p:sp>
         <p:nvSpPr>
-          <p:cNvPr id="2" name="Title 1"/>
-          <p:cNvSpPr>
-            <a:spLocks noGrp="1"/>
-          </p:cNvSpPr>
-          <p:nvPr>
-            <p:ph type="title"/>
-          </p:nvPr>
+          <p:cNvPr id="26" name="TextBox 25"/>
+          <p:cNvSpPr txBox="1"/>
+          <p:nvPr/>
         </p:nvSpPr>
-        <p:spPr/>
+        <p:spPr>
+          <a:xfrm>
+            <a:off x="179512" y="5013176"/>
+            <a:ext cx="3724096" cy="1323439"/>
+          </a:xfrm>
+          <a:prstGeom prst="rect">
+            <a:avLst/>
+          </a:prstGeom>
+          <a:solidFill>
+            <a:schemeClr val="bg1">
+              <a:lumMod val="75000"/>
+            </a:schemeClr>
+          </a:solidFill>
+          <a:ln>
+            <a:solidFill>
+              <a:schemeClr val="tx1"/>
+            </a:solidFill>
+          </a:ln>
+        </p:spPr>
         <p:txBody>
-          <a:bodyPr/>
+          <a:bodyPr wrap="none" rtlCol="0">
+            <a:spAutoFit/>
+          </a:bodyPr>
           <a:lstStyle/>
           <a:p>
             <a:r>
-              <a:rPr lang="en-US" dirty="0" smtClean="0"/>
-              <a:t>Cache eviction</a:t>
+              <a:rPr lang="en-US" sz="2000" dirty="0" smtClean="0">
+                <a:latin typeface="Courier New" panose="02070309020205020404" pitchFamily="49" charset="0"/>
+                <a:cs typeface="Courier New" panose="02070309020205020404" pitchFamily="49" charset="0"/>
+              </a:rPr>
+              <a:t>double a[n];</a:t>
             </a:r>
-            <a:endParaRPr lang="en-US" dirty="0"/>
+          </a:p>
+          <a:p>
+            <a:r>
+              <a:rPr lang="en-US" sz="2000" dirty="0" smtClean="0">
+                <a:latin typeface="Courier New" panose="02070309020205020404" pitchFamily="49" charset="0"/>
+                <a:cs typeface="Courier New" panose="02070309020205020404" pitchFamily="49" charset="0"/>
+              </a:rPr>
+              <a:t>…</a:t>
+            </a:r>
+          </a:p>
+          <a:p>
+            <a:r>
+              <a:rPr lang="en-US" sz="2000" dirty="0" smtClean="0">
+                <a:latin typeface="Courier New" panose="02070309020205020404" pitchFamily="49" charset="0"/>
+                <a:cs typeface="Courier New" panose="02070309020205020404" pitchFamily="49" charset="0"/>
+              </a:rPr>
+              <a:t>for (</a:t>
+            </a:r>
+            <a:r>
+              <a:rPr lang="en-US" sz="2000" dirty="0" err="1" smtClean="0">
+                <a:latin typeface="Courier New" panose="02070309020205020404" pitchFamily="49" charset="0"/>
+                <a:cs typeface="Courier New" panose="02070309020205020404" pitchFamily="49" charset="0"/>
+              </a:rPr>
+              <a:t>i</a:t>
+            </a:r>
+            <a:r>
+              <a:rPr lang="en-US" sz="2000" dirty="0" smtClean="0">
+                <a:latin typeface="Courier New" panose="02070309020205020404" pitchFamily="49" charset="0"/>
+                <a:cs typeface="Courier New" panose="02070309020205020404" pitchFamily="49" charset="0"/>
+              </a:rPr>
+              <a:t> = 0; </a:t>
+            </a:r>
+            <a:r>
+              <a:rPr lang="en-US" sz="2000" dirty="0" err="1" smtClean="0">
+                <a:latin typeface="Courier New" panose="02070309020205020404" pitchFamily="49" charset="0"/>
+                <a:cs typeface="Courier New" panose="02070309020205020404" pitchFamily="49" charset="0"/>
+              </a:rPr>
+              <a:t>i</a:t>
+            </a:r>
+            <a:r>
+              <a:rPr lang="en-US" sz="2000" dirty="0">
+                <a:latin typeface="Courier New" panose="02070309020205020404" pitchFamily="49" charset="0"/>
+                <a:cs typeface="Courier New" panose="02070309020205020404" pitchFamily="49" charset="0"/>
+              </a:rPr>
+              <a:t> </a:t>
+            </a:r>
+            <a:r>
+              <a:rPr lang="en-US" sz="2000" dirty="0" smtClean="0">
+                <a:latin typeface="Courier New" panose="02070309020205020404" pitchFamily="49" charset="0"/>
+                <a:cs typeface="Courier New" panose="02070309020205020404" pitchFamily="49" charset="0"/>
+              </a:rPr>
+              <a:t>&lt; n; </a:t>
+            </a:r>
+            <a:r>
+              <a:rPr lang="en-US" sz="2000" dirty="0" err="1" smtClean="0">
+                <a:latin typeface="Courier New" panose="02070309020205020404" pitchFamily="49" charset="0"/>
+                <a:cs typeface="Courier New" panose="02070309020205020404" pitchFamily="49" charset="0"/>
+              </a:rPr>
+              <a:t>i</a:t>
+            </a:r>
+            <a:r>
+              <a:rPr lang="en-US" sz="2000" dirty="0" smtClean="0">
+                <a:latin typeface="Courier New" panose="02070309020205020404" pitchFamily="49" charset="0"/>
+                <a:cs typeface="Courier New" panose="02070309020205020404" pitchFamily="49" charset="0"/>
+              </a:rPr>
+              <a:t>++)</a:t>
+            </a:r>
+          </a:p>
+          <a:p>
+            <a:r>
+              <a:rPr lang="en-US" sz="2000" dirty="0">
+                <a:latin typeface="Courier New" panose="02070309020205020404" pitchFamily="49" charset="0"/>
+                <a:cs typeface="Courier New" panose="02070309020205020404" pitchFamily="49" charset="0"/>
+              </a:rPr>
+              <a:t> </a:t>
+            </a:r>
+            <a:r>
+              <a:rPr lang="en-US" sz="2000" dirty="0" smtClean="0">
+                <a:latin typeface="Courier New" panose="02070309020205020404" pitchFamily="49" charset="0"/>
+                <a:cs typeface="Courier New" panose="02070309020205020404" pitchFamily="49" charset="0"/>
+              </a:rPr>
+              <a:t>   f(a[</a:t>
+            </a:r>
+            <a:r>
+              <a:rPr lang="en-US" sz="2000" dirty="0" err="1" smtClean="0">
+                <a:latin typeface="Courier New" panose="02070309020205020404" pitchFamily="49" charset="0"/>
+                <a:cs typeface="Courier New" panose="02070309020205020404" pitchFamily="49" charset="0"/>
+              </a:rPr>
+              <a:t>i</a:t>
+            </a:r>
+            <a:r>
+              <a:rPr lang="en-US" sz="2000" dirty="0" smtClean="0">
+                <a:latin typeface="Courier New" panose="02070309020205020404" pitchFamily="49" charset="0"/>
+                <a:cs typeface="Courier New" panose="02070309020205020404" pitchFamily="49" charset="0"/>
+              </a:rPr>
+              <a:t>])</a:t>
+            </a:r>
+            <a:endParaRPr lang="en-US" sz="1600" dirty="0" smtClean="0">
+              <a:latin typeface="Courier New" panose="02070309020205020404" pitchFamily="49" charset="0"/>
+              <a:cs typeface="Courier New" panose="02070309020205020404" pitchFamily="49" charset="0"/>
+            </a:endParaRPr>
           </a:p>
         </p:txBody>
       </p:sp>
-      <p:sp>
-        <p:nvSpPr>
-          <p:cNvPr id="3" name="Content Placeholder 2"/>
-          <p:cNvSpPr>
-            <a:spLocks noGrp="1"/>
-          </p:cNvSpPr>
-          <p:nvPr>
-            <p:ph idx="1"/>
-          </p:nvPr>
-        </p:nvSpPr>
-        <p:spPr/>
-        <p:txBody>
-          <a:bodyPr/>
-          <a:lstStyle/>
-          <a:p>
-            <a:endParaRPr lang="en-US"/>
-          </a:p>
-        </p:txBody>
-      </p:sp>
-    </p:spTree>
-    <p:extLst>
-      <p:ext uri="{BB962C8B-B14F-4D97-AF65-F5344CB8AC3E}">
-        <p14:creationId xmlns:p14="http://schemas.microsoft.com/office/powerpoint/2010/main" val="1299100795"/>
-      </p:ext>
-    </p:extLst>
-  </p:cSld>
-  <p:clrMapOvr>
-    <a:masterClrMapping/>
-  </p:clrMapOvr>
-  <p:timing>
-    <p:tnLst>
-      <p:par>
-        <p:cTn id="1" dur="indefinite" restart="never" nodeType="tmRoot"/>
-      </p:par>
-    </p:tnLst>
-  </p:timing>
-</p:sld>
-</file>
-
-<file path=ppt/slides/slide18.xml><?xml version="1.0" encoding="utf-8"?>
-<p:sld xmlns:a="http://schemas.openxmlformats.org/drawingml/2006/main" xmlns:r="http://schemas.openxmlformats.org/officeDocument/2006/relationships" xmlns:p="http://schemas.openxmlformats.org/presentationml/2006/main">
-  <p:cSld>
-    <p:spTree>
-      <p:nvGrpSpPr>
-        <p:cNvPr id="1" name=""/>
-        <p:cNvGrpSpPr/>
-        <p:nvPr/>
-      </p:nvGrpSpPr>
-      <p:grpSpPr>
-        <a:xfrm>
-          <a:off x="0" y="0"/>
-          <a:ext cx="0" cy="0"/>
-          <a:chOff x="0" y="0"/>
-          <a:chExt cx="0" cy="0"/>
-        </a:xfrm>
-      </p:grpSpPr>
-      <p:sp>
-        <p:nvSpPr>
-          <p:cNvPr id="2" name="Title 1"/>
-          <p:cNvSpPr>
-            <a:spLocks noGrp="1"/>
-          </p:cNvSpPr>
-          <p:nvPr>
-            <p:ph type="title"/>
-          </p:nvPr>
-        </p:nvSpPr>
-        <p:spPr/>
-        <p:txBody>
-          <a:bodyPr/>
-          <a:lstStyle/>
-          <a:p>
-            <a:r>
-              <a:rPr lang="en-US" dirty="0" smtClean="0"/>
-              <a:t>Vectorization</a:t>
-            </a:r>
-            <a:endParaRPr lang="en-US" dirty="0"/>
-          </a:p>
-        </p:txBody>
-      </p:sp>
-      <p:sp>
-        <p:nvSpPr>
-          <p:cNvPr id="3" name="Content Placeholder 2"/>
-          <p:cNvSpPr>
-            <a:spLocks noGrp="1"/>
-          </p:cNvSpPr>
-          <p:nvPr>
-            <p:ph idx="1"/>
-          </p:nvPr>
-        </p:nvSpPr>
-        <p:spPr/>
-        <p:txBody>
-          <a:bodyPr/>
-          <a:lstStyle/>
-          <a:p>
-            <a:endParaRPr lang="en-US"/>
-          </a:p>
-        </p:txBody>
-      </p:sp>
-    </p:spTree>
-    <p:extLst>
-      <p:ext uri="{BB962C8B-B14F-4D97-AF65-F5344CB8AC3E}">
-        <p14:creationId xmlns:p14="http://schemas.microsoft.com/office/powerpoint/2010/main" val="78468918"/>
-      </p:ext>
-    </p:extLst>
-  </p:cSld>
-  <p:clrMapOvr>
-    <a:masterClrMapping/>
-  </p:clrMapOvr>
-  <p:timing>
-    <p:tnLst>
-      <p:par>
-        <p:cTn id="1" dur="indefinite" restart="never" nodeType="tmRoot"/>
-      </p:par>
-    </p:tnLst>
-  </p:timing>
-</p:sld>
-</file>
-
-<file path=ppt/slides/slide19.xml><?xml version="1.0" encoding="utf-8"?>
-<p:sld xmlns:a="http://schemas.openxmlformats.org/drawingml/2006/main" xmlns:r="http://schemas.openxmlformats.org/officeDocument/2006/relationships" xmlns:p="http://schemas.openxmlformats.org/presentationml/2006/main">
-  <p:cSld>
-    <p:spTree>
-      <p:nvGrpSpPr>
-        <p:cNvPr id="1" name=""/>
-        <p:cNvGrpSpPr/>
-        <p:nvPr/>
-      </p:nvGrpSpPr>
-      <p:grpSpPr>
-        <a:xfrm>
-          <a:off x="0" y="0"/>
-          <a:ext cx="0" cy="0"/>
-          <a:chOff x="0" y="0"/>
-          <a:chExt cx="0" cy="0"/>
-        </a:xfrm>
-      </p:grpSpPr>
       <p:sp>
         <p:nvSpPr>
           <p:cNvPr id="2" name="Title 1"/>
@@ -12925,19 +14276,11 @@
             <a:pPr lvl="1"/>
             <a:r>
               <a:rPr lang="en-US" dirty="0" smtClean="0"/>
-              <a:t>access to contiguous data, e.g., </a:t>
-            </a:r>
-            <a:r>
-              <a:rPr lang="en-US" dirty="0" err="1" smtClean="0"/>
-              <a:t>AoS</a:t>
+              <a:t>access to contiguous </a:t>
             </a:r>
             <a:r>
               <a:rPr lang="en-US" dirty="0" smtClean="0"/>
-              <a:t> vs. </a:t>
-            </a:r>
-            <a:r>
-              <a:rPr lang="en-US" dirty="0" err="1" smtClean="0"/>
-              <a:t>SoA</a:t>
+              <a:t>data</a:t>
             </a:r>
             <a:endParaRPr lang="en-US" dirty="0"/>
           </a:p>
@@ -12951,7 +14294,7 @@
         </p:nvGrpSpPr>
         <p:grpSpPr>
           <a:xfrm>
-            <a:off x="3491880" y="5085184"/>
+            <a:off x="2965990" y="5085184"/>
             <a:ext cx="4917326" cy="411266"/>
             <a:chOff x="2483768" y="4745926"/>
             <a:chExt cx="4917326" cy="411266"/>
@@ -13569,99 +14912,6 @@
           </p:txBody>
         </p:sp>
       </p:grpSp>
-      <p:sp>
-        <p:nvSpPr>
-          <p:cNvPr id="26" name="TextBox 25"/>
-          <p:cNvSpPr txBox="1"/>
-          <p:nvPr/>
-        </p:nvSpPr>
-        <p:spPr>
-          <a:xfrm>
-            <a:off x="705402" y="5013176"/>
-            <a:ext cx="2138406" cy="1323439"/>
-          </a:xfrm>
-          <a:prstGeom prst="rect">
-            <a:avLst/>
-          </a:prstGeom>
-          <a:noFill/>
-          <a:ln>
-            <a:solidFill>
-              <a:schemeClr val="tx1"/>
-            </a:solidFill>
-          </a:ln>
-        </p:spPr>
-        <p:txBody>
-          <a:bodyPr wrap="none" rtlCol="0">
-            <a:spAutoFit/>
-          </a:bodyPr>
-          <a:lstStyle/>
-          <a:p>
-            <a:r>
-              <a:rPr lang="en-US" sz="2000" dirty="0" smtClean="0"/>
-              <a:t>double a[n];</a:t>
-            </a:r>
-          </a:p>
-          <a:p>
-            <a:r>
-              <a:rPr lang="en-US" sz="2000" dirty="0" smtClean="0"/>
-              <a:t>…</a:t>
-            </a:r>
-          </a:p>
-          <a:p>
-            <a:r>
-              <a:rPr lang="en-US" sz="2000" dirty="0" smtClean="0"/>
-              <a:t>for (</a:t>
-            </a:r>
-            <a:r>
-              <a:rPr lang="en-US" sz="2000" dirty="0" err="1" smtClean="0"/>
-              <a:t>i</a:t>
-            </a:r>
-            <a:r>
-              <a:rPr lang="en-US" sz="2000" dirty="0" smtClean="0"/>
-              <a:t> = 0; </a:t>
-            </a:r>
-            <a:r>
-              <a:rPr lang="en-US" sz="2000" dirty="0" err="1" smtClean="0"/>
-              <a:t>i</a:t>
-            </a:r>
-            <a:r>
-              <a:rPr lang="en-US" sz="2000" dirty="0"/>
-              <a:t> </a:t>
-            </a:r>
-            <a:r>
-              <a:rPr lang="en-US" sz="2000" dirty="0" smtClean="0"/>
-              <a:t>&lt; n; </a:t>
-            </a:r>
-            <a:r>
-              <a:rPr lang="en-US" sz="2000" dirty="0" err="1" smtClean="0"/>
-              <a:t>i</a:t>
-            </a:r>
-            <a:r>
-              <a:rPr lang="en-US" sz="2000" dirty="0" smtClean="0"/>
-              <a:t>++)</a:t>
-            </a:r>
-          </a:p>
-          <a:p>
-            <a:r>
-              <a:rPr lang="en-US" sz="2000" dirty="0"/>
-              <a:t> </a:t>
-            </a:r>
-            <a:r>
-              <a:rPr lang="en-US" sz="2000" dirty="0" smtClean="0"/>
-              <a:t>   f(a[</a:t>
-            </a:r>
-            <a:r>
-              <a:rPr lang="en-US" sz="2000" dirty="0" err="1" smtClean="0"/>
-              <a:t>i</a:t>
-            </a:r>
-            <a:r>
-              <a:rPr lang="en-US" sz="2000" dirty="0" smtClean="0"/>
-              <a:t>])</a:t>
-            </a:r>
-            <a:endParaRPr lang="en-US" sz="1600" dirty="0" smtClean="0"/>
-          </a:p>
-        </p:txBody>
-      </p:sp>
       <p:grpSp>
         <p:nvGrpSpPr>
           <p:cNvPr id="29" name="Group 28"/>
@@ -13670,7 +14920,7 @@
         </p:nvGrpSpPr>
         <p:grpSpPr>
           <a:xfrm>
-            <a:off x="4705625" y="5568458"/>
+            <a:off x="4179735" y="5568458"/>
             <a:ext cx="2386655" cy="483274"/>
             <a:chOff x="3748739" y="5373216"/>
             <a:chExt cx="2386655" cy="483274"/>
@@ -13758,8 +15008,8 @@
         </p:nvSpPr>
         <p:spPr>
           <a:xfrm>
-            <a:off x="5657875" y="2204864"/>
-            <a:ext cx="3162597" cy="923330"/>
+            <a:off x="5364088" y="2060848"/>
+            <a:ext cx="3483326" cy="1015663"/>
           </a:xfrm>
           <a:prstGeom prst="rect">
             <a:avLst/>
@@ -13778,42 +15028,153 @@
           <a:lstStyle/>
           <a:p>
             <a:r>
-              <a:rPr lang="en-US" dirty="0" smtClean="0"/>
+              <a:rPr lang="en-US" sz="2000" dirty="0" smtClean="0"/>
               <a:t>not exploited: effective</a:t>
             </a:r>
             <a:br>
-              <a:rPr lang="en-US" dirty="0" smtClean="0"/>
+              <a:rPr lang="en-US" sz="2000" dirty="0" smtClean="0"/>
             </a:br>
             <a:r>
-              <a:rPr lang="en-US" dirty="0" smtClean="0"/>
+              <a:rPr lang="en-US" sz="2000" dirty="0" smtClean="0"/>
               <a:t>    </a:t>
             </a:r>
             <a:r>
-              <a:rPr lang="en-US" dirty="0" smtClean="0">
+              <a:rPr lang="en-US" sz="2000" dirty="0" smtClean="0">
                 <a:sym typeface="Symbol" panose="05050102010706020507" pitchFamily="18" charset="2"/>
               </a:rPr>
               <a:t> </a:t>
             </a:r>
             <a:r>
-              <a:rPr lang="en-US" dirty="0" smtClean="0"/>
+              <a:rPr lang="en-US" sz="2000" dirty="0" smtClean="0"/>
               <a:t>memory bandwidth/8 or 16</a:t>
             </a:r>
           </a:p>
           <a:p>
             <a:r>
-              <a:rPr lang="en-US" dirty="0" smtClean="0">
+              <a:rPr lang="en-US" sz="2000" dirty="0" smtClean="0">
                 <a:sym typeface="Symbol" panose="05050102010706020507" pitchFamily="18" charset="2"/>
               </a:rPr>
               <a:t>     </a:t>
             </a:r>
             <a:r>
-              <a:rPr lang="en-US" dirty="0" smtClean="0"/>
+              <a:rPr lang="en-US" sz="2000" dirty="0" smtClean="0"/>
               <a:t>cache size/8 or 16</a:t>
             </a:r>
-            <a:endParaRPr lang="en-US" dirty="0"/>
+            <a:endParaRPr lang="en-US" sz="2000" dirty="0"/>
           </a:p>
         </p:txBody>
       </p:sp>
+      <p:sp>
+        <p:nvSpPr>
+          <p:cNvPr id="31" name="Slide Number Placeholder 30"/>
+          <p:cNvSpPr>
+            <a:spLocks noGrp="1"/>
+          </p:cNvSpPr>
+          <p:nvPr>
+            <p:ph type="sldNum" sz="quarter" idx="12"/>
+          </p:nvPr>
+        </p:nvSpPr>
+        <p:spPr/>
+        <p:txBody>
+          <a:bodyPr/>
+          <a:lstStyle/>
+          <a:p>
+            <a:fld id="{6597116C-F94B-4B5B-973A-17F07FB5C418}" type="slidenum">
+              <a:rPr lang="nl-BE" smtClean="0"/>
+              <a:t>17</a:t>
+            </a:fld>
+            <a:endParaRPr lang="nl-BE"/>
+          </a:p>
+        </p:txBody>
+      </p:sp>
+      <p:grpSp>
+        <p:nvGrpSpPr>
+          <p:cNvPr id="32" name="Group 31"/>
+          <p:cNvGrpSpPr/>
+          <p:nvPr/>
+        </p:nvGrpSpPr>
+        <p:grpSpPr>
+          <a:xfrm>
+            <a:off x="6566390" y="5568458"/>
+            <a:ext cx="2386655" cy="483274"/>
+            <a:chOff x="3748739" y="5373216"/>
+            <a:chExt cx="2386655" cy="483274"/>
+          </a:xfrm>
+        </p:grpSpPr>
+        <p:sp>
+          <p:nvSpPr>
+            <p:cNvPr id="33" name="Left Brace 32"/>
+            <p:cNvSpPr/>
+            <p:nvPr/>
+          </p:nvSpPr>
+          <p:spPr>
+            <a:xfrm rot="16200000">
+              <a:off x="4870059" y="4251896"/>
+              <a:ext cx="144016" cy="2386655"/>
+            </a:xfrm>
+            <a:prstGeom prst="leftBrace">
+              <a:avLst/>
+            </a:prstGeom>
+            <a:ln w="19050">
+              <a:solidFill>
+                <a:schemeClr val="tx1"/>
+              </a:solidFill>
+            </a:ln>
+          </p:spPr>
+          <p:style>
+            <a:lnRef idx="1">
+              <a:schemeClr val="accent1"/>
+            </a:lnRef>
+            <a:fillRef idx="0">
+              <a:schemeClr val="accent1"/>
+            </a:fillRef>
+            <a:effectRef idx="0">
+              <a:schemeClr val="accent1"/>
+            </a:effectRef>
+            <a:fontRef idx="minor">
+              <a:schemeClr val="tx1"/>
+            </a:fontRef>
+          </p:style>
+          <p:txBody>
+            <a:bodyPr rtlCol="0" anchor="ctr"/>
+            <a:lstStyle/>
+            <a:p>
+              <a:pPr algn="ctr"/>
+              <a:endParaRPr lang="en-US"/>
+            </a:p>
+          </p:txBody>
+        </p:sp>
+        <p:sp>
+          <p:nvSpPr>
+            <p:cNvPr id="34" name="TextBox 33"/>
+            <p:cNvSpPr txBox="1"/>
+            <p:nvPr/>
+          </p:nvSpPr>
+          <p:spPr>
+            <a:xfrm>
+              <a:off x="4386002" y="5487158"/>
+              <a:ext cx="1122102" cy="369332"/>
+            </a:xfrm>
+            <a:prstGeom prst="rect">
+              <a:avLst/>
+            </a:prstGeom>
+            <a:noFill/>
+          </p:spPr>
+          <p:txBody>
+            <a:bodyPr wrap="none" rtlCol="0">
+              <a:spAutoFit/>
+            </a:bodyPr>
+            <a:lstStyle/>
+            <a:p>
+              <a:r>
+                <a:rPr lang="en-US" dirty="0" smtClean="0"/>
+                <a:t>cache line</a:t>
+              </a:r>
+              <a:endParaRPr lang="en-US" dirty="0"/>
+            </a:p>
+          </p:txBody>
+        </p:sp>
+      </p:grpSp>
     </p:spTree>
     <p:extLst>
       <p:ext uri="{BB962C8B-B14F-4D97-AF65-F5344CB8AC3E}">
@@ -13827,7 +15188,2715 @@
   <p:timing>
     <p:tnLst>
       <p:par>
+        <p:cTn id="1" dur="indefinite" restart="never" nodeType="tmRoot">
+          <p:childTnLst>
+            <p:seq concurrent="1" nextAc="seek">
+              <p:cTn id="2" dur="indefinite" nodeType="mainSeq">
+                <p:childTnLst>
+                  <p:par>
+                    <p:cTn id="3" fill="hold">
+                      <p:stCondLst>
+                        <p:cond delay="indefinite"/>
+                        <p:cond evt="onBegin" delay="0">
+                          <p:tn val="2"/>
+                        </p:cond>
+                      </p:stCondLst>
+                      <p:childTnLst>
+                        <p:par>
+                          <p:cTn id="4" fill="hold">
+                            <p:stCondLst>
+                              <p:cond delay="0"/>
+                            </p:stCondLst>
+                            <p:childTnLst>
+                              <p:par>
+                                <p:cTn id="5" presetID="1" presetClass="entr" presetSubtype="0" fill="hold" grpId="0" nodeType="withEffect">
+                                  <p:stCondLst>
+                                    <p:cond delay="0"/>
+                                  </p:stCondLst>
+                                  <p:childTnLst>
+                                    <p:set>
+                                      <p:cBhvr>
+                                        <p:cTn id="6" dur="1" fill="hold">
+                                          <p:stCondLst>
+                                            <p:cond delay="0"/>
+                                          </p:stCondLst>
+                                        </p:cTn>
+                                        <p:tgtEl>
+                                          <p:spTgt spid="3">
+                                            <p:txEl>
+                                              <p:pRg st="0" end="0"/>
+                                            </p:txEl>
+                                          </p:spTgt>
+                                        </p:tgtEl>
+                                        <p:attrNameLst>
+                                          <p:attrName>style.visibility</p:attrName>
+                                        </p:attrNameLst>
+                                      </p:cBhvr>
+                                      <p:to>
+                                        <p:strVal val="visible"/>
+                                      </p:to>
+                                    </p:set>
+                                  </p:childTnLst>
+                                </p:cTn>
+                              </p:par>
+                              <p:par>
+                                <p:cTn id="7" presetID="1" presetClass="entr" presetSubtype="0" fill="hold" grpId="0" nodeType="withEffect">
+                                  <p:stCondLst>
+                                    <p:cond delay="0"/>
+                                  </p:stCondLst>
+                                  <p:childTnLst>
+                                    <p:set>
+                                      <p:cBhvr>
+                                        <p:cTn id="8" dur="1" fill="hold">
+                                          <p:stCondLst>
+                                            <p:cond delay="0"/>
+                                          </p:stCondLst>
+                                        </p:cTn>
+                                        <p:tgtEl>
+                                          <p:spTgt spid="3">
+                                            <p:txEl>
+                                              <p:pRg st="1" end="1"/>
+                                            </p:txEl>
+                                          </p:spTgt>
+                                        </p:tgtEl>
+                                        <p:attrNameLst>
+                                          <p:attrName>style.visibility</p:attrName>
+                                        </p:attrNameLst>
+                                      </p:cBhvr>
+                                      <p:to>
+                                        <p:strVal val="visible"/>
+                                      </p:to>
+                                    </p:set>
+                                  </p:childTnLst>
+                                </p:cTn>
+                              </p:par>
+                              <p:par>
+                                <p:cTn id="9" presetID="1" presetClass="entr" presetSubtype="0" fill="hold" grpId="0" nodeType="withEffect">
+                                  <p:stCondLst>
+                                    <p:cond delay="0"/>
+                                  </p:stCondLst>
+                                  <p:childTnLst>
+                                    <p:set>
+                                      <p:cBhvr>
+                                        <p:cTn id="10" dur="1" fill="hold">
+                                          <p:stCondLst>
+                                            <p:cond delay="0"/>
+                                          </p:stCondLst>
+                                        </p:cTn>
+                                        <p:tgtEl>
+                                          <p:spTgt spid="3">
+                                            <p:txEl>
+                                              <p:pRg st="2" end="2"/>
+                                            </p:txEl>
+                                          </p:spTgt>
+                                        </p:tgtEl>
+                                        <p:attrNameLst>
+                                          <p:attrName>style.visibility</p:attrName>
+                                        </p:attrNameLst>
+                                      </p:cBhvr>
+                                      <p:to>
+                                        <p:strVal val="visible"/>
+                                      </p:to>
+                                    </p:set>
+                                  </p:childTnLst>
+                                </p:cTn>
+                              </p:par>
+                            </p:childTnLst>
+                          </p:cTn>
+                        </p:par>
+                      </p:childTnLst>
+                    </p:cTn>
+                  </p:par>
+                  <p:par>
+                    <p:cTn id="11" fill="hold">
+                      <p:stCondLst>
+                        <p:cond delay="indefinite"/>
+                      </p:stCondLst>
+                      <p:childTnLst>
+                        <p:par>
+                          <p:cTn id="12" fill="hold">
+                            <p:stCondLst>
+                              <p:cond delay="0"/>
+                            </p:stCondLst>
+                            <p:childTnLst>
+                              <p:par>
+                                <p:cTn id="13" presetID="1" presetClass="entr" presetSubtype="0" fill="hold" grpId="0" nodeType="clickEffect">
+                                  <p:stCondLst>
+                                    <p:cond delay="0"/>
+                                  </p:stCondLst>
+                                  <p:childTnLst>
+                                    <p:set>
+                                      <p:cBhvr>
+                                        <p:cTn id="14" dur="1" fill="hold">
+                                          <p:stCondLst>
+                                            <p:cond delay="0"/>
+                                          </p:stCondLst>
+                                        </p:cTn>
+                                        <p:tgtEl>
+                                          <p:spTgt spid="30"/>
+                                        </p:tgtEl>
+                                        <p:attrNameLst>
+                                          <p:attrName>style.visibility</p:attrName>
+                                        </p:attrNameLst>
+                                      </p:cBhvr>
+                                      <p:to>
+                                        <p:strVal val="visible"/>
+                                      </p:to>
+                                    </p:set>
+                                  </p:childTnLst>
+                                </p:cTn>
+                              </p:par>
+                            </p:childTnLst>
+                          </p:cTn>
+                        </p:par>
+                      </p:childTnLst>
+                    </p:cTn>
+                  </p:par>
+                  <p:par>
+                    <p:cTn id="15" fill="hold">
+                      <p:stCondLst>
+                        <p:cond delay="indefinite"/>
+                      </p:stCondLst>
+                      <p:childTnLst>
+                        <p:par>
+                          <p:cTn id="16" fill="hold">
+                            <p:stCondLst>
+                              <p:cond delay="0"/>
+                            </p:stCondLst>
+                            <p:childTnLst>
+                              <p:par>
+                                <p:cTn id="17" presetID="1" presetClass="entr" presetSubtype="0" fill="hold" grpId="0" nodeType="clickEffect">
+                                  <p:stCondLst>
+                                    <p:cond delay="0"/>
+                                  </p:stCondLst>
+                                  <p:childTnLst>
+                                    <p:set>
+                                      <p:cBhvr>
+                                        <p:cTn id="18" dur="1" fill="hold">
+                                          <p:stCondLst>
+                                            <p:cond delay="0"/>
+                                          </p:stCondLst>
+                                        </p:cTn>
+                                        <p:tgtEl>
+                                          <p:spTgt spid="3">
+                                            <p:txEl>
+                                              <p:pRg st="3" end="3"/>
+                                            </p:txEl>
+                                          </p:spTgt>
+                                        </p:tgtEl>
+                                        <p:attrNameLst>
+                                          <p:attrName>style.visibility</p:attrName>
+                                        </p:attrNameLst>
+                                      </p:cBhvr>
+                                      <p:to>
+                                        <p:strVal val="visible"/>
+                                      </p:to>
+                                    </p:set>
+                                  </p:childTnLst>
+                                </p:cTn>
+                              </p:par>
+                              <p:par>
+                                <p:cTn id="19" presetID="1" presetClass="entr" presetSubtype="0" fill="hold" grpId="0" nodeType="withEffect">
+                                  <p:stCondLst>
+                                    <p:cond delay="0"/>
+                                  </p:stCondLst>
+                                  <p:childTnLst>
+                                    <p:set>
+                                      <p:cBhvr>
+                                        <p:cTn id="20" dur="1" fill="hold">
+                                          <p:stCondLst>
+                                            <p:cond delay="0"/>
+                                          </p:stCondLst>
+                                        </p:cTn>
+                                        <p:tgtEl>
+                                          <p:spTgt spid="3">
+                                            <p:txEl>
+                                              <p:pRg st="4" end="4"/>
+                                            </p:txEl>
+                                          </p:spTgt>
+                                        </p:tgtEl>
+                                        <p:attrNameLst>
+                                          <p:attrName>style.visibility</p:attrName>
+                                        </p:attrNameLst>
+                                      </p:cBhvr>
+                                      <p:to>
+                                        <p:strVal val="visible"/>
+                                      </p:to>
+                                    </p:set>
+                                  </p:childTnLst>
+                                </p:cTn>
+                              </p:par>
+                              <p:par>
+                                <p:cTn id="21" presetID="1" presetClass="entr" presetSubtype="0" fill="hold" grpId="0" nodeType="withEffect">
+                                  <p:stCondLst>
+                                    <p:cond delay="0"/>
+                                  </p:stCondLst>
+                                  <p:childTnLst>
+                                    <p:set>
+                                      <p:cBhvr>
+                                        <p:cTn id="22" dur="1" fill="hold">
+                                          <p:stCondLst>
+                                            <p:cond delay="0"/>
+                                          </p:stCondLst>
+                                        </p:cTn>
+                                        <p:tgtEl>
+                                          <p:spTgt spid="26"/>
+                                        </p:tgtEl>
+                                        <p:attrNameLst>
+                                          <p:attrName>style.visibility</p:attrName>
+                                        </p:attrNameLst>
+                                      </p:cBhvr>
+                                      <p:to>
+                                        <p:strVal val="visible"/>
+                                      </p:to>
+                                    </p:set>
+                                  </p:childTnLst>
+                                </p:cTn>
+                              </p:par>
+                            </p:childTnLst>
+                          </p:cTn>
+                        </p:par>
+                      </p:childTnLst>
+                    </p:cTn>
+                  </p:par>
+                  <p:par>
+                    <p:cTn id="23" fill="hold">
+                      <p:stCondLst>
+                        <p:cond delay="indefinite"/>
+                      </p:stCondLst>
+                      <p:childTnLst>
+                        <p:par>
+                          <p:cTn id="24" fill="hold">
+                            <p:stCondLst>
+                              <p:cond delay="0"/>
+                            </p:stCondLst>
+                            <p:childTnLst>
+                              <p:par>
+                                <p:cTn id="25" presetID="1" presetClass="entr" presetSubtype="0" fill="hold" nodeType="clickEffect">
+                                  <p:stCondLst>
+                                    <p:cond delay="0"/>
+                                  </p:stCondLst>
+                                  <p:childTnLst>
+                                    <p:set>
+                                      <p:cBhvr>
+                                        <p:cTn id="26" dur="1" fill="hold">
+                                          <p:stCondLst>
+                                            <p:cond delay="0"/>
+                                          </p:stCondLst>
+                                        </p:cTn>
+                                        <p:tgtEl>
+                                          <p:spTgt spid="25"/>
+                                        </p:tgtEl>
+                                        <p:attrNameLst>
+                                          <p:attrName>style.visibility</p:attrName>
+                                        </p:attrNameLst>
+                                      </p:cBhvr>
+                                      <p:to>
+                                        <p:strVal val="visible"/>
+                                      </p:to>
+                                    </p:set>
+                                  </p:childTnLst>
+                                </p:cTn>
+                              </p:par>
+                            </p:childTnLst>
+                          </p:cTn>
+                        </p:par>
+                      </p:childTnLst>
+                    </p:cTn>
+                  </p:par>
+                  <p:par>
+                    <p:cTn id="27" fill="hold">
+                      <p:stCondLst>
+                        <p:cond delay="indefinite"/>
+                      </p:stCondLst>
+                      <p:childTnLst>
+                        <p:par>
+                          <p:cTn id="28" fill="hold">
+                            <p:stCondLst>
+                              <p:cond delay="0"/>
+                            </p:stCondLst>
+                            <p:childTnLst>
+                              <p:par>
+                                <p:cTn id="29" presetID="1" presetClass="entr" presetSubtype="0" fill="hold" nodeType="clickEffect">
+                                  <p:stCondLst>
+                                    <p:cond delay="0"/>
+                                  </p:stCondLst>
+                                  <p:childTnLst>
+                                    <p:set>
+                                      <p:cBhvr>
+                                        <p:cTn id="30" dur="1" fill="hold">
+                                          <p:stCondLst>
+                                            <p:cond delay="0"/>
+                                          </p:stCondLst>
+                                        </p:cTn>
+                                        <p:tgtEl>
+                                          <p:spTgt spid="29"/>
+                                        </p:tgtEl>
+                                        <p:attrNameLst>
+                                          <p:attrName>style.visibility</p:attrName>
+                                        </p:attrNameLst>
+                                      </p:cBhvr>
+                                      <p:to>
+                                        <p:strVal val="visible"/>
+                                      </p:to>
+                                    </p:set>
+                                  </p:childTnLst>
+                                </p:cTn>
+                              </p:par>
+                            </p:childTnLst>
+                          </p:cTn>
+                        </p:par>
+                      </p:childTnLst>
+                    </p:cTn>
+                  </p:par>
+                  <p:par>
+                    <p:cTn id="31" fill="hold">
+                      <p:stCondLst>
+                        <p:cond delay="indefinite"/>
+                      </p:stCondLst>
+                      <p:childTnLst>
+                        <p:par>
+                          <p:cTn id="32" fill="hold">
+                            <p:stCondLst>
+                              <p:cond delay="0"/>
+                            </p:stCondLst>
+                            <p:childTnLst>
+                              <p:par>
+                                <p:cTn id="33" presetID="1" presetClass="entr" presetSubtype="0" fill="hold" nodeType="clickEffect">
+                                  <p:stCondLst>
+                                    <p:cond delay="0"/>
+                                  </p:stCondLst>
+                                  <p:childTnLst>
+                                    <p:set>
+                                      <p:cBhvr>
+                                        <p:cTn id="34" dur="1" fill="hold">
+                                          <p:stCondLst>
+                                            <p:cond delay="0"/>
+                                          </p:stCondLst>
+                                        </p:cTn>
+                                        <p:tgtEl>
+                                          <p:spTgt spid="32"/>
+                                        </p:tgtEl>
+                                        <p:attrNameLst>
+                                          <p:attrName>style.visibility</p:attrName>
+                                        </p:attrNameLst>
+                                      </p:cBhvr>
+                                      <p:to>
+                                        <p:strVal val="visible"/>
+                                      </p:to>
+                                    </p:set>
+                                  </p:childTnLst>
+                                </p:cTn>
+                              </p:par>
+                            </p:childTnLst>
+                          </p:cTn>
+                        </p:par>
+                      </p:childTnLst>
+                    </p:cTn>
+                  </p:par>
+                </p:childTnLst>
+              </p:cTn>
+              <p:prevCondLst>
+                <p:cond evt="onPrev" delay="0">
+                  <p:tgtEl>
+                    <p:sldTgt/>
+                  </p:tgtEl>
+                </p:cond>
+              </p:prevCondLst>
+              <p:nextCondLst>
+                <p:cond evt="onNext" delay="0">
+                  <p:tgtEl>
+                    <p:sldTgt/>
+                  </p:tgtEl>
+                </p:cond>
+              </p:nextCondLst>
+            </p:seq>
+          </p:childTnLst>
+        </p:cTn>
+      </p:par>
+    </p:tnLst>
+    <p:bldLst>
+      <p:bldP spid="26" grpId="0" animBg="1"/>
+      <p:bldP spid="3" grpId="0" uiExpand="1" build="p"/>
+      <p:bldP spid="30" grpId="0" animBg="1"/>
+    </p:bldLst>
+  </p:timing>
+</p:sld>
+</file>
+
+<file path=ppt/slides/slide18.xml><?xml version="1.0" encoding="utf-8"?>
+<p:sld xmlns:a="http://schemas.openxmlformats.org/drawingml/2006/main" xmlns:r="http://schemas.openxmlformats.org/officeDocument/2006/relationships" xmlns:p="http://schemas.openxmlformats.org/presentationml/2006/main">
+  <p:cSld>
+    <p:spTree>
+      <p:nvGrpSpPr>
+        <p:cNvPr id="1" name=""/>
+        <p:cNvGrpSpPr/>
+        <p:nvPr/>
+      </p:nvGrpSpPr>
+      <p:grpSpPr>
+        <a:xfrm>
+          <a:off x="0" y="0"/>
+          <a:ext cx="0" cy="0"/>
+          <a:chOff x="0" y="0"/>
+          <a:chExt cx="0" cy="0"/>
+        </a:xfrm>
+      </p:grpSpPr>
+      <p:sp>
+        <p:nvSpPr>
+          <p:cNvPr id="2" name="Title 1"/>
+          <p:cNvSpPr>
+            <a:spLocks noGrp="1"/>
+          </p:cNvSpPr>
+          <p:nvPr>
+            <p:ph type="title"/>
+          </p:nvPr>
+        </p:nvSpPr>
+        <p:spPr/>
+        <p:txBody>
+          <a:bodyPr/>
+          <a:lstStyle/>
+          <a:p>
+            <a:r>
+              <a:rPr lang="en-US" dirty="0" smtClean="0"/>
+              <a:t>Cache line timings</a:t>
+            </a:r>
+            <a:endParaRPr lang="en-US" dirty="0"/>
+          </a:p>
+        </p:txBody>
+      </p:sp>
+      <p:sp>
+        <p:nvSpPr>
+          <p:cNvPr id="3" name="Content Placeholder 2"/>
+          <p:cNvSpPr>
+            <a:spLocks noGrp="1"/>
+          </p:cNvSpPr>
+          <p:nvPr>
+            <p:ph idx="1"/>
+          </p:nvPr>
+        </p:nvSpPr>
+        <p:spPr/>
+        <p:txBody>
+          <a:bodyPr/>
+          <a:lstStyle/>
+          <a:p>
+            <a:endParaRPr lang="en-US"/>
+          </a:p>
+        </p:txBody>
+      </p:sp>
+      <p:sp>
+        <p:nvSpPr>
+          <p:cNvPr id="4" name="Slide Number Placeholder 3"/>
+          <p:cNvSpPr>
+            <a:spLocks noGrp="1"/>
+          </p:cNvSpPr>
+          <p:nvPr>
+            <p:ph type="sldNum" sz="quarter" idx="12"/>
+          </p:nvPr>
+        </p:nvSpPr>
+        <p:spPr/>
+        <p:txBody>
+          <a:bodyPr/>
+          <a:lstStyle/>
+          <a:p>
+            <a:fld id="{6597116C-F94B-4B5B-973A-17F07FB5C418}" type="slidenum">
+              <a:rPr lang="nl-BE" smtClean="0"/>
+              <a:t>18</a:t>
+            </a:fld>
+            <a:endParaRPr lang="nl-BE"/>
+          </a:p>
+        </p:txBody>
+      </p:sp>
+    </p:spTree>
+    <p:extLst>
+      <p:ext uri="{BB962C8B-B14F-4D97-AF65-F5344CB8AC3E}">
+        <p14:creationId xmlns:p14="http://schemas.microsoft.com/office/powerpoint/2010/main" val="2642257784"/>
+      </p:ext>
+    </p:extLst>
+  </p:cSld>
+  <p:clrMapOvr>
+    <a:masterClrMapping/>
+  </p:clrMapOvr>
+  <p:timing>
+    <p:tnLst>
+      <p:par>
         <p:cTn id="1" dur="indefinite" restart="never" nodeType="tmRoot"/>
+      </p:par>
+    </p:tnLst>
+  </p:timing>
+</p:sld>
+</file>
+
+<file path=ppt/slides/slide19.xml><?xml version="1.0" encoding="utf-8"?>
+<p:sld xmlns:a="http://schemas.openxmlformats.org/drawingml/2006/main" xmlns:r="http://schemas.openxmlformats.org/officeDocument/2006/relationships" xmlns:p="http://schemas.openxmlformats.org/presentationml/2006/main">
+  <p:cSld>
+    <p:spTree>
+      <p:nvGrpSpPr>
+        <p:cNvPr id="1" name=""/>
+        <p:cNvGrpSpPr/>
+        <p:nvPr/>
+      </p:nvGrpSpPr>
+      <p:grpSpPr>
+        <a:xfrm>
+          <a:off x="0" y="0"/>
+          <a:ext cx="0" cy="0"/>
+          <a:chOff x="0" y="0"/>
+          <a:chExt cx="0" cy="0"/>
+        </a:xfrm>
+      </p:grpSpPr>
+      <p:sp>
+        <p:nvSpPr>
+          <p:cNvPr id="2" name="Title 1"/>
+          <p:cNvSpPr>
+            <a:spLocks noGrp="1"/>
+          </p:cNvSpPr>
+          <p:nvPr>
+            <p:ph type="title"/>
+          </p:nvPr>
+        </p:nvSpPr>
+        <p:spPr/>
+        <p:txBody>
+          <a:bodyPr/>
+          <a:lstStyle/>
+          <a:p>
+            <a:r>
+              <a:rPr lang="en-US" dirty="0" smtClean="0"/>
+              <a:t>Multidimensional arrays</a:t>
+            </a:r>
+            <a:endParaRPr lang="en-US" dirty="0"/>
+          </a:p>
+        </p:txBody>
+      </p:sp>
+      <p:sp>
+        <p:nvSpPr>
+          <p:cNvPr id="3" name="Content Placeholder 2"/>
+          <p:cNvSpPr>
+            <a:spLocks noGrp="1"/>
+          </p:cNvSpPr>
+          <p:nvPr>
+            <p:ph idx="1"/>
+          </p:nvPr>
+        </p:nvSpPr>
+        <p:spPr/>
+        <p:txBody>
+          <a:bodyPr/>
+          <a:lstStyle/>
+          <a:p>
+            <a:r>
+              <a:rPr lang="en-US" dirty="0" smtClean="0"/>
+              <a:t>Ordering of 2D arrays</a:t>
+            </a:r>
+          </a:p>
+          <a:p>
+            <a:pPr lvl="1"/>
+            <a:r>
+              <a:rPr lang="en-US" dirty="0" smtClean="0"/>
+              <a:t>by row: C/C++</a:t>
+            </a:r>
+          </a:p>
+          <a:p>
+            <a:pPr lvl="1"/>
+            <a:r>
+              <a:rPr lang="en-US" dirty="0" smtClean="0"/>
+              <a:t>by column: Fortran, </a:t>
+            </a:r>
+            <a:r>
+              <a:rPr lang="en-US" dirty="0" err="1" smtClean="0"/>
+              <a:t>Matlab</a:t>
+            </a:r>
+            <a:endParaRPr lang="en-US" dirty="0"/>
+          </a:p>
+        </p:txBody>
+      </p:sp>
+      <p:sp>
+        <p:nvSpPr>
+          <p:cNvPr id="4" name="Slide Number Placeholder 3"/>
+          <p:cNvSpPr>
+            <a:spLocks noGrp="1"/>
+          </p:cNvSpPr>
+          <p:nvPr>
+            <p:ph type="sldNum" sz="quarter" idx="12"/>
+          </p:nvPr>
+        </p:nvSpPr>
+        <p:spPr/>
+        <p:txBody>
+          <a:bodyPr/>
+          <a:lstStyle/>
+          <a:p>
+            <a:fld id="{6597116C-F94B-4B5B-973A-17F07FB5C418}" type="slidenum">
+              <a:rPr lang="nl-BE" smtClean="0"/>
+              <a:t>19</a:t>
+            </a:fld>
+            <a:endParaRPr lang="nl-BE"/>
+          </a:p>
+        </p:txBody>
+      </p:sp>
+      <p:graphicFrame>
+        <p:nvGraphicFramePr>
+          <p:cNvPr id="5" name="Object 4"/>
+          <p:cNvGraphicFramePr>
+            <a:graphicFrameLocks noChangeAspect="1"/>
+          </p:cNvGraphicFramePr>
+          <p:nvPr>
+            <p:extLst>
+              <p:ext uri="{D42A27DB-BD31-4B8C-83A1-F6EECF244321}">
+                <p14:modId xmlns:p14="http://schemas.microsoft.com/office/powerpoint/2010/main" val="2412691166"/>
+              </p:ext>
+            </p:extLst>
+          </p:nvPr>
+        </p:nvGraphicFramePr>
+        <p:xfrm>
+          <a:off x="611560" y="3212976"/>
+          <a:ext cx="1656184" cy="1579152"/>
+        </p:xfrm>
+        <a:graphic>
+          <a:graphicData uri="http://schemas.openxmlformats.org/presentationml/2006/ole">
+            <mc:AlternateContent xmlns:mc="http://schemas.openxmlformats.org/markup-compatibility/2006">
+              <mc:Choice xmlns:v="urn:schemas-microsoft-com:vml" Requires="v">
+                <p:oleObj spid="_x0000_s2059" name="Equation" r:id="rId3" imgW="1091880" imgH="1041120" progId="Equation.3">
+                  <p:embed/>
+                </p:oleObj>
+              </mc:Choice>
+              <mc:Fallback>
+                <p:oleObj name="Equation" r:id="rId3" imgW="1091880" imgH="1041120" progId="Equation.3">
+                  <p:embed/>
+                  <p:pic>
+                    <p:nvPicPr>
+                      <p:cNvPr id="0" name=""/>
+                      <p:cNvPicPr/>
+                      <p:nvPr/>
+                    </p:nvPicPr>
+                    <p:blipFill>
+                      <a:blip r:embed="rId4"/>
+                      <a:stretch>
+                        <a:fillRect/>
+                      </a:stretch>
+                    </p:blipFill>
+                    <p:spPr>
+                      <a:xfrm>
+                        <a:off x="611560" y="3212976"/>
+                        <a:ext cx="1656184" cy="1579152"/>
+                      </a:xfrm>
+                      <a:prstGeom prst="rect">
+                        <a:avLst/>
+                      </a:prstGeom>
+                    </p:spPr>
+                  </p:pic>
+                </p:oleObj>
+              </mc:Fallback>
+            </mc:AlternateContent>
+          </a:graphicData>
+        </a:graphic>
+      </p:graphicFrame>
+      <p:grpSp>
+        <p:nvGrpSpPr>
+          <p:cNvPr id="44" name="Group 43"/>
+          <p:cNvGrpSpPr/>
+          <p:nvPr/>
+        </p:nvGrpSpPr>
+        <p:grpSpPr>
+          <a:xfrm>
+            <a:off x="3131840" y="3665806"/>
+            <a:ext cx="4917326" cy="411266"/>
+            <a:chOff x="3131840" y="3356992"/>
+            <a:chExt cx="4917326" cy="411266"/>
+          </a:xfrm>
+        </p:grpSpPr>
+        <p:grpSp>
+          <p:nvGrpSpPr>
+            <p:cNvPr id="6" name="Group 5"/>
+            <p:cNvGrpSpPr/>
+            <p:nvPr/>
+          </p:nvGrpSpPr>
+          <p:grpSpPr>
+            <a:xfrm>
+              <a:off x="3131840" y="3356992"/>
+              <a:ext cx="4917326" cy="411266"/>
+              <a:chOff x="4047162" y="2780928"/>
+              <a:chExt cx="4917326" cy="411266"/>
+            </a:xfrm>
+          </p:grpSpPr>
+          <p:sp>
+            <p:nvSpPr>
+              <p:cNvPr id="7" name="Rectangle 6"/>
+              <p:cNvSpPr/>
+              <p:nvPr/>
+            </p:nvSpPr>
+            <p:spPr>
+              <a:xfrm>
+                <a:off x="4047162" y="2822862"/>
+                <a:ext cx="4896544" cy="369332"/>
+              </a:xfrm>
+              <a:prstGeom prst="rect">
+                <a:avLst/>
+              </a:prstGeom>
+              <a:solidFill>
+                <a:schemeClr val="bg1">
+                  <a:lumMod val="85000"/>
+                </a:schemeClr>
+              </a:solidFill>
+              <a:ln>
+                <a:noFill/>
+              </a:ln>
+            </p:spPr>
+            <p:style>
+              <a:lnRef idx="2">
+                <a:schemeClr val="accent1">
+                  <a:shade val="50000"/>
+                </a:schemeClr>
+              </a:lnRef>
+              <a:fillRef idx="1">
+                <a:schemeClr val="accent1"/>
+              </a:fillRef>
+              <a:effectRef idx="0">
+                <a:schemeClr val="accent1"/>
+              </a:effectRef>
+              <a:fontRef idx="minor">
+                <a:schemeClr val="lt1"/>
+              </a:fontRef>
+            </p:style>
+            <p:txBody>
+              <a:bodyPr rtlCol="0" anchor="ctr"/>
+              <a:lstStyle/>
+              <a:p>
+                <a:pPr algn="ctr"/>
+                <a:endParaRPr lang="en-US"/>
+              </a:p>
+            </p:txBody>
+          </p:sp>
+          <p:sp>
+            <p:nvSpPr>
+              <p:cNvPr id="8" name="TextBox 7"/>
+              <p:cNvSpPr txBox="1"/>
+              <p:nvPr/>
+            </p:nvSpPr>
+            <p:spPr>
+              <a:xfrm>
+                <a:off x="4684730" y="2822862"/>
+                <a:ext cx="490840" cy="369332"/>
+              </a:xfrm>
+              <a:prstGeom prst="rect">
+                <a:avLst/>
+              </a:prstGeom>
+              <a:noFill/>
+            </p:spPr>
+            <p:txBody>
+              <a:bodyPr wrap="none" rtlCol="0">
+                <a:spAutoFit/>
+              </a:bodyPr>
+              <a:lstStyle/>
+              <a:p>
+                <a:r>
+                  <a:rPr lang="en-US" dirty="0" smtClean="0"/>
+                  <a:t>a</a:t>
+                </a:r>
+                <a:r>
+                  <a:rPr lang="en-US" baseline="-25000" dirty="0" smtClean="0"/>
+                  <a:t>1,1</a:t>
+                </a:r>
+                <a:endParaRPr lang="en-US" baseline="-25000" dirty="0"/>
+              </a:p>
+            </p:txBody>
+          </p:sp>
+          <p:sp>
+            <p:nvSpPr>
+              <p:cNvPr id="9" name="TextBox 8"/>
+              <p:cNvSpPr txBox="1"/>
+              <p:nvPr/>
+            </p:nvSpPr>
+            <p:spPr>
+              <a:xfrm>
+                <a:off x="5286118" y="2822862"/>
+                <a:ext cx="490840" cy="369332"/>
+              </a:xfrm>
+              <a:prstGeom prst="rect">
+                <a:avLst/>
+              </a:prstGeom>
+              <a:noFill/>
+            </p:spPr>
+            <p:txBody>
+              <a:bodyPr wrap="none" rtlCol="0">
+                <a:spAutoFit/>
+              </a:bodyPr>
+              <a:lstStyle/>
+              <a:p>
+                <a:r>
+                  <a:rPr lang="en-US" dirty="0" smtClean="0"/>
+                  <a:t>a</a:t>
+                </a:r>
+                <a:r>
+                  <a:rPr lang="en-US" baseline="-25000" dirty="0" smtClean="0"/>
+                  <a:t>1,2</a:t>
+                </a:r>
+                <a:endParaRPr lang="en-US" baseline="-25000" dirty="0"/>
+              </a:p>
+            </p:txBody>
+          </p:sp>
+          <p:sp>
+            <p:nvSpPr>
+              <p:cNvPr id="10" name="TextBox 9"/>
+              <p:cNvSpPr txBox="1"/>
+              <p:nvPr/>
+            </p:nvSpPr>
+            <p:spPr>
+              <a:xfrm>
+                <a:off x="5844872" y="2822862"/>
+                <a:ext cx="490840" cy="369332"/>
+              </a:xfrm>
+              <a:prstGeom prst="rect">
+                <a:avLst/>
+              </a:prstGeom>
+              <a:noFill/>
+            </p:spPr>
+            <p:txBody>
+              <a:bodyPr wrap="none" rtlCol="0">
+                <a:spAutoFit/>
+              </a:bodyPr>
+              <a:lstStyle/>
+              <a:p>
+                <a:r>
+                  <a:rPr lang="en-US" dirty="0" smtClean="0"/>
+                  <a:t>a</a:t>
+                </a:r>
+                <a:r>
+                  <a:rPr lang="en-US" baseline="-25000" dirty="0" smtClean="0"/>
+                  <a:t>1,3</a:t>
+                </a:r>
+                <a:endParaRPr lang="en-US" baseline="-25000" dirty="0"/>
+              </a:p>
+            </p:txBody>
+          </p:sp>
+          <p:sp>
+            <p:nvSpPr>
+              <p:cNvPr id="11" name="TextBox 10"/>
+              <p:cNvSpPr txBox="1"/>
+              <p:nvPr/>
+            </p:nvSpPr>
+            <p:spPr>
+              <a:xfrm>
+                <a:off x="7110560" y="2822862"/>
+                <a:ext cx="490840" cy="369332"/>
+              </a:xfrm>
+              <a:prstGeom prst="rect">
+                <a:avLst/>
+              </a:prstGeom>
+              <a:noFill/>
+            </p:spPr>
+            <p:txBody>
+              <a:bodyPr wrap="none" rtlCol="0">
+                <a:spAutoFit/>
+              </a:bodyPr>
+              <a:lstStyle/>
+              <a:p>
+                <a:r>
+                  <a:rPr lang="en-US" dirty="0" smtClean="0"/>
+                  <a:t>a</a:t>
+                </a:r>
+                <a:r>
+                  <a:rPr lang="en-US" baseline="-25000" dirty="0" smtClean="0"/>
+                  <a:t>2,2</a:t>
+                </a:r>
+                <a:endParaRPr lang="en-US" baseline="-25000" dirty="0"/>
+              </a:p>
+            </p:txBody>
+          </p:sp>
+          <p:sp>
+            <p:nvSpPr>
+              <p:cNvPr id="12" name="TextBox 11"/>
+              <p:cNvSpPr txBox="1"/>
+              <p:nvPr/>
+            </p:nvSpPr>
+            <p:spPr>
+              <a:xfrm>
+                <a:off x="7668344" y="2822862"/>
+                <a:ext cx="490840" cy="369332"/>
+              </a:xfrm>
+              <a:prstGeom prst="rect">
+                <a:avLst/>
+              </a:prstGeom>
+              <a:noFill/>
+            </p:spPr>
+            <p:txBody>
+              <a:bodyPr wrap="none" rtlCol="0">
+                <a:spAutoFit/>
+              </a:bodyPr>
+              <a:lstStyle/>
+              <a:p>
+                <a:r>
+                  <a:rPr lang="en-US" dirty="0" smtClean="0"/>
+                  <a:t>a</a:t>
+                </a:r>
+                <a:r>
+                  <a:rPr lang="en-US" baseline="-25000" dirty="0" smtClean="0"/>
+                  <a:t>2,3</a:t>
+                </a:r>
+                <a:endParaRPr lang="en-US" baseline="-25000" dirty="0"/>
+              </a:p>
+            </p:txBody>
+          </p:sp>
+          <p:cxnSp>
+            <p:nvCxnSpPr>
+              <p:cNvPr id="13" name="Straight Connector 12"/>
+              <p:cNvCxnSpPr/>
+              <p:nvPr/>
+            </p:nvCxnSpPr>
+            <p:spPr>
+              <a:xfrm>
+                <a:off x="5250516" y="2812471"/>
+                <a:ext cx="0" cy="369332"/>
+              </a:xfrm>
+              <a:prstGeom prst="line">
+                <a:avLst/>
+              </a:prstGeom>
+              <a:ln w="19050">
+                <a:solidFill>
+                  <a:schemeClr val="tx1"/>
+                </a:solidFill>
+              </a:ln>
+            </p:spPr>
+            <p:style>
+              <a:lnRef idx="1">
+                <a:schemeClr val="accent1"/>
+              </a:lnRef>
+              <a:fillRef idx="0">
+                <a:schemeClr val="accent1"/>
+              </a:fillRef>
+              <a:effectRef idx="0">
+                <a:schemeClr val="accent1"/>
+              </a:effectRef>
+              <a:fontRef idx="minor">
+                <a:schemeClr val="tx1"/>
+              </a:fontRef>
+            </p:style>
+          </p:cxnSp>
+          <p:cxnSp>
+            <p:nvCxnSpPr>
+              <p:cNvPr id="14" name="Straight Connector 13"/>
+              <p:cNvCxnSpPr/>
+              <p:nvPr/>
+            </p:nvCxnSpPr>
+            <p:spPr>
+              <a:xfrm>
+                <a:off x="5847362" y="2811372"/>
+                <a:ext cx="0" cy="369332"/>
+              </a:xfrm>
+              <a:prstGeom prst="line">
+                <a:avLst/>
+              </a:prstGeom>
+              <a:ln w="19050">
+                <a:solidFill>
+                  <a:schemeClr val="tx1"/>
+                </a:solidFill>
+              </a:ln>
+            </p:spPr>
+            <p:style>
+              <a:lnRef idx="1">
+                <a:schemeClr val="accent1"/>
+              </a:lnRef>
+              <a:fillRef idx="0">
+                <a:schemeClr val="accent1"/>
+              </a:fillRef>
+              <a:effectRef idx="0">
+                <a:schemeClr val="accent1"/>
+              </a:effectRef>
+              <a:fontRef idx="minor">
+                <a:schemeClr val="tx1"/>
+              </a:fontRef>
+            </p:style>
+          </p:cxnSp>
+          <p:cxnSp>
+            <p:nvCxnSpPr>
+              <p:cNvPr id="15" name="Straight Connector 14"/>
+              <p:cNvCxnSpPr/>
+              <p:nvPr/>
+            </p:nvCxnSpPr>
+            <p:spPr>
+              <a:xfrm>
+                <a:off x="6423426" y="2811372"/>
+                <a:ext cx="0" cy="369332"/>
+              </a:xfrm>
+              <a:prstGeom prst="line">
+                <a:avLst/>
+              </a:prstGeom>
+              <a:ln w="19050">
+                <a:solidFill>
+                  <a:schemeClr val="tx1"/>
+                </a:solidFill>
+              </a:ln>
+            </p:spPr>
+            <p:style>
+              <a:lnRef idx="1">
+                <a:schemeClr val="accent1"/>
+              </a:lnRef>
+              <a:fillRef idx="0">
+                <a:schemeClr val="accent1"/>
+              </a:fillRef>
+              <a:effectRef idx="0">
+                <a:schemeClr val="accent1"/>
+              </a:effectRef>
+              <a:fontRef idx="minor">
+                <a:schemeClr val="tx1"/>
+              </a:fontRef>
+            </p:style>
+          </p:cxnSp>
+          <p:cxnSp>
+            <p:nvCxnSpPr>
+              <p:cNvPr id="16" name="Straight Connector 15"/>
+              <p:cNvCxnSpPr/>
+              <p:nvPr/>
+            </p:nvCxnSpPr>
+            <p:spPr>
+              <a:xfrm>
+                <a:off x="4695234" y="2821763"/>
+                <a:ext cx="0" cy="369332"/>
+              </a:xfrm>
+              <a:prstGeom prst="line">
+                <a:avLst/>
+              </a:prstGeom>
+              <a:ln w="19050">
+                <a:solidFill>
+                  <a:schemeClr val="tx1"/>
+                </a:solidFill>
+              </a:ln>
+            </p:spPr>
+            <p:style>
+              <a:lnRef idx="1">
+                <a:schemeClr val="accent1"/>
+              </a:lnRef>
+              <a:fillRef idx="0">
+                <a:schemeClr val="accent1"/>
+              </a:fillRef>
+              <a:effectRef idx="0">
+                <a:schemeClr val="accent1"/>
+              </a:effectRef>
+              <a:fontRef idx="minor">
+                <a:schemeClr val="tx1"/>
+              </a:fontRef>
+            </p:style>
+          </p:cxnSp>
+          <p:cxnSp>
+            <p:nvCxnSpPr>
+              <p:cNvPr id="17" name="Straight Connector 16"/>
+              <p:cNvCxnSpPr/>
+              <p:nvPr/>
+            </p:nvCxnSpPr>
+            <p:spPr>
+              <a:xfrm>
+                <a:off x="7061107" y="2811372"/>
+                <a:ext cx="0" cy="369332"/>
+              </a:xfrm>
+              <a:prstGeom prst="line">
+                <a:avLst/>
+              </a:prstGeom>
+              <a:ln w="19050">
+                <a:solidFill>
+                  <a:schemeClr val="tx1"/>
+                </a:solidFill>
+              </a:ln>
+            </p:spPr>
+            <p:style>
+              <a:lnRef idx="1">
+                <a:schemeClr val="accent1"/>
+              </a:lnRef>
+              <a:fillRef idx="0">
+                <a:schemeClr val="accent1"/>
+              </a:fillRef>
+              <a:effectRef idx="0">
+                <a:schemeClr val="accent1"/>
+              </a:effectRef>
+              <a:fontRef idx="minor">
+                <a:schemeClr val="tx1"/>
+              </a:fontRef>
+            </p:style>
+          </p:cxnSp>
+          <p:cxnSp>
+            <p:nvCxnSpPr>
+              <p:cNvPr id="18" name="Straight Connector 17"/>
+              <p:cNvCxnSpPr/>
+              <p:nvPr/>
+            </p:nvCxnSpPr>
+            <p:spPr>
+              <a:xfrm>
+                <a:off x="7647562" y="2811372"/>
+                <a:ext cx="0" cy="369332"/>
+              </a:xfrm>
+              <a:prstGeom prst="line">
+                <a:avLst/>
+              </a:prstGeom>
+              <a:ln w="19050">
+                <a:solidFill>
+                  <a:schemeClr val="tx1"/>
+                </a:solidFill>
+              </a:ln>
+            </p:spPr>
+            <p:style>
+              <a:lnRef idx="1">
+                <a:schemeClr val="accent1"/>
+              </a:lnRef>
+              <a:fillRef idx="0">
+                <a:schemeClr val="accent1"/>
+              </a:fillRef>
+              <a:effectRef idx="0">
+                <a:schemeClr val="accent1"/>
+              </a:effectRef>
+              <a:fontRef idx="minor">
+                <a:schemeClr val="tx1"/>
+              </a:fontRef>
+            </p:style>
+          </p:cxnSp>
+          <p:cxnSp>
+            <p:nvCxnSpPr>
+              <p:cNvPr id="19" name="Straight Connector 18"/>
+              <p:cNvCxnSpPr/>
+              <p:nvPr/>
+            </p:nvCxnSpPr>
+            <p:spPr>
+              <a:xfrm>
+                <a:off x="8254070" y="2822862"/>
+                <a:ext cx="0" cy="369332"/>
+              </a:xfrm>
+              <a:prstGeom prst="line">
+                <a:avLst/>
+              </a:prstGeom>
+              <a:ln w="19050">
+                <a:solidFill>
+                  <a:schemeClr val="tx1"/>
+                </a:solidFill>
+              </a:ln>
+            </p:spPr>
+            <p:style>
+              <a:lnRef idx="1">
+                <a:schemeClr val="accent1"/>
+              </a:lnRef>
+              <a:fillRef idx="0">
+                <a:schemeClr val="accent1"/>
+              </a:fillRef>
+              <a:effectRef idx="0">
+                <a:schemeClr val="accent1"/>
+              </a:effectRef>
+              <a:fontRef idx="minor">
+                <a:schemeClr val="tx1"/>
+              </a:fontRef>
+            </p:style>
+          </p:cxnSp>
+          <p:cxnSp>
+            <p:nvCxnSpPr>
+              <p:cNvPr id="20" name="Straight Connector 19"/>
+              <p:cNvCxnSpPr/>
+              <p:nvPr/>
+            </p:nvCxnSpPr>
+            <p:spPr>
+              <a:xfrm>
+                <a:off x="4047162" y="2821763"/>
+                <a:ext cx="4896544" cy="0"/>
+              </a:xfrm>
+              <a:prstGeom prst="line">
+                <a:avLst/>
+              </a:prstGeom>
+              <a:ln w="19050">
+                <a:solidFill>
+                  <a:schemeClr val="tx1"/>
+                </a:solidFill>
+              </a:ln>
+            </p:spPr>
+            <p:style>
+              <a:lnRef idx="1">
+                <a:schemeClr val="accent1"/>
+              </a:lnRef>
+              <a:fillRef idx="0">
+                <a:schemeClr val="accent1"/>
+              </a:fillRef>
+              <a:effectRef idx="0">
+                <a:schemeClr val="accent1"/>
+              </a:effectRef>
+              <a:fontRef idx="minor">
+                <a:schemeClr val="tx1"/>
+              </a:fontRef>
+            </p:style>
+          </p:cxnSp>
+          <p:cxnSp>
+            <p:nvCxnSpPr>
+              <p:cNvPr id="21" name="Straight Connector 20"/>
+              <p:cNvCxnSpPr/>
+              <p:nvPr/>
+            </p:nvCxnSpPr>
+            <p:spPr>
+              <a:xfrm>
+                <a:off x="4067944" y="3192194"/>
+                <a:ext cx="4896544" cy="0"/>
+              </a:xfrm>
+              <a:prstGeom prst="line">
+                <a:avLst/>
+              </a:prstGeom>
+              <a:ln w="19050">
+                <a:solidFill>
+                  <a:schemeClr val="tx1"/>
+                </a:solidFill>
+              </a:ln>
+            </p:spPr>
+            <p:style>
+              <a:lnRef idx="1">
+                <a:schemeClr val="accent1"/>
+              </a:lnRef>
+              <a:fillRef idx="0">
+                <a:schemeClr val="accent1"/>
+              </a:fillRef>
+              <a:effectRef idx="0">
+                <a:schemeClr val="accent1"/>
+              </a:effectRef>
+              <a:fontRef idx="minor">
+                <a:schemeClr val="tx1"/>
+              </a:fontRef>
+            </p:style>
+          </p:cxnSp>
+          <p:sp>
+            <p:nvSpPr>
+              <p:cNvPr id="22" name="TextBox 21"/>
+              <p:cNvSpPr txBox="1"/>
+              <p:nvPr/>
+            </p:nvSpPr>
+            <p:spPr>
+              <a:xfrm>
+                <a:off x="8456326" y="2780928"/>
+                <a:ext cx="343364" cy="369332"/>
+              </a:xfrm>
+              <a:prstGeom prst="rect">
+                <a:avLst/>
+              </a:prstGeom>
+              <a:noFill/>
+            </p:spPr>
+            <p:txBody>
+              <a:bodyPr wrap="none" rtlCol="0">
+                <a:spAutoFit/>
+              </a:bodyPr>
+              <a:lstStyle/>
+              <a:p>
+                <a:r>
+                  <a:rPr lang="en-US" dirty="0" smtClean="0"/>
+                  <a:t>…</a:t>
+                </a:r>
+                <a:endParaRPr lang="en-US" dirty="0"/>
+              </a:p>
+            </p:txBody>
+          </p:sp>
+          <p:sp>
+            <p:nvSpPr>
+              <p:cNvPr id="23" name="TextBox 22"/>
+              <p:cNvSpPr txBox="1"/>
+              <p:nvPr/>
+            </p:nvSpPr>
+            <p:spPr>
+              <a:xfrm>
+                <a:off x="4191178" y="2780928"/>
+                <a:ext cx="343364" cy="369332"/>
+              </a:xfrm>
+              <a:prstGeom prst="rect">
+                <a:avLst/>
+              </a:prstGeom>
+              <a:noFill/>
+            </p:spPr>
+            <p:txBody>
+              <a:bodyPr wrap="none" rtlCol="0">
+                <a:spAutoFit/>
+              </a:bodyPr>
+              <a:lstStyle/>
+              <a:p>
+                <a:r>
+                  <a:rPr lang="en-US" dirty="0" smtClean="0"/>
+                  <a:t>…</a:t>
+                </a:r>
+                <a:endParaRPr lang="en-US" dirty="0"/>
+              </a:p>
+            </p:txBody>
+          </p:sp>
+        </p:grpSp>
+        <p:sp>
+          <p:nvSpPr>
+            <p:cNvPr id="24" name="TextBox 23"/>
+            <p:cNvSpPr txBox="1"/>
+            <p:nvPr/>
+          </p:nvSpPr>
+          <p:spPr>
+            <a:xfrm>
+              <a:off x="5521320" y="3398926"/>
+              <a:ext cx="490840" cy="369332"/>
+            </a:xfrm>
+            <a:prstGeom prst="rect">
+              <a:avLst/>
+            </a:prstGeom>
+            <a:noFill/>
+          </p:spPr>
+          <p:txBody>
+            <a:bodyPr wrap="none" rtlCol="0">
+              <a:spAutoFit/>
+            </a:bodyPr>
+            <a:lstStyle/>
+            <a:p>
+              <a:r>
+                <a:rPr lang="en-US" dirty="0" smtClean="0"/>
+                <a:t>a</a:t>
+              </a:r>
+              <a:r>
+                <a:rPr lang="en-US" baseline="-25000" dirty="0" smtClean="0"/>
+                <a:t>2,1</a:t>
+              </a:r>
+              <a:endParaRPr lang="en-US" baseline="-25000" dirty="0"/>
+            </a:p>
+          </p:txBody>
+        </p:sp>
+      </p:grpSp>
+      <p:grpSp>
+        <p:nvGrpSpPr>
+          <p:cNvPr id="45" name="Group 44"/>
+          <p:cNvGrpSpPr/>
+          <p:nvPr/>
+        </p:nvGrpSpPr>
+        <p:grpSpPr>
+          <a:xfrm>
+            <a:off x="3131840" y="5610022"/>
+            <a:ext cx="4917326" cy="411266"/>
+            <a:chOff x="3131840" y="4817934"/>
+            <a:chExt cx="4917326" cy="411266"/>
+          </a:xfrm>
+        </p:grpSpPr>
+        <p:grpSp>
+          <p:nvGrpSpPr>
+            <p:cNvPr id="25" name="Group 24"/>
+            <p:cNvGrpSpPr/>
+            <p:nvPr/>
+          </p:nvGrpSpPr>
+          <p:grpSpPr>
+            <a:xfrm>
+              <a:off x="3131840" y="4817934"/>
+              <a:ext cx="4917326" cy="411266"/>
+              <a:chOff x="4047162" y="2780928"/>
+              <a:chExt cx="4917326" cy="411266"/>
+            </a:xfrm>
+          </p:grpSpPr>
+          <p:sp>
+            <p:nvSpPr>
+              <p:cNvPr id="26" name="Rectangle 25"/>
+              <p:cNvSpPr/>
+              <p:nvPr/>
+            </p:nvSpPr>
+            <p:spPr>
+              <a:xfrm>
+                <a:off x="4047162" y="2822862"/>
+                <a:ext cx="4896544" cy="369332"/>
+              </a:xfrm>
+              <a:prstGeom prst="rect">
+                <a:avLst/>
+              </a:prstGeom>
+              <a:solidFill>
+                <a:schemeClr val="bg1">
+                  <a:lumMod val="85000"/>
+                </a:schemeClr>
+              </a:solidFill>
+              <a:ln>
+                <a:noFill/>
+              </a:ln>
+            </p:spPr>
+            <p:style>
+              <a:lnRef idx="2">
+                <a:schemeClr val="accent1">
+                  <a:shade val="50000"/>
+                </a:schemeClr>
+              </a:lnRef>
+              <a:fillRef idx="1">
+                <a:schemeClr val="accent1"/>
+              </a:fillRef>
+              <a:effectRef idx="0">
+                <a:schemeClr val="accent1"/>
+              </a:effectRef>
+              <a:fontRef idx="minor">
+                <a:schemeClr val="lt1"/>
+              </a:fontRef>
+            </p:style>
+            <p:txBody>
+              <a:bodyPr rtlCol="0" anchor="ctr"/>
+              <a:lstStyle/>
+              <a:p>
+                <a:pPr algn="ctr"/>
+                <a:endParaRPr lang="en-US"/>
+              </a:p>
+            </p:txBody>
+          </p:sp>
+          <p:sp>
+            <p:nvSpPr>
+              <p:cNvPr id="27" name="TextBox 26"/>
+              <p:cNvSpPr txBox="1"/>
+              <p:nvPr/>
+            </p:nvSpPr>
+            <p:spPr>
+              <a:xfrm>
+                <a:off x="4684730" y="2822862"/>
+                <a:ext cx="490840" cy="369332"/>
+              </a:xfrm>
+              <a:prstGeom prst="rect">
+                <a:avLst/>
+              </a:prstGeom>
+              <a:noFill/>
+            </p:spPr>
+            <p:txBody>
+              <a:bodyPr wrap="none" rtlCol="0">
+                <a:spAutoFit/>
+              </a:bodyPr>
+              <a:lstStyle/>
+              <a:p>
+                <a:r>
+                  <a:rPr lang="en-US" dirty="0" smtClean="0"/>
+                  <a:t>a</a:t>
+                </a:r>
+                <a:r>
+                  <a:rPr lang="en-US" baseline="-25000" dirty="0" smtClean="0"/>
+                  <a:t>1,1</a:t>
+                </a:r>
+                <a:endParaRPr lang="en-US" baseline="-25000" dirty="0"/>
+              </a:p>
+            </p:txBody>
+          </p:sp>
+          <p:sp>
+            <p:nvSpPr>
+              <p:cNvPr id="28" name="TextBox 27"/>
+              <p:cNvSpPr txBox="1"/>
+              <p:nvPr/>
+            </p:nvSpPr>
+            <p:spPr>
+              <a:xfrm>
+                <a:off x="5286118" y="2822862"/>
+                <a:ext cx="490840" cy="369332"/>
+              </a:xfrm>
+              <a:prstGeom prst="rect">
+                <a:avLst/>
+              </a:prstGeom>
+              <a:noFill/>
+            </p:spPr>
+            <p:txBody>
+              <a:bodyPr wrap="none" rtlCol="0">
+                <a:spAutoFit/>
+              </a:bodyPr>
+              <a:lstStyle/>
+              <a:p>
+                <a:r>
+                  <a:rPr lang="en-US" dirty="0" smtClean="0"/>
+                  <a:t>a</a:t>
+                </a:r>
+                <a:r>
+                  <a:rPr lang="en-US" baseline="-25000" dirty="0" smtClean="0"/>
+                  <a:t>2,1</a:t>
+                </a:r>
+                <a:endParaRPr lang="en-US" baseline="-25000" dirty="0"/>
+              </a:p>
+            </p:txBody>
+          </p:sp>
+          <p:sp>
+            <p:nvSpPr>
+              <p:cNvPr id="29" name="TextBox 28"/>
+              <p:cNvSpPr txBox="1"/>
+              <p:nvPr/>
+            </p:nvSpPr>
+            <p:spPr>
+              <a:xfrm>
+                <a:off x="5844872" y="2822862"/>
+                <a:ext cx="490840" cy="369332"/>
+              </a:xfrm>
+              <a:prstGeom prst="rect">
+                <a:avLst/>
+              </a:prstGeom>
+              <a:noFill/>
+            </p:spPr>
+            <p:txBody>
+              <a:bodyPr wrap="none" rtlCol="0">
+                <a:spAutoFit/>
+              </a:bodyPr>
+              <a:lstStyle/>
+              <a:p>
+                <a:r>
+                  <a:rPr lang="en-US" dirty="0" smtClean="0"/>
+                  <a:t>a</a:t>
+                </a:r>
+                <a:r>
+                  <a:rPr lang="en-US" baseline="-25000" dirty="0" smtClean="0"/>
+                  <a:t>3,1</a:t>
+                </a:r>
+                <a:endParaRPr lang="en-US" baseline="-25000" dirty="0"/>
+              </a:p>
+            </p:txBody>
+          </p:sp>
+          <p:sp>
+            <p:nvSpPr>
+              <p:cNvPr id="30" name="TextBox 29"/>
+              <p:cNvSpPr txBox="1"/>
+              <p:nvPr/>
+            </p:nvSpPr>
+            <p:spPr>
+              <a:xfrm>
+                <a:off x="7110560" y="2822862"/>
+                <a:ext cx="490840" cy="369332"/>
+              </a:xfrm>
+              <a:prstGeom prst="rect">
+                <a:avLst/>
+              </a:prstGeom>
+              <a:noFill/>
+            </p:spPr>
+            <p:txBody>
+              <a:bodyPr wrap="none" rtlCol="0">
+                <a:spAutoFit/>
+              </a:bodyPr>
+              <a:lstStyle/>
+              <a:p>
+                <a:r>
+                  <a:rPr lang="en-US" dirty="0" smtClean="0"/>
+                  <a:t>a</a:t>
+                </a:r>
+                <a:r>
+                  <a:rPr lang="en-US" baseline="-25000" dirty="0" smtClean="0"/>
+                  <a:t>2,2</a:t>
+                </a:r>
+                <a:endParaRPr lang="en-US" baseline="-25000" dirty="0"/>
+              </a:p>
+            </p:txBody>
+          </p:sp>
+          <p:sp>
+            <p:nvSpPr>
+              <p:cNvPr id="31" name="TextBox 30"/>
+              <p:cNvSpPr txBox="1"/>
+              <p:nvPr/>
+            </p:nvSpPr>
+            <p:spPr>
+              <a:xfrm>
+                <a:off x="7668344" y="2822862"/>
+                <a:ext cx="490840" cy="369332"/>
+              </a:xfrm>
+              <a:prstGeom prst="rect">
+                <a:avLst/>
+              </a:prstGeom>
+              <a:noFill/>
+            </p:spPr>
+            <p:txBody>
+              <a:bodyPr wrap="none" rtlCol="0">
+                <a:spAutoFit/>
+              </a:bodyPr>
+              <a:lstStyle/>
+              <a:p>
+                <a:r>
+                  <a:rPr lang="en-US" dirty="0" smtClean="0"/>
+                  <a:t>a</a:t>
+                </a:r>
+                <a:r>
+                  <a:rPr lang="en-US" baseline="-25000" dirty="0" smtClean="0"/>
+                  <a:t>3,2</a:t>
+                </a:r>
+                <a:endParaRPr lang="en-US" baseline="-25000" dirty="0"/>
+              </a:p>
+            </p:txBody>
+          </p:sp>
+          <p:cxnSp>
+            <p:nvCxnSpPr>
+              <p:cNvPr id="32" name="Straight Connector 31"/>
+              <p:cNvCxnSpPr/>
+              <p:nvPr/>
+            </p:nvCxnSpPr>
+            <p:spPr>
+              <a:xfrm>
+                <a:off x="5250516" y="2812471"/>
+                <a:ext cx="0" cy="369332"/>
+              </a:xfrm>
+              <a:prstGeom prst="line">
+                <a:avLst/>
+              </a:prstGeom>
+              <a:ln w="19050">
+                <a:solidFill>
+                  <a:schemeClr val="tx1"/>
+                </a:solidFill>
+              </a:ln>
+            </p:spPr>
+            <p:style>
+              <a:lnRef idx="1">
+                <a:schemeClr val="accent1"/>
+              </a:lnRef>
+              <a:fillRef idx="0">
+                <a:schemeClr val="accent1"/>
+              </a:fillRef>
+              <a:effectRef idx="0">
+                <a:schemeClr val="accent1"/>
+              </a:effectRef>
+              <a:fontRef idx="minor">
+                <a:schemeClr val="tx1"/>
+              </a:fontRef>
+            </p:style>
+          </p:cxnSp>
+          <p:cxnSp>
+            <p:nvCxnSpPr>
+              <p:cNvPr id="33" name="Straight Connector 32"/>
+              <p:cNvCxnSpPr/>
+              <p:nvPr/>
+            </p:nvCxnSpPr>
+            <p:spPr>
+              <a:xfrm>
+                <a:off x="5847362" y="2811372"/>
+                <a:ext cx="0" cy="369332"/>
+              </a:xfrm>
+              <a:prstGeom prst="line">
+                <a:avLst/>
+              </a:prstGeom>
+              <a:ln w="19050">
+                <a:solidFill>
+                  <a:schemeClr val="tx1"/>
+                </a:solidFill>
+              </a:ln>
+            </p:spPr>
+            <p:style>
+              <a:lnRef idx="1">
+                <a:schemeClr val="accent1"/>
+              </a:lnRef>
+              <a:fillRef idx="0">
+                <a:schemeClr val="accent1"/>
+              </a:fillRef>
+              <a:effectRef idx="0">
+                <a:schemeClr val="accent1"/>
+              </a:effectRef>
+              <a:fontRef idx="minor">
+                <a:schemeClr val="tx1"/>
+              </a:fontRef>
+            </p:style>
+          </p:cxnSp>
+          <p:cxnSp>
+            <p:nvCxnSpPr>
+              <p:cNvPr id="34" name="Straight Connector 33"/>
+              <p:cNvCxnSpPr/>
+              <p:nvPr/>
+            </p:nvCxnSpPr>
+            <p:spPr>
+              <a:xfrm>
+                <a:off x="6423426" y="2811372"/>
+                <a:ext cx="0" cy="369332"/>
+              </a:xfrm>
+              <a:prstGeom prst="line">
+                <a:avLst/>
+              </a:prstGeom>
+              <a:ln w="19050">
+                <a:solidFill>
+                  <a:schemeClr val="tx1"/>
+                </a:solidFill>
+              </a:ln>
+            </p:spPr>
+            <p:style>
+              <a:lnRef idx="1">
+                <a:schemeClr val="accent1"/>
+              </a:lnRef>
+              <a:fillRef idx="0">
+                <a:schemeClr val="accent1"/>
+              </a:fillRef>
+              <a:effectRef idx="0">
+                <a:schemeClr val="accent1"/>
+              </a:effectRef>
+              <a:fontRef idx="minor">
+                <a:schemeClr val="tx1"/>
+              </a:fontRef>
+            </p:style>
+          </p:cxnSp>
+          <p:cxnSp>
+            <p:nvCxnSpPr>
+              <p:cNvPr id="35" name="Straight Connector 34"/>
+              <p:cNvCxnSpPr/>
+              <p:nvPr/>
+            </p:nvCxnSpPr>
+            <p:spPr>
+              <a:xfrm>
+                <a:off x="4695234" y="2821763"/>
+                <a:ext cx="0" cy="369332"/>
+              </a:xfrm>
+              <a:prstGeom prst="line">
+                <a:avLst/>
+              </a:prstGeom>
+              <a:ln w="19050">
+                <a:solidFill>
+                  <a:schemeClr val="tx1"/>
+                </a:solidFill>
+              </a:ln>
+            </p:spPr>
+            <p:style>
+              <a:lnRef idx="1">
+                <a:schemeClr val="accent1"/>
+              </a:lnRef>
+              <a:fillRef idx="0">
+                <a:schemeClr val="accent1"/>
+              </a:fillRef>
+              <a:effectRef idx="0">
+                <a:schemeClr val="accent1"/>
+              </a:effectRef>
+              <a:fontRef idx="minor">
+                <a:schemeClr val="tx1"/>
+              </a:fontRef>
+            </p:style>
+          </p:cxnSp>
+          <p:cxnSp>
+            <p:nvCxnSpPr>
+              <p:cNvPr id="36" name="Straight Connector 35"/>
+              <p:cNvCxnSpPr/>
+              <p:nvPr/>
+            </p:nvCxnSpPr>
+            <p:spPr>
+              <a:xfrm>
+                <a:off x="7061107" y="2811372"/>
+                <a:ext cx="0" cy="369332"/>
+              </a:xfrm>
+              <a:prstGeom prst="line">
+                <a:avLst/>
+              </a:prstGeom>
+              <a:ln w="19050">
+                <a:solidFill>
+                  <a:schemeClr val="tx1"/>
+                </a:solidFill>
+              </a:ln>
+            </p:spPr>
+            <p:style>
+              <a:lnRef idx="1">
+                <a:schemeClr val="accent1"/>
+              </a:lnRef>
+              <a:fillRef idx="0">
+                <a:schemeClr val="accent1"/>
+              </a:fillRef>
+              <a:effectRef idx="0">
+                <a:schemeClr val="accent1"/>
+              </a:effectRef>
+              <a:fontRef idx="minor">
+                <a:schemeClr val="tx1"/>
+              </a:fontRef>
+            </p:style>
+          </p:cxnSp>
+          <p:cxnSp>
+            <p:nvCxnSpPr>
+              <p:cNvPr id="37" name="Straight Connector 36"/>
+              <p:cNvCxnSpPr/>
+              <p:nvPr/>
+            </p:nvCxnSpPr>
+            <p:spPr>
+              <a:xfrm>
+                <a:off x="7647562" y="2811372"/>
+                <a:ext cx="0" cy="369332"/>
+              </a:xfrm>
+              <a:prstGeom prst="line">
+                <a:avLst/>
+              </a:prstGeom>
+              <a:ln w="19050">
+                <a:solidFill>
+                  <a:schemeClr val="tx1"/>
+                </a:solidFill>
+              </a:ln>
+            </p:spPr>
+            <p:style>
+              <a:lnRef idx="1">
+                <a:schemeClr val="accent1"/>
+              </a:lnRef>
+              <a:fillRef idx="0">
+                <a:schemeClr val="accent1"/>
+              </a:fillRef>
+              <a:effectRef idx="0">
+                <a:schemeClr val="accent1"/>
+              </a:effectRef>
+              <a:fontRef idx="minor">
+                <a:schemeClr val="tx1"/>
+              </a:fontRef>
+            </p:style>
+          </p:cxnSp>
+          <p:cxnSp>
+            <p:nvCxnSpPr>
+              <p:cNvPr id="38" name="Straight Connector 37"/>
+              <p:cNvCxnSpPr/>
+              <p:nvPr/>
+            </p:nvCxnSpPr>
+            <p:spPr>
+              <a:xfrm>
+                <a:off x="8254070" y="2822862"/>
+                <a:ext cx="0" cy="369332"/>
+              </a:xfrm>
+              <a:prstGeom prst="line">
+                <a:avLst/>
+              </a:prstGeom>
+              <a:ln w="19050">
+                <a:solidFill>
+                  <a:schemeClr val="tx1"/>
+                </a:solidFill>
+              </a:ln>
+            </p:spPr>
+            <p:style>
+              <a:lnRef idx="1">
+                <a:schemeClr val="accent1"/>
+              </a:lnRef>
+              <a:fillRef idx="0">
+                <a:schemeClr val="accent1"/>
+              </a:fillRef>
+              <a:effectRef idx="0">
+                <a:schemeClr val="accent1"/>
+              </a:effectRef>
+              <a:fontRef idx="minor">
+                <a:schemeClr val="tx1"/>
+              </a:fontRef>
+            </p:style>
+          </p:cxnSp>
+          <p:cxnSp>
+            <p:nvCxnSpPr>
+              <p:cNvPr id="39" name="Straight Connector 38"/>
+              <p:cNvCxnSpPr/>
+              <p:nvPr/>
+            </p:nvCxnSpPr>
+            <p:spPr>
+              <a:xfrm>
+                <a:off x="4047162" y="2821763"/>
+                <a:ext cx="4896544" cy="0"/>
+              </a:xfrm>
+              <a:prstGeom prst="line">
+                <a:avLst/>
+              </a:prstGeom>
+              <a:ln w="19050">
+                <a:solidFill>
+                  <a:schemeClr val="tx1"/>
+                </a:solidFill>
+              </a:ln>
+            </p:spPr>
+            <p:style>
+              <a:lnRef idx="1">
+                <a:schemeClr val="accent1"/>
+              </a:lnRef>
+              <a:fillRef idx="0">
+                <a:schemeClr val="accent1"/>
+              </a:fillRef>
+              <a:effectRef idx="0">
+                <a:schemeClr val="accent1"/>
+              </a:effectRef>
+              <a:fontRef idx="minor">
+                <a:schemeClr val="tx1"/>
+              </a:fontRef>
+            </p:style>
+          </p:cxnSp>
+          <p:cxnSp>
+            <p:nvCxnSpPr>
+              <p:cNvPr id="40" name="Straight Connector 39"/>
+              <p:cNvCxnSpPr/>
+              <p:nvPr/>
+            </p:nvCxnSpPr>
+            <p:spPr>
+              <a:xfrm>
+                <a:off x="4067944" y="3192194"/>
+                <a:ext cx="4896544" cy="0"/>
+              </a:xfrm>
+              <a:prstGeom prst="line">
+                <a:avLst/>
+              </a:prstGeom>
+              <a:ln w="19050">
+                <a:solidFill>
+                  <a:schemeClr val="tx1"/>
+                </a:solidFill>
+              </a:ln>
+            </p:spPr>
+            <p:style>
+              <a:lnRef idx="1">
+                <a:schemeClr val="accent1"/>
+              </a:lnRef>
+              <a:fillRef idx="0">
+                <a:schemeClr val="accent1"/>
+              </a:fillRef>
+              <a:effectRef idx="0">
+                <a:schemeClr val="accent1"/>
+              </a:effectRef>
+              <a:fontRef idx="minor">
+                <a:schemeClr val="tx1"/>
+              </a:fontRef>
+            </p:style>
+          </p:cxnSp>
+          <p:sp>
+            <p:nvSpPr>
+              <p:cNvPr id="41" name="TextBox 40"/>
+              <p:cNvSpPr txBox="1"/>
+              <p:nvPr/>
+            </p:nvSpPr>
+            <p:spPr>
+              <a:xfrm>
+                <a:off x="8456326" y="2780928"/>
+                <a:ext cx="343364" cy="369332"/>
+              </a:xfrm>
+              <a:prstGeom prst="rect">
+                <a:avLst/>
+              </a:prstGeom>
+              <a:noFill/>
+            </p:spPr>
+            <p:txBody>
+              <a:bodyPr wrap="none" rtlCol="0">
+                <a:spAutoFit/>
+              </a:bodyPr>
+              <a:lstStyle/>
+              <a:p>
+                <a:r>
+                  <a:rPr lang="en-US" dirty="0" smtClean="0"/>
+                  <a:t>…</a:t>
+                </a:r>
+                <a:endParaRPr lang="en-US" dirty="0"/>
+              </a:p>
+            </p:txBody>
+          </p:sp>
+          <p:sp>
+            <p:nvSpPr>
+              <p:cNvPr id="42" name="TextBox 41"/>
+              <p:cNvSpPr txBox="1"/>
+              <p:nvPr/>
+            </p:nvSpPr>
+            <p:spPr>
+              <a:xfrm>
+                <a:off x="4191178" y="2780928"/>
+                <a:ext cx="343364" cy="369332"/>
+              </a:xfrm>
+              <a:prstGeom prst="rect">
+                <a:avLst/>
+              </a:prstGeom>
+              <a:noFill/>
+            </p:spPr>
+            <p:txBody>
+              <a:bodyPr wrap="none" rtlCol="0">
+                <a:spAutoFit/>
+              </a:bodyPr>
+              <a:lstStyle/>
+              <a:p>
+                <a:r>
+                  <a:rPr lang="en-US" dirty="0" smtClean="0"/>
+                  <a:t>…</a:t>
+                </a:r>
+                <a:endParaRPr lang="en-US" dirty="0"/>
+              </a:p>
+            </p:txBody>
+          </p:sp>
+        </p:grpSp>
+        <p:sp>
+          <p:nvSpPr>
+            <p:cNvPr id="43" name="TextBox 42"/>
+            <p:cNvSpPr txBox="1"/>
+            <p:nvPr/>
+          </p:nvSpPr>
+          <p:spPr>
+            <a:xfrm>
+              <a:off x="5521320" y="4859868"/>
+              <a:ext cx="490840" cy="369332"/>
+            </a:xfrm>
+            <a:prstGeom prst="rect">
+              <a:avLst/>
+            </a:prstGeom>
+            <a:noFill/>
+          </p:spPr>
+          <p:txBody>
+            <a:bodyPr wrap="none" rtlCol="0">
+              <a:spAutoFit/>
+            </a:bodyPr>
+            <a:lstStyle/>
+            <a:p>
+              <a:r>
+                <a:rPr lang="en-US" dirty="0" smtClean="0"/>
+                <a:t>a</a:t>
+              </a:r>
+              <a:r>
+                <a:rPr lang="en-US" baseline="-25000" dirty="0" smtClean="0"/>
+                <a:t>1,2</a:t>
+              </a:r>
+              <a:endParaRPr lang="en-US" baseline="-25000" dirty="0"/>
+            </a:p>
+          </p:txBody>
+        </p:sp>
+      </p:grpSp>
+      <p:graphicFrame>
+        <p:nvGraphicFramePr>
+          <p:cNvPr id="54" name="Object 53"/>
+          <p:cNvGraphicFramePr>
+            <a:graphicFrameLocks noChangeAspect="1"/>
+          </p:cNvGraphicFramePr>
+          <p:nvPr>
+            <p:extLst>
+              <p:ext uri="{D42A27DB-BD31-4B8C-83A1-F6EECF244321}">
+                <p14:modId xmlns:p14="http://schemas.microsoft.com/office/powerpoint/2010/main" val="3065012352"/>
+              </p:ext>
+            </p:extLst>
+          </p:nvPr>
+        </p:nvGraphicFramePr>
+        <p:xfrm>
+          <a:off x="611560" y="5090208"/>
+          <a:ext cx="1656184" cy="1579152"/>
+        </p:xfrm>
+        <a:graphic>
+          <a:graphicData uri="http://schemas.openxmlformats.org/presentationml/2006/ole">
+            <mc:AlternateContent xmlns:mc="http://schemas.openxmlformats.org/markup-compatibility/2006">
+              <mc:Choice xmlns:v="urn:schemas-microsoft-com:vml" Requires="v">
+                <p:oleObj spid="_x0000_s2060" name="Equation" r:id="rId5" imgW="1091880" imgH="1041120" progId="Equation.3">
+                  <p:embed/>
+                </p:oleObj>
+              </mc:Choice>
+              <mc:Fallback>
+                <p:oleObj name="Equation" r:id="rId5" imgW="1091880" imgH="1041120" progId="Equation.3">
+                  <p:embed/>
+                  <p:pic>
+                    <p:nvPicPr>
+                      <p:cNvPr id="0" name=""/>
+                      <p:cNvPicPr/>
+                      <p:nvPr/>
+                    </p:nvPicPr>
+                    <p:blipFill>
+                      <a:blip r:embed="rId4"/>
+                      <a:stretch>
+                        <a:fillRect/>
+                      </a:stretch>
+                    </p:blipFill>
+                    <p:spPr>
+                      <a:xfrm>
+                        <a:off x="611560" y="5090208"/>
+                        <a:ext cx="1656184" cy="1579152"/>
+                      </a:xfrm>
+                      <a:prstGeom prst="rect">
+                        <a:avLst/>
+                      </a:prstGeom>
+                    </p:spPr>
+                  </p:pic>
+                </p:oleObj>
+              </mc:Fallback>
+            </mc:AlternateContent>
+          </a:graphicData>
+        </a:graphic>
+      </p:graphicFrame>
+      <p:grpSp>
+        <p:nvGrpSpPr>
+          <p:cNvPr id="61" name="Group 60"/>
+          <p:cNvGrpSpPr/>
+          <p:nvPr/>
+        </p:nvGrpSpPr>
+        <p:grpSpPr>
+          <a:xfrm>
+            <a:off x="755576" y="3429000"/>
+            <a:ext cx="3297982" cy="1253753"/>
+            <a:chOff x="755576" y="3429000"/>
+            <a:chExt cx="3297982" cy="1253753"/>
+          </a:xfrm>
+        </p:grpSpPr>
+        <p:grpSp>
+          <p:nvGrpSpPr>
+            <p:cNvPr id="53" name="Group 52"/>
+            <p:cNvGrpSpPr/>
+            <p:nvPr/>
+          </p:nvGrpSpPr>
+          <p:grpSpPr>
+            <a:xfrm>
+              <a:off x="755576" y="3429000"/>
+              <a:ext cx="1368152" cy="606138"/>
+              <a:chOff x="755576" y="3429000"/>
+              <a:chExt cx="1368152" cy="606138"/>
+            </a:xfrm>
+          </p:grpSpPr>
+          <p:cxnSp>
+            <p:nvCxnSpPr>
+              <p:cNvPr id="47" name="Straight Connector 46"/>
+              <p:cNvCxnSpPr/>
+              <p:nvPr/>
+            </p:nvCxnSpPr>
+            <p:spPr>
+              <a:xfrm>
+                <a:off x="755576" y="3429000"/>
+                <a:ext cx="1368152" cy="0"/>
+              </a:xfrm>
+              <a:prstGeom prst="line">
+                <a:avLst/>
+              </a:prstGeom>
+              <a:ln>
+                <a:solidFill>
+                  <a:srgbClr val="C00000"/>
+                </a:solidFill>
+              </a:ln>
+            </p:spPr>
+            <p:style>
+              <a:lnRef idx="1">
+                <a:schemeClr val="accent1"/>
+              </a:lnRef>
+              <a:fillRef idx="0">
+                <a:schemeClr val="accent1"/>
+              </a:fillRef>
+              <a:effectRef idx="0">
+                <a:schemeClr val="accent1"/>
+              </a:effectRef>
+              <a:fontRef idx="minor">
+                <a:schemeClr val="tx1"/>
+              </a:fontRef>
+            </p:style>
+          </p:cxnSp>
+          <p:cxnSp>
+            <p:nvCxnSpPr>
+              <p:cNvPr id="48" name="Straight Connector 47"/>
+              <p:cNvCxnSpPr/>
+              <p:nvPr/>
+            </p:nvCxnSpPr>
+            <p:spPr>
+              <a:xfrm flipV="1">
+                <a:off x="827584" y="4015455"/>
+                <a:ext cx="1296144" cy="19683"/>
+              </a:xfrm>
+              <a:prstGeom prst="line">
+                <a:avLst/>
+              </a:prstGeom>
+              <a:ln>
+                <a:solidFill>
+                  <a:srgbClr val="C00000"/>
+                </a:solidFill>
+                <a:tailEnd type="stealth" w="lg" len="lg"/>
+              </a:ln>
+            </p:spPr>
+            <p:style>
+              <a:lnRef idx="1">
+                <a:schemeClr val="accent1"/>
+              </a:lnRef>
+              <a:fillRef idx="0">
+                <a:schemeClr val="accent1"/>
+              </a:fillRef>
+              <a:effectRef idx="0">
+                <a:schemeClr val="accent1"/>
+              </a:effectRef>
+              <a:fontRef idx="minor">
+                <a:schemeClr val="tx1"/>
+              </a:fontRef>
+            </p:style>
+          </p:cxnSp>
+          <p:cxnSp>
+            <p:nvCxnSpPr>
+              <p:cNvPr id="52" name="Straight Connector 51"/>
+              <p:cNvCxnSpPr/>
+              <p:nvPr/>
+            </p:nvCxnSpPr>
+            <p:spPr>
+              <a:xfrm flipH="1">
+                <a:off x="755576" y="3429000"/>
+                <a:ext cx="1368152" cy="606138"/>
+              </a:xfrm>
+              <a:prstGeom prst="line">
+                <a:avLst/>
+              </a:prstGeom>
+              <a:ln>
+                <a:solidFill>
+                  <a:srgbClr val="C00000"/>
+                </a:solidFill>
+              </a:ln>
+            </p:spPr>
+            <p:style>
+              <a:lnRef idx="1">
+                <a:schemeClr val="accent1"/>
+              </a:lnRef>
+              <a:fillRef idx="0">
+                <a:schemeClr val="accent1"/>
+              </a:fillRef>
+              <a:effectRef idx="0">
+                <a:schemeClr val="accent1"/>
+              </a:effectRef>
+              <a:fontRef idx="minor">
+                <a:schemeClr val="tx1"/>
+              </a:fontRef>
+            </p:style>
+          </p:cxnSp>
+        </p:grpSp>
+        <p:sp>
+          <p:nvSpPr>
+            <p:cNvPr id="59" name="TextBox 58"/>
+            <p:cNvSpPr txBox="1"/>
+            <p:nvPr/>
+          </p:nvSpPr>
+          <p:spPr>
+            <a:xfrm>
+              <a:off x="2555776" y="4221088"/>
+              <a:ext cx="1497782" cy="461665"/>
+            </a:xfrm>
+            <a:prstGeom prst="rect">
+              <a:avLst/>
+            </a:prstGeom>
+            <a:noFill/>
+          </p:spPr>
+          <p:txBody>
+            <a:bodyPr wrap="none" rtlCol="0">
+              <a:spAutoFit/>
+            </a:bodyPr>
+            <a:lstStyle/>
+            <a:p>
+              <a:r>
+                <a:rPr lang="en-US" sz="2400" dirty="0" smtClean="0"/>
+                <a:t>row-major</a:t>
+              </a:r>
+              <a:endParaRPr lang="en-US" sz="2400" dirty="0"/>
+            </a:p>
+          </p:txBody>
+        </p:sp>
+      </p:grpSp>
+      <p:grpSp>
+        <p:nvGrpSpPr>
+          <p:cNvPr id="62" name="Group 61"/>
+          <p:cNvGrpSpPr/>
+          <p:nvPr/>
+        </p:nvGrpSpPr>
+        <p:grpSpPr>
+          <a:xfrm>
+            <a:off x="797510" y="5229200"/>
+            <a:ext cx="3702068" cy="1368152"/>
+            <a:chOff x="797510" y="5229200"/>
+            <a:chExt cx="3702068" cy="1368152"/>
+          </a:xfrm>
+        </p:grpSpPr>
+        <p:grpSp>
+          <p:nvGrpSpPr>
+            <p:cNvPr id="55" name="Group 54"/>
+            <p:cNvGrpSpPr/>
+            <p:nvPr/>
+          </p:nvGrpSpPr>
+          <p:grpSpPr>
+            <a:xfrm rot="16200000" flipH="1">
+              <a:off x="416503" y="5610207"/>
+              <a:ext cx="1368152" cy="606138"/>
+              <a:chOff x="755576" y="3429000"/>
+              <a:chExt cx="1368152" cy="606138"/>
+            </a:xfrm>
+          </p:grpSpPr>
+          <p:cxnSp>
+            <p:nvCxnSpPr>
+              <p:cNvPr id="56" name="Straight Connector 55"/>
+              <p:cNvCxnSpPr/>
+              <p:nvPr/>
+            </p:nvCxnSpPr>
+            <p:spPr>
+              <a:xfrm>
+                <a:off x="755576" y="3429000"/>
+                <a:ext cx="1368152" cy="0"/>
+              </a:xfrm>
+              <a:prstGeom prst="line">
+                <a:avLst/>
+              </a:prstGeom>
+              <a:ln>
+                <a:solidFill>
+                  <a:srgbClr val="C00000"/>
+                </a:solidFill>
+              </a:ln>
+            </p:spPr>
+            <p:style>
+              <a:lnRef idx="1">
+                <a:schemeClr val="accent1"/>
+              </a:lnRef>
+              <a:fillRef idx="0">
+                <a:schemeClr val="accent1"/>
+              </a:fillRef>
+              <a:effectRef idx="0">
+                <a:schemeClr val="accent1"/>
+              </a:effectRef>
+              <a:fontRef idx="minor">
+                <a:schemeClr val="tx1"/>
+              </a:fontRef>
+            </p:style>
+          </p:cxnSp>
+          <p:cxnSp>
+            <p:nvCxnSpPr>
+              <p:cNvPr id="57" name="Straight Connector 56"/>
+              <p:cNvCxnSpPr/>
+              <p:nvPr/>
+            </p:nvCxnSpPr>
+            <p:spPr>
+              <a:xfrm flipV="1">
+                <a:off x="827584" y="4015455"/>
+                <a:ext cx="1296144" cy="19683"/>
+              </a:xfrm>
+              <a:prstGeom prst="line">
+                <a:avLst/>
+              </a:prstGeom>
+              <a:ln>
+                <a:solidFill>
+                  <a:srgbClr val="C00000"/>
+                </a:solidFill>
+                <a:tailEnd type="stealth" w="lg" len="lg"/>
+              </a:ln>
+            </p:spPr>
+            <p:style>
+              <a:lnRef idx="1">
+                <a:schemeClr val="accent1"/>
+              </a:lnRef>
+              <a:fillRef idx="0">
+                <a:schemeClr val="accent1"/>
+              </a:fillRef>
+              <a:effectRef idx="0">
+                <a:schemeClr val="accent1"/>
+              </a:effectRef>
+              <a:fontRef idx="minor">
+                <a:schemeClr val="tx1"/>
+              </a:fontRef>
+            </p:style>
+          </p:cxnSp>
+          <p:cxnSp>
+            <p:nvCxnSpPr>
+              <p:cNvPr id="58" name="Straight Connector 57"/>
+              <p:cNvCxnSpPr/>
+              <p:nvPr/>
+            </p:nvCxnSpPr>
+            <p:spPr>
+              <a:xfrm flipH="1">
+                <a:off x="755576" y="3429000"/>
+                <a:ext cx="1368152" cy="606138"/>
+              </a:xfrm>
+              <a:prstGeom prst="line">
+                <a:avLst/>
+              </a:prstGeom>
+              <a:ln>
+                <a:solidFill>
+                  <a:srgbClr val="C00000"/>
+                </a:solidFill>
+              </a:ln>
+            </p:spPr>
+            <p:style>
+              <a:lnRef idx="1">
+                <a:schemeClr val="accent1"/>
+              </a:lnRef>
+              <a:fillRef idx="0">
+                <a:schemeClr val="accent1"/>
+              </a:fillRef>
+              <a:effectRef idx="0">
+                <a:schemeClr val="accent1"/>
+              </a:effectRef>
+              <a:fontRef idx="minor">
+                <a:schemeClr val="tx1"/>
+              </a:fontRef>
+            </p:style>
+          </p:cxnSp>
+        </p:grpSp>
+        <p:sp>
+          <p:nvSpPr>
+            <p:cNvPr id="60" name="TextBox 59"/>
+            <p:cNvSpPr txBox="1"/>
+            <p:nvPr/>
+          </p:nvSpPr>
+          <p:spPr>
+            <a:xfrm>
+              <a:off x="2555776" y="6135687"/>
+              <a:ext cx="1943802" cy="461665"/>
+            </a:xfrm>
+            <a:prstGeom prst="rect">
+              <a:avLst/>
+            </a:prstGeom>
+            <a:noFill/>
+          </p:spPr>
+          <p:txBody>
+            <a:bodyPr wrap="none" rtlCol="0">
+              <a:spAutoFit/>
+            </a:bodyPr>
+            <a:lstStyle/>
+            <a:p>
+              <a:r>
+                <a:rPr lang="en-US" sz="2400" dirty="0" smtClean="0"/>
+                <a:t>column-major</a:t>
+              </a:r>
+              <a:endParaRPr lang="en-US" sz="2400" dirty="0"/>
+            </a:p>
+          </p:txBody>
+        </p:sp>
+      </p:grpSp>
+    </p:spTree>
+    <p:extLst>
+      <p:ext uri="{BB962C8B-B14F-4D97-AF65-F5344CB8AC3E}">
+        <p14:creationId xmlns:p14="http://schemas.microsoft.com/office/powerpoint/2010/main" val="3854596292"/>
+      </p:ext>
+    </p:extLst>
+  </p:cSld>
+  <p:clrMapOvr>
+    <a:masterClrMapping/>
+  </p:clrMapOvr>
+  <p:timing>
+    <p:tnLst>
+      <p:par>
+        <p:cTn id="1" dur="indefinite" restart="never" nodeType="tmRoot">
+          <p:childTnLst>
+            <p:seq concurrent="1" nextAc="seek">
+              <p:cTn id="2" dur="indefinite" nodeType="mainSeq">
+                <p:childTnLst>
+                  <p:par>
+                    <p:cTn id="3" fill="hold">
+                      <p:stCondLst>
+                        <p:cond delay="indefinite"/>
+                      </p:stCondLst>
+                      <p:childTnLst>
+                        <p:par>
+                          <p:cTn id="4" fill="hold">
+                            <p:stCondLst>
+                              <p:cond delay="0"/>
+                            </p:stCondLst>
+                            <p:childTnLst>
+                              <p:par>
+                                <p:cTn id="5" presetID="1" presetClass="entr" presetSubtype="0" fill="hold" nodeType="clickEffect">
+                                  <p:stCondLst>
+                                    <p:cond delay="0"/>
+                                  </p:stCondLst>
+                                  <p:childTnLst>
+                                    <p:set>
+                                      <p:cBhvr>
+                                        <p:cTn id="6" dur="1" fill="hold">
+                                          <p:stCondLst>
+                                            <p:cond delay="0"/>
+                                          </p:stCondLst>
+                                        </p:cTn>
+                                        <p:tgtEl>
+                                          <p:spTgt spid="5"/>
+                                        </p:tgtEl>
+                                        <p:attrNameLst>
+                                          <p:attrName>style.visibility</p:attrName>
+                                        </p:attrNameLst>
+                                      </p:cBhvr>
+                                      <p:to>
+                                        <p:strVal val="visible"/>
+                                      </p:to>
+                                    </p:set>
+                                  </p:childTnLst>
+                                </p:cTn>
+                              </p:par>
+                            </p:childTnLst>
+                          </p:cTn>
+                        </p:par>
+                      </p:childTnLst>
+                    </p:cTn>
+                  </p:par>
+                  <p:par>
+                    <p:cTn id="7" fill="hold">
+                      <p:stCondLst>
+                        <p:cond delay="indefinite"/>
+                      </p:stCondLst>
+                      <p:childTnLst>
+                        <p:par>
+                          <p:cTn id="8" fill="hold">
+                            <p:stCondLst>
+                              <p:cond delay="0"/>
+                            </p:stCondLst>
+                            <p:childTnLst>
+                              <p:par>
+                                <p:cTn id="9" presetID="1" presetClass="entr" presetSubtype="0" fill="hold" nodeType="clickEffect">
+                                  <p:stCondLst>
+                                    <p:cond delay="0"/>
+                                  </p:stCondLst>
+                                  <p:childTnLst>
+                                    <p:set>
+                                      <p:cBhvr>
+                                        <p:cTn id="10" dur="1" fill="hold">
+                                          <p:stCondLst>
+                                            <p:cond delay="0"/>
+                                          </p:stCondLst>
+                                        </p:cTn>
+                                        <p:tgtEl>
+                                          <p:spTgt spid="61"/>
+                                        </p:tgtEl>
+                                        <p:attrNameLst>
+                                          <p:attrName>style.visibility</p:attrName>
+                                        </p:attrNameLst>
+                                      </p:cBhvr>
+                                      <p:to>
+                                        <p:strVal val="visible"/>
+                                      </p:to>
+                                    </p:set>
+                                  </p:childTnLst>
+                                </p:cTn>
+                              </p:par>
+                            </p:childTnLst>
+                          </p:cTn>
+                        </p:par>
+                      </p:childTnLst>
+                    </p:cTn>
+                  </p:par>
+                  <p:par>
+                    <p:cTn id="11" fill="hold">
+                      <p:stCondLst>
+                        <p:cond delay="indefinite"/>
+                      </p:stCondLst>
+                      <p:childTnLst>
+                        <p:par>
+                          <p:cTn id="12" fill="hold">
+                            <p:stCondLst>
+                              <p:cond delay="0"/>
+                            </p:stCondLst>
+                            <p:childTnLst>
+                              <p:par>
+                                <p:cTn id="13" presetID="1" presetClass="entr" presetSubtype="0" fill="hold" nodeType="clickEffect">
+                                  <p:stCondLst>
+                                    <p:cond delay="0"/>
+                                  </p:stCondLst>
+                                  <p:childTnLst>
+                                    <p:set>
+                                      <p:cBhvr>
+                                        <p:cTn id="14" dur="1" fill="hold">
+                                          <p:stCondLst>
+                                            <p:cond delay="0"/>
+                                          </p:stCondLst>
+                                        </p:cTn>
+                                        <p:tgtEl>
+                                          <p:spTgt spid="44"/>
+                                        </p:tgtEl>
+                                        <p:attrNameLst>
+                                          <p:attrName>style.visibility</p:attrName>
+                                        </p:attrNameLst>
+                                      </p:cBhvr>
+                                      <p:to>
+                                        <p:strVal val="visible"/>
+                                      </p:to>
+                                    </p:set>
+                                  </p:childTnLst>
+                                </p:cTn>
+                              </p:par>
+                            </p:childTnLst>
+                          </p:cTn>
+                        </p:par>
+                      </p:childTnLst>
+                    </p:cTn>
+                  </p:par>
+                  <p:par>
+                    <p:cTn id="15" fill="hold">
+                      <p:stCondLst>
+                        <p:cond delay="indefinite"/>
+                      </p:stCondLst>
+                      <p:childTnLst>
+                        <p:par>
+                          <p:cTn id="16" fill="hold">
+                            <p:stCondLst>
+                              <p:cond delay="0"/>
+                            </p:stCondLst>
+                            <p:childTnLst>
+                              <p:par>
+                                <p:cTn id="17" presetID="1" presetClass="entr" presetSubtype="0" fill="hold" nodeType="clickEffect">
+                                  <p:stCondLst>
+                                    <p:cond delay="0"/>
+                                  </p:stCondLst>
+                                  <p:childTnLst>
+                                    <p:set>
+                                      <p:cBhvr>
+                                        <p:cTn id="18" dur="1" fill="hold">
+                                          <p:stCondLst>
+                                            <p:cond delay="0"/>
+                                          </p:stCondLst>
+                                        </p:cTn>
+                                        <p:tgtEl>
+                                          <p:spTgt spid="54"/>
+                                        </p:tgtEl>
+                                        <p:attrNameLst>
+                                          <p:attrName>style.visibility</p:attrName>
+                                        </p:attrNameLst>
+                                      </p:cBhvr>
+                                      <p:to>
+                                        <p:strVal val="visible"/>
+                                      </p:to>
+                                    </p:set>
+                                  </p:childTnLst>
+                                </p:cTn>
+                              </p:par>
+                            </p:childTnLst>
+                          </p:cTn>
+                        </p:par>
+                      </p:childTnLst>
+                    </p:cTn>
+                  </p:par>
+                  <p:par>
+                    <p:cTn id="19" fill="hold">
+                      <p:stCondLst>
+                        <p:cond delay="indefinite"/>
+                      </p:stCondLst>
+                      <p:childTnLst>
+                        <p:par>
+                          <p:cTn id="20" fill="hold">
+                            <p:stCondLst>
+                              <p:cond delay="0"/>
+                            </p:stCondLst>
+                            <p:childTnLst>
+                              <p:par>
+                                <p:cTn id="21" presetID="1" presetClass="entr" presetSubtype="0" fill="hold" nodeType="clickEffect">
+                                  <p:stCondLst>
+                                    <p:cond delay="0"/>
+                                  </p:stCondLst>
+                                  <p:childTnLst>
+                                    <p:set>
+                                      <p:cBhvr>
+                                        <p:cTn id="22" dur="1" fill="hold">
+                                          <p:stCondLst>
+                                            <p:cond delay="0"/>
+                                          </p:stCondLst>
+                                        </p:cTn>
+                                        <p:tgtEl>
+                                          <p:spTgt spid="62"/>
+                                        </p:tgtEl>
+                                        <p:attrNameLst>
+                                          <p:attrName>style.visibility</p:attrName>
+                                        </p:attrNameLst>
+                                      </p:cBhvr>
+                                      <p:to>
+                                        <p:strVal val="visible"/>
+                                      </p:to>
+                                    </p:set>
+                                  </p:childTnLst>
+                                </p:cTn>
+                              </p:par>
+                            </p:childTnLst>
+                          </p:cTn>
+                        </p:par>
+                      </p:childTnLst>
+                    </p:cTn>
+                  </p:par>
+                  <p:par>
+                    <p:cTn id="23" fill="hold">
+                      <p:stCondLst>
+                        <p:cond delay="indefinite"/>
+                      </p:stCondLst>
+                      <p:childTnLst>
+                        <p:par>
+                          <p:cTn id="24" fill="hold">
+                            <p:stCondLst>
+                              <p:cond delay="0"/>
+                            </p:stCondLst>
+                            <p:childTnLst>
+                              <p:par>
+                                <p:cTn id="25" presetID="1" presetClass="entr" presetSubtype="0" fill="hold" nodeType="clickEffect">
+                                  <p:stCondLst>
+                                    <p:cond delay="0"/>
+                                  </p:stCondLst>
+                                  <p:childTnLst>
+                                    <p:set>
+                                      <p:cBhvr>
+                                        <p:cTn id="26" dur="1" fill="hold">
+                                          <p:stCondLst>
+                                            <p:cond delay="0"/>
+                                          </p:stCondLst>
+                                        </p:cTn>
+                                        <p:tgtEl>
+                                          <p:spTgt spid="45"/>
+                                        </p:tgtEl>
+                                        <p:attrNameLst>
+                                          <p:attrName>style.visibility</p:attrName>
+                                        </p:attrNameLst>
+                                      </p:cBhvr>
+                                      <p:to>
+                                        <p:strVal val="visible"/>
+                                      </p:to>
+                                    </p:set>
+                                  </p:childTnLst>
+                                </p:cTn>
+                              </p:par>
+                            </p:childTnLst>
+                          </p:cTn>
+                        </p:par>
+                      </p:childTnLst>
+                    </p:cTn>
+                  </p:par>
+                </p:childTnLst>
+              </p:cTn>
+              <p:prevCondLst>
+                <p:cond evt="onPrev" delay="0">
+                  <p:tgtEl>
+                    <p:sldTgt/>
+                  </p:tgtEl>
+                </p:cond>
+              </p:prevCondLst>
+              <p:nextCondLst>
+                <p:cond evt="onNext" delay="0">
+                  <p:tgtEl>
+                    <p:sldTgt/>
+                  </p:tgtEl>
+                </p:cond>
+              </p:nextCondLst>
+            </p:seq>
+          </p:childTnLst>
+        </p:cTn>
       </p:par>
     </p:tnLst>
   </p:timing>
@@ -13893,6 +17962,29 @@
           </a:p>
         </p:txBody>
       </p:sp>
+      <p:sp>
+        <p:nvSpPr>
+          <p:cNvPr id="4" name="Slide Number Placeholder 3"/>
+          <p:cNvSpPr>
+            <a:spLocks noGrp="1"/>
+          </p:cNvSpPr>
+          <p:nvPr>
+            <p:ph type="sldNum" sz="quarter" idx="12"/>
+          </p:nvPr>
+        </p:nvSpPr>
+        <p:spPr/>
+        <p:txBody>
+          <a:bodyPr/>
+          <a:lstStyle/>
+          <a:p>
+            <a:fld id="{6597116C-F94B-4B5B-973A-17F07FB5C418}" type="slidenum">
+              <a:rPr lang="nl-BE" smtClean="0"/>
+              <a:t>2</a:t>
+            </a:fld>
+            <a:endParaRPr lang="nl-BE"/>
+          </a:p>
+        </p:txBody>
+      </p:sp>
     </p:spTree>
     <p:extLst>
       <p:ext uri="{BB962C8B-B14F-4D97-AF65-F5344CB8AC3E}">
@@ -13914,6 +18006,1995 @@
 </file>
 
 <file path=ppt/slides/slide20.xml><?xml version="1.0" encoding="utf-8"?>
+<p:sld xmlns:a="http://schemas.openxmlformats.org/drawingml/2006/main" xmlns:r="http://schemas.openxmlformats.org/officeDocument/2006/relationships" xmlns:p="http://schemas.openxmlformats.org/presentationml/2006/main">
+  <p:cSld>
+    <p:spTree>
+      <p:nvGrpSpPr>
+        <p:cNvPr id="1" name=""/>
+        <p:cNvGrpSpPr/>
+        <p:nvPr/>
+      </p:nvGrpSpPr>
+      <p:grpSpPr>
+        <a:xfrm>
+          <a:off x="0" y="0"/>
+          <a:ext cx="0" cy="0"/>
+          <a:chOff x="0" y="0"/>
+          <a:chExt cx="0" cy="0"/>
+        </a:xfrm>
+      </p:grpSpPr>
+      <p:sp>
+        <p:nvSpPr>
+          <p:cNvPr id="24" name="TextBox 23"/>
+          <p:cNvSpPr txBox="1"/>
+          <p:nvPr/>
+        </p:nvSpPr>
+        <p:spPr>
+          <a:xfrm>
+            <a:off x="179512" y="2249577"/>
+            <a:ext cx="4647426" cy="1631216"/>
+          </a:xfrm>
+          <a:prstGeom prst="rect">
+            <a:avLst/>
+          </a:prstGeom>
+          <a:solidFill>
+            <a:schemeClr val="bg1">
+              <a:lumMod val="75000"/>
+            </a:schemeClr>
+          </a:solidFill>
+          <a:ln>
+            <a:solidFill>
+              <a:schemeClr val="tx1"/>
+            </a:solidFill>
+          </a:ln>
+        </p:spPr>
+        <p:txBody>
+          <a:bodyPr wrap="none" rtlCol="0">
+            <a:spAutoFit/>
+          </a:bodyPr>
+          <a:lstStyle/>
+          <a:p>
+            <a:r>
+              <a:rPr lang="en-US" sz="2000" dirty="0" err="1" smtClean="0">
+                <a:latin typeface="Courier New" panose="02070309020205020404" pitchFamily="49" charset="0"/>
+                <a:cs typeface="Courier New" panose="02070309020205020404" pitchFamily="49" charset="0"/>
+              </a:rPr>
+              <a:t>struct</a:t>
+            </a:r>
+            <a:r>
+              <a:rPr lang="en-US" sz="2000" dirty="0" smtClean="0">
+                <a:latin typeface="Courier New" panose="02070309020205020404" pitchFamily="49" charset="0"/>
+                <a:cs typeface="Courier New" panose="02070309020205020404" pitchFamily="49" charset="0"/>
+              </a:rPr>
+              <a:t> particle {</a:t>
+            </a:r>
+          </a:p>
+          <a:p>
+            <a:r>
+              <a:rPr lang="en-US" sz="2000" dirty="0">
+                <a:latin typeface="Courier New" panose="02070309020205020404" pitchFamily="49" charset="0"/>
+                <a:cs typeface="Courier New" panose="02070309020205020404" pitchFamily="49" charset="0"/>
+              </a:rPr>
+              <a:t> </a:t>
+            </a:r>
+            <a:r>
+              <a:rPr lang="en-US" sz="2000" dirty="0" smtClean="0">
+                <a:latin typeface="Courier New" panose="02070309020205020404" pitchFamily="49" charset="0"/>
+                <a:cs typeface="Courier New" panose="02070309020205020404" pitchFamily="49" charset="0"/>
+              </a:rPr>
+              <a:t>   double x, y, z, m;</a:t>
+            </a:r>
+          </a:p>
+          <a:p>
+            <a:r>
+              <a:rPr lang="en-US" sz="2000" dirty="0">
+                <a:latin typeface="Courier New" panose="02070309020205020404" pitchFamily="49" charset="0"/>
+                <a:cs typeface="Courier New" panose="02070309020205020404" pitchFamily="49" charset="0"/>
+              </a:rPr>
+              <a:t> </a:t>
+            </a:r>
+            <a:r>
+              <a:rPr lang="en-US" sz="2000" dirty="0" smtClean="0">
+                <a:latin typeface="Courier New" panose="02070309020205020404" pitchFamily="49" charset="0"/>
+                <a:cs typeface="Courier New" panose="02070309020205020404" pitchFamily="49" charset="0"/>
+              </a:rPr>
+              <a:t>   </a:t>
+            </a:r>
+            <a:r>
+              <a:rPr lang="en-US" sz="2000" dirty="0" err="1" smtClean="0">
+                <a:latin typeface="Courier New" panose="02070309020205020404" pitchFamily="49" charset="0"/>
+                <a:cs typeface="Courier New" panose="02070309020205020404" pitchFamily="49" charset="0"/>
+              </a:rPr>
+              <a:t>int</a:t>
+            </a:r>
+            <a:r>
+              <a:rPr lang="en-US" sz="2000" dirty="0" smtClean="0">
+                <a:latin typeface="Courier New" panose="02070309020205020404" pitchFamily="49" charset="0"/>
+                <a:cs typeface="Courier New" panose="02070309020205020404" pitchFamily="49" charset="0"/>
+              </a:rPr>
+              <a:t> q;</a:t>
+            </a:r>
+          </a:p>
+          <a:p>
+            <a:r>
+              <a:rPr lang="en-US" sz="2000" dirty="0" smtClean="0">
+                <a:latin typeface="Courier New" panose="02070309020205020404" pitchFamily="49" charset="0"/>
+                <a:cs typeface="Courier New" panose="02070309020205020404" pitchFamily="49" charset="0"/>
+              </a:rPr>
+              <a:t>};</a:t>
+            </a:r>
+          </a:p>
+          <a:p>
+            <a:r>
+              <a:rPr lang="en-US" sz="2000" dirty="0" err="1" smtClean="0">
+                <a:latin typeface="Courier New" panose="02070309020205020404" pitchFamily="49" charset="0"/>
+                <a:cs typeface="Courier New" panose="02070309020205020404" pitchFamily="49" charset="0"/>
+              </a:rPr>
+              <a:t>struct</a:t>
+            </a:r>
+            <a:r>
+              <a:rPr lang="en-US" sz="2000" dirty="0" smtClean="0">
+                <a:latin typeface="Courier New" panose="02070309020205020404" pitchFamily="49" charset="0"/>
+                <a:cs typeface="Courier New" panose="02070309020205020404" pitchFamily="49" charset="0"/>
+              </a:rPr>
+              <a:t> particle particles[n];</a:t>
+            </a:r>
+            <a:endParaRPr lang="en-US" sz="1600" dirty="0" smtClean="0">
+              <a:latin typeface="Courier New" panose="02070309020205020404" pitchFamily="49" charset="0"/>
+              <a:cs typeface="Courier New" panose="02070309020205020404" pitchFamily="49" charset="0"/>
+            </a:endParaRPr>
+          </a:p>
+        </p:txBody>
+      </p:sp>
+      <p:sp>
+        <p:nvSpPr>
+          <p:cNvPr id="2" name="Title 1"/>
+          <p:cNvSpPr>
+            <a:spLocks noGrp="1"/>
+          </p:cNvSpPr>
+          <p:nvPr>
+            <p:ph type="title"/>
+          </p:nvPr>
+        </p:nvSpPr>
+        <p:spPr/>
+        <p:txBody>
+          <a:bodyPr/>
+          <a:lstStyle/>
+          <a:p>
+            <a:r>
+              <a:rPr lang="en-US" dirty="0" err="1" smtClean="0"/>
+              <a:t>AoS</a:t>
+            </a:r>
+            <a:r>
+              <a:rPr lang="en-US" dirty="0" smtClean="0"/>
+              <a:t> versus </a:t>
+            </a:r>
+            <a:r>
+              <a:rPr lang="en-US" dirty="0" err="1" smtClean="0"/>
+              <a:t>SoA</a:t>
+            </a:r>
+            <a:endParaRPr lang="en-US" dirty="0"/>
+          </a:p>
+        </p:txBody>
+      </p:sp>
+      <p:sp>
+        <p:nvSpPr>
+          <p:cNvPr id="3" name="Content Placeholder 2"/>
+          <p:cNvSpPr>
+            <a:spLocks noGrp="1"/>
+          </p:cNvSpPr>
+          <p:nvPr>
+            <p:ph idx="1"/>
+          </p:nvPr>
+        </p:nvSpPr>
+        <p:spPr/>
+        <p:txBody>
+          <a:bodyPr/>
+          <a:lstStyle/>
+          <a:p>
+            <a:r>
+              <a:rPr lang="en-US" dirty="0" smtClean="0"/>
+              <a:t>Array of </a:t>
+            </a:r>
+            <a:r>
+              <a:rPr lang="en-US" dirty="0" err="1" smtClean="0"/>
+              <a:t>Structs</a:t>
+            </a:r>
+            <a:r>
+              <a:rPr lang="en-US" dirty="0" smtClean="0"/>
+              <a:t> versus </a:t>
+            </a:r>
+            <a:r>
+              <a:rPr lang="en-US" dirty="0" err="1" smtClean="0"/>
+              <a:t>Struct</a:t>
+            </a:r>
+            <a:r>
+              <a:rPr lang="en-US" dirty="0" smtClean="0"/>
+              <a:t> of Arrays?</a:t>
+            </a:r>
+            <a:endParaRPr lang="en-US" dirty="0"/>
+          </a:p>
+        </p:txBody>
+      </p:sp>
+      <p:sp>
+        <p:nvSpPr>
+          <p:cNvPr id="4" name="Slide Number Placeholder 3"/>
+          <p:cNvSpPr>
+            <a:spLocks noGrp="1"/>
+          </p:cNvSpPr>
+          <p:nvPr>
+            <p:ph type="sldNum" sz="quarter" idx="12"/>
+          </p:nvPr>
+        </p:nvSpPr>
+        <p:spPr/>
+        <p:txBody>
+          <a:bodyPr/>
+          <a:lstStyle/>
+          <a:p>
+            <a:fld id="{6597116C-F94B-4B5B-973A-17F07FB5C418}" type="slidenum">
+              <a:rPr lang="nl-BE" smtClean="0"/>
+              <a:t>20</a:t>
+            </a:fld>
+            <a:endParaRPr lang="nl-BE"/>
+          </a:p>
+        </p:txBody>
+      </p:sp>
+      <p:sp>
+        <p:nvSpPr>
+          <p:cNvPr id="25" name="TextBox 24"/>
+          <p:cNvSpPr txBox="1"/>
+          <p:nvPr/>
+        </p:nvSpPr>
+        <p:spPr>
+          <a:xfrm>
+            <a:off x="179512" y="4390072"/>
+            <a:ext cx="4647426" cy="1631216"/>
+          </a:xfrm>
+          <a:prstGeom prst="rect">
+            <a:avLst/>
+          </a:prstGeom>
+          <a:solidFill>
+            <a:schemeClr val="bg1">
+              <a:lumMod val="75000"/>
+            </a:schemeClr>
+          </a:solidFill>
+          <a:ln>
+            <a:solidFill>
+              <a:schemeClr val="tx1"/>
+            </a:solidFill>
+          </a:ln>
+        </p:spPr>
+        <p:txBody>
+          <a:bodyPr wrap="square" rtlCol="0">
+            <a:spAutoFit/>
+          </a:bodyPr>
+          <a:lstStyle/>
+          <a:p>
+            <a:r>
+              <a:rPr lang="en-US" sz="2000" dirty="0" err="1" smtClean="0">
+                <a:latin typeface="Courier New" panose="02070309020205020404" pitchFamily="49" charset="0"/>
+                <a:cs typeface="Courier New" panose="02070309020205020404" pitchFamily="49" charset="0"/>
+              </a:rPr>
+              <a:t>struct</a:t>
+            </a:r>
+            <a:r>
+              <a:rPr lang="en-US" sz="2000" dirty="0" smtClean="0">
+                <a:latin typeface="Courier New" panose="02070309020205020404" pitchFamily="49" charset="0"/>
+                <a:cs typeface="Courier New" panose="02070309020205020404" pitchFamily="49" charset="0"/>
+              </a:rPr>
+              <a:t> particles {</a:t>
+            </a:r>
+          </a:p>
+          <a:p>
+            <a:r>
+              <a:rPr lang="en-US" sz="2000" dirty="0">
+                <a:latin typeface="Courier New" panose="02070309020205020404" pitchFamily="49" charset="0"/>
+                <a:cs typeface="Courier New" panose="02070309020205020404" pitchFamily="49" charset="0"/>
+              </a:rPr>
+              <a:t> </a:t>
+            </a:r>
+            <a:r>
+              <a:rPr lang="en-US" sz="2000" dirty="0" smtClean="0">
+                <a:latin typeface="Courier New" panose="02070309020205020404" pitchFamily="49" charset="0"/>
+                <a:cs typeface="Courier New" panose="02070309020205020404" pitchFamily="49" charset="0"/>
+              </a:rPr>
+              <a:t>   double x[n], y[n], z[n],</a:t>
+            </a:r>
+          </a:p>
+          <a:p>
+            <a:r>
+              <a:rPr lang="en-US" sz="2000" dirty="0">
+                <a:latin typeface="Courier New" panose="02070309020205020404" pitchFamily="49" charset="0"/>
+                <a:cs typeface="Courier New" panose="02070309020205020404" pitchFamily="49" charset="0"/>
+              </a:rPr>
+              <a:t> </a:t>
+            </a:r>
+            <a:r>
+              <a:rPr lang="en-US" sz="2000" dirty="0" smtClean="0">
+                <a:latin typeface="Courier New" panose="02070309020205020404" pitchFamily="49" charset="0"/>
+                <a:cs typeface="Courier New" panose="02070309020205020404" pitchFamily="49" charset="0"/>
+              </a:rPr>
+              <a:t>          m[n];</a:t>
+            </a:r>
+          </a:p>
+          <a:p>
+            <a:r>
+              <a:rPr lang="en-US" sz="2000" dirty="0">
+                <a:latin typeface="Courier New" panose="02070309020205020404" pitchFamily="49" charset="0"/>
+                <a:cs typeface="Courier New" panose="02070309020205020404" pitchFamily="49" charset="0"/>
+              </a:rPr>
+              <a:t> </a:t>
+            </a:r>
+            <a:r>
+              <a:rPr lang="en-US" sz="2000" dirty="0" smtClean="0">
+                <a:latin typeface="Courier New" panose="02070309020205020404" pitchFamily="49" charset="0"/>
+                <a:cs typeface="Courier New" panose="02070309020205020404" pitchFamily="49" charset="0"/>
+              </a:rPr>
+              <a:t>   </a:t>
+            </a:r>
+            <a:r>
+              <a:rPr lang="en-US" sz="2000" dirty="0" err="1" smtClean="0">
+                <a:latin typeface="Courier New" panose="02070309020205020404" pitchFamily="49" charset="0"/>
+                <a:cs typeface="Courier New" panose="02070309020205020404" pitchFamily="49" charset="0"/>
+              </a:rPr>
+              <a:t>int</a:t>
+            </a:r>
+            <a:r>
+              <a:rPr lang="en-US" sz="2000" dirty="0" smtClean="0">
+                <a:latin typeface="Courier New" panose="02070309020205020404" pitchFamily="49" charset="0"/>
+                <a:cs typeface="Courier New" panose="02070309020205020404" pitchFamily="49" charset="0"/>
+              </a:rPr>
+              <a:t> q[n];</a:t>
+            </a:r>
+          </a:p>
+          <a:p>
+            <a:r>
+              <a:rPr lang="en-US" sz="2000" dirty="0" smtClean="0">
+                <a:latin typeface="Courier New" panose="02070309020205020404" pitchFamily="49" charset="0"/>
+                <a:cs typeface="Courier New" panose="02070309020205020404" pitchFamily="49" charset="0"/>
+              </a:rPr>
+              <a:t>};</a:t>
+            </a:r>
+          </a:p>
+        </p:txBody>
+      </p:sp>
+      <p:grpSp>
+        <p:nvGrpSpPr>
+          <p:cNvPr id="57" name="Group 56"/>
+          <p:cNvGrpSpPr/>
+          <p:nvPr/>
+        </p:nvGrpSpPr>
+        <p:grpSpPr>
+          <a:xfrm>
+            <a:off x="4047162" y="5308462"/>
+            <a:ext cx="4917326" cy="987330"/>
+            <a:chOff x="4047162" y="5393998"/>
+            <a:chExt cx="4917326" cy="987330"/>
+          </a:xfrm>
+        </p:grpSpPr>
+        <p:grpSp>
+          <p:nvGrpSpPr>
+            <p:cNvPr id="49" name="Group 48"/>
+            <p:cNvGrpSpPr/>
+            <p:nvPr/>
+          </p:nvGrpSpPr>
+          <p:grpSpPr>
+            <a:xfrm>
+              <a:off x="4047162" y="5393998"/>
+              <a:ext cx="4917326" cy="411266"/>
+              <a:chOff x="4047162" y="5393998"/>
+              <a:chExt cx="4917326" cy="411266"/>
+            </a:xfrm>
+          </p:grpSpPr>
+          <p:sp>
+            <p:nvSpPr>
+              <p:cNvPr id="30" name="Rectangle 29"/>
+              <p:cNvSpPr/>
+              <p:nvPr/>
+            </p:nvSpPr>
+            <p:spPr>
+              <a:xfrm>
+                <a:off x="4047162" y="5435932"/>
+                <a:ext cx="4896544" cy="369332"/>
+              </a:xfrm>
+              <a:prstGeom prst="rect">
+                <a:avLst/>
+              </a:prstGeom>
+              <a:solidFill>
+                <a:schemeClr val="bg1">
+                  <a:lumMod val="85000"/>
+                </a:schemeClr>
+              </a:solidFill>
+              <a:ln>
+                <a:noFill/>
+              </a:ln>
+            </p:spPr>
+            <p:style>
+              <a:lnRef idx="2">
+                <a:schemeClr val="accent1">
+                  <a:shade val="50000"/>
+                </a:schemeClr>
+              </a:lnRef>
+              <a:fillRef idx="1">
+                <a:schemeClr val="accent1"/>
+              </a:fillRef>
+              <a:effectRef idx="0">
+                <a:schemeClr val="accent1"/>
+              </a:effectRef>
+              <a:fontRef idx="minor">
+                <a:schemeClr val="lt1"/>
+              </a:fontRef>
+            </p:style>
+            <p:txBody>
+              <a:bodyPr rtlCol="0" anchor="ctr"/>
+              <a:lstStyle/>
+              <a:p>
+                <a:pPr algn="ctr"/>
+                <a:endParaRPr lang="en-US"/>
+              </a:p>
+            </p:txBody>
+          </p:sp>
+          <p:sp>
+            <p:nvSpPr>
+              <p:cNvPr id="31" name="TextBox 30"/>
+              <p:cNvSpPr txBox="1"/>
+              <p:nvPr/>
+            </p:nvSpPr>
+            <p:spPr>
+              <a:xfrm>
+                <a:off x="4684730" y="5435932"/>
+                <a:ext cx="319318" cy="369332"/>
+              </a:xfrm>
+              <a:prstGeom prst="rect">
+                <a:avLst/>
+              </a:prstGeom>
+              <a:noFill/>
+            </p:spPr>
+            <p:txBody>
+              <a:bodyPr wrap="none" rtlCol="0">
+                <a:spAutoFit/>
+              </a:bodyPr>
+              <a:lstStyle/>
+              <a:p>
+                <a:r>
+                  <a:rPr lang="en-US" dirty="0" smtClean="0"/>
+                  <a:t>x</a:t>
+                </a:r>
+                <a:r>
+                  <a:rPr lang="en-US" baseline="-25000" dirty="0" smtClean="0"/>
+                  <a:t>i</a:t>
+                </a:r>
+                <a:endParaRPr lang="en-US" baseline="-25000" dirty="0"/>
+              </a:p>
+            </p:txBody>
+          </p:sp>
+          <p:sp>
+            <p:nvSpPr>
+              <p:cNvPr id="32" name="TextBox 31"/>
+              <p:cNvSpPr txBox="1"/>
+              <p:nvPr/>
+            </p:nvSpPr>
+            <p:spPr>
+              <a:xfrm>
+                <a:off x="5286118" y="5435932"/>
+                <a:ext cx="474810" cy="369332"/>
+              </a:xfrm>
+              <a:prstGeom prst="rect">
+                <a:avLst/>
+              </a:prstGeom>
+              <a:noFill/>
+            </p:spPr>
+            <p:txBody>
+              <a:bodyPr wrap="none" rtlCol="0">
+                <a:spAutoFit/>
+              </a:bodyPr>
+              <a:lstStyle/>
+              <a:p>
+                <a:r>
+                  <a:rPr lang="en-US" dirty="0" smtClean="0"/>
+                  <a:t>x</a:t>
+                </a:r>
+                <a:r>
+                  <a:rPr lang="en-US" baseline="-25000" dirty="0" smtClean="0"/>
+                  <a:t>i+1</a:t>
+                </a:r>
+                <a:endParaRPr lang="en-US" baseline="-25000" dirty="0"/>
+              </a:p>
+            </p:txBody>
+          </p:sp>
+          <p:sp>
+            <p:nvSpPr>
+              <p:cNvPr id="33" name="TextBox 32"/>
+              <p:cNvSpPr txBox="1"/>
+              <p:nvPr/>
+            </p:nvSpPr>
+            <p:spPr>
+              <a:xfrm>
+                <a:off x="5844872" y="5435932"/>
+                <a:ext cx="474810" cy="369332"/>
+              </a:xfrm>
+              <a:prstGeom prst="rect">
+                <a:avLst/>
+              </a:prstGeom>
+              <a:noFill/>
+            </p:spPr>
+            <p:txBody>
+              <a:bodyPr wrap="none" rtlCol="0">
+                <a:spAutoFit/>
+              </a:bodyPr>
+              <a:lstStyle/>
+              <a:p>
+                <a:r>
+                  <a:rPr lang="en-US" dirty="0" smtClean="0"/>
+                  <a:t>x</a:t>
+                </a:r>
+                <a:r>
+                  <a:rPr lang="en-US" baseline="-25000" dirty="0" smtClean="0"/>
+                  <a:t>i+2</a:t>
+                </a:r>
+                <a:endParaRPr lang="en-US" baseline="-25000" dirty="0"/>
+              </a:p>
+            </p:txBody>
+          </p:sp>
+          <p:sp>
+            <p:nvSpPr>
+              <p:cNvPr id="34" name="TextBox 33"/>
+              <p:cNvSpPr txBox="1"/>
+              <p:nvPr/>
+            </p:nvSpPr>
+            <p:spPr>
+              <a:xfrm>
+                <a:off x="7110560" y="5435932"/>
+                <a:ext cx="324128" cy="369332"/>
+              </a:xfrm>
+              <a:prstGeom prst="rect">
+                <a:avLst/>
+              </a:prstGeom>
+              <a:noFill/>
+            </p:spPr>
+            <p:txBody>
+              <a:bodyPr wrap="none" rtlCol="0">
+                <a:spAutoFit/>
+              </a:bodyPr>
+              <a:lstStyle/>
+              <a:p>
+                <a:r>
+                  <a:rPr lang="en-US" dirty="0" err="1" smtClean="0"/>
+                  <a:t>y</a:t>
+                </a:r>
+                <a:r>
+                  <a:rPr lang="en-US" baseline="-25000" dirty="0" err="1" smtClean="0"/>
+                  <a:t>i</a:t>
+                </a:r>
+                <a:endParaRPr lang="en-US" baseline="-25000" dirty="0"/>
+              </a:p>
+            </p:txBody>
+          </p:sp>
+          <p:sp>
+            <p:nvSpPr>
+              <p:cNvPr id="35" name="TextBox 34"/>
+              <p:cNvSpPr txBox="1"/>
+              <p:nvPr/>
+            </p:nvSpPr>
+            <p:spPr>
+              <a:xfrm>
+                <a:off x="7668344" y="5435932"/>
+                <a:ext cx="479618" cy="369332"/>
+              </a:xfrm>
+              <a:prstGeom prst="rect">
+                <a:avLst/>
+              </a:prstGeom>
+              <a:noFill/>
+            </p:spPr>
+            <p:txBody>
+              <a:bodyPr wrap="none" rtlCol="0">
+                <a:spAutoFit/>
+              </a:bodyPr>
+              <a:lstStyle/>
+              <a:p>
+                <a:r>
+                  <a:rPr lang="en-US" dirty="0" smtClean="0"/>
+                  <a:t>y</a:t>
+                </a:r>
+                <a:r>
+                  <a:rPr lang="en-US" baseline="-25000" dirty="0" smtClean="0"/>
+                  <a:t>i+1</a:t>
+                </a:r>
+                <a:endParaRPr lang="en-US" baseline="-25000" dirty="0"/>
+              </a:p>
+            </p:txBody>
+          </p:sp>
+          <p:cxnSp>
+            <p:nvCxnSpPr>
+              <p:cNvPr id="36" name="Straight Connector 35"/>
+              <p:cNvCxnSpPr/>
+              <p:nvPr/>
+            </p:nvCxnSpPr>
+            <p:spPr>
+              <a:xfrm>
+                <a:off x="5250516" y="5425541"/>
+                <a:ext cx="0" cy="369332"/>
+              </a:xfrm>
+              <a:prstGeom prst="line">
+                <a:avLst/>
+              </a:prstGeom>
+              <a:ln w="19050">
+                <a:solidFill>
+                  <a:schemeClr val="tx1"/>
+                </a:solidFill>
+              </a:ln>
+            </p:spPr>
+            <p:style>
+              <a:lnRef idx="1">
+                <a:schemeClr val="accent1"/>
+              </a:lnRef>
+              <a:fillRef idx="0">
+                <a:schemeClr val="accent1"/>
+              </a:fillRef>
+              <a:effectRef idx="0">
+                <a:schemeClr val="accent1"/>
+              </a:effectRef>
+              <a:fontRef idx="minor">
+                <a:schemeClr val="tx1"/>
+              </a:fontRef>
+            </p:style>
+          </p:cxnSp>
+          <p:cxnSp>
+            <p:nvCxnSpPr>
+              <p:cNvPr id="37" name="Straight Connector 36"/>
+              <p:cNvCxnSpPr/>
+              <p:nvPr/>
+            </p:nvCxnSpPr>
+            <p:spPr>
+              <a:xfrm>
+                <a:off x="5847362" y="5424442"/>
+                <a:ext cx="0" cy="369332"/>
+              </a:xfrm>
+              <a:prstGeom prst="line">
+                <a:avLst/>
+              </a:prstGeom>
+              <a:ln w="19050">
+                <a:solidFill>
+                  <a:schemeClr val="tx1"/>
+                </a:solidFill>
+              </a:ln>
+            </p:spPr>
+            <p:style>
+              <a:lnRef idx="1">
+                <a:schemeClr val="accent1"/>
+              </a:lnRef>
+              <a:fillRef idx="0">
+                <a:schemeClr val="accent1"/>
+              </a:fillRef>
+              <a:effectRef idx="0">
+                <a:schemeClr val="accent1"/>
+              </a:effectRef>
+              <a:fontRef idx="minor">
+                <a:schemeClr val="tx1"/>
+              </a:fontRef>
+            </p:style>
+          </p:cxnSp>
+          <p:cxnSp>
+            <p:nvCxnSpPr>
+              <p:cNvPr id="38" name="Straight Connector 37"/>
+              <p:cNvCxnSpPr/>
+              <p:nvPr/>
+            </p:nvCxnSpPr>
+            <p:spPr>
+              <a:xfrm>
+                <a:off x="6423426" y="5424442"/>
+                <a:ext cx="0" cy="369332"/>
+              </a:xfrm>
+              <a:prstGeom prst="line">
+                <a:avLst/>
+              </a:prstGeom>
+              <a:ln w="19050">
+                <a:solidFill>
+                  <a:schemeClr val="tx1"/>
+                </a:solidFill>
+              </a:ln>
+            </p:spPr>
+            <p:style>
+              <a:lnRef idx="1">
+                <a:schemeClr val="accent1"/>
+              </a:lnRef>
+              <a:fillRef idx="0">
+                <a:schemeClr val="accent1"/>
+              </a:fillRef>
+              <a:effectRef idx="0">
+                <a:schemeClr val="accent1"/>
+              </a:effectRef>
+              <a:fontRef idx="minor">
+                <a:schemeClr val="tx1"/>
+              </a:fontRef>
+            </p:style>
+          </p:cxnSp>
+          <p:cxnSp>
+            <p:nvCxnSpPr>
+              <p:cNvPr id="39" name="Straight Connector 38"/>
+              <p:cNvCxnSpPr/>
+              <p:nvPr/>
+            </p:nvCxnSpPr>
+            <p:spPr>
+              <a:xfrm>
+                <a:off x="4695234" y="5434833"/>
+                <a:ext cx="0" cy="369332"/>
+              </a:xfrm>
+              <a:prstGeom prst="line">
+                <a:avLst/>
+              </a:prstGeom>
+              <a:ln w="19050">
+                <a:solidFill>
+                  <a:schemeClr val="tx1"/>
+                </a:solidFill>
+              </a:ln>
+            </p:spPr>
+            <p:style>
+              <a:lnRef idx="1">
+                <a:schemeClr val="accent1"/>
+              </a:lnRef>
+              <a:fillRef idx="0">
+                <a:schemeClr val="accent1"/>
+              </a:fillRef>
+              <a:effectRef idx="0">
+                <a:schemeClr val="accent1"/>
+              </a:effectRef>
+              <a:fontRef idx="minor">
+                <a:schemeClr val="tx1"/>
+              </a:fontRef>
+            </p:style>
+          </p:cxnSp>
+          <p:cxnSp>
+            <p:nvCxnSpPr>
+              <p:cNvPr id="40" name="Straight Connector 39"/>
+              <p:cNvCxnSpPr/>
+              <p:nvPr/>
+            </p:nvCxnSpPr>
+            <p:spPr>
+              <a:xfrm>
+                <a:off x="7061107" y="5424442"/>
+                <a:ext cx="0" cy="369332"/>
+              </a:xfrm>
+              <a:prstGeom prst="line">
+                <a:avLst/>
+              </a:prstGeom>
+              <a:ln w="19050">
+                <a:solidFill>
+                  <a:schemeClr val="tx1"/>
+                </a:solidFill>
+              </a:ln>
+            </p:spPr>
+            <p:style>
+              <a:lnRef idx="1">
+                <a:schemeClr val="accent1"/>
+              </a:lnRef>
+              <a:fillRef idx="0">
+                <a:schemeClr val="accent1"/>
+              </a:fillRef>
+              <a:effectRef idx="0">
+                <a:schemeClr val="accent1"/>
+              </a:effectRef>
+              <a:fontRef idx="minor">
+                <a:schemeClr val="tx1"/>
+              </a:fontRef>
+            </p:style>
+          </p:cxnSp>
+          <p:cxnSp>
+            <p:nvCxnSpPr>
+              <p:cNvPr id="41" name="Straight Connector 40"/>
+              <p:cNvCxnSpPr/>
+              <p:nvPr/>
+            </p:nvCxnSpPr>
+            <p:spPr>
+              <a:xfrm>
+                <a:off x="7647562" y="5424442"/>
+                <a:ext cx="0" cy="369332"/>
+              </a:xfrm>
+              <a:prstGeom prst="line">
+                <a:avLst/>
+              </a:prstGeom>
+              <a:ln w="19050">
+                <a:solidFill>
+                  <a:schemeClr val="tx1"/>
+                </a:solidFill>
+              </a:ln>
+            </p:spPr>
+            <p:style>
+              <a:lnRef idx="1">
+                <a:schemeClr val="accent1"/>
+              </a:lnRef>
+              <a:fillRef idx="0">
+                <a:schemeClr val="accent1"/>
+              </a:fillRef>
+              <a:effectRef idx="0">
+                <a:schemeClr val="accent1"/>
+              </a:effectRef>
+              <a:fontRef idx="minor">
+                <a:schemeClr val="tx1"/>
+              </a:fontRef>
+            </p:style>
+          </p:cxnSp>
+          <p:cxnSp>
+            <p:nvCxnSpPr>
+              <p:cNvPr id="42" name="Straight Connector 41"/>
+              <p:cNvCxnSpPr/>
+              <p:nvPr/>
+            </p:nvCxnSpPr>
+            <p:spPr>
+              <a:xfrm>
+                <a:off x="8254070" y="5435932"/>
+                <a:ext cx="0" cy="369332"/>
+              </a:xfrm>
+              <a:prstGeom prst="line">
+                <a:avLst/>
+              </a:prstGeom>
+              <a:ln w="19050">
+                <a:solidFill>
+                  <a:schemeClr val="tx1"/>
+                </a:solidFill>
+              </a:ln>
+            </p:spPr>
+            <p:style>
+              <a:lnRef idx="1">
+                <a:schemeClr val="accent1"/>
+              </a:lnRef>
+              <a:fillRef idx="0">
+                <a:schemeClr val="accent1"/>
+              </a:fillRef>
+              <a:effectRef idx="0">
+                <a:schemeClr val="accent1"/>
+              </a:effectRef>
+              <a:fontRef idx="minor">
+                <a:schemeClr val="tx1"/>
+              </a:fontRef>
+            </p:style>
+          </p:cxnSp>
+          <p:cxnSp>
+            <p:nvCxnSpPr>
+              <p:cNvPr id="43" name="Straight Connector 42"/>
+              <p:cNvCxnSpPr/>
+              <p:nvPr/>
+            </p:nvCxnSpPr>
+            <p:spPr>
+              <a:xfrm>
+                <a:off x="4047162" y="5434833"/>
+                <a:ext cx="4896544" cy="0"/>
+              </a:xfrm>
+              <a:prstGeom prst="line">
+                <a:avLst/>
+              </a:prstGeom>
+              <a:ln w="19050">
+                <a:solidFill>
+                  <a:schemeClr val="tx1"/>
+                </a:solidFill>
+              </a:ln>
+            </p:spPr>
+            <p:style>
+              <a:lnRef idx="1">
+                <a:schemeClr val="accent1"/>
+              </a:lnRef>
+              <a:fillRef idx="0">
+                <a:schemeClr val="accent1"/>
+              </a:fillRef>
+              <a:effectRef idx="0">
+                <a:schemeClr val="accent1"/>
+              </a:effectRef>
+              <a:fontRef idx="minor">
+                <a:schemeClr val="tx1"/>
+              </a:fontRef>
+            </p:style>
+          </p:cxnSp>
+          <p:cxnSp>
+            <p:nvCxnSpPr>
+              <p:cNvPr id="44" name="Straight Connector 43"/>
+              <p:cNvCxnSpPr/>
+              <p:nvPr/>
+            </p:nvCxnSpPr>
+            <p:spPr>
+              <a:xfrm>
+                <a:off x="4067944" y="5805264"/>
+                <a:ext cx="4896544" cy="0"/>
+              </a:xfrm>
+              <a:prstGeom prst="line">
+                <a:avLst/>
+              </a:prstGeom>
+              <a:ln w="19050">
+                <a:solidFill>
+                  <a:schemeClr val="tx1"/>
+                </a:solidFill>
+              </a:ln>
+            </p:spPr>
+            <p:style>
+              <a:lnRef idx="1">
+                <a:schemeClr val="accent1"/>
+              </a:lnRef>
+              <a:fillRef idx="0">
+                <a:schemeClr val="accent1"/>
+              </a:fillRef>
+              <a:effectRef idx="0">
+                <a:schemeClr val="accent1"/>
+              </a:effectRef>
+              <a:fontRef idx="minor">
+                <a:schemeClr val="tx1"/>
+              </a:fontRef>
+            </p:style>
+          </p:cxnSp>
+          <p:sp>
+            <p:nvSpPr>
+              <p:cNvPr id="45" name="TextBox 44"/>
+              <p:cNvSpPr txBox="1"/>
+              <p:nvPr/>
+            </p:nvSpPr>
+            <p:spPr>
+              <a:xfrm>
+                <a:off x="8456326" y="5393998"/>
+                <a:ext cx="343364" cy="369332"/>
+              </a:xfrm>
+              <a:prstGeom prst="rect">
+                <a:avLst/>
+              </a:prstGeom>
+              <a:noFill/>
+            </p:spPr>
+            <p:txBody>
+              <a:bodyPr wrap="none" rtlCol="0">
+                <a:spAutoFit/>
+              </a:bodyPr>
+              <a:lstStyle/>
+              <a:p>
+                <a:r>
+                  <a:rPr lang="en-US" dirty="0" smtClean="0"/>
+                  <a:t>…</a:t>
+                </a:r>
+                <a:endParaRPr lang="en-US" dirty="0"/>
+              </a:p>
+            </p:txBody>
+          </p:sp>
+          <p:sp>
+            <p:nvSpPr>
+              <p:cNvPr id="46" name="TextBox 45"/>
+              <p:cNvSpPr txBox="1"/>
+              <p:nvPr/>
+            </p:nvSpPr>
+            <p:spPr>
+              <a:xfrm>
+                <a:off x="4191178" y="5393998"/>
+                <a:ext cx="343364" cy="369332"/>
+              </a:xfrm>
+              <a:prstGeom prst="rect">
+                <a:avLst/>
+              </a:prstGeom>
+              <a:noFill/>
+            </p:spPr>
+            <p:txBody>
+              <a:bodyPr wrap="none" rtlCol="0">
+                <a:spAutoFit/>
+              </a:bodyPr>
+              <a:lstStyle/>
+              <a:p>
+                <a:r>
+                  <a:rPr lang="en-US" dirty="0" smtClean="0"/>
+                  <a:t>…</a:t>
+                </a:r>
+                <a:endParaRPr lang="en-US" dirty="0"/>
+              </a:p>
+            </p:txBody>
+          </p:sp>
+        </p:grpSp>
+        <p:grpSp>
+          <p:nvGrpSpPr>
+            <p:cNvPr id="53" name="Group 52"/>
+            <p:cNvGrpSpPr/>
+            <p:nvPr/>
+          </p:nvGrpSpPr>
+          <p:grpSpPr>
+            <a:xfrm>
+              <a:off x="4705625" y="5898054"/>
+              <a:ext cx="2386655" cy="483274"/>
+              <a:chOff x="3748739" y="5373216"/>
+              <a:chExt cx="2386655" cy="483274"/>
+            </a:xfrm>
+          </p:grpSpPr>
+          <p:sp>
+            <p:nvSpPr>
+              <p:cNvPr id="54" name="Left Brace 53"/>
+              <p:cNvSpPr/>
+              <p:nvPr/>
+            </p:nvSpPr>
+            <p:spPr>
+              <a:xfrm rot="16200000">
+                <a:off x="4870059" y="4251896"/>
+                <a:ext cx="144016" cy="2386655"/>
+              </a:xfrm>
+              <a:prstGeom prst="leftBrace">
+                <a:avLst/>
+              </a:prstGeom>
+              <a:ln w="19050">
+                <a:solidFill>
+                  <a:schemeClr val="tx1"/>
+                </a:solidFill>
+              </a:ln>
+            </p:spPr>
+            <p:style>
+              <a:lnRef idx="1">
+                <a:schemeClr val="accent1"/>
+              </a:lnRef>
+              <a:fillRef idx="0">
+                <a:schemeClr val="accent1"/>
+              </a:fillRef>
+              <a:effectRef idx="0">
+                <a:schemeClr val="accent1"/>
+              </a:effectRef>
+              <a:fontRef idx="minor">
+                <a:schemeClr val="tx1"/>
+              </a:fontRef>
+            </p:style>
+            <p:txBody>
+              <a:bodyPr rtlCol="0" anchor="ctr"/>
+              <a:lstStyle/>
+              <a:p>
+                <a:pPr algn="ctr"/>
+                <a:endParaRPr lang="en-US"/>
+              </a:p>
+            </p:txBody>
+          </p:sp>
+          <p:sp>
+            <p:nvSpPr>
+              <p:cNvPr id="55" name="TextBox 54"/>
+              <p:cNvSpPr txBox="1"/>
+              <p:nvPr/>
+            </p:nvSpPr>
+            <p:spPr>
+              <a:xfrm>
+                <a:off x="4386002" y="5487158"/>
+                <a:ext cx="1122102" cy="369332"/>
+              </a:xfrm>
+              <a:prstGeom prst="rect">
+                <a:avLst/>
+              </a:prstGeom>
+              <a:noFill/>
+            </p:spPr>
+            <p:txBody>
+              <a:bodyPr wrap="none" rtlCol="0">
+                <a:spAutoFit/>
+              </a:bodyPr>
+              <a:lstStyle/>
+              <a:p>
+                <a:r>
+                  <a:rPr lang="en-US" dirty="0" smtClean="0"/>
+                  <a:t>cache line</a:t>
+                </a:r>
+                <a:endParaRPr lang="en-US" dirty="0"/>
+              </a:p>
+            </p:txBody>
+          </p:sp>
+        </p:grpSp>
+      </p:grpSp>
+      <p:grpSp>
+        <p:nvGrpSpPr>
+          <p:cNvPr id="59" name="Group 58"/>
+          <p:cNvGrpSpPr/>
+          <p:nvPr/>
+        </p:nvGrpSpPr>
+        <p:grpSpPr>
+          <a:xfrm>
+            <a:off x="4036771" y="2613892"/>
+            <a:ext cx="4917326" cy="987330"/>
+            <a:chOff x="4182969" y="3455188"/>
+            <a:chExt cx="4917326" cy="987330"/>
+          </a:xfrm>
+        </p:grpSpPr>
+        <p:grpSp>
+          <p:nvGrpSpPr>
+            <p:cNvPr id="50" name="Group 49"/>
+            <p:cNvGrpSpPr/>
+            <p:nvPr/>
+          </p:nvGrpSpPr>
+          <p:grpSpPr>
+            <a:xfrm>
+              <a:off x="4841432" y="3959244"/>
+              <a:ext cx="2386655" cy="483274"/>
+              <a:chOff x="3748739" y="5373216"/>
+              <a:chExt cx="2386655" cy="483274"/>
+            </a:xfrm>
+          </p:grpSpPr>
+          <p:sp>
+            <p:nvSpPr>
+              <p:cNvPr id="51" name="Left Brace 50"/>
+              <p:cNvSpPr/>
+              <p:nvPr/>
+            </p:nvSpPr>
+            <p:spPr>
+              <a:xfrm rot="16200000">
+                <a:off x="4870059" y="4251896"/>
+                <a:ext cx="144016" cy="2386655"/>
+              </a:xfrm>
+              <a:prstGeom prst="leftBrace">
+                <a:avLst/>
+              </a:prstGeom>
+              <a:ln w="19050">
+                <a:solidFill>
+                  <a:schemeClr val="tx1"/>
+                </a:solidFill>
+              </a:ln>
+            </p:spPr>
+            <p:style>
+              <a:lnRef idx="1">
+                <a:schemeClr val="accent1"/>
+              </a:lnRef>
+              <a:fillRef idx="0">
+                <a:schemeClr val="accent1"/>
+              </a:fillRef>
+              <a:effectRef idx="0">
+                <a:schemeClr val="accent1"/>
+              </a:effectRef>
+              <a:fontRef idx="minor">
+                <a:schemeClr val="tx1"/>
+              </a:fontRef>
+            </p:style>
+            <p:txBody>
+              <a:bodyPr rtlCol="0" anchor="ctr"/>
+              <a:lstStyle/>
+              <a:p>
+                <a:pPr algn="ctr"/>
+                <a:endParaRPr lang="en-US"/>
+              </a:p>
+            </p:txBody>
+          </p:sp>
+          <p:sp>
+            <p:nvSpPr>
+              <p:cNvPr id="52" name="TextBox 51"/>
+              <p:cNvSpPr txBox="1"/>
+              <p:nvPr/>
+            </p:nvSpPr>
+            <p:spPr>
+              <a:xfrm>
+                <a:off x="4386002" y="5487158"/>
+                <a:ext cx="1122102" cy="369332"/>
+              </a:xfrm>
+              <a:prstGeom prst="rect">
+                <a:avLst/>
+              </a:prstGeom>
+              <a:noFill/>
+            </p:spPr>
+            <p:txBody>
+              <a:bodyPr wrap="none" rtlCol="0">
+                <a:spAutoFit/>
+              </a:bodyPr>
+              <a:lstStyle/>
+              <a:p>
+                <a:r>
+                  <a:rPr lang="en-US" dirty="0" smtClean="0"/>
+                  <a:t>cache line</a:t>
+                </a:r>
+                <a:endParaRPr lang="en-US" dirty="0"/>
+              </a:p>
+            </p:txBody>
+          </p:sp>
+        </p:grpSp>
+        <p:grpSp>
+          <p:nvGrpSpPr>
+            <p:cNvPr id="58" name="Group 57"/>
+            <p:cNvGrpSpPr/>
+            <p:nvPr/>
+          </p:nvGrpSpPr>
+          <p:grpSpPr>
+            <a:xfrm>
+              <a:off x="4182969" y="3455188"/>
+              <a:ext cx="4917326" cy="436602"/>
+              <a:chOff x="4182969" y="3455188"/>
+              <a:chExt cx="4917326" cy="436602"/>
+            </a:xfrm>
+          </p:grpSpPr>
+          <p:sp>
+            <p:nvSpPr>
+              <p:cNvPr id="6" name="Rectangle 5"/>
+              <p:cNvSpPr/>
+              <p:nvPr/>
+            </p:nvSpPr>
+            <p:spPr>
+              <a:xfrm>
+                <a:off x="4182969" y="3497122"/>
+                <a:ext cx="4896544" cy="369332"/>
+              </a:xfrm>
+              <a:prstGeom prst="rect">
+                <a:avLst/>
+              </a:prstGeom>
+              <a:solidFill>
+                <a:schemeClr val="bg1">
+                  <a:lumMod val="85000"/>
+                </a:schemeClr>
+              </a:solidFill>
+              <a:ln>
+                <a:noFill/>
+              </a:ln>
+            </p:spPr>
+            <p:style>
+              <a:lnRef idx="2">
+                <a:schemeClr val="accent1">
+                  <a:shade val="50000"/>
+                </a:schemeClr>
+              </a:lnRef>
+              <a:fillRef idx="1">
+                <a:schemeClr val="accent1"/>
+              </a:fillRef>
+              <a:effectRef idx="0">
+                <a:schemeClr val="accent1"/>
+              </a:effectRef>
+              <a:fontRef idx="minor">
+                <a:schemeClr val="lt1"/>
+              </a:fontRef>
+            </p:style>
+            <p:txBody>
+              <a:bodyPr rtlCol="0" anchor="ctr"/>
+              <a:lstStyle/>
+              <a:p>
+                <a:pPr algn="ctr"/>
+                <a:endParaRPr lang="en-US"/>
+              </a:p>
+            </p:txBody>
+          </p:sp>
+          <p:sp>
+            <p:nvSpPr>
+              <p:cNvPr id="7" name="TextBox 6"/>
+              <p:cNvSpPr txBox="1"/>
+              <p:nvPr/>
+            </p:nvSpPr>
+            <p:spPr>
+              <a:xfrm>
+                <a:off x="4820537" y="3497122"/>
+                <a:ext cx="319318" cy="369332"/>
+              </a:xfrm>
+              <a:prstGeom prst="rect">
+                <a:avLst/>
+              </a:prstGeom>
+              <a:noFill/>
+            </p:spPr>
+            <p:txBody>
+              <a:bodyPr wrap="none" rtlCol="0">
+                <a:spAutoFit/>
+              </a:bodyPr>
+              <a:lstStyle/>
+              <a:p>
+                <a:r>
+                  <a:rPr lang="en-US" dirty="0" smtClean="0"/>
+                  <a:t>x</a:t>
+                </a:r>
+                <a:r>
+                  <a:rPr lang="en-US" baseline="-25000" dirty="0" smtClean="0"/>
+                  <a:t>i</a:t>
+                </a:r>
+                <a:endParaRPr lang="en-US" baseline="-25000" dirty="0"/>
+              </a:p>
+            </p:txBody>
+          </p:sp>
+          <p:sp>
+            <p:nvSpPr>
+              <p:cNvPr id="8" name="TextBox 7"/>
+              <p:cNvSpPr txBox="1"/>
+              <p:nvPr/>
+            </p:nvSpPr>
+            <p:spPr>
+              <a:xfrm>
+                <a:off x="5421925" y="3497122"/>
+                <a:ext cx="324128" cy="369332"/>
+              </a:xfrm>
+              <a:prstGeom prst="rect">
+                <a:avLst/>
+              </a:prstGeom>
+              <a:noFill/>
+            </p:spPr>
+            <p:txBody>
+              <a:bodyPr wrap="none" rtlCol="0">
+                <a:spAutoFit/>
+              </a:bodyPr>
+              <a:lstStyle/>
+              <a:p>
+                <a:r>
+                  <a:rPr lang="en-US" dirty="0" err="1" smtClean="0"/>
+                  <a:t>y</a:t>
+                </a:r>
+                <a:r>
+                  <a:rPr lang="en-US" baseline="-25000" dirty="0" err="1" smtClean="0"/>
+                  <a:t>i</a:t>
+                </a:r>
+                <a:endParaRPr lang="en-US" baseline="-25000" dirty="0"/>
+              </a:p>
+            </p:txBody>
+          </p:sp>
+          <p:sp>
+            <p:nvSpPr>
+              <p:cNvPr id="9" name="TextBox 8"/>
+              <p:cNvSpPr txBox="1"/>
+              <p:nvPr/>
+            </p:nvSpPr>
+            <p:spPr>
+              <a:xfrm>
+                <a:off x="5980679" y="3497122"/>
+                <a:ext cx="311304" cy="369332"/>
+              </a:xfrm>
+              <a:prstGeom prst="rect">
+                <a:avLst/>
+              </a:prstGeom>
+              <a:noFill/>
+            </p:spPr>
+            <p:txBody>
+              <a:bodyPr wrap="none" rtlCol="0">
+                <a:spAutoFit/>
+              </a:bodyPr>
+              <a:lstStyle/>
+              <a:p>
+                <a:r>
+                  <a:rPr lang="en-US" dirty="0" err="1" smtClean="0"/>
+                  <a:t>z</a:t>
+                </a:r>
+                <a:r>
+                  <a:rPr lang="en-US" baseline="-25000" dirty="0" err="1" smtClean="0"/>
+                  <a:t>i</a:t>
+                </a:r>
+                <a:endParaRPr lang="en-US" baseline="-25000" dirty="0"/>
+              </a:p>
+            </p:txBody>
+          </p:sp>
+          <p:sp>
+            <p:nvSpPr>
+              <p:cNvPr id="10" name="TextBox 9"/>
+              <p:cNvSpPr txBox="1"/>
+              <p:nvPr/>
+            </p:nvSpPr>
+            <p:spPr>
+              <a:xfrm>
+                <a:off x="7246367" y="3497122"/>
+                <a:ext cx="341760" cy="369332"/>
+              </a:xfrm>
+              <a:prstGeom prst="rect">
+                <a:avLst/>
+              </a:prstGeom>
+              <a:noFill/>
+            </p:spPr>
+            <p:txBody>
+              <a:bodyPr wrap="none" rtlCol="0">
+                <a:spAutoFit/>
+              </a:bodyPr>
+              <a:lstStyle/>
+              <a:p>
+                <a:r>
+                  <a:rPr lang="en-US" dirty="0" smtClean="0"/>
+                  <a:t>q</a:t>
+                </a:r>
+                <a:r>
+                  <a:rPr lang="en-US" baseline="-25000" dirty="0" smtClean="0"/>
+                  <a:t>i</a:t>
+                </a:r>
+                <a:endParaRPr lang="en-US" baseline="-25000" dirty="0"/>
+              </a:p>
+            </p:txBody>
+          </p:sp>
+          <p:sp>
+            <p:nvSpPr>
+              <p:cNvPr id="11" name="TextBox 10"/>
+              <p:cNvSpPr txBox="1"/>
+              <p:nvPr/>
+            </p:nvSpPr>
+            <p:spPr>
+              <a:xfrm>
+                <a:off x="7804151" y="3497122"/>
+                <a:ext cx="474810" cy="369332"/>
+              </a:xfrm>
+              <a:prstGeom prst="rect">
+                <a:avLst/>
+              </a:prstGeom>
+              <a:noFill/>
+            </p:spPr>
+            <p:txBody>
+              <a:bodyPr wrap="none" rtlCol="0">
+                <a:spAutoFit/>
+              </a:bodyPr>
+              <a:lstStyle/>
+              <a:p>
+                <a:r>
+                  <a:rPr lang="en-US" dirty="0" smtClean="0"/>
+                  <a:t>x</a:t>
+                </a:r>
+                <a:r>
+                  <a:rPr lang="en-US" baseline="-25000" dirty="0" smtClean="0"/>
+                  <a:t>i+1</a:t>
+                </a:r>
+                <a:endParaRPr lang="en-US" baseline="-25000" dirty="0"/>
+              </a:p>
+            </p:txBody>
+          </p:sp>
+          <p:cxnSp>
+            <p:nvCxnSpPr>
+              <p:cNvPr id="12" name="Straight Connector 11"/>
+              <p:cNvCxnSpPr/>
+              <p:nvPr/>
+            </p:nvCxnSpPr>
+            <p:spPr>
+              <a:xfrm>
+                <a:off x="5386323" y="3486731"/>
+                <a:ext cx="0" cy="369332"/>
+              </a:xfrm>
+              <a:prstGeom prst="line">
+                <a:avLst/>
+              </a:prstGeom>
+              <a:ln w="19050">
+                <a:solidFill>
+                  <a:schemeClr val="tx1"/>
+                </a:solidFill>
+              </a:ln>
+            </p:spPr>
+            <p:style>
+              <a:lnRef idx="1">
+                <a:schemeClr val="accent1"/>
+              </a:lnRef>
+              <a:fillRef idx="0">
+                <a:schemeClr val="accent1"/>
+              </a:fillRef>
+              <a:effectRef idx="0">
+                <a:schemeClr val="accent1"/>
+              </a:effectRef>
+              <a:fontRef idx="minor">
+                <a:schemeClr val="tx1"/>
+              </a:fontRef>
+            </p:style>
+          </p:cxnSp>
+          <p:cxnSp>
+            <p:nvCxnSpPr>
+              <p:cNvPr id="13" name="Straight Connector 12"/>
+              <p:cNvCxnSpPr/>
+              <p:nvPr/>
+            </p:nvCxnSpPr>
+            <p:spPr>
+              <a:xfrm>
+                <a:off x="5983169" y="3485632"/>
+                <a:ext cx="0" cy="369332"/>
+              </a:xfrm>
+              <a:prstGeom prst="line">
+                <a:avLst/>
+              </a:prstGeom>
+              <a:ln w="19050">
+                <a:solidFill>
+                  <a:schemeClr val="tx1"/>
+                </a:solidFill>
+              </a:ln>
+            </p:spPr>
+            <p:style>
+              <a:lnRef idx="1">
+                <a:schemeClr val="accent1"/>
+              </a:lnRef>
+              <a:fillRef idx="0">
+                <a:schemeClr val="accent1"/>
+              </a:fillRef>
+              <a:effectRef idx="0">
+                <a:schemeClr val="accent1"/>
+              </a:effectRef>
+              <a:fontRef idx="minor">
+                <a:schemeClr val="tx1"/>
+              </a:fontRef>
+            </p:style>
+          </p:cxnSp>
+          <p:cxnSp>
+            <p:nvCxnSpPr>
+              <p:cNvPr id="14" name="Straight Connector 13"/>
+              <p:cNvCxnSpPr/>
+              <p:nvPr/>
+            </p:nvCxnSpPr>
+            <p:spPr>
+              <a:xfrm>
+                <a:off x="6559233" y="3485632"/>
+                <a:ext cx="0" cy="369332"/>
+              </a:xfrm>
+              <a:prstGeom prst="line">
+                <a:avLst/>
+              </a:prstGeom>
+              <a:ln w="19050">
+                <a:solidFill>
+                  <a:schemeClr val="tx1"/>
+                </a:solidFill>
+              </a:ln>
+            </p:spPr>
+            <p:style>
+              <a:lnRef idx="1">
+                <a:schemeClr val="accent1"/>
+              </a:lnRef>
+              <a:fillRef idx="0">
+                <a:schemeClr val="accent1"/>
+              </a:fillRef>
+              <a:effectRef idx="0">
+                <a:schemeClr val="accent1"/>
+              </a:effectRef>
+              <a:fontRef idx="minor">
+                <a:schemeClr val="tx1"/>
+              </a:fontRef>
+            </p:style>
+          </p:cxnSp>
+          <p:cxnSp>
+            <p:nvCxnSpPr>
+              <p:cNvPr id="15" name="Straight Connector 14"/>
+              <p:cNvCxnSpPr/>
+              <p:nvPr/>
+            </p:nvCxnSpPr>
+            <p:spPr>
+              <a:xfrm>
+                <a:off x="4831041" y="3496023"/>
+                <a:ext cx="0" cy="369332"/>
+              </a:xfrm>
+              <a:prstGeom prst="line">
+                <a:avLst/>
+              </a:prstGeom>
+              <a:ln w="19050">
+                <a:solidFill>
+                  <a:schemeClr val="tx1"/>
+                </a:solidFill>
+              </a:ln>
+            </p:spPr>
+            <p:style>
+              <a:lnRef idx="1">
+                <a:schemeClr val="accent1"/>
+              </a:lnRef>
+              <a:fillRef idx="0">
+                <a:schemeClr val="accent1"/>
+              </a:fillRef>
+              <a:effectRef idx="0">
+                <a:schemeClr val="accent1"/>
+              </a:effectRef>
+              <a:fontRef idx="minor">
+                <a:schemeClr val="tx1"/>
+              </a:fontRef>
+            </p:style>
+          </p:cxnSp>
+          <p:cxnSp>
+            <p:nvCxnSpPr>
+              <p:cNvPr id="16" name="Straight Connector 15"/>
+              <p:cNvCxnSpPr/>
+              <p:nvPr/>
+            </p:nvCxnSpPr>
+            <p:spPr>
+              <a:xfrm>
+                <a:off x="7196914" y="3485632"/>
+                <a:ext cx="0" cy="369332"/>
+              </a:xfrm>
+              <a:prstGeom prst="line">
+                <a:avLst/>
+              </a:prstGeom>
+              <a:ln w="19050">
+                <a:solidFill>
+                  <a:schemeClr val="tx1"/>
+                </a:solidFill>
+              </a:ln>
+            </p:spPr>
+            <p:style>
+              <a:lnRef idx="1">
+                <a:schemeClr val="accent1"/>
+              </a:lnRef>
+              <a:fillRef idx="0">
+                <a:schemeClr val="accent1"/>
+              </a:fillRef>
+              <a:effectRef idx="0">
+                <a:schemeClr val="accent1"/>
+              </a:effectRef>
+              <a:fontRef idx="minor">
+                <a:schemeClr val="tx1"/>
+              </a:fontRef>
+            </p:style>
+          </p:cxnSp>
+          <p:cxnSp>
+            <p:nvCxnSpPr>
+              <p:cNvPr id="17" name="Straight Connector 16"/>
+              <p:cNvCxnSpPr/>
+              <p:nvPr/>
+            </p:nvCxnSpPr>
+            <p:spPr>
+              <a:xfrm>
+                <a:off x="7783369" y="3485632"/>
+                <a:ext cx="0" cy="369332"/>
+              </a:xfrm>
+              <a:prstGeom prst="line">
+                <a:avLst/>
+              </a:prstGeom>
+              <a:ln w="19050">
+                <a:solidFill>
+                  <a:schemeClr val="tx1"/>
+                </a:solidFill>
+              </a:ln>
+            </p:spPr>
+            <p:style>
+              <a:lnRef idx="1">
+                <a:schemeClr val="accent1"/>
+              </a:lnRef>
+              <a:fillRef idx="0">
+                <a:schemeClr val="accent1"/>
+              </a:fillRef>
+              <a:effectRef idx="0">
+                <a:schemeClr val="accent1"/>
+              </a:effectRef>
+              <a:fontRef idx="minor">
+                <a:schemeClr val="tx1"/>
+              </a:fontRef>
+            </p:style>
+          </p:cxnSp>
+          <p:cxnSp>
+            <p:nvCxnSpPr>
+              <p:cNvPr id="18" name="Straight Connector 17"/>
+              <p:cNvCxnSpPr/>
+              <p:nvPr/>
+            </p:nvCxnSpPr>
+            <p:spPr>
+              <a:xfrm>
+                <a:off x="8389877" y="3497122"/>
+                <a:ext cx="0" cy="369332"/>
+              </a:xfrm>
+              <a:prstGeom prst="line">
+                <a:avLst/>
+              </a:prstGeom>
+              <a:ln w="19050">
+                <a:solidFill>
+                  <a:schemeClr val="tx1"/>
+                </a:solidFill>
+              </a:ln>
+            </p:spPr>
+            <p:style>
+              <a:lnRef idx="1">
+                <a:schemeClr val="accent1"/>
+              </a:lnRef>
+              <a:fillRef idx="0">
+                <a:schemeClr val="accent1"/>
+              </a:fillRef>
+              <a:effectRef idx="0">
+                <a:schemeClr val="accent1"/>
+              </a:effectRef>
+              <a:fontRef idx="minor">
+                <a:schemeClr val="tx1"/>
+              </a:fontRef>
+            </p:style>
+          </p:cxnSp>
+          <p:cxnSp>
+            <p:nvCxnSpPr>
+              <p:cNvPr id="20" name="Straight Connector 19"/>
+              <p:cNvCxnSpPr/>
+              <p:nvPr/>
+            </p:nvCxnSpPr>
+            <p:spPr>
+              <a:xfrm>
+                <a:off x="4182969" y="3496023"/>
+                <a:ext cx="4896544" cy="0"/>
+              </a:xfrm>
+              <a:prstGeom prst="line">
+                <a:avLst/>
+              </a:prstGeom>
+              <a:ln w="19050">
+                <a:solidFill>
+                  <a:schemeClr val="tx1"/>
+                </a:solidFill>
+              </a:ln>
+            </p:spPr>
+            <p:style>
+              <a:lnRef idx="1">
+                <a:schemeClr val="accent1"/>
+              </a:lnRef>
+              <a:fillRef idx="0">
+                <a:schemeClr val="accent1"/>
+              </a:fillRef>
+              <a:effectRef idx="0">
+                <a:schemeClr val="accent1"/>
+              </a:effectRef>
+              <a:fontRef idx="minor">
+                <a:schemeClr val="tx1"/>
+              </a:fontRef>
+            </p:style>
+          </p:cxnSp>
+          <p:cxnSp>
+            <p:nvCxnSpPr>
+              <p:cNvPr id="21" name="Straight Connector 20"/>
+              <p:cNvCxnSpPr/>
+              <p:nvPr/>
+            </p:nvCxnSpPr>
+            <p:spPr>
+              <a:xfrm>
+                <a:off x="4203751" y="3866454"/>
+                <a:ext cx="4896544" cy="0"/>
+              </a:xfrm>
+              <a:prstGeom prst="line">
+                <a:avLst/>
+              </a:prstGeom>
+              <a:ln w="19050">
+                <a:solidFill>
+                  <a:schemeClr val="tx1"/>
+                </a:solidFill>
+              </a:ln>
+            </p:spPr>
+            <p:style>
+              <a:lnRef idx="1">
+                <a:schemeClr val="accent1"/>
+              </a:lnRef>
+              <a:fillRef idx="0">
+                <a:schemeClr val="accent1"/>
+              </a:fillRef>
+              <a:effectRef idx="0">
+                <a:schemeClr val="accent1"/>
+              </a:effectRef>
+              <a:fontRef idx="minor">
+                <a:schemeClr val="tx1"/>
+              </a:fontRef>
+            </p:style>
+          </p:cxnSp>
+          <p:sp>
+            <p:nvSpPr>
+              <p:cNvPr id="22" name="TextBox 21"/>
+              <p:cNvSpPr txBox="1"/>
+              <p:nvPr/>
+            </p:nvSpPr>
+            <p:spPr>
+              <a:xfrm>
+                <a:off x="8592133" y="3455188"/>
+                <a:ext cx="343364" cy="369332"/>
+              </a:xfrm>
+              <a:prstGeom prst="rect">
+                <a:avLst/>
+              </a:prstGeom>
+              <a:noFill/>
+            </p:spPr>
+            <p:txBody>
+              <a:bodyPr wrap="none" rtlCol="0">
+                <a:spAutoFit/>
+              </a:bodyPr>
+              <a:lstStyle/>
+              <a:p>
+                <a:r>
+                  <a:rPr lang="en-US" dirty="0" smtClean="0"/>
+                  <a:t>…</a:t>
+                </a:r>
+                <a:endParaRPr lang="en-US" dirty="0"/>
+              </a:p>
+            </p:txBody>
+          </p:sp>
+          <p:sp>
+            <p:nvSpPr>
+              <p:cNvPr id="23" name="TextBox 22"/>
+              <p:cNvSpPr txBox="1"/>
+              <p:nvPr/>
+            </p:nvSpPr>
+            <p:spPr>
+              <a:xfrm>
+                <a:off x="4326985" y="3455188"/>
+                <a:ext cx="343364" cy="369332"/>
+              </a:xfrm>
+              <a:prstGeom prst="rect">
+                <a:avLst/>
+              </a:prstGeom>
+              <a:noFill/>
+            </p:spPr>
+            <p:txBody>
+              <a:bodyPr wrap="none" rtlCol="0">
+                <a:spAutoFit/>
+              </a:bodyPr>
+              <a:lstStyle/>
+              <a:p>
+                <a:r>
+                  <a:rPr lang="en-US" dirty="0" smtClean="0"/>
+                  <a:t>…</a:t>
+                </a:r>
+                <a:endParaRPr lang="en-US" dirty="0"/>
+              </a:p>
+            </p:txBody>
+          </p:sp>
+          <p:sp>
+            <p:nvSpPr>
+              <p:cNvPr id="26" name="TextBox 25"/>
+              <p:cNvSpPr txBox="1"/>
+              <p:nvPr/>
+            </p:nvSpPr>
+            <p:spPr>
+              <a:xfrm>
+                <a:off x="6559337" y="3522458"/>
+                <a:ext cx="404278" cy="369332"/>
+              </a:xfrm>
+              <a:prstGeom prst="rect">
+                <a:avLst/>
+              </a:prstGeom>
+              <a:noFill/>
+            </p:spPr>
+            <p:txBody>
+              <a:bodyPr wrap="none" rtlCol="0">
+                <a:spAutoFit/>
+              </a:bodyPr>
+              <a:lstStyle/>
+              <a:p>
+                <a:r>
+                  <a:rPr lang="en-US" dirty="0" smtClean="0"/>
+                  <a:t>m</a:t>
+                </a:r>
+                <a:r>
+                  <a:rPr lang="en-US" baseline="-25000" dirty="0" smtClean="0"/>
+                  <a:t>i</a:t>
+                </a:r>
+                <a:endParaRPr lang="en-US" baseline="-25000" dirty="0"/>
+              </a:p>
+            </p:txBody>
+          </p:sp>
+        </p:grpSp>
+      </p:grpSp>
+    </p:spTree>
+    <p:extLst>
+      <p:ext uri="{BB962C8B-B14F-4D97-AF65-F5344CB8AC3E}">
+        <p14:creationId xmlns:p14="http://schemas.microsoft.com/office/powerpoint/2010/main" val="2220378515"/>
+      </p:ext>
+    </p:extLst>
+  </p:cSld>
+  <p:clrMapOvr>
+    <a:masterClrMapping/>
+  </p:clrMapOvr>
+  <p:timing>
+    <p:tnLst>
+      <p:par>
+        <p:cTn id="1" dur="indefinite" restart="never" nodeType="tmRoot">
+          <p:childTnLst>
+            <p:seq concurrent="1" nextAc="seek">
+              <p:cTn id="2" dur="indefinite" nodeType="mainSeq">
+                <p:childTnLst>
+                  <p:par>
+                    <p:cTn id="3" fill="hold">
+                      <p:stCondLst>
+                        <p:cond delay="indefinite"/>
+                      </p:stCondLst>
+                      <p:childTnLst>
+                        <p:par>
+                          <p:cTn id="4" fill="hold">
+                            <p:stCondLst>
+                              <p:cond delay="0"/>
+                            </p:stCondLst>
+                            <p:childTnLst>
+                              <p:par>
+                                <p:cTn id="5" presetID="1" presetClass="entr" presetSubtype="0" fill="hold" nodeType="clickEffect">
+                                  <p:stCondLst>
+                                    <p:cond delay="0"/>
+                                  </p:stCondLst>
+                                  <p:childTnLst>
+                                    <p:set>
+                                      <p:cBhvr>
+                                        <p:cTn id="6" dur="1" fill="hold">
+                                          <p:stCondLst>
+                                            <p:cond delay="0"/>
+                                          </p:stCondLst>
+                                        </p:cTn>
+                                        <p:tgtEl>
+                                          <p:spTgt spid="59"/>
+                                        </p:tgtEl>
+                                        <p:attrNameLst>
+                                          <p:attrName>style.visibility</p:attrName>
+                                        </p:attrNameLst>
+                                      </p:cBhvr>
+                                      <p:to>
+                                        <p:strVal val="visible"/>
+                                      </p:to>
+                                    </p:set>
+                                  </p:childTnLst>
+                                </p:cTn>
+                              </p:par>
+                            </p:childTnLst>
+                          </p:cTn>
+                        </p:par>
+                      </p:childTnLst>
+                    </p:cTn>
+                  </p:par>
+                  <p:par>
+                    <p:cTn id="7" fill="hold">
+                      <p:stCondLst>
+                        <p:cond delay="indefinite"/>
+                      </p:stCondLst>
+                      <p:childTnLst>
+                        <p:par>
+                          <p:cTn id="8" fill="hold">
+                            <p:stCondLst>
+                              <p:cond delay="0"/>
+                            </p:stCondLst>
+                            <p:childTnLst>
+                              <p:par>
+                                <p:cTn id="9" presetID="1" presetClass="entr" presetSubtype="0" fill="hold" grpId="0" nodeType="clickEffect">
+                                  <p:stCondLst>
+                                    <p:cond delay="0"/>
+                                  </p:stCondLst>
+                                  <p:childTnLst>
+                                    <p:set>
+                                      <p:cBhvr>
+                                        <p:cTn id="10" dur="1" fill="hold">
+                                          <p:stCondLst>
+                                            <p:cond delay="0"/>
+                                          </p:stCondLst>
+                                        </p:cTn>
+                                        <p:tgtEl>
+                                          <p:spTgt spid="25"/>
+                                        </p:tgtEl>
+                                        <p:attrNameLst>
+                                          <p:attrName>style.visibility</p:attrName>
+                                        </p:attrNameLst>
+                                      </p:cBhvr>
+                                      <p:to>
+                                        <p:strVal val="visible"/>
+                                      </p:to>
+                                    </p:set>
+                                  </p:childTnLst>
+                                </p:cTn>
+                              </p:par>
+                            </p:childTnLst>
+                          </p:cTn>
+                        </p:par>
+                      </p:childTnLst>
+                    </p:cTn>
+                  </p:par>
+                  <p:par>
+                    <p:cTn id="11" fill="hold">
+                      <p:stCondLst>
+                        <p:cond delay="indefinite"/>
+                      </p:stCondLst>
+                      <p:childTnLst>
+                        <p:par>
+                          <p:cTn id="12" fill="hold">
+                            <p:stCondLst>
+                              <p:cond delay="0"/>
+                            </p:stCondLst>
+                            <p:childTnLst>
+                              <p:par>
+                                <p:cTn id="13" presetID="1" presetClass="entr" presetSubtype="0" fill="hold" nodeType="clickEffect">
+                                  <p:stCondLst>
+                                    <p:cond delay="0"/>
+                                  </p:stCondLst>
+                                  <p:childTnLst>
+                                    <p:set>
+                                      <p:cBhvr>
+                                        <p:cTn id="14" dur="1" fill="hold">
+                                          <p:stCondLst>
+                                            <p:cond delay="0"/>
+                                          </p:stCondLst>
+                                        </p:cTn>
+                                        <p:tgtEl>
+                                          <p:spTgt spid="57"/>
+                                        </p:tgtEl>
+                                        <p:attrNameLst>
+                                          <p:attrName>style.visibility</p:attrName>
+                                        </p:attrNameLst>
+                                      </p:cBhvr>
+                                      <p:to>
+                                        <p:strVal val="visible"/>
+                                      </p:to>
+                                    </p:set>
+                                  </p:childTnLst>
+                                </p:cTn>
+                              </p:par>
+                            </p:childTnLst>
+                          </p:cTn>
+                        </p:par>
+                      </p:childTnLst>
+                    </p:cTn>
+                  </p:par>
+                </p:childTnLst>
+              </p:cTn>
+              <p:prevCondLst>
+                <p:cond evt="onPrev" delay="0">
+                  <p:tgtEl>
+                    <p:sldTgt/>
+                  </p:tgtEl>
+                </p:cond>
+              </p:prevCondLst>
+              <p:nextCondLst>
+                <p:cond evt="onNext" delay="0">
+                  <p:tgtEl>
+                    <p:sldTgt/>
+                  </p:tgtEl>
+                </p:cond>
+              </p:nextCondLst>
+            </p:seq>
+          </p:childTnLst>
+        </p:cTn>
+      </p:par>
+    </p:tnLst>
+    <p:bldLst>
+      <p:bldP spid="25" grpId="0" animBg="1"/>
+    </p:bldLst>
+  </p:timing>
+</p:sld>
+</file>
+
+<file path=ppt/slides/slide21.xml><?xml version="1.0" encoding="utf-8"?>
 <p:sld xmlns:a="http://schemas.openxmlformats.org/drawingml/2006/main" xmlns:r="http://schemas.openxmlformats.org/officeDocument/2006/relationships" xmlns:p="http://schemas.openxmlformats.org/presentationml/2006/main">
   <p:cSld>
     <p:spTree>
@@ -13972,6 +20053,29 @@
           </a:p>
         </p:txBody>
       </p:sp>
+      <p:sp>
+        <p:nvSpPr>
+          <p:cNvPr id="4" name="Slide Number Placeholder 3"/>
+          <p:cNvSpPr>
+            <a:spLocks noGrp="1"/>
+          </p:cNvSpPr>
+          <p:nvPr>
+            <p:ph type="sldNum" sz="quarter" idx="12"/>
+          </p:nvPr>
+        </p:nvSpPr>
+        <p:spPr/>
+        <p:txBody>
+          <a:bodyPr/>
+          <a:lstStyle/>
+          <a:p>
+            <a:fld id="{6597116C-F94B-4B5B-973A-17F07FB5C418}" type="slidenum">
+              <a:rPr lang="nl-BE" smtClean="0"/>
+              <a:t>21</a:t>
+            </a:fld>
+            <a:endParaRPr lang="nl-BE"/>
+          </a:p>
+        </p:txBody>
+      </p:sp>
     </p:spTree>
     <p:extLst>
       <p:ext uri="{BB962C8B-B14F-4D97-AF65-F5344CB8AC3E}">
@@ -13992,7 +20096,133 @@
 </p:sld>
 </file>
 
-<file path=ppt/slides/slide21.xml><?xml version="1.0" encoding="utf-8"?>
+<file path=ppt/slides/slide22.xml><?xml version="1.0" encoding="utf-8"?>
+<p:sld xmlns:a="http://schemas.openxmlformats.org/drawingml/2006/main" xmlns:r="http://schemas.openxmlformats.org/officeDocument/2006/relationships" xmlns:p="http://schemas.openxmlformats.org/presentationml/2006/main">
+  <p:cSld>
+    <p:spTree>
+      <p:nvGrpSpPr>
+        <p:cNvPr id="1" name=""/>
+        <p:cNvGrpSpPr/>
+        <p:nvPr/>
+      </p:nvGrpSpPr>
+      <p:grpSpPr>
+        <a:xfrm>
+          <a:off x="0" y="0"/>
+          <a:ext cx="0" cy="0"/>
+          <a:chOff x="0" y="0"/>
+          <a:chExt cx="0" cy="0"/>
+        </a:xfrm>
+      </p:grpSpPr>
+      <p:sp>
+        <p:nvSpPr>
+          <p:cNvPr id="2" name="Title 1"/>
+          <p:cNvSpPr>
+            <a:spLocks noGrp="1"/>
+          </p:cNvSpPr>
+          <p:nvPr>
+            <p:ph type="title"/>
+          </p:nvPr>
+        </p:nvSpPr>
+        <p:spPr/>
+        <p:txBody>
+          <a:bodyPr/>
+          <a:lstStyle/>
+          <a:p>
+            <a:r>
+              <a:rPr lang="en-US" dirty="0" smtClean="0"/>
+              <a:t>Vectorization</a:t>
+            </a:r>
+            <a:endParaRPr lang="en-US" dirty="0"/>
+          </a:p>
+        </p:txBody>
+      </p:sp>
+      <p:sp>
+        <p:nvSpPr>
+          <p:cNvPr id="3" name="Content Placeholder 2"/>
+          <p:cNvSpPr>
+            <a:spLocks noGrp="1"/>
+          </p:cNvSpPr>
+          <p:nvPr>
+            <p:ph idx="1"/>
+          </p:nvPr>
+        </p:nvSpPr>
+        <p:spPr/>
+        <p:txBody>
+          <a:bodyPr/>
+          <a:lstStyle/>
+          <a:p>
+            <a:r>
+              <a:rPr lang="en-US" dirty="0" smtClean="0"/>
+              <a:t>Arithmetic operation done on registers</a:t>
+            </a:r>
+          </a:p>
+          <a:p>
+            <a:r>
+              <a:rPr lang="en-US" dirty="0" smtClean="0"/>
+              <a:t>Registers for floating point are 256 bit</a:t>
+            </a:r>
+          </a:p>
+          <a:p>
+            <a:pPr lvl="1"/>
+            <a:r>
+              <a:rPr lang="en-US" dirty="0" smtClean="0"/>
+              <a:t>4 double precision</a:t>
+            </a:r>
+          </a:p>
+          <a:p>
+            <a:pPr lvl="1"/>
+            <a:r>
+              <a:rPr lang="en-US" dirty="0" smtClean="0"/>
+              <a:t>8 single precision</a:t>
+            </a:r>
+            <a:endParaRPr lang="en-US" dirty="0"/>
+          </a:p>
+        </p:txBody>
+      </p:sp>
+      <p:sp>
+        <p:nvSpPr>
+          <p:cNvPr id="4" name="Slide Number Placeholder 3"/>
+          <p:cNvSpPr>
+            <a:spLocks noGrp="1"/>
+          </p:cNvSpPr>
+          <p:nvPr>
+            <p:ph type="sldNum" sz="quarter" idx="12"/>
+          </p:nvPr>
+        </p:nvSpPr>
+        <p:spPr/>
+        <p:txBody>
+          <a:bodyPr/>
+          <a:lstStyle/>
+          <a:p>
+            <a:fld id="{6597116C-F94B-4B5B-973A-17F07FB5C418}" type="slidenum">
+              <a:rPr lang="nl-BE" smtClean="0"/>
+              <a:t>22</a:t>
+            </a:fld>
+            <a:endParaRPr lang="nl-BE"/>
+          </a:p>
+        </p:txBody>
+      </p:sp>
+    </p:spTree>
+    <p:extLst>
+      <p:ext uri="{BB962C8B-B14F-4D97-AF65-F5344CB8AC3E}">
+        <p14:creationId xmlns:p14="http://schemas.microsoft.com/office/powerpoint/2010/main" val="78468918"/>
+      </p:ext>
+    </p:extLst>
+  </p:cSld>
+  <p:clrMapOvr>
+    <a:masterClrMapping/>
+  </p:clrMapOvr>
+  <p:timing>
+    <p:tnLst>
+      <p:par>
+        <p:cTn id="1" dur="indefinite" restart="never" nodeType="tmRoot"/>
+      </p:par>
+    </p:tnLst>
+  </p:timing>
+</p:sld>
+</file>
+
+<file path=ppt/slides/slide23.xml><?xml version="1.0" encoding="utf-8"?>
 <p:sld xmlns:a="http://schemas.openxmlformats.org/drawingml/2006/main" xmlns:r="http://schemas.openxmlformats.org/officeDocument/2006/relationships" xmlns:p="http://schemas.openxmlformats.org/presentationml/2006/main">
   <p:cSld>
     <p:spTree>
@@ -15751,6 +21981,29 @@
           </a:p>
         </p:txBody>
       </p:sp>
+      <p:sp>
+        <p:nvSpPr>
+          <p:cNvPr id="2" name="Slide Number Placeholder 1"/>
+          <p:cNvSpPr>
+            <a:spLocks noGrp="1"/>
+          </p:cNvSpPr>
+          <p:nvPr>
+            <p:ph type="sldNum" sz="quarter" idx="12"/>
+          </p:nvPr>
+        </p:nvSpPr>
+        <p:spPr/>
+        <p:txBody>
+          <a:bodyPr/>
+          <a:lstStyle/>
+          <a:p>
+            <a:fld id="{6597116C-F94B-4B5B-973A-17F07FB5C418}" type="slidenum">
+              <a:rPr lang="nl-BE" smtClean="0"/>
+              <a:t>23</a:t>
+            </a:fld>
+            <a:endParaRPr lang="nl-BE"/>
+          </a:p>
+        </p:txBody>
+      </p:sp>
     </p:spTree>
     <p:extLst>
       <p:ext uri="{BB962C8B-B14F-4D97-AF65-F5344CB8AC3E}">
@@ -15923,6 +22176,29 @@
               <a:t>Strong scaling</a:t>
             </a:r>
             <a:endParaRPr lang="nl-BE" sz="3200" dirty="0"/>
+          </a:p>
+        </p:txBody>
+      </p:sp>
+      <p:sp>
+        <p:nvSpPr>
+          <p:cNvPr id="6" name="Slide Number Placeholder 5"/>
+          <p:cNvSpPr>
+            <a:spLocks noGrp="1"/>
+          </p:cNvSpPr>
+          <p:nvPr>
+            <p:ph type="sldNum" sz="quarter" idx="12"/>
+          </p:nvPr>
+        </p:nvSpPr>
+        <p:spPr/>
+        <p:txBody>
+          <a:bodyPr/>
+          <a:lstStyle/>
+          <a:p>
+            <a:fld id="{6597116C-F94B-4B5B-973A-17F07FB5C418}" type="slidenum">
+              <a:rPr lang="nl-BE" smtClean="0"/>
+              <a:t>3</a:t>
+            </a:fld>
+            <a:endParaRPr lang="nl-BE"/>
           </a:p>
         </p:txBody>
       </p:sp>
@@ -16496,6 +22772,29 @@
               <a:t>to happen?</a:t>
             </a:r>
             <a:endParaRPr lang="nl-BE" sz="2800" dirty="0"/>
+          </a:p>
+        </p:txBody>
+      </p:sp>
+      <p:sp>
+        <p:nvSpPr>
+          <p:cNvPr id="8" name="Slide Number Placeholder 7"/>
+          <p:cNvSpPr>
+            <a:spLocks noGrp="1"/>
+          </p:cNvSpPr>
+          <p:nvPr>
+            <p:ph type="sldNum" sz="quarter" idx="12"/>
+          </p:nvPr>
+        </p:nvSpPr>
+        <p:spPr/>
+        <p:txBody>
+          <a:bodyPr/>
+          <a:lstStyle/>
+          <a:p>
+            <a:fld id="{6597116C-F94B-4B5B-973A-17F07FB5C418}" type="slidenum">
+              <a:rPr lang="nl-BE" smtClean="0"/>
+              <a:t>4</a:t>
+            </a:fld>
+            <a:endParaRPr lang="nl-BE"/>
           </a:p>
         </p:txBody>
       </p:sp>
@@ -17444,6 +23743,29 @@
           </p:sp>
         </mc:Fallback>
       </mc:AlternateContent>
+      <p:sp>
+        <p:nvSpPr>
+          <p:cNvPr id="8" name="Slide Number Placeholder 7"/>
+          <p:cNvSpPr>
+            <a:spLocks noGrp="1"/>
+          </p:cNvSpPr>
+          <p:nvPr>
+            <p:ph type="sldNum" sz="quarter" idx="12"/>
+          </p:nvPr>
+        </p:nvSpPr>
+        <p:spPr/>
+        <p:txBody>
+          <a:bodyPr/>
+          <a:lstStyle/>
+          <a:p>
+            <a:fld id="{6597116C-F94B-4B5B-973A-17F07FB5C418}" type="slidenum">
+              <a:rPr lang="nl-BE" smtClean="0"/>
+              <a:t>5</a:t>
+            </a:fld>
+            <a:endParaRPr lang="nl-BE"/>
+          </a:p>
+        </p:txBody>
+      </p:sp>
     </p:spTree>
     <p:extLst>
       <p:ext uri="{BB962C8B-B14F-4D97-AF65-F5344CB8AC3E}">
@@ -18532,6 +24854,29 @@
           </a:p>
         </p:txBody>
       </p:sp>
+      <p:sp>
+        <p:nvSpPr>
+          <p:cNvPr id="5" name="Slide Number Placeholder 4"/>
+          <p:cNvSpPr>
+            <a:spLocks noGrp="1"/>
+          </p:cNvSpPr>
+          <p:nvPr>
+            <p:ph type="sldNum" sz="quarter" idx="12"/>
+          </p:nvPr>
+        </p:nvSpPr>
+        <p:spPr/>
+        <p:txBody>
+          <a:bodyPr/>
+          <a:lstStyle/>
+          <a:p>
+            <a:fld id="{6597116C-F94B-4B5B-973A-17F07FB5C418}" type="slidenum">
+              <a:rPr lang="nl-BE" smtClean="0"/>
+              <a:t>6</a:t>
+            </a:fld>
+            <a:endParaRPr lang="nl-BE"/>
+          </a:p>
+        </p:txBody>
+      </p:sp>
     </p:spTree>
     <p:extLst>
       <p:ext uri="{BB962C8B-B14F-4D97-AF65-F5344CB8AC3E}">
@@ -19404,6 +25749,29 @@
           </p:sp>
         </mc:Fallback>
       </mc:AlternateContent>
+      <p:sp>
+        <p:nvSpPr>
+          <p:cNvPr id="3" name="Slide Number Placeholder 2"/>
+          <p:cNvSpPr>
+            <a:spLocks noGrp="1"/>
+          </p:cNvSpPr>
+          <p:nvPr>
+            <p:ph type="sldNum" sz="quarter" idx="12"/>
+          </p:nvPr>
+        </p:nvSpPr>
+        <p:spPr/>
+        <p:txBody>
+          <a:bodyPr/>
+          <a:lstStyle/>
+          <a:p>
+            <a:fld id="{6597116C-F94B-4B5B-973A-17F07FB5C418}" type="slidenum">
+              <a:rPr lang="nl-BE" smtClean="0"/>
+              <a:t>7</a:t>
+            </a:fld>
+            <a:endParaRPr lang="nl-BE"/>
+          </a:p>
+        </p:txBody>
+      </p:sp>
     </p:spTree>
     <p:extLst>
       <p:ext uri="{BB962C8B-B14F-4D97-AF65-F5344CB8AC3E}">
@@ -19704,6 +26072,29 @@
           </p:txBody>
         </p:sp>
       </p:grpSp>
+      <p:sp>
+        <p:nvSpPr>
+          <p:cNvPr id="8" name="Slide Number Placeholder 7"/>
+          <p:cNvSpPr>
+            <a:spLocks noGrp="1"/>
+          </p:cNvSpPr>
+          <p:nvPr>
+            <p:ph type="sldNum" sz="quarter" idx="12"/>
+          </p:nvPr>
+        </p:nvSpPr>
+        <p:spPr/>
+        <p:txBody>
+          <a:bodyPr/>
+          <a:lstStyle/>
+          <a:p>
+            <a:fld id="{6597116C-F94B-4B5B-973A-17F07FB5C418}" type="slidenum">
+              <a:rPr lang="nl-BE" smtClean="0"/>
+              <a:t>8</a:t>
+            </a:fld>
+            <a:endParaRPr lang="nl-BE"/>
+          </a:p>
+        </p:txBody>
+      </p:sp>
     </p:spTree>
     <p:extLst>
       <p:ext uri="{BB962C8B-B14F-4D97-AF65-F5344CB8AC3E}">
@@ -20580,6 +26971,29 @@
           </p:style>
         </p:cxnSp>
       </p:grpSp>
+      <p:sp>
+        <p:nvSpPr>
+          <p:cNvPr id="3" name="Slide Number Placeholder 2"/>
+          <p:cNvSpPr>
+            <a:spLocks noGrp="1"/>
+          </p:cNvSpPr>
+          <p:nvPr>
+            <p:ph type="sldNum" sz="quarter" idx="12"/>
+          </p:nvPr>
+        </p:nvSpPr>
+        <p:spPr/>
+        <p:txBody>
+          <a:bodyPr/>
+          <a:lstStyle/>
+          <a:p>
+            <a:fld id="{6597116C-F94B-4B5B-973A-17F07FB5C418}" type="slidenum">
+              <a:rPr lang="nl-BE" smtClean="0"/>
+              <a:t>9</a:t>
+            </a:fld>
+            <a:endParaRPr lang="nl-BE"/>
+          </a:p>
+        </p:txBody>
+      </p:sp>
     </p:spTree>
     <p:extLst>
       <p:ext uri="{BB962C8B-B14F-4D97-AF65-F5344CB8AC3E}">
@@ -21134,4 +27548,265 @@
   <a:objectDefaults/>
   <a:extraClrSchemeLst/>
 </a:theme>
+</file>
+
+<file path=ppt/theme/theme2.xml><?xml version="1.0" encoding="utf-8"?>
+<a:theme xmlns:a="http://schemas.openxmlformats.org/drawingml/2006/main" name="Office Theme">
+  <a:themeElements>
+    <a:clrScheme name="Office">
+      <a:dk1>
+        <a:sysClr val="windowText" lastClr="000000"/>
+      </a:dk1>
+      <a:lt1>
+        <a:sysClr val="window" lastClr="FFFFFF"/>
+      </a:lt1>
+      <a:dk2>
+        <a:srgbClr val="44546A"/>
+      </a:dk2>
+      <a:lt2>
+        <a:srgbClr val="E7E6E6"/>
+      </a:lt2>
+      <a:accent1>
+        <a:srgbClr val="5B9BD5"/>
+      </a:accent1>
+      <a:accent2>
+        <a:srgbClr val="ED7D31"/>
+      </a:accent2>
+      <a:accent3>
+        <a:srgbClr val="A5A5A5"/>
+      </a:accent3>
+      <a:accent4>
+        <a:srgbClr val="FFC000"/>
+      </a:accent4>
+      <a:accent5>
+        <a:srgbClr val="4472C4"/>
+      </a:accent5>
+      <a:accent6>
+        <a:srgbClr val="70AD47"/>
+      </a:accent6>
+      <a:hlink>
+        <a:srgbClr val="0563C1"/>
+      </a:hlink>
+      <a:folHlink>
+        <a:srgbClr val="954F72"/>
+      </a:folHlink>
+    </a:clrScheme>
+    <a:fontScheme name="Office">
+      <a:majorFont>
+        <a:latin typeface="Calibri Light" panose="020F0302020204030204"/>
+        <a:ea typeface=""/>
+        <a:cs typeface=""/>
+        <a:font script="Jpan" typeface="ＭＳ Ｐゴシック"/>
+        <a:font script="Hang" typeface="맑은 고딕"/>
+        <a:font script="Hans" typeface="宋体"/>
+        <a:font script="Hant" typeface="新細明體"/>
+        <a:font script="Arab" typeface="Times New Roman"/>
+        <a:font script="Hebr" typeface="Times New Roman"/>
+        <a:font script="Thai" typeface="Angsana New"/>
+        <a:font script="Ethi" typeface="Nyala"/>
+        <a:font script="Beng" typeface="Vrinda"/>
+        <a:font script="Gujr" typeface="Shruti"/>
+        <a:font script="Khmr" typeface="MoolBoran"/>
+        <a:font script="Knda" typeface="Tunga"/>
+        <a:font script="Guru" typeface="Raavi"/>
+        <a:font script="Cans" typeface="Euphemia"/>
+        <a:font script="Cher" typeface="Plantagenet Cherokee"/>
+        <a:font script="Yiii" typeface="Microsoft Yi Baiti"/>
+        <a:font script="Tibt" typeface="Microsoft Himalaya"/>
+        <a:font script="Thaa" typeface="MV Boli"/>
+        <a:font script="Deva" typeface="Mangal"/>
+        <a:font script="Telu" typeface="Gautami"/>
+        <a:font script="Taml" typeface="Latha"/>
+        <a:font script="Syrc" typeface="Estrangelo Edessa"/>
+        <a:font script="Orya" typeface="Kalinga"/>
+        <a:font script="Mlym" typeface="Kartika"/>
+        <a:font script="Laoo" typeface="DokChampa"/>
+        <a:font script="Sinh" typeface="Iskoola Pota"/>
+        <a:font script="Mong" typeface="Mongolian Baiti"/>
+        <a:font script="Viet" typeface="Times New Roman"/>
+        <a:font script="Uigh" typeface="Microsoft Uighur"/>
+        <a:font script="Geor" typeface="Sylfaen"/>
+      </a:majorFont>
+      <a:minorFont>
+        <a:latin typeface="Calibri" panose="020F0502020204030204"/>
+        <a:ea typeface=""/>
+        <a:cs typeface=""/>
+        <a:font script="Jpan" typeface="ＭＳ Ｐゴシック"/>
+        <a:font script="Hang" typeface="맑은 고딕"/>
+        <a:font script="Hans" typeface="宋体"/>
+        <a:font script="Hant" typeface="新細明體"/>
+        <a:font script="Arab" typeface="Arial"/>
+        <a:font script="Hebr" typeface="Arial"/>
+        <a:font script="Thai" typeface="Cordia New"/>
+        <a:font script="Ethi" typeface="Nyala"/>
+        <a:font script="Beng" typeface="Vrinda"/>
+        <a:font script="Gujr" typeface="Shruti"/>
+        <a:font script="Khmr" typeface="DaunPenh"/>
+        <a:font script="Knda" typeface="Tunga"/>
+        <a:font script="Guru" typeface="Raavi"/>
+        <a:font script="Cans" typeface="Euphemia"/>
+        <a:font script="Cher" typeface="Plantagenet Cherokee"/>
+        <a:font script="Yiii" typeface="Microsoft Yi Baiti"/>
+        <a:font script="Tibt" typeface="Microsoft Himalaya"/>
+        <a:font script="Thaa" typeface="MV Boli"/>
+        <a:font script="Deva" typeface="Mangal"/>
+        <a:font script="Telu" typeface="Gautami"/>
+        <a:font script="Taml" typeface="Latha"/>
+        <a:font script="Syrc" typeface="Estrangelo Edessa"/>
+        <a:font script="Orya" typeface="Kalinga"/>
+        <a:font script="Mlym" typeface="Kartika"/>
+        <a:font script="Laoo" typeface="DokChampa"/>
+        <a:font script="Sinh" typeface="Iskoola Pota"/>
+        <a:font script="Mong" typeface="Mongolian Baiti"/>
+        <a:font script="Viet" typeface="Arial"/>
+        <a:font script="Uigh" typeface="Microsoft Uighur"/>
+        <a:font script="Geor" typeface="Sylfaen"/>
+      </a:minorFont>
+    </a:fontScheme>
+    <a:fmtScheme name="Office">
+      <a:fillStyleLst>
+        <a:solidFill>
+          <a:schemeClr val="phClr"/>
+        </a:solidFill>
+        <a:gradFill rotWithShape="1">
+          <a:gsLst>
+            <a:gs pos="0">
+              <a:schemeClr val="phClr">
+                <a:lumMod val="110000"/>
+                <a:satMod val="105000"/>
+                <a:tint val="67000"/>
+              </a:schemeClr>
+            </a:gs>
+            <a:gs pos="50000">
+              <a:schemeClr val="phClr">
+                <a:lumMod val="105000"/>
+                <a:satMod val="103000"/>
+                <a:tint val="73000"/>
+              </a:schemeClr>
+            </a:gs>
+            <a:gs pos="100000">
+              <a:schemeClr val="phClr">
+                <a:lumMod val="105000"/>
+                <a:satMod val="109000"/>
+                <a:tint val="81000"/>
+              </a:schemeClr>
+            </a:gs>
+          </a:gsLst>
+          <a:lin ang="5400000" scaled="0"/>
+        </a:gradFill>
+        <a:gradFill rotWithShape="1">
+          <a:gsLst>
+            <a:gs pos="0">
+              <a:schemeClr val="phClr">
+                <a:satMod val="103000"/>
+                <a:lumMod val="102000"/>
+                <a:tint val="94000"/>
+              </a:schemeClr>
+            </a:gs>
+            <a:gs pos="50000">
+              <a:schemeClr val="phClr">
+                <a:satMod val="110000"/>
+                <a:lumMod val="100000"/>
+                <a:shade val="100000"/>
+              </a:schemeClr>
+            </a:gs>
+            <a:gs pos="100000">
+              <a:schemeClr val="phClr">
+                <a:lumMod val="99000"/>
+                <a:satMod val="120000"/>
+                <a:shade val="78000"/>
+              </a:schemeClr>
+            </a:gs>
+          </a:gsLst>
+          <a:lin ang="5400000" scaled="0"/>
+        </a:gradFill>
+      </a:fillStyleLst>
+      <a:lnStyleLst>
+        <a:ln w="6350" cap="flat" cmpd="sng" algn="ctr">
+          <a:solidFill>
+            <a:schemeClr val="phClr"/>
+          </a:solidFill>
+          <a:prstDash val="solid"/>
+          <a:miter lim="800000"/>
+        </a:ln>
+        <a:ln w="12700" cap="flat" cmpd="sng" algn="ctr">
+          <a:solidFill>
+            <a:schemeClr val="phClr"/>
+          </a:solidFill>
+          <a:prstDash val="solid"/>
+          <a:miter lim="800000"/>
+        </a:ln>
+        <a:ln w="19050" cap="flat" cmpd="sng" algn="ctr">
+          <a:solidFill>
+            <a:schemeClr val="phClr"/>
+          </a:solidFill>
+          <a:prstDash val="solid"/>
+          <a:miter lim="800000"/>
+        </a:ln>
+      </a:lnStyleLst>
+      <a:effectStyleLst>
+        <a:effectStyle>
+          <a:effectLst/>
+        </a:effectStyle>
+        <a:effectStyle>
+          <a:effectLst/>
+        </a:effectStyle>
+        <a:effectStyle>
+          <a:effectLst>
+            <a:outerShdw blurRad="57150" dist="19050" dir="5400000" algn="ctr" rotWithShape="0">
+              <a:srgbClr val="000000">
+                <a:alpha val="63000"/>
+              </a:srgbClr>
+            </a:outerShdw>
+          </a:effectLst>
+        </a:effectStyle>
+      </a:effectStyleLst>
+      <a:bgFillStyleLst>
+        <a:solidFill>
+          <a:schemeClr val="phClr"/>
+        </a:solidFill>
+        <a:solidFill>
+          <a:schemeClr val="phClr">
+            <a:tint val="95000"/>
+            <a:satMod val="170000"/>
+          </a:schemeClr>
+        </a:solidFill>
+        <a:gradFill rotWithShape="1">
+          <a:gsLst>
+            <a:gs pos="0">
+              <a:schemeClr val="phClr">
+                <a:tint val="93000"/>
+                <a:satMod val="150000"/>
+                <a:shade val="98000"/>
+                <a:lumMod val="102000"/>
+              </a:schemeClr>
+            </a:gs>
+            <a:gs pos="50000">
+              <a:schemeClr val="phClr">
+                <a:tint val="98000"/>
+                <a:satMod val="130000"/>
+                <a:shade val="90000"/>
+                <a:lumMod val="103000"/>
+              </a:schemeClr>
+            </a:gs>
+            <a:gs pos="100000">
+              <a:schemeClr val="phClr">
+                <a:shade val="63000"/>
+                <a:satMod val="120000"/>
+              </a:schemeClr>
+            </a:gs>
+          </a:gsLst>
+          <a:lin ang="5400000" scaled="0"/>
+        </a:gradFill>
+      </a:bgFillStyleLst>
+    </a:fmtScheme>
+  </a:themeElements>
+  <a:objectDefaults/>
+  <a:extraClrSchemeLst/>
+  <a:extLst>
+    <a:ext uri="{05A4C25C-085E-4340-85A3-A5531E510DB2}">
+      <thm15:themeFamily xmlns:thm15="http://schemas.microsoft.com/office/thememl/2012/main" name="Office Theme" id="{62F939B6-93AF-4DB8-9C6B-D6C7DFDC589F}" vid="{4A3C46E8-61CC-4603-A589-7422A47A8E4A}"/>
+    </a:ext>
+  </a:extLst>
+</a:theme>
 </file>
--- a/Optimization/hpc_efficiency.pptx
+++ b/Optimization/hpc_efficiency.pptx
@@ -5,7 +5,7 @@
     <p:sldMasterId id="2147483648" r:id="rId1"/>
   </p:sldMasterIdLst>
   <p:notesMasterIdLst>
-    <p:notesMasterId r:id="rId25"/>
+    <p:notesMasterId r:id="rId26"/>
   </p:notesMasterIdLst>
   <p:sldIdLst>
     <p:sldId id="267" r:id="rId2"/>
@@ -28,9 +28,10 @@
     <p:sldId id="279" r:id="rId19"/>
     <p:sldId id="280" r:id="rId20"/>
     <p:sldId id="278" r:id="rId21"/>
-    <p:sldId id="276" r:id="rId22"/>
-    <p:sldId id="275" r:id="rId23"/>
-    <p:sldId id="271" r:id="rId24"/>
+    <p:sldId id="275" r:id="rId22"/>
+    <p:sldId id="281" r:id="rId23"/>
+    <p:sldId id="282" r:id="rId24"/>
+    <p:sldId id="271" r:id="rId25"/>
   </p:sldIdLst>
   <p:sldSz cx="9144000" cy="6858000" type="screen4x3"/>
   <p:notesSz cx="6858000" cy="9144000"/>
@@ -258,11 +259,11 @@
           <c:showPercent val="0"/>
           <c:showBubbleSize val="0"/>
         </c:dLbls>
-        <c:axId val="286587728"/>
-        <c:axId val="286591648"/>
+        <c:axId val="351961136"/>
+        <c:axId val="351966624"/>
       </c:scatterChart>
       <c:valAx>
-        <c:axId val="286587728"/>
+        <c:axId val="351961136"/>
         <c:scaling>
           <c:logBase val="2"/>
           <c:orientation val="minMax"/>
@@ -274,14 +275,14 @@
         <c:majorTickMark val="out"/>
         <c:minorTickMark val="none"/>
         <c:tickLblPos val="nextTo"/>
-        <c:crossAx val="286591648"/>
+        <c:crossAx val="351966624"/>
         <c:crosses val="autoZero"/>
         <c:crossBetween val="midCat"/>
         <c:majorUnit val="4"/>
         <c:minorUnit val="4"/>
       </c:valAx>
       <c:valAx>
-        <c:axId val="286591648"/>
+        <c:axId val="351966624"/>
         <c:scaling>
           <c:logBase val="2"/>
           <c:orientation val="minMax"/>
@@ -294,7 +295,7 @@
         <c:majorTickMark val="out"/>
         <c:minorTickMark val="none"/>
         <c:tickLblPos val="nextTo"/>
-        <c:crossAx val="286587728"/>
+        <c:crossAx val="351961136"/>
         <c:crosses val="autoZero"/>
         <c:crossBetween val="midCat"/>
         <c:majorUnit val="4"/>
@@ -667,11 +668,11 @@
           <c:showPercent val="0"/>
           <c:showBubbleSize val="0"/>
         </c:dLbls>
-        <c:axId val="351864872"/>
-        <c:axId val="351865264"/>
+        <c:axId val="351960744"/>
+        <c:axId val="351962312"/>
       </c:scatterChart>
       <c:valAx>
-        <c:axId val="351864872"/>
+        <c:axId val="351960744"/>
         <c:scaling>
           <c:logBase val="2"/>
           <c:orientation val="minMax"/>
@@ -684,14 +685,14 @@
         <c:majorTickMark val="out"/>
         <c:minorTickMark val="none"/>
         <c:tickLblPos val="nextTo"/>
-        <c:crossAx val="351865264"/>
+        <c:crossAx val="351962312"/>
         <c:crosses val="autoZero"/>
         <c:crossBetween val="midCat"/>
         <c:majorUnit val="4"/>
         <c:minorUnit val="4"/>
       </c:valAx>
       <c:valAx>
-        <c:axId val="351865264"/>
+        <c:axId val="351962312"/>
         <c:scaling>
           <c:logBase val="2"/>
           <c:orientation val="minMax"/>
@@ -705,7 +706,7 @@
         <c:majorTickMark val="out"/>
         <c:minorTickMark val="none"/>
         <c:tickLblPos val="nextTo"/>
-        <c:crossAx val="351864872"/>
+        <c:crossAx val="351960744"/>
         <c:crosses val="autoZero"/>
         <c:crossBetween val="midCat"/>
         <c:majorUnit val="4"/>
@@ -918,11 +919,11 @@
           <c:showPercent val="0"/>
           <c:showBubbleSize val="0"/>
         </c:dLbls>
-        <c:axId val="351867224"/>
-        <c:axId val="351863696"/>
+        <c:axId val="351967408"/>
+        <c:axId val="281641496"/>
       </c:scatterChart>
       <c:valAx>
-        <c:axId val="351867224"/>
+        <c:axId val="351967408"/>
         <c:scaling>
           <c:logBase val="2"/>
           <c:orientation val="minMax"/>
@@ -935,13 +936,13 @@
         <c:majorTickMark val="out"/>
         <c:minorTickMark val="none"/>
         <c:tickLblPos val="nextTo"/>
-        <c:crossAx val="351863696"/>
+        <c:crossAx val="281641496"/>
         <c:crosses val="autoZero"/>
         <c:crossBetween val="midCat"/>
         <c:minorUnit val="4"/>
       </c:valAx>
       <c:valAx>
-        <c:axId val="351863696"/>
+        <c:axId val="281641496"/>
         <c:scaling>
           <c:logBase val="2"/>
           <c:orientation val="minMax"/>
@@ -955,7 +956,7 @@
         <c:majorTickMark val="out"/>
         <c:minorTickMark val="none"/>
         <c:tickLblPos val="nextTo"/>
-        <c:crossAx val="351867224"/>
+        <c:crossAx val="351967408"/>
         <c:crosses val="autoZero"/>
         <c:crossBetween val="midCat"/>
         <c:majorUnit val="2"/>
@@ -1086,11 +1087,11 @@
           <c:showPercent val="0"/>
           <c:showBubbleSize val="0"/>
         </c:dLbls>
-        <c:axId val="351865656"/>
-        <c:axId val="351866048"/>
+        <c:axId val="354369888"/>
+        <c:axId val="354375768"/>
       </c:scatterChart>
       <c:valAx>
-        <c:axId val="351865656"/>
+        <c:axId val="354369888"/>
         <c:scaling>
           <c:logBase val="2"/>
           <c:orientation val="minMax"/>
@@ -1103,13 +1104,13 @@
         <c:majorTickMark val="out"/>
         <c:minorTickMark val="none"/>
         <c:tickLblPos val="nextTo"/>
-        <c:crossAx val="351866048"/>
+        <c:crossAx val="354375768"/>
         <c:crosses val="autoZero"/>
         <c:crossBetween val="midCat"/>
         <c:majorUnit val="4"/>
       </c:valAx>
       <c:valAx>
-        <c:axId val="351866048"/>
+        <c:axId val="354375768"/>
         <c:scaling>
           <c:logBase val="2"/>
           <c:orientation val="minMax"/>
@@ -1122,7 +1123,7 @@
         <c:majorTickMark val="out"/>
         <c:minorTickMark val="none"/>
         <c:tickLblPos val="nextTo"/>
-        <c:crossAx val="351865656"/>
+        <c:crossAx val="354369888"/>
         <c:crosses val="autoZero"/>
         <c:crossBetween val="midCat"/>
         <c:majorUnit val="2"/>
@@ -1248,11 +1249,11 @@
           <c:showPercent val="0"/>
           <c:showBubbleSize val="0"/>
         </c:dLbls>
-        <c:axId val="351867616"/>
-        <c:axId val="351861736"/>
+        <c:axId val="354373024"/>
+        <c:axId val="354370280"/>
       </c:scatterChart>
       <c:valAx>
-        <c:axId val="351867616"/>
+        <c:axId val="354373024"/>
         <c:scaling>
           <c:logBase val="2"/>
           <c:orientation val="minMax"/>
@@ -1265,14 +1266,14 @@
         <c:majorTickMark val="out"/>
         <c:minorTickMark val="none"/>
         <c:tickLblPos val="nextTo"/>
-        <c:crossAx val="351861736"/>
+        <c:crossAx val="354370280"/>
         <c:crosses val="autoZero"/>
         <c:crossBetween val="midCat"/>
         <c:majorUnit val="4"/>
         <c:minorUnit val="4"/>
       </c:valAx>
       <c:valAx>
-        <c:axId val="351861736"/>
+        <c:axId val="354370280"/>
         <c:scaling>
           <c:orientation val="minMax"/>
           <c:max val="1"/>
@@ -1284,7 +1285,7 @@
         <c:majorTickMark val="out"/>
         <c:minorTickMark val="none"/>
         <c:tickLblPos val="nextTo"/>
-        <c:crossAx val="351867616"/>
+        <c:crossAx val="354373024"/>
         <c:crosses val="autoZero"/>
         <c:crossBetween val="midCat"/>
       </c:valAx>
@@ -6687,7 +6688,7 @@
           <a:graphicData uri="http://schemas.openxmlformats.org/presentationml/2006/ole">
             <mc:AlternateContent xmlns:mc="http://schemas.openxmlformats.org/markup-compatibility/2006">
               <mc:Choice xmlns:v="urn:schemas-microsoft-com:vml" Requires="v">
-                <p:oleObj spid="_x0000_s1070" name="Equation" r:id="rId3" imgW="812520" imgH="393480" progId="Equation.3">
+                <p:oleObj spid="_x0000_s1086" name="Equation" r:id="rId3" imgW="812520" imgH="393480" progId="Equation.3">
                   <p:embed/>
                 </p:oleObj>
               </mc:Choice>
@@ -6744,7 +6745,7 @@
           <a:graphicData uri="http://schemas.openxmlformats.org/presentationml/2006/ole">
             <mc:AlternateContent xmlns:mc="http://schemas.openxmlformats.org/markup-compatibility/2006">
               <mc:Choice xmlns:v="urn:schemas-microsoft-com:vml" Requires="v">
-                <p:oleObj spid="_x0000_s1071" name="Equation" r:id="rId5" imgW="2489040" imgH="431640" progId="Equation.3">
+                <p:oleObj spid="_x0000_s1087" name="Equation" r:id="rId5" imgW="2489040" imgH="431640" progId="Equation.3">
                   <p:embed/>
                 </p:oleObj>
               </mc:Choice>
@@ -13515,11 +13516,7 @@
           <a:p>
             <a:r>
               <a:rPr lang="en-US" dirty="0" smtClean="0"/>
-              <a:t>Memory hierarchy </a:t>
-            </a:r>
-            <a:r>
-              <a:rPr lang="en-US" dirty="0" smtClean="0"/>
-              <a:t>timings</a:t>
+              <a:t>Memory hierarchy timings</a:t>
             </a:r>
             <a:endParaRPr lang="en-US" dirty="0"/>
           </a:p>
@@ -13835,6 +13832,306 @@
           </a:p>
         </p:txBody>
       </p:sp>
+      <p:grpSp>
+        <p:nvGrpSpPr>
+          <p:cNvPr id="12" name="Group 11"/>
+          <p:cNvGrpSpPr/>
+          <p:nvPr/>
+        </p:nvGrpSpPr>
+        <p:grpSpPr>
+          <a:xfrm>
+            <a:off x="899592" y="1417638"/>
+            <a:ext cx="2520279" cy="4819674"/>
+            <a:chOff x="899592" y="1417638"/>
+            <a:chExt cx="2520279" cy="4819674"/>
+          </a:xfrm>
+        </p:grpSpPr>
+        <p:sp>
+          <p:nvSpPr>
+            <p:cNvPr id="4" name="Rectangle 3"/>
+            <p:cNvSpPr/>
+            <p:nvPr/>
+          </p:nvSpPr>
+          <p:spPr>
+            <a:xfrm>
+              <a:off x="899592" y="1417638"/>
+              <a:ext cx="2520279" cy="4819674"/>
+            </a:xfrm>
+            <a:prstGeom prst="rect">
+              <a:avLst/>
+            </a:prstGeom>
+            <a:solidFill>
+              <a:srgbClr val="4F81BD">
+                <a:alpha val="21176"/>
+              </a:srgbClr>
+            </a:solidFill>
+            <a:ln>
+              <a:noFill/>
+            </a:ln>
+          </p:spPr>
+          <p:style>
+            <a:lnRef idx="2">
+              <a:schemeClr val="accent1">
+                <a:shade val="50000"/>
+              </a:schemeClr>
+            </a:lnRef>
+            <a:fillRef idx="1">
+              <a:schemeClr val="accent1"/>
+            </a:fillRef>
+            <a:effectRef idx="0">
+              <a:schemeClr val="accent1"/>
+            </a:effectRef>
+            <a:fontRef idx="minor">
+              <a:schemeClr val="lt1"/>
+            </a:fontRef>
+          </p:style>
+          <p:txBody>
+            <a:bodyPr rtlCol="0" anchor="ctr"/>
+            <a:lstStyle/>
+            <a:p>
+              <a:pPr algn="ctr"/>
+              <a:endParaRPr lang="en-US"/>
+            </a:p>
+          </p:txBody>
+        </p:sp>
+        <p:sp>
+          <p:nvSpPr>
+            <p:cNvPr id="7" name="TextBox 6"/>
+            <p:cNvSpPr txBox="1"/>
+            <p:nvPr/>
+          </p:nvSpPr>
+          <p:spPr>
+            <a:xfrm>
+              <a:off x="1979712" y="1988840"/>
+              <a:ext cx="470000" cy="461665"/>
+            </a:xfrm>
+            <a:prstGeom prst="rect">
+              <a:avLst/>
+            </a:prstGeom>
+            <a:solidFill>
+              <a:schemeClr val="bg1"/>
+            </a:solidFill>
+            <a:ln>
+              <a:solidFill>
+                <a:schemeClr val="tx1"/>
+              </a:solidFill>
+            </a:ln>
+          </p:spPr>
+          <p:txBody>
+            <a:bodyPr wrap="none" rtlCol="0">
+              <a:spAutoFit/>
+            </a:bodyPr>
+            <a:lstStyle/>
+            <a:p>
+              <a:r>
+                <a:rPr lang="en-US" sz="2400" dirty="0" smtClean="0"/>
+                <a:t>L1</a:t>
+              </a:r>
+              <a:endParaRPr lang="en-US" sz="2400" dirty="0"/>
+            </a:p>
+          </p:txBody>
+        </p:sp>
+      </p:grpSp>
+      <p:grpSp>
+        <p:nvGrpSpPr>
+          <p:cNvPr id="13" name="Group 12"/>
+          <p:cNvGrpSpPr/>
+          <p:nvPr/>
+        </p:nvGrpSpPr>
+        <p:grpSpPr>
+          <a:xfrm>
+            <a:off x="3419872" y="1412776"/>
+            <a:ext cx="1351713" cy="4819674"/>
+            <a:chOff x="3419872" y="1412776"/>
+            <a:chExt cx="1351713" cy="4819674"/>
+          </a:xfrm>
+        </p:grpSpPr>
+        <p:sp>
+          <p:nvSpPr>
+            <p:cNvPr id="18" name="Rectangle 17"/>
+            <p:cNvSpPr/>
+            <p:nvPr/>
+          </p:nvSpPr>
+          <p:spPr>
+            <a:xfrm>
+              <a:off x="3419872" y="1412776"/>
+              <a:ext cx="1351713" cy="4819674"/>
+            </a:xfrm>
+            <a:prstGeom prst="rect">
+              <a:avLst/>
+            </a:prstGeom>
+            <a:solidFill>
+              <a:srgbClr val="C00000">
+                <a:alpha val="21176"/>
+              </a:srgbClr>
+            </a:solidFill>
+            <a:ln>
+              <a:noFill/>
+            </a:ln>
+          </p:spPr>
+          <p:style>
+            <a:lnRef idx="2">
+              <a:schemeClr val="accent1">
+                <a:shade val="50000"/>
+              </a:schemeClr>
+            </a:lnRef>
+            <a:fillRef idx="1">
+              <a:schemeClr val="accent1"/>
+            </a:fillRef>
+            <a:effectRef idx="0">
+              <a:schemeClr val="accent1"/>
+            </a:effectRef>
+            <a:fontRef idx="minor">
+              <a:schemeClr val="lt1"/>
+            </a:fontRef>
+          </p:style>
+          <p:txBody>
+            <a:bodyPr rtlCol="0" anchor="ctr"/>
+            <a:lstStyle/>
+            <a:p>
+              <a:pPr algn="ctr"/>
+              <a:endParaRPr lang="en-US"/>
+            </a:p>
+          </p:txBody>
+        </p:sp>
+        <p:sp>
+          <p:nvSpPr>
+            <p:cNvPr id="20" name="TextBox 19"/>
+            <p:cNvSpPr txBox="1"/>
+            <p:nvPr/>
+          </p:nvSpPr>
+          <p:spPr>
+            <a:xfrm>
+              <a:off x="3875585" y="1988840"/>
+              <a:ext cx="470000" cy="461665"/>
+            </a:xfrm>
+            <a:prstGeom prst="rect">
+              <a:avLst/>
+            </a:prstGeom>
+            <a:solidFill>
+              <a:schemeClr val="bg1"/>
+            </a:solidFill>
+            <a:ln>
+              <a:solidFill>
+                <a:schemeClr val="tx1"/>
+              </a:solidFill>
+            </a:ln>
+          </p:spPr>
+          <p:txBody>
+            <a:bodyPr wrap="none" rtlCol="0">
+              <a:spAutoFit/>
+            </a:bodyPr>
+            <a:lstStyle/>
+            <a:p>
+              <a:r>
+                <a:rPr lang="en-US" sz="2400" dirty="0" smtClean="0"/>
+                <a:t>L2</a:t>
+              </a:r>
+              <a:endParaRPr lang="en-US" sz="2400" dirty="0"/>
+            </a:p>
+          </p:txBody>
+        </p:sp>
+      </p:grpSp>
+      <p:grpSp>
+        <p:nvGrpSpPr>
+          <p:cNvPr id="22" name="Group 21"/>
+          <p:cNvGrpSpPr/>
+          <p:nvPr/>
+        </p:nvGrpSpPr>
+        <p:grpSpPr>
+          <a:xfrm>
+            <a:off x="4767242" y="1412776"/>
+            <a:ext cx="2808312" cy="4819674"/>
+            <a:chOff x="4767242" y="1412776"/>
+            <a:chExt cx="2808312" cy="4819674"/>
+          </a:xfrm>
+        </p:grpSpPr>
+        <p:sp>
+          <p:nvSpPr>
+            <p:cNvPr id="19" name="Rectangle 18"/>
+            <p:cNvSpPr/>
+            <p:nvPr/>
+          </p:nvSpPr>
+          <p:spPr>
+            <a:xfrm>
+              <a:off x="4767242" y="1412776"/>
+              <a:ext cx="2808312" cy="4819674"/>
+            </a:xfrm>
+            <a:prstGeom prst="rect">
+              <a:avLst/>
+            </a:prstGeom>
+            <a:solidFill>
+              <a:srgbClr val="00B050">
+                <a:alpha val="21176"/>
+              </a:srgbClr>
+            </a:solidFill>
+            <a:ln>
+              <a:noFill/>
+            </a:ln>
+          </p:spPr>
+          <p:style>
+            <a:lnRef idx="2">
+              <a:schemeClr val="accent1">
+                <a:shade val="50000"/>
+              </a:schemeClr>
+            </a:lnRef>
+            <a:fillRef idx="1">
+              <a:schemeClr val="accent1"/>
+            </a:fillRef>
+            <a:effectRef idx="0">
+              <a:schemeClr val="accent1"/>
+            </a:effectRef>
+            <a:fontRef idx="minor">
+              <a:schemeClr val="lt1"/>
+            </a:fontRef>
+          </p:style>
+          <p:txBody>
+            <a:bodyPr rtlCol="0" anchor="ctr"/>
+            <a:lstStyle/>
+            <a:p>
+              <a:pPr algn="ctr"/>
+              <a:endParaRPr lang="en-US"/>
+            </a:p>
+          </p:txBody>
+        </p:sp>
+        <p:sp>
+          <p:nvSpPr>
+            <p:cNvPr id="21" name="TextBox 20"/>
+            <p:cNvSpPr txBox="1"/>
+            <p:nvPr/>
+          </p:nvSpPr>
+          <p:spPr>
+            <a:xfrm>
+              <a:off x="5940152" y="1988840"/>
+              <a:ext cx="470000" cy="461665"/>
+            </a:xfrm>
+            <a:prstGeom prst="rect">
+              <a:avLst/>
+            </a:prstGeom>
+            <a:solidFill>
+              <a:schemeClr val="bg1"/>
+            </a:solidFill>
+            <a:ln>
+              <a:solidFill>
+                <a:schemeClr val="tx1"/>
+              </a:solidFill>
+            </a:ln>
+          </p:spPr>
+          <p:txBody>
+            <a:bodyPr wrap="none" rtlCol="0">
+              <a:spAutoFit/>
+            </a:bodyPr>
+            <a:lstStyle/>
+            <a:p>
+              <a:r>
+                <a:rPr lang="en-US" sz="2400" dirty="0" smtClean="0"/>
+                <a:t>L3</a:t>
+              </a:r>
+              <a:endParaRPr lang="en-US" sz="2400" dirty="0"/>
+            </a:p>
+          </p:txBody>
+        </p:sp>
+      </p:grpSp>
     </p:spTree>
     <p:extLst>
       <p:ext uri="{BB962C8B-B14F-4D97-AF65-F5344CB8AC3E}">
@@ -13924,7 +14221,7 @@
                                           </p:stCondLst>
                                         </p:cTn>
                                         <p:tgtEl>
-                                          <p:spTgt spid="9"/>
+                                          <p:spTgt spid="12"/>
                                         </p:tgtEl>
                                         <p:attrNameLst>
                                           <p:attrName>style.visibility</p:attrName>
@@ -13969,7 +14266,142 @@
                                           </p:stCondLst>
                                         </p:cTn>
                                         <p:tgtEl>
+                                          <p:spTgt spid="9"/>
+                                        </p:tgtEl>
+                                        <p:attrNameLst>
+                                          <p:attrName>style.visibility</p:attrName>
+                                        </p:attrNameLst>
+                                      </p:cBhvr>
+                                      <p:to>
+                                        <p:strVal val="visible"/>
+                                      </p:to>
+                                    </p:set>
+                                  </p:childTnLst>
+                                </p:cTn>
+                              </p:par>
+                            </p:childTnLst>
+                          </p:cTn>
+                        </p:par>
+                      </p:childTnLst>
+                    </p:cTn>
+                  </p:par>
+                  <p:par>
+                    <p:cTn id="15" fill="hold">
+                      <p:stCondLst>
+                        <p:cond delay="indefinite"/>
+                      </p:stCondLst>
+                      <p:childTnLst>
+                        <p:par>
+                          <p:cTn id="16" fill="hold">
+                            <p:stCondLst>
+                              <p:cond delay="0"/>
+                            </p:stCondLst>
+                            <p:childTnLst>
+                              <p:par>
+                                <p:cTn id="17" presetID="1" presetClass="entr" presetSubtype="0" fill="hold" nodeType="clickEffect">
+                                  <p:stCondLst>
+                                    <p:cond delay="0"/>
+                                  </p:stCondLst>
+                                  <p:childTnLst>
+                                    <p:set>
+                                      <p:cBhvr>
+                                        <p:cTn id="18" dur="1" fill="hold">
+                                          <p:stCondLst>
+                                            <p:cond delay="0"/>
+                                          </p:stCondLst>
+                                        </p:cTn>
+                                        <p:tgtEl>
+                                          <p:spTgt spid="13"/>
+                                        </p:tgtEl>
+                                        <p:attrNameLst>
+                                          <p:attrName>style.visibility</p:attrName>
+                                        </p:attrNameLst>
+                                      </p:cBhvr>
+                                      <p:to>
+                                        <p:strVal val="visible"/>
+                                      </p:to>
+                                    </p:set>
+                                  </p:childTnLst>
+                                </p:cTn>
+                              </p:par>
+                            </p:childTnLst>
+                          </p:cTn>
+                        </p:par>
+                      </p:childTnLst>
+                    </p:cTn>
+                  </p:par>
+                  <p:par>
+                    <p:cTn id="19" fill="hold">
+                      <p:stCondLst>
+                        <p:cond delay="indefinite"/>
+                      </p:stCondLst>
+                      <p:childTnLst>
+                        <p:par>
+                          <p:cTn id="20" fill="hold">
+                            <p:stCondLst>
+                              <p:cond delay="0"/>
+                            </p:stCondLst>
+                            <p:childTnLst>
+                              <p:par>
+                                <p:cTn id="21" presetID="1" presetClass="entr" presetSubtype="0" fill="hold" nodeType="clickEffect">
+                                  <p:stCondLst>
+                                    <p:cond delay="0"/>
+                                  </p:stCondLst>
+                                  <p:childTnLst>
+                                    <p:set>
+                                      <p:cBhvr>
+                                        <p:cTn id="22" dur="1" fill="hold">
+                                          <p:stCondLst>
+                                            <p:cond delay="0"/>
+                                          </p:stCondLst>
+                                        </p:cTn>
+                                        <p:tgtEl>
                                           <p:spTgt spid="14"/>
+                                        </p:tgtEl>
+                                        <p:attrNameLst>
+                                          <p:attrName>style.visibility</p:attrName>
+                                        </p:attrNameLst>
+                                      </p:cBhvr>
+                                      <p:to>
+                                        <p:strVal val="visible"/>
+                                      </p:to>
+                                    </p:set>
+                                  </p:childTnLst>
+                                </p:cTn>
+                              </p:par>
+                            </p:childTnLst>
+                          </p:cTn>
+                        </p:par>
+                      </p:childTnLst>
+                    </p:cTn>
+                  </p:par>
+                  <p:par>
+                    <p:cTn id="23" fill="hold">
+                      <p:stCondLst>
+                        <p:cond delay="indefinite"/>
+                      </p:stCondLst>
+                      <p:childTnLst>
+                        <p:par>
+                          <p:cTn id="24" fill="hold">
+                            <p:stCondLst>
+                              <p:cond delay="0"/>
+                            </p:stCondLst>
+                            <p:childTnLst>
+                              <p:par>
+                                <p:cTn id="25" presetID="1" presetClass="entr" presetSubtype="0" fill="hold" nodeType="clickEffect">
+                                  <p:stCondLst>
+                                    <p:cond delay="0"/>
+                                  </p:stCondLst>
+                                  <p:childTnLst>
+                                    <p:set>
+                                      <p:cBhvr>
+                                        <p:cTn id="26" dur="1" fill="hold">
+                                          <p:stCondLst>
+                                            <p:cond delay="0"/>
+                                          </p:stCondLst>
+                                        </p:cTn>
+                                        <p:tgtEl>
+                                          <p:spTgt spid="22"/>
                                         </p:tgtEl>
                                         <p:attrNameLst>
                                           <p:attrName>style.visibility</p:attrName>
@@ -14276,11 +14708,7 @@
             <a:pPr lvl="1"/>
             <a:r>
               <a:rPr lang="en-US" dirty="0" smtClean="0"/>
-              <a:t>access to contiguous </a:t>
-            </a:r>
-            <a:r>
-              <a:rPr lang="en-US" dirty="0" smtClean="0"/>
-              <a:t>data</a:t>
+              <a:t>access to contiguous data</a:t>
             </a:r>
             <a:endParaRPr lang="en-US" dirty="0"/>
           </a:p>
@@ -15666,25 +16094,6 @@
       </p:sp>
       <p:sp>
         <p:nvSpPr>
-          <p:cNvPr id="3" name="Content Placeholder 2"/>
-          <p:cNvSpPr>
-            <a:spLocks noGrp="1"/>
-          </p:cNvSpPr>
-          <p:nvPr>
-            <p:ph idx="1"/>
-          </p:nvPr>
-        </p:nvSpPr>
-        <p:spPr/>
-        <p:txBody>
-          <a:bodyPr/>
-          <a:lstStyle/>
-          <a:p>
-            <a:endParaRPr lang="en-US"/>
-          </a:p>
-        </p:txBody>
-      </p:sp>
-      <p:sp>
-        <p:nvSpPr>
           <p:cNvPr id="4" name="Slide Number Placeholder 3"/>
           <p:cNvSpPr>
             <a:spLocks noGrp="1"/>
@@ -15706,6 +16115,659 @@
           </a:p>
         </p:txBody>
       </p:sp>
+      <p:pic>
+        <p:nvPicPr>
+          <p:cNvPr id="5" name="Picture 4"/>
+          <p:cNvPicPr>
+            <a:picLocks noChangeAspect="1"/>
+          </p:cNvPicPr>
+          <p:nvPr/>
+        </p:nvPicPr>
+        <p:blipFill>
+          <a:blip r:embed="rId2">
+            <a:extLst>
+              <a:ext uri="{28A0092B-C50C-407E-A947-70E740481C1C}">
+                <a14:useLocalDpi xmlns:a14="http://schemas.microsoft.com/office/drawing/2010/main" val="0"/>
+              </a:ext>
+            </a:extLst>
+          </a:blip>
+          <a:stretch>
+            <a:fillRect/>
+          </a:stretch>
+        </p:blipFill>
+        <p:spPr>
+          <a:xfrm>
+            <a:off x="323528" y="1061620"/>
+            <a:ext cx="8213003" cy="5659855"/>
+          </a:xfrm>
+          <a:prstGeom prst="rect">
+            <a:avLst/>
+          </a:prstGeom>
+        </p:spPr>
+      </p:pic>
+      <p:grpSp>
+        <p:nvGrpSpPr>
+          <p:cNvPr id="7" name="Group 6"/>
+          <p:cNvGrpSpPr/>
+          <p:nvPr/>
+        </p:nvGrpSpPr>
+        <p:grpSpPr>
+          <a:xfrm>
+            <a:off x="2339752" y="2060848"/>
+            <a:ext cx="1440160" cy="856597"/>
+            <a:chOff x="2267744" y="4309887"/>
+            <a:chExt cx="1440160" cy="856597"/>
+          </a:xfrm>
+        </p:grpSpPr>
+        <p:cxnSp>
+          <p:nvCxnSpPr>
+            <p:cNvPr id="8" name="Straight Arrow Connector 7"/>
+            <p:cNvCxnSpPr>
+              <a:stCxn id="9" idx="3"/>
+            </p:cNvCxnSpPr>
+            <p:nvPr/>
+          </p:nvCxnSpPr>
+          <p:spPr>
+            <a:xfrm flipV="1">
+              <a:off x="3273789" y="4309887"/>
+              <a:ext cx="434115" cy="671931"/>
+            </a:xfrm>
+            <a:prstGeom prst="straightConnector1">
+              <a:avLst/>
+            </a:prstGeom>
+            <a:ln w="38100">
+              <a:solidFill>
+                <a:schemeClr val="tx1"/>
+              </a:solidFill>
+              <a:tailEnd type="stealth"/>
+            </a:ln>
+          </p:spPr>
+          <p:style>
+            <a:lnRef idx="1">
+              <a:schemeClr val="accent1"/>
+            </a:lnRef>
+            <a:fillRef idx="0">
+              <a:schemeClr val="accent1"/>
+            </a:fillRef>
+            <a:effectRef idx="0">
+              <a:schemeClr val="accent1"/>
+            </a:effectRef>
+            <a:fontRef idx="minor">
+              <a:schemeClr val="tx1"/>
+            </a:fontRef>
+          </p:style>
+        </p:cxnSp>
+        <p:sp>
+          <p:nvSpPr>
+            <p:cNvPr id="9" name="TextBox 8"/>
+            <p:cNvSpPr txBox="1"/>
+            <p:nvPr/>
+          </p:nvSpPr>
+          <p:spPr>
+            <a:xfrm>
+              <a:off x="2267744" y="4797152"/>
+              <a:ext cx="1006045" cy="369332"/>
+            </a:xfrm>
+            <a:prstGeom prst="rect">
+              <a:avLst/>
+            </a:prstGeom>
+            <a:noFill/>
+          </p:spPr>
+          <p:txBody>
+            <a:bodyPr wrap="none" rtlCol="0">
+              <a:spAutoFit/>
+            </a:bodyPr>
+            <a:lstStyle/>
+            <a:p>
+              <a:r>
+                <a:rPr lang="en-US" dirty="0" smtClean="0"/>
+                <a:t>stride 16</a:t>
+              </a:r>
+              <a:endParaRPr lang="en-US" dirty="0"/>
+            </a:p>
+          </p:txBody>
+        </p:sp>
+      </p:grpSp>
+      <p:sp>
+        <p:nvSpPr>
+          <p:cNvPr id="25" name="Rectangle 24"/>
+          <p:cNvSpPr/>
+          <p:nvPr/>
+        </p:nvSpPr>
+        <p:spPr>
+          <a:xfrm>
+            <a:off x="806802" y="1227924"/>
+            <a:ext cx="3041648" cy="5009387"/>
+          </a:xfrm>
+          <a:prstGeom prst="rect">
+            <a:avLst/>
+          </a:prstGeom>
+          <a:solidFill>
+            <a:srgbClr val="C00000">
+              <a:alpha val="14118"/>
+            </a:srgbClr>
+          </a:solidFill>
+          <a:ln>
+            <a:noFill/>
+          </a:ln>
+        </p:spPr>
+        <p:style>
+          <a:lnRef idx="2">
+            <a:schemeClr val="accent1">
+              <a:shade val="50000"/>
+            </a:schemeClr>
+          </a:lnRef>
+          <a:fillRef idx="1">
+            <a:schemeClr val="accent1"/>
+          </a:fillRef>
+          <a:effectRef idx="0">
+            <a:schemeClr val="accent1"/>
+          </a:effectRef>
+          <a:fontRef idx="minor">
+            <a:schemeClr val="lt1"/>
+          </a:fontRef>
+        </p:style>
+        <p:txBody>
+          <a:bodyPr rtlCol="0" anchor="ctr"/>
+          <a:lstStyle/>
+          <a:p>
+            <a:pPr algn="ctr"/>
+            <a:endParaRPr lang="en-US"/>
+          </a:p>
+        </p:txBody>
+      </p:sp>
+      <p:grpSp>
+        <p:nvGrpSpPr>
+          <p:cNvPr id="16" name="Group 15"/>
+          <p:cNvGrpSpPr/>
+          <p:nvPr/>
+        </p:nvGrpSpPr>
+        <p:grpSpPr>
+          <a:xfrm>
+            <a:off x="817193" y="1567377"/>
+            <a:ext cx="2962719" cy="2639609"/>
+            <a:chOff x="817193" y="1567377"/>
+            <a:chExt cx="2962719" cy="2639609"/>
+          </a:xfrm>
+        </p:grpSpPr>
+        <p:sp>
+          <p:nvSpPr>
+            <p:cNvPr id="11" name="TextBox 10"/>
+            <p:cNvSpPr txBox="1"/>
+            <p:nvPr/>
+          </p:nvSpPr>
+          <p:spPr>
+            <a:xfrm>
+              <a:off x="1173079" y="3375989"/>
+              <a:ext cx="2334357" cy="830997"/>
+            </a:xfrm>
+            <a:prstGeom prst="rect">
+              <a:avLst/>
+            </a:prstGeom>
+            <a:noFill/>
+            <a:ln>
+              <a:solidFill>
+                <a:schemeClr val="tx1"/>
+              </a:solidFill>
+            </a:ln>
+          </p:spPr>
+          <p:txBody>
+            <a:bodyPr wrap="none" rtlCol="0">
+              <a:spAutoFit/>
+            </a:bodyPr>
+            <a:lstStyle/>
+            <a:p>
+              <a:r>
+                <a:rPr lang="en-US" sz="2400" dirty="0" smtClean="0"/>
+                <a:t>less work, almost</a:t>
+              </a:r>
+              <a:br>
+                <a:rPr lang="en-US" sz="2400" dirty="0" smtClean="0"/>
+              </a:br>
+              <a:r>
+                <a:rPr lang="en-US" sz="2400" dirty="0" smtClean="0"/>
+                <a:t>equal time!</a:t>
+              </a:r>
+              <a:endParaRPr lang="en-US" sz="2400" dirty="0"/>
+            </a:p>
+          </p:txBody>
+        </p:sp>
+        <p:cxnSp>
+          <p:nvCxnSpPr>
+            <p:cNvPr id="13" name="Straight Connector 12"/>
+            <p:cNvCxnSpPr/>
+            <p:nvPr/>
+          </p:nvCxnSpPr>
+          <p:spPr>
+            <a:xfrm flipH="1" flipV="1">
+              <a:off x="817193" y="1567377"/>
+              <a:ext cx="360040" cy="1808612"/>
+            </a:xfrm>
+            <a:prstGeom prst="line">
+              <a:avLst/>
+            </a:prstGeom>
+            <a:ln>
+              <a:solidFill>
+                <a:schemeClr val="tx1"/>
+              </a:solidFill>
+              <a:prstDash val="sysDot"/>
+            </a:ln>
+          </p:spPr>
+          <p:style>
+            <a:lnRef idx="1">
+              <a:schemeClr val="accent1"/>
+            </a:lnRef>
+            <a:fillRef idx="0">
+              <a:schemeClr val="accent1"/>
+            </a:fillRef>
+            <a:effectRef idx="0">
+              <a:schemeClr val="accent1"/>
+            </a:effectRef>
+            <a:fontRef idx="minor">
+              <a:schemeClr val="tx1"/>
+            </a:fontRef>
+          </p:style>
+        </p:cxnSp>
+        <p:cxnSp>
+          <p:nvCxnSpPr>
+            <p:cNvPr id="15" name="Straight Connector 14"/>
+            <p:cNvCxnSpPr/>
+            <p:nvPr/>
+          </p:nvCxnSpPr>
+          <p:spPr>
+            <a:xfrm flipV="1">
+              <a:off x="3507436" y="1935796"/>
+              <a:ext cx="272476" cy="1440193"/>
+            </a:xfrm>
+            <a:prstGeom prst="line">
+              <a:avLst/>
+            </a:prstGeom>
+            <a:ln>
+              <a:solidFill>
+                <a:schemeClr val="tx1"/>
+              </a:solidFill>
+              <a:prstDash val="sysDot"/>
+            </a:ln>
+          </p:spPr>
+          <p:style>
+            <a:lnRef idx="1">
+              <a:schemeClr val="accent1"/>
+            </a:lnRef>
+            <a:fillRef idx="0">
+              <a:schemeClr val="accent1"/>
+            </a:fillRef>
+            <a:effectRef idx="0">
+              <a:schemeClr val="accent1"/>
+            </a:effectRef>
+            <a:fontRef idx="minor">
+              <a:schemeClr val="tx1"/>
+            </a:fontRef>
+          </p:style>
+        </p:cxnSp>
+      </p:grpSp>
+      <p:sp>
+        <p:nvSpPr>
+          <p:cNvPr id="17" name="TextBox 16"/>
+          <p:cNvSpPr txBox="1"/>
+          <p:nvPr/>
+        </p:nvSpPr>
+        <p:spPr>
+          <a:xfrm>
+            <a:off x="1173078" y="4365104"/>
+            <a:ext cx="2334357" cy="1569660"/>
+          </a:xfrm>
+          <a:prstGeom prst="rect">
+            <a:avLst/>
+          </a:prstGeom>
+          <a:solidFill>
+            <a:schemeClr val="bg1"/>
+          </a:solidFill>
+          <a:ln>
+            <a:solidFill>
+              <a:schemeClr val="tx1"/>
+            </a:solidFill>
+          </a:ln>
+        </p:spPr>
+        <p:txBody>
+          <a:bodyPr wrap="square" rtlCol="0">
+            <a:spAutoFit/>
+          </a:bodyPr>
+          <a:lstStyle/>
+          <a:p>
+            <a:r>
+              <a:rPr lang="en-US" sz="2400" dirty="0" smtClean="0"/>
+              <a:t>memory bound,</a:t>
+            </a:r>
+          </a:p>
+          <a:p>
+            <a:r>
+              <a:rPr lang="en-US" sz="2400" dirty="0" smtClean="0"/>
+              <a:t>equal number</a:t>
+            </a:r>
+          </a:p>
+          <a:p>
+            <a:r>
+              <a:rPr lang="en-US" sz="2400" dirty="0" smtClean="0"/>
+              <a:t>of cache lines</a:t>
+            </a:r>
+          </a:p>
+          <a:p>
+            <a:r>
+              <a:rPr lang="en-US" sz="2400" dirty="0" smtClean="0"/>
+              <a:t>to fetch</a:t>
+            </a:r>
+            <a:endParaRPr lang="en-US" sz="2400" dirty="0"/>
+          </a:p>
+        </p:txBody>
+      </p:sp>
+      <p:sp>
+        <p:nvSpPr>
+          <p:cNvPr id="26" name="Rectangle 25"/>
+          <p:cNvSpPr/>
+          <p:nvPr/>
+        </p:nvSpPr>
+        <p:spPr>
+          <a:xfrm>
+            <a:off x="3848450" y="1227924"/>
+            <a:ext cx="4495450" cy="5009387"/>
+          </a:xfrm>
+          <a:prstGeom prst="rect">
+            <a:avLst/>
+          </a:prstGeom>
+          <a:solidFill>
+            <a:srgbClr val="00B050">
+              <a:alpha val="14118"/>
+            </a:srgbClr>
+          </a:solidFill>
+          <a:ln>
+            <a:noFill/>
+          </a:ln>
+        </p:spPr>
+        <p:style>
+          <a:lnRef idx="2">
+            <a:schemeClr val="accent1">
+              <a:shade val="50000"/>
+            </a:schemeClr>
+          </a:lnRef>
+          <a:fillRef idx="1">
+            <a:schemeClr val="accent1"/>
+          </a:fillRef>
+          <a:effectRef idx="0">
+            <a:schemeClr val="accent1"/>
+          </a:effectRef>
+          <a:fontRef idx="minor">
+            <a:schemeClr val="lt1"/>
+          </a:fontRef>
+        </p:style>
+        <p:txBody>
+          <a:bodyPr rtlCol="0" anchor="ctr"/>
+          <a:lstStyle/>
+          <a:p>
+            <a:pPr algn="ctr"/>
+            <a:endParaRPr lang="en-US"/>
+          </a:p>
+        </p:txBody>
+      </p:sp>
+      <p:sp>
+        <p:nvSpPr>
+          <p:cNvPr id="6" name="TextBox 5"/>
+          <p:cNvSpPr txBox="1"/>
+          <p:nvPr/>
+        </p:nvSpPr>
+        <p:spPr>
+          <a:xfrm>
+            <a:off x="4752025" y="1417638"/>
+            <a:ext cx="4185761" cy="1323439"/>
+          </a:xfrm>
+          <a:prstGeom prst="rect">
+            <a:avLst/>
+          </a:prstGeom>
+          <a:solidFill>
+            <a:schemeClr val="bg1">
+              <a:lumMod val="75000"/>
+            </a:schemeClr>
+          </a:solidFill>
+          <a:ln>
+            <a:solidFill>
+              <a:schemeClr val="tx1"/>
+            </a:solidFill>
+          </a:ln>
+        </p:spPr>
+        <p:txBody>
+          <a:bodyPr wrap="none" rtlCol="0">
+            <a:spAutoFit/>
+          </a:bodyPr>
+          <a:lstStyle/>
+          <a:p>
+            <a:r>
+              <a:rPr lang="en-US" sz="2000" dirty="0" err="1" smtClean="0">
+                <a:latin typeface="Courier New" panose="02070309020205020404" pitchFamily="49" charset="0"/>
+                <a:cs typeface="Courier New" panose="02070309020205020404" pitchFamily="49" charset="0"/>
+              </a:rPr>
+              <a:t>int</a:t>
+            </a:r>
+            <a:r>
+              <a:rPr lang="en-US" sz="2000" dirty="0" smtClean="0">
+                <a:latin typeface="Courier New" panose="02070309020205020404" pitchFamily="49" charset="0"/>
+                <a:cs typeface="Courier New" panose="02070309020205020404" pitchFamily="49" charset="0"/>
+              </a:rPr>
+              <a:t> a[n</a:t>
+            </a:r>
+            <a:r>
+              <a:rPr lang="en-US" sz="2000" dirty="0" smtClean="0">
+                <a:latin typeface="Courier New" panose="02070309020205020404" pitchFamily="49" charset="0"/>
+                <a:cs typeface="Courier New" panose="02070309020205020404" pitchFamily="49" charset="0"/>
+              </a:rPr>
+              <a:t>];</a:t>
+            </a:r>
+          </a:p>
+          <a:p>
+            <a:r>
+              <a:rPr lang="en-US" sz="2000" dirty="0" smtClean="0">
+                <a:latin typeface="Courier New" panose="02070309020205020404" pitchFamily="49" charset="0"/>
+                <a:cs typeface="Courier New" panose="02070309020205020404" pitchFamily="49" charset="0"/>
+              </a:rPr>
+              <a:t>…</a:t>
+            </a:r>
+          </a:p>
+          <a:p>
+            <a:r>
+              <a:rPr lang="en-US" sz="2000" dirty="0" smtClean="0">
+                <a:latin typeface="Courier New" panose="02070309020205020404" pitchFamily="49" charset="0"/>
+                <a:cs typeface="Courier New" panose="02070309020205020404" pitchFamily="49" charset="0"/>
+              </a:rPr>
+              <a:t>for (</a:t>
+            </a:r>
+            <a:r>
+              <a:rPr lang="en-US" sz="2000" dirty="0" err="1" smtClean="0">
+                <a:latin typeface="Courier New" panose="02070309020205020404" pitchFamily="49" charset="0"/>
+                <a:cs typeface="Courier New" panose="02070309020205020404" pitchFamily="49" charset="0"/>
+              </a:rPr>
+              <a:t>i</a:t>
+            </a:r>
+            <a:r>
+              <a:rPr lang="en-US" sz="2000" dirty="0" smtClean="0">
+                <a:latin typeface="Courier New" panose="02070309020205020404" pitchFamily="49" charset="0"/>
+                <a:cs typeface="Courier New" panose="02070309020205020404" pitchFamily="49" charset="0"/>
+              </a:rPr>
+              <a:t> = 0; </a:t>
+            </a:r>
+            <a:r>
+              <a:rPr lang="en-US" sz="2000" dirty="0" err="1" smtClean="0">
+                <a:latin typeface="Courier New" panose="02070309020205020404" pitchFamily="49" charset="0"/>
+                <a:cs typeface="Courier New" panose="02070309020205020404" pitchFamily="49" charset="0"/>
+              </a:rPr>
+              <a:t>i</a:t>
+            </a:r>
+            <a:r>
+              <a:rPr lang="en-US" sz="2000" dirty="0">
+                <a:latin typeface="Courier New" panose="02070309020205020404" pitchFamily="49" charset="0"/>
+                <a:cs typeface="Courier New" panose="02070309020205020404" pitchFamily="49" charset="0"/>
+              </a:rPr>
+              <a:t> </a:t>
+            </a:r>
+            <a:r>
+              <a:rPr lang="en-US" sz="2000" dirty="0" smtClean="0">
+                <a:latin typeface="Courier New" panose="02070309020205020404" pitchFamily="49" charset="0"/>
+                <a:cs typeface="Courier New" panose="02070309020205020404" pitchFamily="49" charset="0"/>
+              </a:rPr>
+              <a:t>&lt; n; </a:t>
+            </a:r>
+            <a:r>
+              <a:rPr lang="en-US" sz="2000" dirty="0" err="1">
+                <a:latin typeface="Courier New" panose="02070309020205020404" pitchFamily="49" charset="0"/>
+                <a:cs typeface="Courier New" panose="02070309020205020404" pitchFamily="49" charset="0"/>
+              </a:rPr>
+              <a:t>i</a:t>
+            </a:r>
+            <a:r>
+              <a:rPr lang="en-US" sz="2000" dirty="0" smtClean="0">
+                <a:latin typeface="Courier New" panose="02070309020205020404" pitchFamily="49" charset="0"/>
+                <a:cs typeface="Courier New" panose="02070309020205020404" pitchFamily="49" charset="0"/>
+              </a:rPr>
+              <a:t> += K)</a:t>
+            </a:r>
+            <a:endParaRPr lang="en-US" sz="2000" dirty="0" smtClean="0">
+              <a:latin typeface="Courier New" panose="02070309020205020404" pitchFamily="49" charset="0"/>
+              <a:cs typeface="Courier New" panose="02070309020205020404" pitchFamily="49" charset="0"/>
+            </a:endParaRPr>
+          </a:p>
+          <a:p>
+            <a:r>
+              <a:rPr lang="en-US" sz="2000" dirty="0">
+                <a:latin typeface="Courier New" panose="02070309020205020404" pitchFamily="49" charset="0"/>
+                <a:cs typeface="Courier New" panose="02070309020205020404" pitchFamily="49" charset="0"/>
+              </a:rPr>
+              <a:t> </a:t>
+            </a:r>
+            <a:r>
+              <a:rPr lang="en-US" sz="2000" dirty="0" smtClean="0">
+                <a:latin typeface="Courier New" panose="02070309020205020404" pitchFamily="49" charset="0"/>
+                <a:cs typeface="Courier New" panose="02070309020205020404" pitchFamily="49" charset="0"/>
+              </a:rPr>
+              <a:t>   </a:t>
+            </a:r>
+            <a:r>
+              <a:rPr lang="en-US" sz="2000" dirty="0" smtClean="0">
+                <a:latin typeface="Courier New" panose="02070309020205020404" pitchFamily="49" charset="0"/>
+                <a:cs typeface="Courier New" panose="02070309020205020404" pitchFamily="49" charset="0"/>
+              </a:rPr>
+              <a:t>a[</a:t>
+            </a:r>
+            <a:r>
+              <a:rPr lang="en-US" sz="2000" dirty="0" err="1" smtClean="0">
+                <a:latin typeface="Courier New" panose="02070309020205020404" pitchFamily="49" charset="0"/>
+                <a:cs typeface="Courier New" panose="02070309020205020404" pitchFamily="49" charset="0"/>
+              </a:rPr>
+              <a:t>i</a:t>
+            </a:r>
+            <a:r>
+              <a:rPr lang="en-US" sz="2000" dirty="0" smtClean="0">
+                <a:latin typeface="Courier New" panose="02070309020205020404" pitchFamily="49" charset="0"/>
+                <a:cs typeface="Courier New" panose="02070309020205020404" pitchFamily="49" charset="0"/>
+              </a:rPr>
+              <a:t>] *= 3</a:t>
+            </a:r>
+            <a:endParaRPr lang="en-US" sz="1600" dirty="0" smtClean="0">
+              <a:latin typeface="Courier New" panose="02070309020205020404" pitchFamily="49" charset="0"/>
+              <a:cs typeface="Courier New" panose="02070309020205020404" pitchFamily="49" charset="0"/>
+            </a:endParaRPr>
+          </a:p>
+        </p:txBody>
+      </p:sp>
+      <p:grpSp>
+        <p:nvGrpSpPr>
+          <p:cNvPr id="18" name="Group 17"/>
+          <p:cNvGrpSpPr/>
+          <p:nvPr/>
+        </p:nvGrpSpPr>
+        <p:grpSpPr>
+          <a:xfrm>
+            <a:off x="3848450" y="2060848"/>
+            <a:ext cx="3061645" cy="3839453"/>
+            <a:chOff x="609916" y="367533"/>
+            <a:chExt cx="3143228" cy="3839453"/>
+          </a:xfrm>
+        </p:grpSpPr>
+        <p:sp>
+          <p:nvSpPr>
+            <p:cNvPr id="19" name="TextBox 18"/>
+            <p:cNvSpPr txBox="1"/>
+            <p:nvPr/>
+          </p:nvSpPr>
+          <p:spPr>
+            <a:xfrm>
+              <a:off x="1173079" y="3375989"/>
+              <a:ext cx="2580065" cy="830997"/>
+            </a:xfrm>
+            <a:prstGeom prst="rect">
+              <a:avLst/>
+            </a:prstGeom>
+            <a:noFill/>
+            <a:ln>
+              <a:solidFill>
+                <a:schemeClr val="tx1"/>
+              </a:solidFill>
+            </a:ln>
+          </p:spPr>
+          <p:txBody>
+            <a:bodyPr wrap="none" rtlCol="0">
+              <a:spAutoFit/>
+            </a:bodyPr>
+            <a:lstStyle/>
+            <a:p>
+              <a:r>
+                <a:rPr lang="en-US" sz="2400" dirty="0" smtClean="0"/>
+                <a:t>less work, less</a:t>
+              </a:r>
+              <a:br>
+                <a:rPr lang="en-US" sz="2400" dirty="0" smtClean="0"/>
+              </a:br>
+              <a:r>
+                <a:rPr lang="en-US" sz="2400" dirty="0" smtClean="0"/>
+                <a:t>cache lines to fetch</a:t>
+              </a:r>
+              <a:endParaRPr lang="en-US" sz="2400" dirty="0"/>
+            </a:p>
+          </p:txBody>
+        </p:sp>
+        <p:cxnSp>
+          <p:nvCxnSpPr>
+            <p:cNvPr id="20" name="Straight Connector 19"/>
+            <p:cNvCxnSpPr/>
+            <p:nvPr/>
+          </p:nvCxnSpPr>
+          <p:spPr>
+            <a:xfrm flipH="1" flipV="1">
+              <a:off x="609916" y="367533"/>
+              <a:ext cx="567317" cy="3008457"/>
+            </a:xfrm>
+            <a:prstGeom prst="line">
+              <a:avLst/>
+            </a:prstGeom>
+            <a:ln>
+              <a:solidFill>
+                <a:schemeClr val="tx1"/>
+              </a:solidFill>
+              <a:prstDash val="sysDot"/>
+            </a:ln>
+          </p:spPr>
+          <p:style>
+            <a:lnRef idx="1">
+              <a:schemeClr val="accent1"/>
+            </a:lnRef>
+            <a:fillRef idx="0">
+              <a:schemeClr val="accent1"/>
+            </a:fillRef>
+            <a:effectRef idx="0">
+              <a:schemeClr val="accent1"/>
+            </a:effectRef>
+            <a:fontRef idx="minor">
+              <a:schemeClr val="tx1"/>
+            </a:fontRef>
+          </p:style>
+        </p:cxnSp>
+      </p:grpSp>
     </p:spTree>
     <p:extLst>
       <p:ext uri="{BB962C8B-B14F-4D97-AF65-F5344CB8AC3E}">
@@ -15719,9 +16781,271 @@
   <p:timing>
     <p:tnLst>
       <p:par>
-        <p:cTn id="1" dur="indefinite" restart="never" nodeType="tmRoot"/>
+        <p:cTn id="1" dur="indefinite" restart="never" nodeType="tmRoot">
+          <p:childTnLst>
+            <p:seq concurrent="1" nextAc="seek">
+              <p:cTn id="2" dur="indefinite" nodeType="mainSeq">
+                <p:childTnLst>
+                  <p:par>
+                    <p:cTn id="3" fill="hold">
+                      <p:stCondLst>
+                        <p:cond delay="indefinite"/>
+                      </p:stCondLst>
+                      <p:childTnLst>
+                        <p:par>
+                          <p:cTn id="4" fill="hold">
+                            <p:stCondLst>
+                              <p:cond delay="0"/>
+                            </p:stCondLst>
+                            <p:childTnLst>
+                              <p:par>
+                                <p:cTn id="5" presetID="1" presetClass="entr" presetSubtype="0" fill="hold" nodeType="clickEffect">
+                                  <p:stCondLst>
+                                    <p:cond delay="0"/>
+                                  </p:stCondLst>
+                                  <p:childTnLst>
+                                    <p:set>
+                                      <p:cBhvr>
+                                        <p:cTn id="6" dur="1" fill="hold">
+                                          <p:stCondLst>
+                                            <p:cond delay="0"/>
+                                          </p:stCondLst>
+                                        </p:cTn>
+                                        <p:tgtEl>
+                                          <p:spTgt spid="16"/>
+                                        </p:tgtEl>
+                                        <p:attrNameLst>
+                                          <p:attrName>style.visibility</p:attrName>
+                                        </p:attrNameLst>
+                                      </p:cBhvr>
+                                      <p:to>
+                                        <p:strVal val="visible"/>
+                                      </p:to>
+                                    </p:set>
+                                  </p:childTnLst>
+                                </p:cTn>
+                              </p:par>
+                              <p:par>
+                                <p:cTn id="7" presetID="1" presetClass="entr" presetSubtype="0" fill="hold" grpId="0" nodeType="withEffect">
+                                  <p:stCondLst>
+                                    <p:cond delay="0"/>
+                                  </p:stCondLst>
+                                  <p:childTnLst>
+                                    <p:set>
+                                      <p:cBhvr>
+                                        <p:cTn id="8" dur="1" fill="hold">
+                                          <p:stCondLst>
+                                            <p:cond delay="0"/>
+                                          </p:stCondLst>
+                                        </p:cTn>
+                                        <p:tgtEl>
+                                          <p:spTgt spid="25"/>
+                                        </p:tgtEl>
+                                        <p:attrNameLst>
+                                          <p:attrName>style.visibility</p:attrName>
+                                        </p:attrNameLst>
+                                      </p:cBhvr>
+                                      <p:to>
+                                        <p:strVal val="visible"/>
+                                      </p:to>
+                                    </p:set>
+                                  </p:childTnLst>
+                                </p:cTn>
+                              </p:par>
+                            </p:childTnLst>
+                          </p:cTn>
+                        </p:par>
+                      </p:childTnLst>
+                    </p:cTn>
+                  </p:par>
+                  <p:par>
+                    <p:cTn id="9" fill="hold">
+                      <p:stCondLst>
+                        <p:cond delay="indefinite"/>
+                      </p:stCondLst>
+                      <p:childTnLst>
+                        <p:par>
+                          <p:cTn id="10" fill="hold">
+                            <p:stCondLst>
+                              <p:cond delay="0"/>
+                            </p:stCondLst>
+                            <p:childTnLst>
+                              <p:par>
+                                <p:cTn id="11" presetID="1" presetClass="entr" presetSubtype="0" fill="hold" nodeType="clickEffect">
+                                  <p:stCondLst>
+                                    <p:cond delay="0"/>
+                                  </p:stCondLst>
+                                  <p:childTnLst>
+                                    <p:set>
+                                      <p:cBhvr>
+                                        <p:cTn id="12" dur="1" fill="hold">
+                                          <p:stCondLst>
+                                            <p:cond delay="0"/>
+                                          </p:stCondLst>
+                                        </p:cTn>
+                                        <p:tgtEl>
+                                          <p:spTgt spid="7"/>
+                                        </p:tgtEl>
+                                        <p:attrNameLst>
+                                          <p:attrName>style.visibility</p:attrName>
+                                        </p:attrNameLst>
+                                      </p:cBhvr>
+                                      <p:to>
+                                        <p:strVal val="visible"/>
+                                      </p:to>
+                                    </p:set>
+                                  </p:childTnLst>
+                                </p:cTn>
+                              </p:par>
+                            </p:childTnLst>
+                          </p:cTn>
+                        </p:par>
+                      </p:childTnLst>
+                    </p:cTn>
+                  </p:par>
+                  <p:par>
+                    <p:cTn id="13" fill="hold">
+                      <p:stCondLst>
+                        <p:cond delay="indefinite"/>
+                      </p:stCondLst>
+                      <p:childTnLst>
+                        <p:par>
+                          <p:cTn id="14" fill="hold">
+                            <p:stCondLst>
+                              <p:cond delay="0"/>
+                            </p:stCondLst>
+                            <p:childTnLst>
+                              <p:par>
+                                <p:cTn id="15" presetID="1" presetClass="entr" presetSubtype="0" fill="hold" grpId="0" nodeType="clickEffect">
+                                  <p:stCondLst>
+                                    <p:cond delay="0"/>
+                                  </p:stCondLst>
+                                  <p:childTnLst>
+                                    <p:set>
+                                      <p:cBhvr>
+                                        <p:cTn id="16" dur="1" fill="hold">
+                                          <p:stCondLst>
+                                            <p:cond delay="0"/>
+                                          </p:stCondLst>
+                                        </p:cTn>
+                                        <p:tgtEl>
+                                          <p:spTgt spid="17"/>
+                                        </p:tgtEl>
+                                        <p:attrNameLst>
+                                          <p:attrName>style.visibility</p:attrName>
+                                        </p:attrNameLst>
+                                      </p:cBhvr>
+                                      <p:to>
+                                        <p:strVal val="visible"/>
+                                      </p:to>
+                                    </p:set>
+                                  </p:childTnLst>
+                                </p:cTn>
+                              </p:par>
+                            </p:childTnLst>
+                          </p:cTn>
+                        </p:par>
+                      </p:childTnLst>
+                    </p:cTn>
+                  </p:par>
+                  <p:par>
+                    <p:cTn id="17" fill="hold">
+                      <p:stCondLst>
+                        <p:cond delay="indefinite"/>
+                      </p:stCondLst>
+                      <p:childTnLst>
+                        <p:par>
+                          <p:cTn id="18" fill="hold">
+                            <p:stCondLst>
+                              <p:cond delay="0"/>
+                            </p:stCondLst>
+                            <p:childTnLst>
+                              <p:par>
+                                <p:cTn id="19" presetID="1" presetClass="entr" presetSubtype="0" fill="hold" nodeType="clickEffect">
+                                  <p:stCondLst>
+                                    <p:cond delay="0"/>
+                                  </p:stCondLst>
+                                  <p:childTnLst>
+                                    <p:set>
+                                      <p:cBhvr>
+                                        <p:cTn id="20" dur="1" fill="hold">
+                                          <p:stCondLst>
+                                            <p:cond delay="0"/>
+                                          </p:stCondLst>
+                                        </p:cTn>
+                                        <p:tgtEl>
+                                          <p:spTgt spid="18"/>
+                                        </p:tgtEl>
+                                        <p:attrNameLst>
+                                          <p:attrName>style.visibility</p:attrName>
+                                        </p:attrNameLst>
+                                      </p:cBhvr>
+                                      <p:to>
+                                        <p:strVal val="visible"/>
+                                      </p:to>
+                                    </p:set>
+                                  </p:childTnLst>
+                                </p:cTn>
+                              </p:par>
+                              <p:par>
+                                <p:cTn id="21" presetID="1" presetClass="entr" presetSubtype="0" fill="hold" grpId="0" nodeType="withEffect">
+                                  <p:stCondLst>
+                                    <p:cond delay="0"/>
+                                  </p:stCondLst>
+                                  <p:childTnLst>
+                                    <p:set>
+                                      <p:cBhvr>
+                                        <p:cTn id="22" dur="1" fill="hold">
+                                          <p:stCondLst>
+                                            <p:cond delay="0"/>
+                                          </p:stCondLst>
+                                        </p:cTn>
+                                        <p:tgtEl>
+                                          <p:spTgt spid="26"/>
+                                        </p:tgtEl>
+                                        <p:attrNameLst>
+                                          <p:attrName>style.visibility</p:attrName>
+                                        </p:attrNameLst>
+                                      </p:cBhvr>
+                                      <p:to>
+                                        <p:strVal val="visible"/>
+                                      </p:to>
+                                    </p:set>
+                                  </p:childTnLst>
+                                </p:cTn>
+                              </p:par>
+                            </p:childTnLst>
+                          </p:cTn>
+                        </p:par>
+                      </p:childTnLst>
+                    </p:cTn>
+                  </p:par>
+                </p:childTnLst>
+              </p:cTn>
+              <p:prevCondLst>
+                <p:cond evt="onPrev" delay="0">
+                  <p:tgtEl>
+                    <p:sldTgt/>
+                  </p:tgtEl>
+                </p:cond>
+              </p:prevCondLst>
+              <p:nextCondLst>
+                <p:cond evt="onNext" delay="0">
+                  <p:tgtEl>
+                    <p:sldTgt/>
+                  </p:tgtEl>
+                </p:cond>
+              </p:nextCondLst>
+            </p:seq>
+          </p:childTnLst>
+        </p:cTn>
       </p:par>
     </p:tnLst>
+    <p:bldLst>
+      <p:bldP spid="25" grpId="0" animBg="1"/>
+      <p:bldP spid="17" grpId="0" animBg="1"/>
+      <p:bldP spid="26" grpId="0" animBg="1"/>
+    </p:bldLst>
   </p:timing>
 </p:sld>
 </file>
@@ -15852,7 +17176,7 @@
           <a:graphicData uri="http://schemas.openxmlformats.org/presentationml/2006/ole">
             <mc:AlternateContent xmlns:mc="http://schemas.openxmlformats.org/markup-compatibility/2006">
               <mc:Choice xmlns:v="urn:schemas-microsoft-com:vml" Requires="v">
-                <p:oleObj spid="_x0000_s2059" name="Equation" r:id="rId3" imgW="1091880" imgH="1041120" progId="Equation.3">
+                <p:oleObj spid="_x0000_s2075" name="Equation" r:id="rId3" imgW="1091880" imgH="1041120" progId="Equation.3">
                   <p:embed/>
                 </p:oleObj>
               </mc:Choice>
@@ -17223,7 +18547,7 @@
           <a:graphicData uri="http://schemas.openxmlformats.org/presentationml/2006/ole">
             <mc:AlternateContent xmlns:mc="http://schemas.openxmlformats.org/markup-compatibility/2006">
               <mc:Choice xmlns:v="urn:schemas-microsoft-com:vml" Requires="v">
-                <p:oleObj spid="_x0000_s2060" name="Equation" r:id="rId5" imgW="1091880" imgH="1041120" progId="Equation.3">
+                <p:oleObj spid="_x0000_s2076" name="Equation" r:id="rId5" imgW="1091880" imgH="1041120" progId="Equation.3">
                   <p:embed/>
                 </p:oleObj>
               </mc:Choice>
@@ -20028,7 +21352,7 @@
           <a:p>
             <a:r>
               <a:rPr lang="en-US" dirty="0" smtClean="0"/>
-              <a:t>False sharing</a:t>
+              <a:t>Vectorization</a:t>
             </a:r>
             <a:endParaRPr lang="en-US" dirty="0"/>
           </a:p>
@@ -20049,7 +21373,59 @@
           <a:bodyPr/>
           <a:lstStyle/>
           <a:p>
-            <a:endParaRPr lang="en-US"/>
+            <a:r>
+              <a:rPr lang="en-US" dirty="0" smtClean="0"/>
+              <a:t>Arithmetic operation done on registers</a:t>
+            </a:r>
+          </a:p>
+          <a:p>
+            <a:r>
+              <a:rPr lang="en-US" dirty="0" smtClean="0"/>
+              <a:t>Vector r</a:t>
+            </a:r>
+            <a:r>
+              <a:rPr lang="en-US" dirty="0" smtClean="0"/>
+              <a:t>egisters </a:t>
+            </a:r>
+            <a:r>
+              <a:rPr lang="en-US" dirty="0" smtClean="0"/>
+              <a:t>for floating </a:t>
+            </a:r>
+            <a:r>
+              <a:rPr lang="en-US" dirty="0" smtClean="0"/>
+              <a:t>point operands:</a:t>
+            </a:r>
+            <a:br>
+              <a:rPr lang="en-US" dirty="0" smtClean="0"/>
+            </a:br>
+            <a:r>
+              <a:rPr lang="en-US" dirty="0" smtClean="0"/>
+              <a:t>256 bit wide</a:t>
+            </a:r>
+            <a:endParaRPr lang="en-US" dirty="0" smtClean="0"/>
+          </a:p>
+          <a:p>
+            <a:pPr lvl="1"/>
+            <a:r>
+              <a:rPr lang="en-US" dirty="0" smtClean="0"/>
+              <a:t>4 double precision</a:t>
+            </a:r>
+          </a:p>
+          <a:p>
+            <a:pPr lvl="1"/>
+            <a:endParaRPr lang="en-US" dirty="0" smtClean="0"/>
+          </a:p>
+          <a:p>
+            <a:pPr lvl="1"/>
+            <a:r>
+              <a:rPr lang="en-US" dirty="0" smtClean="0"/>
+              <a:t>8 </a:t>
+            </a:r>
+            <a:r>
+              <a:rPr lang="en-US" dirty="0" smtClean="0"/>
+              <a:t>single precision</a:t>
+            </a:r>
+            <a:endParaRPr lang="en-US" dirty="0"/>
           </a:p>
         </p:txBody>
       </p:sp>
@@ -20076,10 +21452,326 @@
           </a:p>
         </p:txBody>
       </p:sp>
+      <p:grpSp>
+        <p:nvGrpSpPr>
+          <p:cNvPr id="7" name="Group 6"/>
+          <p:cNvGrpSpPr/>
+          <p:nvPr/>
+        </p:nvGrpSpPr>
+        <p:grpSpPr>
+          <a:xfrm>
+            <a:off x="4283968" y="3236009"/>
+            <a:ext cx="4628846" cy="523220"/>
+            <a:chOff x="4355976" y="3236009"/>
+            <a:chExt cx="4628846" cy="523220"/>
+          </a:xfrm>
+        </p:grpSpPr>
+        <p:sp>
+          <p:nvSpPr>
+            <p:cNvPr id="5" name="TextBox 4"/>
+            <p:cNvSpPr txBox="1"/>
+            <p:nvPr/>
+          </p:nvSpPr>
+          <p:spPr>
+            <a:xfrm>
+              <a:off x="5292080" y="3236009"/>
+              <a:ext cx="3692742" cy="523220"/>
+            </a:xfrm>
+            <a:prstGeom prst="rect">
+              <a:avLst/>
+            </a:prstGeom>
+            <a:noFill/>
+            <a:ln>
+              <a:solidFill>
+                <a:schemeClr val="tx1"/>
+              </a:solidFill>
+            </a:ln>
+          </p:spPr>
+          <p:txBody>
+            <a:bodyPr wrap="none" rtlCol="0">
+              <a:spAutoFit/>
+            </a:bodyPr>
+            <a:lstStyle/>
+            <a:p>
+              <a:r>
+                <a:rPr lang="en-US" sz="2800" dirty="0" smtClean="0"/>
+                <a:t>4 concurrent operations</a:t>
+              </a:r>
+              <a:endParaRPr lang="en-US" sz="2800" dirty="0"/>
+            </a:p>
+          </p:txBody>
+        </p:sp>
+        <p:sp>
+          <p:nvSpPr>
+            <p:cNvPr id="6" name="Right Arrow 5"/>
+            <p:cNvSpPr/>
+            <p:nvPr/>
+          </p:nvSpPr>
+          <p:spPr>
+            <a:xfrm>
+              <a:off x="4355976" y="3377774"/>
+              <a:ext cx="648072" cy="288032"/>
+            </a:xfrm>
+            <a:prstGeom prst="rightArrow">
+              <a:avLst/>
+            </a:prstGeom>
+            <a:solidFill>
+              <a:schemeClr val="tx1"/>
+            </a:solidFill>
+            <a:ln>
+              <a:solidFill>
+                <a:schemeClr val="tx1"/>
+              </a:solidFill>
+            </a:ln>
+          </p:spPr>
+          <p:style>
+            <a:lnRef idx="2">
+              <a:schemeClr val="accent1">
+                <a:shade val="50000"/>
+              </a:schemeClr>
+            </a:lnRef>
+            <a:fillRef idx="1">
+              <a:schemeClr val="accent1"/>
+            </a:fillRef>
+            <a:effectRef idx="0">
+              <a:schemeClr val="accent1"/>
+            </a:effectRef>
+            <a:fontRef idx="minor">
+              <a:schemeClr val="lt1"/>
+            </a:fontRef>
+          </p:style>
+          <p:txBody>
+            <a:bodyPr rtlCol="0" anchor="ctr"/>
+            <a:lstStyle/>
+            <a:p>
+              <a:pPr algn="ctr"/>
+              <a:endParaRPr lang="en-US"/>
+            </a:p>
+          </p:txBody>
+        </p:sp>
+      </p:grpSp>
+      <p:grpSp>
+        <p:nvGrpSpPr>
+          <p:cNvPr id="8" name="Group 7"/>
+          <p:cNvGrpSpPr/>
+          <p:nvPr/>
+        </p:nvGrpSpPr>
+        <p:grpSpPr>
+          <a:xfrm>
+            <a:off x="4283968" y="4221088"/>
+            <a:ext cx="4628846" cy="523220"/>
+            <a:chOff x="4355976" y="3236009"/>
+            <a:chExt cx="4628846" cy="523220"/>
+          </a:xfrm>
+        </p:grpSpPr>
+        <p:sp>
+          <p:nvSpPr>
+            <p:cNvPr id="9" name="TextBox 8"/>
+            <p:cNvSpPr txBox="1"/>
+            <p:nvPr/>
+          </p:nvSpPr>
+          <p:spPr>
+            <a:xfrm>
+              <a:off x="5292080" y="3236009"/>
+              <a:ext cx="3692742" cy="523220"/>
+            </a:xfrm>
+            <a:prstGeom prst="rect">
+              <a:avLst/>
+            </a:prstGeom>
+            <a:noFill/>
+            <a:ln>
+              <a:solidFill>
+                <a:schemeClr val="tx1"/>
+              </a:solidFill>
+            </a:ln>
+          </p:spPr>
+          <p:txBody>
+            <a:bodyPr wrap="none" rtlCol="0">
+              <a:spAutoFit/>
+            </a:bodyPr>
+            <a:lstStyle/>
+            <a:p>
+              <a:r>
+                <a:rPr lang="en-US" sz="2800" dirty="0" smtClean="0"/>
+                <a:t>8 concurrent operations</a:t>
+              </a:r>
+              <a:endParaRPr lang="en-US" sz="2800" dirty="0"/>
+            </a:p>
+          </p:txBody>
+        </p:sp>
+        <p:sp>
+          <p:nvSpPr>
+            <p:cNvPr id="10" name="Right Arrow 9"/>
+            <p:cNvSpPr/>
+            <p:nvPr/>
+          </p:nvSpPr>
+          <p:spPr>
+            <a:xfrm>
+              <a:off x="4355976" y="3377774"/>
+              <a:ext cx="648072" cy="288032"/>
+            </a:xfrm>
+            <a:prstGeom prst="rightArrow">
+              <a:avLst/>
+            </a:prstGeom>
+            <a:solidFill>
+              <a:schemeClr val="tx1"/>
+            </a:solidFill>
+            <a:ln>
+              <a:solidFill>
+                <a:schemeClr val="tx1"/>
+              </a:solidFill>
+            </a:ln>
+          </p:spPr>
+          <p:style>
+            <a:lnRef idx="2">
+              <a:schemeClr val="accent1">
+                <a:shade val="50000"/>
+              </a:schemeClr>
+            </a:lnRef>
+            <a:fillRef idx="1">
+              <a:schemeClr val="accent1"/>
+            </a:fillRef>
+            <a:effectRef idx="0">
+              <a:schemeClr val="accent1"/>
+            </a:effectRef>
+            <a:fontRef idx="minor">
+              <a:schemeClr val="lt1"/>
+            </a:fontRef>
+          </p:style>
+          <p:txBody>
+            <a:bodyPr rtlCol="0" anchor="ctr"/>
+            <a:lstStyle/>
+            <a:p>
+              <a:pPr algn="ctr"/>
+              <a:endParaRPr lang="en-US"/>
+            </a:p>
+          </p:txBody>
+        </p:sp>
+      </p:grpSp>
+      <p:sp>
+        <p:nvSpPr>
+          <p:cNvPr id="11" name="TextBox 10"/>
+          <p:cNvSpPr txBox="1"/>
+          <p:nvPr/>
+        </p:nvSpPr>
+        <p:spPr>
+          <a:xfrm>
+            <a:off x="107504" y="5229200"/>
+            <a:ext cx="8913146" cy="830997"/>
+          </a:xfrm>
+          <a:prstGeom prst="rect">
+            <a:avLst/>
+          </a:prstGeom>
+          <a:noFill/>
+        </p:spPr>
+        <p:txBody>
+          <a:bodyPr wrap="none" rtlCol="0">
+            <a:spAutoFit/>
+          </a:bodyPr>
+          <a:lstStyle/>
+          <a:p>
+            <a:r>
+              <a:rPr lang="en-US" sz="2400" dirty="0" smtClean="0"/>
+              <a:t>double precision: 4 registers  × 2.5</a:t>
+            </a:r>
+            <a:r>
+              <a:rPr lang="en-US" sz="2400" baseline="30000" dirty="0" smtClean="0"/>
+              <a:t>.</a:t>
+            </a:r>
+            <a:r>
+              <a:rPr lang="en-US" sz="2400" dirty="0" smtClean="0"/>
+              <a:t>10</a:t>
+            </a:r>
+            <a:r>
+              <a:rPr lang="en-US" sz="2400" baseline="30000" dirty="0" smtClean="0"/>
+              <a:t>9</a:t>
+            </a:r>
+            <a:r>
+              <a:rPr lang="en-US" sz="2400" dirty="0" smtClean="0"/>
+              <a:t> additions </a:t>
+            </a:r>
+            <a:r>
+              <a:rPr lang="en-US" sz="2400" dirty="0"/>
+              <a:t>×</a:t>
+            </a:r>
+            <a:r>
+              <a:rPr lang="en-US" sz="2400" dirty="0" smtClean="0"/>
+              <a:t> 18 cores </a:t>
+            </a:r>
+            <a:r>
+              <a:rPr lang="en-US" sz="2400" dirty="0"/>
+              <a:t>×</a:t>
+            </a:r>
+            <a:r>
+              <a:rPr lang="en-US" sz="2400" dirty="0" smtClean="0"/>
+              <a:t> 2 sockets</a:t>
+            </a:r>
+            <a:br>
+              <a:rPr lang="en-US" sz="2400" dirty="0" smtClean="0"/>
+            </a:br>
+            <a:r>
+              <a:rPr lang="en-US" sz="2400" dirty="0" smtClean="0"/>
+              <a:t>                                = 360 GFLOPS</a:t>
+            </a:r>
+            <a:endParaRPr lang="en-US" sz="2400" dirty="0"/>
+          </a:p>
+        </p:txBody>
+      </p:sp>
+      <p:sp>
+        <p:nvSpPr>
+          <p:cNvPr id="12" name="TextBox 11"/>
+          <p:cNvSpPr txBox="1"/>
+          <p:nvPr/>
+        </p:nvSpPr>
+        <p:spPr>
+          <a:xfrm>
+            <a:off x="4427984" y="5805264"/>
+            <a:ext cx="4047583" cy="461665"/>
+          </a:xfrm>
+          <a:prstGeom prst="rect">
+            <a:avLst/>
+          </a:prstGeom>
+          <a:noFill/>
+          <a:ln>
+            <a:solidFill>
+              <a:schemeClr val="tx1"/>
+            </a:solidFill>
+          </a:ln>
+        </p:spPr>
+        <p:txBody>
+          <a:bodyPr wrap="none" rtlCol="0">
+            <a:spAutoFit/>
+          </a:bodyPr>
+          <a:lstStyle/>
+          <a:p>
+            <a:r>
+              <a:rPr lang="en-US" sz="2400" b="1" i="1" dirty="0" smtClean="0">
+                <a:solidFill>
+                  <a:srgbClr val="C00000"/>
+                </a:solidFill>
+              </a:rPr>
+              <a:t>Theoretical</a:t>
+            </a:r>
+            <a:r>
+              <a:rPr lang="en-US" sz="2400" dirty="0" smtClean="0">
+                <a:solidFill>
+                  <a:srgbClr val="C00000"/>
+                </a:solidFill>
+              </a:rPr>
+              <a:t> </a:t>
+            </a:r>
+            <a:r>
+              <a:rPr lang="en-US" sz="2400" dirty="0" smtClean="0"/>
+              <a:t>peak performance!</a:t>
+            </a:r>
+            <a:endParaRPr lang="en-US" sz="2400" dirty="0"/>
+          </a:p>
+        </p:txBody>
+      </p:sp>
     </p:spTree>
     <p:extLst>
       <p:ext uri="{BB962C8B-B14F-4D97-AF65-F5344CB8AC3E}">
-        <p14:creationId xmlns:p14="http://schemas.microsoft.com/office/powerpoint/2010/main" val="1302518243"/>
+        <p14:creationId xmlns:p14="http://schemas.microsoft.com/office/powerpoint/2010/main" val="78468918"/>
       </p:ext>
     </p:extLst>
   </p:cSld>
@@ -20089,9 +21781,447 @@
   <p:timing>
     <p:tnLst>
       <p:par>
-        <p:cTn id="1" dur="indefinite" restart="never" nodeType="tmRoot"/>
+        <p:cTn id="1" dur="indefinite" restart="never" nodeType="tmRoot">
+          <p:childTnLst>
+            <p:seq concurrent="1" nextAc="seek">
+              <p:cTn id="2" dur="indefinite" nodeType="mainSeq">
+                <p:childTnLst>
+                  <p:par>
+                    <p:cTn id="3" fill="hold">
+                      <p:stCondLst>
+                        <p:cond delay="indefinite"/>
+                        <p:cond evt="onBegin" delay="0">
+                          <p:tn val="2"/>
+                        </p:cond>
+                      </p:stCondLst>
+                      <p:childTnLst>
+                        <p:par>
+                          <p:cTn id="4" fill="hold">
+                            <p:stCondLst>
+                              <p:cond delay="0"/>
+                            </p:stCondLst>
+                            <p:childTnLst>
+                              <p:par>
+                                <p:cTn id="5" presetID="1" presetClass="entr" presetSubtype="0" fill="hold" grpId="0" nodeType="withEffect">
+                                  <p:stCondLst>
+                                    <p:cond delay="0"/>
+                                  </p:stCondLst>
+                                  <p:childTnLst>
+                                    <p:set>
+                                      <p:cBhvr>
+                                        <p:cTn id="6" dur="1" fill="hold">
+                                          <p:stCondLst>
+                                            <p:cond delay="0"/>
+                                          </p:stCondLst>
+                                        </p:cTn>
+                                        <p:tgtEl>
+                                          <p:spTgt spid="3">
+                                            <p:txEl>
+                                              <p:pRg st="0" end="0"/>
+                                            </p:txEl>
+                                          </p:spTgt>
+                                        </p:tgtEl>
+                                        <p:attrNameLst>
+                                          <p:attrName>style.visibility</p:attrName>
+                                        </p:attrNameLst>
+                                      </p:cBhvr>
+                                      <p:to>
+                                        <p:strVal val="visible"/>
+                                      </p:to>
+                                    </p:set>
+                                  </p:childTnLst>
+                                </p:cTn>
+                              </p:par>
+                            </p:childTnLst>
+                          </p:cTn>
+                        </p:par>
+                      </p:childTnLst>
+                    </p:cTn>
+                  </p:par>
+                  <p:par>
+                    <p:cTn id="7" fill="hold">
+                      <p:stCondLst>
+                        <p:cond delay="indefinite"/>
+                      </p:stCondLst>
+                      <p:childTnLst>
+                        <p:par>
+                          <p:cTn id="8" fill="hold">
+                            <p:stCondLst>
+                              <p:cond delay="0"/>
+                            </p:stCondLst>
+                            <p:childTnLst>
+                              <p:par>
+                                <p:cTn id="9" presetID="1" presetClass="entr" presetSubtype="0" fill="hold" grpId="0" nodeType="clickEffect">
+                                  <p:stCondLst>
+                                    <p:cond delay="0"/>
+                                  </p:stCondLst>
+                                  <p:childTnLst>
+                                    <p:set>
+                                      <p:cBhvr>
+                                        <p:cTn id="10" dur="1" fill="hold">
+                                          <p:stCondLst>
+                                            <p:cond delay="0"/>
+                                          </p:stCondLst>
+                                        </p:cTn>
+                                        <p:tgtEl>
+                                          <p:spTgt spid="3">
+                                            <p:txEl>
+                                              <p:pRg st="1" end="1"/>
+                                            </p:txEl>
+                                          </p:spTgt>
+                                        </p:tgtEl>
+                                        <p:attrNameLst>
+                                          <p:attrName>style.visibility</p:attrName>
+                                        </p:attrNameLst>
+                                      </p:cBhvr>
+                                      <p:to>
+                                        <p:strVal val="visible"/>
+                                      </p:to>
+                                    </p:set>
+                                  </p:childTnLst>
+                                </p:cTn>
+                              </p:par>
+                              <p:par>
+                                <p:cTn id="11" presetID="1" presetClass="entr" presetSubtype="0" fill="hold" grpId="0" nodeType="withEffect">
+                                  <p:stCondLst>
+                                    <p:cond delay="0"/>
+                                  </p:stCondLst>
+                                  <p:childTnLst>
+                                    <p:set>
+                                      <p:cBhvr>
+                                        <p:cTn id="12" dur="1" fill="hold">
+                                          <p:stCondLst>
+                                            <p:cond delay="0"/>
+                                          </p:stCondLst>
+                                        </p:cTn>
+                                        <p:tgtEl>
+                                          <p:spTgt spid="3">
+                                            <p:txEl>
+                                              <p:pRg st="2" end="2"/>
+                                            </p:txEl>
+                                          </p:spTgt>
+                                        </p:tgtEl>
+                                        <p:attrNameLst>
+                                          <p:attrName>style.visibility</p:attrName>
+                                        </p:attrNameLst>
+                                      </p:cBhvr>
+                                      <p:to>
+                                        <p:strVal val="visible"/>
+                                      </p:to>
+                                    </p:set>
+                                  </p:childTnLst>
+                                </p:cTn>
+                              </p:par>
+                            </p:childTnLst>
+                          </p:cTn>
+                        </p:par>
+                      </p:childTnLst>
+                    </p:cTn>
+                  </p:par>
+                  <p:par>
+                    <p:cTn id="13" fill="hold">
+                      <p:stCondLst>
+                        <p:cond delay="indefinite"/>
+                      </p:stCondLst>
+                      <p:childTnLst>
+                        <p:par>
+                          <p:cTn id="14" fill="hold">
+                            <p:stCondLst>
+                              <p:cond delay="0"/>
+                            </p:stCondLst>
+                            <p:childTnLst>
+                              <p:par>
+                                <p:cTn id="15" presetID="1" presetClass="entr" presetSubtype="0" fill="hold" nodeType="clickEffect">
+                                  <p:stCondLst>
+                                    <p:cond delay="0"/>
+                                  </p:stCondLst>
+                                  <p:childTnLst>
+                                    <p:set>
+                                      <p:cBhvr>
+                                        <p:cTn id="16" dur="1" fill="hold">
+                                          <p:stCondLst>
+                                            <p:cond delay="0"/>
+                                          </p:stCondLst>
+                                        </p:cTn>
+                                        <p:tgtEl>
+                                          <p:spTgt spid="7"/>
+                                        </p:tgtEl>
+                                        <p:attrNameLst>
+                                          <p:attrName>style.visibility</p:attrName>
+                                        </p:attrNameLst>
+                                      </p:cBhvr>
+                                      <p:to>
+                                        <p:strVal val="visible"/>
+                                      </p:to>
+                                    </p:set>
+                                  </p:childTnLst>
+                                </p:cTn>
+                              </p:par>
+                            </p:childTnLst>
+                          </p:cTn>
+                        </p:par>
+                      </p:childTnLst>
+                    </p:cTn>
+                  </p:par>
+                  <p:par>
+                    <p:cTn id="17" fill="hold">
+                      <p:stCondLst>
+                        <p:cond delay="indefinite"/>
+                      </p:stCondLst>
+                      <p:childTnLst>
+                        <p:par>
+                          <p:cTn id="18" fill="hold">
+                            <p:stCondLst>
+                              <p:cond delay="0"/>
+                            </p:stCondLst>
+                            <p:childTnLst>
+                              <p:par>
+                                <p:cTn id="19" presetID="1" presetClass="entr" presetSubtype="0" fill="hold" grpId="0" nodeType="clickEffect">
+                                  <p:stCondLst>
+                                    <p:cond delay="0"/>
+                                  </p:stCondLst>
+                                  <p:childTnLst>
+                                    <p:set>
+                                      <p:cBhvr>
+                                        <p:cTn id="20" dur="1" fill="hold">
+                                          <p:stCondLst>
+                                            <p:cond delay="0"/>
+                                          </p:stCondLst>
+                                        </p:cTn>
+                                        <p:tgtEl>
+                                          <p:spTgt spid="3">
+                                            <p:txEl>
+                                              <p:pRg st="4" end="4"/>
+                                            </p:txEl>
+                                          </p:spTgt>
+                                        </p:tgtEl>
+                                        <p:attrNameLst>
+                                          <p:attrName>style.visibility</p:attrName>
+                                        </p:attrNameLst>
+                                      </p:cBhvr>
+                                      <p:to>
+                                        <p:strVal val="visible"/>
+                                      </p:to>
+                                    </p:set>
+                                  </p:childTnLst>
+                                </p:cTn>
+                              </p:par>
+                            </p:childTnLst>
+                          </p:cTn>
+                        </p:par>
+                      </p:childTnLst>
+                    </p:cTn>
+                  </p:par>
+                  <p:par>
+                    <p:cTn id="21" fill="hold">
+                      <p:stCondLst>
+                        <p:cond delay="indefinite"/>
+                      </p:stCondLst>
+                      <p:childTnLst>
+                        <p:par>
+                          <p:cTn id="22" fill="hold">
+                            <p:stCondLst>
+                              <p:cond delay="0"/>
+                            </p:stCondLst>
+                            <p:childTnLst>
+                              <p:par>
+                                <p:cTn id="23" presetID="1" presetClass="entr" presetSubtype="0" fill="hold" nodeType="clickEffect">
+                                  <p:stCondLst>
+                                    <p:cond delay="0"/>
+                                  </p:stCondLst>
+                                  <p:childTnLst>
+                                    <p:set>
+                                      <p:cBhvr>
+                                        <p:cTn id="24" dur="1" fill="hold">
+                                          <p:stCondLst>
+                                            <p:cond delay="0"/>
+                                          </p:stCondLst>
+                                        </p:cTn>
+                                        <p:tgtEl>
+                                          <p:spTgt spid="8"/>
+                                        </p:tgtEl>
+                                        <p:attrNameLst>
+                                          <p:attrName>style.visibility</p:attrName>
+                                        </p:attrNameLst>
+                                      </p:cBhvr>
+                                      <p:to>
+                                        <p:strVal val="visible"/>
+                                      </p:to>
+                                    </p:set>
+                                  </p:childTnLst>
+                                </p:cTn>
+                              </p:par>
+                            </p:childTnLst>
+                          </p:cTn>
+                        </p:par>
+                      </p:childTnLst>
+                    </p:cTn>
+                  </p:par>
+                  <p:par>
+                    <p:cTn id="25" fill="hold">
+                      <p:stCondLst>
+                        <p:cond delay="indefinite"/>
+                      </p:stCondLst>
+                      <p:childTnLst>
+                        <p:par>
+                          <p:cTn id="26" fill="hold">
+                            <p:stCondLst>
+                              <p:cond delay="0"/>
+                            </p:stCondLst>
+                            <p:childTnLst>
+                              <p:par>
+                                <p:cTn id="27" presetID="1" presetClass="entr" presetSubtype="0" fill="hold" grpId="0" nodeType="clickEffect">
+                                  <p:stCondLst>
+                                    <p:cond delay="0"/>
+                                  </p:stCondLst>
+                                  <p:childTnLst>
+                                    <p:set>
+                                      <p:cBhvr>
+                                        <p:cTn id="28" dur="1" fill="hold">
+                                          <p:stCondLst>
+                                            <p:cond delay="0"/>
+                                          </p:stCondLst>
+                                        </p:cTn>
+                                        <p:tgtEl>
+                                          <p:spTgt spid="11"/>
+                                        </p:tgtEl>
+                                        <p:attrNameLst>
+                                          <p:attrName>style.visibility</p:attrName>
+                                        </p:attrNameLst>
+                                      </p:cBhvr>
+                                      <p:to>
+                                        <p:strVal val="visible"/>
+                                      </p:to>
+                                    </p:set>
+                                  </p:childTnLst>
+                                </p:cTn>
+                              </p:par>
+                            </p:childTnLst>
+                          </p:cTn>
+                        </p:par>
+                      </p:childTnLst>
+                    </p:cTn>
+                  </p:par>
+                  <p:par>
+                    <p:cTn id="29" fill="hold">
+                      <p:stCondLst>
+                        <p:cond delay="indefinite"/>
+                      </p:stCondLst>
+                      <p:childTnLst>
+                        <p:par>
+                          <p:cTn id="30" fill="hold">
+                            <p:stCondLst>
+                              <p:cond delay="0"/>
+                            </p:stCondLst>
+                            <p:childTnLst>
+                              <p:par>
+                                <p:cTn id="31" presetID="1" presetClass="entr" presetSubtype="0" fill="hold" grpId="0" nodeType="clickEffect">
+                                  <p:stCondLst>
+                                    <p:cond delay="0"/>
+                                  </p:stCondLst>
+                                  <p:childTnLst>
+                                    <p:set>
+                                      <p:cBhvr>
+                                        <p:cTn id="32" dur="1" fill="hold">
+                                          <p:stCondLst>
+                                            <p:cond delay="0"/>
+                                          </p:stCondLst>
+                                        </p:cTn>
+                                        <p:tgtEl>
+                                          <p:spTgt spid="12"/>
+                                        </p:tgtEl>
+                                        <p:attrNameLst>
+                                          <p:attrName>style.visibility</p:attrName>
+                                        </p:attrNameLst>
+                                      </p:cBhvr>
+                                      <p:to>
+                                        <p:strVal val="visible"/>
+                                      </p:to>
+                                    </p:set>
+                                  </p:childTnLst>
+                                </p:cTn>
+                              </p:par>
+                            </p:childTnLst>
+                          </p:cTn>
+                        </p:par>
+                      </p:childTnLst>
+                    </p:cTn>
+                  </p:par>
+                  <p:par>
+                    <p:cTn id="33" fill="hold">
+                      <p:stCondLst>
+                        <p:cond delay="indefinite"/>
+                      </p:stCondLst>
+                      <p:childTnLst>
+                        <p:par>
+                          <p:cTn id="34" fill="hold">
+                            <p:stCondLst>
+                              <p:cond delay="0"/>
+                            </p:stCondLst>
+                            <p:childTnLst>
+                              <p:par>
+                                <p:cTn id="35" presetID="1" presetClass="entr" presetSubtype="0" fill="hold" nodeType="clickEffect">
+                                  <p:stCondLst>
+                                    <p:cond delay="0"/>
+                                  </p:stCondLst>
+                                  <p:childTnLst>
+                                    <p:set>
+                                      <p:cBhvr>
+                                        <p:cTn id="36" dur="1" fill="hold">
+                                          <p:stCondLst>
+                                            <p:cond delay="0"/>
+                                          </p:stCondLst>
+                                        </p:cTn>
+                                        <p:tgtEl>
+                                          <p:spTgt spid="12">
+                                            <p:txEl>
+                                              <p:pRg st="0" end="0"/>
+                                            </p:txEl>
+                                          </p:spTgt>
+                                        </p:tgtEl>
+                                        <p:attrNameLst>
+                                          <p:attrName>style.visibility</p:attrName>
+                                        </p:attrNameLst>
+                                      </p:cBhvr>
+                                      <p:to>
+                                        <p:strVal val="visible"/>
+                                      </p:to>
+                                    </p:set>
+                                  </p:childTnLst>
+                                </p:cTn>
+                              </p:par>
+                            </p:childTnLst>
+                          </p:cTn>
+                        </p:par>
+                      </p:childTnLst>
+                    </p:cTn>
+                  </p:par>
+                </p:childTnLst>
+              </p:cTn>
+              <p:prevCondLst>
+                <p:cond evt="onPrev" delay="0">
+                  <p:tgtEl>
+                    <p:sldTgt/>
+                  </p:tgtEl>
+                </p:cond>
+              </p:prevCondLst>
+              <p:nextCondLst>
+                <p:cond evt="onNext" delay="0">
+                  <p:tgtEl>
+                    <p:sldTgt/>
+                  </p:tgtEl>
+                </p:cond>
+              </p:nextCondLst>
+            </p:seq>
+          </p:childTnLst>
+        </p:cTn>
       </p:par>
     </p:tnLst>
+    <p:bldLst>
+      <p:bldP spid="3" grpId="0" uiExpand="1" build="p"/>
+      <p:bldP spid="11" grpId="0"/>
+      <p:bldP spid="12" grpId="0" animBg="1"/>
+    </p:bldLst>
   </p:timing>
 </p:sld>
 </file>
@@ -20130,7 +22260,7 @@
           <a:p>
             <a:r>
               <a:rPr lang="en-US" dirty="0" smtClean="0"/>
-              <a:t>Vectorization</a:t>
+              <a:t>AVX2</a:t>
             </a:r>
             <a:endParaRPr lang="en-US" dirty="0"/>
           </a:p>
@@ -20153,27 +22283,47 @@
           <a:p>
             <a:r>
               <a:rPr lang="en-US" dirty="0" smtClean="0"/>
-              <a:t>Arithmetic operation done on registers</a:t>
-            </a:r>
-          </a:p>
-          <a:p>
-            <a:r>
-              <a:rPr lang="en-US" dirty="0" smtClean="0"/>
-              <a:t>Registers for floating point are 256 bit</a:t>
+              <a:t>Haswell, Broadwell CPUs: AVX2 instruction set</a:t>
             </a:r>
           </a:p>
           <a:p>
             <a:pPr lvl="1"/>
             <a:r>
               <a:rPr lang="en-US" dirty="0" smtClean="0"/>
-              <a:t>4 double precision</a:t>
+              <a:t>Fused multiply/add: </a:t>
+            </a:r>
+            <a:r>
+              <a:rPr lang="en-US" dirty="0" smtClean="0">
+                <a:latin typeface="Courier New" panose="02070309020205020404" pitchFamily="49" charset="0"/>
+                <a:cs typeface="Courier New" panose="02070309020205020404" pitchFamily="49" charset="0"/>
+              </a:rPr>
+              <a:t>a*x + b</a:t>
+            </a:r>
+            <a:r>
+              <a:rPr lang="en-US" dirty="0" smtClean="0"/>
+              <a:t> is single operation</a:t>
+            </a:r>
+          </a:p>
+          <a:p>
+            <a:pPr lvl="1"/>
+            <a:endParaRPr lang="en-US" dirty="0"/>
+          </a:p>
+          <a:p>
+            <a:pPr lvl="1"/>
+            <a:endParaRPr lang="en-US" dirty="0" smtClean="0"/>
+          </a:p>
+          <a:p>
+            <a:pPr lvl="1"/>
+            <a:r>
+              <a:rPr lang="en-US" dirty="0" smtClean="0"/>
+              <a:t>Integer vector registers: 256 bit wide</a:t>
             </a:r>
           </a:p>
           <a:p>
             <a:pPr lvl="1"/>
             <a:r>
               <a:rPr lang="en-US" dirty="0" smtClean="0"/>
-              <a:t>8 single precision</a:t>
+              <a:t>Extra operations for cryptography</a:t>
             </a:r>
             <a:endParaRPr lang="en-US" dirty="0"/>
           </a:p>
@@ -20202,10 +22352,100 @@
           </a:p>
         </p:txBody>
       </p:sp>
+      <p:sp>
+        <p:nvSpPr>
+          <p:cNvPr id="6" name="TextBox 5"/>
+          <p:cNvSpPr txBox="1"/>
+          <p:nvPr/>
+        </p:nvSpPr>
+        <p:spPr>
+          <a:xfrm>
+            <a:off x="1403648" y="2924944"/>
+            <a:ext cx="6258701" cy="461665"/>
+          </a:xfrm>
+          <a:prstGeom prst="rect">
+            <a:avLst/>
+          </a:prstGeom>
+          <a:noFill/>
+          <a:ln>
+            <a:solidFill>
+              <a:schemeClr val="tx1"/>
+            </a:solidFill>
+          </a:ln>
+        </p:spPr>
+        <p:txBody>
+          <a:bodyPr wrap="none" rtlCol="0">
+            <a:spAutoFit/>
+          </a:bodyPr>
+          <a:lstStyle/>
+          <a:p>
+            <a:r>
+              <a:rPr lang="en-US" sz="2400" dirty="0" smtClean="0"/>
+              <a:t>Streaming: 1 addition </a:t>
+            </a:r>
+            <a:r>
+              <a:rPr lang="en-US" sz="2400" b="1" i="1" dirty="0" smtClean="0">
+                <a:solidFill>
+                  <a:srgbClr val="C00000"/>
+                </a:solidFill>
+              </a:rPr>
+              <a:t>and</a:t>
+            </a:r>
+            <a:r>
+              <a:rPr lang="en-US" sz="2400" dirty="0" smtClean="0">
+                <a:solidFill>
+                  <a:srgbClr val="C00000"/>
+                </a:solidFill>
+              </a:rPr>
+              <a:t> </a:t>
+            </a:r>
+            <a:r>
+              <a:rPr lang="en-US" sz="2400" dirty="0" smtClean="0"/>
+              <a:t>1 multiplication/cycle!</a:t>
+            </a:r>
+            <a:endParaRPr lang="en-US" sz="2400" dirty="0"/>
+          </a:p>
+        </p:txBody>
+      </p:sp>
+      <p:sp>
+        <p:nvSpPr>
+          <p:cNvPr id="7" name="TextBox 6"/>
+          <p:cNvSpPr txBox="1"/>
+          <p:nvPr/>
+        </p:nvSpPr>
+        <p:spPr>
+          <a:xfrm>
+            <a:off x="2843808" y="5229200"/>
+            <a:ext cx="3580211" cy="584775"/>
+          </a:xfrm>
+          <a:prstGeom prst="rect">
+            <a:avLst/>
+          </a:prstGeom>
+          <a:noFill/>
+          <a:ln>
+            <a:solidFill>
+              <a:schemeClr val="tx1"/>
+            </a:solidFill>
+          </a:ln>
+        </p:spPr>
+        <p:txBody>
+          <a:bodyPr wrap="none" rtlCol="0">
+            <a:spAutoFit/>
+          </a:bodyPr>
+          <a:lstStyle/>
+          <a:p>
+            <a:r>
+              <a:rPr lang="en-US" sz="3200" dirty="0" smtClean="0"/>
+              <a:t>Worth to recompile!</a:t>
+            </a:r>
+            <a:endParaRPr lang="en-US" sz="3200" dirty="0"/>
+          </a:p>
+        </p:txBody>
+      </p:sp>
     </p:spTree>
     <p:extLst>
       <p:ext uri="{BB962C8B-B14F-4D97-AF65-F5344CB8AC3E}">
-        <p14:creationId xmlns:p14="http://schemas.microsoft.com/office/powerpoint/2010/main" val="78468918"/>
+        <p14:creationId xmlns:p14="http://schemas.microsoft.com/office/powerpoint/2010/main" val="3126598689"/>
       </p:ext>
     </p:extLst>
   </p:cSld>
@@ -20215,14 +22455,998 @@
   <p:timing>
     <p:tnLst>
       <p:par>
-        <p:cTn id="1" dur="indefinite" restart="never" nodeType="tmRoot"/>
+        <p:cTn id="1" dur="indefinite" restart="never" nodeType="tmRoot">
+          <p:childTnLst>
+            <p:seq concurrent="1" nextAc="seek">
+              <p:cTn id="2" dur="indefinite" nodeType="mainSeq">
+                <p:childTnLst>
+                  <p:par>
+                    <p:cTn id="3" fill="hold">
+                      <p:stCondLst>
+                        <p:cond delay="indefinite"/>
+                        <p:cond evt="onBegin" delay="0">
+                          <p:tn val="2"/>
+                        </p:cond>
+                      </p:stCondLst>
+                      <p:childTnLst>
+                        <p:par>
+                          <p:cTn id="4" fill="hold">
+                            <p:stCondLst>
+                              <p:cond delay="0"/>
+                            </p:stCondLst>
+                            <p:childTnLst>
+                              <p:par>
+                                <p:cTn id="5" presetID="1" presetClass="entr" presetSubtype="0" fill="hold" grpId="0" nodeType="withEffect">
+                                  <p:stCondLst>
+                                    <p:cond delay="0"/>
+                                  </p:stCondLst>
+                                  <p:childTnLst>
+                                    <p:set>
+                                      <p:cBhvr>
+                                        <p:cTn id="6" dur="1" fill="hold">
+                                          <p:stCondLst>
+                                            <p:cond delay="0"/>
+                                          </p:stCondLst>
+                                        </p:cTn>
+                                        <p:tgtEl>
+                                          <p:spTgt spid="3">
+                                            <p:txEl>
+                                              <p:pRg st="0" end="0"/>
+                                            </p:txEl>
+                                          </p:spTgt>
+                                        </p:tgtEl>
+                                        <p:attrNameLst>
+                                          <p:attrName>style.visibility</p:attrName>
+                                        </p:attrNameLst>
+                                      </p:cBhvr>
+                                      <p:to>
+                                        <p:strVal val="visible"/>
+                                      </p:to>
+                                    </p:set>
+                                  </p:childTnLst>
+                                </p:cTn>
+                              </p:par>
+                            </p:childTnLst>
+                          </p:cTn>
+                        </p:par>
+                      </p:childTnLst>
+                    </p:cTn>
+                  </p:par>
+                  <p:par>
+                    <p:cTn id="7" fill="hold">
+                      <p:stCondLst>
+                        <p:cond delay="indefinite"/>
+                      </p:stCondLst>
+                      <p:childTnLst>
+                        <p:par>
+                          <p:cTn id="8" fill="hold">
+                            <p:stCondLst>
+                              <p:cond delay="0"/>
+                            </p:stCondLst>
+                            <p:childTnLst>
+                              <p:par>
+                                <p:cTn id="9" presetID="1" presetClass="entr" presetSubtype="0" fill="hold" grpId="0" nodeType="clickEffect">
+                                  <p:stCondLst>
+                                    <p:cond delay="0"/>
+                                  </p:stCondLst>
+                                  <p:childTnLst>
+                                    <p:set>
+                                      <p:cBhvr>
+                                        <p:cTn id="10" dur="1" fill="hold">
+                                          <p:stCondLst>
+                                            <p:cond delay="0"/>
+                                          </p:stCondLst>
+                                        </p:cTn>
+                                        <p:tgtEl>
+                                          <p:spTgt spid="3">
+                                            <p:txEl>
+                                              <p:pRg st="1" end="1"/>
+                                            </p:txEl>
+                                          </p:spTgt>
+                                        </p:tgtEl>
+                                        <p:attrNameLst>
+                                          <p:attrName>style.visibility</p:attrName>
+                                        </p:attrNameLst>
+                                      </p:cBhvr>
+                                      <p:to>
+                                        <p:strVal val="visible"/>
+                                      </p:to>
+                                    </p:set>
+                                  </p:childTnLst>
+                                </p:cTn>
+                              </p:par>
+                            </p:childTnLst>
+                          </p:cTn>
+                        </p:par>
+                      </p:childTnLst>
+                    </p:cTn>
+                  </p:par>
+                  <p:par>
+                    <p:cTn id="11" fill="hold">
+                      <p:stCondLst>
+                        <p:cond delay="indefinite"/>
+                      </p:stCondLst>
+                      <p:childTnLst>
+                        <p:par>
+                          <p:cTn id="12" fill="hold">
+                            <p:stCondLst>
+                              <p:cond delay="0"/>
+                            </p:stCondLst>
+                            <p:childTnLst>
+                              <p:par>
+                                <p:cTn id="13" presetID="1" presetClass="entr" presetSubtype="0" fill="hold" grpId="0" nodeType="clickEffect">
+                                  <p:stCondLst>
+                                    <p:cond delay="0"/>
+                                  </p:stCondLst>
+                                  <p:childTnLst>
+                                    <p:set>
+                                      <p:cBhvr>
+                                        <p:cTn id="14" dur="1" fill="hold">
+                                          <p:stCondLst>
+                                            <p:cond delay="0"/>
+                                          </p:stCondLst>
+                                        </p:cTn>
+                                        <p:tgtEl>
+                                          <p:spTgt spid="3">
+                                            <p:txEl>
+                                              <p:pRg st="4" end="4"/>
+                                            </p:txEl>
+                                          </p:spTgt>
+                                        </p:tgtEl>
+                                        <p:attrNameLst>
+                                          <p:attrName>style.visibility</p:attrName>
+                                        </p:attrNameLst>
+                                      </p:cBhvr>
+                                      <p:to>
+                                        <p:strVal val="visible"/>
+                                      </p:to>
+                                    </p:set>
+                                  </p:childTnLst>
+                                </p:cTn>
+                              </p:par>
+                            </p:childTnLst>
+                          </p:cTn>
+                        </p:par>
+                      </p:childTnLst>
+                    </p:cTn>
+                  </p:par>
+                  <p:par>
+                    <p:cTn id="15" fill="hold">
+                      <p:stCondLst>
+                        <p:cond delay="indefinite"/>
+                      </p:stCondLst>
+                      <p:childTnLst>
+                        <p:par>
+                          <p:cTn id="16" fill="hold">
+                            <p:stCondLst>
+                              <p:cond delay="0"/>
+                            </p:stCondLst>
+                            <p:childTnLst>
+                              <p:par>
+                                <p:cTn id="17" presetID="1" presetClass="entr" presetSubtype="0" fill="hold" grpId="0" nodeType="clickEffect">
+                                  <p:stCondLst>
+                                    <p:cond delay="0"/>
+                                  </p:stCondLst>
+                                  <p:childTnLst>
+                                    <p:set>
+                                      <p:cBhvr>
+                                        <p:cTn id="18" dur="1" fill="hold">
+                                          <p:stCondLst>
+                                            <p:cond delay="0"/>
+                                          </p:stCondLst>
+                                        </p:cTn>
+                                        <p:tgtEl>
+                                          <p:spTgt spid="3">
+                                            <p:txEl>
+                                              <p:pRg st="5" end="5"/>
+                                            </p:txEl>
+                                          </p:spTgt>
+                                        </p:tgtEl>
+                                        <p:attrNameLst>
+                                          <p:attrName>style.visibility</p:attrName>
+                                        </p:attrNameLst>
+                                      </p:cBhvr>
+                                      <p:to>
+                                        <p:strVal val="visible"/>
+                                      </p:to>
+                                    </p:set>
+                                  </p:childTnLst>
+                                </p:cTn>
+                              </p:par>
+                            </p:childTnLst>
+                          </p:cTn>
+                        </p:par>
+                      </p:childTnLst>
+                    </p:cTn>
+                  </p:par>
+                  <p:par>
+                    <p:cTn id="19" fill="hold">
+                      <p:stCondLst>
+                        <p:cond delay="indefinite"/>
+                      </p:stCondLst>
+                      <p:childTnLst>
+                        <p:par>
+                          <p:cTn id="20" fill="hold">
+                            <p:stCondLst>
+                              <p:cond delay="0"/>
+                            </p:stCondLst>
+                            <p:childTnLst>
+                              <p:par>
+                                <p:cTn id="21" presetID="1" presetClass="entr" presetSubtype="0" fill="hold" grpId="0" nodeType="clickEffect">
+                                  <p:stCondLst>
+                                    <p:cond delay="0"/>
+                                  </p:stCondLst>
+                                  <p:childTnLst>
+                                    <p:set>
+                                      <p:cBhvr>
+                                        <p:cTn id="22" dur="1" fill="hold">
+                                          <p:stCondLst>
+                                            <p:cond delay="0"/>
+                                          </p:stCondLst>
+                                        </p:cTn>
+                                        <p:tgtEl>
+                                          <p:spTgt spid="7"/>
+                                        </p:tgtEl>
+                                        <p:attrNameLst>
+                                          <p:attrName>style.visibility</p:attrName>
+                                        </p:attrNameLst>
+                                      </p:cBhvr>
+                                      <p:to>
+                                        <p:strVal val="visible"/>
+                                      </p:to>
+                                    </p:set>
+                                  </p:childTnLst>
+                                </p:cTn>
+                              </p:par>
+                            </p:childTnLst>
+                          </p:cTn>
+                        </p:par>
+                      </p:childTnLst>
+                    </p:cTn>
+                  </p:par>
+                </p:childTnLst>
+              </p:cTn>
+              <p:prevCondLst>
+                <p:cond evt="onPrev" delay="0">
+                  <p:tgtEl>
+                    <p:sldTgt/>
+                  </p:tgtEl>
+                </p:cond>
+              </p:prevCondLst>
+              <p:nextCondLst>
+                <p:cond evt="onNext" delay="0">
+                  <p:tgtEl>
+                    <p:sldTgt/>
+                  </p:tgtEl>
+                </p:cond>
+              </p:nextCondLst>
+            </p:seq>
+          </p:childTnLst>
+        </p:cTn>
       </p:par>
     </p:tnLst>
+    <p:bldLst>
+      <p:bldP spid="3" grpId="0" uiExpand="1" build="p" bldLvl="2"/>
+      <p:bldP spid="7" grpId="0" animBg="1"/>
+    </p:bldLst>
   </p:timing>
 </p:sld>
 </file>
 
 <file path=ppt/slides/slide23.xml><?xml version="1.0" encoding="utf-8"?>
+<p:sld xmlns:a="http://schemas.openxmlformats.org/drawingml/2006/main" xmlns:r="http://schemas.openxmlformats.org/officeDocument/2006/relationships" xmlns:p="http://schemas.openxmlformats.org/presentationml/2006/main">
+  <p:cSld>
+    <p:spTree>
+      <p:nvGrpSpPr>
+        <p:cNvPr id="1" name=""/>
+        <p:cNvGrpSpPr/>
+        <p:nvPr/>
+      </p:nvGrpSpPr>
+      <p:grpSpPr>
+        <a:xfrm>
+          <a:off x="0" y="0"/>
+          <a:ext cx="0" cy="0"/>
+          <a:chOff x="0" y="0"/>
+          <a:chExt cx="0" cy="0"/>
+        </a:xfrm>
+      </p:grpSpPr>
+      <p:sp>
+        <p:nvSpPr>
+          <p:cNvPr id="2" name="Title 1"/>
+          <p:cNvSpPr>
+            <a:spLocks noGrp="1"/>
+          </p:cNvSpPr>
+          <p:nvPr>
+            <p:ph type="title"/>
+          </p:nvPr>
+        </p:nvSpPr>
+        <p:spPr/>
+        <p:txBody>
+          <a:bodyPr/>
+          <a:lstStyle/>
+          <a:p>
+            <a:r>
+              <a:rPr lang="en-US" dirty="0" smtClean="0"/>
+              <a:t>Parallelism</a:t>
+            </a:r>
+            <a:endParaRPr lang="en-US" dirty="0"/>
+          </a:p>
+        </p:txBody>
+      </p:sp>
+      <p:sp>
+        <p:nvSpPr>
+          <p:cNvPr id="3" name="Content Placeholder 2"/>
+          <p:cNvSpPr>
+            <a:spLocks noGrp="1"/>
+          </p:cNvSpPr>
+          <p:nvPr>
+            <p:ph idx="1"/>
+          </p:nvPr>
+        </p:nvSpPr>
+        <p:spPr/>
+        <p:txBody>
+          <a:bodyPr/>
+          <a:lstStyle/>
+          <a:p>
+            <a:r>
+              <a:rPr lang="en-US" dirty="0" smtClean="0"/>
+              <a:t>Levels</a:t>
+            </a:r>
+          </a:p>
+          <a:p>
+            <a:pPr lvl="1"/>
+            <a:r>
+              <a:rPr lang="en-US" dirty="0" smtClean="0"/>
+              <a:t>vectorization</a:t>
+            </a:r>
+          </a:p>
+          <a:p>
+            <a:pPr lvl="2"/>
+            <a:r>
+              <a:rPr lang="en-US" dirty="0" smtClean="0"/>
+              <a:t>compiler flags, some help needed from programmer</a:t>
+            </a:r>
+          </a:p>
+          <a:p>
+            <a:pPr lvl="1"/>
+            <a:r>
+              <a:rPr lang="en-US" dirty="0" smtClean="0"/>
+              <a:t>multicore</a:t>
+            </a:r>
+          </a:p>
+          <a:p>
+            <a:pPr lvl="2"/>
+            <a:r>
+              <a:rPr lang="en-US" dirty="0" err="1" smtClean="0"/>
+              <a:t>OpenMP</a:t>
+            </a:r>
+            <a:r>
+              <a:rPr lang="en-US" dirty="0" smtClean="0"/>
+              <a:t>/</a:t>
+            </a:r>
+            <a:r>
+              <a:rPr lang="en-US" dirty="0" err="1" smtClean="0"/>
+              <a:t>pthreads</a:t>
+            </a:r>
+            <a:r>
+              <a:rPr lang="en-US" dirty="0" smtClean="0"/>
+              <a:t>: programmer's job</a:t>
+            </a:r>
+          </a:p>
+          <a:p>
+            <a:pPr lvl="1"/>
+            <a:r>
+              <a:rPr lang="en-US" dirty="0" smtClean="0"/>
+              <a:t>multimode, i.e., distributed</a:t>
+            </a:r>
+          </a:p>
+          <a:p>
+            <a:pPr lvl="2"/>
+            <a:r>
+              <a:rPr lang="en-US" dirty="0" smtClean="0"/>
+              <a:t>MPI: programmer's job</a:t>
+            </a:r>
+          </a:p>
+          <a:p>
+            <a:pPr lvl="1"/>
+            <a:r>
+              <a:rPr lang="en-US" dirty="0" smtClean="0"/>
+              <a:t>GPGPU</a:t>
+            </a:r>
+          </a:p>
+          <a:p>
+            <a:pPr lvl="2"/>
+            <a:r>
+              <a:rPr lang="en-US" dirty="0" smtClean="0"/>
+              <a:t>CUDA/</a:t>
+            </a:r>
+            <a:r>
+              <a:rPr lang="en-US" dirty="0" err="1" smtClean="0"/>
+              <a:t>OpenACC</a:t>
+            </a:r>
+            <a:r>
+              <a:rPr lang="en-US" dirty="0" smtClean="0"/>
+              <a:t>/OpenCL: programmer's job</a:t>
+            </a:r>
+            <a:endParaRPr lang="en-US" dirty="0"/>
+          </a:p>
+        </p:txBody>
+      </p:sp>
+      <p:sp>
+        <p:nvSpPr>
+          <p:cNvPr id="4" name="Slide Number Placeholder 3"/>
+          <p:cNvSpPr>
+            <a:spLocks noGrp="1"/>
+          </p:cNvSpPr>
+          <p:nvPr>
+            <p:ph type="sldNum" sz="quarter" idx="12"/>
+          </p:nvPr>
+        </p:nvSpPr>
+        <p:spPr/>
+        <p:txBody>
+          <a:bodyPr/>
+          <a:lstStyle/>
+          <a:p>
+            <a:fld id="{6597116C-F94B-4B5B-973A-17F07FB5C418}" type="slidenum">
+              <a:rPr lang="nl-BE" smtClean="0"/>
+              <a:t>23</a:t>
+            </a:fld>
+            <a:endParaRPr lang="nl-BE"/>
+          </a:p>
+        </p:txBody>
+      </p:sp>
+      <p:grpSp>
+        <p:nvGrpSpPr>
+          <p:cNvPr id="7" name="Group 6"/>
+          <p:cNvGrpSpPr/>
+          <p:nvPr/>
+        </p:nvGrpSpPr>
+        <p:grpSpPr>
+          <a:xfrm>
+            <a:off x="6553200" y="3284984"/>
+            <a:ext cx="1479142" cy="1656184"/>
+            <a:chOff x="6553200" y="3284984"/>
+            <a:chExt cx="1479142" cy="1656184"/>
+          </a:xfrm>
+        </p:grpSpPr>
+        <p:sp>
+          <p:nvSpPr>
+            <p:cNvPr id="5" name="Right Brace 4"/>
+            <p:cNvSpPr/>
+            <p:nvPr/>
+          </p:nvSpPr>
+          <p:spPr>
+            <a:xfrm>
+              <a:off x="6553200" y="3284984"/>
+              <a:ext cx="179040" cy="1656184"/>
+            </a:xfrm>
+            <a:prstGeom prst="rightBrace">
+              <a:avLst/>
+            </a:prstGeom>
+            <a:ln>
+              <a:solidFill>
+                <a:schemeClr val="tx1"/>
+              </a:solidFill>
+            </a:ln>
+          </p:spPr>
+          <p:style>
+            <a:lnRef idx="1">
+              <a:schemeClr val="accent1"/>
+            </a:lnRef>
+            <a:fillRef idx="0">
+              <a:schemeClr val="accent1"/>
+            </a:fillRef>
+            <a:effectRef idx="0">
+              <a:schemeClr val="accent1"/>
+            </a:effectRef>
+            <a:fontRef idx="minor">
+              <a:schemeClr val="tx1"/>
+            </a:fontRef>
+          </p:style>
+          <p:txBody>
+            <a:bodyPr rtlCol="0" anchor="ctr"/>
+            <a:lstStyle/>
+            <a:p>
+              <a:pPr algn="ctr"/>
+              <a:endParaRPr lang="en-US"/>
+            </a:p>
+          </p:txBody>
+        </p:sp>
+        <p:sp>
+          <p:nvSpPr>
+            <p:cNvPr id="6" name="TextBox 5"/>
+            <p:cNvSpPr txBox="1"/>
+            <p:nvPr/>
+          </p:nvSpPr>
+          <p:spPr>
+            <a:xfrm>
+              <a:off x="6876256" y="3851466"/>
+              <a:ext cx="1156086" cy="523220"/>
+            </a:xfrm>
+            <a:prstGeom prst="rect">
+              <a:avLst/>
+            </a:prstGeom>
+            <a:noFill/>
+          </p:spPr>
+          <p:txBody>
+            <a:bodyPr wrap="none" rtlCol="0">
+              <a:spAutoFit/>
+            </a:bodyPr>
+            <a:lstStyle/>
+            <a:p>
+              <a:r>
+                <a:rPr lang="en-US" sz="2800" dirty="0" smtClean="0"/>
+                <a:t>Hybrid</a:t>
+              </a:r>
+              <a:endParaRPr lang="en-US" sz="2800" dirty="0"/>
+            </a:p>
+          </p:txBody>
+        </p:sp>
+      </p:grpSp>
+    </p:spTree>
+    <p:extLst>
+      <p:ext uri="{BB962C8B-B14F-4D97-AF65-F5344CB8AC3E}">
+        <p14:creationId xmlns:p14="http://schemas.microsoft.com/office/powerpoint/2010/main" val="1972215598"/>
+      </p:ext>
+    </p:extLst>
+  </p:cSld>
+  <p:clrMapOvr>
+    <a:masterClrMapping/>
+  </p:clrMapOvr>
+  <p:timing>
+    <p:tnLst>
+      <p:par>
+        <p:cTn id="1" dur="indefinite" restart="never" nodeType="tmRoot">
+          <p:childTnLst>
+            <p:seq concurrent="1" nextAc="seek">
+              <p:cTn id="2" dur="indefinite" nodeType="mainSeq">
+                <p:childTnLst>
+                  <p:par>
+                    <p:cTn id="3" fill="hold">
+                      <p:stCondLst>
+                        <p:cond delay="indefinite"/>
+                        <p:cond evt="onBegin" delay="0">
+                          <p:tn val="2"/>
+                        </p:cond>
+                      </p:stCondLst>
+                      <p:childTnLst>
+                        <p:par>
+                          <p:cTn id="4" fill="hold">
+                            <p:stCondLst>
+                              <p:cond delay="0"/>
+                            </p:stCondLst>
+                            <p:childTnLst>
+                              <p:par>
+                                <p:cTn id="5" presetID="1" presetClass="entr" presetSubtype="0" fill="hold" grpId="0" nodeType="withEffect">
+                                  <p:stCondLst>
+                                    <p:cond delay="0"/>
+                                  </p:stCondLst>
+                                  <p:childTnLst>
+                                    <p:set>
+                                      <p:cBhvr>
+                                        <p:cTn id="6" dur="1" fill="hold">
+                                          <p:stCondLst>
+                                            <p:cond delay="0"/>
+                                          </p:stCondLst>
+                                        </p:cTn>
+                                        <p:tgtEl>
+                                          <p:spTgt spid="3">
+                                            <p:txEl>
+                                              <p:pRg st="0" end="0"/>
+                                            </p:txEl>
+                                          </p:spTgt>
+                                        </p:tgtEl>
+                                        <p:attrNameLst>
+                                          <p:attrName>style.visibility</p:attrName>
+                                        </p:attrNameLst>
+                                      </p:cBhvr>
+                                      <p:to>
+                                        <p:strVal val="visible"/>
+                                      </p:to>
+                                    </p:set>
+                                  </p:childTnLst>
+                                </p:cTn>
+                              </p:par>
+                            </p:childTnLst>
+                          </p:cTn>
+                        </p:par>
+                      </p:childTnLst>
+                    </p:cTn>
+                  </p:par>
+                  <p:par>
+                    <p:cTn id="7" fill="hold">
+                      <p:stCondLst>
+                        <p:cond delay="indefinite"/>
+                      </p:stCondLst>
+                      <p:childTnLst>
+                        <p:par>
+                          <p:cTn id="8" fill="hold">
+                            <p:stCondLst>
+                              <p:cond delay="0"/>
+                            </p:stCondLst>
+                            <p:childTnLst>
+                              <p:par>
+                                <p:cTn id="9" presetID="1" presetClass="entr" presetSubtype="0" fill="hold" grpId="0" nodeType="clickEffect">
+                                  <p:stCondLst>
+                                    <p:cond delay="0"/>
+                                  </p:stCondLst>
+                                  <p:childTnLst>
+                                    <p:set>
+                                      <p:cBhvr>
+                                        <p:cTn id="10" dur="1" fill="hold">
+                                          <p:stCondLst>
+                                            <p:cond delay="0"/>
+                                          </p:stCondLst>
+                                        </p:cTn>
+                                        <p:tgtEl>
+                                          <p:spTgt spid="3">
+                                            <p:txEl>
+                                              <p:pRg st="1" end="1"/>
+                                            </p:txEl>
+                                          </p:spTgt>
+                                        </p:tgtEl>
+                                        <p:attrNameLst>
+                                          <p:attrName>style.visibility</p:attrName>
+                                        </p:attrNameLst>
+                                      </p:cBhvr>
+                                      <p:to>
+                                        <p:strVal val="visible"/>
+                                      </p:to>
+                                    </p:set>
+                                  </p:childTnLst>
+                                </p:cTn>
+                              </p:par>
+                              <p:par>
+                                <p:cTn id="11" presetID="1" presetClass="entr" presetSubtype="0" fill="hold" grpId="0" nodeType="withEffect">
+                                  <p:stCondLst>
+                                    <p:cond delay="0"/>
+                                  </p:stCondLst>
+                                  <p:childTnLst>
+                                    <p:set>
+                                      <p:cBhvr>
+                                        <p:cTn id="12" dur="1" fill="hold">
+                                          <p:stCondLst>
+                                            <p:cond delay="0"/>
+                                          </p:stCondLst>
+                                        </p:cTn>
+                                        <p:tgtEl>
+                                          <p:spTgt spid="3">
+                                            <p:txEl>
+                                              <p:pRg st="2" end="2"/>
+                                            </p:txEl>
+                                          </p:spTgt>
+                                        </p:tgtEl>
+                                        <p:attrNameLst>
+                                          <p:attrName>style.visibility</p:attrName>
+                                        </p:attrNameLst>
+                                      </p:cBhvr>
+                                      <p:to>
+                                        <p:strVal val="visible"/>
+                                      </p:to>
+                                    </p:set>
+                                  </p:childTnLst>
+                                </p:cTn>
+                              </p:par>
+                            </p:childTnLst>
+                          </p:cTn>
+                        </p:par>
+                      </p:childTnLst>
+                    </p:cTn>
+                  </p:par>
+                  <p:par>
+                    <p:cTn id="13" fill="hold">
+                      <p:stCondLst>
+                        <p:cond delay="indefinite"/>
+                      </p:stCondLst>
+                      <p:childTnLst>
+                        <p:par>
+                          <p:cTn id="14" fill="hold">
+                            <p:stCondLst>
+                              <p:cond delay="0"/>
+                            </p:stCondLst>
+                            <p:childTnLst>
+                              <p:par>
+                                <p:cTn id="15" presetID="1" presetClass="entr" presetSubtype="0" fill="hold" grpId="0" nodeType="clickEffect">
+                                  <p:stCondLst>
+                                    <p:cond delay="0"/>
+                                  </p:stCondLst>
+                                  <p:childTnLst>
+                                    <p:set>
+                                      <p:cBhvr>
+                                        <p:cTn id="16" dur="1" fill="hold">
+                                          <p:stCondLst>
+                                            <p:cond delay="0"/>
+                                          </p:stCondLst>
+                                        </p:cTn>
+                                        <p:tgtEl>
+                                          <p:spTgt spid="3">
+                                            <p:txEl>
+                                              <p:pRg st="3" end="3"/>
+                                            </p:txEl>
+                                          </p:spTgt>
+                                        </p:tgtEl>
+                                        <p:attrNameLst>
+                                          <p:attrName>style.visibility</p:attrName>
+                                        </p:attrNameLst>
+                                      </p:cBhvr>
+                                      <p:to>
+                                        <p:strVal val="visible"/>
+                                      </p:to>
+                                    </p:set>
+                                  </p:childTnLst>
+                                </p:cTn>
+                              </p:par>
+                              <p:par>
+                                <p:cTn id="17" presetID="1" presetClass="entr" presetSubtype="0" fill="hold" grpId="0" nodeType="withEffect">
+                                  <p:stCondLst>
+                                    <p:cond delay="0"/>
+                                  </p:stCondLst>
+                                  <p:childTnLst>
+                                    <p:set>
+                                      <p:cBhvr>
+                                        <p:cTn id="18" dur="1" fill="hold">
+                                          <p:stCondLst>
+                                            <p:cond delay="0"/>
+                                          </p:stCondLst>
+                                        </p:cTn>
+                                        <p:tgtEl>
+                                          <p:spTgt spid="3">
+                                            <p:txEl>
+                                              <p:pRg st="4" end="4"/>
+                                            </p:txEl>
+                                          </p:spTgt>
+                                        </p:tgtEl>
+                                        <p:attrNameLst>
+                                          <p:attrName>style.visibility</p:attrName>
+                                        </p:attrNameLst>
+                                      </p:cBhvr>
+                                      <p:to>
+                                        <p:strVal val="visible"/>
+                                      </p:to>
+                                    </p:set>
+                                  </p:childTnLst>
+                                </p:cTn>
+                              </p:par>
+                            </p:childTnLst>
+                          </p:cTn>
+                        </p:par>
+                      </p:childTnLst>
+                    </p:cTn>
+                  </p:par>
+                  <p:par>
+                    <p:cTn id="19" fill="hold">
+                      <p:stCondLst>
+                        <p:cond delay="indefinite"/>
+                      </p:stCondLst>
+                      <p:childTnLst>
+                        <p:par>
+                          <p:cTn id="20" fill="hold">
+                            <p:stCondLst>
+                              <p:cond delay="0"/>
+                            </p:stCondLst>
+                            <p:childTnLst>
+                              <p:par>
+                                <p:cTn id="21" presetID="1" presetClass="entr" presetSubtype="0" fill="hold" grpId="0" nodeType="clickEffect">
+                                  <p:stCondLst>
+                                    <p:cond delay="0"/>
+                                  </p:stCondLst>
+                                  <p:childTnLst>
+                                    <p:set>
+                                      <p:cBhvr>
+                                        <p:cTn id="22" dur="1" fill="hold">
+                                          <p:stCondLst>
+                                            <p:cond delay="0"/>
+                                          </p:stCondLst>
+                                        </p:cTn>
+                                        <p:tgtEl>
+                                          <p:spTgt spid="3">
+                                            <p:txEl>
+                                              <p:pRg st="5" end="5"/>
+                                            </p:txEl>
+                                          </p:spTgt>
+                                        </p:tgtEl>
+                                        <p:attrNameLst>
+                                          <p:attrName>style.visibility</p:attrName>
+                                        </p:attrNameLst>
+                                      </p:cBhvr>
+                                      <p:to>
+                                        <p:strVal val="visible"/>
+                                      </p:to>
+                                    </p:set>
+                                  </p:childTnLst>
+                                </p:cTn>
+                              </p:par>
+                              <p:par>
+                                <p:cTn id="23" presetID="1" presetClass="entr" presetSubtype="0" fill="hold" grpId="0" nodeType="withEffect">
+                                  <p:stCondLst>
+                                    <p:cond delay="0"/>
+                                  </p:stCondLst>
+                                  <p:childTnLst>
+                                    <p:set>
+                                      <p:cBhvr>
+                                        <p:cTn id="24" dur="1" fill="hold">
+                                          <p:stCondLst>
+                                            <p:cond delay="0"/>
+                                          </p:stCondLst>
+                                        </p:cTn>
+                                        <p:tgtEl>
+                                          <p:spTgt spid="3">
+                                            <p:txEl>
+                                              <p:pRg st="6" end="6"/>
+                                            </p:txEl>
+                                          </p:spTgt>
+                                        </p:tgtEl>
+                                        <p:attrNameLst>
+                                          <p:attrName>style.visibility</p:attrName>
+                                        </p:attrNameLst>
+                                      </p:cBhvr>
+                                      <p:to>
+                                        <p:strVal val="visible"/>
+                                      </p:to>
+                                    </p:set>
+                                  </p:childTnLst>
+                                </p:cTn>
+                              </p:par>
+                            </p:childTnLst>
+                          </p:cTn>
+                        </p:par>
+                      </p:childTnLst>
+                    </p:cTn>
+                  </p:par>
+                  <p:par>
+                    <p:cTn id="25" fill="hold">
+                      <p:stCondLst>
+                        <p:cond delay="indefinite"/>
+                      </p:stCondLst>
+                      <p:childTnLst>
+                        <p:par>
+                          <p:cTn id="26" fill="hold">
+                            <p:stCondLst>
+                              <p:cond delay="0"/>
+                            </p:stCondLst>
+                            <p:childTnLst>
+                              <p:par>
+                                <p:cTn id="27" presetID="1" presetClass="entr" presetSubtype="0" fill="hold" nodeType="clickEffect">
+                                  <p:stCondLst>
+                                    <p:cond delay="0"/>
+                                  </p:stCondLst>
+                                  <p:childTnLst>
+                                    <p:set>
+                                      <p:cBhvr>
+                                        <p:cTn id="28" dur="1" fill="hold">
+                                          <p:stCondLst>
+                                            <p:cond delay="0"/>
+                                          </p:stCondLst>
+                                        </p:cTn>
+                                        <p:tgtEl>
+                                          <p:spTgt spid="7"/>
+                                        </p:tgtEl>
+                                        <p:attrNameLst>
+                                          <p:attrName>style.visibility</p:attrName>
+                                        </p:attrNameLst>
+                                      </p:cBhvr>
+                                      <p:to>
+                                        <p:strVal val="visible"/>
+                                      </p:to>
+                                    </p:set>
+                                  </p:childTnLst>
+                                </p:cTn>
+                              </p:par>
+                            </p:childTnLst>
+                          </p:cTn>
+                        </p:par>
+                      </p:childTnLst>
+                    </p:cTn>
+                  </p:par>
+                  <p:par>
+                    <p:cTn id="29" fill="hold">
+                      <p:stCondLst>
+                        <p:cond delay="indefinite"/>
+                      </p:stCondLst>
+                      <p:childTnLst>
+                        <p:par>
+                          <p:cTn id="30" fill="hold">
+                            <p:stCondLst>
+                              <p:cond delay="0"/>
+                            </p:stCondLst>
+                            <p:childTnLst>
+                              <p:par>
+                                <p:cTn id="31" presetID="1" presetClass="entr" presetSubtype="0" fill="hold" grpId="0" nodeType="clickEffect">
+                                  <p:stCondLst>
+                                    <p:cond delay="0"/>
+                                  </p:stCondLst>
+                                  <p:childTnLst>
+                                    <p:set>
+                                      <p:cBhvr>
+                                        <p:cTn id="32" dur="1" fill="hold">
+                                          <p:stCondLst>
+                                            <p:cond delay="0"/>
+                                          </p:stCondLst>
+                                        </p:cTn>
+                                        <p:tgtEl>
+                                          <p:spTgt spid="3">
+                                            <p:txEl>
+                                              <p:pRg st="7" end="7"/>
+                                            </p:txEl>
+                                          </p:spTgt>
+                                        </p:tgtEl>
+                                        <p:attrNameLst>
+                                          <p:attrName>style.visibility</p:attrName>
+                                        </p:attrNameLst>
+                                      </p:cBhvr>
+                                      <p:to>
+                                        <p:strVal val="visible"/>
+                                      </p:to>
+                                    </p:set>
+                                  </p:childTnLst>
+                                </p:cTn>
+                              </p:par>
+                              <p:par>
+                                <p:cTn id="33" presetID="1" presetClass="entr" presetSubtype="0" fill="hold" grpId="0" nodeType="withEffect">
+                                  <p:stCondLst>
+                                    <p:cond delay="0"/>
+                                  </p:stCondLst>
+                                  <p:childTnLst>
+                                    <p:set>
+                                      <p:cBhvr>
+                                        <p:cTn id="34" dur="1" fill="hold">
+                                          <p:stCondLst>
+                                            <p:cond delay="0"/>
+                                          </p:stCondLst>
+                                        </p:cTn>
+                                        <p:tgtEl>
+                                          <p:spTgt spid="3">
+                                            <p:txEl>
+                                              <p:pRg st="8" end="8"/>
+                                            </p:txEl>
+                                          </p:spTgt>
+                                        </p:tgtEl>
+                                        <p:attrNameLst>
+                                          <p:attrName>style.visibility</p:attrName>
+                                        </p:attrNameLst>
+                                      </p:cBhvr>
+                                      <p:to>
+                                        <p:strVal val="visible"/>
+                                      </p:to>
+                                    </p:set>
+                                  </p:childTnLst>
+                                </p:cTn>
+                              </p:par>
+                            </p:childTnLst>
+                          </p:cTn>
+                        </p:par>
+                      </p:childTnLst>
+                    </p:cTn>
+                  </p:par>
+                </p:childTnLst>
+              </p:cTn>
+              <p:prevCondLst>
+                <p:cond evt="onPrev" delay="0">
+                  <p:tgtEl>
+                    <p:sldTgt/>
+                  </p:tgtEl>
+                </p:cond>
+              </p:prevCondLst>
+              <p:nextCondLst>
+                <p:cond evt="onNext" delay="0">
+                  <p:tgtEl>
+                    <p:sldTgt/>
+                  </p:tgtEl>
+                </p:cond>
+              </p:nextCondLst>
+            </p:seq>
+          </p:childTnLst>
+        </p:cTn>
+      </p:par>
+    </p:tnLst>
+    <p:bldLst>
+      <p:bldP spid="3" grpId="0" uiExpand="1" build="p" bldLvl="2"/>
+    </p:bldLst>
+  </p:timing>
+</p:sld>
+</file>
+
+<file path=ppt/slides/slide24.xml><?xml version="1.0" encoding="utf-8"?>
 <p:sld xmlns:a="http://schemas.openxmlformats.org/drawingml/2006/main" xmlns:r="http://schemas.openxmlformats.org/officeDocument/2006/relationships" xmlns:p="http://schemas.openxmlformats.org/presentationml/2006/main">
   <p:cSld>
     <p:spTree>
@@ -21998,7 +25222,7 @@
           <a:p>
             <a:fld id="{6597116C-F94B-4B5B-973A-17F07FB5C418}" type="slidenum">
               <a:rPr lang="nl-BE" smtClean="0"/>
-              <a:t>23</a:t>
+              <a:t>24</a:t>
             </a:fld>
             <a:endParaRPr lang="nl-BE"/>
           </a:p>

--- a/Optimization/hpc_efficiency.pptx
+++ b/Optimization/hpc_efficiency.pptx
@@ -259,11 +259,11 @@
           <c:showPercent val="0"/>
           <c:showBubbleSize val="0"/>
         </c:dLbls>
-        <c:axId val="351961136"/>
-        <c:axId val="351966624"/>
+        <c:axId val="130684888"/>
+        <c:axId val="130684496"/>
       </c:scatterChart>
       <c:valAx>
-        <c:axId val="351961136"/>
+        <c:axId val="130684888"/>
         <c:scaling>
           <c:logBase val="2"/>
           <c:orientation val="minMax"/>
@@ -275,14 +275,14 @@
         <c:majorTickMark val="out"/>
         <c:minorTickMark val="none"/>
         <c:tickLblPos val="nextTo"/>
-        <c:crossAx val="351966624"/>
+        <c:crossAx val="130684496"/>
         <c:crosses val="autoZero"/>
         <c:crossBetween val="midCat"/>
         <c:majorUnit val="4"/>
         <c:minorUnit val="4"/>
       </c:valAx>
       <c:valAx>
-        <c:axId val="351966624"/>
+        <c:axId val="130684496"/>
         <c:scaling>
           <c:logBase val="2"/>
           <c:orientation val="minMax"/>
@@ -295,7 +295,7 @@
         <c:majorTickMark val="out"/>
         <c:minorTickMark val="none"/>
         <c:tickLblPos val="nextTo"/>
-        <c:crossAx val="351961136"/>
+        <c:crossAx val="130684888"/>
         <c:crosses val="autoZero"/>
         <c:crossBetween val="midCat"/>
         <c:majorUnit val="4"/>
@@ -668,11 +668,11 @@
           <c:showPercent val="0"/>
           <c:showBubbleSize val="0"/>
         </c:dLbls>
-        <c:axId val="351960744"/>
-        <c:axId val="351962312"/>
+        <c:axId val="130682536"/>
+        <c:axId val="130682144"/>
       </c:scatterChart>
       <c:valAx>
-        <c:axId val="351960744"/>
+        <c:axId val="130682536"/>
         <c:scaling>
           <c:logBase val="2"/>
           <c:orientation val="minMax"/>
@@ -685,14 +685,14 @@
         <c:majorTickMark val="out"/>
         <c:minorTickMark val="none"/>
         <c:tickLblPos val="nextTo"/>
-        <c:crossAx val="351962312"/>
+        <c:crossAx val="130682144"/>
         <c:crosses val="autoZero"/>
         <c:crossBetween val="midCat"/>
         <c:majorUnit val="4"/>
         <c:minorUnit val="4"/>
       </c:valAx>
       <c:valAx>
-        <c:axId val="351962312"/>
+        <c:axId val="130682144"/>
         <c:scaling>
           <c:logBase val="2"/>
           <c:orientation val="minMax"/>
@@ -706,7 +706,7 @@
         <c:majorTickMark val="out"/>
         <c:minorTickMark val="none"/>
         <c:tickLblPos val="nextTo"/>
-        <c:crossAx val="351960744"/>
+        <c:crossAx val="130682536"/>
         <c:crosses val="autoZero"/>
         <c:crossBetween val="midCat"/>
         <c:majorUnit val="4"/>
@@ -919,11 +919,11 @@
           <c:showPercent val="0"/>
           <c:showBubbleSize val="0"/>
         </c:dLbls>
-        <c:axId val="351967408"/>
-        <c:axId val="281641496"/>
+        <c:axId val="130681360"/>
+        <c:axId val="131163312"/>
       </c:scatterChart>
       <c:valAx>
-        <c:axId val="351967408"/>
+        <c:axId val="130681360"/>
         <c:scaling>
           <c:logBase val="2"/>
           <c:orientation val="minMax"/>
@@ -936,13 +936,13 @@
         <c:majorTickMark val="out"/>
         <c:minorTickMark val="none"/>
         <c:tickLblPos val="nextTo"/>
-        <c:crossAx val="281641496"/>
+        <c:crossAx val="131163312"/>
         <c:crosses val="autoZero"/>
         <c:crossBetween val="midCat"/>
         <c:minorUnit val="4"/>
       </c:valAx>
       <c:valAx>
-        <c:axId val="281641496"/>
+        <c:axId val="131163312"/>
         <c:scaling>
           <c:logBase val="2"/>
           <c:orientation val="minMax"/>
@@ -956,7 +956,7 @@
         <c:majorTickMark val="out"/>
         <c:minorTickMark val="none"/>
         <c:tickLblPos val="nextTo"/>
-        <c:crossAx val="351967408"/>
+        <c:crossAx val="130681360"/>
         <c:crosses val="autoZero"/>
         <c:crossBetween val="midCat"/>
         <c:majorUnit val="2"/>
@@ -1087,11 +1087,11 @@
           <c:showPercent val="0"/>
           <c:showBubbleSize val="0"/>
         </c:dLbls>
-        <c:axId val="354369888"/>
-        <c:axId val="354375768"/>
+        <c:axId val="129625160"/>
+        <c:axId val="131166448"/>
       </c:scatterChart>
       <c:valAx>
-        <c:axId val="354369888"/>
+        <c:axId val="129625160"/>
         <c:scaling>
           <c:logBase val="2"/>
           <c:orientation val="minMax"/>
@@ -1104,13 +1104,13 @@
         <c:majorTickMark val="out"/>
         <c:minorTickMark val="none"/>
         <c:tickLblPos val="nextTo"/>
-        <c:crossAx val="354375768"/>
+        <c:crossAx val="131166448"/>
         <c:crosses val="autoZero"/>
         <c:crossBetween val="midCat"/>
         <c:majorUnit val="4"/>
       </c:valAx>
       <c:valAx>
-        <c:axId val="354375768"/>
+        <c:axId val="131166448"/>
         <c:scaling>
           <c:logBase val="2"/>
           <c:orientation val="minMax"/>
@@ -1123,7 +1123,7 @@
         <c:majorTickMark val="out"/>
         <c:minorTickMark val="none"/>
         <c:tickLblPos val="nextTo"/>
-        <c:crossAx val="354369888"/>
+        <c:crossAx val="129625160"/>
         <c:crosses val="autoZero"/>
         <c:crossBetween val="midCat"/>
         <c:majorUnit val="2"/>
@@ -1249,11 +1249,11 @@
           <c:showPercent val="0"/>
           <c:showBubbleSize val="0"/>
         </c:dLbls>
-        <c:axId val="354373024"/>
-        <c:axId val="354370280"/>
+        <c:axId val="131165272"/>
+        <c:axId val="131164880"/>
       </c:scatterChart>
       <c:valAx>
-        <c:axId val="354373024"/>
+        <c:axId val="131165272"/>
         <c:scaling>
           <c:logBase val="2"/>
           <c:orientation val="minMax"/>
@@ -1266,14 +1266,14 @@
         <c:majorTickMark val="out"/>
         <c:minorTickMark val="none"/>
         <c:tickLblPos val="nextTo"/>
-        <c:crossAx val="354370280"/>
+        <c:crossAx val="131164880"/>
         <c:crosses val="autoZero"/>
         <c:crossBetween val="midCat"/>
         <c:majorUnit val="4"/>
         <c:minorUnit val="4"/>
       </c:valAx>
       <c:valAx>
-        <c:axId val="354370280"/>
+        <c:axId val="131164880"/>
         <c:scaling>
           <c:orientation val="minMax"/>
           <c:max val="1"/>
@@ -1285,7 +1285,7 @@
         <c:majorTickMark val="out"/>
         <c:minorTickMark val="none"/>
         <c:tickLblPos val="nextTo"/>
-        <c:crossAx val="354373024"/>
+        <c:crossAx val="131165272"/>
         <c:crosses val="autoZero"/>
         <c:crossBetween val="midCat"/>
       </c:valAx>
@@ -1382,7 +1382,7 @@
           <a:p>
             <a:fld id="{2E6AAE95-D4FC-4D00-935A-EAE928727A56}" type="datetimeFigureOut">
               <a:rPr lang="en-US" smtClean="0"/>
-              <a:t>2016-06-15</a:t>
+              <a:t>6/28/2016</a:t>
             </a:fld>
             <a:endParaRPr lang="en-US"/>
           </a:p>
@@ -1915,7 +1915,7 @@
           <a:p>
             <a:fld id="{1CFF3F78-F57F-4409-A41B-5EC46D4F404B}" type="datetime1">
               <a:rPr lang="nl-BE" smtClean="0"/>
-              <a:t>15/06/2016</a:t>
+              <a:t>2016-06-28</a:t>
             </a:fld>
             <a:endParaRPr lang="nl-BE"/>
           </a:p>
@@ -2085,7 +2085,7 @@
           <a:p>
             <a:fld id="{7D029E61-52E3-412C-82EB-2F81B17C0AF1}" type="datetime1">
               <a:rPr lang="nl-BE" smtClean="0"/>
-              <a:t>15/06/2016</a:t>
+              <a:t>2016-06-28</a:t>
             </a:fld>
             <a:endParaRPr lang="nl-BE"/>
           </a:p>
@@ -2265,7 +2265,7 @@
           <a:p>
             <a:fld id="{A83F1CEF-A38E-4001-89C6-F3FC7784F299}" type="datetime1">
               <a:rPr lang="nl-BE" smtClean="0"/>
-              <a:t>15/06/2016</a:t>
+              <a:t>2016-06-28</a:t>
             </a:fld>
             <a:endParaRPr lang="nl-BE"/>
           </a:p>
@@ -2391,7 +2391,7 @@
           <a:p>
             <a:fld id="{1FDE84DB-AADA-4C3F-BF46-CA664A504479}" type="datetime1">
               <a:rPr lang="nl-BE" smtClean="0"/>
-              <a:t>15/06/2016</a:t>
+              <a:t>2016-06-28</a:t>
             </a:fld>
             <a:endParaRPr lang="nl-BE" dirty="0"/>
           </a:p>
@@ -2635,7 +2635,7 @@
           <a:p>
             <a:fld id="{8CD53A43-C15C-4F05-9AD7-DB9DE837084D}" type="datetime1">
               <a:rPr lang="nl-BE" smtClean="0"/>
-              <a:t>15/06/2016</a:t>
+              <a:t>2016-06-28</a:t>
             </a:fld>
             <a:endParaRPr lang="nl-BE"/>
           </a:p>
@@ -2881,7 +2881,7 @@
           <a:p>
             <a:fld id="{8994D238-D949-4AEF-9753-A8B6EFA964A0}" type="datetime1">
               <a:rPr lang="nl-BE" smtClean="0"/>
-              <a:t>15/06/2016</a:t>
+              <a:t>2016-06-28</a:t>
             </a:fld>
             <a:endParaRPr lang="nl-BE"/>
           </a:p>
@@ -3169,7 +3169,7 @@
           <a:p>
             <a:fld id="{4D234023-BF99-4AD0-835E-8125DA2B6664}" type="datetime1">
               <a:rPr lang="nl-BE" smtClean="0"/>
-              <a:t>15/06/2016</a:t>
+              <a:t>2016-06-28</a:t>
             </a:fld>
             <a:endParaRPr lang="nl-BE"/>
           </a:p>
@@ -3591,7 +3591,7 @@
           <a:p>
             <a:fld id="{DB075A73-5C1D-406E-9444-3C5C58580E8E}" type="datetime1">
               <a:rPr lang="nl-BE" smtClean="0"/>
-              <a:t>15/06/2016</a:t>
+              <a:t>2016-06-28</a:t>
             </a:fld>
             <a:endParaRPr lang="nl-BE"/>
           </a:p>
@@ -3709,7 +3709,7 @@
           <a:p>
             <a:fld id="{E111FB2D-2E17-4D8F-A64A-4EB0C3D12494}" type="datetime1">
               <a:rPr lang="nl-BE" smtClean="0"/>
-              <a:t>15/06/2016</a:t>
+              <a:t>2016-06-28</a:t>
             </a:fld>
             <a:endParaRPr lang="nl-BE"/>
           </a:p>
@@ -3804,7 +3804,7 @@
           <a:p>
             <a:fld id="{5BE27D71-2267-4E44-9F33-05B60E5C7D9D}" type="datetime1">
               <a:rPr lang="nl-BE" smtClean="0"/>
-              <a:t>15/06/2016</a:t>
+              <a:t>2016-06-28</a:t>
             </a:fld>
             <a:endParaRPr lang="nl-BE"/>
           </a:p>
@@ -4081,7 +4081,7 @@
           <a:p>
             <a:fld id="{182F587C-96C8-4813-A767-3084061A3229}" type="datetime1">
               <a:rPr lang="nl-BE" smtClean="0"/>
-              <a:t>15/06/2016</a:t>
+              <a:t>2016-06-28</a:t>
             </a:fld>
             <a:endParaRPr lang="nl-BE"/>
           </a:p>
@@ -4334,7 +4334,7 @@
           <a:p>
             <a:fld id="{8B021CF8-BBBB-4DFA-8713-49842AA07274}" type="datetime1">
               <a:rPr lang="nl-BE" smtClean="0"/>
-              <a:t>15/06/2016</a:t>
+              <a:t>2016-06-28</a:t>
             </a:fld>
             <a:endParaRPr lang="nl-BE"/>
           </a:p>
@@ -4547,7 +4547,7 @@
           <a:p>
             <a:fld id="{CDBFABB5-0AB3-4CB6-A705-6887DEB1F9F2}" type="datetime1">
               <a:rPr lang="nl-BE" smtClean="0"/>
-              <a:t>15/06/2016</a:t>
+              <a:t>2016-06-28</a:t>
             </a:fld>
             <a:endParaRPr lang="nl-BE"/>
           </a:p>
@@ -6688,7 +6688,7 @@
           <a:graphicData uri="http://schemas.openxmlformats.org/presentationml/2006/ole">
             <mc:AlternateContent xmlns:mc="http://schemas.openxmlformats.org/markup-compatibility/2006">
               <mc:Choice xmlns:v="urn:schemas-microsoft-com:vml" Requires="v">
-                <p:oleObj spid="_x0000_s1086" name="Equation" r:id="rId3" imgW="812520" imgH="393480" progId="Equation.3">
+                <p:oleObj spid="_x0000_s1094" name="Equation" r:id="rId3" imgW="812520" imgH="393480" progId="Equation.3">
                   <p:embed/>
                 </p:oleObj>
               </mc:Choice>
@@ -6745,7 +6745,7 @@
           <a:graphicData uri="http://schemas.openxmlformats.org/presentationml/2006/ole">
             <mc:AlternateContent xmlns:mc="http://schemas.openxmlformats.org/markup-compatibility/2006">
               <mc:Choice xmlns:v="urn:schemas-microsoft-com:vml" Requires="v">
-                <p:oleObj spid="_x0000_s1087" name="Equation" r:id="rId5" imgW="2489040" imgH="431640" progId="Equation.3">
+                <p:oleObj spid="_x0000_s1095" name="Equation" r:id="rId5" imgW="2489040" imgH="431640" progId="Equation.3">
                   <p:embed/>
                 </p:oleObj>
               </mc:Choice>
@@ -16551,14 +16551,7 @@
                 <a:latin typeface="Courier New" panose="02070309020205020404" pitchFamily="49" charset="0"/>
                 <a:cs typeface="Courier New" panose="02070309020205020404" pitchFamily="49" charset="0"/>
               </a:rPr>
-              <a:t> a[n</a:t>
-            </a:r>
-            <a:r>
-              <a:rPr lang="en-US" sz="2000" dirty="0" smtClean="0">
-                <a:latin typeface="Courier New" panose="02070309020205020404" pitchFamily="49" charset="0"/>
-                <a:cs typeface="Courier New" panose="02070309020205020404" pitchFamily="49" charset="0"/>
-              </a:rPr>
-              <a:t>];</a:t>
+              <a:t> a[n];</a:t>
             </a:r>
           </a:p>
           <a:p>
@@ -16627,10 +16620,6 @@
               </a:rPr>
               <a:t> += K)</a:t>
             </a:r>
-            <a:endParaRPr lang="en-US" sz="2000" dirty="0" smtClean="0">
-              <a:latin typeface="Courier New" panose="02070309020205020404" pitchFamily="49" charset="0"/>
-              <a:cs typeface="Courier New" panose="02070309020205020404" pitchFamily="49" charset="0"/>
-            </a:endParaRPr>
           </a:p>
           <a:p>
             <a:r>
@@ -16645,14 +16634,7 @@
                 <a:latin typeface="Courier New" panose="02070309020205020404" pitchFamily="49" charset="0"/>
                 <a:cs typeface="Courier New" panose="02070309020205020404" pitchFamily="49" charset="0"/>
               </a:rPr>
-              <a:t>   </a:t>
-            </a:r>
-            <a:r>
-              <a:rPr lang="en-US" sz="2000" dirty="0" smtClean="0">
-                <a:latin typeface="Courier New" panose="02070309020205020404" pitchFamily="49" charset="0"/>
-                <a:cs typeface="Courier New" panose="02070309020205020404" pitchFamily="49" charset="0"/>
-              </a:rPr>
-              <a:t>a[</a:t>
+              <a:t>   a[</a:t>
             </a:r>
             <a:r>
               <a:rPr lang="en-US" sz="2000" dirty="0" err="1" smtClean="0">
@@ -17176,7 +17158,7 @@
           <a:graphicData uri="http://schemas.openxmlformats.org/presentationml/2006/ole">
             <mc:AlternateContent xmlns:mc="http://schemas.openxmlformats.org/markup-compatibility/2006">
               <mc:Choice xmlns:v="urn:schemas-microsoft-com:vml" Requires="v">
-                <p:oleObj spid="_x0000_s2075" name="Equation" r:id="rId3" imgW="1091880" imgH="1041120" progId="Equation.3">
+                <p:oleObj spid="_x0000_s2083" name="Equation" r:id="rId3" imgW="1091880" imgH="1041120" progId="Equation.3">
                   <p:embed/>
                 </p:oleObj>
               </mc:Choice>
@@ -18547,7 +18529,7 @@
           <a:graphicData uri="http://schemas.openxmlformats.org/presentationml/2006/ole">
             <mc:AlternateContent xmlns:mc="http://schemas.openxmlformats.org/markup-compatibility/2006">
               <mc:Choice xmlns:v="urn:schemas-microsoft-com:vml" Requires="v">
-                <p:oleObj spid="_x0000_s2076" name="Equation" r:id="rId5" imgW="1091880" imgH="1041120" progId="Equation.3">
+                <p:oleObj spid="_x0000_s2084" name="Equation" r:id="rId5" imgW="1091880" imgH="1041120" progId="Equation.3">
                   <p:embed/>
                 </p:oleObj>
               </mc:Choice>
@@ -21381,19 +21363,7 @@
           <a:p>
             <a:r>
               <a:rPr lang="en-US" dirty="0" smtClean="0"/>
-              <a:t>Vector r</a:t>
-            </a:r>
-            <a:r>
-              <a:rPr lang="en-US" dirty="0" smtClean="0"/>
-              <a:t>egisters </a:t>
-            </a:r>
-            <a:r>
-              <a:rPr lang="en-US" dirty="0" smtClean="0"/>
-              <a:t>for floating </a:t>
-            </a:r>
-            <a:r>
-              <a:rPr lang="en-US" dirty="0" smtClean="0"/>
-              <a:t>point operands:</a:t>
+              <a:t>Vector registers for floating point operands:</a:t>
             </a:r>
             <a:br>
               <a:rPr lang="en-US" dirty="0" smtClean="0"/>
@@ -21402,7 +21372,6 @@
               <a:rPr lang="en-US" dirty="0" smtClean="0"/>
               <a:t>256 bit wide</a:t>
             </a:r>
-            <a:endParaRPr lang="en-US" dirty="0" smtClean="0"/>
           </a:p>
           <a:p>
             <a:pPr lvl="1"/>
@@ -21419,11 +21388,7 @@
             <a:pPr lvl="1"/>
             <a:r>
               <a:rPr lang="en-US" dirty="0" smtClean="0"/>
-              <a:t>8 </a:t>
-            </a:r>
-            <a:r>
-              <a:rPr lang="en-US" dirty="0" smtClean="0"/>
-              <a:t>single precision</a:t>
+              <a:t>8 single precision</a:t>
             </a:r>
             <a:endParaRPr lang="en-US" dirty="0"/>
           </a:p>
@@ -25228,6 +25193,132 @@
           </a:p>
         </p:txBody>
       </p:sp>
+      <p:grpSp>
+        <p:nvGrpSpPr>
+          <p:cNvPr id="70" name="Group 69"/>
+          <p:cNvGrpSpPr/>
+          <p:nvPr/>
+        </p:nvGrpSpPr>
+        <p:grpSpPr>
+          <a:xfrm>
+            <a:off x="5067786" y="2296458"/>
+            <a:ext cx="3636429" cy="369332"/>
+            <a:chOff x="4427984" y="5656602"/>
+            <a:chExt cx="3636429" cy="369332"/>
+          </a:xfrm>
+        </p:grpSpPr>
+        <p:sp>
+          <p:nvSpPr>
+            <p:cNvPr id="71" name="TextBox 70"/>
+            <p:cNvSpPr txBox="1"/>
+            <p:nvPr/>
+          </p:nvSpPr>
+          <p:spPr>
+            <a:xfrm>
+              <a:off x="4427984" y="5656602"/>
+              <a:ext cx="861133" cy="369332"/>
+            </a:xfrm>
+            <a:prstGeom prst="rect">
+              <a:avLst/>
+            </a:prstGeom>
+            <a:noFill/>
+            <a:ln>
+              <a:solidFill>
+                <a:schemeClr val="tx1">
+                  <a:lumMod val="50000"/>
+                  <a:lumOff val="50000"/>
+                </a:schemeClr>
+              </a:solidFill>
+            </a:ln>
+          </p:spPr>
+          <p:txBody>
+            <a:bodyPr wrap="none" rtlCol="0">
+              <a:spAutoFit/>
+            </a:bodyPr>
+            <a:lstStyle/>
+            <a:p>
+              <a:r>
+                <a:rPr lang="en-US" dirty="0" smtClean="0"/>
+                <a:t>GPGPU</a:t>
+              </a:r>
+              <a:endParaRPr lang="nl-BE" dirty="0"/>
+            </a:p>
+          </p:txBody>
+        </p:sp>
+        <p:sp>
+          <p:nvSpPr>
+            <p:cNvPr id="72" name="TextBox 71"/>
+            <p:cNvSpPr txBox="1"/>
+            <p:nvPr/>
+          </p:nvSpPr>
+          <p:spPr>
+            <a:xfrm>
+              <a:off x="6686856" y="5656602"/>
+              <a:ext cx="1377557" cy="369332"/>
+            </a:xfrm>
+            <a:prstGeom prst="rect">
+              <a:avLst/>
+            </a:prstGeom>
+            <a:noFill/>
+          </p:spPr>
+          <p:txBody>
+            <a:bodyPr wrap="none" rtlCol="0">
+              <a:spAutoFit/>
+            </a:bodyPr>
+            <a:lstStyle/>
+            <a:p>
+              <a:r>
+                <a:rPr lang="en-US" dirty="0" smtClean="0"/>
+                <a:t>20</a:t>
+              </a:r>
+              <a:r>
+                <a:rPr lang="en-US" dirty="0" smtClean="0"/>
+                <a:t>000 </a:t>
+              </a:r>
+              <a:r>
+                <a:rPr lang="en-US" dirty="0" smtClean="0"/>
+                <a:t>cycles</a:t>
+              </a:r>
+              <a:endParaRPr lang="nl-BE" dirty="0"/>
+            </a:p>
+          </p:txBody>
+        </p:sp>
+        <p:cxnSp>
+          <p:nvCxnSpPr>
+            <p:cNvPr id="73" name="Straight Connector 72"/>
+            <p:cNvCxnSpPr/>
+            <p:nvPr/>
+          </p:nvCxnSpPr>
+          <p:spPr>
+            <a:xfrm>
+              <a:off x="6228184" y="5841268"/>
+              <a:ext cx="144016" cy="0"/>
+            </a:xfrm>
+            <a:prstGeom prst="line">
+              <a:avLst/>
+            </a:prstGeom>
+            <a:ln w="19050">
+              <a:solidFill>
+                <a:schemeClr val="tx1"/>
+              </a:solidFill>
+            </a:ln>
+          </p:spPr>
+          <p:style>
+            <a:lnRef idx="1">
+              <a:schemeClr val="accent1"/>
+            </a:lnRef>
+            <a:fillRef idx="0">
+              <a:schemeClr val="accent1"/>
+            </a:fillRef>
+            <a:effectRef idx="0">
+              <a:schemeClr val="accent1"/>
+            </a:effectRef>
+            <a:fontRef idx="minor">
+              <a:schemeClr val="tx1"/>
+            </a:fontRef>
+          </p:style>
+        </p:cxnSp>
+      </p:grpSp>
     </p:spTree>
     <p:extLst>
       <p:ext uri="{BB962C8B-B14F-4D97-AF65-F5344CB8AC3E}">

--- a/Optimization/hpc_efficiency.pptx
+++ b/Optimization/hpc_efficiency.pptx
@@ -5,7 +5,7 @@
     <p:sldMasterId id="2147483648" r:id="rId1"/>
   </p:sldMasterIdLst>
   <p:notesMasterIdLst>
-    <p:notesMasterId r:id="rId26"/>
+    <p:notesMasterId r:id="rId27"/>
   </p:notesMasterIdLst>
   <p:sldIdLst>
     <p:sldId id="267" r:id="rId2"/>
@@ -32,6 +32,7 @@
     <p:sldId id="281" r:id="rId23"/>
     <p:sldId id="282" r:id="rId24"/>
     <p:sldId id="271" r:id="rId25"/>
+    <p:sldId id="283" r:id="rId26"/>
   </p:sldIdLst>
   <p:sldSz cx="9144000" cy="6858000" type="screen4x3"/>
   <p:notesSz cx="6858000" cy="9144000"/>
@@ -259,11 +260,11 @@
           <c:showPercent val="0"/>
           <c:showBubbleSize val="0"/>
         </c:dLbls>
-        <c:axId val="130684888"/>
-        <c:axId val="130684496"/>
+        <c:axId val="163374752"/>
+        <c:axId val="163608056"/>
       </c:scatterChart>
       <c:valAx>
-        <c:axId val="130684888"/>
+        <c:axId val="163374752"/>
         <c:scaling>
           <c:logBase val="2"/>
           <c:orientation val="minMax"/>
@@ -275,14 +276,14 @@
         <c:majorTickMark val="out"/>
         <c:minorTickMark val="none"/>
         <c:tickLblPos val="nextTo"/>
-        <c:crossAx val="130684496"/>
+        <c:crossAx val="163608056"/>
         <c:crosses val="autoZero"/>
         <c:crossBetween val="midCat"/>
         <c:majorUnit val="4"/>
         <c:minorUnit val="4"/>
       </c:valAx>
       <c:valAx>
-        <c:axId val="130684496"/>
+        <c:axId val="163608056"/>
         <c:scaling>
           <c:logBase val="2"/>
           <c:orientation val="minMax"/>
@@ -295,7 +296,7 @@
         <c:majorTickMark val="out"/>
         <c:minorTickMark val="none"/>
         <c:tickLblPos val="nextTo"/>
-        <c:crossAx val="130684888"/>
+        <c:crossAx val="163374752"/>
         <c:crosses val="autoZero"/>
         <c:crossBetween val="midCat"/>
         <c:majorUnit val="4"/>
@@ -668,11 +669,11 @@
           <c:showPercent val="0"/>
           <c:showBubbleSize val="0"/>
         </c:dLbls>
-        <c:axId val="130682536"/>
-        <c:axId val="130682144"/>
+        <c:axId val="163609232"/>
+        <c:axId val="163609624"/>
       </c:scatterChart>
       <c:valAx>
-        <c:axId val="130682536"/>
+        <c:axId val="163609232"/>
         <c:scaling>
           <c:logBase val="2"/>
           <c:orientation val="minMax"/>
@@ -685,14 +686,14 @@
         <c:majorTickMark val="out"/>
         <c:minorTickMark val="none"/>
         <c:tickLblPos val="nextTo"/>
-        <c:crossAx val="130682144"/>
+        <c:crossAx val="163609624"/>
         <c:crosses val="autoZero"/>
         <c:crossBetween val="midCat"/>
         <c:majorUnit val="4"/>
         <c:minorUnit val="4"/>
       </c:valAx>
       <c:valAx>
-        <c:axId val="130682144"/>
+        <c:axId val="163609624"/>
         <c:scaling>
           <c:logBase val="2"/>
           <c:orientation val="minMax"/>
@@ -706,7 +707,7 @@
         <c:majorTickMark val="out"/>
         <c:minorTickMark val="none"/>
         <c:tickLblPos val="nextTo"/>
-        <c:crossAx val="130682536"/>
+        <c:crossAx val="163609232"/>
         <c:crosses val="autoZero"/>
         <c:crossBetween val="midCat"/>
         <c:majorUnit val="4"/>
@@ -919,11 +920,11 @@
           <c:showPercent val="0"/>
           <c:showBubbleSize val="0"/>
         </c:dLbls>
-        <c:axId val="130681360"/>
-        <c:axId val="131163312"/>
+        <c:axId val="163610408"/>
+        <c:axId val="163610800"/>
       </c:scatterChart>
       <c:valAx>
-        <c:axId val="130681360"/>
+        <c:axId val="163610408"/>
         <c:scaling>
           <c:logBase val="2"/>
           <c:orientation val="minMax"/>
@@ -936,13 +937,13 @@
         <c:majorTickMark val="out"/>
         <c:minorTickMark val="none"/>
         <c:tickLblPos val="nextTo"/>
-        <c:crossAx val="131163312"/>
+        <c:crossAx val="163610800"/>
         <c:crosses val="autoZero"/>
         <c:crossBetween val="midCat"/>
         <c:minorUnit val="4"/>
       </c:valAx>
       <c:valAx>
-        <c:axId val="131163312"/>
+        <c:axId val="163610800"/>
         <c:scaling>
           <c:logBase val="2"/>
           <c:orientation val="minMax"/>
@@ -956,7 +957,7 @@
         <c:majorTickMark val="out"/>
         <c:minorTickMark val="none"/>
         <c:tickLblPos val="nextTo"/>
-        <c:crossAx val="130681360"/>
+        <c:crossAx val="163610408"/>
         <c:crosses val="autoZero"/>
         <c:crossBetween val="midCat"/>
         <c:majorUnit val="2"/>
@@ -1087,11 +1088,11 @@
           <c:showPercent val="0"/>
           <c:showBubbleSize val="0"/>
         </c:dLbls>
-        <c:axId val="129625160"/>
-        <c:axId val="131166448"/>
+        <c:axId val="163611584"/>
+        <c:axId val="165447424"/>
       </c:scatterChart>
       <c:valAx>
-        <c:axId val="129625160"/>
+        <c:axId val="163611584"/>
         <c:scaling>
           <c:logBase val="2"/>
           <c:orientation val="minMax"/>
@@ -1104,13 +1105,13 @@
         <c:majorTickMark val="out"/>
         <c:minorTickMark val="none"/>
         <c:tickLblPos val="nextTo"/>
-        <c:crossAx val="131166448"/>
+        <c:crossAx val="165447424"/>
         <c:crosses val="autoZero"/>
         <c:crossBetween val="midCat"/>
         <c:majorUnit val="4"/>
       </c:valAx>
       <c:valAx>
-        <c:axId val="131166448"/>
+        <c:axId val="165447424"/>
         <c:scaling>
           <c:logBase val="2"/>
           <c:orientation val="minMax"/>
@@ -1123,7 +1124,7 @@
         <c:majorTickMark val="out"/>
         <c:minorTickMark val="none"/>
         <c:tickLblPos val="nextTo"/>
-        <c:crossAx val="129625160"/>
+        <c:crossAx val="163611584"/>
         <c:crosses val="autoZero"/>
         <c:crossBetween val="midCat"/>
         <c:majorUnit val="2"/>
@@ -1249,11 +1250,11 @@
           <c:showPercent val="0"/>
           <c:showBubbleSize val="0"/>
         </c:dLbls>
-        <c:axId val="131165272"/>
-        <c:axId val="131164880"/>
+        <c:axId val="165448208"/>
+        <c:axId val="165448600"/>
       </c:scatterChart>
       <c:valAx>
-        <c:axId val="131165272"/>
+        <c:axId val="165448208"/>
         <c:scaling>
           <c:logBase val="2"/>
           <c:orientation val="minMax"/>
@@ -1266,14 +1267,14 @@
         <c:majorTickMark val="out"/>
         <c:minorTickMark val="none"/>
         <c:tickLblPos val="nextTo"/>
-        <c:crossAx val="131164880"/>
+        <c:crossAx val="165448600"/>
         <c:crosses val="autoZero"/>
         <c:crossBetween val="midCat"/>
         <c:majorUnit val="4"/>
         <c:minorUnit val="4"/>
       </c:valAx>
       <c:valAx>
-        <c:axId val="131164880"/>
+        <c:axId val="165448600"/>
         <c:scaling>
           <c:orientation val="minMax"/>
           <c:max val="1"/>
@@ -1285,7 +1286,7 @@
         <c:majorTickMark val="out"/>
         <c:minorTickMark val="none"/>
         <c:tickLblPos val="nextTo"/>
-        <c:crossAx val="131165272"/>
+        <c:crossAx val="165448208"/>
         <c:crosses val="autoZero"/>
         <c:crossBetween val="midCat"/>
       </c:valAx>
@@ -1382,7 +1383,7 @@
           <a:p>
             <a:fld id="{2E6AAE95-D4FC-4D00-935A-EAE928727A56}" type="datetimeFigureOut">
               <a:rPr lang="en-US" smtClean="0"/>
-              <a:t>6/28/2016</a:t>
+              <a:t>7/15/2016</a:t>
             </a:fld>
             <a:endParaRPr lang="en-US"/>
           </a:p>
@@ -1915,7 +1916,7 @@
           <a:p>
             <a:fld id="{1CFF3F78-F57F-4409-A41B-5EC46D4F404B}" type="datetime1">
               <a:rPr lang="nl-BE" smtClean="0"/>
-              <a:t>2016-06-28</a:t>
+              <a:t>2016-07-15</a:t>
             </a:fld>
             <a:endParaRPr lang="nl-BE"/>
           </a:p>
@@ -2085,7 +2086,7 @@
           <a:p>
             <a:fld id="{7D029E61-52E3-412C-82EB-2F81B17C0AF1}" type="datetime1">
               <a:rPr lang="nl-BE" smtClean="0"/>
-              <a:t>2016-06-28</a:t>
+              <a:t>2016-07-15</a:t>
             </a:fld>
             <a:endParaRPr lang="nl-BE"/>
           </a:p>
@@ -2265,7 +2266,7 @@
           <a:p>
             <a:fld id="{A83F1CEF-A38E-4001-89C6-F3FC7784F299}" type="datetime1">
               <a:rPr lang="nl-BE" smtClean="0"/>
-              <a:t>2016-06-28</a:t>
+              <a:t>2016-07-15</a:t>
             </a:fld>
             <a:endParaRPr lang="nl-BE"/>
           </a:p>
@@ -2391,7 +2392,7 @@
           <a:p>
             <a:fld id="{1FDE84DB-AADA-4C3F-BF46-CA664A504479}" type="datetime1">
               <a:rPr lang="nl-BE" smtClean="0"/>
-              <a:t>2016-06-28</a:t>
+              <a:t>2016-07-15</a:t>
             </a:fld>
             <a:endParaRPr lang="nl-BE" dirty="0"/>
           </a:p>
@@ -2635,7 +2636,7 @@
           <a:p>
             <a:fld id="{8CD53A43-C15C-4F05-9AD7-DB9DE837084D}" type="datetime1">
               <a:rPr lang="nl-BE" smtClean="0"/>
-              <a:t>2016-06-28</a:t>
+              <a:t>2016-07-15</a:t>
             </a:fld>
             <a:endParaRPr lang="nl-BE"/>
           </a:p>
@@ -2881,7 +2882,7 @@
           <a:p>
             <a:fld id="{8994D238-D949-4AEF-9753-A8B6EFA964A0}" type="datetime1">
               <a:rPr lang="nl-BE" smtClean="0"/>
-              <a:t>2016-06-28</a:t>
+              <a:t>2016-07-15</a:t>
             </a:fld>
             <a:endParaRPr lang="nl-BE"/>
           </a:p>
@@ -3169,7 +3170,7 @@
           <a:p>
             <a:fld id="{4D234023-BF99-4AD0-835E-8125DA2B6664}" type="datetime1">
               <a:rPr lang="nl-BE" smtClean="0"/>
-              <a:t>2016-06-28</a:t>
+              <a:t>2016-07-15</a:t>
             </a:fld>
             <a:endParaRPr lang="nl-BE"/>
           </a:p>
@@ -3591,7 +3592,7 @@
           <a:p>
             <a:fld id="{DB075A73-5C1D-406E-9444-3C5C58580E8E}" type="datetime1">
               <a:rPr lang="nl-BE" smtClean="0"/>
-              <a:t>2016-06-28</a:t>
+              <a:t>2016-07-15</a:t>
             </a:fld>
             <a:endParaRPr lang="nl-BE"/>
           </a:p>
@@ -3709,7 +3710,7 @@
           <a:p>
             <a:fld id="{E111FB2D-2E17-4D8F-A64A-4EB0C3D12494}" type="datetime1">
               <a:rPr lang="nl-BE" smtClean="0"/>
-              <a:t>2016-06-28</a:t>
+              <a:t>2016-07-15</a:t>
             </a:fld>
             <a:endParaRPr lang="nl-BE"/>
           </a:p>
@@ -3804,7 +3805,7 @@
           <a:p>
             <a:fld id="{5BE27D71-2267-4E44-9F33-05B60E5C7D9D}" type="datetime1">
               <a:rPr lang="nl-BE" smtClean="0"/>
-              <a:t>2016-06-28</a:t>
+              <a:t>2016-07-15</a:t>
             </a:fld>
             <a:endParaRPr lang="nl-BE"/>
           </a:p>
@@ -4081,7 +4082,7 @@
           <a:p>
             <a:fld id="{182F587C-96C8-4813-A767-3084061A3229}" type="datetime1">
               <a:rPr lang="nl-BE" smtClean="0"/>
-              <a:t>2016-06-28</a:t>
+              <a:t>2016-07-15</a:t>
             </a:fld>
             <a:endParaRPr lang="nl-BE"/>
           </a:p>
@@ -4334,7 +4335,7 @@
           <a:p>
             <a:fld id="{8B021CF8-BBBB-4DFA-8713-49842AA07274}" type="datetime1">
               <a:rPr lang="nl-BE" smtClean="0"/>
-              <a:t>2016-06-28</a:t>
+              <a:t>2016-07-15</a:t>
             </a:fld>
             <a:endParaRPr lang="nl-BE"/>
           </a:p>
@@ -4547,7 +4548,7 @@
           <a:p>
             <a:fld id="{CDBFABB5-0AB3-4CB6-A705-6887DEB1F9F2}" type="datetime1">
               <a:rPr lang="nl-BE" smtClean="0"/>
-              <a:t>2016-06-28</a:t>
+              <a:t>2016-07-15</a:t>
             </a:fld>
             <a:endParaRPr lang="nl-BE"/>
           </a:p>
@@ -6688,7 +6689,7 @@
           <a:graphicData uri="http://schemas.openxmlformats.org/presentationml/2006/ole">
             <mc:AlternateContent xmlns:mc="http://schemas.openxmlformats.org/markup-compatibility/2006">
               <mc:Choice xmlns:v="urn:schemas-microsoft-com:vml" Requires="v">
-                <p:oleObj spid="_x0000_s1094" name="Equation" r:id="rId3" imgW="812520" imgH="393480" progId="Equation.3">
+                <p:oleObj spid="_x0000_s1104" name="Equation" r:id="rId3" imgW="812520" imgH="393480" progId="Equation.3">
                   <p:embed/>
                 </p:oleObj>
               </mc:Choice>
@@ -6745,7 +6746,7 @@
           <a:graphicData uri="http://schemas.openxmlformats.org/presentationml/2006/ole">
             <mc:AlternateContent xmlns:mc="http://schemas.openxmlformats.org/markup-compatibility/2006">
               <mc:Choice xmlns:v="urn:schemas-microsoft-com:vml" Requires="v">
-                <p:oleObj spid="_x0000_s1095" name="Equation" r:id="rId5" imgW="2489040" imgH="431640" progId="Equation.3">
+                <p:oleObj spid="_x0000_s1105" name="Equation" r:id="rId5" imgW="2489040" imgH="431640" progId="Equation.3">
                   <p:embed/>
                 </p:oleObj>
               </mc:Choice>
@@ -17158,7 +17159,7 @@
           <a:graphicData uri="http://schemas.openxmlformats.org/presentationml/2006/ole">
             <mc:AlternateContent xmlns:mc="http://schemas.openxmlformats.org/markup-compatibility/2006">
               <mc:Choice xmlns:v="urn:schemas-microsoft-com:vml" Requires="v">
-                <p:oleObj spid="_x0000_s2083" name="Equation" r:id="rId3" imgW="1091880" imgH="1041120" progId="Equation.3">
+                <p:oleObj spid="_x0000_s2093" name="Equation" r:id="rId3" imgW="1091880" imgH="1041120" progId="Equation.3">
                   <p:embed/>
                 </p:oleObj>
               </mc:Choice>
@@ -18529,7 +18530,7 @@
           <a:graphicData uri="http://schemas.openxmlformats.org/presentationml/2006/ole">
             <mc:AlternateContent xmlns:mc="http://schemas.openxmlformats.org/markup-compatibility/2006">
               <mc:Choice xmlns:v="urn:schemas-microsoft-com:vml" Requires="v">
-                <p:oleObj spid="_x0000_s2084" name="Equation" r:id="rId5" imgW="1091880" imgH="1041120" progId="Equation.3">
+                <p:oleObj spid="_x0000_s2094" name="Equation" r:id="rId5" imgW="1091880" imgH="1041120" progId="Equation.3">
                   <p:embed/>
                 </p:oleObj>
               </mc:Choice>
@@ -23459,8 +23460,8 @@
         </p:nvSpPr>
         <p:spPr>
           <a:xfrm>
-            <a:off x="5364088" y="6165304"/>
-            <a:ext cx="622478" cy="369332"/>
+            <a:off x="5074773" y="6165304"/>
+            <a:ext cx="984980" cy="369332"/>
           </a:xfrm>
           <a:prstGeom prst="rect">
             <a:avLst/>
@@ -23476,11 +23477,12 @@
           </a:ln>
         </p:spPr>
         <p:txBody>
-          <a:bodyPr wrap="none" rtlCol="0">
+          <a:bodyPr wrap="square" rtlCol="0">
             <a:spAutoFit/>
           </a:bodyPr>
           <a:lstStyle/>
           <a:p>
+            <a:pPr algn="ctr"/>
             <a:r>
               <a:rPr lang="en-US" dirty="0" smtClean="0"/>
               <a:t>Core</a:t>
@@ -23533,10 +23535,10 @@
         </p:nvGrpSpPr>
         <p:grpSpPr>
           <a:xfrm>
-            <a:off x="5148064" y="5656602"/>
-            <a:ext cx="3168352" cy="369332"/>
-            <a:chOff x="4427984" y="5656602"/>
-            <a:chExt cx="3168352" cy="369332"/>
+            <a:off x="5065891" y="5656602"/>
+            <a:ext cx="3250525" cy="369332"/>
+            <a:chOff x="4345811" y="5656602"/>
+            <a:chExt cx="3250525" cy="369332"/>
           </a:xfrm>
         </p:grpSpPr>
         <p:sp>
@@ -23547,7 +23549,7 @@
           </p:nvSpPr>
           <p:spPr>
             <a:xfrm>
-              <a:off x="4427984" y="5656602"/>
+              <a:off x="4345811" y="5656602"/>
               <a:ext cx="993862" cy="369332"/>
             </a:xfrm>
             <a:prstGeom prst="rect">
@@ -23569,6 +23571,7 @@
             </a:bodyPr>
             <a:lstStyle/>
             <a:p>
+              <a:pPr algn="ctr"/>
               <a:r>
                 <a:rPr lang="en-US" dirty="0" smtClean="0"/>
                 <a:t>L1 cache</a:t>
@@ -23651,10 +23654,10 @@
         </p:nvGrpSpPr>
         <p:grpSpPr>
           <a:xfrm>
-            <a:off x="5148064" y="5157192"/>
-            <a:ext cx="3285371" cy="369332"/>
-            <a:chOff x="4427984" y="5656602"/>
-            <a:chExt cx="3285371" cy="369332"/>
+            <a:off x="5067786" y="5147900"/>
+            <a:ext cx="3365649" cy="378624"/>
+            <a:chOff x="4347706" y="5647310"/>
+            <a:chExt cx="3365649" cy="378624"/>
           </a:xfrm>
         </p:grpSpPr>
         <p:sp>
@@ -23665,7 +23668,7 @@
           </p:nvSpPr>
           <p:spPr>
             <a:xfrm>
-              <a:off x="4427984" y="5656602"/>
+              <a:off x="4347706" y="5647310"/>
               <a:ext cx="993862" cy="369332"/>
             </a:xfrm>
             <a:prstGeom prst="rect">
@@ -23687,6 +23690,7 @@
             </a:bodyPr>
             <a:lstStyle/>
             <a:p>
+              <a:pPr algn="ctr"/>
               <a:r>
                 <a:rPr lang="en-US" dirty="0" smtClean="0"/>
                 <a:t>L2 cache</a:t>
@@ -23769,10 +23773,10 @@
         </p:nvGrpSpPr>
         <p:grpSpPr>
           <a:xfrm>
-            <a:off x="5175061" y="4509120"/>
-            <a:ext cx="3285371" cy="369332"/>
-            <a:chOff x="4427984" y="5656602"/>
-            <a:chExt cx="3285371" cy="369332"/>
+            <a:off x="5069875" y="4509120"/>
+            <a:ext cx="3390557" cy="369332"/>
+            <a:chOff x="4322798" y="5656602"/>
+            <a:chExt cx="3390557" cy="369332"/>
           </a:xfrm>
         </p:grpSpPr>
         <p:sp>
@@ -23783,7 +23787,7 @@
           </p:nvSpPr>
           <p:spPr>
             <a:xfrm>
-              <a:off x="4427984" y="5656602"/>
+              <a:off x="4322798" y="5656602"/>
               <a:ext cx="993862" cy="369332"/>
             </a:xfrm>
             <a:prstGeom prst="rect">
@@ -23805,6 +23809,7 @@
             </a:bodyPr>
             <a:lstStyle/>
             <a:p>
+              <a:pPr algn="ctr"/>
               <a:r>
                 <a:rPr lang="en-US" dirty="0" smtClean="0"/>
                 <a:t>L3 cache</a:t>
@@ -23891,10 +23896,10 @@
         </p:nvGrpSpPr>
         <p:grpSpPr>
           <a:xfrm>
-            <a:off x="5372241" y="3645024"/>
-            <a:ext cx="3178213" cy="369332"/>
-            <a:chOff x="4652161" y="5656602"/>
-            <a:chExt cx="3178213" cy="369332"/>
+            <a:off x="5068689" y="3645024"/>
+            <a:ext cx="3481765" cy="369332"/>
+            <a:chOff x="4348609" y="5656602"/>
+            <a:chExt cx="3481765" cy="369332"/>
           </a:xfrm>
         </p:grpSpPr>
         <p:sp>
@@ -23905,8 +23910,8 @@
           </p:nvSpPr>
           <p:spPr>
             <a:xfrm>
-              <a:off x="4652161" y="5656602"/>
-              <a:ext cx="639919" cy="369332"/>
+              <a:off x="4348609" y="5656602"/>
+              <a:ext cx="991064" cy="369332"/>
             </a:xfrm>
             <a:prstGeom prst="rect">
               <a:avLst/>
@@ -23922,11 +23927,12 @@
             </a:ln>
           </p:spPr>
           <p:txBody>
-            <a:bodyPr wrap="none" rtlCol="0">
+            <a:bodyPr wrap="square" rtlCol="0">
               <a:spAutoFit/>
             </a:bodyPr>
             <a:lstStyle/>
             <a:p>
+              <a:pPr algn="ctr"/>
               <a:r>
                 <a:rPr lang="en-US" dirty="0" smtClean="0"/>
                 <a:t>RAM</a:t>
@@ -24009,7 +24015,7 @@
         </p:nvGrpSpPr>
         <p:grpSpPr>
           <a:xfrm>
-            <a:off x="5076056" y="2699628"/>
+            <a:off x="5067786" y="2700038"/>
             <a:ext cx="3519410" cy="369332"/>
             <a:chOff x="4427984" y="5656602"/>
             <a:chExt cx="3519410" cy="369332"/>
@@ -24045,6 +24051,7 @@
             </a:bodyPr>
             <a:lstStyle/>
             <a:p>
+              <a:pPr algn="ctr"/>
               <a:r>
                 <a:rPr lang="en-US" dirty="0" err="1" smtClean="0"/>
                 <a:t>Infiniband</a:t>
@@ -24127,10 +24134,10 @@
         </p:nvGrpSpPr>
         <p:grpSpPr>
           <a:xfrm>
-            <a:off x="5148064" y="1340768"/>
-            <a:ext cx="3870467" cy="369332"/>
-            <a:chOff x="4427984" y="5656602"/>
-            <a:chExt cx="3870467" cy="369332"/>
+            <a:off x="5069240" y="1340768"/>
+            <a:ext cx="3949291" cy="369332"/>
+            <a:chOff x="4349160" y="5656602"/>
+            <a:chExt cx="3949291" cy="369332"/>
           </a:xfrm>
         </p:grpSpPr>
         <p:sp>
@@ -24141,8 +24148,8 @@
           </p:nvSpPr>
           <p:spPr>
             <a:xfrm>
-              <a:off x="4427984" y="5656602"/>
-              <a:ext cx="906017" cy="369332"/>
+              <a:off x="4349160" y="5656602"/>
+              <a:ext cx="1135652" cy="369332"/>
             </a:xfrm>
             <a:prstGeom prst="rect">
               <a:avLst/>
@@ -24158,11 +24165,12 @@
             </a:ln>
           </p:spPr>
           <p:txBody>
-            <a:bodyPr wrap="none" rtlCol="0">
+            <a:bodyPr wrap="square" rtlCol="0">
               <a:spAutoFit/>
             </a:bodyPr>
             <a:lstStyle/>
             <a:p>
+              <a:pPr algn="ctr"/>
               <a:r>
                 <a:rPr lang="en-US" dirty="0" smtClean="0"/>
                 <a:t>disk I/O</a:t>
@@ -25026,7 +25034,7 @@
         </p:nvGrpSpPr>
         <p:grpSpPr>
           <a:xfrm>
-            <a:off x="5076056" y="3245024"/>
+            <a:off x="5067786" y="3244448"/>
             <a:ext cx="3519410" cy="369332"/>
             <a:chOff x="4427984" y="5656602"/>
             <a:chExt cx="3519410" cy="446892"/>
@@ -25062,6 +25070,7 @@
             </a:bodyPr>
             <a:lstStyle/>
             <a:p>
+              <a:pPr algn="ctr"/>
               <a:r>
                 <a:rPr lang="en-US" dirty="0" err="1" smtClean="0"/>
                 <a:t>OpenMP</a:t>
@@ -25216,7 +25225,7 @@
           <p:spPr>
             <a:xfrm>
               <a:off x="4427984" y="5656602"/>
-              <a:ext cx="861133" cy="369332"/>
+              <a:ext cx="1137106" cy="369332"/>
             </a:xfrm>
             <a:prstGeom prst="rect">
               <a:avLst/>
@@ -25232,11 +25241,12 @@
             </a:ln>
           </p:spPr>
           <p:txBody>
-            <a:bodyPr wrap="none" rtlCol="0">
+            <a:bodyPr wrap="square" rtlCol="0">
               <a:spAutoFit/>
             </a:bodyPr>
             <a:lstStyle/>
             <a:p>
+              <a:pPr algn="ctr"/>
               <a:r>
                 <a:rPr lang="en-US" dirty="0" smtClean="0"/>
                 <a:t>GPGPU</a:t>
@@ -25269,15 +25279,7 @@
             <a:p>
               <a:r>
                 <a:rPr lang="en-US" dirty="0" smtClean="0"/>
-                <a:t>20</a:t>
-              </a:r>
-              <a:r>
-                <a:rPr lang="en-US" dirty="0" smtClean="0"/>
-                <a:t>000 </a:t>
-              </a:r>
-              <a:r>
-                <a:rPr lang="en-US" dirty="0" smtClean="0"/>
-                <a:t>cycles</a:t>
+                <a:t>20000 cycles</a:t>
               </a:r>
               <a:endParaRPr lang="nl-BE" dirty="0"/>
             </a:p>
@@ -25336,6 +25338,180 @@
       </p:par>
     </p:tnLst>
   </p:timing>
+</p:sld>
+</file>
+
+<file path=ppt/slides/slide25.xml><?xml version="1.0" encoding="utf-8"?>
+<p:sld xmlns:a="http://schemas.openxmlformats.org/drawingml/2006/main" xmlns:r="http://schemas.openxmlformats.org/officeDocument/2006/relationships" xmlns:p="http://schemas.openxmlformats.org/presentationml/2006/main">
+  <p:cSld>
+    <p:spTree>
+      <p:nvGrpSpPr>
+        <p:cNvPr id="1" name=""/>
+        <p:cNvGrpSpPr/>
+        <p:nvPr/>
+      </p:nvGrpSpPr>
+      <p:grpSpPr>
+        <a:xfrm>
+          <a:off x="0" y="0"/>
+          <a:ext cx="0" cy="0"/>
+          <a:chOff x="0" y="0"/>
+          <a:chExt cx="0" cy="0"/>
+        </a:xfrm>
+      </p:grpSpPr>
+      <p:sp>
+        <p:nvSpPr>
+          <p:cNvPr id="2" name="Title 1"/>
+          <p:cNvSpPr>
+            <a:spLocks noGrp="1"/>
+          </p:cNvSpPr>
+          <p:nvPr>
+            <p:ph type="title"/>
+          </p:nvPr>
+        </p:nvSpPr>
+        <p:spPr/>
+        <p:txBody>
+          <a:bodyPr/>
+          <a:lstStyle/>
+          <a:p>
+            <a:r>
+              <a:rPr lang="en-US" dirty="0" smtClean="0"/>
+              <a:t>Bandwidth</a:t>
+            </a:r>
+            <a:endParaRPr lang="nl-BE" dirty="0"/>
+          </a:p>
+        </p:txBody>
+      </p:sp>
+      <p:sp>
+        <p:nvSpPr>
+          <p:cNvPr id="4" name="Content Placeholder 3"/>
+          <p:cNvSpPr>
+            <a:spLocks noGrp="1"/>
+          </p:cNvSpPr>
+          <p:nvPr>
+            <p:ph idx="1"/>
+          </p:nvPr>
+        </p:nvSpPr>
+        <p:spPr/>
+        <p:txBody>
+          <a:bodyPr>
+            <a:normAutofit fontScale="92500" lnSpcReduction="20000"/>
+          </a:bodyPr>
+          <a:lstStyle/>
+          <a:p>
+            <a:r>
+              <a:rPr lang="en-US" dirty="0" smtClean="0"/>
+              <a:t>RAM (DDR4@2133MHz): </a:t>
+            </a:r>
+            <a:r>
+              <a:rPr lang="en-US" smtClean="0"/>
+              <a:t>12.0 GB/s</a:t>
+            </a:r>
+            <a:endParaRPr lang="en-US" dirty="0" smtClean="0"/>
+          </a:p>
+          <a:p>
+            <a:r>
+              <a:rPr lang="en-US" dirty="0" smtClean="0"/>
+              <a:t>GPGPU RAM (GDDR5@750MHz): 48.0 GB/s</a:t>
+            </a:r>
+          </a:p>
+          <a:p>
+            <a:r>
+              <a:rPr lang="en-US" dirty="0" smtClean="0"/>
+              <a:t>SATA revision 3: 0.6 GB/s</a:t>
+            </a:r>
+          </a:p>
+          <a:p>
+            <a:r>
+              <a:rPr lang="en-US" dirty="0" smtClean="0"/>
+              <a:t>SATA revision 3.2: 2.0 GB/s</a:t>
+            </a:r>
+          </a:p>
+          <a:p>
+            <a:r>
+              <a:rPr lang="en-US" dirty="0" smtClean="0"/>
+              <a:t>SAS 3: 1.2 GB/s</a:t>
+            </a:r>
+          </a:p>
+          <a:p>
+            <a:r>
+              <a:rPr lang="en-US" dirty="0" smtClean="0"/>
+              <a:t>QPI (</a:t>
+            </a:r>
+            <a:r>
+              <a:rPr lang="nl-BE" dirty="0" smtClean="0"/>
+              <a:t>9.6GT/s</a:t>
+            </a:r>
+            <a:r>
+              <a:rPr lang="nl-BE" dirty="0"/>
+              <a:t>, 4.8 GHz</a:t>
+            </a:r>
+            <a:r>
+              <a:rPr lang="nl-BE" dirty="0" smtClean="0"/>
+              <a:t>): 38.4 GB/s</a:t>
+            </a:r>
+          </a:p>
+          <a:p>
+            <a:r>
+              <a:rPr lang="en-US" dirty="0" smtClean="0"/>
+              <a:t>PCI Express 3.0: 31.5 GB/s</a:t>
+            </a:r>
+          </a:p>
+          <a:p>
+            <a:r>
+              <a:rPr lang="en-US" dirty="0" err="1" smtClean="0"/>
+              <a:t>Infiniband</a:t>
+            </a:r>
+            <a:r>
+              <a:rPr lang="en-US" dirty="0" smtClean="0"/>
+              <a:t> QDR 4x: 4.0 GB/s</a:t>
+            </a:r>
+          </a:p>
+          <a:p>
+            <a:r>
+              <a:rPr lang="en-US" dirty="0" err="1" smtClean="0"/>
+              <a:t>Infiniband</a:t>
+            </a:r>
+            <a:r>
+              <a:rPr lang="en-US" dirty="0" smtClean="0"/>
+              <a:t> EDR 4x: 12.5 GB/s</a:t>
+            </a:r>
+            <a:endParaRPr lang="nl-BE" dirty="0"/>
+          </a:p>
+        </p:txBody>
+      </p:sp>
+      <p:sp>
+        <p:nvSpPr>
+          <p:cNvPr id="3" name="Slide Number Placeholder 2"/>
+          <p:cNvSpPr>
+            <a:spLocks noGrp="1"/>
+          </p:cNvSpPr>
+          <p:nvPr>
+            <p:ph type="sldNum" sz="quarter" idx="12"/>
+          </p:nvPr>
+        </p:nvSpPr>
+        <p:spPr/>
+        <p:txBody>
+          <a:bodyPr/>
+          <a:lstStyle/>
+          <a:p>
+            <a:fld id="{6597116C-F94B-4B5B-973A-17F07FB5C418}" type="slidenum">
+              <a:rPr lang="nl-BE" smtClean="0"/>
+              <a:t>25</a:t>
+            </a:fld>
+            <a:endParaRPr lang="nl-BE"/>
+          </a:p>
+        </p:txBody>
+      </p:sp>
+    </p:spTree>
+    <p:extLst>
+      <p:ext uri="{BB962C8B-B14F-4D97-AF65-F5344CB8AC3E}">
+        <p14:creationId xmlns:p14="http://schemas.microsoft.com/office/powerpoint/2010/main" val="3254066855"/>
+      </p:ext>
+    </p:extLst>
+  </p:cSld>
+  <p:clrMapOvr>
+    <a:masterClrMapping/>
+  </p:clrMapOvr>
 </p:sld>
 </file>
 

--- a/Optimization/hpc_efficiency.pptx
+++ b/Optimization/hpc_efficiency.pptx
@@ -260,11 +260,11 @@
           <c:showPercent val="0"/>
           <c:showBubbleSize val="0"/>
         </c:dLbls>
-        <c:axId val="163374752"/>
-        <c:axId val="163608056"/>
+        <c:axId val="148190608"/>
+        <c:axId val="148190216"/>
       </c:scatterChart>
       <c:valAx>
-        <c:axId val="163374752"/>
+        <c:axId val="148190608"/>
         <c:scaling>
           <c:logBase val="2"/>
           <c:orientation val="minMax"/>
@@ -276,14 +276,14 @@
         <c:majorTickMark val="out"/>
         <c:minorTickMark val="none"/>
         <c:tickLblPos val="nextTo"/>
-        <c:crossAx val="163608056"/>
+        <c:crossAx val="148190216"/>
         <c:crosses val="autoZero"/>
         <c:crossBetween val="midCat"/>
         <c:majorUnit val="4"/>
         <c:minorUnit val="4"/>
       </c:valAx>
       <c:valAx>
-        <c:axId val="163608056"/>
+        <c:axId val="148190216"/>
         <c:scaling>
           <c:logBase val="2"/>
           <c:orientation val="minMax"/>
@@ -296,7 +296,7 @@
         <c:majorTickMark val="out"/>
         <c:minorTickMark val="none"/>
         <c:tickLblPos val="nextTo"/>
-        <c:crossAx val="163374752"/>
+        <c:crossAx val="148190608"/>
         <c:crosses val="autoZero"/>
         <c:crossBetween val="midCat"/>
         <c:majorUnit val="4"/>
@@ -669,11 +669,11 @@
           <c:showPercent val="0"/>
           <c:showBubbleSize val="0"/>
         </c:dLbls>
-        <c:axId val="163609232"/>
-        <c:axId val="163609624"/>
+        <c:axId val="148075800"/>
+        <c:axId val="148075408"/>
       </c:scatterChart>
       <c:valAx>
-        <c:axId val="163609232"/>
+        <c:axId val="148075800"/>
         <c:scaling>
           <c:logBase val="2"/>
           <c:orientation val="minMax"/>
@@ -686,14 +686,14 @@
         <c:majorTickMark val="out"/>
         <c:minorTickMark val="none"/>
         <c:tickLblPos val="nextTo"/>
-        <c:crossAx val="163609624"/>
+        <c:crossAx val="148075408"/>
         <c:crosses val="autoZero"/>
         <c:crossBetween val="midCat"/>
         <c:majorUnit val="4"/>
         <c:minorUnit val="4"/>
       </c:valAx>
       <c:valAx>
-        <c:axId val="163609624"/>
+        <c:axId val="148075408"/>
         <c:scaling>
           <c:logBase val="2"/>
           <c:orientation val="minMax"/>
@@ -707,7 +707,7 @@
         <c:majorTickMark val="out"/>
         <c:minorTickMark val="none"/>
         <c:tickLblPos val="nextTo"/>
-        <c:crossAx val="163609232"/>
+        <c:crossAx val="148075800"/>
         <c:crosses val="autoZero"/>
         <c:crossBetween val="midCat"/>
         <c:majorUnit val="4"/>
@@ -920,11 +920,11 @@
           <c:showPercent val="0"/>
           <c:showBubbleSize val="0"/>
         </c:dLbls>
-        <c:axId val="163610408"/>
-        <c:axId val="163610800"/>
+        <c:axId val="148074232"/>
+        <c:axId val="150094200"/>
       </c:scatterChart>
       <c:valAx>
-        <c:axId val="163610408"/>
+        <c:axId val="148074232"/>
         <c:scaling>
           <c:logBase val="2"/>
           <c:orientation val="minMax"/>
@@ -937,13 +937,13 @@
         <c:majorTickMark val="out"/>
         <c:minorTickMark val="none"/>
         <c:tickLblPos val="nextTo"/>
-        <c:crossAx val="163610800"/>
+        <c:crossAx val="150094200"/>
         <c:crosses val="autoZero"/>
         <c:crossBetween val="midCat"/>
         <c:minorUnit val="4"/>
       </c:valAx>
       <c:valAx>
-        <c:axId val="163610800"/>
+        <c:axId val="150094200"/>
         <c:scaling>
           <c:logBase val="2"/>
           <c:orientation val="minMax"/>
@@ -957,7 +957,7 @@
         <c:majorTickMark val="out"/>
         <c:minorTickMark val="none"/>
         <c:tickLblPos val="nextTo"/>
-        <c:crossAx val="163610408"/>
+        <c:crossAx val="148074232"/>
         <c:crosses val="autoZero"/>
         <c:crossBetween val="midCat"/>
         <c:majorUnit val="2"/>
@@ -1088,11 +1088,11 @@
           <c:showPercent val="0"/>
           <c:showBubbleSize val="0"/>
         </c:dLbls>
-        <c:axId val="163611584"/>
-        <c:axId val="165447424"/>
+        <c:axId val="150094984"/>
+        <c:axId val="150095376"/>
       </c:scatterChart>
       <c:valAx>
-        <c:axId val="163611584"/>
+        <c:axId val="150094984"/>
         <c:scaling>
           <c:logBase val="2"/>
           <c:orientation val="minMax"/>
@@ -1105,13 +1105,13 @@
         <c:majorTickMark val="out"/>
         <c:minorTickMark val="none"/>
         <c:tickLblPos val="nextTo"/>
-        <c:crossAx val="165447424"/>
+        <c:crossAx val="150095376"/>
         <c:crosses val="autoZero"/>
         <c:crossBetween val="midCat"/>
         <c:majorUnit val="4"/>
       </c:valAx>
       <c:valAx>
-        <c:axId val="165447424"/>
+        <c:axId val="150095376"/>
         <c:scaling>
           <c:logBase val="2"/>
           <c:orientation val="minMax"/>
@@ -1124,7 +1124,7 @@
         <c:majorTickMark val="out"/>
         <c:minorTickMark val="none"/>
         <c:tickLblPos val="nextTo"/>
-        <c:crossAx val="163611584"/>
+        <c:crossAx val="150094984"/>
         <c:crosses val="autoZero"/>
         <c:crossBetween val="midCat"/>
         <c:majorUnit val="2"/>
@@ -1250,11 +1250,11 @@
           <c:showPercent val="0"/>
           <c:showBubbleSize val="0"/>
         </c:dLbls>
-        <c:axId val="165448208"/>
-        <c:axId val="165448600"/>
+        <c:axId val="150096160"/>
+        <c:axId val="150096552"/>
       </c:scatterChart>
       <c:valAx>
-        <c:axId val="165448208"/>
+        <c:axId val="150096160"/>
         <c:scaling>
           <c:logBase val="2"/>
           <c:orientation val="minMax"/>
@@ -1267,14 +1267,14 @@
         <c:majorTickMark val="out"/>
         <c:minorTickMark val="none"/>
         <c:tickLblPos val="nextTo"/>
-        <c:crossAx val="165448600"/>
+        <c:crossAx val="150096552"/>
         <c:crosses val="autoZero"/>
         <c:crossBetween val="midCat"/>
         <c:majorUnit val="4"/>
         <c:minorUnit val="4"/>
       </c:valAx>
       <c:valAx>
-        <c:axId val="165448600"/>
+        <c:axId val="150096552"/>
         <c:scaling>
           <c:orientation val="minMax"/>
           <c:max val="1"/>
@@ -1286,7 +1286,7 @@
         <c:majorTickMark val="out"/>
         <c:minorTickMark val="none"/>
         <c:tickLblPos val="nextTo"/>
-        <c:crossAx val="165448208"/>
+        <c:crossAx val="150096160"/>
         <c:crosses val="autoZero"/>
         <c:crossBetween val="midCat"/>
       </c:valAx>
@@ -1383,7 +1383,7 @@
           <a:p>
             <a:fld id="{2E6AAE95-D4FC-4D00-935A-EAE928727A56}" type="datetimeFigureOut">
               <a:rPr lang="en-US" smtClean="0"/>
-              <a:t>7/15/2016</a:t>
+              <a:t>7/29/2016</a:t>
             </a:fld>
             <a:endParaRPr lang="en-US"/>
           </a:p>
@@ -1916,7 +1916,7 @@
           <a:p>
             <a:fld id="{1CFF3F78-F57F-4409-A41B-5EC46D4F404B}" type="datetime1">
               <a:rPr lang="nl-BE" smtClean="0"/>
-              <a:t>2016-07-15</a:t>
+              <a:t>2016-07-29</a:t>
             </a:fld>
             <a:endParaRPr lang="nl-BE"/>
           </a:p>
@@ -2086,7 +2086,7 @@
           <a:p>
             <a:fld id="{7D029E61-52E3-412C-82EB-2F81B17C0AF1}" type="datetime1">
               <a:rPr lang="nl-BE" smtClean="0"/>
-              <a:t>2016-07-15</a:t>
+              <a:t>2016-07-29</a:t>
             </a:fld>
             <a:endParaRPr lang="nl-BE"/>
           </a:p>
@@ -2266,7 +2266,7 @@
           <a:p>
             <a:fld id="{A83F1CEF-A38E-4001-89C6-F3FC7784F299}" type="datetime1">
               <a:rPr lang="nl-BE" smtClean="0"/>
-              <a:t>2016-07-15</a:t>
+              <a:t>2016-07-29</a:t>
             </a:fld>
             <a:endParaRPr lang="nl-BE"/>
           </a:p>
@@ -2392,7 +2392,7 @@
           <a:p>
             <a:fld id="{1FDE84DB-AADA-4C3F-BF46-CA664A504479}" type="datetime1">
               <a:rPr lang="nl-BE" smtClean="0"/>
-              <a:t>2016-07-15</a:t>
+              <a:t>2016-07-29</a:t>
             </a:fld>
             <a:endParaRPr lang="nl-BE" dirty="0"/>
           </a:p>
@@ -2636,7 +2636,7 @@
           <a:p>
             <a:fld id="{8CD53A43-C15C-4F05-9AD7-DB9DE837084D}" type="datetime1">
               <a:rPr lang="nl-BE" smtClean="0"/>
-              <a:t>2016-07-15</a:t>
+              <a:t>2016-07-29</a:t>
             </a:fld>
             <a:endParaRPr lang="nl-BE"/>
           </a:p>
@@ -2882,7 +2882,7 @@
           <a:p>
             <a:fld id="{8994D238-D949-4AEF-9753-A8B6EFA964A0}" type="datetime1">
               <a:rPr lang="nl-BE" smtClean="0"/>
-              <a:t>2016-07-15</a:t>
+              <a:t>2016-07-29</a:t>
             </a:fld>
             <a:endParaRPr lang="nl-BE"/>
           </a:p>
@@ -3170,7 +3170,7 @@
           <a:p>
             <a:fld id="{4D234023-BF99-4AD0-835E-8125DA2B6664}" type="datetime1">
               <a:rPr lang="nl-BE" smtClean="0"/>
-              <a:t>2016-07-15</a:t>
+              <a:t>2016-07-29</a:t>
             </a:fld>
             <a:endParaRPr lang="nl-BE"/>
           </a:p>
@@ -3592,7 +3592,7 @@
           <a:p>
             <a:fld id="{DB075A73-5C1D-406E-9444-3C5C58580E8E}" type="datetime1">
               <a:rPr lang="nl-BE" smtClean="0"/>
-              <a:t>2016-07-15</a:t>
+              <a:t>2016-07-29</a:t>
             </a:fld>
             <a:endParaRPr lang="nl-BE"/>
           </a:p>
@@ -3710,7 +3710,7 @@
           <a:p>
             <a:fld id="{E111FB2D-2E17-4D8F-A64A-4EB0C3D12494}" type="datetime1">
               <a:rPr lang="nl-BE" smtClean="0"/>
-              <a:t>2016-07-15</a:t>
+              <a:t>2016-07-29</a:t>
             </a:fld>
             <a:endParaRPr lang="nl-BE"/>
           </a:p>
@@ -3805,7 +3805,7 @@
           <a:p>
             <a:fld id="{5BE27D71-2267-4E44-9F33-05B60E5C7D9D}" type="datetime1">
               <a:rPr lang="nl-BE" smtClean="0"/>
-              <a:t>2016-07-15</a:t>
+              <a:t>2016-07-29</a:t>
             </a:fld>
             <a:endParaRPr lang="nl-BE"/>
           </a:p>
@@ -4082,7 +4082,7 @@
           <a:p>
             <a:fld id="{182F587C-96C8-4813-A767-3084061A3229}" type="datetime1">
               <a:rPr lang="nl-BE" smtClean="0"/>
-              <a:t>2016-07-15</a:t>
+              <a:t>2016-07-29</a:t>
             </a:fld>
             <a:endParaRPr lang="nl-BE"/>
           </a:p>
@@ -4335,7 +4335,7 @@
           <a:p>
             <a:fld id="{8B021CF8-BBBB-4DFA-8713-49842AA07274}" type="datetime1">
               <a:rPr lang="nl-BE" smtClean="0"/>
-              <a:t>2016-07-15</a:t>
+              <a:t>2016-07-29</a:t>
             </a:fld>
             <a:endParaRPr lang="nl-BE"/>
           </a:p>
@@ -4548,7 +4548,7 @@
           <a:p>
             <a:fld id="{CDBFABB5-0AB3-4CB6-A705-6887DEB1F9F2}" type="datetime1">
               <a:rPr lang="nl-BE" smtClean="0"/>
-              <a:t>2016-07-15</a:t>
+              <a:t>2016-07-29</a:t>
             </a:fld>
             <a:endParaRPr lang="nl-BE"/>
           </a:p>
@@ -6689,7 +6689,7 @@
           <a:graphicData uri="http://schemas.openxmlformats.org/presentationml/2006/ole">
             <mc:AlternateContent xmlns:mc="http://schemas.openxmlformats.org/markup-compatibility/2006">
               <mc:Choice xmlns:v="urn:schemas-microsoft-com:vml" Requires="v">
-                <p:oleObj spid="_x0000_s1104" name="Equation" r:id="rId3" imgW="812520" imgH="393480" progId="Equation.3">
+                <p:oleObj spid="_x0000_s1110" name="Equation" r:id="rId3" imgW="812520" imgH="393480" progId="Equation.3">
                   <p:embed/>
                 </p:oleObj>
               </mc:Choice>
@@ -6746,7 +6746,7 @@
           <a:graphicData uri="http://schemas.openxmlformats.org/presentationml/2006/ole">
             <mc:AlternateContent xmlns:mc="http://schemas.openxmlformats.org/markup-compatibility/2006">
               <mc:Choice xmlns:v="urn:schemas-microsoft-com:vml" Requires="v">
-                <p:oleObj spid="_x0000_s1105" name="Equation" r:id="rId5" imgW="2489040" imgH="431640" progId="Equation.3">
+                <p:oleObj spid="_x0000_s1111" name="Equation" r:id="rId5" imgW="2489040" imgH="431640" progId="Equation.3">
                   <p:embed/>
                 </p:oleObj>
               </mc:Choice>
@@ -17159,7 +17159,7 @@
           <a:graphicData uri="http://schemas.openxmlformats.org/presentationml/2006/ole">
             <mc:AlternateContent xmlns:mc="http://schemas.openxmlformats.org/markup-compatibility/2006">
               <mc:Choice xmlns:v="urn:schemas-microsoft-com:vml" Requires="v">
-                <p:oleObj spid="_x0000_s2093" name="Equation" r:id="rId3" imgW="1091880" imgH="1041120" progId="Equation.3">
+                <p:oleObj spid="_x0000_s2099" name="Equation" r:id="rId3" imgW="1091880" imgH="1041120" progId="Equation.3">
                   <p:embed/>
                 </p:oleObj>
               </mc:Choice>
@@ -18530,7 +18530,7 @@
           <a:graphicData uri="http://schemas.openxmlformats.org/presentationml/2006/ole">
             <mc:AlternateContent xmlns:mc="http://schemas.openxmlformats.org/markup-compatibility/2006">
               <mc:Choice xmlns:v="urn:schemas-microsoft-com:vml" Requires="v">
-                <p:oleObj spid="_x0000_s2094" name="Equation" r:id="rId5" imgW="1091880" imgH="1041120" progId="Equation.3">
+                <p:oleObj spid="_x0000_s2100" name="Equation" r:id="rId5" imgW="1091880" imgH="1041120" progId="Equation.3">
                   <p:embed/>
                 </p:oleObj>
               </mc:Choice>
@@ -22803,7 +22803,11 @@
             <a:pPr lvl="1"/>
             <a:r>
               <a:rPr lang="en-US" dirty="0" smtClean="0"/>
-              <a:t>multimode, i.e., distributed</a:t>
+              <a:t>multiple node</a:t>
+            </a:r>
+            <a:r>
+              <a:rPr lang="en-US" dirty="0" smtClean="0"/>
+              <a:t>, i.e., distributed</a:t>
             </a:r>
           </a:p>
           <a:p>
@@ -25394,17 +25398,27 @@
         <p:spPr/>
         <p:txBody>
           <a:bodyPr>
-            <a:normAutofit fontScale="92500" lnSpcReduction="20000"/>
+            <a:normAutofit fontScale="85000" lnSpcReduction="20000"/>
           </a:bodyPr>
           <a:lstStyle/>
           <a:p>
             <a:r>
               <a:rPr lang="en-US" dirty="0" smtClean="0"/>
-              <a:t>RAM (DDR4@2133MHz): </a:t>
-            </a:r>
-            <a:r>
-              <a:rPr lang="en-US" smtClean="0"/>
-              <a:t>12.0 GB/s</a:t>
+              <a:t>RAM</a:t>
+            </a:r>
+          </a:p>
+          <a:p>
+            <a:pPr lvl="1"/>
+            <a:r>
+              <a:rPr lang="en-US" dirty="0" smtClean="0"/>
+              <a:t>DDR3@1600 MHz, 1 core: 8.6 GB/s</a:t>
+            </a:r>
+          </a:p>
+          <a:p>
+            <a:pPr lvl="1"/>
+            <a:r>
+              <a:rPr lang="en-US" dirty="0" smtClean="0"/>
+              <a:t>DDR4@1600 MHz, 1 core: 19.5 GB/s</a:t>
             </a:r>
             <a:endParaRPr lang="en-US" dirty="0" smtClean="0"/>
           </a:p>

--- a/Optimization/hpc_efficiency.pptx
+++ b/Optimization/hpc_efficiency.pptx
@@ -5,34 +5,37 @@
     <p:sldMasterId id="2147483648" r:id="rId1"/>
   </p:sldMasterIdLst>
   <p:notesMasterIdLst>
-    <p:notesMasterId r:id="rId27"/>
+    <p:notesMasterId r:id="rId30"/>
   </p:notesMasterIdLst>
   <p:sldIdLst>
     <p:sldId id="267" r:id="rId2"/>
-    <p:sldId id="268" r:id="rId3"/>
-    <p:sldId id="257" r:id="rId4"/>
-    <p:sldId id="258" r:id="rId5"/>
-    <p:sldId id="259" r:id="rId6"/>
-    <p:sldId id="260" r:id="rId7"/>
-    <p:sldId id="261" r:id="rId8"/>
-    <p:sldId id="262" r:id="rId9"/>
-    <p:sldId id="263" r:id="rId10"/>
-    <p:sldId id="264" r:id="rId11"/>
-    <p:sldId id="265" r:id="rId12"/>
-    <p:sldId id="266" r:id="rId13"/>
-    <p:sldId id="269" r:id="rId14"/>
-    <p:sldId id="270" r:id="rId15"/>
-    <p:sldId id="272" r:id="rId16"/>
-    <p:sldId id="277" r:id="rId17"/>
-    <p:sldId id="273" r:id="rId18"/>
-    <p:sldId id="279" r:id="rId19"/>
-    <p:sldId id="280" r:id="rId20"/>
-    <p:sldId id="278" r:id="rId21"/>
-    <p:sldId id="275" r:id="rId22"/>
-    <p:sldId id="281" r:id="rId23"/>
-    <p:sldId id="282" r:id="rId24"/>
-    <p:sldId id="271" r:id="rId25"/>
-    <p:sldId id="283" r:id="rId26"/>
+    <p:sldId id="282" r:id="rId3"/>
+    <p:sldId id="268" r:id="rId4"/>
+    <p:sldId id="257" r:id="rId5"/>
+    <p:sldId id="258" r:id="rId6"/>
+    <p:sldId id="259" r:id="rId7"/>
+    <p:sldId id="260" r:id="rId8"/>
+    <p:sldId id="261" r:id="rId9"/>
+    <p:sldId id="262" r:id="rId10"/>
+    <p:sldId id="263" r:id="rId11"/>
+    <p:sldId id="264" r:id="rId12"/>
+    <p:sldId id="265" r:id="rId13"/>
+    <p:sldId id="266" r:id="rId14"/>
+    <p:sldId id="269" r:id="rId15"/>
+    <p:sldId id="270" r:id="rId16"/>
+    <p:sldId id="284" r:id="rId17"/>
+    <p:sldId id="272" r:id="rId18"/>
+    <p:sldId id="277" r:id="rId19"/>
+    <p:sldId id="273" r:id="rId20"/>
+    <p:sldId id="279" r:id="rId21"/>
+    <p:sldId id="280" r:id="rId22"/>
+    <p:sldId id="278" r:id="rId23"/>
+    <p:sldId id="285" r:id="rId24"/>
+    <p:sldId id="275" r:id="rId25"/>
+    <p:sldId id="281" r:id="rId26"/>
+    <p:sldId id="286" r:id="rId27"/>
+    <p:sldId id="271" r:id="rId28"/>
+    <p:sldId id="283" r:id="rId29"/>
   </p:sldIdLst>
   <p:sldSz cx="9144000" cy="6858000" type="screen4x3"/>
   <p:notesSz cx="6858000" cy="9144000"/>
@@ -260,11 +263,11 @@
           <c:showPercent val="0"/>
           <c:showBubbleSize val="0"/>
         </c:dLbls>
-        <c:axId val="148190608"/>
-        <c:axId val="148190216"/>
+        <c:axId val="166192264"/>
+        <c:axId val="166191872"/>
       </c:scatterChart>
       <c:valAx>
-        <c:axId val="148190608"/>
+        <c:axId val="166192264"/>
         <c:scaling>
           <c:logBase val="2"/>
           <c:orientation val="minMax"/>
@@ -276,14 +279,14 @@
         <c:majorTickMark val="out"/>
         <c:minorTickMark val="none"/>
         <c:tickLblPos val="nextTo"/>
-        <c:crossAx val="148190216"/>
+        <c:crossAx val="166191872"/>
         <c:crosses val="autoZero"/>
         <c:crossBetween val="midCat"/>
         <c:majorUnit val="4"/>
         <c:minorUnit val="4"/>
       </c:valAx>
       <c:valAx>
-        <c:axId val="148190216"/>
+        <c:axId val="166191872"/>
         <c:scaling>
           <c:logBase val="2"/>
           <c:orientation val="minMax"/>
@@ -296,7 +299,7 @@
         <c:majorTickMark val="out"/>
         <c:minorTickMark val="none"/>
         <c:tickLblPos val="nextTo"/>
-        <c:crossAx val="148190608"/>
+        <c:crossAx val="166192264"/>
         <c:crosses val="autoZero"/>
         <c:crossBetween val="midCat"/>
         <c:majorUnit val="4"/>
@@ -669,11 +672,11 @@
           <c:showPercent val="0"/>
           <c:showBubbleSize val="0"/>
         </c:dLbls>
-        <c:axId val="148075800"/>
-        <c:axId val="148075408"/>
+        <c:axId val="166189912"/>
+        <c:axId val="166193440"/>
       </c:scatterChart>
       <c:valAx>
-        <c:axId val="148075800"/>
+        <c:axId val="166189912"/>
         <c:scaling>
           <c:logBase val="2"/>
           <c:orientation val="minMax"/>
@@ -686,14 +689,14 @@
         <c:majorTickMark val="out"/>
         <c:minorTickMark val="none"/>
         <c:tickLblPos val="nextTo"/>
-        <c:crossAx val="148075408"/>
+        <c:crossAx val="166193440"/>
         <c:crosses val="autoZero"/>
         <c:crossBetween val="midCat"/>
         <c:majorUnit val="4"/>
         <c:minorUnit val="4"/>
       </c:valAx>
       <c:valAx>
-        <c:axId val="148075408"/>
+        <c:axId val="166193440"/>
         <c:scaling>
           <c:logBase val="2"/>
           <c:orientation val="minMax"/>
@@ -707,7 +710,7 @@
         <c:majorTickMark val="out"/>
         <c:minorTickMark val="none"/>
         <c:tickLblPos val="nextTo"/>
-        <c:crossAx val="148075800"/>
+        <c:crossAx val="166189912"/>
         <c:crosses val="autoZero"/>
         <c:crossBetween val="midCat"/>
         <c:majorUnit val="4"/>
@@ -920,11 +923,11 @@
           <c:showPercent val="0"/>
           <c:showBubbleSize val="0"/>
         </c:dLbls>
-        <c:axId val="148074232"/>
-        <c:axId val="150094200"/>
+        <c:axId val="167816296"/>
+        <c:axId val="167816688"/>
       </c:scatterChart>
       <c:valAx>
-        <c:axId val="148074232"/>
+        <c:axId val="167816296"/>
         <c:scaling>
           <c:logBase val="2"/>
           <c:orientation val="minMax"/>
@@ -937,13 +940,13 @@
         <c:majorTickMark val="out"/>
         <c:minorTickMark val="none"/>
         <c:tickLblPos val="nextTo"/>
-        <c:crossAx val="150094200"/>
+        <c:crossAx val="167816688"/>
         <c:crosses val="autoZero"/>
         <c:crossBetween val="midCat"/>
         <c:minorUnit val="4"/>
       </c:valAx>
       <c:valAx>
-        <c:axId val="150094200"/>
+        <c:axId val="167816688"/>
         <c:scaling>
           <c:logBase val="2"/>
           <c:orientation val="minMax"/>
@@ -957,7 +960,7 @@
         <c:majorTickMark val="out"/>
         <c:minorTickMark val="none"/>
         <c:tickLblPos val="nextTo"/>
-        <c:crossAx val="148074232"/>
+        <c:crossAx val="167816296"/>
         <c:crosses val="autoZero"/>
         <c:crossBetween val="midCat"/>
         <c:majorUnit val="2"/>
@@ -1088,11 +1091,11 @@
           <c:showPercent val="0"/>
           <c:showBubbleSize val="0"/>
         </c:dLbls>
-        <c:axId val="150094984"/>
-        <c:axId val="150095376"/>
+        <c:axId val="167817472"/>
+        <c:axId val="167817864"/>
       </c:scatterChart>
       <c:valAx>
-        <c:axId val="150094984"/>
+        <c:axId val="167817472"/>
         <c:scaling>
           <c:logBase val="2"/>
           <c:orientation val="minMax"/>
@@ -1105,13 +1108,13 @@
         <c:majorTickMark val="out"/>
         <c:minorTickMark val="none"/>
         <c:tickLblPos val="nextTo"/>
-        <c:crossAx val="150095376"/>
+        <c:crossAx val="167817864"/>
         <c:crosses val="autoZero"/>
         <c:crossBetween val="midCat"/>
         <c:majorUnit val="4"/>
       </c:valAx>
       <c:valAx>
-        <c:axId val="150095376"/>
+        <c:axId val="167817864"/>
         <c:scaling>
           <c:logBase val="2"/>
           <c:orientation val="minMax"/>
@@ -1124,7 +1127,7 @@
         <c:majorTickMark val="out"/>
         <c:minorTickMark val="none"/>
         <c:tickLblPos val="nextTo"/>
-        <c:crossAx val="150094984"/>
+        <c:crossAx val="167817472"/>
         <c:crosses val="autoZero"/>
         <c:crossBetween val="midCat"/>
         <c:majorUnit val="2"/>
@@ -1250,11 +1253,11 @@
           <c:showPercent val="0"/>
           <c:showBubbleSize val="0"/>
         </c:dLbls>
-        <c:axId val="150096160"/>
-        <c:axId val="150096552"/>
+        <c:axId val="167818648"/>
+        <c:axId val="167819040"/>
       </c:scatterChart>
       <c:valAx>
-        <c:axId val="150096160"/>
+        <c:axId val="167818648"/>
         <c:scaling>
           <c:logBase val="2"/>
           <c:orientation val="minMax"/>
@@ -1267,14 +1270,14 @@
         <c:majorTickMark val="out"/>
         <c:minorTickMark val="none"/>
         <c:tickLblPos val="nextTo"/>
-        <c:crossAx val="150096552"/>
+        <c:crossAx val="167819040"/>
         <c:crosses val="autoZero"/>
         <c:crossBetween val="midCat"/>
         <c:majorUnit val="4"/>
         <c:minorUnit val="4"/>
       </c:valAx>
       <c:valAx>
-        <c:axId val="150096552"/>
+        <c:axId val="167819040"/>
         <c:scaling>
           <c:orientation val="minMax"/>
           <c:max val="1"/>
@@ -1286,7 +1289,7 @@
         <c:majorTickMark val="out"/>
         <c:minorTickMark val="none"/>
         <c:tickLblPos val="nextTo"/>
-        <c:crossAx val="150096160"/>
+        <c:crossAx val="167818648"/>
         <c:crosses val="autoZero"/>
         <c:crossBetween val="midCat"/>
       </c:valAx>
@@ -1716,7 +1719,7 @@
           <a:p>
             <a:fld id="{8B979C76-3FF1-40F3-8C7E-1BB6B02B1C34}" type="slidenum">
               <a:rPr lang="en-US" smtClean="0"/>
-              <a:t>16</a:t>
+              <a:t>18</a:t>
             </a:fld>
             <a:endParaRPr lang="en-US"/>
           </a:p>
@@ -5091,6 +5094,856 @@
 </file>
 
 <file path=ppt/slides/slide10.xml><?xml version="1.0" encoding="utf-8"?>
+<p:sld xmlns:a="http://schemas.openxmlformats.org/drawingml/2006/main" xmlns:r="http://schemas.openxmlformats.org/officeDocument/2006/relationships" xmlns:p="http://schemas.openxmlformats.org/presentationml/2006/main">
+  <p:cSld>
+    <p:spTree>
+      <p:nvGrpSpPr>
+        <p:cNvPr id="1" name=""/>
+        <p:cNvGrpSpPr/>
+        <p:nvPr/>
+      </p:nvGrpSpPr>
+      <p:grpSpPr>
+        <a:xfrm>
+          <a:off x="0" y="0"/>
+          <a:ext cx="0" cy="0"/>
+          <a:chOff x="0" y="0"/>
+          <a:chExt cx="0" cy="0"/>
+        </a:xfrm>
+      </p:grpSpPr>
+      <p:sp>
+        <p:nvSpPr>
+          <p:cNvPr id="2" name="Title 1"/>
+          <p:cNvSpPr>
+            <a:spLocks noGrp="1"/>
+          </p:cNvSpPr>
+          <p:nvPr>
+            <p:ph type="title"/>
+          </p:nvPr>
+        </p:nvSpPr>
+        <p:spPr/>
+        <p:txBody>
+          <a:bodyPr/>
+          <a:lstStyle/>
+          <a:p>
+            <a:r>
+              <a:rPr lang="en-US" dirty="0" smtClean="0"/>
+              <a:t>Picking the sweet spot</a:t>
+            </a:r>
+            <a:endParaRPr lang="nl-BE" dirty="0"/>
+          </a:p>
+        </p:txBody>
+      </p:sp>
+      <p:grpSp>
+        <p:nvGrpSpPr>
+          <p:cNvPr id="11" name="Group 10"/>
+          <p:cNvGrpSpPr/>
+          <p:nvPr/>
+        </p:nvGrpSpPr>
+        <p:grpSpPr>
+          <a:xfrm>
+            <a:off x="591815" y="1844824"/>
+            <a:ext cx="4039684" cy="2540025"/>
+            <a:chOff x="591815" y="1844824"/>
+            <a:chExt cx="4039684" cy="2540025"/>
+          </a:xfrm>
+        </p:grpSpPr>
+        <p:graphicFrame>
+          <p:nvGraphicFramePr>
+            <p:cNvPr id="6" name="Chart 5"/>
+            <p:cNvGraphicFramePr>
+              <a:graphicFrameLocks/>
+            </p:cNvGraphicFramePr>
+            <p:nvPr>
+              <p:extLst>
+                <p:ext uri="{D42A27DB-BD31-4B8C-83A1-F6EECF244321}">
+                  <p14:modId xmlns:p14="http://schemas.microsoft.com/office/powerpoint/2010/main" val="541164566"/>
+                </p:ext>
+              </p:extLst>
+            </p:nvPr>
+          </p:nvGraphicFramePr>
+          <p:xfrm>
+            <a:off x="899592" y="1844824"/>
+            <a:ext cx="3731907" cy="2239144"/>
+          </p:xfrm>
+          <a:graphic>
+            <a:graphicData uri="http://schemas.openxmlformats.org/drawingml/2006/chart">
+              <c:chart xmlns:c="http://schemas.openxmlformats.org/drawingml/2006/chart" xmlns:r="http://schemas.openxmlformats.org/officeDocument/2006/relationships" r:id="rId2"/>
+            </a:graphicData>
+          </a:graphic>
+        </p:graphicFrame>
+        <p:sp>
+          <p:nvSpPr>
+            <p:cNvPr id="7" name="TextBox 6"/>
+            <p:cNvSpPr txBox="1"/>
+            <p:nvPr/>
+          </p:nvSpPr>
+          <p:spPr>
+            <a:xfrm>
+              <a:off x="2339752" y="4077072"/>
+              <a:ext cx="1123897" cy="307777"/>
+            </a:xfrm>
+            <a:prstGeom prst="rect">
+              <a:avLst/>
+            </a:prstGeom>
+            <a:noFill/>
+          </p:spPr>
+          <p:txBody>
+            <a:bodyPr wrap="none" rtlCol="0">
+              <a:spAutoFit/>
+            </a:bodyPr>
+            <a:lstStyle/>
+            <a:p>
+              <a:r>
+                <a:rPr lang="en-US" sz="1400" dirty="0" smtClean="0"/>
+                <a:t>nr. processes</a:t>
+              </a:r>
+              <a:endParaRPr lang="nl-BE" sz="1400" dirty="0"/>
+            </a:p>
+          </p:txBody>
+        </p:sp>
+        <p:sp>
+          <p:nvSpPr>
+            <p:cNvPr id="8" name="TextBox 7"/>
+            <p:cNvSpPr txBox="1"/>
+            <p:nvPr/>
+          </p:nvSpPr>
+          <p:spPr>
+            <a:xfrm rot="16200000">
+              <a:off x="339182" y="2724574"/>
+              <a:ext cx="813043" cy="307777"/>
+            </a:xfrm>
+            <a:prstGeom prst="rect">
+              <a:avLst/>
+            </a:prstGeom>
+            <a:noFill/>
+          </p:spPr>
+          <p:txBody>
+            <a:bodyPr wrap="none" rtlCol="0">
+              <a:spAutoFit/>
+            </a:bodyPr>
+            <a:lstStyle/>
+            <a:p>
+              <a:r>
+                <a:rPr lang="en-US" sz="1400" dirty="0" smtClean="0"/>
+                <a:t>speedup</a:t>
+              </a:r>
+              <a:endParaRPr lang="nl-BE" sz="1400" dirty="0"/>
+            </a:p>
+          </p:txBody>
+        </p:sp>
+      </p:grpSp>
+      <p:grpSp>
+        <p:nvGrpSpPr>
+          <p:cNvPr id="12" name="Group 11"/>
+          <p:cNvGrpSpPr/>
+          <p:nvPr/>
+        </p:nvGrpSpPr>
+        <p:grpSpPr>
+          <a:xfrm>
+            <a:off x="4210472" y="3861048"/>
+            <a:ext cx="4682008" cy="2828057"/>
+            <a:chOff x="4120208" y="3861048"/>
+            <a:chExt cx="4682008" cy="2828057"/>
+          </a:xfrm>
+        </p:grpSpPr>
+        <p:graphicFrame>
+          <p:nvGraphicFramePr>
+            <p:cNvPr id="5" name="Chart 4"/>
+            <p:cNvGraphicFramePr>
+              <a:graphicFrameLocks/>
+            </p:cNvGraphicFramePr>
+            <p:nvPr>
+              <p:extLst>
+                <p:ext uri="{D42A27DB-BD31-4B8C-83A1-F6EECF244321}">
+                  <p14:modId xmlns:p14="http://schemas.microsoft.com/office/powerpoint/2010/main" val="5710521"/>
+                </p:ext>
+              </p:extLst>
+            </p:nvPr>
+          </p:nvGraphicFramePr>
+          <p:xfrm>
+            <a:off x="4499992" y="3861048"/>
+            <a:ext cx="4302224" cy="2581334"/>
+          </p:xfrm>
+          <a:graphic>
+            <a:graphicData uri="http://schemas.openxmlformats.org/drawingml/2006/chart">
+              <c:chart xmlns:c="http://schemas.openxmlformats.org/drawingml/2006/chart" xmlns:r="http://schemas.openxmlformats.org/officeDocument/2006/relationships" r:id="rId3"/>
+            </a:graphicData>
+          </a:graphic>
+        </p:graphicFrame>
+        <p:sp>
+          <p:nvSpPr>
+            <p:cNvPr id="9" name="TextBox 8"/>
+            <p:cNvSpPr txBox="1"/>
+            <p:nvPr/>
+          </p:nvSpPr>
+          <p:spPr>
+            <a:xfrm>
+              <a:off x="6400431" y="6381328"/>
+              <a:ext cx="1123897" cy="307777"/>
+            </a:xfrm>
+            <a:prstGeom prst="rect">
+              <a:avLst/>
+            </a:prstGeom>
+            <a:noFill/>
+          </p:spPr>
+          <p:txBody>
+            <a:bodyPr wrap="none" rtlCol="0">
+              <a:spAutoFit/>
+            </a:bodyPr>
+            <a:lstStyle/>
+            <a:p>
+              <a:r>
+                <a:rPr lang="en-US" sz="1400" dirty="0" smtClean="0"/>
+                <a:t>nr. processes</a:t>
+              </a:r>
+              <a:endParaRPr lang="nl-BE" sz="1400" dirty="0"/>
+            </a:p>
+          </p:txBody>
+        </p:sp>
+        <p:sp>
+          <p:nvSpPr>
+            <p:cNvPr id="10" name="TextBox 9"/>
+            <p:cNvSpPr txBox="1"/>
+            <p:nvPr/>
+          </p:nvSpPr>
+          <p:spPr>
+            <a:xfrm rot="16200000">
+              <a:off x="3833976" y="4867361"/>
+              <a:ext cx="880241" cy="307777"/>
+            </a:xfrm>
+            <a:prstGeom prst="rect">
+              <a:avLst/>
+            </a:prstGeom>
+            <a:noFill/>
+          </p:spPr>
+          <p:txBody>
+            <a:bodyPr wrap="none" rtlCol="0">
+              <a:spAutoFit/>
+            </a:bodyPr>
+            <a:lstStyle/>
+            <a:p>
+              <a:r>
+                <a:rPr lang="en-US" sz="1400" dirty="0" smtClean="0"/>
+                <a:t>efficiency</a:t>
+              </a:r>
+              <a:endParaRPr lang="nl-BE" sz="1400" dirty="0"/>
+            </a:p>
+          </p:txBody>
+        </p:sp>
+      </p:grpSp>
+      <p:grpSp>
+        <p:nvGrpSpPr>
+          <p:cNvPr id="16" name="Group 15"/>
+          <p:cNvGrpSpPr/>
+          <p:nvPr/>
+        </p:nvGrpSpPr>
+        <p:grpSpPr>
+          <a:xfrm>
+            <a:off x="3635896" y="1556792"/>
+            <a:ext cx="3357034" cy="523220"/>
+            <a:chOff x="3635896" y="1556792"/>
+            <a:chExt cx="3357034" cy="523220"/>
+          </a:xfrm>
+        </p:grpSpPr>
+        <p:sp>
+          <p:nvSpPr>
+            <p:cNvPr id="13" name="TextBox 12"/>
+            <p:cNvSpPr txBox="1"/>
+            <p:nvPr/>
+          </p:nvSpPr>
+          <p:spPr>
+            <a:xfrm>
+              <a:off x="5220072" y="1556792"/>
+              <a:ext cx="1772858" cy="523220"/>
+            </a:xfrm>
+            <a:prstGeom prst="rect">
+              <a:avLst/>
+            </a:prstGeom>
+            <a:noFill/>
+          </p:spPr>
+          <p:txBody>
+            <a:bodyPr wrap="none" rtlCol="0">
+              <a:spAutoFit/>
+            </a:bodyPr>
+            <a:lstStyle/>
+            <a:p>
+              <a:r>
+                <a:rPr lang="en-US" sz="2800" dirty="0" smtClean="0">
+                  <a:solidFill>
+                    <a:srgbClr val="FF0000"/>
+                  </a:solidFill>
+                </a:rPr>
+                <a:t>sweet spot</a:t>
+              </a:r>
+              <a:endParaRPr lang="nl-BE" sz="2800" dirty="0">
+                <a:solidFill>
+                  <a:srgbClr val="FF0000"/>
+                </a:solidFill>
+              </a:endParaRPr>
+            </a:p>
+          </p:txBody>
+        </p:sp>
+        <p:cxnSp>
+          <p:nvCxnSpPr>
+            <p:cNvPr id="15" name="Straight Arrow Connector 14"/>
+            <p:cNvCxnSpPr>
+              <a:stCxn id="13" idx="1"/>
+            </p:cNvCxnSpPr>
+            <p:nvPr/>
+          </p:nvCxnSpPr>
+          <p:spPr>
+            <a:xfrm flipH="1">
+              <a:off x="3635896" y="1818402"/>
+              <a:ext cx="1584176" cy="261610"/>
+            </a:xfrm>
+            <a:prstGeom prst="straightConnector1">
+              <a:avLst/>
+            </a:prstGeom>
+            <a:ln w="19050">
+              <a:solidFill>
+                <a:srgbClr val="FF0000"/>
+              </a:solidFill>
+              <a:tailEnd type="stealth" w="lg" len="lg"/>
+            </a:ln>
+          </p:spPr>
+          <p:style>
+            <a:lnRef idx="1">
+              <a:schemeClr val="accent1"/>
+            </a:lnRef>
+            <a:fillRef idx="0">
+              <a:schemeClr val="accent1"/>
+            </a:fillRef>
+            <a:effectRef idx="0">
+              <a:schemeClr val="accent1"/>
+            </a:effectRef>
+            <a:fontRef idx="minor">
+              <a:schemeClr val="tx1"/>
+            </a:fontRef>
+          </p:style>
+        </p:cxnSp>
+      </p:grpSp>
+      <p:sp>
+        <p:nvSpPr>
+          <p:cNvPr id="17" name="Rectangle 16"/>
+          <p:cNvSpPr/>
+          <p:nvPr/>
+        </p:nvSpPr>
+        <p:spPr>
+          <a:xfrm>
+            <a:off x="4572000" y="4725144"/>
+            <a:ext cx="4320480" cy="1296144"/>
+          </a:xfrm>
+          <a:prstGeom prst="rect">
+            <a:avLst/>
+          </a:prstGeom>
+          <a:pattFill prst="wdUpDiag">
+            <a:fgClr>
+              <a:srgbClr val="FF0000"/>
+            </a:fgClr>
+            <a:bgClr>
+              <a:schemeClr val="bg1"/>
+            </a:bgClr>
+          </a:pattFill>
+          <a:ln>
+            <a:noFill/>
+          </a:ln>
+        </p:spPr>
+        <p:style>
+          <a:lnRef idx="2">
+            <a:schemeClr val="accent1">
+              <a:shade val="50000"/>
+            </a:schemeClr>
+          </a:lnRef>
+          <a:fillRef idx="1">
+            <a:schemeClr val="accent1"/>
+          </a:fillRef>
+          <a:effectRef idx="0">
+            <a:schemeClr val="accent1"/>
+          </a:effectRef>
+          <a:fontRef idx="minor">
+            <a:schemeClr val="lt1"/>
+          </a:fontRef>
+        </p:style>
+        <p:txBody>
+          <a:bodyPr rtlCol="0" anchor="ctr"/>
+          <a:lstStyle/>
+          <a:p>
+            <a:pPr algn="ctr"/>
+            <a:endParaRPr lang="nl-BE"/>
+          </a:p>
+        </p:txBody>
+      </p:sp>
+      <p:grpSp>
+        <p:nvGrpSpPr>
+          <p:cNvPr id="18" name="Group 17"/>
+          <p:cNvGrpSpPr/>
+          <p:nvPr/>
+        </p:nvGrpSpPr>
+        <p:grpSpPr>
+          <a:xfrm>
+            <a:off x="6106501" y="2905780"/>
+            <a:ext cx="2353931" cy="1603340"/>
+            <a:chOff x="4638999" y="1556792"/>
+            <a:chExt cx="2353931" cy="1603340"/>
+          </a:xfrm>
+        </p:grpSpPr>
+        <p:sp>
+          <p:nvSpPr>
+            <p:cNvPr id="19" name="TextBox 18"/>
+            <p:cNvSpPr txBox="1"/>
+            <p:nvPr/>
+          </p:nvSpPr>
+          <p:spPr>
+            <a:xfrm>
+              <a:off x="5220072" y="1556792"/>
+              <a:ext cx="1772858" cy="523220"/>
+            </a:xfrm>
+            <a:prstGeom prst="rect">
+              <a:avLst/>
+            </a:prstGeom>
+            <a:noFill/>
+          </p:spPr>
+          <p:txBody>
+            <a:bodyPr wrap="none" rtlCol="0">
+              <a:spAutoFit/>
+            </a:bodyPr>
+            <a:lstStyle/>
+            <a:p>
+              <a:r>
+                <a:rPr lang="en-US" sz="2800" dirty="0" smtClean="0">
+                  <a:solidFill>
+                    <a:srgbClr val="00B050"/>
+                  </a:solidFill>
+                </a:rPr>
+                <a:t>sweet spot</a:t>
+              </a:r>
+              <a:endParaRPr lang="nl-BE" sz="2800" dirty="0">
+                <a:solidFill>
+                  <a:srgbClr val="00B050"/>
+                </a:solidFill>
+              </a:endParaRPr>
+            </a:p>
+          </p:txBody>
+        </p:sp>
+        <p:cxnSp>
+          <p:nvCxnSpPr>
+            <p:cNvPr id="20" name="Straight Arrow Connector 19"/>
+            <p:cNvCxnSpPr>
+              <a:stCxn id="19" idx="2"/>
+            </p:cNvCxnSpPr>
+            <p:nvPr/>
+          </p:nvCxnSpPr>
+          <p:spPr>
+            <a:xfrm flipH="1">
+              <a:off x="4638999" y="2080012"/>
+              <a:ext cx="1467502" cy="1080120"/>
+            </a:xfrm>
+            <a:prstGeom prst="straightConnector1">
+              <a:avLst/>
+            </a:prstGeom>
+            <a:ln w="19050">
+              <a:solidFill>
+                <a:srgbClr val="00B050"/>
+              </a:solidFill>
+              <a:tailEnd type="stealth" w="lg" len="lg"/>
+            </a:ln>
+          </p:spPr>
+          <p:style>
+            <a:lnRef idx="1">
+              <a:schemeClr val="accent1"/>
+            </a:lnRef>
+            <a:fillRef idx="0">
+              <a:schemeClr val="accent1"/>
+            </a:fillRef>
+            <a:effectRef idx="0">
+              <a:schemeClr val="accent1"/>
+            </a:effectRef>
+            <a:fontRef idx="minor">
+              <a:schemeClr val="tx1"/>
+            </a:fontRef>
+          </p:style>
+        </p:cxnSp>
+      </p:grpSp>
+      <p:grpSp>
+        <p:nvGrpSpPr>
+          <p:cNvPr id="26" name="Group 25"/>
+          <p:cNvGrpSpPr/>
+          <p:nvPr/>
+        </p:nvGrpSpPr>
+        <p:grpSpPr>
+          <a:xfrm>
+            <a:off x="5377646" y="1709192"/>
+            <a:ext cx="1615284" cy="360040"/>
+            <a:chOff x="744214" y="1349152"/>
+            <a:chExt cx="1615284" cy="360040"/>
+          </a:xfrm>
+        </p:grpSpPr>
+        <p:cxnSp>
+          <p:nvCxnSpPr>
+            <p:cNvPr id="24" name="Straight Connector 23"/>
+            <p:cNvCxnSpPr/>
+            <p:nvPr/>
+          </p:nvCxnSpPr>
+          <p:spPr>
+            <a:xfrm>
+              <a:off x="899592" y="1349152"/>
+              <a:ext cx="1459906" cy="360040"/>
+            </a:xfrm>
+            <a:prstGeom prst="line">
+              <a:avLst/>
+            </a:prstGeom>
+            <a:ln w="38100">
+              <a:solidFill>
+                <a:srgbClr val="FF0000"/>
+              </a:solidFill>
+            </a:ln>
+          </p:spPr>
+          <p:style>
+            <a:lnRef idx="1">
+              <a:schemeClr val="accent1"/>
+            </a:lnRef>
+            <a:fillRef idx="0">
+              <a:schemeClr val="accent1"/>
+            </a:fillRef>
+            <a:effectRef idx="0">
+              <a:schemeClr val="accent1"/>
+            </a:effectRef>
+            <a:fontRef idx="minor">
+              <a:schemeClr val="tx1"/>
+            </a:fontRef>
+          </p:style>
+        </p:cxnSp>
+        <p:cxnSp>
+          <p:nvCxnSpPr>
+            <p:cNvPr id="25" name="Straight Connector 24"/>
+            <p:cNvCxnSpPr/>
+            <p:nvPr/>
+          </p:nvCxnSpPr>
+          <p:spPr>
+            <a:xfrm flipV="1">
+              <a:off x="744214" y="1349152"/>
+              <a:ext cx="1459906" cy="360040"/>
+            </a:xfrm>
+            <a:prstGeom prst="line">
+              <a:avLst/>
+            </a:prstGeom>
+            <a:ln w="38100">
+              <a:solidFill>
+                <a:srgbClr val="FF0000"/>
+              </a:solidFill>
+            </a:ln>
+          </p:spPr>
+          <p:style>
+            <a:lnRef idx="1">
+              <a:schemeClr val="accent1"/>
+            </a:lnRef>
+            <a:fillRef idx="0">
+              <a:schemeClr val="accent1"/>
+            </a:fillRef>
+            <a:effectRef idx="0">
+              <a:schemeClr val="accent1"/>
+            </a:effectRef>
+            <a:fontRef idx="minor">
+              <a:schemeClr val="tx1"/>
+            </a:fontRef>
+          </p:style>
+        </p:cxnSp>
+      </p:grpSp>
+      <p:sp>
+        <p:nvSpPr>
+          <p:cNvPr id="3" name="Slide Number Placeholder 2"/>
+          <p:cNvSpPr>
+            <a:spLocks noGrp="1"/>
+          </p:cNvSpPr>
+          <p:nvPr>
+            <p:ph type="sldNum" sz="quarter" idx="12"/>
+          </p:nvPr>
+        </p:nvSpPr>
+        <p:spPr/>
+        <p:txBody>
+          <a:bodyPr/>
+          <a:lstStyle/>
+          <a:p>
+            <a:fld id="{6597116C-F94B-4B5B-973A-17F07FB5C418}" type="slidenum">
+              <a:rPr lang="nl-BE" smtClean="0"/>
+              <a:t>10</a:t>
+            </a:fld>
+            <a:endParaRPr lang="nl-BE"/>
+          </a:p>
+        </p:txBody>
+      </p:sp>
+    </p:spTree>
+    <p:extLst>
+      <p:ext uri="{BB962C8B-B14F-4D97-AF65-F5344CB8AC3E}">
+        <p14:creationId xmlns:p14="http://schemas.microsoft.com/office/powerpoint/2010/main" val="315378486"/>
+      </p:ext>
+    </p:extLst>
+  </p:cSld>
+  <p:clrMapOvr>
+    <a:masterClrMapping/>
+  </p:clrMapOvr>
+  <p:timing>
+    <p:tnLst>
+      <p:par>
+        <p:cTn id="1" dur="indefinite" restart="never" nodeType="tmRoot">
+          <p:childTnLst>
+            <p:seq concurrent="1" nextAc="seek">
+              <p:cTn id="2" dur="indefinite" nodeType="mainSeq">
+                <p:childTnLst>
+                  <p:par>
+                    <p:cTn id="3" fill="hold">
+                      <p:stCondLst>
+                        <p:cond delay="indefinite"/>
+                      </p:stCondLst>
+                      <p:childTnLst>
+                        <p:par>
+                          <p:cTn id="4" fill="hold">
+                            <p:stCondLst>
+                              <p:cond delay="0"/>
+                            </p:stCondLst>
+                            <p:childTnLst>
+                              <p:par>
+                                <p:cTn id="5" presetID="1" presetClass="entr" presetSubtype="0" fill="hold" nodeType="clickEffect">
+                                  <p:stCondLst>
+                                    <p:cond delay="0"/>
+                                  </p:stCondLst>
+                                  <p:childTnLst>
+                                    <p:set>
+                                      <p:cBhvr>
+                                        <p:cTn id="6" dur="1" fill="hold">
+                                          <p:stCondLst>
+                                            <p:cond delay="0"/>
+                                          </p:stCondLst>
+                                        </p:cTn>
+                                        <p:tgtEl>
+                                          <p:spTgt spid="16"/>
+                                        </p:tgtEl>
+                                        <p:attrNameLst>
+                                          <p:attrName>style.visibility</p:attrName>
+                                        </p:attrNameLst>
+                                      </p:cBhvr>
+                                      <p:to>
+                                        <p:strVal val="visible"/>
+                                      </p:to>
+                                    </p:set>
+                                  </p:childTnLst>
+                                </p:cTn>
+                              </p:par>
+                            </p:childTnLst>
+                          </p:cTn>
+                        </p:par>
+                      </p:childTnLst>
+                    </p:cTn>
+                  </p:par>
+                  <p:par>
+                    <p:cTn id="7" fill="hold">
+                      <p:stCondLst>
+                        <p:cond delay="indefinite"/>
+                      </p:stCondLst>
+                      <p:childTnLst>
+                        <p:par>
+                          <p:cTn id="8" fill="hold">
+                            <p:stCondLst>
+                              <p:cond delay="0"/>
+                            </p:stCondLst>
+                            <p:childTnLst>
+                              <p:par>
+                                <p:cTn id="9" presetID="1" presetClass="entr" presetSubtype="0" fill="hold" nodeType="clickEffect">
+                                  <p:stCondLst>
+                                    <p:cond delay="0"/>
+                                  </p:stCondLst>
+                                  <p:childTnLst>
+                                    <p:set>
+                                      <p:cBhvr>
+                                        <p:cTn id="10" dur="1" fill="hold">
+                                          <p:stCondLst>
+                                            <p:cond delay="0"/>
+                                          </p:stCondLst>
+                                        </p:cTn>
+                                        <p:tgtEl>
+                                          <p:spTgt spid="26"/>
+                                        </p:tgtEl>
+                                        <p:attrNameLst>
+                                          <p:attrName>style.visibility</p:attrName>
+                                        </p:attrNameLst>
+                                      </p:cBhvr>
+                                      <p:to>
+                                        <p:strVal val="visible"/>
+                                      </p:to>
+                                    </p:set>
+                                  </p:childTnLst>
+                                </p:cTn>
+                              </p:par>
+                            </p:childTnLst>
+                          </p:cTn>
+                        </p:par>
+                      </p:childTnLst>
+                    </p:cTn>
+                  </p:par>
+                  <p:par>
+                    <p:cTn id="11" fill="hold">
+                      <p:stCondLst>
+                        <p:cond delay="indefinite"/>
+                      </p:stCondLst>
+                      <p:childTnLst>
+                        <p:par>
+                          <p:cTn id="12" fill="hold">
+                            <p:stCondLst>
+                              <p:cond delay="0"/>
+                            </p:stCondLst>
+                            <p:childTnLst>
+                              <p:par>
+                                <p:cTn id="13" presetID="1" presetClass="entr" presetSubtype="0" fill="hold" nodeType="clickEffect">
+                                  <p:stCondLst>
+                                    <p:cond delay="0"/>
+                                  </p:stCondLst>
+                                  <p:childTnLst>
+                                    <p:set>
+                                      <p:cBhvr>
+                                        <p:cTn id="14" dur="1" fill="hold">
+                                          <p:stCondLst>
+                                            <p:cond delay="0"/>
+                                          </p:stCondLst>
+                                        </p:cTn>
+                                        <p:tgtEl>
+                                          <p:spTgt spid="12"/>
+                                        </p:tgtEl>
+                                        <p:attrNameLst>
+                                          <p:attrName>style.visibility</p:attrName>
+                                        </p:attrNameLst>
+                                      </p:cBhvr>
+                                      <p:to>
+                                        <p:strVal val="visible"/>
+                                      </p:to>
+                                    </p:set>
+                                  </p:childTnLst>
+                                </p:cTn>
+                              </p:par>
+                            </p:childTnLst>
+                          </p:cTn>
+                        </p:par>
+                      </p:childTnLst>
+                    </p:cTn>
+                  </p:par>
+                  <p:par>
+                    <p:cTn id="15" fill="hold">
+                      <p:stCondLst>
+                        <p:cond delay="indefinite"/>
+                      </p:stCondLst>
+                      <p:childTnLst>
+                        <p:par>
+                          <p:cTn id="16" fill="hold">
+                            <p:stCondLst>
+                              <p:cond delay="0"/>
+                            </p:stCondLst>
+                            <p:childTnLst>
+                              <p:par>
+                                <p:cTn id="17" presetID="1" presetClass="entr" presetSubtype="0" fill="hold" grpId="0" nodeType="clickEffect">
+                                  <p:stCondLst>
+                                    <p:cond delay="0"/>
+                                  </p:stCondLst>
+                                  <p:childTnLst>
+                                    <p:set>
+                                      <p:cBhvr>
+                                        <p:cTn id="18" dur="1" fill="hold">
+                                          <p:stCondLst>
+                                            <p:cond delay="0"/>
+                                          </p:stCondLst>
+                                        </p:cTn>
+                                        <p:tgtEl>
+                                          <p:spTgt spid="17"/>
+                                        </p:tgtEl>
+                                        <p:attrNameLst>
+                                          <p:attrName>style.visibility</p:attrName>
+                                        </p:attrNameLst>
+                                      </p:cBhvr>
+                                      <p:to>
+                                        <p:strVal val="visible"/>
+                                      </p:to>
+                                    </p:set>
+                                  </p:childTnLst>
+                                </p:cTn>
+                              </p:par>
+                            </p:childTnLst>
+                          </p:cTn>
+                        </p:par>
+                      </p:childTnLst>
+                    </p:cTn>
+                  </p:par>
+                  <p:par>
+                    <p:cTn id="19" fill="hold">
+                      <p:stCondLst>
+                        <p:cond delay="indefinite"/>
+                      </p:stCondLst>
+                      <p:childTnLst>
+                        <p:par>
+                          <p:cTn id="20" fill="hold">
+                            <p:stCondLst>
+                              <p:cond delay="0"/>
+                            </p:stCondLst>
+                            <p:childTnLst>
+                              <p:par>
+                                <p:cTn id="21" presetID="1" presetClass="entr" presetSubtype="0" fill="hold" nodeType="clickEffect">
+                                  <p:stCondLst>
+                                    <p:cond delay="0"/>
+                                  </p:stCondLst>
+                                  <p:childTnLst>
+                                    <p:set>
+                                      <p:cBhvr>
+                                        <p:cTn id="22" dur="1" fill="hold">
+                                          <p:stCondLst>
+                                            <p:cond delay="0"/>
+                                          </p:stCondLst>
+                                        </p:cTn>
+                                        <p:tgtEl>
+                                          <p:spTgt spid="18"/>
+                                        </p:tgtEl>
+                                        <p:attrNameLst>
+                                          <p:attrName>style.visibility</p:attrName>
+                                        </p:attrNameLst>
+                                      </p:cBhvr>
+                                      <p:to>
+                                        <p:strVal val="visible"/>
+                                      </p:to>
+                                    </p:set>
+                                  </p:childTnLst>
+                                </p:cTn>
+                              </p:par>
+                            </p:childTnLst>
+                          </p:cTn>
+                        </p:par>
+                      </p:childTnLst>
+                    </p:cTn>
+                  </p:par>
+                </p:childTnLst>
+              </p:cTn>
+              <p:prevCondLst>
+                <p:cond evt="onPrev" delay="0">
+                  <p:tgtEl>
+                    <p:sldTgt/>
+                  </p:tgtEl>
+                </p:cond>
+              </p:prevCondLst>
+              <p:nextCondLst>
+                <p:cond evt="onNext" delay="0">
+                  <p:tgtEl>
+                    <p:sldTgt/>
+                  </p:tgtEl>
+                </p:cond>
+              </p:nextCondLst>
+            </p:seq>
+          </p:childTnLst>
+        </p:cTn>
+      </p:par>
+    </p:tnLst>
+    <p:bldLst>
+      <p:bldP spid="17" grpId="0" animBg="1"/>
+    </p:bldLst>
+  </p:timing>
+</p:sld>
+</file>
+
+<file path=ppt/slides/slide11.xml><?xml version="1.0" encoding="utf-8"?>
 <p:sld xmlns:a="http://schemas.openxmlformats.org/drawingml/2006/main" xmlns:r="http://schemas.openxmlformats.org/officeDocument/2006/relationships" xmlns:p="http://schemas.openxmlformats.org/presentationml/2006/main">
   <p:cSld>
     <p:spTree>
@@ -6021,7 +6874,7 @@
           <a:p>
             <a:fld id="{6597116C-F94B-4B5B-973A-17F07FB5C418}" type="slidenum">
               <a:rPr lang="nl-BE" smtClean="0"/>
-              <a:t>10</a:t>
+              <a:t>11</a:t>
             </a:fld>
             <a:endParaRPr lang="nl-BE"/>
           </a:p>
@@ -6413,133 +7266,6 @@
 </p:sld>
 </file>
 
-<file path=ppt/slides/slide11.xml><?xml version="1.0" encoding="utf-8"?>
-<p:sld xmlns:a="http://schemas.openxmlformats.org/drawingml/2006/main" xmlns:r="http://schemas.openxmlformats.org/officeDocument/2006/relationships" xmlns:p="http://schemas.openxmlformats.org/presentationml/2006/main">
-  <p:cSld>
-    <p:spTree>
-      <p:nvGrpSpPr>
-        <p:cNvPr id="1" name=""/>
-        <p:cNvGrpSpPr/>
-        <p:nvPr/>
-      </p:nvGrpSpPr>
-      <p:grpSpPr>
-        <a:xfrm>
-          <a:off x="0" y="0"/>
-          <a:ext cx="0" cy="0"/>
-          <a:chOff x="0" y="0"/>
-          <a:chExt cx="0" cy="0"/>
-        </a:xfrm>
-      </p:grpSpPr>
-      <p:sp>
-        <p:nvSpPr>
-          <p:cNvPr id="2" name="Title 1"/>
-          <p:cNvSpPr>
-            <a:spLocks noGrp="1"/>
-          </p:cNvSpPr>
-          <p:nvPr>
-            <p:ph type="title"/>
-          </p:nvPr>
-        </p:nvSpPr>
-        <p:spPr/>
-        <p:txBody>
-          <a:bodyPr/>
-          <a:lstStyle/>
-          <a:p>
-            <a:r>
-              <a:rPr lang="en-US" dirty="0" smtClean="0"/>
-              <a:t>We love Gustafson</a:t>
-            </a:r>
-            <a:endParaRPr lang="nl-BE" dirty="0"/>
-          </a:p>
-        </p:txBody>
-      </p:sp>
-      <p:sp>
-        <p:nvSpPr>
-          <p:cNvPr id="3" name="Content Placeholder 2"/>
-          <p:cNvSpPr>
-            <a:spLocks noGrp="1"/>
-          </p:cNvSpPr>
-          <p:nvPr>
-            <p:ph idx="1"/>
-          </p:nvPr>
-        </p:nvSpPr>
-        <p:spPr/>
-        <p:txBody>
-          <a:bodyPr/>
-          <a:lstStyle/>
-          <a:p>
-            <a:r>
-              <a:rPr lang="en-US" dirty="0" smtClean="0"/>
-              <a:t>Scientist are interested in</a:t>
-            </a:r>
-          </a:p>
-          <a:p>
-            <a:pPr lvl="1"/>
-            <a:r>
-              <a:rPr lang="en-US" dirty="0" smtClean="0"/>
-              <a:t>studying larger systems/bigger data sets</a:t>
-            </a:r>
-          </a:p>
-          <a:p>
-            <a:pPr lvl="1"/>
-            <a:r>
-              <a:rPr lang="en-US" dirty="0" smtClean="0"/>
-              <a:t>increasing precision/resolution</a:t>
-            </a:r>
-          </a:p>
-          <a:p>
-            <a:pPr lvl="1"/>
-            <a:r>
-              <a:rPr lang="en-US" dirty="0" smtClean="0"/>
-              <a:t>…</a:t>
-            </a:r>
-            <a:endParaRPr lang="nl-BE" dirty="0"/>
-          </a:p>
-        </p:txBody>
-      </p:sp>
-      <p:sp>
-        <p:nvSpPr>
-          <p:cNvPr id="4" name="Slide Number Placeholder 3"/>
-          <p:cNvSpPr>
-            <a:spLocks noGrp="1"/>
-          </p:cNvSpPr>
-          <p:nvPr>
-            <p:ph type="sldNum" sz="quarter" idx="12"/>
-          </p:nvPr>
-        </p:nvSpPr>
-        <p:spPr/>
-        <p:txBody>
-          <a:bodyPr/>
-          <a:lstStyle/>
-          <a:p>
-            <a:fld id="{6597116C-F94B-4B5B-973A-17F07FB5C418}" type="slidenum">
-              <a:rPr lang="nl-BE" smtClean="0"/>
-              <a:t>11</a:t>
-            </a:fld>
-            <a:endParaRPr lang="nl-BE"/>
-          </a:p>
-        </p:txBody>
-      </p:sp>
-    </p:spTree>
-    <p:extLst>
-      <p:ext uri="{BB962C8B-B14F-4D97-AF65-F5344CB8AC3E}">
-        <p14:creationId xmlns:p14="http://schemas.microsoft.com/office/powerpoint/2010/main" val="3599898149"/>
-      </p:ext>
-    </p:extLst>
-  </p:cSld>
-  <p:clrMapOvr>
-    <a:masterClrMapping/>
-  </p:clrMapOvr>
-  <p:timing>
-    <p:tnLst>
-      <p:par>
-        <p:cTn id="1" dur="indefinite" restart="never" nodeType="tmRoot"/>
-      </p:par>
-    </p:tnLst>
-  </p:timing>
-</p:sld>
-</file>
-
 <file path=ppt/slides/slide12.xml><?xml version="1.0" encoding="utf-8"?>
 <p:sld xmlns:a="http://schemas.openxmlformats.org/drawingml/2006/main" xmlns:r="http://schemas.openxmlformats.org/officeDocument/2006/relationships" xmlns:p="http://schemas.openxmlformats.org/presentationml/2006/main">
   <p:cSld>
@@ -6574,6 +7300,133 @@
           <a:p>
             <a:r>
               <a:rPr lang="en-US" dirty="0" smtClean="0"/>
+              <a:t>We love Gustafson</a:t>
+            </a:r>
+            <a:endParaRPr lang="nl-BE" dirty="0"/>
+          </a:p>
+        </p:txBody>
+      </p:sp>
+      <p:sp>
+        <p:nvSpPr>
+          <p:cNvPr id="3" name="Content Placeholder 2"/>
+          <p:cNvSpPr>
+            <a:spLocks noGrp="1"/>
+          </p:cNvSpPr>
+          <p:nvPr>
+            <p:ph idx="1"/>
+          </p:nvPr>
+        </p:nvSpPr>
+        <p:spPr/>
+        <p:txBody>
+          <a:bodyPr/>
+          <a:lstStyle/>
+          <a:p>
+            <a:r>
+              <a:rPr lang="en-US" dirty="0" smtClean="0"/>
+              <a:t>Scientist are interested in</a:t>
+            </a:r>
+          </a:p>
+          <a:p>
+            <a:pPr lvl="1"/>
+            <a:r>
+              <a:rPr lang="en-US" dirty="0" smtClean="0"/>
+              <a:t>studying larger systems/bigger data sets</a:t>
+            </a:r>
+          </a:p>
+          <a:p>
+            <a:pPr lvl="1"/>
+            <a:r>
+              <a:rPr lang="en-US" dirty="0" smtClean="0"/>
+              <a:t>increasing precision/resolution</a:t>
+            </a:r>
+          </a:p>
+          <a:p>
+            <a:pPr lvl="1"/>
+            <a:r>
+              <a:rPr lang="en-US" dirty="0" smtClean="0"/>
+              <a:t>…</a:t>
+            </a:r>
+            <a:endParaRPr lang="nl-BE" dirty="0"/>
+          </a:p>
+        </p:txBody>
+      </p:sp>
+      <p:sp>
+        <p:nvSpPr>
+          <p:cNvPr id="4" name="Slide Number Placeholder 3"/>
+          <p:cNvSpPr>
+            <a:spLocks noGrp="1"/>
+          </p:cNvSpPr>
+          <p:nvPr>
+            <p:ph type="sldNum" sz="quarter" idx="12"/>
+          </p:nvPr>
+        </p:nvSpPr>
+        <p:spPr/>
+        <p:txBody>
+          <a:bodyPr/>
+          <a:lstStyle/>
+          <a:p>
+            <a:fld id="{6597116C-F94B-4B5B-973A-17F07FB5C418}" type="slidenum">
+              <a:rPr lang="nl-BE" smtClean="0"/>
+              <a:t>12</a:t>
+            </a:fld>
+            <a:endParaRPr lang="nl-BE"/>
+          </a:p>
+        </p:txBody>
+      </p:sp>
+    </p:spTree>
+    <p:extLst>
+      <p:ext uri="{BB962C8B-B14F-4D97-AF65-F5344CB8AC3E}">
+        <p14:creationId xmlns:p14="http://schemas.microsoft.com/office/powerpoint/2010/main" val="3599898149"/>
+      </p:ext>
+    </p:extLst>
+  </p:cSld>
+  <p:clrMapOvr>
+    <a:masterClrMapping/>
+  </p:clrMapOvr>
+  <p:timing>
+    <p:tnLst>
+      <p:par>
+        <p:cTn id="1" dur="indefinite" restart="never" nodeType="tmRoot"/>
+      </p:par>
+    </p:tnLst>
+  </p:timing>
+</p:sld>
+</file>
+
+<file path=ppt/slides/slide13.xml><?xml version="1.0" encoding="utf-8"?>
+<p:sld xmlns:a="http://schemas.openxmlformats.org/drawingml/2006/main" xmlns:r="http://schemas.openxmlformats.org/officeDocument/2006/relationships" xmlns:p="http://schemas.openxmlformats.org/presentationml/2006/main">
+  <p:cSld>
+    <p:spTree>
+      <p:nvGrpSpPr>
+        <p:cNvPr id="1" name=""/>
+        <p:cNvGrpSpPr/>
+        <p:nvPr/>
+      </p:nvGrpSpPr>
+      <p:grpSpPr>
+        <a:xfrm>
+          <a:off x="0" y="0"/>
+          <a:ext cx="0" cy="0"/>
+          <a:chOff x="0" y="0"/>
+          <a:chExt cx="0" cy="0"/>
+        </a:xfrm>
+      </p:grpSpPr>
+      <p:sp>
+        <p:nvSpPr>
+          <p:cNvPr id="2" name="Title 1"/>
+          <p:cNvSpPr>
+            <a:spLocks noGrp="1"/>
+          </p:cNvSpPr>
+          <p:nvPr>
+            <p:ph type="title"/>
+          </p:nvPr>
+        </p:nvSpPr>
+        <p:spPr/>
+        <p:txBody>
+          <a:bodyPr/>
+          <a:lstStyle/>
+          <a:p>
+            <a:r>
+              <a:rPr lang="en-US" dirty="0" smtClean="0"/>
               <a:t>Throughput computing</a:t>
             </a:r>
             <a:endParaRPr lang="en-US" dirty="0"/>
@@ -6689,7 +7542,7 @@
           <a:graphicData uri="http://schemas.openxmlformats.org/presentationml/2006/ole">
             <mc:AlternateContent xmlns:mc="http://schemas.openxmlformats.org/markup-compatibility/2006">
               <mc:Choice xmlns:v="urn:schemas-microsoft-com:vml" Requires="v">
-                <p:oleObj spid="_x0000_s1110" name="Equation" r:id="rId3" imgW="812520" imgH="393480" progId="Equation.3">
+                <p:oleObj spid="_x0000_s1116" name="Equation" r:id="rId3" imgW="812520" imgH="393480" progId="Equation.3">
                   <p:embed/>
                 </p:oleObj>
               </mc:Choice>
@@ -6746,7 +7599,7 @@
           <a:graphicData uri="http://schemas.openxmlformats.org/presentationml/2006/ole">
             <mc:AlternateContent xmlns:mc="http://schemas.openxmlformats.org/markup-compatibility/2006">
               <mc:Choice xmlns:v="urn:schemas-microsoft-com:vml" Requires="v">
-                <p:oleObj spid="_x0000_s1111" name="Equation" r:id="rId5" imgW="2489040" imgH="431640" progId="Equation.3">
+                <p:oleObj spid="_x0000_s1117" name="Equation" r:id="rId5" imgW="2489040" imgH="431640" progId="Equation.3">
                   <p:embed/>
                 </p:oleObj>
               </mc:Choice>
@@ -6833,7 +7686,7 @@
           <a:p>
             <a:fld id="{6597116C-F94B-4B5B-973A-17F07FB5C418}" type="slidenum">
               <a:rPr lang="nl-BE" smtClean="0"/>
-              <a:t>12</a:t>
+              <a:t>13</a:t>
             </a:fld>
             <a:endParaRPr lang="nl-BE"/>
           </a:p>
@@ -7269,7 +8122,7 @@
 </p:sld>
 </file>
 
-<file path=ppt/slides/slide13.xml><?xml version="1.0" encoding="utf-8"?>
+<file path=ppt/slides/slide14.xml><?xml version="1.0" encoding="utf-8"?>
 <p:sld xmlns:a="http://schemas.openxmlformats.org/drawingml/2006/main" xmlns:r="http://schemas.openxmlformats.org/officeDocument/2006/relationships" xmlns:p="http://schemas.openxmlformats.org/presentationml/2006/main">
   <p:cSld>
     <p:spTree>
@@ -7345,7 +8198,7 @@
           <a:p>
             <a:fld id="{6597116C-F94B-4B5B-973A-17F07FB5C418}" type="slidenum">
               <a:rPr lang="nl-BE" smtClean="0"/>
-              <a:t>13</a:t>
+              <a:t>14</a:t>
             </a:fld>
             <a:endParaRPr lang="nl-BE"/>
           </a:p>
@@ -7371,7 +8224,7 @@
 </p:sld>
 </file>
 
-<file path=ppt/slides/slide14.xml><?xml version="1.0" encoding="utf-8"?>
+<file path=ppt/slides/slide15.xml><?xml version="1.0" encoding="utf-8"?>
 <p:sld xmlns:a="http://schemas.openxmlformats.org/drawingml/2006/main" xmlns:r="http://schemas.openxmlformats.org/officeDocument/2006/relationships" xmlns:p="http://schemas.openxmlformats.org/presentationml/2006/main">
   <p:cSld>
     <p:spTree>
@@ -12492,7 +13345,7 @@
             <a:fld id="{F35D8031-C8E5-48F8-A3B6-81643B27A3AF}" type="slidenum">
               <a:rPr lang="nl-BE" smtClean="0"/>
               <a:pPr/>
-              <a:t>14</a:t>
+              <a:t>15</a:t>
             </a:fld>
             <a:endParaRPr lang="nl-BE" dirty="0"/>
           </a:p>
@@ -12518,7 +13371,102 @@
 </p:sld>
 </file>
 
-<file path=ppt/slides/slide15.xml><?xml version="1.0" encoding="utf-8"?>
+<file path=ppt/slides/slide16.xml><?xml version="1.0" encoding="utf-8"?>
+<p:sld xmlns:a="http://schemas.openxmlformats.org/drawingml/2006/main" xmlns:r="http://schemas.openxmlformats.org/officeDocument/2006/relationships" xmlns:p="http://schemas.openxmlformats.org/presentationml/2006/main">
+  <p:cSld>
+    <p:spTree>
+      <p:nvGrpSpPr>
+        <p:cNvPr id="1" name=""/>
+        <p:cNvGrpSpPr/>
+        <p:nvPr/>
+      </p:nvGrpSpPr>
+      <p:grpSpPr>
+        <a:xfrm>
+          <a:off x="0" y="0"/>
+          <a:ext cx="0" cy="0"/>
+          <a:chOff x="0" y="0"/>
+          <a:chExt cx="0" cy="0"/>
+        </a:xfrm>
+      </p:grpSpPr>
+      <p:sp>
+        <p:nvSpPr>
+          <p:cNvPr id="2" name="Title 1"/>
+          <p:cNvSpPr>
+            <a:spLocks noGrp="1"/>
+          </p:cNvSpPr>
+          <p:nvPr>
+            <p:ph type="title"/>
+          </p:nvPr>
+        </p:nvSpPr>
+        <p:spPr/>
+        <p:txBody>
+          <a:bodyPr/>
+          <a:lstStyle/>
+          <a:p>
+            <a:r>
+              <a:rPr lang="en-US" dirty="0" smtClean="0"/>
+              <a:t>Memory</a:t>
+            </a:r>
+            <a:endParaRPr lang="nl-BE" dirty="0"/>
+          </a:p>
+        </p:txBody>
+      </p:sp>
+      <p:sp>
+        <p:nvSpPr>
+          <p:cNvPr id="3" name="Text Placeholder 2"/>
+          <p:cNvSpPr>
+            <a:spLocks noGrp="1"/>
+          </p:cNvSpPr>
+          <p:nvPr>
+            <p:ph type="body" idx="1"/>
+          </p:nvPr>
+        </p:nvSpPr>
+        <p:spPr/>
+        <p:txBody>
+          <a:bodyPr/>
+          <a:lstStyle/>
+          <a:p>
+            <a:endParaRPr lang="nl-BE"/>
+          </a:p>
+        </p:txBody>
+      </p:sp>
+      <p:sp>
+        <p:nvSpPr>
+          <p:cNvPr id="4" name="Slide Number Placeholder 3"/>
+          <p:cNvSpPr>
+            <a:spLocks noGrp="1"/>
+          </p:cNvSpPr>
+          <p:nvPr>
+            <p:ph type="sldNum" sz="quarter" idx="12"/>
+          </p:nvPr>
+        </p:nvSpPr>
+        <p:spPr/>
+        <p:txBody>
+          <a:bodyPr/>
+          <a:lstStyle/>
+          <a:p>
+            <a:fld id="{6597116C-F94B-4B5B-973A-17F07FB5C418}" type="slidenum">
+              <a:rPr lang="nl-BE" smtClean="0"/>
+              <a:t>16</a:t>
+            </a:fld>
+            <a:endParaRPr lang="nl-BE"/>
+          </a:p>
+        </p:txBody>
+      </p:sp>
+    </p:spTree>
+    <p:extLst>
+      <p:ext uri="{BB962C8B-B14F-4D97-AF65-F5344CB8AC3E}">
+        <p14:creationId xmlns:p14="http://schemas.microsoft.com/office/powerpoint/2010/main" val="519922008"/>
+      </p:ext>
+    </p:extLst>
+  </p:cSld>
+  <p:clrMapOvr>
+    <a:masterClrMapping/>
+  </p:clrMapOvr>
+</p:sld>
+</file>
+
+<file path=ppt/slides/slide17.xml><?xml version="1.0" encoding="utf-8"?>
 <p:sld xmlns:a="http://schemas.openxmlformats.org/drawingml/2006/main" xmlns:r="http://schemas.openxmlformats.org/officeDocument/2006/relationships" xmlns:p="http://schemas.openxmlformats.org/presentationml/2006/main">
   <p:cSld>
     <p:spTree>
@@ -12843,7 +13791,7 @@
           <a:p>
             <a:fld id="{6597116C-F94B-4B5B-973A-17F07FB5C418}" type="slidenum">
               <a:rPr lang="nl-BE" smtClean="0"/>
-              <a:t>15</a:t>
+              <a:t>17</a:t>
             </a:fld>
             <a:endParaRPr lang="nl-BE"/>
           </a:p>
@@ -13483,7 +14431,7 @@
 </p:sld>
 </file>
 
-<file path=ppt/slides/slide16.xml><?xml version="1.0" encoding="utf-8"?>
+<file path=ppt/slides/slide18.xml><?xml version="1.0" encoding="utf-8"?>
 <p:sld xmlns:a="http://schemas.openxmlformats.org/drawingml/2006/main" xmlns:r="http://schemas.openxmlformats.org/officeDocument/2006/relationships" xmlns:p="http://schemas.openxmlformats.org/presentationml/2006/main">
   <p:cSld>
     <p:spTree>
@@ -13827,7 +14775,7 @@
           <a:p>
             <a:fld id="{6597116C-F94B-4B5B-973A-17F07FB5C418}" type="slidenum">
               <a:rPr lang="nl-BE" smtClean="0"/>
-              <a:t>16</a:t>
+              <a:t>18</a:t>
             </a:fld>
             <a:endParaRPr lang="nl-BE"/>
           </a:p>
@@ -14446,7 +15394,7 @@
 </p:sld>
 </file>
 
-<file path=ppt/slides/slide17.xml><?xml version="1.0" encoding="utf-8"?>
+<file path=ppt/slides/slide19.xml><?xml version="1.0" encoding="utf-8"?>
 <p:sld xmlns:a="http://schemas.openxmlformats.org/drawingml/2006/main" xmlns:r="http://schemas.openxmlformats.org/officeDocument/2006/relationships" xmlns:p="http://schemas.openxmlformats.org/presentationml/2006/main">
   <p:cSld>
     <p:spTree>
@@ -15510,7 +16458,7 @@
           <a:p>
             <a:fld id="{6597116C-F94B-4B5B-973A-17F07FB5C418}" type="slidenum">
               <a:rPr lang="nl-BE" smtClean="0"/>
-              <a:t>17</a:t>
+              <a:t>19</a:t>
             </a:fld>
             <a:endParaRPr lang="nl-BE"/>
           </a:p>
@@ -16053,7 +17001,7 @@
 </p:sld>
 </file>
 
-<file path=ppt/slides/slide18.xml><?xml version="1.0" encoding="utf-8"?>
+<file path=ppt/slides/slide2.xml><?xml version="1.0" encoding="utf-8"?>
 <p:sld xmlns:a="http://schemas.openxmlformats.org/drawingml/2006/main" xmlns:r="http://schemas.openxmlformats.org/officeDocument/2006/relationships" xmlns:p="http://schemas.openxmlformats.org/presentationml/2006/main">
   <p:cSld>
     <p:spTree>
@@ -16087,7 +17035,106 @@
           <a:p>
             <a:r>
               <a:rPr lang="en-US" dirty="0" smtClean="0"/>
-              <a:t>Cache line timings</a:t>
+              <a:t>Parallelism</a:t>
+            </a:r>
+            <a:endParaRPr lang="en-US" dirty="0"/>
+          </a:p>
+        </p:txBody>
+      </p:sp>
+      <p:sp>
+        <p:nvSpPr>
+          <p:cNvPr id="3" name="Content Placeholder 2"/>
+          <p:cNvSpPr>
+            <a:spLocks noGrp="1"/>
+          </p:cNvSpPr>
+          <p:nvPr>
+            <p:ph idx="1"/>
+          </p:nvPr>
+        </p:nvSpPr>
+        <p:spPr/>
+        <p:txBody>
+          <a:bodyPr/>
+          <a:lstStyle/>
+          <a:p>
+            <a:r>
+              <a:rPr lang="en-US" dirty="0" smtClean="0"/>
+              <a:t>Levels</a:t>
+            </a:r>
+          </a:p>
+          <a:p>
+            <a:pPr lvl="1"/>
+            <a:r>
+              <a:rPr lang="en-US" dirty="0" smtClean="0"/>
+              <a:t>vectorization</a:t>
+            </a:r>
+          </a:p>
+          <a:p>
+            <a:pPr lvl="2"/>
+            <a:r>
+              <a:rPr lang="en-US" dirty="0" smtClean="0"/>
+              <a:t>compiler flags, some help needed from programmer</a:t>
+            </a:r>
+          </a:p>
+          <a:p>
+            <a:pPr lvl="1"/>
+            <a:r>
+              <a:rPr lang="en-US" dirty="0" smtClean="0"/>
+              <a:t>multicore</a:t>
+            </a:r>
+          </a:p>
+          <a:p>
+            <a:pPr lvl="2"/>
+            <a:r>
+              <a:rPr lang="en-US" dirty="0" err="1" smtClean="0"/>
+              <a:t>OpenMP</a:t>
+            </a:r>
+            <a:r>
+              <a:rPr lang="en-US" dirty="0" smtClean="0"/>
+              <a:t>/</a:t>
+            </a:r>
+            <a:r>
+              <a:rPr lang="en-US" dirty="0" err="1" smtClean="0"/>
+              <a:t>pthreads</a:t>
+            </a:r>
+            <a:r>
+              <a:rPr lang="en-US" dirty="0" smtClean="0"/>
+              <a:t>: programmer's job</a:t>
+            </a:r>
+          </a:p>
+          <a:p>
+            <a:pPr lvl="1"/>
+            <a:r>
+              <a:rPr lang="en-US" dirty="0" smtClean="0"/>
+              <a:t>multiple node, i.e., distributed</a:t>
+            </a:r>
+          </a:p>
+          <a:p>
+            <a:pPr lvl="2"/>
+            <a:r>
+              <a:rPr lang="en-US" dirty="0" smtClean="0"/>
+              <a:t>MPI: programmer's job</a:t>
+            </a:r>
+          </a:p>
+          <a:p>
+            <a:pPr lvl="1"/>
+            <a:r>
+              <a:rPr lang="en-US" dirty="0" smtClean="0"/>
+              <a:t>GPGPU</a:t>
+            </a:r>
+          </a:p>
+          <a:p>
+            <a:pPr lvl="2"/>
+            <a:r>
+              <a:rPr lang="en-US" dirty="0" smtClean="0"/>
+              <a:t>CUDA/</a:t>
+            </a:r>
+            <a:r>
+              <a:rPr lang="en-US" dirty="0" err="1" smtClean="0"/>
+              <a:t>OpenACC</a:t>
+            </a:r>
+            <a:r>
+              <a:rPr lang="en-US" dirty="0" smtClean="0"/>
+              <a:t>/OpenCL: programmer's job</a:t>
             </a:r>
             <a:endParaRPr lang="en-US" dirty="0"/>
           </a:p>
@@ -16110,7 +17157,621 @@
           <a:p>
             <a:fld id="{6597116C-F94B-4B5B-973A-17F07FB5C418}" type="slidenum">
               <a:rPr lang="nl-BE" smtClean="0"/>
-              <a:t>18</a:t>
+              <a:t>2</a:t>
+            </a:fld>
+            <a:endParaRPr lang="nl-BE"/>
+          </a:p>
+        </p:txBody>
+      </p:sp>
+      <p:grpSp>
+        <p:nvGrpSpPr>
+          <p:cNvPr id="7" name="Group 6"/>
+          <p:cNvGrpSpPr/>
+          <p:nvPr/>
+        </p:nvGrpSpPr>
+        <p:grpSpPr>
+          <a:xfrm>
+            <a:off x="6553200" y="3284984"/>
+            <a:ext cx="1479142" cy="1656184"/>
+            <a:chOff x="6553200" y="3284984"/>
+            <a:chExt cx="1479142" cy="1656184"/>
+          </a:xfrm>
+        </p:grpSpPr>
+        <p:sp>
+          <p:nvSpPr>
+            <p:cNvPr id="5" name="Right Brace 4"/>
+            <p:cNvSpPr/>
+            <p:nvPr/>
+          </p:nvSpPr>
+          <p:spPr>
+            <a:xfrm>
+              <a:off x="6553200" y="3284984"/>
+              <a:ext cx="179040" cy="1656184"/>
+            </a:xfrm>
+            <a:prstGeom prst="rightBrace">
+              <a:avLst/>
+            </a:prstGeom>
+            <a:ln>
+              <a:solidFill>
+                <a:schemeClr val="tx1"/>
+              </a:solidFill>
+            </a:ln>
+          </p:spPr>
+          <p:style>
+            <a:lnRef idx="1">
+              <a:schemeClr val="accent1"/>
+            </a:lnRef>
+            <a:fillRef idx="0">
+              <a:schemeClr val="accent1"/>
+            </a:fillRef>
+            <a:effectRef idx="0">
+              <a:schemeClr val="accent1"/>
+            </a:effectRef>
+            <a:fontRef idx="minor">
+              <a:schemeClr val="tx1"/>
+            </a:fontRef>
+          </p:style>
+          <p:txBody>
+            <a:bodyPr rtlCol="0" anchor="ctr"/>
+            <a:lstStyle/>
+            <a:p>
+              <a:pPr algn="ctr"/>
+              <a:endParaRPr lang="en-US"/>
+            </a:p>
+          </p:txBody>
+        </p:sp>
+        <p:sp>
+          <p:nvSpPr>
+            <p:cNvPr id="6" name="TextBox 5"/>
+            <p:cNvSpPr txBox="1"/>
+            <p:nvPr/>
+          </p:nvSpPr>
+          <p:spPr>
+            <a:xfrm>
+              <a:off x="6876256" y="3851466"/>
+              <a:ext cx="1156086" cy="523220"/>
+            </a:xfrm>
+            <a:prstGeom prst="rect">
+              <a:avLst/>
+            </a:prstGeom>
+            <a:noFill/>
+          </p:spPr>
+          <p:txBody>
+            <a:bodyPr wrap="none" rtlCol="0">
+              <a:spAutoFit/>
+            </a:bodyPr>
+            <a:lstStyle/>
+            <a:p>
+              <a:r>
+                <a:rPr lang="en-US" sz="2800" dirty="0" smtClean="0"/>
+                <a:t>Hybrid</a:t>
+              </a:r>
+              <a:endParaRPr lang="en-US" sz="2800" dirty="0"/>
+            </a:p>
+          </p:txBody>
+        </p:sp>
+      </p:grpSp>
+    </p:spTree>
+    <p:extLst>
+      <p:ext uri="{BB962C8B-B14F-4D97-AF65-F5344CB8AC3E}">
+        <p14:creationId xmlns:p14="http://schemas.microsoft.com/office/powerpoint/2010/main" val="1972215598"/>
+      </p:ext>
+    </p:extLst>
+  </p:cSld>
+  <p:clrMapOvr>
+    <a:masterClrMapping/>
+  </p:clrMapOvr>
+  <p:timing>
+    <p:tnLst>
+      <p:par>
+        <p:cTn id="1" dur="indefinite" restart="never" nodeType="tmRoot">
+          <p:childTnLst>
+            <p:seq concurrent="1" nextAc="seek">
+              <p:cTn id="2" dur="indefinite" nodeType="mainSeq">
+                <p:childTnLst>
+                  <p:par>
+                    <p:cTn id="3" fill="hold">
+                      <p:stCondLst>
+                        <p:cond delay="indefinite"/>
+                        <p:cond evt="onBegin" delay="0">
+                          <p:tn val="2"/>
+                        </p:cond>
+                      </p:stCondLst>
+                      <p:childTnLst>
+                        <p:par>
+                          <p:cTn id="4" fill="hold">
+                            <p:stCondLst>
+                              <p:cond delay="0"/>
+                            </p:stCondLst>
+                            <p:childTnLst>
+                              <p:par>
+                                <p:cTn id="5" presetID="1" presetClass="entr" presetSubtype="0" fill="hold" grpId="0" nodeType="withEffect">
+                                  <p:stCondLst>
+                                    <p:cond delay="0"/>
+                                  </p:stCondLst>
+                                  <p:childTnLst>
+                                    <p:set>
+                                      <p:cBhvr>
+                                        <p:cTn id="6" dur="1" fill="hold">
+                                          <p:stCondLst>
+                                            <p:cond delay="0"/>
+                                          </p:stCondLst>
+                                        </p:cTn>
+                                        <p:tgtEl>
+                                          <p:spTgt spid="3">
+                                            <p:txEl>
+                                              <p:pRg st="0" end="0"/>
+                                            </p:txEl>
+                                          </p:spTgt>
+                                        </p:tgtEl>
+                                        <p:attrNameLst>
+                                          <p:attrName>style.visibility</p:attrName>
+                                        </p:attrNameLst>
+                                      </p:cBhvr>
+                                      <p:to>
+                                        <p:strVal val="visible"/>
+                                      </p:to>
+                                    </p:set>
+                                  </p:childTnLst>
+                                </p:cTn>
+                              </p:par>
+                            </p:childTnLst>
+                          </p:cTn>
+                        </p:par>
+                      </p:childTnLst>
+                    </p:cTn>
+                  </p:par>
+                  <p:par>
+                    <p:cTn id="7" fill="hold">
+                      <p:stCondLst>
+                        <p:cond delay="indefinite"/>
+                      </p:stCondLst>
+                      <p:childTnLst>
+                        <p:par>
+                          <p:cTn id="8" fill="hold">
+                            <p:stCondLst>
+                              <p:cond delay="0"/>
+                            </p:stCondLst>
+                            <p:childTnLst>
+                              <p:par>
+                                <p:cTn id="9" presetID="1" presetClass="entr" presetSubtype="0" fill="hold" grpId="0" nodeType="clickEffect">
+                                  <p:stCondLst>
+                                    <p:cond delay="0"/>
+                                  </p:stCondLst>
+                                  <p:childTnLst>
+                                    <p:set>
+                                      <p:cBhvr>
+                                        <p:cTn id="10" dur="1" fill="hold">
+                                          <p:stCondLst>
+                                            <p:cond delay="0"/>
+                                          </p:stCondLst>
+                                        </p:cTn>
+                                        <p:tgtEl>
+                                          <p:spTgt spid="3">
+                                            <p:txEl>
+                                              <p:pRg st="1" end="1"/>
+                                            </p:txEl>
+                                          </p:spTgt>
+                                        </p:tgtEl>
+                                        <p:attrNameLst>
+                                          <p:attrName>style.visibility</p:attrName>
+                                        </p:attrNameLst>
+                                      </p:cBhvr>
+                                      <p:to>
+                                        <p:strVal val="visible"/>
+                                      </p:to>
+                                    </p:set>
+                                  </p:childTnLst>
+                                </p:cTn>
+                              </p:par>
+                              <p:par>
+                                <p:cTn id="11" presetID="1" presetClass="entr" presetSubtype="0" fill="hold" grpId="0" nodeType="withEffect">
+                                  <p:stCondLst>
+                                    <p:cond delay="0"/>
+                                  </p:stCondLst>
+                                  <p:childTnLst>
+                                    <p:set>
+                                      <p:cBhvr>
+                                        <p:cTn id="12" dur="1" fill="hold">
+                                          <p:stCondLst>
+                                            <p:cond delay="0"/>
+                                          </p:stCondLst>
+                                        </p:cTn>
+                                        <p:tgtEl>
+                                          <p:spTgt spid="3">
+                                            <p:txEl>
+                                              <p:pRg st="2" end="2"/>
+                                            </p:txEl>
+                                          </p:spTgt>
+                                        </p:tgtEl>
+                                        <p:attrNameLst>
+                                          <p:attrName>style.visibility</p:attrName>
+                                        </p:attrNameLst>
+                                      </p:cBhvr>
+                                      <p:to>
+                                        <p:strVal val="visible"/>
+                                      </p:to>
+                                    </p:set>
+                                  </p:childTnLst>
+                                </p:cTn>
+                              </p:par>
+                            </p:childTnLst>
+                          </p:cTn>
+                        </p:par>
+                      </p:childTnLst>
+                    </p:cTn>
+                  </p:par>
+                  <p:par>
+                    <p:cTn id="13" fill="hold">
+                      <p:stCondLst>
+                        <p:cond delay="indefinite"/>
+                      </p:stCondLst>
+                      <p:childTnLst>
+                        <p:par>
+                          <p:cTn id="14" fill="hold">
+                            <p:stCondLst>
+                              <p:cond delay="0"/>
+                            </p:stCondLst>
+                            <p:childTnLst>
+                              <p:par>
+                                <p:cTn id="15" presetID="1" presetClass="entr" presetSubtype="0" fill="hold" grpId="0" nodeType="clickEffect">
+                                  <p:stCondLst>
+                                    <p:cond delay="0"/>
+                                  </p:stCondLst>
+                                  <p:childTnLst>
+                                    <p:set>
+                                      <p:cBhvr>
+                                        <p:cTn id="16" dur="1" fill="hold">
+                                          <p:stCondLst>
+                                            <p:cond delay="0"/>
+                                          </p:stCondLst>
+                                        </p:cTn>
+                                        <p:tgtEl>
+                                          <p:spTgt spid="3">
+                                            <p:txEl>
+                                              <p:pRg st="3" end="3"/>
+                                            </p:txEl>
+                                          </p:spTgt>
+                                        </p:tgtEl>
+                                        <p:attrNameLst>
+                                          <p:attrName>style.visibility</p:attrName>
+                                        </p:attrNameLst>
+                                      </p:cBhvr>
+                                      <p:to>
+                                        <p:strVal val="visible"/>
+                                      </p:to>
+                                    </p:set>
+                                  </p:childTnLst>
+                                </p:cTn>
+                              </p:par>
+                              <p:par>
+                                <p:cTn id="17" presetID="1" presetClass="entr" presetSubtype="0" fill="hold" grpId="0" nodeType="withEffect">
+                                  <p:stCondLst>
+                                    <p:cond delay="0"/>
+                                  </p:stCondLst>
+                                  <p:childTnLst>
+                                    <p:set>
+                                      <p:cBhvr>
+                                        <p:cTn id="18" dur="1" fill="hold">
+                                          <p:stCondLst>
+                                            <p:cond delay="0"/>
+                                          </p:stCondLst>
+                                        </p:cTn>
+                                        <p:tgtEl>
+                                          <p:spTgt spid="3">
+                                            <p:txEl>
+                                              <p:pRg st="4" end="4"/>
+                                            </p:txEl>
+                                          </p:spTgt>
+                                        </p:tgtEl>
+                                        <p:attrNameLst>
+                                          <p:attrName>style.visibility</p:attrName>
+                                        </p:attrNameLst>
+                                      </p:cBhvr>
+                                      <p:to>
+                                        <p:strVal val="visible"/>
+                                      </p:to>
+                                    </p:set>
+                                  </p:childTnLst>
+                                </p:cTn>
+                              </p:par>
+                            </p:childTnLst>
+                          </p:cTn>
+                        </p:par>
+                      </p:childTnLst>
+                    </p:cTn>
+                  </p:par>
+                  <p:par>
+                    <p:cTn id="19" fill="hold">
+                      <p:stCondLst>
+                        <p:cond delay="indefinite"/>
+                      </p:stCondLst>
+                      <p:childTnLst>
+                        <p:par>
+                          <p:cTn id="20" fill="hold">
+                            <p:stCondLst>
+                              <p:cond delay="0"/>
+                            </p:stCondLst>
+                            <p:childTnLst>
+                              <p:par>
+                                <p:cTn id="21" presetID="1" presetClass="entr" presetSubtype="0" fill="hold" grpId="0" nodeType="clickEffect">
+                                  <p:stCondLst>
+                                    <p:cond delay="0"/>
+                                  </p:stCondLst>
+                                  <p:childTnLst>
+                                    <p:set>
+                                      <p:cBhvr>
+                                        <p:cTn id="22" dur="1" fill="hold">
+                                          <p:stCondLst>
+                                            <p:cond delay="0"/>
+                                          </p:stCondLst>
+                                        </p:cTn>
+                                        <p:tgtEl>
+                                          <p:spTgt spid="3">
+                                            <p:txEl>
+                                              <p:pRg st="5" end="5"/>
+                                            </p:txEl>
+                                          </p:spTgt>
+                                        </p:tgtEl>
+                                        <p:attrNameLst>
+                                          <p:attrName>style.visibility</p:attrName>
+                                        </p:attrNameLst>
+                                      </p:cBhvr>
+                                      <p:to>
+                                        <p:strVal val="visible"/>
+                                      </p:to>
+                                    </p:set>
+                                  </p:childTnLst>
+                                </p:cTn>
+                              </p:par>
+                              <p:par>
+                                <p:cTn id="23" presetID="1" presetClass="entr" presetSubtype="0" fill="hold" grpId="0" nodeType="withEffect">
+                                  <p:stCondLst>
+                                    <p:cond delay="0"/>
+                                  </p:stCondLst>
+                                  <p:childTnLst>
+                                    <p:set>
+                                      <p:cBhvr>
+                                        <p:cTn id="24" dur="1" fill="hold">
+                                          <p:stCondLst>
+                                            <p:cond delay="0"/>
+                                          </p:stCondLst>
+                                        </p:cTn>
+                                        <p:tgtEl>
+                                          <p:spTgt spid="3">
+                                            <p:txEl>
+                                              <p:pRg st="6" end="6"/>
+                                            </p:txEl>
+                                          </p:spTgt>
+                                        </p:tgtEl>
+                                        <p:attrNameLst>
+                                          <p:attrName>style.visibility</p:attrName>
+                                        </p:attrNameLst>
+                                      </p:cBhvr>
+                                      <p:to>
+                                        <p:strVal val="visible"/>
+                                      </p:to>
+                                    </p:set>
+                                  </p:childTnLst>
+                                </p:cTn>
+                              </p:par>
+                            </p:childTnLst>
+                          </p:cTn>
+                        </p:par>
+                      </p:childTnLst>
+                    </p:cTn>
+                  </p:par>
+                  <p:par>
+                    <p:cTn id="25" fill="hold">
+                      <p:stCondLst>
+                        <p:cond delay="indefinite"/>
+                      </p:stCondLst>
+                      <p:childTnLst>
+                        <p:par>
+                          <p:cTn id="26" fill="hold">
+                            <p:stCondLst>
+                              <p:cond delay="0"/>
+                            </p:stCondLst>
+                            <p:childTnLst>
+                              <p:par>
+                                <p:cTn id="27" presetID="1" presetClass="entr" presetSubtype="0" fill="hold" nodeType="clickEffect">
+                                  <p:stCondLst>
+                                    <p:cond delay="0"/>
+                                  </p:stCondLst>
+                                  <p:childTnLst>
+                                    <p:set>
+                                      <p:cBhvr>
+                                        <p:cTn id="28" dur="1" fill="hold">
+                                          <p:stCondLst>
+                                            <p:cond delay="0"/>
+                                          </p:stCondLst>
+                                        </p:cTn>
+                                        <p:tgtEl>
+                                          <p:spTgt spid="7"/>
+                                        </p:tgtEl>
+                                        <p:attrNameLst>
+                                          <p:attrName>style.visibility</p:attrName>
+                                        </p:attrNameLst>
+                                      </p:cBhvr>
+                                      <p:to>
+                                        <p:strVal val="visible"/>
+                                      </p:to>
+                                    </p:set>
+                                  </p:childTnLst>
+                                </p:cTn>
+                              </p:par>
+                            </p:childTnLst>
+                          </p:cTn>
+                        </p:par>
+                      </p:childTnLst>
+                    </p:cTn>
+                  </p:par>
+                  <p:par>
+                    <p:cTn id="29" fill="hold">
+                      <p:stCondLst>
+                        <p:cond delay="indefinite"/>
+                      </p:stCondLst>
+                      <p:childTnLst>
+                        <p:par>
+                          <p:cTn id="30" fill="hold">
+                            <p:stCondLst>
+                              <p:cond delay="0"/>
+                            </p:stCondLst>
+                            <p:childTnLst>
+                              <p:par>
+                                <p:cTn id="31" presetID="1" presetClass="entr" presetSubtype="0" fill="hold" grpId="0" nodeType="clickEffect">
+                                  <p:stCondLst>
+                                    <p:cond delay="0"/>
+                                  </p:stCondLst>
+                                  <p:childTnLst>
+                                    <p:set>
+                                      <p:cBhvr>
+                                        <p:cTn id="32" dur="1" fill="hold">
+                                          <p:stCondLst>
+                                            <p:cond delay="0"/>
+                                          </p:stCondLst>
+                                        </p:cTn>
+                                        <p:tgtEl>
+                                          <p:spTgt spid="3">
+                                            <p:txEl>
+                                              <p:pRg st="7" end="7"/>
+                                            </p:txEl>
+                                          </p:spTgt>
+                                        </p:tgtEl>
+                                        <p:attrNameLst>
+                                          <p:attrName>style.visibility</p:attrName>
+                                        </p:attrNameLst>
+                                      </p:cBhvr>
+                                      <p:to>
+                                        <p:strVal val="visible"/>
+                                      </p:to>
+                                    </p:set>
+                                  </p:childTnLst>
+                                </p:cTn>
+                              </p:par>
+                              <p:par>
+                                <p:cTn id="33" presetID="1" presetClass="entr" presetSubtype="0" fill="hold" grpId="0" nodeType="withEffect">
+                                  <p:stCondLst>
+                                    <p:cond delay="0"/>
+                                  </p:stCondLst>
+                                  <p:childTnLst>
+                                    <p:set>
+                                      <p:cBhvr>
+                                        <p:cTn id="34" dur="1" fill="hold">
+                                          <p:stCondLst>
+                                            <p:cond delay="0"/>
+                                          </p:stCondLst>
+                                        </p:cTn>
+                                        <p:tgtEl>
+                                          <p:spTgt spid="3">
+                                            <p:txEl>
+                                              <p:pRg st="8" end="8"/>
+                                            </p:txEl>
+                                          </p:spTgt>
+                                        </p:tgtEl>
+                                        <p:attrNameLst>
+                                          <p:attrName>style.visibility</p:attrName>
+                                        </p:attrNameLst>
+                                      </p:cBhvr>
+                                      <p:to>
+                                        <p:strVal val="visible"/>
+                                      </p:to>
+                                    </p:set>
+                                  </p:childTnLst>
+                                </p:cTn>
+                              </p:par>
+                            </p:childTnLst>
+                          </p:cTn>
+                        </p:par>
+                      </p:childTnLst>
+                    </p:cTn>
+                  </p:par>
+                </p:childTnLst>
+              </p:cTn>
+              <p:prevCondLst>
+                <p:cond evt="onPrev" delay="0">
+                  <p:tgtEl>
+                    <p:sldTgt/>
+                  </p:tgtEl>
+                </p:cond>
+              </p:prevCondLst>
+              <p:nextCondLst>
+                <p:cond evt="onNext" delay="0">
+                  <p:tgtEl>
+                    <p:sldTgt/>
+                  </p:tgtEl>
+                </p:cond>
+              </p:nextCondLst>
+            </p:seq>
+          </p:childTnLst>
+        </p:cTn>
+      </p:par>
+    </p:tnLst>
+    <p:bldLst>
+      <p:bldP spid="3" grpId="0" uiExpand="1" build="p" bldLvl="2"/>
+    </p:bldLst>
+  </p:timing>
+</p:sld>
+</file>
+
+<file path=ppt/slides/slide20.xml><?xml version="1.0" encoding="utf-8"?>
+<p:sld xmlns:a="http://schemas.openxmlformats.org/drawingml/2006/main" xmlns:r="http://schemas.openxmlformats.org/officeDocument/2006/relationships" xmlns:p="http://schemas.openxmlformats.org/presentationml/2006/main">
+  <p:cSld>
+    <p:spTree>
+      <p:nvGrpSpPr>
+        <p:cNvPr id="1" name=""/>
+        <p:cNvGrpSpPr/>
+        <p:nvPr/>
+      </p:nvGrpSpPr>
+      <p:grpSpPr>
+        <a:xfrm>
+          <a:off x="0" y="0"/>
+          <a:ext cx="0" cy="0"/>
+          <a:chOff x="0" y="0"/>
+          <a:chExt cx="0" cy="0"/>
+        </a:xfrm>
+      </p:grpSpPr>
+      <p:sp>
+        <p:nvSpPr>
+          <p:cNvPr id="2" name="Title 1"/>
+          <p:cNvSpPr>
+            <a:spLocks noGrp="1"/>
+          </p:cNvSpPr>
+          <p:nvPr>
+            <p:ph type="title"/>
+          </p:nvPr>
+        </p:nvSpPr>
+        <p:spPr/>
+        <p:txBody>
+          <a:bodyPr/>
+          <a:lstStyle/>
+          <a:p>
+            <a:r>
+              <a:rPr lang="en-US" dirty="0" smtClean="0"/>
+              <a:t>Cache line timings</a:t>
+            </a:r>
+            <a:endParaRPr lang="en-US" dirty="0"/>
+          </a:p>
+        </p:txBody>
+      </p:sp>
+      <p:sp>
+        <p:nvSpPr>
+          <p:cNvPr id="4" name="Slide Number Placeholder 3"/>
+          <p:cNvSpPr>
+            <a:spLocks noGrp="1"/>
+          </p:cNvSpPr>
+          <p:nvPr>
+            <p:ph type="sldNum" sz="quarter" idx="12"/>
+          </p:nvPr>
+        </p:nvSpPr>
+        <p:spPr/>
+        <p:txBody>
+          <a:bodyPr/>
+          <a:lstStyle/>
+          <a:p>
+            <a:fld id="{6597116C-F94B-4B5B-973A-17F07FB5C418}" type="slidenum">
+              <a:rPr lang="nl-BE" smtClean="0"/>
+              <a:t>20</a:t>
             </a:fld>
             <a:endParaRPr lang="nl-BE"/>
           </a:p>
@@ -17033,7 +18694,7 @@
 </p:sld>
 </file>
 
-<file path=ppt/slides/slide19.xml><?xml version="1.0" encoding="utf-8"?>
+<file path=ppt/slides/slide21.xml><?xml version="1.0" encoding="utf-8"?>
 <p:sld xmlns:a="http://schemas.openxmlformats.org/drawingml/2006/main" xmlns:r="http://schemas.openxmlformats.org/officeDocument/2006/relationships" xmlns:p="http://schemas.openxmlformats.org/presentationml/2006/main">
   <p:cSld>
     <p:spTree>
@@ -17131,7 +18792,7 @@
           <a:p>
             <a:fld id="{6597116C-F94B-4B5B-973A-17F07FB5C418}" type="slidenum">
               <a:rPr lang="nl-BE" smtClean="0"/>
-              <a:t>19</a:t>
+              <a:t>21</a:t>
             </a:fld>
             <a:endParaRPr lang="nl-BE"/>
           </a:p>
@@ -17159,7 +18820,7 @@
           <a:graphicData uri="http://schemas.openxmlformats.org/presentationml/2006/ole">
             <mc:AlternateContent xmlns:mc="http://schemas.openxmlformats.org/markup-compatibility/2006">
               <mc:Choice xmlns:v="urn:schemas-microsoft-com:vml" Requires="v">
-                <p:oleObj spid="_x0000_s2099" name="Equation" r:id="rId3" imgW="1091880" imgH="1041120" progId="Equation.3">
+                <p:oleObj spid="_x0000_s2105" name="Equation" r:id="rId3" imgW="1091880" imgH="1041120" progId="Equation.3">
                   <p:embed/>
                 </p:oleObj>
               </mc:Choice>
@@ -18530,7 +20191,7 @@
           <a:graphicData uri="http://schemas.openxmlformats.org/presentationml/2006/ole">
             <mc:AlternateContent xmlns:mc="http://schemas.openxmlformats.org/markup-compatibility/2006">
               <mc:Choice xmlns:v="urn:schemas-microsoft-com:vml" Requires="v">
-                <p:oleObj spid="_x0000_s2100" name="Equation" r:id="rId5" imgW="1091880" imgH="1041120" progId="Equation.3">
+                <p:oleObj spid="_x0000_s2106" name="Equation" r:id="rId5" imgW="1091880" imgH="1041120" progId="Equation.3">
                   <p:embed/>
                 </p:oleObj>
               </mc:Choice>
@@ -19210,109 +20871,7 @@
 </p:sld>
 </file>
 
-<file path=ppt/slides/slide2.xml><?xml version="1.0" encoding="utf-8"?>
-<p:sld xmlns:a="http://schemas.openxmlformats.org/drawingml/2006/main" xmlns:r="http://schemas.openxmlformats.org/officeDocument/2006/relationships" xmlns:p="http://schemas.openxmlformats.org/presentationml/2006/main">
-  <p:cSld>
-    <p:spTree>
-      <p:nvGrpSpPr>
-        <p:cNvPr id="1" name=""/>
-        <p:cNvGrpSpPr/>
-        <p:nvPr/>
-      </p:nvGrpSpPr>
-      <p:grpSpPr>
-        <a:xfrm>
-          <a:off x="0" y="0"/>
-          <a:ext cx="0" cy="0"/>
-          <a:chOff x="0" y="0"/>
-          <a:chExt cx="0" cy="0"/>
-        </a:xfrm>
-      </p:grpSpPr>
-      <p:sp>
-        <p:nvSpPr>
-          <p:cNvPr id="2" name="Title 1"/>
-          <p:cNvSpPr>
-            <a:spLocks noGrp="1"/>
-          </p:cNvSpPr>
-          <p:nvPr>
-            <p:ph type="title"/>
-          </p:nvPr>
-        </p:nvSpPr>
-        <p:spPr/>
-        <p:txBody>
-          <a:bodyPr/>
-          <a:lstStyle/>
-          <a:p>
-            <a:r>
-              <a:rPr lang="en-US" dirty="0" smtClean="0"/>
-              <a:t>Parallel scaling</a:t>
-            </a:r>
-            <a:endParaRPr lang="en-US" dirty="0"/>
-          </a:p>
-        </p:txBody>
-      </p:sp>
-      <p:sp>
-        <p:nvSpPr>
-          <p:cNvPr id="3" name="Text Placeholder 2"/>
-          <p:cNvSpPr>
-            <a:spLocks noGrp="1"/>
-          </p:cNvSpPr>
-          <p:nvPr>
-            <p:ph type="body" idx="1"/>
-          </p:nvPr>
-        </p:nvSpPr>
-        <p:spPr/>
-        <p:txBody>
-          <a:bodyPr/>
-          <a:lstStyle/>
-          <a:p>
-            <a:endParaRPr lang="en-US"/>
-          </a:p>
-        </p:txBody>
-      </p:sp>
-      <p:sp>
-        <p:nvSpPr>
-          <p:cNvPr id="4" name="Slide Number Placeholder 3"/>
-          <p:cNvSpPr>
-            <a:spLocks noGrp="1"/>
-          </p:cNvSpPr>
-          <p:nvPr>
-            <p:ph type="sldNum" sz="quarter" idx="12"/>
-          </p:nvPr>
-        </p:nvSpPr>
-        <p:spPr/>
-        <p:txBody>
-          <a:bodyPr/>
-          <a:lstStyle/>
-          <a:p>
-            <a:fld id="{6597116C-F94B-4B5B-973A-17F07FB5C418}" type="slidenum">
-              <a:rPr lang="nl-BE" smtClean="0"/>
-              <a:t>2</a:t>
-            </a:fld>
-            <a:endParaRPr lang="nl-BE"/>
-          </a:p>
-        </p:txBody>
-      </p:sp>
-    </p:spTree>
-    <p:extLst>
-      <p:ext uri="{BB962C8B-B14F-4D97-AF65-F5344CB8AC3E}">
-        <p14:creationId xmlns:p14="http://schemas.microsoft.com/office/powerpoint/2010/main" val="703705777"/>
-      </p:ext>
-    </p:extLst>
-  </p:cSld>
-  <p:clrMapOvr>
-    <a:masterClrMapping/>
-  </p:clrMapOvr>
-  <p:timing>
-    <p:tnLst>
-      <p:par>
-        <p:cTn id="1" dur="indefinite" restart="never" nodeType="tmRoot"/>
-      </p:par>
-    </p:tnLst>
-  </p:timing>
-</p:sld>
-</file>
-
-<file path=ppt/slides/slide20.xml><?xml version="1.0" encoding="utf-8"?>
+<file path=ppt/slides/slide22.xml><?xml version="1.0" encoding="utf-8"?>
 <p:sld xmlns:a="http://schemas.openxmlformats.org/drawingml/2006/main" xmlns:r="http://schemas.openxmlformats.org/officeDocument/2006/relationships" xmlns:p="http://schemas.openxmlformats.org/presentationml/2006/main">
   <p:cSld>
     <p:spTree>
@@ -19539,7 +21098,7 @@
           <a:p>
             <a:fld id="{6597116C-F94B-4B5B-973A-17F07FB5C418}" type="slidenum">
               <a:rPr lang="nl-BE" smtClean="0"/>
-              <a:t>20</a:t>
+              <a:t>22</a:t>
             </a:fld>
             <a:endParaRPr lang="nl-BE"/>
           </a:p>
@@ -21301,7 +22860,7 @@
 </p:sld>
 </file>
 
-<file path=ppt/slides/slide21.xml><?xml version="1.0" encoding="utf-8"?>
+<file path=ppt/slides/slide23.xml><?xml version="1.0" encoding="utf-8"?>
 <p:sld xmlns:a="http://schemas.openxmlformats.org/drawingml/2006/main" xmlns:r="http://schemas.openxmlformats.org/officeDocument/2006/relationships" xmlns:p="http://schemas.openxmlformats.org/presentationml/2006/main">
   <p:cSld>
     <p:spTree>
@@ -21335,6 +22894,101 @@
           <a:p>
             <a:r>
               <a:rPr lang="en-US" dirty="0" smtClean="0"/>
+              <a:t>CPU</a:t>
+            </a:r>
+            <a:endParaRPr lang="nl-BE" dirty="0"/>
+          </a:p>
+        </p:txBody>
+      </p:sp>
+      <p:sp>
+        <p:nvSpPr>
+          <p:cNvPr id="3" name="Text Placeholder 2"/>
+          <p:cNvSpPr>
+            <a:spLocks noGrp="1"/>
+          </p:cNvSpPr>
+          <p:nvPr>
+            <p:ph type="body" idx="1"/>
+          </p:nvPr>
+        </p:nvSpPr>
+        <p:spPr/>
+        <p:txBody>
+          <a:bodyPr/>
+          <a:lstStyle/>
+          <a:p>
+            <a:endParaRPr lang="nl-BE"/>
+          </a:p>
+        </p:txBody>
+      </p:sp>
+      <p:sp>
+        <p:nvSpPr>
+          <p:cNvPr id="4" name="Slide Number Placeholder 3"/>
+          <p:cNvSpPr>
+            <a:spLocks noGrp="1"/>
+          </p:cNvSpPr>
+          <p:nvPr>
+            <p:ph type="sldNum" sz="quarter" idx="12"/>
+          </p:nvPr>
+        </p:nvSpPr>
+        <p:spPr/>
+        <p:txBody>
+          <a:bodyPr/>
+          <a:lstStyle/>
+          <a:p>
+            <a:fld id="{6597116C-F94B-4B5B-973A-17F07FB5C418}" type="slidenum">
+              <a:rPr lang="nl-BE" smtClean="0"/>
+              <a:t>23</a:t>
+            </a:fld>
+            <a:endParaRPr lang="nl-BE"/>
+          </a:p>
+        </p:txBody>
+      </p:sp>
+    </p:spTree>
+    <p:extLst>
+      <p:ext uri="{BB962C8B-B14F-4D97-AF65-F5344CB8AC3E}">
+        <p14:creationId xmlns:p14="http://schemas.microsoft.com/office/powerpoint/2010/main" val="818805559"/>
+      </p:ext>
+    </p:extLst>
+  </p:cSld>
+  <p:clrMapOvr>
+    <a:masterClrMapping/>
+  </p:clrMapOvr>
+</p:sld>
+</file>
+
+<file path=ppt/slides/slide24.xml><?xml version="1.0" encoding="utf-8"?>
+<p:sld xmlns:a="http://schemas.openxmlformats.org/drawingml/2006/main" xmlns:r="http://schemas.openxmlformats.org/officeDocument/2006/relationships" xmlns:p="http://schemas.openxmlformats.org/presentationml/2006/main">
+  <p:cSld>
+    <p:spTree>
+      <p:nvGrpSpPr>
+        <p:cNvPr id="1" name=""/>
+        <p:cNvGrpSpPr/>
+        <p:nvPr/>
+      </p:nvGrpSpPr>
+      <p:grpSpPr>
+        <a:xfrm>
+          <a:off x="0" y="0"/>
+          <a:ext cx="0" cy="0"/>
+          <a:chOff x="0" y="0"/>
+          <a:chExt cx="0" cy="0"/>
+        </a:xfrm>
+      </p:grpSpPr>
+      <p:sp>
+        <p:nvSpPr>
+          <p:cNvPr id="2" name="Title 1"/>
+          <p:cNvSpPr>
+            <a:spLocks noGrp="1"/>
+          </p:cNvSpPr>
+          <p:nvPr>
+            <p:ph type="title"/>
+          </p:nvPr>
+        </p:nvSpPr>
+        <p:spPr/>
+        <p:txBody>
+          <a:bodyPr/>
+          <a:lstStyle/>
+          <a:p>
+            <a:r>
+              <a:rPr lang="en-US" dirty="0" smtClean="0"/>
               <a:t>Vectorization</a:t>
             </a:r>
             <a:endParaRPr lang="en-US" dirty="0"/>
@@ -21412,7 +23066,7 @@
           <a:p>
             <a:fld id="{6597116C-F94B-4B5B-973A-17F07FB5C418}" type="slidenum">
               <a:rPr lang="nl-BE" smtClean="0"/>
-              <a:t>21</a:t>
+              <a:t>24</a:t>
             </a:fld>
             <a:endParaRPr lang="nl-BE"/>
           </a:p>
@@ -22192,7 +23846,7 @@
 </p:sld>
 </file>
 
-<file path=ppt/slides/slide22.xml><?xml version="1.0" encoding="utf-8"?>
+<file path=ppt/slides/slide25.xml><?xml version="1.0" encoding="utf-8"?>
 <p:sld xmlns:a="http://schemas.openxmlformats.org/drawingml/2006/main" xmlns:r="http://schemas.openxmlformats.org/officeDocument/2006/relationships" xmlns:p="http://schemas.openxmlformats.org/presentationml/2006/main">
   <p:cSld>
     <p:spTree>
@@ -22312,7 +23966,7 @@
           <a:p>
             <a:fld id="{6597116C-F94B-4B5B-973A-17F07FB5C418}" type="slidenum">
               <a:rPr lang="nl-BE" smtClean="0"/>
-              <a:t>22</a:t>
+              <a:t>25</a:t>
             </a:fld>
             <a:endParaRPr lang="nl-BE"/>
           </a:p>
@@ -22699,7 +24353,7 @@
 </p:sld>
 </file>
 
-<file path=ppt/slides/slide23.xml><?xml version="1.0" encoding="utf-8"?>
+<file path=ppt/slides/slide26.xml><?xml version="1.0" encoding="utf-8"?>
 <p:sld xmlns:a="http://schemas.openxmlformats.org/drawingml/2006/main" xmlns:r="http://schemas.openxmlformats.org/officeDocument/2006/relationships" xmlns:p="http://schemas.openxmlformats.org/presentationml/2006/main">
   <p:cSld>
     <p:spTree>
@@ -22733,20 +24387,20 @@
           <a:p>
             <a:r>
               <a:rPr lang="en-US" dirty="0" smtClean="0"/>
-              <a:t>Parallelism</a:t>
-            </a:r>
-            <a:endParaRPr lang="en-US" dirty="0"/>
+              <a:t>Appendix</a:t>
+            </a:r>
+            <a:endParaRPr lang="nl-BE" dirty="0"/>
           </a:p>
         </p:txBody>
       </p:sp>
       <p:sp>
         <p:nvSpPr>
-          <p:cNvPr id="3" name="Content Placeholder 2"/>
+          <p:cNvPr id="3" name="Text Placeholder 2"/>
           <p:cNvSpPr>
             <a:spLocks noGrp="1"/>
           </p:cNvSpPr>
           <p:nvPr>
-            <p:ph idx="1"/>
+            <p:ph type="body" idx="1"/>
           </p:nvPr>
         </p:nvSpPr>
         <p:spPr/>
@@ -22754,91 +24408,7 @@
           <a:bodyPr/>
           <a:lstStyle/>
           <a:p>
-            <a:r>
-              <a:rPr lang="en-US" dirty="0" smtClean="0"/>
-              <a:t>Levels</a:t>
-            </a:r>
-          </a:p>
-          <a:p>
-            <a:pPr lvl="1"/>
-            <a:r>
-              <a:rPr lang="en-US" dirty="0" smtClean="0"/>
-              <a:t>vectorization</a:t>
-            </a:r>
-          </a:p>
-          <a:p>
-            <a:pPr lvl="2"/>
-            <a:r>
-              <a:rPr lang="en-US" dirty="0" smtClean="0"/>
-              <a:t>compiler flags, some help needed from programmer</a:t>
-            </a:r>
-          </a:p>
-          <a:p>
-            <a:pPr lvl="1"/>
-            <a:r>
-              <a:rPr lang="en-US" dirty="0" smtClean="0"/>
-              <a:t>multicore</a:t>
-            </a:r>
-          </a:p>
-          <a:p>
-            <a:pPr lvl="2"/>
-            <a:r>
-              <a:rPr lang="en-US" dirty="0" err="1" smtClean="0"/>
-              <a:t>OpenMP</a:t>
-            </a:r>
-            <a:r>
-              <a:rPr lang="en-US" dirty="0" smtClean="0"/>
-              <a:t>/</a:t>
-            </a:r>
-            <a:r>
-              <a:rPr lang="en-US" dirty="0" err="1" smtClean="0"/>
-              <a:t>pthreads</a:t>
-            </a:r>
-            <a:r>
-              <a:rPr lang="en-US" dirty="0" smtClean="0"/>
-              <a:t>: programmer's job</a:t>
-            </a:r>
-          </a:p>
-          <a:p>
-            <a:pPr lvl="1"/>
-            <a:r>
-              <a:rPr lang="en-US" dirty="0" smtClean="0"/>
-              <a:t>multiple node</a:t>
-            </a:r>
-            <a:r>
-              <a:rPr lang="en-US" dirty="0" smtClean="0"/>
-              <a:t>, i.e., distributed</a:t>
-            </a:r>
-          </a:p>
-          <a:p>
-            <a:pPr lvl="2"/>
-            <a:r>
-              <a:rPr lang="en-US" dirty="0" smtClean="0"/>
-              <a:t>MPI: programmer's job</a:t>
-            </a:r>
-          </a:p>
-          <a:p>
-            <a:pPr lvl="1"/>
-            <a:r>
-              <a:rPr lang="en-US" dirty="0" smtClean="0"/>
-              <a:t>GPGPU</a:t>
-            </a:r>
-          </a:p>
-          <a:p>
-            <a:pPr lvl="2"/>
-            <a:r>
-              <a:rPr lang="en-US" dirty="0" smtClean="0"/>
-              <a:t>CUDA/</a:t>
-            </a:r>
-            <a:r>
-              <a:rPr lang="en-US" dirty="0" err="1" smtClean="0"/>
-              <a:t>OpenACC</a:t>
-            </a:r>
-            <a:r>
-              <a:rPr lang="en-US" dirty="0" smtClean="0"/>
-              <a:t>/OpenCL: programmer's job</a:t>
-            </a:r>
-            <a:endParaRPr lang="en-US" dirty="0"/>
+            <a:endParaRPr lang="nl-BE"/>
           </a:p>
         </p:txBody>
       </p:sp>
@@ -22859,564 +24429,26 @@
           <a:p>
             <a:fld id="{6597116C-F94B-4B5B-973A-17F07FB5C418}" type="slidenum">
               <a:rPr lang="nl-BE" smtClean="0"/>
-              <a:t>23</a:t>
+              <a:t>26</a:t>
             </a:fld>
             <a:endParaRPr lang="nl-BE"/>
           </a:p>
         </p:txBody>
       </p:sp>
-      <p:grpSp>
-        <p:nvGrpSpPr>
-          <p:cNvPr id="7" name="Group 6"/>
-          <p:cNvGrpSpPr/>
-          <p:nvPr/>
-        </p:nvGrpSpPr>
-        <p:grpSpPr>
-          <a:xfrm>
-            <a:off x="6553200" y="3284984"/>
-            <a:ext cx="1479142" cy="1656184"/>
-            <a:chOff x="6553200" y="3284984"/>
-            <a:chExt cx="1479142" cy="1656184"/>
-          </a:xfrm>
-        </p:grpSpPr>
-        <p:sp>
-          <p:nvSpPr>
-            <p:cNvPr id="5" name="Right Brace 4"/>
-            <p:cNvSpPr/>
-            <p:nvPr/>
-          </p:nvSpPr>
-          <p:spPr>
-            <a:xfrm>
-              <a:off x="6553200" y="3284984"/>
-              <a:ext cx="179040" cy="1656184"/>
-            </a:xfrm>
-            <a:prstGeom prst="rightBrace">
-              <a:avLst/>
-            </a:prstGeom>
-            <a:ln>
-              <a:solidFill>
-                <a:schemeClr val="tx1"/>
-              </a:solidFill>
-            </a:ln>
-          </p:spPr>
-          <p:style>
-            <a:lnRef idx="1">
-              <a:schemeClr val="accent1"/>
-            </a:lnRef>
-            <a:fillRef idx="0">
-              <a:schemeClr val="accent1"/>
-            </a:fillRef>
-            <a:effectRef idx="0">
-              <a:schemeClr val="accent1"/>
-            </a:effectRef>
-            <a:fontRef idx="minor">
-              <a:schemeClr val="tx1"/>
-            </a:fontRef>
-          </p:style>
-          <p:txBody>
-            <a:bodyPr rtlCol="0" anchor="ctr"/>
-            <a:lstStyle/>
-            <a:p>
-              <a:pPr algn="ctr"/>
-              <a:endParaRPr lang="en-US"/>
-            </a:p>
-          </p:txBody>
-        </p:sp>
-        <p:sp>
-          <p:nvSpPr>
-            <p:cNvPr id="6" name="TextBox 5"/>
-            <p:cNvSpPr txBox="1"/>
-            <p:nvPr/>
-          </p:nvSpPr>
-          <p:spPr>
-            <a:xfrm>
-              <a:off x="6876256" y="3851466"/>
-              <a:ext cx="1156086" cy="523220"/>
-            </a:xfrm>
-            <a:prstGeom prst="rect">
-              <a:avLst/>
-            </a:prstGeom>
-            <a:noFill/>
-          </p:spPr>
-          <p:txBody>
-            <a:bodyPr wrap="none" rtlCol="0">
-              <a:spAutoFit/>
-            </a:bodyPr>
-            <a:lstStyle/>
-            <a:p>
-              <a:r>
-                <a:rPr lang="en-US" sz="2800" dirty="0" smtClean="0"/>
-                <a:t>Hybrid</a:t>
-              </a:r>
-              <a:endParaRPr lang="en-US" sz="2800" dirty="0"/>
-            </a:p>
-          </p:txBody>
-        </p:sp>
-      </p:grpSp>
     </p:spTree>
     <p:extLst>
       <p:ext uri="{BB962C8B-B14F-4D97-AF65-F5344CB8AC3E}">
-        <p14:creationId xmlns:p14="http://schemas.microsoft.com/office/powerpoint/2010/main" val="1972215598"/>
+        <p14:creationId xmlns:p14="http://schemas.microsoft.com/office/powerpoint/2010/main" val="3118825235"/>
       </p:ext>
     </p:extLst>
   </p:cSld>
   <p:clrMapOvr>
     <a:masterClrMapping/>
   </p:clrMapOvr>
-  <p:timing>
-    <p:tnLst>
-      <p:par>
-        <p:cTn id="1" dur="indefinite" restart="never" nodeType="tmRoot">
-          <p:childTnLst>
-            <p:seq concurrent="1" nextAc="seek">
-              <p:cTn id="2" dur="indefinite" nodeType="mainSeq">
-                <p:childTnLst>
-                  <p:par>
-                    <p:cTn id="3" fill="hold">
-                      <p:stCondLst>
-                        <p:cond delay="indefinite"/>
-                        <p:cond evt="onBegin" delay="0">
-                          <p:tn val="2"/>
-                        </p:cond>
-                      </p:stCondLst>
-                      <p:childTnLst>
-                        <p:par>
-                          <p:cTn id="4" fill="hold">
-                            <p:stCondLst>
-                              <p:cond delay="0"/>
-                            </p:stCondLst>
-                            <p:childTnLst>
-                              <p:par>
-                                <p:cTn id="5" presetID="1" presetClass="entr" presetSubtype="0" fill="hold" grpId="0" nodeType="withEffect">
-                                  <p:stCondLst>
-                                    <p:cond delay="0"/>
-                                  </p:stCondLst>
-                                  <p:childTnLst>
-                                    <p:set>
-                                      <p:cBhvr>
-                                        <p:cTn id="6" dur="1" fill="hold">
-                                          <p:stCondLst>
-                                            <p:cond delay="0"/>
-                                          </p:stCondLst>
-                                        </p:cTn>
-                                        <p:tgtEl>
-                                          <p:spTgt spid="3">
-                                            <p:txEl>
-                                              <p:pRg st="0" end="0"/>
-                                            </p:txEl>
-                                          </p:spTgt>
-                                        </p:tgtEl>
-                                        <p:attrNameLst>
-                                          <p:attrName>style.visibility</p:attrName>
-                                        </p:attrNameLst>
-                                      </p:cBhvr>
-                                      <p:to>
-                                        <p:strVal val="visible"/>
-                                      </p:to>
-                                    </p:set>
-                                  </p:childTnLst>
-                                </p:cTn>
-                              </p:par>
-                            </p:childTnLst>
-                          </p:cTn>
-                        </p:par>
-                      </p:childTnLst>
-                    </p:cTn>
-                  </p:par>
-                  <p:par>
-                    <p:cTn id="7" fill="hold">
-                      <p:stCondLst>
-                        <p:cond delay="indefinite"/>
-                      </p:stCondLst>
-                      <p:childTnLst>
-                        <p:par>
-                          <p:cTn id="8" fill="hold">
-                            <p:stCondLst>
-                              <p:cond delay="0"/>
-                            </p:stCondLst>
-                            <p:childTnLst>
-                              <p:par>
-                                <p:cTn id="9" presetID="1" presetClass="entr" presetSubtype="0" fill="hold" grpId="0" nodeType="clickEffect">
-                                  <p:stCondLst>
-                                    <p:cond delay="0"/>
-                                  </p:stCondLst>
-                                  <p:childTnLst>
-                                    <p:set>
-                                      <p:cBhvr>
-                                        <p:cTn id="10" dur="1" fill="hold">
-                                          <p:stCondLst>
-                                            <p:cond delay="0"/>
-                                          </p:stCondLst>
-                                        </p:cTn>
-                                        <p:tgtEl>
-                                          <p:spTgt spid="3">
-                                            <p:txEl>
-                                              <p:pRg st="1" end="1"/>
-                                            </p:txEl>
-                                          </p:spTgt>
-                                        </p:tgtEl>
-                                        <p:attrNameLst>
-                                          <p:attrName>style.visibility</p:attrName>
-                                        </p:attrNameLst>
-                                      </p:cBhvr>
-                                      <p:to>
-                                        <p:strVal val="visible"/>
-                                      </p:to>
-                                    </p:set>
-                                  </p:childTnLst>
-                                </p:cTn>
-                              </p:par>
-                              <p:par>
-                                <p:cTn id="11" presetID="1" presetClass="entr" presetSubtype="0" fill="hold" grpId="0" nodeType="withEffect">
-                                  <p:stCondLst>
-                                    <p:cond delay="0"/>
-                                  </p:stCondLst>
-                                  <p:childTnLst>
-                                    <p:set>
-                                      <p:cBhvr>
-                                        <p:cTn id="12" dur="1" fill="hold">
-                                          <p:stCondLst>
-                                            <p:cond delay="0"/>
-                                          </p:stCondLst>
-                                        </p:cTn>
-                                        <p:tgtEl>
-                                          <p:spTgt spid="3">
-                                            <p:txEl>
-                                              <p:pRg st="2" end="2"/>
-                                            </p:txEl>
-                                          </p:spTgt>
-                                        </p:tgtEl>
-                                        <p:attrNameLst>
-                                          <p:attrName>style.visibility</p:attrName>
-                                        </p:attrNameLst>
-                                      </p:cBhvr>
-                                      <p:to>
-                                        <p:strVal val="visible"/>
-                                      </p:to>
-                                    </p:set>
-                                  </p:childTnLst>
-                                </p:cTn>
-                              </p:par>
-                            </p:childTnLst>
-                          </p:cTn>
-                        </p:par>
-                      </p:childTnLst>
-                    </p:cTn>
-                  </p:par>
-                  <p:par>
-                    <p:cTn id="13" fill="hold">
-                      <p:stCondLst>
-                        <p:cond delay="indefinite"/>
-                      </p:stCondLst>
-                      <p:childTnLst>
-                        <p:par>
-                          <p:cTn id="14" fill="hold">
-                            <p:stCondLst>
-                              <p:cond delay="0"/>
-                            </p:stCondLst>
-                            <p:childTnLst>
-                              <p:par>
-                                <p:cTn id="15" presetID="1" presetClass="entr" presetSubtype="0" fill="hold" grpId="0" nodeType="clickEffect">
-                                  <p:stCondLst>
-                                    <p:cond delay="0"/>
-                                  </p:stCondLst>
-                                  <p:childTnLst>
-                                    <p:set>
-                                      <p:cBhvr>
-                                        <p:cTn id="16" dur="1" fill="hold">
-                                          <p:stCondLst>
-                                            <p:cond delay="0"/>
-                                          </p:stCondLst>
-                                        </p:cTn>
-                                        <p:tgtEl>
-                                          <p:spTgt spid="3">
-                                            <p:txEl>
-                                              <p:pRg st="3" end="3"/>
-                                            </p:txEl>
-                                          </p:spTgt>
-                                        </p:tgtEl>
-                                        <p:attrNameLst>
-                                          <p:attrName>style.visibility</p:attrName>
-                                        </p:attrNameLst>
-                                      </p:cBhvr>
-                                      <p:to>
-                                        <p:strVal val="visible"/>
-                                      </p:to>
-                                    </p:set>
-                                  </p:childTnLst>
-                                </p:cTn>
-                              </p:par>
-                              <p:par>
-                                <p:cTn id="17" presetID="1" presetClass="entr" presetSubtype="0" fill="hold" grpId="0" nodeType="withEffect">
-                                  <p:stCondLst>
-                                    <p:cond delay="0"/>
-                                  </p:stCondLst>
-                                  <p:childTnLst>
-                                    <p:set>
-                                      <p:cBhvr>
-                                        <p:cTn id="18" dur="1" fill="hold">
-                                          <p:stCondLst>
-                                            <p:cond delay="0"/>
-                                          </p:stCondLst>
-                                        </p:cTn>
-                                        <p:tgtEl>
-                                          <p:spTgt spid="3">
-                                            <p:txEl>
-                                              <p:pRg st="4" end="4"/>
-                                            </p:txEl>
-                                          </p:spTgt>
-                                        </p:tgtEl>
-                                        <p:attrNameLst>
-                                          <p:attrName>style.visibility</p:attrName>
-                                        </p:attrNameLst>
-                                      </p:cBhvr>
-                                      <p:to>
-                                        <p:strVal val="visible"/>
-                                      </p:to>
-                                    </p:set>
-                                  </p:childTnLst>
-                                </p:cTn>
-                              </p:par>
-                            </p:childTnLst>
-                          </p:cTn>
-                        </p:par>
-                      </p:childTnLst>
-                    </p:cTn>
-                  </p:par>
-                  <p:par>
-                    <p:cTn id="19" fill="hold">
-                      <p:stCondLst>
-                        <p:cond delay="indefinite"/>
-                      </p:stCondLst>
-                      <p:childTnLst>
-                        <p:par>
-                          <p:cTn id="20" fill="hold">
-                            <p:stCondLst>
-                              <p:cond delay="0"/>
-                            </p:stCondLst>
-                            <p:childTnLst>
-                              <p:par>
-                                <p:cTn id="21" presetID="1" presetClass="entr" presetSubtype="0" fill="hold" grpId="0" nodeType="clickEffect">
-                                  <p:stCondLst>
-                                    <p:cond delay="0"/>
-                                  </p:stCondLst>
-                                  <p:childTnLst>
-                                    <p:set>
-                                      <p:cBhvr>
-                                        <p:cTn id="22" dur="1" fill="hold">
-                                          <p:stCondLst>
-                                            <p:cond delay="0"/>
-                                          </p:stCondLst>
-                                        </p:cTn>
-                                        <p:tgtEl>
-                                          <p:spTgt spid="3">
-                                            <p:txEl>
-                                              <p:pRg st="5" end="5"/>
-                                            </p:txEl>
-                                          </p:spTgt>
-                                        </p:tgtEl>
-                                        <p:attrNameLst>
-                                          <p:attrName>style.visibility</p:attrName>
-                                        </p:attrNameLst>
-                                      </p:cBhvr>
-                                      <p:to>
-                                        <p:strVal val="visible"/>
-                                      </p:to>
-                                    </p:set>
-                                  </p:childTnLst>
-                                </p:cTn>
-                              </p:par>
-                              <p:par>
-                                <p:cTn id="23" presetID="1" presetClass="entr" presetSubtype="0" fill="hold" grpId="0" nodeType="withEffect">
-                                  <p:stCondLst>
-                                    <p:cond delay="0"/>
-                                  </p:stCondLst>
-                                  <p:childTnLst>
-                                    <p:set>
-                                      <p:cBhvr>
-                                        <p:cTn id="24" dur="1" fill="hold">
-                                          <p:stCondLst>
-                                            <p:cond delay="0"/>
-                                          </p:stCondLst>
-                                        </p:cTn>
-                                        <p:tgtEl>
-                                          <p:spTgt spid="3">
-                                            <p:txEl>
-                                              <p:pRg st="6" end="6"/>
-                                            </p:txEl>
-                                          </p:spTgt>
-                                        </p:tgtEl>
-                                        <p:attrNameLst>
-                                          <p:attrName>style.visibility</p:attrName>
-                                        </p:attrNameLst>
-                                      </p:cBhvr>
-                                      <p:to>
-                                        <p:strVal val="visible"/>
-                                      </p:to>
-                                    </p:set>
-                                  </p:childTnLst>
-                                </p:cTn>
-                              </p:par>
-                            </p:childTnLst>
-                          </p:cTn>
-                        </p:par>
-                      </p:childTnLst>
-                    </p:cTn>
-                  </p:par>
-                  <p:par>
-                    <p:cTn id="25" fill="hold">
-                      <p:stCondLst>
-                        <p:cond delay="indefinite"/>
-                      </p:stCondLst>
-                      <p:childTnLst>
-                        <p:par>
-                          <p:cTn id="26" fill="hold">
-                            <p:stCondLst>
-                              <p:cond delay="0"/>
-                            </p:stCondLst>
-                            <p:childTnLst>
-                              <p:par>
-                                <p:cTn id="27" presetID="1" presetClass="entr" presetSubtype="0" fill="hold" nodeType="clickEffect">
-                                  <p:stCondLst>
-                                    <p:cond delay="0"/>
-                                  </p:stCondLst>
-                                  <p:childTnLst>
-                                    <p:set>
-                                      <p:cBhvr>
-                                        <p:cTn id="28" dur="1" fill="hold">
-                                          <p:stCondLst>
-                                            <p:cond delay="0"/>
-                                          </p:stCondLst>
-                                        </p:cTn>
-                                        <p:tgtEl>
-                                          <p:spTgt spid="7"/>
-                                        </p:tgtEl>
-                                        <p:attrNameLst>
-                                          <p:attrName>style.visibility</p:attrName>
-                                        </p:attrNameLst>
-                                      </p:cBhvr>
-                                      <p:to>
-                                        <p:strVal val="visible"/>
-                                      </p:to>
-                                    </p:set>
-                                  </p:childTnLst>
-                                </p:cTn>
-                              </p:par>
-                            </p:childTnLst>
-                          </p:cTn>
-                        </p:par>
-                      </p:childTnLst>
-                    </p:cTn>
-                  </p:par>
-                  <p:par>
-                    <p:cTn id="29" fill="hold">
-                      <p:stCondLst>
-                        <p:cond delay="indefinite"/>
-                      </p:stCondLst>
-                      <p:childTnLst>
-                        <p:par>
-                          <p:cTn id="30" fill="hold">
-                            <p:stCondLst>
-                              <p:cond delay="0"/>
-                            </p:stCondLst>
-                            <p:childTnLst>
-                              <p:par>
-                                <p:cTn id="31" presetID="1" presetClass="entr" presetSubtype="0" fill="hold" grpId="0" nodeType="clickEffect">
-                                  <p:stCondLst>
-                                    <p:cond delay="0"/>
-                                  </p:stCondLst>
-                                  <p:childTnLst>
-                                    <p:set>
-                                      <p:cBhvr>
-                                        <p:cTn id="32" dur="1" fill="hold">
-                                          <p:stCondLst>
-                                            <p:cond delay="0"/>
-                                          </p:stCondLst>
-                                        </p:cTn>
-                                        <p:tgtEl>
-                                          <p:spTgt spid="3">
-                                            <p:txEl>
-                                              <p:pRg st="7" end="7"/>
-                                            </p:txEl>
-                                          </p:spTgt>
-                                        </p:tgtEl>
-                                        <p:attrNameLst>
-                                          <p:attrName>style.visibility</p:attrName>
-                                        </p:attrNameLst>
-                                      </p:cBhvr>
-                                      <p:to>
-                                        <p:strVal val="visible"/>
-                                      </p:to>
-                                    </p:set>
-                                  </p:childTnLst>
-                                </p:cTn>
-                              </p:par>
-                              <p:par>
-                                <p:cTn id="33" presetID="1" presetClass="entr" presetSubtype="0" fill="hold" grpId="0" nodeType="withEffect">
-                                  <p:stCondLst>
-                                    <p:cond delay="0"/>
-                                  </p:stCondLst>
-                                  <p:childTnLst>
-                                    <p:set>
-                                      <p:cBhvr>
-                                        <p:cTn id="34" dur="1" fill="hold">
-                                          <p:stCondLst>
-                                            <p:cond delay="0"/>
-                                          </p:stCondLst>
-                                        </p:cTn>
-                                        <p:tgtEl>
-                                          <p:spTgt spid="3">
-                                            <p:txEl>
-                                              <p:pRg st="8" end="8"/>
-                                            </p:txEl>
-                                          </p:spTgt>
-                                        </p:tgtEl>
-                                        <p:attrNameLst>
-                                          <p:attrName>style.visibility</p:attrName>
-                                        </p:attrNameLst>
-                                      </p:cBhvr>
-                                      <p:to>
-                                        <p:strVal val="visible"/>
-                                      </p:to>
-                                    </p:set>
-                                  </p:childTnLst>
-                                </p:cTn>
-                              </p:par>
-                            </p:childTnLst>
-                          </p:cTn>
-                        </p:par>
-                      </p:childTnLst>
-                    </p:cTn>
-                  </p:par>
-                </p:childTnLst>
-              </p:cTn>
-              <p:prevCondLst>
-                <p:cond evt="onPrev" delay="0">
-                  <p:tgtEl>
-                    <p:sldTgt/>
-                  </p:tgtEl>
-                </p:cond>
-              </p:prevCondLst>
-              <p:nextCondLst>
-                <p:cond evt="onNext" delay="0">
-                  <p:tgtEl>
-                    <p:sldTgt/>
-                  </p:tgtEl>
-                </p:cond>
-              </p:nextCondLst>
-            </p:seq>
-          </p:childTnLst>
-        </p:cTn>
-      </p:par>
-    </p:tnLst>
-    <p:bldLst>
-      <p:bldP spid="3" grpId="0" uiExpand="1" build="p" bldLvl="2"/>
-    </p:bldLst>
-  </p:timing>
 </p:sld>
 </file>
 
-<file path=ppt/slides/slide24.xml><?xml version="1.0" encoding="utf-8"?>
+<file path=ppt/slides/slide27.xml><?xml version="1.0" encoding="utf-8"?>
 <p:sld xmlns:a="http://schemas.openxmlformats.org/drawingml/2006/main" xmlns:r="http://schemas.openxmlformats.org/officeDocument/2006/relationships" xmlns:p="http://schemas.openxmlformats.org/presentationml/2006/main">
   <p:cSld>
     <p:spTree>
@@ -25200,7 +26232,7 @@
           <a:p>
             <a:fld id="{6597116C-F94B-4B5B-973A-17F07FB5C418}" type="slidenum">
               <a:rPr lang="nl-BE" smtClean="0"/>
-              <a:t>24</a:t>
+              <a:t>27</a:t>
             </a:fld>
             <a:endParaRPr lang="nl-BE"/>
           </a:p>
@@ -25345,7 +26377,7 @@
 </p:sld>
 </file>
 
-<file path=ppt/slides/slide25.xml><?xml version="1.0" encoding="utf-8"?>
+<file path=ppt/slides/slide28.xml><?xml version="1.0" encoding="utf-8"?>
 <p:sld xmlns:a="http://schemas.openxmlformats.org/drawingml/2006/main" xmlns:r="http://schemas.openxmlformats.org/officeDocument/2006/relationships" xmlns:p="http://schemas.openxmlformats.org/presentationml/2006/main">
   <p:cSld>
     <p:spTree>
@@ -25398,7 +26430,7 @@
         <p:spPr/>
         <p:txBody>
           <a:bodyPr>
-            <a:normAutofit fontScale="85000" lnSpcReduction="20000"/>
+            <a:normAutofit fontScale="62500" lnSpcReduction="20000"/>
           </a:bodyPr>
           <a:lstStyle/>
           <a:p>
@@ -25410,15 +26442,90 @@
           <a:p>
             <a:pPr lvl="1"/>
             <a:r>
+              <a:rPr lang="en-US" dirty="0" err="1" smtClean="0"/>
+              <a:t>ivybridge</a:t>
+            </a:r>
+            <a:r>
               <a:rPr lang="en-US" dirty="0" smtClean="0"/>
-              <a:t>DDR3@1600 MHz, 1 core: 8.6 GB/s</a:t>
+              <a:t> (dual socket, 10 core): 93 </a:t>
+            </a:r>
+            <a:r>
+              <a:rPr lang="en-US" dirty="0" smtClean="0"/>
+              <a:t>GB/s</a:t>
             </a:r>
           </a:p>
           <a:p>
             <a:pPr lvl="1"/>
             <a:r>
+              <a:rPr lang="en-US" dirty="0" err="1"/>
+              <a:t>h</a:t>
+            </a:r>
+            <a:r>
+              <a:rPr lang="en-US" dirty="0" err="1" smtClean="0"/>
+              <a:t>aswell</a:t>
+            </a:r>
+            <a:r>
               <a:rPr lang="en-US" dirty="0" smtClean="0"/>
-              <a:t>DDR4@1600 MHz, 1 core: 19.5 GB/s</a:t>
+              <a:t> (dual socket, 12 core): 110 GB/s</a:t>
+            </a:r>
+          </a:p>
+          <a:p>
+            <a:pPr lvl="1"/>
+            <a:r>
+              <a:rPr lang="en-US" dirty="0" err="1" smtClean="0"/>
+              <a:t>broadwell</a:t>
+            </a:r>
+            <a:r>
+              <a:rPr lang="en-US" dirty="0" smtClean="0"/>
+              <a:t> (dual socket, 14 core): 125 GB/s</a:t>
+            </a:r>
+          </a:p>
+          <a:p>
+            <a:r>
+              <a:rPr lang="en-US" dirty="0"/>
+              <a:t>QPI</a:t>
+            </a:r>
+          </a:p>
+          <a:p>
+            <a:pPr lvl="1"/>
+            <a:r>
+              <a:rPr lang="en-US" dirty="0" err="1"/>
+              <a:t>ivybridge</a:t>
+            </a:r>
+            <a:r>
+              <a:rPr lang="en-US" dirty="0"/>
+              <a:t>: 25 </a:t>
+            </a:r>
+            <a:r>
+              <a:rPr lang="en-US" dirty="0" smtClean="0"/>
+              <a:t>GB/s</a:t>
+            </a:r>
+          </a:p>
+          <a:p>
+            <a:pPr lvl="1"/>
+            <a:r>
+              <a:rPr lang="en-US" dirty="0" err="1" smtClean="0"/>
+              <a:t>haswell</a:t>
+            </a:r>
+            <a:r>
+              <a:rPr lang="en-US" dirty="0" smtClean="0"/>
+              <a:t>: 30 GB/s</a:t>
+            </a:r>
+            <a:endParaRPr lang="nl-BE" dirty="0"/>
+          </a:p>
+          <a:p>
+            <a:pPr lvl="1"/>
+            <a:r>
+              <a:rPr lang="nl-BE" dirty="0" err="1"/>
+              <a:t>broadwell</a:t>
+            </a:r>
+            <a:r>
+              <a:rPr lang="nl-BE" dirty="0"/>
+              <a:t>: 30 </a:t>
+            </a:r>
+            <a:r>
+              <a:rPr lang="nl-BE" dirty="0" smtClean="0"/>
+              <a:t>GB/s</a:t>
             </a:r>
             <a:endParaRPr lang="en-US" dirty="0" smtClean="0"/>
           </a:p>
@@ -25449,25 +26556,11 @@
           <a:p>
             <a:r>
               <a:rPr lang="en-US" dirty="0" smtClean="0"/>
-              <a:t>QPI (</a:t>
-            </a:r>
-            <a:r>
-              <a:rPr lang="nl-BE" dirty="0" smtClean="0"/>
-              <a:t>9.6GT/s</a:t>
-            </a:r>
-            <a:r>
-              <a:rPr lang="nl-BE" dirty="0"/>
-              <a:t>, 4.8 GHz</a:t>
-            </a:r>
-            <a:r>
-              <a:rPr lang="nl-BE" dirty="0" smtClean="0"/>
-              <a:t>): 38.4 GB/s</a:t>
-            </a:r>
-          </a:p>
-          <a:p>
+              <a:t>PCI </a:t>
+            </a:r>
             <a:r>
               <a:rPr lang="en-US" dirty="0" smtClean="0"/>
-              <a:t>PCI Express 3.0: 31.5 GB/s</a:t>
+              <a:t>Express 3.0: 31.5 GB/s</a:t>
             </a:r>
           </a:p>
           <a:p>
@@ -25510,7 +26603,7 @@
           <a:p>
             <a:fld id="{6597116C-F94B-4B5B-973A-17F07FB5C418}" type="slidenum">
               <a:rPr lang="nl-BE" smtClean="0"/>
-              <a:t>25</a:t>
+              <a:t>28</a:t>
             </a:fld>
             <a:endParaRPr lang="nl-BE"/>
           </a:p>
@@ -25563,6 +26656,108 @@
           <a:p>
             <a:r>
               <a:rPr lang="en-US" dirty="0" smtClean="0"/>
+              <a:t>Parallel scaling</a:t>
+            </a:r>
+            <a:endParaRPr lang="en-US" dirty="0"/>
+          </a:p>
+        </p:txBody>
+      </p:sp>
+      <p:sp>
+        <p:nvSpPr>
+          <p:cNvPr id="3" name="Text Placeholder 2"/>
+          <p:cNvSpPr>
+            <a:spLocks noGrp="1"/>
+          </p:cNvSpPr>
+          <p:nvPr>
+            <p:ph type="body" idx="1"/>
+          </p:nvPr>
+        </p:nvSpPr>
+        <p:spPr/>
+        <p:txBody>
+          <a:bodyPr/>
+          <a:lstStyle/>
+          <a:p>
+            <a:endParaRPr lang="en-US"/>
+          </a:p>
+        </p:txBody>
+      </p:sp>
+      <p:sp>
+        <p:nvSpPr>
+          <p:cNvPr id="4" name="Slide Number Placeholder 3"/>
+          <p:cNvSpPr>
+            <a:spLocks noGrp="1"/>
+          </p:cNvSpPr>
+          <p:nvPr>
+            <p:ph type="sldNum" sz="quarter" idx="12"/>
+          </p:nvPr>
+        </p:nvSpPr>
+        <p:spPr/>
+        <p:txBody>
+          <a:bodyPr/>
+          <a:lstStyle/>
+          <a:p>
+            <a:fld id="{6597116C-F94B-4B5B-973A-17F07FB5C418}" type="slidenum">
+              <a:rPr lang="nl-BE" smtClean="0"/>
+              <a:t>3</a:t>
+            </a:fld>
+            <a:endParaRPr lang="nl-BE"/>
+          </a:p>
+        </p:txBody>
+      </p:sp>
+    </p:spTree>
+    <p:extLst>
+      <p:ext uri="{BB962C8B-B14F-4D97-AF65-F5344CB8AC3E}">
+        <p14:creationId xmlns:p14="http://schemas.microsoft.com/office/powerpoint/2010/main" val="703705777"/>
+      </p:ext>
+    </p:extLst>
+  </p:cSld>
+  <p:clrMapOvr>
+    <a:masterClrMapping/>
+  </p:clrMapOvr>
+  <p:timing>
+    <p:tnLst>
+      <p:par>
+        <p:cTn id="1" dur="indefinite" restart="never" nodeType="tmRoot"/>
+      </p:par>
+    </p:tnLst>
+  </p:timing>
+</p:sld>
+</file>
+
+<file path=ppt/slides/slide4.xml><?xml version="1.0" encoding="utf-8"?>
+<p:sld xmlns:a="http://schemas.openxmlformats.org/drawingml/2006/main" xmlns:r="http://schemas.openxmlformats.org/officeDocument/2006/relationships" xmlns:p="http://schemas.openxmlformats.org/presentationml/2006/main">
+  <p:cSld>
+    <p:spTree>
+      <p:nvGrpSpPr>
+        <p:cNvPr id="1" name=""/>
+        <p:cNvGrpSpPr/>
+        <p:nvPr/>
+      </p:nvGrpSpPr>
+      <p:grpSpPr>
+        <a:xfrm>
+          <a:off x="0" y="0"/>
+          <a:ext cx="0" cy="0"/>
+          <a:chOff x="0" y="0"/>
+          <a:chExt cx="0" cy="0"/>
+        </a:xfrm>
+      </p:grpSpPr>
+      <p:sp>
+        <p:nvSpPr>
+          <p:cNvPr id="2" name="Title 1"/>
+          <p:cNvSpPr>
+            <a:spLocks noGrp="1"/>
+          </p:cNvSpPr>
+          <p:nvPr>
+            <p:ph type="title"/>
+          </p:nvPr>
+        </p:nvSpPr>
+        <p:spPr/>
+        <p:txBody>
+          <a:bodyPr/>
+          <a:lstStyle/>
+          <a:p>
+            <a:r>
+              <a:rPr lang="en-US" dirty="0" smtClean="0"/>
               <a:t>Dimensions for scaling</a:t>
             </a:r>
             <a:endParaRPr lang="nl-BE" dirty="0"/>
@@ -25701,7 +26896,7 @@
           <a:p>
             <a:fld id="{6597116C-F94B-4B5B-973A-17F07FB5C418}" type="slidenum">
               <a:rPr lang="nl-BE" smtClean="0"/>
-              <a:t>3</a:t>
+              <a:t>4</a:t>
             </a:fld>
             <a:endParaRPr lang="nl-BE"/>
           </a:p>
@@ -25913,7 +27108,7 @@
 </p:sld>
 </file>
 
-<file path=ppt/slides/slide4.xml><?xml version="1.0" encoding="utf-8"?>
+<file path=ppt/slides/slide5.xml><?xml version="1.0" encoding="utf-8"?>
 <p:sld xmlns:a="http://schemas.openxmlformats.org/drawingml/2006/main" xmlns:r="http://schemas.openxmlformats.org/officeDocument/2006/relationships" xmlns:p="http://schemas.openxmlformats.org/presentationml/2006/main">
   <p:cSld>
     <p:spTree>
@@ -26297,7 +27492,7 @@
           <a:p>
             <a:fld id="{6597116C-F94B-4B5B-973A-17F07FB5C418}" type="slidenum">
               <a:rPr lang="nl-BE" smtClean="0"/>
-              <a:t>4</a:t>
+              <a:t>5</a:t>
             </a:fld>
             <a:endParaRPr lang="nl-BE"/>
           </a:p>
@@ -26477,7 +27672,7 @@
 </p:sld>
 </file>
 
-<file path=ppt/slides/slide5.xml><?xml version="1.0" encoding="utf-8"?>
+<file path=ppt/slides/slide6.xml><?xml version="1.0" encoding="utf-8"?>
 <p:sld xmlns:a="http://schemas.openxmlformats.org/drawingml/2006/main" xmlns:r="http://schemas.openxmlformats.org/officeDocument/2006/relationships" xmlns:p="http://schemas.openxmlformats.org/presentationml/2006/main">
   <p:cSld>
     <p:spTree>
@@ -27265,7 +28460,7 @@
           <a:p>
             <a:fld id="{6597116C-F94B-4B5B-973A-17F07FB5C418}" type="slidenum">
               <a:rPr lang="nl-BE" smtClean="0"/>
-              <a:t>5</a:t>
+              <a:t>6</a:t>
             </a:fld>
             <a:endParaRPr lang="nl-BE"/>
           </a:p>
@@ -27536,7 +28731,7 @@
 </p:sld>
 </file>
 
-<file path=ppt/slides/slide6.xml><?xml version="1.0" encoding="utf-8"?>
+<file path=ppt/slides/slide7.xml><?xml version="1.0" encoding="utf-8"?>
 <p:sld xmlns:a="http://schemas.openxmlformats.org/drawingml/2006/main" xmlns:r="http://schemas.openxmlformats.org/officeDocument/2006/relationships" xmlns:p="http://schemas.openxmlformats.org/presentationml/2006/main">
   <p:cSld>
     <p:spTree>
@@ -28376,7 +29571,7 @@
           <a:p>
             <a:fld id="{6597116C-F94B-4B5B-973A-17F07FB5C418}" type="slidenum">
               <a:rPr lang="nl-BE" smtClean="0"/>
-              <a:t>6</a:t>
+              <a:t>7</a:t>
             </a:fld>
             <a:endParaRPr lang="nl-BE"/>
           </a:p>
@@ -28722,7 +29917,7 @@
 </p:sld>
 </file>
 
-<file path=ppt/slides/slide7.xml><?xml version="1.0" encoding="utf-8"?>
+<file path=ppt/slides/slide8.xml><?xml version="1.0" encoding="utf-8"?>
 <p:sld xmlns:a="http://schemas.openxmlformats.org/drawingml/2006/main" xmlns:r="http://schemas.openxmlformats.org/officeDocument/2006/relationships" xmlns:p="http://schemas.openxmlformats.org/presentationml/2006/main">
   <p:cSld>
     <p:spTree>
@@ -29271,7 +30466,7 @@
           <a:p>
             <a:fld id="{6597116C-F94B-4B5B-973A-17F07FB5C418}" type="slidenum">
               <a:rPr lang="nl-BE" smtClean="0"/>
-              <a:t>7</a:t>
+              <a:t>8</a:t>
             </a:fld>
             <a:endParaRPr lang="nl-BE"/>
           </a:p>
@@ -29368,7 +30563,7 @@
 </p:sld>
 </file>
 
-<file path=ppt/slides/slide8.xml><?xml version="1.0" encoding="utf-8"?>
+<file path=ppt/slides/slide9.xml><?xml version="1.0" encoding="utf-8"?>
 <p:sld xmlns:a="http://schemas.openxmlformats.org/drawingml/2006/main" xmlns:r="http://schemas.openxmlformats.org/officeDocument/2006/relationships" xmlns:p="http://schemas.openxmlformats.org/presentationml/2006/main">
   <p:cSld>
     <p:spTree>
@@ -29594,7 +30789,7 @@
           <a:p>
             <a:fld id="{6597116C-F94B-4B5B-973A-17F07FB5C418}" type="slidenum">
               <a:rPr lang="nl-BE" smtClean="0"/>
-              <a:t>8</a:t>
+              <a:t>9</a:t>
             </a:fld>
             <a:endParaRPr lang="nl-BE"/>
           </a:p>
@@ -29915,856 +31110,6 @@
     </p:tnLst>
     <p:bldLst>
       <p:bldP spid="3" grpId="0" uiExpand="1" build="p"/>
-    </p:bldLst>
-  </p:timing>
-</p:sld>
-</file>
-
-<file path=ppt/slides/slide9.xml><?xml version="1.0" encoding="utf-8"?>
-<p:sld xmlns:a="http://schemas.openxmlformats.org/drawingml/2006/main" xmlns:r="http://schemas.openxmlformats.org/officeDocument/2006/relationships" xmlns:p="http://schemas.openxmlformats.org/presentationml/2006/main">
-  <p:cSld>
-    <p:spTree>
-      <p:nvGrpSpPr>
-        <p:cNvPr id="1" name=""/>
-        <p:cNvGrpSpPr/>
-        <p:nvPr/>
-      </p:nvGrpSpPr>
-      <p:grpSpPr>
-        <a:xfrm>
-          <a:off x="0" y="0"/>
-          <a:ext cx="0" cy="0"/>
-          <a:chOff x="0" y="0"/>
-          <a:chExt cx="0" cy="0"/>
-        </a:xfrm>
-      </p:grpSpPr>
-      <p:sp>
-        <p:nvSpPr>
-          <p:cNvPr id="2" name="Title 1"/>
-          <p:cNvSpPr>
-            <a:spLocks noGrp="1"/>
-          </p:cNvSpPr>
-          <p:nvPr>
-            <p:ph type="title"/>
-          </p:nvPr>
-        </p:nvSpPr>
-        <p:spPr/>
-        <p:txBody>
-          <a:bodyPr/>
-          <a:lstStyle/>
-          <a:p>
-            <a:r>
-              <a:rPr lang="en-US" dirty="0" smtClean="0"/>
-              <a:t>Picking the sweet spot</a:t>
-            </a:r>
-            <a:endParaRPr lang="nl-BE" dirty="0"/>
-          </a:p>
-        </p:txBody>
-      </p:sp>
-      <p:grpSp>
-        <p:nvGrpSpPr>
-          <p:cNvPr id="11" name="Group 10"/>
-          <p:cNvGrpSpPr/>
-          <p:nvPr/>
-        </p:nvGrpSpPr>
-        <p:grpSpPr>
-          <a:xfrm>
-            <a:off x="591815" y="1844824"/>
-            <a:ext cx="4039684" cy="2540025"/>
-            <a:chOff x="591815" y="1844824"/>
-            <a:chExt cx="4039684" cy="2540025"/>
-          </a:xfrm>
-        </p:grpSpPr>
-        <p:graphicFrame>
-          <p:nvGraphicFramePr>
-            <p:cNvPr id="6" name="Chart 5"/>
-            <p:cNvGraphicFramePr>
-              <a:graphicFrameLocks/>
-            </p:cNvGraphicFramePr>
-            <p:nvPr>
-              <p:extLst>
-                <p:ext uri="{D42A27DB-BD31-4B8C-83A1-F6EECF244321}">
-                  <p14:modId xmlns:p14="http://schemas.microsoft.com/office/powerpoint/2010/main" val="541164566"/>
-                </p:ext>
-              </p:extLst>
-            </p:nvPr>
-          </p:nvGraphicFramePr>
-          <p:xfrm>
-            <a:off x="899592" y="1844824"/>
-            <a:ext cx="3731907" cy="2239144"/>
-          </p:xfrm>
-          <a:graphic>
-            <a:graphicData uri="http://schemas.openxmlformats.org/drawingml/2006/chart">
-              <c:chart xmlns:c="http://schemas.openxmlformats.org/drawingml/2006/chart" xmlns:r="http://schemas.openxmlformats.org/officeDocument/2006/relationships" r:id="rId2"/>
-            </a:graphicData>
-          </a:graphic>
-        </p:graphicFrame>
-        <p:sp>
-          <p:nvSpPr>
-            <p:cNvPr id="7" name="TextBox 6"/>
-            <p:cNvSpPr txBox="1"/>
-            <p:nvPr/>
-          </p:nvSpPr>
-          <p:spPr>
-            <a:xfrm>
-              <a:off x="2339752" y="4077072"/>
-              <a:ext cx="1123897" cy="307777"/>
-            </a:xfrm>
-            <a:prstGeom prst="rect">
-              <a:avLst/>
-            </a:prstGeom>
-            <a:noFill/>
-          </p:spPr>
-          <p:txBody>
-            <a:bodyPr wrap="none" rtlCol="0">
-              <a:spAutoFit/>
-            </a:bodyPr>
-            <a:lstStyle/>
-            <a:p>
-              <a:r>
-                <a:rPr lang="en-US" sz="1400" dirty="0" smtClean="0"/>
-                <a:t>nr. processes</a:t>
-              </a:r>
-              <a:endParaRPr lang="nl-BE" sz="1400" dirty="0"/>
-            </a:p>
-          </p:txBody>
-        </p:sp>
-        <p:sp>
-          <p:nvSpPr>
-            <p:cNvPr id="8" name="TextBox 7"/>
-            <p:cNvSpPr txBox="1"/>
-            <p:nvPr/>
-          </p:nvSpPr>
-          <p:spPr>
-            <a:xfrm rot="16200000">
-              <a:off x="339182" y="2724574"/>
-              <a:ext cx="813043" cy="307777"/>
-            </a:xfrm>
-            <a:prstGeom prst="rect">
-              <a:avLst/>
-            </a:prstGeom>
-            <a:noFill/>
-          </p:spPr>
-          <p:txBody>
-            <a:bodyPr wrap="none" rtlCol="0">
-              <a:spAutoFit/>
-            </a:bodyPr>
-            <a:lstStyle/>
-            <a:p>
-              <a:r>
-                <a:rPr lang="en-US" sz="1400" dirty="0" smtClean="0"/>
-                <a:t>speedup</a:t>
-              </a:r>
-              <a:endParaRPr lang="nl-BE" sz="1400" dirty="0"/>
-            </a:p>
-          </p:txBody>
-        </p:sp>
-      </p:grpSp>
-      <p:grpSp>
-        <p:nvGrpSpPr>
-          <p:cNvPr id="12" name="Group 11"/>
-          <p:cNvGrpSpPr/>
-          <p:nvPr/>
-        </p:nvGrpSpPr>
-        <p:grpSpPr>
-          <a:xfrm>
-            <a:off x="4210472" y="3861048"/>
-            <a:ext cx="4682008" cy="2828057"/>
-            <a:chOff x="4120208" y="3861048"/>
-            <a:chExt cx="4682008" cy="2828057"/>
-          </a:xfrm>
-        </p:grpSpPr>
-        <p:graphicFrame>
-          <p:nvGraphicFramePr>
-            <p:cNvPr id="5" name="Chart 4"/>
-            <p:cNvGraphicFramePr>
-              <a:graphicFrameLocks/>
-            </p:cNvGraphicFramePr>
-            <p:nvPr>
-              <p:extLst>
-                <p:ext uri="{D42A27DB-BD31-4B8C-83A1-F6EECF244321}">
-                  <p14:modId xmlns:p14="http://schemas.microsoft.com/office/powerpoint/2010/main" val="5710521"/>
-                </p:ext>
-              </p:extLst>
-            </p:nvPr>
-          </p:nvGraphicFramePr>
-          <p:xfrm>
-            <a:off x="4499992" y="3861048"/>
-            <a:ext cx="4302224" cy="2581334"/>
-          </p:xfrm>
-          <a:graphic>
-            <a:graphicData uri="http://schemas.openxmlformats.org/drawingml/2006/chart">
-              <c:chart xmlns:c="http://schemas.openxmlformats.org/drawingml/2006/chart" xmlns:r="http://schemas.openxmlformats.org/officeDocument/2006/relationships" r:id="rId3"/>
-            </a:graphicData>
-          </a:graphic>
-        </p:graphicFrame>
-        <p:sp>
-          <p:nvSpPr>
-            <p:cNvPr id="9" name="TextBox 8"/>
-            <p:cNvSpPr txBox="1"/>
-            <p:nvPr/>
-          </p:nvSpPr>
-          <p:spPr>
-            <a:xfrm>
-              <a:off x="6400431" y="6381328"/>
-              <a:ext cx="1123897" cy="307777"/>
-            </a:xfrm>
-            <a:prstGeom prst="rect">
-              <a:avLst/>
-            </a:prstGeom>
-            <a:noFill/>
-          </p:spPr>
-          <p:txBody>
-            <a:bodyPr wrap="none" rtlCol="0">
-              <a:spAutoFit/>
-            </a:bodyPr>
-            <a:lstStyle/>
-            <a:p>
-              <a:r>
-                <a:rPr lang="en-US" sz="1400" dirty="0" smtClean="0"/>
-                <a:t>nr. processes</a:t>
-              </a:r>
-              <a:endParaRPr lang="nl-BE" sz="1400" dirty="0"/>
-            </a:p>
-          </p:txBody>
-        </p:sp>
-        <p:sp>
-          <p:nvSpPr>
-            <p:cNvPr id="10" name="TextBox 9"/>
-            <p:cNvSpPr txBox="1"/>
-            <p:nvPr/>
-          </p:nvSpPr>
-          <p:spPr>
-            <a:xfrm rot="16200000">
-              <a:off x="3833976" y="4867361"/>
-              <a:ext cx="880241" cy="307777"/>
-            </a:xfrm>
-            <a:prstGeom prst="rect">
-              <a:avLst/>
-            </a:prstGeom>
-            <a:noFill/>
-          </p:spPr>
-          <p:txBody>
-            <a:bodyPr wrap="none" rtlCol="0">
-              <a:spAutoFit/>
-            </a:bodyPr>
-            <a:lstStyle/>
-            <a:p>
-              <a:r>
-                <a:rPr lang="en-US" sz="1400" dirty="0" smtClean="0"/>
-                <a:t>efficiency</a:t>
-              </a:r>
-              <a:endParaRPr lang="nl-BE" sz="1400" dirty="0"/>
-            </a:p>
-          </p:txBody>
-        </p:sp>
-      </p:grpSp>
-      <p:grpSp>
-        <p:nvGrpSpPr>
-          <p:cNvPr id="16" name="Group 15"/>
-          <p:cNvGrpSpPr/>
-          <p:nvPr/>
-        </p:nvGrpSpPr>
-        <p:grpSpPr>
-          <a:xfrm>
-            <a:off x="3635896" y="1556792"/>
-            <a:ext cx="3357034" cy="523220"/>
-            <a:chOff x="3635896" y="1556792"/>
-            <a:chExt cx="3357034" cy="523220"/>
-          </a:xfrm>
-        </p:grpSpPr>
-        <p:sp>
-          <p:nvSpPr>
-            <p:cNvPr id="13" name="TextBox 12"/>
-            <p:cNvSpPr txBox="1"/>
-            <p:nvPr/>
-          </p:nvSpPr>
-          <p:spPr>
-            <a:xfrm>
-              <a:off x="5220072" y="1556792"/>
-              <a:ext cx="1772858" cy="523220"/>
-            </a:xfrm>
-            <a:prstGeom prst="rect">
-              <a:avLst/>
-            </a:prstGeom>
-            <a:noFill/>
-          </p:spPr>
-          <p:txBody>
-            <a:bodyPr wrap="none" rtlCol="0">
-              <a:spAutoFit/>
-            </a:bodyPr>
-            <a:lstStyle/>
-            <a:p>
-              <a:r>
-                <a:rPr lang="en-US" sz="2800" dirty="0" smtClean="0">
-                  <a:solidFill>
-                    <a:srgbClr val="FF0000"/>
-                  </a:solidFill>
-                </a:rPr>
-                <a:t>sweet spot</a:t>
-              </a:r>
-              <a:endParaRPr lang="nl-BE" sz="2800" dirty="0">
-                <a:solidFill>
-                  <a:srgbClr val="FF0000"/>
-                </a:solidFill>
-              </a:endParaRPr>
-            </a:p>
-          </p:txBody>
-        </p:sp>
-        <p:cxnSp>
-          <p:nvCxnSpPr>
-            <p:cNvPr id="15" name="Straight Arrow Connector 14"/>
-            <p:cNvCxnSpPr>
-              <a:stCxn id="13" idx="1"/>
-            </p:cNvCxnSpPr>
-            <p:nvPr/>
-          </p:nvCxnSpPr>
-          <p:spPr>
-            <a:xfrm flipH="1">
-              <a:off x="3635896" y="1818402"/>
-              <a:ext cx="1584176" cy="261610"/>
-            </a:xfrm>
-            <a:prstGeom prst="straightConnector1">
-              <a:avLst/>
-            </a:prstGeom>
-            <a:ln w="19050">
-              <a:solidFill>
-                <a:srgbClr val="FF0000"/>
-              </a:solidFill>
-              <a:tailEnd type="stealth" w="lg" len="lg"/>
-            </a:ln>
-          </p:spPr>
-          <p:style>
-            <a:lnRef idx="1">
-              <a:schemeClr val="accent1"/>
-            </a:lnRef>
-            <a:fillRef idx="0">
-              <a:schemeClr val="accent1"/>
-            </a:fillRef>
-            <a:effectRef idx="0">
-              <a:schemeClr val="accent1"/>
-            </a:effectRef>
-            <a:fontRef idx="minor">
-              <a:schemeClr val="tx1"/>
-            </a:fontRef>
-          </p:style>
-        </p:cxnSp>
-      </p:grpSp>
-      <p:sp>
-        <p:nvSpPr>
-          <p:cNvPr id="17" name="Rectangle 16"/>
-          <p:cNvSpPr/>
-          <p:nvPr/>
-        </p:nvSpPr>
-        <p:spPr>
-          <a:xfrm>
-            <a:off x="4572000" y="4725144"/>
-            <a:ext cx="4320480" cy="1296144"/>
-          </a:xfrm>
-          <a:prstGeom prst="rect">
-            <a:avLst/>
-          </a:prstGeom>
-          <a:pattFill prst="wdUpDiag">
-            <a:fgClr>
-              <a:srgbClr val="FF0000"/>
-            </a:fgClr>
-            <a:bgClr>
-              <a:schemeClr val="bg1"/>
-            </a:bgClr>
-          </a:pattFill>
-          <a:ln>
-            <a:noFill/>
-          </a:ln>
-        </p:spPr>
-        <p:style>
-          <a:lnRef idx="2">
-            <a:schemeClr val="accent1">
-              <a:shade val="50000"/>
-            </a:schemeClr>
-          </a:lnRef>
-          <a:fillRef idx="1">
-            <a:schemeClr val="accent1"/>
-          </a:fillRef>
-          <a:effectRef idx="0">
-            <a:schemeClr val="accent1"/>
-          </a:effectRef>
-          <a:fontRef idx="minor">
-            <a:schemeClr val="lt1"/>
-          </a:fontRef>
-        </p:style>
-        <p:txBody>
-          <a:bodyPr rtlCol="0" anchor="ctr"/>
-          <a:lstStyle/>
-          <a:p>
-            <a:pPr algn="ctr"/>
-            <a:endParaRPr lang="nl-BE"/>
-          </a:p>
-        </p:txBody>
-      </p:sp>
-      <p:grpSp>
-        <p:nvGrpSpPr>
-          <p:cNvPr id="18" name="Group 17"/>
-          <p:cNvGrpSpPr/>
-          <p:nvPr/>
-        </p:nvGrpSpPr>
-        <p:grpSpPr>
-          <a:xfrm>
-            <a:off x="6106501" y="2905780"/>
-            <a:ext cx="2353931" cy="1603340"/>
-            <a:chOff x="4638999" y="1556792"/>
-            <a:chExt cx="2353931" cy="1603340"/>
-          </a:xfrm>
-        </p:grpSpPr>
-        <p:sp>
-          <p:nvSpPr>
-            <p:cNvPr id="19" name="TextBox 18"/>
-            <p:cNvSpPr txBox="1"/>
-            <p:nvPr/>
-          </p:nvSpPr>
-          <p:spPr>
-            <a:xfrm>
-              <a:off x="5220072" y="1556792"/>
-              <a:ext cx="1772858" cy="523220"/>
-            </a:xfrm>
-            <a:prstGeom prst="rect">
-              <a:avLst/>
-            </a:prstGeom>
-            <a:noFill/>
-          </p:spPr>
-          <p:txBody>
-            <a:bodyPr wrap="none" rtlCol="0">
-              <a:spAutoFit/>
-            </a:bodyPr>
-            <a:lstStyle/>
-            <a:p>
-              <a:r>
-                <a:rPr lang="en-US" sz="2800" dirty="0" smtClean="0">
-                  <a:solidFill>
-                    <a:srgbClr val="00B050"/>
-                  </a:solidFill>
-                </a:rPr>
-                <a:t>sweet spot</a:t>
-              </a:r>
-              <a:endParaRPr lang="nl-BE" sz="2800" dirty="0">
-                <a:solidFill>
-                  <a:srgbClr val="00B050"/>
-                </a:solidFill>
-              </a:endParaRPr>
-            </a:p>
-          </p:txBody>
-        </p:sp>
-        <p:cxnSp>
-          <p:nvCxnSpPr>
-            <p:cNvPr id="20" name="Straight Arrow Connector 19"/>
-            <p:cNvCxnSpPr>
-              <a:stCxn id="19" idx="2"/>
-            </p:cNvCxnSpPr>
-            <p:nvPr/>
-          </p:nvCxnSpPr>
-          <p:spPr>
-            <a:xfrm flipH="1">
-              <a:off x="4638999" y="2080012"/>
-              <a:ext cx="1467502" cy="1080120"/>
-            </a:xfrm>
-            <a:prstGeom prst="straightConnector1">
-              <a:avLst/>
-            </a:prstGeom>
-            <a:ln w="19050">
-              <a:solidFill>
-                <a:srgbClr val="00B050"/>
-              </a:solidFill>
-              <a:tailEnd type="stealth" w="lg" len="lg"/>
-            </a:ln>
-          </p:spPr>
-          <p:style>
-            <a:lnRef idx="1">
-              <a:schemeClr val="accent1"/>
-            </a:lnRef>
-            <a:fillRef idx="0">
-              <a:schemeClr val="accent1"/>
-            </a:fillRef>
-            <a:effectRef idx="0">
-              <a:schemeClr val="accent1"/>
-            </a:effectRef>
-            <a:fontRef idx="minor">
-              <a:schemeClr val="tx1"/>
-            </a:fontRef>
-          </p:style>
-        </p:cxnSp>
-      </p:grpSp>
-      <p:grpSp>
-        <p:nvGrpSpPr>
-          <p:cNvPr id="26" name="Group 25"/>
-          <p:cNvGrpSpPr/>
-          <p:nvPr/>
-        </p:nvGrpSpPr>
-        <p:grpSpPr>
-          <a:xfrm>
-            <a:off x="5377646" y="1709192"/>
-            <a:ext cx="1615284" cy="360040"/>
-            <a:chOff x="744214" y="1349152"/>
-            <a:chExt cx="1615284" cy="360040"/>
-          </a:xfrm>
-        </p:grpSpPr>
-        <p:cxnSp>
-          <p:nvCxnSpPr>
-            <p:cNvPr id="24" name="Straight Connector 23"/>
-            <p:cNvCxnSpPr/>
-            <p:nvPr/>
-          </p:nvCxnSpPr>
-          <p:spPr>
-            <a:xfrm>
-              <a:off x="899592" y="1349152"/>
-              <a:ext cx="1459906" cy="360040"/>
-            </a:xfrm>
-            <a:prstGeom prst="line">
-              <a:avLst/>
-            </a:prstGeom>
-            <a:ln w="38100">
-              <a:solidFill>
-                <a:srgbClr val="FF0000"/>
-              </a:solidFill>
-            </a:ln>
-          </p:spPr>
-          <p:style>
-            <a:lnRef idx="1">
-              <a:schemeClr val="accent1"/>
-            </a:lnRef>
-            <a:fillRef idx="0">
-              <a:schemeClr val="accent1"/>
-            </a:fillRef>
-            <a:effectRef idx="0">
-              <a:schemeClr val="accent1"/>
-            </a:effectRef>
-            <a:fontRef idx="minor">
-              <a:schemeClr val="tx1"/>
-            </a:fontRef>
-          </p:style>
-        </p:cxnSp>
-        <p:cxnSp>
-          <p:nvCxnSpPr>
-            <p:cNvPr id="25" name="Straight Connector 24"/>
-            <p:cNvCxnSpPr/>
-            <p:nvPr/>
-          </p:nvCxnSpPr>
-          <p:spPr>
-            <a:xfrm flipV="1">
-              <a:off x="744214" y="1349152"/>
-              <a:ext cx="1459906" cy="360040"/>
-            </a:xfrm>
-            <a:prstGeom prst="line">
-              <a:avLst/>
-            </a:prstGeom>
-            <a:ln w="38100">
-              <a:solidFill>
-                <a:srgbClr val="FF0000"/>
-              </a:solidFill>
-            </a:ln>
-          </p:spPr>
-          <p:style>
-            <a:lnRef idx="1">
-              <a:schemeClr val="accent1"/>
-            </a:lnRef>
-            <a:fillRef idx="0">
-              <a:schemeClr val="accent1"/>
-            </a:fillRef>
-            <a:effectRef idx="0">
-              <a:schemeClr val="accent1"/>
-            </a:effectRef>
-            <a:fontRef idx="minor">
-              <a:schemeClr val="tx1"/>
-            </a:fontRef>
-          </p:style>
-        </p:cxnSp>
-      </p:grpSp>
-      <p:sp>
-        <p:nvSpPr>
-          <p:cNvPr id="3" name="Slide Number Placeholder 2"/>
-          <p:cNvSpPr>
-            <a:spLocks noGrp="1"/>
-          </p:cNvSpPr>
-          <p:nvPr>
-            <p:ph type="sldNum" sz="quarter" idx="12"/>
-          </p:nvPr>
-        </p:nvSpPr>
-        <p:spPr/>
-        <p:txBody>
-          <a:bodyPr/>
-          <a:lstStyle/>
-          <a:p>
-            <a:fld id="{6597116C-F94B-4B5B-973A-17F07FB5C418}" type="slidenum">
-              <a:rPr lang="nl-BE" smtClean="0"/>
-              <a:t>9</a:t>
-            </a:fld>
-            <a:endParaRPr lang="nl-BE"/>
-          </a:p>
-        </p:txBody>
-      </p:sp>
-    </p:spTree>
-    <p:extLst>
-      <p:ext uri="{BB962C8B-B14F-4D97-AF65-F5344CB8AC3E}">
-        <p14:creationId xmlns:p14="http://schemas.microsoft.com/office/powerpoint/2010/main" val="315378486"/>
-      </p:ext>
-    </p:extLst>
-  </p:cSld>
-  <p:clrMapOvr>
-    <a:masterClrMapping/>
-  </p:clrMapOvr>
-  <p:timing>
-    <p:tnLst>
-      <p:par>
-        <p:cTn id="1" dur="indefinite" restart="never" nodeType="tmRoot">
-          <p:childTnLst>
-            <p:seq concurrent="1" nextAc="seek">
-              <p:cTn id="2" dur="indefinite" nodeType="mainSeq">
-                <p:childTnLst>
-                  <p:par>
-                    <p:cTn id="3" fill="hold">
-                      <p:stCondLst>
-                        <p:cond delay="indefinite"/>
-                      </p:stCondLst>
-                      <p:childTnLst>
-                        <p:par>
-                          <p:cTn id="4" fill="hold">
-                            <p:stCondLst>
-                              <p:cond delay="0"/>
-                            </p:stCondLst>
-                            <p:childTnLst>
-                              <p:par>
-                                <p:cTn id="5" presetID="1" presetClass="entr" presetSubtype="0" fill="hold" nodeType="clickEffect">
-                                  <p:stCondLst>
-                                    <p:cond delay="0"/>
-                                  </p:stCondLst>
-                                  <p:childTnLst>
-                                    <p:set>
-                                      <p:cBhvr>
-                                        <p:cTn id="6" dur="1" fill="hold">
-                                          <p:stCondLst>
-                                            <p:cond delay="0"/>
-                                          </p:stCondLst>
-                                        </p:cTn>
-                                        <p:tgtEl>
-                                          <p:spTgt spid="16"/>
-                                        </p:tgtEl>
-                                        <p:attrNameLst>
-                                          <p:attrName>style.visibility</p:attrName>
-                                        </p:attrNameLst>
-                                      </p:cBhvr>
-                                      <p:to>
-                                        <p:strVal val="visible"/>
-                                      </p:to>
-                                    </p:set>
-                                  </p:childTnLst>
-                                </p:cTn>
-                              </p:par>
-                            </p:childTnLst>
-                          </p:cTn>
-                        </p:par>
-                      </p:childTnLst>
-                    </p:cTn>
-                  </p:par>
-                  <p:par>
-                    <p:cTn id="7" fill="hold">
-                      <p:stCondLst>
-                        <p:cond delay="indefinite"/>
-                      </p:stCondLst>
-                      <p:childTnLst>
-                        <p:par>
-                          <p:cTn id="8" fill="hold">
-                            <p:stCondLst>
-                              <p:cond delay="0"/>
-                            </p:stCondLst>
-                            <p:childTnLst>
-                              <p:par>
-                                <p:cTn id="9" presetID="1" presetClass="entr" presetSubtype="0" fill="hold" nodeType="clickEffect">
-                                  <p:stCondLst>
-                                    <p:cond delay="0"/>
-                                  </p:stCondLst>
-                                  <p:childTnLst>
-                                    <p:set>
-                                      <p:cBhvr>
-                                        <p:cTn id="10" dur="1" fill="hold">
-                                          <p:stCondLst>
-                                            <p:cond delay="0"/>
-                                          </p:stCondLst>
-                                        </p:cTn>
-                                        <p:tgtEl>
-                                          <p:spTgt spid="26"/>
-                                        </p:tgtEl>
-                                        <p:attrNameLst>
-                                          <p:attrName>style.visibility</p:attrName>
-                                        </p:attrNameLst>
-                                      </p:cBhvr>
-                                      <p:to>
-                                        <p:strVal val="visible"/>
-                                      </p:to>
-                                    </p:set>
-                                  </p:childTnLst>
-                                </p:cTn>
-                              </p:par>
-                            </p:childTnLst>
-                          </p:cTn>
-                        </p:par>
-                      </p:childTnLst>
-                    </p:cTn>
-                  </p:par>
-                  <p:par>
-                    <p:cTn id="11" fill="hold">
-                      <p:stCondLst>
-                        <p:cond delay="indefinite"/>
-                      </p:stCondLst>
-                      <p:childTnLst>
-                        <p:par>
-                          <p:cTn id="12" fill="hold">
-                            <p:stCondLst>
-                              <p:cond delay="0"/>
-                            </p:stCondLst>
-                            <p:childTnLst>
-                              <p:par>
-                                <p:cTn id="13" presetID="1" presetClass="entr" presetSubtype="0" fill="hold" nodeType="clickEffect">
-                                  <p:stCondLst>
-                                    <p:cond delay="0"/>
-                                  </p:stCondLst>
-                                  <p:childTnLst>
-                                    <p:set>
-                                      <p:cBhvr>
-                                        <p:cTn id="14" dur="1" fill="hold">
-                                          <p:stCondLst>
-                                            <p:cond delay="0"/>
-                                          </p:stCondLst>
-                                        </p:cTn>
-                                        <p:tgtEl>
-                                          <p:spTgt spid="12"/>
-                                        </p:tgtEl>
-                                        <p:attrNameLst>
-                                          <p:attrName>style.visibility</p:attrName>
-                                        </p:attrNameLst>
-                                      </p:cBhvr>
-                                      <p:to>
-                                        <p:strVal val="visible"/>
-                                      </p:to>
-                                    </p:set>
-                                  </p:childTnLst>
-                                </p:cTn>
-                              </p:par>
-                            </p:childTnLst>
-                          </p:cTn>
-                        </p:par>
-                      </p:childTnLst>
-                    </p:cTn>
-                  </p:par>
-                  <p:par>
-                    <p:cTn id="15" fill="hold">
-                      <p:stCondLst>
-                        <p:cond delay="indefinite"/>
-                      </p:stCondLst>
-                      <p:childTnLst>
-                        <p:par>
-                          <p:cTn id="16" fill="hold">
-                            <p:stCondLst>
-                              <p:cond delay="0"/>
-                            </p:stCondLst>
-                            <p:childTnLst>
-                              <p:par>
-                                <p:cTn id="17" presetID="1" presetClass="entr" presetSubtype="0" fill="hold" grpId="0" nodeType="clickEffect">
-                                  <p:stCondLst>
-                                    <p:cond delay="0"/>
-                                  </p:stCondLst>
-                                  <p:childTnLst>
-                                    <p:set>
-                                      <p:cBhvr>
-                                        <p:cTn id="18" dur="1" fill="hold">
-                                          <p:stCondLst>
-                                            <p:cond delay="0"/>
-                                          </p:stCondLst>
-                                        </p:cTn>
-                                        <p:tgtEl>
-                                          <p:spTgt spid="17"/>
-                                        </p:tgtEl>
-                                        <p:attrNameLst>
-                                          <p:attrName>style.visibility</p:attrName>
-                                        </p:attrNameLst>
-                                      </p:cBhvr>
-                                      <p:to>
-                                        <p:strVal val="visible"/>
-                                      </p:to>
-                                    </p:set>
-                                  </p:childTnLst>
-                                </p:cTn>
-                              </p:par>
-                            </p:childTnLst>
-                          </p:cTn>
-                        </p:par>
-                      </p:childTnLst>
-                    </p:cTn>
-                  </p:par>
-                  <p:par>
-                    <p:cTn id="19" fill="hold">
-                      <p:stCondLst>
-                        <p:cond delay="indefinite"/>
-                      </p:stCondLst>
-                      <p:childTnLst>
-                        <p:par>
-                          <p:cTn id="20" fill="hold">
-                            <p:stCondLst>
-                              <p:cond delay="0"/>
-                            </p:stCondLst>
-                            <p:childTnLst>
-                              <p:par>
-                                <p:cTn id="21" presetID="1" presetClass="entr" presetSubtype="0" fill="hold" nodeType="clickEffect">
-                                  <p:stCondLst>
-                                    <p:cond delay="0"/>
-                                  </p:stCondLst>
-                                  <p:childTnLst>
-                                    <p:set>
-                                      <p:cBhvr>
-                                        <p:cTn id="22" dur="1" fill="hold">
-                                          <p:stCondLst>
-                                            <p:cond delay="0"/>
-                                          </p:stCondLst>
-                                        </p:cTn>
-                                        <p:tgtEl>
-                                          <p:spTgt spid="18"/>
-                                        </p:tgtEl>
-                                        <p:attrNameLst>
-                                          <p:attrName>style.visibility</p:attrName>
-                                        </p:attrNameLst>
-                                      </p:cBhvr>
-                                      <p:to>
-                                        <p:strVal val="visible"/>
-                                      </p:to>
-                                    </p:set>
-                                  </p:childTnLst>
-                                </p:cTn>
-                              </p:par>
-                            </p:childTnLst>
-                          </p:cTn>
-                        </p:par>
-                      </p:childTnLst>
-                    </p:cTn>
-                  </p:par>
-                </p:childTnLst>
-              </p:cTn>
-              <p:prevCondLst>
-                <p:cond evt="onPrev" delay="0">
-                  <p:tgtEl>
-                    <p:sldTgt/>
-                  </p:tgtEl>
-                </p:cond>
-              </p:prevCondLst>
-              <p:nextCondLst>
-                <p:cond evt="onNext" delay="0">
-                  <p:tgtEl>
-                    <p:sldTgt/>
-                  </p:tgtEl>
-                </p:cond>
-              </p:nextCondLst>
-            </p:seq>
-          </p:childTnLst>
-        </p:cTn>
-      </p:par>
-    </p:tnLst>
-    <p:bldLst>
-      <p:bldP spid="17" grpId="0" animBg="1"/>
     </p:bldLst>
   </p:timing>
 </p:sld>

--- a/Optimization/hpc_efficiency.pptx
+++ b/Optimization/hpc_efficiency.pptx
@@ -5,7 +5,7 @@
     <p:sldMasterId id="2147483648" r:id="rId1"/>
   </p:sldMasterIdLst>
   <p:notesMasterIdLst>
-    <p:notesMasterId r:id="rId30"/>
+    <p:notesMasterId r:id="rId32"/>
   </p:notesMasterIdLst>
   <p:sldIdLst>
     <p:sldId id="267" r:id="rId2"/>
@@ -30,12 +30,14 @@
     <p:sldId id="279" r:id="rId21"/>
     <p:sldId id="280" r:id="rId22"/>
     <p:sldId id="278" r:id="rId23"/>
-    <p:sldId id="285" r:id="rId24"/>
-    <p:sldId id="275" r:id="rId25"/>
-    <p:sldId id="281" r:id="rId26"/>
-    <p:sldId id="286" r:id="rId27"/>
-    <p:sldId id="271" r:id="rId28"/>
-    <p:sldId id="283" r:id="rId29"/>
+    <p:sldId id="288" r:id="rId24"/>
+    <p:sldId id="285" r:id="rId25"/>
+    <p:sldId id="275" r:id="rId26"/>
+    <p:sldId id="281" r:id="rId27"/>
+    <p:sldId id="287" r:id="rId28"/>
+    <p:sldId id="286" r:id="rId29"/>
+    <p:sldId id="271" r:id="rId30"/>
+    <p:sldId id="283" r:id="rId31"/>
   </p:sldIdLst>
   <p:sldSz cx="9144000" cy="6858000" type="screen4x3"/>
   <p:notesSz cx="6858000" cy="9144000"/>
@@ -7542,7 +7544,7 @@
           <a:graphicData uri="http://schemas.openxmlformats.org/presentationml/2006/ole">
             <mc:AlternateContent xmlns:mc="http://schemas.openxmlformats.org/markup-compatibility/2006">
               <mc:Choice xmlns:v="urn:schemas-microsoft-com:vml" Requires="v">
-                <p:oleObj spid="_x0000_s1116" name="Equation" r:id="rId3" imgW="812520" imgH="393480" progId="Equation.3">
+                <p:oleObj spid="_x0000_s1120" name="Equation" r:id="rId3" imgW="812520" imgH="393480" progId="Equation.3">
                   <p:embed/>
                 </p:oleObj>
               </mc:Choice>
@@ -7599,7 +7601,7 @@
           <a:graphicData uri="http://schemas.openxmlformats.org/presentationml/2006/ole">
             <mc:AlternateContent xmlns:mc="http://schemas.openxmlformats.org/markup-compatibility/2006">
               <mc:Choice xmlns:v="urn:schemas-microsoft-com:vml" Requires="v">
-                <p:oleObj spid="_x0000_s1117" name="Equation" r:id="rId5" imgW="2489040" imgH="431640" progId="Equation.3">
+                <p:oleObj spid="_x0000_s1121" name="Equation" r:id="rId5" imgW="2489040" imgH="431640" progId="Equation.3">
                   <p:embed/>
                 </p:oleObj>
               </mc:Choice>
@@ -18820,7 +18822,7 @@
           <a:graphicData uri="http://schemas.openxmlformats.org/presentationml/2006/ole">
             <mc:AlternateContent xmlns:mc="http://schemas.openxmlformats.org/markup-compatibility/2006">
               <mc:Choice xmlns:v="urn:schemas-microsoft-com:vml" Requires="v">
-                <p:oleObj spid="_x0000_s2105" name="Equation" r:id="rId3" imgW="1091880" imgH="1041120" progId="Equation.3">
+                <p:oleObj spid="_x0000_s2109" name="Equation" r:id="rId3" imgW="1091880" imgH="1041120" progId="Equation.3">
                   <p:embed/>
                 </p:oleObj>
               </mc:Choice>
@@ -20191,7 +20193,7 @@
           <a:graphicData uri="http://schemas.openxmlformats.org/presentationml/2006/ole">
             <mc:AlternateContent xmlns:mc="http://schemas.openxmlformats.org/markup-compatibility/2006">
               <mc:Choice xmlns:v="urn:schemas-microsoft-com:vml" Requires="v">
-                <p:oleObj spid="_x0000_s2106" name="Equation" r:id="rId5" imgW="1091880" imgH="1041120" progId="Equation.3">
+                <p:oleObj spid="_x0000_s2110" name="Equation" r:id="rId5" imgW="1091880" imgH="1041120" progId="Equation.3">
                   <p:embed/>
                 </p:oleObj>
               </mc:Choice>
@@ -22894,7 +22896,7 @@
           <a:p>
             <a:r>
               <a:rPr lang="en-US" dirty="0" smtClean="0"/>
-              <a:t>CPU</a:t>
+              <a:t>Cache associativity</a:t>
             </a:r>
             <a:endParaRPr lang="nl-BE" dirty="0"/>
           </a:p>
@@ -22902,12 +22904,12 @@
       </p:sp>
       <p:sp>
         <p:nvSpPr>
-          <p:cNvPr id="3" name="Text Placeholder 2"/>
+          <p:cNvPr id="3" name="Content Placeholder 2"/>
           <p:cNvSpPr>
             <a:spLocks noGrp="1"/>
           </p:cNvSpPr>
           <p:nvPr>
-            <p:ph type="body" idx="1"/>
+            <p:ph idx="1"/>
           </p:nvPr>
         </p:nvSpPr>
         <p:spPr/>
@@ -22945,7 +22947,7 @@
     </p:spTree>
     <p:extLst>
       <p:ext uri="{BB962C8B-B14F-4D97-AF65-F5344CB8AC3E}">
-        <p14:creationId xmlns:p14="http://schemas.microsoft.com/office/powerpoint/2010/main" val="818805559"/>
+        <p14:creationId xmlns:p14="http://schemas.microsoft.com/office/powerpoint/2010/main" val="3560811977"/>
       </p:ext>
     </p:extLst>
   </p:cSld>
@@ -22989,6 +22991,101 @@
           <a:p>
             <a:r>
               <a:rPr lang="en-US" dirty="0" smtClean="0"/>
+              <a:t>CPU</a:t>
+            </a:r>
+            <a:endParaRPr lang="nl-BE" dirty="0"/>
+          </a:p>
+        </p:txBody>
+      </p:sp>
+      <p:sp>
+        <p:nvSpPr>
+          <p:cNvPr id="3" name="Text Placeholder 2"/>
+          <p:cNvSpPr>
+            <a:spLocks noGrp="1"/>
+          </p:cNvSpPr>
+          <p:nvPr>
+            <p:ph type="body" idx="1"/>
+          </p:nvPr>
+        </p:nvSpPr>
+        <p:spPr/>
+        <p:txBody>
+          <a:bodyPr/>
+          <a:lstStyle/>
+          <a:p>
+            <a:endParaRPr lang="nl-BE"/>
+          </a:p>
+        </p:txBody>
+      </p:sp>
+      <p:sp>
+        <p:nvSpPr>
+          <p:cNvPr id="4" name="Slide Number Placeholder 3"/>
+          <p:cNvSpPr>
+            <a:spLocks noGrp="1"/>
+          </p:cNvSpPr>
+          <p:nvPr>
+            <p:ph type="sldNum" sz="quarter" idx="12"/>
+          </p:nvPr>
+        </p:nvSpPr>
+        <p:spPr/>
+        <p:txBody>
+          <a:bodyPr/>
+          <a:lstStyle/>
+          <a:p>
+            <a:fld id="{6597116C-F94B-4B5B-973A-17F07FB5C418}" type="slidenum">
+              <a:rPr lang="nl-BE" smtClean="0"/>
+              <a:t>24</a:t>
+            </a:fld>
+            <a:endParaRPr lang="nl-BE"/>
+          </a:p>
+        </p:txBody>
+      </p:sp>
+    </p:spTree>
+    <p:extLst>
+      <p:ext uri="{BB962C8B-B14F-4D97-AF65-F5344CB8AC3E}">
+        <p14:creationId xmlns:p14="http://schemas.microsoft.com/office/powerpoint/2010/main" val="818805559"/>
+      </p:ext>
+    </p:extLst>
+  </p:cSld>
+  <p:clrMapOvr>
+    <a:masterClrMapping/>
+  </p:clrMapOvr>
+</p:sld>
+</file>
+
+<file path=ppt/slides/slide25.xml><?xml version="1.0" encoding="utf-8"?>
+<p:sld xmlns:a="http://schemas.openxmlformats.org/drawingml/2006/main" xmlns:r="http://schemas.openxmlformats.org/officeDocument/2006/relationships" xmlns:p="http://schemas.openxmlformats.org/presentationml/2006/main">
+  <p:cSld>
+    <p:spTree>
+      <p:nvGrpSpPr>
+        <p:cNvPr id="1" name=""/>
+        <p:cNvGrpSpPr/>
+        <p:nvPr/>
+      </p:nvGrpSpPr>
+      <p:grpSpPr>
+        <a:xfrm>
+          <a:off x="0" y="0"/>
+          <a:ext cx="0" cy="0"/>
+          <a:chOff x="0" y="0"/>
+          <a:chExt cx="0" cy="0"/>
+        </a:xfrm>
+      </p:grpSpPr>
+      <p:sp>
+        <p:nvSpPr>
+          <p:cNvPr id="2" name="Title 1"/>
+          <p:cNvSpPr>
+            <a:spLocks noGrp="1"/>
+          </p:cNvSpPr>
+          <p:nvPr>
+            <p:ph type="title"/>
+          </p:nvPr>
+        </p:nvSpPr>
+        <p:spPr/>
+        <p:txBody>
+          <a:bodyPr/>
+          <a:lstStyle/>
+          <a:p>
+            <a:r>
+              <a:rPr lang="en-US" dirty="0" smtClean="0"/>
               <a:t>Vectorization</a:t>
             </a:r>
             <a:endParaRPr lang="en-US" dirty="0"/>
@@ -23066,7 +23163,7 @@
           <a:p>
             <a:fld id="{6597116C-F94B-4B5B-973A-17F07FB5C418}" type="slidenum">
               <a:rPr lang="nl-BE" smtClean="0"/>
-              <a:t>24</a:t>
+              <a:t>25</a:t>
             </a:fld>
             <a:endParaRPr lang="nl-BE"/>
           </a:p>
@@ -23846,7 +23943,7 @@
 </p:sld>
 </file>
 
-<file path=ppt/slides/slide25.xml><?xml version="1.0" encoding="utf-8"?>
+<file path=ppt/slides/slide26.xml><?xml version="1.0" encoding="utf-8"?>
 <p:sld xmlns:a="http://schemas.openxmlformats.org/drawingml/2006/main" xmlns:r="http://schemas.openxmlformats.org/officeDocument/2006/relationships" xmlns:p="http://schemas.openxmlformats.org/presentationml/2006/main">
   <p:cSld>
     <p:spTree>
@@ -23966,7 +24063,7 @@
           <a:p>
             <a:fld id="{6597116C-F94B-4B5B-973A-17F07FB5C418}" type="slidenum">
               <a:rPr lang="nl-BE" smtClean="0"/>
-              <a:t>25</a:t>
+              <a:t>26</a:t>
             </a:fld>
             <a:endParaRPr lang="nl-BE"/>
           </a:p>
@@ -24353,7 +24450,7 @@
 </p:sld>
 </file>
 
-<file path=ppt/slides/slide26.xml><?xml version="1.0" encoding="utf-8"?>
+<file path=ppt/slides/slide27.xml><?xml version="1.0" encoding="utf-8"?>
 <p:sld xmlns:a="http://schemas.openxmlformats.org/drawingml/2006/main" xmlns:r="http://schemas.openxmlformats.org/officeDocument/2006/relationships" xmlns:p="http://schemas.openxmlformats.org/presentationml/2006/main">
   <p:cSld>
     <p:spTree>
@@ -24387,7 +24484,7 @@
           <a:p>
             <a:r>
               <a:rPr lang="en-US" dirty="0" smtClean="0"/>
-              <a:t>Appendix</a:t>
+              <a:t>References</a:t>
             </a:r>
             <a:endParaRPr lang="nl-BE" dirty="0"/>
           </a:p>
@@ -24429,7 +24526,102 @@
           <a:p>
             <a:fld id="{6597116C-F94B-4B5B-973A-17F07FB5C418}" type="slidenum">
               <a:rPr lang="nl-BE" smtClean="0"/>
-              <a:t>26</a:t>
+              <a:t>27</a:t>
+            </a:fld>
+            <a:endParaRPr lang="nl-BE"/>
+          </a:p>
+        </p:txBody>
+      </p:sp>
+    </p:spTree>
+    <p:extLst>
+      <p:ext uri="{BB962C8B-B14F-4D97-AF65-F5344CB8AC3E}">
+        <p14:creationId xmlns:p14="http://schemas.microsoft.com/office/powerpoint/2010/main" val="1387657132"/>
+      </p:ext>
+    </p:extLst>
+  </p:cSld>
+  <p:clrMapOvr>
+    <a:masterClrMapping/>
+  </p:clrMapOvr>
+</p:sld>
+</file>
+
+<file path=ppt/slides/slide28.xml><?xml version="1.0" encoding="utf-8"?>
+<p:sld xmlns:a="http://schemas.openxmlformats.org/drawingml/2006/main" xmlns:r="http://schemas.openxmlformats.org/officeDocument/2006/relationships" xmlns:p="http://schemas.openxmlformats.org/presentationml/2006/main">
+  <p:cSld>
+    <p:spTree>
+      <p:nvGrpSpPr>
+        <p:cNvPr id="1" name=""/>
+        <p:cNvGrpSpPr/>
+        <p:nvPr/>
+      </p:nvGrpSpPr>
+      <p:grpSpPr>
+        <a:xfrm>
+          <a:off x="0" y="0"/>
+          <a:ext cx="0" cy="0"/>
+          <a:chOff x="0" y="0"/>
+          <a:chExt cx="0" cy="0"/>
+        </a:xfrm>
+      </p:grpSpPr>
+      <p:sp>
+        <p:nvSpPr>
+          <p:cNvPr id="2" name="Title 1"/>
+          <p:cNvSpPr>
+            <a:spLocks noGrp="1"/>
+          </p:cNvSpPr>
+          <p:nvPr>
+            <p:ph type="title"/>
+          </p:nvPr>
+        </p:nvSpPr>
+        <p:spPr/>
+        <p:txBody>
+          <a:bodyPr/>
+          <a:lstStyle/>
+          <a:p>
+            <a:r>
+              <a:rPr lang="en-US" dirty="0" smtClean="0"/>
+              <a:t>Appendix</a:t>
+            </a:r>
+            <a:endParaRPr lang="nl-BE" dirty="0"/>
+          </a:p>
+        </p:txBody>
+      </p:sp>
+      <p:sp>
+        <p:nvSpPr>
+          <p:cNvPr id="3" name="Text Placeholder 2"/>
+          <p:cNvSpPr>
+            <a:spLocks noGrp="1"/>
+          </p:cNvSpPr>
+          <p:nvPr>
+            <p:ph type="body" idx="1"/>
+          </p:nvPr>
+        </p:nvSpPr>
+        <p:spPr/>
+        <p:txBody>
+          <a:bodyPr/>
+          <a:lstStyle/>
+          <a:p>
+            <a:endParaRPr lang="nl-BE"/>
+          </a:p>
+        </p:txBody>
+      </p:sp>
+      <p:sp>
+        <p:nvSpPr>
+          <p:cNvPr id="4" name="Slide Number Placeholder 3"/>
+          <p:cNvSpPr>
+            <a:spLocks noGrp="1"/>
+          </p:cNvSpPr>
+          <p:nvPr>
+            <p:ph type="sldNum" sz="quarter" idx="12"/>
+          </p:nvPr>
+        </p:nvSpPr>
+        <p:spPr/>
+        <p:txBody>
+          <a:bodyPr/>
+          <a:lstStyle/>
+          <a:p>
+            <a:fld id="{6597116C-F94B-4B5B-973A-17F07FB5C418}" type="slidenum">
+              <a:rPr lang="nl-BE" smtClean="0"/>
+              <a:t>28</a:t>
             </a:fld>
             <a:endParaRPr lang="nl-BE"/>
           </a:p>
@@ -24448,7 +24640,7 @@
 </p:sld>
 </file>
 
-<file path=ppt/slides/slide27.xml><?xml version="1.0" encoding="utf-8"?>
+<file path=ppt/slides/slide29.xml><?xml version="1.0" encoding="utf-8"?>
 <p:sld xmlns:a="http://schemas.openxmlformats.org/drawingml/2006/main" xmlns:r="http://schemas.openxmlformats.org/officeDocument/2006/relationships" xmlns:p="http://schemas.openxmlformats.org/presentationml/2006/main">
   <p:cSld>
     <p:spTree>
@@ -26232,7 +26424,7 @@
           <a:p>
             <a:fld id="{6597116C-F94B-4B5B-973A-17F07FB5C418}" type="slidenum">
               <a:rPr lang="nl-BE" smtClean="0"/>
-              <a:t>27</a:t>
+              <a:t>29</a:t>
             </a:fld>
             <a:endParaRPr lang="nl-BE"/>
           </a:p>
@@ -26377,251 +26569,6 @@
 </p:sld>
 </file>
 
-<file path=ppt/slides/slide28.xml><?xml version="1.0" encoding="utf-8"?>
-<p:sld xmlns:a="http://schemas.openxmlformats.org/drawingml/2006/main" xmlns:r="http://schemas.openxmlformats.org/officeDocument/2006/relationships" xmlns:p="http://schemas.openxmlformats.org/presentationml/2006/main">
-  <p:cSld>
-    <p:spTree>
-      <p:nvGrpSpPr>
-        <p:cNvPr id="1" name=""/>
-        <p:cNvGrpSpPr/>
-        <p:nvPr/>
-      </p:nvGrpSpPr>
-      <p:grpSpPr>
-        <a:xfrm>
-          <a:off x="0" y="0"/>
-          <a:ext cx="0" cy="0"/>
-          <a:chOff x="0" y="0"/>
-          <a:chExt cx="0" cy="0"/>
-        </a:xfrm>
-      </p:grpSpPr>
-      <p:sp>
-        <p:nvSpPr>
-          <p:cNvPr id="2" name="Title 1"/>
-          <p:cNvSpPr>
-            <a:spLocks noGrp="1"/>
-          </p:cNvSpPr>
-          <p:nvPr>
-            <p:ph type="title"/>
-          </p:nvPr>
-        </p:nvSpPr>
-        <p:spPr/>
-        <p:txBody>
-          <a:bodyPr/>
-          <a:lstStyle/>
-          <a:p>
-            <a:r>
-              <a:rPr lang="en-US" dirty="0" smtClean="0"/>
-              <a:t>Bandwidth</a:t>
-            </a:r>
-            <a:endParaRPr lang="nl-BE" dirty="0"/>
-          </a:p>
-        </p:txBody>
-      </p:sp>
-      <p:sp>
-        <p:nvSpPr>
-          <p:cNvPr id="4" name="Content Placeholder 3"/>
-          <p:cNvSpPr>
-            <a:spLocks noGrp="1"/>
-          </p:cNvSpPr>
-          <p:nvPr>
-            <p:ph idx="1"/>
-          </p:nvPr>
-        </p:nvSpPr>
-        <p:spPr/>
-        <p:txBody>
-          <a:bodyPr>
-            <a:normAutofit fontScale="62500" lnSpcReduction="20000"/>
-          </a:bodyPr>
-          <a:lstStyle/>
-          <a:p>
-            <a:r>
-              <a:rPr lang="en-US" dirty="0" smtClean="0"/>
-              <a:t>RAM</a:t>
-            </a:r>
-          </a:p>
-          <a:p>
-            <a:pPr lvl="1"/>
-            <a:r>
-              <a:rPr lang="en-US" dirty="0" err="1" smtClean="0"/>
-              <a:t>ivybridge</a:t>
-            </a:r>
-            <a:r>
-              <a:rPr lang="en-US" dirty="0" smtClean="0"/>
-              <a:t> (dual socket, 10 core): 93 </a:t>
-            </a:r>
-            <a:r>
-              <a:rPr lang="en-US" dirty="0" smtClean="0"/>
-              <a:t>GB/s</a:t>
-            </a:r>
-          </a:p>
-          <a:p>
-            <a:pPr lvl="1"/>
-            <a:r>
-              <a:rPr lang="en-US" dirty="0" err="1"/>
-              <a:t>h</a:t>
-            </a:r>
-            <a:r>
-              <a:rPr lang="en-US" dirty="0" err="1" smtClean="0"/>
-              <a:t>aswell</a:t>
-            </a:r>
-            <a:r>
-              <a:rPr lang="en-US" dirty="0" smtClean="0"/>
-              <a:t> (dual socket, 12 core): 110 GB/s</a:t>
-            </a:r>
-          </a:p>
-          <a:p>
-            <a:pPr lvl="1"/>
-            <a:r>
-              <a:rPr lang="en-US" dirty="0" err="1" smtClean="0"/>
-              <a:t>broadwell</a:t>
-            </a:r>
-            <a:r>
-              <a:rPr lang="en-US" dirty="0" smtClean="0"/>
-              <a:t> (dual socket, 14 core): 125 GB/s</a:t>
-            </a:r>
-          </a:p>
-          <a:p>
-            <a:r>
-              <a:rPr lang="en-US" dirty="0"/>
-              <a:t>QPI</a:t>
-            </a:r>
-          </a:p>
-          <a:p>
-            <a:pPr lvl="1"/>
-            <a:r>
-              <a:rPr lang="en-US" dirty="0" err="1"/>
-              <a:t>ivybridge</a:t>
-            </a:r>
-            <a:r>
-              <a:rPr lang="en-US" dirty="0"/>
-              <a:t>: 25 </a:t>
-            </a:r>
-            <a:r>
-              <a:rPr lang="en-US" dirty="0" smtClean="0"/>
-              <a:t>GB/s</a:t>
-            </a:r>
-          </a:p>
-          <a:p>
-            <a:pPr lvl="1"/>
-            <a:r>
-              <a:rPr lang="en-US" dirty="0" err="1" smtClean="0"/>
-              <a:t>haswell</a:t>
-            </a:r>
-            <a:r>
-              <a:rPr lang="en-US" dirty="0" smtClean="0"/>
-              <a:t>: 30 GB/s</a:t>
-            </a:r>
-            <a:endParaRPr lang="nl-BE" dirty="0"/>
-          </a:p>
-          <a:p>
-            <a:pPr lvl="1"/>
-            <a:r>
-              <a:rPr lang="nl-BE" dirty="0" err="1"/>
-              <a:t>broadwell</a:t>
-            </a:r>
-            <a:r>
-              <a:rPr lang="nl-BE" dirty="0"/>
-              <a:t>: 30 </a:t>
-            </a:r>
-            <a:r>
-              <a:rPr lang="nl-BE" dirty="0" smtClean="0"/>
-              <a:t>GB/s</a:t>
-            </a:r>
-            <a:endParaRPr lang="en-US" dirty="0" smtClean="0"/>
-          </a:p>
-          <a:p>
-            <a:r>
-              <a:rPr lang="en-US" dirty="0" smtClean="0"/>
-              <a:t>GPGPU RAM (GDDR5@750MHz): 48.0 GB/s</a:t>
-            </a:r>
-          </a:p>
-          <a:p>
-            <a:r>
-              <a:rPr lang="en-US" dirty="0" smtClean="0"/>
-              <a:t>SATA revision 3: 0.6 GB/s</a:t>
-            </a:r>
-          </a:p>
-          <a:p>
-            <a:r>
-              <a:rPr lang="en-US" dirty="0" smtClean="0"/>
-              <a:t>SATA revision 3.2: 2.0 GB/s</a:t>
-            </a:r>
-          </a:p>
-          <a:p>
-            <a:r>
-              <a:rPr lang="en-US" dirty="0" smtClean="0"/>
-              <a:t>SAS 3: 1.2 GB/s</a:t>
-            </a:r>
-          </a:p>
-          <a:p>
-            <a:r>
-              <a:rPr lang="en-US" dirty="0" smtClean="0"/>
-              <a:t>PCI </a:t>
-            </a:r>
-            <a:r>
-              <a:rPr lang="en-US" dirty="0" smtClean="0"/>
-              <a:t>Express 3.0: 31.5 GB/s</a:t>
-            </a:r>
-          </a:p>
-          <a:p>
-            <a:r>
-              <a:rPr lang="en-US" dirty="0" err="1" smtClean="0"/>
-              <a:t>Infiniband</a:t>
-            </a:r>
-            <a:r>
-              <a:rPr lang="en-US" dirty="0" smtClean="0"/>
-              <a:t> QDR 4x: 4.0 GB/s</a:t>
-            </a:r>
-          </a:p>
-          <a:p>
-            <a:r>
-              <a:rPr lang="en-US" dirty="0" err="1" smtClean="0"/>
-              <a:t>Infiniband</a:t>
-            </a:r>
-            <a:r>
-              <a:rPr lang="en-US" dirty="0" smtClean="0"/>
-              <a:t> EDR 4x: 12.5 GB/s</a:t>
-            </a:r>
-            <a:endParaRPr lang="nl-BE" dirty="0"/>
-          </a:p>
-        </p:txBody>
-      </p:sp>
-      <p:sp>
-        <p:nvSpPr>
-          <p:cNvPr id="3" name="Slide Number Placeholder 2"/>
-          <p:cNvSpPr>
-            <a:spLocks noGrp="1"/>
-          </p:cNvSpPr>
-          <p:nvPr>
-            <p:ph type="sldNum" sz="quarter" idx="12"/>
-          </p:nvPr>
-        </p:nvSpPr>
-        <p:spPr/>
-        <p:txBody>
-          <a:bodyPr/>
-          <a:lstStyle/>
-          <a:p>
-            <a:fld id="{6597116C-F94B-4B5B-973A-17F07FB5C418}" type="slidenum">
-              <a:rPr lang="nl-BE" smtClean="0"/>
-              <a:t>28</a:t>
-            </a:fld>
-            <a:endParaRPr lang="nl-BE"/>
-          </a:p>
-        </p:txBody>
-      </p:sp>
-    </p:spTree>
-    <p:extLst>
-      <p:ext uri="{BB962C8B-B14F-4D97-AF65-F5344CB8AC3E}">
-        <p14:creationId xmlns:p14="http://schemas.microsoft.com/office/powerpoint/2010/main" val="3254066855"/>
-      </p:ext>
-    </p:extLst>
-  </p:cSld>
-  <p:clrMapOvr>
-    <a:masterClrMapping/>
-  </p:clrMapOvr>
-</p:sld>
-</file>
-
 <file path=ppt/slides/slide3.xml><?xml version="1.0" encoding="utf-8"?>
 <p:sld xmlns:a="http://schemas.openxmlformats.org/drawingml/2006/main" xmlns:r="http://schemas.openxmlformats.org/officeDocument/2006/relationships" xmlns:p="http://schemas.openxmlformats.org/presentationml/2006/main">
   <p:cSld>
@@ -26721,6 +26668,251 @@
       </p:par>
     </p:tnLst>
   </p:timing>
+</p:sld>
+</file>
+
+<file path=ppt/slides/slide30.xml><?xml version="1.0" encoding="utf-8"?>
+<p:sld xmlns:a="http://schemas.openxmlformats.org/drawingml/2006/main" xmlns:r="http://schemas.openxmlformats.org/officeDocument/2006/relationships" xmlns:p="http://schemas.openxmlformats.org/presentationml/2006/main">
+  <p:cSld>
+    <p:spTree>
+      <p:nvGrpSpPr>
+        <p:cNvPr id="1" name=""/>
+        <p:cNvGrpSpPr/>
+        <p:nvPr/>
+      </p:nvGrpSpPr>
+      <p:grpSpPr>
+        <a:xfrm>
+          <a:off x="0" y="0"/>
+          <a:ext cx="0" cy="0"/>
+          <a:chOff x="0" y="0"/>
+          <a:chExt cx="0" cy="0"/>
+        </a:xfrm>
+      </p:grpSpPr>
+      <p:sp>
+        <p:nvSpPr>
+          <p:cNvPr id="2" name="Title 1"/>
+          <p:cNvSpPr>
+            <a:spLocks noGrp="1"/>
+          </p:cNvSpPr>
+          <p:nvPr>
+            <p:ph type="title"/>
+          </p:nvPr>
+        </p:nvSpPr>
+        <p:spPr/>
+        <p:txBody>
+          <a:bodyPr/>
+          <a:lstStyle/>
+          <a:p>
+            <a:r>
+              <a:rPr lang="en-US" dirty="0" smtClean="0"/>
+              <a:t>Bandwidth</a:t>
+            </a:r>
+            <a:endParaRPr lang="nl-BE" dirty="0"/>
+          </a:p>
+        </p:txBody>
+      </p:sp>
+      <p:sp>
+        <p:nvSpPr>
+          <p:cNvPr id="4" name="Content Placeholder 3"/>
+          <p:cNvSpPr>
+            <a:spLocks noGrp="1"/>
+          </p:cNvSpPr>
+          <p:nvPr>
+            <p:ph idx="1"/>
+          </p:nvPr>
+        </p:nvSpPr>
+        <p:spPr/>
+        <p:txBody>
+          <a:bodyPr>
+            <a:normAutofit fontScale="62500" lnSpcReduction="20000"/>
+          </a:bodyPr>
+          <a:lstStyle/>
+          <a:p>
+            <a:r>
+              <a:rPr lang="en-US" dirty="0" smtClean="0"/>
+              <a:t>RAM</a:t>
+            </a:r>
+          </a:p>
+          <a:p>
+            <a:pPr lvl="1"/>
+            <a:r>
+              <a:rPr lang="en-US" dirty="0" err="1" smtClean="0"/>
+              <a:t>ivybridge</a:t>
+            </a:r>
+            <a:r>
+              <a:rPr lang="en-US" dirty="0" smtClean="0"/>
+              <a:t> (dual socket, 10 core): 93 </a:t>
+            </a:r>
+            <a:r>
+              <a:rPr lang="en-US" dirty="0" smtClean="0"/>
+              <a:t>GB/s</a:t>
+            </a:r>
+          </a:p>
+          <a:p>
+            <a:pPr lvl="1"/>
+            <a:r>
+              <a:rPr lang="en-US" dirty="0" err="1"/>
+              <a:t>h</a:t>
+            </a:r>
+            <a:r>
+              <a:rPr lang="en-US" dirty="0" err="1" smtClean="0"/>
+              <a:t>aswell</a:t>
+            </a:r>
+            <a:r>
+              <a:rPr lang="en-US" dirty="0" smtClean="0"/>
+              <a:t> (dual socket, 12 core): 110 GB/s</a:t>
+            </a:r>
+          </a:p>
+          <a:p>
+            <a:pPr lvl="1"/>
+            <a:r>
+              <a:rPr lang="en-US" dirty="0" err="1" smtClean="0"/>
+              <a:t>broadwell</a:t>
+            </a:r>
+            <a:r>
+              <a:rPr lang="en-US" dirty="0" smtClean="0"/>
+              <a:t> (dual socket, 14 core): 125 GB/s</a:t>
+            </a:r>
+          </a:p>
+          <a:p>
+            <a:r>
+              <a:rPr lang="en-US" dirty="0"/>
+              <a:t>QPI</a:t>
+            </a:r>
+          </a:p>
+          <a:p>
+            <a:pPr lvl="1"/>
+            <a:r>
+              <a:rPr lang="en-US" dirty="0" err="1"/>
+              <a:t>ivybridge</a:t>
+            </a:r>
+            <a:r>
+              <a:rPr lang="en-US" dirty="0"/>
+              <a:t>: 25 </a:t>
+            </a:r>
+            <a:r>
+              <a:rPr lang="en-US" dirty="0" smtClean="0"/>
+              <a:t>GB/s</a:t>
+            </a:r>
+          </a:p>
+          <a:p>
+            <a:pPr lvl="1"/>
+            <a:r>
+              <a:rPr lang="en-US" dirty="0" err="1" smtClean="0"/>
+              <a:t>haswell</a:t>
+            </a:r>
+            <a:r>
+              <a:rPr lang="en-US" dirty="0" smtClean="0"/>
+              <a:t>: 30 GB/s</a:t>
+            </a:r>
+            <a:endParaRPr lang="nl-BE" dirty="0"/>
+          </a:p>
+          <a:p>
+            <a:pPr lvl="1"/>
+            <a:r>
+              <a:rPr lang="nl-BE" dirty="0" err="1"/>
+              <a:t>broadwell</a:t>
+            </a:r>
+            <a:r>
+              <a:rPr lang="nl-BE" dirty="0"/>
+              <a:t>: 30 </a:t>
+            </a:r>
+            <a:r>
+              <a:rPr lang="nl-BE" dirty="0" smtClean="0"/>
+              <a:t>GB/s</a:t>
+            </a:r>
+            <a:endParaRPr lang="en-US" dirty="0" smtClean="0"/>
+          </a:p>
+          <a:p>
+            <a:r>
+              <a:rPr lang="en-US" dirty="0" smtClean="0"/>
+              <a:t>GPGPU RAM (GDDR5@750MHz): 48.0 GB/s</a:t>
+            </a:r>
+          </a:p>
+          <a:p>
+            <a:r>
+              <a:rPr lang="en-US" dirty="0" smtClean="0"/>
+              <a:t>SATA revision 3: 0.6 GB/s</a:t>
+            </a:r>
+          </a:p>
+          <a:p>
+            <a:r>
+              <a:rPr lang="en-US" dirty="0" smtClean="0"/>
+              <a:t>SATA revision 3.2: 2.0 GB/s</a:t>
+            </a:r>
+          </a:p>
+          <a:p>
+            <a:r>
+              <a:rPr lang="en-US" dirty="0" smtClean="0"/>
+              <a:t>SAS 3: 1.2 GB/s</a:t>
+            </a:r>
+          </a:p>
+          <a:p>
+            <a:r>
+              <a:rPr lang="en-US" dirty="0" smtClean="0"/>
+              <a:t>PCI </a:t>
+            </a:r>
+            <a:r>
+              <a:rPr lang="en-US" dirty="0" smtClean="0"/>
+              <a:t>Express 3.0: 31.5 GB/s</a:t>
+            </a:r>
+          </a:p>
+          <a:p>
+            <a:r>
+              <a:rPr lang="en-US" dirty="0" err="1" smtClean="0"/>
+              <a:t>Infiniband</a:t>
+            </a:r>
+            <a:r>
+              <a:rPr lang="en-US" dirty="0" smtClean="0"/>
+              <a:t> QDR 4x: 4.0 GB/s</a:t>
+            </a:r>
+          </a:p>
+          <a:p>
+            <a:r>
+              <a:rPr lang="en-US" dirty="0" err="1" smtClean="0"/>
+              <a:t>Infiniband</a:t>
+            </a:r>
+            <a:r>
+              <a:rPr lang="en-US" dirty="0" smtClean="0"/>
+              <a:t> EDR 4x: 12.5 GB/s</a:t>
+            </a:r>
+            <a:endParaRPr lang="nl-BE" dirty="0"/>
+          </a:p>
+        </p:txBody>
+      </p:sp>
+      <p:sp>
+        <p:nvSpPr>
+          <p:cNvPr id="3" name="Slide Number Placeholder 2"/>
+          <p:cNvSpPr>
+            <a:spLocks noGrp="1"/>
+          </p:cNvSpPr>
+          <p:nvPr>
+            <p:ph type="sldNum" sz="quarter" idx="12"/>
+          </p:nvPr>
+        </p:nvSpPr>
+        <p:spPr/>
+        <p:txBody>
+          <a:bodyPr/>
+          <a:lstStyle/>
+          <a:p>
+            <a:fld id="{6597116C-F94B-4B5B-973A-17F07FB5C418}" type="slidenum">
+              <a:rPr lang="nl-BE" smtClean="0"/>
+              <a:t>30</a:t>
+            </a:fld>
+            <a:endParaRPr lang="nl-BE"/>
+          </a:p>
+        </p:txBody>
+      </p:sp>
+    </p:spTree>
+    <p:extLst>
+      <p:ext uri="{BB962C8B-B14F-4D97-AF65-F5344CB8AC3E}">
+        <p14:creationId xmlns:p14="http://schemas.microsoft.com/office/powerpoint/2010/main" val="3254066855"/>
+      </p:ext>
+    </p:extLst>
+  </p:cSld>
+  <p:clrMapOvr>
+    <a:masterClrMapping/>
+  </p:clrMapOvr>
 </p:sld>
 </file>
 

--- a/Optimization/hpc_efficiency.pptx
+++ b/Optimization/hpc_efficiency.pptx
@@ -5,39 +5,45 @@
     <p:sldMasterId id="2147483648" r:id="rId1"/>
   </p:sldMasterIdLst>
   <p:notesMasterIdLst>
-    <p:notesMasterId r:id="rId32"/>
+    <p:notesMasterId r:id="rId38"/>
   </p:notesMasterIdLst>
   <p:sldIdLst>
     <p:sldId id="267" r:id="rId2"/>
-    <p:sldId id="282" r:id="rId3"/>
-    <p:sldId id="268" r:id="rId4"/>
-    <p:sldId id="257" r:id="rId5"/>
-    <p:sldId id="258" r:id="rId6"/>
-    <p:sldId id="259" r:id="rId7"/>
-    <p:sldId id="260" r:id="rId8"/>
-    <p:sldId id="261" r:id="rId9"/>
-    <p:sldId id="262" r:id="rId10"/>
-    <p:sldId id="263" r:id="rId11"/>
-    <p:sldId id="264" r:id="rId12"/>
-    <p:sldId id="265" r:id="rId13"/>
-    <p:sldId id="266" r:id="rId14"/>
-    <p:sldId id="269" r:id="rId15"/>
-    <p:sldId id="270" r:id="rId16"/>
-    <p:sldId id="284" r:id="rId17"/>
-    <p:sldId id="272" r:id="rId18"/>
-    <p:sldId id="277" r:id="rId19"/>
-    <p:sldId id="273" r:id="rId20"/>
-    <p:sldId id="279" r:id="rId21"/>
-    <p:sldId id="280" r:id="rId22"/>
-    <p:sldId id="278" r:id="rId23"/>
-    <p:sldId id="288" r:id="rId24"/>
-    <p:sldId id="285" r:id="rId25"/>
-    <p:sldId id="275" r:id="rId26"/>
-    <p:sldId id="281" r:id="rId27"/>
-    <p:sldId id="287" r:id="rId28"/>
-    <p:sldId id="286" r:id="rId29"/>
-    <p:sldId id="271" r:id="rId30"/>
-    <p:sldId id="283" r:id="rId31"/>
+    <p:sldId id="293" r:id="rId3"/>
+    <p:sldId id="294" r:id="rId4"/>
+    <p:sldId id="282" r:id="rId5"/>
+    <p:sldId id="268" r:id="rId6"/>
+    <p:sldId id="257" r:id="rId7"/>
+    <p:sldId id="258" r:id="rId8"/>
+    <p:sldId id="259" r:id="rId9"/>
+    <p:sldId id="260" r:id="rId10"/>
+    <p:sldId id="261" r:id="rId11"/>
+    <p:sldId id="262" r:id="rId12"/>
+    <p:sldId id="263" r:id="rId13"/>
+    <p:sldId id="264" r:id="rId14"/>
+    <p:sldId id="265" r:id="rId15"/>
+    <p:sldId id="266" r:id="rId16"/>
+    <p:sldId id="269" r:id="rId17"/>
+    <p:sldId id="270" r:id="rId18"/>
+    <p:sldId id="284" r:id="rId19"/>
+    <p:sldId id="272" r:id="rId20"/>
+    <p:sldId id="277" r:id="rId21"/>
+    <p:sldId id="273" r:id="rId22"/>
+    <p:sldId id="279" r:id="rId23"/>
+    <p:sldId id="280" r:id="rId24"/>
+    <p:sldId id="278" r:id="rId25"/>
+    <p:sldId id="288" r:id="rId26"/>
+    <p:sldId id="285" r:id="rId27"/>
+    <p:sldId id="275" r:id="rId28"/>
+    <p:sldId id="291" r:id="rId29"/>
+    <p:sldId id="290" r:id="rId30"/>
+    <p:sldId id="289" r:id="rId31"/>
+    <p:sldId id="281" r:id="rId32"/>
+    <p:sldId id="287" r:id="rId33"/>
+    <p:sldId id="292" r:id="rId34"/>
+    <p:sldId id="286" r:id="rId35"/>
+    <p:sldId id="271" r:id="rId36"/>
+    <p:sldId id="283" r:id="rId37"/>
   </p:sldIdLst>
   <p:sldSz cx="9144000" cy="6858000" type="screen4x3"/>
   <p:notesSz cx="6858000" cy="9144000"/>
@@ -265,11 +271,11 @@
           <c:showPercent val="0"/>
           <c:showBubbleSize val="0"/>
         </c:dLbls>
-        <c:axId val="166192264"/>
-        <c:axId val="166191872"/>
+        <c:axId val="196961808"/>
+        <c:axId val="197014888"/>
       </c:scatterChart>
       <c:valAx>
-        <c:axId val="166192264"/>
+        <c:axId val="196961808"/>
         <c:scaling>
           <c:logBase val="2"/>
           <c:orientation val="minMax"/>
@@ -281,14 +287,14 @@
         <c:majorTickMark val="out"/>
         <c:minorTickMark val="none"/>
         <c:tickLblPos val="nextTo"/>
-        <c:crossAx val="166191872"/>
+        <c:crossAx val="197014888"/>
         <c:crosses val="autoZero"/>
         <c:crossBetween val="midCat"/>
         <c:majorUnit val="4"/>
         <c:minorUnit val="4"/>
       </c:valAx>
       <c:valAx>
-        <c:axId val="166191872"/>
+        <c:axId val="197014888"/>
         <c:scaling>
           <c:logBase val="2"/>
           <c:orientation val="minMax"/>
@@ -301,7 +307,7 @@
         <c:majorTickMark val="out"/>
         <c:minorTickMark val="none"/>
         <c:tickLblPos val="nextTo"/>
-        <c:crossAx val="166192264"/>
+        <c:crossAx val="196961808"/>
         <c:crosses val="autoZero"/>
         <c:crossBetween val="midCat"/>
         <c:majorUnit val="4"/>
@@ -674,11 +680,11 @@
           <c:showPercent val="0"/>
           <c:showBubbleSize val="0"/>
         </c:dLbls>
-        <c:axId val="166189912"/>
-        <c:axId val="166193440"/>
+        <c:axId val="196621912"/>
+        <c:axId val="195003712"/>
       </c:scatterChart>
       <c:valAx>
-        <c:axId val="166189912"/>
+        <c:axId val="196621912"/>
         <c:scaling>
           <c:logBase val="2"/>
           <c:orientation val="minMax"/>
@@ -691,14 +697,14 @@
         <c:majorTickMark val="out"/>
         <c:minorTickMark val="none"/>
         <c:tickLblPos val="nextTo"/>
-        <c:crossAx val="166193440"/>
+        <c:crossAx val="195003712"/>
         <c:crosses val="autoZero"/>
         <c:crossBetween val="midCat"/>
         <c:majorUnit val="4"/>
         <c:minorUnit val="4"/>
       </c:valAx>
       <c:valAx>
-        <c:axId val="166193440"/>
+        <c:axId val="195003712"/>
         <c:scaling>
           <c:logBase val="2"/>
           <c:orientation val="minMax"/>
@@ -712,7 +718,7 @@
         <c:majorTickMark val="out"/>
         <c:minorTickMark val="none"/>
         <c:tickLblPos val="nextTo"/>
-        <c:crossAx val="166189912"/>
+        <c:crossAx val="196621912"/>
         <c:crosses val="autoZero"/>
         <c:crossBetween val="midCat"/>
         <c:majorUnit val="4"/>
@@ -721,6 +727,7 @@
     </c:plotArea>
     <c:legend>
       <c:legendPos val="r"/>
+      <c:layout/>
       <c:overlay val="0"/>
     </c:legend>
     <c:plotVisOnly val="1"/>
@@ -925,11 +932,11 @@
           <c:showPercent val="0"/>
           <c:showBubbleSize val="0"/>
         </c:dLbls>
-        <c:axId val="167816296"/>
-        <c:axId val="167816688"/>
+        <c:axId val="194803136"/>
+        <c:axId val="194801960"/>
       </c:scatterChart>
       <c:valAx>
-        <c:axId val="167816296"/>
+        <c:axId val="194803136"/>
         <c:scaling>
           <c:logBase val="2"/>
           <c:orientation val="minMax"/>
@@ -942,13 +949,13 @@
         <c:majorTickMark val="out"/>
         <c:minorTickMark val="none"/>
         <c:tickLblPos val="nextTo"/>
-        <c:crossAx val="167816688"/>
+        <c:crossAx val="194801960"/>
         <c:crosses val="autoZero"/>
         <c:crossBetween val="midCat"/>
         <c:minorUnit val="4"/>
       </c:valAx>
       <c:valAx>
-        <c:axId val="167816688"/>
+        <c:axId val="194801960"/>
         <c:scaling>
           <c:logBase val="2"/>
           <c:orientation val="minMax"/>
@@ -962,7 +969,7 @@
         <c:majorTickMark val="out"/>
         <c:minorTickMark val="none"/>
         <c:tickLblPos val="nextTo"/>
-        <c:crossAx val="167816296"/>
+        <c:crossAx val="194803136"/>
         <c:crosses val="autoZero"/>
         <c:crossBetween val="midCat"/>
         <c:majorUnit val="2"/>
@@ -971,6 +978,7 @@
     </c:plotArea>
     <c:legend>
       <c:legendPos val="r"/>
+      <c:layout/>
       <c:overlay val="0"/>
     </c:legend>
     <c:plotVisOnly val="1"/>
@@ -1093,11 +1101,11 @@
           <c:showPercent val="0"/>
           <c:showBubbleSize val="0"/>
         </c:dLbls>
-        <c:axId val="167817472"/>
-        <c:axId val="167817864"/>
+        <c:axId val="194801176"/>
+        <c:axId val="194800784"/>
       </c:scatterChart>
       <c:valAx>
-        <c:axId val="167817472"/>
+        <c:axId val="194801176"/>
         <c:scaling>
           <c:logBase val="2"/>
           <c:orientation val="minMax"/>
@@ -1110,13 +1118,13 @@
         <c:majorTickMark val="out"/>
         <c:minorTickMark val="none"/>
         <c:tickLblPos val="nextTo"/>
-        <c:crossAx val="167817864"/>
+        <c:crossAx val="194800784"/>
         <c:crosses val="autoZero"/>
         <c:crossBetween val="midCat"/>
         <c:majorUnit val="4"/>
       </c:valAx>
       <c:valAx>
-        <c:axId val="167817864"/>
+        <c:axId val="194800784"/>
         <c:scaling>
           <c:logBase val="2"/>
           <c:orientation val="minMax"/>
@@ -1129,7 +1137,7 @@
         <c:majorTickMark val="out"/>
         <c:minorTickMark val="none"/>
         <c:tickLblPos val="nextTo"/>
-        <c:crossAx val="167817472"/>
+        <c:crossAx val="194801176"/>
         <c:crosses val="autoZero"/>
         <c:crossBetween val="midCat"/>
         <c:majorUnit val="2"/>
@@ -1255,11 +1263,11 @@
           <c:showPercent val="0"/>
           <c:showBubbleSize val="0"/>
         </c:dLbls>
-        <c:axId val="167818648"/>
-        <c:axId val="167819040"/>
+        <c:axId val="194802744"/>
+        <c:axId val="197556960"/>
       </c:scatterChart>
       <c:valAx>
-        <c:axId val="167818648"/>
+        <c:axId val="194802744"/>
         <c:scaling>
           <c:logBase val="2"/>
           <c:orientation val="minMax"/>
@@ -1272,14 +1280,14 @@
         <c:majorTickMark val="out"/>
         <c:minorTickMark val="none"/>
         <c:tickLblPos val="nextTo"/>
-        <c:crossAx val="167819040"/>
+        <c:crossAx val="197556960"/>
         <c:crosses val="autoZero"/>
         <c:crossBetween val="midCat"/>
         <c:majorUnit val="4"/>
         <c:minorUnit val="4"/>
       </c:valAx>
       <c:valAx>
-        <c:axId val="167819040"/>
+        <c:axId val="197556960"/>
         <c:scaling>
           <c:orientation val="minMax"/>
           <c:max val="1"/>
@@ -1291,7 +1299,7 @@
         <c:majorTickMark val="out"/>
         <c:minorTickMark val="none"/>
         <c:tickLblPos val="nextTo"/>
-        <c:crossAx val="167818648"/>
+        <c:crossAx val="194802744"/>
         <c:crosses val="autoZero"/>
         <c:crossBetween val="midCat"/>
       </c:valAx>
@@ -1388,7 +1396,7 @@
           <a:p>
             <a:fld id="{2E6AAE95-D4FC-4D00-935A-EAE928727A56}" type="datetimeFigureOut">
               <a:rPr lang="en-US" smtClean="0"/>
-              <a:t>7/29/2016</a:t>
+              <a:t>8/1/2016</a:t>
             </a:fld>
             <a:endParaRPr lang="en-US"/>
           </a:p>
@@ -1721,7 +1729,7 @@
           <a:p>
             <a:fld id="{8B979C76-3FF1-40F3-8C7E-1BB6B02B1C34}" type="slidenum">
               <a:rPr lang="en-US" smtClean="0"/>
-              <a:t>18</a:t>
+              <a:t>20</a:t>
             </a:fld>
             <a:endParaRPr lang="en-US"/>
           </a:p>
@@ -1921,7 +1929,7 @@
           <a:p>
             <a:fld id="{1CFF3F78-F57F-4409-A41B-5EC46D4F404B}" type="datetime1">
               <a:rPr lang="nl-BE" smtClean="0"/>
-              <a:t>2016-07-29</a:t>
+              <a:t>2016-08-01</a:t>
             </a:fld>
             <a:endParaRPr lang="nl-BE"/>
           </a:p>
@@ -2091,7 +2099,7 @@
           <a:p>
             <a:fld id="{7D029E61-52E3-412C-82EB-2F81B17C0AF1}" type="datetime1">
               <a:rPr lang="nl-BE" smtClean="0"/>
-              <a:t>2016-07-29</a:t>
+              <a:t>2016-08-01</a:t>
             </a:fld>
             <a:endParaRPr lang="nl-BE"/>
           </a:p>
@@ -2271,7 +2279,7 @@
           <a:p>
             <a:fld id="{A83F1CEF-A38E-4001-89C6-F3FC7784F299}" type="datetime1">
               <a:rPr lang="nl-BE" smtClean="0"/>
-              <a:t>2016-07-29</a:t>
+              <a:t>2016-08-01</a:t>
             </a:fld>
             <a:endParaRPr lang="nl-BE"/>
           </a:p>
@@ -2397,7 +2405,7 @@
           <a:p>
             <a:fld id="{1FDE84DB-AADA-4C3F-BF46-CA664A504479}" type="datetime1">
               <a:rPr lang="nl-BE" smtClean="0"/>
-              <a:t>2016-07-29</a:t>
+              <a:t>2016-08-01</a:t>
             </a:fld>
             <a:endParaRPr lang="nl-BE" dirty="0"/>
           </a:p>
@@ -2641,7 +2649,7 @@
           <a:p>
             <a:fld id="{8CD53A43-C15C-4F05-9AD7-DB9DE837084D}" type="datetime1">
               <a:rPr lang="nl-BE" smtClean="0"/>
-              <a:t>2016-07-29</a:t>
+              <a:t>2016-08-01</a:t>
             </a:fld>
             <a:endParaRPr lang="nl-BE"/>
           </a:p>
@@ -2887,7 +2895,7 @@
           <a:p>
             <a:fld id="{8994D238-D949-4AEF-9753-A8B6EFA964A0}" type="datetime1">
               <a:rPr lang="nl-BE" smtClean="0"/>
-              <a:t>2016-07-29</a:t>
+              <a:t>2016-08-01</a:t>
             </a:fld>
             <a:endParaRPr lang="nl-BE"/>
           </a:p>
@@ -3175,7 +3183,7 @@
           <a:p>
             <a:fld id="{4D234023-BF99-4AD0-835E-8125DA2B6664}" type="datetime1">
               <a:rPr lang="nl-BE" smtClean="0"/>
-              <a:t>2016-07-29</a:t>
+              <a:t>2016-08-01</a:t>
             </a:fld>
             <a:endParaRPr lang="nl-BE"/>
           </a:p>
@@ -3597,7 +3605,7 @@
           <a:p>
             <a:fld id="{DB075A73-5C1D-406E-9444-3C5C58580E8E}" type="datetime1">
               <a:rPr lang="nl-BE" smtClean="0"/>
-              <a:t>2016-07-29</a:t>
+              <a:t>2016-08-01</a:t>
             </a:fld>
             <a:endParaRPr lang="nl-BE"/>
           </a:p>
@@ -3715,7 +3723,7 @@
           <a:p>
             <a:fld id="{E111FB2D-2E17-4D8F-A64A-4EB0C3D12494}" type="datetime1">
               <a:rPr lang="nl-BE" smtClean="0"/>
-              <a:t>2016-07-29</a:t>
+              <a:t>2016-08-01</a:t>
             </a:fld>
             <a:endParaRPr lang="nl-BE"/>
           </a:p>
@@ -3810,7 +3818,7 @@
           <a:p>
             <a:fld id="{5BE27D71-2267-4E44-9F33-05B60E5C7D9D}" type="datetime1">
               <a:rPr lang="nl-BE" smtClean="0"/>
-              <a:t>2016-07-29</a:t>
+              <a:t>2016-08-01</a:t>
             </a:fld>
             <a:endParaRPr lang="nl-BE"/>
           </a:p>
@@ -4087,7 +4095,7 @@
           <a:p>
             <a:fld id="{182F587C-96C8-4813-A767-3084061A3229}" type="datetime1">
               <a:rPr lang="nl-BE" smtClean="0"/>
-              <a:t>2016-07-29</a:t>
+              <a:t>2016-08-01</a:t>
             </a:fld>
             <a:endParaRPr lang="nl-BE"/>
           </a:p>
@@ -4340,7 +4348,7 @@
           <a:p>
             <a:fld id="{8B021CF8-BBBB-4DFA-8713-49842AA07274}" type="datetime1">
               <a:rPr lang="nl-BE" smtClean="0"/>
-              <a:t>2016-07-29</a:t>
+              <a:t>2016-08-01</a:t>
             </a:fld>
             <a:endParaRPr lang="nl-BE"/>
           </a:p>
@@ -4553,7 +4561,7 @@
           <a:p>
             <a:fld id="{CDBFABB5-0AB3-4CB6-A705-6887DEB1F9F2}" type="datetime1">
               <a:rPr lang="nl-BE" smtClean="0"/>
-              <a:t>2016-07-29</a:t>
+              <a:t>2016-08-01</a:t>
             </a:fld>
             <a:endParaRPr lang="nl-BE"/>
           </a:p>
@@ -5096,6 +5104,1204 @@
 </file>
 
 <file path=ppt/slides/slide10.xml><?xml version="1.0" encoding="utf-8"?>
+<p:sld xmlns:a="http://schemas.openxmlformats.org/drawingml/2006/main" xmlns:r="http://schemas.openxmlformats.org/officeDocument/2006/relationships" xmlns:p="http://schemas.openxmlformats.org/presentationml/2006/main">
+  <p:cSld>
+    <p:spTree>
+      <p:nvGrpSpPr>
+        <p:cNvPr id="1" name=""/>
+        <p:cNvGrpSpPr/>
+        <p:nvPr/>
+      </p:nvGrpSpPr>
+      <p:grpSpPr>
+        <a:xfrm>
+          <a:off x="0" y="0"/>
+          <a:ext cx="0" cy="0"/>
+          <a:chOff x="0" y="0"/>
+          <a:chExt cx="0" cy="0"/>
+        </a:xfrm>
+      </p:grpSpPr>
+      <p:sp>
+        <p:nvSpPr>
+          <p:cNvPr id="2" name="Title 1"/>
+          <p:cNvSpPr>
+            <a:spLocks noGrp="1"/>
+          </p:cNvSpPr>
+          <p:nvPr>
+            <p:ph type="title"/>
+          </p:nvPr>
+        </p:nvSpPr>
+        <p:spPr/>
+        <p:txBody>
+          <a:bodyPr/>
+          <a:lstStyle/>
+          <a:p>
+            <a:r>
+              <a:rPr lang="en-US" dirty="0" smtClean="0"/>
+              <a:t>Amdahl's law</a:t>
+            </a:r>
+            <a:endParaRPr lang="nl-BE" dirty="0"/>
+          </a:p>
+        </p:txBody>
+      </p:sp>
+      <p:grpSp>
+        <p:nvGrpSpPr>
+          <p:cNvPr id="9" name="Group 8"/>
+          <p:cNvGrpSpPr/>
+          <p:nvPr/>
+        </p:nvGrpSpPr>
+        <p:grpSpPr>
+          <a:xfrm>
+            <a:off x="1907706" y="2057400"/>
+            <a:ext cx="4950294" cy="3109084"/>
+            <a:chOff x="1907706" y="2057400"/>
+            <a:chExt cx="4950294" cy="3109084"/>
+          </a:xfrm>
+        </p:grpSpPr>
+        <p:sp>
+          <p:nvSpPr>
+            <p:cNvPr id="4" name="TextBox 3"/>
+            <p:cNvSpPr txBox="1"/>
+            <p:nvPr/>
+          </p:nvSpPr>
+          <p:spPr>
+            <a:xfrm>
+              <a:off x="3491880" y="4797152"/>
+              <a:ext cx="1392048" cy="369332"/>
+            </a:xfrm>
+            <a:prstGeom prst="rect">
+              <a:avLst/>
+            </a:prstGeom>
+            <a:noFill/>
+          </p:spPr>
+          <p:txBody>
+            <a:bodyPr wrap="none" rtlCol="0">
+              <a:spAutoFit/>
+            </a:bodyPr>
+            <a:lstStyle/>
+            <a:p>
+              <a:r>
+                <a:rPr lang="en-US" dirty="0" smtClean="0"/>
+                <a:t>nr. processes</a:t>
+              </a:r>
+              <a:endParaRPr lang="nl-BE" dirty="0"/>
+            </a:p>
+          </p:txBody>
+        </p:sp>
+        <p:sp>
+          <p:nvSpPr>
+            <p:cNvPr id="5" name="TextBox 4"/>
+            <p:cNvSpPr txBox="1"/>
+            <p:nvPr/>
+          </p:nvSpPr>
+          <p:spPr>
+            <a:xfrm rot="16200000">
+              <a:off x="1596082" y="3220278"/>
+              <a:ext cx="992579" cy="369332"/>
+            </a:xfrm>
+            <a:prstGeom prst="rect">
+              <a:avLst/>
+            </a:prstGeom>
+            <a:noFill/>
+          </p:spPr>
+          <p:txBody>
+            <a:bodyPr wrap="none" rtlCol="0">
+              <a:spAutoFit/>
+            </a:bodyPr>
+            <a:lstStyle/>
+            <a:p>
+              <a:r>
+                <a:rPr lang="en-US" dirty="0" smtClean="0"/>
+                <a:t>speedup</a:t>
+              </a:r>
+              <a:endParaRPr lang="nl-BE" dirty="0"/>
+            </a:p>
+          </p:txBody>
+        </p:sp>
+        <p:graphicFrame>
+          <p:nvGraphicFramePr>
+            <p:cNvPr id="6" name="Chart 5"/>
+            <p:cNvGraphicFramePr>
+              <a:graphicFrameLocks/>
+            </p:cNvGraphicFramePr>
+            <p:nvPr>
+              <p:extLst>
+                <p:ext uri="{D42A27DB-BD31-4B8C-83A1-F6EECF244321}">
+                  <p14:modId xmlns:p14="http://schemas.microsoft.com/office/powerpoint/2010/main" val="687487585"/>
+                </p:ext>
+              </p:extLst>
+            </p:nvPr>
+          </p:nvGraphicFramePr>
+          <p:xfrm>
+            <a:off x="2286000" y="2057400"/>
+            <a:ext cx="4572000" cy="2743200"/>
+          </p:xfrm>
+          <a:graphic>
+            <a:graphicData uri="http://schemas.openxmlformats.org/drawingml/2006/chart">
+              <c:chart xmlns:c="http://schemas.openxmlformats.org/drawingml/2006/chart" xmlns:r="http://schemas.openxmlformats.org/officeDocument/2006/relationships" r:id="rId2"/>
+            </a:graphicData>
+          </a:graphic>
+        </p:graphicFrame>
+      </p:grpSp>
+      <mc:AlternateContent xmlns:mc="http://schemas.openxmlformats.org/markup-compatibility/2006" xmlns:a14="http://schemas.microsoft.com/office/drawing/2010/main">
+        <mc:Choice Requires="a14">
+          <p:sp>
+            <p:nvSpPr>
+              <p:cNvPr id="7" name="TextBox 6"/>
+              <p:cNvSpPr txBox="1"/>
+              <p:nvPr/>
+            </p:nvSpPr>
+            <p:spPr>
+              <a:xfrm>
+                <a:off x="611560" y="5445224"/>
+                <a:ext cx="2688941" cy="855619"/>
+              </a:xfrm>
+              <a:prstGeom prst="rect">
+                <a:avLst/>
+              </a:prstGeom>
+              <a:noFill/>
+              <a:ln>
+                <a:solidFill>
+                  <a:schemeClr val="tx1"/>
+                </a:solidFill>
+              </a:ln>
+            </p:spPr>
+            <p:txBody>
+              <a:bodyPr wrap="none" rtlCol="0">
+                <a:spAutoFit/>
+              </a:bodyPr>
+              <a:lstStyle/>
+              <a:p>
+                <a:pPr/>
+                <a14:m>
+                  <m:oMathPara xmlns:m="http://schemas.openxmlformats.org/officeDocument/2006/math">
+                    <m:oMathParaPr>
+                      <m:jc m:val="centerGroup"/>
+                    </m:oMathParaPr>
+                    <m:oMath xmlns:m="http://schemas.openxmlformats.org/officeDocument/2006/math">
+                      <m:func>
+                        <m:funcPr>
+                          <m:ctrlPr>
+                            <a:rPr lang="nl-BE" sz="2400" i="1" smtClean="0">
+                              <a:latin typeface="Cambria Math" panose="02040503050406030204" pitchFamily="18" charset="0"/>
+                            </a:rPr>
+                          </m:ctrlPr>
+                        </m:funcPr>
+                        <m:fName>
+                          <m:limLow>
+                            <m:limLowPr>
+                              <m:ctrlPr>
+                                <a:rPr lang="nl-BE" sz="2400" i="1" smtClean="0">
+                                  <a:latin typeface="Cambria Math" panose="02040503050406030204" pitchFamily="18" charset="0"/>
+                                </a:rPr>
+                              </m:ctrlPr>
+                            </m:limLowPr>
+                            <m:e>
+                              <m:r>
+                                <m:rPr>
+                                  <m:sty m:val="p"/>
+                                </m:rPr>
+                                <a:rPr lang="nl-BE" sz="2400" i="0" smtClean="0">
+                                  <a:latin typeface="Cambria Math"/>
+                                </a:rPr>
+                                <m:t>lim</m:t>
+                              </m:r>
+                            </m:e>
+                            <m:lim>
+                              <m:r>
+                                <a:rPr lang="en-US" sz="2400" b="0" i="1" smtClean="0">
+                                  <a:latin typeface="Cambria Math"/>
+                                </a:rPr>
+                                <m:t>𝑛</m:t>
+                              </m:r>
+                              <m:r>
+                                <a:rPr lang="en-US" sz="2400" b="0" i="1" smtClean="0">
+                                  <a:latin typeface="Cambria Math"/>
+                                  <a:ea typeface="Cambria Math"/>
+                                </a:rPr>
+                                <m:t>→∞</m:t>
+                              </m:r>
+                            </m:lim>
+                          </m:limLow>
+                        </m:fName>
+                        <m:e>
+                          <m:r>
+                            <a:rPr lang="en-US" sz="2400" b="0" i="1" smtClean="0">
+                              <a:latin typeface="Cambria Math"/>
+                            </a:rPr>
+                            <m:t>𝑆</m:t>
+                          </m:r>
+                          <m:d>
+                            <m:dPr>
+                              <m:ctrlPr>
+                                <a:rPr lang="en-US" sz="2400" b="0" i="1" smtClean="0">
+                                  <a:latin typeface="Cambria Math" panose="02040503050406030204" pitchFamily="18" charset="0"/>
+                                </a:rPr>
+                              </m:ctrlPr>
+                            </m:dPr>
+                            <m:e>
+                              <m:r>
+                                <a:rPr lang="en-US" sz="2400" b="0" i="1" smtClean="0">
+                                  <a:latin typeface="Cambria Math"/>
+                                </a:rPr>
+                                <m:t>𝑛</m:t>
+                              </m:r>
+                            </m:e>
+                          </m:d>
+                          <m:r>
+                            <a:rPr lang="en-US" sz="2400" b="0" i="1" smtClean="0">
+                              <a:latin typeface="Cambria Math"/>
+                            </a:rPr>
+                            <m:t>=1+</m:t>
+                          </m:r>
+                          <m:f>
+                            <m:fPr>
+                              <m:ctrlPr>
+                                <a:rPr lang="en-US" sz="2400" b="0" i="1" smtClean="0">
+                                  <a:latin typeface="Cambria Math" panose="02040503050406030204" pitchFamily="18" charset="0"/>
+                                </a:rPr>
+                              </m:ctrlPr>
+                            </m:fPr>
+                            <m:num>
+                              <m:sSub>
+                                <m:sSubPr>
+                                  <m:ctrlPr>
+                                    <a:rPr lang="en-US" sz="2400" b="0" i="1" smtClean="0">
+                                      <a:latin typeface="Cambria Math" panose="02040503050406030204" pitchFamily="18" charset="0"/>
+                                    </a:rPr>
+                                  </m:ctrlPr>
+                                </m:sSubPr>
+                                <m:e>
+                                  <m:r>
+                                    <a:rPr lang="en-US" sz="2400" b="0" i="1" smtClean="0">
+                                      <a:latin typeface="Cambria Math"/>
+                                    </a:rPr>
+                                    <m:t>𝑇</m:t>
+                                  </m:r>
+                                </m:e>
+                                <m:sub>
+                                  <m:r>
+                                    <a:rPr lang="en-US" sz="2400" b="0" i="1" smtClean="0">
+                                      <a:latin typeface="Cambria Math"/>
+                                    </a:rPr>
+                                    <m:t>𝑝</m:t>
+                                  </m:r>
+                                </m:sub>
+                              </m:sSub>
+                            </m:num>
+                            <m:den>
+                              <m:sSub>
+                                <m:sSubPr>
+                                  <m:ctrlPr>
+                                    <a:rPr lang="en-US" sz="2400" b="0" i="1" smtClean="0">
+                                      <a:latin typeface="Cambria Math" panose="02040503050406030204" pitchFamily="18" charset="0"/>
+                                    </a:rPr>
+                                  </m:ctrlPr>
+                                </m:sSubPr>
+                                <m:e>
+                                  <m:r>
+                                    <a:rPr lang="en-US" sz="2400" b="0" i="1" smtClean="0">
+                                      <a:latin typeface="Cambria Math"/>
+                                    </a:rPr>
+                                    <m:t>𝑇</m:t>
+                                  </m:r>
+                                </m:e>
+                                <m:sub>
+                                  <m:r>
+                                    <a:rPr lang="en-US" sz="2400" b="0" i="1" smtClean="0">
+                                      <a:latin typeface="Cambria Math"/>
+                                    </a:rPr>
+                                    <m:t>𝑠</m:t>
+                                  </m:r>
+                                </m:sub>
+                              </m:sSub>
+                            </m:den>
+                          </m:f>
+                        </m:e>
+                      </m:func>
+                    </m:oMath>
+                  </m:oMathPara>
+                </a14:m>
+                <a:endParaRPr lang="nl-BE" sz="2400" dirty="0"/>
+              </a:p>
+            </p:txBody>
+          </p:sp>
+        </mc:Choice>
+        <mc:Fallback xmlns="">
+          <p:sp>
+            <p:nvSpPr>
+              <p:cNvPr id="7" name="TextBox 6"/>
+              <p:cNvSpPr txBox="1">
+                <a:spLocks noRot="1" noChangeAspect="1" noMove="1" noResize="1" noEditPoints="1" noAdjustHandles="1" noChangeArrowheads="1" noChangeShapeType="1" noTextEdit="1"/>
+              </p:cNvSpPr>
+              <p:nvPr/>
+            </p:nvSpPr>
+            <p:spPr>
+              <a:xfrm>
+                <a:off x="611560" y="5445224"/>
+                <a:ext cx="2688941" cy="855619"/>
+              </a:xfrm>
+              <a:prstGeom prst="rect">
+                <a:avLst/>
+              </a:prstGeom>
+              <a:blipFill rotWithShape="1">
+                <a:blip r:embed="rId3"/>
+                <a:stretch>
+                  <a:fillRect/>
+                </a:stretch>
+              </a:blipFill>
+              <a:ln>
+                <a:solidFill>
+                  <a:schemeClr val="tx1"/>
+                </a:solidFill>
+              </a:ln>
+            </p:spPr>
+            <p:txBody>
+              <a:bodyPr/>
+              <a:lstStyle/>
+              <a:p>
+                <a:r>
+                  <a:rPr lang="nl-BE">
+                    <a:noFill/>
+                  </a:rPr>
+                  <a:t> </a:t>
+                </a:r>
+              </a:p>
+            </p:txBody>
+          </p:sp>
+        </mc:Fallback>
+      </mc:AlternateContent>
+      <mc:AlternateContent xmlns:mc="http://schemas.openxmlformats.org/markup-compatibility/2006" xmlns:a14="http://schemas.microsoft.com/office/drawing/2010/main">
+        <mc:Choice Requires="a14">
+          <p:sp>
+            <p:nvSpPr>
+              <p:cNvPr id="8" name="TextBox 7"/>
+              <p:cNvSpPr txBox="1"/>
+              <p:nvPr/>
+            </p:nvSpPr>
+            <p:spPr>
+              <a:xfrm>
+                <a:off x="6131531" y="5445224"/>
+                <a:ext cx="2060500" cy="573106"/>
+              </a:xfrm>
+              <a:prstGeom prst="rect">
+                <a:avLst/>
+              </a:prstGeom>
+              <a:noFill/>
+              <a:ln>
+                <a:solidFill>
+                  <a:schemeClr val="tx1"/>
+                </a:solidFill>
+              </a:ln>
+            </p:spPr>
+            <p:txBody>
+              <a:bodyPr wrap="none" rtlCol="0">
+                <a:spAutoFit/>
+              </a:bodyPr>
+              <a:lstStyle/>
+              <a:p>
+                <a:pPr/>
+                <a14:m>
+                  <m:oMathPara xmlns:m="http://schemas.openxmlformats.org/officeDocument/2006/math">
+                    <m:oMathParaPr>
+                      <m:jc m:val="centerGroup"/>
+                    </m:oMathParaPr>
+                    <m:oMath xmlns:m="http://schemas.openxmlformats.org/officeDocument/2006/math">
+                      <m:func>
+                        <m:funcPr>
+                          <m:ctrlPr>
+                            <a:rPr lang="nl-BE" sz="2400" i="1" smtClean="0">
+                              <a:latin typeface="Cambria Math" panose="02040503050406030204" pitchFamily="18" charset="0"/>
+                            </a:rPr>
+                          </m:ctrlPr>
+                        </m:funcPr>
+                        <m:fName>
+                          <m:limLow>
+                            <m:limLowPr>
+                              <m:ctrlPr>
+                                <a:rPr lang="nl-BE" sz="2400" i="1" smtClean="0">
+                                  <a:latin typeface="Cambria Math" panose="02040503050406030204" pitchFamily="18" charset="0"/>
+                                </a:rPr>
+                              </m:ctrlPr>
+                            </m:limLowPr>
+                            <m:e>
+                              <m:r>
+                                <m:rPr>
+                                  <m:sty m:val="p"/>
+                                </m:rPr>
+                                <a:rPr lang="nl-BE" sz="2400" i="0" smtClean="0">
+                                  <a:latin typeface="Cambria Math"/>
+                                </a:rPr>
+                                <m:t>lim</m:t>
+                              </m:r>
+                            </m:e>
+                            <m:lim>
+                              <m:r>
+                                <a:rPr lang="en-US" sz="2400" b="0" i="1" smtClean="0">
+                                  <a:latin typeface="Cambria Math"/>
+                                </a:rPr>
+                                <m:t>𝑛</m:t>
+                              </m:r>
+                              <m:r>
+                                <a:rPr lang="en-US" sz="2400" b="0" i="1" smtClean="0">
+                                  <a:latin typeface="Cambria Math"/>
+                                  <a:ea typeface="Cambria Math"/>
+                                </a:rPr>
+                                <m:t>→∞</m:t>
+                              </m:r>
+                            </m:lim>
+                          </m:limLow>
+                        </m:fName>
+                        <m:e>
+                          <m:r>
+                            <a:rPr lang="en-US" sz="2400" b="0" i="1" smtClean="0">
+                              <a:latin typeface="Cambria Math"/>
+                            </a:rPr>
+                            <m:t>𝐸</m:t>
+                          </m:r>
+                          <m:d>
+                            <m:dPr>
+                              <m:ctrlPr>
+                                <a:rPr lang="en-US" sz="2400" b="0" i="1" smtClean="0">
+                                  <a:latin typeface="Cambria Math" panose="02040503050406030204" pitchFamily="18" charset="0"/>
+                                </a:rPr>
+                              </m:ctrlPr>
+                            </m:dPr>
+                            <m:e>
+                              <m:r>
+                                <a:rPr lang="en-US" sz="2400" b="0" i="1" smtClean="0">
+                                  <a:latin typeface="Cambria Math"/>
+                                </a:rPr>
+                                <m:t>𝑛</m:t>
+                              </m:r>
+                            </m:e>
+                          </m:d>
+                          <m:r>
+                            <a:rPr lang="en-US" sz="2400" b="0" i="1" smtClean="0">
+                              <a:latin typeface="Cambria Math"/>
+                            </a:rPr>
+                            <m:t>=0</m:t>
+                          </m:r>
+                        </m:e>
+                      </m:func>
+                    </m:oMath>
+                  </m:oMathPara>
+                </a14:m>
+                <a:endParaRPr lang="nl-BE" sz="2400" dirty="0"/>
+              </a:p>
+            </p:txBody>
+          </p:sp>
+        </mc:Choice>
+        <mc:Fallback xmlns="">
+          <p:sp>
+            <p:nvSpPr>
+              <p:cNvPr id="8" name="TextBox 7"/>
+              <p:cNvSpPr txBox="1">
+                <a:spLocks noRot="1" noChangeAspect="1" noMove="1" noResize="1" noEditPoints="1" noAdjustHandles="1" noChangeArrowheads="1" noChangeShapeType="1" noTextEdit="1"/>
+              </p:cNvSpPr>
+              <p:nvPr/>
+            </p:nvSpPr>
+            <p:spPr>
+              <a:xfrm>
+                <a:off x="6131531" y="5445224"/>
+                <a:ext cx="2060500" cy="573106"/>
+              </a:xfrm>
+              <a:prstGeom prst="rect">
+                <a:avLst/>
+              </a:prstGeom>
+              <a:blipFill rotWithShape="1">
+                <a:blip r:embed="rId4"/>
+                <a:stretch>
+                  <a:fillRect/>
+                </a:stretch>
+              </a:blipFill>
+              <a:ln>
+                <a:solidFill>
+                  <a:schemeClr val="tx1"/>
+                </a:solidFill>
+              </a:ln>
+            </p:spPr>
+            <p:txBody>
+              <a:bodyPr/>
+              <a:lstStyle/>
+              <a:p>
+                <a:r>
+                  <a:rPr lang="nl-BE">
+                    <a:noFill/>
+                  </a:rPr>
+                  <a:t> </a:t>
+                </a:r>
+              </a:p>
+            </p:txBody>
+          </p:sp>
+        </mc:Fallback>
+      </mc:AlternateContent>
+      <p:sp>
+        <p:nvSpPr>
+          <p:cNvPr id="3" name="Slide Number Placeholder 2"/>
+          <p:cNvSpPr>
+            <a:spLocks noGrp="1"/>
+          </p:cNvSpPr>
+          <p:nvPr>
+            <p:ph type="sldNum" sz="quarter" idx="12"/>
+          </p:nvPr>
+        </p:nvSpPr>
+        <p:spPr/>
+        <p:txBody>
+          <a:bodyPr/>
+          <a:lstStyle/>
+          <a:p>
+            <a:fld id="{6597116C-F94B-4B5B-973A-17F07FB5C418}" type="slidenum">
+              <a:rPr lang="nl-BE" smtClean="0"/>
+              <a:t>10</a:t>
+            </a:fld>
+            <a:endParaRPr lang="nl-BE"/>
+          </a:p>
+        </p:txBody>
+      </p:sp>
+    </p:spTree>
+    <p:extLst>
+      <p:ext uri="{BB962C8B-B14F-4D97-AF65-F5344CB8AC3E}">
+        <p14:creationId xmlns:p14="http://schemas.microsoft.com/office/powerpoint/2010/main" val="724431705"/>
+      </p:ext>
+    </p:extLst>
+  </p:cSld>
+  <p:clrMapOvr>
+    <a:masterClrMapping/>
+  </p:clrMapOvr>
+  <p:timing>
+    <p:tnLst>
+      <p:par>
+        <p:cTn id="1" dur="indefinite" restart="never" nodeType="tmRoot">
+          <p:childTnLst>
+            <p:seq concurrent="1" nextAc="seek">
+              <p:cTn id="2" dur="indefinite" nodeType="mainSeq">
+                <p:childTnLst>
+                  <p:par>
+                    <p:cTn id="3" fill="hold">
+                      <p:stCondLst>
+                        <p:cond delay="indefinite"/>
+                      </p:stCondLst>
+                      <p:childTnLst>
+                        <p:par>
+                          <p:cTn id="4" fill="hold">
+                            <p:stCondLst>
+                              <p:cond delay="0"/>
+                            </p:stCondLst>
+                            <p:childTnLst>
+                              <p:par>
+                                <p:cTn id="5" presetID="1" presetClass="entr" presetSubtype="0" fill="hold" grpId="0" nodeType="clickEffect">
+                                  <p:stCondLst>
+                                    <p:cond delay="0"/>
+                                  </p:stCondLst>
+                                  <p:childTnLst>
+                                    <p:set>
+                                      <p:cBhvr>
+                                        <p:cTn id="6" dur="1" fill="hold">
+                                          <p:stCondLst>
+                                            <p:cond delay="0"/>
+                                          </p:stCondLst>
+                                        </p:cTn>
+                                        <p:tgtEl>
+                                          <p:spTgt spid="8"/>
+                                        </p:tgtEl>
+                                        <p:attrNameLst>
+                                          <p:attrName>style.visibility</p:attrName>
+                                        </p:attrNameLst>
+                                      </p:cBhvr>
+                                      <p:to>
+                                        <p:strVal val="visible"/>
+                                      </p:to>
+                                    </p:set>
+                                  </p:childTnLst>
+                                </p:cTn>
+                              </p:par>
+                            </p:childTnLst>
+                          </p:cTn>
+                        </p:par>
+                      </p:childTnLst>
+                    </p:cTn>
+                  </p:par>
+                </p:childTnLst>
+              </p:cTn>
+              <p:prevCondLst>
+                <p:cond evt="onPrev" delay="0">
+                  <p:tgtEl>
+                    <p:sldTgt/>
+                  </p:tgtEl>
+                </p:cond>
+              </p:prevCondLst>
+              <p:nextCondLst>
+                <p:cond evt="onNext" delay="0">
+                  <p:tgtEl>
+                    <p:sldTgt/>
+                  </p:tgtEl>
+                </p:cond>
+              </p:nextCondLst>
+            </p:seq>
+          </p:childTnLst>
+        </p:cTn>
+      </p:par>
+    </p:tnLst>
+    <p:bldLst>
+      <p:bldP spid="8" grpId="0" animBg="1"/>
+    </p:bldLst>
+  </p:timing>
+</p:sld>
+</file>
+
+<file path=ppt/slides/slide11.xml><?xml version="1.0" encoding="utf-8"?>
+<p:sld xmlns:a="http://schemas.openxmlformats.org/drawingml/2006/main" xmlns:r="http://schemas.openxmlformats.org/officeDocument/2006/relationships" xmlns:p="http://schemas.openxmlformats.org/presentationml/2006/main">
+  <p:cSld>
+    <p:spTree>
+      <p:nvGrpSpPr>
+        <p:cNvPr id="1" name=""/>
+        <p:cNvGrpSpPr/>
+        <p:nvPr/>
+      </p:nvGrpSpPr>
+      <p:grpSpPr>
+        <a:xfrm>
+          <a:off x="0" y="0"/>
+          <a:ext cx="0" cy="0"/>
+          <a:chOff x="0" y="0"/>
+          <a:chExt cx="0" cy="0"/>
+        </a:xfrm>
+      </p:grpSpPr>
+      <p:sp>
+        <p:nvSpPr>
+          <p:cNvPr id="2" name="Title 1"/>
+          <p:cNvSpPr>
+            <a:spLocks noGrp="1"/>
+          </p:cNvSpPr>
+          <p:nvPr>
+            <p:ph type="title"/>
+          </p:nvPr>
+        </p:nvSpPr>
+        <p:spPr/>
+        <p:txBody>
+          <a:bodyPr/>
+          <a:lstStyle/>
+          <a:p>
+            <a:r>
+              <a:rPr lang="en-US" dirty="0" smtClean="0"/>
+              <a:t>It gets worse…</a:t>
+            </a:r>
+            <a:endParaRPr lang="nl-BE" dirty="0"/>
+          </a:p>
+        </p:txBody>
+      </p:sp>
+      <p:sp>
+        <p:nvSpPr>
+          <p:cNvPr id="3" name="Content Placeholder 2"/>
+          <p:cNvSpPr>
+            <a:spLocks noGrp="1"/>
+          </p:cNvSpPr>
+          <p:nvPr>
+            <p:ph idx="1"/>
+          </p:nvPr>
+        </p:nvSpPr>
+        <p:spPr>
+          <a:xfrm>
+            <a:off x="457200" y="1600200"/>
+            <a:ext cx="4042792" cy="4525963"/>
+          </a:xfrm>
+        </p:spPr>
+        <p:txBody>
+          <a:bodyPr/>
+          <a:lstStyle/>
+          <a:p>
+            <a:r>
+              <a:rPr lang="en-US" dirty="0" smtClean="0"/>
+              <a:t>Overhead!</a:t>
+            </a:r>
+          </a:p>
+          <a:p>
+            <a:pPr lvl="1"/>
+            <a:r>
+              <a:rPr lang="en-US" dirty="0" smtClean="0"/>
+              <a:t>communication takes time</a:t>
+            </a:r>
+          </a:p>
+          <a:p>
+            <a:pPr lvl="2"/>
+            <a:r>
+              <a:rPr lang="en-US" dirty="0" smtClean="0"/>
+              <a:t>finite bandwidth</a:t>
+            </a:r>
+          </a:p>
+          <a:p>
+            <a:pPr lvl="2"/>
+            <a:r>
+              <a:rPr lang="en-US" dirty="0" smtClean="0"/>
+              <a:t>non-zero latency</a:t>
+            </a:r>
+          </a:p>
+          <a:p>
+            <a:pPr lvl="1"/>
+            <a:r>
+              <a:rPr lang="en-US" dirty="0" smtClean="0"/>
+              <a:t>resource contention</a:t>
+            </a:r>
+          </a:p>
+          <a:p>
+            <a:pPr lvl="2"/>
+            <a:r>
+              <a:rPr lang="en-US" dirty="0" smtClean="0"/>
+              <a:t>memory subsystem: L3 cache, RAM, QPI</a:t>
+            </a:r>
+          </a:p>
+          <a:p>
+            <a:pPr lvl="2"/>
+            <a:r>
+              <a:rPr lang="en-US" dirty="0" smtClean="0"/>
+              <a:t>network access</a:t>
+            </a:r>
+            <a:endParaRPr lang="nl-BE" dirty="0"/>
+          </a:p>
+        </p:txBody>
+      </p:sp>
+      <p:grpSp>
+        <p:nvGrpSpPr>
+          <p:cNvPr id="7" name="Group 6"/>
+          <p:cNvGrpSpPr/>
+          <p:nvPr/>
+        </p:nvGrpSpPr>
+        <p:grpSpPr>
+          <a:xfrm>
+            <a:off x="4248472" y="2420888"/>
+            <a:ext cx="4788024" cy="2972073"/>
+            <a:chOff x="4139952" y="2780928"/>
+            <a:chExt cx="4788024" cy="2972073"/>
+          </a:xfrm>
+        </p:grpSpPr>
+        <p:graphicFrame>
+          <p:nvGraphicFramePr>
+            <p:cNvPr id="4" name="Chart 3"/>
+            <p:cNvGraphicFramePr>
+              <a:graphicFrameLocks/>
+            </p:cNvGraphicFramePr>
+            <p:nvPr>
+              <p:extLst>
+                <p:ext uri="{D42A27DB-BD31-4B8C-83A1-F6EECF244321}">
+                  <p14:modId xmlns:p14="http://schemas.microsoft.com/office/powerpoint/2010/main" val="1227075376"/>
+                </p:ext>
+              </p:extLst>
+            </p:nvPr>
+          </p:nvGraphicFramePr>
+          <p:xfrm>
+            <a:off x="4355976" y="2780928"/>
+            <a:ext cx="4572000" cy="2743200"/>
+          </p:xfrm>
+          <a:graphic>
+            <a:graphicData uri="http://schemas.openxmlformats.org/drawingml/2006/chart">
+              <c:chart xmlns:c="http://schemas.openxmlformats.org/drawingml/2006/chart" xmlns:r="http://schemas.openxmlformats.org/officeDocument/2006/relationships" r:id="rId2"/>
+            </a:graphicData>
+          </a:graphic>
+        </p:graphicFrame>
+        <p:sp>
+          <p:nvSpPr>
+            <p:cNvPr id="5" name="TextBox 4"/>
+            <p:cNvSpPr txBox="1"/>
+            <p:nvPr/>
+          </p:nvSpPr>
+          <p:spPr>
+            <a:xfrm>
+              <a:off x="5868144" y="5445224"/>
+              <a:ext cx="1123897" cy="307777"/>
+            </a:xfrm>
+            <a:prstGeom prst="rect">
+              <a:avLst/>
+            </a:prstGeom>
+            <a:noFill/>
+          </p:spPr>
+          <p:txBody>
+            <a:bodyPr wrap="none" rtlCol="0">
+              <a:spAutoFit/>
+            </a:bodyPr>
+            <a:lstStyle/>
+            <a:p>
+              <a:r>
+                <a:rPr lang="en-US" sz="1400" dirty="0" smtClean="0"/>
+                <a:t>nr. processes</a:t>
+              </a:r>
+              <a:endParaRPr lang="nl-BE" sz="1400" dirty="0"/>
+            </a:p>
+          </p:txBody>
+        </p:sp>
+        <p:sp>
+          <p:nvSpPr>
+            <p:cNvPr id="6" name="TextBox 5"/>
+            <p:cNvSpPr txBox="1"/>
+            <p:nvPr/>
+          </p:nvSpPr>
+          <p:spPr>
+            <a:xfrm rot="16200000">
+              <a:off x="3731892" y="3649267"/>
+              <a:ext cx="1123897" cy="307777"/>
+            </a:xfrm>
+            <a:prstGeom prst="rect">
+              <a:avLst/>
+            </a:prstGeom>
+            <a:noFill/>
+          </p:spPr>
+          <p:txBody>
+            <a:bodyPr wrap="none" rtlCol="0">
+              <a:spAutoFit/>
+            </a:bodyPr>
+            <a:lstStyle/>
+            <a:p>
+              <a:r>
+                <a:rPr lang="en-US" sz="1400" dirty="0" smtClean="0"/>
+                <a:t>nr. processes</a:t>
+              </a:r>
+              <a:endParaRPr lang="nl-BE" sz="1400" dirty="0"/>
+            </a:p>
+          </p:txBody>
+        </p:sp>
+      </p:grpSp>
+      <p:sp>
+        <p:nvSpPr>
+          <p:cNvPr id="8" name="Slide Number Placeholder 7"/>
+          <p:cNvSpPr>
+            <a:spLocks noGrp="1"/>
+          </p:cNvSpPr>
+          <p:nvPr>
+            <p:ph type="sldNum" sz="quarter" idx="12"/>
+          </p:nvPr>
+        </p:nvSpPr>
+        <p:spPr/>
+        <p:txBody>
+          <a:bodyPr/>
+          <a:lstStyle/>
+          <a:p>
+            <a:fld id="{6597116C-F94B-4B5B-973A-17F07FB5C418}" type="slidenum">
+              <a:rPr lang="nl-BE" smtClean="0"/>
+              <a:t>11</a:t>
+            </a:fld>
+            <a:endParaRPr lang="nl-BE"/>
+          </a:p>
+        </p:txBody>
+      </p:sp>
+    </p:spTree>
+    <p:extLst>
+      <p:ext uri="{BB962C8B-B14F-4D97-AF65-F5344CB8AC3E}">
+        <p14:creationId xmlns:p14="http://schemas.microsoft.com/office/powerpoint/2010/main" val="1616967271"/>
+      </p:ext>
+    </p:extLst>
+  </p:cSld>
+  <p:clrMapOvr>
+    <a:masterClrMapping/>
+  </p:clrMapOvr>
+  <p:timing>
+    <p:tnLst>
+      <p:par>
+        <p:cTn id="1" dur="indefinite" restart="never" nodeType="tmRoot">
+          <p:childTnLst>
+            <p:seq concurrent="1" nextAc="seek">
+              <p:cTn id="2" dur="indefinite" nodeType="mainSeq">
+                <p:childTnLst>
+                  <p:par>
+                    <p:cTn id="3" fill="hold">
+                      <p:stCondLst>
+                        <p:cond delay="indefinite"/>
+                        <p:cond evt="onBegin" delay="0">
+                          <p:tn val="2"/>
+                        </p:cond>
+                      </p:stCondLst>
+                      <p:childTnLst>
+                        <p:par>
+                          <p:cTn id="4" fill="hold">
+                            <p:stCondLst>
+                              <p:cond delay="0"/>
+                            </p:stCondLst>
+                            <p:childTnLst>
+                              <p:par>
+                                <p:cTn id="5" presetID="1" presetClass="entr" presetSubtype="0" fill="hold" grpId="0" nodeType="withEffect">
+                                  <p:stCondLst>
+                                    <p:cond delay="0"/>
+                                  </p:stCondLst>
+                                  <p:childTnLst>
+                                    <p:set>
+                                      <p:cBhvr>
+                                        <p:cTn id="6" dur="1" fill="hold">
+                                          <p:stCondLst>
+                                            <p:cond delay="0"/>
+                                          </p:stCondLst>
+                                        </p:cTn>
+                                        <p:tgtEl>
+                                          <p:spTgt spid="3">
+                                            <p:txEl>
+                                              <p:pRg st="0" end="0"/>
+                                            </p:txEl>
+                                          </p:spTgt>
+                                        </p:tgtEl>
+                                        <p:attrNameLst>
+                                          <p:attrName>style.visibility</p:attrName>
+                                        </p:attrNameLst>
+                                      </p:cBhvr>
+                                      <p:to>
+                                        <p:strVal val="visible"/>
+                                      </p:to>
+                                    </p:set>
+                                  </p:childTnLst>
+                                </p:cTn>
+                              </p:par>
+                            </p:childTnLst>
+                          </p:cTn>
+                        </p:par>
+                      </p:childTnLst>
+                    </p:cTn>
+                  </p:par>
+                  <p:par>
+                    <p:cTn id="7" fill="hold">
+                      <p:stCondLst>
+                        <p:cond delay="indefinite"/>
+                      </p:stCondLst>
+                      <p:childTnLst>
+                        <p:par>
+                          <p:cTn id="8" fill="hold">
+                            <p:stCondLst>
+                              <p:cond delay="0"/>
+                            </p:stCondLst>
+                            <p:childTnLst>
+                              <p:par>
+                                <p:cTn id="9" presetID="1" presetClass="entr" presetSubtype="0" fill="hold" grpId="0" nodeType="clickEffect">
+                                  <p:stCondLst>
+                                    <p:cond delay="0"/>
+                                  </p:stCondLst>
+                                  <p:childTnLst>
+                                    <p:set>
+                                      <p:cBhvr>
+                                        <p:cTn id="10" dur="1" fill="hold">
+                                          <p:stCondLst>
+                                            <p:cond delay="0"/>
+                                          </p:stCondLst>
+                                        </p:cTn>
+                                        <p:tgtEl>
+                                          <p:spTgt spid="3">
+                                            <p:txEl>
+                                              <p:pRg st="1" end="1"/>
+                                            </p:txEl>
+                                          </p:spTgt>
+                                        </p:tgtEl>
+                                        <p:attrNameLst>
+                                          <p:attrName>style.visibility</p:attrName>
+                                        </p:attrNameLst>
+                                      </p:cBhvr>
+                                      <p:to>
+                                        <p:strVal val="visible"/>
+                                      </p:to>
+                                    </p:set>
+                                  </p:childTnLst>
+                                </p:cTn>
+                              </p:par>
+                              <p:par>
+                                <p:cTn id="11" presetID="1" presetClass="entr" presetSubtype="0" fill="hold" grpId="0" nodeType="withEffect">
+                                  <p:stCondLst>
+                                    <p:cond delay="0"/>
+                                  </p:stCondLst>
+                                  <p:childTnLst>
+                                    <p:set>
+                                      <p:cBhvr>
+                                        <p:cTn id="12" dur="1" fill="hold">
+                                          <p:stCondLst>
+                                            <p:cond delay="0"/>
+                                          </p:stCondLst>
+                                        </p:cTn>
+                                        <p:tgtEl>
+                                          <p:spTgt spid="3">
+                                            <p:txEl>
+                                              <p:pRg st="2" end="2"/>
+                                            </p:txEl>
+                                          </p:spTgt>
+                                        </p:tgtEl>
+                                        <p:attrNameLst>
+                                          <p:attrName>style.visibility</p:attrName>
+                                        </p:attrNameLst>
+                                      </p:cBhvr>
+                                      <p:to>
+                                        <p:strVal val="visible"/>
+                                      </p:to>
+                                    </p:set>
+                                  </p:childTnLst>
+                                </p:cTn>
+                              </p:par>
+                              <p:par>
+                                <p:cTn id="13" presetID="1" presetClass="entr" presetSubtype="0" fill="hold" grpId="0" nodeType="withEffect">
+                                  <p:stCondLst>
+                                    <p:cond delay="0"/>
+                                  </p:stCondLst>
+                                  <p:childTnLst>
+                                    <p:set>
+                                      <p:cBhvr>
+                                        <p:cTn id="14" dur="1" fill="hold">
+                                          <p:stCondLst>
+                                            <p:cond delay="0"/>
+                                          </p:stCondLst>
+                                        </p:cTn>
+                                        <p:tgtEl>
+                                          <p:spTgt spid="3">
+                                            <p:txEl>
+                                              <p:pRg st="3" end="3"/>
+                                            </p:txEl>
+                                          </p:spTgt>
+                                        </p:tgtEl>
+                                        <p:attrNameLst>
+                                          <p:attrName>style.visibility</p:attrName>
+                                        </p:attrNameLst>
+                                      </p:cBhvr>
+                                      <p:to>
+                                        <p:strVal val="visible"/>
+                                      </p:to>
+                                    </p:set>
+                                  </p:childTnLst>
+                                </p:cTn>
+                              </p:par>
+                            </p:childTnLst>
+                          </p:cTn>
+                        </p:par>
+                      </p:childTnLst>
+                    </p:cTn>
+                  </p:par>
+                  <p:par>
+                    <p:cTn id="15" fill="hold">
+                      <p:stCondLst>
+                        <p:cond delay="indefinite"/>
+                      </p:stCondLst>
+                      <p:childTnLst>
+                        <p:par>
+                          <p:cTn id="16" fill="hold">
+                            <p:stCondLst>
+                              <p:cond delay="0"/>
+                            </p:stCondLst>
+                            <p:childTnLst>
+                              <p:par>
+                                <p:cTn id="17" presetID="1" presetClass="entr" presetSubtype="0" fill="hold" grpId="0" nodeType="clickEffect">
+                                  <p:stCondLst>
+                                    <p:cond delay="0"/>
+                                  </p:stCondLst>
+                                  <p:childTnLst>
+                                    <p:set>
+                                      <p:cBhvr>
+                                        <p:cTn id="18" dur="1" fill="hold">
+                                          <p:stCondLst>
+                                            <p:cond delay="0"/>
+                                          </p:stCondLst>
+                                        </p:cTn>
+                                        <p:tgtEl>
+                                          <p:spTgt spid="3">
+                                            <p:txEl>
+                                              <p:pRg st="4" end="4"/>
+                                            </p:txEl>
+                                          </p:spTgt>
+                                        </p:tgtEl>
+                                        <p:attrNameLst>
+                                          <p:attrName>style.visibility</p:attrName>
+                                        </p:attrNameLst>
+                                      </p:cBhvr>
+                                      <p:to>
+                                        <p:strVal val="visible"/>
+                                      </p:to>
+                                    </p:set>
+                                  </p:childTnLst>
+                                </p:cTn>
+                              </p:par>
+                              <p:par>
+                                <p:cTn id="19" presetID="1" presetClass="entr" presetSubtype="0" fill="hold" grpId="0" nodeType="withEffect">
+                                  <p:stCondLst>
+                                    <p:cond delay="0"/>
+                                  </p:stCondLst>
+                                  <p:childTnLst>
+                                    <p:set>
+                                      <p:cBhvr>
+                                        <p:cTn id="20" dur="1" fill="hold">
+                                          <p:stCondLst>
+                                            <p:cond delay="0"/>
+                                          </p:stCondLst>
+                                        </p:cTn>
+                                        <p:tgtEl>
+                                          <p:spTgt spid="3">
+                                            <p:txEl>
+                                              <p:pRg st="5" end="5"/>
+                                            </p:txEl>
+                                          </p:spTgt>
+                                        </p:tgtEl>
+                                        <p:attrNameLst>
+                                          <p:attrName>style.visibility</p:attrName>
+                                        </p:attrNameLst>
+                                      </p:cBhvr>
+                                      <p:to>
+                                        <p:strVal val="visible"/>
+                                      </p:to>
+                                    </p:set>
+                                  </p:childTnLst>
+                                </p:cTn>
+                              </p:par>
+                              <p:par>
+                                <p:cTn id="21" presetID="1" presetClass="entr" presetSubtype="0" fill="hold" grpId="0" nodeType="withEffect">
+                                  <p:stCondLst>
+                                    <p:cond delay="0"/>
+                                  </p:stCondLst>
+                                  <p:childTnLst>
+                                    <p:set>
+                                      <p:cBhvr>
+                                        <p:cTn id="22" dur="1" fill="hold">
+                                          <p:stCondLst>
+                                            <p:cond delay="0"/>
+                                          </p:stCondLst>
+                                        </p:cTn>
+                                        <p:tgtEl>
+                                          <p:spTgt spid="3">
+                                            <p:txEl>
+                                              <p:pRg st="6" end="6"/>
+                                            </p:txEl>
+                                          </p:spTgt>
+                                        </p:tgtEl>
+                                        <p:attrNameLst>
+                                          <p:attrName>style.visibility</p:attrName>
+                                        </p:attrNameLst>
+                                      </p:cBhvr>
+                                      <p:to>
+                                        <p:strVal val="visible"/>
+                                      </p:to>
+                                    </p:set>
+                                  </p:childTnLst>
+                                </p:cTn>
+                              </p:par>
+                            </p:childTnLst>
+                          </p:cTn>
+                        </p:par>
+                      </p:childTnLst>
+                    </p:cTn>
+                  </p:par>
+                </p:childTnLst>
+              </p:cTn>
+              <p:prevCondLst>
+                <p:cond evt="onPrev" delay="0">
+                  <p:tgtEl>
+                    <p:sldTgt/>
+                  </p:tgtEl>
+                </p:cond>
+              </p:prevCondLst>
+              <p:nextCondLst>
+                <p:cond evt="onNext" delay="0">
+                  <p:tgtEl>
+                    <p:sldTgt/>
+                  </p:tgtEl>
+                </p:cond>
+              </p:nextCondLst>
+            </p:seq>
+          </p:childTnLst>
+        </p:cTn>
+      </p:par>
+    </p:tnLst>
+    <p:bldLst>
+      <p:bldP spid="3" grpId="0" uiExpand="1" build="p"/>
+    </p:bldLst>
+  </p:timing>
+</p:sld>
+</file>
+
+<file path=ppt/slides/slide12.xml><?xml version="1.0" encoding="utf-8"?>
 <p:sld xmlns:a="http://schemas.openxmlformats.org/drawingml/2006/main" xmlns:r="http://schemas.openxmlformats.org/officeDocument/2006/relationships" xmlns:p="http://schemas.openxmlformats.org/presentationml/2006/main">
   <p:cSld>
     <p:spTree>
@@ -5668,7 +6874,7 @@
           <a:p>
             <a:fld id="{6597116C-F94B-4B5B-973A-17F07FB5C418}" type="slidenum">
               <a:rPr lang="nl-BE" smtClean="0"/>
-              <a:t>10</a:t>
+              <a:t>12</a:t>
             </a:fld>
             <a:endParaRPr lang="nl-BE"/>
           </a:p>
@@ -5945,7 +7151,7 @@
 </p:sld>
 </file>
 
-<file path=ppt/slides/slide11.xml><?xml version="1.0" encoding="utf-8"?>
+<file path=ppt/slides/slide13.xml><?xml version="1.0" encoding="utf-8"?>
 <p:sld xmlns:a="http://schemas.openxmlformats.org/drawingml/2006/main" xmlns:r="http://schemas.openxmlformats.org/officeDocument/2006/relationships" xmlns:p="http://schemas.openxmlformats.org/presentationml/2006/main">
   <p:cSld>
     <p:spTree>
@@ -6876,7 +8082,7 @@
           <a:p>
             <a:fld id="{6597116C-F94B-4B5B-973A-17F07FB5C418}" type="slidenum">
               <a:rPr lang="nl-BE" smtClean="0"/>
-              <a:t>11</a:t>
+              <a:t>13</a:t>
             </a:fld>
             <a:endParaRPr lang="nl-BE"/>
           </a:p>
@@ -7268,7 +8474,7 @@
 </p:sld>
 </file>
 
-<file path=ppt/slides/slide12.xml><?xml version="1.0" encoding="utf-8"?>
+<file path=ppt/slides/slide14.xml><?xml version="1.0" encoding="utf-8"?>
 <p:sld xmlns:a="http://schemas.openxmlformats.org/drawingml/2006/main" xmlns:r="http://schemas.openxmlformats.org/officeDocument/2006/relationships" xmlns:p="http://schemas.openxmlformats.org/presentationml/2006/main">
   <p:cSld>
     <p:spTree>
@@ -7369,7 +8575,7 @@
           <a:p>
             <a:fld id="{6597116C-F94B-4B5B-973A-17F07FB5C418}" type="slidenum">
               <a:rPr lang="nl-BE" smtClean="0"/>
-              <a:t>12</a:t>
+              <a:t>14</a:t>
             </a:fld>
             <a:endParaRPr lang="nl-BE"/>
           </a:p>
@@ -7395,7 +8601,7 @@
 </p:sld>
 </file>
 
-<file path=ppt/slides/slide13.xml><?xml version="1.0" encoding="utf-8"?>
+<file path=ppt/slides/slide15.xml><?xml version="1.0" encoding="utf-8"?>
 <p:sld xmlns:a="http://schemas.openxmlformats.org/drawingml/2006/main" xmlns:r="http://schemas.openxmlformats.org/officeDocument/2006/relationships" xmlns:p="http://schemas.openxmlformats.org/presentationml/2006/main">
   <p:cSld>
     <p:spTree>
@@ -7544,7 +8750,7 @@
           <a:graphicData uri="http://schemas.openxmlformats.org/presentationml/2006/ole">
             <mc:AlternateContent xmlns:mc="http://schemas.openxmlformats.org/markup-compatibility/2006">
               <mc:Choice xmlns:v="urn:schemas-microsoft-com:vml" Requires="v">
-                <p:oleObj spid="_x0000_s1120" name="Equation" r:id="rId3" imgW="812520" imgH="393480" progId="Equation.3">
+                <p:oleObj spid="_x0000_s1128" name="Equation" r:id="rId3" imgW="812520" imgH="393480" progId="Equation.3">
                   <p:embed/>
                 </p:oleObj>
               </mc:Choice>
@@ -7601,7 +8807,7 @@
           <a:graphicData uri="http://schemas.openxmlformats.org/presentationml/2006/ole">
             <mc:AlternateContent xmlns:mc="http://schemas.openxmlformats.org/markup-compatibility/2006">
               <mc:Choice xmlns:v="urn:schemas-microsoft-com:vml" Requires="v">
-                <p:oleObj spid="_x0000_s1121" name="Equation" r:id="rId5" imgW="2489040" imgH="431640" progId="Equation.3">
+                <p:oleObj spid="_x0000_s1129" name="Equation" r:id="rId5" imgW="2489040" imgH="431640" progId="Equation.3">
                   <p:embed/>
                 </p:oleObj>
               </mc:Choice>
@@ -7688,7 +8894,7 @@
           <a:p>
             <a:fld id="{6597116C-F94B-4B5B-973A-17F07FB5C418}" type="slidenum">
               <a:rPr lang="nl-BE" smtClean="0"/>
-              <a:t>13</a:t>
+              <a:t>15</a:t>
             </a:fld>
             <a:endParaRPr lang="nl-BE"/>
           </a:p>
@@ -8124,7 +9330,7 @@
 </p:sld>
 </file>
 
-<file path=ppt/slides/slide14.xml><?xml version="1.0" encoding="utf-8"?>
+<file path=ppt/slides/slide16.xml><?xml version="1.0" encoding="utf-8"?>
 <p:sld xmlns:a="http://schemas.openxmlformats.org/drawingml/2006/main" xmlns:r="http://schemas.openxmlformats.org/officeDocument/2006/relationships" xmlns:p="http://schemas.openxmlformats.org/presentationml/2006/main">
   <p:cSld>
     <p:spTree>
@@ -8200,7 +9406,7 @@
           <a:p>
             <a:fld id="{6597116C-F94B-4B5B-973A-17F07FB5C418}" type="slidenum">
               <a:rPr lang="nl-BE" smtClean="0"/>
-              <a:t>14</a:t>
+              <a:t>16</a:t>
             </a:fld>
             <a:endParaRPr lang="nl-BE"/>
           </a:p>
@@ -8226,7 +9432,7 @@
 </p:sld>
 </file>
 
-<file path=ppt/slides/slide15.xml><?xml version="1.0" encoding="utf-8"?>
+<file path=ppt/slides/slide17.xml><?xml version="1.0" encoding="utf-8"?>
 <p:sld xmlns:a="http://schemas.openxmlformats.org/drawingml/2006/main" xmlns:r="http://schemas.openxmlformats.org/officeDocument/2006/relationships" xmlns:p="http://schemas.openxmlformats.org/presentationml/2006/main">
   <p:cSld>
     <p:spTree>
@@ -13347,7 +14553,7 @@
             <a:fld id="{F35D8031-C8E5-48F8-A3B6-81643B27A3AF}" type="slidenum">
               <a:rPr lang="nl-BE" smtClean="0"/>
               <a:pPr/>
-              <a:t>15</a:t>
+              <a:t>17</a:t>
             </a:fld>
             <a:endParaRPr lang="nl-BE" dirty="0"/>
           </a:p>
@@ -13373,7 +14579,7 @@
 </p:sld>
 </file>
 
-<file path=ppt/slides/slide16.xml><?xml version="1.0" encoding="utf-8"?>
+<file path=ppt/slides/slide18.xml><?xml version="1.0" encoding="utf-8"?>
 <p:sld xmlns:a="http://schemas.openxmlformats.org/drawingml/2006/main" xmlns:r="http://schemas.openxmlformats.org/officeDocument/2006/relationships" xmlns:p="http://schemas.openxmlformats.org/presentationml/2006/main">
   <p:cSld>
     <p:spTree>
@@ -13449,7 +14655,7 @@
           <a:p>
             <a:fld id="{6597116C-F94B-4B5B-973A-17F07FB5C418}" type="slidenum">
               <a:rPr lang="nl-BE" smtClean="0"/>
-              <a:t>16</a:t>
+              <a:t>18</a:t>
             </a:fld>
             <a:endParaRPr lang="nl-BE"/>
           </a:p>
@@ -13468,7 +14674,7 @@
 </p:sld>
 </file>
 
-<file path=ppt/slides/slide17.xml><?xml version="1.0" encoding="utf-8"?>
+<file path=ppt/slides/slide19.xml><?xml version="1.0" encoding="utf-8"?>
 <p:sld xmlns:a="http://schemas.openxmlformats.org/drawingml/2006/main" xmlns:r="http://schemas.openxmlformats.org/officeDocument/2006/relationships" xmlns:p="http://schemas.openxmlformats.org/presentationml/2006/main">
   <p:cSld>
     <p:spTree>
@@ -13793,7 +14999,7 @@
           <a:p>
             <a:fld id="{6597116C-F94B-4B5B-973A-17F07FB5C418}" type="slidenum">
               <a:rPr lang="nl-BE" smtClean="0"/>
-              <a:t>17</a:t>
+              <a:t>19</a:t>
             </a:fld>
             <a:endParaRPr lang="nl-BE"/>
           </a:p>
@@ -14433,7 +15639,102 @@
 </p:sld>
 </file>
 
-<file path=ppt/slides/slide18.xml><?xml version="1.0" encoding="utf-8"?>
+<file path=ppt/slides/slide2.xml><?xml version="1.0" encoding="utf-8"?>
+<p:sld xmlns:a="http://schemas.openxmlformats.org/drawingml/2006/main" xmlns:r="http://schemas.openxmlformats.org/officeDocument/2006/relationships" xmlns:p="http://schemas.openxmlformats.org/presentationml/2006/main">
+  <p:cSld>
+    <p:spTree>
+      <p:nvGrpSpPr>
+        <p:cNvPr id="1" name=""/>
+        <p:cNvGrpSpPr/>
+        <p:nvPr/>
+      </p:nvGrpSpPr>
+      <p:grpSpPr>
+        <a:xfrm>
+          <a:off x="0" y="0"/>
+          <a:ext cx="0" cy="0"/>
+          <a:chOff x="0" y="0"/>
+          <a:chExt cx="0" cy="0"/>
+        </a:xfrm>
+      </p:grpSpPr>
+      <p:sp>
+        <p:nvSpPr>
+          <p:cNvPr id="2" name="Title 1"/>
+          <p:cNvSpPr>
+            <a:spLocks noGrp="1"/>
+          </p:cNvSpPr>
+          <p:nvPr>
+            <p:ph type="title"/>
+          </p:nvPr>
+        </p:nvSpPr>
+        <p:spPr/>
+        <p:txBody>
+          <a:bodyPr/>
+          <a:lstStyle/>
+          <a:p>
+            <a:r>
+              <a:rPr lang="en-US" dirty="0" smtClean="0"/>
+              <a:t>Introduction</a:t>
+            </a:r>
+            <a:endParaRPr lang="nl-BE" dirty="0"/>
+          </a:p>
+        </p:txBody>
+      </p:sp>
+      <p:sp>
+        <p:nvSpPr>
+          <p:cNvPr id="3" name="Text Placeholder 2"/>
+          <p:cNvSpPr>
+            <a:spLocks noGrp="1"/>
+          </p:cNvSpPr>
+          <p:nvPr>
+            <p:ph type="body" idx="1"/>
+          </p:nvPr>
+        </p:nvSpPr>
+        <p:spPr/>
+        <p:txBody>
+          <a:bodyPr/>
+          <a:lstStyle/>
+          <a:p>
+            <a:endParaRPr lang="nl-BE" dirty="0"/>
+          </a:p>
+        </p:txBody>
+      </p:sp>
+      <p:sp>
+        <p:nvSpPr>
+          <p:cNvPr id="4" name="Slide Number Placeholder 3"/>
+          <p:cNvSpPr>
+            <a:spLocks noGrp="1"/>
+          </p:cNvSpPr>
+          <p:nvPr>
+            <p:ph type="sldNum" sz="quarter" idx="12"/>
+          </p:nvPr>
+        </p:nvSpPr>
+        <p:spPr/>
+        <p:txBody>
+          <a:bodyPr/>
+          <a:lstStyle/>
+          <a:p>
+            <a:fld id="{6597116C-F94B-4B5B-973A-17F07FB5C418}" type="slidenum">
+              <a:rPr lang="nl-BE" smtClean="0"/>
+              <a:t>2</a:t>
+            </a:fld>
+            <a:endParaRPr lang="nl-BE"/>
+          </a:p>
+        </p:txBody>
+      </p:sp>
+    </p:spTree>
+    <p:extLst>
+      <p:ext uri="{BB962C8B-B14F-4D97-AF65-F5344CB8AC3E}">
+        <p14:creationId xmlns:p14="http://schemas.microsoft.com/office/powerpoint/2010/main" val="1580163912"/>
+      </p:ext>
+    </p:extLst>
+  </p:cSld>
+  <p:clrMapOvr>
+    <a:masterClrMapping/>
+  </p:clrMapOvr>
+</p:sld>
+</file>
+
+<file path=ppt/slides/slide20.xml><?xml version="1.0" encoding="utf-8"?>
 <p:sld xmlns:a="http://schemas.openxmlformats.org/drawingml/2006/main" xmlns:r="http://schemas.openxmlformats.org/officeDocument/2006/relationships" xmlns:p="http://schemas.openxmlformats.org/presentationml/2006/main">
   <p:cSld>
     <p:spTree>
@@ -14777,7 +16078,7 @@
           <a:p>
             <a:fld id="{6597116C-F94B-4B5B-973A-17F07FB5C418}" type="slidenum">
               <a:rPr lang="nl-BE" smtClean="0"/>
-              <a:t>18</a:t>
+              <a:t>20</a:t>
             </a:fld>
             <a:endParaRPr lang="nl-BE"/>
           </a:p>
@@ -15396,7 +16697,7 @@
 </p:sld>
 </file>
 
-<file path=ppt/slides/slide19.xml><?xml version="1.0" encoding="utf-8"?>
+<file path=ppt/slides/slide21.xml><?xml version="1.0" encoding="utf-8"?>
 <p:sld xmlns:a="http://schemas.openxmlformats.org/drawingml/2006/main" xmlns:r="http://schemas.openxmlformats.org/officeDocument/2006/relationships" xmlns:p="http://schemas.openxmlformats.org/presentationml/2006/main">
   <p:cSld>
     <p:spTree>
@@ -16460,7 +17761,7 @@
           <a:p>
             <a:fld id="{6597116C-F94B-4B5B-973A-17F07FB5C418}" type="slidenum">
               <a:rPr lang="nl-BE" smtClean="0"/>
-              <a:t>19</a:t>
+              <a:t>21</a:t>
             </a:fld>
             <a:endParaRPr lang="nl-BE"/>
           </a:p>
@@ -17003,7 +18304,7 @@
 </p:sld>
 </file>
 
-<file path=ppt/slides/slide2.xml><?xml version="1.0" encoding="utf-8"?>
+<file path=ppt/slides/slide22.xml><?xml version="1.0" encoding="utf-8"?>
 <p:sld xmlns:a="http://schemas.openxmlformats.org/drawingml/2006/main" xmlns:r="http://schemas.openxmlformats.org/officeDocument/2006/relationships" xmlns:p="http://schemas.openxmlformats.org/presentationml/2006/main">
   <p:cSld>
     <p:spTree>
@@ -17037,106 +18338,7 @@
           <a:p>
             <a:r>
               <a:rPr lang="en-US" dirty="0" smtClean="0"/>
-              <a:t>Parallelism</a:t>
-            </a:r>
-            <a:endParaRPr lang="en-US" dirty="0"/>
-          </a:p>
-        </p:txBody>
-      </p:sp>
-      <p:sp>
-        <p:nvSpPr>
-          <p:cNvPr id="3" name="Content Placeholder 2"/>
-          <p:cNvSpPr>
-            <a:spLocks noGrp="1"/>
-          </p:cNvSpPr>
-          <p:nvPr>
-            <p:ph idx="1"/>
-          </p:nvPr>
-        </p:nvSpPr>
-        <p:spPr/>
-        <p:txBody>
-          <a:bodyPr/>
-          <a:lstStyle/>
-          <a:p>
-            <a:r>
-              <a:rPr lang="en-US" dirty="0" smtClean="0"/>
-              <a:t>Levels</a:t>
-            </a:r>
-          </a:p>
-          <a:p>
-            <a:pPr lvl="1"/>
-            <a:r>
-              <a:rPr lang="en-US" dirty="0" smtClean="0"/>
-              <a:t>vectorization</a:t>
-            </a:r>
-          </a:p>
-          <a:p>
-            <a:pPr lvl="2"/>
-            <a:r>
-              <a:rPr lang="en-US" dirty="0" smtClean="0"/>
-              <a:t>compiler flags, some help needed from programmer</a:t>
-            </a:r>
-          </a:p>
-          <a:p>
-            <a:pPr lvl="1"/>
-            <a:r>
-              <a:rPr lang="en-US" dirty="0" smtClean="0"/>
-              <a:t>multicore</a:t>
-            </a:r>
-          </a:p>
-          <a:p>
-            <a:pPr lvl="2"/>
-            <a:r>
-              <a:rPr lang="en-US" dirty="0" err="1" smtClean="0"/>
-              <a:t>OpenMP</a:t>
-            </a:r>
-            <a:r>
-              <a:rPr lang="en-US" dirty="0" smtClean="0"/>
-              <a:t>/</a:t>
-            </a:r>
-            <a:r>
-              <a:rPr lang="en-US" dirty="0" err="1" smtClean="0"/>
-              <a:t>pthreads</a:t>
-            </a:r>
-            <a:r>
-              <a:rPr lang="en-US" dirty="0" smtClean="0"/>
-              <a:t>: programmer's job</a:t>
-            </a:r>
-          </a:p>
-          <a:p>
-            <a:pPr lvl="1"/>
-            <a:r>
-              <a:rPr lang="en-US" dirty="0" smtClean="0"/>
-              <a:t>multiple node, i.e., distributed</a:t>
-            </a:r>
-          </a:p>
-          <a:p>
-            <a:pPr lvl="2"/>
-            <a:r>
-              <a:rPr lang="en-US" dirty="0" smtClean="0"/>
-              <a:t>MPI: programmer's job</a:t>
-            </a:r>
-          </a:p>
-          <a:p>
-            <a:pPr lvl="1"/>
-            <a:r>
-              <a:rPr lang="en-US" dirty="0" smtClean="0"/>
-              <a:t>GPGPU</a:t>
-            </a:r>
-          </a:p>
-          <a:p>
-            <a:pPr lvl="2"/>
-            <a:r>
-              <a:rPr lang="en-US" dirty="0" smtClean="0"/>
-              <a:t>CUDA/</a:t>
-            </a:r>
-            <a:r>
-              <a:rPr lang="en-US" dirty="0" err="1" smtClean="0"/>
-              <a:t>OpenACC</a:t>
-            </a:r>
-            <a:r>
-              <a:rPr lang="en-US" dirty="0" smtClean="0"/>
-              <a:t>/OpenCL: programmer's job</a:t>
+              <a:t>Cache line timings</a:t>
             </a:r>
             <a:endParaRPr lang="en-US" dirty="0"/>
           </a:p>
@@ -17159,621 +18361,7 @@
           <a:p>
             <a:fld id="{6597116C-F94B-4B5B-973A-17F07FB5C418}" type="slidenum">
               <a:rPr lang="nl-BE" smtClean="0"/>
-              <a:t>2</a:t>
-            </a:fld>
-            <a:endParaRPr lang="nl-BE"/>
-          </a:p>
-        </p:txBody>
-      </p:sp>
-      <p:grpSp>
-        <p:nvGrpSpPr>
-          <p:cNvPr id="7" name="Group 6"/>
-          <p:cNvGrpSpPr/>
-          <p:nvPr/>
-        </p:nvGrpSpPr>
-        <p:grpSpPr>
-          <a:xfrm>
-            <a:off x="6553200" y="3284984"/>
-            <a:ext cx="1479142" cy="1656184"/>
-            <a:chOff x="6553200" y="3284984"/>
-            <a:chExt cx="1479142" cy="1656184"/>
-          </a:xfrm>
-        </p:grpSpPr>
-        <p:sp>
-          <p:nvSpPr>
-            <p:cNvPr id="5" name="Right Brace 4"/>
-            <p:cNvSpPr/>
-            <p:nvPr/>
-          </p:nvSpPr>
-          <p:spPr>
-            <a:xfrm>
-              <a:off x="6553200" y="3284984"/>
-              <a:ext cx="179040" cy="1656184"/>
-            </a:xfrm>
-            <a:prstGeom prst="rightBrace">
-              <a:avLst/>
-            </a:prstGeom>
-            <a:ln>
-              <a:solidFill>
-                <a:schemeClr val="tx1"/>
-              </a:solidFill>
-            </a:ln>
-          </p:spPr>
-          <p:style>
-            <a:lnRef idx="1">
-              <a:schemeClr val="accent1"/>
-            </a:lnRef>
-            <a:fillRef idx="0">
-              <a:schemeClr val="accent1"/>
-            </a:fillRef>
-            <a:effectRef idx="0">
-              <a:schemeClr val="accent1"/>
-            </a:effectRef>
-            <a:fontRef idx="minor">
-              <a:schemeClr val="tx1"/>
-            </a:fontRef>
-          </p:style>
-          <p:txBody>
-            <a:bodyPr rtlCol="0" anchor="ctr"/>
-            <a:lstStyle/>
-            <a:p>
-              <a:pPr algn="ctr"/>
-              <a:endParaRPr lang="en-US"/>
-            </a:p>
-          </p:txBody>
-        </p:sp>
-        <p:sp>
-          <p:nvSpPr>
-            <p:cNvPr id="6" name="TextBox 5"/>
-            <p:cNvSpPr txBox="1"/>
-            <p:nvPr/>
-          </p:nvSpPr>
-          <p:spPr>
-            <a:xfrm>
-              <a:off x="6876256" y="3851466"/>
-              <a:ext cx="1156086" cy="523220"/>
-            </a:xfrm>
-            <a:prstGeom prst="rect">
-              <a:avLst/>
-            </a:prstGeom>
-            <a:noFill/>
-          </p:spPr>
-          <p:txBody>
-            <a:bodyPr wrap="none" rtlCol="0">
-              <a:spAutoFit/>
-            </a:bodyPr>
-            <a:lstStyle/>
-            <a:p>
-              <a:r>
-                <a:rPr lang="en-US" sz="2800" dirty="0" smtClean="0"/>
-                <a:t>Hybrid</a:t>
-              </a:r>
-              <a:endParaRPr lang="en-US" sz="2800" dirty="0"/>
-            </a:p>
-          </p:txBody>
-        </p:sp>
-      </p:grpSp>
-    </p:spTree>
-    <p:extLst>
-      <p:ext uri="{BB962C8B-B14F-4D97-AF65-F5344CB8AC3E}">
-        <p14:creationId xmlns:p14="http://schemas.microsoft.com/office/powerpoint/2010/main" val="1972215598"/>
-      </p:ext>
-    </p:extLst>
-  </p:cSld>
-  <p:clrMapOvr>
-    <a:masterClrMapping/>
-  </p:clrMapOvr>
-  <p:timing>
-    <p:tnLst>
-      <p:par>
-        <p:cTn id="1" dur="indefinite" restart="never" nodeType="tmRoot">
-          <p:childTnLst>
-            <p:seq concurrent="1" nextAc="seek">
-              <p:cTn id="2" dur="indefinite" nodeType="mainSeq">
-                <p:childTnLst>
-                  <p:par>
-                    <p:cTn id="3" fill="hold">
-                      <p:stCondLst>
-                        <p:cond delay="indefinite"/>
-                        <p:cond evt="onBegin" delay="0">
-                          <p:tn val="2"/>
-                        </p:cond>
-                      </p:stCondLst>
-                      <p:childTnLst>
-                        <p:par>
-                          <p:cTn id="4" fill="hold">
-                            <p:stCondLst>
-                              <p:cond delay="0"/>
-                            </p:stCondLst>
-                            <p:childTnLst>
-                              <p:par>
-                                <p:cTn id="5" presetID="1" presetClass="entr" presetSubtype="0" fill="hold" grpId="0" nodeType="withEffect">
-                                  <p:stCondLst>
-                                    <p:cond delay="0"/>
-                                  </p:stCondLst>
-                                  <p:childTnLst>
-                                    <p:set>
-                                      <p:cBhvr>
-                                        <p:cTn id="6" dur="1" fill="hold">
-                                          <p:stCondLst>
-                                            <p:cond delay="0"/>
-                                          </p:stCondLst>
-                                        </p:cTn>
-                                        <p:tgtEl>
-                                          <p:spTgt spid="3">
-                                            <p:txEl>
-                                              <p:pRg st="0" end="0"/>
-                                            </p:txEl>
-                                          </p:spTgt>
-                                        </p:tgtEl>
-                                        <p:attrNameLst>
-                                          <p:attrName>style.visibility</p:attrName>
-                                        </p:attrNameLst>
-                                      </p:cBhvr>
-                                      <p:to>
-                                        <p:strVal val="visible"/>
-                                      </p:to>
-                                    </p:set>
-                                  </p:childTnLst>
-                                </p:cTn>
-                              </p:par>
-                            </p:childTnLst>
-                          </p:cTn>
-                        </p:par>
-                      </p:childTnLst>
-                    </p:cTn>
-                  </p:par>
-                  <p:par>
-                    <p:cTn id="7" fill="hold">
-                      <p:stCondLst>
-                        <p:cond delay="indefinite"/>
-                      </p:stCondLst>
-                      <p:childTnLst>
-                        <p:par>
-                          <p:cTn id="8" fill="hold">
-                            <p:stCondLst>
-                              <p:cond delay="0"/>
-                            </p:stCondLst>
-                            <p:childTnLst>
-                              <p:par>
-                                <p:cTn id="9" presetID="1" presetClass="entr" presetSubtype="0" fill="hold" grpId="0" nodeType="clickEffect">
-                                  <p:stCondLst>
-                                    <p:cond delay="0"/>
-                                  </p:stCondLst>
-                                  <p:childTnLst>
-                                    <p:set>
-                                      <p:cBhvr>
-                                        <p:cTn id="10" dur="1" fill="hold">
-                                          <p:stCondLst>
-                                            <p:cond delay="0"/>
-                                          </p:stCondLst>
-                                        </p:cTn>
-                                        <p:tgtEl>
-                                          <p:spTgt spid="3">
-                                            <p:txEl>
-                                              <p:pRg st="1" end="1"/>
-                                            </p:txEl>
-                                          </p:spTgt>
-                                        </p:tgtEl>
-                                        <p:attrNameLst>
-                                          <p:attrName>style.visibility</p:attrName>
-                                        </p:attrNameLst>
-                                      </p:cBhvr>
-                                      <p:to>
-                                        <p:strVal val="visible"/>
-                                      </p:to>
-                                    </p:set>
-                                  </p:childTnLst>
-                                </p:cTn>
-                              </p:par>
-                              <p:par>
-                                <p:cTn id="11" presetID="1" presetClass="entr" presetSubtype="0" fill="hold" grpId="0" nodeType="withEffect">
-                                  <p:stCondLst>
-                                    <p:cond delay="0"/>
-                                  </p:stCondLst>
-                                  <p:childTnLst>
-                                    <p:set>
-                                      <p:cBhvr>
-                                        <p:cTn id="12" dur="1" fill="hold">
-                                          <p:stCondLst>
-                                            <p:cond delay="0"/>
-                                          </p:stCondLst>
-                                        </p:cTn>
-                                        <p:tgtEl>
-                                          <p:spTgt spid="3">
-                                            <p:txEl>
-                                              <p:pRg st="2" end="2"/>
-                                            </p:txEl>
-                                          </p:spTgt>
-                                        </p:tgtEl>
-                                        <p:attrNameLst>
-                                          <p:attrName>style.visibility</p:attrName>
-                                        </p:attrNameLst>
-                                      </p:cBhvr>
-                                      <p:to>
-                                        <p:strVal val="visible"/>
-                                      </p:to>
-                                    </p:set>
-                                  </p:childTnLst>
-                                </p:cTn>
-                              </p:par>
-                            </p:childTnLst>
-                          </p:cTn>
-                        </p:par>
-                      </p:childTnLst>
-                    </p:cTn>
-                  </p:par>
-                  <p:par>
-                    <p:cTn id="13" fill="hold">
-                      <p:stCondLst>
-                        <p:cond delay="indefinite"/>
-                      </p:stCondLst>
-                      <p:childTnLst>
-                        <p:par>
-                          <p:cTn id="14" fill="hold">
-                            <p:stCondLst>
-                              <p:cond delay="0"/>
-                            </p:stCondLst>
-                            <p:childTnLst>
-                              <p:par>
-                                <p:cTn id="15" presetID="1" presetClass="entr" presetSubtype="0" fill="hold" grpId="0" nodeType="clickEffect">
-                                  <p:stCondLst>
-                                    <p:cond delay="0"/>
-                                  </p:stCondLst>
-                                  <p:childTnLst>
-                                    <p:set>
-                                      <p:cBhvr>
-                                        <p:cTn id="16" dur="1" fill="hold">
-                                          <p:stCondLst>
-                                            <p:cond delay="0"/>
-                                          </p:stCondLst>
-                                        </p:cTn>
-                                        <p:tgtEl>
-                                          <p:spTgt spid="3">
-                                            <p:txEl>
-                                              <p:pRg st="3" end="3"/>
-                                            </p:txEl>
-                                          </p:spTgt>
-                                        </p:tgtEl>
-                                        <p:attrNameLst>
-                                          <p:attrName>style.visibility</p:attrName>
-                                        </p:attrNameLst>
-                                      </p:cBhvr>
-                                      <p:to>
-                                        <p:strVal val="visible"/>
-                                      </p:to>
-                                    </p:set>
-                                  </p:childTnLst>
-                                </p:cTn>
-                              </p:par>
-                              <p:par>
-                                <p:cTn id="17" presetID="1" presetClass="entr" presetSubtype="0" fill="hold" grpId="0" nodeType="withEffect">
-                                  <p:stCondLst>
-                                    <p:cond delay="0"/>
-                                  </p:stCondLst>
-                                  <p:childTnLst>
-                                    <p:set>
-                                      <p:cBhvr>
-                                        <p:cTn id="18" dur="1" fill="hold">
-                                          <p:stCondLst>
-                                            <p:cond delay="0"/>
-                                          </p:stCondLst>
-                                        </p:cTn>
-                                        <p:tgtEl>
-                                          <p:spTgt spid="3">
-                                            <p:txEl>
-                                              <p:pRg st="4" end="4"/>
-                                            </p:txEl>
-                                          </p:spTgt>
-                                        </p:tgtEl>
-                                        <p:attrNameLst>
-                                          <p:attrName>style.visibility</p:attrName>
-                                        </p:attrNameLst>
-                                      </p:cBhvr>
-                                      <p:to>
-                                        <p:strVal val="visible"/>
-                                      </p:to>
-                                    </p:set>
-                                  </p:childTnLst>
-                                </p:cTn>
-                              </p:par>
-                            </p:childTnLst>
-                          </p:cTn>
-                        </p:par>
-                      </p:childTnLst>
-                    </p:cTn>
-                  </p:par>
-                  <p:par>
-                    <p:cTn id="19" fill="hold">
-                      <p:stCondLst>
-                        <p:cond delay="indefinite"/>
-                      </p:stCondLst>
-                      <p:childTnLst>
-                        <p:par>
-                          <p:cTn id="20" fill="hold">
-                            <p:stCondLst>
-                              <p:cond delay="0"/>
-                            </p:stCondLst>
-                            <p:childTnLst>
-                              <p:par>
-                                <p:cTn id="21" presetID="1" presetClass="entr" presetSubtype="0" fill="hold" grpId="0" nodeType="clickEffect">
-                                  <p:stCondLst>
-                                    <p:cond delay="0"/>
-                                  </p:stCondLst>
-                                  <p:childTnLst>
-                                    <p:set>
-                                      <p:cBhvr>
-                                        <p:cTn id="22" dur="1" fill="hold">
-                                          <p:stCondLst>
-                                            <p:cond delay="0"/>
-                                          </p:stCondLst>
-                                        </p:cTn>
-                                        <p:tgtEl>
-                                          <p:spTgt spid="3">
-                                            <p:txEl>
-                                              <p:pRg st="5" end="5"/>
-                                            </p:txEl>
-                                          </p:spTgt>
-                                        </p:tgtEl>
-                                        <p:attrNameLst>
-                                          <p:attrName>style.visibility</p:attrName>
-                                        </p:attrNameLst>
-                                      </p:cBhvr>
-                                      <p:to>
-                                        <p:strVal val="visible"/>
-                                      </p:to>
-                                    </p:set>
-                                  </p:childTnLst>
-                                </p:cTn>
-                              </p:par>
-                              <p:par>
-                                <p:cTn id="23" presetID="1" presetClass="entr" presetSubtype="0" fill="hold" grpId="0" nodeType="withEffect">
-                                  <p:stCondLst>
-                                    <p:cond delay="0"/>
-                                  </p:stCondLst>
-                                  <p:childTnLst>
-                                    <p:set>
-                                      <p:cBhvr>
-                                        <p:cTn id="24" dur="1" fill="hold">
-                                          <p:stCondLst>
-                                            <p:cond delay="0"/>
-                                          </p:stCondLst>
-                                        </p:cTn>
-                                        <p:tgtEl>
-                                          <p:spTgt spid="3">
-                                            <p:txEl>
-                                              <p:pRg st="6" end="6"/>
-                                            </p:txEl>
-                                          </p:spTgt>
-                                        </p:tgtEl>
-                                        <p:attrNameLst>
-                                          <p:attrName>style.visibility</p:attrName>
-                                        </p:attrNameLst>
-                                      </p:cBhvr>
-                                      <p:to>
-                                        <p:strVal val="visible"/>
-                                      </p:to>
-                                    </p:set>
-                                  </p:childTnLst>
-                                </p:cTn>
-                              </p:par>
-                            </p:childTnLst>
-                          </p:cTn>
-                        </p:par>
-                      </p:childTnLst>
-                    </p:cTn>
-                  </p:par>
-                  <p:par>
-                    <p:cTn id="25" fill="hold">
-                      <p:stCondLst>
-                        <p:cond delay="indefinite"/>
-                      </p:stCondLst>
-                      <p:childTnLst>
-                        <p:par>
-                          <p:cTn id="26" fill="hold">
-                            <p:stCondLst>
-                              <p:cond delay="0"/>
-                            </p:stCondLst>
-                            <p:childTnLst>
-                              <p:par>
-                                <p:cTn id="27" presetID="1" presetClass="entr" presetSubtype="0" fill="hold" nodeType="clickEffect">
-                                  <p:stCondLst>
-                                    <p:cond delay="0"/>
-                                  </p:stCondLst>
-                                  <p:childTnLst>
-                                    <p:set>
-                                      <p:cBhvr>
-                                        <p:cTn id="28" dur="1" fill="hold">
-                                          <p:stCondLst>
-                                            <p:cond delay="0"/>
-                                          </p:stCondLst>
-                                        </p:cTn>
-                                        <p:tgtEl>
-                                          <p:spTgt spid="7"/>
-                                        </p:tgtEl>
-                                        <p:attrNameLst>
-                                          <p:attrName>style.visibility</p:attrName>
-                                        </p:attrNameLst>
-                                      </p:cBhvr>
-                                      <p:to>
-                                        <p:strVal val="visible"/>
-                                      </p:to>
-                                    </p:set>
-                                  </p:childTnLst>
-                                </p:cTn>
-                              </p:par>
-                            </p:childTnLst>
-                          </p:cTn>
-                        </p:par>
-                      </p:childTnLst>
-                    </p:cTn>
-                  </p:par>
-                  <p:par>
-                    <p:cTn id="29" fill="hold">
-                      <p:stCondLst>
-                        <p:cond delay="indefinite"/>
-                      </p:stCondLst>
-                      <p:childTnLst>
-                        <p:par>
-                          <p:cTn id="30" fill="hold">
-                            <p:stCondLst>
-                              <p:cond delay="0"/>
-                            </p:stCondLst>
-                            <p:childTnLst>
-                              <p:par>
-                                <p:cTn id="31" presetID="1" presetClass="entr" presetSubtype="0" fill="hold" grpId="0" nodeType="clickEffect">
-                                  <p:stCondLst>
-                                    <p:cond delay="0"/>
-                                  </p:stCondLst>
-                                  <p:childTnLst>
-                                    <p:set>
-                                      <p:cBhvr>
-                                        <p:cTn id="32" dur="1" fill="hold">
-                                          <p:stCondLst>
-                                            <p:cond delay="0"/>
-                                          </p:stCondLst>
-                                        </p:cTn>
-                                        <p:tgtEl>
-                                          <p:spTgt spid="3">
-                                            <p:txEl>
-                                              <p:pRg st="7" end="7"/>
-                                            </p:txEl>
-                                          </p:spTgt>
-                                        </p:tgtEl>
-                                        <p:attrNameLst>
-                                          <p:attrName>style.visibility</p:attrName>
-                                        </p:attrNameLst>
-                                      </p:cBhvr>
-                                      <p:to>
-                                        <p:strVal val="visible"/>
-                                      </p:to>
-                                    </p:set>
-                                  </p:childTnLst>
-                                </p:cTn>
-                              </p:par>
-                              <p:par>
-                                <p:cTn id="33" presetID="1" presetClass="entr" presetSubtype="0" fill="hold" grpId="0" nodeType="withEffect">
-                                  <p:stCondLst>
-                                    <p:cond delay="0"/>
-                                  </p:stCondLst>
-                                  <p:childTnLst>
-                                    <p:set>
-                                      <p:cBhvr>
-                                        <p:cTn id="34" dur="1" fill="hold">
-                                          <p:stCondLst>
-                                            <p:cond delay="0"/>
-                                          </p:stCondLst>
-                                        </p:cTn>
-                                        <p:tgtEl>
-                                          <p:spTgt spid="3">
-                                            <p:txEl>
-                                              <p:pRg st="8" end="8"/>
-                                            </p:txEl>
-                                          </p:spTgt>
-                                        </p:tgtEl>
-                                        <p:attrNameLst>
-                                          <p:attrName>style.visibility</p:attrName>
-                                        </p:attrNameLst>
-                                      </p:cBhvr>
-                                      <p:to>
-                                        <p:strVal val="visible"/>
-                                      </p:to>
-                                    </p:set>
-                                  </p:childTnLst>
-                                </p:cTn>
-                              </p:par>
-                            </p:childTnLst>
-                          </p:cTn>
-                        </p:par>
-                      </p:childTnLst>
-                    </p:cTn>
-                  </p:par>
-                </p:childTnLst>
-              </p:cTn>
-              <p:prevCondLst>
-                <p:cond evt="onPrev" delay="0">
-                  <p:tgtEl>
-                    <p:sldTgt/>
-                  </p:tgtEl>
-                </p:cond>
-              </p:prevCondLst>
-              <p:nextCondLst>
-                <p:cond evt="onNext" delay="0">
-                  <p:tgtEl>
-                    <p:sldTgt/>
-                  </p:tgtEl>
-                </p:cond>
-              </p:nextCondLst>
-            </p:seq>
-          </p:childTnLst>
-        </p:cTn>
-      </p:par>
-    </p:tnLst>
-    <p:bldLst>
-      <p:bldP spid="3" grpId="0" uiExpand="1" build="p" bldLvl="2"/>
-    </p:bldLst>
-  </p:timing>
-</p:sld>
-</file>
-
-<file path=ppt/slides/slide20.xml><?xml version="1.0" encoding="utf-8"?>
-<p:sld xmlns:a="http://schemas.openxmlformats.org/drawingml/2006/main" xmlns:r="http://schemas.openxmlformats.org/officeDocument/2006/relationships" xmlns:p="http://schemas.openxmlformats.org/presentationml/2006/main">
-  <p:cSld>
-    <p:spTree>
-      <p:nvGrpSpPr>
-        <p:cNvPr id="1" name=""/>
-        <p:cNvGrpSpPr/>
-        <p:nvPr/>
-      </p:nvGrpSpPr>
-      <p:grpSpPr>
-        <a:xfrm>
-          <a:off x="0" y="0"/>
-          <a:ext cx="0" cy="0"/>
-          <a:chOff x="0" y="0"/>
-          <a:chExt cx="0" cy="0"/>
-        </a:xfrm>
-      </p:grpSpPr>
-      <p:sp>
-        <p:nvSpPr>
-          <p:cNvPr id="2" name="Title 1"/>
-          <p:cNvSpPr>
-            <a:spLocks noGrp="1"/>
-          </p:cNvSpPr>
-          <p:nvPr>
-            <p:ph type="title"/>
-          </p:nvPr>
-        </p:nvSpPr>
-        <p:spPr/>
-        <p:txBody>
-          <a:bodyPr/>
-          <a:lstStyle/>
-          <a:p>
-            <a:r>
-              <a:rPr lang="en-US" dirty="0" smtClean="0"/>
-              <a:t>Cache line timings</a:t>
-            </a:r>
-            <a:endParaRPr lang="en-US" dirty="0"/>
-          </a:p>
-        </p:txBody>
-      </p:sp>
-      <p:sp>
-        <p:nvSpPr>
-          <p:cNvPr id="4" name="Slide Number Placeholder 3"/>
-          <p:cNvSpPr>
-            <a:spLocks noGrp="1"/>
-          </p:cNvSpPr>
-          <p:nvPr>
-            <p:ph type="sldNum" sz="quarter" idx="12"/>
-          </p:nvPr>
-        </p:nvSpPr>
-        <p:spPr/>
-        <p:txBody>
-          <a:bodyPr/>
-          <a:lstStyle/>
-          <a:p>
-            <a:fld id="{6597116C-F94B-4B5B-973A-17F07FB5C418}" type="slidenum">
-              <a:rPr lang="nl-BE" smtClean="0"/>
-              <a:t>20</a:t>
+              <a:t>22</a:t>
             </a:fld>
             <a:endParaRPr lang="nl-BE"/>
           </a:p>
@@ -18696,7 +19284,7 @@
 </p:sld>
 </file>
 
-<file path=ppt/slides/slide21.xml><?xml version="1.0" encoding="utf-8"?>
+<file path=ppt/slides/slide23.xml><?xml version="1.0" encoding="utf-8"?>
 <p:sld xmlns:a="http://schemas.openxmlformats.org/drawingml/2006/main" xmlns:r="http://schemas.openxmlformats.org/officeDocument/2006/relationships" xmlns:p="http://schemas.openxmlformats.org/presentationml/2006/main">
   <p:cSld>
     <p:spTree>
@@ -18794,7 +19382,7 @@
           <a:p>
             <a:fld id="{6597116C-F94B-4B5B-973A-17F07FB5C418}" type="slidenum">
               <a:rPr lang="nl-BE" smtClean="0"/>
-              <a:t>21</a:t>
+              <a:t>23</a:t>
             </a:fld>
             <a:endParaRPr lang="nl-BE"/>
           </a:p>
@@ -18822,7 +19410,7 @@
           <a:graphicData uri="http://schemas.openxmlformats.org/presentationml/2006/ole">
             <mc:AlternateContent xmlns:mc="http://schemas.openxmlformats.org/markup-compatibility/2006">
               <mc:Choice xmlns:v="urn:schemas-microsoft-com:vml" Requires="v">
-                <p:oleObj spid="_x0000_s2109" name="Equation" r:id="rId3" imgW="1091880" imgH="1041120" progId="Equation.3">
+                <p:oleObj spid="_x0000_s2117" name="Equation" r:id="rId3" imgW="1091880" imgH="1041120" progId="Equation.3">
                   <p:embed/>
                 </p:oleObj>
               </mc:Choice>
@@ -20193,7 +20781,7 @@
           <a:graphicData uri="http://schemas.openxmlformats.org/presentationml/2006/ole">
             <mc:AlternateContent xmlns:mc="http://schemas.openxmlformats.org/markup-compatibility/2006">
               <mc:Choice xmlns:v="urn:schemas-microsoft-com:vml" Requires="v">
-                <p:oleObj spid="_x0000_s2110" name="Equation" r:id="rId5" imgW="1091880" imgH="1041120" progId="Equation.3">
+                <p:oleObj spid="_x0000_s2118" name="Equation" r:id="rId5" imgW="1091880" imgH="1041120" progId="Equation.3">
                   <p:embed/>
                 </p:oleObj>
               </mc:Choice>
@@ -20873,7 +21461,7 @@
 </p:sld>
 </file>
 
-<file path=ppt/slides/slide22.xml><?xml version="1.0" encoding="utf-8"?>
+<file path=ppt/slides/slide24.xml><?xml version="1.0" encoding="utf-8"?>
 <p:sld xmlns:a="http://schemas.openxmlformats.org/drawingml/2006/main" xmlns:r="http://schemas.openxmlformats.org/officeDocument/2006/relationships" xmlns:p="http://schemas.openxmlformats.org/presentationml/2006/main">
   <p:cSld>
     <p:spTree>
@@ -21100,7 +21688,7 @@
           <a:p>
             <a:fld id="{6597116C-F94B-4B5B-973A-17F07FB5C418}" type="slidenum">
               <a:rPr lang="nl-BE" smtClean="0"/>
-              <a:t>22</a:t>
+              <a:t>24</a:t>
             </a:fld>
             <a:endParaRPr lang="nl-BE"/>
           </a:p>
@@ -22862,196 +23450,6 @@
 </p:sld>
 </file>
 
-<file path=ppt/slides/slide23.xml><?xml version="1.0" encoding="utf-8"?>
-<p:sld xmlns:a="http://schemas.openxmlformats.org/drawingml/2006/main" xmlns:r="http://schemas.openxmlformats.org/officeDocument/2006/relationships" xmlns:p="http://schemas.openxmlformats.org/presentationml/2006/main">
-  <p:cSld>
-    <p:spTree>
-      <p:nvGrpSpPr>
-        <p:cNvPr id="1" name=""/>
-        <p:cNvGrpSpPr/>
-        <p:nvPr/>
-      </p:nvGrpSpPr>
-      <p:grpSpPr>
-        <a:xfrm>
-          <a:off x="0" y="0"/>
-          <a:ext cx="0" cy="0"/>
-          <a:chOff x="0" y="0"/>
-          <a:chExt cx="0" cy="0"/>
-        </a:xfrm>
-      </p:grpSpPr>
-      <p:sp>
-        <p:nvSpPr>
-          <p:cNvPr id="2" name="Title 1"/>
-          <p:cNvSpPr>
-            <a:spLocks noGrp="1"/>
-          </p:cNvSpPr>
-          <p:nvPr>
-            <p:ph type="title"/>
-          </p:nvPr>
-        </p:nvSpPr>
-        <p:spPr/>
-        <p:txBody>
-          <a:bodyPr/>
-          <a:lstStyle/>
-          <a:p>
-            <a:r>
-              <a:rPr lang="en-US" dirty="0" smtClean="0"/>
-              <a:t>Cache associativity</a:t>
-            </a:r>
-            <a:endParaRPr lang="nl-BE" dirty="0"/>
-          </a:p>
-        </p:txBody>
-      </p:sp>
-      <p:sp>
-        <p:nvSpPr>
-          <p:cNvPr id="3" name="Content Placeholder 2"/>
-          <p:cNvSpPr>
-            <a:spLocks noGrp="1"/>
-          </p:cNvSpPr>
-          <p:nvPr>
-            <p:ph idx="1"/>
-          </p:nvPr>
-        </p:nvSpPr>
-        <p:spPr/>
-        <p:txBody>
-          <a:bodyPr/>
-          <a:lstStyle/>
-          <a:p>
-            <a:endParaRPr lang="nl-BE"/>
-          </a:p>
-        </p:txBody>
-      </p:sp>
-      <p:sp>
-        <p:nvSpPr>
-          <p:cNvPr id="4" name="Slide Number Placeholder 3"/>
-          <p:cNvSpPr>
-            <a:spLocks noGrp="1"/>
-          </p:cNvSpPr>
-          <p:nvPr>
-            <p:ph type="sldNum" sz="quarter" idx="12"/>
-          </p:nvPr>
-        </p:nvSpPr>
-        <p:spPr/>
-        <p:txBody>
-          <a:bodyPr/>
-          <a:lstStyle/>
-          <a:p>
-            <a:fld id="{6597116C-F94B-4B5B-973A-17F07FB5C418}" type="slidenum">
-              <a:rPr lang="nl-BE" smtClean="0"/>
-              <a:t>23</a:t>
-            </a:fld>
-            <a:endParaRPr lang="nl-BE"/>
-          </a:p>
-        </p:txBody>
-      </p:sp>
-    </p:spTree>
-    <p:extLst>
-      <p:ext uri="{BB962C8B-B14F-4D97-AF65-F5344CB8AC3E}">
-        <p14:creationId xmlns:p14="http://schemas.microsoft.com/office/powerpoint/2010/main" val="3560811977"/>
-      </p:ext>
-    </p:extLst>
-  </p:cSld>
-  <p:clrMapOvr>
-    <a:masterClrMapping/>
-  </p:clrMapOvr>
-</p:sld>
-</file>
-
-<file path=ppt/slides/slide24.xml><?xml version="1.0" encoding="utf-8"?>
-<p:sld xmlns:a="http://schemas.openxmlformats.org/drawingml/2006/main" xmlns:r="http://schemas.openxmlformats.org/officeDocument/2006/relationships" xmlns:p="http://schemas.openxmlformats.org/presentationml/2006/main">
-  <p:cSld>
-    <p:spTree>
-      <p:nvGrpSpPr>
-        <p:cNvPr id="1" name=""/>
-        <p:cNvGrpSpPr/>
-        <p:nvPr/>
-      </p:nvGrpSpPr>
-      <p:grpSpPr>
-        <a:xfrm>
-          <a:off x="0" y="0"/>
-          <a:ext cx="0" cy="0"/>
-          <a:chOff x="0" y="0"/>
-          <a:chExt cx="0" cy="0"/>
-        </a:xfrm>
-      </p:grpSpPr>
-      <p:sp>
-        <p:nvSpPr>
-          <p:cNvPr id="2" name="Title 1"/>
-          <p:cNvSpPr>
-            <a:spLocks noGrp="1"/>
-          </p:cNvSpPr>
-          <p:nvPr>
-            <p:ph type="title"/>
-          </p:nvPr>
-        </p:nvSpPr>
-        <p:spPr/>
-        <p:txBody>
-          <a:bodyPr/>
-          <a:lstStyle/>
-          <a:p>
-            <a:r>
-              <a:rPr lang="en-US" dirty="0" smtClean="0"/>
-              <a:t>CPU</a:t>
-            </a:r>
-            <a:endParaRPr lang="nl-BE" dirty="0"/>
-          </a:p>
-        </p:txBody>
-      </p:sp>
-      <p:sp>
-        <p:nvSpPr>
-          <p:cNvPr id="3" name="Text Placeholder 2"/>
-          <p:cNvSpPr>
-            <a:spLocks noGrp="1"/>
-          </p:cNvSpPr>
-          <p:nvPr>
-            <p:ph type="body" idx="1"/>
-          </p:nvPr>
-        </p:nvSpPr>
-        <p:spPr/>
-        <p:txBody>
-          <a:bodyPr/>
-          <a:lstStyle/>
-          <a:p>
-            <a:endParaRPr lang="nl-BE"/>
-          </a:p>
-        </p:txBody>
-      </p:sp>
-      <p:sp>
-        <p:nvSpPr>
-          <p:cNvPr id="4" name="Slide Number Placeholder 3"/>
-          <p:cNvSpPr>
-            <a:spLocks noGrp="1"/>
-          </p:cNvSpPr>
-          <p:nvPr>
-            <p:ph type="sldNum" sz="quarter" idx="12"/>
-          </p:nvPr>
-        </p:nvSpPr>
-        <p:spPr/>
-        <p:txBody>
-          <a:bodyPr/>
-          <a:lstStyle/>
-          <a:p>
-            <a:fld id="{6597116C-F94B-4B5B-973A-17F07FB5C418}" type="slidenum">
-              <a:rPr lang="nl-BE" smtClean="0"/>
-              <a:t>24</a:t>
-            </a:fld>
-            <a:endParaRPr lang="nl-BE"/>
-          </a:p>
-        </p:txBody>
-      </p:sp>
-    </p:spTree>
-    <p:extLst>
-      <p:ext uri="{BB962C8B-B14F-4D97-AF65-F5344CB8AC3E}">
-        <p14:creationId xmlns:p14="http://schemas.microsoft.com/office/powerpoint/2010/main" val="818805559"/>
-      </p:ext>
-    </p:extLst>
-  </p:cSld>
-  <p:clrMapOvr>
-    <a:masterClrMapping/>
-  </p:clrMapOvr>
-</p:sld>
-</file>
-
 <file path=ppt/slides/slide25.xml><?xml version="1.0" encoding="utf-8"?>
 <p:sld xmlns:a="http://schemas.openxmlformats.org/drawingml/2006/main" xmlns:r="http://schemas.openxmlformats.org/officeDocument/2006/relationships" xmlns:p="http://schemas.openxmlformats.org/presentationml/2006/main">
   <p:cSld>
@@ -23086,9 +23484,9 @@
           <a:p>
             <a:r>
               <a:rPr lang="en-US" dirty="0" smtClean="0"/>
-              <a:t>Vectorization</a:t>
-            </a:r>
-            <a:endParaRPr lang="en-US" dirty="0"/>
+              <a:t>Cache associativity</a:t>
+            </a:r>
+            <a:endParaRPr lang="nl-BE" dirty="0"/>
           </a:p>
         </p:txBody>
       </p:sp>
@@ -23107,42 +23505,7 @@
           <a:bodyPr/>
           <a:lstStyle/>
           <a:p>
-            <a:r>
-              <a:rPr lang="en-US" dirty="0" smtClean="0"/>
-              <a:t>Arithmetic operation done on registers</a:t>
-            </a:r>
-          </a:p>
-          <a:p>
-            <a:r>
-              <a:rPr lang="en-US" dirty="0" smtClean="0"/>
-              <a:t>Vector registers for floating point operands:</a:t>
-            </a:r>
-            <a:br>
-              <a:rPr lang="en-US" dirty="0" smtClean="0"/>
-            </a:br>
-            <a:r>
-              <a:rPr lang="en-US" dirty="0" smtClean="0"/>
-              <a:t>256 bit wide</a:t>
-            </a:r>
-          </a:p>
-          <a:p>
-            <a:pPr lvl="1"/>
-            <a:r>
-              <a:rPr lang="en-US" dirty="0" smtClean="0"/>
-              <a:t>4 double precision</a:t>
-            </a:r>
-          </a:p>
-          <a:p>
-            <a:pPr lvl="1"/>
-            <a:endParaRPr lang="en-US" dirty="0" smtClean="0"/>
-          </a:p>
-          <a:p>
-            <a:pPr lvl="1"/>
-            <a:r>
-              <a:rPr lang="en-US" dirty="0" smtClean="0"/>
-              <a:t>8 single precision</a:t>
-            </a:r>
-            <a:endParaRPr lang="en-US" dirty="0"/>
+            <a:endParaRPr lang="nl-BE"/>
           </a:p>
         </p:txBody>
       </p:sp>
@@ -23164,6 +23527,231 @@
             <a:fld id="{6597116C-F94B-4B5B-973A-17F07FB5C418}" type="slidenum">
               <a:rPr lang="nl-BE" smtClean="0"/>
               <a:t>25</a:t>
+            </a:fld>
+            <a:endParaRPr lang="nl-BE"/>
+          </a:p>
+        </p:txBody>
+      </p:sp>
+    </p:spTree>
+    <p:extLst>
+      <p:ext uri="{BB962C8B-B14F-4D97-AF65-F5344CB8AC3E}">
+        <p14:creationId xmlns:p14="http://schemas.microsoft.com/office/powerpoint/2010/main" val="3560811977"/>
+      </p:ext>
+    </p:extLst>
+  </p:cSld>
+  <p:clrMapOvr>
+    <a:masterClrMapping/>
+  </p:clrMapOvr>
+</p:sld>
+</file>
+
+<file path=ppt/slides/slide26.xml><?xml version="1.0" encoding="utf-8"?>
+<p:sld xmlns:a="http://schemas.openxmlformats.org/drawingml/2006/main" xmlns:r="http://schemas.openxmlformats.org/officeDocument/2006/relationships" xmlns:p="http://schemas.openxmlformats.org/presentationml/2006/main">
+  <p:cSld>
+    <p:spTree>
+      <p:nvGrpSpPr>
+        <p:cNvPr id="1" name=""/>
+        <p:cNvGrpSpPr/>
+        <p:nvPr/>
+      </p:nvGrpSpPr>
+      <p:grpSpPr>
+        <a:xfrm>
+          <a:off x="0" y="0"/>
+          <a:ext cx="0" cy="0"/>
+          <a:chOff x="0" y="0"/>
+          <a:chExt cx="0" cy="0"/>
+        </a:xfrm>
+      </p:grpSpPr>
+      <p:sp>
+        <p:nvSpPr>
+          <p:cNvPr id="2" name="Title 1"/>
+          <p:cNvSpPr>
+            <a:spLocks noGrp="1"/>
+          </p:cNvSpPr>
+          <p:nvPr>
+            <p:ph type="title"/>
+          </p:nvPr>
+        </p:nvSpPr>
+        <p:spPr/>
+        <p:txBody>
+          <a:bodyPr/>
+          <a:lstStyle/>
+          <a:p>
+            <a:r>
+              <a:rPr lang="en-US" dirty="0" smtClean="0"/>
+              <a:t>CPU</a:t>
+            </a:r>
+            <a:endParaRPr lang="nl-BE" dirty="0"/>
+          </a:p>
+        </p:txBody>
+      </p:sp>
+      <p:sp>
+        <p:nvSpPr>
+          <p:cNvPr id="3" name="Text Placeholder 2"/>
+          <p:cNvSpPr>
+            <a:spLocks noGrp="1"/>
+          </p:cNvSpPr>
+          <p:nvPr>
+            <p:ph type="body" idx="1"/>
+          </p:nvPr>
+        </p:nvSpPr>
+        <p:spPr/>
+        <p:txBody>
+          <a:bodyPr/>
+          <a:lstStyle/>
+          <a:p>
+            <a:endParaRPr lang="nl-BE"/>
+          </a:p>
+        </p:txBody>
+      </p:sp>
+      <p:sp>
+        <p:nvSpPr>
+          <p:cNvPr id="4" name="Slide Number Placeholder 3"/>
+          <p:cNvSpPr>
+            <a:spLocks noGrp="1"/>
+          </p:cNvSpPr>
+          <p:nvPr>
+            <p:ph type="sldNum" sz="quarter" idx="12"/>
+          </p:nvPr>
+        </p:nvSpPr>
+        <p:spPr/>
+        <p:txBody>
+          <a:bodyPr/>
+          <a:lstStyle/>
+          <a:p>
+            <a:fld id="{6597116C-F94B-4B5B-973A-17F07FB5C418}" type="slidenum">
+              <a:rPr lang="nl-BE" smtClean="0"/>
+              <a:t>26</a:t>
+            </a:fld>
+            <a:endParaRPr lang="nl-BE"/>
+          </a:p>
+        </p:txBody>
+      </p:sp>
+    </p:spTree>
+    <p:extLst>
+      <p:ext uri="{BB962C8B-B14F-4D97-AF65-F5344CB8AC3E}">
+        <p14:creationId xmlns:p14="http://schemas.microsoft.com/office/powerpoint/2010/main" val="818805559"/>
+      </p:ext>
+    </p:extLst>
+  </p:cSld>
+  <p:clrMapOvr>
+    <a:masterClrMapping/>
+  </p:clrMapOvr>
+</p:sld>
+</file>
+
+<file path=ppt/slides/slide27.xml><?xml version="1.0" encoding="utf-8"?>
+<p:sld xmlns:a="http://schemas.openxmlformats.org/drawingml/2006/main" xmlns:r="http://schemas.openxmlformats.org/officeDocument/2006/relationships" xmlns:p="http://schemas.openxmlformats.org/presentationml/2006/main">
+  <p:cSld>
+    <p:spTree>
+      <p:nvGrpSpPr>
+        <p:cNvPr id="1" name=""/>
+        <p:cNvGrpSpPr/>
+        <p:nvPr/>
+      </p:nvGrpSpPr>
+      <p:grpSpPr>
+        <a:xfrm>
+          <a:off x="0" y="0"/>
+          <a:ext cx="0" cy="0"/>
+          <a:chOff x="0" y="0"/>
+          <a:chExt cx="0" cy="0"/>
+        </a:xfrm>
+      </p:grpSpPr>
+      <p:sp>
+        <p:nvSpPr>
+          <p:cNvPr id="2" name="Title 1"/>
+          <p:cNvSpPr>
+            <a:spLocks noGrp="1"/>
+          </p:cNvSpPr>
+          <p:nvPr>
+            <p:ph type="title"/>
+          </p:nvPr>
+        </p:nvSpPr>
+        <p:spPr/>
+        <p:txBody>
+          <a:bodyPr/>
+          <a:lstStyle/>
+          <a:p>
+            <a:r>
+              <a:rPr lang="en-US" dirty="0" smtClean="0"/>
+              <a:t>Vectorization</a:t>
+            </a:r>
+            <a:endParaRPr lang="en-US" dirty="0"/>
+          </a:p>
+        </p:txBody>
+      </p:sp>
+      <p:sp>
+        <p:nvSpPr>
+          <p:cNvPr id="3" name="Content Placeholder 2"/>
+          <p:cNvSpPr>
+            <a:spLocks noGrp="1"/>
+          </p:cNvSpPr>
+          <p:nvPr>
+            <p:ph idx="1"/>
+          </p:nvPr>
+        </p:nvSpPr>
+        <p:spPr/>
+        <p:txBody>
+          <a:bodyPr/>
+          <a:lstStyle/>
+          <a:p>
+            <a:r>
+              <a:rPr lang="en-US" dirty="0" smtClean="0"/>
+              <a:t>Arithmetic operation done on registers</a:t>
+            </a:r>
+          </a:p>
+          <a:p>
+            <a:r>
+              <a:rPr lang="en-US" dirty="0" smtClean="0"/>
+              <a:t>Vector registers for floating point operands:</a:t>
+            </a:r>
+            <a:br>
+              <a:rPr lang="en-US" dirty="0" smtClean="0"/>
+            </a:br>
+            <a:r>
+              <a:rPr lang="en-US" dirty="0" smtClean="0"/>
+              <a:t>256 bit wide</a:t>
+            </a:r>
+          </a:p>
+          <a:p>
+            <a:pPr lvl="1"/>
+            <a:r>
+              <a:rPr lang="en-US" dirty="0" smtClean="0"/>
+              <a:t>4 double precision</a:t>
+            </a:r>
+          </a:p>
+          <a:p>
+            <a:pPr lvl="1"/>
+            <a:endParaRPr lang="en-US" dirty="0" smtClean="0"/>
+          </a:p>
+          <a:p>
+            <a:pPr lvl="1"/>
+            <a:r>
+              <a:rPr lang="en-US" dirty="0" smtClean="0"/>
+              <a:t>8 single precision</a:t>
+            </a:r>
+            <a:endParaRPr lang="en-US" dirty="0"/>
+          </a:p>
+        </p:txBody>
+      </p:sp>
+      <p:sp>
+        <p:nvSpPr>
+          <p:cNvPr id="4" name="Slide Number Placeholder 3"/>
+          <p:cNvSpPr>
+            <a:spLocks noGrp="1"/>
+          </p:cNvSpPr>
+          <p:nvPr>
+            <p:ph type="sldNum" sz="quarter" idx="12"/>
+          </p:nvPr>
+        </p:nvSpPr>
+        <p:spPr/>
+        <p:txBody>
+          <a:bodyPr/>
+          <a:lstStyle/>
+          <a:p>
+            <a:fld id="{6597116C-F94B-4B5B-973A-17F07FB5C418}" type="slidenum">
+              <a:rPr lang="nl-BE" smtClean="0"/>
+              <a:t>27</a:t>
             </a:fld>
             <a:endParaRPr lang="nl-BE"/>
           </a:p>
@@ -23943,7 +24531,7 @@
 </p:sld>
 </file>
 
-<file path=ppt/slides/slide26.xml><?xml version="1.0" encoding="utf-8"?>
+<file path=ppt/slides/slide28.xml><?xml version="1.0" encoding="utf-8"?>
 <p:sld xmlns:a="http://schemas.openxmlformats.org/drawingml/2006/main" xmlns:r="http://schemas.openxmlformats.org/officeDocument/2006/relationships" xmlns:p="http://schemas.openxmlformats.org/presentationml/2006/main">
   <p:cSld>
     <p:spTree>
@@ -23977,9 +24565,9 @@
           <a:p>
             <a:r>
               <a:rPr lang="en-US" dirty="0" smtClean="0"/>
-              <a:t>AVX2</a:t>
-            </a:r>
-            <a:endParaRPr lang="en-US" dirty="0"/>
+              <a:t>(Counter) examples</a:t>
+            </a:r>
+            <a:endParaRPr lang="nl-BE" dirty="0"/>
           </a:p>
         </p:txBody>
       </p:sp>
@@ -24000,49 +24588,33 @@
           <a:p>
             <a:r>
               <a:rPr lang="en-US" dirty="0" smtClean="0"/>
-              <a:t>Haswell, Broadwell CPUs: AVX2 instruction set</a:t>
-            </a:r>
-          </a:p>
-          <a:p>
-            <a:pPr lvl="1"/>
+              <a:t>Can be </a:t>
+            </a:r>
+            <a:r>
+              <a:rPr lang="en-US" dirty="0" err="1" smtClean="0"/>
+              <a:t>vectorized</a:t>
+            </a:r>
+            <a:endParaRPr lang="en-US" dirty="0" smtClean="0"/>
+          </a:p>
+          <a:p>
+            <a:endParaRPr lang="en-US" dirty="0"/>
+          </a:p>
+          <a:p>
+            <a:endParaRPr lang="en-US" dirty="0" smtClean="0"/>
+          </a:p>
+          <a:p>
+            <a:endParaRPr lang="en-US" dirty="0"/>
+          </a:p>
+          <a:p>
             <a:r>
               <a:rPr lang="en-US" dirty="0" smtClean="0"/>
-              <a:t>Fused multiply/add: </a:t>
-            </a:r>
-            <a:r>
-              <a:rPr lang="en-US" dirty="0" smtClean="0">
-                <a:latin typeface="Courier New" panose="02070309020205020404" pitchFamily="49" charset="0"/>
-                <a:cs typeface="Courier New" panose="02070309020205020404" pitchFamily="49" charset="0"/>
-              </a:rPr>
-              <a:t>a*x + b</a:t>
-            </a:r>
-            <a:r>
-              <a:rPr lang="en-US" dirty="0" smtClean="0"/>
-              <a:t> is single operation</a:t>
-            </a:r>
-          </a:p>
-          <a:p>
-            <a:pPr lvl="1"/>
-            <a:endParaRPr lang="en-US" dirty="0"/>
-          </a:p>
-          <a:p>
-            <a:pPr lvl="1"/>
-            <a:endParaRPr lang="en-US" dirty="0" smtClean="0"/>
-          </a:p>
-          <a:p>
-            <a:pPr lvl="1"/>
-            <a:r>
-              <a:rPr lang="en-US" dirty="0" smtClean="0"/>
-              <a:t>Integer vector registers: 256 bit wide</a:t>
-            </a:r>
-          </a:p>
-          <a:p>
-            <a:pPr lvl="1"/>
-            <a:r>
-              <a:rPr lang="en-US" dirty="0" smtClean="0"/>
-              <a:t>Extra operations for cryptography</a:t>
-            </a:r>
-            <a:endParaRPr lang="en-US" dirty="0"/>
+              <a:t>Can not be </a:t>
+            </a:r>
+            <a:r>
+              <a:rPr lang="en-US" dirty="0" err="1" smtClean="0"/>
+              <a:t>vectorized</a:t>
+            </a:r>
+            <a:endParaRPr lang="nl-BE" dirty="0"/>
           </a:p>
         </p:txBody>
       </p:sp>
@@ -24063,7 +24635,1624 @@
           <a:p>
             <a:fld id="{6597116C-F94B-4B5B-973A-17F07FB5C418}" type="slidenum">
               <a:rPr lang="nl-BE" smtClean="0"/>
-              <a:t>26</a:t>
+              <a:t>28</a:t>
+            </a:fld>
+            <a:endParaRPr lang="nl-BE"/>
+          </a:p>
+        </p:txBody>
+      </p:sp>
+      <p:sp>
+        <p:nvSpPr>
+          <p:cNvPr id="5" name="TextBox 4"/>
+          <p:cNvSpPr txBox="1"/>
+          <p:nvPr/>
+        </p:nvSpPr>
+        <p:spPr>
+          <a:xfrm>
+            <a:off x="827584" y="2289646"/>
+            <a:ext cx="4044697" cy="923330"/>
+          </a:xfrm>
+          <a:prstGeom prst="rect">
+            <a:avLst/>
+          </a:prstGeom>
+          <a:solidFill>
+            <a:schemeClr val="bg1">
+              <a:lumMod val="85000"/>
+            </a:schemeClr>
+          </a:solidFill>
+          <a:ln>
+            <a:solidFill>
+              <a:schemeClr val="tx1"/>
+            </a:solidFill>
+          </a:ln>
+        </p:spPr>
+        <p:txBody>
+          <a:bodyPr wrap="none" rtlCol="0">
+            <a:spAutoFit/>
+          </a:bodyPr>
+          <a:lstStyle/>
+          <a:p>
+            <a:r>
+              <a:rPr lang="en-US" dirty="0" smtClean="0">
+                <a:latin typeface="Courier New" panose="02070309020205020404" pitchFamily="49" charset="0"/>
+                <a:cs typeface="Courier New" panose="02070309020205020404" pitchFamily="49" charset="0"/>
+              </a:rPr>
+              <a:t>double a[N], b[N], c[N];</a:t>
+            </a:r>
+          </a:p>
+          <a:p>
+            <a:r>
+              <a:rPr lang="en-US" dirty="0" smtClean="0">
+                <a:latin typeface="Courier New" panose="02070309020205020404" pitchFamily="49" charset="0"/>
+                <a:cs typeface="Courier New" panose="02070309020205020404" pitchFamily="49" charset="0"/>
+              </a:rPr>
+              <a:t>for (</a:t>
+            </a:r>
+            <a:r>
+              <a:rPr lang="en-US" dirty="0" err="1" smtClean="0">
+                <a:latin typeface="Courier New" panose="02070309020205020404" pitchFamily="49" charset="0"/>
+                <a:cs typeface="Courier New" panose="02070309020205020404" pitchFamily="49" charset="0"/>
+              </a:rPr>
+              <a:t>int</a:t>
+            </a:r>
+            <a:r>
+              <a:rPr lang="en-US" dirty="0" smtClean="0">
+                <a:latin typeface="Courier New" panose="02070309020205020404" pitchFamily="49" charset="0"/>
+                <a:cs typeface="Courier New" panose="02070309020205020404" pitchFamily="49" charset="0"/>
+              </a:rPr>
+              <a:t> </a:t>
+            </a:r>
+            <a:r>
+              <a:rPr lang="en-US" dirty="0" err="1" smtClean="0">
+                <a:latin typeface="Courier New" panose="02070309020205020404" pitchFamily="49" charset="0"/>
+                <a:cs typeface="Courier New" panose="02070309020205020404" pitchFamily="49" charset="0"/>
+              </a:rPr>
+              <a:t>i</a:t>
+            </a:r>
+            <a:r>
+              <a:rPr lang="en-US" dirty="0" smtClean="0">
+                <a:latin typeface="Courier New" panose="02070309020205020404" pitchFamily="49" charset="0"/>
+                <a:cs typeface="Courier New" panose="02070309020205020404" pitchFamily="49" charset="0"/>
+              </a:rPr>
+              <a:t> = 0; </a:t>
+            </a:r>
+            <a:r>
+              <a:rPr lang="en-US" dirty="0" err="1" smtClean="0">
+                <a:latin typeface="Courier New" panose="02070309020205020404" pitchFamily="49" charset="0"/>
+                <a:cs typeface="Courier New" panose="02070309020205020404" pitchFamily="49" charset="0"/>
+              </a:rPr>
+              <a:t>i</a:t>
+            </a:r>
+            <a:r>
+              <a:rPr lang="en-US" dirty="0" smtClean="0">
+                <a:latin typeface="Courier New" panose="02070309020205020404" pitchFamily="49" charset="0"/>
+                <a:cs typeface="Courier New" panose="02070309020205020404" pitchFamily="49" charset="0"/>
+              </a:rPr>
+              <a:t> &lt; N; </a:t>
+            </a:r>
+            <a:r>
+              <a:rPr lang="en-US" dirty="0" err="1" smtClean="0">
+                <a:latin typeface="Courier New" panose="02070309020205020404" pitchFamily="49" charset="0"/>
+                <a:cs typeface="Courier New" panose="02070309020205020404" pitchFamily="49" charset="0"/>
+              </a:rPr>
+              <a:t>i</a:t>
+            </a:r>
+            <a:r>
+              <a:rPr lang="en-US" dirty="0" smtClean="0">
+                <a:latin typeface="Courier New" panose="02070309020205020404" pitchFamily="49" charset="0"/>
+                <a:cs typeface="Courier New" panose="02070309020205020404" pitchFamily="49" charset="0"/>
+              </a:rPr>
+              <a:t>++)</a:t>
+            </a:r>
+          </a:p>
+          <a:p>
+            <a:r>
+              <a:rPr lang="en-US" dirty="0">
+                <a:latin typeface="Courier New" panose="02070309020205020404" pitchFamily="49" charset="0"/>
+                <a:cs typeface="Courier New" panose="02070309020205020404" pitchFamily="49" charset="0"/>
+              </a:rPr>
+              <a:t> </a:t>
+            </a:r>
+            <a:r>
+              <a:rPr lang="en-US" dirty="0" smtClean="0">
+                <a:latin typeface="Courier New" panose="02070309020205020404" pitchFamily="49" charset="0"/>
+                <a:cs typeface="Courier New" panose="02070309020205020404" pitchFamily="49" charset="0"/>
+              </a:rPr>
+              <a:t>   a[</a:t>
+            </a:r>
+            <a:r>
+              <a:rPr lang="en-US" dirty="0" err="1" smtClean="0">
+                <a:latin typeface="Courier New" panose="02070309020205020404" pitchFamily="49" charset="0"/>
+                <a:cs typeface="Courier New" panose="02070309020205020404" pitchFamily="49" charset="0"/>
+              </a:rPr>
+              <a:t>i</a:t>
+            </a:r>
+            <a:r>
+              <a:rPr lang="en-US" dirty="0" smtClean="0">
+                <a:latin typeface="Courier New" panose="02070309020205020404" pitchFamily="49" charset="0"/>
+                <a:cs typeface="Courier New" panose="02070309020205020404" pitchFamily="49" charset="0"/>
+              </a:rPr>
+              <a:t>] = a[</a:t>
+            </a:r>
+            <a:r>
+              <a:rPr lang="en-US" dirty="0" err="1" smtClean="0">
+                <a:latin typeface="Courier New" panose="02070309020205020404" pitchFamily="49" charset="0"/>
+                <a:cs typeface="Courier New" panose="02070309020205020404" pitchFamily="49" charset="0"/>
+              </a:rPr>
+              <a:t>i</a:t>
+            </a:r>
+            <a:r>
+              <a:rPr lang="en-US" dirty="0" smtClean="0">
+                <a:latin typeface="Courier New" panose="02070309020205020404" pitchFamily="49" charset="0"/>
+                <a:cs typeface="Courier New" panose="02070309020205020404" pitchFamily="49" charset="0"/>
+              </a:rPr>
+              <a:t>] + b[</a:t>
+            </a:r>
+            <a:r>
+              <a:rPr lang="en-US" dirty="0" err="1" smtClean="0">
+                <a:latin typeface="Courier New" panose="02070309020205020404" pitchFamily="49" charset="0"/>
+                <a:cs typeface="Courier New" panose="02070309020205020404" pitchFamily="49" charset="0"/>
+              </a:rPr>
+              <a:t>i</a:t>
+            </a:r>
+            <a:r>
+              <a:rPr lang="en-US" dirty="0" smtClean="0">
+                <a:latin typeface="Courier New" panose="02070309020205020404" pitchFamily="49" charset="0"/>
+                <a:cs typeface="Courier New" panose="02070309020205020404" pitchFamily="49" charset="0"/>
+              </a:rPr>
+              <a:t>]*c[</a:t>
+            </a:r>
+            <a:r>
+              <a:rPr lang="en-US" dirty="0" err="1" smtClean="0">
+                <a:latin typeface="Courier New" panose="02070309020205020404" pitchFamily="49" charset="0"/>
+                <a:cs typeface="Courier New" panose="02070309020205020404" pitchFamily="49" charset="0"/>
+              </a:rPr>
+              <a:t>i</a:t>
+            </a:r>
+            <a:r>
+              <a:rPr lang="en-US" dirty="0" smtClean="0">
+                <a:latin typeface="Courier New" panose="02070309020205020404" pitchFamily="49" charset="0"/>
+                <a:cs typeface="Courier New" panose="02070309020205020404" pitchFamily="49" charset="0"/>
+              </a:rPr>
+              <a:t>];</a:t>
+            </a:r>
+            <a:endParaRPr lang="nl-BE" dirty="0">
+              <a:latin typeface="Courier New" panose="02070309020205020404" pitchFamily="49" charset="0"/>
+              <a:cs typeface="Courier New" panose="02070309020205020404" pitchFamily="49" charset="0"/>
+            </a:endParaRPr>
+          </a:p>
+        </p:txBody>
+      </p:sp>
+      <p:sp>
+        <p:nvSpPr>
+          <p:cNvPr id="6" name="TextBox 5"/>
+          <p:cNvSpPr txBox="1"/>
+          <p:nvPr/>
+        </p:nvSpPr>
+        <p:spPr>
+          <a:xfrm>
+            <a:off x="815335" y="4665910"/>
+            <a:ext cx="4320413" cy="923330"/>
+          </a:xfrm>
+          <a:prstGeom prst="rect">
+            <a:avLst/>
+          </a:prstGeom>
+          <a:solidFill>
+            <a:schemeClr val="bg1">
+              <a:lumMod val="85000"/>
+            </a:schemeClr>
+          </a:solidFill>
+          <a:ln>
+            <a:solidFill>
+              <a:schemeClr val="tx1"/>
+            </a:solidFill>
+          </a:ln>
+        </p:spPr>
+        <p:txBody>
+          <a:bodyPr wrap="none" rtlCol="0">
+            <a:spAutoFit/>
+          </a:bodyPr>
+          <a:lstStyle/>
+          <a:p>
+            <a:r>
+              <a:rPr lang="en-US" dirty="0" smtClean="0">
+                <a:latin typeface="Courier New" panose="02070309020205020404" pitchFamily="49" charset="0"/>
+                <a:cs typeface="Courier New" panose="02070309020205020404" pitchFamily="49" charset="0"/>
+              </a:rPr>
+              <a:t>double a[N], b[N], c[N];</a:t>
+            </a:r>
+          </a:p>
+          <a:p>
+            <a:r>
+              <a:rPr lang="en-US" dirty="0" smtClean="0">
+                <a:latin typeface="Courier New" panose="02070309020205020404" pitchFamily="49" charset="0"/>
+                <a:cs typeface="Courier New" panose="02070309020205020404" pitchFamily="49" charset="0"/>
+              </a:rPr>
+              <a:t>for (</a:t>
+            </a:r>
+            <a:r>
+              <a:rPr lang="en-US" dirty="0" err="1" smtClean="0">
+                <a:latin typeface="Courier New" panose="02070309020205020404" pitchFamily="49" charset="0"/>
+                <a:cs typeface="Courier New" panose="02070309020205020404" pitchFamily="49" charset="0"/>
+              </a:rPr>
+              <a:t>int</a:t>
+            </a:r>
+            <a:r>
+              <a:rPr lang="en-US" dirty="0" smtClean="0">
+                <a:latin typeface="Courier New" panose="02070309020205020404" pitchFamily="49" charset="0"/>
+                <a:cs typeface="Courier New" panose="02070309020205020404" pitchFamily="49" charset="0"/>
+              </a:rPr>
+              <a:t> </a:t>
+            </a:r>
+            <a:r>
+              <a:rPr lang="en-US" dirty="0" err="1" smtClean="0">
+                <a:latin typeface="Courier New" panose="02070309020205020404" pitchFamily="49" charset="0"/>
+                <a:cs typeface="Courier New" panose="02070309020205020404" pitchFamily="49" charset="0"/>
+              </a:rPr>
+              <a:t>i</a:t>
+            </a:r>
+            <a:r>
+              <a:rPr lang="en-US" dirty="0" smtClean="0">
+                <a:latin typeface="Courier New" panose="02070309020205020404" pitchFamily="49" charset="0"/>
+                <a:cs typeface="Courier New" panose="02070309020205020404" pitchFamily="49" charset="0"/>
+              </a:rPr>
+              <a:t> = 1; </a:t>
+            </a:r>
+            <a:r>
+              <a:rPr lang="en-US" dirty="0" err="1" smtClean="0">
+                <a:latin typeface="Courier New" panose="02070309020205020404" pitchFamily="49" charset="0"/>
+                <a:cs typeface="Courier New" panose="02070309020205020404" pitchFamily="49" charset="0"/>
+              </a:rPr>
+              <a:t>i</a:t>
+            </a:r>
+            <a:r>
+              <a:rPr lang="en-US" dirty="0" smtClean="0">
+                <a:latin typeface="Courier New" panose="02070309020205020404" pitchFamily="49" charset="0"/>
+                <a:cs typeface="Courier New" panose="02070309020205020404" pitchFamily="49" charset="0"/>
+              </a:rPr>
+              <a:t> &lt; N; </a:t>
+            </a:r>
+            <a:r>
+              <a:rPr lang="en-US" dirty="0" err="1" smtClean="0">
+                <a:latin typeface="Courier New" panose="02070309020205020404" pitchFamily="49" charset="0"/>
+                <a:cs typeface="Courier New" panose="02070309020205020404" pitchFamily="49" charset="0"/>
+              </a:rPr>
+              <a:t>i</a:t>
+            </a:r>
+            <a:r>
+              <a:rPr lang="en-US" dirty="0" smtClean="0">
+                <a:latin typeface="Courier New" panose="02070309020205020404" pitchFamily="49" charset="0"/>
+                <a:cs typeface="Courier New" panose="02070309020205020404" pitchFamily="49" charset="0"/>
+              </a:rPr>
+              <a:t>++)</a:t>
+            </a:r>
+          </a:p>
+          <a:p>
+            <a:r>
+              <a:rPr lang="en-US" dirty="0">
+                <a:latin typeface="Courier New" panose="02070309020205020404" pitchFamily="49" charset="0"/>
+                <a:cs typeface="Courier New" panose="02070309020205020404" pitchFamily="49" charset="0"/>
+              </a:rPr>
+              <a:t> </a:t>
+            </a:r>
+            <a:r>
+              <a:rPr lang="en-US" dirty="0" smtClean="0">
+                <a:latin typeface="Courier New" panose="02070309020205020404" pitchFamily="49" charset="0"/>
+                <a:cs typeface="Courier New" panose="02070309020205020404" pitchFamily="49" charset="0"/>
+              </a:rPr>
+              <a:t>   a[</a:t>
+            </a:r>
+            <a:r>
+              <a:rPr lang="en-US" dirty="0" err="1" smtClean="0">
+                <a:latin typeface="Courier New" panose="02070309020205020404" pitchFamily="49" charset="0"/>
+                <a:cs typeface="Courier New" panose="02070309020205020404" pitchFamily="49" charset="0"/>
+              </a:rPr>
+              <a:t>i</a:t>
+            </a:r>
+            <a:r>
+              <a:rPr lang="en-US" dirty="0" smtClean="0">
+                <a:latin typeface="Courier New" panose="02070309020205020404" pitchFamily="49" charset="0"/>
+                <a:cs typeface="Courier New" panose="02070309020205020404" pitchFamily="49" charset="0"/>
+              </a:rPr>
+              <a:t>] = a[i-1] + b[</a:t>
+            </a:r>
+            <a:r>
+              <a:rPr lang="en-US" dirty="0" err="1" smtClean="0">
+                <a:latin typeface="Courier New" panose="02070309020205020404" pitchFamily="49" charset="0"/>
+                <a:cs typeface="Courier New" panose="02070309020205020404" pitchFamily="49" charset="0"/>
+              </a:rPr>
+              <a:t>i</a:t>
+            </a:r>
+            <a:r>
+              <a:rPr lang="en-US" dirty="0" smtClean="0">
+                <a:latin typeface="Courier New" panose="02070309020205020404" pitchFamily="49" charset="0"/>
+                <a:cs typeface="Courier New" panose="02070309020205020404" pitchFamily="49" charset="0"/>
+              </a:rPr>
+              <a:t>]*c[</a:t>
+            </a:r>
+            <a:r>
+              <a:rPr lang="en-US" dirty="0" err="1" smtClean="0">
+                <a:latin typeface="Courier New" panose="02070309020205020404" pitchFamily="49" charset="0"/>
+                <a:cs typeface="Courier New" panose="02070309020205020404" pitchFamily="49" charset="0"/>
+              </a:rPr>
+              <a:t>i</a:t>
+            </a:r>
+            <a:r>
+              <a:rPr lang="en-US" dirty="0" smtClean="0">
+                <a:latin typeface="Courier New" panose="02070309020205020404" pitchFamily="49" charset="0"/>
+                <a:cs typeface="Courier New" panose="02070309020205020404" pitchFamily="49" charset="0"/>
+              </a:rPr>
+              <a:t>];</a:t>
+            </a:r>
+            <a:endParaRPr lang="nl-BE" dirty="0">
+              <a:latin typeface="Courier New" panose="02070309020205020404" pitchFamily="49" charset="0"/>
+              <a:cs typeface="Courier New" panose="02070309020205020404" pitchFamily="49" charset="0"/>
+            </a:endParaRPr>
+          </a:p>
+        </p:txBody>
+      </p:sp>
+      <p:sp>
+        <p:nvSpPr>
+          <p:cNvPr id="7" name="TextBox 6"/>
+          <p:cNvSpPr txBox="1"/>
+          <p:nvPr/>
+        </p:nvSpPr>
+        <p:spPr>
+          <a:xfrm>
+            <a:off x="5436095" y="2636912"/>
+            <a:ext cx="2541401" cy="830997"/>
+          </a:xfrm>
+          <a:prstGeom prst="rect">
+            <a:avLst/>
+          </a:prstGeom>
+          <a:noFill/>
+          <a:ln>
+            <a:solidFill>
+              <a:schemeClr val="tx1"/>
+            </a:solidFill>
+          </a:ln>
+        </p:spPr>
+        <p:txBody>
+          <a:bodyPr wrap="square" rtlCol="0">
+            <a:spAutoFit/>
+          </a:bodyPr>
+          <a:lstStyle/>
+          <a:p>
+            <a:r>
+              <a:rPr lang="en-US" sz="2400" dirty="0" smtClean="0"/>
+              <a:t>All iterations are</a:t>
+            </a:r>
+            <a:br>
+              <a:rPr lang="en-US" sz="2400" dirty="0" smtClean="0"/>
+            </a:br>
+            <a:r>
+              <a:rPr lang="en-US" sz="2400" dirty="0" smtClean="0"/>
+              <a:t>independent</a:t>
+            </a:r>
+            <a:endParaRPr lang="nl-BE" sz="2400" dirty="0"/>
+          </a:p>
+        </p:txBody>
+      </p:sp>
+      <p:sp>
+        <p:nvSpPr>
+          <p:cNvPr id="8" name="TextBox 7"/>
+          <p:cNvSpPr txBox="1"/>
+          <p:nvPr/>
+        </p:nvSpPr>
+        <p:spPr>
+          <a:xfrm>
+            <a:off x="5436096" y="5013176"/>
+            <a:ext cx="2655214" cy="830997"/>
+          </a:xfrm>
+          <a:prstGeom prst="rect">
+            <a:avLst/>
+          </a:prstGeom>
+          <a:noFill/>
+          <a:ln>
+            <a:solidFill>
+              <a:schemeClr val="tx1"/>
+            </a:solidFill>
+          </a:ln>
+        </p:spPr>
+        <p:txBody>
+          <a:bodyPr wrap="none" rtlCol="0">
+            <a:spAutoFit/>
+          </a:bodyPr>
+          <a:lstStyle/>
+          <a:p>
+            <a:r>
+              <a:rPr lang="en-US" sz="2400" dirty="0" smtClean="0"/>
+              <a:t>Iteration </a:t>
+            </a:r>
+            <a:r>
+              <a:rPr lang="en-US" sz="2400" dirty="0" err="1" smtClean="0">
+                <a:latin typeface="Courier New" panose="02070309020205020404" pitchFamily="49" charset="0"/>
+                <a:cs typeface="Courier New" panose="02070309020205020404" pitchFamily="49" charset="0"/>
+              </a:rPr>
+              <a:t>i</a:t>
+            </a:r>
+            <a:r>
+              <a:rPr lang="en-US" sz="2400" dirty="0" smtClean="0"/>
+              <a:t> depends</a:t>
+            </a:r>
+            <a:br>
+              <a:rPr lang="en-US" sz="2400" dirty="0" smtClean="0"/>
+            </a:br>
+            <a:r>
+              <a:rPr lang="en-US" sz="2400" dirty="0" smtClean="0"/>
+              <a:t>on iteration </a:t>
+            </a:r>
+            <a:r>
+              <a:rPr lang="en-US" sz="2400" dirty="0" err="1" smtClean="0">
+                <a:latin typeface="Courier New" panose="02070309020205020404" pitchFamily="49" charset="0"/>
+                <a:cs typeface="Courier New" panose="02070309020205020404" pitchFamily="49" charset="0"/>
+              </a:rPr>
+              <a:t>i</a:t>
+            </a:r>
+            <a:r>
+              <a:rPr lang="en-US" sz="2400" dirty="0" smtClean="0">
+                <a:latin typeface="Courier New" panose="02070309020205020404" pitchFamily="49" charset="0"/>
+                <a:cs typeface="Courier New" panose="02070309020205020404" pitchFamily="49" charset="0"/>
+              </a:rPr>
+              <a:t> - 1</a:t>
+            </a:r>
+            <a:endParaRPr lang="nl-BE" sz="2400" dirty="0">
+              <a:latin typeface="Courier New" panose="02070309020205020404" pitchFamily="49" charset="0"/>
+              <a:cs typeface="Courier New" panose="02070309020205020404" pitchFamily="49" charset="0"/>
+            </a:endParaRPr>
+          </a:p>
+        </p:txBody>
+      </p:sp>
+      <p:sp>
+        <p:nvSpPr>
+          <p:cNvPr id="9" name="TextBox 8"/>
+          <p:cNvSpPr txBox="1"/>
+          <p:nvPr/>
+        </p:nvSpPr>
+        <p:spPr>
+          <a:xfrm>
+            <a:off x="1331640" y="3399383"/>
+            <a:ext cx="3301225" cy="461665"/>
+          </a:xfrm>
+          <a:prstGeom prst="rect">
+            <a:avLst/>
+          </a:prstGeom>
+          <a:noFill/>
+          <a:ln>
+            <a:solidFill>
+              <a:schemeClr val="tx1"/>
+            </a:solidFill>
+          </a:ln>
+        </p:spPr>
+        <p:txBody>
+          <a:bodyPr wrap="none" rtlCol="0">
+            <a:spAutoFit/>
+          </a:bodyPr>
+          <a:lstStyle/>
+          <a:p>
+            <a:r>
+              <a:rPr lang="en-US" sz="2400" dirty="0" smtClean="0"/>
+              <a:t>Loop done in chunks of 4</a:t>
+            </a:r>
+            <a:endParaRPr lang="nl-BE" sz="2400" dirty="0"/>
+          </a:p>
+        </p:txBody>
+      </p:sp>
+    </p:spTree>
+    <p:extLst>
+      <p:ext uri="{BB962C8B-B14F-4D97-AF65-F5344CB8AC3E}">
+        <p14:creationId xmlns:p14="http://schemas.microsoft.com/office/powerpoint/2010/main" val="104431009"/>
+      </p:ext>
+    </p:extLst>
+  </p:cSld>
+  <p:clrMapOvr>
+    <a:masterClrMapping/>
+  </p:clrMapOvr>
+</p:sld>
+</file>
+
+<file path=ppt/slides/slide29.xml><?xml version="1.0" encoding="utf-8"?>
+<p:sld xmlns:a="http://schemas.openxmlformats.org/drawingml/2006/main" xmlns:r="http://schemas.openxmlformats.org/officeDocument/2006/relationships" xmlns:p="http://schemas.openxmlformats.org/presentationml/2006/main">
+  <p:cSld>
+    <p:spTree>
+      <p:nvGrpSpPr>
+        <p:cNvPr id="1" name=""/>
+        <p:cNvGrpSpPr/>
+        <p:nvPr/>
+      </p:nvGrpSpPr>
+      <p:grpSpPr>
+        <a:xfrm>
+          <a:off x="0" y="0"/>
+          <a:ext cx="0" cy="0"/>
+          <a:chOff x="0" y="0"/>
+          <a:chExt cx="0" cy="0"/>
+        </a:xfrm>
+      </p:grpSpPr>
+      <p:sp>
+        <p:nvSpPr>
+          <p:cNvPr id="2" name="Title 1"/>
+          <p:cNvSpPr>
+            <a:spLocks noGrp="1"/>
+          </p:cNvSpPr>
+          <p:nvPr>
+            <p:ph type="title"/>
+          </p:nvPr>
+        </p:nvSpPr>
+        <p:spPr/>
+        <p:txBody>
+          <a:bodyPr/>
+          <a:lstStyle/>
+          <a:p>
+            <a:r>
+              <a:rPr lang="en-US" dirty="0" smtClean="0"/>
+              <a:t>Compiler flags &amp; directives</a:t>
+            </a:r>
+            <a:endParaRPr lang="nl-BE" dirty="0"/>
+          </a:p>
+        </p:txBody>
+      </p:sp>
+      <p:sp>
+        <p:nvSpPr>
+          <p:cNvPr id="3" name="Content Placeholder 2"/>
+          <p:cNvSpPr>
+            <a:spLocks noGrp="1"/>
+          </p:cNvSpPr>
+          <p:nvPr>
+            <p:ph idx="1"/>
+          </p:nvPr>
+        </p:nvSpPr>
+        <p:spPr/>
+        <p:txBody>
+          <a:bodyPr>
+            <a:normAutofit fontScale="92500" lnSpcReduction="20000"/>
+          </a:bodyPr>
+          <a:lstStyle/>
+          <a:p>
+            <a:r>
+              <a:rPr lang="en-US" dirty="0" smtClean="0"/>
+              <a:t>GCC compiler family</a:t>
+            </a:r>
+          </a:p>
+          <a:p>
+            <a:pPr lvl="1"/>
+            <a:r>
+              <a:rPr lang="en-US" dirty="0" err="1" smtClean="0">
+                <a:latin typeface="Courier New" panose="02070309020205020404" pitchFamily="49" charset="0"/>
+                <a:cs typeface="Courier New" panose="02070309020205020404" pitchFamily="49" charset="0"/>
+              </a:rPr>
+              <a:t>gcc</a:t>
+            </a:r>
+            <a:r>
+              <a:rPr lang="en-US" dirty="0" smtClean="0">
+                <a:latin typeface="Courier New" panose="02070309020205020404" pitchFamily="49" charset="0"/>
+                <a:cs typeface="Courier New" panose="02070309020205020404" pitchFamily="49" charset="0"/>
+              </a:rPr>
+              <a:t> </a:t>
+            </a:r>
+            <a:r>
+              <a:rPr lang="en-US" dirty="0">
+                <a:latin typeface="Courier New" panose="02070309020205020404" pitchFamily="49" charset="0"/>
+                <a:cs typeface="Courier New" panose="02070309020205020404" pitchFamily="49" charset="0"/>
+              </a:rPr>
+              <a:t>–march=corei7-avx </a:t>
+            </a:r>
+            <a:r>
+              <a:rPr lang="en-US" dirty="0" smtClean="0">
+                <a:latin typeface="Courier New" panose="02070309020205020404" pitchFamily="49" charset="0"/>
+                <a:cs typeface="Courier New" panose="02070309020205020404" pitchFamily="49" charset="0"/>
+              </a:rPr>
+              <a:t>–O3 …</a:t>
+            </a:r>
+            <a:endParaRPr lang="en-US" dirty="0">
+              <a:latin typeface="Courier New" panose="02070309020205020404" pitchFamily="49" charset="0"/>
+              <a:cs typeface="Courier New" panose="02070309020205020404" pitchFamily="49" charset="0"/>
+            </a:endParaRPr>
+          </a:p>
+          <a:p>
+            <a:pPr lvl="1"/>
+            <a:r>
+              <a:rPr lang="en-US" dirty="0" err="1">
+                <a:latin typeface="Courier New" panose="02070309020205020404" pitchFamily="49" charset="0"/>
+                <a:cs typeface="Courier New" panose="02070309020205020404" pitchFamily="49" charset="0"/>
+              </a:rPr>
+              <a:t>g</a:t>
+            </a:r>
+            <a:r>
+              <a:rPr lang="en-US" dirty="0" err="1" smtClean="0">
+                <a:latin typeface="Courier New" panose="02070309020205020404" pitchFamily="49" charset="0"/>
+                <a:cs typeface="Courier New" panose="02070309020205020404" pitchFamily="49" charset="0"/>
+              </a:rPr>
+              <a:t>cc</a:t>
+            </a:r>
+            <a:r>
+              <a:rPr lang="en-US" dirty="0" smtClean="0">
+                <a:latin typeface="Courier New" panose="02070309020205020404" pitchFamily="49" charset="0"/>
+                <a:cs typeface="Courier New" panose="02070309020205020404" pitchFamily="49" charset="0"/>
+              </a:rPr>
+              <a:t> –</a:t>
+            </a:r>
+            <a:r>
+              <a:rPr lang="en-US" dirty="0" err="1" smtClean="0">
+                <a:latin typeface="Courier New" panose="02070309020205020404" pitchFamily="49" charset="0"/>
+                <a:cs typeface="Courier New" panose="02070309020205020404" pitchFamily="49" charset="0"/>
+              </a:rPr>
+              <a:t>ftree-vectorize</a:t>
+            </a:r>
+            <a:r>
+              <a:rPr lang="en-US" dirty="0" smtClean="0">
+                <a:latin typeface="Courier New" panose="02070309020205020404" pitchFamily="49" charset="0"/>
+                <a:cs typeface="Courier New" panose="02070309020205020404" pitchFamily="49" charset="0"/>
+              </a:rPr>
+              <a:t> \</a:t>
+            </a:r>
+            <a:br>
+              <a:rPr lang="en-US" dirty="0" smtClean="0">
+                <a:latin typeface="Courier New" panose="02070309020205020404" pitchFamily="49" charset="0"/>
+                <a:cs typeface="Courier New" panose="02070309020205020404" pitchFamily="49" charset="0"/>
+              </a:rPr>
+            </a:br>
+            <a:r>
+              <a:rPr lang="en-US" dirty="0" smtClean="0">
+                <a:latin typeface="Courier New" panose="02070309020205020404" pitchFamily="49" charset="0"/>
+                <a:cs typeface="Courier New" panose="02070309020205020404" pitchFamily="49" charset="0"/>
+              </a:rPr>
+              <a:t>    –march=corei7-avx –O2 …</a:t>
+            </a:r>
+          </a:p>
+          <a:p>
+            <a:pPr lvl="1"/>
+            <a:r>
+              <a:rPr lang="en-US" dirty="0" smtClean="0">
+                <a:cs typeface="Courier New" panose="02070309020205020404" pitchFamily="49" charset="0"/>
+              </a:rPr>
+              <a:t>for feedback, use</a:t>
+            </a:r>
+            <a:br>
+              <a:rPr lang="en-US" dirty="0" smtClean="0">
+                <a:cs typeface="Courier New" panose="02070309020205020404" pitchFamily="49" charset="0"/>
+              </a:rPr>
+            </a:br>
+            <a:r>
+              <a:rPr lang="en-US" dirty="0" smtClean="0">
+                <a:cs typeface="Courier New" panose="02070309020205020404" pitchFamily="49" charset="0"/>
+              </a:rPr>
+              <a:t>  </a:t>
+            </a:r>
+            <a:r>
+              <a:rPr lang="nl-BE" dirty="0">
+                <a:latin typeface="Courier New" panose="02070309020205020404" pitchFamily="49" charset="0"/>
+                <a:cs typeface="Courier New" panose="02070309020205020404" pitchFamily="49" charset="0"/>
+              </a:rPr>
+              <a:t>-</a:t>
+            </a:r>
+            <a:r>
+              <a:rPr lang="nl-BE" dirty="0" err="1">
+                <a:latin typeface="Courier New" panose="02070309020205020404" pitchFamily="49" charset="0"/>
+                <a:cs typeface="Courier New" panose="02070309020205020404" pitchFamily="49" charset="0"/>
+              </a:rPr>
+              <a:t>ftree-vectorizer-verbose</a:t>
+            </a:r>
+            <a:r>
+              <a:rPr lang="nl-BE" dirty="0">
+                <a:latin typeface="Courier New" panose="02070309020205020404" pitchFamily="49" charset="0"/>
+                <a:cs typeface="Courier New" panose="02070309020205020404" pitchFamily="49" charset="0"/>
+              </a:rPr>
+              <a:t>=2</a:t>
+            </a:r>
+            <a:endParaRPr lang="en-US" dirty="0" smtClean="0">
+              <a:latin typeface="Courier New" panose="02070309020205020404" pitchFamily="49" charset="0"/>
+              <a:cs typeface="Courier New" panose="02070309020205020404" pitchFamily="49" charset="0"/>
+            </a:endParaRPr>
+          </a:p>
+          <a:p>
+            <a:r>
+              <a:rPr lang="en-US" dirty="0" smtClean="0"/>
+              <a:t>Intel compiler family</a:t>
+            </a:r>
+          </a:p>
+          <a:p>
+            <a:pPr lvl="1"/>
+            <a:r>
+              <a:rPr lang="en-US" dirty="0" err="1" smtClean="0">
+                <a:latin typeface="Courier New" panose="02070309020205020404" pitchFamily="49" charset="0"/>
+                <a:cs typeface="Courier New" panose="02070309020205020404" pitchFamily="49" charset="0"/>
+              </a:rPr>
+              <a:t>icc</a:t>
+            </a:r>
+            <a:r>
+              <a:rPr lang="en-US" dirty="0" smtClean="0">
+                <a:latin typeface="Courier New" panose="02070309020205020404" pitchFamily="49" charset="0"/>
+                <a:cs typeface="Courier New" panose="02070309020205020404" pitchFamily="49" charset="0"/>
+              </a:rPr>
+              <a:t> –</a:t>
+            </a:r>
+            <a:r>
+              <a:rPr lang="en-US" dirty="0" err="1" smtClean="0">
+                <a:latin typeface="Courier New" panose="02070309020205020404" pitchFamily="49" charset="0"/>
+                <a:cs typeface="Courier New" panose="02070309020205020404" pitchFamily="49" charset="0"/>
+              </a:rPr>
+              <a:t>xHost</a:t>
+            </a:r>
+            <a:r>
+              <a:rPr lang="en-US" dirty="0" smtClean="0">
+                <a:latin typeface="Courier New" panose="02070309020205020404" pitchFamily="49" charset="0"/>
+                <a:cs typeface="Courier New" panose="02070309020205020404" pitchFamily="49" charset="0"/>
+              </a:rPr>
+              <a:t> –O2 …</a:t>
+            </a:r>
+          </a:p>
+          <a:p>
+            <a:pPr lvl="1"/>
+            <a:r>
+              <a:rPr lang="en-US" dirty="0" smtClean="0"/>
+              <a:t>for feedback, use</a:t>
+            </a:r>
+            <a:br>
+              <a:rPr lang="en-US" dirty="0" smtClean="0"/>
+            </a:br>
+            <a:r>
+              <a:rPr lang="en-US" dirty="0" smtClean="0">
+                <a:latin typeface="Courier New" panose="02070309020205020404" pitchFamily="49" charset="0"/>
+                <a:cs typeface="Courier New" panose="02070309020205020404" pitchFamily="49" charset="0"/>
+              </a:rPr>
+              <a:t>  -</a:t>
+            </a:r>
+            <a:r>
+              <a:rPr lang="en-US" dirty="0" err="1" smtClean="0">
+                <a:latin typeface="Courier New" panose="02070309020205020404" pitchFamily="49" charset="0"/>
+                <a:cs typeface="Courier New" panose="02070309020205020404" pitchFamily="49" charset="0"/>
+              </a:rPr>
+              <a:t>qopt</a:t>
+            </a:r>
+            <a:r>
+              <a:rPr lang="en-US" dirty="0" smtClean="0">
+                <a:latin typeface="Courier New" panose="02070309020205020404" pitchFamily="49" charset="0"/>
+                <a:cs typeface="Courier New" panose="02070309020205020404" pitchFamily="49" charset="0"/>
+              </a:rPr>
+              <a:t>-report-phase=</a:t>
+            </a:r>
+            <a:r>
+              <a:rPr lang="en-US" dirty="0" err="1" smtClean="0">
+                <a:latin typeface="Courier New" panose="02070309020205020404" pitchFamily="49" charset="0"/>
+                <a:cs typeface="Courier New" panose="02070309020205020404" pitchFamily="49" charset="0"/>
+              </a:rPr>
+              <a:t>vec</a:t>
+            </a:r>
+            <a:r>
+              <a:rPr lang="en-US" dirty="0" smtClean="0">
+                <a:latin typeface="Courier New" panose="02070309020205020404" pitchFamily="49" charset="0"/>
+                <a:cs typeface="Courier New" panose="02070309020205020404" pitchFamily="49" charset="0"/>
+              </a:rPr>
+              <a:t> \</a:t>
+            </a:r>
+            <a:br>
+              <a:rPr lang="en-US" dirty="0" smtClean="0">
+                <a:latin typeface="Courier New" panose="02070309020205020404" pitchFamily="49" charset="0"/>
+                <a:cs typeface="Courier New" panose="02070309020205020404" pitchFamily="49" charset="0"/>
+              </a:rPr>
+            </a:br>
+            <a:r>
+              <a:rPr lang="en-US" dirty="0" smtClean="0">
+                <a:latin typeface="Courier New" panose="02070309020205020404" pitchFamily="49" charset="0"/>
+                <a:cs typeface="Courier New" panose="02070309020205020404" pitchFamily="49" charset="0"/>
+              </a:rPr>
+              <a:t>  -</a:t>
+            </a:r>
+            <a:r>
+              <a:rPr lang="en-US" dirty="0" err="1">
+                <a:latin typeface="Courier New" panose="02070309020205020404" pitchFamily="49" charset="0"/>
+                <a:cs typeface="Courier New" panose="02070309020205020404" pitchFamily="49" charset="0"/>
+              </a:rPr>
+              <a:t>qopt</a:t>
+            </a:r>
+            <a:r>
+              <a:rPr lang="en-US" dirty="0">
+                <a:latin typeface="Courier New" panose="02070309020205020404" pitchFamily="49" charset="0"/>
+                <a:cs typeface="Courier New" panose="02070309020205020404" pitchFamily="49" charset="0"/>
+              </a:rPr>
+              <a:t>-report=3</a:t>
+            </a:r>
+            <a:endParaRPr lang="nl-BE" dirty="0">
+              <a:latin typeface="Courier New" panose="02070309020205020404" pitchFamily="49" charset="0"/>
+              <a:cs typeface="Courier New" panose="02070309020205020404" pitchFamily="49" charset="0"/>
+            </a:endParaRPr>
+          </a:p>
+        </p:txBody>
+      </p:sp>
+      <p:sp>
+        <p:nvSpPr>
+          <p:cNvPr id="4" name="Slide Number Placeholder 3"/>
+          <p:cNvSpPr>
+            <a:spLocks noGrp="1"/>
+          </p:cNvSpPr>
+          <p:nvPr>
+            <p:ph type="sldNum" sz="quarter" idx="12"/>
+          </p:nvPr>
+        </p:nvSpPr>
+        <p:spPr/>
+        <p:txBody>
+          <a:bodyPr/>
+          <a:lstStyle/>
+          <a:p>
+            <a:fld id="{6597116C-F94B-4B5B-973A-17F07FB5C418}" type="slidenum">
+              <a:rPr lang="nl-BE" smtClean="0"/>
+              <a:t>29</a:t>
+            </a:fld>
+            <a:endParaRPr lang="nl-BE"/>
+          </a:p>
+        </p:txBody>
+      </p:sp>
+      <p:sp>
+        <p:nvSpPr>
+          <p:cNvPr id="6" name="TextBox 5"/>
+          <p:cNvSpPr txBox="1"/>
+          <p:nvPr/>
+        </p:nvSpPr>
+        <p:spPr>
+          <a:xfrm>
+            <a:off x="395536" y="5949280"/>
+            <a:ext cx="6727547" cy="461665"/>
+          </a:xfrm>
+          <a:prstGeom prst="rect">
+            <a:avLst/>
+          </a:prstGeom>
+          <a:noFill/>
+          <a:ln>
+            <a:solidFill>
+              <a:schemeClr val="tx1"/>
+            </a:solidFill>
+          </a:ln>
+        </p:spPr>
+        <p:txBody>
+          <a:bodyPr wrap="none" rtlCol="0">
+            <a:spAutoFit/>
+          </a:bodyPr>
+          <a:lstStyle/>
+          <a:p>
+            <a:r>
+              <a:rPr lang="en-US" sz="2400" dirty="0" smtClean="0"/>
+              <a:t>Help compiler using, e.g., </a:t>
+            </a:r>
+            <a:r>
+              <a:rPr lang="en-US" sz="2400" dirty="0" smtClean="0">
+                <a:latin typeface="Courier New" panose="02070309020205020404" pitchFamily="49" charset="0"/>
+                <a:cs typeface="Courier New" panose="02070309020205020404" pitchFamily="49" charset="0"/>
+              </a:rPr>
+              <a:t>#pragma </a:t>
+            </a:r>
+            <a:r>
+              <a:rPr lang="en-US" sz="2400" dirty="0" err="1" smtClean="0">
+                <a:latin typeface="Courier New" panose="02070309020205020404" pitchFamily="49" charset="0"/>
+                <a:cs typeface="Courier New" panose="02070309020205020404" pitchFamily="49" charset="0"/>
+              </a:rPr>
+              <a:t>omp</a:t>
+            </a:r>
+            <a:r>
+              <a:rPr lang="en-US" sz="2400" dirty="0" smtClean="0">
+                <a:latin typeface="Courier New" panose="02070309020205020404" pitchFamily="49" charset="0"/>
+                <a:cs typeface="Courier New" panose="02070309020205020404" pitchFamily="49" charset="0"/>
+              </a:rPr>
+              <a:t> </a:t>
+            </a:r>
+            <a:r>
+              <a:rPr lang="en-US" sz="2400" dirty="0" err="1" smtClean="0">
+                <a:latin typeface="Courier New" panose="02070309020205020404" pitchFamily="49" charset="0"/>
+                <a:cs typeface="Courier New" panose="02070309020205020404" pitchFamily="49" charset="0"/>
+              </a:rPr>
+              <a:t>simd</a:t>
+            </a:r>
+            <a:r>
+              <a:rPr lang="en-US" sz="2400" dirty="0" smtClean="0">
+                <a:latin typeface="Courier New" panose="02070309020205020404" pitchFamily="49" charset="0"/>
+                <a:cs typeface="Courier New" panose="02070309020205020404" pitchFamily="49" charset="0"/>
+              </a:rPr>
+              <a:t> …</a:t>
+            </a:r>
+            <a:endParaRPr lang="nl-BE" sz="2400" dirty="0">
+              <a:latin typeface="Courier New" panose="02070309020205020404" pitchFamily="49" charset="0"/>
+              <a:cs typeface="Courier New" panose="02070309020205020404" pitchFamily="49" charset="0"/>
+            </a:endParaRPr>
+          </a:p>
+        </p:txBody>
+      </p:sp>
+    </p:spTree>
+    <p:extLst>
+      <p:ext uri="{BB962C8B-B14F-4D97-AF65-F5344CB8AC3E}">
+        <p14:creationId xmlns:p14="http://schemas.microsoft.com/office/powerpoint/2010/main" val="1878102497"/>
+      </p:ext>
+    </p:extLst>
+  </p:cSld>
+  <p:clrMapOvr>
+    <a:masterClrMapping/>
+  </p:clrMapOvr>
+</p:sld>
+</file>
+
+<file path=ppt/slides/slide3.xml><?xml version="1.0" encoding="utf-8"?>
+<p:sld xmlns:a="http://schemas.openxmlformats.org/drawingml/2006/main" xmlns:r="http://schemas.openxmlformats.org/officeDocument/2006/relationships" xmlns:p="http://schemas.openxmlformats.org/presentationml/2006/main">
+  <p:cSld>
+    <p:spTree>
+      <p:nvGrpSpPr>
+        <p:cNvPr id="1" name=""/>
+        <p:cNvGrpSpPr/>
+        <p:nvPr/>
+      </p:nvGrpSpPr>
+      <p:grpSpPr>
+        <a:xfrm>
+          <a:off x="0" y="0"/>
+          <a:ext cx="0" cy="0"/>
+          <a:chOff x="0" y="0"/>
+          <a:chExt cx="0" cy="0"/>
+        </a:xfrm>
+      </p:grpSpPr>
+      <p:sp>
+        <p:nvSpPr>
+          <p:cNvPr id="2" name="Title 1"/>
+          <p:cNvSpPr>
+            <a:spLocks noGrp="1"/>
+          </p:cNvSpPr>
+          <p:nvPr>
+            <p:ph type="title"/>
+          </p:nvPr>
+        </p:nvSpPr>
+        <p:spPr/>
+        <p:txBody>
+          <a:bodyPr/>
+          <a:lstStyle/>
+          <a:p>
+            <a:r>
+              <a:rPr lang="en-US" dirty="0" smtClean="0"/>
+              <a:t>Moore's law</a:t>
+            </a:r>
+            <a:endParaRPr lang="nl-BE" dirty="0"/>
+          </a:p>
+        </p:txBody>
+      </p:sp>
+      <p:sp>
+        <p:nvSpPr>
+          <p:cNvPr id="3" name="Content Placeholder 2"/>
+          <p:cNvSpPr>
+            <a:spLocks noGrp="1"/>
+          </p:cNvSpPr>
+          <p:nvPr>
+            <p:ph idx="1"/>
+          </p:nvPr>
+        </p:nvSpPr>
+        <p:spPr/>
+        <p:txBody>
+          <a:bodyPr/>
+          <a:lstStyle/>
+          <a:p>
+            <a:endParaRPr lang="en-US" dirty="0"/>
+          </a:p>
+          <a:p>
+            <a:endParaRPr lang="en-US" dirty="0" smtClean="0"/>
+          </a:p>
+          <a:p>
+            <a:endParaRPr lang="en-US" dirty="0"/>
+          </a:p>
+          <a:p>
+            <a:endParaRPr lang="nl-BE" dirty="0"/>
+          </a:p>
+        </p:txBody>
+      </p:sp>
+      <p:sp>
+        <p:nvSpPr>
+          <p:cNvPr id="4" name="Slide Number Placeholder 3"/>
+          <p:cNvSpPr>
+            <a:spLocks noGrp="1"/>
+          </p:cNvSpPr>
+          <p:nvPr>
+            <p:ph type="sldNum" sz="quarter" idx="12"/>
+          </p:nvPr>
+        </p:nvSpPr>
+        <p:spPr/>
+        <p:txBody>
+          <a:bodyPr/>
+          <a:lstStyle/>
+          <a:p>
+            <a:fld id="{6597116C-F94B-4B5B-973A-17F07FB5C418}" type="slidenum">
+              <a:rPr lang="nl-BE" smtClean="0"/>
+              <a:t>3</a:t>
+            </a:fld>
+            <a:endParaRPr lang="nl-BE"/>
+          </a:p>
+        </p:txBody>
+      </p:sp>
+      <p:sp>
+        <p:nvSpPr>
+          <p:cNvPr id="5" name="TextBox 4"/>
+          <p:cNvSpPr txBox="1"/>
+          <p:nvPr/>
+        </p:nvSpPr>
+        <p:spPr>
+          <a:xfrm>
+            <a:off x="683568" y="1826821"/>
+            <a:ext cx="7704856" cy="954107"/>
+          </a:xfrm>
+          <a:prstGeom prst="rect">
+            <a:avLst/>
+          </a:prstGeom>
+          <a:noFill/>
+          <a:ln>
+            <a:solidFill>
+              <a:schemeClr val="tx1"/>
+            </a:solidFill>
+          </a:ln>
+        </p:spPr>
+        <p:txBody>
+          <a:bodyPr wrap="square" rtlCol="0">
+            <a:spAutoFit/>
+          </a:bodyPr>
+          <a:lstStyle/>
+          <a:p>
+            <a:pPr algn="ctr"/>
+            <a:r>
+              <a:rPr lang="en-US" sz="2800" dirty="0" smtClean="0"/>
+              <a:t>"The </a:t>
+            </a:r>
+            <a:r>
+              <a:rPr lang="en-US" sz="2800" dirty="0"/>
+              <a:t>number of transistors in a dense integrated circuit doubles approximately every two </a:t>
+            </a:r>
+            <a:r>
+              <a:rPr lang="en-US" sz="2800" dirty="0" smtClean="0"/>
+              <a:t>years".</a:t>
+            </a:r>
+            <a:endParaRPr lang="nl-BE" sz="2800" dirty="0"/>
+          </a:p>
+        </p:txBody>
+      </p:sp>
+    </p:spTree>
+    <p:extLst>
+      <p:ext uri="{BB962C8B-B14F-4D97-AF65-F5344CB8AC3E}">
+        <p14:creationId xmlns:p14="http://schemas.microsoft.com/office/powerpoint/2010/main" val="140208366"/>
+      </p:ext>
+    </p:extLst>
+  </p:cSld>
+  <p:clrMapOvr>
+    <a:masterClrMapping/>
+  </p:clrMapOvr>
+</p:sld>
+</file>
+
+<file path=ppt/slides/slide30.xml><?xml version="1.0" encoding="utf-8"?>
+<p:sld xmlns:a="http://schemas.openxmlformats.org/drawingml/2006/main" xmlns:r="http://schemas.openxmlformats.org/officeDocument/2006/relationships" xmlns:p="http://schemas.openxmlformats.org/presentationml/2006/main">
+  <p:cSld>
+    <p:spTree>
+      <p:nvGrpSpPr>
+        <p:cNvPr id="1" name=""/>
+        <p:cNvGrpSpPr/>
+        <p:nvPr/>
+      </p:nvGrpSpPr>
+      <p:grpSpPr>
+        <a:xfrm>
+          <a:off x="0" y="0"/>
+          <a:ext cx="0" cy="0"/>
+          <a:chOff x="0" y="0"/>
+          <a:chExt cx="0" cy="0"/>
+        </a:xfrm>
+      </p:grpSpPr>
+      <p:sp>
+        <p:nvSpPr>
+          <p:cNvPr id="2" name="Title 1"/>
+          <p:cNvSpPr>
+            <a:spLocks noGrp="1"/>
+          </p:cNvSpPr>
+          <p:nvPr>
+            <p:ph type="title"/>
+          </p:nvPr>
+        </p:nvSpPr>
+        <p:spPr/>
+        <p:txBody>
+          <a:bodyPr/>
+          <a:lstStyle/>
+          <a:p>
+            <a:r>
+              <a:rPr lang="en-US" dirty="0" smtClean="0"/>
+              <a:t>Timings for double precision</a:t>
+            </a:r>
+            <a:endParaRPr lang="nl-BE" dirty="0"/>
+          </a:p>
+        </p:txBody>
+      </p:sp>
+      <p:graphicFrame>
+        <p:nvGraphicFramePr>
+          <p:cNvPr id="5" name="Content Placeholder 4"/>
+          <p:cNvGraphicFramePr>
+            <a:graphicFrameLocks noGrp="1"/>
+          </p:cNvGraphicFramePr>
+          <p:nvPr>
+            <p:ph idx="1"/>
+            <p:extLst>
+              <p:ext uri="{D42A27DB-BD31-4B8C-83A1-F6EECF244321}">
+                <p14:modId xmlns:p14="http://schemas.microsoft.com/office/powerpoint/2010/main" val="2746314219"/>
+              </p:ext>
+            </p:extLst>
+          </p:nvPr>
+        </p:nvGraphicFramePr>
+        <p:xfrm>
+          <a:off x="457200" y="1600200"/>
+          <a:ext cx="8229600" cy="1854200"/>
+        </p:xfrm>
+        <a:graphic>
+          <a:graphicData uri="http://schemas.openxmlformats.org/drawingml/2006/table">
+            <a:tbl>
+              <a:tblPr firstRow="1" bandRow="1">
+                <a:tableStyleId>{5C22544A-7EE6-4342-B048-85BDC9FD1C3A}</a:tableStyleId>
+              </a:tblPr>
+              <a:tblGrid>
+                <a:gridCol w="2743200"/>
+                <a:gridCol w="2743200"/>
+                <a:gridCol w="2743200"/>
+              </a:tblGrid>
+              <a:tr h="370840">
+                <a:tc>
+                  <a:txBody>
+                    <a:bodyPr/>
+                    <a:lstStyle/>
+                    <a:p>
+                      <a:r>
+                        <a:rPr lang="en-US" dirty="0" smtClean="0"/>
+                        <a:t>Number of operations</a:t>
+                      </a:r>
+                      <a:endParaRPr lang="nl-BE" dirty="0"/>
+                    </a:p>
+                  </a:txBody>
+                  <a:tcPr/>
+                </a:tc>
+                <a:tc>
+                  <a:txBody>
+                    <a:bodyPr/>
+                    <a:lstStyle/>
+                    <a:p>
+                      <a:r>
+                        <a:rPr lang="en-US" dirty="0" smtClean="0"/>
+                        <a:t>Dependent</a:t>
+                      </a:r>
+                      <a:endParaRPr lang="nl-BE" dirty="0"/>
+                    </a:p>
+                  </a:txBody>
+                  <a:tcPr/>
+                </a:tc>
+                <a:tc>
+                  <a:txBody>
+                    <a:bodyPr/>
+                    <a:lstStyle/>
+                    <a:p>
+                      <a:r>
+                        <a:rPr lang="en-US" dirty="0" smtClean="0"/>
+                        <a:t>Independent</a:t>
+                      </a:r>
+                      <a:endParaRPr lang="nl-BE" dirty="0"/>
+                    </a:p>
+                  </a:txBody>
+                  <a:tcPr/>
+                </a:tc>
+              </a:tr>
+              <a:tr h="370840">
+                <a:tc>
+                  <a:txBody>
+                    <a:bodyPr/>
+                    <a:lstStyle/>
+                    <a:p>
+                      <a:r>
+                        <a:rPr lang="en-US" dirty="0" smtClean="0"/>
+                        <a:t>1</a:t>
+                      </a:r>
+                      <a:endParaRPr lang="nl-BE" dirty="0"/>
+                    </a:p>
+                  </a:txBody>
+                  <a:tcPr/>
+                </a:tc>
+                <a:tc>
+                  <a:txBody>
+                    <a:bodyPr/>
+                    <a:lstStyle/>
+                    <a:p>
+                      <a:r>
+                        <a:rPr lang="en-US" dirty="0" smtClean="0"/>
+                        <a:t>1.0</a:t>
+                      </a:r>
+                      <a:endParaRPr lang="nl-BE" dirty="0"/>
+                    </a:p>
+                  </a:txBody>
+                  <a:tcPr/>
+                </a:tc>
+                <a:tc>
+                  <a:txBody>
+                    <a:bodyPr/>
+                    <a:lstStyle/>
+                    <a:p>
+                      <a:r>
+                        <a:rPr lang="en-US" dirty="0" smtClean="0"/>
+                        <a:t>1.0</a:t>
+                      </a:r>
+                      <a:endParaRPr lang="nl-BE" dirty="0"/>
+                    </a:p>
+                  </a:txBody>
+                  <a:tcPr/>
+                </a:tc>
+              </a:tr>
+              <a:tr h="370840">
+                <a:tc>
+                  <a:txBody>
+                    <a:bodyPr/>
+                    <a:lstStyle/>
+                    <a:p>
+                      <a:r>
+                        <a:rPr lang="en-US" dirty="0" smtClean="0"/>
+                        <a:t>2</a:t>
+                      </a:r>
+                    </a:p>
+                  </a:txBody>
+                  <a:tcPr/>
+                </a:tc>
+                <a:tc>
+                  <a:txBody>
+                    <a:bodyPr/>
+                    <a:lstStyle/>
+                    <a:p>
+                      <a:r>
+                        <a:rPr lang="en-US" dirty="0" smtClean="0"/>
+                        <a:t>2.0</a:t>
+                      </a:r>
+                      <a:endParaRPr lang="nl-BE" dirty="0"/>
+                    </a:p>
+                  </a:txBody>
+                  <a:tcPr/>
+                </a:tc>
+                <a:tc>
+                  <a:txBody>
+                    <a:bodyPr/>
+                    <a:lstStyle/>
+                    <a:p>
+                      <a:r>
+                        <a:rPr lang="en-US" dirty="0" smtClean="0"/>
+                        <a:t>1.0</a:t>
+                      </a:r>
+                      <a:endParaRPr lang="nl-BE" dirty="0"/>
+                    </a:p>
+                  </a:txBody>
+                  <a:tcPr/>
+                </a:tc>
+              </a:tr>
+              <a:tr h="370840">
+                <a:tc>
+                  <a:txBody>
+                    <a:bodyPr/>
+                    <a:lstStyle/>
+                    <a:p>
+                      <a:r>
+                        <a:rPr lang="en-US" dirty="0" smtClean="0"/>
+                        <a:t>4</a:t>
+                      </a:r>
+                      <a:endParaRPr lang="nl-BE" dirty="0"/>
+                    </a:p>
+                  </a:txBody>
+                  <a:tcPr/>
+                </a:tc>
+                <a:tc>
+                  <a:txBody>
+                    <a:bodyPr/>
+                    <a:lstStyle/>
+                    <a:p>
+                      <a:r>
+                        <a:rPr lang="en-US" dirty="0" smtClean="0"/>
+                        <a:t>4.0</a:t>
+                      </a:r>
+                      <a:endParaRPr lang="nl-BE" dirty="0"/>
+                    </a:p>
+                  </a:txBody>
+                  <a:tcPr/>
+                </a:tc>
+                <a:tc>
+                  <a:txBody>
+                    <a:bodyPr/>
+                    <a:lstStyle/>
+                    <a:p>
+                      <a:r>
+                        <a:rPr lang="en-US" dirty="0" smtClean="0"/>
+                        <a:t>1.0</a:t>
+                      </a:r>
+                      <a:endParaRPr lang="nl-BE" dirty="0"/>
+                    </a:p>
+                  </a:txBody>
+                  <a:tcPr/>
+                </a:tc>
+              </a:tr>
+              <a:tr h="370840">
+                <a:tc>
+                  <a:txBody>
+                    <a:bodyPr/>
+                    <a:lstStyle/>
+                    <a:p>
+                      <a:r>
+                        <a:rPr lang="en-US" dirty="0" smtClean="0"/>
+                        <a:t>8</a:t>
+                      </a:r>
+                      <a:endParaRPr lang="nl-BE" dirty="0"/>
+                    </a:p>
+                  </a:txBody>
+                  <a:tcPr/>
+                </a:tc>
+                <a:tc>
+                  <a:txBody>
+                    <a:bodyPr/>
+                    <a:lstStyle/>
+                    <a:p>
+                      <a:r>
+                        <a:rPr lang="en-US" dirty="0" smtClean="0"/>
+                        <a:t>8.2</a:t>
+                      </a:r>
+                      <a:endParaRPr lang="nl-BE" dirty="0"/>
+                    </a:p>
+                  </a:txBody>
+                  <a:tcPr/>
+                </a:tc>
+                <a:tc>
+                  <a:txBody>
+                    <a:bodyPr/>
+                    <a:lstStyle/>
+                    <a:p>
+                      <a:r>
+                        <a:rPr lang="en-US" dirty="0" smtClean="0"/>
+                        <a:t>1.0</a:t>
+                      </a:r>
+                      <a:endParaRPr lang="nl-BE" dirty="0"/>
+                    </a:p>
+                  </a:txBody>
+                  <a:tcPr/>
+                </a:tc>
+              </a:tr>
+            </a:tbl>
+          </a:graphicData>
+        </a:graphic>
+      </p:graphicFrame>
+      <p:sp>
+        <p:nvSpPr>
+          <p:cNvPr id="4" name="Slide Number Placeholder 3"/>
+          <p:cNvSpPr>
+            <a:spLocks noGrp="1"/>
+          </p:cNvSpPr>
+          <p:nvPr>
+            <p:ph type="sldNum" sz="quarter" idx="12"/>
+          </p:nvPr>
+        </p:nvSpPr>
+        <p:spPr/>
+        <p:txBody>
+          <a:bodyPr/>
+          <a:lstStyle/>
+          <a:p>
+            <a:fld id="{6597116C-F94B-4B5B-973A-17F07FB5C418}" type="slidenum">
+              <a:rPr lang="nl-BE" smtClean="0"/>
+              <a:t>30</a:t>
+            </a:fld>
+            <a:endParaRPr lang="nl-BE"/>
+          </a:p>
+        </p:txBody>
+      </p:sp>
+      <p:sp>
+        <p:nvSpPr>
+          <p:cNvPr id="6" name="TextBox 5"/>
+          <p:cNvSpPr txBox="1"/>
+          <p:nvPr/>
+        </p:nvSpPr>
+        <p:spPr>
+          <a:xfrm>
+            <a:off x="5179683" y="3789040"/>
+            <a:ext cx="2747034" cy="830997"/>
+          </a:xfrm>
+          <a:prstGeom prst="rect">
+            <a:avLst/>
+          </a:prstGeom>
+          <a:solidFill>
+            <a:schemeClr val="bg1"/>
+          </a:solidFill>
+          <a:ln>
+            <a:solidFill>
+              <a:schemeClr val="tx1"/>
+            </a:solidFill>
+          </a:ln>
+        </p:spPr>
+        <p:txBody>
+          <a:bodyPr wrap="none" rtlCol="0">
+            <a:spAutoFit/>
+          </a:bodyPr>
+          <a:lstStyle/>
+          <a:p>
+            <a:r>
+              <a:rPr lang="en-US" sz="2400" dirty="0" smtClean="0"/>
+              <a:t>Timings are unit-less</a:t>
+            </a:r>
+            <a:br>
+              <a:rPr lang="en-US" sz="2400" dirty="0" smtClean="0"/>
+            </a:br>
+            <a:r>
+              <a:rPr lang="en-US" sz="2400" dirty="0" smtClean="0"/>
+              <a:t>relative numbers</a:t>
+            </a:r>
+            <a:endParaRPr lang="nl-BE" sz="2400" dirty="0"/>
+          </a:p>
+        </p:txBody>
+      </p:sp>
+      <p:sp>
+        <p:nvSpPr>
+          <p:cNvPr id="7" name="TextBox 6"/>
+          <p:cNvSpPr txBox="1"/>
+          <p:nvPr/>
+        </p:nvSpPr>
+        <p:spPr>
+          <a:xfrm>
+            <a:off x="899592" y="5085184"/>
+            <a:ext cx="4481933" cy="461665"/>
+          </a:xfrm>
+          <a:prstGeom prst="rect">
+            <a:avLst/>
+          </a:prstGeom>
+          <a:noFill/>
+          <a:ln>
+            <a:solidFill>
+              <a:schemeClr val="tx1"/>
+            </a:solidFill>
+          </a:ln>
+        </p:spPr>
+        <p:txBody>
+          <a:bodyPr wrap="none" rtlCol="0">
+            <a:spAutoFit/>
+          </a:bodyPr>
+          <a:lstStyle/>
+          <a:p>
+            <a:r>
+              <a:rPr lang="en-US" sz="2400" dirty="0" smtClean="0"/>
+              <a:t>Intel compilers 16.x are </a:t>
+            </a:r>
+            <a:r>
+              <a:rPr lang="en-US" sz="2400" i="1" dirty="0" smtClean="0"/>
+              <a:t>very</a:t>
+            </a:r>
+            <a:r>
+              <a:rPr lang="en-US" sz="2400" dirty="0" smtClean="0"/>
+              <a:t> smart</a:t>
+            </a:r>
+            <a:endParaRPr lang="nl-BE" sz="2400" dirty="0"/>
+          </a:p>
+        </p:txBody>
+      </p:sp>
+    </p:spTree>
+    <p:extLst>
+      <p:ext uri="{BB962C8B-B14F-4D97-AF65-F5344CB8AC3E}">
+        <p14:creationId xmlns:p14="http://schemas.microsoft.com/office/powerpoint/2010/main" val="3902550598"/>
+      </p:ext>
+    </p:extLst>
+  </p:cSld>
+  <p:clrMapOvr>
+    <a:masterClrMapping/>
+  </p:clrMapOvr>
+</p:sld>
+</file>
+
+<file path=ppt/slides/slide31.xml><?xml version="1.0" encoding="utf-8"?>
+<p:sld xmlns:a="http://schemas.openxmlformats.org/drawingml/2006/main" xmlns:r="http://schemas.openxmlformats.org/officeDocument/2006/relationships" xmlns:p="http://schemas.openxmlformats.org/presentationml/2006/main">
+  <p:cSld>
+    <p:spTree>
+      <p:nvGrpSpPr>
+        <p:cNvPr id="1" name=""/>
+        <p:cNvGrpSpPr/>
+        <p:nvPr/>
+      </p:nvGrpSpPr>
+      <p:grpSpPr>
+        <a:xfrm>
+          <a:off x="0" y="0"/>
+          <a:ext cx="0" cy="0"/>
+          <a:chOff x="0" y="0"/>
+          <a:chExt cx="0" cy="0"/>
+        </a:xfrm>
+      </p:grpSpPr>
+      <p:sp>
+        <p:nvSpPr>
+          <p:cNvPr id="2" name="Title 1"/>
+          <p:cNvSpPr>
+            <a:spLocks noGrp="1"/>
+          </p:cNvSpPr>
+          <p:nvPr>
+            <p:ph type="title"/>
+          </p:nvPr>
+        </p:nvSpPr>
+        <p:spPr/>
+        <p:txBody>
+          <a:bodyPr/>
+          <a:lstStyle/>
+          <a:p>
+            <a:r>
+              <a:rPr lang="en-US" dirty="0" smtClean="0"/>
+              <a:t>AVX2</a:t>
+            </a:r>
+            <a:endParaRPr lang="en-US" dirty="0"/>
+          </a:p>
+        </p:txBody>
+      </p:sp>
+      <p:sp>
+        <p:nvSpPr>
+          <p:cNvPr id="3" name="Content Placeholder 2"/>
+          <p:cNvSpPr>
+            <a:spLocks noGrp="1"/>
+          </p:cNvSpPr>
+          <p:nvPr>
+            <p:ph idx="1"/>
+          </p:nvPr>
+        </p:nvSpPr>
+        <p:spPr/>
+        <p:txBody>
+          <a:bodyPr/>
+          <a:lstStyle/>
+          <a:p>
+            <a:r>
+              <a:rPr lang="en-US" dirty="0" smtClean="0"/>
+              <a:t>Haswell, Broadwell CPUs: AVX2 instruction set</a:t>
+            </a:r>
+          </a:p>
+          <a:p>
+            <a:pPr lvl="1"/>
+            <a:r>
+              <a:rPr lang="en-US" dirty="0" smtClean="0"/>
+              <a:t>Fused multiply/add: </a:t>
+            </a:r>
+            <a:r>
+              <a:rPr lang="en-US" dirty="0" smtClean="0">
+                <a:latin typeface="Courier New" panose="02070309020205020404" pitchFamily="49" charset="0"/>
+                <a:cs typeface="Courier New" panose="02070309020205020404" pitchFamily="49" charset="0"/>
+              </a:rPr>
+              <a:t>a*x + b</a:t>
+            </a:r>
+            <a:r>
+              <a:rPr lang="en-US" dirty="0" smtClean="0"/>
+              <a:t> is single operation</a:t>
+            </a:r>
+          </a:p>
+          <a:p>
+            <a:pPr lvl="1"/>
+            <a:endParaRPr lang="en-US" dirty="0"/>
+          </a:p>
+          <a:p>
+            <a:pPr lvl="1"/>
+            <a:endParaRPr lang="en-US" dirty="0" smtClean="0"/>
+          </a:p>
+          <a:p>
+            <a:pPr lvl="1"/>
+            <a:r>
+              <a:rPr lang="en-US" dirty="0" smtClean="0"/>
+              <a:t>Integer vector registers: 256 bit wide</a:t>
+            </a:r>
+          </a:p>
+          <a:p>
+            <a:pPr lvl="1"/>
+            <a:r>
+              <a:rPr lang="en-US" dirty="0" smtClean="0"/>
+              <a:t>Extra operations for cryptography</a:t>
+            </a:r>
+            <a:endParaRPr lang="en-US" dirty="0"/>
+          </a:p>
+        </p:txBody>
+      </p:sp>
+      <p:sp>
+        <p:nvSpPr>
+          <p:cNvPr id="4" name="Slide Number Placeholder 3"/>
+          <p:cNvSpPr>
+            <a:spLocks noGrp="1"/>
+          </p:cNvSpPr>
+          <p:nvPr>
+            <p:ph type="sldNum" sz="quarter" idx="12"/>
+          </p:nvPr>
+        </p:nvSpPr>
+        <p:spPr/>
+        <p:txBody>
+          <a:bodyPr/>
+          <a:lstStyle/>
+          <a:p>
+            <a:fld id="{6597116C-F94B-4B5B-973A-17F07FB5C418}" type="slidenum">
+              <a:rPr lang="nl-BE" smtClean="0"/>
+              <a:t>31</a:t>
             </a:fld>
             <a:endParaRPr lang="nl-BE"/>
           </a:p>
@@ -24450,7 +26639,7 @@
 </p:sld>
 </file>
 
-<file path=ppt/slides/slide27.xml><?xml version="1.0" encoding="utf-8"?>
+<file path=ppt/slides/slide32.xml><?xml version="1.0" encoding="utf-8"?>
 <p:sld xmlns:a="http://schemas.openxmlformats.org/drawingml/2006/main" xmlns:r="http://schemas.openxmlformats.org/officeDocument/2006/relationships" xmlns:p="http://schemas.openxmlformats.org/presentationml/2006/main">
   <p:cSld>
     <p:spTree>
@@ -24484,7 +26673,7 @@
           <a:p>
             <a:r>
               <a:rPr lang="en-US" dirty="0" smtClean="0"/>
-              <a:t>References</a:t>
+              <a:t>Conclusion</a:t>
             </a:r>
             <a:endParaRPr lang="nl-BE" dirty="0"/>
           </a:p>
@@ -24526,7 +26715,7 @@
           <a:p>
             <a:fld id="{6597116C-F94B-4B5B-973A-17F07FB5C418}" type="slidenum">
               <a:rPr lang="nl-BE" smtClean="0"/>
-              <a:t>27</a:t>
+              <a:t>32</a:t>
             </a:fld>
             <a:endParaRPr lang="nl-BE"/>
           </a:p>
@@ -24545,7 +26734,176 @@
 </p:sld>
 </file>
 
-<file path=ppt/slides/slide28.xml><?xml version="1.0" encoding="utf-8"?>
+<file path=ppt/slides/slide33.xml><?xml version="1.0" encoding="utf-8"?>
+<p:sld xmlns:a="http://schemas.openxmlformats.org/drawingml/2006/main" xmlns:r="http://schemas.openxmlformats.org/officeDocument/2006/relationships" xmlns:p="http://schemas.openxmlformats.org/presentationml/2006/main">
+  <p:cSld>
+    <p:spTree>
+      <p:nvGrpSpPr>
+        <p:cNvPr id="1" name=""/>
+        <p:cNvGrpSpPr/>
+        <p:nvPr/>
+      </p:nvGrpSpPr>
+      <p:grpSpPr>
+        <a:xfrm>
+          <a:off x="0" y="0"/>
+          <a:ext cx="0" cy="0"/>
+          <a:chOff x="0" y="0"/>
+          <a:chExt cx="0" cy="0"/>
+        </a:xfrm>
+      </p:grpSpPr>
+      <p:sp>
+        <p:nvSpPr>
+          <p:cNvPr id="5" name="Title 4"/>
+          <p:cNvSpPr>
+            <a:spLocks noGrp="1"/>
+          </p:cNvSpPr>
+          <p:nvPr>
+            <p:ph type="title"/>
+          </p:nvPr>
+        </p:nvSpPr>
+        <p:spPr/>
+        <p:txBody>
+          <a:bodyPr/>
+          <a:lstStyle/>
+          <a:p>
+            <a:r>
+              <a:rPr lang="en-US" dirty="0" smtClean="0"/>
+              <a:t>Useful references</a:t>
+            </a:r>
+            <a:endParaRPr lang="nl-BE" dirty="0"/>
+          </a:p>
+        </p:txBody>
+      </p:sp>
+      <p:sp>
+        <p:nvSpPr>
+          <p:cNvPr id="6" name="Content Placeholder 5"/>
+          <p:cNvSpPr>
+            <a:spLocks noGrp="1"/>
+          </p:cNvSpPr>
+          <p:nvPr>
+            <p:ph idx="1"/>
+          </p:nvPr>
+        </p:nvSpPr>
+        <p:spPr/>
+        <p:txBody>
+          <a:bodyPr/>
+          <a:lstStyle/>
+          <a:p>
+            <a:r>
+              <a:rPr lang="en-US" dirty="0" smtClean="0">
+                <a:hlinkClick r:id="rId2"/>
+              </a:rPr>
+              <a:t>Gallery of processor cache effects</a:t>
+            </a:r>
+            <a:endParaRPr lang="en-US" dirty="0" smtClean="0"/>
+          </a:p>
+          <a:p>
+            <a:r>
+              <a:rPr lang="en-US" dirty="0" smtClean="0"/>
+              <a:t>Vectorization</a:t>
+            </a:r>
+          </a:p>
+          <a:p>
+            <a:pPr lvl="1"/>
+            <a:r>
+              <a:rPr lang="en-US" dirty="0" smtClean="0">
+                <a:hlinkClick r:id="rId3"/>
+              </a:rPr>
+              <a:t>A guide to vectorization with Intel C++ compilers</a:t>
+            </a:r>
+            <a:endParaRPr lang="en-US" dirty="0" smtClean="0"/>
+          </a:p>
+          <a:p>
+            <a:pPr lvl="1"/>
+            <a:r>
+              <a:rPr lang="en-US" dirty="0" smtClean="0">
+                <a:hlinkClick r:id="rId4"/>
+              </a:rPr>
+              <a:t>Auto-vectorization with </a:t>
+            </a:r>
+            <a:r>
+              <a:rPr lang="en-US" dirty="0" err="1" smtClean="0">
+                <a:hlinkClick r:id="rId4"/>
+              </a:rPr>
+              <a:t>gcc</a:t>
+            </a:r>
+            <a:r>
+              <a:rPr lang="en-US" dirty="0" smtClean="0">
+                <a:hlinkClick r:id="rId4"/>
+              </a:rPr>
+              <a:t> 4.7</a:t>
+            </a:r>
+            <a:endParaRPr lang="en-US" dirty="0" smtClean="0"/>
+          </a:p>
+          <a:p>
+            <a:r>
+              <a:rPr lang="en-US" dirty="0"/>
+              <a:t>Introduction to High Performance Computing for Scientists and </a:t>
+            </a:r>
+            <a:r>
+              <a:rPr lang="en-US" dirty="0" smtClean="0"/>
+              <a:t>Engineers</a:t>
+            </a:r>
+            <a:r>
+              <a:rPr lang="nl-BE" dirty="0" smtClean="0"/>
+              <a:t/>
+            </a:r>
+            <a:br>
+              <a:rPr lang="nl-BE" dirty="0" smtClean="0"/>
+            </a:br>
+            <a:r>
+              <a:rPr lang="nl-BE" dirty="0" smtClean="0"/>
+              <a:t>Georg Hager, </a:t>
+            </a:r>
+            <a:r>
+              <a:rPr lang="nl-BE" dirty="0" err="1" smtClean="0"/>
+              <a:t>Chapman</a:t>
+            </a:r>
+            <a:r>
+              <a:rPr lang="nl-BE" dirty="0" smtClean="0"/>
+              <a:t> &amp; Hall, 2010</a:t>
+            </a:r>
+            <a:endParaRPr lang="en-US" b="1" dirty="0"/>
+          </a:p>
+        </p:txBody>
+      </p:sp>
+      <p:sp>
+        <p:nvSpPr>
+          <p:cNvPr id="4" name="Slide Number Placeholder 3"/>
+          <p:cNvSpPr>
+            <a:spLocks noGrp="1"/>
+          </p:cNvSpPr>
+          <p:nvPr>
+            <p:ph type="sldNum" sz="quarter" idx="12"/>
+          </p:nvPr>
+        </p:nvSpPr>
+        <p:spPr/>
+        <p:txBody>
+          <a:bodyPr/>
+          <a:lstStyle/>
+          <a:p>
+            <a:fld id="{6597116C-F94B-4B5B-973A-17F07FB5C418}" type="slidenum">
+              <a:rPr lang="nl-BE" smtClean="0"/>
+              <a:t>33</a:t>
+            </a:fld>
+            <a:endParaRPr lang="nl-BE"/>
+          </a:p>
+        </p:txBody>
+      </p:sp>
+    </p:spTree>
+    <p:extLst>
+      <p:ext uri="{BB962C8B-B14F-4D97-AF65-F5344CB8AC3E}">
+        <p14:creationId xmlns:p14="http://schemas.microsoft.com/office/powerpoint/2010/main" val="2653023660"/>
+      </p:ext>
+    </p:extLst>
+  </p:cSld>
+  <p:clrMapOvr>
+    <a:masterClrMapping/>
+  </p:clrMapOvr>
+</p:sld>
+</file>
+
+<file path=ppt/slides/slide34.xml><?xml version="1.0" encoding="utf-8"?>
 <p:sld xmlns:a="http://schemas.openxmlformats.org/drawingml/2006/main" xmlns:r="http://schemas.openxmlformats.org/officeDocument/2006/relationships" xmlns:p="http://schemas.openxmlformats.org/presentationml/2006/main">
   <p:cSld>
     <p:spTree>
@@ -24621,7 +26979,7 @@
           <a:p>
             <a:fld id="{6597116C-F94B-4B5B-973A-17F07FB5C418}" type="slidenum">
               <a:rPr lang="nl-BE" smtClean="0"/>
-              <a:t>28</a:t>
+              <a:t>34</a:t>
             </a:fld>
             <a:endParaRPr lang="nl-BE"/>
           </a:p>
@@ -24640,7 +26998,7 @@
 </p:sld>
 </file>
 
-<file path=ppt/slides/slide29.xml><?xml version="1.0" encoding="utf-8"?>
+<file path=ppt/slides/slide35.xml><?xml version="1.0" encoding="utf-8"?>
 <p:sld xmlns:a="http://schemas.openxmlformats.org/drawingml/2006/main" xmlns:r="http://schemas.openxmlformats.org/officeDocument/2006/relationships" xmlns:p="http://schemas.openxmlformats.org/presentationml/2006/main">
   <p:cSld>
     <p:spTree>
@@ -26424,7 +28782,7 @@
           <a:p>
             <a:fld id="{6597116C-F94B-4B5B-973A-17F07FB5C418}" type="slidenum">
               <a:rPr lang="nl-BE" smtClean="0"/>
-              <a:t>29</a:t>
+              <a:t>35</a:t>
             </a:fld>
             <a:endParaRPr lang="nl-BE"/>
           </a:p>
@@ -26569,7 +28927,7 @@
 </p:sld>
 </file>
 
-<file path=ppt/slides/slide3.xml><?xml version="1.0" encoding="utf-8"?>
+<file path=ppt/slides/slide36.xml><?xml version="1.0" encoding="utf-8"?>
 <p:sld xmlns:a="http://schemas.openxmlformats.org/drawingml/2006/main" xmlns:r="http://schemas.openxmlformats.org/officeDocument/2006/relationships" xmlns:p="http://schemas.openxmlformats.org/presentationml/2006/main">
   <p:cSld>
     <p:spTree>
@@ -26603,108 +28961,6 @@
           <a:p>
             <a:r>
               <a:rPr lang="en-US" dirty="0" smtClean="0"/>
-              <a:t>Parallel scaling</a:t>
-            </a:r>
-            <a:endParaRPr lang="en-US" dirty="0"/>
-          </a:p>
-        </p:txBody>
-      </p:sp>
-      <p:sp>
-        <p:nvSpPr>
-          <p:cNvPr id="3" name="Text Placeholder 2"/>
-          <p:cNvSpPr>
-            <a:spLocks noGrp="1"/>
-          </p:cNvSpPr>
-          <p:nvPr>
-            <p:ph type="body" idx="1"/>
-          </p:nvPr>
-        </p:nvSpPr>
-        <p:spPr/>
-        <p:txBody>
-          <a:bodyPr/>
-          <a:lstStyle/>
-          <a:p>
-            <a:endParaRPr lang="en-US"/>
-          </a:p>
-        </p:txBody>
-      </p:sp>
-      <p:sp>
-        <p:nvSpPr>
-          <p:cNvPr id="4" name="Slide Number Placeholder 3"/>
-          <p:cNvSpPr>
-            <a:spLocks noGrp="1"/>
-          </p:cNvSpPr>
-          <p:nvPr>
-            <p:ph type="sldNum" sz="quarter" idx="12"/>
-          </p:nvPr>
-        </p:nvSpPr>
-        <p:spPr/>
-        <p:txBody>
-          <a:bodyPr/>
-          <a:lstStyle/>
-          <a:p>
-            <a:fld id="{6597116C-F94B-4B5B-973A-17F07FB5C418}" type="slidenum">
-              <a:rPr lang="nl-BE" smtClean="0"/>
-              <a:t>3</a:t>
-            </a:fld>
-            <a:endParaRPr lang="nl-BE"/>
-          </a:p>
-        </p:txBody>
-      </p:sp>
-    </p:spTree>
-    <p:extLst>
-      <p:ext uri="{BB962C8B-B14F-4D97-AF65-F5344CB8AC3E}">
-        <p14:creationId xmlns:p14="http://schemas.microsoft.com/office/powerpoint/2010/main" val="703705777"/>
-      </p:ext>
-    </p:extLst>
-  </p:cSld>
-  <p:clrMapOvr>
-    <a:masterClrMapping/>
-  </p:clrMapOvr>
-  <p:timing>
-    <p:tnLst>
-      <p:par>
-        <p:cTn id="1" dur="indefinite" restart="never" nodeType="tmRoot"/>
-      </p:par>
-    </p:tnLst>
-  </p:timing>
-</p:sld>
-</file>
-
-<file path=ppt/slides/slide30.xml><?xml version="1.0" encoding="utf-8"?>
-<p:sld xmlns:a="http://schemas.openxmlformats.org/drawingml/2006/main" xmlns:r="http://schemas.openxmlformats.org/officeDocument/2006/relationships" xmlns:p="http://schemas.openxmlformats.org/presentationml/2006/main">
-  <p:cSld>
-    <p:spTree>
-      <p:nvGrpSpPr>
-        <p:cNvPr id="1" name=""/>
-        <p:cNvGrpSpPr/>
-        <p:nvPr/>
-      </p:nvGrpSpPr>
-      <p:grpSpPr>
-        <a:xfrm>
-          <a:off x="0" y="0"/>
-          <a:ext cx="0" cy="0"/>
-          <a:chOff x="0" y="0"/>
-          <a:chExt cx="0" cy="0"/>
-        </a:xfrm>
-      </p:grpSpPr>
-      <p:sp>
-        <p:nvSpPr>
-          <p:cNvPr id="2" name="Title 1"/>
-          <p:cNvSpPr>
-            <a:spLocks noGrp="1"/>
-          </p:cNvSpPr>
-          <p:nvPr>
-            <p:ph type="title"/>
-          </p:nvPr>
-        </p:nvSpPr>
-        <p:spPr/>
-        <p:txBody>
-          <a:bodyPr/>
-          <a:lstStyle/>
-          <a:p>
-            <a:r>
-              <a:rPr lang="en-US" dirty="0" smtClean="0"/>
               <a:t>Bandwidth</a:t>
             </a:r>
             <a:endParaRPr lang="nl-BE" dirty="0"/>
@@ -26741,7 +28997,50 @@
             </a:r>
             <a:r>
               <a:rPr lang="en-US" dirty="0" smtClean="0"/>
-              <a:t> (dual socket, 10 core): 93 </a:t>
+              <a:t> (dual socket, 10 core): 93 GB/s</a:t>
+            </a:r>
+          </a:p>
+          <a:p>
+            <a:pPr lvl="1"/>
+            <a:r>
+              <a:rPr lang="en-US" dirty="0" err="1"/>
+              <a:t>h</a:t>
+            </a:r>
+            <a:r>
+              <a:rPr lang="en-US" dirty="0" err="1" smtClean="0"/>
+              <a:t>aswell</a:t>
+            </a:r>
+            <a:r>
+              <a:rPr lang="en-US" dirty="0" smtClean="0"/>
+              <a:t> (dual socket, 12 core): 110 GB/s</a:t>
+            </a:r>
+          </a:p>
+          <a:p>
+            <a:pPr lvl="1"/>
+            <a:r>
+              <a:rPr lang="en-US" dirty="0" err="1" smtClean="0"/>
+              <a:t>broadwell</a:t>
+            </a:r>
+            <a:r>
+              <a:rPr lang="en-US" dirty="0" smtClean="0"/>
+              <a:t> (dual socket, 14 core): 125 GB/s</a:t>
+            </a:r>
+          </a:p>
+          <a:p>
+            <a:r>
+              <a:rPr lang="en-US" dirty="0"/>
+              <a:t>QPI</a:t>
+            </a:r>
+          </a:p>
+          <a:p>
+            <a:pPr lvl="1"/>
+            <a:r>
+              <a:rPr lang="en-US" dirty="0" err="1"/>
+              <a:t>ivybridge</a:t>
+            </a:r>
+            <a:r>
+              <a:rPr lang="en-US" dirty="0"/>
+              <a:t>: 25 </a:t>
             </a:r>
             <a:r>
               <a:rPr lang="en-US" dirty="0" smtClean="0"/>
@@ -26751,53 +29050,6 @@
           <a:p>
             <a:pPr lvl="1"/>
             <a:r>
-              <a:rPr lang="en-US" dirty="0" err="1"/>
-              <a:t>h</a:t>
-            </a:r>
-            <a:r>
-              <a:rPr lang="en-US" dirty="0" err="1" smtClean="0"/>
-              <a:t>aswell</a:t>
-            </a:r>
-            <a:r>
-              <a:rPr lang="en-US" dirty="0" smtClean="0"/>
-              <a:t> (dual socket, 12 core): 110 GB/s</a:t>
-            </a:r>
-          </a:p>
-          <a:p>
-            <a:pPr lvl="1"/>
-            <a:r>
-              <a:rPr lang="en-US" dirty="0" err="1" smtClean="0"/>
-              <a:t>broadwell</a:t>
-            </a:r>
-            <a:r>
-              <a:rPr lang="en-US" dirty="0" smtClean="0"/>
-              <a:t> (dual socket, 14 core): 125 GB/s</a:t>
-            </a:r>
-          </a:p>
-          <a:p>
-            <a:r>
-              <a:rPr lang="en-US" dirty="0"/>
-              <a:t>QPI</a:t>
-            </a:r>
-          </a:p>
-          <a:p>
-            <a:pPr lvl="1"/>
-            <a:r>
-              <a:rPr lang="en-US" dirty="0" err="1"/>
-              <a:t>ivybridge</a:t>
-            </a:r>
-            <a:r>
-              <a:rPr lang="en-US" dirty="0"/>
-              <a:t>: 25 </a:t>
-            </a:r>
-            <a:r>
-              <a:rPr lang="en-US" dirty="0" smtClean="0"/>
-              <a:t>GB/s</a:t>
-            </a:r>
-          </a:p>
-          <a:p>
-            <a:pPr lvl="1"/>
-            <a:r>
               <a:rPr lang="en-US" dirty="0" err="1" smtClean="0"/>
               <a:t>haswell</a:t>
             </a:r>
@@ -26850,11 +29102,7 @@
           <a:p>
             <a:r>
               <a:rPr lang="en-US" dirty="0" smtClean="0"/>
-              <a:t>PCI </a:t>
-            </a:r>
-            <a:r>
-              <a:rPr lang="en-US" dirty="0" smtClean="0"/>
-              <a:t>Express 3.0: 31.5 GB/s</a:t>
+              <a:t>PCI Express 3.0: 31.5 GB/s</a:t>
             </a:r>
           </a:p>
           <a:p>
@@ -26897,7 +29145,7 @@
           <a:p>
             <a:fld id="{6597116C-F94B-4B5B-973A-17F07FB5C418}" type="slidenum">
               <a:rPr lang="nl-BE" smtClean="0"/>
-              <a:t>30</a:t>
+              <a:t>36</a:t>
             </a:fld>
             <a:endParaRPr lang="nl-BE"/>
           </a:p>
@@ -26950,6 +29198,821 @@
           <a:p>
             <a:r>
               <a:rPr lang="en-US" dirty="0" smtClean="0"/>
+              <a:t>Parallelism</a:t>
+            </a:r>
+            <a:endParaRPr lang="en-US" dirty="0"/>
+          </a:p>
+        </p:txBody>
+      </p:sp>
+      <p:sp>
+        <p:nvSpPr>
+          <p:cNvPr id="3" name="Content Placeholder 2"/>
+          <p:cNvSpPr>
+            <a:spLocks noGrp="1"/>
+          </p:cNvSpPr>
+          <p:nvPr>
+            <p:ph idx="1"/>
+          </p:nvPr>
+        </p:nvSpPr>
+        <p:spPr/>
+        <p:txBody>
+          <a:bodyPr/>
+          <a:lstStyle/>
+          <a:p>
+            <a:r>
+              <a:rPr lang="en-US" dirty="0" smtClean="0"/>
+              <a:t>Levels</a:t>
+            </a:r>
+          </a:p>
+          <a:p>
+            <a:pPr lvl="1"/>
+            <a:r>
+              <a:rPr lang="en-US" dirty="0" smtClean="0"/>
+              <a:t>vectorization</a:t>
+            </a:r>
+          </a:p>
+          <a:p>
+            <a:pPr lvl="2"/>
+            <a:r>
+              <a:rPr lang="en-US" dirty="0" smtClean="0"/>
+              <a:t>compiler flags, some help needed from programmer</a:t>
+            </a:r>
+          </a:p>
+          <a:p>
+            <a:pPr lvl="1"/>
+            <a:r>
+              <a:rPr lang="en-US" dirty="0" smtClean="0"/>
+              <a:t>multicore</a:t>
+            </a:r>
+          </a:p>
+          <a:p>
+            <a:pPr lvl="2"/>
+            <a:r>
+              <a:rPr lang="en-US" dirty="0" err="1" smtClean="0"/>
+              <a:t>OpenMP</a:t>
+            </a:r>
+            <a:r>
+              <a:rPr lang="en-US" dirty="0" smtClean="0"/>
+              <a:t>/</a:t>
+            </a:r>
+            <a:r>
+              <a:rPr lang="en-US" dirty="0" err="1" smtClean="0"/>
+              <a:t>pthreads</a:t>
+            </a:r>
+            <a:r>
+              <a:rPr lang="en-US" dirty="0" smtClean="0"/>
+              <a:t>: programmer's job</a:t>
+            </a:r>
+          </a:p>
+          <a:p>
+            <a:pPr lvl="1"/>
+            <a:r>
+              <a:rPr lang="en-US" dirty="0" smtClean="0"/>
+              <a:t>multiple node, i.e., distributed</a:t>
+            </a:r>
+          </a:p>
+          <a:p>
+            <a:pPr lvl="2"/>
+            <a:r>
+              <a:rPr lang="en-US" dirty="0" smtClean="0"/>
+              <a:t>MPI: programmer's job</a:t>
+            </a:r>
+          </a:p>
+          <a:p>
+            <a:pPr lvl="1"/>
+            <a:r>
+              <a:rPr lang="en-US" dirty="0" smtClean="0"/>
+              <a:t>GPGPU</a:t>
+            </a:r>
+          </a:p>
+          <a:p>
+            <a:pPr lvl="2"/>
+            <a:r>
+              <a:rPr lang="en-US" dirty="0" smtClean="0"/>
+              <a:t>CUDA/</a:t>
+            </a:r>
+            <a:r>
+              <a:rPr lang="en-US" dirty="0" err="1" smtClean="0"/>
+              <a:t>OpenACC</a:t>
+            </a:r>
+            <a:r>
+              <a:rPr lang="en-US" dirty="0" smtClean="0"/>
+              <a:t>/OpenCL: programmer's job</a:t>
+            </a:r>
+            <a:endParaRPr lang="en-US" dirty="0"/>
+          </a:p>
+        </p:txBody>
+      </p:sp>
+      <p:sp>
+        <p:nvSpPr>
+          <p:cNvPr id="4" name="Slide Number Placeholder 3"/>
+          <p:cNvSpPr>
+            <a:spLocks noGrp="1"/>
+          </p:cNvSpPr>
+          <p:nvPr>
+            <p:ph type="sldNum" sz="quarter" idx="12"/>
+          </p:nvPr>
+        </p:nvSpPr>
+        <p:spPr/>
+        <p:txBody>
+          <a:bodyPr/>
+          <a:lstStyle/>
+          <a:p>
+            <a:fld id="{6597116C-F94B-4B5B-973A-17F07FB5C418}" type="slidenum">
+              <a:rPr lang="nl-BE" smtClean="0"/>
+              <a:t>4</a:t>
+            </a:fld>
+            <a:endParaRPr lang="nl-BE"/>
+          </a:p>
+        </p:txBody>
+      </p:sp>
+      <p:grpSp>
+        <p:nvGrpSpPr>
+          <p:cNvPr id="7" name="Group 6"/>
+          <p:cNvGrpSpPr/>
+          <p:nvPr/>
+        </p:nvGrpSpPr>
+        <p:grpSpPr>
+          <a:xfrm>
+            <a:off x="6553200" y="3284984"/>
+            <a:ext cx="1479142" cy="1656184"/>
+            <a:chOff x="6553200" y="3284984"/>
+            <a:chExt cx="1479142" cy="1656184"/>
+          </a:xfrm>
+        </p:grpSpPr>
+        <p:sp>
+          <p:nvSpPr>
+            <p:cNvPr id="5" name="Right Brace 4"/>
+            <p:cNvSpPr/>
+            <p:nvPr/>
+          </p:nvSpPr>
+          <p:spPr>
+            <a:xfrm>
+              <a:off x="6553200" y="3284984"/>
+              <a:ext cx="179040" cy="1656184"/>
+            </a:xfrm>
+            <a:prstGeom prst="rightBrace">
+              <a:avLst/>
+            </a:prstGeom>
+            <a:ln>
+              <a:solidFill>
+                <a:schemeClr val="tx1"/>
+              </a:solidFill>
+            </a:ln>
+          </p:spPr>
+          <p:style>
+            <a:lnRef idx="1">
+              <a:schemeClr val="accent1"/>
+            </a:lnRef>
+            <a:fillRef idx="0">
+              <a:schemeClr val="accent1"/>
+            </a:fillRef>
+            <a:effectRef idx="0">
+              <a:schemeClr val="accent1"/>
+            </a:effectRef>
+            <a:fontRef idx="minor">
+              <a:schemeClr val="tx1"/>
+            </a:fontRef>
+          </p:style>
+          <p:txBody>
+            <a:bodyPr rtlCol="0" anchor="ctr"/>
+            <a:lstStyle/>
+            <a:p>
+              <a:pPr algn="ctr"/>
+              <a:endParaRPr lang="en-US"/>
+            </a:p>
+          </p:txBody>
+        </p:sp>
+        <p:sp>
+          <p:nvSpPr>
+            <p:cNvPr id="6" name="TextBox 5"/>
+            <p:cNvSpPr txBox="1"/>
+            <p:nvPr/>
+          </p:nvSpPr>
+          <p:spPr>
+            <a:xfrm>
+              <a:off x="6876256" y="3851466"/>
+              <a:ext cx="1156086" cy="523220"/>
+            </a:xfrm>
+            <a:prstGeom prst="rect">
+              <a:avLst/>
+            </a:prstGeom>
+            <a:noFill/>
+          </p:spPr>
+          <p:txBody>
+            <a:bodyPr wrap="none" rtlCol="0">
+              <a:spAutoFit/>
+            </a:bodyPr>
+            <a:lstStyle/>
+            <a:p>
+              <a:r>
+                <a:rPr lang="en-US" sz="2800" dirty="0" smtClean="0"/>
+                <a:t>Hybrid</a:t>
+              </a:r>
+              <a:endParaRPr lang="en-US" sz="2800" dirty="0"/>
+            </a:p>
+          </p:txBody>
+        </p:sp>
+      </p:grpSp>
+    </p:spTree>
+    <p:extLst>
+      <p:ext uri="{BB962C8B-B14F-4D97-AF65-F5344CB8AC3E}">
+        <p14:creationId xmlns:p14="http://schemas.microsoft.com/office/powerpoint/2010/main" val="1972215598"/>
+      </p:ext>
+    </p:extLst>
+  </p:cSld>
+  <p:clrMapOvr>
+    <a:masterClrMapping/>
+  </p:clrMapOvr>
+  <p:timing>
+    <p:tnLst>
+      <p:par>
+        <p:cTn id="1" dur="indefinite" restart="never" nodeType="tmRoot">
+          <p:childTnLst>
+            <p:seq concurrent="1" nextAc="seek">
+              <p:cTn id="2" dur="indefinite" nodeType="mainSeq">
+                <p:childTnLst>
+                  <p:par>
+                    <p:cTn id="3" fill="hold">
+                      <p:stCondLst>
+                        <p:cond delay="indefinite"/>
+                        <p:cond evt="onBegin" delay="0">
+                          <p:tn val="2"/>
+                        </p:cond>
+                      </p:stCondLst>
+                      <p:childTnLst>
+                        <p:par>
+                          <p:cTn id="4" fill="hold">
+                            <p:stCondLst>
+                              <p:cond delay="0"/>
+                            </p:stCondLst>
+                            <p:childTnLst>
+                              <p:par>
+                                <p:cTn id="5" presetID="1" presetClass="entr" presetSubtype="0" fill="hold" grpId="0" nodeType="withEffect">
+                                  <p:stCondLst>
+                                    <p:cond delay="0"/>
+                                  </p:stCondLst>
+                                  <p:childTnLst>
+                                    <p:set>
+                                      <p:cBhvr>
+                                        <p:cTn id="6" dur="1" fill="hold">
+                                          <p:stCondLst>
+                                            <p:cond delay="0"/>
+                                          </p:stCondLst>
+                                        </p:cTn>
+                                        <p:tgtEl>
+                                          <p:spTgt spid="3">
+                                            <p:txEl>
+                                              <p:pRg st="0" end="0"/>
+                                            </p:txEl>
+                                          </p:spTgt>
+                                        </p:tgtEl>
+                                        <p:attrNameLst>
+                                          <p:attrName>style.visibility</p:attrName>
+                                        </p:attrNameLst>
+                                      </p:cBhvr>
+                                      <p:to>
+                                        <p:strVal val="visible"/>
+                                      </p:to>
+                                    </p:set>
+                                  </p:childTnLst>
+                                </p:cTn>
+                              </p:par>
+                            </p:childTnLst>
+                          </p:cTn>
+                        </p:par>
+                      </p:childTnLst>
+                    </p:cTn>
+                  </p:par>
+                  <p:par>
+                    <p:cTn id="7" fill="hold">
+                      <p:stCondLst>
+                        <p:cond delay="indefinite"/>
+                      </p:stCondLst>
+                      <p:childTnLst>
+                        <p:par>
+                          <p:cTn id="8" fill="hold">
+                            <p:stCondLst>
+                              <p:cond delay="0"/>
+                            </p:stCondLst>
+                            <p:childTnLst>
+                              <p:par>
+                                <p:cTn id="9" presetID="1" presetClass="entr" presetSubtype="0" fill="hold" grpId="0" nodeType="clickEffect">
+                                  <p:stCondLst>
+                                    <p:cond delay="0"/>
+                                  </p:stCondLst>
+                                  <p:childTnLst>
+                                    <p:set>
+                                      <p:cBhvr>
+                                        <p:cTn id="10" dur="1" fill="hold">
+                                          <p:stCondLst>
+                                            <p:cond delay="0"/>
+                                          </p:stCondLst>
+                                        </p:cTn>
+                                        <p:tgtEl>
+                                          <p:spTgt spid="3">
+                                            <p:txEl>
+                                              <p:pRg st="1" end="1"/>
+                                            </p:txEl>
+                                          </p:spTgt>
+                                        </p:tgtEl>
+                                        <p:attrNameLst>
+                                          <p:attrName>style.visibility</p:attrName>
+                                        </p:attrNameLst>
+                                      </p:cBhvr>
+                                      <p:to>
+                                        <p:strVal val="visible"/>
+                                      </p:to>
+                                    </p:set>
+                                  </p:childTnLst>
+                                </p:cTn>
+                              </p:par>
+                              <p:par>
+                                <p:cTn id="11" presetID="1" presetClass="entr" presetSubtype="0" fill="hold" grpId="0" nodeType="withEffect">
+                                  <p:stCondLst>
+                                    <p:cond delay="0"/>
+                                  </p:stCondLst>
+                                  <p:childTnLst>
+                                    <p:set>
+                                      <p:cBhvr>
+                                        <p:cTn id="12" dur="1" fill="hold">
+                                          <p:stCondLst>
+                                            <p:cond delay="0"/>
+                                          </p:stCondLst>
+                                        </p:cTn>
+                                        <p:tgtEl>
+                                          <p:spTgt spid="3">
+                                            <p:txEl>
+                                              <p:pRg st="2" end="2"/>
+                                            </p:txEl>
+                                          </p:spTgt>
+                                        </p:tgtEl>
+                                        <p:attrNameLst>
+                                          <p:attrName>style.visibility</p:attrName>
+                                        </p:attrNameLst>
+                                      </p:cBhvr>
+                                      <p:to>
+                                        <p:strVal val="visible"/>
+                                      </p:to>
+                                    </p:set>
+                                  </p:childTnLst>
+                                </p:cTn>
+                              </p:par>
+                            </p:childTnLst>
+                          </p:cTn>
+                        </p:par>
+                      </p:childTnLst>
+                    </p:cTn>
+                  </p:par>
+                  <p:par>
+                    <p:cTn id="13" fill="hold">
+                      <p:stCondLst>
+                        <p:cond delay="indefinite"/>
+                      </p:stCondLst>
+                      <p:childTnLst>
+                        <p:par>
+                          <p:cTn id="14" fill="hold">
+                            <p:stCondLst>
+                              <p:cond delay="0"/>
+                            </p:stCondLst>
+                            <p:childTnLst>
+                              <p:par>
+                                <p:cTn id="15" presetID="1" presetClass="entr" presetSubtype="0" fill="hold" grpId="0" nodeType="clickEffect">
+                                  <p:stCondLst>
+                                    <p:cond delay="0"/>
+                                  </p:stCondLst>
+                                  <p:childTnLst>
+                                    <p:set>
+                                      <p:cBhvr>
+                                        <p:cTn id="16" dur="1" fill="hold">
+                                          <p:stCondLst>
+                                            <p:cond delay="0"/>
+                                          </p:stCondLst>
+                                        </p:cTn>
+                                        <p:tgtEl>
+                                          <p:spTgt spid="3">
+                                            <p:txEl>
+                                              <p:pRg st="3" end="3"/>
+                                            </p:txEl>
+                                          </p:spTgt>
+                                        </p:tgtEl>
+                                        <p:attrNameLst>
+                                          <p:attrName>style.visibility</p:attrName>
+                                        </p:attrNameLst>
+                                      </p:cBhvr>
+                                      <p:to>
+                                        <p:strVal val="visible"/>
+                                      </p:to>
+                                    </p:set>
+                                  </p:childTnLst>
+                                </p:cTn>
+                              </p:par>
+                              <p:par>
+                                <p:cTn id="17" presetID="1" presetClass="entr" presetSubtype="0" fill="hold" grpId="0" nodeType="withEffect">
+                                  <p:stCondLst>
+                                    <p:cond delay="0"/>
+                                  </p:stCondLst>
+                                  <p:childTnLst>
+                                    <p:set>
+                                      <p:cBhvr>
+                                        <p:cTn id="18" dur="1" fill="hold">
+                                          <p:stCondLst>
+                                            <p:cond delay="0"/>
+                                          </p:stCondLst>
+                                        </p:cTn>
+                                        <p:tgtEl>
+                                          <p:spTgt spid="3">
+                                            <p:txEl>
+                                              <p:pRg st="4" end="4"/>
+                                            </p:txEl>
+                                          </p:spTgt>
+                                        </p:tgtEl>
+                                        <p:attrNameLst>
+                                          <p:attrName>style.visibility</p:attrName>
+                                        </p:attrNameLst>
+                                      </p:cBhvr>
+                                      <p:to>
+                                        <p:strVal val="visible"/>
+                                      </p:to>
+                                    </p:set>
+                                  </p:childTnLst>
+                                </p:cTn>
+                              </p:par>
+                            </p:childTnLst>
+                          </p:cTn>
+                        </p:par>
+                      </p:childTnLst>
+                    </p:cTn>
+                  </p:par>
+                  <p:par>
+                    <p:cTn id="19" fill="hold">
+                      <p:stCondLst>
+                        <p:cond delay="indefinite"/>
+                      </p:stCondLst>
+                      <p:childTnLst>
+                        <p:par>
+                          <p:cTn id="20" fill="hold">
+                            <p:stCondLst>
+                              <p:cond delay="0"/>
+                            </p:stCondLst>
+                            <p:childTnLst>
+                              <p:par>
+                                <p:cTn id="21" presetID="1" presetClass="entr" presetSubtype="0" fill="hold" grpId="0" nodeType="clickEffect">
+                                  <p:stCondLst>
+                                    <p:cond delay="0"/>
+                                  </p:stCondLst>
+                                  <p:childTnLst>
+                                    <p:set>
+                                      <p:cBhvr>
+                                        <p:cTn id="22" dur="1" fill="hold">
+                                          <p:stCondLst>
+                                            <p:cond delay="0"/>
+                                          </p:stCondLst>
+                                        </p:cTn>
+                                        <p:tgtEl>
+                                          <p:spTgt spid="3">
+                                            <p:txEl>
+                                              <p:pRg st="5" end="5"/>
+                                            </p:txEl>
+                                          </p:spTgt>
+                                        </p:tgtEl>
+                                        <p:attrNameLst>
+                                          <p:attrName>style.visibility</p:attrName>
+                                        </p:attrNameLst>
+                                      </p:cBhvr>
+                                      <p:to>
+                                        <p:strVal val="visible"/>
+                                      </p:to>
+                                    </p:set>
+                                  </p:childTnLst>
+                                </p:cTn>
+                              </p:par>
+                              <p:par>
+                                <p:cTn id="23" presetID="1" presetClass="entr" presetSubtype="0" fill="hold" grpId="0" nodeType="withEffect">
+                                  <p:stCondLst>
+                                    <p:cond delay="0"/>
+                                  </p:stCondLst>
+                                  <p:childTnLst>
+                                    <p:set>
+                                      <p:cBhvr>
+                                        <p:cTn id="24" dur="1" fill="hold">
+                                          <p:stCondLst>
+                                            <p:cond delay="0"/>
+                                          </p:stCondLst>
+                                        </p:cTn>
+                                        <p:tgtEl>
+                                          <p:spTgt spid="3">
+                                            <p:txEl>
+                                              <p:pRg st="6" end="6"/>
+                                            </p:txEl>
+                                          </p:spTgt>
+                                        </p:tgtEl>
+                                        <p:attrNameLst>
+                                          <p:attrName>style.visibility</p:attrName>
+                                        </p:attrNameLst>
+                                      </p:cBhvr>
+                                      <p:to>
+                                        <p:strVal val="visible"/>
+                                      </p:to>
+                                    </p:set>
+                                  </p:childTnLst>
+                                </p:cTn>
+                              </p:par>
+                            </p:childTnLst>
+                          </p:cTn>
+                        </p:par>
+                      </p:childTnLst>
+                    </p:cTn>
+                  </p:par>
+                  <p:par>
+                    <p:cTn id="25" fill="hold">
+                      <p:stCondLst>
+                        <p:cond delay="indefinite"/>
+                      </p:stCondLst>
+                      <p:childTnLst>
+                        <p:par>
+                          <p:cTn id="26" fill="hold">
+                            <p:stCondLst>
+                              <p:cond delay="0"/>
+                            </p:stCondLst>
+                            <p:childTnLst>
+                              <p:par>
+                                <p:cTn id="27" presetID="1" presetClass="entr" presetSubtype="0" fill="hold" nodeType="clickEffect">
+                                  <p:stCondLst>
+                                    <p:cond delay="0"/>
+                                  </p:stCondLst>
+                                  <p:childTnLst>
+                                    <p:set>
+                                      <p:cBhvr>
+                                        <p:cTn id="28" dur="1" fill="hold">
+                                          <p:stCondLst>
+                                            <p:cond delay="0"/>
+                                          </p:stCondLst>
+                                        </p:cTn>
+                                        <p:tgtEl>
+                                          <p:spTgt spid="7"/>
+                                        </p:tgtEl>
+                                        <p:attrNameLst>
+                                          <p:attrName>style.visibility</p:attrName>
+                                        </p:attrNameLst>
+                                      </p:cBhvr>
+                                      <p:to>
+                                        <p:strVal val="visible"/>
+                                      </p:to>
+                                    </p:set>
+                                  </p:childTnLst>
+                                </p:cTn>
+                              </p:par>
+                            </p:childTnLst>
+                          </p:cTn>
+                        </p:par>
+                      </p:childTnLst>
+                    </p:cTn>
+                  </p:par>
+                  <p:par>
+                    <p:cTn id="29" fill="hold">
+                      <p:stCondLst>
+                        <p:cond delay="indefinite"/>
+                      </p:stCondLst>
+                      <p:childTnLst>
+                        <p:par>
+                          <p:cTn id="30" fill="hold">
+                            <p:stCondLst>
+                              <p:cond delay="0"/>
+                            </p:stCondLst>
+                            <p:childTnLst>
+                              <p:par>
+                                <p:cTn id="31" presetID="1" presetClass="entr" presetSubtype="0" fill="hold" grpId="0" nodeType="clickEffect">
+                                  <p:stCondLst>
+                                    <p:cond delay="0"/>
+                                  </p:stCondLst>
+                                  <p:childTnLst>
+                                    <p:set>
+                                      <p:cBhvr>
+                                        <p:cTn id="32" dur="1" fill="hold">
+                                          <p:stCondLst>
+                                            <p:cond delay="0"/>
+                                          </p:stCondLst>
+                                        </p:cTn>
+                                        <p:tgtEl>
+                                          <p:spTgt spid="3">
+                                            <p:txEl>
+                                              <p:pRg st="7" end="7"/>
+                                            </p:txEl>
+                                          </p:spTgt>
+                                        </p:tgtEl>
+                                        <p:attrNameLst>
+                                          <p:attrName>style.visibility</p:attrName>
+                                        </p:attrNameLst>
+                                      </p:cBhvr>
+                                      <p:to>
+                                        <p:strVal val="visible"/>
+                                      </p:to>
+                                    </p:set>
+                                  </p:childTnLst>
+                                </p:cTn>
+                              </p:par>
+                              <p:par>
+                                <p:cTn id="33" presetID="1" presetClass="entr" presetSubtype="0" fill="hold" grpId="0" nodeType="withEffect">
+                                  <p:stCondLst>
+                                    <p:cond delay="0"/>
+                                  </p:stCondLst>
+                                  <p:childTnLst>
+                                    <p:set>
+                                      <p:cBhvr>
+                                        <p:cTn id="34" dur="1" fill="hold">
+                                          <p:stCondLst>
+                                            <p:cond delay="0"/>
+                                          </p:stCondLst>
+                                        </p:cTn>
+                                        <p:tgtEl>
+                                          <p:spTgt spid="3">
+                                            <p:txEl>
+                                              <p:pRg st="8" end="8"/>
+                                            </p:txEl>
+                                          </p:spTgt>
+                                        </p:tgtEl>
+                                        <p:attrNameLst>
+                                          <p:attrName>style.visibility</p:attrName>
+                                        </p:attrNameLst>
+                                      </p:cBhvr>
+                                      <p:to>
+                                        <p:strVal val="visible"/>
+                                      </p:to>
+                                    </p:set>
+                                  </p:childTnLst>
+                                </p:cTn>
+                              </p:par>
+                            </p:childTnLst>
+                          </p:cTn>
+                        </p:par>
+                      </p:childTnLst>
+                    </p:cTn>
+                  </p:par>
+                </p:childTnLst>
+              </p:cTn>
+              <p:prevCondLst>
+                <p:cond evt="onPrev" delay="0">
+                  <p:tgtEl>
+                    <p:sldTgt/>
+                  </p:tgtEl>
+                </p:cond>
+              </p:prevCondLst>
+              <p:nextCondLst>
+                <p:cond evt="onNext" delay="0">
+                  <p:tgtEl>
+                    <p:sldTgt/>
+                  </p:tgtEl>
+                </p:cond>
+              </p:nextCondLst>
+            </p:seq>
+          </p:childTnLst>
+        </p:cTn>
+      </p:par>
+    </p:tnLst>
+    <p:bldLst>
+      <p:bldP spid="3" grpId="0" uiExpand="1" build="p" bldLvl="2"/>
+    </p:bldLst>
+  </p:timing>
+</p:sld>
+</file>
+
+<file path=ppt/slides/slide5.xml><?xml version="1.0" encoding="utf-8"?>
+<p:sld xmlns:a="http://schemas.openxmlformats.org/drawingml/2006/main" xmlns:r="http://schemas.openxmlformats.org/officeDocument/2006/relationships" xmlns:p="http://schemas.openxmlformats.org/presentationml/2006/main">
+  <p:cSld>
+    <p:spTree>
+      <p:nvGrpSpPr>
+        <p:cNvPr id="1" name=""/>
+        <p:cNvGrpSpPr/>
+        <p:nvPr/>
+      </p:nvGrpSpPr>
+      <p:grpSpPr>
+        <a:xfrm>
+          <a:off x="0" y="0"/>
+          <a:ext cx="0" cy="0"/>
+          <a:chOff x="0" y="0"/>
+          <a:chExt cx="0" cy="0"/>
+        </a:xfrm>
+      </p:grpSpPr>
+      <p:sp>
+        <p:nvSpPr>
+          <p:cNvPr id="2" name="Title 1"/>
+          <p:cNvSpPr>
+            <a:spLocks noGrp="1"/>
+          </p:cNvSpPr>
+          <p:nvPr>
+            <p:ph type="title"/>
+          </p:nvPr>
+        </p:nvSpPr>
+        <p:spPr/>
+        <p:txBody>
+          <a:bodyPr/>
+          <a:lstStyle/>
+          <a:p>
+            <a:r>
+              <a:rPr lang="en-US" dirty="0" smtClean="0"/>
+              <a:t>Parallel scaling</a:t>
+            </a:r>
+            <a:endParaRPr lang="en-US" dirty="0"/>
+          </a:p>
+        </p:txBody>
+      </p:sp>
+      <p:sp>
+        <p:nvSpPr>
+          <p:cNvPr id="3" name="Text Placeholder 2"/>
+          <p:cNvSpPr>
+            <a:spLocks noGrp="1"/>
+          </p:cNvSpPr>
+          <p:nvPr>
+            <p:ph type="body" idx="1"/>
+          </p:nvPr>
+        </p:nvSpPr>
+        <p:spPr/>
+        <p:txBody>
+          <a:bodyPr/>
+          <a:lstStyle/>
+          <a:p>
+            <a:endParaRPr lang="en-US"/>
+          </a:p>
+        </p:txBody>
+      </p:sp>
+      <p:sp>
+        <p:nvSpPr>
+          <p:cNvPr id="4" name="Slide Number Placeholder 3"/>
+          <p:cNvSpPr>
+            <a:spLocks noGrp="1"/>
+          </p:cNvSpPr>
+          <p:nvPr>
+            <p:ph type="sldNum" sz="quarter" idx="12"/>
+          </p:nvPr>
+        </p:nvSpPr>
+        <p:spPr/>
+        <p:txBody>
+          <a:bodyPr/>
+          <a:lstStyle/>
+          <a:p>
+            <a:fld id="{6597116C-F94B-4B5B-973A-17F07FB5C418}" type="slidenum">
+              <a:rPr lang="nl-BE" smtClean="0"/>
+              <a:t>5</a:t>
+            </a:fld>
+            <a:endParaRPr lang="nl-BE"/>
+          </a:p>
+        </p:txBody>
+      </p:sp>
+    </p:spTree>
+    <p:extLst>
+      <p:ext uri="{BB962C8B-B14F-4D97-AF65-F5344CB8AC3E}">
+        <p14:creationId xmlns:p14="http://schemas.microsoft.com/office/powerpoint/2010/main" val="703705777"/>
+      </p:ext>
+    </p:extLst>
+  </p:cSld>
+  <p:clrMapOvr>
+    <a:masterClrMapping/>
+  </p:clrMapOvr>
+  <p:timing>
+    <p:tnLst>
+      <p:par>
+        <p:cTn id="1" dur="indefinite" restart="never" nodeType="tmRoot"/>
+      </p:par>
+    </p:tnLst>
+  </p:timing>
+</p:sld>
+</file>
+
+<file path=ppt/slides/slide6.xml><?xml version="1.0" encoding="utf-8"?>
+<p:sld xmlns:a="http://schemas.openxmlformats.org/drawingml/2006/main" xmlns:r="http://schemas.openxmlformats.org/officeDocument/2006/relationships" xmlns:p="http://schemas.openxmlformats.org/presentationml/2006/main">
+  <p:cSld>
+    <p:spTree>
+      <p:nvGrpSpPr>
+        <p:cNvPr id="1" name=""/>
+        <p:cNvGrpSpPr/>
+        <p:nvPr/>
+      </p:nvGrpSpPr>
+      <p:grpSpPr>
+        <a:xfrm>
+          <a:off x="0" y="0"/>
+          <a:ext cx="0" cy="0"/>
+          <a:chOff x="0" y="0"/>
+          <a:chExt cx="0" cy="0"/>
+        </a:xfrm>
+      </p:grpSpPr>
+      <p:sp>
+        <p:nvSpPr>
+          <p:cNvPr id="2" name="Title 1"/>
+          <p:cNvSpPr>
+            <a:spLocks noGrp="1"/>
+          </p:cNvSpPr>
+          <p:nvPr>
+            <p:ph type="title"/>
+          </p:nvPr>
+        </p:nvSpPr>
+        <p:spPr/>
+        <p:txBody>
+          <a:bodyPr/>
+          <a:lstStyle/>
+          <a:p>
+            <a:r>
+              <a:rPr lang="en-US" dirty="0" smtClean="0"/>
               <a:t>Dimensions for scaling</a:t>
             </a:r>
             <a:endParaRPr lang="nl-BE" dirty="0"/>
@@ -27088,7 +30151,7 @@
           <a:p>
             <a:fld id="{6597116C-F94B-4B5B-973A-17F07FB5C418}" type="slidenum">
               <a:rPr lang="nl-BE" smtClean="0"/>
-              <a:t>4</a:t>
+              <a:t>6</a:t>
             </a:fld>
             <a:endParaRPr lang="nl-BE"/>
           </a:p>
@@ -27300,7 +30363,7 @@
 </p:sld>
 </file>
 
-<file path=ppt/slides/slide5.xml><?xml version="1.0" encoding="utf-8"?>
+<file path=ppt/slides/slide7.xml><?xml version="1.0" encoding="utf-8"?>
 <p:sld xmlns:a="http://schemas.openxmlformats.org/drawingml/2006/main" xmlns:r="http://schemas.openxmlformats.org/officeDocument/2006/relationships" xmlns:p="http://schemas.openxmlformats.org/presentationml/2006/main">
   <p:cSld>
     <p:spTree>
@@ -27684,7 +30747,7 @@
           <a:p>
             <a:fld id="{6597116C-F94B-4B5B-973A-17F07FB5C418}" type="slidenum">
               <a:rPr lang="nl-BE" smtClean="0"/>
-              <a:t>5</a:t>
+              <a:t>7</a:t>
             </a:fld>
             <a:endParaRPr lang="nl-BE"/>
           </a:p>
@@ -27864,7 +30927,7 @@
 </p:sld>
 </file>
 
-<file path=ppt/slides/slide6.xml><?xml version="1.0" encoding="utf-8"?>
+<file path=ppt/slides/slide8.xml><?xml version="1.0" encoding="utf-8"?>
 <p:sld xmlns:a="http://schemas.openxmlformats.org/drawingml/2006/main" xmlns:r="http://schemas.openxmlformats.org/officeDocument/2006/relationships" xmlns:p="http://schemas.openxmlformats.org/presentationml/2006/main">
   <p:cSld>
     <p:spTree>
@@ -28652,7 +31715,7 @@
           <a:p>
             <a:fld id="{6597116C-F94B-4B5B-973A-17F07FB5C418}" type="slidenum">
               <a:rPr lang="nl-BE" smtClean="0"/>
-              <a:t>6</a:t>
+              <a:t>8</a:t>
             </a:fld>
             <a:endParaRPr lang="nl-BE"/>
           </a:p>
@@ -28923,7 +31986,7 @@
 </p:sld>
 </file>
 
-<file path=ppt/slides/slide7.xml><?xml version="1.0" encoding="utf-8"?>
+<file path=ppt/slides/slide9.xml><?xml version="1.0" encoding="utf-8"?>
 <p:sld xmlns:a="http://schemas.openxmlformats.org/drawingml/2006/main" xmlns:r="http://schemas.openxmlformats.org/officeDocument/2006/relationships" xmlns:p="http://schemas.openxmlformats.org/presentationml/2006/main">
   <p:cSld>
     <p:spTree>
@@ -29763,7 +32826,7 @@
           <a:p>
             <a:fld id="{6597116C-F94B-4B5B-973A-17F07FB5C418}" type="slidenum">
               <a:rPr lang="nl-BE" smtClean="0"/>
-              <a:t>7</a:t>
+              <a:t>9</a:t>
             </a:fld>
             <a:endParaRPr lang="nl-BE"/>
           </a:p>
@@ -30104,1204 +33167,6 @@
     <p:bldLst>
       <p:bldP spid="3" grpId="0" uiExpand="1" build="p"/>
       <p:bldP spid="4" grpId="0" animBg="1"/>
-    </p:bldLst>
-  </p:timing>
-</p:sld>
-</file>
-
-<file path=ppt/slides/slide8.xml><?xml version="1.0" encoding="utf-8"?>
-<p:sld xmlns:a="http://schemas.openxmlformats.org/drawingml/2006/main" xmlns:r="http://schemas.openxmlformats.org/officeDocument/2006/relationships" xmlns:p="http://schemas.openxmlformats.org/presentationml/2006/main">
-  <p:cSld>
-    <p:spTree>
-      <p:nvGrpSpPr>
-        <p:cNvPr id="1" name=""/>
-        <p:cNvGrpSpPr/>
-        <p:nvPr/>
-      </p:nvGrpSpPr>
-      <p:grpSpPr>
-        <a:xfrm>
-          <a:off x="0" y="0"/>
-          <a:ext cx="0" cy="0"/>
-          <a:chOff x="0" y="0"/>
-          <a:chExt cx="0" cy="0"/>
-        </a:xfrm>
-      </p:grpSpPr>
-      <p:sp>
-        <p:nvSpPr>
-          <p:cNvPr id="2" name="Title 1"/>
-          <p:cNvSpPr>
-            <a:spLocks noGrp="1"/>
-          </p:cNvSpPr>
-          <p:nvPr>
-            <p:ph type="title"/>
-          </p:nvPr>
-        </p:nvSpPr>
-        <p:spPr/>
-        <p:txBody>
-          <a:bodyPr/>
-          <a:lstStyle/>
-          <a:p>
-            <a:r>
-              <a:rPr lang="en-US" dirty="0" smtClean="0"/>
-              <a:t>Amdahl's law</a:t>
-            </a:r>
-            <a:endParaRPr lang="nl-BE" dirty="0"/>
-          </a:p>
-        </p:txBody>
-      </p:sp>
-      <p:grpSp>
-        <p:nvGrpSpPr>
-          <p:cNvPr id="9" name="Group 8"/>
-          <p:cNvGrpSpPr/>
-          <p:nvPr/>
-        </p:nvGrpSpPr>
-        <p:grpSpPr>
-          <a:xfrm>
-            <a:off x="1907706" y="2057400"/>
-            <a:ext cx="4950294" cy="3109084"/>
-            <a:chOff x="1907706" y="2057400"/>
-            <a:chExt cx="4950294" cy="3109084"/>
-          </a:xfrm>
-        </p:grpSpPr>
-        <p:sp>
-          <p:nvSpPr>
-            <p:cNvPr id="4" name="TextBox 3"/>
-            <p:cNvSpPr txBox="1"/>
-            <p:nvPr/>
-          </p:nvSpPr>
-          <p:spPr>
-            <a:xfrm>
-              <a:off x="3491880" y="4797152"/>
-              <a:ext cx="1392048" cy="369332"/>
-            </a:xfrm>
-            <a:prstGeom prst="rect">
-              <a:avLst/>
-            </a:prstGeom>
-            <a:noFill/>
-          </p:spPr>
-          <p:txBody>
-            <a:bodyPr wrap="none" rtlCol="0">
-              <a:spAutoFit/>
-            </a:bodyPr>
-            <a:lstStyle/>
-            <a:p>
-              <a:r>
-                <a:rPr lang="en-US" dirty="0" smtClean="0"/>
-                <a:t>nr. processes</a:t>
-              </a:r>
-              <a:endParaRPr lang="nl-BE" dirty="0"/>
-            </a:p>
-          </p:txBody>
-        </p:sp>
-        <p:sp>
-          <p:nvSpPr>
-            <p:cNvPr id="5" name="TextBox 4"/>
-            <p:cNvSpPr txBox="1"/>
-            <p:nvPr/>
-          </p:nvSpPr>
-          <p:spPr>
-            <a:xfrm rot="16200000">
-              <a:off x="1596082" y="3220278"/>
-              <a:ext cx="992579" cy="369332"/>
-            </a:xfrm>
-            <a:prstGeom prst="rect">
-              <a:avLst/>
-            </a:prstGeom>
-            <a:noFill/>
-          </p:spPr>
-          <p:txBody>
-            <a:bodyPr wrap="none" rtlCol="0">
-              <a:spAutoFit/>
-            </a:bodyPr>
-            <a:lstStyle/>
-            <a:p>
-              <a:r>
-                <a:rPr lang="en-US" dirty="0" smtClean="0"/>
-                <a:t>speedup</a:t>
-              </a:r>
-              <a:endParaRPr lang="nl-BE" dirty="0"/>
-            </a:p>
-          </p:txBody>
-        </p:sp>
-        <p:graphicFrame>
-          <p:nvGraphicFramePr>
-            <p:cNvPr id="6" name="Chart 5"/>
-            <p:cNvGraphicFramePr>
-              <a:graphicFrameLocks/>
-            </p:cNvGraphicFramePr>
-            <p:nvPr>
-              <p:extLst>
-                <p:ext uri="{D42A27DB-BD31-4B8C-83A1-F6EECF244321}">
-                  <p14:modId xmlns:p14="http://schemas.microsoft.com/office/powerpoint/2010/main" val="687487585"/>
-                </p:ext>
-              </p:extLst>
-            </p:nvPr>
-          </p:nvGraphicFramePr>
-          <p:xfrm>
-            <a:off x="2286000" y="2057400"/>
-            <a:ext cx="4572000" cy="2743200"/>
-          </p:xfrm>
-          <a:graphic>
-            <a:graphicData uri="http://schemas.openxmlformats.org/drawingml/2006/chart">
-              <c:chart xmlns:c="http://schemas.openxmlformats.org/drawingml/2006/chart" xmlns:r="http://schemas.openxmlformats.org/officeDocument/2006/relationships" r:id="rId2"/>
-            </a:graphicData>
-          </a:graphic>
-        </p:graphicFrame>
-      </p:grpSp>
-      <mc:AlternateContent xmlns:mc="http://schemas.openxmlformats.org/markup-compatibility/2006" xmlns:a14="http://schemas.microsoft.com/office/drawing/2010/main">
-        <mc:Choice Requires="a14">
-          <p:sp>
-            <p:nvSpPr>
-              <p:cNvPr id="7" name="TextBox 6"/>
-              <p:cNvSpPr txBox="1"/>
-              <p:nvPr/>
-            </p:nvSpPr>
-            <p:spPr>
-              <a:xfrm>
-                <a:off x="611560" y="5445224"/>
-                <a:ext cx="2688941" cy="855619"/>
-              </a:xfrm>
-              <a:prstGeom prst="rect">
-                <a:avLst/>
-              </a:prstGeom>
-              <a:noFill/>
-              <a:ln>
-                <a:solidFill>
-                  <a:schemeClr val="tx1"/>
-                </a:solidFill>
-              </a:ln>
-            </p:spPr>
-            <p:txBody>
-              <a:bodyPr wrap="none" rtlCol="0">
-                <a:spAutoFit/>
-              </a:bodyPr>
-              <a:lstStyle/>
-              <a:p>
-                <a:pPr/>
-                <a14:m>
-                  <m:oMathPara xmlns:m="http://schemas.openxmlformats.org/officeDocument/2006/math">
-                    <m:oMathParaPr>
-                      <m:jc m:val="centerGroup"/>
-                    </m:oMathParaPr>
-                    <m:oMath xmlns:m="http://schemas.openxmlformats.org/officeDocument/2006/math">
-                      <m:func>
-                        <m:funcPr>
-                          <m:ctrlPr>
-                            <a:rPr lang="nl-BE" sz="2400" i="1" smtClean="0">
-                              <a:latin typeface="Cambria Math" panose="02040503050406030204" pitchFamily="18" charset="0"/>
-                            </a:rPr>
-                          </m:ctrlPr>
-                        </m:funcPr>
-                        <m:fName>
-                          <m:limLow>
-                            <m:limLowPr>
-                              <m:ctrlPr>
-                                <a:rPr lang="nl-BE" sz="2400" i="1" smtClean="0">
-                                  <a:latin typeface="Cambria Math" panose="02040503050406030204" pitchFamily="18" charset="0"/>
-                                </a:rPr>
-                              </m:ctrlPr>
-                            </m:limLowPr>
-                            <m:e>
-                              <m:r>
-                                <m:rPr>
-                                  <m:sty m:val="p"/>
-                                </m:rPr>
-                                <a:rPr lang="nl-BE" sz="2400" i="0" smtClean="0">
-                                  <a:latin typeface="Cambria Math"/>
-                                </a:rPr>
-                                <m:t>lim</m:t>
-                              </m:r>
-                            </m:e>
-                            <m:lim>
-                              <m:r>
-                                <a:rPr lang="en-US" sz="2400" b="0" i="1" smtClean="0">
-                                  <a:latin typeface="Cambria Math"/>
-                                </a:rPr>
-                                <m:t>𝑛</m:t>
-                              </m:r>
-                              <m:r>
-                                <a:rPr lang="en-US" sz="2400" b="0" i="1" smtClean="0">
-                                  <a:latin typeface="Cambria Math"/>
-                                  <a:ea typeface="Cambria Math"/>
-                                </a:rPr>
-                                <m:t>→∞</m:t>
-                              </m:r>
-                            </m:lim>
-                          </m:limLow>
-                        </m:fName>
-                        <m:e>
-                          <m:r>
-                            <a:rPr lang="en-US" sz="2400" b="0" i="1" smtClean="0">
-                              <a:latin typeface="Cambria Math"/>
-                            </a:rPr>
-                            <m:t>𝑆</m:t>
-                          </m:r>
-                          <m:d>
-                            <m:dPr>
-                              <m:ctrlPr>
-                                <a:rPr lang="en-US" sz="2400" b="0" i="1" smtClean="0">
-                                  <a:latin typeface="Cambria Math" panose="02040503050406030204" pitchFamily="18" charset="0"/>
-                                </a:rPr>
-                              </m:ctrlPr>
-                            </m:dPr>
-                            <m:e>
-                              <m:r>
-                                <a:rPr lang="en-US" sz="2400" b="0" i="1" smtClean="0">
-                                  <a:latin typeface="Cambria Math"/>
-                                </a:rPr>
-                                <m:t>𝑛</m:t>
-                              </m:r>
-                            </m:e>
-                          </m:d>
-                          <m:r>
-                            <a:rPr lang="en-US" sz="2400" b="0" i="1" smtClean="0">
-                              <a:latin typeface="Cambria Math"/>
-                            </a:rPr>
-                            <m:t>=1+</m:t>
-                          </m:r>
-                          <m:f>
-                            <m:fPr>
-                              <m:ctrlPr>
-                                <a:rPr lang="en-US" sz="2400" b="0" i="1" smtClean="0">
-                                  <a:latin typeface="Cambria Math" panose="02040503050406030204" pitchFamily="18" charset="0"/>
-                                </a:rPr>
-                              </m:ctrlPr>
-                            </m:fPr>
-                            <m:num>
-                              <m:sSub>
-                                <m:sSubPr>
-                                  <m:ctrlPr>
-                                    <a:rPr lang="en-US" sz="2400" b="0" i="1" smtClean="0">
-                                      <a:latin typeface="Cambria Math" panose="02040503050406030204" pitchFamily="18" charset="0"/>
-                                    </a:rPr>
-                                  </m:ctrlPr>
-                                </m:sSubPr>
-                                <m:e>
-                                  <m:r>
-                                    <a:rPr lang="en-US" sz="2400" b="0" i="1" smtClean="0">
-                                      <a:latin typeface="Cambria Math"/>
-                                    </a:rPr>
-                                    <m:t>𝑇</m:t>
-                                  </m:r>
-                                </m:e>
-                                <m:sub>
-                                  <m:r>
-                                    <a:rPr lang="en-US" sz="2400" b="0" i="1" smtClean="0">
-                                      <a:latin typeface="Cambria Math"/>
-                                    </a:rPr>
-                                    <m:t>𝑝</m:t>
-                                  </m:r>
-                                </m:sub>
-                              </m:sSub>
-                            </m:num>
-                            <m:den>
-                              <m:sSub>
-                                <m:sSubPr>
-                                  <m:ctrlPr>
-                                    <a:rPr lang="en-US" sz="2400" b="0" i="1" smtClean="0">
-                                      <a:latin typeface="Cambria Math" panose="02040503050406030204" pitchFamily="18" charset="0"/>
-                                    </a:rPr>
-                                  </m:ctrlPr>
-                                </m:sSubPr>
-                                <m:e>
-                                  <m:r>
-                                    <a:rPr lang="en-US" sz="2400" b="0" i="1" smtClean="0">
-                                      <a:latin typeface="Cambria Math"/>
-                                    </a:rPr>
-                                    <m:t>𝑇</m:t>
-                                  </m:r>
-                                </m:e>
-                                <m:sub>
-                                  <m:r>
-                                    <a:rPr lang="en-US" sz="2400" b="0" i="1" smtClean="0">
-                                      <a:latin typeface="Cambria Math"/>
-                                    </a:rPr>
-                                    <m:t>𝑠</m:t>
-                                  </m:r>
-                                </m:sub>
-                              </m:sSub>
-                            </m:den>
-                          </m:f>
-                        </m:e>
-                      </m:func>
-                    </m:oMath>
-                  </m:oMathPara>
-                </a14:m>
-                <a:endParaRPr lang="nl-BE" sz="2400" dirty="0"/>
-              </a:p>
-            </p:txBody>
-          </p:sp>
-        </mc:Choice>
-        <mc:Fallback xmlns="">
-          <p:sp>
-            <p:nvSpPr>
-              <p:cNvPr id="7" name="TextBox 6"/>
-              <p:cNvSpPr txBox="1">
-                <a:spLocks noRot="1" noChangeAspect="1" noMove="1" noResize="1" noEditPoints="1" noAdjustHandles="1" noChangeArrowheads="1" noChangeShapeType="1" noTextEdit="1"/>
-              </p:cNvSpPr>
-              <p:nvPr/>
-            </p:nvSpPr>
-            <p:spPr>
-              <a:xfrm>
-                <a:off x="611560" y="5445224"/>
-                <a:ext cx="2688941" cy="855619"/>
-              </a:xfrm>
-              <a:prstGeom prst="rect">
-                <a:avLst/>
-              </a:prstGeom>
-              <a:blipFill rotWithShape="1">
-                <a:blip r:embed="rId3"/>
-                <a:stretch>
-                  <a:fillRect/>
-                </a:stretch>
-              </a:blipFill>
-              <a:ln>
-                <a:solidFill>
-                  <a:schemeClr val="tx1"/>
-                </a:solidFill>
-              </a:ln>
-            </p:spPr>
-            <p:txBody>
-              <a:bodyPr/>
-              <a:lstStyle/>
-              <a:p>
-                <a:r>
-                  <a:rPr lang="nl-BE">
-                    <a:noFill/>
-                  </a:rPr>
-                  <a:t> </a:t>
-                </a:r>
-              </a:p>
-            </p:txBody>
-          </p:sp>
-        </mc:Fallback>
-      </mc:AlternateContent>
-      <mc:AlternateContent xmlns:mc="http://schemas.openxmlformats.org/markup-compatibility/2006" xmlns:a14="http://schemas.microsoft.com/office/drawing/2010/main">
-        <mc:Choice Requires="a14">
-          <p:sp>
-            <p:nvSpPr>
-              <p:cNvPr id="8" name="TextBox 7"/>
-              <p:cNvSpPr txBox="1"/>
-              <p:nvPr/>
-            </p:nvSpPr>
-            <p:spPr>
-              <a:xfrm>
-                <a:off x="6131531" y="5445224"/>
-                <a:ext cx="2060500" cy="573106"/>
-              </a:xfrm>
-              <a:prstGeom prst="rect">
-                <a:avLst/>
-              </a:prstGeom>
-              <a:noFill/>
-              <a:ln>
-                <a:solidFill>
-                  <a:schemeClr val="tx1"/>
-                </a:solidFill>
-              </a:ln>
-            </p:spPr>
-            <p:txBody>
-              <a:bodyPr wrap="none" rtlCol="0">
-                <a:spAutoFit/>
-              </a:bodyPr>
-              <a:lstStyle/>
-              <a:p>
-                <a:pPr/>
-                <a14:m>
-                  <m:oMathPara xmlns:m="http://schemas.openxmlformats.org/officeDocument/2006/math">
-                    <m:oMathParaPr>
-                      <m:jc m:val="centerGroup"/>
-                    </m:oMathParaPr>
-                    <m:oMath xmlns:m="http://schemas.openxmlformats.org/officeDocument/2006/math">
-                      <m:func>
-                        <m:funcPr>
-                          <m:ctrlPr>
-                            <a:rPr lang="nl-BE" sz="2400" i="1" smtClean="0">
-                              <a:latin typeface="Cambria Math" panose="02040503050406030204" pitchFamily="18" charset="0"/>
-                            </a:rPr>
-                          </m:ctrlPr>
-                        </m:funcPr>
-                        <m:fName>
-                          <m:limLow>
-                            <m:limLowPr>
-                              <m:ctrlPr>
-                                <a:rPr lang="nl-BE" sz="2400" i="1" smtClean="0">
-                                  <a:latin typeface="Cambria Math" panose="02040503050406030204" pitchFamily="18" charset="0"/>
-                                </a:rPr>
-                              </m:ctrlPr>
-                            </m:limLowPr>
-                            <m:e>
-                              <m:r>
-                                <m:rPr>
-                                  <m:sty m:val="p"/>
-                                </m:rPr>
-                                <a:rPr lang="nl-BE" sz="2400" i="0" smtClean="0">
-                                  <a:latin typeface="Cambria Math"/>
-                                </a:rPr>
-                                <m:t>lim</m:t>
-                              </m:r>
-                            </m:e>
-                            <m:lim>
-                              <m:r>
-                                <a:rPr lang="en-US" sz="2400" b="0" i="1" smtClean="0">
-                                  <a:latin typeface="Cambria Math"/>
-                                </a:rPr>
-                                <m:t>𝑛</m:t>
-                              </m:r>
-                              <m:r>
-                                <a:rPr lang="en-US" sz="2400" b="0" i="1" smtClean="0">
-                                  <a:latin typeface="Cambria Math"/>
-                                  <a:ea typeface="Cambria Math"/>
-                                </a:rPr>
-                                <m:t>→∞</m:t>
-                              </m:r>
-                            </m:lim>
-                          </m:limLow>
-                        </m:fName>
-                        <m:e>
-                          <m:r>
-                            <a:rPr lang="en-US" sz="2400" b="0" i="1" smtClean="0">
-                              <a:latin typeface="Cambria Math"/>
-                            </a:rPr>
-                            <m:t>𝐸</m:t>
-                          </m:r>
-                          <m:d>
-                            <m:dPr>
-                              <m:ctrlPr>
-                                <a:rPr lang="en-US" sz="2400" b="0" i="1" smtClean="0">
-                                  <a:latin typeface="Cambria Math" panose="02040503050406030204" pitchFamily="18" charset="0"/>
-                                </a:rPr>
-                              </m:ctrlPr>
-                            </m:dPr>
-                            <m:e>
-                              <m:r>
-                                <a:rPr lang="en-US" sz="2400" b="0" i="1" smtClean="0">
-                                  <a:latin typeface="Cambria Math"/>
-                                </a:rPr>
-                                <m:t>𝑛</m:t>
-                              </m:r>
-                            </m:e>
-                          </m:d>
-                          <m:r>
-                            <a:rPr lang="en-US" sz="2400" b="0" i="1" smtClean="0">
-                              <a:latin typeface="Cambria Math"/>
-                            </a:rPr>
-                            <m:t>=0</m:t>
-                          </m:r>
-                        </m:e>
-                      </m:func>
-                    </m:oMath>
-                  </m:oMathPara>
-                </a14:m>
-                <a:endParaRPr lang="nl-BE" sz="2400" dirty="0"/>
-              </a:p>
-            </p:txBody>
-          </p:sp>
-        </mc:Choice>
-        <mc:Fallback xmlns="">
-          <p:sp>
-            <p:nvSpPr>
-              <p:cNvPr id="8" name="TextBox 7"/>
-              <p:cNvSpPr txBox="1">
-                <a:spLocks noRot="1" noChangeAspect="1" noMove="1" noResize="1" noEditPoints="1" noAdjustHandles="1" noChangeArrowheads="1" noChangeShapeType="1" noTextEdit="1"/>
-              </p:cNvSpPr>
-              <p:nvPr/>
-            </p:nvSpPr>
-            <p:spPr>
-              <a:xfrm>
-                <a:off x="6131531" y="5445224"/>
-                <a:ext cx="2060500" cy="573106"/>
-              </a:xfrm>
-              <a:prstGeom prst="rect">
-                <a:avLst/>
-              </a:prstGeom>
-              <a:blipFill rotWithShape="1">
-                <a:blip r:embed="rId4"/>
-                <a:stretch>
-                  <a:fillRect/>
-                </a:stretch>
-              </a:blipFill>
-              <a:ln>
-                <a:solidFill>
-                  <a:schemeClr val="tx1"/>
-                </a:solidFill>
-              </a:ln>
-            </p:spPr>
-            <p:txBody>
-              <a:bodyPr/>
-              <a:lstStyle/>
-              <a:p>
-                <a:r>
-                  <a:rPr lang="nl-BE">
-                    <a:noFill/>
-                  </a:rPr>
-                  <a:t> </a:t>
-                </a:r>
-              </a:p>
-            </p:txBody>
-          </p:sp>
-        </mc:Fallback>
-      </mc:AlternateContent>
-      <p:sp>
-        <p:nvSpPr>
-          <p:cNvPr id="3" name="Slide Number Placeholder 2"/>
-          <p:cNvSpPr>
-            <a:spLocks noGrp="1"/>
-          </p:cNvSpPr>
-          <p:nvPr>
-            <p:ph type="sldNum" sz="quarter" idx="12"/>
-          </p:nvPr>
-        </p:nvSpPr>
-        <p:spPr/>
-        <p:txBody>
-          <a:bodyPr/>
-          <a:lstStyle/>
-          <a:p>
-            <a:fld id="{6597116C-F94B-4B5B-973A-17F07FB5C418}" type="slidenum">
-              <a:rPr lang="nl-BE" smtClean="0"/>
-              <a:t>8</a:t>
-            </a:fld>
-            <a:endParaRPr lang="nl-BE"/>
-          </a:p>
-        </p:txBody>
-      </p:sp>
-    </p:spTree>
-    <p:extLst>
-      <p:ext uri="{BB962C8B-B14F-4D97-AF65-F5344CB8AC3E}">
-        <p14:creationId xmlns:p14="http://schemas.microsoft.com/office/powerpoint/2010/main" val="724431705"/>
-      </p:ext>
-    </p:extLst>
-  </p:cSld>
-  <p:clrMapOvr>
-    <a:masterClrMapping/>
-  </p:clrMapOvr>
-  <p:timing>
-    <p:tnLst>
-      <p:par>
-        <p:cTn id="1" dur="indefinite" restart="never" nodeType="tmRoot">
-          <p:childTnLst>
-            <p:seq concurrent="1" nextAc="seek">
-              <p:cTn id="2" dur="indefinite" nodeType="mainSeq">
-                <p:childTnLst>
-                  <p:par>
-                    <p:cTn id="3" fill="hold">
-                      <p:stCondLst>
-                        <p:cond delay="indefinite"/>
-                      </p:stCondLst>
-                      <p:childTnLst>
-                        <p:par>
-                          <p:cTn id="4" fill="hold">
-                            <p:stCondLst>
-                              <p:cond delay="0"/>
-                            </p:stCondLst>
-                            <p:childTnLst>
-                              <p:par>
-                                <p:cTn id="5" presetID="1" presetClass="entr" presetSubtype="0" fill="hold" grpId="0" nodeType="clickEffect">
-                                  <p:stCondLst>
-                                    <p:cond delay="0"/>
-                                  </p:stCondLst>
-                                  <p:childTnLst>
-                                    <p:set>
-                                      <p:cBhvr>
-                                        <p:cTn id="6" dur="1" fill="hold">
-                                          <p:stCondLst>
-                                            <p:cond delay="0"/>
-                                          </p:stCondLst>
-                                        </p:cTn>
-                                        <p:tgtEl>
-                                          <p:spTgt spid="8"/>
-                                        </p:tgtEl>
-                                        <p:attrNameLst>
-                                          <p:attrName>style.visibility</p:attrName>
-                                        </p:attrNameLst>
-                                      </p:cBhvr>
-                                      <p:to>
-                                        <p:strVal val="visible"/>
-                                      </p:to>
-                                    </p:set>
-                                  </p:childTnLst>
-                                </p:cTn>
-                              </p:par>
-                            </p:childTnLst>
-                          </p:cTn>
-                        </p:par>
-                      </p:childTnLst>
-                    </p:cTn>
-                  </p:par>
-                </p:childTnLst>
-              </p:cTn>
-              <p:prevCondLst>
-                <p:cond evt="onPrev" delay="0">
-                  <p:tgtEl>
-                    <p:sldTgt/>
-                  </p:tgtEl>
-                </p:cond>
-              </p:prevCondLst>
-              <p:nextCondLst>
-                <p:cond evt="onNext" delay="0">
-                  <p:tgtEl>
-                    <p:sldTgt/>
-                  </p:tgtEl>
-                </p:cond>
-              </p:nextCondLst>
-            </p:seq>
-          </p:childTnLst>
-        </p:cTn>
-      </p:par>
-    </p:tnLst>
-    <p:bldLst>
-      <p:bldP spid="8" grpId="0" animBg="1"/>
-    </p:bldLst>
-  </p:timing>
-</p:sld>
-</file>
-
-<file path=ppt/slides/slide9.xml><?xml version="1.0" encoding="utf-8"?>
-<p:sld xmlns:a="http://schemas.openxmlformats.org/drawingml/2006/main" xmlns:r="http://schemas.openxmlformats.org/officeDocument/2006/relationships" xmlns:p="http://schemas.openxmlformats.org/presentationml/2006/main">
-  <p:cSld>
-    <p:spTree>
-      <p:nvGrpSpPr>
-        <p:cNvPr id="1" name=""/>
-        <p:cNvGrpSpPr/>
-        <p:nvPr/>
-      </p:nvGrpSpPr>
-      <p:grpSpPr>
-        <a:xfrm>
-          <a:off x="0" y="0"/>
-          <a:ext cx="0" cy="0"/>
-          <a:chOff x="0" y="0"/>
-          <a:chExt cx="0" cy="0"/>
-        </a:xfrm>
-      </p:grpSpPr>
-      <p:sp>
-        <p:nvSpPr>
-          <p:cNvPr id="2" name="Title 1"/>
-          <p:cNvSpPr>
-            <a:spLocks noGrp="1"/>
-          </p:cNvSpPr>
-          <p:nvPr>
-            <p:ph type="title"/>
-          </p:nvPr>
-        </p:nvSpPr>
-        <p:spPr/>
-        <p:txBody>
-          <a:bodyPr/>
-          <a:lstStyle/>
-          <a:p>
-            <a:r>
-              <a:rPr lang="en-US" dirty="0" smtClean="0"/>
-              <a:t>It gets worse…</a:t>
-            </a:r>
-            <a:endParaRPr lang="nl-BE" dirty="0"/>
-          </a:p>
-        </p:txBody>
-      </p:sp>
-      <p:sp>
-        <p:nvSpPr>
-          <p:cNvPr id="3" name="Content Placeholder 2"/>
-          <p:cNvSpPr>
-            <a:spLocks noGrp="1"/>
-          </p:cNvSpPr>
-          <p:nvPr>
-            <p:ph idx="1"/>
-          </p:nvPr>
-        </p:nvSpPr>
-        <p:spPr>
-          <a:xfrm>
-            <a:off x="457200" y="1600200"/>
-            <a:ext cx="4042792" cy="4525963"/>
-          </a:xfrm>
-        </p:spPr>
-        <p:txBody>
-          <a:bodyPr/>
-          <a:lstStyle/>
-          <a:p>
-            <a:r>
-              <a:rPr lang="en-US" dirty="0" smtClean="0"/>
-              <a:t>Overhead!</a:t>
-            </a:r>
-          </a:p>
-          <a:p>
-            <a:pPr lvl="1"/>
-            <a:r>
-              <a:rPr lang="en-US" dirty="0" smtClean="0"/>
-              <a:t>communication takes time</a:t>
-            </a:r>
-          </a:p>
-          <a:p>
-            <a:pPr lvl="2"/>
-            <a:r>
-              <a:rPr lang="en-US" dirty="0" smtClean="0"/>
-              <a:t>finite bandwidth</a:t>
-            </a:r>
-          </a:p>
-          <a:p>
-            <a:pPr lvl="2"/>
-            <a:r>
-              <a:rPr lang="en-US" dirty="0" smtClean="0"/>
-              <a:t>non-zero latency</a:t>
-            </a:r>
-          </a:p>
-          <a:p>
-            <a:pPr lvl="1"/>
-            <a:r>
-              <a:rPr lang="en-US" dirty="0" smtClean="0"/>
-              <a:t>resource contention</a:t>
-            </a:r>
-          </a:p>
-          <a:p>
-            <a:pPr lvl="2"/>
-            <a:r>
-              <a:rPr lang="en-US" dirty="0" smtClean="0"/>
-              <a:t>memory subsystem: L3 cache, RAM, QPI</a:t>
-            </a:r>
-          </a:p>
-          <a:p>
-            <a:pPr lvl="2"/>
-            <a:r>
-              <a:rPr lang="en-US" dirty="0" smtClean="0"/>
-              <a:t>network access</a:t>
-            </a:r>
-            <a:endParaRPr lang="nl-BE" dirty="0"/>
-          </a:p>
-        </p:txBody>
-      </p:sp>
-      <p:grpSp>
-        <p:nvGrpSpPr>
-          <p:cNvPr id="7" name="Group 6"/>
-          <p:cNvGrpSpPr/>
-          <p:nvPr/>
-        </p:nvGrpSpPr>
-        <p:grpSpPr>
-          <a:xfrm>
-            <a:off x="4248472" y="2420888"/>
-            <a:ext cx="4788024" cy="2972073"/>
-            <a:chOff x="4139952" y="2780928"/>
-            <a:chExt cx="4788024" cy="2972073"/>
-          </a:xfrm>
-        </p:grpSpPr>
-        <p:graphicFrame>
-          <p:nvGraphicFramePr>
-            <p:cNvPr id="4" name="Chart 3"/>
-            <p:cNvGraphicFramePr>
-              <a:graphicFrameLocks/>
-            </p:cNvGraphicFramePr>
-            <p:nvPr>
-              <p:extLst>
-                <p:ext uri="{D42A27DB-BD31-4B8C-83A1-F6EECF244321}">
-                  <p14:modId xmlns:p14="http://schemas.microsoft.com/office/powerpoint/2010/main" val="1227075376"/>
-                </p:ext>
-              </p:extLst>
-            </p:nvPr>
-          </p:nvGraphicFramePr>
-          <p:xfrm>
-            <a:off x="4355976" y="2780928"/>
-            <a:ext cx="4572000" cy="2743200"/>
-          </p:xfrm>
-          <a:graphic>
-            <a:graphicData uri="http://schemas.openxmlformats.org/drawingml/2006/chart">
-              <c:chart xmlns:c="http://schemas.openxmlformats.org/drawingml/2006/chart" xmlns:r="http://schemas.openxmlformats.org/officeDocument/2006/relationships" r:id="rId2"/>
-            </a:graphicData>
-          </a:graphic>
-        </p:graphicFrame>
-        <p:sp>
-          <p:nvSpPr>
-            <p:cNvPr id="5" name="TextBox 4"/>
-            <p:cNvSpPr txBox="1"/>
-            <p:nvPr/>
-          </p:nvSpPr>
-          <p:spPr>
-            <a:xfrm>
-              <a:off x="5868144" y="5445224"/>
-              <a:ext cx="1123897" cy="307777"/>
-            </a:xfrm>
-            <a:prstGeom prst="rect">
-              <a:avLst/>
-            </a:prstGeom>
-            <a:noFill/>
-          </p:spPr>
-          <p:txBody>
-            <a:bodyPr wrap="none" rtlCol="0">
-              <a:spAutoFit/>
-            </a:bodyPr>
-            <a:lstStyle/>
-            <a:p>
-              <a:r>
-                <a:rPr lang="en-US" sz="1400" dirty="0" smtClean="0"/>
-                <a:t>nr. processes</a:t>
-              </a:r>
-              <a:endParaRPr lang="nl-BE" sz="1400" dirty="0"/>
-            </a:p>
-          </p:txBody>
-        </p:sp>
-        <p:sp>
-          <p:nvSpPr>
-            <p:cNvPr id="6" name="TextBox 5"/>
-            <p:cNvSpPr txBox="1"/>
-            <p:nvPr/>
-          </p:nvSpPr>
-          <p:spPr>
-            <a:xfrm rot="16200000">
-              <a:off x="3731892" y="3649267"/>
-              <a:ext cx="1123897" cy="307777"/>
-            </a:xfrm>
-            <a:prstGeom prst="rect">
-              <a:avLst/>
-            </a:prstGeom>
-            <a:noFill/>
-          </p:spPr>
-          <p:txBody>
-            <a:bodyPr wrap="none" rtlCol="0">
-              <a:spAutoFit/>
-            </a:bodyPr>
-            <a:lstStyle/>
-            <a:p>
-              <a:r>
-                <a:rPr lang="en-US" sz="1400" dirty="0" smtClean="0"/>
-                <a:t>nr. processes</a:t>
-              </a:r>
-              <a:endParaRPr lang="nl-BE" sz="1400" dirty="0"/>
-            </a:p>
-          </p:txBody>
-        </p:sp>
-      </p:grpSp>
-      <p:sp>
-        <p:nvSpPr>
-          <p:cNvPr id="8" name="Slide Number Placeholder 7"/>
-          <p:cNvSpPr>
-            <a:spLocks noGrp="1"/>
-          </p:cNvSpPr>
-          <p:nvPr>
-            <p:ph type="sldNum" sz="quarter" idx="12"/>
-          </p:nvPr>
-        </p:nvSpPr>
-        <p:spPr/>
-        <p:txBody>
-          <a:bodyPr/>
-          <a:lstStyle/>
-          <a:p>
-            <a:fld id="{6597116C-F94B-4B5B-973A-17F07FB5C418}" type="slidenum">
-              <a:rPr lang="nl-BE" smtClean="0"/>
-              <a:t>9</a:t>
-            </a:fld>
-            <a:endParaRPr lang="nl-BE"/>
-          </a:p>
-        </p:txBody>
-      </p:sp>
-    </p:spTree>
-    <p:extLst>
-      <p:ext uri="{BB962C8B-B14F-4D97-AF65-F5344CB8AC3E}">
-        <p14:creationId xmlns:p14="http://schemas.microsoft.com/office/powerpoint/2010/main" val="1616967271"/>
-      </p:ext>
-    </p:extLst>
-  </p:cSld>
-  <p:clrMapOvr>
-    <a:masterClrMapping/>
-  </p:clrMapOvr>
-  <p:timing>
-    <p:tnLst>
-      <p:par>
-        <p:cTn id="1" dur="indefinite" restart="never" nodeType="tmRoot">
-          <p:childTnLst>
-            <p:seq concurrent="1" nextAc="seek">
-              <p:cTn id="2" dur="indefinite" nodeType="mainSeq">
-                <p:childTnLst>
-                  <p:par>
-                    <p:cTn id="3" fill="hold">
-                      <p:stCondLst>
-                        <p:cond delay="indefinite"/>
-                        <p:cond evt="onBegin" delay="0">
-                          <p:tn val="2"/>
-                        </p:cond>
-                      </p:stCondLst>
-                      <p:childTnLst>
-                        <p:par>
-                          <p:cTn id="4" fill="hold">
-                            <p:stCondLst>
-                              <p:cond delay="0"/>
-                            </p:stCondLst>
-                            <p:childTnLst>
-                              <p:par>
-                                <p:cTn id="5" presetID="1" presetClass="entr" presetSubtype="0" fill="hold" grpId="0" nodeType="withEffect">
-                                  <p:stCondLst>
-                                    <p:cond delay="0"/>
-                                  </p:stCondLst>
-                                  <p:childTnLst>
-                                    <p:set>
-                                      <p:cBhvr>
-                                        <p:cTn id="6" dur="1" fill="hold">
-                                          <p:stCondLst>
-                                            <p:cond delay="0"/>
-                                          </p:stCondLst>
-                                        </p:cTn>
-                                        <p:tgtEl>
-                                          <p:spTgt spid="3">
-                                            <p:txEl>
-                                              <p:pRg st="0" end="0"/>
-                                            </p:txEl>
-                                          </p:spTgt>
-                                        </p:tgtEl>
-                                        <p:attrNameLst>
-                                          <p:attrName>style.visibility</p:attrName>
-                                        </p:attrNameLst>
-                                      </p:cBhvr>
-                                      <p:to>
-                                        <p:strVal val="visible"/>
-                                      </p:to>
-                                    </p:set>
-                                  </p:childTnLst>
-                                </p:cTn>
-                              </p:par>
-                            </p:childTnLst>
-                          </p:cTn>
-                        </p:par>
-                      </p:childTnLst>
-                    </p:cTn>
-                  </p:par>
-                  <p:par>
-                    <p:cTn id="7" fill="hold">
-                      <p:stCondLst>
-                        <p:cond delay="indefinite"/>
-                      </p:stCondLst>
-                      <p:childTnLst>
-                        <p:par>
-                          <p:cTn id="8" fill="hold">
-                            <p:stCondLst>
-                              <p:cond delay="0"/>
-                            </p:stCondLst>
-                            <p:childTnLst>
-                              <p:par>
-                                <p:cTn id="9" presetID="1" presetClass="entr" presetSubtype="0" fill="hold" grpId="0" nodeType="clickEffect">
-                                  <p:stCondLst>
-                                    <p:cond delay="0"/>
-                                  </p:stCondLst>
-                                  <p:childTnLst>
-                                    <p:set>
-                                      <p:cBhvr>
-                                        <p:cTn id="10" dur="1" fill="hold">
-                                          <p:stCondLst>
-                                            <p:cond delay="0"/>
-                                          </p:stCondLst>
-                                        </p:cTn>
-                                        <p:tgtEl>
-                                          <p:spTgt spid="3">
-                                            <p:txEl>
-                                              <p:pRg st="1" end="1"/>
-                                            </p:txEl>
-                                          </p:spTgt>
-                                        </p:tgtEl>
-                                        <p:attrNameLst>
-                                          <p:attrName>style.visibility</p:attrName>
-                                        </p:attrNameLst>
-                                      </p:cBhvr>
-                                      <p:to>
-                                        <p:strVal val="visible"/>
-                                      </p:to>
-                                    </p:set>
-                                  </p:childTnLst>
-                                </p:cTn>
-                              </p:par>
-                              <p:par>
-                                <p:cTn id="11" presetID="1" presetClass="entr" presetSubtype="0" fill="hold" grpId="0" nodeType="withEffect">
-                                  <p:stCondLst>
-                                    <p:cond delay="0"/>
-                                  </p:stCondLst>
-                                  <p:childTnLst>
-                                    <p:set>
-                                      <p:cBhvr>
-                                        <p:cTn id="12" dur="1" fill="hold">
-                                          <p:stCondLst>
-                                            <p:cond delay="0"/>
-                                          </p:stCondLst>
-                                        </p:cTn>
-                                        <p:tgtEl>
-                                          <p:spTgt spid="3">
-                                            <p:txEl>
-                                              <p:pRg st="2" end="2"/>
-                                            </p:txEl>
-                                          </p:spTgt>
-                                        </p:tgtEl>
-                                        <p:attrNameLst>
-                                          <p:attrName>style.visibility</p:attrName>
-                                        </p:attrNameLst>
-                                      </p:cBhvr>
-                                      <p:to>
-                                        <p:strVal val="visible"/>
-                                      </p:to>
-                                    </p:set>
-                                  </p:childTnLst>
-                                </p:cTn>
-                              </p:par>
-                              <p:par>
-                                <p:cTn id="13" presetID="1" presetClass="entr" presetSubtype="0" fill="hold" grpId="0" nodeType="withEffect">
-                                  <p:stCondLst>
-                                    <p:cond delay="0"/>
-                                  </p:stCondLst>
-                                  <p:childTnLst>
-                                    <p:set>
-                                      <p:cBhvr>
-                                        <p:cTn id="14" dur="1" fill="hold">
-                                          <p:stCondLst>
-                                            <p:cond delay="0"/>
-                                          </p:stCondLst>
-                                        </p:cTn>
-                                        <p:tgtEl>
-                                          <p:spTgt spid="3">
-                                            <p:txEl>
-                                              <p:pRg st="3" end="3"/>
-                                            </p:txEl>
-                                          </p:spTgt>
-                                        </p:tgtEl>
-                                        <p:attrNameLst>
-                                          <p:attrName>style.visibility</p:attrName>
-                                        </p:attrNameLst>
-                                      </p:cBhvr>
-                                      <p:to>
-                                        <p:strVal val="visible"/>
-                                      </p:to>
-                                    </p:set>
-                                  </p:childTnLst>
-                                </p:cTn>
-                              </p:par>
-                            </p:childTnLst>
-                          </p:cTn>
-                        </p:par>
-                      </p:childTnLst>
-                    </p:cTn>
-                  </p:par>
-                  <p:par>
-                    <p:cTn id="15" fill="hold">
-                      <p:stCondLst>
-                        <p:cond delay="indefinite"/>
-                      </p:stCondLst>
-                      <p:childTnLst>
-                        <p:par>
-                          <p:cTn id="16" fill="hold">
-                            <p:stCondLst>
-                              <p:cond delay="0"/>
-                            </p:stCondLst>
-                            <p:childTnLst>
-                              <p:par>
-                                <p:cTn id="17" presetID="1" presetClass="entr" presetSubtype="0" fill="hold" grpId="0" nodeType="clickEffect">
-                                  <p:stCondLst>
-                                    <p:cond delay="0"/>
-                                  </p:stCondLst>
-                                  <p:childTnLst>
-                                    <p:set>
-                                      <p:cBhvr>
-                                        <p:cTn id="18" dur="1" fill="hold">
-                                          <p:stCondLst>
-                                            <p:cond delay="0"/>
-                                          </p:stCondLst>
-                                        </p:cTn>
-                                        <p:tgtEl>
-                                          <p:spTgt spid="3">
-                                            <p:txEl>
-                                              <p:pRg st="4" end="4"/>
-                                            </p:txEl>
-                                          </p:spTgt>
-                                        </p:tgtEl>
-                                        <p:attrNameLst>
-                                          <p:attrName>style.visibility</p:attrName>
-                                        </p:attrNameLst>
-                                      </p:cBhvr>
-                                      <p:to>
-                                        <p:strVal val="visible"/>
-                                      </p:to>
-                                    </p:set>
-                                  </p:childTnLst>
-                                </p:cTn>
-                              </p:par>
-                              <p:par>
-                                <p:cTn id="19" presetID="1" presetClass="entr" presetSubtype="0" fill="hold" grpId="0" nodeType="withEffect">
-                                  <p:stCondLst>
-                                    <p:cond delay="0"/>
-                                  </p:stCondLst>
-                                  <p:childTnLst>
-                                    <p:set>
-                                      <p:cBhvr>
-                                        <p:cTn id="20" dur="1" fill="hold">
-                                          <p:stCondLst>
-                                            <p:cond delay="0"/>
-                                          </p:stCondLst>
-                                        </p:cTn>
-                                        <p:tgtEl>
-                                          <p:spTgt spid="3">
-                                            <p:txEl>
-                                              <p:pRg st="5" end="5"/>
-                                            </p:txEl>
-                                          </p:spTgt>
-                                        </p:tgtEl>
-                                        <p:attrNameLst>
-                                          <p:attrName>style.visibility</p:attrName>
-                                        </p:attrNameLst>
-                                      </p:cBhvr>
-                                      <p:to>
-                                        <p:strVal val="visible"/>
-                                      </p:to>
-                                    </p:set>
-                                  </p:childTnLst>
-                                </p:cTn>
-                              </p:par>
-                              <p:par>
-                                <p:cTn id="21" presetID="1" presetClass="entr" presetSubtype="0" fill="hold" grpId="0" nodeType="withEffect">
-                                  <p:stCondLst>
-                                    <p:cond delay="0"/>
-                                  </p:stCondLst>
-                                  <p:childTnLst>
-                                    <p:set>
-                                      <p:cBhvr>
-                                        <p:cTn id="22" dur="1" fill="hold">
-                                          <p:stCondLst>
-                                            <p:cond delay="0"/>
-                                          </p:stCondLst>
-                                        </p:cTn>
-                                        <p:tgtEl>
-                                          <p:spTgt spid="3">
-                                            <p:txEl>
-                                              <p:pRg st="6" end="6"/>
-                                            </p:txEl>
-                                          </p:spTgt>
-                                        </p:tgtEl>
-                                        <p:attrNameLst>
-                                          <p:attrName>style.visibility</p:attrName>
-                                        </p:attrNameLst>
-                                      </p:cBhvr>
-                                      <p:to>
-                                        <p:strVal val="visible"/>
-                                      </p:to>
-                                    </p:set>
-                                  </p:childTnLst>
-                                </p:cTn>
-                              </p:par>
-                            </p:childTnLst>
-                          </p:cTn>
-                        </p:par>
-                      </p:childTnLst>
-                    </p:cTn>
-                  </p:par>
-                </p:childTnLst>
-              </p:cTn>
-              <p:prevCondLst>
-                <p:cond evt="onPrev" delay="0">
-                  <p:tgtEl>
-                    <p:sldTgt/>
-                  </p:tgtEl>
-                </p:cond>
-              </p:prevCondLst>
-              <p:nextCondLst>
-                <p:cond evt="onNext" delay="0">
-                  <p:tgtEl>
-                    <p:sldTgt/>
-                  </p:tgtEl>
-                </p:cond>
-              </p:nextCondLst>
-            </p:seq>
-          </p:childTnLst>
-        </p:cTn>
-      </p:par>
-    </p:tnLst>
-    <p:bldLst>
-      <p:bldP spid="3" grpId="0" uiExpand="1" build="p"/>
     </p:bldLst>
   </p:timing>
 </p:sld>

--- a/Optimization/hpc_efficiency.pptx
+++ b/Optimization/hpc_efficiency.pptx
@@ -5,12 +5,12 @@
     <p:sldMasterId id="2147483648" r:id="rId1"/>
   </p:sldMasterIdLst>
   <p:notesMasterIdLst>
-    <p:notesMasterId r:id="rId38"/>
+    <p:notesMasterId r:id="rId39"/>
   </p:notesMasterIdLst>
   <p:sldIdLst>
     <p:sldId id="267" r:id="rId2"/>
     <p:sldId id="293" r:id="rId3"/>
-    <p:sldId id="294" r:id="rId4"/>
+    <p:sldId id="295" r:id="rId4"/>
     <p:sldId id="282" r:id="rId5"/>
     <p:sldId id="268" r:id="rId6"/>
     <p:sldId id="257" r:id="rId7"/>
@@ -33,17 +33,18 @@
     <p:sldId id="280" r:id="rId24"/>
     <p:sldId id="278" r:id="rId25"/>
     <p:sldId id="288" r:id="rId26"/>
-    <p:sldId id="285" r:id="rId27"/>
-    <p:sldId id="275" r:id="rId28"/>
-    <p:sldId id="291" r:id="rId29"/>
-    <p:sldId id="290" r:id="rId30"/>
-    <p:sldId id="289" r:id="rId31"/>
-    <p:sldId id="281" r:id="rId32"/>
-    <p:sldId id="287" r:id="rId33"/>
-    <p:sldId id="292" r:id="rId34"/>
-    <p:sldId id="286" r:id="rId35"/>
-    <p:sldId id="271" r:id="rId36"/>
-    <p:sldId id="283" r:id="rId37"/>
+    <p:sldId id="296" r:id="rId27"/>
+    <p:sldId id="285" r:id="rId28"/>
+    <p:sldId id="275" r:id="rId29"/>
+    <p:sldId id="291" r:id="rId30"/>
+    <p:sldId id="290" r:id="rId31"/>
+    <p:sldId id="289" r:id="rId32"/>
+    <p:sldId id="281" r:id="rId33"/>
+    <p:sldId id="287" r:id="rId34"/>
+    <p:sldId id="292" r:id="rId35"/>
+    <p:sldId id="286" r:id="rId36"/>
+    <p:sldId id="271" r:id="rId37"/>
+    <p:sldId id="283" r:id="rId38"/>
   </p:sldIdLst>
   <p:sldSz cx="9144000" cy="6858000" type="screen4x3"/>
   <p:notesSz cx="6858000" cy="9144000"/>
@@ -271,11 +272,11 @@
           <c:showPercent val="0"/>
           <c:showBubbleSize val="0"/>
         </c:dLbls>
-        <c:axId val="196961808"/>
-        <c:axId val="197014888"/>
+        <c:axId val="182369824"/>
+        <c:axId val="182366152"/>
       </c:scatterChart>
       <c:valAx>
-        <c:axId val="196961808"/>
+        <c:axId val="182369824"/>
         <c:scaling>
           <c:logBase val="2"/>
           <c:orientation val="minMax"/>
@@ -287,14 +288,14 @@
         <c:majorTickMark val="out"/>
         <c:minorTickMark val="none"/>
         <c:tickLblPos val="nextTo"/>
-        <c:crossAx val="197014888"/>
+        <c:crossAx val="182366152"/>
         <c:crosses val="autoZero"/>
         <c:crossBetween val="midCat"/>
         <c:majorUnit val="4"/>
         <c:minorUnit val="4"/>
       </c:valAx>
       <c:valAx>
-        <c:axId val="197014888"/>
+        <c:axId val="182366152"/>
         <c:scaling>
           <c:logBase val="2"/>
           <c:orientation val="minMax"/>
@@ -307,7 +308,7 @@
         <c:majorTickMark val="out"/>
         <c:minorTickMark val="none"/>
         <c:tickLblPos val="nextTo"/>
-        <c:crossAx val="196961808"/>
+        <c:crossAx val="182369824"/>
         <c:crosses val="autoZero"/>
         <c:crossBetween val="midCat"/>
         <c:majorUnit val="4"/>
@@ -680,11 +681,11 @@
           <c:showPercent val="0"/>
           <c:showBubbleSize val="0"/>
         </c:dLbls>
-        <c:axId val="196621912"/>
-        <c:axId val="195003712"/>
+        <c:axId val="182460840"/>
+        <c:axId val="179763856"/>
       </c:scatterChart>
       <c:valAx>
-        <c:axId val="196621912"/>
+        <c:axId val="182460840"/>
         <c:scaling>
           <c:logBase val="2"/>
           <c:orientation val="minMax"/>
@@ -697,14 +698,14 @@
         <c:majorTickMark val="out"/>
         <c:minorTickMark val="none"/>
         <c:tickLblPos val="nextTo"/>
-        <c:crossAx val="195003712"/>
+        <c:crossAx val="179763856"/>
         <c:crosses val="autoZero"/>
         <c:crossBetween val="midCat"/>
         <c:majorUnit val="4"/>
         <c:minorUnit val="4"/>
       </c:valAx>
       <c:valAx>
-        <c:axId val="195003712"/>
+        <c:axId val="179763856"/>
         <c:scaling>
           <c:logBase val="2"/>
           <c:orientation val="minMax"/>
@@ -718,7 +719,7 @@
         <c:majorTickMark val="out"/>
         <c:minorTickMark val="none"/>
         <c:tickLblPos val="nextTo"/>
-        <c:crossAx val="196621912"/>
+        <c:crossAx val="182460840"/>
         <c:crosses val="autoZero"/>
         <c:crossBetween val="midCat"/>
         <c:majorUnit val="4"/>
@@ -932,11 +933,11 @@
           <c:showPercent val="0"/>
           <c:showBubbleSize val="0"/>
         </c:dLbls>
-        <c:axId val="194803136"/>
-        <c:axId val="194801960"/>
+        <c:axId val="179765032"/>
+        <c:axId val="179765424"/>
       </c:scatterChart>
       <c:valAx>
-        <c:axId val="194803136"/>
+        <c:axId val="179765032"/>
         <c:scaling>
           <c:logBase val="2"/>
           <c:orientation val="minMax"/>
@@ -949,13 +950,13 @@
         <c:majorTickMark val="out"/>
         <c:minorTickMark val="none"/>
         <c:tickLblPos val="nextTo"/>
-        <c:crossAx val="194801960"/>
+        <c:crossAx val="179765424"/>
         <c:crosses val="autoZero"/>
         <c:crossBetween val="midCat"/>
         <c:minorUnit val="4"/>
       </c:valAx>
       <c:valAx>
-        <c:axId val="194801960"/>
+        <c:axId val="179765424"/>
         <c:scaling>
           <c:logBase val="2"/>
           <c:orientation val="minMax"/>
@@ -969,7 +970,7 @@
         <c:majorTickMark val="out"/>
         <c:minorTickMark val="none"/>
         <c:tickLblPos val="nextTo"/>
-        <c:crossAx val="194803136"/>
+        <c:crossAx val="179765032"/>
         <c:crosses val="autoZero"/>
         <c:crossBetween val="midCat"/>
         <c:majorUnit val="2"/>
@@ -1101,11 +1102,11 @@
           <c:showPercent val="0"/>
           <c:showBubbleSize val="0"/>
         </c:dLbls>
-        <c:axId val="194801176"/>
-        <c:axId val="194800784"/>
+        <c:axId val="144723744"/>
+        <c:axId val="182608168"/>
       </c:scatterChart>
       <c:valAx>
-        <c:axId val="194801176"/>
+        <c:axId val="144723744"/>
         <c:scaling>
           <c:logBase val="2"/>
           <c:orientation val="minMax"/>
@@ -1118,13 +1119,13 @@
         <c:majorTickMark val="out"/>
         <c:minorTickMark val="none"/>
         <c:tickLblPos val="nextTo"/>
-        <c:crossAx val="194800784"/>
+        <c:crossAx val="182608168"/>
         <c:crosses val="autoZero"/>
         <c:crossBetween val="midCat"/>
         <c:majorUnit val="4"/>
       </c:valAx>
       <c:valAx>
-        <c:axId val="194800784"/>
+        <c:axId val="182608168"/>
         <c:scaling>
           <c:logBase val="2"/>
           <c:orientation val="minMax"/>
@@ -1137,7 +1138,7 @@
         <c:majorTickMark val="out"/>
         <c:minorTickMark val="none"/>
         <c:tickLblPos val="nextTo"/>
-        <c:crossAx val="194801176"/>
+        <c:crossAx val="144723744"/>
         <c:crosses val="autoZero"/>
         <c:crossBetween val="midCat"/>
         <c:majorUnit val="2"/>
@@ -1263,11 +1264,11 @@
           <c:showPercent val="0"/>
           <c:showBubbleSize val="0"/>
         </c:dLbls>
-        <c:axId val="194802744"/>
-        <c:axId val="197556960"/>
+        <c:axId val="182608952"/>
+        <c:axId val="182609344"/>
       </c:scatterChart>
       <c:valAx>
-        <c:axId val="194802744"/>
+        <c:axId val="182608952"/>
         <c:scaling>
           <c:logBase val="2"/>
           <c:orientation val="minMax"/>
@@ -1280,14 +1281,14 @@
         <c:majorTickMark val="out"/>
         <c:minorTickMark val="none"/>
         <c:tickLblPos val="nextTo"/>
-        <c:crossAx val="197556960"/>
+        <c:crossAx val="182609344"/>
         <c:crosses val="autoZero"/>
         <c:crossBetween val="midCat"/>
         <c:majorUnit val="4"/>
         <c:minorUnit val="4"/>
       </c:valAx>
       <c:valAx>
-        <c:axId val="197556960"/>
+        <c:axId val="182609344"/>
         <c:scaling>
           <c:orientation val="minMax"/>
           <c:max val="1"/>
@@ -1299,7 +1300,7 @@
         <c:majorTickMark val="out"/>
         <c:minorTickMark val="none"/>
         <c:tickLblPos val="nextTo"/>
-        <c:crossAx val="194802744"/>
+        <c:crossAx val="182608952"/>
         <c:crosses val="autoZero"/>
         <c:crossBetween val="midCat"/>
       </c:valAx>
@@ -1396,7 +1397,7 @@
           <a:p>
             <a:fld id="{2E6AAE95-D4FC-4D00-935A-EAE928727A56}" type="datetimeFigureOut">
               <a:rPr lang="en-US" smtClean="0"/>
-              <a:t>8/1/2016</a:t>
+              <a:t>8/2/2016</a:t>
             </a:fld>
             <a:endParaRPr lang="en-US"/>
           </a:p>
@@ -1929,7 +1930,7 @@
           <a:p>
             <a:fld id="{1CFF3F78-F57F-4409-A41B-5EC46D4F404B}" type="datetime1">
               <a:rPr lang="nl-BE" smtClean="0"/>
-              <a:t>2016-08-01</a:t>
+              <a:t>2016-08-02</a:t>
             </a:fld>
             <a:endParaRPr lang="nl-BE"/>
           </a:p>
@@ -2099,7 +2100,7 @@
           <a:p>
             <a:fld id="{7D029E61-52E3-412C-82EB-2F81B17C0AF1}" type="datetime1">
               <a:rPr lang="nl-BE" smtClean="0"/>
-              <a:t>2016-08-01</a:t>
+              <a:t>2016-08-02</a:t>
             </a:fld>
             <a:endParaRPr lang="nl-BE"/>
           </a:p>
@@ -2279,7 +2280,7 @@
           <a:p>
             <a:fld id="{A83F1CEF-A38E-4001-89C6-F3FC7784F299}" type="datetime1">
               <a:rPr lang="nl-BE" smtClean="0"/>
-              <a:t>2016-08-01</a:t>
+              <a:t>2016-08-02</a:t>
             </a:fld>
             <a:endParaRPr lang="nl-BE"/>
           </a:p>
@@ -2405,7 +2406,7 @@
           <a:p>
             <a:fld id="{1FDE84DB-AADA-4C3F-BF46-CA664A504479}" type="datetime1">
               <a:rPr lang="nl-BE" smtClean="0"/>
-              <a:t>2016-08-01</a:t>
+              <a:t>2016-08-02</a:t>
             </a:fld>
             <a:endParaRPr lang="nl-BE" dirty="0"/>
           </a:p>
@@ -2649,7 +2650,7 @@
           <a:p>
             <a:fld id="{8CD53A43-C15C-4F05-9AD7-DB9DE837084D}" type="datetime1">
               <a:rPr lang="nl-BE" smtClean="0"/>
-              <a:t>2016-08-01</a:t>
+              <a:t>2016-08-02</a:t>
             </a:fld>
             <a:endParaRPr lang="nl-BE"/>
           </a:p>
@@ -2895,7 +2896,7 @@
           <a:p>
             <a:fld id="{8994D238-D949-4AEF-9753-A8B6EFA964A0}" type="datetime1">
               <a:rPr lang="nl-BE" smtClean="0"/>
-              <a:t>2016-08-01</a:t>
+              <a:t>2016-08-02</a:t>
             </a:fld>
             <a:endParaRPr lang="nl-BE"/>
           </a:p>
@@ -3183,7 +3184,7 @@
           <a:p>
             <a:fld id="{4D234023-BF99-4AD0-835E-8125DA2B6664}" type="datetime1">
               <a:rPr lang="nl-BE" smtClean="0"/>
-              <a:t>2016-08-01</a:t>
+              <a:t>2016-08-02</a:t>
             </a:fld>
             <a:endParaRPr lang="nl-BE"/>
           </a:p>
@@ -3605,7 +3606,7 @@
           <a:p>
             <a:fld id="{DB075A73-5C1D-406E-9444-3C5C58580E8E}" type="datetime1">
               <a:rPr lang="nl-BE" smtClean="0"/>
-              <a:t>2016-08-01</a:t>
+              <a:t>2016-08-02</a:t>
             </a:fld>
             <a:endParaRPr lang="nl-BE"/>
           </a:p>
@@ -3723,7 +3724,7 @@
           <a:p>
             <a:fld id="{E111FB2D-2E17-4D8F-A64A-4EB0C3D12494}" type="datetime1">
               <a:rPr lang="nl-BE" smtClean="0"/>
-              <a:t>2016-08-01</a:t>
+              <a:t>2016-08-02</a:t>
             </a:fld>
             <a:endParaRPr lang="nl-BE"/>
           </a:p>
@@ -3818,7 +3819,7 @@
           <a:p>
             <a:fld id="{5BE27D71-2267-4E44-9F33-05B60E5C7D9D}" type="datetime1">
               <a:rPr lang="nl-BE" smtClean="0"/>
-              <a:t>2016-08-01</a:t>
+              <a:t>2016-08-02</a:t>
             </a:fld>
             <a:endParaRPr lang="nl-BE"/>
           </a:p>
@@ -4095,7 +4096,7 @@
           <a:p>
             <a:fld id="{182F587C-96C8-4813-A767-3084061A3229}" type="datetime1">
               <a:rPr lang="nl-BE" smtClean="0"/>
-              <a:t>2016-08-01</a:t>
+              <a:t>2016-08-02</a:t>
             </a:fld>
             <a:endParaRPr lang="nl-BE"/>
           </a:p>
@@ -4348,7 +4349,7 @@
           <a:p>
             <a:fld id="{8B021CF8-BBBB-4DFA-8713-49842AA07274}" type="datetime1">
               <a:rPr lang="nl-BE" smtClean="0"/>
-              <a:t>2016-08-01</a:t>
+              <a:t>2016-08-02</a:t>
             </a:fld>
             <a:endParaRPr lang="nl-BE"/>
           </a:p>
@@ -4561,7 +4562,7 @@
           <a:p>
             <a:fld id="{CDBFABB5-0AB3-4CB6-A705-6887DEB1F9F2}" type="datetime1">
               <a:rPr lang="nl-BE" smtClean="0"/>
-              <a:t>2016-08-01</a:t>
+              <a:t>2016-08-02</a:t>
             </a:fld>
             <a:endParaRPr lang="nl-BE"/>
           </a:p>
@@ -8552,6 +8553,13 @@
             <a:pPr lvl="1"/>
             <a:r>
               <a:rPr lang="en-US" dirty="0" smtClean="0"/>
+              <a:t>more complex phenomena</a:t>
+            </a:r>
+          </a:p>
+          <a:p>
+            <a:pPr lvl="1"/>
+            <a:r>
+              <a:rPr lang="en-US" dirty="0" smtClean="0"/>
               <a:t>…</a:t>
             </a:r>
             <a:endParaRPr lang="nl-BE" dirty="0"/>
@@ -8750,7 +8758,7 @@
           <a:graphicData uri="http://schemas.openxmlformats.org/presentationml/2006/ole">
             <mc:AlternateContent xmlns:mc="http://schemas.openxmlformats.org/markup-compatibility/2006">
               <mc:Choice xmlns:v="urn:schemas-microsoft-com:vml" Requires="v">
-                <p:oleObj spid="_x0000_s1128" name="Equation" r:id="rId3" imgW="812520" imgH="393480" progId="Equation.3">
+                <p:oleObj spid="_x0000_s1146" name="Equation" r:id="rId3" imgW="812520" imgH="393480" progId="Equation.3">
                   <p:embed/>
                 </p:oleObj>
               </mc:Choice>
@@ -8807,7 +8815,7 @@
           <a:graphicData uri="http://schemas.openxmlformats.org/presentationml/2006/ole">
             <mc:AlternateContent xmlns:mc="http://schemas.openxmlformats.org/markup-compatibility/2006">
               <mc:Choice xmlns:v="urn:schemas-microsoft-com:vml" Requires="v">
-                <p:oleObj spid="_x0000_s1129" name="Equation" r:id="rId5" imgW="2489040" imgH="431640" progId="Equation.3">
+                <p:oleObj spid="_x0000_s1147" name="Equation" r:id="rId5" imgW="2489040" imgH="431640" progId="Equation.3">
                   <p:embed/>
                 </p:oleObj>
               </mc:Choice>
@@ -19341,7 +19349,15 @@
           <a:p>
             <a:r>
               <a:rPr lang="en-US" dirty="0" smtClean="0"/>
-              <a:t>Ordering of 2D arrays</a:t>
+              <a:t>Ordering of </a:t>
+            </a:r>
+            <a:r>
+              <a:rPr lang="en-US" dirty="0" smtClean="0"/>
+              <a:t>2D/3D/… </a:t>
+            </a:r>
+            <a:r>
+              <a:rPr lang="en-US" dirty="0" smtClean="0"/>
+              <a:t>arrays</a:t>
             </a:r>
           </a:p>
           <a:p>
@@ -19410,7 +19426,7 @@
           <a:graphicData uri="http://schemas.openxmlformats.org/presentationml/2006/ole">
             <mc:AlternateContent xmlns:mc="http://schemas.openxmlformats.org/markup-compatibility/2006">
               <mc:Choice xmlns:v="urn:schemas-microsoft-com:vml" Requires="v">
-                <p:oleObj spid="_x0000_s2117" name="Equation" r:id="rId3" imgW="1091880" imgH="1041120" progId="Equation.3">
+                <p:oleObj spid="_x0000_s2137" name="Equation" r:id="rId3" imgW="1091880" imgH="1041120" progId="Equation.3">
                   <p:embed/>
                 </p:oleObj>
               </mc:Choice>
@@ -20781,7 +20797,7 @@
           <a:graphicData uri="http://schemas.openxmlformats.org/presentationml/2006/ole">
             <mc:AlternateContent xmlns:mc="http://schemas.openxmlformats.org/markup-compatibility/2006">
               <mc:Choice xmlns:v="urn:schemas-microsoft-com:vml" Requires="v">
-                <p:oleObj spid="_x0000_s2118" name="Equation" r:id="rId5" imgW="1091880" imgH="1041120" progId="Equation.3">
+                <p:oleObj spid="_x0000_s2138" name="Equation" r:id="rId5" imgW="1091880" imgH="1041120" progId="Equation.3">
                   <p:embed/>
                 </p:oleObj>
               </mc:Choice>
@@ -21148,6 +21164,48 @@
           </p:txBody>
         </p:sp>
       </p:grpSp>
+      <p:sp>
+        <p:nvSpPr>
+          <p:cNvPr id="46" name="TextBox 45"/>
+          <p:cNvSpPr txBox="1"/>
+          <p:nvPr/>
+        </p:nvSpPr>
+        <p:spPr>
+          <a:xfrm>
+            <a:off x="5255625" y="4412827"/>
+            <a:ext cx="3485634" cy="830997"/>
+          </a:xfrm>
+          <a:prstGeom prst="rect">
+            <a:avLst/>
+          </a:prstGeom>
+          <a:noFill/>
+          <a:ln>
+            <a:solidFill>
+              <a:schemeClr val="tx1"/>
+            </a:solidFill>
+          </a:ln>
+        </p:spPr>
+        <p:txBody>
+          <a:bodyPr wrap="none" rtlCol="0">
+            <a:spAutoFit/>
+          </a:bodyPr>
+          <a:lstStyle/>
+          <a:p>
+            <a:r>
+              <a:rPr lang="en-US" sz="2400" dirty="0" smtClean="0"/>
+              <a:t>Access in "wrong" order:</a:t>
+            </a:r>
+            <a:br>
+              <a:rPr lang="en-US" sz="2400" dirty="0" smtClean="0"/>
+            </a:br>
+            <a:r>
+              <a:rPr lang="en-US" sz="2400" dirty="0" smtClean="0"/>
+              <a:t>performance degradation!</a:t>
+            </a:r>
+            <a:endParaRPr lang="nl-BE" sz="2400" dirty="0"/>
+          </a:p>
+        </p:txBody>
+      </p:sp>
     </p:spTree>
     <p:extLst>
       <p:ext uri="{BB962C8B-B14F-4D97-AF65-F5344CB8AC3E}">
@@ -21436,6 +21494,51 @@
                       </p:childTnLst>
                     </p:cTn>
                   </p:par>
+                  <p:par>
+                    <p:cTn id="27" fill="hold">
+                      <p:stCondLst>
+                        <p:cond delay="indefinite"/>
+                      </p:stCondLst>
+                      <p:childTnLst>
+                        <p:par>
+                          <p:cTn id="28" fill="hold">
+                            <p:stCondLst>
+                              <p:cond delay="0"/>
+                            </p:stCondLst>
+                            <p:childTnLst>
+                              <p:par>
+                                <p:cTn id="29" presetID="1" presetClass="entr" presetSubtype="0" fill="hold" grpId="0" nodeType="clickEffect">
+                                  <p:stCondLst>
+                                    <p:cond delay="0"/>
+                                  </p:stCondLst>
+                                  <p:childTnLst>
+                                    <p:set>
+                                      <p:cBhvr>
+                                        <p:cTn id="30" dur="1" fill="hold">
+                                          <p:stCondLst>
+                                            <p:cond delay="0"/>
+                                          </p:stCondLst>
+                                        </p:cTn>
+                                        <p:tgtEl>
+                                          <p:spTgt spid="46"/>
+                                        </p:tgtEl>
+                                        <p:attrNameLst>
+                                          <p:attrName>style.visibility</p:attrName>
+                                        </p:attrNameLst>
+                                      </p:cBhvr>
+                                      <p:to>
+                                        <p:strVal val="visible"/>
+                                      </p:to>
+                                    </p:set>
+                                  </p:childTnLst>
+                                </p:cTn>
+                              </p:par>
+                            </p:childTnLst>
+                          </p:cTn>
+                        </p:par>
+                      </p:childTnLst>
+                    </p:cTn>
+                  </p:par>
                 </p:childTnLst>
               </p:cTn>
               <p:prevCondLst>
@@ -21457,6 +21560,9 @@
         </p:cTn>
       </p:par>
     </p:tnLst>
+    <p:bldLst>
+      <p:bldP spid="46" grpId="0" animBg="1"/>
+    </p:bldLst>
   </p:timing>
 </p:sld>
 </file>
@@ -23269,6 +23375,56 @@
           </p:sp>
         </p:grpSp>
       </p:grpSp>
+      <p:sp>
+        <p:nvSpPr>
+          <p:cNvPr id="5" name="TextBox 4"/>
+          <p:cNvSpPr txBox="1"/>
+          <p:nvPr/>
+        </p:nvSpPr>
+        <p:spPr>
+          <a:xfrm>
+            <a:off x="5814989" y="3601222"/>
+            <a:ext cx="3072188" cy="707886"/>
+          </a:xfrm>
+          <a:prstGeom prst="rect">
+            <a:avLst/>
+          </a:prstGeom>
+          <a:noFill/>
+          <a:ln>
+            <a:solidFill>
+              <a:schemeClr val="tx1"/>
+            </a:solidFill>
+          </a:ln>
+        </p:spPr>
+        <p:txBody>
+          <a:bodyPr wrap="none" rtlCol="0">
+            <a:spAutoFit/>
+          </a:bodyPr>
+          <a:lstStyle/>
+          <a:p>
+            <a:r>
+              <a:rPr lang="en-US" sz="2000" dirty="0" smtClean="0"/>
+              <a:t>May transport useless </a:t>
+            </a:r>
+            <a:r>
+              <a:rPr lang="nl-BE" sz="2000" dirty="0" smtClean="0"/>
+              <a:t>data:</a:t>
+            </a:r>
+            <a:br>
+              <a:rPr lang="nl-BE" sz="2000" dirty="0" smtClean="0"/>
+            </a:br>
+            <a:r>
+              <a:rPr lang="nl-BE" sz="2000" dirty="0" smtClean="0"/>
+              <a:t>performance </a:t>
+            </a:r>
+            <a:r>
+              <a:rPr lang="nl-BE" sz="2000" dirty="0" err="1" smtClean="0"/>
+              <a:t>degradation</a:t>
+            </a:r>
+            <a:endParaRPr lang="en-US" sz="2000" dirty="0" smtClean="0"/>
+          </a:p>
+        </p:txBody>
+      </p:sp>
     </p:spTree>
     <p:extLst>
       <p:ext uri="{BB962C8B-B14F-4D97-AF65-F5344CB8AC3E}">
@@ -23358,7 +23514,7 @@
                                           </p:stCondLst>
                                         </p:cTn>
                                         <p:tgtEl>
-                                          <p:spTgt spid="25"/>
+                                          <p:spTgt spid="5"/>
                                         </p:tgtEl>
                                         <p:attrNameLst>
                                           <p:attrName>style.visibility</p:attrName>
@@ -23390,7 +23546,7 @@
                             </p:stCondLst>
                             <p:childTnLst>
                               <p:par>
-                                <p:cTn id="13" presetID="1" presetClass="entr" presetSubtype="0" fill="hold" nodeType="clickEffect">
+                                <p:cTn id="13" presetID="1" presetClass="entr" presetSubtype="0" fill="hold" grpId="0" nodeType="clickEffect">
                                   <p:stCondLst>
                                     <p:cond delay="0"/>
                                   </p:stCondLst>
@@ -23398,6 +23554,51 @@
                                     <p:set>
                                       <p:cBhvr>
                                         <p:cTn id="14" dur="1" fill="hold">
+                                          <p:stCondLst>
+                                            <p:cond delay="0"/>
+                                          </p:stCondLst>
+                                        </p:cTn>
+                                        <p:tgtEl>
+                                          <p:spTgt spid="25"/>
+                                        </p:tgtEl>
+                                        <p:attrNameLst>
+                                          <p:attrName>style.visibility</p:attrName>
+                                        </p:attrNameLst>
+                                      </p:cBhvr>
+                                      <p:to>
+                                        <p:strVal val="visible"/>
+                                      </p:to>
+                                    </p:set>
+                                  </p:childTnLst>
+                                </p:cTn>
+                              </p:par>
+                            </p:childTnLst>
+                          </p:cTn>
+                        </p:par>
+                      </p:childTnLst>
+                    </p:cTn>
+                  </p:par>
+                  <p:par>
+                    <p:cTn id="15" fill="hold">
+                      <p:stCondLst>
+                        <p:cond delay="indefinite"/>
+                      </p:stCondLst>
+                      <p:childTnLst>
+                        <p:par>
+                          <p:cTn id="16" fill="hold">
+                            <p:stCondLst>
+                              <p:cond delay="0"/>
+                            </p:stCondLst>
+                            <p:childTnLst>
+                              <p:par>
+                                <p:cTn id="17" presetID="1" presetClass="entr" presetSubtype="0" fill="hold" nodeType="clickEffect">
+                                  <p:stCondLst>
+                                    <p:cond delay="0"/>
+                                  </p:stCondLst>
+                                  <p:childTnLst>
+                                    <p:set>
+                                      <p:cBhvr>
+                                        <p:cTn id="18" dur="1" fill="hold">
                                           <p:stCondLst>
                                             <p:cond delay="0"/>
                                           </p:stCondLst>
@@ -23445,6 +23646,7 @@
     </p:tnLst>
     <p:bldLst>
       <p:bldP spid="25" grpId="0" animBg="1"/>
+      <p:bldP spid="5" grpId="0" animBg="1"/>
     </p:bldLst>
   </p:timing>
 </p:sld>
@@ -23484,7 +23686,11 @@
           <a:p>
             <a:r>
               <a:rPr lang="en-US" dirty="0" smtClean="0"/>
-              <a:t>Cache associativity</a:t>
+              <a:t>Cache </a:t>
+            </a:r>
+            <a:r>
+              <a:rPr lang="en-US" dirty="0" smtClean="0"/>
+              <a:t>associativity: size matters</a:t>
             </a:r>
             <a:endParaRPr lang="nl-BE" dirty="0"/>
           </a:p>
@@ -23505,7 +23711,56 @@
           <a:bodyPr/>
           <a:lstStyle/>
           <a:p>
-            <a:endParaRPr lang="nl-BE"/>
+            <a:r>
+              <a:rPr lang="en-US" dirty="0"/>
+              <a:t>L</a:t>
+            </a:r>
+            <a:r>
+              <a:rPr lang="en-US" dirty="0" smtClean="0"/>
+              <a:t>ower bits of memory address: slot in cache</a:t>
+            </a:r>
+          </a:p>
+          <a:p>
+            <a:r>
+              <a:rPr lang="en-US" dirty="0" smtClean="0"/>
+              <a:t>L2: 8-way associative, 256 kb</a:t>
+            </a:r>
+          </a:p>
+          <a:p>
+            <a:pPr lvl="1"/>
+            <a:r>
+              <a:rPr lang="en-US" dirty="0" smtClean="0"/>
+              <a:t>cache line: 64 byte, </a:t>
+            </a:r>
+            <a:r>
+              <a:rPr lang="en-US" dirty="0" smtClean="0"/>
+              <a:t>so 262144/64 = 4096 slots</a:t>
+            </a:r>
+          </a:p>
+          <a:p>
+            <a:pPr lvl="1"/>
+            <a:r>
+              <a:rPr lang="en-US" dirty="0" smtClean="0"/>
+              <a:t>8-way, so 4096/8 = 512 sets, 8 slots each</a:t>
+            </a:r>
+          </a:p>
+          <a:p>
+            <a:pPr lvl="1"/>
+            <a:r>
+              <a:rPr lang="en-US" dirty="0" smtClean="0"/>
+              <a:t>when slots are full, eviction from cache, so data 512 </a:t>
+            </a:r>
+            <a:r>
+              <a:rPr lang="en-US" dirty="0" smtClean="0">
+                <a:sym typeface="Symbol" panose="05050102010706020507" pitchFamily="18" charset="2"/>
+              </a:rPr>
+              <a:t> </a:t>
+            </a:r>
+            <a:r>
+              <a:rPr lang="en-US" dirty="0" smtClean="0"/>
+              <a:t>64 = 32768 bytes apart competes for slots</a:t>
+            </a:r>
+            <a:endParaRPr lang="nl-BE" dirty="0"/>
           </a:p>
         </p:txBody>
       </p:sp>
@@ -23532,6 +23787,41 @@
           </a:p>
         </p:txBody>
       </p:sp>
+      <p:sp>
+        <p:nvSpPr>
+          <p:cNvPr id="5" name="TextBox 4"/>
+          <p:cNvSpPr txBox="1"/>
+          <p:nvPr/>
+        </p:nvSpPr>
+        <p:spPr>
+          <a:xfrm>
+            <a:off x="1619672" y="5301208"/>
+            <a:ext cx="6429965" cy="461665"/>
+          </a:xfrm>
+          <a:prstGeom prst="rect">
+            <a:avLst/>
+          </a:prstGeom>
+          <a:noFill/>
+          <a:ln>
+            <a:solidFill>
+              <a:schemeClr val="tx1"/>
+            </a:solidFill>
+          </a:ln>
+        </p:spPr>
+        <p:txBody>
+          <a:bodyPr wrap="none" rtlCol="0">
+            <a:spAutoFit/>
+          </a:bodyPr>
+          <a:lstStyle/>
+          <a:p>
+            <a:r>
+              <a:rPr lang="en-US" sz="2400" dirty="0" smtClean="0"/>
+              <a:t>Cache evictions limit reuse, reduces performance!</a:t>
+            </a:r>
+            <a:endParaRPr lang="nl-BE" sz="2400" dirty="0"/>
+          </a:p>
+        </p:txBody>
+      </p:sp>
     </p:spTree>
     <p:extLst>
       <p:ext uri="{BB962C8B-B14F-4D97-AF65-F5344CB8AC3E}">
@@ -23542,6 +23832,333 @@
   <p:clrMapOvr>
     <a:masterClrMapping/>
   </p:clrMapOvr>
+  <p:timing>
+    <p:tnLst>
+      <p:par>
+        <p:cTn id="1" dur="indefinite" restart="never" nodeType="tmRoot">
+          <p:childTnLst>
+            <p:seq concurrent="1" nextAc="seek">
+              <p:cTn id="2" dur="indefinite" nodeType="mainSeq">
+                <p:childTnLst>
+                  <p:par>
+                    <p:cTn id="3" fill="hold">
+                      <p:stCondLst>
+                        <p:cond delay="indefinite"/>
+                        <p:cond evt="onBegin" delay="0">
+                          <p:tn val="2"/>
+                        </p:cond>
+                      </p:stCondLst>
+                      <p:childTnLst>
+                        <p:par>
+                          <p:cTn id="4" fill="hold">
+                            <p:stCondLst>
+                              <p:cond delay="0"/>
+                            </p:stCondLst>
+                            <p:childTnLst>
+                              <p:par>
+                                <p:cTn id="5" presetID="1" presetClass="entr" presetSubtype="0" fill="hold" grpId="0" nodeType="withEffect">
+                                  <p:stCondLst>
+                                    <p:cond delay="0"/>
+                                  </p:stCondLst>
+                                  <p:childTnLst>
+                                    <p:set>
+                                      <p:cBhvr>
+                                        <p:cTn id="6" dur="1" fill="hold">
+                                          <p:stCondLst>
+                                            <p:cond delay="0"/>
+                                          </p:stCondLst>
+                                        </p:cTn>
+                                        <p:tgtEl>
+                                          <p:spTgt spid="3">
+                                            <p:txEl>
+                                              <p:pRg st="0" end="0"/>
+                                            </p:txEl>
+                                          </p:spTgt>
+                                        </p:tgtEl>
+                                        <p:attrNameLst>
+                                          <p:attrName>style.visibility</p:attrName>
+                                        </p:attrNameLst>
+                                      </p:cBhvr>
+                                      <p:to>
+                                        <p:strVal val="visible"/>
+                                      </p:to>
+                                    </p:set>
+                                  </p:childTnLst>
+                                </p:cTn>
+                              </p:par>
+                            </p:childTnLst>
+                          </p:cTn>
+                        </p:par>
+                      </p:childTnLst>
+                    </p:cTn>
+                  </p:par>
+                  <p:par>
+                    <p:cTn id="7" fill="hold">
+                      <p:stCondLst>
+                        <p:cond delay="indefinite"/>
+                      </p:stCondLst>
+                      <p:childTnLst>
+                        <p:par>
+                          <p:cTn id="8" fill="hold">
+                            <p:stCondLst>
+                              <p:cond delay="0"/>
+                            </p:stCondLst>
+                            <p:childTnLst>
+                              <p:par>
+                                <p:cTn id="9" presetID="1" presetClass="entr" presetSubtype="0" fill="hold" grpId="0" nodeType="clickEffect">
+                                  <p:stCondLst>
+                                    <p:cond delay="0"/>
+                                  </p:stCondLst>
+                                  <p:childTnLst>
+                                    <p:set>
+                                      <p:cBhvr>
+                                        <p:cTn id="10" dur="1" fill="hold">
+                                          <p:stCondLst>
+                                            <p:cond delay="0"/>
+                                          </p:stCondLst>
+                                        </p:cTn>
+                                        <p:tgtEl>
+                                          <p:spTgt spid="3">
+                                            <p:txEl>
+                                              <p:pRg st="1" end="1"/>
+                                            </p:txEl>
+                                          </p:spTgt>
+                                        </p:tgtEl>
+                                        <p:attrNameLst>
+                                          <p:attrName>style.visibility</p:attrName>
+                                        </p:attrNameLst>
+                                      </p:cBhvr>
+                                      <p:to>
+                                        <p:strVal val="visible"/>
+                                      </p:to>
+                                    </p:set>
+                                  </p:childTnLst>
+                                </p:cTn>
+                              </p:par>
+                            </p:childTnLst>
+                          </p:cTn>
+                        </p:par>
+                      </p:childTnLst>
+                    </p:cTn>
+                  </p:par>
+                  <p:par>
+                    <p:cTn id="11" fill="hold">
+                      <p:stCondLst>
+                        <p:cond delay="indefinite"/>
+                      </p:stCondLst>
+                      <p:childTnLst>
+                        <p:par>
+                          <p:cTn id="12" fill="hold">
+                            <p:stCondLst>
+                              <p:cond delay="0"/>
+                            </p:stCondLst>
+                            <p:childTnLst>
+                              <p:par>
+                                <p:cTn id="13" presetID="1" presetClass="entr" presetSubtype="0" fill="hold" grpId="0" nodeType="clickEffect">
+                                  <p:stCondLst>
+                                    <p:cond delay="0"/>
+                                  </p:stCondLst>
+                                  <p:childTnLst>
+                                    <p:set>
+                                      <p:cBhvr>
+                                        <p:cTn id="14" dur="1" fill="hold">
+                                          <p:stCondLst>
+                                            <p:cond delay="0"/>
+                                          </p:stCondLst>
+                                        </p:cTn>
+                                        <p:tgtEl>
+                                          <p:spTgt spid="3">
+                                            <p:txEl>
+                                              <p:pRg st="2" end="2"/>
+                                            </p:txEl>
+                                          </p:spTgt>
+                                        </p:tgtEl>
+                                        <p:attrNameLst>
+                                          <p:attrName>style.visibility</p:attrName>
+                                        </p:attrNameLst>
+                                      </p:cBhvr>
+                                      <p:to>
+                                        <p:strVal val="visible"/>
+                                      </p:to>
+                                    </p:set>
+                                  </p:childTnLst>
+                                </p:cTn>
+                              </p:par>
+                            </p:childTnLst>
+                          </p:cTn>
+                        </p:par>
+                      </p:childTnLst>
+                    </p:cTn>
+                  </p:par>
+                  <p:par>
+                    <p:cTn id="15" fill="hold">
+                      <p:stCondLst>
+                        <p:cond delay="indefinite"/>
+                      </p:stCondLst>
+                      <p:childTnLst>
+                        <p:par>
+                          <p:cTn id="16" fill="hold">
+                            <p:stCondLst>
+                              <p:cond delay="0"/>
+                            </p:stCondLst>
+                            <p:childTnLst>
+                              <p:par>
+                                <p:cTn id="17" presetID="1" presetClass="entr" presetSubtype="0" fill="hold" grpId="0" nodeType="clickEffect">
+                                  <p:stCondLst>
+                                    <p:cond delay="0"/>
+                                  </p:stCondLst>
+                                  <p:childTnLst>
+                                    <p:set>
+                                      <p:cBhvr>
+                                        <p:cTn id="18" dur="1" fill="hold">
+                                          <p:stCondLst>
+                                            <p:cond delay="0"/>
+                                          </p:stCondLst>
+                                        </p:cTn>
+                                        <p:tgtEl>
+                                          <p:spTgt spid="3">
+                                            <p:txEl>
+                                              <p:pRg st="3" end="3"/>
+                                            </p:txEl>
+                                          </p:spTgt>
+                                        </p:tgtEl>
+                                        <p:attrNameLst>
+                                          <p:attrName>style.visibility</p:attrName>
+                                        </p:attrNameLst>
+                                      </p:cBhvr>
+                                      <p:to>
+                                        <p:strVal val="visible"/>
+                                      </p:to>
+                                    </p:set>
+                                  </p:childTnLst>
+                                </p:cTn>
+                              </p:par>
+                            </p:childTnLst>
+                          </p:cTn>
+                        </p:par>
+                      </p:childTnLst>
+                    </p:cTn>
+                  </p:par>
+                  <p:par>
+                    <p:cTn id="19" fill="hold">
+                      <p:stCondLst>
+                        <p:cond delay="indefinite"/>
+                      </p:stCondLst>
+                      <p:childTnLst>
+                        <p:par>
+                          <p:cTn id="20" fill="hold">
+                            <p:stCondLst>
+                              <p:cond delay="0"/>
+                            </p:stCondLst>
+                            <p:childTnLst>
+                              <p:par>
+                                <p:cTn id="21" presetID="1" presetClass="entr" presetSubtype="0" fill="hold" grpId="0" nodeType="clickEffect">
+                                  <p:stCondLst>
+                                    <p:cond delay="0"/>
+                                  </p:stCondLst>
+                                  <p:childTnLst>
+                                    <p:set>
+                                      <p:cBhvr>
+                                        <p:cTn id="22" dur="1" fill="hold">
+                                          <p:stCondLst>
+                                            <p:cond delay="0"/>
+                                          </p:stCondLst>
+                                        </p:cTn>
+                                        <p:tgtEl>
+                                          <p:spTgt spid="3">
+                                            <p:txEl>
+                                              <p:pRg st="4" end="4"/>
+                                            </p:txEl>
+                                          </p:spTgt>
+                                        </p:tgtEl>
+                                        <p:attrNameLst>
+                                          <p:attrName>style.visibility</p:attrName>
+                                        </p:attrNameLst>
+                                      </p:cBhvr>
+                                      <p:to>
+                                        <p:strVal val="visible"/>
+                                      </p:to>
+                                    </p:set>
+                                  </p:childTnLst>
+                                </p:cTn>
+                              </p:par>
+                            </p:childTnLst>
+                          </p:cTn>
+                        </p:par>
+                      </p:childTnLst>
+                    </p:cTn>
+                  </p:par>
+                  <p:par>
+                    <p:cTn id="23" fill="hold">
+                      <p:stCondLst>
+                        <p:cond delay="indefinite"/>
+                      </p:stCondLst>
+                      <p:childTnLst>
+                        <p:par>
+                          <p:cTn id="24" fill="hold">
+                            <p:stCondLst>
+                              <p:cond delay="0"/>
+                            </p:stCondLst>
+                            <p:childTnLst>
+                              <p:par>
+                                <p:cTn id="25" presetID="1" presetClass="entr" presetSubtype="0" fill="hold" grpId="0" nodeType="clickEffect">
+                                  <p:stCondLst>
+                                    <p:cond delay="0"/>
+                                  </p:stCondLst>
+                                  <p:childTnLst>
+                                    <p:set>
+                                      <p:cBhvr>
+                                        <p:cTn id="26" dur="1" fill="hold">
+                                          <p:stCondLst>
+                                            <p:cond delay="0"/>
+                                          </p:stCondLst>
+                                        </p:cTn>
+                                        <p:tgtEl>
+                                          <p:spTgt spid="5"/>
+                                        </p:tgtEl>
+                                        <p:attrNameLst>
+                                          <p:attrName>style.visibility</p:attrName>
+                                        </p:attrNameLst>
+                                      </p:cBhvr>
+                                      <p:to>
+                                        <p:strVal val="visible"/>
+                                      </p:to>
+                                    </p:set>
+                                  </p:childTnLst>
+                                </p:cTn>
+                              </p:par>
+                            </p:childTnLst>
+                          </p:cTn>
+                        </p:par>
+                      </p:childTnLst>
+                    </p:cTn>
+                  </p:par>
+                </p:childTnLst>
+              </p:cTn>
+              <p:prevCondLst>
+                <p:cond evt="onPrev" delay="0">
+                  <p:tgtEl>
+                    <p:sldTgt/>
+                  </p:tgtEl>
+                </p:cond>
+              </p:prevCondLst>
+              <p:nextCondLst>
+                <p:cond evt="onNext" delay="0">
+                  <p:tgtEl>
+                    <p:sldTgt/>
+                  </p:tgtEl>
+                </p:cond>
+              </p:nextCondLst>
+            </p:seq>
+          </p:childTnLst>
+        </p:cTn>
+      </p:par>
+    </p:tnLst>
+    <p:bldLst>
+      <p:bldP spid="3" grpId="0" uiExpand="1" build="p" bldLvl="2"/>
+      <p:bldP spid="5" grpId="0" animBg="1"/>
+    </p:bldLst>
+  </p:timing>
 </p:sld>
 </file>
 
@@ -23579,7 +24196,7 @@
           <a:p>
             <a:r>
               <a:rPr lang="en-US" dirty="0" smtClean="0"/>
-              <a:t>CPU</a:t>
+              <a:t>Performance impact</a:t>
             </a:r>
             <a:endParaRPr lang="nl-BE" dirty="0"/>
           </a:p>
@@ -23587,26 +24204,7 @@
       </p:sp>
       <p:sp>
         <p:nvSpPr>
-          <p:cNvPr id="3" name="Text Placeholder 2"/>
-          <p:cNvSpPr>
-            <a:spLocks noGrp="1"/>
-          </p:cNvSpPr>
-          <p:nvPr>
-            <p:ph type="body" idx="1"/>
-          </p:nvPr>
-        </p:nvSpPr>
-        <p:spPr/>
-        <p:txBody>
-          <a:bodyPr/>
-          <a:lstStyle/>
-          <a:p>
-            <a:endParaRPr lang="nl-BE"/>
-          </a:p>
-        </p:txBody>
-      </p:sp>
-      <p:sp>
-        <p:nvSpPr>
-          <p:cNvPr id="4" name="Slide Number Placeholder 3"/>
+          <p:cNvPr id="3" name="Slide Number Placeholder 2"/>
           <p:cNvSpPr>
             <a:spLocks noGrp="1"/>
           </p:cNvSpPr>
@@ -23627,16 +24225,631 @@
           </a:p>
         </p:txBody>
       </p:sp>
+      <p:grpSp>
+        <p:nvGrpSpPr>
+          <p:cNvPr id="7" name="Group 6"/>
+          <p:cNvGrpSpPr/>
+          <p:nvPr/>
+        </p:nvGrpSpPr>
+        <p:grpSpPr>
+          <a:xfrm>
+            <a:off x="735726" y="1412776"/>
+            <a:ext cx="7672548" cy="3611607"/>
+            <a:chOff x="735726" y="1916832"/>
+            <a:chExt cx="7672548" cy="3611607"/>
+          </a:xfrm>
+        </p:grpSpPr>
+        <p:pic>
+          <p:nvPicPr>
+            <p:cNvPr id="4" name="Picture 3"/>
+            <p:cNvPicPr>
+              <a:picLocks noChangeAspect="1"/>
+            </p:cNvPicPr>
+            <p:nvPr/>
+          </p:nvPicPr>
+          <p:blipFill rotWithShape="1">
+            <a:blip r:embed="rId2">
+              <a:extLst>
+                <a:ext uri="{28A0092B-C50C-407E-A947-70E740481C1C}">
+                  <a14:useLocalDpi xmlns:a14="http://schemas.microsoft.com/office/drawing/2010/main" val="0"/>
+                </a:ext>
+              </a:extLst>
+            </a:blip>
+            <a:srcRect t="16624"/>
+            <a:stretch/>
+          </p:blipFill>
+          <p:spPr>
+            <a:xfrm>
+              <a:off x="735726" y="1916832"/>
+              <a:ext cx="7672548" cy="3611607"/>
+            </a:xfrm>
+            <a:prstGeom prst="rect">
+              <a:avLst/>
+            </a:prstGeom>
+          </p:spPr>
+        </p:pic>
+        <p:cxnSp>
+          <p:nvCxnSpPr>
+            <p:cNvPr id="6" name="Straight Connector 5"/>
+            <p:cNvCxnSpPr/>
+            <p:nvPr/>
+          </p:nvCxnSpPr>
+          <p:spPr>
+            <a:xfrm>
+              <a:off x="1259632" y="1916832"/>
+              <a:ext cx="7056784" cy="0"/>
+            </a:xfrm>
+            <a:prstGeom prst="line">
+              <a:avLst/>
+            </a:prstGeom>
+            <a:ln>
+              <a:solidFill>
+                <a:schemeClr val="tx1"/>
+              </a:solidFill>
+            </a:ln>
+          </p:spPr>
+          <p:style>
+            <a:lnRef idx="1">
+              <a:schemeClr val="accent1"/>
+            </a:lnRef>
+            <a:fillRef idx="0">
+              <a:schemeClr val="accent1"/>
+            </a:fillRef>
+            <a:effectRef idx="0">
+              <a:schemeClr val="accent1"/>
+            </a:effectRef>
+            <a:fontRef idx="minor">
+              <a:schemeClr val="tx1"/>
+            </a:fontRef>
+          </p:style>
+        </p:cxnSp>
+      </p:grpSp>
+      <p:grpSp>
+        <p:nvGrpSpPr>
+          <p:cNvPr id="16" name="Group 15"/>
+          <p:cNvGrpSpPr/>
+          <p:nvPr/>
+        </p:nvGrpSpPr>
+        <p:grpSpPr>
+          <a:xfrm>
+            <a:off x="2685330" y="4149080"/>
+            <a:ext cx="4550966" cy="1907254"/>
+            <a:chOff x="2685330" y="4149080"/>
+            <a:chExt cx="4550966" cy="1907254"/>
+          </a:xfrm>
+        </p:grpSpPr>
+        <p:cxnSp>
+          <p:nvCxnSpPr>
+            <p:cNvPr id="9" name="Straight Arrow Connector 8"/>
+            <p:cNvCxnSpPr>
+              <a:stCxn id="12" idx="0"/>
+            </p:cNvCxnSpPr>
+            <p:nvPr/>
+          </p:nvCxnSpPr>
+          <p:spPr>
+            <a:xfrm flipV="1">
+              <a:off x="3628665" y="4149080"/>
+              <a:ext cx="655303" cy="1537922"/>
+            </a:xfrm>
+            <a:prstGeom prst="straightConnector1">
+              <a:avLst/>
+            </a:prstGeom>
+            <a:ln w="19050">
+              <a:solidFill>
+                <a:srgbClr val="C00000"/>
+              </a:solidFill>
+              <a:tailEnd type="stealth" w="lg" len="lg"/>
+            </a:ln>
+          </p:spPr>
+          <p:style>
+            <a:lnRef idx="1">
+              <a:schemeClr val="accent1"/>
+            </a:lnRef>
+            <a:fillRef idx="0">
+              <a:schemeClr val="accent1"/>
+            </a:fillRef>
+            <a:effectRef idx="0">
+              <a:schemeClr val="accent1"/>
+            </a:effectRef>
+            <a:fontRef idx="minor">
+              <a:schemeClr val="tx1"/>
+            </a:fontRef>
+          </p:style>
+        </p:cxnSp>
+        <p:cxnSp>
+          <p:nvCxnSpPr>
+            <p:cNvPr id="10" name="Straight Arrow Connector 9"/>
+            <p:cNvCxnSpPr>
+              <a:stCxn id="12" idx="0"/>
+            </p:cNvCxnSpPr>
+            <p:nvPr/>
+          </p:nvCxnSpPr>
+          <p:spPr>
+            <a:xfrm flipV="1">
+              <a:off x="3628665" y="4149080"/>
+              <a:ext cx="3607631" cy="1537922"/>
+            </a:xfrm>
+            <a:prstGeom prst="straightConnector1">
+              <a:avLst/>
+            </a:prstGeom>
+            <a:ln w="19050">
+              <a:solidFill>
+                <a:srgbClr val="C00000"/>
+              </a:solidFill>
+              <a:tailEnd type="stealth" w="lg" len="lg"/>
+            </a:ln>
+          </p:spPr>
+          <p:style>
+            <a:lnRef idx="1">
+              <a:schemeClr val="accent1"/>
+            </a:lnRef>
+            <a:fillRef idx="0">
+              <a:schemeClr val="accent1"/>
+            </a:fillRef>
+            <a:effectRef idx="0">
+              <a:schemeClr val="accent1"/>
+            </a:effectRef>
+            <a:fontRef idx="minor">
+              <a:schemeClr val="tx1"/>
+            </a:fontRef>
+          </p:style>
+        </p:cxnSp>
+        <p:sp>
+          <p:nvSpPr>
+            <p:cNvPr id="12" name="TextBox 11"/>
+            <p:cNvSpPr txBox="1"/>
+            <p:nvPr/>
+          </p:nvSpPr>
+          <p:spPr>
+            <a:xfrm>
+              <a:off x="2685330" y="5687002"/>
+              <a:ext cx="1886670" cy="369332"/>
+            </a:xfrm>
+            <a:prstGeom prst="rect">
+              <a:avLst/>
+            </a:prstGeom>
+            <a:noFill/>
+            <a:ln>
+              <a:solidFill>
+                <a:srgbClr val="C00000"/>
+              </a:solidFill>
+            </a:ln>
+          </p:spPr>
+          <p:txBody>
+            <a:bodyPr wrap="none" rtlCol="0">
+              <a:spAutoFit/>
+            </a:bodyPr>
+            <a:lstStyle/>
+            <a:p>
+              <a:r>
+                <a:rPr lang="en-US" dirty="0" smtClean="0">
+                  <a:solidFill>
+                    <a:srgbClr val="C00000"/>
+                  </a:solidFill>
+                </a:rPr>
+                <a:t>Performance drop</a:t>
+              </a:r>
+              <a:endParaRPr lang="nl-BE" dirty="0">
+                <a:solidFill>
+                  <a:srgbClr val="C00000"/>
+                </a:solidFill>
+              </a:endParaRPr>
+            </a:p>
+          </p:txBody>
+        </p:sp>
+      </p:grpSp>
+      <p:sp>
+        <p:nvSpPr>
+          <p:cNvPr id="17" name="TextBox 16"/>
+          <p:cNvSpPr txBox="1"/>
+          <p:nvPr/>
+        </p:nvSpPr>
+        <p:spPr>
+          <a:xfrm>
+            <a:off x="5436096" y="5157192"/>
+            <a:ext cx="2994602" cy="954107"/>
+          </a:xfrm>
+          <a:prstGeom prst="rect">
+            <a:avLst/>
+          </a:prstGeom>
+          <a:noFill/>
+          <a:ln>
+            <a:solidFill>
+              <a:schemeClr val="tx1"/>
+            </a:solidFill>
+          </a:ln>
+        </p:spPr>
+        <p:txBody>
+          <a:bodyPr wrap="none" rtlCol="0">
+            <a:spAutoFit/>
+          </a:bodyPr>
+          <a:lstStyle/>
+          <a:p>
+            <a:r>
+              <a:rPr lang="en-US" sz="2800" dirty="0" smtClean="0"/>
+              <a:t>Avoid 2D/3D arrays</a:t>
+            </a:r>
+            <a:br>
+              <a:rPr lang="en-US" sz="2800" dirty="0" smtClean="0"/>
+            </a:br>
+            <a:r>
+              <a:rPr lang="en-US" sz="2800" dirty="0" smtClean="0"/>
+              <a:t>with sizes 2</a:t>
+            </a:r>
+            <a:r>
+              <a:rPr lang="en-US" sz="2800" i="1" baseline="30000" dirty="0" smtClean="0"/>
+              <a:t>n</a:t>
+            </a:r>
+            <a:endParaRPr lang="nl-BE" sz="2800" i="1" baseline="30000" dirty="0"/>
+          </a:p>
+        </p:txBody>
+      </p:sp>
+      <p:grpSp>
+        <p:nvGrpSpPr>
+          <p:cNvPr id="22" name="Group 21"/>
+          <p:cNvGrpSpPr/>
+          <p:nvPr/>
+        </p:nvGrpSpPr>
+        <p:grpSpPr>
+          <a:xfrm>
+            <a:off x="323528" y="620688"/>
+            <a:ext cx="1825783" cy="3913605"/>
+            <a:chOff x="323528" y="620688"/>
+            <a:chExt cx="1825783" cy="3913605"/>
+          </a:xfrm>
+        </p:grpSpPr>
+        <p:sp>
+          <p:nvSpPr>
+            <p:cNvPr id="18" name="Freeform 17"/>
+            <p:cNvSpPr/>
+            <p:nvPr/>
+          </p:nvSpPr>
+          <p:spPr>
+            <a:xfrm>
+              <a:off x="1234911" y="1432874"/>
+              <a:ext cx="914400" cy="3101419"/>
+            </a:xfrm>
+            <a:custGeom>
+              <a:avLst/>
+              <a:gdLst>
+                <a:gd name="connsiteX0" fmla="*/ 0 w 914400"/>
+                <a:gd name="connsiteY0" fmla="*/ 3101419 h 3101419"/>
+                <a:gd name="connsiteX1" fmla="*/ 914400 w 914400"/>
+                <a:gd name="connsiteY1" fmla="*/ 0 h 3101419"/>
+                <a:gd name="connsiteX2" fmla="*/ 47134 w 914400"/>
+                <a:gd name="connsiteY2" fmla="*/ 0 h 3101419"/>
+                <a:gd name="connsiteX3" fmla="*/ 47134 w 914400"/>
+                <a:gd name="connsiteY3" fmla="*/ 2941163 h 3101419"/>
+              </a:gdLst>
+              <a:ahLst/>
+              <a:cxnLst>
+                <a:cxn ang="0">
+                  <a:pos x="connsiteX0" y="connsiteY0"/>
+                </a:cxn>
+                <a:cxn ang="0">
+                  <a:pos x="connsiteX1" y="connsiteY1"/>
+                </a:cxn>
+                <a:cxn ang="0">
+                  <a:pos x="connsiteX2" y="connsiteY2"/>
+                </a:cxn>
+                <a:cxn ang="0">
+                  <a:pos x="connsiteX3" y="connsiteY3"/>
+                </a:cxn>
+              </a:cxnLst>
+              <a:rect l="l" t="t" r="r" b="b"/>
+              <a:pathLst>
+                <a:path w="914400" h="3101419">
+                  <a:moveTo>
+                    <a:pt x="0" y="3101419"/>
+                  </a:moveTo>
+                  <a:lnTo>
+                    <a:pt x="914400" y="0"/>
+                  </a:lnTo>
+                  <a:lnTo>
+                    <a:pt x="47134" y="0"/>
+                  </a:lnTo>
+                  <a:lnTo>
+                    <a:pt x="47134" y="2941163"/>
+                  </a:lnTo>
+                </a:path>
+              </a:pathLst>
+            </a:custGeom>
+            <a:solidFill>
+              <a:srgbClr val="C00000">
+                <a:alpha val="14000"/>
+              </a:srgbClr>
+            </a:solidFill>
+            <a:ln>
+              <a:solidFill>
+                <a:srgbClr val="C00000"/>
+              </a:solidFill>
+            </a:ln>
+          </p:spPr>
+          <p:style>
+            <a:lnRef idx="2">
+              <a:schemeClr val="accent1">
+                <a:shade val="50000"/>
+              </a:schemeClr>
+            </a:lnRef>
+            <a:fillRef idx="1">
+              <a:schemeClr val="accent1"/>
+            </a:fillRef>
+            <a:effectRef idx="0">
+              <a:schemeClr val="accent1"/>
+            </a:effectRef>
+            <a:fontRef idx="minor">
+              <a:schemeClr val="lt1"/>
+            </a:fontRef>
+          </p:style>
+          <p:txBody>
+            <a:bodyPr rtlCol="0" anchor="ctr"/>
+            <a:lstStyle/>
+            <a:p>
+              <a:pPr algn="ctr"/>
+              <a:endParaRPr lang="nl-BE"/>
+            </a:p>
+          </p:txBody>
+        </p:sp>
+        <p:sp>
+          <p:nvSpPr>
+            <p:cNvPr id="19" name="TextBox 18"/>
+            <p:cNvSpPr txBox="1"/>
+            <p:nvPr/>
+          </p:nvSpPr>
+          <p:spPr>
+            <a:xfrm>
+              <a:off x="323528" y="620688"/>
+              <a:ext cx="1150892" cy="369332"/>
+            </a:xfrm>
+            <a:prstGeom prst="rect">
+              <a:avLst/>
+            </a:prstGeom>
+            <a:noFill/>
+            <a:ln>
+              <a:solidFill>
+                <a:srgbClr val="C00000"/>
+              </a:solidFill>
+            </a:ln>
+          </p:spPr>
+          <p:txBody>
+            <a:bodyPr wrap="none" rtlCol="0">
+              <a:spAutoFit/>
+            </a:bodyPr>
+            <a:lstStyle/>
+            <a:p>
+              <a:r>
+                <a:rPr lang="en-US" dirty="0" smtClean="0">
+                  <a:solidFill>
+                    <a:srgbClr val="C00000"/>
+                  </a:solidFill>
+                </a:rPr>
+                <a:t>Cache size</a:t>
+              </a:r>
+              <a:endParaRPr lang="nl-BE" dirty="0">
+                <a:solidFill>
+                  <a:srgbClr val="C00000"/>
+                </a:solidFill>
+              </a:endParaRPr>
+            </a:p>
+          </p:txBody>
+        </p:sp>
+        <p:cxnSp>
+          <p:nvCxnSpPr>
+            <p:cNvPr id="21" name="Straight Arrow Connector 20"/>
+            <p:cNvCxnSpPr>
+              <a:stCxn id="19" idx="2"/>
+            </p:cNvCxnSpPr>
+            <p:nvPr/>
+          </p:nvCxnSpPr>
+          <p:spPr>
+            <a:xfrm>
+              <a:off x="898974" y="990020"/>
+              <a:ext cx="360658" cy="427618"/>
+            </a:xfrm>
+            <a:prstGeom prst="straightConnector1">
+              <a:avLst/>
+            </a:prstGeom>
+            <a:ln w="15875">
+              <a:solidFill>
+                <a:srgbClr val="C00000"/>
+              </a:solidFill>
+              <a:tailEnd type="stealth" w="lg" len="lg"/>
+            </a:ln>
+          </p:spPr>
+          <p:style>
+            <a:lnRef idx="1">
+              <a:schemeClr val="accent1"/>
+            </a:lnRef>
+            <a:fillRef idx="0">
+              <a:schemeClr val="accent1"/>
+            </a:fillRef>
+            <a:effectRef idx="0">
+              <a:schemeClr val="accent1"/>
+            </a:effectRef>
+            <a:fontRef idx="minor">
+              <a:schemeClr val="tx1"/>
+            </a:fontRef>
+          </p:style>
+        </p:cxnSp>
+      </p:grpSp>
     </p:spTree>
     <p:extLst>
       <p:ext uri="{BB962C8B-B14F-4D97-AF65-F5344CB8AC3E}">
-        <p14:creationId xmlns:p14="http://schemas.microsoft.com/office/powerpoint/2010/main" val="818805559"/>
+        <p14:creationId xmlns:p14="http://schemas.microsoft.com/office/powerpoint/2010/main" val="2661177556"/>
       </p:ext>
     </p:extLst>
   </p:cSld>
   <p:clrMapOvr>
     <a:masterClrMapping/>
   </p:clrMapOvr>
+  <p:timing>
+    <p:tnLst>
+      <p:par>
+        <p:cTn id="1" dur="indefinite" restart="never" nodeType="tmRoot">
+          <p:childTnLst>
+            <p:seq concurrent="1" nextAc="seek">
+              <p:cTn id="2" dur="indefinite" nodeType="mainSeq">
+                <p:childTnLst>
+                  <p:par>
+                    <p:cTn id="3" fill="hold">
+                      <p:stCondLst>
+                        <p:cond delay="indefinite"/>
+                      </p:stCondLst>
+                      <p:childTnLst>
+                        <p:par>
+                          <p:cTn id="4" fill="hold">
+                            <p:stCondLst>
+                              <p:cond delay="0"/>
+                            </p:stCondLst>
+                            <p:childTnLst>
+                              <p:par>
+                                <p:cTn id="5" presetID="1" presetClass="entr" presetSubtype="0" fill="hold" nodeType="clickEffect">
+                                  <p:stCondLst>
+                                    <p:cond delay="0"/>
+                                  </p:stCondLst>
+                                  <p:childTnLst>
+                                    <p:set>
+                                      <p:cBhvr>
+                                        <p:cTn id="6" dur="1" fill="hold">
+                                          <p:stCondLst>
+                                            <p:cond delay="0"/>
+                                          </p:stCondLst>
+                                        </p:cTn>
+                                        <p:tgtEl>
+                                          <p:spTgt spid="16"/>
+                                        </p:tgtEl>
+                                        <p:attrNameLst>
+                                          <p:attrName>style.visibility</p:attrName>
+                                        </p:attrNameLst>
+                                      </p:cBhvr>
+                                      <p:to>
+                                        <p:strVal val="visible"/>
+                                      </p:to>
+                                    </p:set>
+                                  </p:childTnLst>
+                                </p:cTn>
+                              </p:par>
+                            </p:childTnLst>
+                          </p:cTn>
+                        </p:par>
+                      </p:childTnLst>
+                    </p:cTn>
+                  </p:par>
+                  <p:par>
+                    <p:cTn id="7" fill="hold">
+                      <p:stCondLst>
+                        <p:cond delay="indefinite"/>
+                      </p:stCondLst>
+                      <p:childTnLst>
+                        <p:par>
+                          <p:cTn id="8" fill="hold">
+                            <p:stCondLst>
+                              <p:cond delay="0"/>
+                            </p:stCondLst>
+                            <p:childTnLst>
+                              <p:par>
+                                <p:cTn id="9" presetID="1" presetClass="entr" presetSubtype="0" fill="hold" grpId="0" nodeType="clickEffect">
+                                  <p:stCondLst>
+                                    <p:cond delay="0"/>
+                                  </p:stCondLst>
+                                  <p:childTnLst>
+                                    <p:set>
+                                      <p:cBhvr>
+                                        <p:cTn id="10" dur="1" fill="hold">
+                                          <p:stCondLst>
+                                            <p:cond delay="0"/>
+                                          </p:stCondLst>
+                                        </p:cTn>
+                                        <p:tgtEl>
+                                          <p:spTgt spid="17"/>
+                                        </p:tgtEl>
+                                        <p:attrNameLst>
+                                          <p:attrName>style.visibility</p:attrName>
+                                        </p:attrNameLst>
+                                      </p:cBhvr>
+                                      <p:to>
+                                        <p:strVal val="visible"/>
+                                      </p:to>
+                                    </p:set>
+                                  </p:childTnLst>
+                                </p:cTn>
+                              </p:par>
+                            </p:childTnLst>
+                          </p:cTn>
+                        </p:par>
+                      </p:childTnLst>
+                    </p:cTn>
+                  </p:par>
+                  <p:par>
+                    <p:cTn id="11" fill="hold">
+                      <p:stCondLst>
+                        <p:cond delay="indefinite"/>
+                      </p:stCondLst>
+                      <p:childTnLst>
+                        <p:par>
+                          <p:cTn id="12" fill="hold">
+                            <p:stCondLst>
+                              <p:cond delay="0"/>
+                            </p:stCondLst>
+                            <p:childTnLst>
+                              <p:par>
+                                <p:cTn id="13" presetID="1" presetClass="entr" presetSubtype="0" fill="hold" nodeType="clickEffect">
+                                  <p:stCondLst>
+                                    <p:cond delay="0"/>
+                                  </p:stCondLst>
+                                  <p:childTnLst>
+                                    <p:set>
+                                      <p:cBhvr>
+                                        <p:cTn id="14" dur="1" fill="hold">
+                                          <p:stCondLst>
+                                            <p:cond delay="0"/>
+                                          </p:stCondLst>
+                                        </p:cTn>
+                                        <p:tgtEl>
+                                          <p:spTgt spid="22"/>
+                                        </p:tgtEl>
+                                        <p:attrNameLst>
+                                          <p:attrName>style.visibility</p:attrName>
+                                        </p:attrNameLst>
+                                      </p:cBhvr>
+                                      <p:to>
+                                        <p:strVal val="visible"/>
+                                      </p:to>
+                                    </p:set>
+                                  </p:childTnLst>
+                                </p:cTn>
+                              </p:par>
+                            </p:childTnLst>
+                          </p:cTn>
+                        </p:par>
+                      </p:childTnLst>
+                    </p:cTn>
+                  </p:par>
+                </p:childTnLst>
+              </p:cTn>
+              <p:prevCondLst>
+                <p:cond evt="onPrev" delay="0">
+                  <p:tgtEl>
+                    <p:sldTgt/>
+                  </p:tgtEl>
+                </p:cond>
+              </p:prevCondLst>
+              <p:nextCondLst>
+                <p:cond evt="onNext" delay="0">
+                  <p:tgtEl>
+                    <p:sldTgt/>
+                  </p:tgtEl>
+                </p:cond>
+              </p:nextCondLst>
+            </p:seq>
+          </p:childTnLst>
+        </p:cTn>
+      </p:par>
+    </p:tnLst>
+    <p:bldLst>
+      <p:bldP spid="17" grpId="0" animBg="1"/>
+    </p:bldLst>
+  </p:timing>
 </p:sld>
 </file>
 
@@ -23674,6 +24887,101 @@
           <a:p>
             <a:r>
               <a:rPr lang="en-US" dirty="0" smtClean="0"/>
+              <a:t>CPU</a:t>
+            </a:r>
+            <a:endParaRPr lang="nl-BE" dirty="0"/>
+          </a:p>
+        </p:txBody>
+      </p:sp>
+      <p:sp>
+        <p:nvSpPr>
+          <p:cNvPr id="3" name="Text Placeholder 2"/>
+          <p:cNvSpPr>
+            <a:spLocks noGrp="1"/>
+          </p:cNvSpPr>
+          <p:nvPr>
+            <p:ph type="body" idx="1"/>
+          </p:nvPr>
+        </p:nvSpPr>
+        <p:spPr/>
+        <p:txBody>
+          <a:bodyPr/>
+          <a:lstStyle/>
+          <a:p>
+            <a:endParaRPr lang="nl-BE"/>
+          </a:p>
+        </p:txBody>
+      </p:sp>
+      <p:sp>
+        <p:nvSpPr>
+          <p:cNvPr id="4" name="Slide Number Placeholder 3"/>
+          <p:cNvSpPr>
+            <a:spLocks noGrp="1"/>
+          </p:cNvSpPr>
+          <p:nvPr>
+            <p:ph type="sldNum" sz="quarter" idx="12"/>
+          </p:nvPr>
+        </p:nvSpPr>
+        <p:spPr/>
+        <p:txBody>
+          <a:bodyPr/>
+          <a:lstStyle/>
+          <a:p>
+            <a:fld id="{6597116C-F94B-4B5B-973A-17F07FB5C418}" type="slidenum">
+              <a:rPr lang="nl-BE" smtClean="0"/>
+              <a:t>27</a:t>
+            </a:fld>
+            <a:endParaRPr lang="nl-BE"/>
+          </a:p>
+        </p:txBody>
+      </p:sp>
+    </p:spTree>
+    <p:extLst>
+      <p:ext uri="{BB962C8B-B14F-4D97-AF65-F5344CB8AC3E}">
+        <p14:creationId xmlns:p14="http://schemas.microsoft.com/office/powerpoint/2010/main" val="818805559"/>
+      </p:ext>
+    </p:extLst>
+  </p:cSld>
+  <p:clrMapOvr>
+    <a:masterClrMapping/>
+  </p:clrMapOvr>
+</p:sld>
+</file>
+
+<file path=ppt/slides/slide28.xml><?xml version="1.0" encoding="utf-8"?>
+<p:sld xmlns:a="http://schemas.openxmlformats.org/drawingml/2006/main" xmlns:r="http://schemas.openxmlformats.org/officeDocument/2006/relationships" xmlns:p="http://schemas.openxmlformats.org/presentationml/2006/main">
+  <p:cSld>
+    <p:spTree>
+      <p:nvGrpSpPr>
+        <p:cNvPr id="1" name=""/>
+        <p:cNvGrpSpPr/>
+        <p:nvPr/>
+      </p:nvGrpSpPr>
+      <p:grpSpPr>
+        <a:xfrm>
+          <a:off x="0" y="0"/>
+          <a:ext cx="0" cy="0"/>
+          <a:chOff x="0" y="0"/>
+          <a:chExt cx="0" cy="0"/>
+        </a:xfrm>
+      </p:grpSpPr>
+      <p:sp>
+        <p:nvSpPr>
+          <p:cNvPr id="2" name="Title 1"/>
+          <p:cNvSpPr>
+            <a:spLocks noGrp="1"/>
+          </p:cNvSpPr>
+          <p:nvPr>
+            <p:ph type="title"/>
+          </p:nvPr>
+        </p:nvSpPr>
+        <p:spPr/>
+        <p:txBody>
+          <a:bodyPr/>
+          <a:lstStyle/>
+          <a:p>
+            <a:r>
+              <a:rPr lang="en-US" dirty="0" smtClean="0"/>
               <a:t>Vectorization</a:t>
             </a:r>
             <a:endParaRPr lang="en-US" dirty="0"/>
@@ -23751,7 +25059,7 @@
           <a:p>
             <a:fld id="{6597116C-F94B-4B5B-973A-17F07FB5C418}" type="slidenum">
               <a:rPr lang="nl-BE" smtClean="0"/>
-              <a:t>27</a:t>
+              <a:t>28</a:t>
             </a:fld>
             <a:endParaRPr lang="nl-BE"/>
           </a:p>
@@ -24531,7 +25839,7 @@
 </p:sld>
 </file>
 
-<file path=ppt/slides/slide28.xml><?xml version="1.0" encoding="utf-8"?>
+<file path=ppt/slides/slide29.xml><?xml version="1.0" encoding="utf-8"?>
 <p:sld xmlns:a="http://schemas.openxmlformats.org/drawingml/2006/main" xmlns:r="http://schemas.openxmlformats.org/officeDocument/2006/relationships" xmlns:p="http://schemas.openxmlformats.org/presentationml/2006/main">
   <p:cSld>
     <p:spTree>
@@ -24635,7 +25943,7 @@
           <a:p>
             <a:fld id="{6597116C-F94B-4B5B-973A-17F07FB5C418}" type="slidenum">
               <a:rPr lang="nl-BE" smtClean="0"/>
-              <a:t>28</a:t>
+              <a:t>29</a:t>
             </a:fld>
             <a:endParaRPr lang="nl-BE"/>
           </a:p>
@@ -25148,423 +26456,334 @@
   <p:clrMapOvr>
     <a:masterClrMapping/>
   </p:clrMapOvr>
-</p:sld>
-</file>
-
-<file path=ppt/slides/slide29.xml><?xml version="1.0" encoding="utf-8"?>
-<p:sld xmlns:a="http://schemas.openxmlformats.org/drawingml/2006/main" xmlns:r="http://schemas.openxmlformats.org/officeDocument/2006/relationships" xmlns:p="http://schemas.openxmlformats.org/presentationml/2006/main">
-  <p:cSld>
-    <p:spTree>
-      <p:nvGrpSpPr>
-        <p:cNvPr id="1" name=""/>
-        <p:cNvGrpSpPr/>
-        <p:nvPr/>
-      </p:nvGrpSpPr>
-      <p:grpSpPr>
-        <a:xfrm>
-          <a:off x="0" y="0"/>
-          <a:ext cx="0" cy="0"/>
-          <a:chOff x="0" y="0"/>
-          <a:chExt cx="0" cy="0"/>
-        </a:xfrm>
-      </p:grpSpPr>
-      <p:sp>
-        <p:nvSpPr>
-          <p:cNvPr id="2" name="Title 1"/>
-          <p:cNvSpPr>
-            <a:spLocks noGrp="1"/>
-          </p:cNvSpPr>
-          <p:nvPr>
-            <p:ph type="title"/>
-          </p:nvPr>
-        </p:nvSpPr>
-        <p:spPr/>
-        <p:txBody>
-          <a:bodyPr/>
-          <a:lstStyle/>
-          <a:p>
-            <a:r>
-              <a:rPr lang="en-US" dirty="0" smtClean="0"/>
-              <a:t>Compiler flags &amp; directives</a:t>
-            </a:r>
-            <a:endParaRPr lang="nl-BE" dirty="0"/>
-          </a:p>
-        </p:txBody>
-      </p:sp>
-      <p:sp>
-        <p:nvSpPr>
-          <p:cNvPr id="3" name="Content Placeholder 2"/>
-          <p:cNvSpPr>
-            <a:spLocks noGrp="1"/>
-          </p:cNvSpPr>
-          <p:nvPr>
-            <p:ph idx="1"/>
-          </p:nvPr>
-        </p:nvSpPr>
-        <p:spPr/>
-        <p:txBody>
-          <a:bodyPr>
-            <a:normAutofit fontScale="92500" lnSpcReduction="20000"/>
-          </a:bodyPr>
-          <a:lstStyle/>
-          <a:p>
-            <a:r>
-              <a:rPr lang="en-US" dirty="0" smtClean="0"/>
-              <a:t>GCC compiler family</a:t>
-            </a:r>
-          </a:p>
-          <a:p>
-            <a:pPr lvl="1"/>
-            <a:r>
-              <a:rPr lang="en-US" dirty="0" err="1" smtClean="0">
-                <a:latin typeface="Courier New" panose="02070309020205020404" pitchFamily="49" charset="0"/>
-                <a:cs typeface="Courier New" panose="02070309020205020404" pitchFamily="49" charset="0"/>
-              </a:rPr>
-              <a:t>gcc</a:t>
-            </a:r>
-            <a:r>
-              <a:rPr lang="en-US" dirty="0" smtClean="0">
-                <a:latin typeface="Courier New" panose="02070309020205020404" pitchFamily="49" charset="0"/>
-                <a:cs typeface="Courier New" panose="02070309020205020404" pitchFamily="49" charset="0"/>
-              </a:rPr>
-              <a:t> </a:t>
-            </a:r>
-            <a:r>
-              <a:rPr lang="en-US" dirty="0">
-                <a:latin typeface="Courier New" panose="02070309020205020404" pitchFamily="49" charset="0"/>
-                <a:cs typeface="Courier New" panose="02070309020205020404" pitchFamily="49" charset="0"/>
-              </a:rPr>
-              <a:t>–march=corei7-avx </a:t>
-            </a:r>
-            <a:r>
-              <a:rPr lang="en-US" dirty="0" smtClean="0">
-                <a:latin typeface="Courier New" panose="02070309020205020404" pitchFamily="49" charset="0"/>
-                <a:cs typeface="Courier New" panose="02070309020205020404" pitchFamily="49" charset="0"/>
-              </a:rPr>
-              <a:t>–O3 …</a:t>
-            </a:r>
-            <a:endParaRPr lang="en-US" dirty="0">
-              <a:latin typeface="Courier New" panose="02070309020205020404" pitchFamily="49" charset="0"/>
-              <a:cs typeface="Courier New" panose="02070309020205020404" pitchFamily="49" charset="0"/>
-            </a:endParaRPr>
-          </a:p>
-          <a:p>
-            <a:pPr lvl="1"/>
-            <a:r>
-              <a:rPr lang="en-US" dirty="0" err="1">
-                <a:latin typeface="Courier New" panose="02070309020205020404" pitchFamily="49" charset="0"/>
-                <a:cs typeface="Courier New" panose="02070309020205020404" pitchFamily="49" charset="0"/>
-              </a:rPr>
-              <a:t>g</a:t>
-            </a:r>
-            <a:r>
-              <a:rPr lang="en-US" dirty="0" err="1" smtClean="0">
-                <a:latin typeface="Courier New" panose="02070309020205020404" pitchFamily="49" charset="0"/>
-                <a:cs typeface="Courier New" panose="02070309020205020404" pitchFamily="49" charset="0"/>
-              </a:rPr>
-              <a:t>cc</a:t>
-            </a:r>
-            <a:r>
-              <a:rPr lang="en-US" dirty="0" smtClean="0">
-                <a:latin typeface="Courier New" panose="02070309020205020404" pitchFamily="49" charset="0"/>
-                <a:cs typeface="Courier New" panose="02070309020205020404" pitchFamily="49" charset="0"/>
-              </a:rPr>
-              <a:t> –</a:t>
-            </a:r>
-            <a:r>
-              <a:rPr lang="en-US" dirty="0" err="1" smtClean="0">
-                <a:latin typeface="Courier New" panose="02070309020205020404" pitchFamily="49" charset="0"/>
-                <a:cs typeface="Courier New" panose="02070309020205020404" pitchFamily="49" charset="0"/>
-              </a:rPr>
-              <a:t>ftree-vectorize</a:t>
-            </a:r>
-            <a:r>
-              <a:rPr lang="en-US" dirty="0" smtClean="0">
-                <a:latin typeface="Courier New" panose="02070309020205020404" pitchFamily="49" charset="0"/>
-                <a:cs typeface="Courier New" panose="02070309020205020404" pitchFamily="49" charset="0"/>
-              </a:rPr>
-              <a:t> \</a:t>
-            </a:r>
-            <a:br>
-              <a:rPr lang="en-US" dirty="0" smtClean="0">
-                <a:latin typeface="Courier New" panose="02070309020205020404" pitchFamily="49" charset="0"/>
-                <a:cs typeface="Courier New" panose="02070309020205020404" pitchFamily="49" charset="0"/>
-              </a:rPr>
-            </a:br>
-            <a:r>
-              <a:rPr lang="en-US" dirty="0" smtClean="0">
-                <a:latin typeface="Courier New" panose="02070309020205020404" pitchFamily="49" charset="0"/>
-                <a:cs typeface="Courier New" panose="02070309020205020404" pitchFamily="49" charset="0"/>
-              </a:rPr>
-              <a:t>    –march=corei7-avx –O2 …</a:t>
-            </a:r>
-          </a:p>
-          <a:p>
-            <a:pPr lvl="1"/>
-            <a:r>
-              <a:rPr lang="en-US" dirty="0" smtClean="0">
-                <a:cs typeface="Courier New" panose="02070309020205020404" pitchFamily="49" charset="0"/>
-              </a:rPr>
-              <a:t>for feedback, use</a:t>
-            </a:r>
-            <a:br>
-              <a:rPr lang="en-US" dirty="0" smtClean="0">
-                <a:cs typeface="Courier New" panose="02070309020205020404" pitchFamily="49" charset="0"/>
-              </a:rPr>
-            </a:br>
-            <a:r>
-              <a:rPr lang="en-US" dirty="0" smtClean="0">
-                <a:cs typeface="Courier New" panose="02070309020205020404" pitchFamily="49" charset="0"/>
-              </a:rPr>
-              <a:t>  </a:t>
-            </a:r>
-            <a:r>
-              <a:rPr lang="nl-BE" dirty="0">
-                <a:latin typeface="Courier New" panose="02070309020205020404" pitchFamily="49" charset="0"/>
-                <a:cs typeface="Courier New" panose="02070309020205020404" pitchFamily="49" charset="0"/>
-              </a:rPr>
-              <a:t>-</a:t>
-            </a:r>
-            <a:r>
-              <a:rPr lang="nl-BE" dirty="0" err="1">
-                <a:latin typeface="Courier New" panose="02070309020205020404" pitchFamily="49" charset="0"/>
-                <a:cs typeface="Courier New" panose="02070309020205020404" pitchFamily="49" charset="0"/>
-              </a:rPr>
-              <a:t>ftree-vectorizer-verbose</a:t>
-            </a:r>
-            <a:r>
-              <a:rPr lang="nl-BE" dirty="0">
-                <a:latin typeface="Courier New" panose="02070309020205020404" pitchFamily="49" charset="0"/>
-                <a:cs typeface="Courier New" panose="02070309020205020404" pitchFamily="49" charset="0"/>
-              </a:rPr>
-              <a:t>=2</a:t>
-            </a:r>
-            <a:endParaRPr lang="en-US" dirty="0" smtClean="0">
-              <a:latin typeface="Courier New" panose="02070309020205020404" pitchFamily="49" charset="0"/>
-              <a:cs typeface="Courier New" panose="02070309020205020404" pitchFamily="49" charset="0"/>
-            </a:endParaRPr>
-          </a:p>
-          <a:p>
-            <a:r>
-              <a:rPr lang="en-US" dirty="0" smtClean="0"/>
-              <a:t>Intel compiler family</a:t>
-            </a:r>
-          </a:p>
-          <a:p>
-            <a:pPr lvl="1"/>
-            <a:r>
-              <a:rPr lang="en-US" dirty="0" err="1" smtClean="0">
-                <a:latin typeface="Courier New" panose="02070309020205020404" pitchFamily="49" charset="0"/>
-                <a:cs typeface="Courier New" panose="02070309020205020404" pitchFamily="49" charset="0"/>
-              </a:rPr>
-              <a:t>icc</a:t>
-            </a:r>
-            <a:r>
-              <a:rPr lang="en-US" dirty="0" smtClean="0">
-                <a:latin typeface="Courier New" panose="02070309020205020404" pitchFamily="49" charset="0"/>
-                <a:cs typeface="Courier New" panose="02070309020205020404" pitchFamily="49" charset="0"/>
-              </a:rPr>
-              <a:t> –</a:t>
-            </a:r>
-            <a:r>
-              <a:rPr lang="en-US" dirty="0" err="1" smtClean="0">
-                <a:latin typeface="Courier New" panose="02070309020205020404" pitchFamily="49" charset="0"/>
-                <a:cs typeface="Courier New" panose="02070309020205020404" pitchFamily="49" charset="0"/>
-              </a:rPr>
-              <a:t>xHost</a:t>
-            </a:r>
-            <a:r>
-              <a:rPr lang="en-US" dirty="0" smtClean="0">
-                <a:latin typeface="Courier New" panose="02070309020205020404" pitchFamily="49" charset="0"/>
-                <a:cs typeface="Courier New" panose="02070309020205020404" pitchFamily="49" charset="0"/>
-              </a:rPr>
-              <a:t> –O2 …</a:t>
-            </a:r>
-          </a:p>
-          <a:p>
-            <a:pPr lvl="1"/>
-            <a:r>
-              <a:rPr lang="en-US" dirty="0" smtClean="0"/>
-              <a:t>for feedback, use</a:t>
-            </a:r>
-            <a:br>
-              <a:rPr lang="en-US" dirty="0" smtClean="0"/>
-            </a:br>
-            <a:r>
-              <a:rPr lang="en-US" dirty="0" smtClean="0">
-                <a:latin typeface="Courier New" panose="02070309020205020404" pitchFamily="49" charset="0"/>
-                <a:cs typeface="Courier New" panose="02070309020205020404" pitchFamily="49" charset="0"/>
-              </a:rPr>
-              <a:t>  -</a:t>
-            </a:r>
-            <a:r>
-              <a:rPr lang="en-US" dirty="0" err="1" smtClean="0">
-                <a:latin typeface="Courier New" panose="02070309020205020404" pitchFamily="49" charset="0"/>
-                <a:cs typeface="Courier New" panose="02070309020205020404" pitchFamily="49" charset="0"/>
-              </a:rPr>
-              <a:t>qopt</a:t>
-            </a:r>
-            <a:r>
-              <a:rPr lang="en-US" dirty="0" smtClean="0">
-                <a:latin typeface="Courier New" panose="02070309020205020404" pitchFamily="49" charset="0"/>
-                <a:cs typeface="Courier New" panose="02070309020205020404" pitchFamily="49" charset="0"/>
-              </a:rPr>
-              <a:t>-report-phase=</a:t>
-            </a:r>
-            <a:r>
-              <a:rPr lang="en-US" dirty="0" err="1" smtClean="0">
-                <a:latin typeface="Courier New" panose="02070309020205020404" pitchFamily="49" charset="0"/>
-                <a:cs typeface="Courier New" panose="02070309020205020404" pitchFamily="49" charset="0"/>
-              </a:rPr>
-              <a:t>vec</a:t>
-            </a:r>
-            <a:r>
-              <a:rPr lang="en-US" dirty="0" smtClean="0">
-                <a:latin typeface="Courier New" panose="02070309020205020404" pitchFamily="49" charset="0"/>
-                <a:cs typeface="Courier New" panose="02070309020205020404" pitchFamily="49" charset="0"/>
-              </a:rPr>
-              <a:t> \</a:t>
-            </a:r>
-            <a:br>
-              <a:rPr lang="en-US" dirty="0" smtClean="0">
-                <a:latin typeface="Courier New" panose="02070309020205020404" pitchFamily="49" charset="0"/>
-                <a:cs typeface="Courier New" panose="02070309020205020404" pitchFamily="49" charset="0"/>
-              </a:rPr>
-            </a:br>
-            <a:r>
-              <a:rPr lang="en-US" dirty="0" smtClean="0">
-                <a:latin typeface="Courier New" panose="02070309020205020404" pitchFamily="49" charset="0"/>
-                <a:cs typeface="Courier New" panose="02070309020205020404" pitchFamily="49" charset="0"/>
-              </a:rPr>
-              <a:t>  -</a:t>
-            </a:r>
-            <a:r>
-              <a:rPr lang="en-US" dirty="0" err="1">
-                <a:latin typeface="Courier New" panose="02070309020205020404" pitchFamily="49" charset="0"/>
-                <a:cs typeface="Courier New" panose="02070309020205020404" pitchFamily="49" charset="0"/>
-              </a:rPr>
-              <a:t>qopt</a:t>
-            </a:r>
-            <a:r>
-              <a:rPr lang="en-US" dirty="0">
-                <a:latin typeface="Courier New" panose="02070309020205020404" pitchFamily="49" charset="0"/>
-                <a:cs typeface="Courier New" panose="02070309020205020404" pitchFamily="49" charset="0"/>
-              </a:rPr>
-              <a:t>-report=3</a:t>
-            </a:r>
-            <a:endParaRPr lang="nl-BE" dirty="0">
-              <a:latin typeface="Courier New" panose="02070309020205020404" pitchFamily="49" charset="0"/>
-              <a:cs typeface="Courier New" panose="02070309020205020404" pitchFamily="49" charset="0"/>
-            </a:endParaRPr>
-          </a:p>
-        </p:txBody>
-      </p:sp>
-      <p:sp>
-        <p:nvSpPr>
-          <p:cNvPr id="4" name="Slide Number Placeholder 3"/>
-          <p:cNvSpPr>
-            <a:spLocks noGrp="1"/>
-          </p:cNvSpPr>
-          <p:nvPr>
-            <p:ph type="sldNum" sz="quarter" idx="12"/>
-          </p:nvPr>
-        </p:nvSpPr>
-        <p:spPr/>
-        <p:txBody>
-          <a:bodyPr/>
-          <a:lstStyle/>
-          <a:p>
-            <a:fld id="{6597116C-F94B-4B5B-973A-17F07FB5C418}" type="slidenum">
-              <a:rPr lang="nl-BE" smtClean="0"/>
-              <a:t>29</a:t>
-            </a:fld>
-            <a:endParaRPr lang="nl-BE"/>
-          </a:p>
-        </p:txBody>
-      </p:sp>
-      <p:sp>
-        <p:nvSpPr>
-          <p:cNvPr id="6" name="TextBox 5"/>
-          <p:cNvSpPr txBox="1"/>
-          <p:nvPr/>
-        </p:nvSpPr>
-        <p:spPr>
-          <a:xfrm>
-            <a:off x="395536" y="5949280"/>
-            <a:ext cx="6727547" cy="461665"/>
-          </a:xfrm>
-          <a:prstGeom prst="rect">
-            <a:avLst/>
-          </a:prstGeom>
-          <a:noFill/>
-          <a:ln>
-            <a:solidFill>
-              <a:schemeClr val="tx1"/>
-            </a:solidFill>
-          </a:ln>
-        </p:spPr>
-        <p:txBody>
-          <a:bodyPr wrap="none" rtlCol="0">
-            <a:spAutoFit/>
-          </a:bodyPr>
-          <a:lstStyle/>
-          <a:p>
-            <a:r>
-              <a:rPr lang="en-US" sz="2400" dirty="0" smtClean="0"/>
-              <a:t>Help compiler using, e.g., </a:t>
-            </a:r>
-            <a:r>
-              <a:rPr lang="en-US" sz="2400" dirty="0" smtClean="0">
-                <a:latin typeface="Courier New" panose="02070309020205020404" pitchFamily="49" charset="0"/>
-                <a:cs typeface="Courier New" panose="02070309020205020404" pitchFamily="49" charset="0"/>
-              </a:rPr>
-              <a:t>#pragma </a:t>
-            </a:r>
-            <a:r>
-              <a:rPr lang="en-US" sz="2400" dirty="0" err="1" smtClean="0">
-                <a:latin typeface="Courier New" panose="02070309020205020404" pitchFamily="49" charset="0"/>
-                <a:cs typeface="Courier New" panose="02070309020205020404" pitchFamily="49" charset="0"/>
-              </a:rPr>
-              <a:t>omp</a:t>
-            </a:r>
-            <a:r>
-              <a:rPr lang="en-US" sz="2400" dirty="0" smtClean="0">
-                <a:latin typeface="Courier New" panose="02070309020205020404" pitchFamily="49" charset="0"/>
-                <a:cs typeface="Courier New" panose="02070309020205020404" pitchFamily="49" charset="0"/>
-              </a:rPr>
-              <a:t> </a:t>
-            </a:r>
-            <a:r>
-              <a:rPr lang="en-US" sz="2400" dirty="0" err="1" smtClean="0">
-                <a:latin typeface="Courier New" panose="02070309020205020404" pitchFamily="49" charset="0"/>
-                <a:cs typeface="Courier New" panose="02070309020205020404" pitchFamily="49" charset="0"/>
-              </a:rPr>
-              <a:t>simd</a:t>
-            </a:r>
-            <a:r>
-              <a:rPr lang="en-US" sz="2400" dirty="0" smtClean="0">
-                <a:latin typeface="Courier New" panose="02070309020205020404" pitchFamily="49" charset="0"/>
-                <a:cs typeface="Courier New" panose="02070309020205020404" pitchFamily="49" charset="0"/>
-              </a:rPr>
-              <a:t> …</a:t>
-            </a:r>
-            <a:endParaRPr lang="nl-BE" sz="2400" dirty="0">
-              <a:latin typeface="Courier New" panose="02070309020205020404" pitchFamily="49" charset="0"/>
-              <a:cs typeface="Courier New" panose="02070309020205020404" pitchFamily="49" charset="0"/>
-            </a:endParaRPr>
-          </a:p>
-        </p:txBody>
-      </p:sp>
-    </p:spTree>
-    <p:extLst>
-      <p:ext uri="{BB962C8B-B14F-4D97-AF65-F5344CB8AC3E}">
-        <p14:creationId xmlns:p14="http://schemas.microsoft.com/office/powerpoint/2010/main" val="1878102497"/>
-      </p:ext>
-    </p:extLst>
-  </p:cSld>
-  <p:clrMapOvr>
-    <a:masterClrMapping/>
-  </p:clrMapOvr>
+  <p:timing>
+    <p:tnLst>
+      <p:par>
+        <p:cTn id="1" dur="indefinite" restart="never" nodeType="tmRoot">
+          <p:childTnLst>
+            <p:seq concurrent="1" nextAc="seek">
+              <p:cTn id="2" dur="indefinite" nodeType="mainSeq">
+                <p:childTnLst>
+                  <p:par>
+                    <p:cTn id="3" fill="hold">
+                      <p:stCondLst>
+                        <p:cond delay="indefinite"/>
+                        <p:cond evt="onBegin" delay="0">
+                          <p:tn val="2"/>
+                        </p:cond>
+                      </p:stCondLst>
+                      <p:childTnLst>
+                        <p:par>
+                          <p:cTn id="4" fill="hold">
+                            <p:stCondLst>
+                              <p:cond delay="0"/>
+                            </p:stCondLst>
+                            <p:childTnLst>
+                              <p:par>
+                                <p:cTn id="5" presetID="1" presetClass="entr" presetSubtype="0" fill="hold" grpId="0" nodeType="withEffect">
+                                  <p:stCondLst>
+                                    <p:cond delay="0"/>
+                                  </p:stCondLst>
+                                  <p:childTnLst>
+                                    <p:set>
+                                      <p:cBhvr>
+                                        <p:cTn id="6" dur="1" fill="hold">
+                                          <p:stCondLst>
+                                            <p:cond delay="0"/>
+                                          </p:stCondLst>
+                                        </p:cTn>
+                                        <p:tgtEl>
+                                          <p:spTgt spid="3">
+                                            <p:txEl>
+                                              <p:pRg st="0" end="0"/>
+                                            </p:txEl>
+                                          </p:spTgt>
+                                        </p:tgtEl>
+                                        <p:attrNameLst>
+                                          <p:attrName>style.visibility</p:attrName>
+                                        </p:attrNameLst>
+                                      </p:cBhvr>
+                                      <p:to>
+                                        <p:strVal val="visible"/>
+                                      </p:to>
+                                    </p:set>
+                                  </p:childTnLst>
+                                </p:cTn>
+                              </p:par>
+                              <p:par>
+                                <p:cTn id="7" presetID="1" presetClass="entr" presetSubtype="0" fill="hold" grpId="0" nodeType="withEffect">
+                                  <p:stCondLst>
+                                    <p:cond delay="0"/>
+                                  </p:stCondLst>
+                                  <p:childTnLst>
+                                    <p:set>
+                                      <p:cBhvr>
+                                        <p:cTn id="8" dur="1" fill="hold">
+                                          <p:stCondLst>
+                                            <p:cond delay="0"/>
+                                          </p:stCondLst>
+                                        </p:cTn>
+                                        <p:tgtEl>
+                                          <p:spTgt spid="5"/>
+                                        </p:tgtEl>
+                                        <p:attrNameLst>
+                                          <p:attrName>style.visibility</p:attrName>
+                                        </p:attrNameLst>
+                                      </p:cBhvr>
+                                      <p:to>
+                                        <p:strVal val="visible"/>
+                                      </p:to>
+                                    </p:set>
+                                  </p:childTnLst>
+                                </p:cTn>
+                              </p:par>
+                            </p:childTnLst>
+                          </p:cTn>
+                        </p:par>
+                      </p:childTnLst>
+                    </p:cTn>
+                  </p:par>
+                  <p:par>
+                    <p:cTn id="9" fill="hold">
+                      <p:stCondLst>
+                        <p:cond delay="indefinite"/>
+                      </p:stCondLst>
+                      <p:childTnLst>
+                        <p:par>
+                          <p:cTn id="10" fill="hold">
+                            <p:stCondLst>
+                              <p:cond delay="0"/>
+                            </p:stCondLst>
+                            <p:childTnLst>
+                              <p:par>
+                                <p:cTn id="11" presetID="1" presetClass="entr" presetSubtype="0" fill="hold" grpId="0" nodeType="clickEffect">
+                                  <p:stCondLst>
+                                    <p:cond delay="0"/>
+                                  </p:stCondLst>
+                                  <p:childTnLst>
+                                    <p:set>
+                                      <p:cBhvr>
+                                        <p:cTn id="12" dur="1" fill="hold">
+                                          <p:stCondLst>
+                                            <p:cond delay="0"/>
+                                          </p:stCondLst>
+                                        </p:cTn>
+                                        <p:tgtEl>
+                                          <p:spTgt spid="7"/>
+                                        </p:tgtEl>
+                                        <p:attrNameLst>
+                                          <p:attrName>style.visibility</p:attrName>
+                                        </p:attrNameLst>
+                                      </p:cBhvr>
+                                      <p:to>
+                                        <p:strVal val="visible"/>
+                                      </p:to>
+                                    </p:set>
+                                  </p:childTnLst>
+                                </p:cTn>
+                              </p:par>
+                            </p:childTnLst>
+                          </p:cTn>
+                        </p:par>
+                      </p:childTnLst>
+                    </p:cTn>
+                  </p:par>
+                  <p:par>
+                    <p:cTn id="13" fill="hold">
+                      <p:stCondLst>
+                        <p:cond delay="indefinite"/>
+                      </p:stCondLst>
+                      <p:childTnLst>
+                        <p:par>
+                          <p:cTn id="14" fill="hold">
+                            <p:stCondLst>
+                              <p:cond delay="0"/>
+                            </p:stCondLst>
+                            <p:childTnLst>
+                              <p:par>
+                                <p:cTn id="15" presetID="1" presetClass="entr" presetSubtype="0" fill="hold" grpId="0" nodeType="clickEffect">
+                                  <p:stCondLst>
+                                    <p:cond delay="0"/>
+                                  </p:stCondLst>
+                                  <p:childTnLst>
+                                    <p:set>
+                                      <p:cBhvr>
+                                        <p:cTn id="16" dur="1" fill="hold">
+                                          <p:stCondLst>
+                                            <p:cond delay="0"/>
+                                          </p:stCondLst>
+                                        </p:cTn>
+                                        <p:tgtEl>
+                                          <p:spTgt spid="9"/>
+                                        </p:tgtEl>
+                                        <p:attrNameLst>
+                                          <p:attrName>style.visibility</p:attrName>
+                                        </p:attrNameLst>
+                                      </p:cBhvr>
+                                      <p:to>
+                                        <p:strVal val="visible"/>
+                                      </p:to>
+                                    </p:set>
+                                  </p:childTnLst>
+                                </p:cTn>
+                              </p:par>
+                            </p:childTnLst>
+                          </p:cTn>
+                        </p:par>
+                      </p:childTnLst>
+                    </p:cTn>
+                  </p:par>
+                  <p:par>
+                    <p:cTn id="17" fill="hold">
+                      <p:stCondLst>
+                        <p:cond delay="indefinite"/>
+                      </p:stCondLst>
+                      <p:childTnLst>
+                        <p:par>
+                          <p:cTn id="18" fill="hold">
+                            <p:stCondLst>
+                              <p:cond delay="0"/>
+                            </p:stCondLst>
+                            <p:childTnLst>
+                              <p:par>
+                                <p:cTn id="19" presetID="1" presetClass="entr" presetSubtype="0" fill="hold" grpId="0" nodeType="clickEffect">
+                                  <p:stCondLst>
+                                    <p:cond delay="0"/>
+                                  </p:stCondLst>
+                                  <p:childTnLst>
+                                    <p:set>
+                                      <p:cBhvr>
+                                        <p:cTn id="20" dur="1" fill="hold">
+                                          <p:stCondLst>
+                                            <p:cond delay="0"/>
+                                          </p:stCondLst>
+                                        </p:cTn>
+                                        <p:tgtEl>
+                                          <p:spTgt spid="3">
+                                            <p:txEl>
+                                              <p:pRg st="4" end="4"/>
+                                            </p:txEl>
+                                          </p:spTgt>
+                                        </p:tgtEl>
+                                        <p:attrNameLst>
+                                          <p:attrName>style.visibility</p:attrName>
+                                        </p:attrNameLst>
+                                      </p:cBhvr>
+                                      <p:to>
+                                        <p:strVal val="visible"/>
+                                      </p:to>
+                                    </p:set>
+                                  </p:childTnLst>
+                                </p:cTn>
+                              </p:par>
+                              <p:par>
+                                <p:cTn id="21" presetID="1" presetClass="entr" presetSubtype="0" fill="hold" grpId="0" nodeType="withEffect">
+                                  <p:stCondLst>
+                                    <p:cond delay="0"/>
+                                  </p:stCondLst>
+                                  <p:childTnLst>
+                                    <p:set>
+                                      <p:cBhvr>
+                                        <p:cTn id="22" dur="1" fill="hold">
+                                          <p:stCondLst>
+                                            <p:cond delay="0"/>
+                                          </p:stCondLst>
+                                        </p:cTn>
+                                        <p:tgtEl>
+                                          <p:spTgt spid="6"/>
+                                        </p:tgtEl>
+                                        <p:attrNameLst>
+                                          <p:attrName>style.visibility</p:attrName>
+                                        </p:attrNameLst>
+                                      </p:cBhvr>
+                                      <p:to>
+                                        <p:strVal val="visible"/>
+                                      </p:to>
+                                    </p:set>
+                                  </p:childTnLst>
+                                </p:cTn>
+                              </p:par>
+                            </p:childTnLst>
+                          </p:cTn>
+                        </p:par>
+                      </p:childTnLst>
+                    </p:cTn>
+                  </p:par>
+                  <p:par>
+                    <p:cTn id="23" fill="hold">
+                      <p:stCondLst>
+                        <p:cond delay="indefinite"/>
+                      </p:stCondLst>
+                      <p:childTnLst>
+                        <p:par>
+                          <p:cTn id="24" fill="hold">
+                            <p:stCondLst>
+                              <p:cond delay="0"/>
+                            </p:stCondLst>
+                            <p:childTnLst>
+                              <p:par>
+                                <p:cTn id="25" presetID="1" presetClass="entr" presetSubtype="0" fill="hold" grpId="0" nodeType="clickEffect">
+                                  <p:stCondLst>
+                                    <p:cond delay="0"/>
+                                  </p:stCondLst>
+                                  <p:childTnLst>
+                                    <p:set>
+                                      <p:cBhvr>
+                                        <p:cTn id="26" dur="1" fill="hold">
+                                          <p:stCondLst>
+                                            <p:cond delay="0"/>
+                                          </p:stCondLst>
+                                        </p:cTn>
+                                        <p:tgtEl>
+                                          <p:spTgt spid="8"/>
+                                        </p:tgtEl>
+                                        <p:attrNameLst>
+                                          <p:attrName>style.visibility</p:attrName>
+                                        </p:attrNameLst>
+                                      </p:cBhvr>
+                                      <p:to>
+                                        <p:strVal val="visible"/>
+                                      </p:to>
+                                    </p:set>
+                                  </p:childTnLst>
+                                </p:cTn>
+                              </p:par>
+                            </p:childTnLst>
+                          </p:cTn>
+                        </p:par>
+                      </p:childTnLst>
+                    </p:cTn>
+                  </p:par>
+                </p:childTnLst>
+              </p:cTn>
+              <p:prevCondLst>
+                <p:cond evt="onPrev" delay="0">
+                  <p:tgtEl>
+                    <p:sldTgt/>
+                  </p:tgtEl>
+                </p:cond>
+              </p:prevCondLst>
+              <p:nextCondLst>
+                <p:cond evt="onNext" delay="0">
+                  <p:tgtEl>
+                    <p:sldTgt/>
+                  </p:tgtEl>
+                </p:cond>
+              </p:nextCondLst>
+            </p:seq>
+          </p:childTnLst>
+        </p:cTn>
+      </p:par>
+    </p:tnLst>
+    <p:bldLst>
+      <p:bldP spid="3" grpId="0" uiExpand="1" build="p"/>
+      <p:bldP spid="5" grpId="0" animBg="1"/>
+      <p:bldP spid="6" grpId="0" animBg="1"/>
+      <p:bldP spid="7" grpId="0" animBg="1"/>
+      <p:bldP spid="8" grpId="0" animBg="1"/>
+      <p:bldP spid="9" grpId="0" animBg="1"/>
+    </p:bldLst>
+  </p:timing>
 </p:sld>
 </file>
 
@@ -25601,7 +26820,7 @@
           <a:lstStyle/>
           <a:p>
             <a:r>
-              <a:rPr lang="en-US" dirty="0" smtClean="0"/>
+              <a:rPr lang="en-US" dirty="0"/>
               <a:t>Moore's law</a:t>
             </a:r>
             <a:endParaRPr lang="nl-BE" dirty="0"/>
@@ -25623,15 +26842,50 @@
           <a:bodyPr/>
           <a:lstStyle/>
           <a:p>
-            <a:endParaRPr lang="en-US" dirty="0"/>
-          </a:p>
-          <a:p>
-            <a:endParaRPr lang="en-US" dirty="0" smtClean="0"/>
-          </a:p>
-          <a:p>
-            <a:endParaRPr lang="en-US" dirty="0"/>
-          </a:p>
-          <a:p>
+            <a:r>
+              <a:rPr lang="en-US" dirty="0" smtClean="0"/>
+              <a:t>In the good, old days…</a:t>
+            </a:r>
+          </a:p>
+          <a:p>
+            <a:pPr lvl="1"/>
+            <a:r>
+              <a:rPr lang="en-US" dirty="0" smtClean="0"/>
+              <a:t>CPU clock frequency increased:</a:t>
+            </a:r>
+            <a:br>
+              <a:rPr lang="en-US" dirty="0" smtClean="0"/>
+            </a:br>
+            <a:r>
+              <a:rPr lang="en-US" dirty="0" smtClean="0"/>
+              <a:t>performance was free lunch</a:t>
+            </a:r>
+          </a:p>
+          <a:p>
+            <a:r>
+              <a:rPr lang="en-US" dirty="0" smtClean="0"/>
+              <a:t>Problems</a:t>
+            </a:r>
+          </a:p>
+          <a:p>
+            <a:pPr lvl="1"/>
+            <a:r>
+              <a:rPr lang="en-US" dirty="0" smtClean="0"/>
+              <a:t>Heat dissipation</a:t>
+            </a:r>
+          </a:p>
+          <a:p>
+            <a:pPr lvl="1"/>
+            <a:r>
+              <a:rPr lang="en-US" dirty="0" smtClean="0"/>
+              <a:t>Power efficiency</a:t>
+            </a:r>
+          </a:p>
+          <a:p>
+            <a:r>
+              <a:rPr lang="en-US" dirty="0" smtClean="0"/>
+              <a:t>However…</a:t>
+            </a:r>
             <a:endParaRPr lang="nl-BE" dirty="0"/>
           </a:p>
         </p:txBody>
@@ -25667,7 +26921,7 @@
         </p:nvSpPr>
         <p:spPr>
           <a:xfrm>
-            <a:off x="683568" y="1826821"/>
+            <a:off x="683568" y="5499229"/>
             <a:ext cx="7704856" cy="954107"/>
           </a:xfrm>
           <a:prstGeom prst="rect">
@@ -25703,20 +26957,1237 @@
           </a:p>
         </p:txBody>
       </p:sp>
+      <p:graphicFrame>
+        <p:nvGraphicFramePr>
+          <p:cNvPr id="6" name="Object 5"/>
+          <p:cNvGraphicFramePr>
+            <a:graphicFrameLocks noChangeAspect="1"/>
+          </p:cNvGraphicFramePr>
+          <p:nvPr>
+            <p:extLst>
+              <p:ext uri="{D42A27DB-BD31-4B8C-83A1-F6EECF244321}">
+                <p14:modId xmlns:p14="http://schemas.microsoft.com/office/powerpoint/2010/main" val="2892907508"/>
+              </p:ext>
+            </p:extLst>
+          </p:nvPr>
+        </p:nvGraphicFramePr>
+        <p:xfrm>
+          <a:off x="4716016" y="4005064"/>
+          <a:ext cx="2609850" cy="619125"/>
+        </p:xfrm>
+        <a:graphic>
+          <a:graphicData uri="http://schemas.openxmlformats.org/presentationml/2006/ole">
+            <mc:AlternateContent xmlns:mc="http://schemas.openxmlformats.org/markup-compatibility/2006">
+              <mc:Choice xmlns:v="urn:schemas-microsoft-com:vml" Requires="v">
+                <p:oleObj spid="_x0000_s3081" name="Equation" r:id="rId3" imgW="965160" imgH="228600" progId="Equation.3">
+                  <p:embed/>
+                </p:oleObj>
+              </mc:Choice>
+              <mc:Fallback>
+                <p:oleObj name="Equation" r:id="rId3" imgW="965160" imgH="228600" progId="Equation.3">
+                  <p:embed/>
+                  <p:pic>
+                    <p:nvPicPr>
+                      <p:cNvPr id="0" name=""/>
+                      <p:cNvPicPr/>
+                      <p:nvPr/>
+                    </p:nvPicPr>
+                    <p:blipFill>
+                      <a:blip r:embed="rId4"/>
+                      <a:stretch>
+                        <a:fillRect/>
+                      </a:stretch>
+                    </p:blipFill>
+                    <p:spPr>
+                      <a:xfrm>
+                        <a:off x="4716016" y="4005064"/>
+                        <a:ext cx="2609850" cy="619125"/>
+                      </a:xfrm>
+                      <a:prstGeom prst="rect">
+                        <a:avLst/>
+                      </a:prstGeom>
+                      <a:ln>
+                        <a:solidFill>
+                          <a:schemeClr val="tx1"/>
+                        </a:solidFill>
+                      </a:ln>
+                    </p:spPr>
+                  </p:pic>
+                </p:oleObj>
+              </mc:Fallback>
+            </mc:AlternateContent>
+          </a:graphicData>
+        </a:graphic>
+      </p:graphicFrame>
     </p:spTree>
     <p:extLst>
       <p:ext uri="{BB962C8B-B14F-4D97-AF65-F5344CB8AC3E}">
-        <p14:creationId xmlns:p14="http://schemas.microsoft.com/office/powerpoint/2010/main" val="140208366"/>
+        <p14:creationId xmlns:p14="http://schemas.microsoft.com/office/powerpoint/2010/main" val="3338152140"/>
       </p:ext>
     </p:extLst>
   </p:cSld>
   <p:clrMapOvr>
     <a:masterClrMapping/>
   </p:clrMapOvr>
+  <p:timing>
+    <p:tnLst>
+      <p:par>
+        <p:cTn id="1" dur="indefinite" restart="never" nodeType="tmRoot">
+          <p:childTnLst>
+            <p:seq concurrent="1" nextAc="seek">
+              <p:cTn id="2" dur="indefinite" nodeType="mainSeq">
+                <p:childTnLst>
+                  <p:par>
+                    <p:cTn id="3" fill="hold">
+                      <p:stCondLst>
+                        <p:cond delay="indefinite"/>
+                        <p:cond evt="onBegin" delay="0">
+                          <p:tn val="2"/>
+                        </p:cond>
+                      </p:stCondLst>
+                      <p:childTnLst>
+                        <p:par>
+                          <p:cTn id="4" fill="hold">
+                            <p:stCondLst>
+                              <p:cond delay="0"/>
+                            </p:stCondLst>
+                            <p:childTnLst>
+                              <p:par>
+                                <p:cTn id="5" presetID="1" presetClass="entr" presetSubtype="0" fill="hold" grpId="0" nodeType="withEffect">
+                                  <p:stCondLst>
+                                    <p:cond delay="0"/>
+                                  </p:stCondLst>
+                                  <p:childTnLst>
+                                    <p:set>
+                                      <p:cBhvr>
+                                        <p:cTn id="6" dur="1" fill="hold">
+                                          <p:stCondLst>
+                                            <p:cond delay="0"/>
+                                          </p:stCondLst>
+                                        </p:cTn>
+                                        <p:tgtEl>
+                                          <p:spTgt spid="3">
+                                            <p:txEl>
+                                              <p:pRg st="0" end="0"/>
+                                            </p:txEl>
+                                          </p:spTgt>
+                                        </p:tgtEl>
+                                        <p:attrNameLst>
+                                          <p:attrName>style.visibility</p:attrName>
+                                        </p:attrNameLst>
+                                      </p:cBhvr>
+                                      <p:to>
+                                        <p:strVal val="visible"/>
+                                      </p:to>
+                                    </p:set>
+                                  </p:childTnLst>
+                                </p:cTn>
+                              </p:par>
+                              <p:par>
+                                <p:cTn id="7" presetID="1" presetClass="entr" presetSubtype="0" fill="hold" grpId="0" nodeType="withEffect">
+                                  <p:stCondLst>
+                                    <p:cond delay="0"/>
+                                  </p:stCondLst>
+                                  <p:childTnLst>
+                                    <p:set>
+                                      <p:cBhvr>
+                                        <p:cTn id="8" dur="1" fill="hold">
+                                          <p:stCondLst>
+                                            <p:cond delay="0"/>
+                                          </p:stCondLst>
+                                        </p:cTn>
+                                        <p:tgtEl>
+                                          <p:spTgt spid="3">
+                                            <p:txEl>
+                                              <p:pRg st="1" end="1"/>
+                                            </p:txEl>
+                                          </p:spTgt>
+                                        </p:tgtEl>
+                                        <p:attrNameLst>
+                                          <p:attrName>style.visibility</p:attrName>
+                                        </p:attrNameLst>
+                                      </p:cBhvr>
+                                      <p:to>
+                                        <p:strVal val="visible"/>
+                                      </p:to>
+                                    </p:set>
+                                  </p:childTnLst>
+                                </p:cTn>
+                              </p:par>
+                            </p:childTnLst>
+                          </p:cTn>
+                        </p:par>
+                      </p:childTnLst>
+                    </p:cTn>
+                  </p:par>
+                  <p:par>
+                    <p:cTn id="9" fill="hold">
+                      <p:stCondLst>
+                        <p:cond delay="indefinite"/>
+                      </p:stCondLst>
+                      <p:childTnLst>
+                        <p:par>
+                          <p:cTn id="10" fill="hold">
+                            <p:stCondLst>
+                              <p:cond delay="0"/>
+                            </p:stCondLst>
+                            <p:childTnLst>
+                              <p:par>
+                                <p:cTn id="11" presetID="1" presetClass="entr" presetSubtype="0" fill="hold" grpId="0" nodeType="clickEffect">
+                                  <p:stCondLst>
+                                    <p:cond delay="0"/>
+                                  </p:stCondLst>
+                                  <p:childTnLst>
+                                    <p:set>
+                                      <p:cBhvr>
+                                        <p:cTn id="12" dur="1" fill="hold">
+                                          <p:stCondLst>
+                                            <p:cond delay="0"/>
+                                          </p:stCondLst>
+                                        </p:cTn>
+                                        <p:tgtEl>
+                                          <p:spTgt spid="3">
+                                            <p:txEl>
+                                              <p:pRg st="2" end="2"/>
+                                            </p:txEl>
+                                          </p:spTgt>
+                                        </p:tgtEl>
+                                        <p:attrNameLst>
+                                          <p:attrName>style.visibility</p:attrName>
+                                        </p:attrNameLst>
+                                      </p:cBhvr>
+                                      <p:to>
+                                        <p:strVal val="visible"/>
+                                      </p:to>
+                                    </p:set>
+                                  </p:childTnLst>
+                                </p:cTn>
+                              </p:par>
+                              <p:par>
+                                <p:cTn id="13" presetID="1" presetClass="entr" presetSubtype="0" fill="hold" grpId="0" nodeType="withEffect">
+                                  <p:stCondLst>
+                                    <p:cond delay="0"/>
+                                  </p:stCondLst>
+                                  <p:childTnLst>
+                                    <p:set>
+                                      <p:cBhvr>
+                                        <p:cTn id="14" dur="1" fill="hold">
+                                          <p:stCondLst>
+                                            <p:cond delay="0"/>
+                                          </p:stCondLst>
+                                        </p:cTn>
+                                        <p:tgtEl>
+                                          <p:spTgt spid="3">
+                                            <p:txEl>
+                                              <p:pRg st="3" end="3"/>
+                                            </p:txEl>
+                                          </p:spTgt>
+                                        </p:tgtEl>
+                                        <p:attrNameLst>
+                                          <p:attrName>style.visibility</p:attrName>
+                                        </p:attrNameLst>
+                                      </p:cBhvr>
+                                      <p:to>
+                                        <p:strVal val="visible"/>
+                                      </p:to>
+                                    </p:set>
+                                  </p:childTnLst>
+                                </p:cTn>
+                              </p:par>
+                              <p:par>
+                                <p:cTn id="15" presetID="1" presetClass="entr" presetSubtype="0" fill="hold" grpId="0" nodeType="withEffect">
+                                  <p:stCondLst>
+                                    <p:cond delay="0"/>
+                                  </p:stCondLst>
+                                  <p:childTnLst>
+                                    <p:set>
+                                      <p:cBhvr>
+                                        <p:cTn id="16" dur="1" fill="hold">
+                                          <p:stCondLst>
+                                            <p:cond delay="0"/>
+                                          </p:stCondLst>
+                                        </p:cTn>
+                                        <p:tgtEl>
+                                          <p:spTgt spid="3">
+                                            <p:txEl>
+                                              <p:pRg st="4" end="4"/>
+                                            </p:txEl>
+                                          </p:spTgt>
+                                        </p:tgtEl>
+                                        <p:attrNameLst>
+                                          <p:attrName>style.visibility</p:attrName>
+                                        </p:attrNameLst>
+                                      </p:cBhvr>
+                                      <p:to>
+                                        <p:strVal val="visible"/>
+                                      </p:to>
+                                    </p:set>
+                                  </p:childTnLst>
+                                </p:cTn>
+                              </p:par>
+                            </p:childTnLst>
+                          </p:cTn>
+                        </p:par>
+                      </p:childTnLst>
+                    </p:cTn>
+                  </p:par>
+                  <p:par>
+                    <p:cTn id="17" fill="hold">
+                      <p:stCondLst>
+                        <p:cond delay="indefinite"/>
+                      </p:stCondLst>
+                      <p:childTnLst>
+                        <p:par>
+                          <p:cTn id="18" fill="hold">
+                            <p:stCondLst>
+                              <p:cond delay="0"/>
+                            </p:stCondLst>
+                            <p:childTnLst>
+                              <p:par>
+                                <p:cTn id="19" presetID="1" presetClass="entr" presetSubtype="0" fill="hold" nodeType="clickEffect">
+                                  <p:stCondLst>
+                                    <p:cond delay="0"/>
+                                  </p:stCondLst>
+                                  <p:childTnLst>
+                                    <p:set>
+                                      <p:cBhvr>
+                                        <p:cTn id="20" dur="1" fill="hold">
+                                          <p:stCondLst>
+                                            <p:cond delay="0"/>
+                                          </p:stCondLst>
+                                        </p:cTn>
+                                        <p:tgtEl>
+                                          <p:spTgt spid="6"/>
+                                        </p:tgtEl>
+                                        <p:attrNameLst>
+                                          <p:attrName>style.visibility</p:attrName>
+                                        </p:attrNameLst>
+                                      </p:cBhvr>
+                                      <p:to>
+                                        <p:strVal val="visible"/>
+                                      </p:to>
+                                    </p:set>
+                                  </p:childTnLst>
+                                </p:cTn>
+                              </p:par>
+                            </p:childTnLst>
+                          </p:cTn>
+                        </p:par>
+                      </p:childTnLst>
+                    </p:cTn>
+                  </p:par>
+                  <p:par>
+                    <p:cTn id="21" fill="hold">
+                      <p:stCondLst>
+                        <p:cond delay="indefinite"/>
+                      </p:stCondLst>
+                      <p:childTnLst>
+                        <p:par>
+                          <p:cTn id="22" fill="hold">
+                            <p:stCondLst>
+                              <p:cond delay="0"/>
+                            </p:stCondLst>
+                            <p:childTnLst>
+                              <p:par>
+                                <p:cTn id="23" presetID="1" presetClass="entr" presetSubtype="0" fill="hold" grpId="0" nodeType="clickEffect">
+                                  <p:stCondLst>
+                                    <p:cond delay="0"/>
+                                  </p:stCondLst>
+                                  <p:childTnLst>
+                                    <p:set>
+                                      <p:cBhvr>
+                                        <p:cTn id="24" dur="1" fill="hold">
+                                          <p:stCondLst>
+                                            <p:cond delay="0"/>
+                                          </p:stCondLst>
+                                        </p:cTn>
+                                        <p:tgtEl>
+                                          <p:spTgt spid="3">
+                                            <p:txEl>
+                                              <p:pRg st="5" end="5"/>
+                                            </p:txEl>
+                                          </p:spTgt>
+                                        </p:tgtEl>
+                                        <p:attrNameLst>
+                                          <p:attrName>style.visibility</p:attrName>
+                                        </p:attrNameLst>
+                                      </p:cBhvr>
+                                      <p:to>
+                                        <p:strVal val="visible"/>
+                                      </p:to>
+                                    </p:set>
+                                  </p:childTnLst>
+                                </p:cTn>
+                              </p:par>
+                              <p:par>
+                                <p:cTn id="25" presetID="1" presetClass="entr" presetSubtype="0" fill="hold" grpId="0" nodeType="withEffect">
+                                  <p:stCondLst>
+                                    <p:cond delay="0"/>
+                                  </p:stCondLst>
+                                  <p:childTnLst>
+                                    <p:set>
+                                      <p:cBhvr>
+                                        <p:cTn id="26" dur="1" fill="hold">
+                                          <p:stCondLst>
+                                            <p:cond delay="0"/>
+                                          </p:stCondLst>
+                                        </p:cTn>
+                                        <p:tgtEl>
+                                          <p:spTgt spid="5"/>
+                                        </p:tgtEl>
+                                        <p:attrNameLst>
+                                          <p:attrName>style.visibility</p:attrName>
+                                        </p:attrNameLst>
+                                      </p:cBhvr>
+                                      <p:to>
+                                        <p:strVal val="visible"/>
+                                      </p:to>
+                                    </p:set>
+                                  </p:childTnLst>
+                                </p:cTn>
+                              </p:par>
+                            </p:childTnLst>
+                          </p:cTn>
+                        </p:par>
+                      </p:childTnLst>
+                    </p:cTn>
+                  </p:par>
+                </p:childTnLst>
+              </p:cTn>
+              <p:prevCondLst>
+                <p:cond evt="onPrev" delay="0">
+                  <p:tgtEl>
+                    <p:sldTgt/>
+                  </p:tgtEl>
+                </p:cond>
+              </p:prevCondLst>
+              <p:nextCondLst>
+                <p:cond evt="onNext" delay="0">
+                  <p:tgtEl>
+                    <p:sldTgt/>
+                  </p:tgtEl>
+                </p:cond>
+              </p:nextCondLst>
+            </p:seq>
+          </p:childTnLst>
+        </p:cTn>
+      </p:par>
+    </p:tnLst>
+    <p:bldLst>
+      <p:bldP spid="3" grpId="0" uiExpand="1" build="p"/>
+      <p:bldP spid="5" grpId="0" animBg="1"/>
+    </p:bldLst>
+  </p:timing>
 </p:sld>
 </file>
 
 <file path=ppt/slides/slide30.xml><?xml version="1.0" encoding="utf-8"?>
+<p:sld xmlns:a="http://schemas.openxmlformats.org/drawingml/2006/main" xmlns:r="http://schemas.openxmlformats.org/officeDocument/2006/relationships" xmlns:p="http://schemas.openxmlformats.org/presentationml/2006/main">
+  <p:cSld>
+    <p:spTree>
+      <p:nvGrpSpPr>
+        <p:cNvPr id="1" name=""/>
+        <p:cNvGrpSpPr/>
+        <p:nvPr/>
+      </p:nvGrpSpPr>
+      <p:grpSpPr>
+        <a:xfrm>
+          <a:off x="0" y="0"/>
+          <a:ext cx="0" cy="0"/>
+          <a:chOff x="0" y="0"/>
+          <a:chExt cx="0" cy="0"/>
+        </a:xfrm>
+      </p:grpSpPr>
+      <p:sp>
+        <p:nvSpPr>
+          <p:cNvPr id="2" name="Title 1"/>
+          <p:cNvSpPr>
+            <a:spLocks noGrp="1"/>
+          </p:cNvSpPr>
+          <p:nvPr>
+            <p:ph type="title"/>
+          </p:nvPr>
+        </p:nvSpPr>
+        <p:spPr/>
+        <p:txBody>
+          <a:bodyPr/>
+          <a:lstStyle/>
+          <a:p>
+            <a:r>
+              <a:rPr lang="en-US" dirty="0" smtClean="0"/>
+              <a:t>Compiler flags &amp; directives</a:t>
+            </a:r>
+            <a:endParaRPr lang="nl-BE" dirty="0"/>
+          </a:p>
+        </p:txBody>
+      </p:sp>
+      <p:sp>
+        <p:nvSpPr>
+          <p:cNvPr id="3" name="Content Placeholder 2"/>
+          <p:cNvSpPr>
+            <a:spLocks noGrp="1"/>
+          </p:cNvSpPr>
+          <p:nvPr>
+            <p:ph idx="1"/>
+          </p:nvPr>
+        </p:nvSpPr>
+        <p:spPr/>
+        <p:txBody>
+          <a:bodyPr>
+            <a:normAutofit fontScale="92500" lnSpcReduction="20000"/>
+          </a:bodyPr>
+          <a:lstStyle/>
+          <a:p>
+            <a:r>
+              <a:rPr lang="en-US" dirty="0" smtClean="0"/>
+              <a:t>GCC compiler family</a:t>
+            </a:r>
+          </a:p>
+          <a:p>
+            <a:pPr lvl="1"/>
+            <a:r>
+              <a:rPr lang="en-US" dirty="0" err="1" smtClean="0">
+                <a:latin typeface="Courier New" panose="02070309020205020404" pitchFamily="49" charset="0"/>
+                <a:cs typeface="Courier New" panose="02070309020205020404" pitchFamily="49" charset="0"/>
+              </a:rPr>
+              <a:t>gcc</a:t>
+            </a:r>
+            <a:r>
+              <a:rPr lang="en-US" dirty="0" smtClean="0">
+                <a:latin typeface="Courier New" panose="02070309020205020404" pitchFamily="49" charset="0"/>
+                <a:cs typeface="Courier New" panose="02070309020205020404" pitchFamily="49" charset="0"/>
+              </a:rPr>
+              <a:t> </a:t>
+            </a:r>
+            <a:r>
+              <a:rPr lang="en-US" dirty="0">
+                <a:latin typeface="Courier New" panose="02070309020205020404" pitchFamily="49" charset="0"/>
+                <a:cs typeface="Courier New" panose="02070309020205020404" pitchFamily="49" charset="0"/>
+              </a:rPr>
+              <a:t>–march=corei7-avx </a:t>
+            </a:r>
+            <a:r>
+              <a:rPr lang="en-US" dirty="0" smtClean="0">
+                <a:latin typeface="Courier New" panose="02070309020205020404" pitchFamily="49" charset="0"/>
+                <a:cs typeface="Courier New" panose="02070309020205020404" pitchFamily="49" charset="0"/>
+              </a:rPr>
+              <a:t>–O3 …</a:t>
+            </a:r>
+            <a:endParaRPr lang="en-US" dirty="0">
+              <a:latin typeface="Courier New" panose="02070309020205020404" pitchFamily="49" charset="0"/>
+              <a:cs typeface="Courier New" panose="02070309020205020404" pitchFamily="49" charset="0"/>
+            </a:endParaRPr>
+          </a:p>
+          <a:p>
+            <a:pPr lvl="1"/>
+            <a:r>
+              <a:rPr lang="en-US" dirty="0" err="1">
+                <a:latin typeface="Courier New" panose="02070309020205020404" pitchFamily="49" charset="0"/>
+                <a:cs typeface="Courier New" panose="02070309020205020404" pitchFamily="49" charset="0"/>
+              </a:rPr>
+              <a:t>g</a:t>
+            </a:r>
+            <a:r>
+              <a:rPr lang="en-US" dirty="0" err="1" smtClean="0">
+                <a:latin typeface="Courier New" panose="02070309020205020404" pitchFamily="49" charset="0"/>
+                <a:cs typeface="Courier New" panose="02070309020205020404" pitchFamily="49" charset="0"/>
+              </a:rPr>
+              <a:t>cc</a:t>
+            </a:r>
+            <a:r>
+              <a:rPr lang="en-US" dirty="0" smtClean="0">
+                <a:latin typeface="Courier New" panose="02070309020205020404" pitchFamily="49" charset="0"/>
+                <a:cs typeface="Courier New" panose="02070309020205020404" pitchFamily="49" charset="0"/>
+              </a:rPr>
+              <a:t> –</a:t>
+            </a:r>
+            <a:r>
+              <a:rPr lang="en-US" dirty="0" err="1" smtClean="0">
+                <a:latin typeface="Courier New" panose="02070309020205020404" pitchFamily="49" charset="0"/>
+                <a:cs typeface="Courier New" panose="02070309020205020404" pitchFamily="49" charset="0"/>
+              </a:rPr>
+              <a:t>ftree-vectorize</a:t>
+            </a:r>
+            <a:r>
+              <a:rPr lang="en-US" dirty="0" smtClean="0">
+                <a:latin typeface="Courier New" panose="02070309020205020404" pitchFamily="49" charset="0"/>
+                <a:cs typeface="Courier New" panose="02070309020205020404" pitchFamily="49" charset="0"/>
+              </a:rPr>
+              <a:t> \</a:t>
+            </a:r>
+            <a:br>
+              <a:rPr lang="en-US" dirty="0" smtClean="0">
+                <a:latin typeface="Courier New" panose="02070309020205020404" pitchFamily="49" charset="0"/>
+                <a:cs typeface="Courier New" panose="02070309020205020404" pitchFamily="49" charset="0"/>
+              </a:rPr>
+            </a:br>
+            <a:r>
+              <a:rPr lang="en-US" dirty="0" smtClean="0">
+                <a:latin typeface="Courier New" panose="02070309020205020404" pitchFamily="49" charset="0"/>
+                <a:cs typeface="Courier New" panose="02070309020205020404" pitchFamily="49" charset="0"/>
+              </a:rPr>
+              <a:t>    –march=corei7-avx –O2 …</a:t>
+            </a:r>
+          </a:p>
+          <a:p>
+            <a:pPr lvl="1"/>
+            <a:r>
+              <a:rPr lang="en-US" dirty="0" smtClean="0">
+                <a:cs typeface="Courier New" panose="02070309020205020404" pitchFamily="49" charset="0"/>
+              </a:rPr>
+              <a:t>for feedback, use</a:t>
+            </a:r>
+            <a:br>
+              <a:rPr lang="en-US" dirty="0" smtClean="0">
+                <a:cs typeface="Courier New" panose="02070309020205020404" pitchFamily="49" charset="0"/>
+              </a:rPr>
+            </a:br>
+            <a:r>
+              <a:rPr lang="en-US" dirty="0" smtClean="0">
+                <a:cs typeface="Courier New" panose="02070309020205020404" pitchFamily="49" charset="0"/>
+              </a:rPr>
+              <a:t>  </a:t>
+            </a:r>
+            <a:r>
+              <a:rPr lang="nl-BE" dirty="0">
+                <a:latin typeface="Courier New" panose="02070309020205020404" pitchFamily="49" charset="0"/>
+                <a:cs typeface="Courier New" panose="02070309020205020404" pitchFamily="49" charset="0"/>
+              </a:rPr>
+              <a:t>-</a:t>
+            </a:r>
+            <a:r>
+              <a:rPr lang="nl-BE" dirty="0" err="1">
+                <a:latin typeface="Courier New" panose="02070309020205020404" pitchFamily="49" charset="0"/>
+                <a:cs typeface="Courier New" panose="02070309020205020404" pitchFamily="49" charset="0"/>
+              </a:rPr>
+              <a:t>ftree-vectorizer-verbose</a:t>
+            </a:r>
+            <a:r>
+              <a:rPr lang="nl-BE" dirty="0">
+                <a:latin typeface="Courier New" panose="02070309020205020404" pitchFamily="49" charset="0"/>
+                <a:cs typeface="Courier New" panose="02070309020205020404" pitchFamily="49" charset="0"/>
+              </a:rPr>
+              <a:t>=2</a:t>
+            </a:r>
+            <a:endParaRPr lang="en-US" dirty="0" smtClean="0">
+              <a:latin typeface="Courier New" panose="02070309020205020404" pitchFamily="49" charset="0"/>
+              <a:cs typeface="Courier New" panose="02070309020205020404" pitchFamily="49" charset="0"/>
+            </a:endParaRPr>
+          </a:p>
+          <a:p>
+            <a:r>
+              <a:rPr lang="en-US" dirty="0" smtClean="0"/>
+              <a:t>Intel compiler family</a:t>
+            </a:r>
+          </a:p>
+          <a:p>
+            <a:pPr lvl="1"/>
+            <a:r>
+              <a:rPr lang="en-US" dirty="0" err="1" smtClean="0">
+                <a:latin typeface="Courier New" panose="02070309020205020404" pitchFamily="49" charset="0"/>
+                <a:cs typeface="Courier New" panose="02070309020205020404" pitchFamily="49" charset="0"/>
+              </a:rPr>
+              <a:t>icc</a:t>
+            </a:r>
+            <a:r>
+              <a:rPr lang="en-US" dirty="0" smtClean="0">
+                <a:latin typeface="Courier New" panose="02070309020205020404" pitchFamily="49" charset="0"/>
+                <a:cs typeface="Courier New" panose="02070309020205020404" pitchFamily="49" charset="0"/>
+              </a:rPr>
+              <a:t> –</a:t>
+            </a:r>
+            <a:r>
+              <a:rPr lang="en-US" dirty="0" err="1" smtClean="0">
+                <a:latin typeface="Courier New" panose="02070309020205020404" pitchFamily="49" charset="0"/>
+                <a:cs typeface="Courier New" panose="02070309020205020404" pitchFamily="49" charset="0"/>
+              </a:rPr>
+              <a:t>xHost</a:t>
+            </a:r>
+            <a:r>
+              <a:rPr lang="en-US" dirty="0" smtClean="0">
+                <a:latin typeface="Courier New" panose="02070309020205020404" pitchFamily="49" charset="0"/>
+                <a:cs typeface="Courier New" panose="02070309020205020404" pitchFamily="49" charset="0"/>
+              </a:rPr>
+              <a:t> –O2 …</a:t>
+            </a:r>
+          </a:p>
+          <a:p>
+            <a:pPr lvl="1"/>
+            <a:r>
+              <a:rPr lang="en-US" dirty="0" smtClean="0"/>
+              <a:t>for feedback, use</a:t>
+            </a:r>
+            <a:br>
+              <a:rPr lang="en-US" dirty="0" smtClean="0"/>
+            </a:br>
+            <a:r>
+              <a:rPr lang="en-US" dirty="0" smtClean="0">
+                <a:latin typeface="Courier New" panose="02070309020205020404" pitchFamily="49" charset="0"/>
+                <a:cs typeface="Courier New" panose="02070309020205020404" pitchFamily="49" charset="0"/>
+              </a:rPr>
+              <a:t>  -</a:t>
+            </a:r>
+            <a:r>
+              <a:rPr lang="en-US" dirty="0" err="1" smtClean="0">
+                <a:latin typeface="Courier New" panose="02070309020205020404" pitchFamily="49" charset="0"/>
+                <a:cs typeface="Courier New" panose="02070309020205020404" pitchFamily="49" charset="0"/>
+              </a:rPr>
+              <a:t>qopt</a:t>
+            </a:r>
+            <a:r>
+              <a:rPr lang="en-US" dirty="0" smtClean="0">
+                <a:latin typeface="Courier New" panose="02070309020205020404" pitchFamily="49" charset="0"/>
+                <a:cs typeface="Courier New" panose="02070309020205020404" pitchFamily="49" charset="0"/>
+              </a:rPr>
+              <a:t>-report-phase=</a:t>
+            </a:r>
+            <a:r>
+              <a:rPr lang="en-US" dirty="0" err="1" smtClean="0">
+                <a:latin typeface="Courier New" panose="02070309020205020404" pitchFamily="49" charset="0"/>
+                <a:cs typeface="Courier New" panose="02070309020205020404" pitchFamily="49" charset="0"/>
+              </a:rPr>
+              <a:t>vec</a:t>
+            </a:r>
+            <a:r>
+              <a:rPr lang="en-US" dirty="0" smtClean="0">
+                <a:latin typeface="Courier New" panose="02070309020205020404" pitchFamily="49" charset="0"/>
+                <a:cs typeface="Courier New" panose="02070309020205020404" pitchFamily="49" charset="0"/>
+              </a:rPr>
+              <a:t> \</a:t>
+            </a:r>
+            <a:br>
+              <a:rPr lang="en-US" dirty="0" smtClean="0">
+                <a:latin typeface="Courier New" panose="02070309020205020404" pitchFamily="49" charset="0"/>
+                <a:cs typeface="Courier New" panose="02070309020205020404" pitchFamily="49" charset="0"/>
+              </a:rPr>
+            </a:br>
+            <a:r>
+              <a:rPr lang="en-US" dirty="0" smtClean="0">
+                <a:latin typeface="Courier New" panose="02070309020205020404" pitchFamily="49" charset="0"/>
+                <a:cs typeface="Courier New" panose="02070309020205020404" pitchFamily="49" charset="0"/>
+              </a:rPr>
+              <a:t>  -</a:t>
+            </a:r>
+            <a:r>
+              <a:rPr lang="en-US" dirty="0" err="1">
+                <a:latin typeface="Courier New" panose="02070309020205020404" pitchFamily="49" charset="0"/>
+                <a:cs typeface="Courier New" panose="02070309020205020404" pitchFamily="49" charset="0"/>
+              </a:rPr>
+              <a:t>qopt</a:t>
+            </a:r>
+            <a:r>
+              <a:rPr lang="en-US" dirty="0">
+                <a:latin typeface="Courier New" panose="02070309020205020404" pitchFamily="49" charset="0"/>
+                <a:cs typeface="Courier New" panose="02070309020205020404" pitchFamily="49" charset="0"/>
+              </a:rPr>
+              <a:t>-report=3</a:t>
+            </a:r>
+            <a:endParaRPr lang="nl-BE" dirty="0">
+              <a:latin typeface="Courier New" panose="02070309020205020404" pitchFamily="49" charset="0"/>
+              <a:cs typeface="Courier New" panose="02070309020205020404" pitchFamily="49" charset="0"/>
+            </a:endParaRPr>
+          </a:p>
+        </p:txBody>
+      </p:sp>
+      <p:sp>
+        <p:nvSpPr>
+          <p:cNvPr id="4" name="Slide Number Placeholder 3"/>
+          <p:cNvSpPr>
+            <a:spLocks noGrp="1"/>
+          </p:cNvSpPr>
+          <p:nvPr>
+            <p:ph type="sldNum" sz="quarter" idx="12"/>
+          </p:nvPr>
+        </p:nvSpPr>
+        <p:spPr/>
+        <p:txBody>
+          <a:bodyPr/>
+          <a:lstStyle/>
+          <a:p>
+            <a:fld id="{6597116C-F94B-4B5B-973A-17F07FB5C418}" type="slidenum">
+              <a:rPr lang="nl-BE" smtClean="0"/>
+              <a:t>30</a:t>
+            </a:fld>
+            <a:endParaRPr lang="nl-BE"/>
+          </a:p>
+        </p:txBody>
+      </p:sp>
+      <p:sp>
+        <p:nvSpPr>
+          <p:cNvPr id="6" name="TextBox 5"/>
+          <p:cNvSpPr txBox="1"/>
+          <p:nvPr/>
+        </p:nvSpPr>
+        <p:spPr>
+          <a:xfrm>
+            <a:off x="395536" y="5949280"/>
+            <a:ext cx="6727547" cy="461665"/>
+          </a:xfrm>
+          <a:prstGeom prst="rect">
+            <a:avLst/>
+          </a:prstGeom>
+          <a:noFill/>
+          <a:ln>
+            <a:solidFill>
+              <a:schemeClr val="tx1"/>
+            </a:solidFill>
+          </a:ln>
+        </p:spPr>
+        <p:txBody>
+          <a:bodyPr wrap="none" rtlCol="0">
+            <a:spAutoFit/>
+          </a:bodyPr>
+          <a:lstStyle/>
+          <a:p>
+            <a:r>
+              <a:rPr lang="en-US" sz="2400" dirty="0" smtClean="0"/>
+              <a:t>Help compiler using, e.g., </a:t>
+            </a:r>
+            <a:r>
+              <a:rPr lang="en-US" sz="2400" dirty="0" smtClean="0">
+                <a:latin typeface="Courier New" panose="02070309020205020404" pitchFamily="49" charset="0"/>
+                <a:cs typeface="Courier New" panose="02070309020205020404" pitchFamily="49" charset="0"/>
+              </a:rPr>
+              <a:t>#pragma </a:t>
+            </a:r>
+            <a:r>
+              <a:rPr lang="en-US" sz="2400" dirty="0" err="1" smtClean="0">
+                <a:latin typeface="Courier New" panose="02070309020205020404" pitchFamily="49" charset="0"/>
+                <a:cs typeface="Courier New" panose="02070309020205020404" pitchFamily="49" charset="0"/>
+              </a:rPr>
+              <a:t>omp</a:t>
+            </a:r>
+            <a:r>
+              <a:rPr lang="en-US" sz="2400" dirty="0" smtClean="0">
+                <a:latin typeface="Courier New" panose="02070309020205020404" pitchFamily="49" charset="0"/>
+                <a:cs typeface="Courier New" panose="02070309020205020404" pitchFamily="49" charset="0"/>
+              </a:rPr>
+              <a:t> </a:t>
+            </a:r>
+            <a:r>
+              <a:rPr lang="en-US" sz="2400" dirty="0" err="1" smtClean="0">
+                <a:latin typeface="Courier New" panose="02070309020205020404" pitchFamily="49" charset="0"/>
+                <a:cs typeface="Courier New" panose="02070309020205020404" pitchFamily="49" charset="0"/>
+              </a:rPr>
+              <a:t>simd</a:t>
+            </a:r>
+            <a:r>
+              <a:rPr lang="en-US" sz="2400" dirty="0" smtClean="0">
+                <a:latin typeface="Courier New" panose="02070309020205020404" pitchFamily="49" charset="0"/>
+                <a:cs typeface="Courier New" panose="02070309020205020404" pitchFamily="49" charset="0"/>
+              </a:rPr>
+              <a:t> …</a:t>
+            </a:r>
+            <a:endParaRPr lang="nl-BE" sz="2400" dirty="0">
+              <a:latin typeface="Courier New" panose="02070309020205020404" pitchFamily="49" charset="0"/>
+              <a:cs typeface="Courier New" panose="02070309020205020404" pitchFamily="49" charset="0"/>
+            </a:endParaRPr>
+          </a:p>
+        </p:txBody>
+      </p:sp>
+    </p:spTree>
+    <p:extLst>
+      <p:ext uri="{BB962C8B-B14F-4D97-AF65-F5344CB8AC3E}">
+        <p14:creationId xmlns:p14="http://schemas.microsoft.com/office/powerpoint/2010/main" val="1878102497"/>
+      </p:ext>
+    </p:extLst>
+  </p:cSld>
+  <p:clrMapOvr>
+    <a:masterClrMapping/>
+  </p:clrMapOvr>
+  <p:timing>
+    <p:tnLst>
+      <p:par>
+        <p:cTn id="1" dur="indefinite" restart="never" nodeType="tmRoot">
+          <p:childTnLst>
+            <p:seq concurrent="1" nextAc="seek">
+              <p:cTn id="2" dur="indefinite" nodeType="mainSeq">
+                <p:childTnLst>
+                  <p:par>
+                    <p:cTn id="3" fill="hold">
+                      <p:stCondLst>
+                        <p:cond delay="indefinite"/>
+                        <p:cond evt="onBegin" delay="0">
+                          <p:tn val="2"/>
+                        </p:cond>
+                      </p:stCondLst>
+                      <p:childTnLst>
+                        <p:par>
+                          <p:cTn id="4" fill="hold">
+                            <p:stCondLst>
+                              <p:cond delay="0"/>
+                            </p:stCondLst>
+                            <p:childTnLst>
+                              <p:par>
+                                <p:cTn id="5" presetID="1" presetClass="entr" presetSubtype="0" fill="hold" grpId="0" nodeType="withEffect">
+                                  <p:stCondLst>
+                                    <p:cond delay="0"/>
+                                  </p:stCondLst>
+                                  <p:childTnLst>
+                                    <p:set>
+                                      <p:cBhvr>
+                                        <p:cTn id="6" dur="1" fill="hold">
+                                          <p:stCondLst>
+                                            <p:cond delay="0"/>
+                                          </p:stCondLst>
+                                        </p:cTn>
+                                        <p:tgtEl>
+                                          <p:spTgt spid="3">
+                                            <p:txEl>
+                                              <p:pRg st="0" end="0"/>
+                                            </p:txEl>
+                                          </p:spTgt>
+                                        </p:tgtEl>
+                                        <p:attrNameLst>
+                                          <p:attrName>style.visibility</p:attrName>
+                                        </p:attrNameLst>
+                                      </p:cBhvr>
+                                      <p:to>
+                                        <p:strVal val="visible"/>
+                                      </p:to>
+                                    </p:set>
+                                  </p:childTnLst>
+                                </p:cTn>
+                              </p:par>
+                              <p:par>
+                                <p:cTn id="7" presetID="1" presetClass="entr" presetSubtype="0" fill="hold" grpId="0" nodeType="withEffect">
+                                  <p:stCondLst>
+                                    <p:cond delay="0"/>
+                                  </p:stCondLst>
+                                  <p:childTnLst>
+                                    <p:set>
+                                      <p:cBhvr>
+                                        <p:cTn id="8" dur="1" fill="hold">
+                                          <p:stCondLst>
+                                            <p:cond delay="0"/>
+                                          </p:stCondLst>
+                                        </p:cTn>
+                                        <p:tgtEl>
+                                          <p:spTgt spid="3">
+                                            <p:txEl>
+                                              <p:pRg st="1" end="1"/>
+                                            </p:txEl>
+                                          </p:spTgt>
+                                        </p:tgtEl>
+                                        <p:attrNameLst>
+                                          <p:attrName>style.visibility</p:attrName>
+                                        </p:attrNameLst>
+                                      </p:cBhvr>
+                                      <p:to>
+                                        <p:strVal val="visible"/>
+                                      </p:to>
+                                    </p:set>
+                                  </p:childTnLst>
+                                </p:cTn>
+                              </p:par>
+                            </p:childTnLst>
+                          </p:cTn>
+                        </p:par>
+                      </p:childTnLst>
+                    </p:cTn>
+                  </p:par>
+                  <p:par>
+                    <p:cTn id="9" fill="hold">
+                      <p:stCondLst>
+                        <p:cond delay="indefinite"/>
+                      </p:stCondLst>
+                      <p:childTnLst>
+                        <p:par>
+                          <p:cTn id="10" fill="hold">
+                            <p:stCondLst>
+                              <p:cond delay="0"/>
+                            </p:stCondLst>
+                            <p:childTnLst>
+                              <p:par>
+                                <p:cTn id="11" presetID="1" presetClass="entr" presetSubtype="0" fill="hold" grpId="0" nodeType="clickEffect">
+                                  <p:stCondLst>
+                                    <p:cond delay="0"/>
+                                  </p:stCondLst>
+                                  <p:childTnLst>
+                                    <p:set>
+                                      <p:cBhvr>
+                                        <p:cTn id="12" dur="1" fill="hold">
+                                          <p:stCondLst>
+                                            <p:cond delay="0"/>
+                                          </p:stCondLst>
+                                        </p:cTn>
+                                        <p:tgtEl>
+                                          <p:spTgt spid="3">
+                                            <p:txEl>
+                                              <p:pRg st="2" end="2"/>
+                                            </p:txEl>
+                                          </p:spTgt>
+                                        </p:tgtEl>
+                                        <p:attrNameLst>
+                                          <p:attrName>style.visibility</p:attrName>
+                                        </p:attrNameLst>
+                                      </p:cBhvr>
+                                      <p:to>
+                                        <p:strVal val="visible"/>
+                                      </p:to>
+                                    </p:set>
+                                  </p:childTnLst>
+                                </p:cTn>
+                              </p:par>
+                            </p:childTnLst>
+                          </p:cTn>
+                        </p:par>
+                      </p:childTnLst>
+                    </p:cTn>
+                  </p:par>
+                  <p:par>
+                    <p:cTn id="13" fill="hold">
+                      <p:stCondLst>
+                        <p:cond delay="indefinite"/>
+                      </p:stCondLst>
+                      <p:childTnLst>
+                        <p:par>
+                          <p:cTn id="14" fill="hold">
+                            <p:stCondLst>
+                              <p:cond delay="0"/>
+                            </p:stCondLst>
+                            <p:childTnLst>
+                              <p:par>
+                                <p:cTn id="15" presetID="1" presetClass="entr" presetSubtype="0" fill="hold" grpId="0" nodeType="clickEffect">
+                                  <p:stCondLst>
+                                    <p:cond delay="0"/>
+                                  </p:stCondLst>
+                                  <p:childTnLst>
+                                    <p:set>
+                                      <p:cBhvr>
+                                        <p:cTn id="16" dur="1" fill="hold">
+                                          <p:stCondLst>
+                                            <p:cond delay="0"/>
+                                          </p:stCondLst>
+                                        </p:cTn>
+                                        <p:tgtEl>
+                                          <p:spTgt spid="3">
+                                            <p:txEl>
+                                              <p:pRg st="3" end="3"/>
+                                            </p:txEl>
+                                          </p:spTgt>
+                                        </p:tgtEl>
+                                        <p:attrNameLst>
+                                          <p:attrName>style.visibility</p:attrName>
+                                        </p:attrNameLst>
+                                      </p:cBhvr>
+                                      <p:to>
+                                        <p:strVal val="visible"/>
+                                      </p:to>
+                                    </p:set>
+                                  </p:childTnLst>
+                                </p:cTn>
+                              </p:par>
+                            </p:childTnLst>
+                          </p:cTn>
+                        </p:par>
+                      </p:childTnLst>
+                    </p:cTn>
+                  </p:par>
+                  <p:par>
+                    <p:cTn id="17" fill="hold">
+                      <p:stCondLst>
+                        <p:cond delay="indefinite"/>
+                      </p:stCondLst>
+                      <p:childTnLst>
+                        <p:par>
+                          <p:cTn id="18" fill="hold">
+                            <p:stCondLst>
+                              <p:cond delay="0"/>
+                            </p:stCondLst>
+                            <p:childTnLst>
+                              <p:par>
+                                <p:cTn id="19" presetID="1" presetClass="entr" presetSubtype="0" fill="hold" grpId="0" nodeType="clickEffect">
+                                  <p:stCondLst>
+                                    <p:cond delay="0"/>
+                                  </p:stCondLst>
+                                  <p:childTnLst>
+                                    <p:set>
+                                      <p:cBhvr>
+                                        <p:cTn id="20" dur="1" fill="hold">
+                                          <p:stCondLst>
+                                            <p:cond delay="0"/>
+                                          </p:stCondLst>
+                                        </p:cTn>
+                                        <p:tgtEl>
+                                          <p:spTgt spid="3">
+                                            <p:txEl>
+                                              <p:pRg st="4" end="4"/>
+                                            </p:txEl>
+                                          </p:spTgt>
+                                        </p:tgtEl>
+                                        <p:attrNameLst>
+                                          <p:attrName>style.visibility</p:attrName>
+                                        </p:attrNameLst>
+                                      </p:cBhvr>
+                                      <p:to>
+                                        <p:strVal val="visible"/>
+                                      </p:to>
+                                    </p:set>
+                                  </p:childTnLst>
+                                </p:cTn>
+                              </p:par>
+                              <p:par>
+                                <p:cTn id="21" presetID="1" presetClass="entr" presetSubtype="0" fill="hold" grpId="0" nodeType="withEffect">
+                                  <p:stCondLst>
+                                    <p:cond delay="0"/>
+                                  </p:stCondLst>
+                                  <p:childTnLst>
+                                    <p:set>
+                                      <p:cBhvr>
+                                        <p:cTn id="22" dur="1" fill="hold">
+                                          <p:stCondLst>
+                                            <p:cond delay="0"/>
+                                          </p:stCondLst>
+                                        </p:cTn>
+                                        <p:tgtEl>
+                                          <p:spTgt spid="3">
+                                            <p:txEl>
+                                              <p:pRg st="5" end="5"/>
+                                            </p:txEl>
+                                          </p:spTgt>
+                                        </p:tgtEl>
+                                        <p:attrNameLst>
+                                          <p:attrName>style.visibility</p:attrName>
+                                        </p:attrNameLst>
+                                      </p:cBhvr>
+                                      <p:to>
+                                        <p:strVal val="visible"/>
+                                      </p:to>
+                                    </p:set>
+                                  </p:childTnLst>
+                                </p:cTn>
+                              </p:par>
+                            </p:childTnLst>
+                          </p:cTn>
+                        </p:par>
+                      </p:childTnLst>
+                    </p:cTn>
+                  </p:par>
+                  <p:par>
+                    <p:cTn id="23" fill="hold">
+                      <p:stCondLst>
+                        <p:cond delay="indefinite"/>
+                      </p:stCondLst>
+                      <p:childTnLst>
+                        <p:par>
+                          <p:cTn id="24" fill="hold">
+                            <p:stCondLst>
+                              <p:cond delay="0"/>
+                            </p:stCondLst>
+                            <p:childTnLst>
+                              <p:par>
+                                <p:cTn id="25" presetID="1" presetClass="entr" presetSubtype="0" fill="hold" grpId="0" nodeType="clickEffect">
+                                  <p:stCondLst>
+                                    <p:cond delay="0"/>
+                                  </p:stCondLst>
+                                  <p:childTnLst>
+                                    <p:set>
+                                      <p:cBhvr>
+                                        <p:cTn id="26" dur="1" fill="hold">
+                                          <p:stCondLst>
+                                            <p:cond delay="0"/>
+                                          </p:stCondLst>
+                                        </p:cTn>
+                                        <p:tgtEl>
+                                          <p:spTgt spid="3">
+                                            <p:txEl>
+                                              <p:pRg st="6" end="6"/>
+                                            </p:txEl>
+                                          </p:spTgt>
+                                        </p:tgtEl>
+                                        <p:attrNameLst>
+                                          <p:attrName>style.visibility</p:attrName>
+                                        </p:attrNameLst>
+                                      </p:cBhvr>
+                                      <p:to>
+                                        <p:strVal val="visible"/>
+                                      </p:to>
+                                    </p:set>
+                                  </p:childTnLst>
+                                </p:cTn>
+                              </p:par>
+                            </p:childTnLst>
+                          </p:cTn>
+                        </p:par>
+                      </p:childTnLst>
+                    </p:cTn>
+                  </p:par>
+                  <p:par>
+                    <p:cTn id="27" fill="hold">
+                      <p:stCondLst>
+                        <p:cond delay="indefinite"/>
+                      </p:stCondLst>
+                      <p:childTnLst>
+                        <p:par>
+                          <p:cTn id="28" fill="hold">
+                            <p:stCondLst>
+                              <p:cond delay="0"/>
+                            </p:stCondLst>
+                            <p:childTnLst>
+                              <p:par>
+                                <p:cTn id="29" presetID="1" presetClass="entr" presetSubtype="0" fill="hold" grpId="0" nodeType="clickEffect">
+                                  <p:stCondLst>
+                                    <p:cond delay="0"/>
+                                  </p:stCondLst>
+                                  <p:childTnLst>
+                                    <p:set>
+                                      <p:cBhvr>
+                                        <p:cTn id="30" dur="1" fill="hold">
+                                          <p:stCondLst>
+                                            <p:cond delay="0"/>
+                                          </p:stCondLst>
+                                        </p:cTn>
+                                        <p:tgtEl>
+                                          <p:spTgt spid="6"/>
+                                        </p:tgtEl>
+                                        <p:attrNameLst>
+                                          <p:attrName>style.visibility</p:attrName>
+                                        </p:attrNameLst>
+                                      </p:cBhvr>
+                                      <p:to>
+                                        <p:strVal val="visible"/>
+                                      </p:to>
+                                    </p:set>
+                                  </p:childTnLst>
+                                </p:cTn>
+                              </p:par>
+                            </p:childTnLst>
+                          </p:cTn>
+                        </p:par>
+                      </p:childTnLst>
+                    </p:cTn>
+                  </p:par>
+                </p:childTnLst>
+              </p:cTn>
+              <p:prevCondLst>
+                <p:cond evt="onPrev" delay="0">
+                  <p:tgtEl>
+                    <p:sldTgt/>
+                  </p:tgtEl>
+                </p:cond>
+              </p:prevCondLst>
+              <p:nextCondLst>
+                <p:cond evt="onNext" delay="0">
+                  <p:tgtEl>
+                    <p:sldTgt/>
+                  </p:tgtEl>
+                </p:cond>
+              </p:nextCondLst>
+            </p:seq>
+          </p:childTnLst>
+        </p:cTn>
+      </p:par>
+    </p:tnLst>
+    <p:bldLst>
+      <p:bldP spid="3" grpId="0" uiExpand="1" build="p" bldLvl="2"/>
+      <p:bldP spid="6" grpId="0" animBg="1"/>
+    </p:bldLst>
+  </p:timing>
+</p:sld>
+</file>
+
+<file path=ppt/slides/slide31.xml><?xml version="1.0" encoding="utf-8"?>
 <p:sld xmlns:a="http://schemas.openxmlformats.org/drawingml/2006/main" xmlns:r="http://schemas.openxmlformats.org/officeDocument/2006/relationships" xmlns:p="http://schemas.openxmlformats.org/presentationml/2006/main">
   <p:cSld>
     <p:spTree>
@@ -26026,7 +28497,7 @@
           <a:p>
             <a:fld id="{6597116C-F94B-4B5B-973A-17F07FB5C418}" type="slidenum">
               <a:rPr lang="nl-BE" smtClean="0"/>
-              <a:t>30</a:t>
+              <a:t>31</a:t>
             </a:fld>
             <a:endParaRPr lang="nl-BE"/>
           </a:p>
@@ -26129,10 +28600,88 @@
   <p:clrMapOvr>
     <a:masterClrMapping/>
   </p:clrMapOvr>
+  <p:timing>
+    <p:tnLst>
+      <p:par>
+        <p:cTn id="1" dur="indefinite" restart="never" nodeType="tmRoot">
+          <p:childTnLst>
+            <p:seq concurrent="1" nextAc="seek">
+              <p:cTn id="2" dur="indefinite" nodeType="mainSeq">
+                <p:childTnLst>
+                  <p:par>
+                    <p:cTn id="3" fill="hold">
+                      <p:stCondLst>
+                        <p:cond delay="indefinite"/>
+                      </p:stCondLst>
+                      <p:childTnLst>
+                        <p:par>
+                          <p:cTn id="4" fill="hold">
+                            <p:stCondLst>
+                              <p:cond delay="0"/>
+                            </p:stCondLst>
+                            <p:childTnLst>
+                              <p:par>
+                                <p:cTn id="5" presetID="1" presetClass="entr" presetSubtype="0" fill="hold" grpId="0" nodeType="clickEffect">
+                                  <p:stCondLst>
+                                    <p:cond delay="0"/>
+                                  </p:stCondLst>
+                                  <p:childTnLst>
+                                    <p:set>
+                                      <p:cBhvr>
+                                        <p:cTn id="6" dur="1" fill="hold">
+                                          <p:stCondLst>
+                                            <p:cond delay="0"/>
+                                          </p:stCondLst>
+                                        </p:cTn>
+                                        <p:tgtEl>
+                                          <p:spTgt spid="7"/>
+                                        </p:tgtEl>
+                                        <p:attrNameLst>
+                                          <p:attrName>style.visibility</p:attrName>
+                                        </p:attrNameLst>
+                                      </p:cBhvr>
+                                      <p:to>
+                                        <p:strVal val="visible"/>
+                                      </p:to>
+                                    </p:set>
+                                  </p:childTnLst>
+                                </p:cTn>
+                              </p:par>
+                            </p:childTnLst>
+                          </p:cTn>
+                        </p:par>
+                      </p:childTnLst>
+                    </p:cTn>
+                  </p:par>
+                </p:childTnLst>
+              </p:cTn>
+              <p:prevCondLst>
+                <p:cond evt="onPrev" delay="0">
+                  <p:tgtEl>
+                    <p:sldTgt/>
+                  </p:tgtEl>
+                </p:cond>
+              </p:prevCondLst>
+              <p:nextCondLst>
+                <p:cond evt="onNext" delay="0">
+                  <p:tgtEl>
+                    <p:sldTgt/>
+                  </p:tgtEl>
+                </p:cond>
+              </p:nextCondLst>
+            </p:seq>
+          </p:childTnLst>
+        </p:cTn>
+      </p:par>
+    </p:tnLst>
+    <p:bldLst>
+      <p:bldP spid="7" grpId="0" animBg="1"/>
+    </p:bldLst>
+  </p:timing>
 </p:sld>
 </file>
 
-<file path=ppt/slides/slide31.xml><?xml version="1.0" encoding="utf-8"?>
+<file path=ppt/slides/slide32.xml><?xml version="1.0" encoding="utf-8"?>
 <p:sld xmlns:a="http://schemas.openxmlformats.org/drawingml/2006/main" xmlns:r="http://schemas.openxmlformats.org/officeDocument/2006/relationships" xmlns:p="http://schemas.openxmlformats.org/presentationml/2006/main">
   <p:cSld>
     <p:spTree>
@@ -26252,7 +28801,7 @@
           <a:p>
             <a:fld id="{6597116C-F94B-4B5B-973A-17F07FB5C418}" type="slidenum">
               <a:rPr lang="nl-BE" smtClean="0"/>
-              <a:t>31</a:t>
+              <a:t>32</a:t>
             </a:fld>
             <a:endParaRPr lang="nl-BE"/>
           </a:p>
@@ -26639,7 +29188,7 @@
 </p:sld>
 </file>
 
-<file path=ppt/slides/slide32.xml><?xml version="1.0" encoding="utf-8"?>
+<file path=ppt/slides/slide33.xml><?xml version="1.0" encoding="utf-8"?>
 <p:sld xmlns:a="http://schemas.openxmlformats.org/drawingml/2006/main" xmlns:r="http://schemas.openxmlformats.org/officeDocument/2006/relationships" xmlns:p="http://schemas.openxmlformats.org/presentationml/2006/main">
   <p:cSld>
     <p:spTree>
@@ -26715,7 +29264,7 @@
           <a:p>
             <a:fld id="{6597116C-F94B-4B5B-973A-17F07FB5C418}" type="slidenum">
               <a:rPr lang="nl-BE" smtClean="0"/>
-              <a:t>32</a:t>
+              <a:t>33</a:t>
             </a:fld>
             <a:endParaRPr lang="nl-BE"/>
           </a:p>
@@ -26734,7 +29283,7 @@
 </p:sld>
 </file>
 
-<file path=ppt/slides/slide33.xml><?xml version="1.0" encoding="utf-8"?>
+<file path=ppt/slides/slide34.xml><?xml version="1.0" encoding="utf-8"?>
 <p:sld xmlns:a="http://schemas.openxmlformats.org/drawingml/2006/main" xmlns:r="http://schemas.openxmlformats.org/officeDocument/2006/relationships" xmlns:p="http://schemas.openxmlformats.org/presentationml/2006/main">
   <p:cSld>
     <p:spTree>
@@ -26786,7 +29335,9 @@
         </p:nvSpPr>
         <p:spPr/>
         <p:txBody>
-          <a:bodyPr/>
+          <a:bodyPr>
+            <a:normAutofit lnSpcReduction="10000"/>
+          </a:bodyPr>
           <a:lstStyle/>
           <a:p>
             <a:r>
@@ -26853,7 +29404,19 @@
             </a:br>
             <a:r>
               <a:rPr lang="nl-BE" dirty="0" smtClean="0"/>
-              <a:t>Georg Hager, </a:t>
+              <a:t>Georg </a:t>
+            </a:r>
+            <a:r>
+              <a:rPr lang="nl-BE" dirty="0" smtClean="0"/>
+              <a:t>Hager &amp; Gerhard </a:t>
+            </a:r>
+            <a:r>
+              <a:rPr lang="nl-BE" dirty="0" err="1" smtClean="0"/>
+              <a:t>Wellein</a:t>
+            </a:r>
+            <a:r>
+              <a:rPr lang="nl-BE" dirty="0" smtClean="0"/>
+              <a:t>, </a:t>
             </a:r>
             <a:r>
               <a:rPr lang="nl-BE" dirty="0" err="1" smtClean="0"/>
@@ -26861,9 +29424,22 @@
             </a:r>
             <a:r>
               <a:rPr lang="nl-BE" dirty="0" smtClean="0"/>
-              <a:t> &amp; Hall, 2010</a:t>
+              <a:t> &amp; Hall, </a:t>
+            </a:r>
+            <a:r>
+              <a:rPr lang="nl-BE" dirty="0" smtClean="0"/>
+              <a:t>2010</a:t>
             </a:r>
             <a:endParaRPr lang="en-US" b="1" dirty="0"/>
+          </a:p>
+          <a:p>
+            <a:r>
+              <a:rPr lang="en-US" dirty="0" smtClean="0">
+                <a:hlinkClick r:id="rId5"/>
+              </a:rPr>
+              <a:t>Why has CPU frequency ceased to grow?</a:t>
+            </a:r>
+            <a:endParaRPr lang="nl-BE" dirty="0" smtClean="0"/>
           </a:p>
         </p:txBody>
       </p:sp>
@@ -26884,7 +29460,7 @@
           <a:p>
             <a:fld id="{6597116C-F94B-4B5B-973A-17F07FB5C418}" type="slidenum">
               <a:rPr lang="nl-BE" smtClean="0"/>
-              <a:t>33</a:t>
+              <a:t>34</a:t>
             </a:fld>
             <a:endParaRPr lang="nl-BE"/>
           </a:p>
@@ -26903,7 +29479,7 @@
 </p:sld>
 </file>
 
-<file path=ppt/slides/slide34.xml><?xml version="1.0" encoding="utf-8"?>
+<file path=ppt/slides/slide35.xml><?xml version="1.0" encoding="utf-8"?>
 <p:sld xmlns:a="http://schemas.openxmlformats.org/drawingml/2006/main" xmlns:r="http://schemas.openxmlformats.org/officeDocument/2006/relationships" xmlns:p="http://schemas.openxmlformats.org/presentationml/2006/main">
   <p:cSld>
     <p:spTree>
@@ -26979,7 +29555,7 @@
           <a:p>
             <a:fld id="{6597116C-F94B-4B5B-973A-17F07FB5C418}" type="slidenum">
               <a:rPr lang="nl-BE" smtClean="0"/>
-              <a:t>34</a:t>
+              <a:t>35</a:t>
             </a:fld>
             <a:endParaRPr lang="nl-BE"/>
           </a:p>
@@ -26998,7 +29574,7 @@
 </p:sld>
 </file>
 
-<file path=ppt/slides/slide35.xml><?xml version="1.0" encoding="utf-8"?>
+<file path=ppt/slides/slide36.xml><?xml version="1.0" encoding="utf-8"?>
 <p:sld xmlns:a="http://schemas.openxmlformats.org/drawingml/2006/main" xmlns:r="http://schemas.openxmlformats.org/officeDocument/2006/relationships" xmlns:p="http://schemas.openxmlformats.org/presentationml/2006/main">
   <p:cSld>
     <p:spTree>
@@ -28782,7 +31358,7 @@
           <a:p>
             <a:fld id="{6597116C-F94B-4B5B-973A-17F07FB5C418}" type="slidenum">
               <a:rPr lang="nl-BE" smtClean="0"/>
-              <a:t>35</a:t>
+              <a:t>36</a:t>
             </a:fld>
             <a:endParaRPr lang="nl-BE"/>
           </a:p>
@@ -28927,7 +31503,7 @@
 </p:sld>
 </file>
 
-<file path=ppt/slides/slide36.xml><?xml version="1.0" encoding="utf-8"?>
+<file path=ppt/slides/slide37.xml><?xml version="1.0" encoding="utf-8"?>
 <p:sld xmlns:a="http://schemas.openxmlformats.org/drawingml/2006/main" xmlns:r="http://schemas.openxmlformats.org/officeDocument/2006/relationships" xmlns:p="http://schemas.openxmlformats.org/presentationml/2006/main">
   <p:cSld>
     <p:spTree>
@@ -29145,9 +31721,54 @@
           <a:p>
             <a:fld id="{6597116C-F94B-4B5B-973A-17F07FB5C418}" type="slidenum">
               <a:rPr lang="nl-BE" smtClean="0"/>
-              <a:t>36</a:t>
+              <a:t>37</a:t>
             </a:fld>
             <a:endParaRPr lang="nl-BE"/>
+          </a:p>
+        </p:txBody>
+      </p:sp>
+      <p:sp>
+        <p:nvSpPr>
+          <p:cNvPr id="5" name="TextBox 4"/>
+          <p:cNvSpPr txBox="1"/>
+          <p:nvPr/>
+        </p:nvSpPr>
+        <p:spPr>
+          <a:xfrm>
+            <a:off x="5076056" y="4653136"/>
+            <a:ext cx="3443443" cy="830997"/>
+          </a:xfrm>
+          <a:prstGeom prst="rect">
+            <a:avLst/>
+          </a:prstGeom>
+          <a:noFill/>
+          <a:ln>
+            <a:solidFill>
+              <a:schemeClr val="tx1"/>
+            </a:solidFill>
+          </a:ln>
+        </p:spPr>
+        <p:txBody>
+          <a:bodyPr wrap="none" rtlCol="0">
+            <a:spAutoFit/>
+          </a:bodyPr>
+          <a:lstStyle/>
+          <a:p>
+            <a:r>
+              <a:rPr lang="en-US" sz="2400" dirty="0" smtClean="0"/>
+              <a:t>Note: bandwidth depends</a:t>
+            </a:r>
+          </a:p>
+          <a:p>
+            <a:r>
+              <a:rPr lang="en-US" sz="2400" dirty="0"/>
+              <a:t> </a:t>
+            </a:r>
+            <a:r>
+              <a:rPr lang="en-US" sz="2400" dirty="0" smtClean="0"/>
+              <a:t>          on message size!</a:t>
+            </a:r>
+            <a:endParaRPr lang="nl-BE" sz="2400" dirty="0"/>
           </a:p>
         </p:txBody>
       </p:sp>
@@ -29161,6 +31782,13 @@
   <p:clrMapOvr>
     <a:masterClrMapping/>
   </p:clrMapOvr>
+  <p:timing>
+    <p:tnLst>
+      <p:par>
+        <p:cTn id="1" dur="indefinite" restart="never" nodeType="tmRoot"/>
+      </p:par>
+    </p:tnLst>
+  </p:timing>
 </p:sld>
 </file>
 
@@ -29235,8 +31863,13 @@
             <a:pPr lvl="2"/>
             <a:r>
               <a:rPr lang="en-US" dirty="0" smtClean="0"/>
-              <a:t>compiler flags, some help needed from programmer</a:t>
-            </a:r>
+              <a:t>compiler flags, </a:t>
+            </a:r>
+            <a:r>
+              <a:rPr lang="en-US" dirty="0" smtClean="0"/>
+              <a:t>programmer can/should help</a:t>
+            </a:r>
+            <a:endParaRPr lang="en-US" dirty="0" smtClean="0"/>
           </a:p>
           <a:p>
             <a:pPr lvl="1"/>
@@ -29268,14 +31901,26 @@
             <a:pPr lvl="1"/>
             <a:r>
               <a:rPr lang="en-US" dirty="0" smtClean="0"/>
-              <a:t>multiple node, i.e., distributed</a:t>
+              <a:t>multiple </a:t>
+            </a:r>
+            <a:r>
+              <a:rPr lang="en-US" dirty="0" smtClean="0"/>
+              <a:t>nodes, </a:t>
+            </a:r>
+            <a:r>
+              <a:rPr lang="en-US" dirty="0" smtClean="0"/>
+              <a:t>i.e., distributed</a:t>
             </a:r>
           </a:p>
           <a:p>
             <a:pPr lvl="2"/>
             <a:r>
               <a:rPr lang="en-US" dirty="0" smtClean="0"/>
-              <a:t>MPI: programmer's job</a:t>
+              <a:t>MPI/CAF/UPC/Chapel: </a:t>
+            </a:r>
+            <a:r>
+              <a:rPr lang="en-US" dirty="0" smtClean="0"/>
+              <a:t>programmer's job</a:t>
             </a:r>
           </a:p>
           <a:p>
@@ -29334,7 +31979,7 @@
         </p:nvGrpSpPr>
         <p:grpSpPr>
           <a:xfrm>
-            <a:off x="6553200" y="3284984"/>
+            <a:off x="6981290" y="3284984"/>
             <a:ext cx="1479142" cy="1656184"/>
             <a:chOff x="6553200" y="3284984"/>
             <a:chExt cx="1479142" cy="1656184"/>

--- a/Optimization/hpc_efficiency.pptx
+++ b/Optimization/hpc_efficiency.pptx
@@ -272,11 +272,11 @@
           <c:showPercent val="0"/>
           <c:showBubbleSize val="0"/>
         </c:dLbls>
-        <c:axId val="182369824"/>
-        <c:axId val="182366152"/>
+        <c:axId val="171381488"/>
+        <c:axId val="170399888"/>
       </c:scatterChart>
       <c:valAx>
-        <c:axId val="182369824"/>
+        <c:axId val="171381488"/>
         <c:scaling>
           <c:logBase val="2"/>
           <c:orientation val="minMax"/>
@@ -288,14 +288,14 @@
         <c:majorTickMark val="out"/>
         <c:minorTickMark val="none"/>
         <c:tickLblPos val="nextTo"/>
-        <c:crossAx val="182366152"/>
+        <c:crossAx val="170399888"/>
         <c:crosses val="autoZero"/>
         <c:crossBetween val="midCat"/>
         <c:majorUnit val="4"/>
         <c:minorUnit val="4"/>
       </c:valAx>
       <c:valAx>
-        <c:axId val="182366152"/>
+        <c:axId val="170399888"/>
         <c:scaling>
           <c:logBase val="2"/>
           <c:orientation val="minMax"/>
@@ -308,7 +308,7 @@
         <c:majorTickMark val="out"/>
         <c:minorTickMark val="none"/>
         <c:tickLblPos val="nextTo"/>
-        <c:crossAx val="182369824"/>
+        <c:crossAx val="171381488"/>
         <c:crosses val="autoZero"/>
         <c:crossBetween val="midCat"/>
         <c:majorUnit val="4"/>
@@ -681,11 +681,11 @@
           <c:showPercent val="0"/>
           <c:showBubbleSize val="0"/>
         </c:dLbls>
-        <c:axId val="182460840"/>
-        <c:axId val="179763856"/>
+        <c:axId val="171368432"/>
+        <c:axId val="170646032"/>
       </c:scatterChart>
       <c:valAx>
-        <c:axId val="182460840"/>
+        <c:axId val="171368432"/>
         <c:scaling>
           <c:logBase val="2"/>
           <c:orientation val="minMax"/>
@@ -698,14 +698,14 @@
         <c:majorTickMark val="out"/>
         <c:minorTickMark val="none"/>
         <c:tickLblPos val="nextTo"/>
-        <c:crossAx val="179763856"/>
+        <c:crossAx val="170646032"/>
         <c:crosses val="autoZero"/>
         <c:crossBetween val="midCat"/>
         <c:majorUnit val="4"/>
         <c:minorUnit val="4"/>
       </c:valAx>
       <c:valAx>
-        <c:axId val="179763856"/>
+        <c:axId val="170646032"/>
         <c:scaling>
           <c:logBase val="2"/>
           <c:orientation val="minMax"/>
@@ -719,7 +719,7 @@
         <c:majorTickMark val="out"/>
         <c:minorTickMark val="none"/>
         <c:tickLblPos val="nextTo"/>
-        <c:crossAx val="182460840"/>
+        <c:crossAx val="171368432"/>
         <c:crosses val="autoZero"/>
         <c:crossBetween val="midCat"/>
         <c:majorUnit val="4"/>
@@ -728,7 +728,6 @@
     </c:plotArea>
     <c:legend>
       <c:legendPos val="r"/>
-      <c:layout/>
       <c:overlay val="0"/>
     </c:legend>
     <c:plotVisOnly val="1"/>
@@ -933,11 +932,11 @@
           <c:showPercent val="0"/>
           <c:showBubbleSize val="0"/>
         </c:dLbls>
-        <c:axId val="179765032"/>
-        <c:axId val="179765424"/>
+        <c:axId val="171790792"/>
+        <c:axId val="171791184"/>
       </c:scatterChart>
       <c:valAx>
-        <c:axId val="179765032"/>
+        <c:axId val="171790792"/>
         <c:scaling>
           <c:logBase val="2"/>
           <c:orientation val="minMax"/>
@@ -950,13 +949,13 @@
         <c:majorTickMark val="out"/>
         <c:minorTickMark val="none"/>
         <c:tickLblPos val="nextTo"/>
-        <c:crossAx val="179765424"/>
+        <c:crossAx val="171791184"/>
         <c:crosses val="autoZero"/>
         <c:crossBetween val="midCat"/>
         <c:minorUnit val="4"/>
       </c:valAx>
       <c:valAx>
-        <c:axId val="179765424"/>
+        <c:axId val="171791184"/>
         <c:scaling>
           <c:logBase val="2"/>
           <c:orientation val="minMax"/>
@@ -970,7 +969,7 @@
         <c:majorTickMark val="out"/>
         <c:minorTickMark val="none"/>
         <c:tickLblPos val="nextTo"/>
-        <c:crossAx val="179765032"/>
+        <c:crossAx val="171790792"/>
         <c:crosses val="autoZero"/>
         <c:crossBetween val="midCat"/>
         <c:majorUnit val="2"/>
@@ -979,7 +978,6 @@
     </c:plotArea>
     <c:legend>
       <c:legendPos val="r"/>
-      <c:layout/>
       <c:overlay val="0"/>
     </c:legend>
     <c:plotVisOnly val="1"/>
@@ -1102,11 +1100,11 @@
           <c:showPercent val="0"/>
           <c:showBubbleSize val="0"/>
         </c:dLbls>
-        <c:axId val="144723744"/>
-        <c:axId val="182608168"/>
+        <c:axId val="171791968"/>
+        <c:axId val="171792360"/>
       </c:scatterChart>
       <c:valAx>
-        <c:axId val="144723744"/>
+        <c:axId val="171791968"/>
         <c:scaling>
           <c:logBase val="2"/>
           <c:orientation val="minMax"/>
@@ -1119,13 +1117,13 @@
         <c:majorTickMark val="out"/>
         <c:minorTickMark val="none"/>
         <c:tickLblPos val="nextTo"/>
-        <c:crossAx val="182608168"/>
+        <c:crossAx val="171792360"/>
         <c:crosses val="autoZero"/>
         <c:crossBetween val="midCat"/>
         <c:majorUnit val="4"/>
       </c:valAx>
       <c:valAx>
-        <c:axId val="182608168"/>
+        <c:axId val="171792360"/>
         <c:scaling>
           <c:logBase val="2"/>
           <c:orientation val="minMax"/>
@@ -1138,7 +1136,7 @@
         <c:majorTickMark val="out"/>
         <c:minorTickMark val="none"/>
         <c:tickLblPos val="nextTo"/>
-        <c:crossAx val="144723744"/>
+        <c:crossAx val="171791968"/>
         <c:crosses val="autoZero"/>
         <c:crossBetween val="midCat"/>
         <c:majorUnit val="2"/>
@@ -1264,11 +1262,11 @@
           <c:showPercent val="0"/>
           <c:showBubbleSize val="0"/>
         </c:dLbls>
-        <c:axId val="182608952"/>
-        <c:axId val="182609344"/>
+        <c:axId val="171793144"/>
+        <c:axId val="171793536"/>
       </c:scatterChart>
       <c:valAx>
-        <c:axId val="182608952"/>
+        <c:axId val="171793144"/>
         <c:scaling>
           <c:logBase val="2"/>
           <c:orientation val="minMax"/>
@@ -1281,14 +1279,14 @@
         <c:majorTickMark val="out"/>
         <c:minorTickMark val="none"/>
         <c:tickLblPos val="nextTo"/>
-        <c:crossAx val="182609344"/>
+        <c:crossAx val="171793536"/>
         <c:crosses val="autoZero"/>
         <c:crossBetween val="midCat"/>
         <c:majorUnit val="4"/>
         <c:minorUnit val="4"/>
       </c:valAx>
       <c:valAx>
-        <c:axId val="182609344"/>
+        <c:axId val="171793536"/>
         <c:scaling>
           <c:orientation val="minMax"/>
           <c:max val="1"/>
@@ -1300,7 +1298,7 @@
         <c:majorTickMark val="out"/>
         <c:minorTickMark val="none"/>
         <c:tickLblPos val="nextTo"/>
-        <c:crossAx val="182608952"/>
+        <c:crossAx val="171793144"/>
         <c:crosses val="autoZero"/>
         <c:crossBetween val="midCat"/>
       </c:valAx>
@@ -1397,7 +1395,7 @@
           <a:p>
             <a:fld id="{2E6AAE95-D4FC-4D00-935A-EAE928727A56}" type="datetimeFigureOut">
               <a:rPr lang="en-US" smtClean="0"/>
-              <a:t>8/2/2016</a:t>
+              <a:t>8/4/2016</a:t>
             </a:fld>
             <a:endParaRPr lang="en-US"/>
           </a:p>
@@ -1930,7 +1928,7 @@
           <a:p>
             <a:fld id="{1CFF3F78-F57F-4409-A41B-5EC46D4F404B}" type="datetime1">
               <a:rPr lang="nl-BE" smtClean="0"/>
-              <a:t>2016-08-02</a:t>
+              <a:t>2016-08-04</a:t>
             </a:fld>
             <a:endParaRPr lang="nl-BE"/>
           </a:p>
@@ -2100,7 +2098,7 @@
           <a:p>
             <a:fld id="{7D029E61-52E3-412C-82EB-2F81B17C0AF1}" type="datetime1">
               <a:rPr lang="nl-BE" smtClean="0"/>
-              <a:t>2016-08-02</a:t>
+              <a:t>2016-08-04</a:t>
             </a:fld>
             <a:endParaRPr lang="nl-BE"/>
           </a:p>
@@ -2280,7 +2278,7 @@
           <a:p>
             <a:fld id="{A83F1CEF-A38E-4001-89C6-F3FC7784F299}" type="datetime1">
               <a:rPr lang="nl-BE" smtClean="0"/>
-              <a:t>2016-08-02</a:t>
+              <a:t>2016-08-04</a:t>
             </a:fld>
             <a:endParaRPr lang="nl-BE"/>
           </a:p>
@@ -2406,7 +2404,7 @@
           <a:p>
             <a:fld id="{1FDE84DB-AADA-4C3F-BF46-CA664A504479}" type="datetime1">
               <a:rPr lang="nl-BE" smtClean="0"/>
-              <a:t>2016-08-02</a:t>
+              <a:t>2016-08-04</a:t>
             </a:fld>
             <a:endParaRPr lang="nl-BE" dirty="0"/>
           </a:p>
@@ -2650,7 +2648,7 @@
           <a:p>
             <a:fld id="{8CD53A43-C15C-4F05-9AD7-DB9DE837084D}" type="datetime1">
               <a:rPr lang="nl-BE" smtClean="0"/>
-              <a:t>2016-08-02</a:t>
+              <a:t>2016-08-04</a:t>
             </a:fld>
             <a:endParaRPr lang="nl-BE"/>
           </a:p>
@@ -2896,7 +2894,7 @@
           <a:p>
             <a:fld id="{8994D238-D949-4AEF-9753-A8B6EFA964A0}" type="datetime1">
               <a:rPr lang="nl-BE" smtClean="0"/>
-              <a:t>2016-08-02</a:t>
+              <a:t>2016-08-04</a:t>
             </a:fld>
             <a:endParaRPr lang="nl-BE"/>
           </a:p>
@@ -3184,7 +3182,7 @@
           <a:p>
             <a:fld id="{4D234023-BF99-4AD0-835E-8125DA2B6664}" type="datetime1">
               <a:rPr lang="nl-BE" smtClean="0"/>
-              <a:t>2016-08-02</a:t>
+              <a:t>2016-08-04</a:t>
             </a:fld>
             <a:endParaRPr lang="nl-BE"/>
           </a:p>
@@ -3606,7 +3604,7 @@
           <a:p>
             <a:fld id="{DB075A73-5C1D-406E-9444-3C5C58580E8E}" type="datetime1">
               <a:rPr lang="nl-BE" smtClean="0"/>
-              <a:t>2016-08-02</a:t>
+              <a:t>2016-08-04</a:t>
             </a:fld>
             <a:endParaRPr lang="nl-BE"/>
           </a:p>
@@ -3724,7 +3722,7 @@
           <a:p>
             <a:fld id="{E111FB2D-2E17-4D8F-A64A-4EB0C3D12494}" type="datetime1">
               <a:rPr lang="nl-BE" smtClean="0"/>
-              <a:t>2016-08-02</a:t>
+              <a:t>2016-08-04</a:t>
             </a:fld>
             <a:endParaRPr lang="nl-BE"/>
           </a:p>
@@ -3819,7 +3817,7 @@
           <a:p>
             <a:fld id="{5BE27D71-2267-4E44-9F33-05B60E5C7D9D}" type="datetime1">
               <a:rPr lang="nl-BE" smtClean="0"/>
-              <a:t>2016-08-02</a:t>
+              <a:t>2016-08-04</a:t>
             </a:fld>
             <a:endParaRPr lang="nl-BE"/>
           </a:p>
@@ -4096,7 +4094,7 @@
           <a:p>
             <a:fld id="{182F587C-96C8-4813-A767-3084061A3229}" type="datetime1">
               <a:rPr lang="nl-BE" smtClean="0"/>
-              <a:t>2016-08-02</a:t>
+              <a:t>2016-08-04</a:t>
             </a:fld>
             <a:endParaRPr lang="nl-BE"/>
           </a:p>
@@ -4349,7 +4347,7 @@
           <a:p>
             <a:fld id="{8B021CF8-BBBB-4DFA-8713-49842AA07274}" type="datetime1">
               <a:rPr lang="nl-BE" smtClean="0"/>
-              <a:t>2016-08-02</a:t>
+              <a:t>2016-08-04</a:t>
             </a:fld>
             <a:endParaRPr lang="nl-BE"/>
           </a:p>
@@ -4562,7 +4560,7 @@
           <a:p>
             <a:fld id="{CDBFABB5-0AB3-4CB6-A705-6887DEB1F9F2}" type="datetime1">
               <a:rPr lang="nl-BE" smtClean="0"/>
-              <a:t>2016-08-02</a:t>
+              <a:t>2016-08-04</a:t>
             </a:fld>
             <a:endParaRPr lang="nl-BE"/>
           </a:p>
@@ -8758,7 +8756,7 @@
           <a:graphicData uri="http://schemas.openxmlformats.org/presentationml/2006/ole">
             <mc:AlternateContent xmlns:mc="http://schemas.openxmlformats.org/markup-compatibility/2006">
               <mc:Choice xmlns:v="urn:schemas-microsoft-com:vml" Requires="v">
-                <p:oleObj spid="_x0000_s1146" name="Equation" r:id="rId3" imgW="812520" imgH="393480" progId="Equation.3">
+                <p:oleObj spid="_x0000_s1148" name="Equation" r:id="rId3" imgW="812520" imgH="393480" progId="Equation.3">
                   <p:embed/>
                 </p:oleObj>
               </mc:Choice>
@@ -8815,7 +8813,7 @@
           <a:graphicData uri="http://schemas.openxmlformats.org/presentationml/2006/ole">
             <mc:AlternateContent xmlns:mc="http://schemas.openxmlformats.org/markup-compatibility/2006">
               <mc:Choice xmlns:v="urn:schemas-microsoft-com:vml" Requires="v">
-                <p:oleObj spid="_x0000_s1147" name="Equation" r:id="rId5" imgW="2489040" imgH="431640" progId="Equation.3">
+                <p:oleObj spid="_x0000_s1149" name="Equation" r:id="rId5" imgW="2489040" imgH="431640" progId="Equation.3">
                   <p:embed/>
                 </p:oleObj>
               </mc:Choice>
@@ -19349,15 +19347,7 @@
           <a:p>
             <a:r>
               <a:rPr lang="en-US" dirty="0" smtClean="0"/>
-              <a:t>Ordering of </a:t>
-            </a:r>
-            <a:r>
-              <a:rPr lang="en-US" dirty="0" smtClean="0"/>
-              <a:t>2D/3D/… </a:t>
-            </a:r>
-            <a:r>
-              <a:rPr lang="en-US" dirty="0" smtClean="0"/>
-              <a:t>arrays</a:t>
+              <a:t>Ordering of 2D/3D/… arrays</a:t>
             </a:r>
           </a:p>
           <a:p>
@@ -19426,7 +19416,7 @@
           <a:graphicData uri="http://schemas.openxmlformats.org/presentationml/2006/ole">
             <mc:AlternateContent xmlns:mc="http://schemas.openxmlformats.org/markup-compatibility/2006">
               <mc:Choice xmlns:v="urn:schemas-microsoft-com:vml" Requires="v">
-                <p:oleObj spid="_x0000_s2137" name="Equation" r:id="rId3" imgW="1091880" imgH="1041120" progId="Equation.3">
+                <p:oleObj spid="_x0000_s2139" name="Equation" r:id="rId3" imgW="1091880" imgH="1041120" progId="Equation.3">
                   <p:embed/>
                 </p:oleObj>
               </mc:Choice>
@@ -20797,7 +20787,7 @@
           <a:graphicData uri="http://schemas.openxmlformats.org/presentationml/2006/ole">
             <mc:AlternateContent xmlns:mc="http://schemas.openxmlformats.org/markup-compatibility/2006">
               <mc:Choice xmlns:v="urn:schemas-microsoft-com:vml" Requires="v">
-                <p:oleObj spid="_x0000_s2138" name="Equation" r:id="rId5" imgW="1091880" imgH="1041120" progId="Equation.3">
+                <p:oleObj spid="_x0000_s2140" name="Equation" r:id="rId5" imgW="1091880" imgH="1041120" progId="Equation.3">
                   <p:embed/>
                 </p:oleObj>
               </mc:Choice>
@@ -23686,11 +23676,7 @@
           <a:p>
             <a:r>
               <a:rPr lang="en-US" dirty="0" smtClean="0"/>
-              <a:t>Cache </a:t>
-            </a:r>
-            <a:r>
-              <a:rPr lang="en-US" dirty="0" smtClean="0"/>
-              <a:t>associativity: size matters</a:t>
+              <a:t>Cache associativity: size matters</a:t>
             </a:r>
             <a:endParaRPr lang="nl-BE" dirty="0"/>
           </a:p>
@@ -23708,7 +23694,9 @@
         </p:nvSpPr>
         <p:spPr/>
         <p:txBody>
-          <a:bodyPr/>
+          <a:bodyPr>
+            <a:normAutofit lnSpcReduction="10000"/>
+          </a:bodyPr>
           <a:lstStyle/>
           <a:p>
             <a:r>
@@ -23730,11 +23718,7 @@
             <a:pPr lvl="1"/>
             <a:r>
               <a:rPr lang="en-US" dirty="0" smtClean="0"/>
-              <a:t>cache line: 64 byte, </a:t>
-            </a:r>
-            <a:r>
-              <a:rPr lang="en-US" dirty="0" smtClean="0"/>
-              <a:t>so 262144/64 = 4096 slots</a:t>
+              <a:t>cache line: 64 byte, so 262144/64 = 4096 slots</a:t>
             </a:r>
           </a:p>
           <a:p>
@@ -23758,7 +23742,28 @@
             </a:r>
             <a:r>
               <a:rPr lang="en-US" dirty="0" smtClean="0"/>
-              <a:t>64 = 32768 bytes apart competes for slots</a:t>
+              <a:t>64 = 32768 bytes apart competes for </a:t>
+            </a:r>
+            <a:r>
+              <a:rPr lang="en-US" dirty="0" smtClean="0"/>
+              <a:t>slots</a:t>
+            </a:r>
+          </a:p>
+          <a:p>
+            <a:pPr lvl="1"/>
+            <a:endParaRPr lang="en-US" dirty="0"/>
+          </a:p>
+          <a:p>
+            <a:r>
+              <a:rPr lang="en-US" dirty="0" smtClean="0"/>
+              <a:t>L1/L2: 8-way associative</a:t>
+            </a:r>
+            <a:br>
+              <a:rPr lang="en-US" dirty="0" smtClean="0"/>
+            </a:br>
+            <a:r>
+              <a:rPr lang="en-US" dirty="0" smtClean="0"/>
+              <a:t>L3: 20-way associative</a:t>
             </a:r>
             <a:endParaRPr lang="nl-BE" dirty="0"/>
           </a:p>
@@ -23795,7 +23800,7 @@
         </p:nvSpPr>
         <p:spPr>
           <a:xfrm>
-            <a:off x="1619672" y="5301208"/>
+            <a:off x="1619672" y="4479503"/>
             <a:ext cx="6429965" cy="461665"/>
           </a:xfrm>
           <a:prstGeom prst="rect">
@@ -23816,9 +23821,71 @@
           <a:p>
             <a:r>
               <a:rPr lang="en-US" sz="2400" dirty="0" smtClean="0"/>
-              <a:t>Cache evictions limit reuse, reduces performance!</a:t>
+              <a:t>Cache evictions limit reuse, </a:t>
+            </a:r>
+            <a:r>
+              <a:rPr lang="en-US" sz="2400" dirty="0" smtClean="0"/>
+              <a:t>reduce </a:t>
+            </a:r>
+            <a:r>
+              <a:rPr lang="en-US" sz="2400" dirty="0" smtClean="0"/>
+              <a:t>performance!</a:t>
             </a:r>
             <a:endParaRPr lang="nl-BE" sz="2400" dirty="0"/>
+          </a:p>
+        </p:txBody>
+      </p:sp>
+      <p:sp>
+        <p:nvSpPr>
+          <p:cNvPr id="6" name="TextBox 5"/>
+          <p:cNvSpPr txBox="1"/>
+          <p:nvPr/>
+        </p:nvSpPr>
+        <p:spPr>
+          <a:xfrm>
+            <a:off x="5523111" y="5479832"/>
+            <a:ext cx="2528256" cy="646331"/>
+          </a:xfrm>
+          <a:prstGeom prst="rect">
+            <a:avLst/>
+          </a:prstGeom>
+          <a:noFill/>
+          <a:ln>
+            <a:solidFill>
+              <a:schemeClr val="tx1"/>
+            </a:solidFill>
+          </a:ln>
+        </p:spPr>
+        <p:txBody>
+          <a:bodyPr wrap="none" rtlCol="0">
+            <a:spAutoFit/>
+          </a:bodyPr>
+          <a:lstStyle/>
+          <a:p>
+            <a:r>
+              <a:rPr lang="en-US" dirty="0" smtClean="0"/>
+              <a:t>Cache info:</a:t>
+            </a:r>
+          </a:p>
+          <a:p>
+            <a:r>
+              <a:rPr lang="en-US" dirty="0" err="1" smtClean="0">
+                <a:latin typeface="Courier New" panose="02070309020205020404" pitchFamily="49" charset="0"/>
+                <a:cs typeface="Courier New" panose="02070309020205020404" pitchFamily="49" charset="0"/>
+              </a:rPr>
+              <a:t>dmidecode</a:t>
+            </a:r>
+            <a:r>
+              <a:rPr lang="en-US" dirty="0" smtClean="0">
+                <a:latin typeface="Courier New" panose="02070309020205020404" pitchFamily="49" charset="0"/>
+                <a:cs typeface="Courier New" panose="02070309020205020404" pitchFamily="49" charset="0"/>
+              </a:rPr>
+              <a:t> –type 7</a:t>
+            </a:r>
+            <a:endParaRPr lang="nl-BE" dirty="0">
+              <a:latin typeface="Courier New" panose="02070309020205020404" pitchFamily="49" charset="0"/>
+              <a:cs typeface="Courier New" panose="02070309020205020404" pitchFamily="49" charset="0"/>
+            </a:endParaRPr>
           </a:p>
         </p:txBody>
       </p:sp>
@@ -24133,6 +24200,100 @@
                       </p:childTnLst>
                     </p:cTn>
                   </p:par>
+                  <p:par>
+                    <p:cTn id="27" fill="hold">
+                      <p:stCondLst>
+                        <p:cond delay="indefinite"/>
+                      </p:stCondLst>
+                      <p:childTnLst>
+                        <p:par>
+                          <p:cTn id="28" fill="hold">
+                            <p:stCondLst>
+                              <p:cond delay="0"/>
+                            </p:stCondLst>
+                            <p:childTnLst>
+                              <p:par>
+                                <p:cTn id="29" presetID="1" presetClass="entr" presetSubtype="0" fill="hold" grpId="0" nodeType="clickEffect">
+                                  <p:stCondLst>
+                                    <p:cond delay="0"/>
+                                  </p:stCondLst>
+                                  <p:childTnLst>
+                                    <p:set>
+                                      <p:cBhvr>
+                                        <p:cTn id="30" dur="1" fill="hold">
+                                          <p:stCondLst>
+                                            <p:cond delay="0"/>
+                                          </p:stCondLst>
+                                        </p:cTn>
+                                        <p:tgtEl>
+                                          <p:spTgt spid="3">
+                                            <p:txEl>
+                                              <p:pRg st="6" end="6"/>
+                                            </p:txEl>
+                                          </p:spTgt>
+                                        </p:tgtEl>
+                                        <p:attrNameLst>
+                                          <p:attrName>style.visibility</p:attrName>
+                                        </p:attrNameLst>
+                                      </p:cBhvr>
+                                      <p:to>
+                                        <p:strVal val="visible"/>
+                                      </p:to>
+                                    </p:set>
+                                  </p:childTnLst>
+                                </p:cTn>
+                              </p:par>
+                            </p:childTnLst>
+                          </p:cTn>
+                        </p:par>
+                      </p:childTnLst>
+                    </p:cTn>
+                  </p:par>
+                  <p:par>
+                    <p:cTn id="31" fill="hold">
+                      <p:stCondLst>
+                        <p:cond delay="indefinite"/>
+                      </p:stCondLst>
+                      <p:childTnLst>
+                        <p:par>
+                          <p:cTn id="32" fill="hold">
+                            <p:stCondLst>
+                              <p:cond delay="0"/>
+                            </p:stCondLst>
+                            <p:childTnLst>
+                              <p:par>
+                                <p:cTn id="33" presetID="1" presetClass="entr" presetSubtype="0" fill="hold" grpId="0" nodeType="clickEffect">
+                                  <p:stCondLst>
+                                    <p:cond delay="0"/>
+                                  </p:stCondLst>
+                                  <p:childTnLst>
+                                    <p:set>
+                                      <p:cBhvr>
+                                        <p:cTn id="34" dur="1" fill="hold">
+                                          <p:stCondLst>
+                                            <p:cond delay="0"/>
+                                          </p:stCondLst>
+                                        </p:cTn>
+                                        <p:tgtEl>
+                                          <p:spTgt spid="6"/>
+                                        </p:tgtEl>
+                                        <p:attrNameLst>
+                                          <p:attrName>style.visibility</p:attrName>
+                                        </p:attrNameLst>
+                                      </p:cBhvr>
+                                      <p:to>
+                                        <p:strVal val="visible"/>
+                                      </p:to>
+                                    </p:set>
+                                  </p:childTnLst>
+                                </p:cTn>
+                              </p:par>
+                            </p:childTnLst>
+                          </p:cTn>
+                        </p:par>
+                      </p:childTnLst>
+                    </p:cTn>
+                  </p:par>
                 </p:childTnLst>
               </p:cTn>
               <p:prevCondLst>
@@ -24157,6 +24318,7 @@
     <p:bldLst>
       <p:bldP spid="3" grpId="0" uiExpand="1" build="p" bldLvl="2"/>
       <p:bldP spid="5" grpId="0" animBg="1"/>
+      <p:bldP spid="6" grpId="0" animBg="1"/>
     </p:bldLst>
   </p:timing>
 </p:sld>
@@ -26979,7 +27141,7 @@
           <a:graphicData uri="http://schemas.openxmlformats.org/presentationml/2006/ole">
             <mc:AlternateContent xmlns:mc="http://schemas.openxmlformats.org/markup-compatibility/2006">
               <mc:Choice xmlns:v="urn:schemas-microsoft-com:vml" Requires="v">
-                <p:oleObj spid="_x0000_s3081" name="Equation" r:id="rId3" imgW="965160" imgH="228600" progId="Equation.3">
+                <p:oleObj spid="_x0000_s3082" name="Equation" r:id="rId3" imgW="965160" imgH="228600" progId="Equation.3">
                   <p:embed/>
                 </p:oleObj>
               </mc:Choice>
@@ -29404,11 +29566,7 @@
             </a:br>
             <a:r>
               <a:rPr lang="nl-BE" dirty="0" smtClean="0"/>
-              <a:t>Georg </a:t>
-            </a:r>
-            <a:r>
-              <a:rPr lang="nl-BE" dirty="0" smtClean="0"/>
-              <a:t>Hager &amp; Gerhard </a:t>
+              <a:t>Georg Hager &amp; Gerhard </a:t>
             </a:r>
             <a:r>
               <a:rPr lang="nl-BE" dirty="0" err="1" smtClean="0"/>
@@ -29424,11 +29582,7 @@
             </a:r>
             <a:r>
               <a:rPr lang="nl-BE" dirty="0" smtClean="0"/>
-              <a:t> &amp; Hall, </a:t>
-            </a:r>
-            <a:r>
-              <a:rPr lang="nl-BE" dirty="0" smtClean="0"/>
-              <a:t>2010</a:t>
+              <a:t> &amp; Hall, 2010</a:t>
             </a:r>
             <a:endParaRPr lang="en-US" b="1" dirty="0"/>
           </a:p>
@@ -31863,13 +32017,8 @@
             <a:pPr lvl="2"/>
             <a:r>
               <a:rPr lang="en-US" dirty="0" smtClean="0"/>
-              <a:t>compiler flags, </a:t>
-            </a:r>
-            <a:r>
-              <a:rPr lang="en-US" dirty="0" smtClean="0"/>
-              <a:t>programmer can/should help</a:t>
-            </a:r>
-            <a:endParaRPr lang="en-US" dirty="0" smtClean="0"/>
+              <a:t>compiler flags, programmer can/should help</a:t>
+            </a:r>
           </a:p>
           <a:p>
             <a:pPr lvl="1"/>
@@ -31901,26 +32050,14 @@
             <a:pPr lvl="1"/>
             <a:r>
               <a:rPr lang="en-US" dirty="0" smtClean="0"/>
-              <a:t>multiple </a:t>
-            </a:r>
+              <a:t>multiple nodes, i.e., distributed</a:t>
+            </a:r>
+          </a:p>
+          <a:p>
+            <a:pPr lvl="2"/>
             <a:r>
               <a:rPr lang="en-US" dirty="0" smtClean="0"/>
-              <a:t>nodes, </a:t>
-            </a:r>
-            <a:r>
-              <a:rPr lang="en-US" dirty="0" smtClean="0"/>
-              <a:t>i.e., distributed</a:t>
-            </a:r>
-          </a:p>
-          <a:p>
-            <a:pPr lvl="2"/>
-            <a:r>
-              <a:rPr lang="en-US" dirty="0" smtClean="0"/>
-              <a:t>MPI/CAF/UPC/Chapel: </a:t>
-            </a:r>
-            <a:r>
-              <a:rPr lang="en-US" dirty="0" smtClean="0"/>
-              <a:t>programmer's job</a:t>
+              <a:t>MPI/CAF/UPC/Chapel: programmer's job</a:t>
             </a:r>
           </a:p>
           <a:p>

--- a/Optimization/hpc_efficiency.pptx
+++ b/Optimization/hpc_efficiency.pptx
@@ -5,7 +5,7 @@
     <p:sldMasterId id="2147483648" r:id="rId1"/>
   </p:sldMasterIdLst>
   <p:notesMasterIdLst>
-    <p:notesMasterId r:id="rId39"/>
+    <p:notesMasterId r:id="rId40"/>
   </p:notesMasterIdLst>
   <p:sldIdLst>
     <p:sldId id="267" r:id="rId2"/>
@@ -43,8 +43,9 @@
     <p:sldId id="287" r:id="rId34"/>
     <p:sldId id="292" r:id="rId35"/>
     <p:sldId id="286" r:id="rId36"/>
-    <p:sldId id="271" r:id="rId37"/>
-    <p:sldId id="283" r:id="rId38"/>
+    <p:sldId id="297" r:id="rId37"/>
+    <p:sldId id="271" r:id="rId38"/>
+    <p:sldId id="283" r:id="rId39"/>
   </p:sldIdLst>
   <p:sldSz cx="9144000" cy="6858000" type="screen4x3"/>
   <p:notesSz cx="6858000" cy="9144000"/>
@@ -272,11 +273,11 @@
           <c:showPercent val="0"/>
           <c:showBubbleSize val="0"/>
         </c:dLbls>
-        <c:axId val="171381488"/>
-        <c:axId val="170399888"/>
+        <c:axId val="347863360"/>
+        <c:axId val="347865320"/>
       </c:scatterChart>
       <c:valAx>
-        <c:axId val="171381488"/>
+        <c:axId val="347863360"/>
         <c:scaling>
           <c:logBase val="2"/>
           <c:orientation val="minMax"/>
@@ -288,14 +289,14 @@
         <c:majorTickMark val="out"/>
         <c:minorTickMark val="none"/>
         <c:tickLblPos val="nextTo"/>
-        <c:crossAx val="170399888"/>
+        <c:crossAx val="347865320"/>
         <c:crosses val="autoZero"/>
         <c:crossBetween val="midCat"/>
         <c:majorUnit val="4"/>
         <c:minorUnit val="4"/>
       </c:valAx>
       <c:valAx>
-        <c:axId val="170399888"/>
+        <c:axId val="347865320"/>
         <c:scaling>
           <c:logBase val="2"/>
           <c:orientation val="minMax"/>
@@ -308,7 +309,7 @@
         <c:majorTickMark val="out"/>
         <c:minorTickMark val="none"/>
         <c:tickLblPos val="nextTo"/>
-        <c:crossAx val="171381488"/>
+        <c:crossAx val="347863360"/>
         <c:crosses val="autoZero"/>
         <c:crossBetween val="midCat"/>
         <c:majorUnit val="4"/>
@@ -681,11 +682,11 @@
           <c:showPercent val="0"/>
           <c:showBubbleSize val="0"/>
         </c:dLbls>
-        <c:axId val="171368432"/>
-        <c:axId val="170646032"/>
+        <c:axId val="347864928"/>
+        <c:axId val="347861792"/>
       </c:scatterChart>
       <c:valAx>
-        <c:axId val="171368432"/>
+        <c:axId val="347864928"/>
         <c:scaling>
           <c:logBase val="2"/>
           <c:orientation val="minMax"/>
@@ -698,14 +699,14 @@
         <c:majorTickMark val="out"/>
         <c:minorTickMark val="none"/>
         <c:tickLblPos val="nextTo"/>
-        <c:crossAx val="170646032"/>
+        <c:crossAx val="347861792"/>
         <c:crosses val="autoZero"/>
         <c:crossBetween val="midCat"/>
         <c:majorUnit val="4"/>
         <c:minorUnit val="4"/>
       </c:valAx>
       <c:valAx>
-        <c:axId val="170646032"/>
+        <c:axId val="347861792"/>
         <c:scaling>
           <c:logBase val="2"/>
           <c:orientation val="minMax"/>
@@ -719,7 +720,7 @@
         <c:majorTickMark val="out"/>
         <c:minorTickMark val="none"/>
         <c:tickLblPos val="nextTo"/>
-        <c:crossAx val="171368432"/>
+        <c:crossAx val="347864928"/>
         <c:crosses val="autoZero"/>
         <c:crossBetween val="midCat"/>
         <c:majorUnit val="4"/>
@@ -932,11 +933,11 @@
           <c:showPercent val="0"/>
           <c:showBubbleSize val="0"/>
         </c:dLbls>
-        <c:axId val="171790792"/>
-        <c:axId val="171791184"/>
+        <c:axId val="347861400"/>
+        <c:axId val="347859048"/>
       </c:scatterChart>
       <c:valAx>
-        <c:axId val="171790792"/>
+        <c:axId val="347861400"/>
         <c:scaling>
           <c:logBase val="2"/>
           <c:orientation val="minMax"/>
@@ -949,13 +950,13 @@
         <c:majorTickMark val="out"/>
         <c:minorTickMark val="none"/>
         <c:tickLblPos val="nextTo"/>
-        <c:crossAx val="171791184"/>
+        <c:crossAx val="347859048"/>
         <c:crosses val="autoZero"/>
         <c:crossBetween val="midCat"/>
         <c:minorUnit val="4"/>
       </c:valAx>
       <c:valAx>
-        <c:axId val="171791184"/>
+        <c:axId val="347859048"/>
         <c:scaling>
           <c:logBase val="2"/>
           <c:orientation val="minMax"/>
@@ -969,7 +970,7 @@
         <c:majorTickMark val="out"/>
         <c:minorTickMark val="none"/>
         <c:tickLblPos val="nextTo"/>
-        <c:crossAx val="171790792"/>
+        <c:crossAx val="347861400"/>
         <c:crosses val="autoZero"/>
         <c:crossBetween val="midCat"/>
         <c:majorUnit val="2"/>
@@ -1100,11 +1101,11 @@
           <c:showPercent val="0"/>
           <c:showBubbleSize val="0"/>
         </c:dLbls>
-        <c:axId val="171791968"/>
-        <c:axId val="171792360"/>
+        <c:axId val="347862576"/>
+        <c:axId val="347862968"/>
       </c:scatterChart>
       <c:valAx>
-        <c:axId val="171791968"/>
+        <c:axId val="347862576"/>
         <c:scaling>
           <c:logBase val="2"/>
           <c:orientation val="minMax"/>
@@ -1117,13 +1118,13 @@
         <c:majorTickMark val="out"/>
         <c:minorTickMark val="none"/>
         <c:tickLblPos val="nextTo"/>
-        <c:crossAx val="171792360"/>
+        <c:crossAx val="347862968"/>
         <c:crosses val="autoZero"/>
         <c:crossBetween val="midCat"/>
         <c:majorUnit val="4"/>
       </c:valAx>
       <c:valAx>
-        <c:axId val="171792360"/>
+        <c:axId val="347862968"/>
         <c:scaling>
           <c:logBase val="2"/>
           <c:orientation val="minMax"/>
@@ -1136,7 +1137,7 @@
         <c:majorTickMark val="out"/>
         <c:minorTickMark val="none"/>
         <c:tickLblPos val="nextTo"/>
-        <c:crossAx val="171791968"/>
+        <c:crossAx val="347862576"/>
         <c:crosses val="autoZero"/>
         <c:crossBetween val="midCat"/>
         <c:majorUnit val="2"/>
@@ -1262,11 +1263,11 @@
           <c:showPercent val="0"/>
           <c:showBubbleSize val="0"/>
         </c:dLbls>
-        <c:axId val="171793144"/>
-        <c:axId val="171793536"/>
+        <c:axId val="349187992"/>
+        <c:axId val="349190344"/>
       </c:scatterChart>
       <c:valAx>
-        <c:axId val="171793144"/>
+        <c:axId val="349187992"/>
         <c:scaling>
           <c:logBase val="2"/>
           <c:orientation val="minMax"/>
@@ -1279,14 +1280,14 @@
         <c:majorTickMark val="out"/>
         <c:minorTickMark val="none"/>
         <c:tickLblPos val="nextTo"/>
-        <c:crossAx val="171793536"/>
+        <c:crossAx val="349190344"/>
         <c:crosses val="autoZero"/>
         <c:crossBetween val="midCat"/>
         <c:majorUnit val="4"/>
         <c:minorUnit val="4"/>
       </c:valAx>
       <c:valAx>
-        <c:axId val="171793536"/>
+        <c:axId val="349190344"/>
         <c:scaling>
           <c:orientation val="minMax"/>
           <c:max val="1"/>
@@ -1298,7 +1299,7 @@
         <c:majorTickMark val="out"/>
         <c:minorTickMark val="none"/>
         <c:tickLblPos val="nextTo"/>
-        <c:crossAx val="171793144"/>
+        <c:crossAx val="349187992"/>
         <c:crosses val="autoZero"/>
         <c:crossBetween val="midCat"/>
       </c:valAx>
@@ -1395,7 +1396,7 @@
           <a:p>
             <a:fld id="{2E6AAE95-D4FC-4D00-935A-EAE928727A56}" type="datetimeFigureOut">
               <a:rPr lang="en-US" smtClean="0"/>
-              <a:t>8/4/2016</a:t>
+              <a:t>2016-09-02</a:t>
             </a:fld>
             <a:endParaRPr lang="en-US"/>
           </a:p>
@@ -1928,7 +1929,7 @@
           <a:p>
             <a:fld id="{1CFF3F78-F57F-4409-A41B-5EC46D4F404B}" type="datetime1">
               <a:rPr lang="nl-BE" smtClean="0"/>
-              <a:t>2016-08-04</a:t>
+              <a:t>2/09/2016</a:t>
             </a:fld>
             <a:endParaRPr lang="nl-BE"/>
           </a:p>
@@ -2098,7 +2099,7 @@
           <a:p>
             <a:fld id="{7D029E61-52E3-412C-82EB-2F81B17C0AF1}" type="datetime1">
               <a:rPr lang="nl-BE" smtClean="0"/>
-              <a:t>2016-08-04</a:t>
+              <a:t>2/09/2016</a:t>
             </a:fld>
             <a:endParaRPr lang="nl-BE"/>
           </a:p>
@@ -2278,7 +2279,7 @@
           <a:p>
             <a:fld id="{A83F1CEF-A38E-4001-89C6-F3FC7784F299}" type="datetime1">
               <a:rPr lang="nl-BE" smtClean="0"/>
-              <a:t>2016-08-04</a:t>
+              <a:t>2/09/2016</a:t>
             </a:fld>
             <a:endParaRPr lang="nl-BE"/>
           </a:p>
@@ -2404,7 +2405,7 @@
           <a:p>
             <a:fld id="{1FDE84DB-AADA-4C3F-BF46-CA664A504479}" type="datetime1">
               <a:rPr lang="nl-BE" smtClean="0"/>
-              <a:t>2016-08-04</a:t>
+              <a:t>2/09/2016</a:t>
             </a:fld>
             <a:endParaRPr lang="nl-BE" dirty="0"/>
           </a:p>
@@ -2648,7 +2649,7 @@
           <a:p>
             <a:fld id="{8CD53A43-C15C-4F05-9AD7-DB9DE837084D}" type="datetime1">
               <a:rPr lang="nl-BE" smtClean="0"/>
-              <a:t>2016-08-04</a:t>
+              <a:t>2/09/2016</a:t>
             </a:fld>
             <a:endParaRPr lang="nl-BE"/>
           </a:p>
@@ -2894,7 +2895,7 @@
           <a:p>
             <a:fld id="{8994D238-D949-4AEF-9753-A8B6EFA964A0}" type="datetime1">
               <a:rPr lang="nl-BE" smtClean="0"/>
-              <a:t>2016-08-04</a:t>
+              <a:t>2/09/2016</a:t>
             </a:fld>
             <a:endParaRPr lang="nl-BE"/>
           </a:p>
@@ -3182,7 +3183,7 @@
           <a:p>
             <a:fld id="{4D234023-BF99-4AD0-835E-8125DA2B6664}" type="datetime1">
               <a:rPr lang="nl-BE" smtClean="0"/>
-              <a:t>2016-08-04</a:t>
+              <a:t>2/09/2016</a:t>
             </a:fld>
             <a:endParaRPr lang="nl-BE"/>
           </a:p>
@@ -3604,7 +3605,7 @@
           <a:p>
             <a:fld id="{DB075A73-5C1D-406E-9444-3C5C58580E8E}" type="datetime1">
               <a:rPr lang="nl-BE" smtClean="0"/>
-              <a:t>2016-08-04</a:t>
+              <a:t>2/09/2016</a:t>
             </a:fld>
             <a:endParaRPr lang="nl-BE"/>
           </a:p>
@@ -3722,7 +3723,7 @@
           <a:p>
             <a:fld id="{E111FB2D-2E17-4D8F-A64A-4EB0C3D12494}" type="datetime1">
               <a:rPr lang="nl-BE" smtClean="0"/>
-              <a:t>2016-08-04</a:t>
+              <a:t>2/09/2016</a:t>
             </a:fld>
             <a:endParaRPr lang="nl-BE"/>
           </a:p>
@@ -3817,7 +3818,7 @@
           <a:p>
             <a:fld id="{5BE27D71-2267-4E44-9F33-05B60E5C7D9D}" type="datetime1">
               <a:rPr lang="nl-BE" smtClean="0"/>
-              <a:t>2016-08-04</a:t>
+              <a:t>2/09/2016</a:t>
             </a:fld>
             <a:endParaRPr lang="nl-BE"/>
           </a:p>
@@ -4094,7 +4095,7 @@
           <a:p>
             <a:fld id="{182F587C-96C8-4813-A767-3084061A3229}" type="datetime1">
               <a:rPr lang="nl-BE" smtClean="0"/>
-              <a:t>2016-08-04</a:t>
+              <a:t>2/09/2016</a:t>
             </a:fld>
             <a:endParaRPr lang="nl-BE"/>
           </a:p>
@@ -4347,7 +4348,7 @@
           <a:p>
             <a:fld id="{8B021CF8-BBBB-4DFA-8713-49842AA07274}" type="datetime1">
               <a:rPr lang="nl-BE" smtClean="0"/>
-              <a:t>2016-08-04</a:t>
+              <a:t>2/09/2016</a:t>
             </a:fld>
             <a:endParaRPr lang="nl-BE"/>
           </a:p>
@@ -4560,7 +4561,7 @@
           <a:p>
             <a:fld id="{CDBFABB5-0AB3-4CB6-A705-6887DEB1F9F2}" type="datetime1">
               <a:rPr lang="nl-BE" smtClean="0"/>
-              <a:t>2016-08-04</a:t>
+              <a:t>2/09/2016</a:t>
             </a:fld>
             <a:endParaRPr lang="nl-BE"/>
           </a:p>
@@ -8756,7 +8757,7 @@
           <a:graphicData uri="http://schemas.openxmlformats.org/presentationml/2006/ole">
             <mc:AlternateContent xmlns:mc="http://schemas.openxmlformats.org/markup-compatibility/2006">
               <mc:Choice xmlns:v="urn:schemas-microsoft-com:vml" Requires="v">
-                <p:oleObj spid="_x0000_s1148" name="Equation" r:id="rId3" imgW="812520" imgH="393480" progId="Equation.3">
+                <p:oleObj spid="_x0000_s1152" name="Equation" r:id="rId3" imgW="812520" imgH="393480" progId="Equation.3">
                   <p:embed/>
                 </p:oleObj>
               </mc:Choice>
@@ -8813,7 +8814,7 @@
           <a:graphicData uri="http://schemas.openxmlformats.org/presentationml/2006/ole">
             <mc:AlternateContent xmlns:mc="http://schemas.openxmlformats.org/markup-compatibility/2006">
               <mc:Choice xmlns:v="urn:schemas-microsoft-com:vml" Requires="v">
-                <p:oleObj spid="_x0000_s1149" name="Equation" r:id="rId5" imgW="2489040" imgH="431640" progId="Equation.3">
+                <p:oleObj spid="_x0000_s1153" name="Equation" r:id="rId5" imgW="2489040" imgH="431640" progId="Equation.3">
                   <p:embed/>
                 </p:oleObj>
               </mc:Choice>
@@ -19416,7 +19417,7 @@
           <a:graphicData uri="http://schemas.openxmlformats.org/presentationml/2006/ole">
             <mc:AlternateContent xmlns:mc="http://schemas.openxmlformats.org/markup-compatibility/2006">
               <mc:Choice xmlns:v="urn:schemas-microsoft-com:vml" Requires="v">
-                <p:oleObj spid="_x0000_s2139" name="Equation" r:id="rId3" imgW="1091880" imgH="1041120" progId="Equation.3">
+                <p:oleObj spid="_x0000_s2143" name="Equation" r:id="rId3" imgW="1091880" imgH="1041120" progId="Equation.3">
                   <p:embed/>
                 </p:oleObj>
               </mc:Choice>
@@ -20787,7 +20788,7 @@
           <a:graphicData uri="http://schemas.openxmlformats.org/presentationml/2006/ole">
             <mc:AlternateContent xmlns:mc="http://schemas.openxmlformats.org/markup-compatibility/2006">
               <mc:Choice xmlns:v="urn:schemas-microsoft-com:vml" Requires="v">
-                <p:oleObj spid="_x0000_s2140" name="Equation" r:id="rId5" imgW="1091880" imgH="1041120" progId="Equation.3">
+                <p:oleObj spid="_x0000_s2144" name="Equation" r:id="rId5" imgW="1091880" imgH="1041120" progId="Equation.3">
                   <p:embed/>
                 </p:oleObj>
               </mc:Choice>
@@ -23742,11 +23743,7 @@
             </a:r>
             <a:r>
               <a:rPr lang="en-US" dirty="0" smtClean="0"/>
-              <a:t>64 = 32768 bytes apart competes for </a:t>
-            </a:r>
-            <a:r>
-              <a:rPr lang="en-US" dirty="0" smtClean="0"/>
-              <a:t>slots</a:t>
+              <a:t>64 = 32768 bytes apart competes for slots</a:t>
             </a:r>
           </a:p>
           <a:p>
@@ -23821,15 +23818,7 @@
           <a:p>
             <a:r>
               <a:rPr lang="en-US" sz="2400" dirty="0" smtClean="0"/>
-              <a:t>Cache evictions limit reuse, </a:t>
-            </a:r>
-            <a:r>
-              <a:rPr lang="en-US" sz="2400" dirty="0" smtClean="0"/>
-              <a:t>reduce </a:t>
-            </a:r>
-            <a:r>
-              <a:rPr lang="en-US" sz="2400" dirty="0" smtClean="0"/>
-              <a:t>performance!</a:t>
+              <a:t>Cache evictions limit reuse, reduce performance!</a:t>
             </a:r>
             <a:endParaRPr lang="nl-BE" sz="2400" dirty="0"/>
           </a:p>
@@ -27141,7 +27130,7 @@
           <a:graphicData uri="http://schemas.openxmlformats.org/presentationml/2006/ole">
             <mc:AlternateContent xmlns:mc="http://schemas.openxmlformats.org/markup-compatibility/2006">
               <mc:Choice xmlns:v="urn:schemas-microsoft-com:vml" Requires="v">
-                <p:oleObj spid="_x0000_s3082" name="Equation" r:id="rId3" imgW="965160" imgH="228600" progId="Equation.3">
+                <p:oleObj spid="_x0000_s3084" name="Equation" r:id="rId3" imgW="965160" imgH="228600" progId="Equation.3">
                   <p:embed/>
                 </p:oleObj>
               </mc:Choice>
@@ -29725,10 +29714,640 @@
   <p:clrMapOvr>
     <a:masterClrMapping/>
   </p:clrMapOvr>
+  <p:timing>
+    <p:tnLst>
+      <p:par>
+        <p:cTn id="1" dur="indefinite" restart="never" nodeType="tmRoot"/>
+      </p:par>
+    </p:tnLst>
+  </p:timing>
 </p:sld>
 </file>
 
 <file path=ppt/slides/slide36.xml><?xml version="1.0" encoding="utf-8"?>
+<p:sld xmlns:a="http://schemas.openxmlformats.org/drawingml/2006/main" xmlns:r="http://schemas.openxmlformats.org/officeDocument/2006/relationships" xmlns:p="http://schemas.openxmlformats.org/presentationml/2006/main">
+  <p:cSld>
+    <p:spTree>
+      <p:nvGrpSpPr>
+        <p:cNvPr id="1" name=""/>
+        <p:cNvGrpSpPr/>
+        <p:nvPr/>
+      </p:nvGrpSpPr>
+      <p:grpSpPr>
+        <a:xfrm>
+          <a:off x="0" y="0"/>
+          <a:ext cx="0" cy="0"/>
+          <a:chOff x="0" y="0"/>
+          <a:chExt cx="0" cy="0"/>
+        </a:xfrm>
+      </p:grpSpPr>
+      <p:sp>
+        <p:nvSpPr>
+          <p:cNvPr id="2" name="Title 1"/>
+          <p:cNvSpPr>
+            <a:spLocks noGrp="1"/>
+          </p:cNvSpPr>
+          <p:nvPr>
+            <p:ph type="title"/>
+          </p:nvPr>
+        </p:nvSpPr>
+        <p:spPr/>
+        <p:txBody>
+          <a:bodyPr/>
+          <a:lstStyle/>
+          <a:p>
+            <a:r>
+              <a:rPr lang="en-US" dirty="0" smtClean="0"/>
+              <a:t>Tools</a:t>
+            </a:r>
+            <a:endParaRPr lang="en-US" dirty="0"/>
+          </a:p>
+        </p:txBody>
+      </p:sp>
+      <p:sp>
+        <p:nvSpPr>
+          <p:cNvPr id="3" name="Content Placeholder 2"/>
+          <p:cNvSpPr>
+            <a:spLocks noGrp="1"/>
+          </p:cNvSpPr>
+          <p:nvPr>
+            <p:ph idx="1"/>
+          </p:nvPr>
+        </p:nvSpPr>
+        <p:spPr/>
+        <p:txBody>
+          <a:bodyPr>
+            <a:normAutofit fontScale="92500" lnSpcReduction="10000"/>
+          </a:bodyPr>
+          <a:lstStyle/>
+          <a:p>
+            <a:r>
+              <a:rPr lang="en-US" dirty="0" smtClean="0"/>
+              <a:t>Profilers</a:t>
+            </a:r>
+          </a:p>
+          <a:p>
+            <a:pPr lvl="1"/>
+            <a:r>
+              <a:rPr lang="en-US" dirty="0" err="1" smtClean="0"/>
+              <a:t>gprof</a:t>
+            </a:r>
+            <a:endParaRPr lang="en-US" dirty="0" smtClean="0"/>
+          </a:p>
+          <a:p>
+            <a:pPr lvl="1"/>
+            <a:r>
+              <a:rPr lang="en-US" dirty="0" err="1" smtClean="0"/>
+              <a:t>Scalasca</a:t>
+            </a:r>
+            <a:endParaRPr lang="en-US" dirty="0" smtClean="0"/>
+          </a:p>
+          <a:p>
+            <a:pPr lvl="1"/>
+            <a:r>
+              <a:rPr lang="en-US" dirty="0" err="1" smtClean="0"/>
+              <a:t>AllineaForge</a:t>
+            </a:r>
+            <a:r>
+              <a:rPr lang="en-US" dirty="0" smtClean="0"/>
+              <a:t> MAP</a:t>
+            </a:r>
+          </a:p>
+          <a:p>
+            <a:pPr lvl="1"/>
+            <a:r>
+              <a:rPr lang="en-US" dirty="0" smtClean="0"/>
+              <a:t>Intel </a:t>
+            </a:r>
+            <a:r>
+              <a:rPr lang="en-US" dirty="0" err="1" smtClean="0"/>
+              <a:t>vTune</a:t>
+            </a:r>
+            <a:endParaRPr lang="en-US" dirty="0" smtClean="0"/>
+          </a:p>
+          <a:p>
+            <a:r>
+              <a:rPr lang="en-US" dirty="0" smtClean="0"/>
+              <a:t>Hardware information</a:t>
+            </a:r>
+          </a:p>
+          <a:p>
+            <a:pPr lvl="1"/>
+            <a:r>
+              <a:rPr lang="en-US" dirty="0" err="1" smtClean="0"/>
+              <a:t>lscpu</a:t>
+            </a:r>
+            <a:r>
+              <a:rPr lang="en-US" dirty="0" smtClean="0"/>
+              <a:t>: CPU information, including cache size and NUMA configuration</a:t>
+            </a:r>
+          </a:p>
+          <a:p>
+            <a:pPr lvl="1"/>
+            <a:r>
+              <a:rPr lang="en-US" dirty="0" err="1" smtClean="0"/>
+              <a:t>lstopo</a:t>
+            </a:r>
+            <a:r>
+              <a:rPr lang="en-US" dirty="0" smtClean="0"/>
+              <a:t>-no-graphics: more detailed cache topology</a:t>
+            </a:r>
+          </a:p>
+          <a:p>
+            <a:pPr lvl="1"/>
+            <a:r>
+              <a:rPr lang="en-US" dirty="0" smtClean="0"/>
+              <a:t>Intel </a:t>
+            </a:r>
+            <a:r>
+              <a:rPr lang="en-US" dirty="0" err="1" smtClean="0"/>
+              <a:t>mlc</a:t>
+            </a:r>
+            <a:r>
+              <a:rPr lang="en-US" dirty="0" smtClean="0"/>
+              <a:t>: provides memory bandwidth &amp; latency info</a:t>
+            </a:r>
+            <a:endParaRPr lang="en-US" dirty="0"/>
+          </a:p>
+        </p:txBody>
+      </p:sp>
+      <p:sp>
+        <p:nvSpPr>
+          <p:cNvPr id="4" name="Slide Number Placeholder 3"/>
+          <p:cNvSpPr>
+            <a:spLocks noGrp="1"/>
+          </p:cNvSpPr>
+          <p:nvPr>
+            <p:ph type="sldNum" sz="quarter" idx="12"/>
+          </p:nvPr>
+        </p:nvSpPr>
+        <p:spPr/>
+        <p:txBody>
+          <a:bodyPr/>
+          <a:lstStyle/>
+          <a:p>
+            <a:fld id="{6597116C-F94B-4B5B-973A-17F07FB5C418}" type="slidenum">
+              <a:rPr lang="nl-BE" smtClean="0"/>
+              <a:t>36</a:t>
+            </a:fld>
+            <a:endParaRPr lang="nl-BE"/>
+          </a:p>
+        </p:txBody>
+      </p:sp>
+      <p:sp>
+        <p:nvSpPr>
+          <p:cNvPr id="5" name="TextBox 4"/>
+          <p:cNvSpPr txBox="1"/>
+          <p:nvPr/>
+        </p:nvSpPr>
+        <p:spPr>
+          <a:xfrm>
+            <a:off x="5148064" y="2420888"/>
+            <a:ext cx="2201500" cy="954107"/>
+          </a:xfrm>
+          <a:prstGeom prst="rect">
+            <a:avLst/>
+          </a:prstGeom>
+          <a:noFill/>
+          <a:ln>
+            <a:solidFill>
+              <a:schemeClr val="tx1"/>
+            </a:solidFill>
+          </a:ln>
+        </p:spPr>
+        <p:txBody>
+          <a:bodyPr wrap="none" rtlCol="0">
+            <a:spAutoFit/>
+          </a:bodyPr>
+          <a:lstStyle/>
+          <a:p>
+            <a:pPr algn="ctr"/>
+            <a:r>
+              <a:rPr lang="en-US" sz="2800" dirty="0" smtClean="0"/>
+              <a:t>Use a profiler,</a:t>
+            </a:r>
+            <a:br>
+              <a:rPr lang="en-US" sz="2800" dirty="0" smtClean="0"/>
+            </a:br>
+            <a:r>
+              <a:rPr lang="en-US" sz="2800" dirty="0" smtClean="0"/>
+              <a:t>it is the law!</a:t>
+            </a:r>
+            <a:endParaRPr lang="en-US" sz="2800" dirty="0"/>
+          </a:p>
+        </p:txBody>
+      </p:sp>
+    </p:spTree>
+    <p:extLst>
+      <p:ext uri="{BB962C8B-B14F-4D97-AF65-F5344CB8AC3E}">
+        <p14:creationId xmlns:p14="http://schemas.microsoft.com/office/powerpoint/2010/main" val="1031716690"/>
+      </p:ext>
+    </p:extLst>
+  </p:cSld>
+  <p:clrMapOvr>
+    <a:masterClrMapping/>
+  </p:clrMapOvr>
+  <p:timing>
+    <p:tnLst>
+      <p:par>
+        <p:cTn id="1" dur="indefinite" restart="never" nodeType="tmRoot">
+          <p:childTnLst>
+            <p:seq concurrent="1" nextAc="seek">
+              <p:cTn id="2" dur="indefinite" nodeType="mainSeq">
+                <p:childTnLst>
+                  <p:par>
+                    <p:cTn id="3" fill="hold">
+                      <p:stCondLst>
+                        <p:cond delay="indefinite"/>
+                        <p:cond evt="onBegin" delay="0">
+                          <p:tn val="2"/>
+                        </p:cond>
+                      </p:stCondLst>
+                      <p:childTnLst>
+                        <p:par>
+                          <p:cTn id="4" fill="hold">
+                            <p:stCondLst>
+                              <p:cond delay="0"/>
+                            </p:stCondLst>
+                            <p:childTnLst>
+                              <p:par>
+                                <p:cTn id="5" presetID="1" presetClass="entr" presetSubtype="0" fill="hold" grpId="0" nodeType="withEffect">
+                                  <p:stCondLst>
+                                    <p:cond delay="0"/>
+                                  </p:stCondLst>
+                                  <p:childTnLst>
+                                    <p:set>
+                                      <p:cBhvr>
+                                        <p:cTn id="6" dur="1" fill="hold">
+                                          <p:stCondLst>
+                                            <p:cond delay="0"/>
+                                          </p:stCondLst>
+                                        </p:cTn>
+                                        <p:tgtEl>
+                                          <p:spTgt spid="3">
+                                            <p:txEl>
+                                              <p:pRg st="0" end="0"/>
+                                            </p:txEl>
+                                          </p:spTgt>
+                                        </p:tgtEl>
+                                        <p:attrNameLst>
+                                          <p:attrName>style.visibility</p:attrName>
+                                        </p:attrNameLst>
+                                      </p:cBhvr>
+                                      <p:to>
+                                        <p:strVal val="visible"/>
+                                      </p:to>
+                                    </p:set>
+                                  </p:childTnLst>
+                                </p:cTn>
+                              </p:par>
+                              <p:par>
+                                <p:cTn id="7" presetID="1" presetClass="entr" presetSubtype="0" fill="hold" grpId="0" nodeType="withEffect">
+                                  <p:stCondLst>
+                                    <p:cond delay="0"/>
+                                  </p:stCondLst>
+                                  <p:childTnLst>
+                                    <p:set>
+                                      <p:cBhvr>
+                                        <p:cTn id="8" dur="1" fill="hold">
+                                          <p:stCondLst>
+                                            <p:cond delay="0"/>
+                                          </p:stCondLst>
+                                        </p:cTn>
+                                        <p:tgtEl>
+                                          <p:spTgt spid="3">
+                                            <p:txEl>
+                                              <p:pRg st="1" end="1"/>
+                                            </p:txEl>
+                                          </p:spTgt>
+                                        </p:tgtEl>
+                                        <p:attrNameLst>
+                                          <p:attrName>style.visibility</p:attrName>
+                                        </p:attrNameLst>
+                                      </p:cBhvr>
+                                      <p:to>
+                                        <p:strVal val="visible"/>
+                                      </p:to>
+                                    </p:set>
+                                  </p:childTnLst>
+                                </p:cTn>
+                              </p:par>
+                              <p:par>
+                                <p:cTn id="9" presetID="1" presetClass="entr" presetSubtype="0" fill="hold" grpId="0" nodeType="withEffect">
+                                  <p:stCondLst>
+                                    <p:cond delay="0"/>
+                                  </p:stCondLst>
+                                  <p:childTnLst>
+                                    <p:set>
+                                      <p:cBhvr>
+                                        <p:cTn id="10" dur="1" fill="hold">
+                                          <p:stCondLst>
+                                            <p:cond delay="0"/>
+                                          </p:stCondLst>
+                                        </p:cTn>
+                                        <p:tgtEl>
+                                          <p:spTgt spid="3">
+                                            <p:txEl>
+                                              <p:pRg st="2" end="2"/>
+                                            </p:txEl>
+                                          </p:spTgt>
+                                        </p:tgtEl>
+                                        <p:attrNameLst>
+                                          <p:attrName>style.visibility</p:attrName>
+                                        </p:attrNameLst>
+                                      </p:cBhvr>
+                                      <p:to>
+                                        <p:strVal val="visible"/>
+                                      </p:to>
+                                    </p:set>
+                                  </p:childTnLst>
+                                </p:cTn>
+                              </p:par>
+                              <p:par>
+                                <p:cTn id="11" presetID="1" presetClass="entr" presetSubtype="0" fill="hold" grpId="0" nodeType="withEffect">
+                                  <p:stCondLst>
+                                    <p:cond delay="0"/>
+                                  </p:stCondLst>
+                                  <p:childTnLst>
+                                    <p:set>
+                                      <p:cBhvr>
+                                        <p:cTn id="12" dur="1" fill="hold">
+                                          <p:stCondLst>
+                                            <p:cond delay="0"/>
+                                          </p:stCondLst>
+                                        </p:cTn>
+                                        <p:tgtEl>
+                                          <p:spTgt spid="3">
+                                            <p:txEl>
+                                              <p:pRg st="3" end="3"/>
+                                            </p:txEl>
+                                          </p:spTgt>
+                                        </p:tgtEl>
+                                        <p:attrNameLst>
+                                          <p:attrName>style.visibility</p:attrName>
+                                        </p:attrNameLst>
+                                      </p:cBhvr>
+                                      <p:to>
+                                        <p:strVal val="visible"/>
+                                      </p:to>
+                                    </p:set>
+                                  </p:childTnLst>
+                                </p:cTn>
+                              </p:par>
+                              <p:par>
+                                <p:cTn id="13" presetID="1" presetClass="entr" presetSubtype="0" fill="hold" grpId="0" nodeType="withEffect">
+                                  <p:stCondLst>
+                                    <p:cond delay="0"/>
+                                  </p:stCondLst>
+                                  <p:childTnLst>
+                                    <p:set>
+                                      <p:cBhvr>
+                                        <p:cTn id="14" dur="1" fill="hold">
+                                          <p:stCondLst>
+                                            <p:cond delay="0"/>
+                                          </p:stCondLst>
+                                        </p:cTn>
+                                        <p:tgtEl>
+                                          <p:spTgt spid="3">
+                                            <p:txEl>
+                                              <p:pRg st="4" end="4"/>
+                                            </p:txEl>
+                                          </p:spTgt>
+                                        </p:tgtEl>
+                                        <p:attrNameLst>
+                                          <p:attrName>style.visibility</p:attrName>
+                                        </p:attrNameLst>
+                                      </p:cBhvr>
+                                      <p:to>
+                                        <p:strVal val="visible"/>
+                                      </p:to>
+                                    </p:set>
+                                  </p:childTnLst>
+                                </p:cTn>
+                              </p:par>
+                            </p:childTnLst>
+                          </p:cTn>
+                        </p:par>
+                      </p:childTnLst>
+                    </p:cTn>
+                  </p:par>
+                  <p:par>
+                    <p:cTn id="15" fill="hold">
+                      <p:stCondLst>
+                        <p:cond delay="indefinite"/>
+                      </p:stCondLst>
+                      <p:childTnLst>
+                        <p:par>
+                          <p:cTn id="16" fill="hold">
+                            <p:stCondLst>
+                              <p:cond delay="0"/>
+                            </p:stCondLst>
+                            <p:childTnLst>
+                              <p:par>
+                                <p:cTn id="17" presetID="1" presetClass="entr" presetSubtype="0" fill="hold" grpId="0" nodeType="clickEffect">
+                                  <p:stCondLst>
+                                    <p:cond delay="0"/>
+                                  </p:stCondLst>
+                                  <p:childTnLst>
+                                    <p:set>
+                                      <p:cBhvr>
+                                        <p:cTn id="18" dur="1" fill="hold">
+                                          <p:stCondLst>
+                                            <p:cond delay="0"/>
+                                          </p:stCondLst>
+                                        </p:cTn>
+                                        <p:tgtEl>
+                                          <p:spTgt spid="5"/>
+                                        </p:tgtEl>
+                                        <p:attrNameLst>
+                                          <p:attrName>style.visibility</p:attrName>
+                                        </p:attrNameLst>
+                                      </p:cBhvr>
+                                      <p:to>
+                                        <p:strVal val="visible"/>
+                                      </p:to>
+                                    </p:set>
+                                  </p:childTnLst>
+                                </p:cTn>
+                              </p:par>
+                            </p:childTnLst>
+                          </p:cTn>
+                        </p:par>
+                      </p:childTnLst>
+                    </p:cTn>
+                  </p:par>
+                  <p:par>
+                    <p:cTn id="19" fill="hold">
+                      <p:stCondLst>
+                        <p:cond delay="indefinite"/>
+                      </p:stCondLst>
+                      <p:childTnLst>
+                        <p:par>
+                          <p:cTn id="20" fill="hold">
+                            <p:stCondLst>
+                              <p:cond delay="0"/>
+                            </p:stCondLst>
+                            <p:childTnLst>
+                              <p:par>
+                                <p:cTn id="21" presetID="1" presetClass="entr" presetSubtype="0" fill="hold" grpId="0" nodeType="clickEffect">
+                                  <p:stCondLst>
+                                    <p:cond delay="0"/>
+                                  </p:stCondLst>
+                                  <p:childTnLst>
+                                    <p:set>
+                                      <p:cBhvr>
+                                        <p:cTn id="22" dur="1" fill="hold">
+                                          <p:stCondLst>
+                                            <p:cond delay="0"/>
+                                          </p:stCondLst>
+                                        </p:cTn>
+                                        <p:tgtEl>
+                                          <p:spTgt spid="3">
+                                            <p:txEl>
+                                              <p:pRg st="5" end="5"/>
+                                            </p:txEl>
+                                          </p:spTgt>
+                                        </p:tgtEl>
+                                        <p:attrNameLst>
+                                          <p:attrName>style.visibility</p:attrName>
+                                        </p:attrNameLst>
+                                      </p:cBhvr>
+                                      <p:to>
+                                        <p:strVal val="visible"/>
+                                      </p:to>
+                                    </p:set>
+                                  </p:childTnLst>
+                                </p:cTn>
+                              </p:par>
+                              <p:par>
+                                <p:cTn id="23" presetID="1" presetClass="entr" presetSubtype="0" fill="hold" grpId="0" nodeType="withEffect">
+                                  <p:stCondLst>
+                                    <p:cond delay="0"/>
+                                  </p:stCondLst>
+                                  <p:childTnLst>
+                                    <p:set>
+                                      <p:cBhvr>
+                                        <p:cTn id="24" dur="1" fill="hold">
+                                          <p:stCondLst>
+                                            <p:cond delay="0"/>
+                                          </p:stCondLst>
+                                        </p:cTn>
+                                        <p:tgtEl>
+                                          <p:spTgt spid="3">
+                                            <p:txEl>
+                                              <p:pRg st="6" end="6"/>
+                                            </p:txEl>
+                                          </p:spTgt>
+                                        </p:tgtEl>
+                                        <p:attrNameLst>
+                                          <p:attrName>style.visibility</p:attrName>
+                                        </p:attrNameLst>
+                                      </p:cBhvr>
+                                      <p:to>
+                                        <p:strVal val="visible"/>
+                                      </p:to>
+                                    </p:set>
+                                  </p:childTnLst>
+                                </p:cTn>
+                              </p:par>
+                              <p:par>
+                                <p:cTn id="25" presetID="1" presetClass="entr" presetSubtype="0" fill="hold" grpId="0" nodeType="withEffect">
+                                  <p:stCondLst>
+                                    <p:cond delay="0"/>
+                                  </p:stCondLst>
+                                  <p:childTnLst>
+                                    <p:set>
+                                      <p:cBhvr>
+                                        <p:cTn id="26" dur="1" fill="hold">
+                                          <p:stCondLst>
+                                            <p:cond delay="0"/>
+                                          </p:stCondLst>
+                                        </p:cTn>
+                                        <p:tgtEl>
+                                          <p:spTgt spid="3">
+                                            <p:txEl>
+                                              <p:pRg st="7" end="7"/>
+                                            </p:txEl>
+                                          </p:spTgt>
+                                        </p:tgtEl>
+                                        <p:attrNameLst>
+                                          <p:attrName>style.visibility</p:attrName>
+                                        </p:attrNameLst>
+                                      </p:cBhvr>
+                                      <p:to>
+                                        <p:strVal val="visible"/>
+                                      </p:to>
+                                    </p:set>
+                                  </p:childTnLst>
+                                </p:cTn>
+                              </p:par>
+                              <p:par>
+                                <p:cTn id="27" presetID="1" presetClass="entr" presetSubtype="0" fill="hold" grpId="0" nodeType="withEffect">
+                                  <p:stCondLst>
+                                    <p:cond delay="0"/>
+                                  </p:stCondLst>
+                                  <p:childTnLst>
+                                    <p:set>
+                                      <p:cBhvr>
+                                        <p:cTn id="28" dur="1" fill="hold">
+                                          <p:stCondLst>
+                                            <p:cond delay="0"/>
+                                          </p:stCondLst>
+                                        </p:cTn>
+                                        <p:tgtEl>
+                                          <p:spTgt spid="3">
+                                            <p:txEl>
+                                              <p:pRg st="8" end="8"/>
+                                            </p:txEl>
+                                          </p:spTgt>
+                                        </p:tgtEl>
+                                        <p:attrNameLst>
+                                          <p:attrName>style.visibility</p:attrName>
+                                        </p:attrNameLst>
+                                      </p:cBhvr>
+                                      <p:to>
+                                        <p:strVal val="visible"/>
+                                      </p:to>
+                                    </p:set>
+                                  </p:childTnLst>
+                                </p:cTn>
+                              </p:par>
+                            </p:childTnLst>
+                          </p:cTn>
+                        </p:par>
+                      </p:childTnLst>
+                    </p:cTn>
+                  </p:par>
+                </p:childTnLst>
+              </p:cTn>
+              <p:prevCondLst>
+                <p:cond evt="onPrev" delay="0">
+                  <p:tgtEl>
+                    <p:sldTgt/>
+                  </p:tgtEl>
+                </p:cond>
+              </p:prevCondLst>
+              <p:nextCondLst>
+                <p:cond evt="onNext" delay="0">
+                  <p:tgtEl>
+                    <p:sldTgt/>
+                  </p:tgtEl>
+                </p:cond>
+              </p:nextCondLst>
+            </p:seq>
+          </p:childTnLst>
+        </p:cTn>
+      </p:par>
+    </p:tnLst>
+    <p:bldLst>
+      <p:bldP spid="3" grpId="0" uiExpand="1" build="p"/>
+      <p:bldP spid="5" grpId="0" animBg="1"/>
+    </p:bldLst>
+  </p:timing>
+</p:sld>
+</file>
+
+<file path=ppt/slides/slide37.xml><?xml version="1.0" encoding="utf-8"?>
 <p:sld xmlns:a="http://schemas.openxmlformats.org/drawingml/2006/main" xmlns:r="http://schemas.openxmlformats.org/officeDocument/2006/relationships" xmlns:p="http://schemas.openxmlformats.org/presentationml/2006/main">
   <p:cSld>
     <p:spTree>
@@ -31512,7 +32131,7 @@
           <a:p>
             <a:fld id="{6597116C-F94B-4B5B-973A-17F07FB5C418}" type="slidenum">
               <a:rPr lang="nl-BE" smtClean="0"/>
-              <a:t>36</a:t>
+              <a:t>37</a:t>
             </a:fld>
             <a:endParaRPr lang="nl-BE"/>
           </a:p>
@@ -31657,7 +32276,7 @@
 </p:sld>
 </file>
 
-<file path=ppt/slides/slide37.xml><?xml version="1.0" encoding="utf-8"?>
+<file path=ppt/slides/slide38.xml><?xml version="1.0" encoding="utf-8"?>
 <p:sld xmlns:a="http://schemas.openxmlformats.org/drawingml/2006/main" xmlns:r="http://schemas.openxmlformats.org/officeDocument/2006/relationships" xmlns:p="http://schemas.openxmlformats.org/presentationml/2006/main">
   <p:cSld>
     <p:spTree>
@@ -31875,7 +32494,7 @@
           <a:p>
             <a:fld id="{6597116C-F94B-4B5B-973A-17F07FB5C418}" type="slidenum">
               <a:rPr lang="nl-BE" smtClean="0"/>
-              <a:t>37</a:t>
+              <a:t>38</a:t>
             </a:fld>
             <a:endParaRPr lang="nl-BE"/>
           </a:p>

--- a/Optimization/hpc_efficiency.pptx
+++ b/Optimization/hpc_efficiency.pptx
@@ -5,7 +5,7 @@
     <p:sldMasterId id="2147483648" r:id="rId1"/>
   </p:sldMasterIdLst>
   <p:notesMasterIdLst>
-    <p:notesMasterId r:id="rId40"/>
+    <p:notesMasterId r:id="rId41"/>
   </p:notesMasterIdLst>
   <p:sldIdLst>
     <p:sldId id="267" r:id="rId2"/>
@@ -40,12 +40,13 @@
     <p:sldId id="290" r:id="rId31"/>
     <p:sldId id="289" r:id="rId32"/>
     <p:sldId id="281" r:id="rId33"/>
-    <p:sldId id="287" r:id="rId34"/>
-    <p:sldId id="292" r:id="rId35"/>
-    <p:sldId id="286" r:id="rId36"/>
-    <p:sldId id="297" r:id="rId37"/>
-    <p:sldId id="271" r:id="rId38"/>
-    <p:sldId id="283" r:id="rId39"/>
+    <p:sldId id="298" r:id="rId34"/>
+    <p:sldId id="287" r:id="rId35"/>
+    <p:sldId id="292" r:id="rId36"/>
+    <p:sldId id="286" r:id="rId37"/>
+    <p:sldId id="297" r:id="rId38"/>
+    <p:sldId id="271" r:id="rId39"/>
+    <p:sldId id="283" r:id="rId40"/>
   </p:sldIdLst>
   <p:sldSz cx="9144000" cy="6858000" type="screen4x3"/>
   <p:notesSz cx="6858000" cy="9144000"/>
@@ -273,11 +274,11 @@
           <c:showPercent val="0"/>
           <c:showBubbleSize val="0"/>
         </c:dLbls>
-        <c:axId val="347863360"/>
-        <c:axId val="347865320"/>
+        <c:axId val="189102376"/>
+        <c:axId val="187634672"/>
       </c:scatterChart>
       <c:valAx>
-        <c:axId val="347863360"/>
+        <c:axId val="189102376"/>
         <c:scaling>
           <c:logBase val="2"/>
           <c:orientation val="minMax"/>
@@ -289,14 +290,14 @@
         <c:majorTickMark val="out"/>
         <c:minorTickMark val="none"/>
         <c:tickLblPos val="nextTo"/>
-        <c:crossAx val="347865320"/>
+        <c:crossAx val="187634672"/>
         <c:crosses val="autoZero"/>
         <c:crossBetween val="midCat"/>
         <c:majorUnit val="4"/>
         <c:minorUnit val="4"/>
       </c:valAx>
       <c:valAx>
-        <c:axId val="347865320"/>
+        <c:axId val="187634672"/>
         <c:scaling>
           <c:logBase val="2"/>
           <c:orientation val="minMax"/>
@@ -309,7 +310,7 @@
         <c:majorTickMark val="out"/>
         <c:minorTickMark val="none"/>
         <c:tickLblPos val="nextTo"/>
-        <c:crossAx val="347863360"/>
+        <c:crossAx val="189102376"/>
         <c:crosses val="autoZero"/>
         <c:crossBetween val="midCat"/>
         <c:majorUnit val="4"/>
@@ -682,11 +683,11 @@
           <c:showPercent val="0"/>
           <c:showBubbleSize val="0"/>
         </c:dLbls>
-        <c:axId val="347864928"/>
-        <c:axId val="347861792"/>
+        <c:axId val="187599792"/>
+        <c:axId val="187600176"/>
       </c:scatterChart>
       <c:valAx>
-        <c:axId val="347864928"/>
+        <c:axId val="187599792"/>
         <c:scaling>
           <c:logBase val="2"/>
           <c:orientation val="minMax"/>
@@ -699,14 +700,14 @@
         <c:majorTickMark val="out"/>
         <c:minorTickMark val="none"/>
         <c:tickLblPos val="nextTo"/>
-        <c:crossAx val="347861792"/>
+        <c:crossAx val="187600176"/>
         <c:crosses val="autoZero"/>
         <c:crossBetween val="midCat"/>
         <c:majorUnit val="4"/>
         <c:minorUnit val="4"/>
       </c:valAx>
       <c:valAx>
-        <c:axId val="347861792"/>
+        <c:axId val="187600176"/>
         <c:scaling>
           <c:logBase val="2"/>
           <c:orientation val="minMax"/>
@@ -720,7 +721,7 @@
         <c:majorTickMark val="out"/>
         <c:minorTickMark val="none"/>
         <c:tickLblPos val="nextTo"/>
-        <c:crossAx val="347864928"/>
+        <c:crossAx val="187599792"/>
         <c:crosses val="autoZero"/>
         <c:crossBetween val="midCat"/>
         <c:majorUnit val="4"/>
@@ -933,11 +934,11 @@
           <c:showPercent val="0"/>
           <c:showBubbleSize val="0"/>
         </c:dLbls>
-        <c:axId val="347861400"/>
-        <c:axId val="347859048"/>
+        <c:axId val="186886720"/>
+        <c:axId val="189461368"/>
       </c:scatterChart>
       <c:valAx>
-        <c:axId val="347861400"/>
+        <c:axId val="186886720"/>
         <c:scaling>
           <c:logBase val="2"/>
           <c:orientation val="minMax"/>
@@ -950,13 +951,13 @@
         <c:majorTickMark val="out"/>
         <c:minorTickMark val="none"/>
         <c:tickLblPos val="nextTo"/>
-        <c:crossAx val="347859048"/>
+        <c:crossAx val="189461368"/>
         <c:crosses val="autoZero"/>
         <c:crossBetween val="midCat"/>
         <c:minorUnit val="4"/>
       </c:valAx>
       <c:valAx>
-        <c:axId val="347859048"/>
+        <c:axId val="189461368"/>
         <c:scaling>
           <c:logBase val="2"/>
           <c:orientation val="minMax"/>
@@ -970,7 +971,7 @@
         <c:majorTickMark val="out"/>
         <c:minorTickMark val="none"/>
         <c:tickLblPos val="nextTo"/>
-        <c:crossAx val="347861400"/>
+        <c:crossAx val="186886720"/>
         <c:crosses val="autoZero"/>
         <c:crossBetween val="midCat"/>
         <c:majorUnit val="2"/>
@@ -1101,11 +1102,11 @@
           <c:showPercent val="0"/>
           <c:showBubbleSize val="0"/>
         </c:dLbls>
-        <c:axId val="347862576"/>
-        <c:axId val="347862968"/>
+        <c:axId val="187103752"/>
+        <c:axId val="187103360"/>
       </c:scatterChart>
       <c:valAx>
-        <c:axId val="347862576"/>
+        <c:axId val="187103752"/>
         <c:scaling>
           <c:logBase val="2"/>
           <c:orientation val="minMax"/>
@@ -1118,13 +1119,13 @@
         <c:majorTickMark val="out"/>
         <c:minorTickMark val="none"/>
         <c:tickLblPos val="nextTo"/>
-        <c:crossAx val="347862968"/>
+        <c:crossAx val="187103360"/>
         <c:crosses val="autoZero"/>
         <c:crossBetween val="midCat"/>
         <c:majorUnit val="4"/>
       </c:valAx>
       <c:valAx>
-        <c:axId val="347862968"/>
+        <c:axId val="187103360"/>
         <c:scaling>
           <c:logBase val="2"/>
           <c:orientation val="minMax"/>
@@ -1137,7 +1138,7 @@
         <c:majorTickMark val="out"/>
         <c:minorTickMark val="none"/>
         <c:tickLblPos val="nextTo"/>
-        <c:crossAx val="347862576"/>
+        <c:crossAx val="187103752"/>
         <c:crosses val="autoZero"/>
         <c:crossBetween val="midCat"/>
         <c:majorUnit val="2"/>
@@ -1263,11 +1264,11 @@
           <c:showPercent val="0"/>
           <c:showBubbleSize val="0"/>
         </c:dLbls>
-        <c:axId val="349187992"/>
-        <c:axId val="349190344"/>
+        <c:axId val="187105320"/>
+        <c:axId val="164520440"/>
       </c:scatterChart>
       <c:valAx>
-        <c:axId val="349187992"/>
+        <c:axId val="187105320"/>
         <c:scaling>
           <c:logBase val="2"/>
           <c:orientation val="minMax"/>
@@ -1280,14 +1281,14 @@
         <c:majorTickMark val="out"/>
         <c:minorTickMark val="none"/>
         <c:tickLblPos val="nextTo"/>
-        <c:crossAx val="349190344"/>
+        <c:crossAx val="164520440"/>
         <c:crosses val="autoZero"/>
         <c:crossBetween val="midCat"/>
         <c:majorUnit val="4"/>
         <c:minorUnit val="4"/>
       </c:valAx>
       <c:valAx>
-        <c:axId val="349190344"/>
+        <c:axId val="164520440"/>
         <c:scaling>
           <c:orientation val="minMax"/>
           <c:max val="1"/>
@@ -1299,7 +1300,7 @@
         <c:majorTickMark val="out"/>
         <c:minorTickMark val="none"/>
         <c:tickLblPos val="nextTo"/>
-        <c:crossAx val="349187992"/>
+        <c:crossAx val="187105320"/>
         <c:crosses val="autoZero"/>
         <c:crossBetween val="midCat"/>
       </c:valAx>
@@ -1396,7 +1397,7 @@
           <a:p>
             <a:fld id="{2E6AAE95-D4FC-4D00-935A-EAE928727A56}" type="datetimeFigureOut">
               <a:rPr lang="en-US" smtClean="0"/>
-              <a:t>2016-09-02</a:t>
+              <a:t>10/11/2016</a:t>
             </a:fld>
             <a:endParaRPr lang="en-US"/>
           </a:p>
@@ -1929,7 +1930,7 @@
           <a:p>
             <a:fld id="{1CFF3F78-F57F-4409-A41B-5EC46D4F404B}" type="datetime1">
               <a:rPr lang="nl-BE" smtClean="0"/>
-              <a:t>2/09/2016</a:t>
+              <a:t>2016-10-11</a:t>
             </a:fld>
             <a:endParaRPr lang="nl-BE"/>
           </a:p>
@@ -2099,7 +2100,7 @@
           <a:p>
             <a:fld id="{7D029E61-52E3-412C-82EB-2F81B17C0AF1}" type="datetime1">
               <a:rPr lang="nl-BE" smtClean="0"/>
-              <a:t>2/09/2016</a:t>
+              <a:t>2016-10-11</a:t>
             </a:fld>
             <a:endParaRPr lang="nl-BE"/>
           </a:p>
@@ -2279,7 +2280,7 @@
           <a:p>
             <a:fld id="{A83F1CEF-A38E-4001-89C6-F3FC7784F299}" type="datetime1">
               <a:rPr lang="nl-BE" smtClean="0"/>
-              <a:t>2/09/2016</a:t>
+              <a:t>2016-10-11</a:t>
             </a:fld>
             <a:endParaRPr lang="nl-BE"/>
           </a:p>
@@ -2405,7 +2406,7 @@
           <a:p>
             <a:fld id="{1FDE84DB-AADA-4C3F-BF46-CA664A504479}" type="datetime1">
               <a:rPr lang="nl-BE" smtClean="0"/>
-              <a:t>2/09/2016</a:t>
+              <a:t>2016-10-11</a:t>
             </a:fld>
             <a:endParaRPr lang="nl-BE" dirty="0"/>
           </a:p>
@@ -2649,7 +2650,7 @@
           <a:p>
             <a:fld id="{8CD53A43-C15C-4F05-9AD7-DB9DE837084D}" type="datetime1">
               <a:rPr lang="nl-BE" smtClean="0"/>
-              <a:t>2/09/2016</a:t>
+              <a:t>2016-10-11</a:t>
             </a:fld>
             <a:endParaRPr lang="nl-BE"/>
           </a:p>
@@ -2895,7 +2896,7 @@
           <a:p>
             <a:fld id="{8994D238-D949-4AEF-9753-A8B6EFA964A0}" type="datetime1">
               <a:rPr lang="nl-BE" smtClean="0"/>
-              <a:t>2/09/2016</a:t>
+              <a:t>2016-10-11</a:t>
             </a:fld>
             <a:endParaRPr lang="nl-BE"/>
           </a:p>
@@ -3183,7 +3184,7 @@
           <a:p>
             <a:fld id="{4D234023-BF99-4AD0-835E-8125DA2B6664}" type="datetime1">
               <a:rPr lang="nl-BE" smtClean="0"/>
-              <a:t>2/09/2016</a:t>
+              <a:t>2016-10-11</a:t>
             </a:fld>
             <a:endParaRPr lang="nl-BE"/>
           </a:p>
@@ -3605,7 +3606,7 @@
           <a:p>
             <a:fld id="{DB075A73-5C1D-406E-9444-3C5C58580E8E}" type="datetime1">
               <a:rPr lang="nl-BE" smtClean="0"/>
-              <a:t>2/09/2016</a:t>
+              <a:t>2016-10-11</a:t>
             </a:fld>
             <a:endParaRPr lang="nl-BE"/>
           </a:p>
@@ -3723,7 +3724,7 @@
           <a:p>
             <a:fld id="{E111FB2D-2E17-4D8F-A64A-4EB0C3D12494}" type="datetime1">
               <a:rPr lang="nl-BE" smtClean="0"/>
-              <a:t>2/09/2016</a:t>
+              <a:t>2016-10-11</a:t>
             </a:fld>
             <a:endParaRPr lang="nl-BE"/>
           </a:p>
@@ -3818,7 +3819,7 @@
           <a:p>
             <a:fld id="{5BE27D71-2267-4E44-9F33-05B60E5C7D9D}" type="datetime1">
               <a:rPr lang="nl-BE" smtClean="0"/>
-              <a:t>2/09/2016</a:t>
+              <a:t>2016-10-11</a:t>
             </a:fld>
             <a:endParaRPr lang="nl-BE"/>
           </a:p>
@@ -4095,7 +4096,7 @@
           <a:p>
             <a:fld id="{182F587C-96C8-4813-A767-3084061A3229}" type="datetime1">
               <a:rPr lang="nl-BE" smtClean="0"/>
-              <a:t>2/09/2016</a:t>
+              <a:t>2016-10-11</a:t>
             </a:fld>
             <a:endParaRPr lang="nl-BE"/>
           </a:p>
@@ -4348,7 +4349,7 @@
           <a:p>
             <a:fld id="{8B021CF8-BBBB-4DFA-8713-49842AA07274}" type="datetime1">
               <a:rPr lang="nl-BE" smtClean="0"/>
-              <a:t>2/09/2016</a:t>
+              <a:t>2016-10-11</a:t>
             </a:fld>
             <a:endParaRPr lang="nl-BE"/>
           </a:p>
@@ -4561,7 +4562,7 @@
           <a:p>
             <a:fld id="{CDBFABB5-0AB3-4CB6-A705-6887DEB1F9F2}" type="datetime1">
               <a:rPr lang="nl-BE" smtClean="0"/>
-              <a:t>2/09/2016</a:t>
+              <a:t>2016-10-11</a:t>
             </a:fld>
             <a:endParaRPr lang="nl-BE"/>
           </a:p>
@@ -8757,7 +8758,7 @@
           <a:graphicData uri="http://schemas.openxmlformats.org/presentationml/2006/ole">
             <mc:AlternateContent xmlns:mc="http://schemas.openxmlformats.org/markup-compatibility/2006">
               <mc:Choice xmlns:v="urn:schemas-microsoft-com:vml" Requires="v">
-                <p:oleObj spid="_x0000_s1152" name="Equation" r:id="rId3" imgW="812520" imgH="393480" progId="Equation.3">
+                <p:oleObj spid="_x0000_s1156" name="Equation" r:id="rId3" imgW="812520" imgH="393480" progId="Equation.3">
                   <p:embed/>
                 </p:oleObj>
               </mc:Choice>
@@ -8814,7 +8815,7 @@
           <a:graphicData uri="http://schemas.openxmlformats.org/presentationml/2006/ole">
             <mc:AlternateContent xmlns:mc="http://schemas.openxmlformats.org/markup-compatibility/2006">
               <mc:Choice xmlns:v="urn:schemas-microsoft-com:vml" Requires="v">
-                <p:oleObj spid="_x0000_s1153" name="Equation" r:id="rId5" imgW="2489040" imgH="431640" progId="Equation.3">
+                <p:oleObj spid="_x0000_s1157" name="Equation" r:id="rId5" imgW="2489040" imgH="431640" progId="Equation.3">
                   <p:embed/>
                 </p:oleObj>
               </mc:Choice>
@@ -19417,7 +19418,7 @@
           <a:graphicData uri="http://schemas.openxmlformats.org/presentationml/2006/ole">
             <mc:AlternateContent xmlns:mc="http://schemas.openxmlformats.org/markup-compatibility/2006">
               <mc:Choice xmlns:v="urn:schemas-microsoft-com:vml" Requires="v">
-                <p:oleObj spid="_x0000_s2143" name="Equation" r:id="rId3" imgW="1091880" imgH="1041120" progId="Equation.3">
+                <p:oleObj spid="_x0000_s2147" name="Equation" r:id="rId3" imgW="1091880" imgH="1041120" progId="Equation.3">
                   <p:embed/>
                 </p:oleObj>
               </mc:Choice>
@@ -20788,7 +20789,7 @@
           <a:graphicData uri="http://schemas.openxmlformats.org/presentationml/2006/ole">
             <mc:AlternateContent xmlns:mc="http://schemas.openxmlformats.org/markup-compatibility/2006">
               <mc:Choice xmlns:v="urn:schemas-microsoft-com:vml" Requires="v">
-                <p:oleObj spid="_x0000_s2144" name="Equation" r:id="rId5" imgW="1091880" imgH="1041120" progId="Equation.3">
+                <p:oleObj spid="_x0000_s2148" name="Equation" r:id="rId5" imgW="1091880" imgH="1041120" progId="Equation.3">
                   <p:embed/>
                 </p:oleObj>
               </mc:Choice>
@@ -27130,7 +27131,7 @@
           <a:graphicData uri="http://schemas.openxmlformats.org/presentationml/2006/ole">
             <mc:AlternateContent xmlns:mc="http://schemas.openxmlformats.org/markup-compatibility/2006">
               <mc:Choice xmlns:v="urn:schemas-microsoft-com:vml" Requires="v">
-                <p:oleObj spid="_x0000_s3084" name="Equation" r:id="rId3" imgW="965160" imgH="228600" progId="Equation.3">
+                <p:oleObj spid="_x0000_s3086" name="Equation" r:id="rId3" imgW="965160" imgH="228600" progId="Equation.3">
                   <p:embed/>
                 </p:oleObj>
               </mc:Choice>
@@ -29373,6 +29374,538 @@
           <a:p>
             <a:r>
               <a:rPr lang="en-US" dirty="0" smtClean="0"/>
+              <a:t>Note of caution</a:t>
+            </a:r>
+            <a:endParaRPr lang="nl-BE" dirty="0"/>
+          </a:p>
+        </p:txBody>
+      </p:sp>
+      <p:sp>
+        <p:nvSpPr>
+          <p:cNvPr id="3" name="Content Placeholder 2"/>
+          <p:cNvSpPr>
+            <a:spLocks noGrp="1"/>
+          </p:cNvSpPr>
+          <p:nvPr>
+            <p:ph idx="1"/>
+          </p:nvPr>
+        </p:nvSpPr>
+        <p:spPr/>
+        <p:txBody>
+          <a:bodyPr/>
+          <a:lstStyle/>
+          <a:p>
+            <a:r>
+              <a:rPr lang="en-US" dirty="0" smtClean="0"/>
+              <a:t>Intel compilers: aggressive optimization</a:t>
+            </a:r>
+          </a:p>
+          <a:p>
+            <a:pPr lvl="1"/>
+            <a:r>
+              <a:rPr lang="en-US" dirty="0" smtClean="0"/>
+              <a:t>Even at </a:t>
+            </a:r>
+            <a:r>
+              <a:rPr lang="en-US" dirty="0" smtClean="0">
+                <a:latin typeface="Courier New" panose="02070309020205020404" pitchFamily="49" charset="0"/>
+                <a:cs typeface="Courier New" panose="02070309020205020404" pitchFamily="49" charset="0"/>
+              </a:rPr>
+              <a:t>–O2</a:t>
+            </a:r>
+          </a:p>
+          <a:p>
+            <a:pPr lvl="1"/>
+            <a:r>
+              <a:rPr lang="en-US" dirty="0" smtClean="0"/>
+              <a:t>Reordering of operations/operands</a:t>
+            </a:r>
+          </a:p>
+          <a:p>
+            <a:pPr lvl="2"/>
+            <a:r>
+              <a:rPr lang="en-US" dirty="0" smtClean="0"/>
+              <a:t>May impact precision</a:t>
+            </a:r>
+          </a:p>
+          <a:p>
+            <a:pPr lvl="1"/>
+            <a:r>
+              <a:rPr lang="en-US" dirty="0" smtClean="0"/>
+              <a:t>Verify results with</a:t>
+            </a:r>
+            <a:br>
+              <a:rPr lang="en-US" dirty="0" smtClean="0"/>
+            </a:br>
+            <a:r>
+              <a:rPr lang="en-US" dirty="0" smtClean="0">
+                <a:latin typeface="Courier New" panose="02070309020205020404" pitchFamily="49" charset="0"/>
+                <a:cs typeface="Courier New" panose="02070309020205020404" pitchFamily="49" charset="0"/>
+              </a:rPr>
+              <a:t>-</a:t>
+            </a:r>
+            <a:r>
+              <a:rPr lang="en-US" dirty="0" err="1" smtClean="0">
+                <a:latin typeface="Courier New" panose="02070309020205020404" pitchFamily="49" charset="0"/>
+                <a:cs typeface="Courier New" panose="02070309020205020404" pitchFamily="49" charset="0"/>
+              </a:rPr>
+              <a:t>fp</a:t>
+            </a:r>
+            <a:r>
+              <a:rPr lang="en-US" dirty="0" smtClean="0">
+                <a:latin typeface="Courier New" panose="02070309020205020404" pitchFamily="49" charset="0"/>
+                <a:cs typeface="Courier New" panose="02070309020205020404" pitchFamily="49" charset="0"/>
+              </a:rPr>
+              <a:t>-model precise</a:t>
+            </a:r>
+            <a:br>
+              <a:rPr lang="en-US" dirty="0" smtClean="0">
+                <a:latin typeface="Courier New" panose="02070309020205020404" pitchFamily="49" charset="0"/>
+                <a:cs typeface="Courier New" panose="02070309020205020404" pitchFamily="49" charset="0"/>
+              </a:rPr>
+            </a:br>
+            <a:r>
+              <a:rPr lang="en-US" dirty="0" smtClean="0">
+                <a:latin typeface="Courier New" panose="02070309020205020404" pitchFamily="49" charset="0"/>
+                <a:cs typeface="Courier New" panose="02070309020205020404" pitchFamily="49" charset="0"/>
+              </a:rPr>
+              <a:t>–</a:t>
+            </a:r>
+            <a:r>
+              <a:rPr lang="en-US" dirty="0" err="1" smtClean="0">
+                <a:latin typeface="Courier New" panose="02070309020205020404" pitchFamily="49" charset="0"/>
+                <a:cs typeface="Courier New" panose="02070309020205020404" pitchFamily="49" charset="0"/>
+              </a:rPr>
+              <a:t>fp</a:t>
+            </a:r>
+            <a:r>
+              <a:rPr lang="en-US" dirty="0" smtClean="0">
+                <a:latin typeface="Courier New" panose="02070309020205020404" pitchFamily="49" charset="0"/>
+                <a:cs typeface="Courier New" panose="02070309020205020404" pitchFamily="49" charset="0"/>
+              </a:rPr>
+              <a:t>-model source</a:t>
+            </a:r>
+            <a:endParaRPr lang="nl-BE" dirty="0">
+              <a:latin typeface="Courier New" panose="02070309020205020404" pitchFamily="49" charset="0"/>
+              <a:cs typeface="Courier New" panose="02070309020205020404" pitchFamily="49" charset="0"/>
+            </a:endParaRPr>
+          </a:p>
+        </p:txBody>
+      </p:sp>
+      <p:sp>
+        <p:nvSpPr>
+          <p:cNvPr id="4" name="Slide Number Placeholder 3"/>
+          <p:cNvSpPr>
+            <a:spLocks noGrp="1"/>
+          </p:cNvSpPr>
+          <p:nvPr>
+            <p:ph type="sldNum" sz="quarter" idx="12"/>
+          </p:nvPr>
+        </p:nvSpPr>
+        <p:spPr/>
+        <p:txBody>
+          <a:bodyPr/>
+          <a:lstStyle/>
+          <a:p>
+            <a:fld id="{6597116C-F94B-4B5B-973A-17F07FB5C418}" type="slidenum">
+              <a:rPr lang="nl-BE" smtClean="0"/>
+              <a:t>33</a:t>
+            </a:fld>
+            <a:endParaRPr lang="nl-BE"/>
+          </a:p>
+        </p:txBody>
+      </p:sp>
+      <p:sp>
+        <p:nvSpPr>
+          <p:cNvPr id="5" name="TextBox 4"/>
+          <p:cNvSpPr txBox="1"/>
+          <p:nvPr/>
+        </p:nvSpPr>
+        <p:spPr>
+          <a:xfrm>
+            <a:off x="1475656" y="5210036"/>
+            <a:ext cx="5933163" cy="523220"/>
+          </a:xfrm>
+          <a:prstGeom prst="rect">
+            <a:avLst/>
+          </a:prstGeom>
+          <a:noFill/>
+          <a:ln>
+            <a:solidFill>
+              <a:schemeClr val="tx1"/>
+            </a:solidFill>
+          </a:ln>
+        </p:spPr>
+        <p:txBody>
+          <a:bodyPr wrap="none" rtlCol="0">
+            <a:spAutoFit/>
+          </a:bodyPr>
+          <a:lstStyle/>
+          <a:p>
+            <a:r>
+              <a:rPr lang="en-US" sz="2800" dirty="0" smtClean="0"/>
+              <a:t>Potentially severe performance impact!</a:t>
+            </a:r>
+            <a:endParaRPr lang="nl-BE" sz="2800" dirty="0"/>
+          </a:p>
+        </p:txBody>
+      </p:sp>
+    </p:spTree>
+    <p:extLst>
+      <p:ext uri="{BB962C8B-B14F-4D97-AF65-F5344CB8AC3E}">
+        <p14:creationId xmlns:p14="http://schemas.microsoft.com/office/powerpoint/2010/main" val="2538437520"/>
+      </p:ext>
+    </p:extLst>
+  </p:cSld>
+  <p:clrMapOvr>
+    <a:masterClrMapping/>
+  </p:clrMapOvr>
+  <p:timing>
+    <p:tnLst>
+      <p:par>
+        <p:cTn id="1" dur="indefinite" restart="never" nodeType="tmRoot">
+          <p:childTnLst>
+            <p:seq concurrent="1" nextAc="seek">
+              <p:cTn id="2" dur="indefinite" nodeType="mainSeq">
+                <p:childTnLst>
+                  <p:par>
+                    <p:cTn id="3" fill="hold">
+                      <p:stCondLst>
+                        <p:cond delay="indefinite"/>
+                        <p:cond evt="onBegin" delay="0">
+                          <p:tn val="2"/>
+                        </p:cond>
+                      </p:stCondLst>
+                      <p:childTnLst>
+                        <p:par>
+                          <p:cTn id="4" fill="hold">
+                            <p:stCondLst>
+                              <p:cond delay="0"/>
+                            </p:stCondLst>
+                            <p:childTnLst>
+                              <p:par>
+                                <p:cTn id="5" presetID="1" presetClass="entr" presetSubtype="0" fill="hold" grpId="0" nodeType="withEffect">
+                                  <p:stCondLst>
+                                    <p:cond delay="0"/>
+                                  </p:stCondLst>
+                                  <p:childTnLst>
+                                    <p:set>
+                                      <p:cBhvr>
+                                        <p:cTn id="6" dur="1" fill="hold">
+                                          <p:stCondLst>
+                                            <p:cond delay="0"/>
+                                          </p:stCondLst>
+                                        </p:cTn>
+                                        <p:tgtEl>
+                                          <p:spTgt spid="3">
+                                            <p:txEl>
+                                              <p:pRg st="0" end="0"/>
+                                            </p:txEl>
+                                          </p:spTgt>
+                                        </p:tgtEl>
+                                        <p:attrNameLst>
+                                          <p:attrName>style.visibility</p:attrName>
+                                        </p:attrNameLst>
+                                      </p:cBhvr>
+                                      <p:to>
+                                        <p:strVal val="visible"/>
+                                      </p:to>
+                                    </p:set>
+                                  </p:childTnLst>
+                                </p:cTn>
+                              </p:par>
+                            </p:childTnLst>
+                          </p:cTn>
+                        </p:par>
+                      </p:childTnLst>
+                    </p:cTn>
+                  </p:par>
+                  <p:par>
+                    <p:cTn id="7" fill="hold">
+                      <p:stCondLst>
+                        <p:cond delay="indefinite"/>
+                      </p:stCondLst>
+                      <p:childTnLst>
+                        <p:par>
+                          <p:cTn id="8" fill="hold">
+                            <p:stCondLst>
+                              <p:cond delay="0"/>
+                            </p:stCondLst>
+                            <p:childTnLst>
+                              <p:par>
+                                <p:cTn id="9" presetID="1" presetClass="entr" presetSubtype="0" fill="hold" grpId="0" nodeType="clickEffect">
+                                  <p:stCondLst>
+                                    <p:cond delay="0"/>
+                                  </p:stCondLst>
+                                  <p:childTnLst>
+                                    <p:set>
+                                      <p:cBhvr>
+                                        <p:cTn id="10" dur="1" fill="hold">
+                                          <p:stCondLst>
+                                            <p:cond delay="0"/>
+                                          </p:stCondLst>
+                                        </p:cTn>
+                                        <p:tgtEl>
+                                          <p:spTgt spid="3">
+                                            <p:txEl>
+                                              <p:pRg st="1" end="1"/>
+                                            </p:txEl>
+                                          </p:spTgt>
+                                        </p:tgtEl>
+                                        <p:attrNameLst>
+                                          <p:attrName>style.visibility</p:attrName>
+                                        </p:attrNameLst>
+                                      </p:cBhvr>
+                                      <p:to>
+                                        <p:strVal val="visible"/>
+                                      </p:to>
+                                    </p:set>
+                                  </p:childTnLst>
+                                </p:cTn>
+                              </p:par>
+                            </p:childTnLst>
+                          </p:cTn>
+                        </p:par>
+                      </p:childTnLst>
+                    </p:cTn>
+                  </p:par>
+                  <p:par>
+                    <p:cTn id="11" fill="hold">
+                      <p:stCondLst>
+                        <p:cond delay="indefinite"/>
+                      </p:stCondLst>
+                      <p:childTnLst>
+                        <p:par>
+                          <p:cTn id="12" fill="hold">
+                            <p:stCondLst>
+                              <p:cond delay="0"/>
+                            </p:stCondLst>
+                            <p:childTnLst>
+                              <p:par>
+                                <p:cTn id="13" presetID="1" presetClass="entr" presetSubtype="0" fill="hold" grpId="0" nodeType="clickEffect">
+                                  <p:stCondLst>
+                                    <p:cond delay="0"/>
+                                  </p:stCondLst>
+                                  <p:childTnLst>
+                                    <p:set>
+                                      <p:cBhvr>
+                                        <p:cTn id="14" dur="1" fill="hold">
+                                          <p:stCondLst>
+                                            <p:cond delay="0"/>
+                                          </p:stCondLst>
+                                        </p:cTn>
+                                        <p:tgtEl>
+                                          <p:spTgt spid="3">
+                                            <p:txEl>
+                                              <p:pRg st="2" end="2"/>
+                                            </p:txEl>
+                                          </p:spTgt>
+                                        </p:tgtEl>
+                                        <p:attrNameLst>
+                                          <p:attrName>style.visibility</p:attrName>
+                                        </p:attrNameLst>
+                                      </p:cBhvr>
+                                      <p:to>
+                                        <p:strVal val="visible"/>
+                                      </p:to>
+                                    </p:set>
+                                  </p:childTnLst>
+                                </p:cTn>
+                              </p:par>
+                              <p:par>
+                                <p:cTn id="15" presetID="1" presetClass="entr" presetSubtype="0" fill="hold" grpId="0" nodeType="withEffect">
+                                  <p:stCondLst>
+                                    <p:cond delay="0"/>
+                                  </p:stCondLst>
+                                  <p:childTnLst>
+                                    <p:set>
+                                      <p:cBhvr>
+                                        <p:cTn id="16" dur="1" fill="hold">
+                                          <p:stCondLst>
+                                            <p:cond delay="0"/>
+                                          </p:stCondLst>
+                                        </p:cTn>
+                                        <p:tgtEl>
+                                          <p:spTgt spid="3">
+                                            <p:txEl>
+                                              <p:pRg st="3" end="3"/>
+                                            </p:txEl>
+                                          </p:spTgt>
+                                        </p:tgtEl>
+                                        <p:attrNameLst>
+                                          <p:attrName>style.visibility</p:attrName>
+                                        </p:attrNameLst>
+                                      </p:cBhvr>
+                                      <p:to>
+                                        <p:strVal val="visible"/>
+                                      </p:to>
+                                    </p:set>
+                                  </p:childTnLst>
+                                </p:cTn>
+                              </p:par>
+                            </p:childTnLst>
+                          </p:cTn>
+                        </p:par>
+                      </p:childTnLst>
+                    </p:cTn>
+                  </p:par>
+                  <p:par>
+                    <p:cTn id="17" fill="hold">
+                      <p:stCondLst>
+                        <p:cond delay="indefinite"/>
+                      </p:stCondLst>
+                      <p:childTnLst>
+                        <p:par>
+                          <p:cTn id="18" fill="hold">
+                            <p:stCondLst>
+                              <p:cond delay="0"/>
+                            </p:stCondLst>
+                            <p:childTnLst>
+                              <p:par>
+                                <p:cTn id="19" presetID="1" presetClass="entr" presetSubtype="0" fill="hold" grpId="0" nodeType="clickEffect">
+                                  <p:stCondLst>
+                                    <p:cond delay="0"/>
+                                  </p:stCondLst>
+                                  <p:childTnLst>
+                                    <p:set>
+                                      <p:cBhvr>
+                                        <p:cTn id="20" dur="1" fill="hold">
+                                          <p:stCondLst>
+                                            <p:cond delay="0"/>
+                                          </p:stCondLst>
+                                        </p:cTn>
+                                        <p:tgtEl>
+                                          <p:spTgt spid="3">
+                                            <p:txEl>
+                                              <p:pRg st="4" end="4"/>
+                                            </p:txEl>
+                                          </p:spTgt>
+                                        </p:tgtEl>
+                                        <p:attrNameLst>
+                                          <p:attrName>style.visibility</p:attrName>
+                                        </p:attrNameLst>
+                                      </p:cBhvr>
+                                      <p:to>
+                                        <p:strVal val="visible"/>
+                                      </p:to>
+                                    </p:set>
+                                  </p:childTnLst>
+                                </p:cTn>
+                              </p:par>
+                            </p:childTnLst>
+                          </p:cTn>
+                        </p:par>
+                      </p:childTnLst>
+                    </p:cTn>
+                  </p:par>
+                  <p:par>
+                    <p:cTn id="21" fill="hold">
+                      <p:stCondLst>
+                        <p:cond delay="indefinite"/>
+                      </p:stCondLst>
+                      <p:childTnLst>
+                        <p:par>
+                          <p:cTn id="22" fill="hold">
+                            <p:stCondLst>
+                              <p:cond delay="0"/>
+                            </p:stCondLst>
+                            <p:childTnLst>
+                              <p:par>
+                                <p:cTn id="23" presetID="1" presetClass="entr" presetSubtype="0" fill="hold" grpId="0" nodeType="clickEffect">
+                                  <p:stCondLst>
+                                    <p:cond delay="0"/>
+                                  </p:stCondLst>
+                                  <p:childTnLst>
+                                    <p:set>
+                                      <p:cBhvr>
+                                        <p:cTn id="24" dur="1" fill="hold">
+                                          <p:stCondLst>
+                                            <p:cond delay="0"/>
+                                          </p:stCondLst>
+                                        </p:cTn>
+                                        <p:tgtEl>
+                                          <p:spTgt spid="5"/>
+                                        </p:tgtEl>
+                                        <p:attrNameLst>
+                                          <p:attrName>style.visibility</p:attrName>
+                                        </p:attrNameLst>
+                                      </p:cBhvr>
+                                      <p:to>
+                                        <p:strVal val="visible"/>
+                                      </p:to>
+                                    </p:set>
+                                  </p:childTnLst>
+                                </p:cTn>
+                              </p:par>
+                            </p:childTnLst>
+                          </p:cTn>
+                        </p:par>
+                      </p:childTnLst>
+                    </p:cTn>
+                  </p:par>
+                </p:childTnLst>
+              </p:cTn>
+              <p:prevCondLst>
+                <p:cond evt="onPrev" delay="0">
+                  <p:tgtEl>
+                    <p:sldTgt/>
+                  </p:tgtEl>
+                </p:cond>
+              </p:prevCondLst>
+              <p:nextCondLst>
+                <p:cond evt="onNext" delay="0">
+                  <p:tgtEl>
+                    <p:sldTgt/>
+                  </p:tgtEl>
+                </p:cond>
+              </p:nextCondLst>
+            </p:seq>
+          </p:childTnLst>
+        </p:cTn>
+      </p:par>
+    </p:tnLst>
+    <p:bldLst>
+      <p:bldP spid="3" grpId="0" uiExpand="1" build="p" bldLvl="2"/>
+      <p:bldP spid="5" grpId="0" animBg="1"/>
+    </p:bldLst>
+  </p:timing>
+</p:sld>
+</file>
+
+<file path=ppt/slides/slide34.xml><?xml version="1.0" encoding="utf-8"?>
+<p:sld xmlns:a="http://schemas.openxmlformats.org/drawingml/2006/main" xmlns:r="http://schemas.openxmlformats.org/officeDocument/2006/relationships" xmlns:p="http://schemas.openxmlformats.org/presentationml/2006/main">
+  <p:cSld>
+    <p:spTree>
+      <p:nvGrpSpPr>
+        <p:cNvPr id="1" name=""/>
+        <p:cNvGrpSpPr/>
+        <p:nvPr/>
+      </p:nvGrpSpPr>
+      <p:grpSpPr>
+        <a:xfrm>
+          <a:off x="0" y="0"/>
+          <a:ext cx="0" cy="0"/>
+          <a:chOff x="0" y="0"/>
+          <a:chExt cx="0" cy="0"/>
+        </a:xfrm>
+      </p:grpSpPr>
+      <p:sp>
+        <p:nvSpPr>
+          <p:cNvPr id="2" name="Title 1"/>
+          <p:cNvSpPr>
+            <a:spLocks noGrp="1"/>
+          </p:cNvSpPr>
+          <p:nvPr>
+            <p:ph type="title"/>
+          </p:nvPr>
+        </p:nvSpPr>
+        <p:spPr/>
+        <p:txBody>
+          <a:bodyPr/>
+          <a:lstStyle/>
+          <a:p>
+            <a:r>
+              <a:rPr lang="en-US" dirty="0" smtClean="0"/>
               <a:t>Conclusion</a:t>
             </a:r>
             <a:endParaRPr lang="nl-BE" dirty="0"/>
@@ -29415,7 +29948,7 @@
           <a:p>
             <a:fld id="{6597116C-F94B-4B5B-973A-17F07FB5C418}" type="slidenum">
               <a:rPr lang="nl-BE" smtClean="0"/>
-              <a:t>33</a:t>
+              <a:t>34</a:t>
             </a:fld>
             <a:endParaRPr lang="nl-BE"/>
           </a:p>
@@ -29434,7 +29967,7 @@
 </p:sld>
 </file>
 
-<file path=ppt/slides/slide34.xml><?xml version="1.0" encoding="utf-8"?>
+<file path=ppt/slides/slide35.xml><?xml version="1.0" encoding="utf-8"?>
 <p:sld xmlns:a="http://schemas.openxmlformats.org/drawingml/2006/main" xmlns:r="http://schemas.openxmlformats.org/officeDocument/2006/relationships" xmlns:p="http://schemas.openxmlformats.org/presentationml/2006/main">
   <p:cSld>
     <p:spTree>
@@ -29603,7 +30136,7 @@
           <a:p>
             <a:fld id="{6597116C-F94B-4B5B-973A-17F07FB5C418}" type="slidenum">
               <a:rPr lang="nl-BE" smtClean="0"/>
-              <a:t>34</a:t>
+              <a:t>35</a:t>
             </a:fld>
             <a:endParaRPr lang="nl-BE"/>
           </a:p>
@@ -29619,108 +30152,6 @@
   <p:clrMapOvr>
     <a:masterClrMapping/>
   </p:clrMapOvr>
-</p:sld>
-</file>
-
-<file path=ppt/slides/slide35.xml><?xml version="1.0" encoding="utf-8"?>
-<p:sld xmlns:a="http://schemas.openxmlformats.org/drawingml/2006/main" xmlns:r="http://schemas.openxmlformats.org/officeDocument/2006/relationships" xmlns:p="http://schemas.openxmlformats.org/presentationml/2006/main">
-  <p:cSld>
-    <p:spTree>
-      <p:nvGrpSpPr>
-        <p:cNvPr id="1" name=""/>
-        <p:cNvGrpSpPr/>
-        <p:nvPr/>
-      </p:nvGrpSpPr>
-      <p:grpSpPr>
-        <a:xfrm>
-          <a:off x="0" y="0"/>
-          <a:ext cx="0" cy="0"/>
-          <a:chOff x="0" y="0"/>
-          <a:chExt cx="0" cy="0"/>
-        </a:xfrm>
-      </p:grpSpPr>
-      <p:sp>
-        <p:nvSpPr>
-          <p:cNvPr id="2" name="Title 1"/>
-          <p:cNvSpPr>
-            <a:spLocks noGrp="1"/>
-          </p:cNvSpPr>
-          <p:nvPr>
-            <p:ph type="title"/>
-          </p:nvPr>
-        </p:nvSpPr>
-        <p:spPr/>
-        <p:txBody>
-          <a:bodyPr/>
-          <a:lstStyle/>
-          <a:p>
-            <a:r>
-              <a:rPr lang="en-US" dirty="0" smtClean="0"/>
-              <a:t>Appendix</a:t>
-            </a:r>
-            <a:endParaRPr lang="nl-BE" dirty="0"/>
-          </a:p>
-        </p:txBody>
-      </p:sp>
-      <p:sp>
-        <p:nvSpPr>
-          <p:cNvPr id="3" name="Text Placeholder 2"/>
-          <p:cNvSpPr>
-            <a:spLocks noGrp="1"/>
-          </p:cNvSpPr>
-          <p:nvPr>
-            <p:ph type="body" idx="1"/>
-          </p:nvPr>
-        </p:nvSpPr>
-        <p:spPr/>
-        <p:txBody>
-          <a:bodyPr/>
-          <a:lstStyle/>
-          <a:p>
-            <a:endParaRPr lang="nl-BE"/>
-          </a:p>
-        </p:txBody>
-      </p:sp>
-      <p:sp>
-        <p:nvSpPr>
-          <p:cNvPr id="4" name="Slide Number Placeholder 3"/>
-          <p:cNvSpPr>
-            <a:spLocks noGrp="1"/>
-          </p:cNvSpPr>
-          <p:nvPr>
-            <p:ph type="sldNum" sz="quarter" idx="12"/>
-          </p:nvPr>
-        </p:nvSpPr>
-        <p:spPr/>
-        <p:txBody>
-          <a:bodyPr/>
-          <a:lstStyle/>
-          <a:p>
-            <a:fld id="{6597116C-F94B-4B5B-973A-17F07FB5C418}" type="slidenum">
-              <a:rPr lang="nl-BE" smtClean="0"/>
-              <a:t>35</a:t>
-            </a:fld>
-            <a:endParaRPr lang="nl-BE"/>
-          </a:p>
-        </p:txBody>
-      </p:sp>
-    </p:spTree>
-    <p:extLst>
-      <p:ext uri="{BB962C8B-B14F-4D97-AF65-F5344CB8AC3E}">
-        <p14:creationId xmlns:p14="http://schemas.microsoft.com/office/powerpoint/2010/main" val="3118825235"/>
-      </p:ext>
-    </p:extLst>
-  </p:cSld>
-  <p:clrMapOvr>
-    <a:masterClrMapping/>
-  </p:clrMapOvr>
-  <p:timing>
-    <p:tnLst>
-      <p:par>
-        <p:cTn id="1" dur="indefinite" restart="never" nodeType="tmRoot"/>
-      </p:par>
-    </p:tnLst>
-  </p:timing>
 </p:sld>
 </file>
 
@@ -29758,6 +30189,108 @@
           <a:p>
             <a:r>
               <a:rPr lang="en-US" dirty="0" smtClean="0"/>
+              <a:t>Appendix</a:t>
+            </a:r>
+            <a:endParaRPr lang="nl-BE" dirty="0"/>
+          </a:p>
+        </p:txBody>
+      </p:sp>
+      <p:sp>
+        <p:nvSpPr>
+          <p:cNvPr id="3" name="Text Placeholder 2"/>
+          <p:cNvSpPr>
+            <a:spLocks noGrp="1"/>
+          </p:cNvSpPr>
+          <p:nvPr>
+            <p:ph type="body" idx="1"/>
+          </p:nvPr>
+        </p:nvSpPr>
+        <p:spPr/>
+        <p:txBody>
+          <a:bodyPr/>
+          <a:lstStyle/>
+          <a:p>
+            <a:endParaRPr lang="nl-BE"/>
+          </a:p>
+        </p:txBody>
+      </p:sp>
+      <p:sp>
+        <p:nvSpPr>
+          <p:cNvPr id="4" name="Slide Number Placeholder 3"/>
+          <p:cNvSpPr>
+            <a:spLocks noGrp="1"/>
+          </p:cNvSpPr>
+          <p:nvPr>
+            <p:ph type="sldNum" sz="quarter" idx="12"/>
+          </p:nvPr>
+        </p:nvSpPr>
+        <p:spPr/>
+        <p:txBody>
+          <a:bodyPr/>
+          <a:lstStyle/>
+          <a:p>
+            <a:fld id="{6597116C-F94B-4B5B-973A-17F07FB5C418}" type="slidenum">
+              <a:rPr lang="nl-BE" smtClean="0"/>
+              <a:t>36</a:t>
+            </a:fld>
+            <a:endParaRPr lang="nl-BE"/>
+          </a:p>
+        </p:txBody>
+      </p:sp>
+    </p:spTree>
+    <p:extLst>
+      <p:ext uri="{BB962C8B-B14F-4D97-AF65-F5344CB8AC3E}">
+        <p14:creationId xmlns:p14="http://schemas.microsoft.com/office/powerpoint/2010/main" val="3118825235"/>
+      </p:ext>
+    </p:extLst>
+  </p:cSld>
+  <p:clrMapOvr>
+    <a:masterClrMapping/>
+  </p:clrMapOvr>
+  <p:timing>
+    <p:tnLst>
+      <p:par>
+        <p:cTn id="1" dur="indefinite" restart="never" nodeType="tmRoot"/>
+      </p:par>
+    </p:tnLst>
+  </p:timing>
+</p:sld>
+</file>
+
+<file path=ppt/slides/slide37.xml><?xml version="1.0" encoding="utf-8"?>
+<p:sld xmlns:a="http://schemas.openxmlformats.org/drawingml/2006/main" xmlns:r="http://schemas.openxmlformats.org/officeDocument/2006/relationships" xmlns:p="http://schemas.openxmlformats.org/presentationml/2006/main">
+  <p:cSld>
+    <p:spTree>
+      <p:nvGrpSpPr>
+        <p:cNvPr id="1" name=""/>
+        <p:cNvGrpSpPr/>
+        <p:nvPr/>
+      </p:nvGrpSpPr>
+      <p:grpSpPr>
+        <a:xfrm>
+          <a:off x="0" y="0"/>
+          <a:ext cx="0" cy="0"/>
+          <a:chOff x="0" y="0"/>
+          <a:chExt cx="0" cy="0"/>
+        </a:xfrm>
+      </p:grpSpPr>
+      <p:sp>
+        <p:nvSpPr>
+          <p:cNvPr id="2" name="Title 1"/>
+          <p:cNvSpPr>
+            <a:spLocks noGrp="1"/>
+          </p:cNvSpPr>
+          <p:nvPr>
+            <p:ph type="title"/>
+          </p:nvPr>
+        </p:nvSpPr>
+        <p:spPr/>
+        <p:txBody>
+          <a:bodyPr/>
+          <a:lstStyle/>
+          <a:p>
+            <a:r>
+              <a:rPr lang="en-US" dirty="0" smtClean="0"/>
               <a:t>Tools</a:t>
             </a:r>
             <a:endParaRPr lang="en-US" dirty="0"/>
@@ -29888,7 +30421,7 @@
           <a:p>
             <a:fld id="{6597116C-F94B-4B5B-973A-17F07FB5C418}" type="slidenum">
               <a:rPr lang="nl-BE" smtClean="0"/>
-              <a:t>36</a:t>
+              <a:t>37</a:t>
             </a:fld>
             <a:endParaRPr lang="nl-BE"/>
           </a:p>
@@ -30347,7 +30880,7 @@
 </p:sld>
 </file>
 
-<file path=ppt/slides/slide37.xml><?xml version="1.0" encoding="utf-8"?>
+<file path=ppt/slides/slide38.xml><?xml version="1.0" encoding="utf-8"?>
 <p:sld xmlns:a="http://schemas.openxmlformats.org/drawingml/2006/main" xmlns:r="http://schemas.openxmlformats.org/officeDocument/2006/relationships" xmlns:p="http://schemas.openxmlformats.org/presentationml/2006/main">
   <p:cSld>
     <p:spTree>
@@ -32131,7 +32664,7 @@
           <a:p>
             <a:fld id="{6597116C-F94B-4B5B-973A-17F07FB5C418}" type="slidenum">
               <a:rPr lang="nl-BE" smtClean="0"/>
-              <a:t>37</a:t>
+              <a:t>38</a:t>
             </a:fld>
             <a:endParaRPr lang="nl-BE"/>
           </a:p>
@@ -32276,7 +32809,7 @@
 </p:sld>
 </file>
 
-<file path=ppt/slides/slide38.xml><?xml version="1.0" encoding="utf-8"?>
+<file path=ppt/slides/slide39.xml><?xml version="1.0" encoding="utf-8"?>
 <p:sld xmlns:a="http://schemas.openxmlformats.org/drawingml/2006/main" xmlns:r="http://schemas.openxmlformats.org/officeDocument/2006/relationships" xmlns:p="http://schemas.openxmlformats.org/presentationml/2006/main">
   <p:cSld>
     <p:spTree>
@@ -32494,7 +33027,7 @@
           <a:p>
             <a:fld id="{6597116C-F94B-4B5B-973A-17F07FB5C418}" type="slidenum">
               <a:rPr lang="nl-BE" smtClean="0"/>
-              <a:t>38</a:t>
+              <a:t>39</a:t>
             </a:fld>
             <a:endParaRPr lang="nl-BE"/>
           </a:p>

--- a/Optimization/hpc_efficiency.pptx
+++ b/Optimization/hpc_efficiency.pptx
@@ -274,11 +274,11 @@
           <c:showPercent val="0"/>
           <c:showBubbleSize val="0"/>
         </c:dLbls>
-        <c:axId val="189102376"/>
-        <c:axId val="187634672"/>
+        <c:axId val="380146416"/>
+        <c:axId val="380146808"/>
       </c:scatterChart>
       <c:valAx>
-        <c:axId val="189102376"/>
+        <c:axId val="380146416"/>
         <c:scaling>
           <c:logBase val="2"/>
           <c:orientation val="minMax"/>
@@ -290,14 +290,14 @@
         <c:majorTickMark val="out"/>
         <c:minorTickMark val="none"/>
         <c:tickLblPos val="nextTo"/>
-        <c:crossAx val="187634672"/>
+        <c:crossAx val="380146808"/>
         <c:crosses val="autoZero"/>
         <c:crossBetween val="midCat"/>
         <c:majorUnit val="4"/>
         <c:minorUnit val="4"/>
       </c:valAx>
       <c:valAx>
-        <c:axId val="187634672"/>
+        <c:axId val="380146808"/>
         <c:scaling>
           <c:logBase val="2"/>
           <c:orientation val="minMax"/>
@@ -310,7 +310,7 @@
         <c:majorTickMark val="out"/>
         <c:minorTickMark val="none"/>
         <c:tickLblPos val="nextTo"/>
-        <c:crossAx val="189102376"/>
+        <c:crossAx val="380146416"/>
         <c:crosses val="autoZero"/>
         <c:crossBetween val="midCat"/>
         <c:majorUnit val="4"/>
@@ -683,11 +683,11 @@
           <c:showPercent val="0"/>
           <c:showBubbleSize val="0"/>
         </c:dLbls>
-        <c:axId val="187599792"/>
-        <c:axId val="187600176"/>
+        <c:axId val="380143280"/>
+        <c:axId val="380144064"/>
       </c:scatterChart>
       <c:valAx>
-        <c:axId val="187599792"/>
+        <c:axId val="380143280"/>
         <c:scaling>
           <c:logBase val="2"/>
           <c:orientation val="minMax"/>
@@ -700,14 +700,14 @@
         <c:majorTickMark val="out"/>
         <c:minorTickMark val="none"/>
         <c:tickLblPos val="nextTo"/>
-        <c:crossAx val="187600176"/>
+        <c:crossAx val="380144064"/>
         <c:crosses val="autoZero"/>
         <c:crossBetween val="midCat"/>
         <c:majorUnit val="4"/>
         <c:minorUnit val="4"/>
       </c:valAx>
       <c:valAx>
-        <c:axId val="187600176"/>
+        <c:axId val="380144064"/>
         <c:scaling>
           <c:logBase val="2"/>
           <c:orientation val="minMax"/>
@@ -721,7 +721,7 @@
         <c:majorTickMark val="out"/>
         <c:minorTickMark val="none"/>
         <c:tickLblPos val="nextTo"/>
-        <c:crossAx val="187599792"/>
+        <c:crossAx val="380143280"/>
         <c:crosses val="autoZero"/>
         <c:crossBetween val="midCat"/>
         <c:majorUnit val="4"/>
@@ -934,11 +934,11 @@
           <c:showPercent val="0"/>
           <c:showBubbleSize val="0"/>
         </c:dLbls>
-        <c:axId val="186886720"/>
-        <c:axId val="189461368"/>
+        <c:axId val="380141320"/>
+        <c:axId val="380148376"/>
       </c:scatterChart>
       <c:valAx>
-        <c:axId val="186886720"/>
+        <c:axId val="380141320"/>
         <c:scaling>
           <c:logBase val="2"/>
           <c:orientation val="minMax"/>
@@ -951,13 +951,13 @@
         <c:majorTickMark val="out"/>
         <c:minorTickMark val="none"/>
         <c:tickLblPos val="nextTo"/>
-        <c:crossAx val="189461368"/>
+        <c:crossAx val="380148376"/>
         <c:crosses val="autoZero"/>
         <c:crossBetween val="midCat"/>
         <c:minorUnit val="4"/>
       </c:valAx>
       <c:valAx>
-        <c:axId val="189461368"/>
+        <c:axId val="380148376"/>
         <c:scaling>
           <c:logBase val="2"/>
           <c:orientation val="minMax"/>
@@ -971,7 +971,7 @@
         <c:majorTickMark val="out"/>
         <c:minorTickMark val="none"/>
         <c:tickLblPos val="nextTo"/>
-        <c:crossAx val="186886720"/>
+        <c:crossAx val="380141320"/>
         <c:crosses val="autoZero"/>
         <c:crossBetween val="midCat"/>
         <c:majorUnit val="2"/>
@@ -1102,11 +1102,11 @@
           <c:showPercent val="0"/>
           <c:showBubbleSize val="0"/>
         </c:dLbls>
-        <c:axId val="187103752"/>
-        <c:axId val="187103360"/>
+        <c:axId val="380143672"/>
+        <c:axId val="380142104"/>
       </c:scatterChart>
       <c:valAx>
-        <c:axId val="187103752"/>
+        <c:axId val="380143672"/>
         <c:scaling>
           <c:logBase val="2"/>
           <c:orientation val="minMax"/>
@@ -1119,13 +1119,13 @@
         <c:majorTickMark val="out"/>
         <c:minorTickMark val="none"/>
         <c:tickLblPos val="nextTo"/>
-        <c:crossAx val="187103360"/>
+        <c:crossAx val="380142104"/>
         <c:crosses val="autoZero"/>
         <c:crossBetween val="midCat"/>
         <c:majorUnit val="4"/>
       </c:valAx>
       <c:valAx>
-        <c:axId val="187103360"/>
+        <c:axId val="380142104"/>
         <c:scaling>
           <c:logBase val="2"/>
           <c:orientation val="minMax"/>
@@ -1138,7 +1138,7 @@
         <c:majorTickMark val="out"/>
         <c:minorTickMark val="none"/>
         <c:tickLblPos val="nextTo"/>
-        <c:crossAx val="187103752"/>
+        <c:crossAx val="380143672"/>
         <c:crosses val="autoZero"/>
         <c:crossBetween val="midCat"/>
         <c:majorUnit val="2"/>
@@ -1264,11 +1264,11 @@
           <c:showPercent val="0"/>
           <c:showBubbleSize val="0"/>
         </c:dLbls>
-        <c:axId val="187105320"/>
-        <c:axId val="164520440"/>
+        <c:axId val="380144456"/>
+        <c:axId val="380144848"/>
       </c:scatterChart>
       <c:valAx>
-        <c:axId val="187105320"/>
+        <c:axId val="380144456"/>
         <c:scaling>
           <c:logBase val="2"/>
           <c:orientation val="minMax"/>
@@ -1281,14 +1281,14 @@
         <c:majorTickMark val="out"/>
         <c:minorTickMark val="none"/>
         <c:tickLblPos val="nextTo"/>
-        <c:crossAx val="164520440"/>
+        <c:crossAx val="380144848"/>
         <c:crosses val="autoZero"/>
         <c:crossBetween val="midCat"/>
         <c:majorUnit val="4"/>
         <c:minorUnit val="4"/>
       </c:valAx>
       <c:valAx>
-        <c:axId val="164520440"/>
+        <c:axId val="380144848"/>
         <c:scaling>
           <c:orientation val="minMax"/>
           <c:max val="1"/>
@@ -1300,7 +1300,7 @@
         <c:majorTickMark val="out"/>
         <c:minorTickMark val="none"/>
         <c:tickLblPos val="nextTo"/>
-        <c:crossAx val="187105320"/>
+        <c:crossAx val="380144456"/>
         <c:crosses val="autoZero"/>
         <c:crossBetween val="midCat"/>
       </c:valAx>
@@ -1397,7 +1397,7 @@
           <a:p>
             <a:fld id="{2E6AAE95-D4FC-4D00-935A-EAE928727A56}" type="datetimeFigureOut">
               <a:rPr lang="en-US" smtClean="0"/>
-              <a:t>10/11/2016</a:t>
+              <a:t>2016-10-21</a:t>
             </a:fld>
             <a:endParaRPr lang="en-US"/>
           </a:p>
@@ -1930,7 +1930,7 @@
           <a:p>
             <a:fld id="{1CFF3F78-F57F-4409-A41B-5EC46D4F404B}" type="datetime1">
               <a:rPr lang="nl-BE" smtClean="0"/>
-              <a:t>2016-10-11</a:t>
+              <a:t>21/10/2016</a:t>
             </a:fld>
             <a:endParaRPr lang="nl-BE"/>
           </a:p>
@@ -2100,7 +2100,7 @@
           <a:p>
             <a:fld id="{7D029E61-52E3-412C-82EB-2F81B17C0AF1}" type="datetime1">
               <a:rPr lang="nl-BE" smtClean="0"/>
-              <a:t>2016-10-11</a:t>
+              <a:t>21/10/2016</a:t>
             </a:fld>
             <a:endParaRPr lang="nl-BE"/>
           </a:p>
@@ -2280,7 +2280,7 @@
           <a:p>
             <a:fld id="{A83F1CEF-A38E-4001-89C6-F3FC7784F299}" type="datetime1">
               <a:rPr lang="nl-BE" smtClean="0"/>
-              <a:t>2016-10-11</a:t>
+              <a:t>21/10/2016</a:t>
             </a:fld>
             <a:endParaRPr lang="nl-BE"/>
           </a:p>
@@ -2406,7 +2406,7 @@
           <a:p>
             <a:fld id="{1FDE84DB-AADA-4C3F-BF46-CA664A504479}" type="datetime1">
               <a:rPr lang="nl-BE" smtClean="0"/>
-              <a:t>2016-10-11</a:t>
+              <a:t>21/10/2016</a:t>
             </a:fld>
             <a:endParaRPr lang="nl-BE" dirty="0"/>
           </a:p>
@@ -2650,7 +2650,7 @@
           <a:p>
             <a:fld id="{8CD53A43-C15C-4F05-9AD7-DB9DE837084D}" type="datetime1">
               <a:rPr lang="nl-BE" smtClean="0"/>
-              <a:t>2016-10-11</a:t>
+              <a:t>21/10/2016</a:t>
             </a:fld>
             <a:endParaRPr lang="nl-BE"/>
           </a:p>
@@ -2896,7 +2896,7 @@
           <a:p>
             <a:fld id="{8994D238-D949-4AEF-9753-A8B6EFA964A0}" type="datetime1">
               <a:rPr lang="nl-BE" smtClean="0"/>
-              <a:t>2016-10-11</a:t>
+              <a:t>21/10/2016</a:t>
             </a:fld>
             <a:endParaRPr lang="nl-BE"/>
           </a:p>
@@ -3184,7 +3184,7 @@
           <a:p>
             <a:fld id="{4D234023-BF99-4AD0-835E-8125DA2B6664}" type="datetime1">
               <a:rPr lang="nl-BE" smtClean="0"/>
-              <a:t>2016-10-11</a:t>
+              <a:t>21/10/2016</a:t>
             </a:fld>
             <a:endParaRPr lang="nl-BE"/>
           </a:p>
@@ -3606,7 +3606,7 @@
           <a:p>
             <a:fld id="{DB075A73-5C1D-406E-9444-3C5C58580E8E}" type="datetime1">
               <a:rPr lang="nl-BE" smtClean="0"/>
-              <a:t>2016-10-11</a:t>
+              <a:t>21/10/2016</a:t>
             </a:fld>
             <a:endParaRPr lang="nl-BE"/>
           </a:p>
@@ -3724,7 +3724,7 @@
           <a:p>
             <a:fld id="{E111FB2D-2E17-4D8F-A64A-4EB0C3D12494}" type="datetime1">
               <a:rPr lang="nl-BE" smtClean="0"/>
-              <a:t>2016-10-11</a:t>
+              <a:t>21/10/2016</a:t>
             </a:fld>
             <a:endParaRPr lang="nl-BE"/>
           </a:p>
@@ -3819,7 +3819,7 @@
           <a:p>
             <a:fld id="{5BE27D71-2267-4E44-9F33-05B60E5C7D9D}" type="datetime1">
               <a:rPr lang="nl-BE" smtClean="0"/>
-              <a:t>2016-10-11</a:t>
+              <a:t>21/10/2016</a:t>
             </a:fld>
             <a:endParaRPr lang="nl-BE"/>
           </a:p>
@@ -4096,7 +4096,7 @@
           <a:p>
             <a:fld id="{182F587C-96C8-4813-A767-3084061A3229}" type="datetime1">
               <a:rPr lang="nl-BE" smtClean="0"/>
-              <a:t>2016-10-11</a:t>
+              <a:t>21/10/2016</a:t>
             </a:fld>
             <a:endParaRPr lang="nl-BE"/>
           </a:p>
@@ -4349,7 +4349,7 @@
           <a:p>
             <a:fld id="{8B021CF8-BBBB-4DFA-8713-49842AA07274}" type="datetime1">
               <a:rPr lang="nl-BE" smtClean="0"/>
-              <a:t>2016-10-11</a:t>
+              <a:t>21/10/2016</a:t>
             </a:fld>
             <a:endParaRPr lang="nl-BE"/>
           </a:p>
@@ -4562,7 +4562,7 @@
           <a:p>
             <a:fld id="{CDBFABB5-0AB3-4CB6-A705-6887DEB1F9F2}" type="datetime1">
               <a:rPr lang="nl-BE" smtClean="0"/>
-              <a:t>2016-10-11</a:t>
+              <a:t>21/10/2016</a:t>
             </a:fld>
             <a:endParaRPr lang="nl-BE"/>
           </a:p>
@@ -8758,7 +8758,7 @@
           <a:graphicData uri="http://schemas.openxmlformats.org/presentationml/2006/ole">
             <mc:AlternateContent xmlns:mc="http://schemas.openxmlformats.org/markup-compatibility/2006">
               <mc:Choice xmlns:v="urn:schemas-microsoft-com:vml" Requires="v">
-                <p:oleObj spid="_x0000_s1156" name="Equation" r:id="rId3" imgW="812520" imgH="393480" progId="Equation.3">
+                <p:oleObj spid="_x0000_s1164" name="Equation" r:id="rId3" imgW="812520" imgH="393480" progId="Equation.3">
                   <p:embed/>
                 </p:oleObj>
               </mc:Choice>
@@ -8815,7 +8815,7 @@
           <a:graphicData uri="http://schemas.openxmlformats.org/presentationml/2006/ole">
             <mc:AlternateContent xmlns:mc="http://schemas.openxmlformats.org/markup-compatibility/2006">
               <mc:Choice xmlns:v="urn:schemas-microsoft-com:vml" Requires="v">
-                <p:oleObj spid="_x0000_s1157" name="Equation" r:id="rId5" imgW="2489040" imgH="431640" progId="Equation.3">
+                <p:oleObj spid="_x0000_s1165" name="Equation" r:id="rId5" imgW="2489040" imgH="431640" progId="Equation.3">
                   <p:embed/>
                 </p:oleObj>
               </mc:Choice>
@@ -15739,6 +15739,13 @@
   <p:clrMapOvr>
     <a:masterClrMapping/>
   </p:clrMapOvr>
+  <p:timing>
+    <p:tnLst>
+      <p:par>
+        <p:cTn id="1" dur="indefinite" restart="never" nodeType="tmRoot"/>
+      </p:par>
+    </p:tnLst>
+  </p:timing>
 </p:sld>
 </file>
 
@@ -19418,7 +19425,7 @@
           <a:graphicData uri="http://schemas.openxmlformats.org/presentationml/2006/ole">
             <mc:AlternateContent xmlns:mc="http://schemas.openxmlformats.org/markup-compatibility/2006">
               <mc:Choice xmlns:v="urn:schemas-microsoft-com:vml" Requires="v">
-                <p:oleObj spid="_x0000_s2147" name="Equation" r:id="rId3" imgW="1091880" imgH="1041120" progId="Equation.3">
+                <p:oleObj spid="_x0000_s2155" name="Equation" r:id="rId3" imgW="1091880" imgH="1041120" progId="Equation.3">
                   <p:embed/>
                 </p:oleObj>
               </mc:Choice>
@@ -20789,7 +20796,7 @@
           <a:graphicData uri="http://schemas.openxmlformats.org/presentationml/2006/ole">
             <mc:AlternateContent xmlns:mc="http://schemas.openxmlformats.org/markup-compatibility/2006">
               <mc:Choice xmlns:v="urn:schemas-microsoft-com:vml" Requires="v">
-                <p:oleObj spid="_x0000_s2148" name="Equation" r:id="rId5" imgW="1091880" imgH="1041120" progId="Equation.3">
+                <p:oleObj spid="_x0000_s2156" name="Equation" r:id="rId5" imgW="1091880" imgH="1041120" progId="Equation.3">
                   <p:embed/>
                 </p:oleObj>
               </mc:Choice>
@@ -27131,7 +27138,7 @@
           <a:graphicData uri="http://schemas.openxmlformats.org/presentationml/2006/ole">
             <mc:AlternateContent xmlns:mc="http://schemas.openxmlformats.org/markup-compatibility/2006">
               <mc:Choice xmlns:v="urn:schemas-microsoft-com:vml" Requires="v">
-                <p:oleObj spid="_x0000_s3086" name="Equation" r:id="rId3" imgW="965160" imgH="228600" progId="Equation.3">
+                <p:oleObj spid="_x0000_s3090" name="Equation" r:id="rId3" imgW="965160" imgH="228600" progId="Equation.3">
                   <p:embed/>
                 </p:oleObj>
               </mc:Choice>
@@ -29964,6 +29971,13 @@
   <p:clrMapOvr>
     <a:masterClrMapping/>
   </p:clrMapOvr>
+  <p:timing>
+    <p:tnLst>
+      <p:par>
+        <p:cTn id="1" dur="indefinite" restart="never" nodeType="tmRoot"/>
+      </p:par>
+    </p:tnLst>
+  </p:timing>
 </p:sld>
 </file>
 
@@ -30152,6 +30166,13 @@
   <p:clrMapOvr>
     <a:masterClrMapping/>
   </p:clrMapOvr>
+  <p:timing>
+    <p:tnLst>
+      <p:par>
+        <p:cTn id="1" dur="indefinite" restart="never" nodeType="tmRoot"/>
+      </p:par>
+    </p:tnLst>
+  </p:timing>
 </p:sld>
 </file>
 
@@ -32960,8 +32981,13 @@
           <a:p>
             <a:r>
               <a:rPr lang="en-US" dirty="0" smtClean="0"/>
-              <a:t>GPGPU RAM (GDDR5@750MHz): 48.0 GB/s</a:t>
-            </a:r>
+              <a:t>GPGPU RAM (</a:t>
+            </a:r>
+            <a:r>
+              <a:rPr lang="en-US" dirty="0" smtClean="0"/>
+              <a:t>GDDR5@750MHz, K40c): 288.0 GB/s</a:t>
+            </a:r>
+            <a:endParaRPr lang="en-US" dirty="0" smtClean="0"/>
           </a:p>
           <a:p>
             <a:r>
@@ -32984,7 +33010,15 @@
           <a:p>
             <a:r>
               <a:rPr lang="en-US" dirty="0" smtClean="0"/>
-              <a:t>PCI Express 3.0: 31.5 GB/s</a:t>
+              <a:t>PCI Express </a:t>
+            </a:r>
+            <a:r>
+              <a:rPr lang="en-US" dirty="0" smtClean="0"/>
+              <a:t>3.0 (16x): 15.75 </a:t>
+            </a:r>
+            <a:r>
+              <a:rPr lang="en-US" dirty="0" smtClean="0"/>
+              <a:t>GB/s</a:t>
             </a:r>
           </a:p>
           <a:p>

--- a/Optimization/hpc_efficiency.pptx
+++ b/Optimization/hpc_efficiency.pptx
@@ -274,11 +274,11 @@
           <c:showPercent val="0"/>
           <c:showBubbleSize val="0"/>
         </c:dLbls>
-        <c:axId val="380146416"/>
-        <c:axId val="380146808"/>
+        <c:axId val="414476392"/>
+        <c:axId val="414474432"/>
       </c:scatterChart>
       <c:valAx>
-        <c:axId val="380146416"/>
+        <c:axId val="414476392"/>
         <c:scaling>
           <c:logBase val="2"/>
           <c:orientation val="minMax"/>
@@ -290,14 +290,14 @@
         <c:majorTickMark val="out"/>
         <c:minorTickMark val="none"/>
         <c:tickLblPos val="nextTo"/>
-        <c:crossAx val="380146808"/>
+        <c:crossAx val="414474432"/>
         <c:crosses val="autoZero"/>
         <c:crossBetween val="midCat"/>
         <c:majorUnit val="4"/>
         <c:minorUnit val="4"/>
       </c:valAx>
       <c:valAx>
-        <c:axId val="380146808"/>
+        <c:axId val="414474432"/>
         <c:scaling>
           <c:logBase val="2"/>
           <c:orientation val="minMax"/>
@@ -310,7 +310,7 @@
         <c:majorTickMark val="out"/>
         <c:minorTickMark val="none"/>
         <c:tickLblPos val="nextTo"/>
-        <c:crossAx val="380146416"/>
+        <c:crossAx val="414476392"/>
         <c:crosses val="autoZero"/>
         <c:crossBetween val="midCat"/>
         <c:majorUnit val="4"/>
@@ -683,11 +683,11 @@
           <c:showPercent val="0"/>
           <c:showBubbleSize val="0"/>
         </c:dLbls>
-        <c:axId val="380143280"/>
-        <c:axId val="380144064"/>
+        <c:axId val="414475608"/>
+        <c:axId val="414474824"/>
       </c:scatterChart>
       <c:valAx>
-        <c:axId val="380143280"/>
+        <c:axId val="414475608"/>
         <c:scaling>
           <c:logBase val="2"/>
           <c:orientation val="minMax"/>
@@ -700,14 +700,14 @@
         <c:majorTickMark val="out"/>
         <c:minorTickMark val="none"/>
         <c:tickLblPos val="nextTo"/>
-        <c:crossAx val="380144064"/>
+        <c:crossAx val="414474824"/>
         <c:crosses val="autoZero"/>
         <c:crossBetween val="midCat"/>
         <c:majorUnit val="4"/>
         <c:minorUnit val="4"/>
       </c:valAx>
       <c:valAx>
-        <c:axId val="380144064"/>
+        <c:axId val="414474824"/>
         <c:scaling>
           <c:logBase val="2"/>
           <c:orientation val="minMax"/>
@@ -721,7 +721,7 @@
         <c:majorTickMark val="out"/>
         <c:minorTickMark val="none"/>
         <c:tickLblPos val="nextTo"/>
-        <c:crossAx val="380143280"/>
+        <c:crossAx val="414475608"/>
         <c:crosses val="autoZero"/>
         <c:crossBetween val="midCat"/>
         <c:majorUnit val="4"/>
@@ -934,11 +934,11 @@
           <c:showPercent val="0"/>
           <c:showBubbleSize val="0"/>
         </c:dLbls>
-        <c:axId val="380141320"/>
-        <c:axId val="380148376"/>
+        <c:axId val="414473648"/>
+        <c:axId val="416716560"/>
       </c:scatterChart>
       <c:valAx>
-        <c:axId val="380141320"/>
+        <c:axId val="414473648"/>
         <c:scaling>
           <c:logBase val="2"/>
           <c:orientation val="minMax"/>
@@ -951,13 +951,13 @@
         <c:majorTickMark val="out"/>
         <c:minorTickMark val="none"/>
         <c:tickLblPos val="nextTo"/>
-        <c:crossAx val="380148376"/>
+        <c:crossAx val="416716560"/>
         <c:crosses val="autoZero"/>
         <c:crossBetween val="midCat"/>
         <c:minorUnit val="4"/>
       </c:valAx>
       <c:valAx>
-        <c:axId val="380148376"/>
+        <c:axId val="416716560"/>
         <c:scaling>
           <c:logBase val="2"/>
           <c:orientation val="minMax"/>
@@ -971,7 +971,7 @@
         <c:majorTickMark val="out"/>
         <c:minorTickMark val="none"/>
         <c:tickLblPos val="nextTo"/>
-        <c:crossAx val="380141320"/>
+        <c:crossAx val="414473648"/>
         <c:crosses val="autoZero"/>
         <c:crossBetween val="midCat"/>
         <c:majorUnit val="2"/>
@@ -1102,11 +1102,11 @@
           <c:showPercent val="0"/>
           <c:showBubbleSize val="0"/>
         </c:dLbls>
-        <c:axId val="380143672"/>
-        <c:axId val="380142104"/>
+        <c:axId val="416716168"/>
+        <c:axId val="416714208"/>
       </c:scatterChart>
       <c:valAx>
-        <c:axId val="380143672"/>
+        <c:axId val="416716168"/>
         <c:scaling>
           <c:logBase val="2"/>
           <c:orientation val="minMax"/>
@@ -1119,13 +1119,13 @@
         <c:majorTickMark val="out"/>
         <c:minorTickMark val="none"/>
         <c:tickLblPos val="nextTo"/>
-        <c:crossAx val="380142104"/>
+        <c:crossAx val="416714208"/>
         <c:crosses val="autoZero"/>
         <c:crossBetween val="midCat"/>
         <c:majorUnit val="4"/>
       </c:valAx>
       <c:valAx>
-        <c:axId val="380142104"/>
+        <c:axId val="416714208"/>
         <c:scaling>
           <c:logBase val="2"/>
           <c:orientation val="minMax"/>
@@ -1138,7 +1138,7 @@
         <c:majorTickMark val="out"/>
         <c:minorTickMark val="none"/>
         <c:tickLblPos val="nextTo"/>
-        <c:crossAx val="380143672"/>
+        <c:crossAx val="416716168"/>
         <c:crosses val="autoZero"/>
         <c:crossBetween val="midCat"/>
         <c:majorUnit val="2"/>
@@ -1264,11 +1264,11 @@
           <c:showPercent val="0"/>
           <c:showBubbleSize val="0"/>
         </c:dLbls>
-        <c:axId val="380144456"/>
-        <c:axId val="380144848"/>
+        <c:axId val="416716952"/>
+        <c:axId val="416720088"/>
       </c:scatterChart>
       <c:valAx>
-        <c:axId val="380144456"/>
+        <c:axId val="416716952"/>
         <c:scaling>
           <c:logBase val="2"/>
           <c:orientation val="minMax"/>
@@ -1281,14 +1281,14 @@
         <c:majorTickMark val="out"/>
         <c:minorTickMark val="none"/>
         <c:tickLblPos val="nextTo"/>
-        <c:crossAx val="380144848"/>
+        <c:crossAx val="416720088"/>
         <c:crosses val="autoZero"/>
         <c:crossBetween val="midCat"/>
         <c:majorUnit val="4"/>
         <c:minorUnit val="4"/>
       </c:valAx>
       <c:valAx>
-        <c:axId val="380144848"/>
+        <c:axId val="416720088"/>
         <c:scaling>
           <c:orientation val="minMax"/>
           <c:max val="1"/>
@@ -1300,7 +1300,7 @@
         <c:majorTickMark val="out"/>
         <c:minorTickMark val="none"/>
         <c:tickLblPos val="nextTo"/>
-        <c:crossAx val="380144456"/>
+        <c:crossAx val="416716952"/>
         <c:crosses val="autoZero"/>
         <c:crossBetween val="midCat"/>
       </c:valAx>
@@ -1397,7 +1397,7 @@
           <a:p>
             <a:fld id="{2E6AAE95-D4FC-4D00-935A-EAE928727A56}" type="datetimeFigureOut">
               <a:rPr lang="en-US" smtClean="0"/>
-              <a:t>2016-10-21</a:t>
+              <a:t>2016-11-29</a:t>
             </a:fld>
             <a:endParaRPr lang="en-US"/>
           </a:p>
@@ -1930,7 +1930,7 @@
           <a:p>
             <a:fld id="{1CFF3F78-F57F-4409-A41B-5EC46D4F404B}" type="datetime1">
               <a:rPr lang="nl-BE" smtClean="0"/>
-              <a:t>21/10/2016</a:t>
+              <a:t>29/11/2016</a:t>
             </a:fld>
             <a:endParaRPr lang="nl-BE"/>
           </a:p>
@@ -2100,7 +2100,7 @@
           <a:p>
             <a:fld id="{7D029E61-52E3-412C-82EB-2F81B17C0AF1}" type="datetime1">
               <a:rPr lang="nl-BE" smtClean="0"/>
-              <a:t>21/10/2016</a:t>
+              <a:t>29/11/2016</a:t>
             </a:fld>
             <a:endParaRPr lang="nl-BE"/>
           </a:p>
@@ -2280,7 +2280,7 @@
           <a:p>
             <a:fld id="{A83F1CEF-A38E-4001-89C6-F3FC7784F299}" type="datetime1">
               <a:rPr lang="nl-BE" smtClean="0"/>
-              <a:t>21/10/2016</a:t>
+              <a:t>29/11/2016</a:t>
             </a:fld>
             <a:endParaRPr lang="nl-BE"/>
           </a:p>
@@ -2406,7 +2406,7 @@
           <a:p>
             <a:fld id="{1FDE84DB-AADA-4C3F-BF46-CA664A504479}" type="datetime1">
               <a:rPr lang="nl-BE" smtClean="0"/>
-              <a:t>21/10/2016</a:t>
+              <a:t>29/11/2016</a:t>
             </a:fld>
             <a:endParaRPr lang="nl-BE" dirty="0"/>
           </a:p>
@@ -2650,7 +2650,7 @@
           <a:p>
             <a:fld id="{8CD53A43-C15C-4F05-9AD7-DB9DE837084D}" type="datetime1">
               <a:rPr lang="nl-BE" smtClean="0"/>
-              <a:t>21/10/2016</a:t>
+              <a:t>29/11/2016</a:t>
             </a:fld>
             <a:endParaRPr lang="nl-BE"/>
           </a:p>
@@ -2896,7 +2896,7 @@
           <a:p>
             <a:fld id="{8994D238-D949-4AEF-9753-A8B6EFA964A0}" type="datetime1">
               <a:rPr lang="nl-BE" smtClean="0"/>
-              <a:t>21/10/2016</a:t>
+              <a:t>29/11/2016</a:t>
             </a:fld>
             <a:endParaRPr lang="nl-BE"/>
           </a:p>
@@ -3184,7 +3184,7 @@
           <a:p>
             <a:fld id="{4D234023-BF99-4AD0-835E-8125DA2B6664}" type="datetime1">
               <a:rPr lang="nl-BE" smtClean="0"/>
-              <a:t>21/10/2016</a:t>
+              <a:t>29/11/2016</a:t>
             </a:fld>
             <a:endParaRPr lang="nl-BE"/>
           </a:p>
@@ -3606,7 +3606,7 @@
           <a:p>
             <a:fld id="{DB075A73-5C1D-406E-9444-3C5C58580E8E}" type="datetime1">
               <a:rPr lang="nl-BE" smtClean="0"/>
-              <a:t>21/10/2016</a:t>
+              <a:t>29/11/2016</a:t>
             </a:fld>
             <a:endParaRPr lang="nl-BE"/>
           </a:p>
@@ -3724,7 +3724,7 @@
           <a:p>
             <a:fld id="{E111FB2D-2E17-4D8F-A64A-4EB0C3D12494}" type="datetime1">
               <a:rPr lang="nl-BE" smtClean="0"/>
-              <a:t>21/10/2016</a:t>
+              <a:t>29/11/2016</a:t>
             </a:fld>
             <a:endParaRPr lang="nl-BE"/>
           </a:p>
@@ -3819,7 +3819,7 @@
           <a:p>
             <a:fld id="{5BE27D71-2267-4E44-9F33-05B60E5C7D9D}" type="datetime1">
               <a:rPr lang="nl-BE" smtClean="0"/>
-              <a:t>21/10/2016</a:t>
+              <a:t>29/11/2016</a:t>
             </a:fld>
             <a:endParaRPr lang="nl-BE"/>
           </a:p>
@@ -4096,7 +4096,7 @@
           <a:p>
             <a:fld id="{182F587C-96C8-4813-A767-3084061A3229}" type="datetime1">
               <a:rPr lang="nl-BE" smtClean="0"/>
-              <a:t>21/10/2016</a:t>
+              <a:t>29/11/2016</a:t>
             </a:fld>
             <a:endParaRPr lang="nl-BE"/>
           </a:p>
@@ -4349,7 +4349,7 @@
           <a:p>
             <a:fld id="{8B021CF8-BBBB-4DFA-8713-49842AA07274}" type="datetime1">
               <a:rPr lang="nl-BE" smtClean="0"/>
-              <a:t>21/10/2016</a:t>
+              <a:t>29/11/2016</a:t>
             </a:fld>
             <a:endParaRPr lang="nl-BE"/>
           </a:p>
@@ -4562,7 +4562,7 @@
           <a:p>
             <a:fld id="{CDBFABB5-0AB3-4CB6-A705-6887DEB1F9F2}" type="datetime1">
               <a:rPr lang="nl-BE" smtClean="0"/>
-              <a:t>21/10/2016</a:t>
+              <a:t>29/11/2016</a:t>
             </a:fld>
             <a:endParaRPr lang="nl-BE"/>
           </a:p>
@@ -8758,7 +8758,7 @@
           <a:graphicData uri="http://schemas.openxmlformats.org/presentationml/2006/ole">
             <mc:AlternateContent xmlns:mc="http://schemas.openxmlformats.org/markup-compatibility/2006">
               <mc:Choice xmlns:v="urn:schemas-microsoft-com:vml" Requires="v">
-                <p:oleObj spid="_x0000_s1164" name="Equation" r:id="rId3" imgW="812520" imgH="393480" progId="Equation.3">
+                <p:oleObj spid="_x0000_s1166" name="Equation" r:id="rId3" imgW="812520" imgH="393480" progId="Equation.3">
                   <p:embed/>
                 </p:oleObj>
               </mc:Choice>
@@ -8815,7 +8815,7 @@
           <a:graphicData uri="http://schemas.openxmlformats.org/presentationml/2006/ole">
             <mc:AlternateContent xmlns:mc="http://schemas.openxmlformats.org/markup-compatibility/2006">
               <mc:Choice xmlns:v="urn:schemas-microsoft-com:vml" Requires="v">
-                <p:oleObj spid="_x0000_s1165" name="Equation" r:id="rId5" imgW="2489040" imgH="431640" progId="Equation.3">
+                <p:oleObj spid="_x0000_s1167" name="Equation" r:id="rId5" imgW="2489040" imgH="431640" progId="Equation.3">
                   <p:embed/>
                 </p:oleObj>
               </mc:Choice>
@@ -19425,7 +19425,7 @@
           <a:graphicData uri="http://schemas.openxmlformats.org/presentationml/2006/ole">
             <mc:AlternateContent xmlns:mc="http://schemas.openxmlformats.org/markup-compatibility/2006">
               <mc:Choice xmlns:v="urn:schemas-microsoft-com:vml" Requires="v">
-                <p:oleObj spid="_x0000_s2155" name="Equation" r:id="rId3" imgW="1091880" imgH="1041120" progId="Equation.3">
+                <p:oleObj spid="_x0000_s2157" name="Equation" r:id="rId3" imgW="1091880" imgH="1041120" progId="Equation.3">
                   <p:embed/>
                 </p:oleObj>
               </mc:Choice>
@@ -20796,7 +20796,7 @@
           <a:graphicData uri="http://schemas.openxmlformats.org/presentationml/2006/ole">
             <mc:AlternateContent xmlns:mc="http://schemas.openxmlformats.org/markup-compatibility/2006">
               <mc:Choice xmlns:v="urn:schemas-microsoft-com:vml" Requires="v">
-                <p:oleObj spid="_x0000_s2156" name="Equation" r:id="rId5" imgW="1091880" imgH="1041120" progId="Equation.3">
+                <p:oleObj spid="_x0000_s2158" name="Equation" r:id="rId5" imgW="1091880" imgH="1041120" progId="Equation.3">
                   <p:embed/>
                 </p:oleObj>
               </mc:Choice>
@@ -27138,7 +27138,7 @@
           <a:graphicData uri="http://schemas.openxmlformats.org/presentationml/2006/ole">
             <mc:AlternateContent xmlns:mc="http://schemas.openxmlformats.org/markup-compatibility/2006">
               <mc:Choice xmlns:v="urn:schemas-microsoft-com:vml" Requires="v">
-                <p:oleObj spid="_x0000_s3090" name="Equation" r:id="rId3" imgW="965160" imgH="228600" progId="Equation.3">
+                <p:oleObj spid="_x0000_s3091" name="Equation" r:id="rId3" imgW="965160" imgH="228600" progId="Equation.3">
                   <p:embed/>
                 </p:oleObj>
               </mc:Choice>
@@ -30105,20 +30105,19 @@
               <a:t>Georg Hager &amp; Gerhard </a:t>
             </a:r>
             <a:r>
-              <a:rPr lang="nl-BE" dirty="0" err="1" smtClean="0"/>
+              <a:rPr lang="nl-BE" dirty="0" smtClean="0"/>
               <a:t>Wellein</a:t>
             </a:r>
-            <a:r>
+            <a:br>
               <a:rPr lang="nl-BE" dirty="0" smtClean="0"/>
-              <a:t>, </a:t>
-            </a:r>
-            <a:r>
-              <a:rPr lang="nl-BE" dirty="0" err="1" smtClean="0"/>
-              <a:t>Chapman</a:t>
-            </a:r>
+            </a:br>
             <a:r>
               <a:rPr lang="nl-BE" dirty="0" smtClean="0"/>
-              <a:t> &amp; Hall, 2010</a:t>
+              <a:t>Chapman </a:t>
+            </a:r>
+            <a:r>
+              <a:rPr lang="nl-BE" dirty="0" smtClean="0"/>
+              <a:t>&amp; Hall, 2010</a:t>
             </a:r>
             <a:endParaRPr lang="en-US" b="1" dirty="0"/>
           </a:p>
@@ -32981,13 +32980,8 @@
           <a:p>
             <a:r>
               <a:rPr lang="en-US" dirty="0" smtClean="0"/>
-              <a:t>GPGPU RAM (</a:t>
-            </a:r>
-            <a:r>
-              <a:rPr lang="en-US" dirty="0" smtClean="0"/>
-              <a:t>GDDR5@750MHz, K40c): 288.0 GB/s</a:t>
-            </a:r>
-            <a:endParaRPr lang="en-US" dirty="0" smtClean="0"/>
+              <a:t>GPGPU RAM (GDDR5@750MHz, K40c): 288.0 GB/s</a:t>
+            </a:r>
           </a:p>
           <a:p>
             <a:r>
@@ -33010,15 +33004,7 @@
           <a:p>
             <a:r>
               <a:rPr lang="en-US" dirty="0" smtClean="0"/>
-              <a:t>PCI Express </a:t>
-            </a:r>
-            <a:r>
-              <a:rPr lang="en-US" dirty="0" smtClean="0"/>
-              <a:t>3.0 (16x): 15.75 </a:t>
-            </a:r>
-            <a:r>
-              <a:rPr lang="en-US" dirty="0" smtClean="0"/>
-              <a:t>GB/s</a:t>
+              <a:t>PCI Express 3.0 (16x): 15.75 GB/s</a:t>
             </a:r>
           </a:p>
           <a:p>

--- a/Optimization/hpc_efficiency.pptx
+++ b/Optimization/hpc_efficiency.pptx
@@ -274,11 +274,11 @@
           <c:showPercent val="0"/>
           <c:showBubbleSize val="0"/>
         </c:dLbls>
-        <c:axId val="414476392"/>
-        <c:axId val="414474432"/>
+        <c:axId val="248308712"/>
+        <c:axId val="292622280"/>
       </c:scatterChart>
       <c:valAx>
-        <c:axId val="414476392"/>
+        <c:axId val="248308712"/>
         <c:scaling>
           <c:logBase val="2"/>
           <c:orientation val="minMax"/>
@@ -290,14 +290,14 @@
         <c:majorTickMark val="out"/>
         <c:minorTickMark val="none"/>
         <c:tickLblPos val="nextTo"/>
-        <c:crossAx val="414474432"/>
+        <c:crossAx val="292622280"/>
         <c:crosses val="autoZero"/>
         <c:crossBetween val="midCat"/>
         <c:majorUnit val="4"/>
         <c:minorUnit val="4"/>
       </c:valAx>
       <c:valAx>
-        <c:axId val="414474432"/>
+        <c:axId val="292622280"/>
         <c:scaling>
           <c:logBase val="2"/>
           <c:orientation val="minMax"/>
@@ -310,7 +310,7 @@
         <c:majorTickMark val="out"/>
         <c:minorTickMark val="none"/>
         <c:tickLblPos val="nextTo"/>
-        <c:crossAx val="414476392"/>
+        <c:crossAx val="248308712"/>
         <c:crosses val="autoZero"/>
         <c:crossBetween val="midCat"/>
         <c:majorUnit val="4"/>
@@ -683,11 +683,11 @@
           <c:showPercent val="0"/>
           <c:showBubbleSize val="0"/>
         </c:dLbls>
-        <c:axId val="414475608"/>
-        <c:axId val="414474824"/>
+        <c:axId val="292621496"/>
+        <c:axId val="292621888"/>
       </c:scatterChart>
       <c:valAx>
-        <c:axId val="414475608"/>
+        <c:axId val="292621496"/>
         <c:scaling>
           <c:logBase val="2"/>
           <c:orientation val="minMax"/>
@@ -700,14 +700,14 @@
         <c:majorTickMark val="out"/>
         <c:minorTickMark val="none"/>
         <c:tickLblPos val="nextTo"/>
-        <c:crossAx val="414474824"/>
+        <c:crossAx val="292621888"/>
         <c:crosses val="autoZero"/>
         <c:crossBetween val="midCat"/>
         <c:majorUnit val="4"/>
         <c:minorUnit val="4"/>
       </c:valAx>
       <c:valAx>
-        <c:axId val="414474824"/>
+        <c:axId val="292621888"/>
         <c:scaling>
           <c:logBase val="2"/>
           <c:orientation val="minMax"/>
@@ -721,7 +721,7 @@
         <c:majorTickMark val="out"/>
         <c:minorTickMark val="none"/>
         <c:tickLblPos val="nextTo"/>
-        <c:crossAx val="414475608"/>
+        <c:crossAx val="292621496"/>
         <c:crosses val="autoZero"/>
         <c:crossBetween val="midCat"/>
         <c:majorUnit val="4"/>
@@ -730,6 +730,7 @@
     </c:plotArea>
     <c:legend>
       <c:legendPos val="r"/>
+      <c:layout/>
       <c:overlay val="0"/>
     </c:legend>
     <c:plotVisOnly val="1"/>
@@ -934,11 +935,11 @@
           <c:showPercent val="0"/>
           <c:showBubbleSize val="0"/>
         </c:dLbls>
-        <c:axId val="414473648"/>
-        <c:axId val="416716560"/>
+        <c:axId val="292624240"/>
+        <c:axId val="292625808"/>
       </c:scatterChart>
       <c:valAx>
-        <c:axId val="414473648"/>
+        <c:axId val="292624240"/>
         <c:scaling>
           <c:logBase val="2"/>
           <c:orientation val="minMax"/>
@@ -951,13 +952,13 @@
         <c:majorTickMark val="out"/>
         <c:minorTickMark val="none"/>
         <c:tickLblPos val="nextTo"/>
-        <c:crossAx val="416716560"/>
+        <c:crossAx val="292625808"/>
         <c:crosses val="autoZero"/>
         <c:crossBetween val="midCat"/>
         <c:minorUnit val="4"/>
       </c:valAx>
       <c:valAx>
-        <c:axId val="416716560"/>
+        <c:axId val="292625808"/>
         <c:scaling>
           <c:logBase val="2"/>
           <c:orientation val="minMax"/>
@@ -971,7 +972,7 @@
         <c:majorTickMark val="out"/>
         <c:minorTickMark val="none"/>
         <c:tickLblPos val="nextTo"/>
-        <c:crossAx val="414473648"/>
+        <c:crossAx val="292624240"/>
         <c:crosses val="autoZero"/>
         <c:crossBetween val="midCat"/>
         <c:majorUnit val="2"/>
@@ -980,6 +981,7 @@
     </c:plotArea>
     <c:legend>
       <c:legendPos val="r"/>
+      <c:layout/>
       <c:overlay val="0"/>
     </c:legend>
     <c:plotVisOnly val="1"/>
@@ -1102,11 +1104,11 @@
           <c:showPercent val="0"/>
           <c:showBubbleSize val="0"/>
         </c:dLbls>
-        <c:axId val="416716168"/>
-        <c:axId val="416714208"/>
+        <c:axId val="292625024"/>
+        <c:axId val="292626200"/>
       </c:scatterChart>
       <c:valAx>
-        <c:axId val="416716168"/>
+        <c:axId val="292625024"/>
         <c:scaling>
           <c:logBase val="2"/>
           <c:orientation val="minMax"/>
@@ -1119,13 +1121,13 @@
         <c:majorTickMark val="out"/>
         <c:minorTickMark val="none"/>
         <c:tickLblPos val="nextTo"/>
-        <c:crossAx val="416714208"/>
+        <c:crossAx val="292626200"/>
         <c:crosses val="autoZero"/>
         <c:crossBetween val="midCat"/>
         <c:majorUnit val="4"/>
       </c:valAx>
       <c:valAx>
-        <c:axId val="416714208"/>
+        <c:axId val="292626200"/>
         <c:scaling>
           <c:logBase val="2"/>
           <c:orientation val="minMax"/>
@@ -1138,7 +1140,7 @@
         <c:majorTickMark val="out"/>
         <c:minorTickMark val="none"/>
         <c:tickLblPos val="nextTo"/>
-        <c:crossAx val="416716168"/>
+        <c:crossAx val="292625024"/>
         <c:crosses val="autoZero"/>
         <c:crossBetween val="midCat"/>
         <c:majorUnit val="2"/>
@@ -1264,11 +1266,11 @@
           <c:showPercent val="0"/>
           <c:showBubbleSize val="0"/>
         </c:dLbls>
-        <c:axId val="416716952"/>
-        <c:axId val="416720088"/>
+        <c:axId val="292623848"/>
+        <c:axId val="292626592"/>
       </c:scatterChart>
       <c:valAx>
-        <c:axId val="416716952"/>
+        <c:axId val="292623848"/>
         <c:scaling>
           <c:logBase val="2"/>
           <c:orientation val="minMax"/>
@@ -1281,14 +1283,14 @@
         <c:majorTickMark val="out"/>
         <c:minorTickMark val="none"/>
         <c:tickLblPos val="nextTo"/>
-        <c:crossAx val="416720088"/>
+        <c:crossAx val="292626592"/>
         <c:crosses val="autoZero"/>
         <c:crossBetween val="midCat"/>
         <c:majorUnit val="4"/>
         <c:minorUnit val="4"/>
       </c:valAx>
       <c:valAx>
-        <c:axId val="416720088"/>
+        <c:axId val="292626592"/>
         <c:scaling>
           <c:orientation val="minMax"/>
           <c:max val="1"/>
@@ -1300,7 +1302,7 @@
         <c:majorTickMark val="out"/>
         <c:minorTickMark val="none"/>
         <c:tickLblPos val="nextTo"/>
-        <c:crossAx val="416716952"/>
+        <c:crossAx val="292623848"/>
         <c:crosses val="autoZero"/>
         <c:crossBetween val="midCat"/>
       </c:valAx>
@@ -1397,7 +1399,7 @@
           <a:p>
             <a:fld id="{2E6AAE95-D4FC-4D00-935A-EAE928727A56}" type="datetimeFigureOut">
               <a:rPr lang="en-US" smtClean="0"/>
-              <a:t>2016-11-29</a:t>
+              <a:t>2017-04-21</a:t>
             </a:fld>
             <a:endParaRPr lang="en-US"/>
           </a:p>
@@ -1930,7 +1932,7 @@
           <a:p>
             <a:fld id="{1CFF3F78-F57F-4409-A41B-5EC46D4F404B}" type="datetime1">
               <a:rPr lang="nl-BE" smtClean="0"/>
-              <a:t>29/11/2016</a:t>
+              <a:t>21/04/2017</a:t>
             </a:fld>
             <a:endParaRPr lang="nl-BE"/>
           </a:p>
@@ -2100,7 +2102,7 @@
           <a:p>
             <a:fld id="{7D029E61-52E3-412C-82EB-2F81B17C0AF1}" type="datetime1">
               <a:rPr lang="nl-BE" smtClean="0"/>
-              <a:t>29/11/2016</a:t>
+              <a:t>21/04/2017</a:t>
             </a:fld>
             <a:endParaRPr lang="nl-BE"/>
           </a:p>
@@ -2280,7 +2282,7 @@
           <a:p>
             <a:fld id="{A83F1CEF-A38E-4001-89C6-F3FC7784F299}" type="datetime1">
               <a:rPr lang="nl-BE" smtClean="0"/>
-              <a:t>29/11/2016</a:t>
+              <a:t>21/04/2017</a:t>
             </a:fld>
             <a:endParaRPr lang="nl-BE"/>
           </a:p>
@@ -2406,7 +2408,7 @@
           <a:p>
             <a:fld id="{1FDE84DB-AADA-4C3F-BF46-CA664A504479}" type="datetime1">
               <a:rPr lang="nl-BE" smtClean="0"/>
-              <a:t>29/11/2016</a:t>
+              <a:t>21/04/2017</a:t>
             </a:fld>
             <a:endParaRPr lang="nl-BE" dirty="0"/>
           </a:p>
@@ -2650,7 +2652,7 @@
           <a:p>
             <a:fld id="{8CD53A43-C15C-4F05-9AD7-DB9DE837084D}" type="datetime1">
               <a:rPr lang="nl-BE" smtClean="0"/>
-              <a:t>29/11/2016</a:t>
+              <a:t>21/04/2017</a:t>
             </a:fld>
             <a:endParaRPr lang="nl-BE"/>
           </a:p>
@@ -2896,7 +2898,7 @@
           <a:p>
             <a:fld id="{8994D238-D949-4AEF-9753-A8B6EFA964A0}" type="datetime1">
               <a:rPr lang="nl-BE" smtClean="0"/>
-              <a:t>29/11/2016</a:t>
+              <a:t>21/04/2017</a:t>
             </a:fld>
             <a:endParaRPr lang="nl-BE"/>
           </a:p>
@@ -3184,7 +3186,7 @@
           <a:p>
             <a:fld id="{4D234023-BF99-4AD0-835E-8125DA2B6664}" type="datetime1">
               <a:rPr lang="nl-BE" smtClean="0"/>
-              <a:t>29/11/2016</a:t>
+              <a:t>21/04/2017</a:t>
             </a:fld>
             <a:endParaRPr lang="nl-BE"/>
           </a:p>
@@ -3606,7 +3608,7 @@
           <a:p>
             <a:fld id="{DB075A73-5C1D-406E-9444-3C5C58580E8E}" type="datetime1">
               <a:rPr lang="nl-BE" smtClean="0"/>
-              <a:t>29/11/2016</a:t>
+              <a:t>21/04/2017</a:t>
             </a:fld>
             <a:endParaRPr lang="nl-BE"/>
           </a:p>
@@ -3724,7 +3726,7 @@
           <a:p>
             <a:fld id="{E111FB2D-2E17-4D8F-A64A-4EB0C3D12494}" type="datetime1">
               <a:rPr lang="nl-BE" smtClean="0"/>
-              <a:t>29/11/2016</a:t>
+              <a:t>21/04/2017</a:t>
             </a:fld>
             <a:endParaRPr lang="nl-BE"/>
           </a:p>
@@ -3819,7 +3821,7 @@
           <a:p>
             <a:fld id="{5BE27D71-2267-4E44-9F33-05B60E5C7D9D}" type="datetime1">
               <a:rPr lang="nl-BE" smtClean="0"/>
-              <a:t>29/11/2016</a:t>
+              <a:t>21/04/2017</a:t>
             </a:fld>
             <a:endParaRPr lang="nl-BE"/>
           </a:p>
@@ -4096,7 +4098,7 @@
           <a:p>
             <a:fld id="{182F587C-96C8-4813-A767-3084061A3229}" type="datetime1">
               <a:rPr lang="nl-BE" smtClean="0"/>
-              <a:t>29/11/2016</a:t>
+              <a:t>21/04/2017</a:t>
             </a:fld>
             <a:endParaRPr lang="nl-BE"/>
           </a:p>
@@ -4349,7 +4351,7 @@
           <a:p>
             <a:fld id="{8B021CF8-BBBB-4DFA-8713-49842AA07274}" type="datetime1">
               <a:rPr lang="nl-BE" smtClean="0"/>
-              <a:t>29/11/2016</a:t>
+              <a:t>21/04/2017</a:t>
             </a:fld>
             <a:endParaRPr lang="nl-BE"/>
           </a:p>
@@ -4562,7 +4564,7 @@
           <a:p>
             <a:fld id="{CDBFABB5-0AB3-4CB6-A705-6887DEB1F9F2}" type="datetime1">
               <a:rPr lang="nl-BE" smtClean="0"/>
-              <a:t>29/11/2016</a:t>
+              <a:t>21/04/2017</a:t>
             </a:fld>
             <a:endParaRPr lang="nl-BE"/>
           </a:p>
@@ -8758,7 +8760,7 @@
           <a:graphicData uri="http://schemas.openxmlformats.org/presentationml/2006/ole">
             <mc:AlternateContent xmlns:mc="http://schemas.openxmlformats.org/markup-compatibility/2006">
               <mc:Choice xmlns:v="urn:schemas-microsoft-com:vml" Requires="v">
-                <p:oleObj spid="_x0000_s1166" name="Equation" r:id="rId3" imgW="812520" imgH="393480" progId="Equation.3">
+                <p:oleObj spid="_x0000_s1168" name="Equation" r:id="rId3" imgW="812520" imgH="393480" progId="Equation.3">
                   <p:embed/>
                 </p:oleObj>
               </mc:Choice>
@@ -8815,7 +8817,7 @@
           <a:graphicData uri="http://schemas.openxmlformats.org/presentationml/2006/ole">
             <mc:AlternateContent xmlns:mc="http://schemas.openxmlformats.org/markup-compatibility/2006">
               <mc:Choice xmlns:v="urn:schemas-microsoft-com:vml" Requires="v">
-                <p:oleObj spid="_x0000_s1167" name="Equation" r:id="rId5" imgW="2489040" imgH="431640" progId="Equation.3">
+                <p:oleObj spid="_x0000_s1169" name="Equation" r:id="rId5" imgW="2489040" imgH="431640" progId="Equation.3">
                   <p:embed/>
                 </p:oleObj>
               </mc:Choice>
@@ -14679,6 +14681,13 @@
   <p:clrMapOvr>
     <a:masterClrMapping/>
   </p:clrMapOvr>
+  <p:timing>
+    <p:tnLst>
+      <p:par>
+        <p:cTn id="1" dur="indefinite" restart="never" nodeType="tmRoot"/>
+      </p:par>
+    </p:tnLst>
+  </p:timing>
 </p:sld>
 </file>
 
@@ -15363,7 +15372,7 @@
                             </p:stCondLst>
                             <p:childTnLst>
                               <p:par>
-                                <p:cTn id="29" presetID="1" presetClass="entr" presetSubtype="0" fill="hold" grpId="0" nodeType="clickEffect">
+                                <p:cTn id="29" presetID="1" presetClass="entr" presetSubtype="0" fill="hold" nodeType="clickEffect">
                                   <p:stCondLst>
                                     <p:cond delay="0"/>
                                   </p:stCondLst>
@@ -15371,6 +15380,51 @@
                                     <p:set>
                                       <p:cBhvr>
                                         <p:cTn id="30" dur="1" fill="hold">
+                                          <p:stCondLst>
+                                            <p:cond delay="0"/>
+                                          </p:stCondLst>
+                                        </p:cTn>
+                                        <p:tgtEl>
+                                          <p:spTgt spid="8"/>
+                                        </p:tgtEl>
+                                        <p:attrNameLst>
+                                          <p:attrName>style.visibility</p:attrName>
+                                        </p:attrNameLst>
+                                      </p:cBhvr>
+                                      <p:to>
+                                        <p:strVal val="visible"/>
+                                      </p:to>
+                                    </p:set>
+                                  </p:childTnLst>
+                                </p:cTn>
+                              </p:par>
+                            </p:childTnLst>
+                          </p:cTn>
+                        </p:par>
+                      </p:childTnLst>
+                    </p:cTn>
+                  </p:par>
+                  <p:par>
+                    <p:cTn id="31" fill="hold">
+                      <p:stCondLst>
+                        <p:cond delay="indefinite"/>
+                      </p:stCondLst>
+                      <p:childTnLst>
+                        <p:par>
+                          <p:cTn id="32" fill="hold">
+                            <p:stCondLst>
+                              <p:cond delay="0"/>
+                            </p:stCondLst>
+                            <p:childTnLst>
+                              <p:par>
+                                <p:cTn id="33" presetID="1" presetClass="entr" presetSubtype="0" fill="hold" grpId="0" nodeType="clickEffect">
+                                  <p:stCondLst>
+                                    <p:cond delay="0"/>
+                                  </p:stCondLst>
+                                  <p:childTnLst>
+                                    <p:set>
+                                      <p:cBhvr>
+                                        <p:cTn id="34" dur="1" fill="hold">
                                           <p:stCondLst>
                                             <p:cond delay="0"/>
                                           </p:stCondLst>
@@ -15394,14 +15448,14 @@
                                 </p:cTn>
                               </p:par>
                               <p:par>
-                                <p:cTn id="31" presetID="1" presetClass="entr" presetSubtype="0" fill="hold" grpId="0" nodeType="withEffect">
+                                <p:cTn id="35" presetID="1" presetClass="entr" presetSubtype="0" fill="hold" grpId="0" nodeType="withEffect">
                                   <p:stCondLst>
                                     <p:cond delay="0"/>
                                   </p:stCondLst>
                                   <p:childTnLst>
                                     <p:set>
                                       <p:cBhvr>
-                                        <p:cTn id="32" dur="1" fill="hold">
+                                        <p:cTn id="36" dur="1" fill="hold">
                                           <p:stCondLst>
                                             <p:cond delay="0"/>
                                           </p:stCondLst>
@@ -15425,14 +15479,14 @@
                                 </p:cTn>
                               </p:par>
                               <p:par>
-                                <p:cTn id="33" presetID="1" presetClass="entr" presetSubtype="0" fill="hold" grpId="0" nodeType="withEffect">
+                                <p:cTn id="37" presetID="1" presetClass="entr" presetSubtype="0" fill="hold" grpId="0" nodeType="withEffect">
                                   <p:stCondLst>
                                     <p:cond delay="0"/>
                                   </p:stCondLst>
                                   <p:childTnLst>
                                     <p:set>
                                       <p:cBhvr>
-                                        <p:cTn id="34" dur="1" fill="hold">
+                                        <p:cTn id="38" dur="1" fill="hold">
                                           <p:stCondLst>
                                             <p:cond delay="0"/>
                                           </p:stCondLst>
@@ -15462,26 +15516,26 @@
                     </p:cTn>
                   </p:par>
                   <p:par>
-                    <p:cTn id="35" fill="hold">
+                    <p:cTn id="39" fill="hold">
                       <p:stCondLst>
                         <p:cond delay="indefinite"/>
                       </p:stCondLst>
                       <p:childTnLst>
                         <p:par>
-                          <p:cTn id="36" fill="hold">
+                          <p:cTn id="40" fill="hold">
                             <p:stCondLst>
                               <p:cond delay="0"/>
                             </p:stCondLst>
                             <p:childTnLst>
                               <p:par>
-                                <p:cTn id="37" presetID="1" presetClass="entr" presetSubtype="0" fill="hold" grpId="0" nodeType="clickEffect">
+                                <p:cTn id="41" presetID="1" presetClass="entr" presetSubtype="0" fill="hold" grpId="0" nodeType="clickEffect">
                                   <p:stCondLst>
                                     <p:cond delay="0"/>
                                   </p:stCondLst>
                                   <p:childTnLst>
                                     <p:set>
                                       <p:cBhvr>
-                                        <p:cTn id="38" dur="1" fill="hold">
+                                        <p:cTn id="42" dur="1" fill="hold">
                                           <p:stCondLst>
                                             <p:cond delay="0"/>
                                           </p:stCondLst>
@@ -15505,14 +15559,14 @@
                                 </p:cTn>
                               </p:par>
                               <p:par>
-                                <p:cTn id="39" presetID="1" presetClass="entr" presetSubtype="0" fill="hold" grpId="0" nodeType="withEffect">
+                                <p:cTn id="43" presetID="1" presetClass="entr" presetSubtype="0" fill="hold" grpId="0" nodeType="withEffect">
                                   <p:stCondLst>
                                     <p:cond delay="0"/>
                                   </p:stCondLst>
                                   <p:childTnLst>
                                     <p:set>
                                       <p:cBhvr>
-                                        <p:cTn id="40" dur="1" fill="hold">
+                                        <p:cTn id="44" dur="1" fill="hold">
                                           <p:stCondLst>
                                             <p:cond delay="0"/>
                                           </p:stCondLst>
@@ -15536,14 +15590,14 @@
                                 </p:cTn>
                               </p:par>
                               <p:par>
-                                <p:cTn id="41" presetID="1" presetClass="entr" presetSubtype="0" fill="hold" grpId="0" nodeType="withEffect">
+                                <p:cTn id="45" presetID="1" presetClass="entr" presetSubtype="0" fill="hold" grpId="0" nodeType="withEffect">
                                   <p:stCondLst>
                                     <p:cond delay="0"/>
                                   </p:stCondLst>
                                   <p:childTnLst>
                                     <p:set>
                                       <p:cBhvr>
-                                        <p:cTn id="42" dur="1" fill="hold">
+                                        <p:cTn id="46" dur="1" fill="hold">
                                           <p:stCondLst>
                                             <p:cond delay="0"/>
                                           </p:stCondLst>
@@ -15573,26 +15627,26 @@
                     </p:cTn>
                   </p:par>
                   <p:par>
-                    <p:cTn id="43" fill="hold">
+                    <p:cTn id="47" fill="hold">
                       <p:stCondLst>
                         <p:cond delay="indefinite"/>
                       </p:stCondLst>
                       <p:childTnLst>
                         <p:par>
-                          <p:cTn id="44" fill="hold">
+                          <p:cTn id="48" fill="hold">
                             <p:stCondLst>
                               <p:cond delay="0"/>
                             </p:stCondLst>
                             <p:childTnLst>
                               <p:par>
-                                <p:cTn id="45" presetID="1" presetClass="entr" presetSubtype="0" fill="hold" grpId="0" nodeType="clickEffect">
+                                <p:cTn id="49" presetID="1" presetClass="entr" presetSubtype="0" fill="hold" grpId="0" nodeType="clickEffect">
                                   <p:stCondLst>
                                     <p:cond delay="0"/>
                                   </p:stCondLst>
                                   <p:childTnLst>
                                     <p:set>
                                       <p:cBhvr>
-                                        <p:cTn id="46" dur="1" fill="hold">
+                                        <p:cTn id="50" dur="1" fill="hold">
                                           <p:stCondLst>
                                             <p:cond delay="0"/>
                                           </p:stCondLst>
@@ -19425,7 +19479,7 @@
           <a:graphicData uri="http://schemas.openxmlformats.org/presentationml/2006/ole">
             <mc:AlternateContent xmlns:mc="http://schemas.openxmlformats.org/markup-compatibility/2006">
               <mc:Choice xmlns:v="urn:schemas-microsoft-com:vml" Requires="v">
-                <p:oleObj spid="_x0000_s2157" name="Equation" r:id="rId3" imgW="1091880" imgH="1041120" progId="Equation.3">
+                <p:oleObj spid="_x0000_s2159" name="Equation" r:id="rId3" imgW="1091880" imgH="1041120" progId="Equation.3">
                   <p:embed/>
                 </p:oleObj>
               </mc:Choice>
@@ -20796,7 +20850,7 @@
           <a:graphicData uri="http://schemas.openxmlformats.org/presentationml/2006/ole">
             <mc:AlternateContent xmlns:mc="http://schemas.openxmlformats.org/markup-compatibility/2006">
               <mc:Choice xmlns:v="urn:schemas-microsoft-com:vml" Requires="v">
-                <p:oleObj spid="_x0000_s2158" name="Equation" r:id="rId5" imgW="1091880" imgH="1041120" progId="Equation.3">
+                <p:oleObj spid="_x0000_s2160" name="Equation" r:id="rId5" imgW="1091880" imgH="1041120" progId="Equation.3">
                   <p:embed/>
                 </p:oleObj>
               </mc:Choice>
@@ -25104,6 +25158,13 @@
   <p:clrMapOvr>
     <a:masterClrMapping/>
   </p:clrMapOvr>
+  <p:timing>
+    <p:tnLst>
+      <p:par>
+        <p:cTn id="1" dur="indefinite" restart="never" nodeType="tmRoot"/>
+      </p:par>
+    </p:tnLst>
+  </p:timing>
 </p:sld>
 </file>
 
@@ -27138,7 +27199,7 @@
           <a:graphicData uri="http://schemas.openxmlformats.org/presentationml/2006/ole">
             <mc:AlternateContent xmlns:mc="http://schemas.openxmlformats.org/markup-compatibility/2006">
               <mc:Choice xmlns:v="urn:schemas-microsoft-com:vml" Requires="v">
-                <p:oleObj spid="_x0000_s3091" name="Equation" r:id="rId3" imgW="965160" imgH="228600" progId="Equation.3">
+                <p:oleObj spid="_x0000_s3092" name="Equation" r:id="rId3" imgW="965160" imgH="228600" progId="Equation.3">
                   <p:embed/>
                 </p:oleObj>
               </mc:Choice>
@@ -30102,22 +30163,14 @@
             </a:br>
             <a:r>
               <a:rPr lang="nl-BE" dirty="0" smtClean="0"/>
-              <a:t>Georg Hager &amp; Gerhard </a:t>
-            </a:r>
-            <a:r>
-              <a:rPr lang="nl-BE" dirty="0" smtClean="0"/>
-              <a:t>Wellein</a:t>
+              <a:t>Georg Hager &amp; Gerhard Wellein</a:t>
             </a:r>
             <a:br>
               <a:rPr lang="nl-BE" dirty="0" smtClean="0"/>
             </a:br>
             <a:r>
               <a:rPr lang="nl-BE" dirty="0" smtClean="0"/>
-              <a:t>Chapman </a:t>
-            </a:r>
-            <a:r>
-              <a:rPr lang="nl-BE" dirty="0" smtClean="0"/>
-              <a:t>&amp; Hall, 2010</a:t>
+              <a:t>Chapman &amp; Hall, 2010</a:t>
             </a:r>
             <a:endParaRPr lang="en-US" b="1" dirty="0"/>
           </a:p>

--- a/Optimization/hpc_efficiency.pptx
+++ b/Optimization/hpc_efficiency.pptx
@@ -274,11 +274,11 @@
           <c:showPercent val="0"/>
           <c:showBubbleSize val="0"/>
         </c:dLbls>
-        <c:axId val="248308712"/>
-        <c:axId val="292622280"/>
+        <c:axId val="398334144"/>
+        <c:axId val="398335320"/>
       </c:scatterChart>
       <c:valAx>
-        <c:axId val="248308712"/>
+        <c:axId val="398334144"/>
         <c:scaling>
           <c:logBase val="2"/>
           <c:orientation val="minMax"/>
@@ -290,14 +290,14 @@
         <c:majorTickMark val="out"/>
         <c:minorTickMark val="none"/>
         <c:tickLblPos val="nextTo"/>
-        <c:crossAx val="292622280"/>
+        <c:crossAx val="398335320"/>
         <c:crosses val="autoZero"/>
         <c:crossBetween val="midCat"/>
         <c:majorUnit val="4"/>
         <c:minorUnit val="4"/>
       </c:valAx>
       <c:valAx>
-        <c:axId val="292622280"/>
+        <c:axId val="398335320"/>
         <c:scaling>
           <c:logBase val="2"/>
           <c:orientation val="minMax"/>
@@ -310,7 +310,7 @@
         <c:majorTickMark val="out"/>
         <c:minorTickMark val="none"/>
         <c:tickLblPos val="nextTo"/>
-        <c:crossAx val="248308712"/>
+        <c:crossAx val="398334144"/>
         <c:crosses val="autoZero"/>
         <c:crossBetween val="midCat"/>
         <c:majorUnit val="4"/>
@@ -683,11 +683,11 @@
           <c:showPercent val="0"/>
           <c:showBubbleSize val="0"/>
         </c:dLbls>
-        <c:axId val="292621496"/>
-        <c:axId val="292621888"/>
+        <c:axId val="398335712"/>
+        <c:axId val="398331008"/>
       </c:scatterChart>
       <c:valAx>
-        <c:axId val="292621496"/>
+        <c:axId val="398335712"/>
         <c:scaling>
           <c:logBase val="2"/>
           <c:orientation val="minMax"/>
@@ -700,14 +700,14 @@
         <c:majorTickMark val="out"/>
         <c:minorTickMark val="none"/>
         <c:tickLblPos val="nextTo"/>
-        <c:crossAx val="292621888"/>
+        <c:crossAx val="398331008"/>
         <c:crosses val="autoZero"/>
         <c:crossBetween val="midCat"/>
         <c:majorUnit val="4"/>
         <c:minorUnit val="4"/>
       </c:valAx>
       <c:valAx>
-        <c:axId val="292621888"/>
+        <c:axId val="398331008"/>
         <c:scaling>
           <c:logBase val="2"/>
           <c:orientation val="minMax"/>
@@ -721,7 +721,7 @@
         <c:majorTickMark val="out"/>
         <c:minorTickMark val="none"/>
         <c:tickLblPos val="nextTo"/>
-        <c:crossAx val="292621496"/>
+        <c:crossAx val="398335712"/>
         <c:crosses val="autoZero"/>
         <c:crossBetween val="midCat"/>
         <c:majorUnit val="4"/>
@@ -935,11 +935,11 @@
           <c:showPercent val="0"/>
           <c:showBubbleSize val="0"/>
         </c:dLbls>
-        <c:axId val="292624240"/>
-        <c:axId val="292625808"/>
+        <c:axId val="398332184"/>
+        <c:axId val="400983648"/>
       </c:scatterChart>
       <c:valAx>
-        <c:axId val="292624240"/>
+        <c:axId val="398332184"/>
         <c:scaling>
           <c:logBase val="2"/>
           <c:orientation val="minMax"/>
@@ -952,13 +952,13 @@
         <c:majorTickMark val="out"/>
         <c:minorTickMark val="none"/>
         <c:tickLblPos val="nextTo"/>
-        <c:crossAx val="292625808"/>
+        <c:crossAx val="400983648"/>
         <c:crosses val="autoZero"/>
         <c:crossBetween val="midCat"/>
         <c:minorUnit val="4"/>
       </c:valAx>
       <c:valAx>
-        <c:axId val="292625808"/>
+        <c:axId val="400983648"/>
         <c:scaling>
           <c:logBase val="2"/>
           <c:orientation val="minMax"/>
@@ -972,7 +972,7 @@
         <c:majorTickMark val="out"/>
         <c:minorTickMark val="none"/>
         <c:tickLblPos val="nextTo"/>
-        <c:crossAx val="292624240"/>
+        <c:crossAx val="398332184"/>
         <c:crosses val="autoZero"/>
         <c:crossBetween val="midCat"/>
         <c:majorUnit val="2"/>
@@ -1104,11 +1104,11 @@
           <c:showPercent val="0"/>
           <c:showBubbleSize val="0"/>
         </c:dLbls>
-        <c:axId val="292625024"/>
-        <c:axId val="292626200"/>
+        <c:axId val="400985216"/>
+        <c:axId val="400982472"/>
       </c:scatterChart>
       <c:valAx>
-        <c:axId val="292625024"/>
+        <c:axId val="400985216"/>
         <c:scaling>
           <c:logBase val="2"/>
           <c:orientation val="minMax"/>
@@ -1121,13 +1121,13 @@
         <c:majorTickMark val="out"/>
         <c:minorTickMark val="none"/>
         <c:tickLblPos val="nextTo"/>
-        <c:crossAx val="292626200"/>
+        <c:crossAx val="400982472"/>
         <c:crosses val="autoZero"/>
         <c:crossBetween val="midCat"/>
         <c:majorUnit val="4"/>
       </c:valAx>
       <c:valAx>
-        <c:axId val="292626200"/>
+        <c:axId val="400982472"/>
         <c:scaling>
           <c:logBase val="2"/>
           <c:orientation val="minMax"/>
@@ -1140,7 +1140,7 @@
         <c:majorTickMark val="out"/>
         <c:minorTickMark val="none"/>
         <c:tickLblPos val="nextTo"/>
-        <c:crossAx val="292625024"/>
+        <c:crossAx val="400985216"/>
         <c:crosses val="autoZero"/>
         <c:crossBetween val="midCat"/>
         <c:majorUnit val="2"/>
@@ -1266,11 +1266,11 @@
           <c:showPercent val="0"/>
           <c:showBubbleSize val="0"/>
         </c:dLbls>
-        <c:axId val="292623848"/>
-        <c:axId val="292626592"/>
+        <c:axId val="370330872"/>
+        <c:axId val="370332440"/>
       </c:scatterChart>
       <c:valAx>
-        <c:axId val="292623848"/>
+        <c:axId val="370330872"/>
         <c:scaling>
           <c:logBase val="2"/>
           <c:orientation val="minMax"/>
@@ -1283,14 +1283,14 @@
         <c:majorTickMark val="out"/>
         <c:minorTickMark val="none"/>
         <c:tickLblPos val="nextTo"/>
-        <c:crossAx val="292626592"/>
+        <c:crossAx val="370332440"/>
         <c:crosses val="autoZero"/>
         <c:crossBetween val="midCat"/>
         <c:majorUnit val="4"/>
         <c:minorUnit val="4"/>
       </c:valAx>
       <c:valAx>
-        <c:axId val="292626592"/>
+        <c:axId val="370332440"/>
         <c:scaling>
           <c:orientation val="minMax"/>
           <c:max val="1"/>
@@ -1302,7 +1302,7 @@
         <c:majorTickMark val="out"/>
         <c:minorTickMark val="none"/>
         <c:tickLblPos val="nextTo"/>
-        <c:crossAx val="292623848"/>
+        <c:crossAx val="370330872"/>
         <c:crosses val="autoZero"/>
         <c:crossBetween val="midCat"/>
       </c:valAx>
@@ -1399,7 +1399,7 @@
           <a:p>
             <a:fld id="{2E6AAE95-D4FC-4D00-935A-EAE928727A56}" type="datetimeFigureOut">
               <a:rPr lang="en-US" smtClean="0"/>
-              <a:t>2017-04-21</a:t>
+              <a:t>2017-05-30</a:t>
             </a:fld>
             <a:endParaRPr lang="en-US"/>
           </a:p>
@@ -1932,7 +1932,7 @@
           <a:p>
             <a:fld id="{1CFF3F78-F57F-4409-A41B-5EC46D4F404B}" type="datetime1">
               <a:rPr lang="nl-BE" smtClean="0"/>
-              <a:t>21/04/2017</a:t>
+              <a:t>30/05/2017</a:t>
             </a:fld>
             <a:endParaRPr lang="nl-BE"/>
           </a:p>
@@ -2102,7 +2102,7 @@
           <a:p>
             <a:fld id="{7D029E61-52E3-412C-82EB-2F81B17C0AF1}" type="datetime1">
               <a:rPr lang="nl-BE" smtClean="0"/>
-              <a:t>21/04/2017</a:t>
+              <a:t>30/05/2017</a:t>
             </a:fld>
             <a:endParaRPr lang="nl-BE"/>
           </a:p>
@@ -2282,7 +2282,7 @@
           <a:p>
             <a:fld id="{A83F1CEF-A38E-4001-89C6-F3FC7784F299}" type="datetime1">
               <a:rPr lang="nl-BE" smtClean="0"/>
-              <a:t>21/04/2017</a:t>
+              <a:t>30/05/2017</a:t>
             </a:fld>
             <a:endParaRPr lang="nl-BE"/>
           </a:p>
@@ -2408,7 +2408,7 @@
           <a:p>
             <a:fld id="{1FDE84DB-AADA-4C3F-BF46-CA664A504479}" type="datetime1">
               <a:rPr lang="nl-BE" smtClean="0"/>
-              <a:t>21/04/2017</a:t>
+              <a:t>30/05/2017</a:t>
             </a:fld>
             <a:endParaRPr lang="nl-BE" dirty="0"/>
           </a:p>
@@ -2652,7 +2652,7 @@
           <a:p>
             <a:fld id="{8CD53A43-C15C-4F05-9AD7-DB9DE837084D}" type="datetime1">
               <a:rPr lang="nl-BE" smtClean="0"/>
-              <a:t>21/04/2017</a:t>
+              <a:t>30/05/2017</a:t>
             </a:fld>
             <a:endParaRPr lang="nl-BE"/>
           </a:p>
@@ -2898,7 +2898,7 @@
           <a:p>
             <a:fld id="{8994D238-D949-4AEF-9753-A8B6EFA964A0}" type="datetime1">
               <a:rPr lang="nl-BE" smtClean="0"/>
-              <a:t>21/04/2017</a:t>
+              <a:t>30/05/2017</a:t>
             </a:fld>
             <a:endParaRPr lang="nl-BE"/>
           </a:p>
@@ -3186,7 +3186,7 @@
           <a:p>
             <a:fld id="{4D234023-BF99-4AD0-835E-8125DA2B6664}" type="datetime1">
               <a:rPr lang="nl-BE" smtClean="0"/>
-              <a:t>21/04/2017</a:t>
+              <a:t>30/05/2017</a:t>
             </a:fld>
             <a:endParaRPr lang="nl-BE"/>
           </a:p>
@@ -3608,7 +3608,7 @@
           <a:p>
             <a:fld id="{DB075A73-5C1D-406E-9444-3C5C58580E8E}" type="datetime1">
               <a:rPr lang="nl-BE" smtClean="0"/>
-              <a:t>21/04/2017</a:t>
+              <a:t>30/05/2017</a:t>
             </a:fld>
             <a:endParaRPr lang="nl-BE"/>
           </a:p>
@@ -3726,7 +3726,7 @@
           <a:p>
             <a:fld id="{E111FB2D-2E17-4D8F-A64A-4EB0C3D12494}" type="datetime1">
               <a:rPr lang="nl-BE" smtClean="0"/>
-              <a:t>21/04/2017</a:t>
+              <a:t>30/05/2017</a:t>
             </a:fld>
             <a:endParaRPr lang="nl-BE"/>
           </a:p>
@@ -3821,7 +3821,7 @@
           <a:p>
             <a:fld id="{5BE27D71-2267-4E44-9F33-05B60E5C7D9D}" type="datetime1">
               <a:rPr lang="nl-BE" smtClean="0"/>
-              <a:t>21/04/2017</a:t>
+              <a:t>30/05/2017</a:t>
             </a:fld>
             <a:endParaRPr lang="nl-BE"/>
           </a:p>
@@ -4098,7 +4098,7 @@
           <a:p>
             <a:fld id="{182F587C-96C8-4813-A767-3084061A3229}" type="datetime1">
               <a:rPr lang="nl-BE" smtClean="0"/>
-              <a:t>21/04/2017</a:t>
+              <a:t>30/05/2017</a:t>
             </a:fld>
             <a:endParaRPr lang="nl-BE"/>
           </a:p>
@@ -4351,7 +4351,7 @@
           <a:p>
             <a:fld id="{8B021CF8-BBBB-4DFA-8713-49842AA07274}" type="datetime1">
               <a:rPr lang="nl-BE" smtClean="0"/>
-              <a:t>21/04/2017</a:t>
+              <a:t>30/05/2017</a:t>
             </a:fld>
             <a:endParaRPr lang="nl-BE"/>
           </a:p>
@@ -4564,7 +4564,7 @@
           <a:p>
             <a:fld id="{CDBFABB5-0AB3-4CB6-A705-6887DEB1F9F2}" type="datetime1">
               <a:rPr lang="nl-BE" smtClean="0"/>
-              <a:t>21/04/2017</a:t>
+              <a:t>30/05/2017</a:t>
             </a:fld>
             <a:endParaRPr lang="nl-BE"/>
           </a:p>
@@ -8760,7 +8760,7 @@
           <a:graphicData uri="http://schemas.openxmlformats.org/presentationml/2006/ole">
             <mc:AlternateContent xmlns:mc="http://schemas.openxmlformats.org/markup-compatibility/2006">
               <mc:Choice xmlns:v="urn:schemas-microsoft-com:vml" Requires="v">
-                <p:oleObj spid="_x0000_s1168" name="Equation" r:id="rId3" imgW="812520" imgH="393480" progId="Equation.3">
+                <p:oleObj spid="_x0000_s1170" name="Equation" r:id="rId3" imgW="812520" imgH="393480" progId="Equation.3">
                   <p:embed/>
                 </p:oleObj>
               </mc:Choice>
@@ -8817,7 +8817,7 @@
           <a:graphicData uri="http://schemas.openxmlformats.org/presentationml/2006/ole">
             <mc:AlternateContent xmlns:mc="http://schemas.openxmlformats.org/markup-compatibility/2006">
               <mc:Choice xmlns:v="urn:schemas-microsoft-com:vml" Requires="v">
-                <p:oleObj spid="_x0000_s1169" name="Equation" r:id="rId5" imgW="2489040" imgH="431640" progId="Equation.3">
+                <p:oleObj spid="_x0000_s1171" name="Equation" r:id="rId5" imgW="2489040" imgH="431640" progId="Equation.3">
                   <p:embed/>
                 </p:oleObj>
               </mc:Choice>
@@ -19479,7 +19479,7 @@
           <a:graphicData uri="http://schemas.openxmlformats.org/presentationml/2006/ole">
             <mc:AlternateContent xmlns:mc="http://schemas.openxmlformats.org/markup-compatibility/2006">
               <mc:Choice xmlns:v="urn:schemas-microsoft-com:vml" Requires="v">
-                <p:oleObj spid="_x0000_s2159" name="Equation" r:id="rId3" imgW="1091880" imgH="1041120" progId="Equation.3">
+                <p:oleObj spid="_x0000_s2161" name="Equation" r:id="rId3" imgW="1091880" imgH="1041120" progId="Equation.3">
                   <p:embed/>
                 </p:oleObj>
               </mc:Choice>
@@ -20850,7 +20850,7 @@
           <a:graphicData uri="http://schemas.openxmlformats.org/presentationml/2006/ole">
             <mc:AlternateContent xmlns:mc="http://schemas.openxmlformats.org/markup-compatibility/2006">
               <mc:Choice xmlns:v="urn:schemas-microsoft-com:vml" Requires="v">
-                <p:oleObj spid="_x0000_s2160" name="Equation" r:id="rId5" imgW="1091880" imgH="1041120" progId="Equation.3">
+                <p:oleObj spid="_x0000_s2162" name="Equation" r:id="rId5" imgW="1091880" imgH="1041120" progId="Equation.3">
                   <p:embed/>
                 </p:oleObj>
               </mc:Choice>
@@ -27199,7 +27199,7 @@
           <a:graphicData uri="http://schemas.openxmlformats.org/presentationml/2006/ole">
             <mc:AlternateContent xmlns:mc="http://schemas.openxmlformats.org/markup-compatibility/2006">
               <mc:Choice xmlns:v="urn:schemas-microsoft-com:vml" Requires="v">
-                <p:oleObj spid="_x0000_s3092" name="Equation" r:id="rId3" imgW="965160" imgH="228600" progId="Equation.3">
+                <p:oleObj spid="_x0000_s3093" name="Equation" r:id="rId3" imgW="965160" imgH="228600" progId="Equation.3">
                   <p:embed/>
                 </p:oleObj>
               </mc:Choice>

--- a/Optimization/hpc_efficiency.pptx
+++ b/Optimization/hpc_efficiency.pptx
@@ -5,7 +5,7 @@
     <p:sldMasterId id="2147483648" r:id="rId1"/>
   </p:sldMasterIdLst>
   <p:notesMasterIdLst>
-    <p:notesMasterId r:id="rId41"/>
+    <p:notesMasterId r:id="rId45"/>
   </p:notesMasterIdLst>
   <p:sldIdLst>
     <p:sldId id="267" r:id="rId2"/>
@@ -41,12 +41,16 @@
     <p:sldId id="289" r:id="rId32"/>
     <p:sldId id="281" r:id="rId33"/>
     <p:sldId id="298" r:id="rId34"/>
-    <p:sldId id="287" r:id="rId35"/>
-    <p:sldId id="292" r:id="rId36"/>
-    <p:sldId id="286" r:id="rId37"/>
-    <p:sldId id="297" r:id="rId38"/>
-    <p:sldId id="271" r:id="rId39"/>
-    <p:sldId id="283" r:id="rId40"/>
+    <p:sldId id="299" r:id="rId35"/>
+    <p:sldId id="300" r:id="rId36"/>
+    <p:sldId id="301" r:id="rId37"/>
+    <p:sldId id="302" r:id="rId38"/>
+    <p:sldId id="287" r:id="rId39"/>
+    <p:sldId id="292" r:id="rId40"/>
+    <p:sldId id="286" r:id="rId41"/>
+    <p:sldId id="297" r:id="rId42"/>
+    <p:sldId id="271" r:id="rId43"/>
+    <p:sldId id="283" r:id="rId44"/>
   </p:sldIdLst>
   <p:sldSz cx="9144000" cy="6858000" type="screen4x3"/>
   <p:notesSz cx="6858000" cy="9144000"/>
@@ -146,6 +150,85 @@
     </a:lvl9pPr>
   </p:defaultTextStyle>
   <p:extLst>
+    <p:ext uri="{521415D9-36F7-43E2-AB2F-B90AF26B5E84}">
+      <p14:sectionLst xmlns:p14="http://schemas.microsoft.com/office/powerpoint/2010/main">
+        <p14:section name="Default Section" id="{CCE57217-9577-4D10-8053-5D4B3BF5C83A}">
+          <p14:sldIdLst>
+            <p14:sldId id="267"/>
+          </p14:sldIdLst>
+        </p14:section>
+        <p14:section name="introduction" id="{50D0C955-0358-493A-B4D9-DD93B5042F1A}">
+          <p14:sldIdLst>
+            <p14:sldId id="293"/>
+            <p14:sldId id="295"/>
+            <p14:sldId id="282"/>
+          </p14:sldIdLst>
+        </p14:section>
+        <p14:section name="scaling" id="{CFD31B34-78F0-4B9A-A9FC-330A8C670BFD}">
+          <p14:sldIdLst>
+            <p14:sldId id="268"/>
+            <p14:sldId id="257"/>
+            <p14:sldId id="258"/>
+            <p14:sldId id="259"/>
+            <p14:sldId id="260"/>
+            <p14:sldId id="261"/>
+            <p14:sldId id="262"/>
+            <p14:sldId id="263"/>
+            <p14:sldId id="264"/>
+            <p14:sldId id="265"/>
+            <p14:sldId id="266"/>
+          </p14:sldIdLst>
+        </p14:section>
+        <p14:section name="architecture" id="{572BED4A-16C0-4091-9E87-34C0B977FB03}">
+          <p14:sldIdLst>
+            <p14:sldId id="269"/>
+            <p14:sldId id="270"/>
+          </p14:sldIdLst>
+        </p14:section>
+        <p14:section name="memory" id="{19A09E80-6618-4C6A-8813-F467F229A827}">
+          <p14:sldIdLst>
+            <p14:sldId id="284"/>
+            <p14:sldId id="272"/>
+            <p14:sldId id="277"/>
+            <p14:sldId id="273"/>
+            <p14:sldId id="279"/>
+            <p14:sldId id="280"/>
+            <p14:sldId id="278"/>
+            <p14:sldId id="288"/>
+            <p14:sldId id="296"/>
+          </p14:sldIdLst>
+        </p14:section>
+        <p14:section name="CPU" id="{2714D5F9-3F1A-4E5D-B72A-8922567A4F66}">
+          <p14:sldIdLst>
+            <p14:sldId id="285"/>
+            <p14:sldId id="275"/>
+            <p14:sldId id="291"/>
+            <p14:sldId id="290"/>
+            <p14:sldId id="289"/>
+            <p14:sldId id="281"/>
+            <p14:sldId id="298"/>
+          </p14:sldIdLst>
+        </p14:section>
+        <p14:section name="false sharing" id="{D4ED262D-72D1-4270-88D0-B864D2A60662}">
+          <p14:sldIdLst>
+            <p14:sldId id="299"/>
+            <p14:sldId id="300"/>
+            <p14:sldId id="301"/>
+            <p14:sldId id="302"/>
+          </p14:sldIdLst>
+        </p14:section>
+        <p14:section name="conclusion" id="{87FF5A44-6804-4982-9011-9B7F10D2DAE3}">
+          <p14:sldIdLst>
+            <p14:sldId id="287"/>
+            <p14:sldId id="292"/>
+            <p14:sldId id="286"/>
+            <p14:sldId id="297"/>
+            <p14:sldId id="271"/>
+            <p14:sldId id="283"/>
+          </p14:sldIdLst>
+        </p14:section>
+      </p14:sectionLst>
+    </p:ext>
     <p:ext uri="{EFAFB233-063F-42B5-8137-9DF3F51BA10A}">
       <p15:sldGuideLst xmlns:p15="http://schemas.microsoft.com/office/powerpoint/2012/main">
         <p15:guide id="1" orient="horz" pos="2160">
@@ -274,11 +357,11 @@
           <c:showPercent val="0"/>
           <c:showBubbleSize val="0"/>
         </c:dLbls>
-        <c:axId val="398334144"/>
-        <c:axId val="398335320"/>
+        <c:axId val="332600408"/>
+        <c:axId val="332597272"/>
       </c:scatterChart>
       <c:valAx>
-        <c:axId val="398334144"/>
+        <c:axId val="332600408"/>
         <c:scaling>
           <c:logBase val="2"/>
           <c:orientation val="minMax"/>
@@ -290,14 +373,14 @@
         <c:majorTickMark val="out"/>
         <c:minorTickMark val="none"/>
         <c:tickLblPos val="nextTo"/>
-        <c:crossAx val="398335320"/>
+        <c:crossAx val="332597272"/>
         <c:crosses val="autoZero"/>
         <c:crossBetween val="midCat"/>
         <c:majorUnit val="4"/>
         <c:minorUnit val="4"/>
       </c:valAx>
       <c:valAx>
-        <c:axId val="398335320"/>
+        <c:axId val="332597272"/>
         <c:scaling>
           <c:logBase val="2"/>
           <c:orientation val="minMax"/>
@@ -310,7 +393,7 @@
         <c:majorTickMark val="out"/>
         <c:minorTickMark val="none"/>
         <c:tickLblPos val="nextTo"/>
-        <c:crossAx val="398334144"/>
+        <c:crossAx val="332600408"/>
         <c:crosses val="autoZero"/>
         <c:crossBetween val="midCat"/>
         <c:majorUnit val="4"/>
@@ -683,11 +766,11 @@
           <c:showPercent val="0"/>
           <c:showBubbleSize val="0"/>
         </c:dLbls>
-        <c:axId val="398335712"/>
-        <c:axId val="398331008"/>
+        <c:axId val="335830656"/>
+        <c:axId val="335826344"/>
       </c:scatterChart>
       <c:valAx>
-        <c:axId val="398335712"/>
+        <c:axId val="335830656"/>
         <c:scaling>
           <c:logBase val="2"/>
           <c:orientation val="minMax"/>
@@ -700,14 +783,14 @@
         <c:majorTickMark val="out"/>
         <c:minorTickMark val="none"/>
         <c:tickLblPos val="nextTo"/>
-        <c:crossAx val="398331008"/>
+        <c:crossAx val="335826344"/>
         <c:crosses val="autoZero"/>
         <c:crossBetween val="midCat"/>
         <c:majorUnit val="4"/>
         <c:minorUnit val="4"/>
       </c:valAx>
       <c:valAx>
-        <c:axId val="398331008"/>
+        <c:axId val="335826344"/>
         <c:scaling>
           <c:logBase val="2"/>
           <c:orientation val="minMax"/>
@@ -721,7 +804,7 @@
         <c:majorTickMark val="out"/>
         <c:minorTickMark val="none"/>
         <c:tickLblPos val="nextTo"/>
-        <c:crossAx val="398335712"/>
+        <c:crossAx val="335830656"/>
         <c:crosses val="autoZero"/>
         <c:crossBetween val="midCat"/>
         <c:majorUnit val="4"/>
@@ -730,7 +813,6 @@
     </c:plotArea>
     <c:legend>
       <c:legendPos val="r"/>
-      <c:layout/>
       <c:overlay val="0"/>
     </c:legend>
     <c:plotVisOnly val="1"/>
@@ -935,11 +1017,11 @@
           <c:showPercent val="0"/>
           <c:showBubbleSize val="0"/>
         </c:dLbls>
-        <c:axId val="398332184"/>
-        <c:axId val="400983648"/>
+        <c:axId val="335828696"/>
+        <c:axId val="335828304"/>
       </c:scatterChart>
       <c:valAx>
-        <c:axId val="398332184"/>
+        <c:axId val="335828696"/>
         <c:scaling>
           <c:logBase val="2"/>
           <c:orientation val="minMax"/>
@@ -952,13 +1034,13 @@
         <c:majorTickMark val="out"/>
         <c:minorTickMark val="none"/>
         <c:tickLblPos val="nextTo"/>
-        <c:crossAx val="400983648"/>
+        <c:crossAx val="335828304"/>
         <c:crosses val="autoZero"/>
         <c:crossBetween val="midCat"/>
         <c:minorUnit val="4"/>
       </c:valAx>
       <c:valAx>
-        <c:axId val="400983648"/>
+        <c:axId val="335828304"/>
         <c:scaling>
           <c:logBase val="2"/>
           <c:orientation val="minMax"/>
@@ -972,7 +1054,7 @@
         <c:majorTickMark val="out"/>
         <c:minorTickMark val="none"/>
         <c:tickLblPos val="nextTo"/>
-        <c:crossAx val="398332184"/>
+        <c:crossAx val="335828696"/>
         <c:crosses val="autoZero"/>
         <c:crossBetween val="midCat"/>
         <c:majorUnit val="2"/>
@@ -981,7 +1063,6 @@
     </c:plotArea>
     <c:legend>
       <c:legendPos val="r"/>
-      <c:layout/>
       <c:overlay val="0"/>
     </c:legend>
     <c:plotVisOnly val="1"/>
@@ -1104,11 +1185,11 @@
           <c:showPercent val="0"/>
           <c:showBubbleSize val="0"/>
         </c:dLbls>
-        <c:axId val="400985216"/>
-        <c:axId val="400982472"/>
+        <c:axId val="335827912"/>
+        <c:axId val="335823992"/>
       </c:scatterChart>
       <c:valAx>
-        <c:axId val="400985216"/>
+        <c:axId val="335827912"/>
         <c:scaling>
           <c:logBase val="2"/>
           <c:orientation val="minMax"/>
@@ -1121,13 +1202,13 @@
         <c:majorTickMark val="out"/>
         <c:minorTickMark val="none"/>
         <c:tickLblPos val="nextTo"/>
-        <c:crossAx val="400982472"/>
+        <c:crossAx val="335823992"/>
         <c:crosses val="autoZero"/>
         <c:crossBetween val="midCat"/>
         <c:majorUnit val="4"/>
       </c:valAx>
       <c:valAx>
-        <c:axId val="400982472"/>
+        <c:axId val="335823992"/>
         <c:scaling>
           <c:logBase val="2"/>
           <c:orientation val="minMax"/>
@@ -1140,7 +1221,7 @@
         <c:majorTickMark val="out"/>
         <c:minorTickMark val="none"/>
         <c:tickLblPos val="nextTo"/>
-        <c:crossAx val="400985216"/>
+        <c:crossAx val="335827912"/>
         <c:crosses val="autoZero"/>
         <c:crossBetween val="midCat"/>
         <c:majorUnit val="2"/>
@@ -1266,11 +1347,11 @@
           <c:showPercent val="0"/>
           <c:showBubbleSize val="0"/>
         </c:dLbls>
-        <c:axId val="370330872"/>
-        <c:axId val="370332440"/>
+        <c:axId val="335829088"/>
+        <c:axId val="335830264"/>
       </c:scatterChart>
       <c:valAx>
-        <c:axId val="370330872"/>
+        <c:axId val="335829088"/>
         <c:scaling>
           <c:logBase val="2"/>
           <c:orientation val="minMax"/>
@@ -1283,14 +1364,14 @@
         <c:majorTickMark val="out"/>
         <c:minorTickMark val="none"/>
         <c:tickLblPos val="nextTo"/>
-        <c:crossAx val="370332440"/>
+        <c:crossAx val="335830264"/>
         <c:crosses val="autoZero"/>
         <c:crossBetween val="midCat"/>
         <c:majorUnit val="4"/>
         <c:minorUnit val="4"/>
       </c:valAx>
       <c:valAx>
-        <c:axId val="370332440"/>
+        <c:axId val="335830264"/>
         <c:scaling>
           <c:orientation val="minMax"/>
           <c:max val="1"/>
@@ -1302,7 +1383,7 @@
         <c:majorTickMark val="out"/>
         <c:minorTickMark val="none"/>
         <c:tickLblPos val="nextTo"/>
-        <c:crossAx val="370330872"/>
+        <c:crossAx val="335829088"/>
         <c:crosses val="autoZero"/>
         <c:crossBetween val="midCat"/>
       </c:valAx>
@@ -1399,7 +1480,7 @@
           <a:p>
             <a:fld id="{2E6AAE95-D4FC-4D00-935A-EAE928727A56}" type="datetimeFigureOut">
               <a:rPr lang="en-US" smtClean="0"/>
-              <a:t>2017-05-30</a:t>
+              <a:t>2017-08-21</a:t>
             </a:fld>
             <a:endParaRPr lang="en-US"/>
           </a:p>
@@ -1932,7 +2013,7 @@
           <a:p>
             <a:fld id="{1CFF3F78-F57F-4409-A41B-5EC46D4F404B}" type="datetime1">
               <a:rPr lang="nl-BE" smtClean="0"/>
-              <a:t>30/05/2017</a:t>
+              <a:t>21/08/2017</a:t>
             </a:fld>
             <a:endParaRPr lang="nl-BE"/>
           </a:p>
@@ -2102,7 +2183,7 @@
           <a:p>
             <a:fld id="{7D029E61-52E3-412C-82EB-2F81B17C0AF1}" type="datetime1">
               <a:rPr lang="nl-BE" smtClean="0"/>
-              <a:t>30/05/2017</a:t>
+              <a:t>21/08/2017</a:t>
             </a:fld>
             <a:endParaRPr lang="nl-BE"/>
           </a:p>
@@ -2282,7 +2363,7 @@
           <a:p>
             <a:fld id="{A83F1CEF-A38E-4001-89C6-F3FC7784F299}" type="datetime1">
               <a:rPr lang="nl-BE" smtClean="0"/>
-              <a:t>30/05/2017</a:t>
+              <a:t>21/08/2017</a:t>
             </a:fld>
             <a:endParaRPr lang="nl-BE"/>
           </a:p>
@@ -2408,7 +2489,7 @@
           <a:p>
             <a:fld id="{1FDE84DB-AADA-4C3F-BF46-CA664A504479}" type="datetime1">
               <a:rPr lang="nl-BE" smtClean="0"/>
-              <a:t>30/05/2017</a:t>
+              <a:t>21/08/2017</a:t>
             </a:fld>
             <a:endParaRPr lang="nl-BE" dirty="0"/>
           </a:p>
@@ -2652,7 +2733,7 @@
           <a:p>
             <a:fld id="{8CD53A43-C15C-4F05-9AD7-DB9DE837084D}" type="datetime1">
               <a:rPr lang="nl-BE" smtClean="0"/>
-              <a:t>30/05/2017</a:t>
+              <a:t>21/08/2017</a:t>
             </a:fld>
             <a:endParaRPr lang="nl-BE"/>
           </a:p>
@@ -2898,7 +2979,7 @@
           <a:p>
             <a:fld id="{8994D238-D949-4AEF-9753-A8B6EFA964A0}" type="datetime1">
               <a:rPr lang="nl-BE" smtClean="0"/>
-              <a:t>30/05/2017</a:t>
+              <a:t>21/08/2017</a:t>
             </a:fld>
             <a:endParaRPr lang="nl-BE"/>
           </a:p>
@@ -3186,7 +3267,7 @@
           <a:p>
             <a:fld id="{4D234023-BF99-4AD0-835E-8125DA2B6664}" type="datetime1">
               <a:rPr lang="nl-BE" smtClean="0"/>
-              <a:t>30/05/2017</a:t>
+              <a:t>21/08/2017</a:t>
             </a:fld>
             <a:endParaRPr lang="nl-BE"/>
           </a:p>
@@ -3608,7 +3689,7 @@
           <a:p>
             <a:fld id="{DB075A73-5C1D-406E-9444-3C5C58580E8E}" type="datetime1">
               <a:rPr lang="nl-BE" smtClean="0"/>
-              <a:t>30/05/2017</a:t>
+              <a:t>21/08/2017</a:t>
             </a:fld>
             <a:endParaRPr lang="nl-BE"/>
           </a:p>
@@ -3726,7 +3807,7 @@
           <a:p>
             <a:fld id="{E111FB2D-2E17-4D8F-A64A-4EB0C3D12494}" type="datetime1">
               <a:rPr lang="nl-BE" smtClean="0"/>
-              <a:t>30/05/2017</a:t>
+              <a:t>21/08/2017</a:t>
             </a:fld>
             <a:endParaRPr lang="nl-BE"/>
           </a:p>
@@ -3821,7 +3902,7 @@
           <a:p>
             <a:fld id="{5BE27D71-2267-4E44-9F33-05B60E5C7D9D}" type="datetime1">
               <a:rPr lang="nl-BE" smtClean="0"/>
-              <a:t>30/05/2017</a:t>
+              <a:t>21/08/2017</a:t>
             </a:fld>
             <a:endParaRPr lang="nl-BE"/>
           </a:p>
@@ -4098,7 +4179,7 @@
           <a:p>
             <a:fld id="{182F587C-96C8-4813-A767-3084061A3229}" type="datetime1">
               <a:rPr lang="nl-BE" smtClean="0"/>
-              <a:t>30/05/2017</a:t>
+              <a:t>21/08/2017</a:t>
             </a:fld>
             <a:endParaRPr lang="nl-BE"/>
           </a:p>
@@ -4351,7 +4432,7 @@
           <a:p>
             <a:fld id="{8B021CF8-BBBB-4DFA-8713-49842AA07274}" type="datetime1">
               <a:rPr lang="nl-BE" smtClean="0"/>
-              <a:t>30/05/2017</a:t>
+              <a:t>21/08/2017</a:t>
             </a:fld>
             <a:endParaRPr lang="nl-BE"/>
           </a:p>
@@ -4564,7 +4645,7 @@
           <a:p>
             <a:fld id="{CDBFABB5-0AB3-4CB6-A705-6887DEB1F9F2}" type="datetime1">
               <a:rPr lang="nl-BE" smtClean="0"/>
-              <a:t>30/05/2017</a:t>
+              <a:t>21/08/2017</a:t>
             </a:fld>
             <a:endParaRPr lang="nl-BE"/>
           </a:p>
@@ -8760,7 +8841,7 @@
           <a:graphicData uri="http://schemas.openxmlformats.org/presentationml/2006/ole">
             <mc:AlternateContent xmlns:mc="http://schemas.openxmlformats.org/markup-compatibility/2006">
               <mc:Choice xmlns:v="urn:schemas-microsoft-com:vml" Requires="v">
-                <p:oleObj spid="_x0000_s1170" name="Equation" r:id="rId3" imgW="812520" imgH="393480" progId="Equation.3">
+                <p:oleObj spid="_x0000_s1208" name="Equation" r:id="rId3" imgW="812520" imgH="393480" progId="Equation.3">
                   <p:embed/>
                 </p:oleObj>
               </mc:Choice>
@@ -8817,7 +8898,7 @@
           <a:graphicData uri="http://schemas.openxmlformats.org/presentationml/2006/ole">
             <mc:AlternateContent xmlns:mc="http://schemas.openxmlformats.org/markup-compatibility/2006">
               <mc:Choice xmlns:v="urn:schemas-microsoft-com:vml" Requires="v">
-                <p:oleObj spid="_x0000_s1171" name="Equation" r:id="rId5" imgW="2489040" imgH="431640" progId="Equation.3">
+                <p:oleObj spid="_x0000_s1209" name="Equation" r:id="rId5" imgW="2489040" imgH="431640" progId="Equation.3">
                   <p:embed/>
                 </p:oleObj>
               </mc:Choice>
@@ -19479,7 +19560,7 @@
           <a:graphicData uri="http://schemas.openxmlformats.org/presentationml/2006/ole">
             <mc:AlternateContent xmlns:mc="http://schemas.openxmlformats.org/markup-compatibility/2006">
               <mc:Choice xmlns:v="urn:schemas-microsoft-com:vml" Requires="v">
-                <p:oleObj spid="_x0000_s2161" name="Equation" r:id="rId3" imgW="1091880" imgH="1041120" progId="Equation.3">
+                <p:oleObj spid="_x0000_s2199" name="Equation" r:id="rId3" imgW="1091880" imgH="1041120" progId="Equation.3">
                   <p:embed/>
                 </p:oleObj>
               </mc:Choice>
@@ -20850,7 +20931,7 @@
           <a:graphicData uri="http://schemas.openxmlformats.org/presentationml/2006/ole">
             <mc:AlternateContent xmlns:mc="http://schemas.openxmlformats.org/markup-compatibility/2006">
               <mc:Choice xmlns:v="urn:schemas-microsoft-com:vml" Requires="v">
-                <p:oleObj spid="_x0000_s2162" name="Equation" r:id="rId5" imgW="1091880" imgH="1041120" progId="Equation.3">
+                <p:oleObj spid="_x0000_s2200" name="Equation" r:id="rId5" imgW="1091880" imgH="1041120" progId="Equation.3">
                   <p:embed/>
                 </p:oleObj>
               </mc:Choice>
@@ -27199,7 +27280,7 @@
           <a:graphicData uri="http://schemas.openxmlformats.org/presentationml/2006/ole">
             <mc:AlternateContent xmlns:mc="http://schemas.openxmlformats.org/markup-compatibility/2006">
               <mc:Choice xmlns:v="urn:schemas-microsoft-com:vml" Requires="v">
-                <p:oleObj spid="_x0000_s3093" name="Equation" r:id="rId3" imgW="965160" imgH="228600" progId="Equation.3">
+                <p:oleObj spid="_x0000_s3112" name="Equation" r:id="rId3" imgW="965160" imgH="228600" progId="Equation.3">
                   <p:embed/>
                 </p:oleObj>
               </mc:Choice>
@@ -29974,9 +30055,13 @@
           <a:p>
             <a:r>
               <a:rPr lang="en-US" dirty="0" smtClean="0"/>
-              <a:t>Conclusion</a:t>
-            </a:r>
-            <a:endParaRPr lang="nl-BE" dirty="0"/>
+              <a:t>Multithreading: false </a:t>
+            </a:r>
+            <a:r>
+              <a:rPr lang="en-US" dirty="0" smtClean="0"/>
+              <a:t>sharing</a:t>
+            </a:r>
+            <a:endParaRPr lang="en-US" dirty="0"/>
           </a:p>
         </p:txBody>
       </p:sp>
@@ -29995,7 +30080,7 @@
           <a:bodyPr/>
           <a:lstStyle/>
           <a:p>
-            <a:endParaRPr lang="nl-BE"/>
+            <a:endParaRPr lang="en-US"/>
           </a:p>
         </p:txBody>
       </p:sp>
@@ -30025,7 +30110,7 @@
     </p:spTree>
     <p:extLst>
       <p:ext uri="{BB962C8B-B14F-4D97-AF65-F5344CB8AC3E}">
-        <p14:creationId xmlns:p14="http://schemas.microsoft.com/office/powerpoint/2010/main" val="1387657132"/>
+        <p14:creationId xmlns:p14="http://schemas.microsoft.com/office/powerpoint/2010/main" val="3424948925"/>
       </p:ext>
     </p:extLst>
   </p:cSld>
@@ -30061,7 +30146,7 @@
       </p:grpSpPr>
       <p:sp>
         <p:nvSpPr>
-          <p:cNvPr id="5" name="Title 4"/>
+          <p:cNvPr id="2" name="Title 1"/>
           <p:cNvSpPr>
             <a:spLocks noGrp="1"/>
           </p:cNvSpPr>
@@ -30076,112 +30161,9 @@
           <a:p>
             <a:r>
               <a:rPr lang="en-US" dirty="0" smtClean="0"/>
-              <a:t>Useful references</a:t>
-            </a:r>
-            <a:endParaRPr lang="nl-BE" dirty="0"/>
-          </a:p>
-        </p:txBody>
-      </p:sp>
-      <p:sp>
-        <p:nvSpPr>
-          <p:cNvPr id="6" name="Content Placeholder 5"/>
-          <p:cNvSpPr>
-            <a:spLocks noGrp="1"/>
-          </p:cNvSpPr>
-          <p:nvPr>
-            <p:ph idx="1"/>
-          </p:nvPr>
-        </p:nvSpPr>
-        <p:spPr/>
-        <p:txBody>
-          <a:bodyPr>
-            <a:normAutofit lnSpcReduction="10000"/>
-          </a:bodyPr>
-          <a:lstStyle/>
-          <a:p>
-            <a:r>
-              <a:rPr lang="en-US" dirty="0" smtClean="0">
-                <a:hlinkClick r:id="rId2"/>
-              </a:rPr>
-              <a:t>Gallery of processor cache effects</a:t>
-            </a:r>
-            <a:endParaRPr lang="en-US" dirty="0" smtClean="0"/>
-          </a:p>
-          <a:p>
-            <a:r>
-              <a:rPr lang="en-US" dirty="0" smtClean="0"/>
-              <a:t>Vectorization</a:t>
-            </a:r>
-          </a:p>
-          <a:p>
-            <a:pPr lvl="1"/>
-            <a:r>
-              <a:rPr lang="en-US" dirty="0" smtClean="0">
-                <a:hlinkClick r:id="rId3"/>
-              </a:rPr>
-              <a:t>A guide to vectorization with Intel C++ compilers</a:t>
-            </a:r>
-            <a:endParaRPr lang="en-US" dirty="0" smtClean="0"/>
-          </a:p>
-          <a:p>
-            <a:pPr lvl="1"/>
-            <a:r>
-              <a:rPr lang="en-US" dirty="0" smtClean="0">
-                <a:hlinkClick r:id="rId4"/>
-              </a:rPr>
-              <a:t>Auto-vectorization with </a:t>
-            </a:r>
-            <a:r>
-              <a:rPr lang="en-US" dirty="0" err="1" smtClean="0">
-                <a:hlinkClick r:id="rId4"/>
-              </a:rPr>
-              <a:t>gcc</a:t>
-            </a:r>
-            <a:r>
-              <a:rPr lang="en-US" dirty="0" smtClean="0">
-                <a:hlinkClick r:id="rId4"/>
-              </a:rPr>
-              <a:t> 4.7</a:t>
-            </a:r>
-            <a:endParaRPr lang="en-US" dirty="0" smtClean="0"/>
-          </a:p>
-          <a:p>
-            <a:r>
-              <a:rPr lang="en-US" dirty="0"/>
-              <a:t>Introduction to High Performance Computing for Scientists and </a:t>
-            </a:r>
-            <a:r>
-              <a:rPr lang="en-US" dirty="0" smtClean="0"/>
-              <a:t>Engineers</a:t>
-            </a:r>
-            <a:r>
-              <a:rPr lang="nl-BE" dirty="0" smtClean="0"/>
-              <a:t/>
-            </a:r>
-            <a:br>
-              <a:rPr lang="nl-BE" dirty="0" smtClean="0"/>
-            </a:br>
-            <a:r>
-              <a:rPr lang="nl-BE" dirty="0" smtClean="0"/>
-              <a:t>Georg Hager &amp; Gerhard Wellein</a:t>
-            </a:r>
-            <a:br>
-              <a:rPr lang="nl-BE" dirty="0" smtClean="0"/>
-            </a:br>
-            <a:r>
-              <a:rPr lang="nl-BE" dirty="0" smtClean="0"/>
-              <a:t>Chapman &amp; Hall, 2010</a:t>
-            </a:r>
-            <a:endParaRPr lang="en-US" b="1" dirty="0"/>
-          </a:p>
-          <a:p>
-            <a:r>
-              <a:rPr lang="en-US" dirty="0" smtClean="0">
-                <a:hlinkClick r:id="rId5"/>
-              </a:rPr>
-              <a:t>Why has CPU frequency ceased to grow?</a:t>
-            </a:r>
-            <a:endParaRPr lang="nl-BE" dirty="0" smtClean="0"/>
+              <a:t>Cache lines, again</a:t>
+            </a:r>
+            <a:endParaRPr lang="en-US" dirty="0"/>
           </a:p>
         </p:txBody>
       </p:sp>
@@ -30208,10 +30190,3959 @@
           </a:p>
         </p:txBody>
       </p:sp>
+      <p:grpSp>
+        <p:nvGrpSpPr>
+          <p:cNvPr id="29" name="Group 28"/>
+          <p:cNvGrpSpPr/>
+          <p:nvPr/>
+        </p:nvGrpSpPr>
+        <p:grpSpPr>
+          <a:xfrm>
+            <a:off x="2915816" y="5208004"/>
+            <a:ext cx="2902154" cy="216024"/>
+            <a:chOff x="2965990" y="5085184"/>
+            <a:chExt cx="4917326" cy="411266"/>
+          </a:xfrm>
+        </p:grpSpPr>
+        <p:sp>
+          <p:nvSpPr>
+            <p:cNvPr id="6" name="Rectangle 5"/>
+            <p:cNvSpPr/>
+            <p:nvPr/>
+          </p:nvSpPr>
+          <p:spPr>
+            <a:xfrm>
+              <a:off x="2965990" y="5127118"/>
+              <a:ext cx="4896544" cy="369332"/>
+            </a:xfrm>
+            <a:prstGeom prst="rect">
+              <a:avLst/>
+            </a:prstGeom>
+            <a:solidFill>
+              <a:schemeClr val="bg1">
+                <a:lumMod val="85000"/>
+              </a:schemeClr>
+            </a:solidFill>
+            <a:ln>
+              <a:noFill/>
+            </a:ln>
+          </p:spPr>
+          <p:style>
+            <a:lnRef idx="2">
+              <a:schemeClr val="accent1">
+                <a:shade val="50000"/>
+              </a:schemeClr>
+            </a:lnRef>
+            <a:fillRef idx="1">
+              <a:schemeClr val="accent1"/>
+            </a:fillRef>
+            <a:effectRef idx="0">
+              <a:schemeClr val="accent1"/>
+            </a:effectRef>
+            <a:fontRef idx="minor">
+              <a:schemeClr val="lt1"/>
+            </a:fontRef>
+          </p:style>
+          <p:txBody>
+            <a:bodyPr rtlCol="0" anchor="ctr"/>
+            <a:lstStyle/>
+            <a:p>
+              <a:pPr algn="ctr"/>
+              <a:endParaRPr lang="en-US"/>
+            </a:p>
+          </p:txBody>
+        </p:sp>
+        <p:sp>
+          <p:nvSpPr>
+            <p:cNvPr id="7" name="TextBox 6"/>
+            <p:cNvSpPr txBox="1"/>
+            <p:nvPr/>
+          </p:nvSpPr>
+          <p:spPr>
+            <a:xfrm>
+              <a:off x="3564564" y="5127100"/>
+              <a:ext cx="405880" cy="215444"/>
+            </a:xfrm>
+            <a:prstGeom prst="rect">
+              <a:avLst/>
+            </a:prstGeom>
+            <a:noFill/>
+          </p:spPr>
+          <p:txBody>
+            <a:bodyPr wrap="none" rtlCol="0">
+              <a:spAutoFit/>
+            </a:bodyPr>
+            <a:lstStyle/>
+            <a:p>
+              <a:r>
+                <a:rPr lang="en-US" sz="800" dirty="0" smtClean="0"/>
+                <a:t>a[i-1]</a:t>
+              </a:r>
+              <a:endParaRPr lang="en-US" sz="800" dirty="0"/>
+            </a:p>
+          </p:txBody>
+        </p:sp>
+        <p:sp>
+          <p:nvSpPr>
+            <p:cNvPr id="8" name="TextBox 7"/>
+            <p:cNvSpPr txBox="1"/>
+            <p:nvPr/>
+          </p:nvSpPr>
+          <p:spPr>
+            <a:xfrm>
+              <a:off x="4204946" y="5127118"/>
+              <a:ext cx="322524" cy="215444"/>
+            </a:xfrm>
+            <a:prstGeom prst="rect">
+              <a:avLst/>
+            </a:prstGeom>
+            <a:noFill/>
+          </p:spPr>
+          <p:txBody>
+            <a:bodyPr wrap="none" rtlCol="0">
+              <a:spAutoFit/>
+            </a:bodyPr>
+            <a:lstStyle/>
+            <a:p>
+              <a:r>
+                <a:rPr lang="en-US" sz="800" dirty="0" smtClean="0"/>
+                <a:t>a[</a:t>
+              </a:r>
+              <a:r>
+                <a:rPr lang="en-US" sz="800" dirty="0" err="1" smtClean="0"/>
+                <a:t>i</a:t>
+              </a:r>
+              <a:r>
+                <a:rPr lang="en-US" sz="800" dirty="0" smtClean="0"/>
+                <a:t>]</a:t>
+              </a:r>
+              <a:endParaRPr lang="en-US" sz="800" dirty="0"/>
+            </a:p>
+          </p:txBody>
+        </p:sp>
+        <p:sp>
+          <p:nvSpPr>
+            <p:cNvPr id="9" name="TextBox 8"/>
+            <p:cNvSpPr txBox="1"/>
+            <p:nvPr/>
+          </p:nvSpPr>
+          <p:spPr>
+            <a:xfrm>
+              <a:off x="4694182" y="5127118"/>
+              <a:ext cx="425116" cy="215444"/>
+            </a:xfrm>
+            <a:prstGeom prst="rect">
+              <a:avLst/>
+            </a:prstGeom>
+            <a:noFill/>
+          </p:spPr>
+          <p:txBody>
+            <a:bodyPr wrap="none" rtlCol="0">
+              <a:spAutoFit/>
+            </a:bodyPr>
+            <a:lstStyle/>
+            <a:p>
+              <a:r>
+                <a:rPr lang="en-US" sz="800" dirty="0" smtClean="0"/>
+                <a:t>a[i+1]</a:t>
+              </a:r>
+              <a:endParaRPr lang="en-US" sz="800" dirty="0"/>
+            </a:p>
+          </p:txBody>
+        </p:sp>
+        <p:sp>
+          <p:nvSpPr>
+            <p:cNvPr id="10" name="TextBox 9"/>
+            <p:cNvSpPr txBox="1"/>
+            <p:nvPr/>
+          </p:nvSpPr>
+          <p:spPr>
+            <a:xfrm>
+              <a:off x="5916726" y="5127118"/>
+              <a:ext cx="425116" cy="215444"/>
+            </a:xfrm>
+            <a:prstGeom prst="rect">
+              <a:avLst/>
+            </a:prstGeom>
+            <a:noFill/>
+          </p:spPr>
+          <p:txBody>
+            <a:bodyPr wrap="none" rtlCol="0">
+              <a:spAutoFit/>
+            </a:bodyPr>
+            <a:lstStyle/>
+            <a:p>
+              <a:r>
+                <a:rPr lang="en-US" sz="800" dirty="0" smtClean="0"/>
+                <a:t>a[i+7]</a:t>
+              </a:r>
+              <a:endParaRPr lang="en-US" sz="800" dirty="0"/>
+            </a:p>
+          </p:txBody>
+        </p:sp>
+        <p:sp>
+          <p:nvSpPr>
+            <p:cNvPr id="11" name="TextBox 10"/>
+            <p:cNvSpPr txBox="1"/>
+            <p:nvPr/>
+          </p:nvSpPr>
+          <p:spPr>
+            <a:xfrm>
+              <a:off x="6512843" y="5127118"/>
+              <a:ext cx="425116" cy="215444"/>
+            </a:xfrm>
+            <a:prstGeom prst="rect">
+              <a:avLst/>
+            </a:prstGeom>
+            <a:noFill/>
+          </p:spPr>
+          <p:txBody>
+            <a:bodyPr wrap="none" rtlCol="0">
+              <a:spAutoFit/>
+            </a:bodyPr>
+            <a:lstStyle/>
+            <a:p>
+              <a:r>
+                <a:rPr lang="en-US" sz="800" dirty="0" smtClean="0"/>
+                <a:t>a[i+8]</a:t>
+              </a:r>
+              <a:endParaRPr lang="en-US" sz="800" dirty="0"/>
+            </a:p>
+          </p:txBody>
+        </p:sp>
+        <p:cxnSp>
+          <p:nvCxnSpPr>
+            <p:cNvPr id="12" name="Straight Connector 11"/>
+            <p:cNvCxnSpPr/>
+            <p:nvPr/>
+          </p:nvCxnSpPr>
+          <p:spPr>
+            <a:xfrm>
+              <a:off x="4169344" y="5116727"/>
+              <a:ext cx="0" cy="369332"/>
+            </a:xfrm>
+            <a:prstGeom prst="line">
+              <a:avLst/>
+            </a:prstGeom>
+            <a:ln w="19050">
+              <a:solidFill>
+                <a:schemeClr val="tx1"/>
+              </a:solidFill>
+            </a:ln>
+          </p:spPr>
+          <p:style>
+            <a:lnRef idx="1">
+              <a:schemeClr val="accent1"/>
+            </a:lnRef>
+            <a:fillRef idx="0">
+              <a:schemeClr val="accent1"/>
+            </a:fillRef>
+            <a:effectRef idx="0">
+              <a:schemeClr val="accent1"/>
+            </a:effectRef>
+            <a:fontRef idx="minor">
+              <a:schemeClr val="tx1"/>
+            </a:fontRef>
+          </p:style>
+        </p:cxnSp>
+        <p:cxnSp>
+          <p:nvCxnSpPr>
+            <p:cNvPr id="13" name="Straight Connector 12"/>
+            <p:cNvCxnSpPr/>
+            <p:nvPr/>
+          </p:nvCxnSpPr>
+          <p:spPr>
+            <a:xfrm>
+              <a:off x="4766190" y="5115628"/>
+              <a:ext cx="0" cy="369332"/>
+            </a:xfrm>
+            <a:prstGeom prst="line">
+              <a:avLst/>
+            </a:prstGeom>
+            <a:ln w="19050">
+              <a:solidFill>
+                <a:schemeClr val="tx1"/>
+              </a:solidFill>
+            </a:ln>
+          </p:spPr>
+          <p:style>
+            <a:lnRef idx="1">
+              <a:schemeClr val="accent1"/>
+            </a:lnRef>
+            <a:fillRef idx="0">
+              <a:schemeClr val="accent1"/>
+            </a:fillRef>
+            <a:effectRef idx="0">
+              <a:schemeClr val="accent1"/>
+            </a:effectRef>
+            <a:fontRef idx="minor">
+              <a:schemeClr val="tx1"/>
+            </a:fontRef>
+          </p:style>
+        </p:cxnSp>
+        <p:cxnSp>
+          <p:nvCxnSpPr>
+            <p:cNvPr id="14" name="Straight Connector 13"/>
+            <p:cNvCxnSpPr/>
+            <p:nvPr/>
+          </p:nvCxnSpPr>
+          <p:spPr>
+            <a:xfrm>
+              <a:off x="5342254" y="5115628"/>
+              <a:ext cx="0" cy="369332"/>
+            </a:xfrm>
+            <a:prstGeom prst="line">
+              <a:avLst/>
+            </a:prstGeom>
+            <a:ln w="19050">
+              <a:solidFill>
+                <a:schemeClr val="tx1"/>
+              </a:solidFill>
+            </a:ln>
+          </p:spPr>
+          <p:style>
+            <a:lnRef idx="1">
+              <a:schemeClr val="accent1"/>
+            </a:lnRef>
+            <a:fillRef idx="0">
+              <a:schemeClr val="accent1"/>
+            </a:fillRef>
+            <a:effectRef idx="0">
+              <a:schemeClr val="accent1"/>
+            </a:effectRef>
+            <a:fontRef idx="minor">
+              <a:schemeClr val="tx1"/>
+            </a:fontRef>
+          </p:style>
+        </p:cxnSp>
+        <p:cxnSp>
+          <p:nvCxnSpPr>
+            <p:cNvPr id="15" name="Straight Connector 14"/>
+            <p:cNvCxnSpPr/>
+            <p:nvPr/>
+          </p:nvCxnSpPr>
+          <p:spPr>
+            <a:xfrm>
+              <a:off x="3614062" y="5126019"/>
+              <a:ext cx="0" cy="369332"/>
+            </a:xfrm>
+            <a:prstGeom prst="line">
+              <a:avLst/>
+            </a:prstGeom>
+            <a:ln w="19050">
+              <a:solidFill>
+                <a:schemeClr val="tx1"/>
+              </a:solidFill>
+            </a:ln>
+          </p:spPr>
+          <p:style>
+            <a:lnRef idx="1">
+              <a:schemeClr val="accent1"/>
+            </a:lnRef>
+            <a:fillRef idx="0">
+              <a:schemeClr val="accent1"/>
+            </a:fillRef>
+            <a:effectRef idx="0">
+              <a:schemeClr val="accent1"/>
+            </a:effectRef>
+            <a:fontRef idx="minor">
+              <a:schemeClr val="tx1"/>
+            </a:fontRef>
+          </p:style>
+        </p:cxnSp>
+        <p:cxnSp>
+          <p:nvCxnSpPr>
+            <p:cNvPr id="16" name="Straight Connector 15"/>
+            <p:cNvCxnSpPr/>
+            <p:nvPr/>
+          </p:nvCxnSpPr>
+          <p:spPr>
+            <a:xfrm>
+              <a:off x="5979935" y="5115628"/>
+              <a:ext cx="0" cy="369332"/>
+            </a:xfrm>
+            <a:prstGeom prst="line">
+              <a:avLst/>
+            </a:prstGeom>
+            <a:ln w="19050">
+              <a:solidFill>
+                <a:schemeClr val="tx1"/>
+              </a:solidFill>
+            </a:ln>
+          </p:spPr>
+          <p:style>
+            <a:lnRef idx="1">
+              <a:schemeClr val="accent1"/>
+            </a:lnRef>
+            <a:fillRef idx="0">
+              <a:schemeClr val="accent1"/>
+            </a:fillRef>
+            <a:effectRef idx="0">
+              <a:schemeClr val="accent1"/>
+            </a:effectRef>
+            <a:fontRef idx="minor">
+              <a:schemeClr val="tx1"/>
+            </a:fontRef>
+          </p:style>
+        </p:cxnSp>
+        <p:cxnSp>
+          <p:nvCxnSpPr>
+            <p:cNvPr id="17" name="Straight Connector 16"/>
+            <p:cNvCxnSpPr/>
+            <p:nvPr/>
+          </p:nvCxnSpPr>
+          <p:spPr>
+            <a:xfrm>
+              <a:off x="6566390" y="5115628"/>
+              <a:ext cx="0" cy="369332"/>
+            </a:xfrm>
+            <a:prstGeom prst="line">
+              <a:avLst/>
+            </a:prstGeom>
+            <a:ln w="19050">
+              <a:solidFill>
+                <a:schemeClr val="tx1"/>
+              </a:solidFill>
+            </a:ln>
+          </p:spPr>
+          <p:style>
+            <a:lnRef idx="1">
+              <a:schemeClr val="accent1"/>
+            </a:lnRef>
+            <a:fillRef idx="0">
+              <a:schemeClr val="accent1"/>
+            </a:fillRef>
+            <a:effectRef idx="0">
+              <a:schemeClr val="accent1"/>
+            </a:effectRef>
+            <a:fontRef idx="minor">
+              <a:schemeClr val="tx1"/>
+            </a:fontRef>
+          </p:style>
+        </p:cxnSp>
+        <p:cxnSp>
+          <p:nvCxnSpPr>
+            <p:cNvPr id="18" name="Straight Connector 17"/>
+            <p:cNvCxnSpPr/>
+            <p:nvPr/>
+          </p:nvCxnSpPr>
+          <p:spPr>
+            <a:xfrm>
+              <a:off x="7172898" y="5127118"/>
+              <a:ext cx="0" cy="369332"/>
+            </a:xfrm>
+            <a:prstGeom prst="line">
+              <a:avLst/>
+            </a:prstGeom>
+            <a:ln w="19050">
+              <a:solidFill>
+                <a:schemeClr val="tx1"/>
+              </a:solidFill>
+            </a:ln>
+          </p:spPr>
+          <p:style>
+            <a:lnRef idx="1">
+              <a:schemeClr val="accent1"/>
+            </a:lnRef>
+            <a:fillRef idx="0">
+              <a:schemeClr val="accent1"/>
+            </a:fillRef>
+            <a:effectRef idx="0">
+              <a:schemeClr val="accent1"/>
+            </a:effectRef>
+            <a:fontRef idx="minor">
+              <a:schemeClr val="tx1"/>
+            </a:fontRef>
+          </p:style>
+        </p:cxnSp>
+        <p:sp>
+          <p:nvSpPr>
+            <p:cNvPr id="19" name="TextBox 18"/>
+            <p:cNvSpPr txBox="1"/>
+            <p:nvPr/>
+          </p:nvSpPr>
+          <p:spPr>
+            <a:xfrm>
+              <a:off x="5502946" y="5085184"/>
+              <a:ext cx="255198" cy="215444"/>
+            </a:xfrm>
+            <a:prstGeom prst="rect">
+              <a:avLst/>
+            </a:prstGeom>
+            <a:noFill/>
+          </p:spPr>
+          <p:txBody>
+            <a:bodyPr wrap="none" rtlCol="0">
+              <a:spAutoFit/>
+            </a:bodyPr>
+            <a:lstStyle/>
+            <a:p>
+              <a:r>
+                <a:rPr lang="en-US" sz="800" dirty="0" smtClean="0"/>
+                <a:t>…</a:t>
+              </a:r>
+              <a:endParaRPr lang="en-US" sz="800" dirty="0"/>
+            </a:p>
+          </p:txBody>
+        </p:sp>
+        <p:cxnSp>
+          <p:nvCxnSpPr>
+            <p:cNvPr id="20" name="Straight Connector 19"/>
+            <p:cNvCxnSpPr/>
+            <p:nvPr/>
+          </p:nvCxnSpPr>
+          <p:spPr>
+            <a:xfrm>
+              <a:off x="2965990" y="5126019"/>
+              <a:ext cx="4896544" cy="0"/>
+            </a:xfrm>
+            <a:prstGeom prst="line">
+              <a:avLst/>
+            </a:prstGeom>
+            <a:ln w="19050">
+              <a:solidFill>
+                <a:schemeClr val="tx1"/>
+              </a:solidFill>
+            </a:ln>
+          </p:spPr>
+          <p:style>
+            <a:lnRef idx="1">
+              <a:schemeClr val="accent1"/>
+            </a:lnRef>
+            <a:fillRef idx="0">
+              <a:schemeClr val="accent1"/>
+            </a:fillRef>
+            <a:effectRef idx="0">
+              <a:schemeClr val="accent1"/>
+            </a:effectRef>
+            <a:fontRef idx="minor">
+              <a:schemeClr val="tx1"/>
+            </a:fontRef>
+          </p:style>
+        </p:cxnSp>
+        <p:cxnSp>
+          <p:nvCxnSpPr>
+            <p:cNvPr id="21" name="Straight Connector 20"/>
+            <p:cNvCxnSpPr/>
+            <p:nvPr/>
+          </p:nvCxnSpPr>
+          <p:spPr>
+            <a:xfrm>
+              <a:off x="2986772" y="5496450"/>
+              <a:ext cx="4896544" cy="0"/>
+            </a:xfrm>
+            <a:prstGeom prst="line">
+              <a:avLst/>
+            </a:prstGeom>
+            <a:ln w="19050">
+              <a:solidFill>
+                <a:schemeClr val="tx1"/>
+              </a:solidFill>
+            </a:ln>
+          </p:spPr>
+          <p:style>
+            <a:lnRef idx="1">
+              <a:schemeClr val="accent1"/>
+            </a:lnRef>
+            <a:fillRef idx="0">
+              <a:schemeClr val="accent1"/>
+            </a:fillRef>
+            <a:effectRef idx="0">
+              <a:schemeClr val="accent1"/>
+            </a:effectRef>
+            <a:fontRef idx="minor">
+              <a:schemeClr val="tx1"/>
+            </a:fontRef>
+          </p:style>
+        </p:cxnSp>
+        <p:sp>
+          <p:nvSpPr>
+            <p:cNvPr id="22" name="TextBox 21"/>
+            <p:cNvSpPr txBox="1"/>
+            <p:nvPr/>
+          </p:nvSpPr>
+          <p:spPr>
+            <a:xfrm>
+              <a:off x="7375154" y="5085184"/>
+              <a:ext cx="255198" cy="215444"/>
+            </a:xfrm>
+            <a:prstGeom prst="rect">
+              <a:avLst/>
+            </a:prstGeom>
+            <a:noFill/>
+          </p:spPr>
+          <p:txBody>
+            <a:bodyPr wrap="none" rtlCol="0">
+              <a:spAutoFit/>
+            </a:bodyPr>
+            <a:lstStyle/>
+            <a:p>
+              <a:r>
+                <a:rPr lang="en-US" sz="800" dirty="0" smtClean="0"/>
+                <a:t>…</a:t>
+              </a:r>
+              <a:endParaRPr lang="en-US" sz="800" dirty="0"/>
+            </a:p>
+          </p:txBody>
+        </p:sp>
+        <p:sp>
+          <p:nvSpPr>
+            <p:cNvPr id="23" name="TextBox 22"/>
+            <p:cNvSpPr txBox="1"/>
+            <p:nvPr/>
+          </p:nvSpPr>
+          <p:spPr>
+            <a:xfrm>
+              <a:off x="3110006" y="5085184"/>
+              <a:ext cx="255198" cy="215444"/>
+            </a:xfrm>
+            <a:prstGeom prst="rect">
+              <a:avLst/>
+            </a:prstGeom>
+            <a:noFill/>
+          </p:spPr>
+          <p:txBody>
+            <a:bodyPr wrap="none" rtlCol="0">
+              <a:spAutoFit/>
+            </a:bodyPr>
+            <a:lstStyle/>
+            <a:p>
+              <a:r>
+                <a:rPr lang="en-US" sz="800" dirty="0" smtClean="0"/>
+                <a:t>…</a:t>
+              </a:r>
+              <a:endParaRPr lang="en-US" sz="800" dirty="0"/>
+            </a:p>
+          </p:txBody>
+        </p:sp>
+      </p:grpSp>
+      <p:grpSp>
+        <p:nvGrpSpPr>
+          <p:cNvPr id="24" name="Group 23"/>
+          <p:cNvGrpSpPr/>
+          <p:nvPr/>
+        </p:nvGrpSpPr>
+        <p:grpSpPr>
+          <a:xfrm>
+            <a:off x="3626023" y="5498826"/>
+            <a:ext cx="1414711" cy="489108"/>
+            <a:chOff x="4568460" y="5356875"/>
+            <a:chExt cx="1414711" cy="489108"/>
+          </a:xfrm>
+        </p:grpSpPr>
+        <p:sp>
+          <p:nvSpPr>
+            <p:cNvPr id="25" name="Left Brace 24"/>
+            <p:cNvSpPr/>
+            <p:nvPr/>
+          </p:nvSpPr>
+          <p:spPr>
+            <a:xfrm rot="16200000">
+              <a:off x="5213692" y="4711643"/>
+              <a:ext cx="124247" cy="1414711"/>
+            </a:xfrm>
+            <a:prstGeom prst="leftBrace">
+              <a:avLst/>
+            </a:prstGeom>
+            <a:ln w="19050">
+              <a:solidFill>
+                <a:schemeClr val="tx1"/>
+              </a:solidFill>
+            </a:ln>
+          </p:spPr>
+          <p:style>
+            <a:lnRef idx="1">
+              <a:schemeClr val="accent1"/>
+            </a:lnRef>
+            <a:fillRef idx="0">
+              <a:schemeClr val="accent1"/>
+            </a:fillRef>
+            <a:effectRef idx="0">
+              <a:schemeClr val="accent1"/>
+            </a:effectRef>
+            <a:fontRef idx="minor">
+              <a:schemeClr val="tx1"/>
+            </a:fontRef>
+          </p:style>
+          <p:txBody>
+            <a:bodyPr rtlCol="0" anchor="ctr"/>
+            <a:lstStyle/>
+            <a:p>
+              <a:pPr algn="ctr"/>
+              <a:endParaRPr lang="en-US"/>
+            </a:p>
+          </p:txBody>
+        </p:sp>
+        <p:sp>
+          <p:nvSpPr>
+            <p:cNvPr id="26" name="TextBox 25"/>
+            <p:cNvSpPr txBox="1"/>
+            <p:nvPr/>
+          </p:nvSpPr>
+          <p:spPr>
+            <a:xfrm>
+              <a:off x="4714764" y="5476651"/>
+              <a:ext cx="1122102" cy="369332"/>
+            </a:xfrm>
+            <a:prstGeom prst="rect">
+              <a:avLst/>
+            </a:prstGeom>
+            <a:noFill/>
+          </p:spPr>
+          <p:txBody>
+            <a:bodyPr wrap="none" rtlCol="0">
+              <a:spAutoFit/>
+            </a:bodyPr>
+            <a:lstStyle/>
+            <a:p>
+              <a:r>
+                <a:rPr lang="en-US" dirty="0" smtClean="0"/>
+                <a:t>cache line</a:t>
+              </a:r>
+              <a:endParaRPr lang="en-US" dirty="0"/>
+            </a:p>
+          </p:txBody>
+        </p:sp>
+      </p:grpSp>
+      <p:sp>
+        <p:nvSpPr>
+          <p:cNvPr id="27" name="TextBox 26"/>
+          <p:cNvSpPr txBox="1"/>
+          <p:nvPr/>
+        </p:nvSpPr>
+        <p:spPr>
+          <a:xfrm>
+            <a:off x="758881" y="4797152"/>
+            <a:ext cx="639919" cy="369332"/>
+          </a:xfrm>
+          <a:prstGeom prst="rect">
+            <a:avLst/>
+          </a:prstGeom>
+          <a:noFill/>
+        </p:spPr>
+        <p:txBody>
+          <a:bodyPr wrap="none" rtlCol="0">
+            <a:spAutoFit/>
+          </a:bodyPr>
+          <a:lstStyle/>
+          <a:p>
+            <a:r>
+              <a:rPr lang="en-US" dirty="0" smtClean="0"/>
+              <a:t>RAM</a:t>
+            </a:r>
+            <a:endParaRPr lang="en-US" dirty="0"/>
+          </a:p>
+        </p:txBody>
+      </p:sp>
+      <p:sp>
+        <p:nvSpPr>
+          <p:cNvPr id="55" name="Rectangle 54"/>
+          <p:cNvSpPr/>
+          <p:nvPr/>
+        </p:nvSpPr>
+        <p:spPr>
+          <a:xfrm>
+            <a:off x="611561" y="1700808"/>
+            <a:ext cx="2279118" cy="576064"/>
+          </a:xfrm>
+          <a:prstGeom prst="rect">
+            <a:avLst/>
+          </a:prstGeom>
+        </p:spPr>
+        <p:style>
+          <a:lnRef idx="2">
+            <a:schemeClr val="accent1">
+              <a:shade val="50000"/>
+            </a:schemeClr>
+          </a:lnRef>
+          <a:fillRef idx="1">
+            <a:schemeClr val="accent1"/>
+          </a:fillRef>
+          <a:effectRef idx="0">
+            <a:schemeClr val="accent1"/>
+          </a:effectRef>
+          <a:fontRef idx="minor">
+            <a:schemeClr val="lt1"/>
+          </a:fontRef>
+        </p:style>
+        <p:txBody>
+          <a:bodyPr rtlCol="0" anchor="ctr"/>
+          <a:lstStyle/>
+          <a:p>
+            <a:pPr algn="ctr"/>
+            <a:r>
+              <a:rPr lang="en-US" dirty="0" smtClean="0"/>
+              <a:t>core 0</a:t>
+            </a:r>
+            <a:endParaRPr lang="en-US" dirty="0"/>
+          </a:p>
+        </p:txBody>
+      </p:sp>
+      <p:sp>
+        <p:nvSpPr>
+          <p:cNvPr id="56" name="Rectangle 55"/>
+          <p:cNvSpPr/>
+          <p:nvPr/>
+        </p:nvSpPr>
+        <p:spPr>
+          <a:xfrm>
+            <a:off x="611561" y="2276872"/>
+            <a:ext cx="2279117" cy="510236"/>
+          </a:xfrm>
+          <a:prstGeom prst="rect">
+            <a:avLst/>
+          </a:prstGeom>
+          <a:noFill/>
+        </p:spPr>
+        <p:style>
+          <a:lnRef idx="2">
+            <a:schemeClr val="accent1">
+              <a:shade val="50000"/>
+            </a:schemeClr>
+          </a:lnRef>
+          <a:fillRef idx="1">
+            <a:schemeClr val="accent1"/>
+          </a:fillRef>
+          <a:effectRef idx="0">
+            <a:schemeClr val="accent1"/>
+          </a:effectRef>
+          <a:fontRef idx="minor">
+            <a:schemeClr val="lt1"/>
+          </a:fontRef>
+        </p:style>
+        <p:txBody>
+          <a:bodyPr rtlCol="0" anchor="ctr"/>
+          <a:lstStyle/>
+          <a:p>
+            <a:pPr algn="ctr"/>
+            <a:endParaRPr lang="en-US"/>
+          </a:p>
+        </p:txBody>
+      </p:sp>
+      <p:sp>
+        <p:nvSpPr>
+          <p:cNvPr id="60" name="TextBox 59"/>
+          <p:cNvSpPr txBox="1"/>
+          <p:nvPr/>
+        </p:nvSpPr>
+        <p:spPr>
+          <a:xfrm>
+            <a:off x="653981" y="2276872"/>
+            <a:ext cx="399468" cy="369332"/>
+          </a:xfrm>
+          <a:prstGeom prst="rect">
+            <a:avLst/>
+          </a:prstGeom>
+          <a:noFill/>
+        </p:spPr>
+        <p:txBody>
+          <a:bodyPr wrap="none" rtlCol="0">
+            <a:spAutoFit/>
+          </a:bodyPr>
+          <a:lstStyle/>
+          <a:p>
+            <a:r>
+              <a:rPr lang="en-US" dirty="0" smtClean="0"/>
+              <a:t>L1</a:t>
+            </a:r>
+            <a:endParaRPr lang="en-US" dirty="0"/>
+          </a:p>
+        </p:txBody>
+      </p:sp>
+      <p:grpSp>
+        <p:nvGrpSpPr>
+          <p:cNvPr id="64" name="Group 63"/>
+          <p:cNvGrpSpPr/>
+          <p:nvPr/>
+        </p:nvGrpSpPr>
+        <p:grpSpPr>
+          <a:xfrm>
+            <a:off x="1223412" y="2417827"/>
+            <a:ext cx="1427971" cy="231438"/>
+            <a:chOff x="2293457" y="3760898"/>
+            <a:chExt cx="1427971" cy="231438"/>
+          </a:xfrm>
+        </p:grpSpPr>
+        <p:sp>
+          <p:nvSpPr>
+            <p:cNvPr id="31" name="Rectangle 30"/>
+            <p:cNvSpPr/>
+            <p:nvPr/>
+          </p:nvSpPr>
+          <p:spPr>
+            <a:xfrm>
+              <a:off x="2293457" y="3782924"/>
+              <a:ext cx="1414712" cy="209412"/>
+            </a:xfrm>
+            <a:prstGeom prst="rect">
+              <a:avLst/>
+            </a:prstGeom>
+            <a:solidFill>
+              <a:schemeClr val="bg1">
+                <a:lumMod val="85000"/>
+              </a:schemeClr>
+            </a:solidFill>
+            <a:ln>
+              <a:noFill/>
+            </a:ln>
+          </p:spPr>
+          <p:style>
+            <a:lnRef idx="2">
+              <a:schemeClr val="accent1">
+                <a:shade val="50000"/>
+              </a:schemeClr>
+            </a:lnRef>
+            <a:fillRef idx="1">
+              <a:schemeClr val="accent1"/>
+            </a:fillRef>
+            <a:effectRef idx="0">
+              <a:schemeClr val="accent1"/>
+            </a:effectRef>
+            <a:fontRef idx="minor">
+              <a:schemeClr val="lt1"/>
+            </a:fontRef>
+          </p:style>
+          <p:txBody>
+            <a:bodyPr rtlCol="0" anchor="ctr"/>
+            <a:lstStyle/>
+            <a:p>
+              <a:pPr algn="ctr"/>
+              <a:endParaRPr lang="en-US"/>
+            </a:p>
+          </p:txBody>
+        </p:sp>
+        <p:sp>
+          <p:nvSpPr>
+            <p:cNvPr id="33" name="TextBox 32"/>
+            <p:cNvSpPr txBox="1"/>
+            <p:nvPr/>
+          </p:nvSpPr>
+          <p:spPr>
+            <a:xfrm>
+              <a:off x="2314469" y="3782924"/>
+              <a:ext cx="190350" cy="113165"/>
+            </a:xfrm>
+            <a:prstGeom prst="rect">
+              <a:avLst/>
+            </a:prstGeom>
+            <a:noFill/>
+          </p:spPr>
+          <p:txBody>
+            <a:bodyPr wrap="none" rtlCol="0">
+              <a:spAutoFit/>
+            </a:bodyPr>
+            <a:lstStyle/>
+            <a:p>
+              <a:r>
+                <a:rPr lang="en-US" sz="800" dirty="0" smtClean="0"/>
+                <a:t>a[</a:t>
+              </a:r>
+              <a:r>
+                <a:rPr lang="en-US" sz="800" dirty="0" err="1" smtClean="0"/>
+                <a:t>i</a:t>
+              </a:r>
+              <a:r>
+                <a:rPr lang="en-US" sz="800" dirty="0" smtClean="0"/>
+                <a:t>]</a:t>
+              </a:r>
+              <a:endParaRPr lang="en-US" sz="800" dirty="0"/>
+            </a:p>
+          </p:txBody>
+        </p:sp>
+        <p:sp>
+          <p:nvSpPr>
+            <p:cNvPr id="34" name="TextBox 33"/>
+            <p:cNvSpPr txBox="1"/>
+            <p:nvPr/>
+          </p:nvSpPr>
+          <p:spPr>
+            <a:xfrm>
+              <a:off x="2603211" y="3782924"/>
+              <a:ext cx="250899" cy="113165"/>
+            </a:xfrm>
+            <a:prstGeom prst="rect">
+              <a:avLst/>
+            </a:prstGeom>
+            <a:noFill/>
+          </p:spPr>
+          <p:txBody>
+            <a:bodyPr wrap="none" rtlCol="0">
+              <a:spAutoFit/>
+            </a:bodyPr>
+            <a:lstStyle/>
+            <a:p>
+              <a:r>
+                <a:rPr lang="en-US" sz="800" dirty="0" smtClean="0"/>
+                <a:t>a[i+1]</a:t>
+              </a:r>
+              <a:endParaRPr lang="en-US" sz="800" dirty="0"/>
+            </a:p>
+          </p:txBody>
+        </p:sp>
+        <p:sp>
+          <p:nvSpPr>
+            <p:cNvPr id="35" name="TextBox 34"/>
+            <p:cNvSpPr txBox="1"/>
+            <p:nvPr/>
+          </p:nvSpPr>
+          <p:spPr>
+            <a:xfrm>
+              <a:off x="3324743" y="3782924"/>
+              <a:ext cx="250899" cy="113165"/>
+            </a:xfrm>
+            <a:prstGeom prst="rect">
+              <a:avLst/>
+            </a:prstGeom>
+            <a:noFill/>
+          </p:spPr>
+          <p:txBody>
+            <a:bodyPr wrap="none" rtlCol="0">
+              <a:spAutoFit/>
+            </a:bodyPr>
+            <a:lstStyle/>
+            <a:p>
+              <a:r>
+                <a:rPr lang="en-US" sz="800" dirty="0" smtClean="0"/>
+                <a:t>a[i+7]</a:t>
+              </a:r>
+              <a:endParaRPr lang="en-US" sz="800" dirty="0"/>
+            </a:p>
+          </p:txBody>
+        </p:sp>
+        <p:cxnSp>
+          <p:nvCxnSpPr>
+            <p:cNvPr id="37" name="Straight Connector 36"/>
+            <p:cNvCxnSpPr/>
+            <p:nvPr/>
+          </p:nvCxnSpPr>
+          <p:spPr>
+            <a:xfrm>
+              <a:off x="2314239" y="3777466"/>
+              <a:ext cx="0" cy="193998"/>
+            </a:xfrm>
+            <a:prstGeom prst="line">
+              <a:avLst/>
+            </a:prstGeom>
+            <a:ln w="19050">
+              <a:solidFill>
+                <a:schemeClr val="tx1"/>
+              </a:solidFill>
+            </a:ln>
+          </p:spPr>
+          <p:style>
+            <a:lnRef idx="1">
+              <a:schemeClr val="accent1"/>
+            </a:lnRef>
+            <a:fillRef idx="0">
+              <a:schemeClr val="accent1"/>
+            </a:fillRef>
+            <a:effectRef idx="0">
+              <a:schemeClr val="accent1"/>
+            </a:effectRef>
+            <a:fontRef idx="minor">
+              <a:schemeClr val="tx1"/>
+            </a:fontRef>
+          </p:style>
+        </p:cxnSp>
+        <p:cxnSp>
+          <p:nvCxnSpPr>
+            <p:cNvPr id="38" name="Straight Connector 37"/>
+            <p:cNvCxnSpPr/>
+            <p:nvPr/>
+          </p:nvCxnSpPr>
+          <p:spPr>
+            <a:xfrm>
+              <a:off x="2645709" y="3776889"/>
+              <a:ext cx="0" cy="193998"/>
+            </a:xfrm>
+            <a:prstGeom prst="line">
+              <a:avLst/>
+            </a:prstGeom>
+            <a:ln w="19050">
+              <a:solidFill>
+                <a:schemeClr val="tx1"/>
+              </a:solidFill>
+            </a:ln>
+          </p:spPr>
+          <p:style>
+            <a:lnRef idx="1">
+              <a:schemeClr val="accent1"/>
+            </a:lnRef>
+            <a:fillRef idx="0">
+              <a:schemeClr val="accent1"/>
+            </a:fillRef>
+            <a:effectRef idx="0">
+              <a:schemeClr val="accent1"/>
+            </a:effectRef>
+            <a:fontRef idx="minor">
+              <a:schemeClr val="tx1"/>
+            </a:fontRef>
+          </p:style>
+        </p:cxnSp>
+        <p:cxnSp>
+          <p:nvCxnSpPr>
+            <p:cNvPr id="39" name="Straight Connector 38"/>
+            <p:cNvCxnSpPr/>
+            <p:nvPr/>
+          </p:nvCxnSpPr>
+          <p:spPr>
+            <a:xfrm>
+              <a:off x="2985696" y="3776889"/>
+              <a:ext cx="0" cy="193998"/>
+            </a:xfrm>
+            <a:prstGeom prst="line">
+              <a:avLst/>
+            </a:prstGeom>
+            <a:ln w="19050">
+              <a:solidFill>
+                <a:schemeClr val="tx1"/>
+              </a:solidFill>
+            </a:ln>
+          </p:spPr>
+          <p:style>
+            <a:lnRef idx="1">
+              <a:schemeClr val="accent1"/>
+            </a:lnRef>
+            <a:fillRef idx="0">
+              <a:schemeClr val="accent1"/>
+            </a:fillRef>
+            <a:effectRef idx="0">
+              <a:schemeClr val="accent1"/>
+            </a:effectRef>
+            <a:fontRef idx="minor">
+              <a:schemeClr val="tx1"/>
+            </a:fontRef>
+          </p:style>
+        </p:cxnSp>
+        <p:cxnSp>
+          <p:nvCxnSpPr>
+            <p:cNvPr id="41" name="Straight Connector 40"/>
+            <p:cNvCxnSpPr/>
+            <p:nvPr/>
+          </p:nvCxnSpPr>
+          <p:spPr>
+            <a:xfrm>
+              <a:off x="3362049" y="3776889"/>
+              <a:ext cx="0" cy="193998"/>
+            </a:xfrm>
+            <a:prstGeom prst="line">
+              <a:avLst/>
+            </a:prstGeom>
+            <a:ln w="19050">
+              <a:solidFill>
+                <a:schemeClr val="tx1"/>
+              </a:solidFill>
+            </a:ln>
+          </p:spPr>
+          <p:style>
+            <a:lnRef idx="1">
+              <a:schemeClr val="accent1"/>
+            </a:lnRef>
+            <a:fillRef idx="0">
+              <a:schemeClr val="accent1"/>
+            </a:fillRef>
+            <a:effectRef idx="0">
+              <a:schemeClr val="accent1"/>
+            </a:effectRef>
+            <a:fontRef idx="minor">
+              <a:schemeClr val="tx1"/>
+            </a:fontRef>
+          </p:style>
+        </p:cxnSp>
+        <p:cxnSp>
+          <p:nvCxnSpPr>
+            <p:cNvPr id="42" name="Straight Connector 41"/>
+            <p:cNvCxnSpPr/>
+            <p:nvPr/>
+          </p:nvCxnSpPr>
+          <p:spPr>
+            <a:xfrm>
+              <a:off x="3708168" y="3776889"/>
+              <a:ext cx="0" cy="193998"/>
+            </a:xfrm>
+            <a:prstGeom prst="line">
+              <a:avLst/>
+            </a:prstGeom>
+            <a:ln w="19050">
+              <a:solidFill>
+                <a:schemeClr val="tx1"/>
+              </a:solidFill>
+            </a:ln>
+          </p:spPr>
+          <p:style>
+            <a:lnRef idx="1">
+              <a:schemeClr val="accent1"/>
+            </a:lnRef>
+            <a:fillRef idx="0">
+              <a:schemeClr val="accent1"/>
+            </a:fillRef>
+            <a:effectRef idx="0">
+              <a:schemeClr val="accent1"/>
+            </a:effectRef>
+            <a:fontRef idx="minor">
+              <a:schemeClr val="tx1"/>
+            </a:fontRef>
+          </p:style>
+        </p:cxnSp>
+        <p:sp>
+          <p:nvSpPr>
+            <p:cNvPr id="44" name="TextBox 43"/>
+            <p:cNvSpPr txBox="1"/>
+            <p:nvPr/>
+          </p:nvSpPr>
+          <p:spPr>
+            <a:xfrm>
+              <a:off x="3080535" y="3760898"/>
+              <a:ext cx="150615" cy="113165"/>
+            </a:xfrm>
+            <a:prstGeom prst="rect">
+              <a:avLst/>
+            </a:prstGeom>
+            <a:noFill/>
+          </p:spPr>
+          <p:txBody>
+            <a:bodyPr wrap="none" rtlCol="0">
+              <a:spAutoFit/>
+            </a:bodyPr>
+            <a:lstStyle/>
+            <a:p>
+              <a:r>
+                <a:rPr lang="en-US" sz="800" dirty="0" smtClean="0"/>
+                <a:t>…</a:t>
+              </a:r>
+              <a:endParaRPr lang="en-US" sz="800" dirty="0"/>
+            </a:p>
+          </p:txBody>
+        </p:sp>
+        <p:cxnSp>
+          <p:nvCxnSpPr>
+            <p:cNvPr id="52" name="Straight Connector 51"/>
+            <p:cNvCxnSpPr/>
+            <p:nvPr/>
+          </p:nvCxnSpPr>
+          <p:spPr>
+            <a:xfrm>
+              <a:off x="2303848" y="3977392"/>
+              <a:ext cx="1402504" cy="0"/>
+            </a:xfrm>
+            <a:prstGeom prst="line">
+              <a:avLst/>
+            </a:prstGeom>
+            <a:ln w="19050">
+              <a:solidFill>
+                <a:schemeClr val="tx1"/>
+              </a:solidFill>
+            </a:ln>
+          </p:spPr>
+          <p:style>
+            <a:lnRef idx="1">
+              <a:schemeClr val="accent1"/>
+            </a:lnRef>
+            <a:fillRef idx="0">
+              <a:schemeClr val="accent1"/>
+            </a:fillRef>
+            <a:effectRef idx="0">
+              <a:schemeClr val="accent1"/>
+            </a:effectRef>
+            <a:fontRef idx="minor">
+              <a:schemeClr val="tx1"/>
+            </a:fontRef>
+          </p:style>
+        </p:cxnSp>
+        <p:cxnSp>
+          <p:nvCxnSpPr>
+            <p:cNvPr id="63" name="Straight Connector 62"/>
+            <p:cNvCxnSpPr/>
+            <p:nvPr/>
+          </p:nvCxnSpPr>
+          <p:spPr>
+            <a:xfrm>
+              <a:off x="2318924" y="3775916"/>
+              <a:ext cx="1402504" cy="0"/>
+            </a:xfrm>
+            <a:prstGeom prst="line">
+              <a:avLst/>
+            </a:prstGeom>
+            <a:ln w="19050">
+              <a:solidFill>
+                <a:schemeClr val="tx1"/>
+              </a:solidFill>
+            </a:ln>
+          </p:spPr>
+          <p:style>
+            <a:lnRef idx="1">
+              <a:schemeClr val="accent1"/>
+            </a:lnRef>
+            <a:fillRef idx="0">
+              <a:schemeClr val="accent1"/>
+            </a:fillRef>
+            <a:effectRef idx="0">
+              <a:schemeClr val="accent1"/>
+            </a:effectRef>
+            <a:fontRef idx="minor">
+              <a:schemeClr val="tx1"/>
+            </a:fontRef>
+          </p:style>
+        </p:cxnSp>
+      </p:grpSp>
+      <p:sp>
+        <p:nvSpPr>
+          <p:cNvPr id="65" name="Rectangle 64"/>
+          <p:cNvSpPr/>
+          <p:nvPr/>
+        </p:nvSpPr>
+        <p:spPr>
+          <a:xfrm>
+            <a:off x="611560" y="2789474"/>
+            <a:ext cx="2274429" cy="705376"/>
+          </a:xfrm>
+          <a:prstGeom prst="rect">
+            <a:avLst/>
+          </a:prstGeom>
+          <a:noFill/>
+        </p:spPr>
+        <p:style>
+          <a:lnRef idx="2">
+            <a:schemeClr val="accent1">
+              <a:shade val="50000"/>
+            </a:schemeClr>
+          </a:lnRef>
+          <a:fillRef idx="1">
+            <a:schemeClr val="accent1"/>
+          </a:fillRef>
+          <a:effectRef idx="0">
+            <a:schemeClr val="accent1"/>
+          </a:effectRef>
+          <a:fontRef idx="minor">
+            <a:schemeClr val="lt1"/>
+          </a:fontRef>
+        </p:style>
+        <p:txBody>
+          <a:bodyPr rtlCol="0" anchor="ctr"/>
+          <a:lstStyle/>
+          <a:p>
+            <a:pPr algn="ctr"/>
+            <a:endParaRPr lang="en-US"/>
+          </a:p>
+        </p:txBody>
+      </p:sp>
+      <p:sp>
+        <p:nvSpPr>
+          <p:cNvPr id="66" name="TextBox 65"/>
+          <p:cNvSpPr txBox="1"/>
+          <p:nvPr/>
+        </p:nvSpPr>
+        <p:spPr>
+          <a:xfrm>
+            <a:off x="649292" y="2781501"/>
+            <a:ext cx="399468" cy="369332"/>
+          </a:xfrm>
+          <a:prstGeom prst="rect">
+            <a:avLst/>
+          </a:prstGeom>
+          <a:noFill/>
+        </p:spPr>
+        <p:txBody>
+          <a:bodyPr wrap="none" rtlCol="0">
+            <a:spAutoFit/>
+          </a:bodyPr>
+          <a:lstStyle/>
+          <a:p>
+            <a:r>
+              <a:rPr lang="en-US" dirty="0" smtClean="0"/>
+              <a:t>L2</a:t>
+            </a:r>
+            <a:endParaRPr lang="en-US" dirty="0"/>
+          </a:p>
+        </p:txBody>
+      </p:sp>
+      <p:grpSp>
+        <p:nvGrpSpPr>
+          <p:cNvPr id="67" name="Group 66"/>
+          <p:cNvGrpSpPr/>
+          <p:nvPr/>
+        </p:nvGrpSpPr>
+        <p:grpSpPr>
+          <a:xfrm>
+            <a:off x="1218723" y="2924012"/>
+            <a:ext cx="1427971" cy="231438"/>
+            <a:chOff x="2293457" y="3760898"/>
+            <a:chExt cx="1427971" cy="231438"/>
+          </a:xfrm>
+        </p:grpSpPr>
+        <p:sp>
+          <p:nvSpPr>
+            <p:cNvPr id="68" name="Rectangle 67"/>
+            <p:cNvSpPr/>
+            <p:nvPr/>
+          </p:nvSpPr>
+          <p:spPr>
+            <a:xfrm>
+              <a:off x="2293457" y="3782924"/>
+              <a:ext cx="1414712" cy="209412"/>
+            </a:xfrm>
+            <a:prstGeom prst="rect">
+              <a:avLst/>
+            </a:prstGeom>
+            <a:solidFill>
+              <a:schemeClr val="bg1">
+                <a:lumMod val="85000"/>
+              </a:schemeClr>
+            </a:solidFill>
+            <a:ln>
+              <a:noFill/>
+            </a:ln>
+          </p:spPr>
+          <p:style>
+            <a:lnRef idx="2">
+              <a:schemeClr val="accent1">
+                <a:shade val="50000"/>
+              </a:schemeClr>
+            </a:lnRef>
+            <a:fillRef idx="1">
+              <a:schemeClr val="accent1"/>
+            </a:fillRef>
+            <a:effectRef idx="0">
+              <a:schemeClr val="accent1"/>
+            </a:effectRef>
+            <a:fontRef idx="minor">
+              <a:schemeClr val="lt1"/>
+            </a:fontRef>
+          </p:style>
+          <p:txBody>
+            <a:bodyPr rtlCol="0" anchor="ctr"/>
+            <a:lstStyle/>
+            <a:p>
+              <a:pPr algn="ctr"/>
+              <a:endParaRPr lang="en-US"/>
+            </a:p>
+          </p:txBody>
+        </p:sp>
+        <p:sp>
+          <p:nvSpPr>
+            <p:cNvPr id="69" name="TextBox 68"/>
+            <p:cNvSpPr txBox="1"/>
+            <p:nvPr/>
+          </p:nvSpPr>
+          <p:spPr>
+            <a:xfrm>
+              <a:off x="2314469" y="3782924"/>
+              <a:ext cx="190350" cy="113165"/>
+            </a:xfrm>
+            <a:prstGeom prst="rect">
+              <a:avLst/>
+            </a:prstGeom>
+            <a:noFill/>
+          </p:spPr>
+          <p:txBody>
+            <a:bodyPr wrap="none" rtlCol="0">
+              <a:spAutoFit/>
+            </a:bodyPr>
+            <a:lstStyle/>
+            <a:p>
+              <a:r>
+                <a:rPr lang="en-US" sz="800" dirty="0" smtClean="0"/>
+                <a:t>a[</a:t>
+              </a:r>
+              <a:r>
+                <a:rPr lang="en-US" sz="800" dirty="0" err="1" smtClean="0"/>
+                <a:t>i</a:t>
+              </a:r>
+              <a:r>
+                <a:rPr lang="en-US" sz="800" dirty="0" smtClean="0"/>
+                <a:t>]</a:t>
+              </a:r>
+              <a:endParaRPr lang="en-US" sz="800" dirty="0"/>
+            </a:p>
+          </p:txBody>
+        </p:sp>
+        <p:sp>
+          <p:nvSpPr>
+            <p:cNvPr id="70" name="TextBox 69"/>
+            <p:cNvSpPr txBox="1"/>
+            <p:nvPr/>
+          </p:nvSpPr>
+          <p:spPr>
+            <a:xfrm>
+              <a:off x="2603211" y="3782924"/>
+              <a:ext cx="250899" cy="113165"/>
+            </a:xfrm>
+            <a:prstGeom prst="rect">
+              <a:avLst/>
+            </a:prstGeom>
+            <a:noFill/>
+          </p:spPr>
+          <p:txBody>
+            <a:bodyPr wrap="none" rtlCol="0">
+              <a:spAutoFit/>
+            </a:bodyPr>
+            <a:lstStyle/>
+            <a:p>
+              <a:r>
+                <a:rPr lang="en-US" sz="800" dirty="0" smtClean="0"/>
+                <a:t>a[i+1]</a:t>
+              </a:r>
+              <a:endParaRPr lang="en-US" sz="800" dirty="0"/>
+            </a:p>
+          </p:txBody>
+        </p:sp>
+        <p:sp>
+          <p:nvSpPr>
+            <p:cNvPr id="71" name="TextBox 70"/>
+            <p:cNvSpPr txBox="1"/>
+            <p:nvPr/>
+          </p:nvSpPr>
+          <p:spPr>
+            <a:xfrm>
+              <a:off x="3324743" y="3782924"/>
+              <a:ext cx="250899" cy="113165"/>
+            </a:xfrm>
+            <a:prstGeom prst="rect">
+              <a:avLst/>
+            </a:prstGeom>
+            <a:noFill/>
+          </p:spPr>
+          <p:txBody>
+            <a:bodyPr wrap="none" rtlCol="0">
+              <a:spAutoFit/>
+            </a:bodyPr>
+            <a:lstStyle/>
+            <a:p>
+              <a:r>
+                <a:rPr lang="en-US" sz="800" dirty="0" smtClean="0"/>
+                <a:t>a[i+7]</a:t>
+              </a:r>
+              <a:endParaRPr lang="en-US" sz="800" dirty="0"/>
+            </a:p>
+          </p:txBody>
+        </p:sp>
+        <p:cxnSp>
+          <p:nvCxnSpPr>
+            <p:cNvPr id="72" name="Straight Connector 71"/>
+            <p:cNvCxnSpPr/>
+            <p:nvPr/>
+          </p:nvCxnSpPr>
+          <p:spPr>
+            <a:xfrm>
+              <a:off x="2314239" y="3777466"/>
+              <a:ext cx="0" cy="193998"/>
+            </a:xfrm>
+            <a:prstGeom prst="line">
+              <a:avLst/>
+            </a:prstGeom>
+            <a:ln w="19050">
+              <a:solidFill>
+                <a:schemeClr val="tx1"/>
+              </a:solidFill>
+            </a:ln>
+          </p:spPr>
+          <p:style>
+            <a:lnRef idx="1">
+              <a:schemeClr val="accent1"/>
+            </a:lnRef>
+            <a:fillRef idx="0">
+              <a:schemeClr val="accent1"/>
+            </a:fillRef>
+            <a:effectRef idx="0">
+              <a:schemeClr val="accent1"/>
+            </a:effectRef>
+            <a:fontRef idx="minor">
+              <a:schemeClr val="tx1"/>
+            </a:fontRef>
+          </p:style>
+        </p:cxnSp>
+        <p:cxnSp>
+          <p:nvCxnSpPr>
+            <p:cNvPr id="73" name="Straight Connector 72"/>
+            <p:cNvCxnSpPr/>
+            <p:nvPr/>
+          </p:nvCxnSpPr>
+          <p:spPr>
+            <a:xfrm>
+              <a:off x="2645709" y="3776889"/>
+              <a:ext cx="0" cy="193998"/>
+            </a:xfrm>
+            <a:prstGeom prst="line">
+              <a:avLst/>
+            </a:prstGeom>
+            <a:ln w="19050">
+              <a:solidFill>
+                <a:schemeClr val="tx1"/>
+              </a:solidFill>
+            </a:ln>
+          </p:spPr>
+          <p:style>
+            <a:lnRef idx="1">
+              <a:schemeClr val="accent1"/>
+            </a:lnRef>
+            <a:fillRef idx="0">
+              <a:schemeClr val="accent1"/>
+            </a:fillRef>
+            <a:effectRef idx="0">
+              <a:schemeClr val="accent1"/>
+            </a:effectRef>
+            <a:fontRef idx="minor">
+              <a:schemeClr val="tx1"/>
+            </a:fontRef>
+          </p:style>
+        </p:cxnSp>
+        <p:cxnSp>
+          <p:nvCxnSpPr>
+            <p:cNvPr id="74" name="Straight Connector 73"/>
+            <p:cNvCxnSpPr/>
+            <p:nvPr/>
+          </p:nvCxnSpPr>
+          <p:spPr>
+            <a:xfrm>
+              <a:off x="2985696" y="3776889"/>
+              <a:ext cx="0" cy="193998"/>
+            </a:xfrm>
+            <a:prstGeom prst="line">
+              <a:avLst/>
+            </a:prstGeom>
+            <a:ln w="19050">
+              <a:solidFill>
+                <a:schemeClr val="tx1"/>
+              </a:solidFill>
+            </a:ln>
+          </p:spPr>
+          <p:style>
+            <a:lnRef idx="1">
+              <a:schemeClr val="accent1"/>
+            </a:lnRef>
+            <a:fillRef idx="0">
+              <a:schemeClr val="accent1"/>
+            </a:fillRef>
+            <a:effectRef idx="0">
+              <a:schemeClr val="accent1"/>
+            </a:effectRef>
+            <a:fontRef idx="minor">
+              <a:schemeClr val="tx1"/>
+            </a:fontRef>
+          </p:style>
+        </p:cxnSp>
+        <p:cxnSp>
+          <p:nvCxnSpPr>
+            <p:cNvPr id="75" name="Straight Connector 74"/>
+            <p:cNvCxnSpPr/>
+            <p:nvPr/>
+          </p:nvCxnSpPr>
+          <p:spPr>
+            <a:xfrm>
+              <a:off x="3362049" y="3776889"/>
+              <a:ext cx="0" cy="193998"/>
+            </a:xfrm>
+            <a:prstGeom prst="line">
+              <a:avLst/>
+            </a:prstGeom>
+            <a:ln w="19050">
+              <a:solidFill>
+                <a:schemeClr val="tx1"/>
+              </a:solidFill>
+            </a:ln>
+          </p:spPr>
+          <p:style>
+            <a:lnRef idx="1">
+              <a:schemeClr val="accent1"/>
+            </a:lnRef>
+            <a:fillRef idx="0">
+              <a:schemeClr val="accent1"/>
+            </a:fillRef>
+            <a:effectRef idx="0">
+              <a:schemeClr val="accent1"/>
+            </a:effectRef>
+            <a:fontRef idx="minor">
+              <a:schemeClr val="tx1"/>
+            </a:fontRef>
+          </p:style>
+        </p:cxnSp>
+        <p:cxnSp>
+          <p:nvCxnSpPr>
+            <p:cNvPr id="76" name="Straight Connector 75"/>
+            <p:cNvCxnSpPr/>
+            <p:nvPr/>
+          </p:nvCxnSpPr>
+          <p:spPr>
+            <a:xfrm>
+              <a:off x="3708168" y="3776889"/>
+              <a:ext cx="0" cy="193998"/>
+            </a:xfrm>
+            <a:prstGeom prst="line">
+              <a:avLst/>
+            </a:prstGeom>
+            <a:ln w="19050">
+              <a:solidFill>
+                <a:schemeClr val="tx1"/>
+              </a:solidFill>
+            </a:ln>
+          </p:spPr>
+          <p:style>
+            <a:lnRef idx="1">
+              <a:schemeClr val="accent1"/>
+            </a:lnRef>
+            <a:fillRef idx="0">
+              <a:schemeClr val="accent1"/>
+            </a:fillRef>
+            <a:effectRef idx="0">
+              <a:schemeClr val="accent1"/>
+            </a:effectRef>
+            <a:fontRef idx="minor">
+              <a:schemeClr val="tx1"/>
+            </a:fontRef>
+          </p:style>
+        </p:cxnSp>
+        <p:sp>
+          <p:nvSpPr>
+            <p:cNvPr id="77" name="TextBox 76"/>
+            <p:cNvSpPr txBox="1"/>
+            <p:nvPr/>
+          </p:nvSpPr>
+          <p:spPr>
+            <a:xfrm>
+              <a:off x="3080535" y="3760898"/>
+              <a:ext cx="150615" cy="113165"/>
+            </a:xfrm>
+            <a:prstGeom prst="rect">
+              <a:avLst/>
+            </a:prstGeom>
+            <a:noFill/>
+          </p:spPr>
+          <p:txBody>
+            <a:bodyPr wrap="none" rtlCol="0">
+              <a:spAutoFit/>
+            </a:bodyPr>
+            <a:lstStyle/>
+            <a:p>
+              <a:r>
+                <a:rPr lang="en-US" sz="800" dirty="0" smtClean="0"/>
+                <a:t>…</a:t>
+              </a:r>
+              <a:endParaRPr lang="en-US" sz="800" dirty="0"/>
+            </a:p>
+          </p:txBody>
+        </p:sp>
+        <p:cxnSp>
+          <p:nvCxnSpPr>
+            <p:cNvPr id="78" name="Straight Connector 77"/>
+            <p:cNvCxnSpPr/>
+            <p:nvPr/>
+          </p:nvCxnSpPr>
+          <p:spPr>
+            <a:xfrm>
+              <a:off x="2303848" y="3977392"/>
+              <a:ext cx="1402504" cy="0"/>
+            </a:xfrm>
+            <a:prstGeom prst="line">
+              <a:avLst/>
+            </a:prstGeom>
+            <a:ln w="19050">
+              <a:solidFill>
+                <a:schemeClr val="tx1"/>
+              </a:solidFill>
+            </a:ln>
+          </p:spPr>
+          <p:style>
+            <a:lnRef idx="1">
+              <a:schemeClr val="accent1"/>
+            </a:lnRef>
+            <a:fillRef idx="0">
+              <a:schemeClr val="accent1"/>
+            </a:fillRef>
+            <a:effectRef idx="0">
+              <a:schemeClr val="accent1"/>
+            </a:effectRef>
+            <a:fontRef idx="minor">
+              <a:schemeClr val="tx1"/>
+            </a:fontRef>
+          </p:style>
+        </p:cxnSp>
+        <p:cxnSp>
+          <p:nvCxnSpPr>
+            <p:cNvPr id="79" name="Straight Connector 78"/>
+            <p:cNvCxnSpPr/>
+            <p:nvPr/>
+          </p:nvCxnSpPr>
+          <p:spPr>
+            <a:xfrm>
+              <a:off x="2318924" y="3775916"/>
+              <a:ext cx="1402504" cy="0"/>
+            </a:xfrm>
+            <a:prstGeom prst="line">
+              <a:avLst/>
+            </a:prstGeom>
+            <a:ln w="19050">
+              <a:solidFill>
+                <a:schemeClr val="tx1"/>
+              </a:solidFill>
+            </a:ln>
+          </p:spPr>
+          <p:style>
+            <a:lnRef idx="1">
+              <a:schemeClr val="accent1"/>
+            </a:lnRef>
+            <a:fillRef idx="0">
+              <a:schemeClr val="accent1"/>
+            </a:fillRef>
+            <a:effectRef idx="0">
+              <a:schemeClr val="accent1"/>
+            </a:effectRef>
+            <a:fontRef idx="minor">
+              <a:schemeClr val="tx1"/>
+            </a:fontRef>
+          </p:style>
+        </p:cxnSp>
+      </p:grpSp>
+      <p:sp>
+        <p:nvSpPr>
+          <p:cNvPr id="113" name="Rectangle 112"/>
+          <p:cNvSpPr/>
+          <p:nvPr/>
+        </p:nvSpPr>
+        <p:spPr>
+          <a:xfrm>
+            <a:off x="611560" y="3484261"/>
+            <a:ext cx="7344816" cy="1045102"/>
+          </a:xfrm>
+          <a:prstGeom prst="rect">
+            <a:avLst/>
+          </a:prstGeom>
+          <a:noFill/>
+        </p:spPr>
+        <p:style>
+          <a:lnRef idx="2">
+            <a:schemeClr val="accent1">
+              <a:shade val="50000"/>
+            </a:schemeClr>
+          </a:lnRef>
+          <a:fillRef idx="1">
+            <a:schemeClr val="accent1"/>
+          </a:fillRef>
+          <a:effectRef idx="0">
+            <a:schemeClr val="accent1"/>
+          </a:effectRef>
+          <a:fontRef idx="minor">
+            <a:schemeClr val="lt1"/>
+          </a:fontRef>
+        </p:style>
+        <p:txBody>
+          <a:bodyPr rtlCol="0" anchor="ctr"/>
+          <a:lstStyle/>
+          <a:p>
+            <a:pPr algn="ctr"/>
+            <a:endParaRPr lang="en-US"/>
+          </a:p>
+        </p:txBody>
+      </p:sp>
+      <p:sp>
+        <p:nvSpPr>
+          <p:cNvPr id="114" name="TextBox 113"/>
+          <p:cNvSpPr txBox="1"/>
+          <p:nvPr/>
+        </p:nvSpPr>
+        <p:spPr>
+          <a:xfrm>
+            <a:off x="649292" y="3505023"/>
+            <a:ext cx="399468" cy="369332"/>
+          </a:xfrm>
+          <a:prstGeom prst="rect">
+            <a:avLst/>
+          </a:prstGeom>
+          <a:noFill/>
+        </p:spPr>
+        <p:txBody>
+          <a:bodyPr wrap="none" rtlCol="0">
+            <a:spAutoFit/>
+          </a:bodyPr>
+          <a:lstStyle/>
+          <a:p>
+            <a:r>
+              <a:rPr lang="en-US" dirty="0" smtClean="0"/>
+              <a:t>L3</a:t>
+            </a:r>
+            <a:endParaRPr lang="en-US" dirty="0"/>
+          </a:p>
+        </p:txBody>
+      </p:sp>
+      <p:grpSp>
+        <p:nvGrpSpPr>
+          <p:cNvPr id="115" name="Group 114"/>
+          <p:cNvGrpSpPr/>
+          <p:nvPr/>
+        </p:nvGrpSpPr>
+        <p:grpSpPr>
+          <a:xfrm>
+            <a:off x="6084168" y="4077072"/>
+            <a:ext cx="1427971" cy="231438"/>
+            <a:chOff x="2293457" y="3760898"/>
+            <a:chExt cx="1427971" cy="231438"/>
+          </a:xfrm>
+        </p:grpSpPr>
+        <p:sp>
+          <p:nvSpPr>
+            <p:cNvPr id="116" name="Rectangle 115"/>
+            <p:cNvSpPr/>
+            <p:nvPr/>
+          </p:nvSpPr>
+          <p:spPr>
+            <a:xfrm>
+              <a:off x="2293457" y="3782924"/>
+              <a:ext cx="1414712" cy="209412"/>
+            </a:xfrm>
+            <a:prstGeom prst="rect">
+              <a:avLst/>
+            </a:prstGeom>
+            <a:solidFill>
+              <a:schemeClr val="bg1">
+                <a:lumMod val="85000"/>
+              </a:schemeClr>
+            </a:solidFill>
+            <a:ln>
+              <a:noFill/>
+            </a:ln>
+          </p:spPr>
+          <p:style>
+            <a:lnRef idx="2">
+              <a:schemeClr val="accent1">
+                <a:shade val="50000"/>
+              </a:schemeClr>
+            </a:lnRef>
+            <a:fillRef idx="1">
+              <a:schemeClr val="accent1"/>
+            </a:fillRef>
+            <a:effectRef idx="0">
+              <a:schemeClr val="accent1"/>
+            </a:effectRef>
+            <a:fontRef idx="minor">
+              <a:schemeClr val="lt1"/>
+            </a:fontRef>
+          </p:style>
+          <p:txBody>
+            <a:bodyPr rtlCol="0" anchor="ctr"/>
+            <a:lstStyle/>
+            <a:p>
+              <a:pPr algn="ctr"/>
+              <a:endParaRPr lang="en-US"/>
+            </a:p>
+          </p:txBody>
+        </p:sp>
+        <p:sp>
+          <p:nvSpPr>
+            <p:cNvPr id="117" name="TextBox 116"/>
+            <p:cNvSpPr txBox="1"/>
+            <p:nvPr/>
+          </p:nvSpPr>
+          <p:spPr>
+            <a:xfrm>
+              <a:off x="2314469" y="3782924"/>
+              <a:ext cx="190350" cy="113165"/>
+            </a:xfrm>
+            <a:prstGeom prst="rect">
+              <a:avLst/>
+            </a:prstGeom>
+            <a:noFill/>
+          </p:spPr>
+          <p:txBody>
+            <a:bodyPr wrap="none" rtlCol="0">
+              <a:spAutoFit/>
+            </a:bodyPr>
+            <a:lstStyle/>
+            <a:p>
+              <a:r>
+                <a:rPr lang="en-US" sz="800" dirty="0" smtClean="0"/>
+                <a:t>a[</a:t>
+              </a:r>
+              <a:r>
+                <a:rPr lang="en-US" sz="800" dirty="0" err="1" smtClean="0"/>
+                <a:t>i</a:t>
+              </a:r>
+              <a:r>
+                <a:rPr lang="en-US" sz="800" dirty="0" smtClean="0"/>
+                <a:t>]</a:t>
+              </a:r>
+              <a:endParaRPr lang="en-US" sz="800" dirty="0"/>
+            </a:p>
+          </p:txBody>
+        </p:sp>
+        <p:sp>
+          <p:nvSpPr>
+            <p:cNvPr id="118" name="TextBox 117"/>
+            <p:cNvSpPr txBox="1"/>
+            <p:nvPr/>
+          </p:nvSpPr>
+          <p:spPr>
+            <a:xfrm>
+              <a:off x="2603211" y="3782924"/>
+              <a:ext cx="250899" cy="113165"/>
+            </a:xfrm>
+            <a:prstGeom prst="rect">
+              <a:avLst/>
+            </a:prstGeom>
+            <a:noFill/>
+          </p:spPr>
+          <p:txBody>
+            <a:bodyPr wrap="none" rtlCol="0">
+              <a:spAutoFit/>
+            </a:bodyPr>
+            <a:lstStyle/>
+            <a:p>
+              <a:r>
+                <a:rPr lang="en-US" sz="800" dirty="0" smtClean="0"/>
+                <a:t>a[i+1]</a:t>
+              </a:r>
+              <a:endParaRPr lang="en-US" sz="800" dirty="0"/>
+            </a:p>
+          </p:txBody>
+        </p:sp>
+        <p:sp>
+          <p:nvSpPr>
+            <p:cNvPr id="119" name="TextBox 118"/>
+            <p:cNvSpPr txBox="1"/>
+            <p:nvPr/>
+          </p:nvSpPr>
+          <p:spPr>
+            <a:xfrm>
+              <a:off x="3324743" y="3782924"/>
+              <a:ext cx="250899" cy="113165"/>
+            </a:xfrm>
+            <a:prstGeom prst="rect">
+              <a:avLst/>
+            </a:prstGeom>
+            <a:noFill/>
+          </p:spPr>
+          <p:txBody>
+            <a:bodyPr wrap="none" rtlCol="0">
+              <a:spAutoFit/>
+            </a:bodyPr>
+            <a:lstStyle/>
+            <a:p>
+              <a:r>
+                <a:rPr lang="en-US" sz="800" dirty="0" smtClean="0"/>
+                <a:t>a[i+7]</a:t>
+              </a:r>
+              <a:endParaRPr lang="en-US" sz="800" dirty="0"/>
+            </a:p>
+          </p:txBody>
+        </p:sp>
+        <p:cxnSp>
+          <p:nvCxnSpPr>
+            <p:cNvPr id="120" name="Straight Connector 119"/>
+            <p:cNvCxnSpPr/>
+            <p:nvPr/>
+          </p:nvCxnSpPr>
+          <p:spPr>
+            <a:xfrm>
+              <a:off x="2314239" y="3777466"/>
+              <a:ext cx="0" cy="193998"/>
+            </a:xfrm>
+            <a:prstGeom prst="line">
+              <a:avLst/>
+            </a:prstGeom>
+            <a:ln w="19050">
+              <a:solidFill>
+                <a:schemeClr val="tx1"/>
+              </a:solidFill>
+            </a:ln>
+          </p:spPr>
+          <p:style>
+            <a:lnRef idx="1">
+              <a:schemeClr val="accent1"/>
+            </a:lnRef>
+            <a:fillRef idx="0">
+              <a:schemeClr val="accent1"/>
+            </a:fillRef>
+            <a:effectRef idx="0">
+              <a:schemeClr val="accent1"/>
+            </a:effectRef>
+            <a:fontRef idx="minor">
+              <a:schemeClr val="tx1"/>
+            </a:fontRef>
+          </p:style>
+        </p:cxnSp>
+        <p:cxnSp>
+          <p:nvCxnSpPr>
+            <p:cNvPr id="121" name="Straight Connector 120"/>
+            <p:cNvCxnSpPr/>
+            <p:nvPr/>
+          </p:nvCxnSpPr>
+          <p:spPr>
+            <a:xfrm>
+              <a:off x="2645709" y="3776889"/>
+              <a:ext cx="0" cy="193998"/>
+            </a:xfrm>
+            <a:prstGeom prst="line">
+              <a:avLst/>
+            </a:prstGeom>
+            <a:ln w="19050">
+              <a:solidFill>
+                <a:schemeClr val="tx1"/>
+              </a:solidFill>
+            </a:ln>
+          </p:spPr>
+          <p:style>
+            <a:lnRef idx="1">
+              <a:schemeClr val="accent1"/>
+            </a:lnRef>
+            <a:fillRef idx="0">
+              <a:schemeClr val="accent1"/>
+            </a:fillRef>
+            <a:effectRef idx="0">
+              <a:schemeClr val="accent1"/>
+            </a:effectRef>
+            <a:fontRef idx="minor">
+              <a:schemeClr val="tx1"/>
+            </a:fontRef>
+          </p:style>
+        </p:cxnSp>
+        <p:cxnSp>
+          <p:nvCxnSpPr>
+            <p:cNvPr id="122" name="Straight Connector 121"/>
+            <p:cNvCxnSpPr/>
+            <p:nvPr/>
+          </p:nvCxnSpPr>
+          <p:spPr>
+            <a:xfrm>
+              <a:off x="2985696" y="3776889"/>
+              <a:ext cx="0" cy="193998"/>
+            </a:xfrm>
+            <a:prstGeom prst="line">
+              <a:avLst/>
+            </a:prstGeom>
+            <a:ln w="19050">
+              <a:solidFill>
+                <a:schemeClr val="tx1"/>
+              </a:solidFill>
+            </a:ln>
+          </p:spPr>
+          <p:style>
+            <a:lnRef idx="1">
+              <a:schemeClr val="accent1"/>
+            </a:lnRef>
+            <a:fillRef idx="0">
+              <a:schemeClr val="accent1"/>
+            </a:fillRef>
+            <a:effectRef idx="0">
+              <a:schemeClr val="accent1"/>
+            </a:effectRef>
+            <a:fontRef idx="minor">
+              <a:schemeClr val="tx1"/>
+            </a:fontRef>
+          </p:style>
+        </p:cxnSp>
+        <p:cxnSp>
+          <p:nvCxnSpPr>
+            <p:cNvPr id="123" name="Straight Connector 122"/>
+            <p:cNvCxnSpPr/>
+            <p:nvPr/>
+          </p:nvCxnSpPr>
+          <p:spPr>
+            <a:xfrm>
+              <a:off x="3362049" y="3776889"/>
+              <a:ext cx="0" cy="193998"/>
+            </a:xfrm>
+            <a:prstGeom prst="line">
+              <a:avLst/>
+            </a:prstGeom>
+            <a:ln w="19050">
+              <a:solidFill>
+                <a:schemeClr val="tx1"/>
+              </a:solidFill>
+            </a:ln>
+          </p:spPr>
+          <p:style>
+            <a:lnRef idx="1">
+              <a:schemeClr val="accent1"/>
+            </a:lnRef>
+            <a:fillRef idx="0">
+              <a:schemeClr val="accent1"/>
+            </a:fillRef>
+            <a:effectRef idx="0">
+              <a:schemeClr val="accent1"/>
+            </a:effectRef>
+            <a:fontRef idx="minor">
+              <a:schemeClr val="tx1"/>
+            </a:fontRef>
+          </p:style>
+        </p:cxnSp>
+        <p:cxnSp>
+          <p:nvCxnSpPr>
+            <p:cNvPr id="124" name="Straight Connector 123"/>
+            <p:cNvCxnSpPr/>
+            <p:nvPr/>
+          </p:nvCxnSpPr>
+          <p:spPr>
+            <a:xfrm>
+              <a:off x="3708168" y="3776889"/>
+              <a:ext cx="0" cy="193998"/>
+            </a:xfrm>
+            <a:prstGeom prst="line">
+              <a:avLst/>
+            </a:prstGeom>
+            <a:ln w="19050">
+              <a:solidFill>
+                <a:schemeClr val="tx1"/>
+              </a:solidFill>
+            </a:ln>
+          </p:spPr>
+          <p:style>
+            <a:lnRef idx="1">
+              <a:schemeClr val="accent1"/>
+            </a:lnRef>
+            <a:fillRef idx="0">
+              <a:schemeClr val="accent1"/>
+            </a:fillRef>
+            <a:effectRef idx="0">
+              <a:schemeClr val="accent1"/>
+            </a:effectRef>
+            <a:fontRef idx="minor">
+              <a:schemeClr val="tx1"/>
+            </a:fontRef>
+          </p:style>
+        </p:cxnSp>
+        <p:sp>
+          <p:nvSpPr>
+            <p:cNvPr id="125" name="TextBox 124"/>
+            <p:cNvSpPr txBox="1"/>
+            <p:nvPr/>
+          </p:nvSpPr>
+          <p:spPr>
+            <a:xfrm>
+              <a:off x="3080535" y="3760898"/>
+              <a:ext cx="150615" cy="113165"/>
+            </a:xfrm>
+            <a:prstGeom prst="rect">
+              <a:avLst/>
+            </a:prstGeom>
+            <a:noFill/>
+          </p:spPr>
+          <p:txBody>
+            <a:bodyPr wrap="none" rtlCol="0">
+              <a:spAutoFit/>
+            </a:bodyPr>
+            <a:lstStyle/>
+            <a:p>
+              <a:r>
+                <a:rPr lang="en-US" sz="800" dirty="0" smtClean="0"/>
+                <a:t>…</a:t>
+              </a:r>
+              <a:endParaRPr lang="en-US" sz="800" dirty="0"/>
+            </a:p>
+          </p:txBody>
+        </p:sp>
+        <p:cxnSp>
+          <p:nvCxnSpPr>
+            <p:cNvPr id="126" name="Straight Connector 125"/>
+            <p:cNvCxnSpPr/>
+            <p:nvPr/>
+          </p:nvCxnSpPr>
+          <p:spPr>
+            <a:xfrm>
+              <a:off x="2303848" y="3977392"/>
+              <a:ext cx="1402504" cy="0"/>
+            </a:xfrm>
+            <a:prstGeom prst="line">
+              <a:avLst/>
+            </a:prstGeom>
+            <a:ln w="19050">
+              <a:solidFill>
+                <a:schemeClr val="tx1"/>
+              </a:solidFill>
+            </a:ln>
+          </p:spPr>
+          <p:style>
+            <a:lnRef idx="1">
+              <a:schemeClr val="accent1"/>
+            </a:lnRef>
+            <a:fillRef idx="0">
+              <a:schemeClr val="accent1"/>
+            </a:fillRef>
+            <a:effectRef idx="0">
+              <a:schemeClr val="accent1"/>
+            </a:effectRef>
+            <a:fontRef idx="minor">
+              <a:schemeClr val="tx1"/>
+            </a:fontRef>
+          </p:style>
+        </p:cxnSp>
+        <p:cxnSp>
+          <p:nvCxnSpPr>
+            <p:cNvPr id="127" name="Straight Connector 126"/>
+            <p:cNvCxnSpPr/>
+            <p:nvPr/>
+          </p:nvCxnSpPr>
+          <p:spPr>
+            <a:xfrm>
+              <a:off x="2318924" y="3775916"/>
+              <a:ext cx="1402504" cy="0"/>
+            </a:xfrm>
+            <a:prstGeom prst="line">
+              <a:avLst/>
+            </a:prstGeom>
+            <a:ln w="19050">
+              <a:solidFill>
+                <a:schemeClr val="tx1"/>
+              </a:solidFill>
+            </a:ln>
+          </p:spPr>
+          <p:style>
+            <a:lnRef idx="1">
+              <a:schemeClr val="accent1"/>
+            </a:lnRef>
+            <a:fillRef idx="0">
+              <a:schemeClr val="accent1"/>
+            </a:fillRef>
+            <a:effectRef idx="0">
+              <a:schemeClr val="accent1"/>
+            </a:effectRef>
+            <a:fontRef idx="minor">
+              <a:schemeClr val="tx1"/>
+            </a:fontRef>
+          </p:style>
+        </p:cxnSp>
+      </p:grpSp>
+      <p:sp>
+        <p:nvSpPr>
+          <p:cNvPr id="130" name="Rectangle 129"/>
+          <p:cNvSpPr/>
+          <p:nvPr/>
+        </p:nvSpPr>
+        <p:spPr>
+          <a:xfrm>
+            <a:off x="3433773" y="1696589"/>
+            <a:ext cx="2279118" cy="576064"/>
+          </a:xfrm>
+          <a:prstGeom prst="rect">
+            <a:avLst/>
+          </a:prstGeom>
+        </p:spPr>
+        <p:style>
+          <a:lnRef idx="2">
+            <a:schemeClr val="accent1">
+              <a:shade val="50000"/>
+            </a:schemeClr>
+          </a:lnRef>
+          <a:fillRef idx="1">
+            <a:schemeClr val="accent1"/>
+          </a:fillRef>
+          <a:effectRef idx="0">
+            <a:schemeClr val="accent1"/>
+          </a:effectRef>
+          <a:fontRef idx="minor">
+            <a:schemeClr val="lt1"/>
+          </a:fontRef>
+        </p:style>
+        <p:txBody>
+          <a:bodyPr rtlCol="0" anchor="ctr"/>
+          <a:lstStyle/>
+          <a:p>
+            <a:pPr algn="ctr"/>
+            <a:r>
+              <a:rPr lang="en-US" dirty="0" smtClean="0"/>
+              <a:t>core 1</a:t>
+            </a:r>
+            <a:endParaRPr lang="en-US" dirty="0"/>
+          </a:p>
+        </p:txBody>
+      </p:sp>
+      <p:sp>
+        <p:nvSpPr>
+          <p:cNvPr id="131" name="Rectangle 130"/>
+          <p:cNvSpPr/>
+          <p:nvPr/>
+        </p:nvSpPr>
+        <p:spPr>
+          <a:xfrm>
+            <a:off x="3433773" y="2272653"/>
+            <a:ext cx="2279117" cy="510236"/>
+          </a:xfrm>
+          <a:prstGeom prst="rect">
+            <a:avLst/>
+          </a:prstGeom>
+          <a:noFill/>
+        </p:spPr>
+        <p:style>
+          <a:lnRef idx="2">
+            <a:schemeClr val="accent1">
+              <a:shade val="50000"/>
+            </a:schemeClr>
+          </a:lnRef>
+          <a:fillRef idx="1">
+            <a:schemeClr val="accent1"/>
+          </a:fillRef>
+          <a:effectRef idx="0">
+            <a:schemeClr val="accent1"/>
+          </a:effectRef>
+          <a:fontRef idx="minor">
+            <a:schemeClr val="lt1"/>
+          </a:fontRef>
+        </p:style>
+        <p:txBody>
+          <a:bodyPr rtlCol="0" anchor="ctr"/>
+          <a:lstStyle/>
+          <a:p>
+            <a:pPr algn="ctr"/>
+            <a:endParaRPr lang="en-US"/>
+          </a:p>
+        </p:txBody>
+      </p:sp>
+      <p:sp>
+        <p:nvSpPr>
+          <p:cNvPr id="132" name="TextBox 131"/>
+          <p:cNvSpPr txBox="1"/>
+          <p:nvPr/>
+        </p:nvSpPr>
+        <p:spPr>
+          <a:xfrm>
+            <a:off x="3476193" y="2272653"/>
+            <a:ext cx="399468" cy="369332"/>
+          </a:xfrm>
+          <a:prstGeom prst="rect">
+            <a:avLst/>
+          </a:prstGeom>
+          <a:noFill/>
+        </p:spPr>
+        <p:txBody>
+          <a:bodyPr wrap="none" rtlCol="0">
+            <a:spAutoFit/>
+          </a:bodyPr>
+          <a:lstStyle/>
+          <a:p>
+            <a:r>
+              <a:rPr lang="en-US" dirty="0" smtClean="0"/>
+              <a:t>L1</a:t>
+            </a:r>
+            <a:endParaRPr lang="en-US" dirty="0"/>
+          </a:p>
+        </p:txBody>
+      </p:sp>
+      <p:grpSp>
+        <p:nvGrpSpPr>
+          <p:cNvPr id="133" name="Group 132"/>
+          <p:cNvGrpSpPr/>
+          <p:nvPr/>
+        </p:nvGrpSpPr>
+        <p:grpSpPr>
+          <a:xfrm>
+            <a:off x="4045624" y="2413608"/>
+            <a:ext cx="1427971" cy="231438"/>
+            <a:chOff x="2293457" y="3760898"/>
+            <a:chExt cx="1427971" cy="231438"/>
+          </a:xfrm>
+        </p:grpSpPr>
+        <p:sp>
+          <p:nvSpPr>
+            <p:cNvPr id="149" name="Rectangle 148"/>
+            <p:cNvSpPr/>
+            <p:nvPr/>
+          </p:nvSpPr>
+          <p:spPr>
+            <a:xfrm>
+              <a:off x="2293457" y="3782924"/>
+              <a:ext cx="1414712" cy="209412"/>
+            </a:xfrm>
+            <a:prstGeom prst="rect">
+              <a:avLst/>
+            </a:prstGeom>
+            <a:solidFill>
+              <a:schemeClr val="bg1">
+                <a:lumMod val="85000"/>
+              </a:schemeClr>
+            </a:solidFill>
+            <a:ln>
+              <a:noFill/>
+            </a:ln>
+          </p:spPr>
+          <p:style>
+            <a:lnRef idx="2">
+              <a:schemeClr val="accent1">
+                <a:shade val="50000"/>
+              </a:schemeClr>
+            </a:lnRef>
+            <a:fillRef idx="1">
+              <a:schemeClr val="accent1"/>
+            </a:fillRef>
+            <a:effectRef idx="0">
+              <a:schemeClr val="accent1"/>
+            </a:effectRef>
+            <a:fontRef idx="minor">
+              <a:schemeClr val="lt1"/>
+            </a:fontRef>
+          </p:style>
+          <p:txBody>
+            <a:bodyPr rtlCol="0" anchor="ctr"/>
+            <a:lstStyle/>
+            <a:p>
+              <a:pPr algn="ctr"/>
+              <a:endParaRPr lang="en-US"/>
+            </a:p>
+          </p:txBody>
+        </p:sp>
+        <p:sp>
+          <p:nvSpPr>
+            <p:cNvPr id="150" name="TextBox 149"/>
+            <p:cNvSpPr txBox="1"/>
+            <p:nvPr/>
+          </p:nvSpPr>
+          <p:spPr>
+            <a:xfrm>
+              <a:off x="2314469" y="3782924"/>
+              <a:ext cx="190350" cy="113165"/>
+            </a:xfrm>
+            <a:prstGeom prst="rect">
+              <a:avLst/>
+            </a:prstGeom>
+            <a:noFill/>
+          </p:spPr>
+          <p:txBody>
+            <a:bodyPr wrap="none" rtlCol="0">
+              <a:spAutoFit/>
+            </a:bodyPr>
+            <a:lstStyle/>
+            <a:p>
+              <a:r>
+                <a:rPr lang="en-US" sz="800" dirty="0" smtClean="0"/>
+                <a:t>a[</a:t>
+              </a:r>
+              <a:r>
+                <a:rPr lang="en-US" sz="800" dirty="0" err="1" smtClean="0"/>
+                <a:t>i</a:t>
+              </a:r>
+              <a:r>
+                <a:rPr lang="en-US" sz="800" dirty="0" smtClean="0"/>
+                <a:t>]</a:t>
+              </a:r>
+              <a:endParaRPr lang="en-US" sz="800" dirty="0"/>
+            </a:p>
+          </p:txBody>
+        </p:sp>
+        <p:sp>
+          <p:nvSpPr>
+            <p:cNvPr id="151" name="TextBox 150"/>
+            <p:cNvSpPr txBox="1"/>
+            <p:nvPr/>
+          </p:nvSpPr>
+          <p:spPr>
+            <a:xfrm>
+              <a:off x="2603211" y="3782924"/>
+              <a:ext cx="250899" cy="113165"/>
+            </a:xfrm>
+            <a:prstGeom prst="rect">
+              <a:avLst/>
+            </a:prstGeom>
+            <a:noFill/>
+          </p:spPr>
+          <p:txBody>
+            <a:bodyPr wrap="none" rtlCol="0">
+              <a:spAutoFit/>
+            </a:bodyPr>
+            <a:lstStyle/>
+            <a:p>
+              <a:r>
+                <a:rPr lang="en-US" sz="800" dirty="0" smtClean="0"/>
+                <a:t>a[i+1]</a:t>
+              </a:r>
+              <a:endParaRPr lang="en-US" sz="800" dirty="0"/>
+            </a:p>
+          </p:txBody>
+        </p:sp>
+        <p:sp>
+          <p:nvSpPr>
+            <p:cNvPr id="152" name="TextBox 151"/>
+            <p:cNvSpPr txBox="1"/>
+            <p:nvPr/>
+          </p:nvSpPr>
+          <p:spPr>
+            <a:xfrm>
+              <a:off x="3324743" y="3782924"/>
+              <a:ext cx="250899" cy="113165"/>
+            </a:xfrm>
+            <a:prstGeom prst="rect">
+              <a:avLst/>
+            </a:prstGeom>
+            <a:noFill/>
+          </p:spPr>
+          <p:txBody>
+            <a:bodyPr wrap="none" rtlCol="0">
+              <a:spAutoFit/>
+            </a:bodyPr>
+            <a:lstStyle/>
+            <a:p>
+              <a:r>
+                <a:rPr lang="en-US" sz="800" dirty="0" smtClean="0"/>
+                <a:t>a[i+7]</a:t>
+              </a:r>
+              <a:endParaRPr lang="en-US" sz="800" dirty="0"/>
+            </a:p>
+          </p:txBody>
+        </p:sp>
+        <p:cxnSp>
+          <p:nvCxnSpPr>
+            <p:cNvPr id="153" name="Straight Connector 152"/>
+            <p:cNvCxnSpPr/>
+            <p:nvPr/>
+          </p:nvCxnSpPr>
+          <p:spPr>
+            <a:xfrm>
+              <a:off x="2314239" y="3777466"/>
+              <a:ext cx="0" cy="193998"/>
+            </a:xfrm>
+            <a:prstGeom prst="line">
+              <a:avLst/>
+            </a:prstGeom>
+            <a:ln w="19050">
+              <a:solidFill>
+                <a:schemeClr val="tx1"/>
+              </a:solidFill>
+            </a:ln>
+          </p:spPr>
+          <p:style>
+            <a:lnRef idx="1">
+              <a:schemeClr val="accent1"/>
+            </a:lnRef>
+            <a:fillRef idx="0">
+              <a:schemeClr val="accent1"/>
+            </a:fillRef>
+            <a:effectRef idx="0">
+              <a:schemeClr val="accent1"/>
+            </a:effectRef>
+            <a:fontRef idx="minor">
+              <a:schemeClr val="tx1"/>
+            </a:fontRef>
+          </p:style>
+        </p:cxnSp>
+        <p:cxnSp>
+          <p:nvCxnSpPr>
+            <p:cNvPr id="154" name="Straight Connector 153"/>
+            <p:cNvCxnSpPr/>
+            <p:nvPr/>
+          </p:nvCxnSpPr>
+          <p:spPr>
+            <a:xfrm>
+              <a:off x="2645709" y="3776889"/>
+              <a:ext cx="0" cy="193998"/>
+            </a:xfrm>
+            <a:prstGeom prst="line">
+              <a:avLst/>
+            </a:prstGeom>
+            <a:ln w="19050">
+              <a:solidFill>
+                <a:schemeClr val="tx1"/>
+              </a:solidFill>
+            </a:ln>
+          </p:spPr>
+          <p:style>
+            <a:lnRef idx="1">
+              <a:schemeClr val="accent1"/>
+            </a:lnRef>
+            <a:fillRef idx="0">
+              <a:schemeClr val="accent1"/>
+            </a:fillRef>
+            <a:effectRef idx="0">
+              <a:schemeClr val="accent1"/>
+            </a:effectRef>
+            <a:fontRef idx="minor">
+              <a:schemeClr val="tx1"/>
+            </a:fontRef>
+          </p:style>
+        </p:cxnSp>
+        <p:cxnSp>
+          <p:nvCxnSpPr>
+            <p:cNvPr id="155" name="Straight Connector 154"/>
+            <p:cNvCxnSpPr/>
+            <p:nvPr/>
+          </p:nvCxnSpPr>
+          <p:spPr>
+            <a:xfrm>
+              <a:off x="2985696" y="3776889"/>
+              <a:ext cx="0" cy="193998"/>
+            </a:xfrm>
+            <a:prstGeom prst="line">
+              <a:avLst/>
+            </a:prstGeom>
+            <a:ln w="19050">
+              <a:solidFill>
+                <a:schemeClr val="tx1"/>
+              </a:solidFill>
+            </a:ln>
+          </p:spPr>
+          <p:style>
+            <a:lnRef idx="1">
+              <a:schemeClr val="accent1"/>
+            </a:lnRef>
+            <a:fillRef idx="0">
+              <a:schemeClr val="accent1"/>
+            </a:fillRef>
+            <a:effectRef idx="0">
+              <a:schemeClr val="accent1"/>
+            </a:effectRef>
+            <a:fontRef idx="minor">
+              <a:schemeClr val="tx1"/>
+            </a:fontRef>
+          </p:style>
+        </p:cxnSp>
+        <p:cxnSp>
+          <p:nvCxnSpPr>
+            <p:cNvPr id="156" name="Straight Connector 155"/>
+            <p:cNvCxnSpPr/>
+            <p:nvPr/>
+          </p:nvCxnSpPr>
+          <p:spPr>
+            <a:xfrm>
+              <a:off x="3362049" y="3776889"/>
+              <a:ext cx="0" cy="193998"/>
+            </a:xfrm>
+            <a:prstGeom prst="line">
+              <a:avLst/>
+            </a:prstGeom>
+            <a:ln w="19050">
+              <a:solidFill>
+                <a:schemeClr val="tx1"/>
+              </a:solidFill>
+            </a:ln>
+          </p:spPr>
+          <p:style>
+            <a:lnRef idx="1">
+              <a:schemeClr val="accent1"/>
+            </a:lnRef>
+            <a:fillRef idx="0">
+              <a:schemeClr val="accent1"/>
+            </a:fillRef>
+            <a:effectRef idx="0">
+              <a:schemeClr val="accent1"/>
+            </a:effectRef>
+            <a:fontRef idx="minor">
+              <a:schemeClr val="tx1"/>
+            </a:fontRef>
+          </p:style>
+        </p:cxnSp>
+        <p:cxnSp>
+          <p:nvCxnSpPr>
+            <p:cNvPr id="157" name="Straight Connector 156"/>
+            <p:cNvCxnSpPr/>
+            <p:nvPr/>
+          </p:nvCxnSpPr>
+          <p:spPr>
+            <a:xfrm>
+              <a:off x="3708168" y="3776889"/>
+              <a:ext cx="0" cy="193998"/>
+            </a:xfrm>
+            <a:prstGeom prst="line">
+              <a:avLst/>
+            </a:prstGeom>
+            <a:ln w="19050">
+              <a:solidFill>
+                <a:schemeClr val="tx1"/>
+              </a:solidFill>
+            </a:ln>
+          </p:spPr>
+          <p:style>
+            <a:lnRef idx="1">
+              <a:schemeClr val="accent1"/>
+            </a:lnRef>
+            <a:fillRef idx="0">
+              <a:schemeClr val="accent1"/>
+            </a:fillRef>
+            <a:effectRef idx="0">
+              <a:schemeClr val="accent1"/>
+            </a:effectRef>
+            <a:fontRef idx="minor">
+              <a:schemeClr val="tx1"/>
+            </a:fontRef>
+          </p:style>
+        </p:cxnSp>
+        <p:sp>
+          <p:nvSpPr>
+            <p:cNvPr id="158" name="TextBox 157"/>
+            <p:cNvSpPr txBox="1"/>
+            <p:nvPr/>
+          </p:nvSpPr>
+          <p:spPr>
+            <a:xfrm>
+              <a:off x="3080535" y="3760898"/>
+              <a:ext cx="150615" cy="113165"/>
+            </a:xfrm>
+            <a:prstGeom prst="rect">
+              <a:avLst/>
+            </a:prstGeom>
+            <a:noFill/>
+          </p:spPr>
+          <p:txBody>
+            <a:bodyPr wrap="none" rtlCol="0">
+              <a:spAutoFit/>
+            </a:bodyPr>
+            <a:lstStyle/>
+            <a:p>
+              <a:r>
+                <a:rPr lang="en-US" sz="800" dirty="0" smtClean="0"/>
+                <a:t>…</a:t>
+              </a:r>
+              <a:endParaRPr lang="en-US" sz="800" dirty="0"/>
+            </a:p>
+          </p:txBody>
+        </p:sp>
+        <p:cxnSp>
+          <p:nvCxnSpPr>
+            <p:cNvPr id="159" name="Straight Connector 158"/>
+            <p:cNvCxnSpPr/>
+            <p:nvPr/>
+          </p:nvCxnSpPr>
+          <p:spPr>
+            <a:xfrm>
+              <a:off x="2303848" y="3977392"/>
+              <a:ext cx="1402504" cy="0"/>
+            </a:xfrm>
+            <a:prstGeom prst="line">
+              <a:avLst/>
+            </a:prstGeom>
+            <a:ln w="19050">
+              <a:solidFill>
+                <a:schemeClr val="tx1"/>
+              </a:solidFill>
+            </a:ln>
+          </p:spPr>
+          <p:style>
+            <a:lnRef idx="1">
+              <a:schemeClr val="accent1"/>
+            </a:lnRef>
+            <a:fillRef idx="0">
+              <a:schemeClr val="accent1"/>
+            </a:fillRef>
+            <a:effectRef idx="0">
+              <a:schemeClr val="accent1"/>
+            </a:effectRef>
+            <a:fontRef idx="minor">
+              <a:schemeClr val="tx1"/>
+            </a:fontRef>
+          </p:style>
+        </p:cxnSp>
+        <p:cxnSp>
+          <p:nvCxnSpPr>
+            <p:cNvPr id="160" name="Straight Connector 159"/>
+            <p:cNvCxnSpPr/>
+            <p:nvPr/>
+          </p:nvCxnSpPr>
+          <p:spPr>
+            <a:xfrm>
+              <a:off x="2318924" y="3775916"/>
+              <a:ext cx="1402504" cy="0"/>
+            </a:xfrm>
+            <a:prstGeom prst="line">
+              <a:avLst/>
+            </a:prstGeom>
+            <a:ln w="19050">
+              <a:solidFill>
+                <a:schemeClr val="tx1"/>
+              </a:solidFill>
+            </a:ln>
+          </p:spPr>
+          <p:style>
+            <a:lnRef idx="1">
+              <a:schemeClr val="accent1"/>
+            </a:lnRef>
+            <a:fillRef idx="0">
+              <a:schemeClr val="accent1"/>
+            </a:fillRef>
+            <a:effectRef idx="0">
+              <a:schemeClr val="accent1"/>
+            </a:effectRef>
+            <a:fontRef idx="minor">
+              <a:schemeClr val="tx1"/>
+            </a:fontRef>
+          </p:style>
+        </p:cxnSp>
+      </p:grpSp>
+      <p:sp>
+        <p:nvSpPr>
+          <p:cNvPr id="134" name="Rectangle 133"/>
+          <p:cNvSpPr/>
+          <p:nvPr/>
+        </p:nvSpPr>
+        <p:spPr>
+          <a:xfrm>
+            <a:off x="3433772" y="2785255"/>
+            <a:ext cx="2274429" cy="705376"/>
+          </a:xfrm>
+          <a:prstGeom prst="rect">
+            <a:avLst/>
+          </a:prstGeom>
+          <a:noFill/>
+        </p:spPr>
+        <p:style>
+          <a:lnRef idx="2">
+            <a:schemeClr val="accent1">
+              <a:shade val="50000"/>
+            </a:schemeClr>
+          </a:lnRef>
+          <a:fillRef idx="1">
+            <a:schemeClr val="accent1"/>
+          </a:fillRef>
+          <a:effectRef idx="0">
+            <a:schemeClr val="accent1"/>
+          </a:effectRef>
+          <a:fontRef idx="minor">
+            <a:schemeClr val="lt1"/>
+          </a:fontRef>
+        </p:style>
+        <p:txBody>
+          <a:bodyPr rtlCol="0" anchor="ctr"/>
+          <a:lstStyle/>
+          <a:p>
+            <a:pPr algn="ctr"/>
+            <a:endParaRPr lang="en-US"/>
+          </a:p>
+        </p:txBody>
+      </p:sp>
+      <p:sp>
+        <p:nvSpPr>
+          <p:cNvPr id="135" name="TextBox 134"/>
+          <p:cNvSpPr txBox="1"/>
+          <p:nvPr/>
+        </p:nvSpPr>
+        <p:spPr>
+          <a:xfrm>
+            <a:off x="3471504" y="2777282"/>
+            <a:ext cx="399468" cy="369332"/>
+          </a:xfrm>
+          <a:prstGeom prst="rect">
+            <a:avLst/>
+          </a:prstGeom>
+          <a:noFill/>
+        </p:spPr>
+        <p:txBody>
+          <a:bodyPr wrap="none" rtlCol="0">
+            <a:spAutoFit/>
+          </a:bodyPr>
+          <a:lstStyle/>
+          <a:p>
+            <a:r>
+              <a:rPr lang="en-US" dirty="0" smtClean="0"/>
+              <a:t>L2</a:t>
+            </a:r>
+            <a:endParaRPr lang="en-US" dirty="0"/>
+          </a:p>
+        </p:txBody>
+      </p:sp>
+      <p:grpSp>
+        <p:nvGrpSpPr>
+          <p:cNvPr id="136" name="Group 135"/>
+          <p:cNvGrpSpPr/>
+          <p:nvPr/>
+        </p:nvGrpSpPr>
+        <p:grpSpPr>
+          <a:xfrm>
+            <a:off x="4040935" y="2919793"/>
+            <a:ext cx="1427971" cy="231438"/>
+            <a:chOff x="2293457" y="3760898"/>
+            <a:chExt cx="1427971" cy="231438"/>
+          </a:xfrm>
+        </p:grpSpPr>
+        <p:sp>
+          <p:nvSpPr>
+            <p:cNvPr id="137" name="Rectangle 136"/>
+            <p:cNvSpPr/>
+            <p:nvPr/>
+          </p:nvSpPr>
+          <p:spPr>
+            <a:xfrm>
+              <a:off x="2293457" y="3782924"/>
+              <a:ext cx="1414712" cy="209412"/>
+            </a:xfrm>
+            <a:prstGeom prst="rect">
+              <a:avLst/>
+            </a:prstGeom>
+            <a:solidFill>
+              <a:schemeClr val="bg1">
+                <a:lumMod val="85000"/>
+              </a:schemeClr>
+            </a:solidFill>
+            <a:ln>
+              <a:noFill/>
+            </a:ln>
+          </p:spPr>
+          <p:style>
+            <a:lnRef idx="2">
+              <a:schemeClr val="accent1">
+                <a:shade val="50000"/>
+              </a:schemeClr>
+            </a:lnRef>
+            <a:fillRef idx="1">
+              <a:schemeClr val="accent1"/>
+            </a:fillRef>
+            <a:effectRef idx="0">
+              <a:schemeClr val="accent1"/>
+            </a:effectRef>
+            <a:fontRef idx="minor">
+              <a:schemeClr val="lt1"/>
+            </a:fontRef>
+          </p:style>
+          <p:txBody>
+            <a:bodyPr rtlCol="0" anchor="ctr"/>
+            <a:lstStyle/>
+            <a:p>
+              <a:pPr algn="ctr"/>
+              <a:endParaRPr lang="en-US"/>
+            </a:p>
+          </p:txBody>
+        </p:sp>
+        <p:sp>
+          <p:nvSpPr>
+            <p:cNvPr id="138" name="TextBox 137"/>
+            <p:cNvSpPr txBox="1"/>
+            <p:nvPr/>
+          </p:nvSpPr>
+          <p:spPr>
+            <a:xfrm>
+              <a:off x="2314469" y="3782924"/>
+              <a:ext cx="190350" cy="113165"/>
+            </a:xfrm>
+            <a:prstGeom prst="rect">
+              <a:avLst/>
+            </a:prstGeom>
+            <a:noFill/>
+          </p:spPr>
+          <p:txBody>
+            <a:bodyPr wrap="none" rtlCol="0">
+              <a:spAutoFit/>
+            </a:bodyPr>
+            <a:lstStyle/>
+            <a:p>
+              <a:r>
+                <a:rPr lang="en-US" sz="800" dirty="0" smtClean="0"/>
+                <a:t>a[</a:t>
+              </a:r>
+              <a:r>
+                <a:rPr lang="en-US" sz="800" dirty="0" err="1" smtClean="0"/>
+                <a:t>i</a:t>
+              </a:r>
+              <a:r>
+                <a:rPr lang="en-US" sz="800" dirty="0" smtClean="0"/>
+                <a:t>]</a:t>
+              </a:r>
+              <a:endParaRPr lang="en-US" sz="800" dirty="0"/>
+            </a:p>
+          </p:txBody>
+        </p:sp>
+        <p:sp>
+          <p:nvSpPr>
+            <p:cNvPr id="139" name="TextBox 138"/>
+            <p:cNvSpPr txBox="1"/>
+            <p:nvPr/>
+          </p:nvSpPr>
+          <p:spPr>
+            <a:xfrm>
+              <a:off x="2603211" y="3782924"/>
+              <a:ext cx="250899" cy="113165"/>
+            </a:xfrm>
+            <a:prstGeom prst="rect">
+              <a:avLst/>
+            </a:prstGeom>
+            <a:noFill/>
+          </p:spPr>
+          <p:txBody>
+            <a:bodyPr wrap="none" rtlCol="0">
+              <a:spAutoFit/>
+            </a:bodyPr>
+            <a:lstStyle/>
+            <a:p>
+              <a:r>
+                <a:rPr lang="en-US" sz="800" dirty="0" smtClean="0"/>
+                <a:t>a[i+1]</a:t>
+              </a:r>
+              <a:endParaRPr lang="en-US" sz="800" dirty="0"/>
+            </a:p>
+          </p:txBody>
+        </p:sp>
+        <p:sp>
+          <p:nvSpPr>
+            <p:cNvPr id="140" name="TextBox 139"/>
+            <p:cNvSpPr txBox="1"/>
+            <p:nvPr/>
+          </p:nvSpPr>
+          <p:spPr>
+            <a:xfrm>
+              <a:off x="3324743" y="3782924"/>
+              <a:ext cx="250899" cy="113165"/>
+            </a:xfrm>
+            <a:prstGeom prst="rect">
+              <a:avLst/>
+            </a:prstGeom>
+            <a:noFill/>
+          </p:spPr>
+          <p:txBody>
+            <a:bodyPr wrap="none" rtlCol="0">
+              <a:spAutoFit/>
+            </a:bodyPr>
+            <a:lstStyle/>
+            <a:p>
+              <a:r>
+                <a:rPr lang="en-US" sz="800" dirty="0" smtClean="0"/>
+                <a:t>a[i+7]</a:t>
+              </a:r>
+              <a:endParaRPr lang="en-US" sz="800" dirty="0"/>
+            </a:p>
+          </p:txBody>
+        </p:sp>
+        <p:cxnSp>
+          <p:nvCxnSpPr>
+            <p:cNvPr id="141" name="Straight Connector 140"/>
+            <p:cNvCxnSpPr/>
+            <p:nvPr/>
+          </p:nvCxnSpPr>
+          <p:spPr>
+            <a:xfrm>
+              <a:off x="2314239" y="3777466"/>
+              <a:ext cx="0" cy="193998"/>
+            </a:xfrm>
+            <a:prstGeom prst="line">
+              <a:avLst/>
+            </a:prstGeom>
+            <a:ln w="19050">
+              <a:solidFill>
+                <a:schemeClr val="tx1"/>
+              </a:solidFill>
+            </a:ln>
+          </p:spPr>
+          <p:style>
+            <a:lnRef idx="1">
+              <a:schemeClr val="accent1"/>
+            </a:lnRef>
+            <a:fillRef idx="0">
+              <a:schemeClr val="accent1"/>
+            </a:fillRef>
+            <a:effectRef idx="0">
+              <a:schemeClr val="accent1"/>
+            </a:effectRef>
+            <a:fontRef idx="minor">
+              <a:schemeClr val="tx1"/>
+            </a:fontRef>
+          </p:style>
+        </p:cxnSp>
+        <p:cxnSp>
+          <p:nvCxnSpPr>
+            <p:cNvPr id="142" name="Straight Connector 141"/>
+            <p:cNvCxnSpPr/>
+            <p:nvPr/>
+          </p:nvCxnSpPr>
+          <p:spPr>
+            <a:xfrm>
+              <a:off x="2645709" y="3776889"/>
+              <a:ext cx="0" cy="193998"/>
+            </a:xfrm>
+            <a:prstGeom prst="line">
+              <a:avLst/>
+            </a:prstGeom>
+            <a:ln w="19050">
+              <a:solidFill>
+                <a:schemeClr val="tx1"/>
+              </a:solidFill>
+            </a:ln>
+          </p:spPr>
+          <p:style>
+            <a:lnRef idx="1">
+              <a:schemeClr val="accent1"/>
+            </a:lnRef>
+            <a:fillRef idx="0">
+              <a:schemeClr val="accent1"/>
+            </a:fillRef>
+            <a:effectRef idx="0">
+              <a:schemeClr val="accent1"/>
+            </a:effectRef>
+            <a:fontRef idx="minor">
+              <a:schemeClr val="tx1"/>
+            </a:fontRef>
+          </p:style>
+        </p:cxnSp>
+        <p:cxnSp>
+          <p:nvCxnSpPr>
+            <p:cNvPr id="143" name="Straight Connector 142"/>
+            <p:cNvCxnSpPr/>
+            <p:nvPr/>
+          </p:nvCxnSpPr>
+          <p:spPr>
+            <a:xfrm>
+              <a:off x="2985696" y="3776889"/>
+              <a:ext cx="0" cy="193998"/>
+            </a:xfrm>
+            <a:prstGeom prst="line">
+              <a:avLst/>
+            </a:prstGeom>
+            <a:ln w="19050">
+              <a:solidFill>
+                <a:schemeClr val="tx1"/>
+              </a:solidFill>
+            </a:ln>
+          </p:spPr>
+          <p:style>
+            <a:lnRef idx="1">
+              <a:schemeClr val="accent1"/>
+            </a:lnRef>
+            <a:fillRef idx="0">
+              <a:schemeClr val="accent1"/>
+            </a:fillRef>
+            <a:effectRef idx="0">
+              <a:schemeClr val="accent1"/>
+            </a:effectRef>
+            <a:fontRef idx="minor">
+              <a:schemeClr val="tx1"/>
+            </a:fontRef>
+          </p:style>
+        </p:cxnSp>
+        <p:cxnSp>
+          <p:nvCxnSpPr>
+            <p:cNvPr id="144" name="Straight Connector 143"/>
+            <p:cNvCxnSpPr/>
+            <p:nvPr/>
+          </p:nvCxnSpPr>
+          <p:spPr>
+            <a:xfrm>
+              <a:off x="3362049" y="3776889"/>
+              <a:ext cx="0" cy="193998"/>
+            </a:xfrm>
+            <a:prstGeom prst="line">
+              <a:avLst/>
+            </a:prstGeom>
+            <a:ln w="19050">
+              <a:solidFill>
+                <a:schemeClr val="tx1"/>
+              </a:solidFill>
+            </a:ln>
+          </p:spPr>
+          <p:style>
+            <a:lnRef idx="1">
+              <a:schemeClr val="accent1"/>
+            </a:lnRef>
+            <a:fillRef idx="0">
+              <a:schemeClr val="accent1"/>
+            </a:fillRef>
+            <a:effectRef idx="0">
+              <a:schemeClr val="accent1"/>
+            </a:effectRef>
+            <a:fontRef idx="minor">
+              <a:schemeClr val="tx1"/>
+            </a:fontRef>
+          </p:style>
+        </p:cxnSp>
+        <p:cxnSp>
+          <p:nvCxnSpPr>
+            <p:cNvPr id="145" name="Straight Connector 144"/>
+            <p:cNvCxnSpPr/>
+            <p:nvPr/>
+          </p:nvCxnSpPr>
+          <p:spPr>
+            <a:xfrm>
+              <a:off x="3708168" y="3776889"/>
+              <a:ext cx="0" cy="193998"/>
+            </a:xfrm>
+            <a:prstGeom prst="line">
+              <a:avLst/>
+            </a:prstGeom>
+            <a:ln w="19050">
+              <a:solidFill>
+                <a:schemeClr val="tx1"/>
+              </a:solidFill>
+            </a:ln>
+          </p:spPr>
+          <p:style>
+            <a:lnRef idx="1">
+              <a:schemeClr val="accent1"/>
+            </a:lnRef>
+            <a:fillRef idx="0">
+              <a:schemeClr val="accent1"/>
+            </a:fillRef>
+            <a:effectRef idx="0">
+              <a:schemeClr val="accent1"/>
+            </a:effectRef>
+            <a:fontRef idx="minor">
+              <a:schemeClr val="tx1"/>
+            </a:fontRef>
+          </p:style>
+        </p:cxnSp>
+        <p:sp>
+          <p:nvSpPr>
+            <p:cNvPr id="146" name="TextBox 145"/>
+            <p:cNvSpPr txBox="1"/>
+            <p:nvPr/>
+          </p:nvSpPr>
+          <p:spPr>
+            <a:xfrm>
+              <a:off x="3080535" y="3760898"/>
+              <a:ext cx="150615" cy="113165"/>
+            </a:xfrm>
+            <a:prstGeom prst="rect">
+              <a:avLst/>
+            </a:prstGeom>
+            <a:noFill/>
+          </p:spPr>
+          <p:txBody>
+            <a:bodyPr wrap="none" rtlCol="0">
+              <a:spAutoFit/>
+            </a:bodyPr>
+            <a:lstStyle/>
+            <a:p>
+              <a:r>
+                <a:rPr lang="en-US" sz="800" dirty="0" smtClean="0"/>
+                <a:t>…</a:t>
+              </a:r>
+              <a:endParaRPr lang="en-US" sz="800" dirty="0"/>
+            </a:p>
+          </p:txBody>
+        </p:sp>
+        <p:cxnSp>
+          <p:nvCxnSpPr>
+            <p:cNvPr id="147" name="Straight Connector 146"/>
+            <p:cNvCxnSpPr/>
+            <p:nvPr/>
+          </p:nvCxnSpPr>
+          <p:spPr>
+            <a:xfrm>
+              <a:off x="2303848" y="3977392"/>
+              <a:ext cx="1402504" cy="0"/>
+            </a:xfrm>
+            <a:prstGeom prst="line">
+              <a:avLst/>
+            </a:prstGeom>
+            <a:ln w="19050">
+              <a:solidFill>
+                <a:schemeClr val="tx1"/>
+              </a:solidFill>
+            </a:ln>
+          </p:spPr>
+          <p:style>
+            <a:lnRef idx="1">
+              <a:schemeClr val="accent1"/>
+            </a:lnRef>
+            <a:fillRef idx="0">
+              <a:schemeClr val="accent1"/>
+            </a:fillRef>
+            <a:effectRef idx="0">
+              <a:schemeClr val="accent1"/>
+            </a:effectRef>
+            <a:fontRef idx="minor">
+              <a:schemeClr val="tx1"/>
+            </a:fontRef>
+          </p:style>
+        </p:cxnSp>
+        <p:cxnSp>
+          <p:nvCxnSpPr>
+            <p:cNvPr id="148" name="Straight Connector 147"/>
+            <p:cNvCxnSpPr/>
+            <p:nvPr/>
+          </p:nvCxnSpPr>
+          <p:spPr>
+            <a:xfrm>
+              <a:off x="2318924" y="3775916"/>
+              <a:ext cx="1402504" cy="0"/>
+            </a:xfrm>
+            <a:prstGeom prst="line">
+              <a:avLst/>
+            </a:prstGeom>
+            <a:ln w="19050">
+              <a:solidFill>
+                <a:schemeClr val="tx1"/>
+              </a:solidFill>
+            </a:ln>
+          </p:spPr>
+          <p:style>
+            <a:lnRef idx="1">
+              <a:schemeClr val="accent1"/>
+            </a:lnRef>
+            <a:fillRef idx="0">
+              <a:schemeClr val="accent1"/>
+            </a:fillRef>
+            <a:effectRef idx="0">
+              <a:schemeClr val="accent1"/>
+            </a:effectRef>
+            <a:fontRef idx="minor">
+              <a:schemeClr val="tx1"/>
+            </a:fontRef>
+          </p:style>
+        </p:cxnSp>
+      </p:grpSp>
+      <p:sp>
+        <p:nvSpPr>
+          <p:cNvPr id="161" name="Rectangle 160"/>
+          <p:cNvSpPr/>
+          <p:nvPr/>
+        </p:nvSpPr>
+        <p:spPr>
+          <a:xfrm>
+            <a:off x="611560" y="4797152"/>
+            <a:ext cx="8352928" cy="1559198"/>
+          </a:xfrm>
+          <a:prstGeom prst="rect">
+            <a:avLst/>
+          </a:prstGeom>
+          <a:noFill/>
+        </p:spPr>
+        <p:style>
+          <a:lnRef idx="2">
+            <a:schemeClr val="accent1">
+              <a:shade val="50000"/>
+            </a:schemeClr>
+          </a:lnRef>
+          <a:fillRef idx="1">
+            <a:schemeClr val="accent1"/>
+          </a:fillRef>
+          <a:effectRef idx="0">
+            <a:schemeClr val="accent1"/>
+          </a:effectRef>
+          <a:fontRef idx="minor">
+            <a:schemeClr val="lt1"/>
+          </a:fontRef>
+        </p:style>
+        <p:txBody>
+          <a:bodyPr rtlCol="0" anchor="ctr"/>
+          <a:lstStyle/>
+          <a:p>
+            <a:pPr algn="ctr"/>
+            <a:endParaRPr lang="en-US"/>
+          </a:p>
+        </p:txBody>
+      </p:sp>
+      <p:sp>
+        <p:nvSpPr>
+          <p:cNvPr id="162" name="TextBox 161"/>
+          <p:cNvSpPr txBox="1"/>
+          <p:nvPr/>
+        </p:nvSpPr>
+        <p:spPr>
+          <a:xfrm>
+            <a:off x="6462283" y="1782295"/>
+            <a:ext cx="2119234" cy="707886"/>
+          </a:xfrm>
+          <a:prstGeom prst="rect">
+            <a:avLst/>
+          </a:prstGeom>
+          <a:noFill/>
+          <a:ln>
+            <a:solidFill>
+              <a:schemeClr val="tx1"/>
+            </a:solidFill>
+          </a:ln>
+        </p:spPr>
+        <p:txBody>
+          <a:bodyPr wrap="none" rtlCol="0">
+            <a:spAutoFit/>
+          </a:bodyPr>
+          <a:lstStyle/>
+          <a:p>
+            <a:r>
+              <a:rPr lang="en-US" sz="2000" dirty="0" smtClean="0"/>
+              <a:t>cache consistency:</a:t>
+            </a:r>
+          </a:p>
+          <a:p>
+            <a:r>
+              <a:rPr lang="en-US" sz="2000" dirty="0" smtClean="0"/>
+              <a:t>MESI protocol</a:t>
+            </a:r>
+            <a:endParaRPr lang="en-US" sz="2000" dirty="0"/>
+          </a:p>
+        </p:txBody>
+      </p:sp>
+      <p:sp>
+        <p:nvSpPr>
+          <p:cNvPr id="163" name="TextBox 162"/>
+          <p:cNvSpPr txBox="1"/>
+          <p:nvPr/>
+        </p:nvSpPr>
+        <p:spPr>
+          <a:xfrm>
+            <a:off x="4828013" y="5745866"/>
+            <a:ext cx="1069367" cy="369332"/>
+          </a:xfrm>
+          <a:prstGeom prst="rect">
+            <a:avLst/>
+          </a:prstGeom>
+          <a:solidFill>
+            <a:schemeClr val="bg1"/>
+          </a:solidFill>
+          <a:ln>
+            <a:solidFill>
+              <a:schemeClr val="tx1"/>
+            </a:solidFill>
+          </a:ln>
+        </p:spPr>
+        <p:txBody>
+          <a:bodyPr wrap="square" rtlCol="0">
+            <a:spAutoFit/>
+          </a:bodyPr>
+          <a:lstStyle/>
+          <a:p>
+            <a:r>
+              <a:rPr lang="en-US" dirty="0" smtClean="0"/>
+              <a:t>exclusive</a:t>
+            </a:r>
+            <a:endParaRPr lang="en-US" dirty="0"/>
+          </a:p>
+        </p:txBody>
+      </p:sp>
+      <p:sp>
+        <p:nvSpPr>
+          <p:cNvPr id="164" name="TextBox 163"/>
+          <p:cNvSpPr txBox="1"/>
+          <p:nvPr/>
+        </p:nvSpPr>
+        <p:spPr>
+          <a:xfrm>
+            <a:off x="4822069" y="5738379"/>
+            <a:ext cx="1085324" cy="369332"/>
+          </a:xfrm>
+          <a:prstGeom prst="rect">
+            <a:avLst/>
+          </a:prstGeom>
+          <a:solidFill>
+            <a:schemeClr val="bg1"/>
+          </a:solidFill>
+          <a:ln>
+            <a:solidFill>
+              <a:schemeClr val="tx1"/>
+            </a:solidFill>
+          </a:ln>
+        </p:spPr>
+        <p:txBody>
+          <a:bodyPr wrap="square" rtlCol="0">
+            <a:spAutoFit/>
+          </a:bodyPr>
+          <a:lstStyle/>
+          <a:p>
+            <a:r>
+              <a:rPr lang="en-US" dirty="0" smtClean="0"/>
+              <a:t>shared</a:t>
+            </a:r>
+            <a:endParaRPr lang="en-US" dirty="0"/>
+          </a:p>
+        </p:txBody>
+      </p:sp>
+      <p:sp>
+        <p:nvSpPr>
+          <p:cNvPr id="165" name="TextBox 164"/>
+          <p:cNvSpPr txBox="1"/>
+          <p:nvPr/>
+        </p:nvSpPr>
+        <p:spPr>
+          <a:xfrm>
+            <a:off x="4824008" y="5736767"/>
+            <a:ext cx="1073372" cy="369332"/>
+          </a:xfrm>
+          <a:prstGeom prst="rect">
+            <a:avLst/>
+          </a:prstGeom>
+          <a:solidFill>
+            <a:schemeClr val="bg1"/>
+          </a:solidFill>
+          <a:ln>
+            <a:solidFill>
+              <a:schemeClr val="tx1"/>
+            </a:solidFill>
+          </a:ln>
+        </p:spPr>
+        <p:txBody>
+          <a:bodyPr wrap="square" rtlCol="0">
+            <a:spAutoFit/>
+          </a:bodyPr>
+          <a:lstStyle/>
+          <a:p>
+            <a:r>
+              <a:rPr lang="en-US" dirty="0" smtClean="0"/>
+              <a:t>modified</a:t>
+            </a:r>
+            <a:endParaRPr lang="en-US" dirty="0"/>
+          </a:p>
+        </p:txBody>
+      </p:sp>
+      <p:sp>
+        <p:nvSpPr>
+          <p:cNvPr id="166" name="Rounded Rectangle 165"/>
+          <p:cNvSpPr/>
+          <p:nvPr/>
+        </p:nvSpPr>
+        <p:spPr>
+          <a:xfrm>
+            <a:off x="1560315" y="2437631"/>
+            <a:ext cx="284143" cy="216024"/>
+          </a:xfrm>
+          <a:prstGeom prst="roundRect">
+            <a:avLst/>
+          </a:prstGeom>
+          <a:solidFill>
+            <a:srgbClr val="00B050">
+              <a:alpha val="29000"/>
+            </a:srgbClr>
+          </a:solidFill>
+          <a:ln>
+            <a:solidFill>
+              <a:srgbClr val="00B050"/>
+            </a:solidFill>
+          </a:ln>
+        </p:spPr>
+        <p:style>
+          <a:lnRef idx="2">
+            <a:schemeClr val="accent1">
+              <a:shade val="50000"/>
+            </a:schemeClr>
+          </a:lnRef>
+          <a:fillRef idx="1">
+            <a:schemeClr val="accent1"/>
+          </a:fillRef>
+          <a:effectRef idx="0">
+            <a:schemeClr val="accent1"/>
+          </a:effectRef>
+          <a:fontRef idx="minor">
+            <a:schemeClr val="lt1"/>
+          </a:fontRef>
+        </p:style>
+        <p:txBody>
+          <a:bodyPr rtlCol="0" anchor="ctr"/>
+          <a:lstStyle/>
+          <a:p>
+            <a:pPr algn="ctr"/>
+            <a:endParaRPr lang="en-US"/>
+          </a:p>
+        </p:txBody>
+      </p:sp>
+      <p:sp>
+        <p:nvSpPr>
+          <p:cNvPr id="167" name="Rounded Rectangle 166"/>
+          <p:cNvSpPr/>
+          <p:nvPr/>
+        </p:nvSpPr>
+        <p:spPr>
+          <a:xfrm>
+            <a:off x="3990541" y="5212982"/>
+            <a:ext cx="284143" cy="216024"/>
+          </a:xfrm>
+          <a:prstGeom prst="roundRect">
+            <a:avLst/>
+          </a:prstGeom>
+          <a:solidFill>
+            <a:srgbClr val="00B050">
+              <a:alpha val="29000"/>
+            </a:srgbClr>
+          </a:solidFill>
+          <a:ln>
+            <a:solidFill>
+              <a:srgbClr val="00B050"/>
+            </a:solidFill>
+          </a:ln>
+        </p:spPr>
+        <p:style>
+          <a:lnRef idx="2">
+            <a:schemeClr val="accent1">
+              <a:shade val="50000"/>
+            </a:schemeClr>
+          </a:lnRef>
+          <a:fillRef idx="1">
+            <a:schemeClr val="accent1"/>
+          </a:fillRef>
+          <a:effectRef idx="0">
+            <a:schemeClr val="accent1"/>
+          </a:effectRef>
+          <a:fontRef idx="minor">
+            <a:schemeClr val="lt1"/>
+          </a:fontRef>
+        </p:style>
+        <p:txBody>
+          <a:bodyPr rtlCol="0" anchor="ctr"/>
+          <a:lstStyle/>
+          <a:p>
+            <a:pPr algn="ctr"/>
+            <a:endParaRPr lang="en-US"/>
+          </a:p>
+        </p:txBody>
+      </p:sp>
+      <p:sp>
+        <p:nvSpPr>
+          <p:cNvPr id="168" name="Rounded Rectangle 167"/>
+          <p:cNvSpPr/>
+          <p:nvPr/>
+        </p:nvSpPr>
+        <p:spPr>
+          <a:xfrm>
+            <a:off x="5060118" y="5223995"/>
+            <a:ext cx="284143" cy="216024"/>
+          </a:xfrm>
+          <a:prstGeom prst="roundRect">
+            <a:avLst/>
+          </a:prstGeom>
+          <a:solidFill>
+            <a:srgbClr val="00B050">
+              <a:alpha val="29000"/>
+            </a:srgbClr>
+          </a:solidFill>
+          <a:ln>
+            <a:solidFill>
+              <a:srgbClr val="00B050"/>
+            </a:solidFill>
+          </a:ln>
+        </p:spPr>
+        <p:style>
+          <a:lnRef idx="2">
+            <a:schemeClr val="accent1">
+              <a:shade val="50000"/>
+            </a:schemeClr>
+          </a:lnRef>
+          <a:fillRef idx="1">
+            <a:schemeClr val="accent1"/>
+          </a:fillRef>
+          <a:effectRef idx="0">
+            <a:schemeClr val="accent1"/>
+          </a:effectRef>
+          <a:fontRef idx="minor">
+            <a:schemeClr val="lt1"/>
+          </a:fontRef>
+        </p:style>
+        <p:txBody>
+          <a:bodyPr rtlCol="0" anchor="ctr"/>
+          <a:lstStyle/>
+          <a:p>
+            <a:pPr algn="ctr"/>
+            <a:endParaRPr lang="en-US"/>
+          </a:p>
+        </p:txBody>
+      </p:sp>
+      <p:sp>
+        <p:nvSpPr>
+          <p:cNvPr id="169" name="Rounded Rectangle 168"/>
+          <p:cNvSpPr/>
+          <p:nvPr/>
+        </p:nvSpPr>
+        <p:spPr>
+          <a:xfrm>
+            <a:off x="5138886" y="2426260"/>
+            <a:ext cx="284143" cy="216024"/>
+          </a:xfrm>
+          <a:prstGeom prst="roundRect">
+            <a:avLst/>
+          </a:prstGeom>
+          <a:solidFill>
+            <a:srgbClr val="00B050">
+              <a:alpha val="29000"/>
+            </a:srgbClr>
+          </a:solidFill>
+          <a:ln>
+            <a:solidFill>
+              <a:srgbClr val="00B050"/>
+            </a:solidFill>
+          </a:ln>
+        </p:spPr>
+        <p:style>
+          <a:lnRef idx="2">
+            <a:schemeClr val="accent1">
+              <a:shade val="50000"/>
+            </a:schemeClr>
+          </a:lnRef>
+          <a:fillRef idx="1">
+            <a:schemeClr val="accent1"/>
+          </a:fillRef>
+          <a:effectRef idx="0">
+            <a:schemeClr val="accent1"/>
+          </a:effectRef>
+          <a:fontRef idx="minor">
+            <a:schemeClr val="lt1"/>
+          </a:fontRef>
+        </p:style>
+        <p:txBody>
+          <a:bodyPr rtlCol="0" anchor="ctr"/>
+          <a:lstStyle/>
+          <a:p>
+            <a:pPr algn="ctr"/>
+            <a:endParaRPr lang="en-US"/>
+          </a:p>
+        </p:txBody>
+      </p:sp>
+      <p:sp>
+        <p:nvSpPr>
+          <p:cNvPr id="171" name="Rounded Rectangle 170"/>
+          <p:cNvSpPr/>
+          <p:nvPr/>
+        </p:nvSpPr>
+        <p:spPr>
+          <a:xfrm>
+            <a:off x="1554839" y="2431238"/>
+            <a:ext cx="284143" cy="216024"/>
+          </a:xfrm>
+          <a:prstGeom prst="roundRect">
+            <a:avLst/>
+          </a:prstGeom>
+          <a:solidFill>
+            <a:srgbClr val="FF0000">
+              <a:alpha val="29000"/>
+            </a:srgbClr>
+          </a:solidFill>
+          <a:ln>
+            <a:solidFill>
+              <a:srgbClr val="FF0000"/>
+            </a:solidFill>
+          </a:ln>
+        </p:spPr>
+        <p:style>
+          <a:lnRef idx="2">
+            <a:schemeClr val="accent1">
+              <a:shade val="50000"/>
+            </a:schemeClr>
+          </a:lnRef>
+          <a:fillRef idx="1">
+            <a:schemeClr val="accent1"/>
+          </a:fillRef>
+          <a:effectRef idx="0">
+            <a:schemeClr val="accent1"/>
+          </a:effectRef>
+          <a:fontRef idx="minor">
+            <a:schemeClr val="lt1"/>
+          </a:fontRef>
+        </p:style>
+        <p:txBody>
+          <a:bodyPr rtlCol="0" anchor="ctr"/>
+          <a:lstStyle/>
+          <a:p>
+            <a:pPr algn="ctr"/>
+            <a:endParaRPr lang="en-US"/>
+          </a:p>
+        </p:txBody>
+      </p:sp>
+      <p:sp>
+        <p:nvSpPr>
+          <p:cNvPr id="172" name="Rounded Rectangle 171"/>
+          <p:cNvSpPr/>
+          <p:nvPr/>
+        </p:nvSpPr>
+        <p:spPr>
+          <a:xfrm>
+            <a:off x="3977195" y="5219676"/>
+            <a:ext cx="284143" cy="216024"/>
+          </a:xfrm>
+          <a:prstGeom prst="roundRect">
+            <a:avLst/>
+          </a:prstGeom>
+          <a:solidFill>
+            <a:srgbClr val="FF0000">
+              <a:alpha val="29000"/>
+            </a:srgbClr>
+          </a:solidFill>
+          <a:ln>
+            <a:solidFill>
+              <a:srgbClr val="FF0000"/>
+            </a:solidFill>
+          </a:ln>
+        </p:spPr>
+        <p:style>
+          <a:lnRef idx="2">
+            <a:schemeClr val="accent1">
+              <a:shade val="50000"/>
+            </a:schemeClr>
+          </a:lnRef>
+          <a:fillRef idx="1">
+            <a:schemeClr val="accent1"/>
+          </a:fillRef>
+          <a:effectRef idx="0">
+            <a:schemeClr val="accent1"/>
+          </a:effectRef>
+          <a:fontRef idx="minor">
+            <a:schemeClr val="lt1"/>
+          </a:fontRef>
+        </p:style>
+        <p:txBody>
+          <a:bodyPr rtlCol="0" anchor="ctr"/>
+          <a:lstStyle/>
+          <a:p>
+            <a:pPr algn="ctr"/>
+            <a:endParaRPr lang="en-US"/>
+          </a:p>
+        </p:txBody>
+      </p:sp>
+      <p:grpSp>
+        <p:nvGrpSpPr>
+          <p:cNvPr id="174" name="Group 173"/>
+          <p:cNvGrpSpPr/>
+          <p:nvPr/>
+        </p:nvGrpSpPr>
+        <p:grpSpPr>
+          <a:xfrm>
+            <a:off x="5367652" y="2564904"/>
+            <a:ext cx="647058" cy="757699"/>
+            <a:chOff x="5367652" y="2564904"/>
+            <a:chExt cx="647058" cy="757699"/>
+          </a:xfrm>
+        </p:grpSpPr>
+        <p:sp>
+          <p:nvSpPr>
+            <p:cNvPr id="170" name="TextBox 169"/>
+            <p:cNvSpPr txBox="1"/>
+            <p:nvPr/>
+          </p:nvSpPr>
+          <p:spPr>
+            <a:xfrm>
+              <a:off x="5371017" y="3045604"/>
+              <a:ext cx="643693" cy="276999"/>
+            </a:xfrm>
+            <a:prstGeom prst="rect">
+              <a:avLst/>
+            </a:prstGeom>
+            <a:solidFill>
+              <a:schemeClr val="bg1"/>
+            </a:solidFill>
+            <a:ln>
+              <a:solidFill>
+                <a:schemeClr val="tx1"/>
+              </a:solidFill>
+            </a:ln>
+          </p:spPr>
+          <p:txBody>
+            <a:bodyPr wrap="square" rtlCol="0">
+              <a:spAutoFit/>
+            </a:bodyPr>
+            <a:lstStyle/>
+            <a:p>
+              <a:r>
+                <a:rPr lang="en-US" sz="1200" dirty="0" smtClean="0"/>
+                <a:t>invalid</a:t>
+              </a:r>
+              <a:endParaRPr lang="en-US" sz="1200" dirty="0"/>
+            </a:p>
+          </p:txBody>
+        </p:sp>
+        <p:sp>
+          <p:nvSpPr>
+            <p:cNvPr id="173" name="TextBox 172"/>
+            <p:cNvSpPr txBox="1"/>
+            <p:nvPr/>
+          </p:nvSpPr>
+          <p:spPr>
+            <a:xfrm>
+              <a:off x="5367652" y="2564904"/>
+              <a:ext cx="643693" cy="276999"/>
+            </a:xfrm>
+            <a:prstGeom prst="rect">
+              <a:avLst/>
+            </a:prstGeom>
+            <a:solidFill>
+              <a:schemeClr val="bg1"/>
+            </a:solidFill>
+            <a:ln>
+              <a:solidFill>
+                <a:schemeClr val="tx1"/>
+              </a:solidFill>
+            </a:ln>
+          </p:spPr>
+          <p:txBody>
+            <a:bodyPr wrap="square" rtlCol="0">
+              <a:spAutoFit/>
+            </a:bodyPr>
+            <a:lstStyle/>
+            <a:p>
+              <a:r>
+                <a:rPr lang="en-US" sz="1200" dirty="0" smtClean="0"/>
+                <a:t>invalid</a:t>
+              </a:r>
+              <a:endParaRPr lang="en-US" sz="1200" dirty="0"/>
+            </a:p>
+          </p:txBody>
+        </p:sp>
+      </p:grpSp>
     </p:spTree>
     <p:extLst>
       <p:ext uri="{BB962C8B-B14F-4D97-AF65-F5344CB8AC3E}">
-        <p14:creationId xmlns:p14="http://schemas.microsoft.com/office/powerpoint/2010/main" val="2653023660"/>
+        <p14:creationId xmlns:p14="http://schemas.microsoft.com/office/powerpoint/2010/main" val="985196691"/>
       </p:ext>
     </p:extLst>
   </p:cSld>
@@ -30221,9 +34152,709 @@
   <p:timing>
     <p:tnLst>
       <p:par>
-        <p:cTn id="1" dur="indefinite" restart="never" nodeType="tmRoot"/>
+        <p:cTn id="1" dur="indefinite" restart="never" nodeType="tmRoot">
+          <p:childTnLst>
+            <p:seq concurrent="1" nextAc="seek">
+              <p:cTn id="2" dur="indefinite" nodeType="mainSeq">
+                <p:childTnLst>
+                  <p:par>
+                    <p:cTn id="3" fill="hold">
+                      <p:stCondLst>
+                        <p:cond delay="indefinite"/>
+                      </p:stCondLst>
+                      <p:childTnLst>
+                        <p:par>
+                          <p:cTn id="4" fill="hold">
+                            <p:stCondLst>
+                              <p:cond delay="0"/>
+                            </p:stCondLst>
+                            <p:childTnLst>
+                              <p:par>
+                                <p:cTn id="5" presetID="1" presetClass="entr" presetSubtype="0" fill="hold" grpId="0" nodeType="clickEffect">
+                                  <p:stCondLst>
+                                    <p:cond delay="0"/>
+                                  </p:stCondLst>
+                                  <p:childTnLst>
+                                    <p:set>
+                                      <p:cBhvr>
+                                        <p:cTn id="6" dur="1" fill="hold">
+                                          <p:stCondLst>
+                                            <p:cond delay="0"/>
+                                          </p:stCondLst>
+                                        </p:cTn>
+                                        <p:tgtEl>
+                                          <p:spTgt spid="167"/>
+                                        </p:tgtEl>
+                                        <p:attrNameLst>
+                                          <p:attrName>style.visibility</p:attrName>
+                                        </p:attrNameLst>
+                                      </p:cBhvr>
+                                      <p:to>
+                                        <p:strVal val="visible"/>
+                                      </p:to>
+                                    </p:set>
+                                  </p:childTnLst>
+                                </p:cTn>
+                              </p:par>
+                            </p:childTnLst>
+                          </p:cTn>
+                        </p:par>
+                      </p:childTnLst>
+                    </p:cTn>
+                  </p:par>
+                  <p:par>
+                    <p:cTn id="7" fill="hold">
+                      <p:stCondLst>
+                        <p:cond delay="indefinite"/>
+                      </p:stCondLst>
+                      <p:childTnLst>
+                        <p:par>
+                          <p:cTn id="8" fill="hold">
+                            <p:stCondLst>
+                              <p:cond delay="0"/>
+                            </p:stCondLst>
+                            <p:childTnLst>
+                              <p:par>
+                                <p:cTn id="9" presetID="1" presetClass="entr" presetSubtype="0" fill="hold" nodeType="clickEffect">
+                                  <p:stCondLst>
+                                    <p:cond delay="0"/>
+                                  </p:stCondLst>
+                                  <p:childTnLst>
+                                    <p:set>
+                                      <p:cBhvr>
+                                        <p:cTn id="10" dur="1" fill="hold">
+                                          <p:stCondLst>
+                                            <p:cond delay="0"/>
+                                          </p:stCondLst>
+                                        </p:cTn>
+                                        <p:tgtEl>
+                                          <p:spTgt spid="24"/>
+                                        </p:tgtEl>
+                                        <p:attrNameLst>
+                                          <p:attrName>style.visibility</p:attrName>
+                                        </p:attrNameLst>
+                                      </p:cBhvr>
+                                      <p:to>
+                                        <p:strVal val="visible"/>
+                                      </p:to>
+                                    </p:set>
+                                  </p:childTnLst>
+                                </p:cTn>
+                              </p:par>
+                            </p:childTnLst>
+                          </p:cTn>
+                        </p:par>
+                      </p:childTnLst>
+                    </p:cTn>
+                  </p:par>
+                  <p:par>
+                    <p:cTn id="11" fill="hold">
+                      <p:stCondLst>
+                        <p:cond delay="indefinite"/>
+                      </p:stCondLst>
+                      <p:childTnLst>
+                        <p:par>
+                          <p:cTn id="12" fill="hold">
+                            <p:stCondLst>
+                              <p:cond delay="0"/>
+                            </p:stCondLst>
+                            <p:childTnLst>
+                              <p:par>
+                                <p:cTn id="13" presetID="1" presetClass="entr" presetSubtype="0" fill="hold" nodeType="clickEffect">
+                                  <p:stCondLst>
+                                    <p:cond delay="0"/>
+                                  </p:stCondLst>
+                                  <p:childTnLst>
+                                    <p:set>
+                                      <p:cBhvr>
+                                        <p:cTn id="14" dur="1" fill="hold">
+                                          <p:stCondLst>
+                                            <p:cond delay="0"/>
+                                          </p:stCondLst>
+                                        </p:cTn>
+                                        <p:tgtEl>
+                                          <p:spTgt spid="115"/>
+                                        </p:tgtEl>
+                                        <p:attrNameLst>
+                                          <p:attrName>style.visibility</p:attrName>
+                                        </p:attrNameLst>
+                                      </p:cBhvr>
+                                      <p:to>
+                                        <p:strVal val="visible"/>
+                                      </p:to>
+                                    </p:set>
+                                  </p:childTnLst>
+                                </p:cTn>
+                              </p:par>
+                            </p:childTnLst>
+                          </p:cTn>
+                        </p:par>
+                      </p:childTnLst>
+                    </p:cTn>
+                  </p:par>
+                  <p:par>
+                    <p:cTn id="15" fill="hold">
+                      <p:stCondLst>
+                        <p:cond delay="indefinite"/>
+                      </p:stCondLst>
+                      <p:childTnLst>
+                        <p:par>
+                          <p:cTn id="16" fill="hold">
+                            <p:stCondLst>
+                              <p:cond delay="0"/>
+                            </p:stCondLst>
+                            <p:childTnLst>
+                              <p:par>
+                                <p:cTn id="17" presetID="1" presetClass="entr" presetSubtype="0" fill="hold" nodeType="clickEffect">
+                                  <p:stCondLst>
+                                    <p:cond delay="0"/>
+                                  </p:stCondLst>
+                                  <p:childTnLst>
+                                    <p:set>
+                                      <p:cBhvr>
+                                        <p:cTn id="18" dur="1" fill="hold">
+                                          <p:stCondLst>
+                                            <p:cond delay="0"/>
+                                          </p:stCondLst>
+                                        </p:cTn>
+                                        <p:tgtEl>
+                                          <p:spTgt spid="67"/>
+                                        </p:tgtEl>
+                                        <p:attrNameLst>
+                                          <p:attrName>style.visibility</p:attrName>
+                                        </p:attrNameLst>
+                                      </p:cBhvr>
+                                      <p:to>
+                                        <p:strVal val="visible"/>
+                                      </p:to>
+                                    </p:set>
+                                  </p:childTnLst>
+                                </p:cTn>
+                              </p:par>
+                            </p:childTnLst>
+                          </p:cTn>
+                        </p:par>
+                      </p:childTnLst>
+                    </p:cTn>
+                  </p:par>
+                  <p:par>
+                    <p:cTn id="19" fill="hold">
+                      <p:stCondLst>
+                        <p:cond delay="indefinite"/>
+                      </p:stCondLst>
+                      <p:childTnLst>
+                        <p:par>
+                          <p:cTn id="20" fill="hold">
+                            <p:stCondLst>
+                              <p:cond delay="0"/>
+                            </p:stCondLst>
+                            <p:childTnLst>
+                              <p:par>
+                                <p:cTn id="21" presetID="1" presetClass="entr" presetSubtype="0" fill="hold" nodeType="clickEffect">
+                                  <p:stCondLst>
+                                    <p:cond delay="0"/>
+                                  </p:stCondLst>
+                                  <p:childTnLst>
+                                    <p:set>
+                                      <p:cBhvr>
+                                        <p:cTn id="22" dur="1" fill="hold">
+                                          <p:stCondLst>
+                                            <p:cond delay="0"/>
+                                          </p:stCondLst>
+                                        </p:cTn>
+                                        <p:tgtEl>
+                                          <p:spTgt spid="64"/>
+                                        </p:tgtEl>
+                                        <p:attrNameLst>
+                                          <p:attrName>style.visibility</p:attrName>
+                                        </p:attrNameLst>
+                                      </p:cBhvr>
+                                      <p:to>
+                                        <p:strVal val="visible"/>
+                                      </p:to>
+                                    </p:set>
+                                  </p:childTnLst>
+                                </p:cTn>
+                              </p:par>
+                              <p:par>
+                                <p:cTn id="23" presetID="1" presetClass="entr" presetSubtype="0" fill="hold" grpId="0" nodeType="withEffect">
+                                  <p:stCondLst>
+                                    <p:cond delay="0"/>
+                                  </p:stCondLst>
+                                  <p:childTnLst>
+                                    <p:set>
+                                      <p:cBhvr>
+                                        <p:cTn id="24" dur="1" fill="hold">
+                                          <p:stCondLst>
+                                            <p:cond delay="0"/>
+                                          </p:stCondLst>
+                                        </p:cTn>
+                                        <p:tgtEl>
+                                          <p:spTgt spid="166"/>
+                                        </p:tgtEl>
+                                        <p:attrNameLst>
+                                          <p:attrName>style.visibility</p:attrName>
+                                        </p:attrNameLst>
+                                      </p:cBhvr>
+                                      <p:to>
+                                        <p:strVal val="visible"/>
+                                      </p:to>
+                                    </p:set>
+                                  </p:childTnLst>
+                                </p:cTn>
+                              </p:par>
+                            </p:childTnLst>
+                          </p:cTn>
+                        </p:par>
+                      </p:childTnLst>
+                    </p:cTn>
+                  </p:par>
+                  <p:par>
+                    <p:cTn id="25" fill="hold">
+                      <p:stCondLst>
+                        <p:cond delay="indefinite"/>
+                      </p:stCondLst>
+                      <p:childTnLst>
+                        <p:par>
+                          <p:cTn id="26" fill="hold">
+                            <p:stCondLst>
+                              <p:cond delay="0"/>
+                            </p:stCondLst>
+                            <p:childTnLst>
+                              <p:par>
+                                <p:cTn id="27" presetID="1" presetClass="entr" presetSubtype="0" fill="hold" grpId="0" nodeType="clickEffect">
+                                  <p:stCondLst>
+                                    <p:cond delay="0"/>
+                                  </p:stCondLst>
+                                  <p:childTnLst>
+                                    <p:set>
+                                      <p:cBhvr>
+                                        <p:cTn id="28" dur="1" fill="hold">
+                                          <p:stCondLst>
+                                            <p:cond delay="0"/>
+                                          </p:stCondLst>
+                                        </p:cTn>
+                                        <p:tgtEl>
+                                          <p:spTgt spid="163"/>
+                                        </p:tgtEl>
+                                        <p:attrNameLst>
+                                          <p:attrName>style.visibility</p:attrName>
+                                        </p:attrNameLst>
+                                      </p:cBhvr>
+                                      <p:to>
+                                        <p:strVal val="visible"/>
+                                      </p:to>
+                                    </p:set>
+                                  </p:childTnLst>
+                                </p:cTn>
+                              </p:par>
+                            </p:childTnLst>
+                          </p:cTn>
+                        </p:par>
+                      </p:childTnLst>
+                    </p:cTn>
+                  </p:par>
+                  <p:par>
+                    <p:cTn id="29" fill="hold">
+                      <p:stCondLst>
+                        <p:cond delay="indefinite"/>
+                      </p:stCondLst>
+                      <p:childTnLst>
+                        <p:par>
+                          <p:cTn id="30" fill="hold">
+                            <p:stCondLst>
+                              <p:cond delay="0"/>
+                            </p:stCondLst>
+                            <p:childTnLst>
+                              <p:par>
+                                <p:cTn id="31" presetID="1" presetClass="entr" presetSubtype="0" fill="hold" grpId="0" nodeType="clickEffect">
+                                  <p:stCondLst>
+                                    <p:cond delay="0"/>
+                                  </p:stCondLst>
+                                  <p:childTnLst>
+                                    <p:set>
+                                      <p:cBhvr>
+                                        <p:cTn id="32" dur="1" fill="hold">
+                                          <p:stCondLst>
+                                            <p:cond delay="0"/>
+                                          </p:stCondLst>
+                                        </p:cTn>
+                                        <p:tgtEl>
+                                          <p:spTgt spid="168"/>
+                                        </p:tgtEl>
+                                        <p:attrNameLst>
+                                          <p:attrName>style.visibility</p:attrName>
+                                        </p:attrNameLst>
+                                      </p:cBhvr>
+                                      <p:to>
+                                        <p:strVal val="visible"/>
+                                      </p:to>
+                                    </p:set>
+                                  </p:childTnLst>
+                                </p:cTn>
+                              </p:par>
+                            </p:childTnLst>
+                          </p:cTn>
+                        </p:par>
+                      </p:childTnLst>
+                    </p:cTn>
+                  </p:par>
+                  <p:par>
+                    <p:cTn id="33" fill="hold">
+                      <p:stCondLst>
+                        <p:cond delay="indefinite"/>
+                      </p:stCondLst>
+                      <p:childTnLst>
+                        <p:par>
+                          <p:cTn id="34" fill="hold">
+                            <p:stCondLst>
+                              <p:cond delay="0"/>
+                            </p:stCondLst>
+                            <p:childTnLst>
+                              <p:par>
+                                <p:cTn id="35" presetID="1" presetClass="entr" presetSubtype="0" fill="hold" nodeType="clickEffect">
+                                  <p:stCondLst>
+                                    <p:cond delay="0"/>
+                                  </p:stCondLst>
+                                  <p:childTnLst>
+                                    <p:set>
+                                      <p:cBhvr>
+                                        <p:cTn id="36" dur="1" fill="hold">
+                                          <p:stCondLst>
+                                            <p:cond delay="0"/>
+                                          </p:stCondLst>
+                                        </p:cTn>
+                                        <p:tgtEl>
+                                          <p:spTgt spid="136"/>
+                                        </p:tgtEl>
+                                        <p:attrNameLst>
+                                          <p:attrName>style.visibility</p:attrName>
+                                        </p:attrNameLst>
+                                      </p:cBhvr>
+                                      <p:to>
+                                        <p:strVal val="visible"/>
+                                      </p:to>
+                                    </p:set>
+                                  </p:childTnLst>
+                                </p:cTn>
+                              </p:par>
+                            </p:childTnLst>
+                          </p:cTn>
+                        </p:par>
+                      </p:childTnLst>
+                    </p:cTn>
+                  </p:par>
+                  <p:par>
+                    <p:cTn id="37" fill="hold">
+                      <p:stCondLst>
+                        <p:cond delay="indefinite"/>
+                      </p:stCondLst>
+                      <p:childTnLst>
+                        <p:par>
+                          <p:cTn id="38" fill="hold">
+                            <p:stCondLst>
+                              <p:cond delay="0"/>
+                            </p:stCondLst>
+                            <p:childTnLst>
+                              <p:par>
+                                <p:cTn id="39" presetID="1" presetClass="entr" presetSubtype="0" fill="hold" nodeType="clickEffect">
+                                  <p:stCondLst>
+                                    <p:cond delay="0"/>
+                                  </p:stCondLst>
+                                  <p:childTnLst>
+                                    <p:set>
+                                      <p:cBhvr>
+                                        <p:cTn id="40" dur="1" fill="hold">
+                                          <p:stCondLst>
+                                            <p:cond delay="0"/>
+                                          </p:stCondLst>
+                                        </p:cTn>
+                                        <p:tgtEl>
+                                          <p:spTgt spid="133"/>
+                                        </p:tgtEl>
+                                        <p:attrNameLst>
+                                          <p:attrName>style.visibility</p:attrName>
+                                        </p:attrNameLst>
+                                      </p:cBhvr>
+                                      <p:to>
+                                        <p:strVal val="visible"/>
+                                      </p:to>
+                                    </p:set>
+                                  </p:childTnLst>
+                                </p:cTn>
+                              </p:par>
+                              <p:par>
+                                <p:cTn id="41" presetID="1" presetClass="entr" presetSubtype="0" fill="hold" grpId="0" nodeType="withEffect">
+                                  <p:stCondLst>
+                                    <p:cond delay="0"/>
+                                  </p:stCondLst>
+                                  <p:childTnLst>
+                                    <p:set>
+                                      <p:cBhvr>
+                                        <p:cTn id="42" dur="1" fill="hold">
+                                          <p:stCondLst>
+                                            <p:cond delay="0"/>
+                                          </p:stCondLst>
+                                        </p:cTn>
+                                        <p:tgtEl>
+                                          <p:spTgt spid="169"/>
+                                        </p:tgtEl>
+                                        <p:attrNameLst>
+                                          <p:attrName>style.visibility</p:attrName>
+                                        </p:attrNameLst>
+                                      </p:cBhvr>
+                                      <p:to>
+                                        <p:strVal val="visible"/>
+                                      </p:to>
+                                    </p:set>
+                                  </p:childTnLst>
+                                </p:cTn>
+                              </p:par>
+                            </p:childTnLst>
+                          </p:cTn>
+                        </p:par>
+                      </p:childTnLst>
+                    </p:cTn>
+                  </p:par>
+                  <p:par>
+                    <p:cTn id="43" fill="hold">
+                      <p:stCondLst>
+                        <p:cond delay="indefinite"/>
+                      </p:stCondLst>
+                      <p:childTnLst>
+                        <p:par>
+                          <p:cTn id="44" fill="hold">
+                            <p:stCondLst>
+                              <p:cond delay="0"/>
+                            </p:stCondLst>
+                            <p:childTnLst>
+                              <p:par>
+                                <p:cTn id="45" presetID="1" presetClass="entr" presetSubtype="0" fill="hold" grpId="0" nodeType="clickEffect">
+                                  <p:stCondLst>
+                                    <p:cond delay="0"/>
+                                  </p:stCondLst>
+                                  <p:childTnLst>
+                                    <p:set>
+                                      <p:cBhvr>
+                                        <p:cTn id="46" dur="1" fill="hold">
+                                          <p:stCondLst>
+                                            <p:cond delay="0"/>
+                                          </p:stCondLst>
+                                        </p:cTn>
+                                        <p:tgtEl>
+                                          <p:spTgt spid="164"/>
+                                        </p:tgtEl>
+                                        <p:attrNameLst>
+                                          <p:attrName>style.visibility</p:attrName>
+                                        </p:attrNameLst>
+                                      </p:cBhvr>
+                                      <p:to>
+                                        <p:strVal val="visible"/>
+                                      </p:to>
+                                    </p:set>
+                                  </p:childTnLst>
+                                </p:cTn>
+                              </p:par>
+                            </p:childTnLst>
+                          </p:cTn>
+                        </p:par>
+                      </p:childTnLst>
+                    </p:cTn>
+                  </p:par>
+                  <p:par>
+                    <p:cTn id="47" fill="hold">
+                      <p:stCondLst>
+                        <p:cond delay="indefinite"/>
+                      </p:stCondLst>
+                      <p:childTnLst>
+                        <p:par>
+                          <p:cTn id="48" fill="hold">
+                            <p:stCondLst>
+                              <p:cond delay="0"/>
+                            </p:stCondLst>
+                            <p:childTnLst>
+                              <p:par>
+                                <p:cTn id="49" presetID="1" presetClass="entr" presetSubtype="0" fill="hold" grpId="0" nodeType="clickEffect">
+                                  <p:stCondLst>
+                                    <p:cond delay="0"/>
+                                  </p:stCondLst>
+                                  <p:childTnLst>
+                                    <p:set>
+                                      <p:cBhvr>
+                                        <p:cTn id="50" dur="1" fill="hold">
+                                          <p:stCondLst>
+                                            <p:cond delay="0"/>
+                                          </p:stCondLst>
+                                        </p:cTn>
+                                        <p:tgtEl>
+                                          <p:spTgt spid="171"/>
+                                        </p:tgtEl>
+                                        <p:attrNameLst>
+                                          <p:attrName>style.visibility</p:attrName>
+                                        </p:attrNameLst>
+                                      </p:cBhvr>
+                                      <p:to>
+                                        <p:strVal val="visible"/>
+                                      </p:to>
+                                    </p:set>
+                                  </p:childTnLst>
+                                </p:cTn>
+                              </p:par>
+                            </p:childTnLst>
+                          </p:cTn>
+                        </p:par>
+                      </p:childTnLst>
+                    </p:cTn>
+                  </p:par>
+                  <p:par>
+                    <p:cTn id="51" fill="hold">
+                      <p:stCondLst>
+                        <p:cond delay="indefinite"/>
+                      </p:stCondLst>
+                      <p:childTnLst>
+                        <p:par>
+                          <p:cTn id="52" fill="hold">
+                            <p:stCondLst>
+                              <p:cond delay="0"/>
+                            </p:stCondLst>
+                            <p:childTnLst>
+                              <p:par>
+                                <p:cTn id="53" presetID="1" presetClass="entr" presetSubtype="0" fill="hold" grpId="0" nodeType="clickEffect">
+                                  <p:stCondLst>
+                                    <p:cond delay="0"/>
+                                  </p:stCondLst>
+                                  <p:childTnLst>
+                                    <p:set>
+                                      <p:cBhvr>
+                                        <p:cTn id="54" dur="1" fill="hold">
+                                          <p:stCondLst>
+                                            <p:cond delay="0"/>
+                                          </p:stCondLst>
+                                        </p:cTn>
+                                        <p:tgtEl>
+                                          <p:spTgt spid="172"/>
+                                        </p:tgtEl>
+                                        <p:attrNameLst>
+                                          <p:attrName>style.visibility</p:attrName>
+                                        </p:attrNameLst>
+                                      </p:cBhvr>
+                                      <p:to>
+                                        <p:strVal val="visible"/>
+                                      </p:to>
+                                    </p:set>
+                                  </p:childTnLst>
+                                </p:cTn>
+                              </p:par>
+                              <p:par>
+                                <p:cTn id="55" presetID="1" presetClass="entr" presetSubtype="0" fill="hold" grpId="0" nodeType="withEffect">
+                                  <p:stCondLst>
+                                    <p:cond delay="0"/>
+                                  </p:stCondLst>
+                                  <p:childTnLst>
+                                    <p:set>
+                                      <p:cBhvr>
+                                        <p:cTn id="56" dur="1" fill="hold">
+                                          <p:stCondLst>
+                                            <p:cond delay="0"/>
+                                          </p:stCondLst>
+                                        </p:cTn>
+                                        <p:tgtEl>
+                                          <p:spTgt spid="165"/>
+                                        </p:tgtEl>
+                                        <p:attrNameLst>
+                                          <p:attrName>style.visibility</p:attrName>
+                                        </p:attrNameLst>
+                                      </p:cBhvr>
+                                      <p:to>
+                                        <p:strVal val="visible"/>
+                                      </p:to>
+                                    </p:set>
+                                  </p:childTnLst>
+                                </p:cTn>
+                              </p:par>
+                            </p:childTnLst>
+                          </p:cTn>
+                        </p:par>
+                      </p:childTnLst>
+                    </p:cTn>
+                  </p:par>
+                  <p:par>
+                    <p:cTn id="57" fill="hold">
+                      <p:stCondLst>
+                        <p:cond delay="indefinite"/>
+                      </p:stCondLst>
+                      <p:childTnLst>
+                        <p:par>
+                          <p:cTn id="58" fill="hold">
+                            <p:stCondLst>
+                              <p:cond delay="0"/>
+                            </p:stCondLst>
+                            <p:childTnLst>
+                              <p:par>
+                                <p:cTn id="59" presetID="1" presetClass="entr" presetSubtype="0" fill="hold" nodeType="clickEffect">
+                                  <p:stCondLst>
+                                    <p:cond delay="0"/>
+                                  </p:stCondLst>
+                                  <p:childTnLst>
+                                    <p:set>
+                                      <p:cBhvr>
+                                        <p:cTn id="60" dur="1" fill="hold">
+                                          <p:stCondLst>
+                                            <p:cond delay="0"/>
+                                          </p:stCondLst>
+                                        </p:cTn>
+                                        <p:tgtEl>
+                                          <p:spTgt spid="174"/>
+                                        </p:tgtEl>
+                                        <p:attrNameLst>
+                                          <p:attrName>style.visibility</p:attrName>
+                                        </p:attrNameLst>
+                                      </p:cBhvr>
+                                      <p:to>
+                                        <p:strVal val="visible"/>
+                                      </p:to>
+                                    </p:set>
+                                  </p:childTnLst>
+                                </p:cTn>
+                              </p:par>
+                            </p:childTnLst>
+                          </p:cTn>
+                        </p:par>
+                      </p:childTnLst>
+                    </p:cTn>
+                  </p:par>
+                </p:childTnLst>
+              </p:cTn>
+              <p:prevCondLst>
+                <p:cond evt="onPrev" delay="0">
+                  <p:tgtEl>
+                    <p:sldTgt/>
+                  </p:tgtEl>
+                </p:cond>
+              </p:prevCondLst>
+              <p:nextCondLst>
+                <p:cond evt="onNext" delay="0">
+                  <p:tgtEl>
+                    <p:sldTgt/>
+                  </p:tgtEl>
+                </p:cond>
+              </p:nextCondLst>
+            </p:seq>
+          </p:childTnLst>
+        </p:cTn>
       </p:par>
     </p:tnLst>
+    <p:bldLst>
+      <p:bldP spid="163" grpId="0" animBg="1"/>
+      <p:bldP spid="164" grpId="0" animBg="1"/>
+      <p:bldP spid="165" grpId="0" animBg="1"/>
+      <p:bldP spid="166" grpId="0" animBg="1"/>
+      <p:bldP spid="167" grpId="0" animBg="1"/>
+      <p:bldP spid="168" grpId="0" animBg="1"/>
+      <p:bldP spid="169" grpId="0" animBg="1"/>
+      <p:bldP spid="171" grpId="0" animBg="1"/>
+      <p:bldP spid="172" grpId="0" animBg="1"/>
+    </p:bldLst>
   </p:timing>
 </p:sld>
 </file>
@@ -30262,28 +34893,126 @@
           <a:p>
             <a:r>
               <a:rPr lang="en-US" dirty="0" smtClean="0"/>
-              <a:t>Appendix</a:t>
-            </a:r>
-            <a:endParaRPr lang="nl-BE" dirty="0"/>
+              <a:t>B</a:t>
+            </a:r>
+            <a:r>
+              <a:rPr lang="en-US" dirty="0" smtClean="0"/>
+              <a:t>ad news </a:t>
+